--- a/Presentation1.pptx
+++ b/Presentation1.pptx
@@ -8,15 +8,16 @@
     <p:sldId id="256" r:id="rId2"/>
     <p:sldId id="257" r:id="rId3"/>
     <p:sldId id="258" r:id="rId4"/>
-    <p:sldId id="259" r:id="rId5"/>
-    <p:sldId id="260" r:id="rId6"/>
-    <p:sldId id="261" r:id="rId7"/>
-    <p:sldId id="262" r:id="rId8"/>
-    <p:sldId id="263" r:id="rId9"/>
-    <p:sldId id="264" r:id="rId10"/>
-    <p:sldId id="265" r:id="rId11"/>
-    <p:sldId id="266" r:id="rId12"/>
-    <p:sldId id="267" r:id="rId13"/>
+    <p:sldId id="268" r:id="rId5"/>
+    <p:sldId id="259" r:id="rId6"/>
+    <p:sldId id="260" r:id="rId7"/>
+    <p:sldId id="261" r:id="rId8"/>
+    <p:sldId id="262" r:id="rId9"/>
+    <p:sldId id="263" r:id="rId10"/>
+    <p:sldId id="264" r:id="rId11"/>
+    <p:sldId id="265" r:id="rId12"/>
+    <p:sldId id="266" r:id="rId13"/>
+    <p:sldId id="267" r:id="rId14"/>
   </p:sldIdLst>
   <p:sldSz cx="12192000" cy="6858000"/>
   <p:notesSz cx="6858000" cy="9144000"/>
@@ -128,12 +129,12 @@
   <pc:docChgLst>
     <pc:chgData name="Chonthicha Phuangfueang" userId="055aefd292e5fda0" providerId="LiveId" clId="{5B5F8411-1399-4D8D-B27F-31C85245C7D4}"/>
     <pc:docChg chg="undo custSel addSld delSld modSld sldOrd modMainMaster">
-      <pc:chgData name="Chonthicha Phuangfueang" userId="055aefd292e5fda0" providerId="LiveId" clId="{5B5F8411-1399-4D8D-B27F-31C85245C7D4}" dt="2023-03-28T08:10:07.978" v="2179" actId="478"/>
+      <pc:chgData name="Chonthicha Phuangfueang" userId="055aefd292e5fda0" providerId="LiveId" clId="{5B5F8411-1399-4D8D-B27F-31C85245C7D4}" dt="2023-03-28T17:29:11.908" v="5229" actId="1038"/>
       <pc:docMkLst>
         <pc:docMk/>
       </pc:docMkLst>
       <pc:sldChg chg="addSp delSp modSp mod modAnim">
-        <pc:chgData name="Chonthicha Phuangfueang" userId="055aefd292e5fda0" providerId="LiveId" clId="{5B5F8411-1399-4D8D-B27F-31C85245C7D4}" dt="2023-03-28T05:01:04.582" v="1083" actId="20577"/>
+        <pc:chgData name="Chonthicha Phuangfueang" userId="055aefd292e5fda0" providerId="LiveId" clId="{5B5F8411-1399-4D8D-B27F-31C85245C7D4}" dt="2023-03-28T17:05:20.224" v="5048" actId="962"/>
         <pc:sldMkLst>
           <pc:docMk/>
           <pc:sldMk cId="3617516183" sldId="256"/>
@@ -290,6 +291,14 @@
             <ac:spMk id="22" creationId="{353B688F-5CBF-CCC9-0EBE-4E905BCA0812}"/>
           </ac:spMkLst>
         </pc:spChg>
+        <pc:picChg chg="mod ord replST">
+          <ac:chgData name="Chonthicha Phuangfueang" userId="055aefd292e5fda0" providerId="LiveId" clId="{5B5F8411-1399-4D8D-B27F-31C85245C7D4}" dt="2023-03-28T17:05:20.224" v="5048" actId="962"/>
+          <ac:picMkLst>
+            <pc:docMk/>
+            <pc:sldMk cId="3617516183" sldId="256"/>
+            <ac:picMk id="3" creationId="{E766DC07-4F70-A9EA-3CC1-9A4344DE8A3B}"/>
+          </ac:picMkLst>
+        </pc:picChg>
         <pc:picChg chg="del mod ord replST">
           <ac:chgData name="Chonthicha Phuangfueang" userId="055aefd292e5fda0" providerId="LiveId" clId="{5B5F8411-1399-4D8D-B27F-31C85245C7D4}" dt="2023-03-27T07:55:22.955" v="679" actId="478"/>
           <ac:picMkLst>
@@ -378,8 +387,8 @@
             <ac:picMk id="21" creationId="{A33C7CA0-660E-F5FF-B18B-53120747E69A}"/>
           </ac:picMkLst>
         </pc:picChg>
-        <pc:picChg chg="add mod">
-          <ac:chgData name="Chonthicha Phuangfueang" userId="055aefd292e5fda0" providerId="LiveId" clId="{5B5F8411-1399-4D8D-B27F-31C85245C7D4}" dt="2023-03-27T08:36:11.968" v="1046" actId="14100"/>
+        <pc:picChg chg="add del mod">
+          <ac:chgData name="Chonthicha Phuangfueang" userId="055aefd292e5fda0" providerId="LiveId" clId="{5B5F8411-1399-4D8D-B27F-31C85245C7D4}" dt="2023-03-28T17:05:20.223" v="5046" actId="478"/>
           <ac:picMkLst>
             <pc:docMk/>
             <pc:sldMk cId="3617516183" sldId="256"/>
@@ -412,7 +421,7 @@
         </pc:picChg>
       </pc:sldChg>
       <pc:sldChg chg="addSp delSp modSp new add del mod ord">
-        <pc:chgData name="Chonthicha Phuangfueang" userId="055aefd292e5fda0" providerId="LiveId" clId="{5B5F8411-1399-4D8D-B27F-31C85245C7D4}" dt="2023-03-28T08:10:07.978" v="2179" actId="478"/>
+        <pc:chgData name="Chonthicha Phuangfueang" userId="055aefd292e5fda0" providerId="LiveId" clId="{5B5F8411-1399-4D8D-B27F-31C85245C7D4}" dt="2023-03-28T12:04:12.708" v="2232" actId="20577"/>
         <pc:sldMkLst>
           <pc:docMk/>
           <pc:sldMk cId="1407271775" sldId="257"/>
@@ -434,7 +443,7 @@
           </ac:spMkLst>
         </pc:spChg>
         <pc:spChg chg="add mod">
-          <ac:chgData name="Chonthicha Phuangfueang" userId="055aefd292e5fda0" providerId="LiveId" clId="{5B5F8411-1399-4D8D-B27F-31C85245C7D4}" dt="2023-03-28T08:09:28.208" v="2153" actId="1076"/>
+          <ac:chgData name="Chonthicha Phuangfueang" userId="055aefd292e5fda0" providerId="LiveId" clId="{5B5F8411-1399-4D8D-B27F-31C85245C7D4}" dt="2023-03-28T12:04:12.708" v="2232" actId="20577"/>
           <ac:spMkLst>
             <pc:docMk/>
             <pc:sldMk cId="1407271775" sldId="257"/>
@@ -465,6 +474,14 @@
             <ac:picMk id="4" creationId="{618965E2-5784-BD2B-D248-A261E6E4E211}"/>
           </ac:picMkLst>
         </pc:picChg>
+        <pc:picChg chg="mod ord replST">
+          <ac:chgData name="Chonthicha Phuangfueang" userId="055aefd292e5fda0" providerId="LiveId" clId="{5B5F8411-1399-4D8D-B27F-31C85245C7D4}" dt="2023-03-28T12:02:27.761" v="2217" actId="962"/>
+          <ac:picMkLst>
+            <pc:docMk/>
+            <pc:sldMk cId="1407271775" sldId="257"/>
+            <ac:picMk id="4" creationId="{BC76488C-4E54-9BE7-58D0-F3D0B410B7E9}"/>
+          </ac:picMkLst>
+        </pc:picChg>
         <pc:picChg chg="del mod ord replST">
           <ac:chgData name="Chonthicha Phuangfueang" userId="055aefd292e5fda0" providerId="LiveId" clId="{5B5F8411-1399-4D8D-B27F-31C85245C7D4}" dt="2023-03-28T07:58:18.397" v="1813" actId="478"/>
           <ac:picMkLst>
@@ -505,8 +522,8 @@
             <ac:picMk id="13" creationId="{84064293-B9DB-E118-76EF-11640BCD1E30}"/>
           </ac:picMkLst>
         </pc:picChg>
-        <pc:picChg chg="add mod">
-          <ac:chgData name="Chonthicha Phuangfueang" userId="055aefd292e5fda0" providerId="LiveId" clId="{5B5F8411-1399-4D8D-B27F-31C85245C7D4}" dt="2023-03-28T08:09:14.003" v="2149" actId="1038"/>
+        <pc:picChg chg="add del mod">
+          <ac:chgData name="Chonthicha Phuangfueang" userId="055aefd292e5fda0" providerId="LiveId" clId="{5B5F8411-1399-4D8D-B27F-31C85245C7D4}" dt="2023-03-28T12:02:27.758" v="2215" actId="478"/>
           <ac:picMkLst>
             <pc:docMk/>
             <pc:sldMk cId="1407271775" sldId="257"/>
@@ -563,13 +580,13 @@
         </pc:picChg>
       </pc:sldChg>
       <pc:sldChg chg="addSp delSp modSp new mod">
-        <pc:chgData name="Chonthicha Phuangfueang" userId="055aefd292e5fda0" providerId="LiveId" clId="{5B5F8411-1399-4D8D-B27F-31C85245C7D4}" dt="2023-03-28T08:09:44.874" v="2175" actId="14100"/>
+        <pc:chgData name="Chonthicha Phuangfueang" userId="055aefd292e5fda0" providerId="LiveId" clId="{5B5F8411-1399-4D8D-B27F-31C85245C7D4}" dt="2023-03-28T16:06:46.201" v="4523" actId="962"/>
         <pc:sldMkLst>
           <pc:docMk/>
           <pc:sldMk cId="2058313795" sldId="258"/>
         </pc:sldMkLst>
         <pc:spChg chg="mod">
-          <ac:chgData name="Chonthicha Phuangfueang" userId="055aefd292e5fda0" providerId="LiveId" clId="{5B5F8411-1399-4D8D-B27F-31C85245C7D4}" dt="2023-03-26T08:39:56.003" v="534"/>
+          <ac:chgData name="Chonthicha Phuangfueang" userId="055aefd292e5fda0" providerId="LiveId" clId="{5B5F8411-1399-4D8D-B27F-31C85245C7D4}" dt="2023-03-28T15:51:51.443" v="4117"/>
           <ac:spMkLst>
             <pc:docMk/>
             <pc:sldMk cId="2058313795" sldId="258"/>
@@ -584,22 +601,342 @@
             <ac:spMk id="3" creationId="{D864FF08-7D90-7E1D-4FEC-FA7A050717EE}"/>
           </ac:spMkLst>
         </pc:spChg>
-        <pc:picChg chg="add mod">
-          <ac:chgData name="Chonthicha Phuangfueang" userId="055aefd292e5fda0" providerId="LiveId" clId="{5B5F8411-1399-4D8D-B27F-31C85245C7D4}" dt="2023-03-28T08:09:44.874" v="2175" actId="14100"/>
+        <pc:spChg chg="add del">
+          <ac:chgData name="Chonthicha Phuangfueang" userId="055aefd292e5fda0" providerId="LiveId" clId="{5B5F8411-1399-4D8D-B27F-31C85245C7D4}" dt="2023-03-28T12:49:05.260" v="2264" actId="478"/>
+          <ac:spMkLst>
+            <pc:docMk/>
+            <pc:sldMk cId="2058313795" sldId="258"/>
+            <ac:spMk id="5" creationId="{F2FCA2DC-E72B-A9C6-D4E1-27D19A4FBEEF}"/>
+          </ac:spMkLst>
+        </pc:spChg>
+        <pc:spChg chg="add del mod">
+          <ac:chgData name="Chonthicha Phuangfueang" userId="055aefd292e5fda0" providerId="LiveId" clId="{5B5F8411-1399-4D8D-B27F-31C85245C7D4}" dt="2023-03-28T15:56:11.890" v="4367" actId="478"/>
+          <ac:spMkLst>
+            <pc:docMk/>
+            <pc:sldMk cId="2058313795" sldId="258"/>
+            <ac:spMk id="60" creationId="{E52780CA-94B0-8519-D96B-EBB41F4DF320}"/>
+          </ac:spMkLst>
+        </pc:spChg>
+        <pc:picChg chg="add del mod">
+          <ac:chgData name="Chonthicha Phuangfueang" userId="055aefd292e5fda0" providerId="LiveId" clId="{5B5F8411-1399-4D8D-B27F-31C85245C7D4}" dt="2023-03-28T15:56:00.251" v="4364" actId="478"/>
           <ac:picMkLst>
             <pc:docMk/>
             <pc:sldMk cId="2058313795" sldId="258"/>
             <ac:picMk id="4" creationId="{EECB39D6-A81C-14EE-F062-3CD5AA19519D}"/>
           </ac:picMkLst>
         </pc:picChg>
+        <pc:picChg chg="add del mod">
+          <ac:chgData name="Chonthicha Phuangfueang" userId="055aefd292e5fda0" providerId="LiveId" clId="{5B5F8411-1399-4D8D-B27F-31C85245C7D4}" dt="2023-03-28T15:15:45.249" v="2821" actId="478"/>
+          <ac:picMkLst>
+            <pc:docMk/>
+            <pc:sldMk cId="2058313795" sldId="258"/>
+            <ac:picMk id="6" creationId="{6513AE23-5CB9-E9A3-88E2-18015826859B}"/>
+          </ac:picMkLst>
+        </pc:picChg>
+        <pc:picChg chg="mod ord replST">
+          <ac:chgData name="Chonthicha Phuangfueang" userId="055aefd292e5fda0" providerId="LiveId" clId="{5B5F8411-1399-4D8D-B27F-31C85245C7D4}" dt="2023-03-28T15:39:16.002" v="3613" actId="1035"/>
+          <ac:picMkLst>
+            <pc:docMk/>
+            <pc:sldMk cId="2058313795" sldId="258"/>
+            <ac:picMk id="8" creationId="{4F04EB86-B2AF-B1DB-FFC5-39800FF2B105}"/>
+          </ac:picMkLst>
+        </pc:picChg>
+        <pc:picChg chg="add del mod">
+          <ac:chgData name="Chonthicha Phuangfueang" userId="055aefd292e5fda0" providerId="LiveId" clId="{5B5F8411-1399-4D8D-B27F-31C85245C7D4}" dt="2023-03-28T15:16:44.945" v="2864" actId="478"/>
+          <ac:picMkLst>
+            <pc:docMk/>
+            <pc:sldMk cId="2058313795" sldId="258"/>
+            <ac:picMk id="9" creationId="{7824378B-6509-B1EE-58C7-DECCEBCEB24A}"/>
+          </ac:picMkLst>
+        </pc:picChg>
+        <pc:picChg chg="del mod ord replST">
+          <ac:chgData name="Chonthicha Phuangfueang" userId="055aefd292e5fda0" providerId="LiveId" clId="{5B5F8411-1399-4D8D-B27F-31C85245C7D4}" dt="2023-03-28T15:18:09.751" v="2892" actId="478"/>
+          <ac:picMkLst>
+            <pc:docMk/>
+            <pc:sldMk cId="2058313795" sldId="258"/>
+            <ac:picMk id="11" creationId="{01AE47CE-54E3-91FF-4182-C7B4D2A9C044}"/>
+          </ac:picMkLst>
+        </pc:picChg>
+        <pc:picChg chg="del mod ord replST">
+          <ac:chgData name="Chonthicha Phuangfueang" userId="055aefd292e5fda0" providerId="LiveId" clId="{5B5F8411-1399-4D8D-B27F-31C85245C7D4}" dt="2023-03-28T15:27:05.201" v="3153" actId="478"/>
+          <ac:picMkLst>
+            <pc:docMk/>
+            <pc:sldMk cId="2058313795" sldId="258"/>
+            <ac:picMk id="13" creationId="{FCB8FE85-BC59-8417-1085-CF254044D6E7}"/>
+          </ac:picMkLst>
+        </pc:picChg>
+        <pc:picChg chg="add del mod">
+          <ac:chgData name="Chonthicha Phuangfueang" userId="055aefd292e5fda0" providerId="LiveId" clId="{5B5F8411-1399-4D8D-B27F-31C85245C7D4}" dt="2023-03-28T15:21:11.422" v="3002" actId="478"/>
+          <ac:picMkLst>
+            <pc:docMk/>
+            <pc:sldMk cId="2058313795" sldId="258"/>
+            <ac:picMk id="14" creationId="{27EBC52E-5426-3850-3A51-2640423F17B9}"/>
+          </ac:picMkLst>
+        </pc:picChg>
+        <pc:picChg chg="del mod ord replST">
+          <ac:chgData name="Chonthicha Phuangfueang" userId="055aefd292e5fda0" providerId="LiveId" clId="{5B5F8411-1399-4D8D-B27F-31C85245C7D4}" dt="2023-03-28T15:21:48.156" v="3069" actId="478"/>
+          <ac:picMkLst>
+            <pc:docMk/>
+            <pc:sldMk cId="2058313795" sldId="258"/>
+            <ac:picMk id="16" creationId="{5A1384A5-A2F1-87A1-D696-6518EE6AFDA8}"/>
+          </ac:picMkLst>
+        </pc:picChg>
+        <pc:picChg chg="add mod">
+          <ac:chgData name="Chonthicha Phuangfueang" userId="055aefd292e5fda0" providerId="LiveId" clId="{5B5F8411-1399-4D8D-B27F-31C85245C7D4}" dt="2023-03-28T15:38:39.174" v="3532" actId="1035"/>
+          <ac:picMkLst>
+            <pc:docMk/>
+            <pc:sldMk cId="2058313795" sldId="258"/>
+            <ac:picMk id="17" creationId="{0BCAAB7E-3D2D-7B88-BDC9-7A671D75F607}"/>
+          </ac:picMkLst>
+        </pc:picChg>
+        <pc:picChg chg="mod ord replST">
+          <ac:chgData name="Chonthicha Phuangfueang" userId="055aefd292e5fda0" providerId="LiveId" clId="{5B5F8411-1399-4D8D-B27F-31C85245C7D4}" dt="2023-03-28T15:38:42.731" v="3544" actId="1035"/>
+          <ac:picMkLst>
+            <pc:docMk/>
+            <pc:sldMk cId="2058313795" sldId="258"/>
+            <ac:picMk id="19" creationId="{BCFBDD1F-A816-DCC1-6509-B9ECA07EEA17}"/>
+          </ac:picMkLst>
+        </pc:picChg>
+        <pc:picChg chg="mod ord replST">
+          <ac:chgData name="Chonthicha Phuangfueang" userId="055aefd292e5fda0" providerId="LiveId" clId="{5B5F8411-1399-4D8D-B27F-31C85245C7D4}" dt="2023-03-28T15:38:51.380" v="3567" actId="1035"/>
+          <ac:picMkLst>
+            <pc:docMk/>
+            <pc:sldMk cId="2058313795" sldId="258"/>
+            <ac:picMk id="21" creationId="{3F579485-CBC0-D42C-4935-062D69045477}"/>
+          </ac:picMkLst>
+        </pc:picChg>
+        <pc:picChg chg="add del mod">
+          <ac:chgData name="Chonthicha Phuangfueang" userId="055aefd292e5fda0" providerId="LiveId" clId="{5B5F8411-1399-4D8D-B27F-31C85245C7D4}" dt="2023-03-28T15:29:04.672" v="3185" actId="478"/>
+          <ac:picMkLst>
+            <pc:docMk/>
+            <pc:sldMk cId="2058313795" sldId="258"/>
+            <ac:picMk id="22" creationId="{8AC1DF5A-0D5A-E641-60D3-65306EE27D3C}"/>
+          </ac:picMkLst>
+        </pc:picChg>
+        <pc:picChg chg="mod ord replST">
+          <ac:chgData name="Chonthicha Phuangfueang" userId="055aefd292e5fda0" providerId="LiveId" clId="{5B5F8411-1399-4D8D-B27F-31C85245C7D4}" dt="2023-03-28T15:38:56.969" v="3586" actId="1035"/>
+          <ac:picMkLst>
+            <pc:docMk/>
+            <pc:sldMk cId="2058313795" sldId="258"/>
+            <ac:picMk id="24" creationId="{8BB58E6F-26D5-583E-362E-E5944B700C88}"/>
+          </ac:picMkLst>
+        </pc:picChg>
+        <pc:picChg chg="add del mod">
+          <ac:chgData name="Chonthicha Phuangfueang" userId="055aefd292e5fda0" providerId="LiveId" clId="{5B5F8411-1399-4D8D-B27F-31C85245C7D4}" dt="2023-03-28T15:37:26.395" v="3459" actId="478"/>
+          <ac:picMkLst>
+            <pc:docMk/>
+            <pc:sldMk cId="2058313795" sldId="258"/>
+            <ac:picMk id="25" creationId="{14A1A952-8206-7734-A9CB-B4E6AA080F6C}"/>
+          </ac:picMkLst>
+        </pc:picChg>
+        <pc:picChg chg="mod ord replST">
+          <ac:chgData name="Chonthicha Phuangfueang" userId="055aefd292e5fda0" providerId="LiveId" clId="{5B5F8411-1399-4D8D-B27F-31C85245C7D4}" dt="2023-03-28T15:56:47.572" v="4375" actId="1037"/>
+          <ac:picMkLst>
+            <pc:docMk/>
+            <pc:sldMk cId="2058313795" sldId="258"/>
+            <ac:picMk id="27" creationId="{75DEB2E7-C0B6-17AE-F078-D54E914763FF}"/>
+          </ac:picMkLst>
+        </pc:picChg>
+        <pc:picChg chg="add del mod">
+          <ac:chgData name="Chonthicha Phuangfueang" userId="055aefd292e5fda0" providerId="LiveId" clId="{5B5F8411-1399-4D8D-B27F-31C85245C7D4}" dt="2023-03-28T15:40:03.787" v="3679" actId="478"/>
+          <ac:picMkLst>
+            <pc:docMk/>
+            <pc:sldMk cId="2058313795" sldId="258"/>
+            <ac:picMk id="28" creationId="{1248B11D-359F-8B4F-3ABA-8699786311C6}"/>
+          </ac:picMkLst>
+        </pc:picChg>
+        <pc:picChg chg="mod ord replST">
+          <ac:chgData name="Chonthicha Phuangfueang" userId="055aefd292e5fda0" providerId="LiveId" clId="{5B5F8411-1399-4D8D-B27F-31C85245C7D4}" dt="2023-03-28T15:40:08.975" v="3689" actId="1037"/>
+          <ac:picMkLst>
+            <pc:docMk/>
+            <pc:sldMk cId="2058313795" sldId="258"/>
+            <ac:picMk id="30" creationId="{F1127548-1494-1034-7C26-6A64C2E95EF5}"/>
+          </ac:picMkLst>
+        </pc:picChg>
+        <pc:picChg chg="add del mod">
+          <ac:chgData name="Chonthicha Phuangfueang" userId="055aefd292e5fda0" providerId="LiveId" clId="{5B5F8411-1399-4D8D-B27F-31C85245C7D4}" dt="2023-03-28T15:41:08.042" v="3779" actId="478"/>
+          <ac:picMkLst>
+            <pc:docMk/>
+            <pc:sldMk cId="2058313795" sldId="258"/>
+            <ac:picMk id="31" creationId="{0E085E0A-805E-08BB-E83B-8ECD9DADC96D}"/>
+          </ac:picMkLst>
+        </pc:picChg>
+        <pc:picChg chg="mod ord replST">
+          <ac:chgData name="Chonthicha Phuangfueang" userId="055aefd292e5fda0" providerId="LiveId" clId="{5B5F8411-1399-4D8D-B27F-31C85245C7D4}" dt="2023-03-28T15:41:24.166" v="3806" actId="1037"/>
+          <ac:picMkLst>
+            <pc:docMk/>
+            <pc:sldMk cId="2058313795" sldId="258"/>
+            <ac:picMk id="33" creationId="{C25B2FE6-6B27-1FF5-B613-0893BEDE407F}"/>
+          </ac:picMkLst>
+        </pc:picChg>
+        <pc:picChg chg="add del mod">
+          <ac:chgData name="Chonthicha Phuangfueang" userId="055aefd292e5fda0" providerId="LiveId" clId="{5B5F8411-1399-4D8D-B27F-31C85245C7D4}" dt="2023-03-28T15:42:26.611" v="3855" actId="478"/>
+          <ac:picMkLst>
+            <pc:docMk/>
+            <pc:sldMk cId="2058313795" sldId="258"/>
+            <ac:picMk id="34" creationId="{73C5A9DD-C949-3219-E40A-7F7448BC6CF9}"/>
+          </ac:picMkLst>
+        </pc:picChg>
+        <pc:picChg chg="mod ord replST">
+          <ac:chgData name="Chonthicha Phuangfueang" userId="055aefd292e5fda0" providerId="LiveId" clId="{5B5F8411-1399-4D8D-B27F-31C85245C7D4}" dt="2023-03-28T15:42:26.613" v="3857" actId="962"/>
+          <ac:picMkLst>
+            <pc:docMk/>
+            <pc:sldMk cId="2058313795" sldId="258"/>
+            <ac:picMk id="36" creationId="{B372E3FE-733D-C220-746C-2BA805A51227}"/>
+          </ac:picMkLst>
+        </pc:picChg>
+        <pc:picChg chg="add del mod">
+          <ac:chgData name="Chonthicha Phuangfueang" userId="055aefd292e5fda0" providerId="LiveId" clId="{5B5F8411-1399-4D8D-B27F-31C85245C7D4}" dt="2023-03-28T15:43:10.096" v="3884" actId="478"/>
+          <ac:picMkLst>
+            <pc:docMk/>
+            <pc:sldMk cId="2058313795" sldId="258"/>
+            <ac:picMk id="37" creationId="{3B1D840D-3296-549D-AB6C-86BE789735EA}"/>
+          </ac:picMkLst>
+        </pc:picChg>
+        <pc:picChg chg="mod ord replST">
+          <ac:chgData name="Chonthicha Phuangfueang" userId="055aefd292e5fda0" providerId="LiveId" clId="{5B5F8411-1399-4D8D-B27F-31C85245C7D4}" dt="2023-03-28T15:43:30.623" v="3897" actId="1038"/>
+          <ac:picMkLst>
+            <pc:docMk/>
+            <pc:sldMk cId="2058313795" sldId="258"/>
+            <ac:picMk id="39" creationId="{5C97143E-EB73-2AE1-74EC-F3859F782D48}"/>
+          </ac:picMkLst>
+        </pc:picChg>
+        <pc:picChg chg="add del mod">
+          <ac:chgData name="Chonthicha Phuangfueang" userId="055aefd292e5fda0" providerId="LiveId" clId="{5B5F8411-1399-4D8D-B27F-31C85245C7D4}" dt="2023-03-28T15:44:18.397" v="3931" actId="478"/>
+          <ac:picMkLst>
+            <pc:docMk/>
+            <pc:sldMk cId="2058313795" sldId="258"/>
+            <ac:picMk id="40" creationId="{53F7C751-D662-BFC4-2599-CF48C64311B7}"/>
+          </ac:picMkLst>
+        </pc:picChg>
+        <pc:picChg chg="mod ord replST">
+          <ac:chgData name="Chonthicha Phuangfueang" userId="055aefd292e5fda0" providerId="LiveId" clId="{5B5F8411-1399-4D8D-B27F-31C85245C7D4}" dt="2023-03-28T15:44:23.015" v="3938" actId="1037"/>
+          <ac:picMkLst>
+            <pc:docMk/>
+            <pc:sldMk cId="2058313795" sldId="258"/>
+            <ac:picMk id="42" creationId="{CC0F0926-5A6A-3E6B-1DA9-C567D70B45EB}"/>
+          </ac:picMkLst>
+        </pc:picChg>
+        <pc:picChg chg="add mod">
+          <ac:chgData name="Chonthicha Phuangfueang" userId="055aefd292e5fda0" providerId="LiveId" clId="{5B5F8411-1399-4D8D-B27F-31C85245C7D4}" dt="2023-03-28T15:46:24.318" v="3968" actId="14100"/>
+          <ac:picMkLst>
+            <pc:docMk/>
+            <pc:sldMk cId="2058313795" sldId="258"/>
+            <ac:picMk id="43" creationId="{16BEA707-3C99-DBDA-BF18-9FFB37B09D31}"/>
+          </ac:picMkLst>
+        </pc:picChg>
+        <pc:picChg chg="add mod">
+          <ac:chgData name="Chonthicha Phuangfueang" userId="055aefd292e5fda0" providerId="LiveId" clId="{5B5F8411-1399-4D8D-B27F-31C85245C7D4}" dt="2023-03-28T15:46:10.545" v="3967" actId="1036"/>
+          <ac:picMkLst>
+            <pc:docMk/>
+            <pc:sldMk cId="2058313795" sldId="258"/>
+            <ac:picMk id="44" creationId="{8EFEA4EE-011C-A5F7-A7BF-6171F17B71B4}"/>
+          </ac:picMkLst>
+        </pc:picChg>
+        <pc:picChg chg="add del mod">
+          <ac:chgData name="Chonthicha Phuangfueang" userId="055aefd292e5fda0" providerId="LiveId" clId="{5B5F8411-1399-4D8D-B27F-31C85245C7D4}" dt="2023-03-28T15:47:11.786" v="4056" actId="478"/>
+          <ac:picMkLst>
+            <pc:docMk/>
+            <pc:sldMk cId="2058313795" sldId="258"/>
+            <ac:picMk id="45" creationId="{C9E8440E-FF2F-E3F7-A6DD-650F77B48E9D}"/>
+          </ac:picMkLst>
+        </pc:picChg>
+        <pc:picChg chg="mod ord replST">
+          <ac:chgData name="Chonthicha Phuangfueang" userId="055aefd292e5fda0" providerId="LiveId" clId="{5B5F8411-1399-4D8D-B27F-31C85245C7D4}" dt="2023-03-28T15:47:11.787" v="4058" actId="962"/>
+          <ac:picMkLst>
+            <pc:docMk/>
+            <pc:sldMk cId="2058313795" sldId="258"/>
+            <ac:picMk id="47" creationId="{0976264D-30EB-8A7C-376B-A7D07E27D557}"/>
+          </ac:picMkLst>
+        </pc:picChg>
+        <pc:picChg chg="add del mod">
+          <ac:chgData name="Chonthicha Phuangfueang" userId="055aefd292e5fda0" providerId="LiveId" clId="{5B5F8411-1399-4D8D-B27F-31C85245C7D4}" dt="2023-03-28T15:47:41.863" v="4086" actId="478"/>
+          <ac:picMkLst>
+            <pc:docMk/>
+            <pc:sldMk cId="2058313795" sldId="258"/>
+            <ac:picMk id="48" creationId="{4643ED91-9BA6-22E2-FFC7-FF7A0D029ED9}"/>
+          </ac:picMkLst>
+        </pc:picChg>
+        <pc:picChg chg="mod ord replST">
+          <ac:chgData name="Chonthicha Phuangfueang" userId="055aefd292e5fda0" providerId="LiveId" clId="{5B5F8411-1399-4D8D-B27F-31C85245C7D4}" dt="2023-03-28T15:47:41.865" v="4088" actId="962"/>
+          <ac:picMkLst>
+            <pc:docMk/>
+            <pc:sldMk cId="2058313795" sldId="258"/>
+            <ac:picMk id="50" creationId="{615E2F78-327B-8682-2DAE-807349356D7E}"/>
+          </ac:picMkLst>
+        </pc:picChg>
+        <pc:picChg chg="add del mod">
+          <ac:chgData name="Chonthicha Phuangfueang" userId="055aefd292e5fda0" providerId="LiveId" clId="{5B5F8411-1399-4D8D-B27F-31C85245C7D4}" dt="2023-03-28T15:52:22.453" v="4205" actId="478"/>
+          <ac:picMkLst>
+            <pc:docMk/>
+            <pc:sldMk cId="2058313795" sldId="258"/>
+            <ac:picMk id="51" creationId="{39C769D3-3AA0-2542-88F0-2925991BB316}"/>
+          </ac:picMkLst>
+        </pc:picChg>
+        <pc:picChg chg="del mod ord replST">
+          <ac:chgData name="Chonthicha Phuangfueang" userId="055aefd292e5fda0" providerId="LiveId" clId="{5B5F8411-1399-4D8D-B27F-31C85245C7D4}" dt="2023-03-28T15:53:27.256" v="4247" actId="478"/>
+          <ac:picMkLst>
+            <pc:docMk/>
+            <pc:sldMk cId="2058313795" sldId="258"/>
+            <ac:picMk id="53" creationId="{40ADF20D-0766-DE44-3643-04105C959EC9}"/>
+          </ac:picMkLst>
+        </pc:picChg>
+        <pc:picChg chg="del mod ord replST">
+          <ac:chgData name="Chonthicha Phuangfueang" userId="055aefd292e5fda0" providerId="LiveId" clId="{5B5F8411-1399-4D8D-B27F-31C85245C7D4}" dt="2023-03-28T16:06:46.200" v="4521" actId="478"/>
+          <ac:picMkLst>
+            <pc:docMk/>
+            <pc:sldMk cId="2058313795" sldId="258"/>
+            <ac:picMk id="55" creationId="{DFE82069-EB55-7FE3-4DFD-91C54DA04C97}"/>
+          </ac:picMkLst>
+        </pc:picChg>
+        <pc:picChg chg="add del mod">
+          <ac:chgData name="Chonthicha Phuangfueang" userId="055aefd292e5fda0" providerId="LiveId" clId="{5B5F8411-1399-4D8D-B27F-31C85245C7D4}" dt="2023-03-28T15:55:41.979" v="4329" actId="478"/>
+          <ac:picMkLst>
+            <pc:docMk/>
+            <pc:sldMk cId="2058313795" sldId="258"/>
+            <ac:picMk id="56" creationId="{9308FB30-49DC-CB10-9147-8B60A4F67897}"/>
+          </ac:picMkLst>
+        </pc:picChg>
+        <pc:picChg chg="del mod ord replST">
+          <ac:chgData name="Chonthicha Phuangfueang" userId="055aefd292e5fda0" providerId="LiveId" clId="{5B5F8411-1399-4D8D-B27F-31C85245C7D4}" dt="2023-03-28T16:06:34.900" v="4492" actId="478"/>
+          <ac:picMkLst>
+            <pc:docMk/>
+            <pc:sldMk cId="2058313795" sldId="258"/>
+            <ac:picMk id="58" creationId="{0EA5C514-E38A-C5EE-A094-90F758EE4E71}"/>
+          </ac:picMkLst>
+        </pc:picChg>
+        <pc:picChg chg="mod ord replST">
+          <ac:chgData name="Chonthicha Phuangfueang" userId="055aefd292e5fda0" providerId="LiveId" clId="{5B5F8411-1399-4D8D-B27F-31C85245C7D4}" dt="2023-03-28T16:06:34.900" v="4494" actId="962"/>
+          <ac:picMkLst>
+            <pc:docMk/>
+            <pc:sldMk cId="2058313795" sldId="258"/>
+            <ac:picMk id="62" creationId="{DB4CF640-BF25-651B-AF34-7C02CBA04F20}"/>
+          </ac:picMkLst>
+        </pc:picChg>
+        <pc:picChg chg="mod ord replST">
+          <ac:chgData name="Chonthicha Phuangfueang" userId="055aefd292e5fda0" providerId="LiveId" clId="{5B5F8411-1399-4D8D-B27F-31C85245C7D4}" dt="2023-03-28T16:06:46.201" v="4523" actId="962"/>
+          <ac:picMkLst>
+            <pc:docMk/>
+            <pc:sldMk cId="2058313795" sldId="258"/>
+            <ac:picMk id="64" creationId="{B29EFF8D-AFD3-1A7F-596E-C034DB5D0CD0}"/>
+          </ac:picMkLst>
+        </pc:picChg>
       </pc:sldChg>
-      <pc:sldChg chg="addSp delSp modSp new">
-        <pc:chgData name="Chonthicha Phuangfueang" userId="055aefd292e5fda0" providerId="LiveId" clId="{5B5F8411-1399-4D8D-B27F-31C85245C7D4}" dt="2023-03-28T07:41:46.947" v="1605"/>
+      <pc:sldChg chg="addSp delSp modSp new mod">
+        <pc:chgData name="Chonthicha Phuangfueang" userId="055aefd292e5fda0" providerId="LiveId" clId="{5B5F8411-1399-4D8D-B27F-31C85245C7D4}" dt="2023-03-28T17:26:13.616" v="5163"/>
         <pc:sldMkLst>
           <pc:docMk/>
           <pc:sldMk cId="1291169182" sldId="259"/>
         </pc:sldMkLst>
         <pc:spChg chg="del">
+          <ac:chgData name="Chonthicha Phuangfueang" userId="055aefd292e5fda0" providerId="LiveId" clId="{5B5F8411-1399-4D8D-B27F-31C85245C7D4}" dt="2023-03-28T15:57:36.712" v="4376" actId="478"/>
+          <ac:spMkLst>
+            <pc:docMk/>
+            <pc:sldMk cId="1291169182" sldId="259"/>
+            <ac:spMk id="2" creationId="{654BF00C-302E-B454-8CA4-312381AEF540}"/>
+          </ac:spMkLst>
+        </pc:spChg>
+        <pc:spChg chg="del">
           <ac:chgData name="Chonthicha Phuangfueang" userId="055aefd292e5fda0" providerId="LiveId" clId="{5B5F8411-1399-4D8D-B27F-31C85245C7D4}" dt="2023-03-28T07:41:39.588" v="1604"/>
           <ac:spMkLst>
             <pc:docMk/>
@@ -608,7 +945,7 @@
           </ac:spMkLst>
         </pc:spChg>
         <pc:picChg chg="add mod">
-          <ac:chgData name="Chonthicha Phuangfueang" userId="055aefd292e5fda0" providerId="LiveId" clId="{5B5F8411-1399-4D8D-B27F-31C85245C7D4}" dt="2023-03-28T07:41:39.588" v="1604"/>
+          <ac:chgData name="Chonthicha Phuangfueang" userId="055aefd292e5fda0" providerId="LiveId" clId="{5B5F8411-1399-4D8D-B27F-31C85245C7D4}" dt="2023-03-28T17:26:13.615" v="5162"/>
           <ac:picMkLst>
             <pc:docMk/>
             <pc:sldMk cId="1291169182" sldId="259"/>
@@ -616,7 +953,7 @@
           </ac:picMkLst>
         </pc:picChg>
         <pc:picChg chg="add mod">
-          <ac:chgData name="Chonthicha Phuangfueang" userId="055aefd292e5fda0" providerId="LiveId" clId="{5B5F8411-1399-4D8D-B27F-31C85245C7D4}" dt="2023-03-28T07:41:46.947" v="1605"/>
+          <ac:chgData name="Chonthicha Phuangfueang" userId="055aefd292e5fda0" providerId="LiveId" clId="{5B5F8411-1399-4D8D-B27F-31C85245C7D4}" dt="2023-03-28T17:26:13.616" v="5163"/>
           <ac:picMkLst>
             <pc:docMk/>
             <pc:sldMk cId="1291169182" sldId="259"/>
@@ -624,12 +961,20 @@
           </ac:picMkLst>
         </pc:picChg>
       </pc:sldChg>
-      <pc:sldChg chg="addSp delSp modSp new">
-        <pc:chgData name="Chonthicha Phuangfueang" userId="055aefd292e5fda0" providerId="LiveId" clId="{5B5F8411-1399-4D8D-B27F-31C85245C7D4}" dt="2023-03-28T07:56:02.961" v="1745"/>
+      <pc:sldChg chg="addSp delSp modSp new mod">
+        <pc:chgData name="Chonthicha Phuangfueang" userId="055aefd292e5fda0" providerId="LiveId" clId="{5B5F8411-1399-4D8D-B27F-31C85245C7D4}" dt="2023-03-28T16:49:58.037" v="4695" actId="1076"/>
         <pc:sldMkLst>
           <pc:docMk/>
           <pc:sldMk cId="327400068" sldId="260"/>
         </pc:sldMkLst>
+        <pc:spChg chg="mod">
+          <ac:chgData name="Chonthicha Phuangfueang" userId="055aefd292e5fda0" providerId="LiveId" clId="{5B5F8411-1399-4D8D-B27F-31C85245C7D4}" dt="2023-03-28T16:49:47.669" v="4664" actId="368"/>
+          <ac:spMkLst>
+            <pc:docMk/>
+            <pc:sldMk cId="327400068" sldId="260"/>
+            <ac:spMk id="2" creationId="{7EC90EFD-2B27-5AE3-AE64-CCD2943628CF}"/>
+          </ac:spMkLst>
+        </pc:spChg>
         <pc:spChg chg="del">
           <ac:chgData name="Chonthicha Phuangfueang" userId="055aefd292e5fda0" providerId="LiveId" clId="{5B5F8411-1399-4D8D-B27F-31C85245C7D4}" dt="2023-03-28T07:56:02.961" v="1745"/>
           <ac:spMkLst>
@@ -638,12 +983,44 @@
             <ac:spMk id="3" creationId="{48352638-CBFB-8B5B-8995-9A44A593A9E5}"/>
           </ac:spMkLst>
         </pc:spChg>
-        <pc:picChg chg="add mod">
-          <ac:chgData name="Chonthicha Phuangfueang" userId="055aefd292e5fda0" providerId="LiveId" clId="{5B5F8411-1399-4D8D-B27F-31C85245C7D4}" dt="2023-03-28T07:56:02.961" v="1745"/>
+        <pc:spChg chg="add mod">
+          <ac:chgData name="Chonthicha Phuangfueang" userId="055aefd292e5fda0" providerId="LiveId" clId="{5B5F8411-1399-4D8D-B27F-31C85245C7D4}" dt="2023-03-28T16:49:47.672" v="4666" actId="368"/>
+          <ac:spMkLst>
+            <pc:docMk/>
+            <pc:sldMk cId="327400068" sldId="260"/>
+            <ac:spMk id="7" creationId="{34D1DBC3-56BE-EDCC-B329-1E3C57B5C12D}"/>
+          </ac:spMkLst>
+        </pc:spChg>
+        <pc:picChg chg="add del mod">
+          <ac:chgData name="Chonthicha Phuangfueang" userId="055aefd292e5fda0" providerId="LiveId" clId="{5B5F8411-1399-4D8D-B27F-31C85245C7D4}" dt="2023-03-28T16:23:51.725" v="4653" actId="478"/>
           <ac:picMkLst>
             <pc:docMk/>
             <pc:sldMk cId="327400068" sldId="260"/>
             <ac:picMk id="4" creationId="{8B89C6ED-202D-47BE-F0AE-9D996E7ADB9C}"/>
+          </ac:picMkLst>
+        </pc:picChg>
+        <pc:picChg chg="mod ord replST">
+          <ac:chgData name="Chonthicha Phuangfueang" userId="055aefd292e5fda0" providerId="LiveId" clId="{5B5F8411-1399-4D8D-B27F-31C85245C7D4}" dt="2023-03-28T16:23:57.314" v="4656" actId="14100"/>
+          <ac:picMkLst>
+            <pc:docMk/>
+            <pc:sldMk cId="327400068" sldId="260"/>
+            <ac:picMk id="5" creationId="{B79AFB40-BCC7-8E61-C0B9-45BAEC6E9F23}"/>
+          </ac:picMkLst>
+        </pc:picChg>
+        <pc:picChg chg="add del mod">
+          <ac:chgData name="Chonthicha Phuangfueang" userId="055aefd292e5fda0" providerId="LiveId" clId="{5B5F8411-1399-4D8D-B27F-31C85245C7D4}" dt="2023-03-28T16:49:47.680" v="4690" actId="478"/>
+          <ac:picMkLst>
+            <pc:docMk/>
+            <pc:sldMk cId="327400068" sldId="260"/>
+            <ac:picMk id="8" creationId="{B6CB9417-E887-A7C9-0F6E-A0EF63BAE862}"/>
+          </ac:picMkLst>
+        </pc:picChg>
+        <pc:picChg chg="mod ord replST">
+          <ac:chgData name="Chonthicha Phuangfueang" userId="055aefd292e5fda0" providerId="LiveId" clId="{5B5F8411-1399-4D8D-B27F-31C85245C7D4}" dt="2023-03-28T16:49:58.037" v="4695" actId="1076"/>
+          <ac:picMkLst>
+            <pc:docMk/>
+            <pc:sldMk cId="327400068" sldId="260"/>
+            <ac:picMk id="10" creationId="{138B5EB6-52B2-6EAE-8758-ACB246A7FEF2}"/>
           </ac:picMkLst>
         </pc:picChg>
       </pc:sldChg>
@@ -696,6 +1073,261 @@
           <pc:sldMk cId="1144225072" sldId="267"/>
         </pc:sldMkLst>
       </pc:sldChg>
+      <pc:sldChg chg="addSp delSp modSp new mod">
+        <pc:chgData name="Chonthicha Phuangfueang" userId="055aefd292e5fda0" providerId="LiveId" clId="{5B5F8411-1399-4D8D-B27F-31C85245C7D4}" dt="2023-03-28T17:29:11.908" v="5229" actId="1038"/>
+        <pc:sldMkLst>
+          <pc:docMk/>
+          <pc:sldMk cId="2620720595" sldId="268"/>
+        </pc:sldMkLst>
+        <pc:spChg chg="del">
+          <ac:chgData name="Chonthicha Phuangfueang" userId="055aefd292e5fda0" providerId="LiveId" clId="{5B5F8411-1399-4D8D-B27F-31C85245C7D4}" dt="2023-03-28T15:57:54.776" v="4378" actId="478"/>
+          <ac:spMkLst>
+            <pc:docMk/>
+            <pc:sldMk cId="2620720595" sldId="268"/>
+            <ac:spMk id="2" creationId="{307743D0-5F10-5A6D-0FDA-79AF07BABFA3}"/>
+          </ac:spMkLst>
+        </pc:spChg>
+        <pc:spChg chg="del">
+          <ac:chgData name="Chonthicha Phuangfueang" userId="055aefd292e5fda0" providerId="LiveId" clId="{5B5F8411-1399-4D8D-B27F-31C85245C7D4}" dt="2023-03-28T15:57:58.309" v="4379" actId="478"/>
+          <ac:spMkLst>
+            <pc:docMk/>
+            <pc:sldMk cId="2620720595" sldId="268"/>
+            <ac:spMk id="3" creationId="{71BD4E82-1262-22D6-2D0F-1E760F3558AD}"/>
+          </ac:spMkLst>
+        </pc:spChg>
+        <pc:spChg chg="add mod">
+          <ac:chgData name="Chonthicha Phuangfueang" userId="055aefd292e5fda0" providerId="LiveId" clId="{5B5F8411-1399-4D8D-B27F-31C85245C7D4}" dt="2023-03-28T17:08:24.259" v="5158" actId="20577"/>
+          <ac:spMkLst>
+            <pc:docMk/>
+            <pc:sldMk cId="2620720595" sldId="268"/>
+            <ac:spMk id="5" creationId="{0C2F9523-00CB-B6CA-E507-CD04E00F7729}"/>
+          </ac:spMkLst>
+        </pc:spChg>
+        <pc:spChg chg="add del mod">
+          <ac:chgData name="Chonthicha Phuangfueang" userId="055aefd292e5fda0" providerId="LiveId" clId="{5B5F8411-1399-4D8D-B27F-31C85245C7D4}" dt="2023-03-28T16:19:06.453" v="4557" actId="478"/>
+          <ac:spMkLst>
+            <pc:docMk/>
+            <pc:sldMk cId="2620720595" sldId="268"/>
+            <ac:spMk id="16" creationId="{B23E9B3B-C0D8-AECA-E906-0D6749D21822}"/>
+          </ac:spMkLst>
+        </pc:spChg>
+        <pc:picChg chg="add mod">
+          <ac:chgData name="Chonthicha Phuangfueang" userId="055aefd292e5fda0" providerId="LiveId" clId="{5B5F8411-1399-4D8D-B27F-31C85245C7D4}" dt="2023-03-28T16:01:04.997" v="4417" actId="1038"/>
+          <ac:picMkLst>
+            <pc:docMk/>
+            <pc:sldMk cId="2620720595" sldId="268"/>
+            <ac:picMk id="6" creationId="{297D892A-13E7-1D1F-7ECD-4E616FA6B38F}"/>
+          </ac:picMkLst>
+        </pc:picChg>
+        <pc:picChg chg="add del mod">
+          <ac:chgData name="Chonthicha Phuangfueang" userId="055aefd292e5fda0" providerId="LiveId" clId="{5B5F8411-1399-4D8D-B27F-31C85245C7D4}" dt="2023-03-28T17:03:29.312" v="4917" actId="478"/>
+          <ac:picMkLst>
+            <pc:docMk/>
+            <pc:sldMk cId="2620720595" sldId="268"/>
+            <ac:picMk id="7" creationId="{9E475FD5-5A8D-5F70-26C9-E8152EC64A1A}"/>
+          </ac:picMkLst>
+        </pc:picChg>
+        <pc:picChg chg="add del mod">
+          <ac:chgData name="Chonthicha Phuangfueang" userId="055aefd292e5fda0" providerId="LiveId" clId="{5B5F8411-1399-4D8D-B27F-31C85245C7D4}" dt="2023-03-28T17:27:16.356" v="5194" actId="478"/>
+          <ac:picMkLst>
+            <pc:docMk/>
+            <pc:sldMk cId="2620720595" sldId="268"/>
+            <ac:picMk id="8" creationId="{EC31D434-C397-833F-0F3E-9599F5FEA369}"/>
+          </ac:picMkLst>
+        </pc:picChg>
+        <pc:picChg chg="add del mod">
+          <ac:chgData name="Chonthicha Phuangfueang" userId="055aefd292e5fda0" providerId="LiveId" clId="{5B5F8411-1399-4D8D-B27F-31C85245C7D4}" dt="2023-03-28T16:04:17.052" v="4461" actId="478"/>
+          <ac:picMkLst>
+            <pc:docMk/>
+            <pc:sldMk cId="2620720595" sldId="268"/>
+            <ac:picMk id="9" creationId="{6B5D9EF0-C2F3-3E56-100C-9F74A9263424}"/>
+          </ac:picMkLst>
+        </pc:picChg>
+        <pc:picChg chg="del mod ord replST">
+          <ac:chgData name="Chonthicha Phuangfueang" userId="055aefd292e5fda0" providerId="LiveId" clId="{5B5F8411-1399-4D8D-B27F-31C85245C7D4}" dt="2023-03-28T17:27:55.186" v="5226" actId="478"/>
+          <ac:picMkLst>
+            <pc:docMk/>
+            <pc:sldMk cId="2620720595" sldId="268"/>
+            <ac:picMk id="11" creationId="{2FD4FFD4-0848-C1AE-FD3D-B3ACD195D030}"/>
+          </ac:picMkLst>
+        </pc:picChg>
+        <pc:picChg chg="add del mod">
+          <ac:chgData name="Chonthicha Phuangfueang" userId="055aefd292e5fda0" providerId="LiveId" clId="{5B5F8411-1399-4D8D-B27F-31C85245C7D4}" dt="2023-03-28T16:18:52.371" v="4551" actId="478"/>
+          <ac:picMkLst>
+            <pc:docMk/>
+            <pc:sldMk cId="2620720595" sldId="268"/>
+            <ac:picMk id="12" creationId="{25398470-AFCF-5856-90CA-0111A0F0426D}"/>
+          </ac:picMkLst>
+        </pc:picChg>
+        <pc:picChg chg="del mod ord replST">
+          <ac:chgData name="Chonthicha Phuangfueang" userId="055aefd292e5fda0" providerId="LiveId" clId="{5B5F8411-1399-4D8D-B27F-31C85245C7D4}" dt="2023-03-28T16:50:05.437" v="4697" actId="478"/>
+          <ac:picMkLst>
+            <pc:docMk/>
+            <pc:sldMk cId="2620720595" sldId="268"/>
+            <ac:picMk id="14" creationId="{DC6DA398-103F-B291-AF67-3F645C85964D}"/>
+          </ac:picMkLst>
+        </pc:picChg>
+        <pc:picChg chg="add del mod">
+          <ac:chgData name="Chonthicha Phuangfueang" userId="055aefd292e5fda0" providerId="LiveId" clId="{5B5F8411-1399-4D8D-B27F-31C85245C7D4}" dt="2023-03-28T16:20:29.951" v="4585" actId="478"/>
+          <ac:picMkLst>
+            <pc:docMk/>
+            <pc:sldMk cId="2620720595" sldId="268"/>
+            <ac:picMk id="17" creationId="{AED79D8E-E4C7-84D3-34DC-56EB529ED2BC}"/>
+          </ac:picMkLst>
+        </pc:picChg>
+        <pc:picChg chg="del mod ord replST">
+          <ac:chgData name="Chonthicha Phuangfueang" userId="055aefd292e5fda0" providerId="LiveId" clId="{5B5F8411-1399-4D8D-B27F-31C85245C7D4}" dt="2023-03-28T16:20:56.792" v="4613" actId="478"/>
+          <ac:picMkLst>
+            <pc:docMk/>
+            <pc:sldMk cId="2620720595" sldId="268"/>
+            <ac:picMk id="19" creationId="{C65E02AA-18FD-F714-761A-EA6B648467C8}"/>
+          </ac:picMkLst>
+        </pc:picChg>
+        <pc:picChg chg="del mod ord replST">
+          <ac:chgData name="Chonthicha Phuangfueang" userId="055aefd292e5fda0" providerId="LiveId" clId="{5B5F8411-1399-4D8D-B27F-31C85245C7D4}" dt="2023-03-28T16:50:03.814" v="4696" actId="478"/>
+          <ac:picMkLst>
+            <pc:docMk/>
+            <pc:sldMk cId="2620720595" sldId="268"/>
+            <ac:picMk id="21" creationId="{85E4429E-94D4-66BC-6573-158D1EDF14D2}"/>
+          </ac:picMkLst>
+        </pc:picChg>
+        <pc:picChg chg="add del mod">
+          <ac:chgData name="Chonthicha Phuangfueang" userId="055aefd292e5fda0" providerId="LiveId" clId="{5B5F8411-1399-4D8D-B27F-31C85245C7D4}" dt="2023-03-28T17:02:24.451" v="4829" actId="478"/>
+          <ac:picMkLst>
+            <pc:docMk/>
+            <pc:sldMk cId="2620720595" sldId="268"/>
+            <ac:picMk id="22" creationId="{1A54BDD5-3897-7384-22DE-CCF940F2B38D}"/>
+          </ac:picMkLst>
+        </pc:picChg>
+        <pc:picChg chg="add del mod">
+          <ac:chgData name="Chonthicha Phuangfueang" userId="055aefd292e5fda0" providerId="LiveId" clId="{5B5F8411-1399-4D8D-B27F-31C85245C7D4}" dt="2023-03-28T16:52:11.496" v="4738" actId="478"/>
+          <ac:picMkLst>
+            <pc:docMk/>
+            <pc:sldMk cId="2620720595" sldId="268"/>
+            <ac:picMk id="23" creationId="{F1ABB620-7A0C-BC09-2A79-F7DC57306ED9}"/>
+          </ac:picMkLst>
+        </pc:picChg>
+        <pc:picChg chg="del mod ord replST">
+          <ac:chgData name="Chonthicha Phuangfueang" userId="055aefd292e5fda0" providerId="LiveId" clId="{5B5F8411-1399-4D8D-B27F-31C85245C7D4}" dt="2023-03-28T17:01:20.874" v="4767" actId="478"/>
+          <ac:picMkLst>
+            <pc:docMk/>
+            <pc:sldMk cId="2620720595" sldId="268"/>
+            <ac:picMk id="25" creationId="{A1EFF9A8-4191-9266-1545-8DAB7BCBE89B}"/>
+          </ac:picMkLst>
+        </pc:picChg>
+        <pc:picChg chg="del mod ord replST">
+          <ac:chgData name="Chonthicha Phuangfueang" userId="055aefd292e5fda0" providerId="LiveId" clId="{5B5F8411-1399-4D8D-B27F-31C85245C7D4}" dt="2023-03-28T17:02:26.462" v="4830" actId="478"/>
+          <ac:picMkLst>
+            <pc:docMk/>
+            <pc:sldMk cId="2620720595" sldId="268"/>
+            <ac:picMk id="27" creationId="{66C86937-5B0E-949F-5182-16C5C8593E37}"/>
+          </ac:picMkLst>
+        </pc:picChg>
+        <pc:picChg chg="add del mod">
+          <ac:chgData name="Chonthicha Phuangfueang" userId="055aefd292e5fda0" providerId="LiveId" clId="{5B5F8411-1399-4D8D-B27F-31C85245C7D4}" dt="2023-03-28T17:02:02.053" v="4796" actId="478"/>
+          <ac:picMkLst>
+            <pc:docMk/>
+            <pc:sldMk cId="2620720595" sldId="268"/>
+            <ac:picMk id="28" creationId="{FB0079C9-6FEC-C322-6C52-DACCAAEA124A}"/>
+          </ac:picMkLst>
+        </pc:picChg>
+        <pc:picChg chg="del mod ord replST">
+          <ac:chgData name="Chonthicha Phuangfueang" userId="055aefd292e5fda0" providerId="LiveId" clId="{5B5F8411-1399-4D8D-B27F-31C85245C7D4}" dt="2023-03-28T17:02:21.438" v="4826" actId="478"/>
+          <ac:picMkLst>
+            <pc:docMk/>
+            <pc:sldMk cId="2620720595" sldId="268"/>
+            <ac:picMk id="30" creationId="{075494C6-59B8-1F98-A4FC-CA6D12E04B25}"/>
+          </ac:picMkLst>
+        </pc:picChg>
+        <pc:picChg chg="del mod ord replST">
+          <ac:chgData name="Chonthicha Phuangfueang" userId="055aefd292e5fda0" providerId="LiveId" clId="{5B5F8411-1399-4D8D-B27F-31C85245C7D4}" dt="2023-03-28T17:03:06.070" v="4858" actId="478"/>
+          <ac:picMkLst>
+            <pc:docMk/>
+            <pc:sldMk cId="2620720595" sldId="268"/>
+            <ac:picMk id="32" creationId="{F93ED6FE-0066-0F63-B969-81410127E87B}"/>
+          </ac:picMkLst>
+        </pc:picChg>
+        <pc:picChg chg="del mod ord replST">
+          <ac:chgData name="Chonthicha Phuangfueang" userId="055aefd292e5fda0" providerId="LiveId" clId="{5B5F8411-1399-4D8D-B27F-31C85245C7D4}" dt="2023-03-28T17:03:18.277" v="4886" actId="478"/>
+          <ac:picMkLst>
+            <pc:docMk/>
+            <pc:sldMk cId="2620720595" sldId="268"/>
+            <ac:picMk id="34" creationId="{E3FACD19-85BD-8314-1E60-868A9D0CBB20}"/>
+          </ac:picMkLst>
+        </pc:picChg>
+        <pc:picChg chg="mod ord replST">
+          <ac:chgData name="Chonthicha Phuangfueang" userId="055aefd292e5fda0" providerId="LiveId" clId="{5B5F8411-1399-4D8D-B27F-31C85245C7D4}" dt="2023-03-28T17:29:11.908" v="5229" actId="1038"/>
+          <ac:picMkLst>
+            <pc:docMk/>
+            <pc:sldMk cId="2620720595" sldId="268"/>
+            <ac:picMk id="36" creationId="{C841ABC4-C373-C375-6C76-45A3B5F796BB}"/>
+          </ac:picMkLst>
+        </pc:picChg>
+        <pc:picChg chg="del mod ord replST">
+          <ac:chgData name="Chonthicha Phuangfueang" userId="055aefd292e5fda0" providerId="LiveId" clId="{5B5F8411-1399-4D8D-B27F-31C85245C7D4}" dt="2023-03-28T17:03:57.833" v="4949" actId="478"/>
+          <ac:picMkLst>
+            <pc:docMk/>
+            <pc:sldMk cId="2620720595" sldId="268"/>
+            <ac:picMk id="38" creationId="{A14EACA4-B3A2-FD3E-9587-CD77B3952277}"/>
+          </ac:picMkLst>
+        </pc:picChg>
+        <pc:picChg chg="add del mod ord replST">
+          <ac:chgData name="Chonthicha Phuangfueang" userId="055aefd292e5fda0" providerId="LiveId" clId="{5B5F8411-1399-4D8D-B27F-31C85245C7D4}" dt="2023-03-28T17:06:03.708" v="5054" actId="14100"/>
+          <ac:picMkLst>
+            <pc:docMk/>
+            <pc:sldMk cId="2620720595" sldId="268"/>
+            <ac:picMk id="40" creationId="{EC702B1C-05BC-B6D6-6EC5-131E3C31E345}"/>
+          </ac:picMkLst>
+        </pc:picChg>
+        <pc:picChg chg="del mod ord replST delST">
+          <ac:chgData name="Chonthicha Phuangfueang" userId="055aefd292e5fda0" providerId="LiveId" clId="{5B5F8411-1399-4D8D-B27F-31C85245C7D4}" dt="2023-03-28T17:04:33.133" v="5018"/>
+          <ac:picMkLst>
+            <pc:docMk/>
+            <pc:sldMk cId="2620720595" sldId="268"/>
+            <ac:picMk id="42" creationId="{A4372138-AA83-D76C-CDE9-2C73244AE5BF}"/>
+          </ac:picMkLst>
+        </pc:picChg>
+        <pc:picChg chg="add mod">
+          <ac:chgData name="Chonthicha Phuangfueang" userId="055aefd292e5fda0" providerId="LiveId" clId="{5B5F8411-1399-4D8D-B27F-31C85245C7D4}" dt="2023-03-28T17:07:43.093" v="5109" actId="1076"/>
+          <ac:picMkLst>
+            <pc:docMk/>
+            <pc:sldMk cId="2620720595" sldId="268"/>
+            <ac:picMk id="43" creationId="{4DC60A27-E0CD-C18D-42D0-F223426E8507}"/>
+          </ac:picMkLst>
+        </pc:picChg>
+        <pc:picChg chg="add mod">
+          <ac:chgData name="Chonthicha Phuangfueang" userId="055aefd292e5fda0" providerId="LiveId" clId="{5B5F8411-1399-4D8D-B27F-31C85245C7D4}" dt="2023-03-28T17:08:04.764" v="5144" actId="1037"/>
+          <ac:picMkLst>
+            <pc:docMk/>
+            <pc:sldMk cId="2620720595" sldId="268"/>
+            <ac:picMk id="44" creationId="{CADBE70A-EF6C-8B17-BAB3-D9C93EDCAAE0}"/>
+          </ac:picMkLst>
+        </pc:picChg>
+        <pc:picChg chg="add mod">
+          <ac:chgData name="Chonthicha Phuangfueang" userId="055aefd292e5fda0" providerId="LiveId" clId="{5B5F8411-1399-4D8D-B27F-31C85245C7D4}" dt="2023-03-28T17:08:51.777" v="5161" actId="1076"/>
+          <ac:picMkLst>
+            <pc:docMk/>
+            <pc:sldMk cId="2620720595" sldId="268"/>
+            <ac:picMk id="45" creationId="{63D36A11-CD85-E8F1-B45A-B9B9E1B702B6}"/>
+          </ac:picMkLst>
+        </pc:picChg>
+        <pc:picChg chg="mod ord replST">
+          <ac:chgData name="Chonthicha Phuangfueang" userId="055aefd292e5fda0" providerId="LiveId" clId="{5B5F8411-1399-4D8D-B27F-31C85245C7D4}" dt="2023-03-28T17:27:16.357" v="5196" actId="962"/>
+          <ac:picMkLst>
+            <pc:docMk/>
+            <pc:sldMk cId="2620720595" sldId="268"/>
+            <ac:picMk id="47" creationId="{3E01B6EA-4A93-4D0E-DF2F-4927CE97B110}"/>
+          </ac:picMkLst>
+        </pc:picChg>
+        <pc:picChg chg="mod ord replST">
+          <ac:chgData name="Chonthicha Phuangfueang" userId="055aefd292e5fda0" providerId="LiveId" clId="{5B5F8411-1399-4D8D-B27F-31C85245C7D4}" dt="2023-03-28T17:27:55.187" v="5228" actId="962"/>
+          <ac:picMkLst>
+            <pc:docMk/>
+            <pc:sldMk cId="2620720595" sldId="268"/>
+            <ac:picMk id="49" creationId="{E36A2AB1-4557-20EB-970B-A2D232E16C57}"/>
+          </ac:picMkLst>
+        </pc:picChg>
+      </pc:sldChg>
       <pc:sldMasterChg chg="modSldLayout">
         <pc:chgData name="Chonthicha Phuangfueang" userId="055aefd292e5fda0" providerId="LiveId" clId="{5B5F8411-1399-4D8D-B27F-31C85245C7D4}" dt="2023-03-26T08:37:46.930" v="528"/>
         <pc:sldMasterMkLst>
@@ -919,7 +1551,7 @@
           <a:p>
             <a:fld id="{5A7E730F-2C0E-4467-832E-ED796A74A98C}" type="datetimeFigureOut">
               <a:rPr lang="en-US" smtClean="0"/>
-              <a:t>3/27/2023</a:t>
+              <a:t>3/28/2023</a:t>
             </a:fld>
             <a:endParaRPr lang="en-US"/>
           </a:p>
@@ -1089,7 +1721,7 @@
           <a:p>
             <a:fld id="{5A7E730F-2C0E-4467-832E-ED796A74A98C}" type="datetimeFigureOut">
               <a:rPr lang="en-US" smtClean="0"/>
-              <a:t>3/27/2023</a:t>
+              <a:t>3/28/2023</a:t>
             </a:fld>
             <a:endParaRPr lang="en-US"/>
           </a:p>
@@ -1310,7 +1942,7 @@
           <a:p>
             <a:fld id="{5A7E730F-2C0E-4467-832E-ED796A74A98C}" type="datetimeFigureOut">
               <a:rPr lang="en-US" smtClean="0"/>
-              <a:t>3/27/2023</a:t>
+              <a:t>3/28/2023</a:t>
             </a:fld>
             <a:endParaRPr lang="en-US"/>
           </a:p>
@@ -1521,7 +2153,7 @@
           <a:p>
             <a:fld id="{5A7E730F-2C0E-4467-832E-ED796A74A98C}" type="datetimeFigureOut">
               <a:rPr lang="en-US" smtClean="0"/>
-              <a:t>3/27/2023</a:t>
+              <a:t>3/28/2023</a:t>
             </a:fld>
             <a:endParaRPr lang="en-US"/>
           </a:p>
@@ -1816,7 +2448,7 @@
           <a:p>
             <a:fld id="{5A7E730F-2C0E-4467-832E-ED796A74A98C}" type="datetimeFigureOut">
               <a:rPr lang="en-US" smtClean="0"/>
-              <a:t>3/27/2023</a:t>
+              <a:t>3/28/2023</a:t>
             </a:fld>
             <a:endParaRPr lang="en-US"/>
           </a:p>
@@ -2145,7 +2777,7 @@
           <a:p>
             <a:fld id="{5A7E730F-2C0E-4467-832E-ED796A74A98C}" type="datetimeFigureOut">
               <a:rPr lang="en-US" smtClean="0"/>
-              <a:t>3/27/2023</a:t>
+              <a:t>3/28/2023</a:t>
             </a:fld>
             <a:endParaRPr lang="en-US"/>
           </a:p>
@@ -2637,7 +3269,7 @@
           <a:p>
             <a:fld id="{5A7E730F-2C0E-4467-832E-ED796A74A98C}" type="datetimeFigureOut">
               <a:rPr lang="en-US" smtClean="0"/>
-              <a:t>3/27/2023</a:t>
+              <a:t>3/28/2023</a:t>
             </a:fld>
             <a:endParaRPr lang="en-US"/>
           </a:p>
@@ -2796,7 +3428,7 @@
           <a:p>
             <a:fld id="{5A7E730F-2C0E-4467-832E-ED796A74A98C}" type="datetimeFigureOut">
               <a:rPr lang="en-US" smtClean="0"/>
-              <a:t>3/27/2023</a:t>
+              <a:t>3/28/2023</a:t>
             </a:fld>
             <a:endParaRPr lang="en-US"/>
           </a:p>
@@ -2932,7 +3564,7 @@
           <a:p>
             <a:fld id="{5A7E730F-2C0E-4467-832E-ED796A74A98C}" type="datetimeFigureOut">
               <a:rPr lang="en-US" smtClean="0"/>
-              <a:t>3/27/2023</a:t>
+              <a:t>3/28/2023</a:t>
             </a:fld>
             <a:endParaRPr lang="en-US"/>
           </a:p>
@@ -3260,7 +3892,7 @@
           <a:p>
             <a:fld id="{5A7E730F-2C0E-4467-832E-ED796A74A98C}" type="datetimeFigureOut">
               <a:rPr lang="en-US" smtClean="0"/>
-              <a:t>3/27/2023</a:t>
+              <a:t>3/28/2023</a:t>
             </a:fld>
             <a:endParaRPr lang="en-US"/>
           </a:p>
@@ -3575,7 +4207,7 @@
           <a:p>
             <a:fld id="{5A7E730F-2C0E-4467-832E-ED796A74A98C}" type="datetimeFigureOut">
               <a:rPr lang="en-US" smtClean="0"/>
-              <a:t>3/27/2023</a:t>
+              <a:t>3/28/2023</a:t>
             </a:fld>
             <a:endParaRPr lang="en-US"/>
           </a:p>
@@ -3827,7 +4459,7 @@
           <a:p>
             <a:fld id="{5A7E730F-2C0E-4467-832E-ED796A74A98C}" type="datetimeFigureOut">
               <a:rPr lang="en-US" smtClean="0"/>
-              <a:t>3/27/2023</a:t>
+              <a:t>3/28/2023</a:t>
             </a:fld>
             <a:endParaRPr lang="en-US"/>
           </a:p>
@@ -4566,10 +5198,10 @@
       </p:pic>
       <p:pic>
         <p:nvPicPr>
-          <p:cNvPr id="21" name="Picture 20" descr="\documentclass{article}&#10;\usepackage{amsmath}&#10;\pagestyle{empty}&#10;\usepackage{xcolor}&#10;\usepackage{empheq}&#10;\begin{document}&#10;$p\equiv 3\left ( mod4 \right )$&#10;\end{document}" title="IguanaTex Bitmap Display">
+          <p:cNvPr id="3" name="Picture 2" descr="\documentclass{article}&#10;\usepackage{amsmath}&#10;\pagestyle{empty}&#10;\usepackage{xcolor}&#10;\usepackage{empheq}&#10;\begin{document}&#10;$p\equiv 3\left ( \mod4 \right )$&#10;\end{document}" title="IguanaTex Bitmap Display">
             <a:extLst>
               <a:ext uri="{FF2B5EF4-FFF2-40B4-BE49-F238E27FC236}">
-                <a16:creationId xmlns:a16="http://schemas.microsoft.com/office/drawing/2014/main" id="{CBD5A171-A555-7F66-132F-12AC7B092F9A}"/>
+                <a16:creationId xmlns:a16="http://schemas.microsoft.com/office/drawing/2014/main" id="{E766DC07-4F70-A9EA-3CC1-9A4344DE8A3B}"/>
               </a:ext>
             </a:extLst>
           </p:cNvPr>
@@ -4596,8 +5228,8 @@
         </p:blipFill>
         <p:spPr>
           <a:xfrm>
-            <a:off x="8513618" y="1930055"/>
-            <a:ext cx="2074171" cy="372859"/>
+            <a:off x="8513618" y="1930056"/>
+            <a:ext cx="2458194" cy="372859"/>
           </a:xfrm>
           <a:prstGeom prst="rect">
             <a:avLst/>
@@ -4739,7 +5371,7 @@
           <p:cNvPr id="2" name="Title 1">
             <a:extLst>
               <a:ext uri="{FF2B5EF4-FFF2-40B4-BE49-F238E27FC236}">
-                <a16:creationId xmlns:a16="http://schemas.microsoft.com/office/drawing/2014/main" id="{7245DA93-B3A8-80DA-6316-23B7D99A315E}"/>
+                <a16:creationId xmlns:a16="http://schemas.microsoft.com/office/drawing/2014/main" id="{0E297A0D-9615-F65D-FF4C-96CA05F1786E}"/>
               </a:ext>
             </a:extLst>
           </p:cNvPr>
@@ -4764,7 +5396,7 @@
           <p:cNvPr id="3" name="Content Placeholder 2">
             <a:extLst>
               <a:ext uri="{FF2B5EF4-FFF2-40B4-BE49-F238E27FC236}">
-                <a16:creationId xmlns:a16="http://schemas.microsoft.com/office/drawing/2014/main" id="{1B923B55-9145-4BA3-65E2-EC80EE395334}"/>
+                <a16:creationId xmlns:a16="http://schemas.microsoft.com/office/drawing/2014/main" id="{2C22E3A2-8CB1-8C5F-A1FA-43E48C63F726}"/>
               </a:ext>
             </a:extLst>
           </p:cNvPr>
@@ -4787,7 +5419,7 @@
     </p:spTree>
     <p:extLst>
       <p:ext uri="{BB962C8B-B14F-4D97-AF65-F5344CB8AC3E}">
-        <p14:creationId xmlns:p14="http://schemas.microsoft.com/office/powerpoint/2010/main" val="1989448623"/>
+        <p14:creationId xmlns:p14="http://schemas.microsoft.com/office/powerpoint/2010/main" val="803829190"/>
       </p:ext>
     </p:extLst>
   </p:cSld>
@@ -4819,6 +5451,86 @@
           <p:cNvPr id="2" name="Title 1">
             <a:extLst>
               <a:ext uri="{FF2B5EF4-FFF2-40B4-BE49-F238E27FC236}">
+                <a16:creationId xmlns:a16="http://schemas.microsoft.com/office/drawing/2014/main" id="{7245DA93-B3A8-80DA-6316-23B7D99A315E}"/>
+              </a:ext>
+            </a:extLst>
+          </p:cNvPr>
+          <p:cNvSpPr>
+            <a:spLocks noGrp="1"/>
+          </p:cNvSpPr>
+          <p:nvPr>
+            <p:ph type="title"/>
+          </p:nvPr>
+        </p:nvSpPr>
+        <p:spPr/>
+        <p:txBody>
+          <a:bodyPr/>
+          <a:lstStyle/>
+          <a:p>
+            <a:endParaRPr lang="en-US"/>
+          </a:p>
+        </p:txBody>
+      </p:sp>
+      <p:sp>
+        <p:nvSpPr>
+          <p:cNvPr id="3" name="Content Placeholder 2">
+            <a:extLst>
+              <a:ext uri="{FF2B5EF4-FFF2-40B4-BE49-F238E27FC236}">
+                <a16:creationId xmlns:a16="http://schemas.microsoft.com/office/drawing/2014/main" id="{1B923B55-9145-4BA3-65E2-EC80EE395334}"/>
+              </a:ext>
+            </a:extLst>
+          </p:cNvPr>
+          <p:cNvSpPr>
+            <a:spLocks noGrp="1"/>
+          </p:cNvSpPr>
+          <p:nvPr>
+            <p:ph idx="1"/>
+          </p:nvPr>
+        </p:nvSpPr>
+        <p:spPr/>
+        <p:txBody>
+          <a:bodyPr/>
+          <a:lstStyle/>
+          <a:p>
+            <a:endParaRPr lang="en-US"/>
+          </a:p>
+        </p:txBody>
+      </p:sp>
+    </p:spTree>
+    <p:extLst>
+      <p:ext uri="{BB962C8B-B14F-4D97-AF65-F5344CB8AC3E}">
+        <p14:creationId xmlns:p14="http://schemas.microsoft.com/office/powerpoint/2010/main" val="1989448623"/>
+      </p:ext>
+    </p:extLst>
+  </p:cSld>
+  <p:clrMapOvr>
+    <a:masterClrMapping/>
+  </p:clrMapOvr>
+</p:sld>
+</file>
+
+<file path=ppt/slides/slide12.xml><?xml version="1.0" encoding="utf-8"?>
+<p:sld xmlns:a="http://schemas.openxmlformats.org/drawingml/2006/main" xmlns:r="http://schemas.openxmlformats.org/officeDocument/2006/relationships" xmlns:p="http://schemas.openxmlformats.org/presentationml/2006/main">
+  <p:cSld>
+    <p:spTree>
+      <p:nvGrpSpPr>
+        <p:cNvPr id="1" name=""/>
+        <p:cNvGrpSpPr/>
+        <p:nvPr/>
+      </p:nvGrpSpPr>
+      <p:grpSpPr>
+        <a:xfrm>
+          <a:off x="0" y="0"/>
+          <a:ext cx="0" cy="0"/>
+          <a:chOff x="0" y="0"/>
+          <a:chExt cx="0" cy="0"/>
+        </a:xfrm>
+      </p:grpSpPr>
+      <p:sp>
+        <p:nvSpPr>
+          <p:cNvPr id="2" name="Title 1">
+            <a:extLst>
+              <a:ext uri="{FF2B5EF4-FFF2-40B4-BE49-F238E27FC236}">
                 <a16:creationId xmlns:a16="http://schemas.microsoft.com/office/drawing/2014/main" id="{6E305564-C7E3-0A11-DACB-724DA3C7B663}"/>
               </a:ext>
             </a:extLst>
@@ -4877,7 +5589,7 @@
 </p:sld>
 </file>
 
-<file path=ppt/slides/slide12.xml><?xml version="1.0" encoding="utf-8"?>
+<file path=ppt/slides/slide13.xml><?xml version="1.0" encoding="utf-8"?>
 <p:sld xmlns:a="http://schemas.openxmlformats.org/drawingml/2006/main" xmlns:r="http://schemas.openxmlformats.org/officeDocument/2006/relationships" xmlns:p="http://schemas.openxmlformats.org/presentationml/2006/main">
   <p:cSld>
     <p:spTree>
@@ -5171,7 +5883,7 @@
                   <a:schemeClr val="tx1"/>
                 </a:solidFill>
               </a:rPr>
-              <a:t>								</a:t>
+              <a:t>							              </a:t>
             </a:r>
             <a:r>
               <a:rPr lang="th-TH" sz="3200" b="0" dirty="0">
@@ -5270,10 +5982,10 @@
       </p:sp>
       <p:pic>
         <p:nvPicPr>
-          <p:cNvPr id="14" name="Picture 13" descr="\documentclass{article}&#10;\usepackage{amsmath}&#10;\pagestyle{empty}&#10;\usepackage{xcolor}&#10;\usepackage{empheq}&#10;\begin{document}&#10;${6x+8y}={46}$,$x^{2}+y^{2}=z^{2}$,$10x^{2}-7y=17$,$x\left ( y+1 \right )^{2}=243y$&#10;\end{document}" title="IguanaTex Bitmap Display">
+          <p:cNvPr id="4" name="Picture 3" descr="\documentclass{article}&#10;\usepackage{amsmath}&#10;\pagestyle{empty}&#10;\usepackage{xcolor}&#10;\usepackage{empheq}&#10;\begin{document}&#10;${6x+8y}={46}$ , $x^{2}+y^{2}=z^{2}$ , $10x^{2}-7y=17$ , $x\left ( y+1 \right )^{2}=243y$&#10;\end{document}" title="IguanaTex Bitmap Display">
             <a:extLst>
               <a:ext uri="{FF2B5EF4-FFF2-40B4-BE49-F238E27FC236}">
-                <a16:creationId xmlns:a16="http://schemas.microsoft.com/office/drawing/2014/main" id="{2F8099AA-DC69-A94D-C779-A16DD660B640}"/>
+                <a16:creationId xmlns:a16="http://schemas.microsoft.com/office/drawing/2014/main" id="{BC76488C-4E54-9BE7-58D0-F3D0B410B7E9}"/>
               </a:ext>
             </a:extLst>
           </p:cNvPr>
@@ -5301,7 +6013,7 @@
         <p:spPr>
           <a:xfrm>
             <a:off x="848088" y="2557614"/>
-            <a:ext cx="7144082" cy="334699"/>
+            <a:ext cx="7691470" cy="334699"/>
           </a:xfrm>
           <a:prstGeom prst="rect">
             <a:avLst/>
@@ -5434,36 +6146,535 @@
             <p:ph type="title"/>
           </p:nvPr>
         </p:nvSpPr>
-        <p:spPr/>
+        <p:spPr>
+          <a:xfrm>
+            <a:off x="546100" y="528922"/>
+            <a:ext cx="10493240" cy="6202078"/>
+          </a:xfrm>
+        </p:spPr>
         <p:txBody>
-          <a:bodyPr/>
+          <a:bodyPr>
+            <a:normAutofit fontScale="90000"/>
+          </a:bodyPr>
           <a:lstStyle/>
           <a:p>
-            <a:endParaRPr lang="en-US"/>
+            <a:r>
+              <a:rPr lang="th-TH" sz="3100" dirty="0">
+                <a:solidFill>
+                  <a:schemeClr val="tx1"/>
+                </a:solidFill>
+                <a:latin typeface="TH Sarabun New" panose="020B0500040200020003" pitchFamily="34" charset="-34"/>
+                <a:cs typeface="TH Sarabun New" panose="020B0500040200020003" pitchFamily="34" charset="-34"/>
+              </a:rPr>
+              <a:t>ทฤษฎีบท </a:t>
+            </a:r>
+            <a:r>
+              <a:rPr lang="en-US" sz="3100" dirty="0">
+                <a:solidFill>
+                  <a:schemeClr val="tx1"/>
+                </a:solidFill>
+                <a:latin typeface="TH Sarabun New" panose="020B0500040200020003" pitchFamily="34" charset="-34"/>
+                <a:cs typeface="TH Sarabun New" panose="020B0500040200020003" pitchFamily="34" charset="-34"/>
+              </a:rPr>
+              <a:t>1</a:t>
+            </a:r>
+            <a:r>
+              <a:rPr lang="th-TH" sz="3100" dirty="0">
+                <a:solidFill>
+                  <a:schemeClr val="tx1"/>
+                </a:solidFill>
+                <a:latin typeface="TH Sarabun New" panose="020B0500040200020003" pitchFamily="34" charset="-34"/>
+                <a:cs typeface="TH Sarabun New" panose="020B0500040200020003" pitchFamily="34" charset="-34"/>
+              </a:rPr>
+              <a:t> </a:t>
+            </a:r>
+            <a:r>
+              <a:rPr lang="th-TH" sz="3100" b="0" dirty="0">
+                <a:solidFill>
+                  <a:schemeClr val="tx1"/>
+                </a:solidFill>
+                <a:latin typeface="TH Sarabun New" panose="020B0500040200020003" pitchFamily="34" charset="-34"/>
+                <a:cs typeface="TH Sarabun New" panose="020B0500040200020003" pitchFamily="34" charset="-34"/>
+              </a:rPr>
+              <a:t>(ข้อความคาดการณ์กาตาลัน) </a:t>
+            </a:r>
+            <a:br>
+              <a:rPr lang="en-US" sz="3100" b="0" dirty="0">
+                <a:solidFill>
+                  <a:schemeClr val="tx1"/>
+                </a:solidFill>
+                <a:latin typeface="TH Sarabun New" panose="020B0500040200020003" pitchFamily="34" charset="-34"/>
+                <a:cs typeface="TH Sarabun New" panose="020B0500040200020003" pitchFamily="34" charset="-34"/>
+              </a:rPr>
+            </a:br>
+            <a:r>
+              <a:rPr lang="th-TH" sz="3100" b="0" dirty="0">
+                <a:solidFill>
+                  <a:schemeClr val="tx1"/>
+                </a:solidFill>
+                <a:latin typeface="TH Sarabun New" panose="020B0500040200020003" pitchFamily="34" charset="-34"/>
+                <a:cs typeface="TH Sarabun New" panose="020B0500040200020003" pitchFamily="34" charset="-34"/>
+              </a:rPr>
+              <a:t>ให้           และ    เป็นจำนวนเต็ม </a:t>
+            </a:r>
+            <a:br>
+              <a:rPr lang="en-US" sz="3100" b="0" dirty="0">
+                <a:solidFill>
+                  <a:schemeClr val="tx1"/>
+                </a:solidFill>
+                <a:latin typeface="TH Sarabun New" panose="020B0500040200020003" pitchFamily="34" charset="-34"/>
+                <a:cs typeface="TH Sarabun New" panose="020B0500040200020003" pitchFamily="34" charset="-34"/>
+              </a:rPr>
+            </a:br>
+            <a:r>
+              <a:rPr lang="th-TH" sz="3100" b="0" dirty="0">
+                <a:solidFill>
+                  <a:schemeClr val="tx1"/>
+                </a:solidFill>
+                <a:latin typeface="TH Sarabun New" panose="020B0500040200020003" pitchFamily="34" charset="-34"/>
+                <a:cs typeface="TH Sarabun New" panose="020B0500040200020003" pitchFamily="34" charset="-34"/>
+              </a:rPr>
+              <a:t>โดยที่                 </a:t>
+            </a:r>
+            <a:r>
+              <a:rPr lang="en-US" sz="3100" b="0" dirty="0">
+                <a:solidFill>
+                  <a:schemeClr val="tx1"/>
+                </a:solidFill>
+                <a:latin typeface="TH Sarabun New" panose="020B0500040200020003" pitchFamily="34" charset="-34"/>
+                <a:cs typeface="TH Sarabun New" panose="020B0500040200020003" pitchFamily="34" charset="-34"/>
+              </a:rPr>
+              <a:t>  		  </a:t>
+            </a:r>
+            <a:r>
+              <a:rPr lang="th-TH" sz="3100" b="0" dirty="0">
+                <a:solidFill>
+                  <a:schemeClr val="tx1"/>
+                </a:solidFill>
+                <a:latin typeface="TH Sarabun New" panose="020B0500040200020003" pitchFamily="34" charset="-34"/>
+                <a:cs typeface="TH Sarabun New" panose="020B0500040200020003" pitchFamily="34" charset="-34"/>
+              </a:rPr>
+              <a:t>จะได้ว่า สมการไดโอแฟนไทน์</a:t>
+            </a:r>
+            <a:r>
+              <a:rPr lang="en-US" sz="3100" b="0" dirty="0">
+                <a:solidFill>
+                  <a:schemeClr val="tx1"/>
+                </a:solidFill>
+                <a:latin typeface="TH Sarabun New" panose="020B0500040200020003" pitchFamily="34" charset="-34"/>
+                <a:cs typeface="TH Sarabun New" panose="020B0500040200020003" pitchFamily="34" charset="-34"/>
+              </a:rPr>
+              <a:t>                  </a:t>
+            </a:r>
+            <a:r>
+              <a:rPr lang="th-TH" sz="3100" b="0" dirty="0">
+                <a:solidFill>
+                  <a:schemeClr val="tx1"/>
+                </a:solidFill>
+                <a:latin typeface="TH Sarabun New" panose="020B0500040200020003" pitchFamily="34" charset="-34"/>
+                <a:cs typeface="TH Sarabun New" panose="020B0500040200020003" pitchFamily="34" charset="-34"/>
+              </a:rPr>
+              <a:t> มีผลเฉลยเพียงผลเฉลยเดียว </a:t>
+            </a:r>
+            <a:br>
+              <a:rPr lang="en-US" sz="3100" b="0" dirty="0">
+                <a:solidFill>
+                  <a:schemeClr val="tx1"/>
+                </a:solidFill>
+                <a:latin typeface="TH Sarabun New" panose="020B0500040200020003" pitchFamily="34" charset="-34"/>
+                <a:cs typeface="TH Sarabun New" panose="020B0500040200020003" pitchFamily="34" charset="-34"/>
+              </a:rPr>
+            </a:br>
+            <a:r>
+              <a:rPr lang="th-TH" sz="3100" b="0" dirty="0">
+                <a:solidFill>
+                  <a:schemeClr val="tx1"/>
+                </a:solidFill>
+                <a:latin typeface="TH Sarabun New" panose="020B0500040200020003" pitchFamily="34" charset="-34"/>
+                <a:cs typeface="TH Sarabun New" panose="020B0500040200020003" pitchFamily="34" charset="-34"/>
+              </a:rPr>
+              <a:t>คือ</a:t>
+            </a:r>
+            <a:r>
+              <a:rPr lang="en-US" sz="3100" b="0" dirty="0">
+                <a:solidFill>
+                  <a:schemeClr val="tx1"/>
+                </a:solidFill>
+                <a:latin typeface="TH Sarabun New" panose="020B0500040200020003" pitchFamily="34" charset="-34"/>
+                <a:cs typeface="TH Sarabun New" panose="020B0500040200020003" pitchFamily="34" charset="-34"/>
+              </a:rPr>
+              <a:t> </a:t>
+            </a:r>
+            <a:br>
+              <a:rPr lang="en-US" sz="3100" b="0" dirty="0">
+                <a:solidFill>
+                  <a:schemeClr val="tx1"/>
+                </a:solidFill>
+                <a:latin typeface="TH Sarabun New" panose="020B0500040200020003" pitchFamily="34" charset="-34"/>
+                <a:cs typeface="TH Sarabun New" panose="020B0500040200020003" pitchFamily="34" charset="-34"/>
+              </a:rPr>
+            </a:br>
+            <a:r>
+              <a:rPr lang="th-TH" sz="3100" dirty="0">
+                <a:solidFill>
+                  <a:schemeClr val="tx1"/>
+                </a:solidFill>
+                <a:latin typeface="TH Sarabun New" panose="020B0500040200020003" pitchFamily="34" charset="-34"/>
+                <a:cs typeface="TH Sarabun New" panose="020B0500040200020003" pitchFamily="34" charset="-34"/>
+              </a:rPr>
+              <a:t>ทฤษฎีบท 2</a:t>
+            </a:r>
+            <a:r>
+              <a:rPr lang="en-US" sz="3100" dirty="0">
+                <a:solidFill>
+                  <a:schemeClr val="tx1"/>
+                </a:solidFill>
+                <a:latin typeface="TH Sarabun New" panose="020B0500040200020003" pitchFamily="34" charset="-34"/>
+                <a:cs typeface="TH Sarabun New" panose="020B0500040200020003" pitchFamily="34" charset="-34"/>
+              </a:rPr>
+              <a:t> </a:t>
+            </a:r>
+            <a:r>
+              <a:rPr lang="th-TH" sz="3100" b="0" dirty="0">
+                <a:solidFill>
+                  <a:schemeClr val="tx1"/>
+                </a:solidFill>
+                <a:latin typeface="TH Sarabun New" panose="020B0500040200020003" pitchFamily="34" charset="-34"/>
+                <a:cs typeface="TH Sarabun New" panose="020B0500040200020003" pitchFamily="34" charset="-34"/>
+              </a:rPr>
+              <a:t>สมการไดโอแฟนไทน์                     มีผลเฉลยที่เป็นจำนวนเต็มที่ไม่เป็นลบเพียงผลเฉลยเดียว</a:t>
+            </a:r>
+            <a:r>
+              <a:rPr lang="en-US" sz="3100" b="0" dirty="0">
+                <a:solidFill>
+                  <a:schemeClr val="tx1"/>
+                </a:solidFill>
+                <a:latin typeface="TH Sarabun New" panose="020B0500040200020003" pitchFamily="34" charset="-34"/>
+                <a:cs typeface="TH Sarabun New" panose="020B0500040200020003" pitchFamily="34" charset="-34"/>
+              </a:rPr>
+              <a:t> </a:t>
+            </a:r>
+            <a:br>
+              <a:rPr lang="en-US" sz="3100" b="0" dirty="0">
+                <a:solidFill>
+                  <a:schemeClr val="tx1"/>
+                </a:solidFill>
+                <a:latin typeface="TH Sarabun New" panose="020B0500040200020003" pitchFamily="34" charset="-34"/>
+                <a:cs typeface="TH Sarabun New" panose="020B0500040200020003" pitchFamily="34" charset="-34"/>
+              </a:rPr>
+            </a:br>
+            <a:r>
+              <a:rPr lang="th-TH" sz="3100" b="0" dirty="0">
+                <a:solidFill>
+                  <a:schemeClr val="tx1"/>
+                </a:solidFill>
+                <a:latin typeface="TH Sarabun New" panose="020B0500040200020003" pitchFamily="34" charset="-34"/>
+                <a:cs typeface="TH Sarabun New" panose="020B0500040200020003" pitchFamily="34" charset="-34"/>
+              </a:rPr>
+              <a:t>คือ</a:t>
+            </a:r>
+            <a:br>
+              <a:rPr lang="th-TH" sz="3100" b="0" dirty="0">
+                <a:solidFill>
+                  <a:schemeClr val="tx1"/>
+                </a:solidFill>
+                <a:latin typeface="TH Sarabun New" panose="020B0500040200020003" pitchFamily="34" charset="-34"/>
+                <a:cs typeface="TH Sarabun New" panose="020B0500040200020003" pitchFamily="34" charset="-34"/>
+              </a:rPr>
+            </a:br>
+            <a:r>
+              <a:rPr lang="th-TH" sz="3100" dirty="0">
+                <a:solidFill>
+                  <a:schemeClr val="tx1"/>
+                </a:solidFill>
+                <a:latin typeface="TH Sarabun New" panose="020B0500040200020003" pitchFamily="34" charset="-34"/>
+                <a:cs typeface="TH Sarabun New" panose="020B0500040200020003" pitchFamily="34" charset="-34"/>
+              </a:rPr>
+              <a:t>ทฤษฎีบท 3 </a:t>
+            </a:r>
+            <a:r>
+              <a:rPr lang="th-TH" sz="3100" b="0" dirty="0">
+                <a:solidFill>
+                  <a:schemeClr val="tx1"/>
+                </a:solidFill>
+                <a:latin typeface="TH Sarabun New" panose="020B0500040200020003" pitchFamily="34" charset="-34"/>
+                <a:cs typeface="TH Sarabun New" panose="020B0500040200020003" pitchFamily="34" charset="-34"/>
+              </a:rPr>
+              <a:t>ถ้า     </a:t>
+            </a:r>
+            <a:r>
+              <a:rPr lang="en-US" sz="3100" b="0" dirty="0">
+                <a:solidFill>
+                  <a:schemeClr val="tx1"/>
+                </a:solidFill>
+                <a:latin typeface="TH Sarabun New" panose="020B0500040200020003" pitchFamily="34" charset="-34"/>
+                <a:cs typeface="TH Sarabun New" panose="020B0500040200020003" pitchFamily="34" charset="-34"/>
+              </a:rPr>
+              <a:t> </a:t>
+            </a:r>
+            <a:r>
+              <a:rPr lang="th-TH" sz="3100" b="0" dirty="0">
+                <a:solidFill>
+                  <a:schemeClr val="tx1"/>
+                </a:solidFill>
+                <a:latin typeface="TH Sarabun New" panose="020B0500040200020003" pitchFamily="34" charset="-34"/>
+                <a:cs typeface="TH Sarabun New" panose="020B0500040200020003" pitchFamily="34" charset="-34"/>
+              </a:rPr>
+              <a:t> </a:t>
+            </a:r>
+            <a:r>
+              <a:rPr lang="en-US" sz="3100" b="0" dirty="0">
+                <a:solidFill>
+                  <a:schemeClr val="tx1"/>
+                </a:solidFill>
+                <a:latin typeface="TH Sarabun New" panose="020B0500040200020003" pitchFamily="34" charset="-34"/>
+                <a:cs typeface="TH Sarabun New" panose="020B0500040200020003" pitchFamily="34" charset="-34"/>
+              </a:rPr>
+              <a:t>  </a:t>
+            </a:r>
+            <a:r>
+              <a:rPr lang="th-TH" sz="3100" b="0" dirty="0">
+                <a:solidFill>
+                  <a:schemeClr val="tx1"/>
+                </a:solidFill>
+                <a:latin typeface="TH Sarabun New" panose="020B0500040200020003" pitchFamily="34" charset="-34"/>
+                <a:cs typeface="TH Sarabun New" panose="020B0500040200020003" pitchFamily="34" charset="-34"/>
+              </a:rPr>
+              <a:t> </a:t>
+            </a:r>
+            <a:r>
+              <a:rPr lang="en-US" sz="3100" b="0" dirty="0">
+                <a:solidFill>
+                  <a:schemeClr val="tx1"/>
+                </a:solidFill>
+                <a:latin typeface="TH Sarabun New" panose="020B0500040200020003" pitchFamily="34" charset="-34"/>
+                <a:cs typeface="TH Sarabun New" panose="020B0500040200020003" pitchFamily="34" charset="-34"/>
+              </a:rPr>
+              <a:t> </a:t>
+            </a:r>
+            <a:r>
+              <a:rPr lang="th-TH" sz="3100" b="0" dirty="0">
+                <a:solidFill>
+                  <a:schemeClr val="tx1"/>
+                </a:solidFill>
+                <a:latin typeface="TH Sarabun New" panose="020B0500040200020003" pitchFamily="34" charset="-34"/>
+                <a:cs typeface="TH Sarabun New" panose="020B0500040200020003" pitchFamily="34" charset="-34"/>
+              </a:rPr>
+              <a:t>แล้วสมการไดโอแฟนไทน์                     มีผลเฉลยที่เป็นจำนวนเต็มที่ </a:t>
+            </a:r>
+            <a:br>
+              <a:rPr lang="th-TH" sz="3100" b="0" dirty="0">
+                <a:solidFill>
+                  <a:schemeClr val="tx1"/>
+                </a:solidFill>
+                <a:latin typeface="TH Sarabun New" panose="020B0500040200020003" pitchFamily="34" charset="-34"/>
+                <a:cs typeface="TH Sarabun New" panose="020B0500040200020003" pitchFamily="34" charset="-34"/>
+              </a:rPr>
+            </a:br>
+            <a:r>
+              <a:rPr lang="th-TH" sz="3100" b="0" dirty="0">
+                <a:solidFill>
+                  <a:schemeClr val="tx1"/>
+                </a:solidFill>
+                <a:latin typeface="TH Sarabun New" panose="020B0500040200020003" pitchFamily="34" charset="-34"/>
+                <a:cs typeface="TH Sarabun New" panose="020B0500040200020003" pitchFamily="34" charset="-34"/>
+              </a:rPr>
+              <a:t>ไม่เป็นลบเพียงผลเฉลยเดียว</a:t>
+            </a:r>
+            <a:r>
+              <a:rPr lang="en-US" sz="3100" b="0" dirty="0">
+                <a:solidFill>
+                  <a:schemeClr val="tx1"/>
+                </a:solidFill>
+                <a:latin typeface="TH Sarabun New" panose="020B0500040200020003" pitchFamily="34" charset="-34"/>
+                <a:cs typeface="TH Sarabun New" panose="020B0500040200020003" pitchFamily="34" charset="-34"/>
+              </a:rPr>
+              <a:t> </a:t>
+            </a:r>
+            <a:r>
+              <a:rPr lang="th-TH" sz="3100" b="0" dirty="0">
+                <a:solidFill>
+                  <a:schemeClr val="tx1"/>
+                </a:solidFill>
+                <a:latin typeface="TH Sarabun New" panose="020B0500040200020003" pitchFamily="34" charset="-34"/>
+                <a:cs typeface="TH Sarabun New" panose="020B0500040200020003" pitchFamily="34" charset="-34"/>
+              </a:rPr>
+              <a:t>คือ </a:t>
+            </a:r>
+            <a:br>
+              <a:rPr lang="th-TH" sz="3100" b="0" dirty="0">
+                <a:solidFill>
+                  <a:schemeClr val="tx1"/>
+                </a:solidFill>
+                <a:latin typeface="TH Sarabun New" panose="020B0500040200020003" pitchFamily="34" charset="-34"/>
+                <a:cs typeface="TH Sarabun New" panose="020B0500040200020003" pitchFamily="34" charset="-34"/>
+              </a:rPr>
+            </a:br>
+            <a:r>
+              <a:rPr lang="th-TH" sz="3100" dirty="0">
+                <a:solidFill>
+                  <a:schemeClr val="tx1"/>
+                </a:solidFill>
+                <a:latin typeface="TH Sarabun New" panose="020B0500040200020003" pitchFamily="34" charset="-34"/>
+                <a:cs typeface="TH Sarabun New" panose="020B0500040200020003" pitchFamily="34" charset="-34"/>
+              </a:rPr>
+              <a:t>ทฤษฎีบท 4  </a:t>
+            </a:r>
+            <a:r>
+              <a:rPr lang="th-TH" sz="3100" b="0" dirty="0">
+                <a:solidFill>
+                  <a:schemeClr val="tx1"/>
+                </a:solidFill>
+                <a:latin typeface="TH Sarabun New" panose="020B0500040200020003" pitchFamily="34" charset="-34"/>
+                <a:cs typeface="TH Sarabun New" panose="020B0500040200020003" pitchFamily="34" charset="-34"/>
+              </a:rPr>
+              <a:t>ถ้า    เป็นจำนวนคู่ และ             แล้วสมการไดโอแฟนไทน์                         </a:t>
+            </a:r>
+            <a:br>
+              <a:rPr lang="th-TH" sz="3100" b="0" dirty="0">
+                <a:solidFill>
+                  <a:schemeClr val="tx1"/>
+                </a:solidFill>
+                <a:latin typeface="TH Sarabun New" panose="020B0500040200020003" pitchFamily="34" charset="-34"/>
+                <a:cs typeface="TH Sarabun New" panose="020B0500040200020003" pitchFamily="34" charset="-34"/>
+              </a:rPr>
+            </a:br>
+            <a:r>
+              <a:rPr lang="th-TH" sz="3100" b="0" dirty="0">
+                <a:solidFill>
+                  <a:schemeClr val="tx1"/>
+                </a:solidFill>
+                <a:latin typeface="TH Sarabun New" panose="020B0500040200020003" pitchFamily="34" charset="-34"/>
+                <a:cs typeface="TH Sarabun New" panose="020B0500040200020003" pitchFamily="34" charset="-34"/>
+              </a:rPr>
+              <a:t>มีผลเฉลยที่เป็นจำนวนเต็มที่ไม่เป็นลบอยู่ในรูปแบบต่อไปนี้เท่านั้น คือ</a:t>
+            </a:r>
+            <a:br>
+              <a:rPr lang="th-TH" sz="3100" dirty="0">
+                <a:solidFill>
+                  <a:schemeClr val="tx1"/>
+                </a:solidFill>
+                <a:latin typeface="TH Sarabun New" panose="020B0500040200020003" pitchFamily="34" charset="-34"/>
+                <a:cs typeface="TH Sarabun New" panose="020B0500040200020003" pitchFamily="34" charset="-34"/>
+              </a:rPr>
+            </a:br>
+            <a:br>
+              <a:rPr lang="th-TH" sz="3100" dirty="0">
+                <a:solidFill>
+                  <a:schemeClr val="tx1"/>
+                </a:solidFill>
+                <a:latin typeface="TH Sarabun New" panose="020B0500040200020003" pitchFamily="34" charset="-34"/>
+                <a:cs typeface="TH Sarabun New" panose="020B0500040200020003" pitchFamily="34" charset="-34"/>
+              </a:rPr>
+            </a:br>
+            <a:r>
+              <a:rPr lang="th-TH" sz="3100" b="0" dirty="0">
+                <a:solidFill>
+                  <a:schemeClr val="tx1"/>
+                </a:solidFill>
+                <a:latin typeface="TH Sarabun New" panose="020B0500040200020003" pitchFamily="34" charset="-34"/>
+                <a:cs typeface="TH Sarabun New" panose="020B0500040200020003" pitchFamily="34" charset="-34"/>
+              </a:rPr>
+              <a:t>เมื่อ </a:t>
+            </a:r>
+            <a:r>
+              <a:rPr lang="en-US" sz="3100" b="0" dirty="0">
+                <a:solidFill>
+                  <a:schemeClr val="tx1"/>
+                </a:solidFill>
+                <a:latin typeface="TH Sarabun New" panose="020B0500040200020003" pitchFamily="34" charset="-34"/>
+                <a:cs typeface="TH Sarabun New" panose="020B0500040200020003" pitchFamily="34" charset="-34"/>
+              </a:rPr>
+              <a:t>   </a:t>
+            </a:r>
+            <a:r>
+              <a:rPr lang="th-TH" sz="3100" b="0" dirty="0">
+                <a:solidFill>
+                  <a:schemeClr val="tx1"/>
+                </a:solidFill>
+                <a:latin typeface="TH Sarabun New" panose="020B0500040200020003" pitchFamily="34" charset="-34"/>
+                <a:cs typeface="TH Sarabun New" panose="020B0500040200020003" pitchFamily="34" charset="-34"/>
+              </a:rPr>
+              <a:t>เป็นจำนวนเต็มที่ไม่เป็นลบ </a:t>
+            </a:r>
+            <a:br>
+              <a:rPr lang="th-TH" sz="3100" b="0" dirty="0">
+                <a:solidFill>
+                  <a:schemeClr val="tx1"/>
+                </a:solidFill>
+                <a:latin typeface="TH Sarabun New" panose="020B0500040200020003" pitchFamily="34" charset="-34"/>
+                <a:cs typeface="TH Sarabun New" panose="020B0500040200020003" pitchFamily="34" charset="-34"/>
+              </a:rPr>
+            </a:br>
+            <a:r>
+              <a:rPr lang="th-TH" sz="3100" dirty="0">
+                <a:solidFill>
+                  <a:schemeClr val="tx1"/>
+                </a:solidFill>
+                <a:latin typeface="TH Sarabun New" panose="020B0500040200020003" pitchFamily="34" charset="-34"/>
+                <a:cs typeface="TH Sarabun New" panose="020B0500040200020003" pitchFamily="34" charset="-34"/>
+              </a:rPr>
+              <a:t>ทฤษฎีบท 5 </a:t>
+            </a:r>
+            <a:r>
+              <a:rPr lang="th-TH" sz="3100" b="0" dirty="0">
+                <a:solidFill>
+                  <a:schemeClr val="tx1"/>
+                </a:solidFill>
+                <a:latin typeface="TH Sarabun New" panose="020B0500040200020003" pitchFamily="34" charset="-34"/>
+                <a:cs typeface="TH Sarabun New" panose="020B0500040200020003" pitchFamily="34" charset="-34"/>
+              </a:rPr>
+              <a:t>สมการไดโอแฟนไทน์   		  มีผลเฉลยที่เป็นจำนวนเต็มที่ไม่เป็นลบ </a:t>
+            </a:r>
+            <a:br>
+              <a:rPr lang="en-US" sz="3100" b="0" dirty="0">
+                <a:solidFill>
+                  <a:schemeClr val="tx1"/>
+                </a:solidFill>
+                <a:latin typeface="TH Sarabun New" panose="020B0500040200020003" pitchFamily="34" charset="-34"/>
+                <a:cs typeface="TH Sarabun New" panose="020B0500040200020003" pitchFamily="34" charset="-34"/>
+              </a:rPr>
+            </a:br>
+            <a:r>
+              <a:rPr lang="th-TH" sz="3100" b="0" dirty="0">
+                <a:solidFill>
+                  <a:schemeClr val="tx1"/>
+                </a:solidFill>
+                <a:latin typeface="TH Sarabun New" panose="020B0500040200020003" pitchFamily="34" charset="-34"/>
+                <a:cs typeface="TH Sarabun New" panose="020B0500040200020003" pitchFamily="34" charset="-34"/>
+              </a:rPr>
+              <a:t>เพียงสามผลเฉลย คือ                  </a:t>
+            </a:r>
+            <a:endParaRPr lang="en-US" sz="3100" b="0" dirty="0">
+              <a:solidFill>
+                <a:schemeClr val="tx1"/>
+              </a:solidFill>
+              <a:latin typeface="TH Sarabun New" panose="020B0500040200020003" pitchFamily="34" charset="-34"/>
+              <a:cs typeface="TH Sarabun New" panose="020B0500040200020003" pitchFamily="34" charset="-34"/>
+            </a:endParaRPr>
           </a:p>
         </p:txBody>
       </p:sp>
       <p:pic>
         <p:nvPicPr>
-          <p:cNvPr id="4" name="Content Placeholder 3" descr="\documentclass{article}&#10;\usepackage{amsmath}&#10;\pagestyle{empty}&#10;\usepackage{xcolor}&#10;\usepackage{empheq}&#10;\begin{document}&#10;${\color{green}2^{x}+p^{y}}={\color{blue}z^{2}}$&#10;\end{document}" title="IguanaTex Bitmap Display">
+          <p:cNvPr id="8" name="Picture 7" descr="\documentclass{article}&#10;\usepackage{amsmath}&#10;\pagestyle{empty}&#10;\usepackage{xcolor}&#10;\usepackage{empheq}&#10;\begin{document}&#10;${a^{x}-b^{y}}={1}$&#10;\end{document}" title="IguanaTex Bitmap Display">
             <a:extLst>
               <a:ext uri="{FF2B5EF4-FFF2-40B4-BE49-F238E27FC236}">
-                <a16:creationId xmlns:a16="http://schemas.microsoft.com/office/drawing/2014/main" id="{EECB39D6-A81C-14EE-F062-3CD5AA19519D}"/>
+                <a16:creationId xmlns:a16="http://schemas.microsoft.com/office/drawing/2014/main" id="{4F04EB86-B2AF-B1DB-FFC5-39800FF2B105}"/>
               </a:ext>
             </a:extLst>
           </p:cNvPr>
           <p:cNvPicPr>
-            <a:picLocks noGrp="1" noChangeAspect="1"/>
+            <a:picLocks noChangeAspect="1"/>
           </p:cNvPicPr>
           <p:nvPr>
-            <p:ph idx="1"/>
             <p:custDataLst>
               <p:tags r:id="rId1"/>
             </p:custDataLst>
           </p:nvPr>
         </p:nvPicPr>
         <p:blipFill>
-          <a:blip r:embed="rId3">
+          <a:blip r:embed="rId19">
             <a:extLst>
               <a:ext uri="{28A0092B-C50C-407E-A947-70E740481C1C}">
                 <a14:useLocalDpi xmlns:a14="http://schemas.microsoft.com/office/drawing/2010/main" val="0"/>
@@ -5476,8 +6687,648 @@
         </p:blipFill>
         <p:spPr>
           <a:xfrm>
-            <a:off x="1321330" y="3199707"/>
-            <a:ext cx="4861369" cy="923114"/>
+            <a:off x="6168570" y="2140805"/>
+            <a:ext cx="1206990" cy="174128"/>
+          </a:xfrm>
+          <a:prstGeom prst="rect">
+            <a:avLst/>
+          </a:prstGeom>
+        </p:spPr>
+      </p:pic>
+      <p:pic>
+        <p:nvPicPr>
+          <p:cNvPr id="21" name="Picture 20" descr="\documentclass{article}&#10;\usepackage{amsmath}&#10;\pagestyle{empty}&#10;\usepackage{xcolor}&#10;\usepackage{empheq}&#10;\begin{document}&#10;$min \left \{ a,b,x,y \right \}&gt;1$&#10;\end{document}" title="IguanaTex Bitmap Display">
+            <a:extLst>
+              <a:ext uri="{FF2B5EF4-FFF2-40B4-BE49-F238E27FC236}">
+                <a16:creationId xmlns:a16="http://schemas.microsoft.com/office/drawing/2014/main" id="{3F579485-CBC0-D42C-4935-062D69045477}"/>
+              </a:ext>
+            </a:extLst>
+          </p:cNvPr>
+          <p:cNvPicPr>
+            <a:picLocks noChangeAspect="1"/>
+          </p:cNvPicPr>
+          <p:nvPr>
+            <p:custDataLst>
+              <p:tags r:id="rId2"/>
+            </p:custDataLst>
+          </p:nvPr>
+        </p:nvPicPr>
+        <p:blipFill>
+          <a:blip r:embed="rId20">
+            <a:extLst>
+              <a:ext uri="{28A0092B-C50C-407E-A947-70E740481C1C}">
+                <a14:useLocalDpi xmlns:a14="http://schemas.microsoft.com/office/drawing/2010/main" val="0"/>
+              </a:ext>
+            </a:extLst>
+          </a:blip>
+          <a:stretch>
+            <a:fillRect/>
+          </a:stretch>
+        </p:blipFill>
+        <p:spPr>
+          <a:xfrm>
+            <a:off x="1268771" y="2074786"/>
+            <a:ext cx="2099263" cy="260458"/>
+          </a:xfrm>
+          <a:prstGeom prst="rect">
+            <a:avLst/>
+          </a:prstGeom>
+        </p:spPr>
+      </p:pic>
+      <p:pic>
+        <p:nvPicPr>
+          <p:cNvPr id="19" name="Picture 18" descr="\documentclass{article}&#10;\usepackage{amsmath}&#10;\pagestyle{empty}&#10;\usepackage{xcolor}&#10;\usepackage{empheq}&#10;\begin{document}&#10;$y$&#10;\end{document}" title="IguanaTex Bitmap Display">
+            <a:extLst>
+              <a:ext uri="{FF2B5EF4-FFF2-40B4-BE49-F238E27FC236}">
+                <a16:creationId xmlns:a16="http://schemas.microsoft.com/office/drawing/2014/main" id="{BCFBDD1F-A816-DCC1-6509-B9ECA07EEA17}"/>
+              </a:ext>
+            </a:extLst>
+          </p:cNvPr>
+          <p:cNvPicPr>
+            <a:picLocks noChangeAspect="1"/>
+          </p:cNvPicPr>
+          <p:nvPr>
+            <p:custDataLst>
+              <p:tags r:id="rId3"/>
+            </p:custDataLst>
+          </p:nvPr>
+        </p:nvPicPr>
+        <p:blipFill>
+          <a:blip r:embed="rId21">
+            <a:extLst>
+              <a:ext uri="{28A0092B-C50C-407E-A947-70E740481C1C}">
+                <a14:useLocalDpi xmlns:a14="http://schemas.microsoft.com/office/drawing/2010/main" val="0"/>
+              </a:ext>
+            </a:extLst>
+          </a:blip>
+          <a:stretch>
+            <a:fillRect/>
+          </a:stretch>
+        </p:blipFill>
+        <p:spPr>
+          <a:xfrm>
+            <a:off x="2106950" y="1785883"/>
+            <a:ext cx="121651" cy="166881"/>
+          </a:xfrm>
+          <a:prstGeom prst="rect">
+            <a:avLst/>
+          </a:prstGeom>
+        </p:spPr>
+      </p:pic>
+      <p:pic>
+        <p:nvPicPr>
+          <p:cNvPr id="17" name="Picture 16" descr="\documentclass{article}&#10;\usepackage{amsmath}&#10;\pagestyle{empty}&#10;\usepackage{xcolor}&#10;\usepackage{empheq}&#10;\begin{document}&#10;$a,b,x$&#10;\end{document}" title="IguanaTex Bitmap Display">
+            <a:extLst>
+              <a:ext uri="{FF2B5EF4-FFF2-40B4-BE49-F238E27FC236}">
+                <a16:creationId xmlns:a16="http://schemas.microsoft.com/office/drawing/2014/main" id="{0BCAAB7E-3D2D-7B88-BDC9-7A671D75F607}"/>
+              </a:ext>
+            </a:extLst>
+          </p:cNvPr>
+          <p:cNvPicPr>
+            <a:picLocks noChangeAspect="1"/>
+          </p:cNvPicPr>
+          <p:nvPr>
+            <p:custDataLst>
+              <p:tags r:id="rId4"/>
+            </p:custDataLst>
+          </p:nvPr>
+        </p:nvPicPr>
+        <p:blipFill>
+          <a:blip r:embed="rId22">
+            <a:extLst>
+              <a:ext uri="{28A0092B-C50C-407E-A947-70E740481C1C}">
+                <a14:useLocalDpi xmlns:a14="http://schemas.microsoft.com/office/drawing/2010/main" val="0"/>
+              </a:ext>
+            </a:extLst>
+          </a:blip>
+          <a:stretch>
+            <a:fillRect/>
+          </a:stretch>
+        </p:blipFill>
+        <p:spPr>
+          <a:xfrm>
+            <a:off x="965423" y="1723503"/>
+            <a:ext cx="606696" cy="229266"/>
+          </a:xfrm>
+          <a:prstGeom prst="rect">
+            <a:avLst/>
+          </a:prstGeom>
+        </p:spPr>
+      </p:pic>
+      <p:pic>
+        <p:nvPicPr>
+          <p:cNvPr id="24" name="Picture 23" descr="\documentclass{article}&#10;\usepackage{amsmath}&#10;\pagestyle{empty}&#10;\usepackage{xcolor}&#10;\usepackage{empheq}&#10;\begin{document}&#10;$ \left (a,b,x,y  \right )=\left ( 3,2,2,3 \right )$&#10;\end{document}" title="IguanaTex Bitmap Display">
+            <a:extLst>
+              <a:ext uri="{FF2B5EF4-FFF2-40B4-BE49-F238E27FC236}">
+                <a16:creationId xmlns:a16="http://schemas.microsoft.com/office/drawing/2014/main" id="{8BB58E6F-26D5-583E-362E-E5944B700C88}"/>
+              </a:ext>
+            </a:extLst>
+          </p:cNvPr>
+          <p:cNvPicPr>
+            <a:picLocks noChangeAspect="1"/>
+          </p:cNvPicPr>
+          <p:nvPr>
+            <p:custDataLst>
+              <p:tags r:id="rId5"/>
+            </p:custDataLst>
+          </p:nvPr>
+        </p:nvPicPr>
+        <p:blipFill>
+          <a:blip r:embed="rId23">
+            <a:extLst>
+              <a:ext uri="{28A0092B-C50C-407E-A947-70E740481C1C}">
+                <a14:useLocalDpi xmlns:a14="http://schemas.microsoft.com/office/drawing/2010/main" val="0"/>
+              </a:ext>
+            </a:extLst>
+          </a:blip>
+          <a:stretch>
+            <a:fillRect/>
+          </a:stretch>
+        </p:blipFill>
+        <p:spPr>
+          <a:xfrm>
+            <a:off x="1016517" y="2489534"/>
+            <a:ext cx="2437699" cy="260459"/>
+          </a:xfrm>
+          <a:prstGeom prst="rect">
+            <a:avLst/>
+          </a:prstGeom>
+        </p:spPr>
+      </p:pic>
+      <p:pic>
+        <p:nvPicPr>
+          <p:cNvPr id="27" name="Picture 26" descr="\documentclass{article}&#10;\usepackage{amsmath}&#10;\pagestyle{empty}&#10;\usepackage{xcolor}&#10;\usepackage{empheq}&#10;\begin{document}&#10;${2^{x}+1}={z^{2}}$&#10;\end{document}" title="IguanaTex Bitmap Display">
+            <a:extLst>
+              <a:ext uri="{FF2B5EF4-FFF2-40B4-BE49-F238E27FC236}">
+                <a16:creationId xmlns:a16="http://schemas.microsoft.com/office/drawing/2014/main" id="{75DEB2E7-C0B6-17AE-F078-D54E914763FF}"/>
+              </a:ext>
+            </a:extLst>
+          </p:cNvPr>
+          <p:cNvPicPr>
+            <a:picLocks noChangeAspect="1"/>
+          </p:cNvPicPr>
+          <p:nvPr>
+            <p:custDataLst>
+              <p:tags r:id="rId6"/>
+            </p:custDataLst>
+          </p:nvPr>
+        </p:nvPicPr>
+        <p:blipFill>
+          <a:blip r:embed="rId24">
+            <a:extLst>
+              <a:ext uri="{28A0092B-C50C-407E-A947-70E740481C1C}">
+                <a14:useLocalDpi xmlns:a14="http://schemas.microsoft.com/office/drawing/2010/main" val="0"/>
+              </a:ext>
+            </a:extLst>
+          </a:blip>
+          <a:stretch>
+            <a:fillRect/>
+          </a:stretch>
+        </p:blipFill>
+        <p:spPr>
+          <a:xfrm>
+            <a:off x="3733669" y="2858968"/>
+            <a:ext cx="1344364" cy="250925"/>
+          </a:xfrm>
+          <a:prstGeom prst="rect">
+            <a:avLst/>
+          </a:prstGeom>
+        </p:spPr>
+      </p:pic>
+      <p:pic>
+        <p:nvPicPr>
+          <p:cNvPr id="30" name="Picture 29" descr="\documentclass{article}&#10;\usepackage{amsmath}&#10;\pagestyle{empty}&#10;\usepackage{xcolor}&#10;\usepackage{empheq}&#10;\begin{document}&#10;$ \left (x,z  \right )=\left ( 3,3 \right )$&#10;\end{document}" title="IguanaTex Bitmap Display">
+            <a:extLst>
+              <a:ext uri="{FF2B5EF4-FFF2-40B4-BE49-F238E27FC236}">
+                <a16:creationId xmlns:a16="http://schemas.microsoft.com/office/drawing/2014/main" id="{F1127548-1494-1034-7C26-6A64C2E95EF5}"/>
+              </a:ext>
+            </a:extLst>
+          </p:cNvPr>
+          <p:cNvPicPr>
+            <a:picLocks noChangeAspect="1"/>
+          </p:cNvPicPr>
+          <p:nvPr>
+            <p:custDataLst>
+              <p:tags r:id="rId7"/>
+            </p:custDataLst>
+          </p:nvPr>
+        </p:nvPicPr>
+        <p:blipFill>
+          <a:blip r:embed="rId25">
+            <a:extLst>
+              <a:ext uri="{28A0092B-C50C-407E-A947-70E740481C1C}">
+                <a14:useLocalDpi xmlns:a14="http://schemas.microsoft.com/office/drawing/2010/main" val="0"/>
+              </a:ext>
+            </a:extLst>
+          </a:blip>
+          <a:stretch>
+            <a:fillRect/>
+          </a:stretch>
+        </p:blipFill>
+        <p:spPr>
+          <a:xfrm>
+            <a:off x="1067319" y="3251534"/>
+            <a:ext cx="1466050" cy="260459"/>
+          </a:xfrm>
+          <a:prstGeom prst="rect">
+            <a:avLst/>
+          </a:prstGeom>
+        </p:spPr>
+      </p:pic>
+      <p:pic>
+        <p:nvPicPr>
+          <p:cNvPr id="33" name="Picture 32" descr="\documentclass{article}&#10;\usepackage{amsmath}&#10;\pagestyle{empty}&#10;\usepackage{xcolor}&#10;\usepackage{empheq}&#10;\begin{document}&#10;$x$&#10;\end{document}" title="IguanaTex Bitmap Display">
+            <a:extLst>
+              <a:ext uri="{FF2B5EF4-FFF2-40B4-BE49-F238E27FC236}">
+                <a16:creationId xmlns:a16="http://schemas.microsoft.com/office/drawing/2014/main" id="{C25B2FE6-6B27-1FF5-B613-0893BEDE407F}"/>
+              </a:ext>
+            </a:extLst>
+          </p:cNvPr>
+          <p:cNvPicPr>
+            <a:picLocks noChangeAspect="1"/>
+          </p:cNvPicPr>
+          <p:nvPr>
+            <p:custDataLst>
+              <p:tags r:id="rId8"/>
+            </p:custDataLst>
+          </p:nvPr>
+        </p:nvPicPr>
+        <p:blipFill>
+          <a:blip r:embed="rId26">
+            <a:extLst>
+              <a:ext uri="{28A0092B-C50C-407E-A947-70E740481C1C}">
+                <a14:useLocalDpi xmlns:a14="http://schemas.microsoft.com/office/drawing/2010/main" val="0"/>
+              </a:ext>
+            </a:extLst>
+          </a:blip>
+          <a:stretch>
+            <a:fillRect/>
+          </a:stretch>
+        </p:blipFill>
+        <p:spPr>
+          <a:xfrm>
+            <a:off x="2215809" y="4492800"/>
+            <a:ext cx="131009" cy="116973"/>
+          </a:xfrm>
+          <a:prstGeom prst="rect">
+            <a:avLst/>
+          </a:prstGeom>
+        </p:spPr>
+      </p:pic>
+      <p:pic>
+        <p:nvPicPr>
+          <p:cNvPr id="36" name="Picture 35" descr="\documentclass{article}&#10;\usepackage{amsmath}&#10;\pagestyle{empty}&#10;\usepackage{xcolor}&#10;\usepackage{empheq}&#10;\begin{document}&#10;$p\neq 2$&#10;\end{document}" title="IguanaTex Bitmap Display">
+            <a:extLst>
+              <a:ext uri="{FF2B5EF4-FFF2-40B4-BE49-F238E27FC236}">
+                <a16:creationId xmlns:a16="http://schemas.microsoft.com/office/drawing/2014/main" id="{B372E3FE-733D-C220-746C-2BA805A51227}"/>
+              </a:ext>
+            </a:extLst>
+          </p:cNvPr>
+          <p:cNvPicPr>
+            <a:picLocks noChangeAspect="1"/>
+          </p:cNvPicPr>
+          <p:nvPr>
+            <p:custDataLst>
+              <p:tags r:id="rId9"/>
+            </p:custDataLst>
+          </p:nvPr>
+        </p:nvPicPr>
+        <p:blipFill>
+          <a:blip r:embed="rId27">
+            <a:extLst>
+              <a:ext uri="{28A0092B-C50C-407E-A947-70E740481C1C}">
+                <a14:useLocalDpi xmlns:a14="http://schemas.microsoft.com/office/drawing/2010/main" val="0"/>
+              </a:ext>
+            </a:extLst>
+          </a:blip>
+          <a:stretch>
+            <a:fillRect/>
+          </a:stretch>
+        </p:blipFill>
+        <p:spPr>
+          <a:xfrm>
+            <a:off x="2083399" y="3644241"/>
+            <a:ext cx="648625" cy="260459"/>
+          </a:xfrm>
+          <a:prstGeom prst="rect">
+            <a:avLst/>
+          </a:prstGeom>
+        </p:spPr>
+      </p:pic>
+      <p:pic>
+        <p:nvPicPr>
+          <p:cNvPr id="39" name="Picture 38" descr="\documentclass{article}&#10;\usepackage{amsmath}&#10;\pagestyle{empty}&#10;\usepackage{xcolor}&#10;\usepackage{empheq}&#10;\begin{document}&#10;${1+p^{y}}={z^{2}}$&#10;\end{document}" title="IguanaTex Bitmap Display">
+            <a:extLst>
+              <a:ext uri="{FF2B5EF4-FFF2-40B4-BE49-F238E27FC236}">
+                <a16:creationId xmlns:a16="http://schemas.microsoft.com/office/drawing/2014/main" id="{5C97143E-EB73-2AE1-74EC-F3859F782D48}"/>
+              </a:ext>
+            </a:extLst>
+          </p:cNvPr>
+          <p:cNvPicPr>
+            <a:picLocks noChangeAspect="1"/>
+          </p:cNvPicPr>
+          <p:nvPr>
+            <p:custDataLst>
+              <p:tags r:id="rId10"/>
+            </p:custDataLst>
+          </p:nvPr>
+        </p:nvPicPr>
+        <p:blipFill>
+          <a:blip r:embed="rId28">
+            <a:extLst>
+              <a:ext uri="{28A0092B-C50C-407E-A947-70E740481C1C}">
+                <a14:useLocalDpi xmlns:a14="http://schemas.microsoft.com/office/drawing/2010/main" val="0"/>
+              </a:ext>
+            </a:extLst>
+          </a:blip>
+          <a:stretch>
+            <a:fillRect/>
+          </a:stretch>
+        </p:blipFill>
+        <p:spPr>
+          <a:xfrm>
+            <a:off x="5112294" y="3615213"/>
+            <a:ext cx="1317534" cy="278329"/>
+          </a:xfrm>
+          <a:prstGeom prst="rect">
+            <a:avLst/>
+          </a:prstGeom>
+        </p:spPr>
+      </p:pic>
+      <p:pic>
+        <p:nvPicPr>
+          <p:cNvPr id="42" name="Picture 41" descr="\documentclass{article}&#10;\usepackage{amsmath}&#10;\pagestyle{empty}&#10;\usepackage{xcolor}&#10;\usepackage{empheq}&#10;\begin{document}&#10;$ \left (p,y,z  \right )=\left ( 3,1,2 \right )$&#10;\end{document}" title="IguanaTex Bitmap Display">
+            <a:extLst>
+              <a:ext uri="{FF2B5EF4-FFF2-40B4-BE49-F238E27FC236}">
+                <a16:creationId xmlns:a16="http://schemas.microsoft.com/office/drawing/2014/main" id="{CC0F0926-5A6A-3E6B-1DA9-C567D70B45EB}"/>
+              </a:ext>
+            </a:extLst>
+          </p:cNvPr>
+          <p:cNvPicPr>
+            <a:picLocks noChangeAspect="1"/>
+          </p:cNvPicPr>
+          <p:nvPr>
+            <p:custDataLst>
+              <p:tags r:id="rId11"/>
+            </p:custDataLst>
+          </p:nvPr>
+        </p:nvPicPr>
+        <p:blipFill>
+          <a:blip r:embed="rId29">
+            <a:extLst>
+              <a:ext uri="{28A0092B-C50C-407E-A947-70E740481C1C}">
+                <a14:useLocalDpi xmlns:a14="http://schemas.microsoft.com/office/drawing/2010/main" val="0"/>
+              </a:ext>
+            </a:extLst>
+          </a:blip>
+          <a:stretch>
+            <a:fillRect/>
+          </a:stretch>
+        </p:blipFill>
+        <p:spPr>
+          <a:xfrm>
+            <a:off x="3596072" y="4021969"/>
+            <a:ext cx="1944856" cy="260459"/>
+          </a:xfrm>
+          <a:prstGeom prst="rect">
+            <a:avLst/>
+          </a:prstGeom>
+        </p:spPr>
+      </p:pic>
+      <p:pic>
+        <p:nvPicPr>
+          <p:cNvPr id="43" name="Picture 42" descr="\documentclass{article}&#10;\usepackage{amsmath}&#10;\pagestyle{empty}&#10;\usepackage{xcolor}&#10;\usepackage{empheq}&#10;\begin{document}&#10;$p\neq 2$&#10;\end{document}" title="IguanaTex Bitmap Display">
+            <a:extLst>
+              <a:ext uri="{FF2B5EF4-FFF2-40B4-BE49-F238E27FC236}">
+                <a16:creationId xmlns:a16="http://schemas.microsoft.com/office/drawing/2014/main" id="{16BEA707-3C99-DBDA-BF18-9FFB37B09D31}"/>
+              </a:ext>
+            </a:extLst>
+          </p:cNvPr>
+          <p:cNvPicPr>
+            <a:picLocks noChangeAspect="1"/>
+          </p:cNvPicPr>
+          <p:nvPr>
+            <p:custDataLst>
+              <p:tags r:id="rId12"/>
+            </p:custDataLst>
+          </p:nvPr>
+        </p:nvPicPr>
+        <p:blipFill>
+          <a:blip r:embed="rId27">
+            <a:extLst>
+              <a:ext uri="{28A0092B-C50C-407E-A947-70E740481C1C}">
+                <a14:useLocalDpi xmlns:a14="http://schemas.microsoft.com/office/drawing/2010/main" val="0"/>
+              </a:ext>
+            </a:extLst>
+          </a:blip>
+          <a:stretch>
+            <a:fillRect/>
+          </a:stretch>
+        </p:blipFill>
+        <p:spPr>
+          <a:xfrm>
+            <a:off x="4138641" y="4425726"/>
+            <a:ext cx="648625" cy="260459"/>
+          </a:xfrm>
+          <a:prstGeom prst="rect">
+            <a:avLst/>
+          </a:prstGeom>
+        </p:spPr>
+      </p:pic>
+      <p:pic>
+        <p:nvPicPr>
+          <p:cNvPr id="44" name="Picture 43" descr="\documentclass{article}&#10;\usepackage{amsmath}&#10;\pagestyle{empty}&#10;\usepackage{xcolor}&#10;\usepackage{empheq}&#10;\begin{document}&#10;${2^{x}+p^{y}}={z^{2}}$&#10;\end{document}" title="IguanaTex Bitmap Display">
+            <a:extLst>
+              <a:ext uri="{FF2B5EF4-FFF2-40B4-BE49-F238E27FC236}">
+                <a16:creationId xmlns:a16="http://schemas.microsoft.com/office/drawing/2014/main" id="{8EFEA4EE-011C-A5F7-A7BF-6171F17B71B4}"/>
+              </a:ext>
+            </a:extLst>
+          </p:cNvPr>
+          <p:cNvPicPr>
+            <a:picLocks noChangeAspect="1"/>
+          </p:cNvPicPr>
+          <p:nvPr>
+            <p:custDataLst>
+              <p:tags r:id="rId13"/>
+            </p:custDataLst>
+          </p:nvPr>
+        </p:nvPicPr>
+        <p:blipFill>
+          <a:blip r:embed="rId30">
+            <a:extLst>
+              <a:ext uri="{28A0092B-C50C-407E-A947-70E740481C1C}">
+                <a14:useLocalDpi xmlns:a14="http://schemas.microsoft.com/office/drawing/2010/main" val="0"/>
+              </a:ext>
+            </a:extLst>
+          </a:blip>
+          <a:stretch>
+            <a:fillRect/>
+          </a:stretch>
+        </p:blipFill>
+        <p:spPr>
+          <a:xfrm>
+            <a:off x="7215906" y="4417680"/>
+            <a:ext cx="1376551" cy="261390"/>
+          </a:xfrm>
+          <a:prstGeom prst="rect">
+            <a:avLst/>
+          </a:prstGeom>
+        </p:spPr>
+      </p:pic>
+      <p:pic>
+        <p:nvPicPr>
+          <p:cNvPr id="47" name="Picture 46" descr="\documentclass{article}&#10;\usepackage{amsmath}&#10;\pagestyle{empty}&#10;\usepackage{xcolor}&#10;\usepackage{empheq}&#10;\begin{document}&#10;$r$&#10;\end{document}" title="IguanaTex Bitmap Display">
+            <a:extLst>
+              <a:ext uri="{FF2B5EF4-FFF2-40B4-BE49-F238E27FC236}">
+                <a16:creationId xmlns:a16="http://schemas.microsoft.com/office/drawing/2014/main" id="{0976264D-30EB-8A7C-376B-A7D07E27D557}"/>
+              </a:ext>
+            </a:extLst>
+          </p:cNvPr>
+          <p:cNvPicPr>
+            <a:picLocks noChangeAspect="1"/>
+          </p:cNvPicPr>
+          <p:nvPr>
+            <p:custDataLst>
+              <p:tags r:id="rId14"/>
+            </p:custDataLst>
+          </p:nvPr>
+        </p:nvPicPr>
+        <p:blipFill>
+          <a:blip r:embed="rId31">
+            <a:extLst>
+              <a:ext uri="{28A0092B-C50C-407E-A947-70E740481C1C}">
+                <a14:useLocalDpi xmlns:a14="http://schemas.microsoft.com/office/drawing/2010/main" val="0"/>
+              </a:ext>
+            </a:extLst>
+          </a:blip>
+          <a:stretch>
+            <a:fillRect/>
+          </a:stretch>
+        </p:blipFill>
+        <p:spPr>
+          <a:xfrm>
+            <a:off x="1067319" y="5624914"/>
+            <a:ext cx="107614" cy="116973"/>
+          </a:xfrm>
+          <a:prstGeom prst="rect">
+            <a:avLst/>
+          </a:prstGeom>
+        </p:spPr>
+      </p:pic>
+      <p:pic>
+        <p:nvPicPr>
+          <p:cNvPr id="50" name="Picture 49" descr="\documentclass{article}&#10;\usepackage{amsmath}&#10;\pagestyle{empty}&#10;\usepackage{xcolor}&#10;\usepackage{empheq}&#10;\begin{document}&#10;${2^{x}+3^{y}}={z^{2}}$&#10;\end{document}" title="IguanaTex Bitmap Display">
+            <a:extLst>
+              <a:ext uri="{FF2B5EF4-FFF2-40B4-BE49-F238E27FC236}">
+                <a16:creationId xmlns:a16="http://schemas.microsoft.com/office/drawing/2014/main" id="{615E2F78-327B-8682-2DAE-807349356D7E}"/>
+              </a:ext>
+            </a:extLst>
+          </p:cNvPr>
+          <p:cNvPicPr>
+            <a:picLocks noChangeAspect="1"/>
+          </p:cNvPicPr>
+          <p:nvPr>
+            <p:custDataLst>
+              <p:tags r:id="rId15"/>
+            </p:custDataLst>
+          </p:nvPr>
+        </p:nvPicPr>
+        <p:blipFill>
+          <a:blip r:embed="rId32">
+            <a:extLst>
+              <a:ext uri="{28A0092B-C50C-407E-A947-70E740481C1C}">
+                <a14:useLocalDpi xmlns:a14="http://schemas.microsoft.com/office/drawing/2010/main" val="0"/>
+              </a:ext>
+            </a:extLst>
+          </a:blip>
+          <a:stretch>
+            <a:fillRect/>
+          </a:stretch>
+        </p:blipFill>
+        <p:spPr>
+          <a:xfrm>
+            <a:off x="3880224" y="5916444"/>
+            <a:ext cx="1375004" cy="233550"/>
+          </a:xfrm>
+          <a:prstGeom prst="rect">
+            <a:avLst/>
+          </a:prstGeom>
+        </p:spPr>
+      </p:pic>
+      <p:pic>
+        <p:nvPicPr>
+          <p:cNvPr id="64" name="Picture 63" descr="\documentclass{article}&#10;\usepackage{amsmath}&#10;\pagestyle{empty}&#10;\usepackage{xcolor}&#10;\usepackage{empheq}&#10;\begin{document}&#10;$\left ( x,p,y,z \right )\in\left \{\left ( 4,3,2,5 \right ) ,\left ( 2r,2 ^{r+1}+1,1,2^{r}+1\right )\right \}$&#10;\end{document}" title="IguanaTex Bitmap Display">
+            <a:extLst>
+              <a:ext uri="{FF2B5EF4-FFF2-40B4-BE49-F238E27FC236}">
+                <a16:creationId xmlns:a16="http://schemas.microsoft.com/office/drawing/2014/main" id="{B29EFF8D-AFD3-1A7F-596E-C034DB5D0CD0}"/>
+              </a:ext>
+            </a:extLst>
+          </p:cNvPr>
+          <p:cNvPicPr>
+            <a:picLocks noChangeAspect="1"/>
+          </p:cNvPicPr>
+          <p:nvPr>
+            <p:custDataLst>
+              <p:tags r:id="rId16"/>
+            </p:custDataLst>
+          </p:nvPr>
+        </p:nvPicPr>
+        <p:blipFill>
+          <a:blip r:embed="rId33">
+            <a:extLst>
+              <a:ext uri="{28A0092B-C50C-407E-A947-70E740481C1C}">
+                <a14:useLocalDpi xmlns:a14="http://schemas.microsoft.com/office/drawing/2010/main" val="0"/>
+              </a:ext>
+            </a:extLst>
+          </a:blip>
+          <a:stretch>
+            <a:fillRect/>
+          </a:stretch>
+        </p:blipFill>
+        <p:spPr>
+          <a:xfrm>
+            <a:off x="665335" y="5153009"/>
+            <a:ext cx="5162977" cy="292802"/>
+          </a:xfrm>
+          <a:prstGeom prst="rect">
+            <a:avLst/>
+          </a:prstGeom>
+        </p:spPr>
+      </p:pic>
+      <p:pic>
+        <p:nvPicPr>
+          <p:cNvPr id="62" name="Picture 61" descr="\documentclass{article}&#10;\usepackage{amsmath}&#10;\pagestyle{empty}&#10;\usepackage{xcolor}&#10;\usepackage{empheq}&#10;\begin{document}&#10;$\left ( x,y,z \right )\in\left \{\left (3,0,3 \right ) ,\left ( 0,1,2 \right ),\left ( 4,2,5 \right )\right \}$&#10;\end{document}" title="IguanaTex Bitmap Display">
+            <a:extLst>
+              <a:ext uri="{FF2B5EF4-FFF2-40B4-BE49-F238E27FC236}">
+                <a16:creationId xmlns:a16="http://schemas.microsoft.com/office/drawing/2014/main" id="{DB4CF640-BF25-651B-AF34-7C02CBA04F20}"/>
+              </a:ext>
+            </a:extLst>
+          </p:cNvPr>
+          <p:cNvPicPr>
+            <a:picLocks noChangeAspect="1"/>
+          </p:cNvPicPr>
+          <p:nvPr>
+            <p:custDataLst>
+              <p:tags r:id="rId17"/>
+            </p:custDataLst>
+          </p:nvPr>
+        </p:nvPicPr>
+        <p:blipFill>
+          <a:blip r:embed="rId34">
+            <a:extLst>
+              <a:ext uri="{28A0092B-C50C-407E-A947-70E740481C1C}">
+                <a14:useLocalDpi xmlns:a14="http://schemas.microsoft.com/office/drawing/2010/main" val="0"/>
+              </a:ext>
+            </a:extLst>
+          </a:blip>
+          <a:stretch>
+            <a:fillRect/>
+          </a:stretch>
+        </p:blipFill>
+        <p:spPr>
+          <a:xfrm>
+            <a:off x="2627604" y="6343373"/>
+            <a:ext cx="4154836" cy="260460"/>
           </a:xfrm>
           <a:prstGeom prst="rect">
             <a:avLst/>
@@ -5516,50 +7367,263 @@
       </p:grpSpPr>
       <p:sp>
         <p:nvSpPr>
-          <p:cNvPr id="2" name="Title 1">
+          <p:cNvPr id="5" name="TextBox 4">
             <a:extLst>
               <a:ext uri="{FF2B5EF4-FFF2-40B4-BE49-F238E27FC236}">
-                <a16:creationId xmlns:a16="http://schemas.microsoft.com/office/drawing/2014/main" id="{654BF00C-302E-B454-8CA4-312381AEF540}"/>
+                <a16:creationId xmlns:a16="http://schemas.microsoft.com/office/drawing/2014/main" id="{0C2F9523-00CB-B6CA-E507-CD04E00F7729}"/>
               </a:ext>
             </a:extLst>
           </p:cNvPr>
-          <p:cNvSpPr>
-            <a:spLocks noGrp="1"/>
-          </p:cNvSpPr>
-          <p:nvPr>
-            <p:ph type="title"/>
-          </p:nvPr>
-        </p:nvSpPr>
-        <p:spPr/>
+          <p:cNvSpPr txBox="1"/>
+          <p:nvPr/>
+        </p:nvSpPr>
+        <p:spPr>
+          <a:xfrm>
+            <a:off x="804334" y="319314"/>
+            <a:ext cx="11082866" cy="3908762"/>
+          </a:xfrm>
+          <a:prstGeom prst="rect">
+            <a:avLst/>
+          </a:prstGeom>
+          <a:noFill/>
+        </p:spPr>
         <p:txBody>
-          <a:bodyPr/>
+          <a:bodyPr wrap="square">
+            <a:spAutoFit/>
+          </a:bodyPr>
           <a:lstStyle/>
           <a:p>
-            <a:endParaRPr lang="en-US"/>
+            <a:br>
+              <a:rPr lang="th-TH" sz="3100" b="0" dirty="0">
+                <a:solidFill>
+                  <a:schemeClr val="tx1"/>
+                </a:solidFill>
+                <a:latin typeface="TH Sarabun New" panose="020B0500040200020003" pitchFamily="34" charset="-34"/>
+                <a:cs typeface="TH Sarabun New" panose="020B0500040200020003" pitchFamily="34" charset="-34"/>
+              </a:rPr>
+            </a:br>
+            <a:r>
+              <a:rPr lang="th-TH" sz="3100" b="1" dirty="0">
+                <a:solidFill>
+                  <a:schemeClr val="tx1"/>
+                </a:solidFill>
+                <a:latin typeface="TH Sarabun New" panose="020B0500040200020003" pitchFamily="34" charset="-34"/>
+                <a:cs typeface="TH Sarabun New" panose="020B0500040200020003" pitchFamily="34" charset="-34"/>
+              </a:rPr>
+              <a:t>ทฤษฎีบท </a:t>
+            </a:r>
+            <a:r>
+              <a:rPr lang="en-US" sz="3100" b="1" dirty="0">
+                <a:solidFill>
+                  <a:schemeClr val="tx1"/>
+                </a:solidFill>
+                <a:latin typeface="TH Sarabun New" panose="020B0500040200020003" pitchFamily="34" charset="-34"/>
+                <a:cs typeface="TH Sarabun New" panose="020B0500040200020003" pitchFamily="34" charset="-34"/>
+              </a:rPr>
+              <a:t>6</a:t>
+            </a:r>
+            <a:r>
+              <a:rPr lang="th-TH" sz="3100" b="1" dirty="0">
+                <a:solidFill>
+                  <a:schemeClr val="tx1"/>
+                </a:solidFill>
+                <a:latin typeface="TH Sarabun New" panose="020B0500040200020003" pitchFamily="34" charset="-34"/>
+                <a:cs typeface="TH Sarabun New" panose="020B0500040200020003" pitchFamily="34" charset="-34"/>
+              </a:rPr>
+              <a:t>  </a:t>
+            </a:r>
+            <a:r>
+              <a:rPr lang="th-TH" sz="3100" b="0" dirty="0">
+                <a:solidFill>
+                  <a:schemeClr val="tx1"/>
+                </a:solidFill>
+                <a:latin typeface="TH Sarabun New" panose="020B0500040200020003" pitchFamily="34" charset="-34"/>
+                <a:cs typeface="TH Sarabun New" panose="020B0500040200020003" pitchFamily="34" charset="-34"/>
+              </a:rPr>
+              <a:t>ถ้า    </a:t>
+            </a:r>
+            <a:r>
+              <a:rPr lang="en-US" sz="3100" b="0" dirty="0">
+                <a:solidFill>
+                  <a:schemeClr val="tx1"/>
+                </a:solidFill>
+                <a:latin typeface="TH Sarabun New" panose="020B0500040200020003" pitchFamily="34" charset="-34"/>
+                <a:cs typeface="TH Sarabun New" panose="020B0500040200020003" pitchFamily="34" charset="-34"/>
+              </a:rPr>
+              <a:t>       </a:t>
+            </a:r>
+            <a:r>
+              <a:rPr lang="th-TH" sz="3100" b="0" dirty="0">
+                <a:solidFill>
+                  <a:schemeClr val="tx1"/>
+                </a:solidFill>
+                <a:latin typeface="TH Sarabun New" panose="020B0500040200020003" pitchFamily="34" charset="-34"/>
+                <a:cs typeface="TH Sarabun New" panose="020B0500040200020003" pitchFamily="34" charset="-34"/>
+              </a:rPr>
+              <a:t>และ       </a:t>
+            </a:r>
+            <a:r>
+              <a:rPr lang="en-US" sz="3100" b="0" dirty="0">
+                <a:solidFill>
+                  <a:schemeClr val="tx1"/>
+                </a:solidFill>
+                <a:latin typeface="TH Sarabun New" panose="020B0500040200020003" pitchFamily="34" charset="-34"/>
+                <a:cs typeface="TH Sarabun New" panose="020B0500040200020003" pitchFamily="34" charset="-34"/>
+              </a:rPr>
+              <a:t>         </a:t>
+            </a:r>
+            <a:r>
+              <a:rPr lang="th-TH" sz="3100" b="0" dirty="0">
+                <a:solidFill>
+                  <a:schemeClr val="tx1"/>
+                </a:solidFill>
+                <a:latin typeface="TH Sarabun New" panose="020B0500040200020003" pitchFamily="34" charset="-34"/>
+                <a:cs typeface="TH Sarabun New" panose="020B0500040200020003" pitchFamily="34" charset="-34"/>
+              </a:rPr>
+              <a:t>      </a:t>
+            </a:r>
+            <a:r>
+              <a:rPr lang="en-US" sz="3100" b="0" dirty="0">
+                <a:solidFill>
+                  <a:schemeClr val="tx1"/>
+                </a:solidFill>
+                <a:latin typeface="TH Sarabun New" panose="020B0500040200020003" pitchFamily="34" charset="-34"/>
+                <a:cs typeface="TH Sarabun New" panose="020B0500040200020003" pitchFamily="34" charset="-34"/>
+              </a:rPr>
+              <a:t>       </a:t>
+            </a:r>
+            <a:r>
+              <a:rPr lang="th-TH" sz="3100" b="0" dirty="0">
+                <a:solidFill>
+                  <a:schemeClr val="tx1"/>
+                </a:solidFill>
+                <a:latin typeface="TH Sarabun New" panose="020B0500040200020003" pitchFamily="34" charset="-34"/>
+                <a:cs typeface="TH Sarabun New" panose="020B0500040200020003" pitchFamily="34" charset="-34"/>
+              </a:rPr>
+              <a:t>แล้วสมการไดโอแฟนไทน์            </a:t>
+            </a:r>
+            <a:endParaRPr lang="en-US" sz="3100" b="0" dirty="0">
+              <a:solidFill>
+                <a:schemeClr val="tx1"/>
+              </a:solidFill>
+              <a:latin typeface="TH Sarabun New" panose="020B0500040200020003" pitchFamily="34" charset="-34"/>
+              <a:cs typeface="TH Sarabun New" panose="020B0500040200020003" pitchFamily="34" charset="-34"/>
+            </a:endParaRPr>
+          </a:p>
+          <a:p>
+            <a:r>
+              <a:rPr lang="th-TH" sz="3100" b="0" dirty="0">
+                <a:solidFill>
+                  <a:schemeClr val="tx1"/>
+                </a:solidFill>
+                <a:latin typeface="TH Sarabun New" panose="020B0500040200020003" pitchFamily="34" charset="-34"/>
+                <a:cs typeface="TH Sarabun New" panose="020B0500040200020003" pitchFamily="34" charset="-34"/>
+              </a:rPr>
+              <a:t>             </a:t>
+            </a:r>
+            <a:br>
+              <a:rPr lang="th-TH" sz="3100" b="0" dirty="0">
+                <a:solidFill>
+                  <a:schemeClr val="tx1"/>
+                </a:solidFill>
+                <a:latin typeface="TH Sarabun New" panose="020B0500040200020003" pitchFamily="34" charset="-34"/>
+                <a:cs typeface="TH Sarabun New" panose="020B0500040200020003" pitchFamily="34" charset="-34"/>
+              </a:rPr>
+            </a:br>
+            <a:r>
+              <a:rPr lang="th-TH" sz="3100" b="0" dirty="0">
+                <a:solidFill>
+                  <a:schemeClr val="tx1"/>
+                </a:solidFill>
+                <a:latin typeface="TH Sarabun New" panose="020B0500040200020003" pitchFamily="34" charset="-34"/>
+                <a:cs typeface="TH Sarabun New" panose="020B0500040200020003" pitchFamily="34" charset="-34"/>
+              </a:rPr>
+              <a:t>มีผลเฉลยที่เป็นจำนวนเต็มที่ไม่เป็นลบอยู่ในรูปแบบต่อไปนี้เท่านั้น คือ</a:t>
+            </a:r>
+            <a:br>
+              <a:rPr lang="th-TH" sz="3100" dirty="0">
+                <a:solidFill>
+                  <a:schemeClr val="tx1"/>
+                </a:solidFill>
+                <a:latin typeface="TH Sarabun New" panose="020B0500040200020003" pitchFamily="34" charset="-34"/>
+                <a:cs typeface="TH Sarabun New" panose="020B0500040200020003" pitchFamily="34" charset="-34"/>
+              </a:rPr>
+            </a:br>
+            <a:endParaRPr lang="en-US" sz="3100" dirty="0">
+              <a:solidFill>
+                <a:schemeClr val="tx1"/>
+              </a:solidFill>
+              <a:latin typeface="TH Sarabun New" panose="020B0500040200020003" pitchFamily="34" charset="-34"/>
+              <a:cs typeface="TH Sarabun New" panose="020B0500040200020003" pitchFamily="34" charset="-34"/>
+            </a:endParaRPr>
+          </a:p>
+          <a:p>
+            <a:endParaRPr lang="th-TH" sz="3100" dirty="0">
+              <a:solidFill>
+                <a:schemeClr val="tx1"/>
+              </a:solidFill>
+              <a:latin typeface="TH Sarabun New" panose="020B0500040200020003" pitchFamily="34" charset="-34"/>
+              <a:cs typeface="TH Sarabun New" panose="020B0500040200020003" pitchFamily="34" charset="-34"/>
+            </a:endParaRPr>
+          </a:p>
+          <a:p>
+            <a:r>
+              <a:rPr lang="th-TH" sz="3100" b="1" dirty="0">
+                <a:solidFill>
+                  <a:schemeClr val="tx1"/>
+                </a:solidFill>
+                <a:latin typeface="TH Sarabun New" panose="020B0500040200020003" pitchFamily="34" charset="-34"/>
+                <a:cs typeface="TH Sarabun New" panose="020B0500040200020003" pitchFamily="34" charset="-34"/>
+              </a:rPr>
+              <a:t>บทพิสูจ</a:t>
+            </a:r>
+            <a:r>
+              <a:rPr lang="th-TH" sz="3100" b="1" dirty="0">
+                <a:latin typeface="TH Sarabun New" panose="020B0500040200020003" pitchFamily="34" charset="-34"/>
+                <a:cs typeface="TH Sarabun New" panose="020B0500040200020003" pitchFamily="34" charset="-34"/>
+              </a:rPr>
+              <a:t>น์ </a:t>
+            </a:r>
+            <a:r>
+              <a:rPr lang="th-TH" sz="3100" dirty="0">
+                <a:latin typeface="TH Sarabun New" panose="020B0500040200020003" pitchFamily="34" charset="-34"/>
+                <a:cs typeface="TH Sarabun New" panose="020B0500040200020003" pitchFamily="34" charset="-34"/>
+              </a:rPr>
+              <a:t>ให้              และ						ดังนั้น </a:t>
+            </a:r>
+            <a:br>
+              <a:rPr lang="th-TH" sz="3100" dirty="0">
+                <a:solidFill>
+                  <a:schemeClr val="tx1"/>
+                </a:solidFill>
+                <a:latin typeface="TH Sarabun New" panose="020B0500040200020003" pitchFamily="34" charset="-34"/>
+                <a:cs typeface="TH Sarabun New" panose="020B0500040200020003" pitchFamily="34" charset="-34"/>
+              </a:rPr>
+            </a:br>
+            <a:endParaRPr lang="en-US" sz="3100" dirty="0"/>
           </a:p>
         </p:txBody>
       </p:sp>
       <p:pic>
         <p:nvPicPr>
-          <p:cNvPr id="4" name="Content Placeholder 3" descr="\documentclass{article}&#10;\usepackage{amsmath}&#10;\pagestyle{empty}&#10;\usepackage{xcolor}&#10;\usepackage{empheq}&#10;\begin{document}&#10;{Y}=2{\color{blue}x}&#10;\end{document}" title="IguanaTex Bitmap Display">
+          <p:cNvPr id="6" name="Picture 5" descr="\documentclass{article}&#10;\usepackage{amsmath}&#10;\pagestyle{empty}&#10;\usepackage{xcolor}&#10;\usepackage{empheq}&#10;\begin{document}&#10;$x\neq 1$&#10;\end{document}" title="IguanaTex Bitmap Display">
             <a:extLst>
               <a:ext uri="{FF2B5EF4-FFF2-40B4-BE49-F238E27FC236}">
-                <a16:creationId xmlns:a16="http://schemas.microsoft.com/office/drawing/2014/main" id="{570871A3-0E60-7E65-03E1-704DD251C2E9}"/>
+                <a16:creationId xmlns:a16="http://schemas.microsoft.com/office/drawing/2014/main" id="{297D892A-13E7-1D1F-7ECD-4E616FA6B38F}"/>
               </a:ext>
             </a:extLst>
           </p:cNvPr>
           <p:cNvPicPr>
-            <a:picLocks noGrp="1" noChangeAspect="1"/>
+            <a:picLocks noChangeAspect="1"/>
           </p:cNvPicPr>
           <p:nvPr>
-            <p:ph idx="1"/>
             <p:custDataLst>
               <p:tags r:id="rId1"/>
             </p:custDataLst>
           </p:nvPr>
         </p:nvPicPr>
         <p:blipFill>
-          <a:blip r:embed="rId4">
+          <a:blip r:embed="rId10">
             <a:extLst>
               <a:ext uri="{28A0092B-C50C-407E-A947-70E740481C1C}">
                 <a14:useLocalDpi xmlns:a14="http://schemas.microsoft.com/office/drawing/2010/main" val="0"/>
@@ -5572,8 +7636,8 @@
         </p:blipFill>
         <p:spPr>
           <a:xfrm>
-            <a:off x="3554663" y="3466374"/>
-            <a:ext cx="4009524" cy="1076190"/>
+            <a:off x="2682230" y="905589"/>
+            <a:ext cx="814631" cy="330544"/>
           </a:xfrm>
           <a:prstGeom prst="rect">
             <a:avLst/>
@@ -5582,10 +7646,10 @@
       </p:pic>
       <p:pic>
         <p:nvPicPr>
-          <p:cNvPr id="5" name="Content Placeholder 3" descr="\documentclass{article}&#10;\usepackage{amsmath}&#10;\pagestyle{empty}&#10;\usepackage{xcolor}&#10;\usepackage{empheq}&#10;\begin{document}&#10;${\color{green}2^{x}+p^{y}}={\color{blue}z^{2}}$&#10;\end{document}" title="IguanaTex Bitmap Display">
+          <p:cNvPr id="40" name="Picture 39" descr="\documentclass{article}&#10;\usepackage{amsmath}&#10;\pagestyle{empty}&#10;\usepackage{xcolor}&#10;\usepackage{empheq}&#10;\begin{document}&#10;$p\equiv 3\left(\mod4 \right )$&#10;\end{document}" title="IguanaTex Bitmap Display">
             <a:extLst>
               <a:ext uri="{FF2B5EF4-FFF2-40B4-BE49-F238E27FC236}">
-                <a16:creationId xmlns:a16="http://schemas.microsoft.com/office/drawing/2014/main" id="{1E0381FA-C4BA-0A76-7795-DDFF7859E047}"/>
+                <a16:creationId xmlns:a16="http://schemas.microsoft.com/office/drawing/2014/main" id="{EC702B1C-05BC-B6D6-6EC5-131E3C31E345}"/>
               </a:ext>
             </a:extLst>
           </p:cNvPr>
@@ -5599,7 +7663,7 @@
           </p:nvPr>
         </p:nvPicPr>
         <p:blipFill>
-          <a:blip r:embed="rId5">
+          <a:blip r:embed="rId11">
             <a:extLst>
               <a:ext uri="{28A0092B-C50C-407E-A947-70E740481C1C}">
                 <a14:useLocalDpi xmlns:a14="http://schemas.microsoft.com/office/drawing/2010/main" val="0"/>
@@ -5612,8 +7676,248 @@
         </p:blipFill>
         <p:spPr>
           <a:xfrm>
-            <a:off x="2210330" y="4606307"/>
-            <a:ext cx="2816902" cy="534895"/>
+            <a:off x="4077086" y="888655"/>
+            <a:ext cx="2179781" cy="330629"/>
+          </a:xfrm>
+          <a:prstGeom prst="rect">
+            <a:avLst/>
+          </a:prstGeom>
+        </p:spPr>
+      </p:pic>
+      <p:pic>
+        <p:nvPicPr>
+          <p:cNvPr id="47" name="Picture 46" descr="\documentclass{article}&#10;\usepackage{amsmath}&#10;\pagestyle{empty}&#10;\usepackage{xcolor}&#10;\usepackage{empheq}&#10;\begin{document}&#10;${\color{red}2^{x}+p^{y}=z^{2}}$&#10;\end{document}" title="IguanaTex Bitmap Display">
+            <a:extLst>
+              <a:ext uri="{FF2B5EF4-FFF2-40B4-BE49-F238E27FC236}">
+                <a16:creationId xmlns:a16="http://schemas.microsoft.com/office/drawing/2014/main" id="{3E01B6EA-4A93-4D0E-DF2F-4927CE97B110}"/>
+              </a:ext>
+            </a:extLst>
+          </p:cNvPr>
+          <p:cNvPicPr>
+            <a:picLocks noChangeAspect="1"/>
+          </p:cNvPicPr>
+          <p:nvPr>
+            <p:custDataLst>
+              <p:tags r:id="rId3"/>
+            </p:custDataLst>
+          </p:nvPr>
+        </p:nvPicPr>
+        <p:blipFill>
+          <a:blip r:embed="rId12">
+            <a:extLst>
+              <a:ext uri="{28A0092B-C50C-407E-A947-70E740481C1C}">
+                <a14:useLocalDpi xmlns:a14="http://schemas.microsoft.com/office/drawing/2010/main" val="0"/>
+              </a:ext>
+            </a:extLst>
+          </a:blip>
+          <a:stretch>
+            <a:fillRect/>
+          </a:stretch>
+        </p:blipFill>
+        <p:spPr>
+          <a:xfrm>
+            <a:off x="4077086" y="1362789"/>
+            <a:ext cx="1785332" cy="339012"/>
+          </a:xfrm>
+          <a:prstGeom prst="rect">
+            <a:avLst/>
+          </a:prstGeom>
+        </p:spPr>
+      </p:pic>
+      <p:pic>
+        <p:nvPicPr>
+          <p:cNvPr id="49" name="Picture 48" descr="\documentclass{article}&#10;\usepackage{amsmath}&#10;\pagestyle{empty}&#10;\usepackage{xcolor}&#10;\usepackage{empheq}&#10;\begin{document}&#10;${\color{red}\left ( 1 \right )}$&#10;\end{document}" title="IguanaTex Bitmap Display">
+            <a:extLst>
+              <a:ext uri="{FF2B5EF4-FFF2-40B4-BE49-F238E27FC236}">
+                <a16:creationId xmlns:a16="http://schemas.microsoft.com/office/drawing/2014/main" id="{E36A2AB1-4557-20EB-970B-A2D232E16C57}"/>
+              </a:ext>
+            </a:extLst>
+          </p:cNvPr>
+          <p:cNvPicPr>
+            <a:picLocks noChangeAspect="1"/>
+          </p:cNvPicPr>
+          <p:nvPr>
+            <p:custDataLst>
+              <p:tags r:id="rId4"/>
+            </p:custDataLst>
+          </p:nvPr>
+        </p:nvPicPr>
+        <p:blipFill>
+          <a:blip r:embed="rId13">
+            <a:extLst>
+              <a:ext uri="{28A0092B-C50C-407E-A947-70E740481C1C}">
+                <a14:useLocalDpi xmlns:a14="http://schemas.microsoft.com/office/drawing/2010/main" val="0"/>
+              </a:ext>
+            </a:extLst>
+          </a:blip>
+          <a:stretch>
+            <a:fillRect/>
+          </a:stretch>
+        </p:blipFill>
+        <p:spPr>
+          <a:xfrm>
+            <a:off x="8972966" y="1362790"/>
+            <a:ext cx="365401" cy="339011"/>
+          </a:xfrm>
+          <a:prstGeom prst="rect">
+            <a:avLst/>
+          </a:prstGeom>
+        </p:spPr>
+      </p:pic>
+      <p:pic>
+        <p:nvPicPr>
+          <p:cNvPr id="36" name="Picture 35" descr="\documentclass{article}&#10;\usepackage{amsmath}&#10;\usepackage{amsfonts}&#10;\pagestyle{empty}&#10;\usepackage{xcolor}&#10;\usepackage{empheq}&#10;\begin{document}&#10;$\left ( x,p,y,z \right )\in    \left \{ \left ( 3,p,0,3 \right ) \right \}  \cup   \left \{ \left ( 0,3,1,2 \right ) \right \} \cup \left \{ \left ( 2+\log_{2}\left ( p+1 \right ) ,p,2,p+2\right )  : \log_{2}\left ( p+1 \right)   \in\mathbb{Z} \right \}$&#10;\end{document}" title="IguanaTex Bitmap Display">
+            <a:extLst>
+              <a:ext uri="{FF2B5EF4-FFF2-40B4-BE49-F238E27FC236}">
+                <a16:creationId xmlns:a16="http://schemas.microsoft.com/office/drawing/2014/main" id="{C841ABC4-C373-C375-6C76-45A3B5F796BB}"/>
+              </a:ext>
+            </a:extLst>
+          </p:cNvPr>
+          <p:cNvPicPr>
+            <a:picLocks noChangeAspect="1"/>
+          </p:cNvPicPr>
+          <p:nvPr>
+            <p:custDataLst>
+              <p:tags r:id="rId5"/>
+            </p:custDataLst>
+          </p:nvPr>
+        </p:nvPicPr>
+        <p:blipFill>
+          <a:blip r:embed="rId14">
+            <a:extLst>
+              <a:ext uri="{28A0092B-C50C-407E-A947-70E740481C1C}">
+                <a14:useLocalDpi xmlns:a14="http://schemas.microsoft.com/office/drawing/2010/main" val="0"/>
+              </a:ext>
+            </a:extLst>
+          </a:blip>
+          <a:stretch>
+            <a:fillRect/>
+          </a:stretch>
+        </p:blipFill>
+        <p:spPr>
+          <a:xfrm>
+            <a:off x="527479" y="2459217"/>
+            <a:ext cx="10693704" cy="286057"/>
+          </a:xfrm>
+          <a:prstGeom prst="rect">
+            <a:avLst/>
+          </a:prstGeom>
+        </p:spPr>
+      </p:pic>
+      <p:pic>
+        <p:nvPicPr>
+          <p:cNvPr id="43" name="Picture 42" descr="\documentclass{article}&#10;\usepackage{amsmath}&#10;\pagestyle{empty}&#10;\usepackage{xcolor}&#10;\usepackage{empheq}&#10;\begin{document}&#10;$x\neq 1$&#10;\end{document}" title="IguanaTex Bitmap Display">
+            <a:extLst>
+              <a:ext uri="{FF2B5EF4-FFF2-40B4-BE49-F238E27FC236}">
+                <a16:creationId xmlns:a16="http://schemas.microsoft.com/office/drawing/2014/main" id="{4DC60A27-E0CD-C18D-42D0-F223426E8507}"/>
+              </a:ext>
+            </a:extLst>
+          </p:cNvPr>
+          <p:cNvPicPr>
+            <a:picLocks noChangeAspect="1"/>
+          </p:cNvPicPr>
+          <p:nvPr>
+            <p:custDataLst>
+              <p:tags r:id="rId6"/>
+            </p:custDataLst>
+          </p:nvPr>
+        </p:nvPicPr>
+        <p:blipFill>
+          <a:blip r:embed="rId10">
+            <a:extLst>
+              <a:ext uri="{28A0092B-C50C-407E-A947-70E740481C1C}">
+                <a14:useLocalDpi xmlns:a14="http://schemas.microsoft.com/office/drawing/2010/main" val="0"/>
+              </a:ext>
+            </a:extLst>
+          </a:blip>
+          <a:stretch>
+            <a:fillRect/>
+          </a:stretch>
+        </p:blipFill>
+        <p:spPr>
+          <a:xfrm>
+            <a:off x="2479030" y="3263728"/>
+            <a:ext cx="814631" cy="330544"/>
+          </a:xfrm>
+          <a:prstGeom prst="rect">
+            <a:avLst/>
+          </a:prstGeom>
+        </p:spPr>
+      </p:pic>
+      <p:pic>
+        <p:nvPicPr>
+          <p:cNvPr id="44" name="Picture 43" descr="\documentclass{article}&#10;\usepackage{amsmath}&#10;\pagestyle{empty}&#10;\usepackage{xcolor}&#10;\usepackage{empheq}&#10;\begin{document}&#10;$p\equiv 3\left(\mod4 \right )$&#10;\end{document}" title="IguanaTex Bitmap Display">
+            <a:extLst>
+              <a:ext uri="{FF2B5EF4-FFF2-40B4-BE49-F238E27FC236}">
+                <a16:creationId xmlns:a16="http://schemas.microsoft.com/office/drawing/2014/main" id="{CADBE70A-EF6C-8B17-BAB3-D9C93EDCAAE0}"/>
+              </a:ext>
+            </a:extLst>
+          </p:cNvPr>
+          <p:cNvPicPr>
+            <a:picLocks noChangeAspect="1"/>
+          </p:cNvPicPr>
+          <p:nvPr>
+            <p:custDataLst>
+              <p:tags r:id="rId7"/>
+            </p:custDataLst>
+          </p:nvPr>
+        </p:nvPicPr>
+        <p:blipFill>
+          <a:blip r:embed="rId11">
+            <a:extLst>
+              <a:ext uri="{28A0092B-C50C-407E-A947-70E740481C1C}">
+                <a14:useLocalDpi xmlns:a14="http://schemas.microsoft.com/office/drawing/2010/main" val="0"/>
+              </a:ext>
+            </a:extLst>
+          </a:blip>
+          <a:stretch>
+            <a:fillRect/>
+          </a:stretch>
+        </p:blipFill>
+        <p:spPr>
+          <a:xfrm>
+            <a:off x="4047448" y="3246709"/>
+            <a:ext cx="2179781" cy="330629"/>
+          </a:xfrm>
+          <a:prstGeom prst="rect">
+            <a:avLst/>
+          </a:prstGeom>
+        </p:spPr>
+      </p:pic>
+      <p:pic>
+        <p:nvPicPr>
+          <p:cNvPr id="45" name="Picture 44" descr="\documentclass{article}&#10;\usepackage{amsmath}&#10;\pagestyle{empty}&#10;\usepackage{xcolor}&#10;\usepackage{empheq}&#10;\begin{document}&#10;$p\neq 2$&#10;\end{document}" title="IguanaTex Bitmap Display">
+            <a:extLst>
+              <a:ext uri="{FF2B5EF4-FFF2-40B4-BE49-F238E27FC236}">
+                <a16:creationId xmlns:a16="http://schemas.microsoft.com/office/drawing/2014/main" id="{63D36A11-CD85-E8F1-B45A-B9B9E1B702B6}"/>
+              </a:ext>
+            </a:extLst>
+          </p:cNvPr>
+          <p:cNvPicPr>
+            <a:picLocks noChangeAspect="1"/>
+          </p:cNvPicPr>
+          <p:nvPr>
+            <p:custDataLst>
+              <p:tags r:id="rId8"/>
+            </p:custDataLst>
+          </p:nvPr>
+        </p:nvPicPr>
+        <p:blipFill>
+          <a:blip r:embed="rId15">
+            <a:extLst>
+              <a:ext uri="{28A0092B-C50C-407E-A947-70E740481C1C}">
+                <a14:useLocalDpi xmlns:a14="http://schemas.microsoft.com/office/drawing/2010/main" val="0"/>
+              </a:ext>
+            </a:extLst>
+          </a:blip>
+          <a:stretch>
+            <a:fillRect/>
+          </a:stretch>
+        </p:blipFill>
+        <p:spPr>
+          <a:xfrm>
+            <a:off x="7234244" y="3246709"/>
+            <a:ext cx="712372" cy="286057"/>
           </a:xfrm>
           <a:prstGeom prst="rect">
             <a:avLst/>
@@ -5623,7 +7927,7 @@
     </p:spTree>
     <p:extLst>
       <p:ext uri="{BB962C8B-B14F-4D97-AF65-F5344CB8AC3E}">
-        <p14:creationId xmlns:p14="http://schemas.microsoft.com/office/powerpoint/2010/main" val="1291169182"/>
+        <p14:creationId xmlns:p14="http://schemas.microsoft.com/office/powerpoint/2010/main" val="2620720595"/>
       </p:ext>
     </p:extLst>
   </p:cSld>
@@ -5650,37 +7954,12 @@
           <a:chExt cx="0" cy="0"/>
         </a:xfrm>
       </p:grpSpPr>
-      <p:sp>
-        <p:nvSpPr>
-          <p:cNvPr id="2" name="Title 1">
+      <p:pic>
+        <p:nvPicPr>
+          <p:cNvPr id="4" name="Content Placeholder 3 1" descr="\documentclass{article}&#10;\usepackage{amsmath}&#10;\pagestyle{empty}&#10;\usepackage{xcolor}&#10;\usepackage{empheq}&#10;\begin{document}&#10;{Y}=2{\color{blue}x}&#10;\end{document}" title="IguanaTex Bitmap Display">
             <a:extLst>
               <a:ext uri="{FF2B5EF4-FFF2-40B4-BE49-F238E27FC236}">
-                <a16:creationId xmlns:a16="http://schemas.microsoft.com/office/drawing/2014/main" id="{7EC90EFD-2B27-5AE3-AE64-CCD2943628CF}"/>
-              </a:ext>
-            </a:extLst>
-          </p:cNvPr>
-          <p:cNvSpPr>
-            <a:spLocks noGrp="1"/>
-          </p:cNvSpPr>
-          <p:nvPr>
-            <p:ph type="title"/>
-          </p:nvPr>
-        </p:nvSpPr>
-        <p:spPr/>
-        <p:txBody>
-          <a:bodyPr/>
-          <a:lstStyle/>
-          <a:p>
-            <a:endParaRPr lang="en-US"/>
-          </a:p>
-        </p:txBody>
-      </p:sp>
-      <p:pic>
-        <p:nvPicPr>
-          <p:cNvPr id="4" name="Content Placeholder 3" descr="\documentclass{article}&#10;\usepackage{amsmath}&#10;\pagestyle{empty}&#10;\usepackage{xcolor}&#10;\usepackage{empheq}&#10;\begin{document}&#10;${\color{green}2^{x}+p^{y}}={\color{blue}z^{2}}$&#10;\end{document}" title="IguanaTex Bitmap Display">
-            <a:extLst>
-              <a:ext uri="{FF2B5EF4-FFF2-40B4-BE49-F238E27FC236}">
-                <a16:creationId xmlns:a16="http://schemas.microsoft.com/office/drawing/2014/main" id="{8B89C6ED-202D-47BE-F0AE-9D996E7ADB9C}"/>
+                <a16:creationId xmlns:a16="http://schemas.microsoft.com/office/drawing/2014/main" id="{570871A3-0E60-7E65-03E1-704DD251C2E9}"/>
               </a:ext>
             </a:extLst>
           </p:cNvPr>
@@ -5695,7 +7974,7 @@
           </p:nvPr>
         </p:nvPicPr>
         <p:blipFill>
-          <a:blip r:embed="rId3">
+          <a:blip r:embed="rId4">
             <a:extLst>
               <a:ext uri="{28A0092B-C50C-407E-A947-70E740481C1C}">
                 <a14:useLocalDpi xmlns:a14="http://schemas.microsoft.com/office/drawing/2010/main" val="0"/>
@@ -5708,8 +7987,48 @@
         </p:blipFill>
         <p:spPr>
           <a:xfrm>
-            <a:off x="1321330" y="3199707"/>
-            <a:ext cx="8476190" cy="1609524"/>
+            <a:off x="3554663" y="3466374"/>
+            <a:ext cx="1992840" cy="534895"/>
+          </a:xfrm>
+          <a:prstGeom prst="rect">
+            <a:avLst/>
+          </a:prstGeom>
+        </p:spPr>
+      </p:pic>
+      <p:pic>
+        <p:nvPicPr>
+          <p:cNvPr id="5" name="Content Placeholder 3 2" descr="\documentclass{article}&#10;\usepackage{amsmath}&#10;\pagestyle{empty}&#10;\usepackage{xcolor}&#10;\usepackage{empheq}&#10;\begin{document}&#10;${\color{green}2^{x}+p^{y}}={\color{blue}z^{2}}$&#10;\end{document}" title="IguanaTex Bitmap Display">
+            <a:extLst>
+              <a:ext uri="{FF2B5EF4-FFF2-40B4-BE49-F238E27FC236}">
+                <a16:creationId xmlns:a16="http://schemas.microsoft.com/office/drawing/2014/main" id="{1E0381FA-C4BA-0A76-7795-DDFF7859E047}"/>
+              </a:ext>
+            </a:extLst>
+          </p:cNvPr>
+          <p:cNvPicPr>
+            <a:picLocks noChangeAspect="1"/>
+          </p:cNvPicPr>
+          <p:nvPr>
+            <p:custDataLst>
+              <p:tags r:id="rId2"/>
+            </p:custDataLst>
+          </p:nvPr>
+        </p:nvPicPr>
+        <p:blipFill>
+          <a:blip r:embed="rId5">
+            <a:extLst>
+              <a:ext uri="{28A0092B-C50C-407E-A947-70E740481C1C}">
+                <a14:useLocalDpi xmlns:a14="http://schemas.microsoft.com/office/drawing/2010/main" val="0"/>
+              </a:ext>
+            </a:extLst>
+          </a:blip>
+          <a:stretch>
+            <a:fillRect/>
+          </a:stretch>
+        </p:blipFill>
+        <p:spPr>
+          <a:xfrm>
+            <a:off x="7231509" y="3429000"/>
+            <a:ext cx="3013724" cy="572269"/>
           </a:xfrm>
           <a:prstGeom prst="rect">
             <a:avLst/>
@@ -5719,7 +8038,7 @@
     </p:spTree>
     <p:extLst>
       <p:ext uri="{BB962C8B-B14F-4D97-AF65-F5344CB8AC3E}">
-        <p14:creationId xmlns:p14="http://schemas.microsoft.com/office/powerpoint/2010/main" val="327400068"/>
+        <p14:creationId xmlns:p14="http://schemas.microsoft.com/office/powerpoint/2010/main" val="1291169182"/>
       </p:ext>
     </p:extLst>
   </p:cSld>
@@ -5751,7 +8070,7 @@
           <p:cNvPr id="2" name="Title 1">
             <a:extLst>
               <a:ext uri="{FF2B5EF4-FFF2-40B4-BE49-F238E27FC236}">
-                <a16:creationId xmlns:a16="http://schemas.microsoft.com/office/drawing/2014/main" id="{1C1D6E02-C5D8-99FD-9CDC-A5FEEE38CD33}"/>
+                <a16:creationId xmlns:a16="http://schemas.microsoft.com/office/drawing/2014/main" id="{7EC90EFD-2B27-5AE3-AE64-CCD2943628CF}"/>
               </a:ext>
             </a:extLst>
           </p:cNvPr>
@@ -5771,12 +8090,52 @@
           </a:p>
         </p:txBody>
       </p:sp>
-      <p:sp>
-        <p:nvSpPr>
-          <p:cNvPr id="3" name="Content Placeholder 2">
+      <p:pic>
+        <p:nvPicPr>
+          <p:cNvPr id="5" name="Picture 4" descr="\documentclass{article}&#10;\usepackage{amsmath}&#10;\pagestyle{empty}&#10;\usepackage{xcolor}&#10;\usepackage{empheq}&#10;\begin{document}&#10;$\left ( x,p,y,z \right )\in    \left \{ \left ( 3,p,0,3 \right ) \right \}  \cup   \left \{ \left ( 0,3,1,2 \right ) \right \}$&#10;\end{document}" title="IguanaTex Bitmap Display">
             <a:extLst>
               <a:ext uri="{FF2B5EF4-FFF2-40B4-BE49-F238E27FC236}">
-                <a16:creationId xmlns:a16="http://schemas.microsoft.com/office/drawing/2014/main" id="{27FBAA81-9530-D7B7-BACF-151C786468BF}"/>
+                <a16:creationId xmlns:a16="http://schemas.microsoft.com/office/drawing/2014/main" id="{B79AFB40-BCC7-8E61-C0B9-45BAEC6E9F23}"/>
+              </a:ext>
+            </a:extLst>
+          </p:cNvPr>
+          <p:cNvPicPr>
+            <a:picLocks noChangeAspect="1"/>
+          </p:cNvPicPr>
+          <p:nvPr>
+            <p:custDataLst>
+              <p:tags r:id="rId1"/>
+            </p:custDataLst>
+          </p:nvPr>
+        </p:nvPicPr>
+        <p:blipFill>
+          <a:blip r:embed="rId4">
+            <a:extLst>
+              <a:ext uri="{28A0092B-C50C-407E-A947-70E740481C1C}">
+                <a14:useLocalDpi xmlns:a14="http://schemas.microsoft.com/office/drawing/2010/main" val="0"/>
+              </a:ext>
+            </a:extLst>
+          </a:blip>
+          <a:stretch>
+            <a:fillRect/>
+          </a:stretch>
+        </p:blipFill>
+        <p:spPr>
+          <a:xfrm>
+            <a:off x="1321332" y="3199706"/>
+            <a:ext cx="8121426" cy="491761"/>
+          </a:xfrm>
+          <a:prstGeom prst="rect">
+            <a:avLst/>
+          </a:prstGeom>
+        </p:spPr>
+      </p:pic>
+      <p:sp>
+        <p:nvSpPr>
+          <p:cNvPr id="7" name="Content Placeholder 6">
+            <a:extLst>
+              <a:ext uri="{FF2B5EF4-FFF2-40B4-BE49-F238E27FC236}">
+                <a16:creationId xmlns:a16="http://schemas.microsoft.com/office/drawing/2014/main" id="{34D1DBC3-56BE-EDCC-B329-1E3C57B5C12D}"/>
               </a:ext>
             </a:extLst>
           </p:cNvPr>
@@ -5796,10 +8155,50 @@
           </a:p>
         </p:txBody>
       </p:sp>
+      <p:pic>
+        <p:nvPicPr>
+          <p:cNvPr id="10" name="Picture 9" descr="\documentclass{article}&#10;\usepackage{amsmath}&#10;\pagestyle{empty}&#10;\usepackage{xcolor}&#10;\usepackage{empheq}&#10;\begin{document}&#10;$\left ( x,p,y,z \right )\in    \left \{ \left ( 3,p,0,3 \right ) \right \}  \cup   \left \{ \left ( 0,3,1,2 \right ) \right \} \cup \left \{ \left ( 2+log_{2}\left ( p+1 \right ) ,p,2,p+2\right ) \right \}$&#10;\end{document}" title="IguanaTex Bitmap Display">
+            <a:extLst>
+              <a:ext uri="{FF2B5EF4-FFF2-40B4-BE49-F238E27FC236}">
+                <a16:creationId xmlns:a16="http://schemas.microsoft.com/office/drawing/2014/main" id="{138B5EB6-52B2-6EAE-8758-ACB246A7FEF2}"/>
+              </a:ext>
+            </a:extLst>
+          </p:cNvPr>
+          <p:cNvPicPr>
+            <a:picLocks noChangeAspect="1"/>
+          </p:cNvPicPr>
+          <p:nvPr>
+            <p:custDataLst>
+              <p:tags r:id="rId2"/>
+            </p:custDataLst>
+          </p:nvPr>
+        </p:nvPicPr>
+        <p:blipFill>
+          <a:blip r:embed="rId5">
+            <a:extLst>
+              <a:ext uri="{28A0092B-C50C-407E-A947-70E740481C1C}">
+                <a14:useLocalDpi xmlns:a14="http://schemas.microsoft.com/office/drawing/2010/main" val="0"/>
+              </a:ext>
+            </a:extLst>
+          </a:blip>
+          <a:stretch>
+            <a:fillRect/>
+          </a:stretch>
+        </p:blipFill>
+        <p:spPr>
+          <a:xfrm>
+            <a:off x="1677592" y="2583682"/>
+            <a:ext cx="7195475" cy="234650"/>
+          </a:xfrm>
+          <a:prstGeom prst="rect">
+            <a:avLst/>
+          </a:prstGeom>
+        </p:spPr>
+      </p:pic>
     </p:spTree>
     <p:extLst>
       <p:ext uri="{BB962C8B-B14F-4D97-AF65-F5344CB8AC3E}">
-        <p14:creationId xmlns:p14="http://schemas.microsoft.com/office/powerpoint/2010/main" val="4108964880"/>
+        <p14:creationId xmlns:p14="http://schemas.microsoft.com/office/powerpoint/2010/main" val="327400068"/>
       </p:ext>
     </p:extLst>
   </p:cSld>
@@ -5831,7 +8230,7 @@
           <p:cNvPr id="2" name="Title 1">
             <a:extLst>
               <a:ext uri="{FF2B5EF4-FFF2-40B4-BE49-F238E27FC236}">
-                <a16:creationId xmlns:a16="http://schemas.microsoft.com/office/drawing/2014/main" id="{7606927B-6D49-BB4E-FA6B-6A7794A5635D}"/>
+                <a16:creationId xmlns:a16="http://schemas.microsoft.com/office/drawing/2014/main" id="{1C1D6E02-C5D8-99FD-9CDC-A5FEEE38CD33}"/>
               </a:ext>
             </a:extLst>
           </p:cNvPr>
@@ -5856,7 +8255,7 @@
           <p:cNvPr id="3" name="Content Placeholder 2">
             <a:extLst>
               <a:ext uri="{FF2B5EF4-FFF2-40B4-BE49-F238E27FC236}">
-                <a16:creationId xmlns:a16="http://schemas.microsoft.com/office/drawing/2014/main" id="{EA28B5FB-249F-7C12-CF2B-E6AF1E36C987}"/>
+                <a16:creationId xmlns:a16="http://schemas.microsoft.com/office/drawing/2014/main" id="{27FBAA81-9530-D7B7-BACF-151C786468BF}"/>
               </a:ext>
             </a:extLst>
           </p:cNvPr>
@@ -5879,7 +8278,7 @@
     </p:spTree>
     <p:extLst>
       <p:ext uri="{BB962C8B-B14F-4D97-AF65-F5344CB8AC3E}">
-        <p14:creationId xmlns:p14="http://schemas.microsoft.com/office/powerpoint/2010/main" val="3574337885"/>
+        <p14:creationId xmlns:p14="http://schemas.microsoft.com/office/powerpoint/2010/main" val="4108964880"/>
       </p:ext>
     </p:extLst>
   </p:cSld>
@@ -5911,7 +8310,7 @@
           <p:cNvPr id="2" name="Title 1">
             <a:extLst>
               <a:ext uri="{FF2B5EF4-FFF2-40B4-BE49-F238E27FC236}">
-                <a16:creationId xmlns:a16="http://schemas.microsoft.com/office/drawing/2014/main" id="{C5C341E0-32BE-FAC4-9807-63AB6D6981AC}"/>
+                <a16:creationId xmlns:a16="http://schemas.microsoft.com/office/drawing/2014/main" id="{7606927B-6D49-BB4E-FA6B-6A7794A5635D}"/>
               </a:ext>
             </a:extLst>
           </p:cNvPr>
@@ -5936,7 +8335,7 @@
           <p:cNvPr id="3" name="Content Placeholder 2">
             <a:extLst>
               <a:ext uri="{FF2B5EF4-FFF2-40B4-BE49-F238E27FC236}">
-                <a16:creationId xmlns:a16="http://schemas.microsoft.com/office/drawing/2014/main" id="{A710AAD3-E228-B93E-BC17-5F3C0F177722}"/>
+                <a16:creationId xmlns:a16="http://schemas.microsoft.com/office/drawing/2014/main" id="{EA28B5FB-249F-7C12-CF2B-E6AF1E36C987}"/>
               </a:ext>
             </a:extLst>
           </p:cNvPr>
@@ -5959,7 +8358,7 @@
     </p:spTree>
     <p:extLst>
       <p:ext uri="{BB962C8B-B14F-4D97-AF65-F5344CB8AC3E}">
-        <p14:creationId xmlns:p14="http://schemas.microsoft.com/office/powerpoint/2010/main" val="1667748773"/>
+        <p14:creationId xmlns:p14="http://schemas.microsoft.com/office/powerpoint/2010/main" val="3574337885"/>
       </p:ext>
     </p:extLst>
   </p:cSld>
@@ -5991,7 +8390,7 @@
           <p:cNvPr id="2" name="Title 1">
             <a:extLst>
               <a:ext uri="{FF2B5EF4-FFF2-40B4-BE49-F238E27FC236}">
-                <a16:creationId xmlns:a16="http://schemas.microsoft.com/office/drawing/2014/main" id="{0E297A0D-9615-F65D-FF4C-96CA05F1786E}"/>
+                <a16:creationId xmlns:a16="http://schemas.microsoft.com/office/drawing/2014/main" id="{C5C341E0-32BE-FAC4-9807-63AB6D6981AC}"/>
               </a:ext>
             </a:extLst>
           </p:cNvPr>
@@ -6016,7 +8415,7 @@
           <p:cNvPr id="3" name="Content Placeholder 2">
             <a:extLst>
               <a:ext uri="{FF2B5EF4-FFF2-40B4-BE49-F238E27FC236}">
-                <a16:creationId xmlns:a16="http://schemas.microsoft.com/office/drawing/2014/main" id="{2C22E3A2-8CB1-8C5F-A1FA-43E48C63F726}"/>
+                <a16:creationId xmlns:a16="http://schemas.microsoft.com/office/drawing/2014/main" id="{A710AAD3-E228-B93E-BC17-5F3C0F177722}"/>
               </a:ext>
             </a:extLst>
           </p:cNvPr>
@@ -6039,7 +8438,7 @@
     </p:spTree>
     <p:extLst>
       <p:ext uri="{BB962C8B-B14F-4D97-AF65-F5344CB8AC3E}">
-        <p14:creationId xmlns:p14="http://schemas.microsoft.com/office/powerpoint/2010/main" val="803829190"/>
+        <p14:creationId xmlns:p14="http://schemas.microsoft.com/office/powerpoint/2010/main" val="1667748773"/>
       </p:ext>
     </p:extLst>
   </p:cSld>
@@ -6070,11 +8469,173 @@
 <file path=ppt/tags/tag10.xml><?xml version="1.0" encoding="utf-8"?>
 <p:tagLst xmlns:a="http://schemas.openxmlformats.org/drawingml/2006/main" xmlns:r="http://schemas.openxmlformats.org/officeDocument/2006/relationships" xmlns:p="http://schemas.openxmlformats.org/presentationml/2006/main">
   <p:tag name="OUTPUTDPI" val="1200"/>
+  <p:tag name="ORIGINALHEIGHT" val="110.2362"/>
+  <p:tag name="ORIGINALWIDTH" val="291.7135"/>
+  <p:tag name="LATEXADDIN" val="\documentclass{article}&#10;\usepackage{amsmath}&#10;\pagestyle{empty}&#10;\usepackage{xcolor}&#10;\usepackage{empheq}&#10;\begin{document}&#10;$a,b,x$&#10;\end{document}"/>
+  <p:tag name="IGUANATEXSIZE" val="18"/>
+  <p:tag name="IGUANATEXCURSOR" val="126"/>
+  <p:tag name="TRANSPARENCY" val="False"/>
+  <p:tag name="LATEXENGINEID" val="0"/>
+  <p:tag name="TEMPFOLDER" val="C:\Users\cosA\OneDrive\Documents\temp\"/>
+  <p:tag name="LATEXFORMHEIGHT" val="312"/>
+  <p:tag name="LATEXFORMWIDTH" val="384"/>
+  <p:tag name="LATEXFORMWRAP" val="True"/>
+  <p:tag name="BITMAPVECTOR" val="0"/>
+</p:tagLst>
+</file>
+
+<file path=ppt/tags/tag11.xml><?xml version="1.0" encoding="utf-8"?>
+<p:tagLst xmlns:a="http://schemas.openxmlformats.org/drawingml/2006/main" xmlns:r="http://schemas.openxmlformats.org/officeDocument/2006/relationships" xmlns:p="http://schemas.openxmlformats.org/presentationml/2006/main">
+  <p:tag name="OUTPUTDPI" val="1200"/>
+  <p:tag name="ORIGINALHEIGHT" val="125.2343"/>
+  <p:tag name="ORIGINALWIDTH" val="1172.104"/>
+  <p:tag name="LATEXADDIN" val="\documentclass{article}&#10;\usepackage{amsmath}&#10;\pagestyle{empty}&#10;\usepackage{xcolor}&#10;\usepackage{empheq}&#10;\begin{document}&#10;$ \left (a,b,x,y  \right )=\left ( 3,2,2,3 \right )$&#10;\end{document}"/>
+  <p:tag name="IGUANATEXSIZE" val="18"/>
+  <p:tag name="IGUANATEXCURSOR" val="171"/>
+  <p:tag name="TRANSPARENCY" val="False"/>
+  <p:tag name="LATEXENGINEID" val="0"/>
+  <p:tag name="TEMPFOLDER" val="C:\Users\cosA\OneDrive\Documents\temp\"/>
+  <p:tag name="LATEXFORMHEIGHT" val="312"/>
+  <p:tag name="LATEXFORMWIDTH" val="384"/>
+  <p:tag name="LATEXFORMWRAP" val="True"/>
+  <p:tag name="BITMAPVECTOR" val="0"/>
+</p:tagLst>
+</file>
+
+<file path=ppt/tags/tag12.xml><?xml version="1.0" encoding="utf-8"?>
+<p:tagLst xmlns:a="http://schemas.openxmlformats.org/drawingml/2006/main" xmlns:r="http://schemas.openxmlformats.org/officeDocument/2006/relationships" xmlns:p="http://schemas.openxmlformats.org/presentationml/2006/main">
+  <p:tag name="OUTPUTDPI" val="1200"/>
+  <p:tag name="ORIGINALHEIGHT" val="113.2358"/>
+  <p:tag name="ORIGINALWIDTH" val="606.6742"/>
+  <p:tag name="LATEXADDIN" val="\documentclass{article}&#10;\usepackage{amsmath}&#10;\pagestyle{empty}&#10;\usepackage{xcolor}&#10;\usepackage{empheq}&#10;\begin{document}&#10;${2^{x}+1}={z^{2}}$&#10;\end{document}"/>
+  <p:tag name="IGUANATEXSIZE" val="18"/>
+  <p:tag name="IGUANATEXCURSOR" val="129"/>
+  <p:tag name="TRANSPARENCY" val="False"/>
+  <p:tag name="LATEXENGINEID" val="0"/>
+  <p:tag name="TEMPFOLDER" val="C:\Users\cosA\OneDrive\Documents\temp\"/>
+  <p:tag name="LATEXFORMHEIGHT" val="312"/>
+  <p:tag name="LATEXFORMWIDTH" val="384"/>
+  <p:tag name="LATEXFORMWRAP" val="True"/>
+  <p:tag name="BITMAPVECTOR" val="0"/>
+</p:tagLst>
+</file>
+
+<file path=ppt/tags/tag13.xml><?xml version="1.0" encoding="utf-8"?>
+<p:tagLst xmlns:a="http://schemas.openxmlformats.org/drawingml/2006/main" xmlns:r="http://schemas.openxmlformats.org/officeDocument/2006/relationships" xmlns:p="http://schemas.openxmlformats.org/presentationml/2006/main">
+  <p:tag name="OUTPUTDPI" val="1200"/>
+  <p:tag name="ORIGINALHEIGHT" val="125.2343"/>
+  <p:tag name="ORIGINALWIDTH" val="704.9119"/>
+  <p:tag name="LATEXADDIN" val="\documentclass{article}&#10;\usepackage{amsmath}&#10;\pagestyle{empty}&#10;\usepackage{xcolor}&#10;\usepackage{empheq}&#10;\begin{document}&#10;$ \left (x,z  \right )=\left ( 3,3 \right )$&#10;\end{document}"/>
+  <p:tag name="IGUANATEXSIZE" val="18"/>
+  <p:tag name="IGUANATEXCURSOR" val="129"/>
+  <p:tag name="TRANSPARENCY" val="False"/>
+  <p:tag name="LATEXENGINEID" val="0"/>
+  <p:tag name="TEMPFOLDER" val="C:\Users\cosA\OneDrive\Documents\temp\"/>
+  <p:tag name="LATEXFORMHEIGHT" val="312"/>
+  <p:tag name="LATEXFORMWIDTH" val="384"/>
+  <p:tag name="LATEXFORMWRAP" val="True"/>
+  <p:tag name="BITMAPVECTOR" val="0"/>
+</p:tagLst>
+</file>
+
+<file path=ppt/tags/tag14.xml><?xml version="1.0" encoding="utf-8"?>
+<p:tagLst xmlns:a="http://schemas.openxmlformats.org/drawingml/2006/main" xmlns:r="http://schemas.openxmlformats.org/officeDocument/2006/relationships" xmlns:p="http://schemas.openxmlformats.org/presentationml/2006/main">
+  <p:tag name="OUTPUTDPI" val="1200"/>
+  <p:tag name="ORIGINALHEIGHT" val="56.24299"/>
+  <p:tag name="ORIGINALWIDTH" val="62.99213"/>
+  <p:tag name="LATEXADDIN" val="\documentclass{article}&#10;\usepackage{amsmath}&#10;\pagestyle{empty}&#10;\usepackage{xcolor}&#10;\usepackage{empheq}&#10;\begin{document}&#10;$x$&#10;\end{document}"/>
+  <p:tag name="IGUANATEXSIZE" val="18"/>
+  <p:tag name="IGUANATEXCURSOR" val="122"/>
+  <p:tag name="TRANSPARENCY" val="False"/>
+  <p:tag name="LATEXENGINEID" val="0"/>
+  <p:tag name="TEMPFOLDER" val="C:\Users\cosA\OneDrive\Documents\temp\"/>
+  <p:tag name="LATEXFORMHEIGHT" val="312"/>
+  <p:tag name="LATEXFORMWIDTH" val="384"/>
+  <p:tag name="LATEXFORMWRAP" val="True"/>
+  <p:tag name="BITMAPVECTOR" val="0"/>
+</p:tagLst>
+</file>
+
+<file path=ppt/tags/tag15.xml><?xml version="1.0" encoding="utf-8"?>
+<p:tagLst xmlns:a="http://schemas.openxmlformats.org/drawingml/2006/main" xmlns:r="http://schemas.openxmlformats.org/officeDocument/2006/relationships" xmlns:p="http://schemas.openxmlformats.org/presentationml/2006/main">
+  <p:tag name="OUTPUTDPI" val="1200"/>
+  <p:tag name="ORIGINALHEIGHT" val="116.2354"/>
+  <p:tag name="ORIGINALWIDTH" val="289.4638"/>
+  <p:tag name="LATEXADDIN" val="\documentclass{article}&#10;\usepackage{amsmath}&#10;\pagestyle{empty}&#10;\usepackage{xcolor}&#10;\usepackage{empheq}&#10;\begin{document}&#10;$p\neq 2$&#10;\end{document}"/>
+  <p:tag name="IGUANATEXSIZE" val="18"/>
+  <p:tag name="IGUANATEXCURSOR" val="128"/>
+  <p:tag name="TRANSPARENCY" val="False"/>
+  <p:tag name="LATEXENGINEID" val="0"/>
+  <p:tag name="TEMPFOLDER" val="C:\Users\cosA\OneDrive\Documents\temp\"/>
+  <p:tag name="LATEXFORMHEIGHT" val="312"/>
+  <p:tag name="LATEXFORMWIDTH" val="384"/>
+  <p:tag name="LATEXFORMWRAP" val="True"/>
+  <p:tag name="BITMAPVECTOR" val="0"/>
+</p:tagLst>
+</file>
+
+<file path=ppt/tags/tag16.xml><?xml version="1.0" encoding="utf-8"?>
+<p:tagLst xmlns:a="http://schemas.openxmlformats.org/drawingml/2006/main" xmlns:r="http://schemas.openxmlformats.org/officeDocument/2006/relationships" xmlns:p="http://schemas.openxmlformats.org/presentationml/2006/main">
+  <p:tag name="OUTPUTDPI" val="1200"/>
+  <p:tag name="ORIGINALHEIGHT" val="126.7342"/>
+  <p:tag name="ORIGINALWIDTH" val="599.925"/>
+  <p:tag name="LATEXADDIN" val="\documentclass{article}&#10;\usepackage{amsmath}&#10;\pagestyle{empty}&#10;\usepackage{xcolor}&#10;\usepackage{empheq}&#10;\begin{document}&#10;${1+p^{y}}={z^{2}}$&#10;\end{document}"/>
+  <p:tag name="IGUANATEXSIZE" val="18"/>
+  <p:tag name="IGUANATEXCURSOR" val="123"/>
+  <p:tag name="TRANSPARENCY" val="False"/>
+  <p:tag name="LATEXENGINEID" val="0"/>
+  <p:tag name="TEMPFOLDER" val="C:\Users\cosA\OneDrive\Documents\temp\"/>
+  <p:tag name="LATEXFORMHEIGHT" val="312"/>
+  <p:tag name="LATEXFORMWIDTH" val="384"/>
+  <p:tag name="LATEXFORMWRAP" val="True"/>
+  <p:tag name="BITMAPVECTOR" val="0"/>
+</p:tagLst>
+</file>
+
+<file path=ppt/tags/tag17.xml><?xml version="1.0" encoding="utf-8"?>
+<p:tagLst xmlns:a="http://schemas.openxmlformats.org/drawingml/2006/main" xmlns:r="http://schemas.openxmlformats.org/officeDocument/2006/relationships" xmlns:p="http://schemas.openxmlformats.org/presentationml/2006/main">
+  <p:tag name="OUTPUTDPI" val="1200"/>
+  <p:tag name="ORIGINALHEIGHT" val="125.2343"/>
+  <p:tag name="ORIGINALWIDTH" val="935.1331"/>
+  <p:tag name="LATEXADDIN" val="\documentclass{article}&#10;\usepackage{amsmath}&#10;\pagestyle{empty}&#10;\usepackage{xcolor}&#10;\usepackage{empheq}&#10;\begin{document}&#10;$ \left (p,y,z  \right )=\left ( 3,1,2 \right )$&#10;\end{document}"/>
+  <p:tag name="IGUANATEXSIZE" val="18"/>
+  <p:tag name="IGUANATEXCURSOR" val="132"/>
+  <p:tag name="TRANSPARENCY" val="False"/>
+  <p:tag name="LATEXENGINEID" val="0"/>
+  <p:tag name="TEMPFOLDER" val="C:\Users\cosA\OneDrive\Documents\temp\"/>
+  <p:tag name="LATEXFORMHEIGHT" val="312"/>
+  <p:tag name="LATEXFORMWIDTH" val="384"/>
+  <p:tag name="LATEXFORMWRAP" val="True"/>
+  <p:tag name="BITMAPVECTOR" val="0"/>
+</p:tagLst>
+</file>
+
+<file path=ppt/tags/tag18.xml><?xml version="1.0" encoding="utf-8"?>
+<p:tagLst xmlns:a="http://schemas.openxmlformats.org/drawingml/2006/main" xmlns:r="http://schemas.openxmlformats.org/officeDocument/2006/relationships" xmlns:p="http://schemas.openxmlformats.org/presentationml/2006/main">
+  <p:tag name="OUTPUTDPI" val="1200"/>
+  <p:tag name="ORIGINALHEIGHT" val="116.2354"/>
+  <p:tag name="ORIGINALWIDTH" val="289.4638"/>
+  <p:tag name="LATEXADDIN" val="\documentclass{article}&#10;\usepackage{amsmath}&#10;\pagestyle{empty}&#10;\usepackage{xcolor}&#10;\usepackage{empheq}&#10;\begin{document}&#10;$p\neq 2$&#10;\end{document}"/>
+  <p:tag name="IGUANATEXSIZE" val="18"/>
+  <p:tag name="IGUANATEXCURSOR" val="128"/>
+  <p:tag name="TRANSPARENCY" val="False"/>
+  <p:tag name="LATEXENGINEID" val="0"/>
+  <p:tag name="TEMPFOLDER" val="C:\Users\cosA\OneDrive\Documents\temp\"/>
+  <p:tag name="LATEXFORMHEIGHT" val="312"/>
+  <p:tag name="LATEXFORMWIDTH" val="384"/>
+  <p:tag name="LATEXFORMWRAP" val="True"/>
+  <p:tag name="BITMAPVECTOR" val="0"/>
+</p:tagLst>
+</file>
+
+<file path=ppt/tags/tag19.xml><?xml version="1.0" encoding="utf-8"?>
+<p:tagLst xmlns:a="http://schemas.openxmlformats.org/drawingml/2006/main" xmlns:r="http://schemas.openxmlformats.org/officeDocument/2006/relationships" xmlns:p="http://schemas.openxmlformats.org/presentationml/2006/main">
+  <p:tag name="OUTPUTDPI" val="1200"/>
   <p:tag name="ORIGINALHEIGHT" val="126.7342"/>
   <p:tag name="ORIGINALWIDTH" val="667.4166"/>
-  <p:tag name="LATEXADDIN" val="\documentclass{article}&#10;\usepackage{amsmath}&#10;\pagestyle{empty}&#10;\usepackage{xcolor}&#10;\usepackage{empheq}&#10;\begin{document}&#10;${\color{green}2^{x}+p^{y}}={\color{blue}z^{2}}$&#10;\end{document}"/>
+  <p:tag name="LATEXADDIN" val="\documentclass{article}&#10;\usepackage{amsmath}&#10;\pagestyle{empty}&#10;\usepackage{xcolor}&#10;\usepackage{empheq}&#10;\begin{document}&#10;${2^{x}+p^{y}}={z^{2}}$&#10;\end{document}"/>
   <p:tag name="IGUANATEXSIZE" val="18"/>
-  <p:tag name="IGUANATEXCURSOR" val="168"/>
+  <p:tag name="IGUANATEXCURSOR" val="136"/>
   <p:tag name="TRANSPARENCY" val="False"/>
   <p:tag name="LATEXENGINEID" val="0"/>
   <p:tag name="TEMPFOLDER" val="C:\Users\cosA\OneDrive\Documents\temp\"/>
@@ -6103,14 +8664,302 @@
 </p:tagLst>
 </file>
 
+<file path=ppt/tags/tag20.xml><?xml version="1.0" encoding="utf-8"?>
+<p:tagLst xmlns:a="http://schemas.openxmlformats.org/drawingml/2006/main" xmlns:r="http://schemas.openxmlformats.org/officeDocument/2006/relationships" xmlns:p="http://schemas.openxmlformats.org/presentationml/2006/main">
+  <p:tag name="OUTPUTDPI" val="1200"/>
+  <p:tag name="ORIGINALHEIGHT" val="56.24299"/>
+  <p:tag name="ORIGINALWIDTH" val="51.74354"/>
+  <p:tag name="LATEXADDIN" val="\documentclass{article}&#10;\usepackage{amsmath}&#10;\pagestyle{empty}&#10;\usepackage{xcolor}&#10;\usepackage{empheq}&#10;\begin{document}&#10;$r$&#10;\end{document}"/>
+  <p:tag name="IGUANATEXSIZE" val="18"/>
+  <p:tag name="IGUANATEXCURSOR" val="122"/>
+  <p:tag name="TRANSPARENCY" val="False"/>
+  <p:tag name="LATEXENGINEID" val="0"/>
+  <p:tag name="TEMPFOLDER" val="C:\Users\cosA\OneDrive\Documents\temp\"/>
+  <p:tag name="LATEXFORMHEIGHT" val="312"/>
+  <p:tag name="LATEXFORMWIDTH" val="384"/>
+  <p:tag name="LATEXFORMWRAP" val="True"/>
+  <p:tag name="BITMAPVECTOR" val="0"/>
+</p:tagLst>
+</file>
+
+<file path=ppt/tags/tag21.xml><?xml version="1.0" encoding="utf-8"?>
+<p:tagLst xmlns:a="http://schemas.openxmlformats.org/drawingml/2006/main" xmlns:r="http://schemas.openxmlformats.org/officeDocument/2006/relationships" xmlns:p="http://schemas.openxmlformats.org/presentationml/2006/main">
+  <p:tag name="OUTPUTDPI" val="1200"/>
+  <p:tag name="ORIGINALHEIGHT" val="113.2358"/>
+  <p:tag name="ORIGINALWIDTH" val="666.6667"/>
+  <p:tag name="LATEXADDIN" val="\documentclass{article}&#10;\usepackage{amsmath}&#10;\pagestyle{empty}&#10;\usepackage{xcolor}&#10;\usepackage{empheq}&#10;\begin{document}&#10;${2^{x}+3^{y}}={z^{2}}$&#10;\end{document}"/>
+  <p:tag name="IGUANATEXSIZE" val="18"/>
+  <p:tag name="IGUANATEXCURSOR" val="129"/>
+  <p:tag name="TRANSPARENCY" val="False"/>
+  <p:tag name="LATEXENGINEID" val="0"/>
+  <p:tag name="TEMPFOLDER" val="C:\Users\cosA\OneDrive\Documents\temp\"/>
+  <p:tag name="LATEXFORMHEIGHT" val="312"/>
+  <p:tag name="LATEXFORMWIDTH" val="384"/>
+  <p:tag name="LATEXFORMWRAP" val="True"/>
+  <p:tag name="BITMAPVECTOR" val="0"/>
+</p:tagLst>
+</file>
+
+<file path=ppt/tags/tag22.xml><?xml version="1.0" encoding="utf-8"?>
+<p:tagLst xmlns:a="http://schemas.openxmlformats.org/drawingml/2006/main" xmlns:r="http://schemas.openxmlformats.org/officeDocument/2006/relationships" xmlns:p="http://schemas.openxmlformats.org/presentationml/2006/main">
+  <p:tag name="OUTPUTDPI" val="1200"/>
+  <p:tag name="ORIGINALHEIGHT" val="149.2313"/>
+  <p:tag name="ORIGINALWIDTH" val="2631.421"/>
+  <p:tag name="LATEXADDIN" val="\documentclass{article}&#10;\usepackage{amsmath}&#10;\pagestyle{empty}&#10;\usepackage{xcolor}&#10;\usepackage{empheq}&#10;\begin{document}&#10;$\left ( x,p,y,z \right )\in\left \{\left ( 4,3,2,5 \right ) ,\left ( 2r,2 ^{r+1}+1,1,2^{r}+1\right )\right \}$&#10;\end{document}"/>
+  <p:tag name="IGUANATEXSIZE" val="18"/>
+  <p:tag name="IGUANATEXCURSOR" val="148"/>
+  <p:tag name="TRANSPARENCY" val="False"/>
+  <p:tag name="LATEXENGINEID" val="0"/>
+  <p:tag name="TEMPFOLDER" val="C:\Users\cosA\OneDrive\Documents\temp\"/>
+  <p:tag name="LATEXFORMHEIGHT" val="312"/>
+  <p:tag name="LATEXFORMWIDTH" val="384"/>
+  <p:tag name="LATEXFORMWRAP" val="True"/>
+  <p:tag name="BITMAPVECTOR" val="0"/>
+</p:tagLst>
+</file>
+
+<file path=ppt/tags/tag23.xml><?xml version="1.0" encoding="utf-8"?>
+<p:tagLst xmlns:a="http://schemas.openxmlformats.org/drawingml/2006/main" xmlns:r="http://schemas.openxmlformats.org/officeDocument/2006/relationships" xmlns:p="http://schemas.openxmlformats.org/presentationml/2006/main">
+  <p:tag name="OUTPUTDPI" val="1200"/>
+  <p:tag name="ORIGINALHEIGHT" val="125.2343"/>
+  <p:tag name="ORIGINALWIDTH" val="1997.75"/>
+  <p:tag name="LATEXADDIN" val="\documentclass{article}&#10;\usepackage{amsmath}&#10;\pagestyle{empty}&#10;\usepackage{xcolor}&#10;\usepackage{empheq}&#10;\begin{document}&#10;$\left ( x,y,z \right )\in\left \{\left (3,0,3 \right ) ,\left ( 0,1,2 \right ),\left ( 4,2,5 \right )\right \}$&#10;\end{document}"/>
+  <p:tag name="IGUANATEXSIZE" val="18"/>
+  <p:tag name="IGUANATEXCURSOR" val="247"/>
+  <p:tag name="TRANSPARENCY" val="False"/>
+  <p:tag name="LATEXENGINEID" val="0"/>
+  <p:tag name="TEMPFOLDER" val="C:\Users\cosA\OneDrive\Documents\temp\"/>
+  <p:tag name="LATEXFORMHEIGHT" val="312"/>
+  <p:tag name="LATEXFORMWIDTH" val="384"/>
+  <p:tag name="LATEXFORMWRAP" val="True"/>
+  <p:tag name="BITMAPVECTOR" val="0"/>
+</p:tagLst>
+</file>
+
+<file path=ppt/tags/tag24.xml><?xml version="1.0" encoding="utf-8"?>
+<p:tagLst xmlns:a="http://schemas.openxmlformats.org/drawingml/2006/main" xmlns:r="http://schemas.openxmlformats.org/officeDocument/2006/relationships" xmlns:p="http://schemas.openxmlformats.org/presentationml/2006/main">
+  <p:tag name="OUTPUTDPI" val="1200"/>
+  <p:tag name="ORIGINALHEIGHT" val="116.2354"/>
+  <p:tag name="ORIGINALWIDTH" val="286.4642"/>
+  <p:tag name="LATEXADDIN" val="\documentclass{article}&#10;\usepackage{amsmath}&#10;\pagestyle{empty}&#10;\usepackage{xcolor}&#10;\usepackage{empheq}&#10;\begin{document}&#10;$x\neq 1$&#10;\end{document}"/>
+  <p:tag name="IGUANATEXSIZE" val="18"/>
+  <p:tag name="IGUANATEXCURSOR" val="121"/>
+  <p:tag name="TRANSPARENCY" val="False"/>
+  <p:tag name="LATEXENGINEID" val="0"/>
+  <p:tag name="TEMPFOLDER" val="C:\Users\cosA\OneDrive\Documents\temp\"/>
+  <p:tag name="LATEXFORMHEIGHT" val="312"/>
+  <p:tag name="LATEXFORMWIDTH" val="384"/>
+  <p:tag name="LATEXFORMWRAP" val="True"/>
+  <p:tag name="BITMAPVECTOR" val="0"/>
+</p:tagLst>
+</file>
+
+<file path=ppt/tags/tag25.xml><?xml version="1.0" encoding="utf-8"?>
+<p:tagLst xmlns:a="http://schemas.openxmlformats.org/drawingml/2006/main" xmlns:r="http://schemas.openxmlformats.org/officeDocument/2006/relationships" xmlns:p="http://schemas.openxmlformats.org/presentationml/2006/main">
+  <p:tag name="OUTPUTDPI" val="1200"/>
+  <p:tag name="ORIGINALHEIGHT" val="125.2343"/>
+  <p:tag name="ORIGINALWIDTH" val="825.6468"/>
+  <p:tag name="LATEXADDIN" val="\documentclass{article}&#10;\usepackage{amsmath}&#10;\pagestyle{empty}&#10;\usepackage{xcolor}&#10;\usepackage{empheq}&#10;\begin{document}&#10;$p\equiv 3\left(\mod4 \right )$&#10;\end{document}"/>
+  <p:tag name="IGUANATEXSIZE" val="18"/>
+  <p:tag name="IGUANATEXCURSOR" val="136"/>
+  <p:tag name="TRANSPARENCY" val="False"/>
+  <p:tag name="LATEXENGINEID" val="0"/>
+  <p:tag name="TEMPFOLDER" val="C:\Users\cosA\OneDrive\Documents\temp\"/>
+  <p:tag name="LATEXFORMHEIGHT" val="312"/>
+  <p:tag name="LATEXFORMWIDTH" val="384"/>
+  <p:tag name="LATEXFORMWRAP" val="True"/>
+  <p:tag name="BITMAPVECTOR" val="0"/>
+</p:tagLst>
+</file>
+
+<file path=ppt/tags/tag26.xml><?xml version="1.0" encoding="utf-8"?>
+<p:tagLst xmlns:a="http://schemas.openxmlformats.org/drawingml/2006/main" xmlns:r="http://schemas.openxmlformats.org/officeDocument/2006/relationships" xmlns:p="http://schemas.openxmlformats.org/presentationml/2006/main">
+  <p:tag name="OUTPUTDPI" val="1200"/>
+  <p:tag name="ORIGINALHEIGHT" val="126.7342"/>
+  <p:tag name="ORIGINALWIDTH" val="667.4166"/>
+  <p:tag name="LATEXADDIN" val="\documentclass{article}&#10;\usepackage{amsmath}&#10;\pagestyle{empty}&#10;\usepackage{xcolor}&#10;\usepackage{empheq}&#10;\begin{document}&#10;${\color{red}2^{x}+p^{y}=z^{2}}$&#10;\end{document}"/>
+  <p:tag name="IGUANATEXSIZE" val="18"/>
+  <p:tag name="IGUANATEXCURSOR" val="145"/>
+  <p:tag name="TRANSPARENCY" val="False"/>
+  <p:tag name="LATEXENGINEID" val="0"/>
+  <p:tag name="TEMPFOLDER" val="C:\Users\cosA\OneDrive\Documents\temp\"/>
+  <p:tag name="LATEXFORMHEIGHT" val="312"/>
+  <p:tag name="LATEXFORMWIDTH" val="384"/>
+  <p:tag name="LATEXFORMWRAP" val="True"/>
+  <p:tag name="BITMAPVECTOR" val="0"/>
+</p:tagLst>
+</file>
+
+<file path=ppt/tags/tag27.xml><?xml version="1.0" encoding="utf-8"?>
+<p:tagLst xmlns:a="http://schemas.openxmlformats.org/drawingml/2006/main" xmlns:r="http://schemas.openxmlformats.org/officeDocument/2006/relationships" xmlns:p="http://schemas.openxmlformats.org/presentationml/2006/main">
+  <p:tag name="OUTPUTDPI" val="1200"/>
+  <p:tag name="ORIGINALHEIGHT" val="125.2343"/>
+  <p:tag name="ORIGINALWIDTH" val="134.9832"/>
+  <p:tag name="LATEXADDIN" val="\documentclass{article}&#10;\usepackage{amsmath}&#10;\pagestyle{empty}&#10;\usepackage{xcolor}&#10;\usepackage{empheq}&#10;\begin{document}&#10;${\color{red}\left ( 1 \right )}$&#10;\end{document}"/>
+  <p:tag name="IGUANATEXSIZE" val="18"/>
+  <p:tag name="IGUANATEXCURSOR" val="152"/>
+  <p:tag name="TRANSPARENCY" val="False"/>
+  <p:tag name="LATEXENGINEID" val="0"/>
+  <p:tag name="TEMPFOLDER" val="C:\Users\cosA\OneDrive\Documents\temp\"/>
+  <p:tag name="LATEXFORMHEIGHT" val="312"/>
+  <p:tag name="LATEXFORMWIDTH" val="384"/>
+  <p:tag name="LATEXFORMWRAP" val="True"/>
+  <p:tag name="BITMAPVECTOR" val="0"/>
+</p:tagLst>
+</file>
+
+<file path=ppt/tags/tag28.xml><?xml version="1.0" encoding="utf-8"?>
+<p:tagLst xmlns:a="http://schemas.openxmlformats.org/drawingml/2006/main" xmlns:r="http://schemas.openxmlformats.org/officeDocument/2006/relationships" xmlns:p="http://schemas.openxmlformats.org/presentationml/2006/main">
+  <p:tag name="OUTPUTDPI" val="1200"/>
+  <p:tag name="ORIGINALHEIGHT" val="125.2343"/>
+  <p:tag name="ORIGINALWIDTH" val="4681.665"/>
+  <p:tag name="LATEXADDIN" val="\documentclass{article}&#10;\usepackage{amsmath}&#10;\usepackage{amsfonts}&#10;\pagestyle{empty}&#10;\usepackage{xcolor}&#10;\usepackage{empheq}&#10;\begin{document}&#10;$\left ( x,p,y,z \right )\in    \left \{ \left ( 3,p,0,3 \right ) \right \}  \cup   \left \{ \left ( 0,3,1,2 \right ) \right \} \cup \left \{ \left ( 2+\log_{2}\left ( p+1 \right ) ,p,2,p+2\right )  : \log_{2}\left ( p+1 \right)   \in\mathbb{Z} \right \}$&#10;\end{document}"/>
+  <p:tag name="IGUANATEXSIZE" val="18"/>
+  <p:tag name="IGUANATEXCURSOR" val="295"/>
+  <p:tag name="TRANSPARENCY" val="False"/>
+  <p:tag name="LATEXENGINEID" val="0"/>
+  <p:tag name="TEMPFOLDER" val="C:\Users\cosA\OneDrive\Documents\temp\"/>
+  <p:tag name="LATEXFORMHEIGHT" val="312"/>
+  <p:tag name="LATEXFORMWIDTH" val="384"/>
+  <p:tag name="LATEXFORMWRAP" val="True"/>
+  <p:tag name="BITMAPVECTOR" val="0"/>
+</p:tagLst>
+</file>
+
+<file path=ppt/tags/tag29.xml><?xml version="1.0" encoding="utf-8"?>
+<p:tagLst xmlns:a="http://schemas.openxmlformats.org/drawingml/2006/main" xmlns:r="http://schemas.openxmlformats.org/officeDocument/2006/relationships" xmlns:p="http://schemas.openxmlformats.org/presentationml/2006/main">
+  <p:tag name="OUTPUTDPI" val="1200"/>
+  <p:tag name="ORIGINALHEIGHT" val="116.2354"/>
+  <p:tag name="ORIGINALWIDTH" val="286.4642"/>
+  <p:tag name="LATEXADDIN" val="\documentclass{article}&#10;\usepackage{amsmath}&#10;\pagestyle{empty}&#10;\usepackage{xcolor}&#10;\usepackage{empheq}&#10;\begin{document}&#10;$x\neq 1$&#10;\end{document}"/>
+  <p:tag name="IGUANATEXSIZE" val="18"/>
+  <p:tag name="IGUANATEXCURSOR" val="121"/>
+  <p:tag name="TRANSPARENCY" val="False"/>
+  <p:tag name="LATEXENGINEID" val="0"/>
+  <p:tag name="TEMPFOLDER" val="C:\Users\cosA\OneDrive\Documents\temp\"/>
+  <p:tag name="LATEXFORMHEIGHT" val="312"/>
+  <p:tag name="LATEXFORMWIDTH" val="384"/>
+  <p:tag name="LATEXFORMWRAP" val="True"/>
+  <p:tag name="BITMAPVECTOR" val="0"/>
+</p:tagLst>
+</file>
+
 <file path=ppt/tags/tag3.xml><?xml version="1.0" encoding="utf-8"?>
 <p:tagLst xmlns:a="http://schemas.openxmlformats.org/drawingml/2006/main" xmlns:r="http://schemas.openxmlformats.org/officeDocument/2006/relationships" xmlns:p="http://schemas.openxmlformats.org/presentationml/2006/main">
   <p:tag name="OUTPUTDPI" val="1200"/>
   <p:tag name="ORIGINALHEIGHT" val="125.2343"/>
-  <p:tag name="ORIGINALWIDTH" val="696.6629"/>
-  <p:tag name="LATEXADDIN" val="\documentclass{article}&#10;\usepackage{amsmath}&#10;\pagestyle{empty}&#10;\usepackage{xcolor}&#10;\usepackage{empheq}&#10;\begin{document}&#10;$p\equiv 3\left ( mod4 \right )$&#10;\end{document}"/>
+  <p:tag name="ORIGINALWIDTH" val="825.6468"/>
+  <p:tag name="LATEXADDIN" val="\documentclass{article}&#10;\usepackage{amsmath}&#10;\pagestyle{empty}&#10;\usepackage{xcolor}&#10;\usepackage{empheq}&#10;\begin{document}&#10;$p\equiv 3\left ( \mod4 \right )$&#10;\end{document}"/>
   <p:tag name="IGUANATEXSIZE" val="18"/>
-  <p:tag name="IGUANATEXCURSOR" val="151"/>
+  <p:tag name="IGUANATEXCURSOR" val="138"/>
+  <p:tag name="TRANSPARENCY" val="False"/>
+  <p:tag name="LATEXENGINEID" val="0"/>
+  <p:tag name="TEMPFOLDER" val="C:\Users\cosA\OneDrive\Documents\temp\"/>
+  <p:tag name="LATEXFORMHEIGHT" val="312"/>
+  <p:tag name="LATEXFORMWIDTH" val="384"/>
+  <p:tag name="LATEXFORMWRAP" val="True"/>
+  <p:tag name="BITMAPVECTOR" val="0"/>
+</p:tagLst>
+</file>
+
+<file path=ppt/tags/tag30.xml><?xml version="1.0" encoding="utf-8"?>
+<p:tagLst xmlns:a="http://schemas.openxmlformats.org/drawingml/2006/main" xmlns:r="http://schemas.openxmlformats.org/officeDocument/2006/relationships" xmlns:p="http://schemas.openxmlformats.org/presentationml/2006/main">
+  <p:tag name="OUTPUTDPI" val="1200"/>
+  <p:tag name="ORIGINALHEIGHT" val="125.2343"/>
+  <p:tag name="ORIGINALWIDTH" val="825.6468"/>
+  <p:tag name="LATEXADDIN" val="\documentclass{article}&#10;\usepackage{amsmath}&#10;\pagestyle{empty}&#10;\usepackage{xcolor}&#10;\usepackage{empheq}&#10;\begin{document}&#10;$p\equiv 3\left(\mod4 \right )$&#10;\end{document}"/>
+  <p:tag name="IGUANATEXSIZE" val="18"/>
+  <p:tag name="IGUANATEXCURSOR" val="136"/>
+  <p:tag name="TRANSPARENCY" val="False"/>
+  <p:tag name="LATEXENGINEID" val="0"/>
+  <p:tag name="TEMPFOLDER" val="C:\Users\cosA\OneDrive\Documents\temp\"/>
+  <p:tag name="LATEXFORMHEIGHT" val="312"/>
+  <p:tag name="LATEXFORMWIDTH" val="384"/>
+  <p:tag name="LATEXFORMWRAP" val="True"/>
+  <p:tag name="BITMAPVECTOR" val="0"/>
+</p:tagLst>
+</file>
+
+<file path=ppt/tags/tag31.xml><?xml version="1.0" encoding="utf-8"?>
+<p:tagLst xmlns:a="http://schemas.openxmlformats.org/drawingml/2006/main" xmlns:r="http://schemas.openxmlformats.org/officeDocument/2006/relationships" xmlns:p="http://schemas.openxmlformats.org/presentationml/2006/main">
+  <p:tag name="OUTPUTDPI" val="1200"/>
+  <p:tag name="ORIGINALHEIGHT" val="116.2354"/>
+  <p:tag name="ORIGINALWIDTH" val="289.4638"/>
+  <p:tag name="LATEXADDIN" val="\documentclass{article}&#10;\usepackage{amsmath}&#10;\pagestyle{empty}&#10;\usepackage{xcolor}&#10;\usepackage{empheq}&#10;\begin{document}&#10;$p\neq 2$&#10;\end{document}"/>
+  <p:tag name="IGUANATEXSIZE" val="18"/>
+  <p:tag name="IGUANATEXCURSOR" val="128"/>
+  <p:tag name="TRANSPARENCY" val="False"/>
+  <p:tag name="LATEXENGINEID" val="0"/>
+  <p:tag name="TEMPFOLDER" val="C:\Users\cosA\OneDrive\Documents\temp\"/>
+  <p:tag name="LATEXFORMHEIGHT" val="312"/>
+  <p:tag name="LATEXFORMWIDTH" val="384"/>
+  <p:tag name="LATEXFORMWRAP" val="True"/>
+  <p:tag name="BITMAPVECTOR" val="0"/>
+</p:tagLst>
+</file>
+
+<file path=ppt/tags/tag32.xml><?xml version="1.0" encoding="utf-8"?>
+<p:tagLst xmlns:a="http://schemas.openxmlformats.org/drawingml/2006/main" xmlns:r="http://schemas.openxmlformats.org/officeDocument/2006/relationships" xmlns:p="http://schemas.openxmlformats.org/presentationml/2006/main">
+  <p:tag name="OUTPUTDPI" val="1200"/>
+  <p:tag name="ORIGINALHEIGHT" val="84.73937"/>
+  <p:tag name="ORIGINALWIDTH" val="315.7105"/>
+  <p:tag name="LATEXADDIN" val="\documentclass{article}&#10;\usepackage{amsmath}&#10;\pagestyle{empty}&#10;\usepackage{xcolor}&#10;\usepackage{empheq}&#10;\begin{document}&#10;{Y}=2{\color{blue}x}&#10;\end{document}"/>
+  <p:tag name="IGUANATEXSIZE" val="18"/>
+  <p:tag name="IGUANATEXCURSOR" val="122"/>
+  <p:tag name="TRANSPARENCY" val="False"/>
+  <p:tag name="LATEXENGINEID" val="0"/>
+  <p:tag name="TEMPFOLDER" val="C:\Users\cosA\OneDrive\Documents\temp\"/>
+  <p:tag name="LATEXFORMHEIGHT" val="312"/>
+  <p:tag name="LATEXFORMWIDTH" val="384"/>
+  <p:tag name="LATEXFORMWRAP" val="True"/>
+  <p:tag name="BITMAPVECTOR" val="0"/>
+</p:tagLst>
+</file>
+
+<file path=ppt/tags/tag33.xml><?xml version="1.0" encoding="utf-8"?>
+<p:tagLst xmlns:a="http://schemas.openxmlformats.org/drawingml/2006/main" xmlns:r="http://schemas.openxmlformats.org/officeDocument/2006/relationships" xmlns:p="http://schemas.openxmlformats.org/presentationml/2006/main">
+  <p:tag name="OUTPUTDPI" val="1200"/>
+  <p:tag name="ORIGINALHEIGHT" val="126.7342"/>
+  <p:tag name="ORIGINALWIDTH" val="667.4166"/>
+  <p:tag name="LATEXADDIN" val="\documentclass{article}&#10;\usepackage{amsmath}&#10;\pagestyle{empty}&#10;\usepackage{xcolor}&#10;\usepackage{empheq}&#10;\begin{document}&#10;${\color{green}2^{x}+p^{y}}={\color{blue}z^{2}}$&#10;\end{document}"/>
+  <p:tag name="IGUANATEXSIZE" val="18"/>
+  <p:tag name="IGUANATEXCURSOR" val="168"/>
+  <p:tag name="TRANSPARENCY" val="False"/>
+  <p:tag name="LATEXENGINEID" val="0"/>
+  <p:tag name="TEMPFOLDER" val="C:\Users\cosA\OneDrive\Documents\temp\"/>
+  <p:tag name="LATEXFORMHEIGHT" val="312"/>
+  <p:tag name="LATEXFORMWIDTH" val="384"/>
+  <p:tag name="LATEXFORMWRAP" val="True"/>
+  <p:tag name="BITMAPVECTOR" val="0"/>
+</p:tagLst>
+</file>
+
+<file path=ppt/tags/tag34.xml><?xml version="1.0" encoding="utf-8"?>
+<p:tagLst xmlns:a="http://schemas.openxmlformats.org/drawingml/2006/main" xmlns:r="http://schemas.openxmlformats.org/officeDocument/2006/relationships" xmlns:p="http://schemas.openxmlformats.org/presentationml/2006/main">
+  <p:tag name="OUTPUTDPI" val="1200"/>
+  <p:tag name="ORIGINALHEIGHT" val="125.2343"/>
+  <p:tag name="ORIGINALWIDTH" val="2068.241"/>
+  <p:tag name="LATEXADDIN" val="\documentclass{article}&#10;\usepackage{amsmath}&#10;\pagestyle{empty}&#10;\usepackage{xcolor}&#10;\usepackage{empheq}&#10;\begin{document}&#10;$\left ( x,p,y,z \right )\in    \left \{ \left ( 3,p,0,3 \right ) \right \}  \cup   \left \{ \left ( 0,3,1,2 \right ) \right \}$&#10;\end{document}"/>
+  <p:tag name="IGUANATEXSIZE" val="18"/>
+  <p:tag name="IGUANATEXCURSOR" val="247"/>
+  <p:tag name="TRANSPARENCY" val="False"/>
+  <p:tag name="LATEXENGINEID" val="0"/>
+  <p:tag name="TEMPFOLDER" val="C:\Users\cosA\OneDrive\Documents\temp\"/>
+  <p:tag name="LATEXFORMHEIGHT" val="312"/>
+  <p:tag name="LATEXFORMWIDTH" val="384"/>
+  <p:tag name="LATEXFORMWRAP" val="True"/>
+  <p:tag name="BITMAPVECTOR" val="0"/>
+</p:tagLst>
+</file>
+
+<file path=ppt/tags/tag35.xml><?xml version="1.0" encoding="utf-8"?>
+<p:tagLst xmlns:a="http://schemas.openxmlformats.org/drawingml/2006/main" xmlns:r="http://schemas.openxmlformats.org/officeDocument/2006/relationships" xmlns:p="http://schemas.openxmlformats.org/presentationml/2006/main">
+  <p:tag name="OUTPUTDPI" val="1200"/>
+  <p:tag name="ORIGINALHEIGHT" val="125.2343"/>
+  <p:tag name="ORIGINALWIDTH" val="3840.27"/>
+  <p:tag name="LATEXADDIN" val="\documentclass{article}&#10;\usepackage{amsmath}&#10;\pagestyle{empty}&#10;\usepackage{xcolor}&#10;\usepackage{empheq}&#10;\begin{document}&#10;$\left ( x,p,y,z \right )\in    \left \{ \left ( 3,p,0,3 \right ) \right \}  \cup   \left \{ \left ( 0,3,1,2 \right ) \right \} \cup \left \{ \left ( 2+log_{2}\left ( p+1 \right ) ,p,2,p+2\right ) \right \}$&#10;\end{document}"/>
+  <p:tag name="IGUANATEXSIZE" val="18"/>
+  <p:tag name="IGUANATEXCURSOR" val="316"/>
   <p:tag name="TRANSPARENCY" val="False"/>
   <p:tag name="LATEXENGINEID" val="0"/>
   <p:tag name="TEMPFOLDER" val="C:\Users\cosA\OneDrive\Documents\temp\"/>
@@ -6125,10 +8974,10 @@
 <p:tagLst xmlns:a="http://schemas.openxmlformats.org/drawingml/2006/main" xmlns:r="http://schemas.openxmlformats.org/officeDocument/2006/relationships" xmlns:p="http://schemas.openxmlformats.org/presentationml/2006/main">
   <p:tag name="OUTPUTDPI" val="1200"/>
   <p:tag name="ORIGINALHEIGHT" val="152.2309"/>
-  <p:tag name="ORIGINALWIDTH" val="3249.344"/>
-  <p:tag name="LATEXADDIN" val="\documentclass{article}&#10;\usepackage{amsmath}&#10;\pagestyle{empty}&#10;\usepackage{xcolor}&#10;\usepackage{empheq}&#10;\begin{document}&#10;${6x+8y}={46}$,$x^{2}+y^{2}=z^{2}$,$10x^{2}-7y=17$,$x\left ( y+1 \right )^{2}=243y$&#10;\end{document}"/>
+  <p:tag name="ORIGINALWIDTH" val="3498.313"/>
+  <p:tag name="LATEXADDIN" val="\documentclass{article}&#10;\usepackage{amsmath}&#10;\pagestyle{empty}&#10;\usepackage{xcolor}&#10;\usepackage{empheq}&#10;\begin{document}&#10;${6x+8y}={46}$ , $x^{2}+y^{2}=z^{2}$ , $10x^{2}-7y=17$ , $x\left ( y+1 \right )^{2}=243y$&#10;\end{document}"/>
   <p:tag name="IGUANATEXSIZE" val="18"/>
-  <p:tag name="IGUANATEXCURSOR" val="142"/>
+  <p:tag name="IGUANATEXCURSOR" val="177"/>
   <p:tag name="TRANSPARENCY" val="False"/>
   <p:tag name="LATEXENGINEID" val="0"/>
   <p:tag name="TEMPFOLDER" val="C:\Users\cosA\OneDrive\Documents\temp\"/>
@@ -6178,11 +9027,11 @@
 <file path=ppt/tags/tag7.xml><?xml version="1.0" encoding="utf-8"?>
 <p:tagLst xmlns:a="http://schemas.openxmlformats.org/drawingml/2006/main" xmlns:r="http://schemas.openxmlformats.org/officeDocument/2006/relationships" xmlns:p="http://schemas.openxmlformats.org/presentationml/2006/main">
   <p:tag name="OUTPUTDPI" val="1200"/>
-  <p:tag name="ORIGINALHEIGHT" val="126.7342"/>
-  <p:tag name="ORIGINALWIDTH" val="667.4166"/>
-  <p:tag name="LATEXADDIN" val="\documentclass{article}&#10;\usepackage{amsmath}&#10;\pagestyle{empty}&#10;\usepackage{xcolor}&#10;\usepackage{empheq}&#10;\begin{document}&#10;${\color{green}2^{x}+p^{y}}={\color{blue}z^{2}}$&#10;\end{document}"/>
+  <p:tag name="ORIGINALHEIGHT" val="87.73905"/>
+  <p:tag name="ORIGINALWIDTH" val="608.174"/>
+  <p:tag name="LATEXADDIN" val="\documentclass{article}&#10;\usepackage{amsmath}&#10;\pagestyle{empty}&#10;\usepackage{xcolor}&#10;\usepackage{empheq}&#10;\begin{document}&#10;${a^{x}-b^{y}}={1}$&#10;\end{document}"/>
   <p:tag name="IGUANATEXSIZE" val="18"/>
-  <p:tag name="IGUANATEXCURSOR" val="168"/>
+  <p:tag name="IGUANATEXCURSOR" val="137"/>
   <p:tag name="TRANSPARENCY" val="False"/>
   <p:tag name="LATEXENGINEID" val="0"/>
   <p:tag name="TEMPFOLDER" val="C:\Users\cosA\OneDrive\Documents\temp\"/>
@@ -6196,11 +9045,11 @@
 <file path=ppt/tags/tag8.xml><?xml version="1.0" encoding="utf-8"?>
 <p:tagLst xmlns:a="http://schemas.openxmlformats.org/drawingml/2006/main" xmlns:r="http://schemas.openxmlformats.org/officeDocument/2006/relationships" xmlns:p="http://schemas.openxmlformats.org/presentationml/2006/main">
   <p:tag name="OUTPUTDPI" val="1200"/>
-  <p:tag name="ORIGINALHEIGHT" val="84.73937"/>
-  <p:tag name="ORIGINALWIDTH" val="315.7105"/>
-  <p:tag name="LATEXADDIN" val="\documentclass{article}&#10;\usepackage{amsmath}&#10;\pagestyle{empty}&#10;\usepackage{xcolor}&#10;\usepackage{empheq}&#10;\begin{document}&#10;{Y}=2{\color{blue}x}&#10;\end{document}"/>
+  <p:tag name="ORIGINALHEIGHT" val="125.2343"/>
+  <p:tag name="ORIGINALWIDTH" val="1009.374"/>
+  <p:tag name="LATEXADDIN" val="\documentclass{article}&#10;\usepackage{amsmath}&#10;\pagestyle{empty}&#10;\usepackage{xcolor}&#10;\usepackage{empheq}&#10;\begin{document}&#10;$min \left \{ a,b,x,y \right \}&gt;1$&#10;\end{document}"/>
   <p:tag name="IGUANATEXSIZE" val="18"/>
-  <p:tag name="IGUANATEXCURSOR" val="122"/>
+  <p:tag name="IGUANATEXCURSOR" val="153"/>
   <p:tag name="TRANSPARENCY" val="False"/>
   <p:tag name="LATEXENGINEID" val="0"/>
   <p:tag name="TEMPFOLDER" val="C:\Users\cosA\OneDrive\Documents\temp\"/>
@@ -6214,11 +9063,11 @@
 <file path=ppt/tags/tag9.xml><?xml version="1.0" encoding="utf-8"?>
 <p:tagLst xmlns:a="http://schemas.openxmlformats.org/drawingml/2006/main" xmlns:r="http://schemas.openxmlformats.org/officeDocument/2006/relationships" xmlns:p="http://schemas.openxmlformats.org/presentationml/2006/main">
   <p:tag name="OUTPUTDPI" val="1200"/>
-  <p:tag name="ORIGINALHEIGHT" val="126.7342"/>
-  <p:tag name="ORIGINALWIDTH" val="667.4166"/>
-  <p:tag name="LATEXADDIN" val="\documentclass{article}&#10;\usepackage{amsmath}&#10;\pagestyle{empty}&#10;\usepackage{xcolor}&#10;\usepackage{empheq}&#10;\begin{document}&#10;${\color{green}2^{x}+p^{y}}={\color{blue}z^{2}}$&#10;\end{document}"/>
+  <p:tag name="ORIGINALHEIGHT" val="80.24"/>
+  <p:tag name="ORIGINALWIDTH" val="58.49268"/>
+  <p:tag name="LATEXADDIN" val="\documentclass{article}&#10;\usepackage{amsmath}&#10;\pagestyle{empty}&#10;\usepackage{xcolor}&#10;\usepackage{empheq}&#10;\begin{document}&#10;$y$&#10;\end{document}"/>
   <p:tag name="IGUANATEXSIZE" val="18"/>
-  <p:tag name="IGUANATEXCURSOR" val="168"/>
+  <p:tag name="IGUANATEXCURSOR" val="123"/>
   <p:tag name="TRANSPARENCY" val="False"/>
   <p:tag name="LATEXENGINEID" val="0"/>
   <p:tag name="TEMPFOLDER" val="C:\Users\cosA\OneDrive\Documents\temp\"/>

--- a/Presentation1.pptx
+++ b/Presentation1.pptx
@@ -7,21 +7,22 @@
   <p:sldIdLst>
     <p:sldId id="256" r:id="rId2"/>
     <p:sldId id="257" r:id="rId3"/>
-    <p:sldId id="258" r:id="rId4"/>
-    <p:sldId id="268" r:id="rId5"/>
-    <p:sldId id="269" r:id="rId6"/>
-    <p:sldId id="270" r:id="rId7"/>
-    <p:sldId id="271" r:id="rId8"/>
-    <p:sldId id="272" r:id="rId9"/>
-    <p:sldId id="259" r:id="rId10"/>
-    <p:sldId id="260" r:id="rId11"/>
-    <p:sldId id="261" r:id="rId12"/>
-    <p:sldId id="262" r:id="rId13"/>
-    <p:sldId id="263" r:id="rId14"/>
-    <p:sldId id="264" r:id="rId15"/>
-    <p:sldId id="265" r:id="rId16"/>
-    <p:sldId id="266" r:id="rId17"/>
-    <p:sldId id="267" r:id="rId18"/>
+    <p:sldId id="273" r:id="rId4"/>
+    <p:sldId id="258" r:id="rId5"/>
+    <p:sldId id="268" r:id="rId6"/>
+    <p:sldId id="269" r:id="rId7"/>
+    <p:sldId id="270" r:id="rId8"/>
+    <p:sldId id="271" r:id="rId9"/>
+    <p:sldId id="272" r:id="rId10"/>
+    <p:sldId id="259" r:id="rId11"/>
+    <p:sldId id="260" r:id="rId12"/>
+    <p:sldId id="261" r:id="rId13"/>
+    <p:sldId id="262" r:id="rId14"/>
+    <p:sldId id="263" r:id="rId15"/>
+    <p:sldId id="264" r:id="rId16"/>
+    <p:sldId id="265" r:id="rId17"/>
+    <p:sldId id="266" r:id="rId18"/>
+    <p:sldId id="267" r:id="rId19"/>
   </p:sldIdLst>
   <p:sldSz cx="12192000" cy="6858000"/>
   <p:notesSz cx="6858000" cy="9144000"/>
@@ -145,7 +146,7 @@
   <pc:docChgLst>
     <pc:chgData name="Chonthicha Phuangfueang" userId="055aefd292e5fda0" providerId="LiveId" clId="{5B5F8411-1399-4D8D-B27F-31C85245C7D4}"/>
     <pc:docChg chg="undo custSel addSld delSld modSld sldOrd modMainMaster">
-      <pc:chgData name="Chonthicha Phuangfueang" userId="055aefd292e5fda0" providerId="LiveId" clId="{5B5F8411-1399-4D8D-B27F-31C85245C7D4}" dt="2023-03-29T11:32:54.947" v="13001" actId="478"/>
+      <pc:chgData name="Chonthicha Phuangfueang" userId="055aefd292e5fda0" providerId="LiveId" clId="{5B5F8411-1399-4D8D-B27F-31C85245C7D4}" dt="2023-03-29T12:45:40.313" v="13740" actId="478"/>
       <pc:docMkLst>
         <pc:docMk/>
       </pc:docMkLst>
@@ -437,7 +438,7 @@
         </pc:picChg>
       </pc:sldChg>
       <pc:sldChg chg="addSp delSp modSp new add del mod ord">
-        <pc:chgData name="Chonthicha Phuangfueang" userId="055aefd292e5fda0" providerId="LiveId" clId="{5B5F8411-1399-4D8D-B27F-31C85245C7D4}" dt="2023-03-28T12:04:12.708" v="2232" actId="20577"/>
+        <pc:chgData name="Chonthicha Phuangfueang" userId="055aefd292e5fda0" providerId="LiveId" clId="{5B5F8411-1399-4D8D-B27F-31C85245C7D4}" dt="2023-03-29T12:00:12.486" v="13141" actId="962"/>
         <pc:sldMkLst>
           <pc:docMk/>
           <pc:sldMk cId="1407271775" sldId="257"/>
@@ -506,6 +507,14 @@
             <ac:picMk id="6" creationId="{09FD7ED7-DA5D-6DF6-C052-7430B0433A65}"/>
           </ac:picMkLst>
         </pc:picChg>
+        <pc:picChg chg="mod ord replST">
+          <ac:chgData name="Chonthicha Phuangfueang" userId="055aefd292e5fda0" providerId="LiveId" clId="{5B5F8411-1399-4D8D-B27F-31C85245C7D4}" dt="2023-03-29T12:00:12.486" v="13141" actId="962"/>
+          <ac:picMkLst>
+            <pc:docMk/>
+            <pc:sldMk cId="1407271775" sldId="257"/>
+            <ac:picMk id="6" creationId="{34FDF91E-19AA-6614-E59A-E70C79B4647F}"/>
+          </ac:picMkLst>
+        </pc:picChg>
         <pc:picChg chg="add del mod">
           <ac:chgData name="Chonthicha Phuangfueang" userId="055aefd292e5fda0" providerId="LiveId" clId="{5B5F8411-1399-4D8D-B27F-31C85245C7D4}" dt="2023-03-28T07:44:25.493" v="1648" actId="478"/>
           <ac:picMkLst>
@@ -586,8 +595,8 @@
             <ac:picMk id="23" creationId="{ED2FBD7D-96FB-BABF-DE13-4D1A9EDD038A}"/>
           </ac:picMkLst>
         </pc:picChg>
-        <pc:picChg chg="add mod">
-          <ac:chgData name="Chonthicha Phuangfueang" userId="055aefd292e5fda0" providerId="LiveId" clId="{5B5F8411-1399-4D8D-B27F-31C85245C7D4}" dt="2023-03-28T08:08:58.983" v="2137" actId="1035"/>
+        <pc:picChg chg="add del mod">
+          <ac:chgData name="Chonthicha Phuangfueang" userId="055aefd292e5fda0" providerId="LiveId" clId="{5B5F8411-1399-4D8D-B27F-31C85245C7D4}" dt="2023-03-29T12:00:12.485" v="13139" actId="478"/>
           <ac:picMkLst>
             <pc:docMk/>
             <pc:sldMk cId="1407271775" sldId="257"/>
@@ -939,7 +948,7 @@
         </pc:picChg>
       </pc:sldChg>
       <pc:sldChg chg="addSp delSp modSp new mod">
-        <pc:chgData name="Chonthicha Phuangfueang" userId="055aefd292e5fda0" providerId="LiveId" clId="{5B5F8411-1399-4D8D-B27F-31C85245C7D4}" dt="2023-03-29T11:15:00.006" v="12978" actId="1036"/>
+        <pc:chgData name="Chonthicha Phuangfueang" userId="055aefd292e5fda0" providerId="LiveId" clId="{5B5F8411-1399-4D8D-B27F-31C85245C7D4}" dt="2023-03-29T12:40:32.560" v="13737" actId="20577"/>
         <pc:sldMkLst>
           <pc:docMk/>
           <pc:sldMk cId="1291169182" sldId="259"/>
@@ -961,7 +970,7 @@
           </ac:spMkLst>
         </pc:spChg>
         <pc:spChg chg="add mod">
-          <ac:chgData name="Chonthicha Phuangfueang" userId="055aefd292e5fda0" providerId="LiveId" clId="{5B5F8411-1399-4D8D-B27F-31C85245C7D4}" dt="2023-03-29T11:14:50.709" v="12972" actId="20577"/>
+          <ac:chgData name="Chonthicha Phuangfueang" userId="055aefd292e5fda0" providerId="LiveId" clId="{5B5F8411-1399-4D8D-B27F-31C85245C7D4}" dt="2023-03-29T12:40:32.560" v="13737" actId="20577"/>
           <ac:spMkLst>
             <pc:docMk/>
             <pc:sldMk cId="1291169182" sldId="259"/>
@@ -976,6 +985,14 @@
             <ac:spMk id="7" creationId="{EA6FE930-526F-C697-CBBA-8A942D2A4497}"/>
           </ac:spMkLst>
         </pc:spChg>
+        <pc:picChg chg="del mod ord replST">
+          <ac:chgData name="Chonthicha Phuangfueang" userId="055aefd292e5fda0" providerId="LiveId" clId="{5B5F8411-1399-4D8D-B27F-31C85245C7D4}" dt="2023-03-29T11:42:00.042" v="13070" actId="478"/>
+          <ac:picMkLst>
+            <pc:docMk/>
+            <pc:sldMk cId="1291169182" sldId="259"/>
+            <ac:picMk id="4" creationId="{2CA0B433-85FF-23C1-CEC6-0A2F8F718A86}"/>
+          </ac:picMkLst>
+        </pc:picChg>
         <pc:picChg chg="add del mod">
           <ac:chgData name="Chonthicha Phuangfueang" userId="055aefd292e5fda0" providerId="LiveId" clId="{5B5F8411-1399-4D8D-B27F-31C85245C7D4}" dt="2023-03-29T09:01:27.724" v="12182" actId="478"/>
           <ac:picMkLst>
@@ -992,6 +1009,22 @@
             <ac:picMk id="5" creationId="{1E0381FA-C4BA-0A76-7795-DDFF7859E047}"/>
           </ac:picMkLst>
         </pc:picChg>
+        <pc:picChg chg="mod ord replST">
+          <ac:chgData name="Chonthicha Phuangfueang" userId="055aefd292e5fda0" providerId="LiveId" clId="{5B5F8411-1399-4D8D-B27F-31C85245C7D4}" dt="2023-03-29T11:42:00.042" v="13072" actId="962"/>
+          <ac:picMkLst>
+            <pc:docMk/>
+            <pc:sldMk cId="1291169182" sldId="259"/>
+            <ac:picMk id="6" creationId="{04BDC4C3-462C-C49F-10B1-99F3BD965164}"/>
+          </ac:picMkLst>
+        </pc:picChg>
+        <pc:picChg chg="add del mod">
+          <ac:chgData name="Chonthicha Phuangfueang" userId="055aefd292e5fda0" providerId="LiveId" clId="{5B5F8411-1399-4D8D-B27F-31C85245C7D4}" dt="2023-03-29T11:42:35.726" v="13100" actId="478"/>
+          <ac:picMkLst>
+            <pc:docMk/>
+            <pc:sldMk cId="1291169182" sldId="259"/>
+            <ac:picMk id="7" creationId="{95F1D3A1-4FD6-3E15-3ECA-A52AC8C77F45}"/>
+          </ac:picMkLst>
+        </pc:picChg>
         <pc:picChg chg="add mod">
           <ac:chgData name="Chonthicha Phuangfueang" userId="055aefd292e5fda0" providerId="LiveId" clId="{5B5F8411-1399-4D8D-B27F-31C85245C7D4}" dt="2023-03-29T11:15:00.006" v="12978" actId="1036"/>
           <ac:picMkLst>
@@ -1017,6 +1050,14 @@
           </ac:picMkLst>
         </pc:picChg>
         <pc:picChg chg="mod ord replST">
+          <ac:chgData name="Chonthicha Phuangfueang" userId="055aefd292e5fda0" providerId="LiveId" clId="{5B5F8411-1399-4D8D-B27F-31C85245C7D4}" dt="2023-03-29T11:42:35.726" v="13102" actId="962"/>
+          <ac:picMkLst>
+            <pc:docMk/>
+            <pc:sldMk cId="1291169182" sldId="259"/>
+            <ac:picMk id="11" creationId="{1478A7FE-EB38-1C8E-3322-388D2D1CF7B7}"/>
+          </ac:picMkLst>
+        </pc:picChg>
+        <pc:picChg chg="mod ord replST">
           <ac:chgData name="Chonthicha Phuangfueang" userId="055aefd292e5fda0" providerId="LiveId" clId="{5B5F8411-1399-4D8D-B27F-31C85245C7D4}" dt="2023-03-29T09:04:55.745" v="12419" actId="962"/>
           <ac:picMkLst>
             <pc:docMk/>
@@ -1024,6 +1065,14 @@
             <ac:picMk id="12" creationId="{A84E9882-187A-3A93-CD17-693CE5C3D8B6}"/>
           </ac:picMkLst>
         </pc:picChg>
+        <pc:picChg chg="add mod">
+          <ac:chgData name="Chonthicha Phuangfueang" userId="055aefd292e5fda0" providerId="LiveId" clId="{5B5F8411-1399-4D8D-B27F-31C85245C7D4}" dt="2023-03-29T12:30:29.899" v="13471" actId="1037"/>
+          <ac:picMkLst>
+            <pc:docMk/>
+            <pc:sldMk cId="1291169182" sldId="259"/>
+            <ac:picMk id="13" creationId="{8B62F205-8081-4EE4-0B24-92DA7F321B5F}"/>
+          </ac:picMkLst>
+        </pc:picChg>
         <pc:picChg chg="del mod replST">
           <ac:chgData name="Chonthicha Phuangfueang" userId="055aefd292e5fda0" providerId="LiveId" clId="{5B5F8411-1399-4D8D-B27F-31C85245C7D4}" dt="2023-03-29T09:06:02.993" v="12642" actId="478"/>
           <ac:picMkLst>
@@ -1032,6 +1081,22 @@
             <ac:picMk id="14" creationId="{3FC98ED9-D97A-5BE5-9D2D-0C30F643D14A}"/>
           </ac:picMkLst>
         </pc:picChg>
+        <pc:picChg chg="add del mod">
+          <ac:chgData name="Chonthicha Phuangfueang" userId="055aefd292e5fda0" providerId="LiveId" clId="{5B5F8411-1399-4D8D-B27F-31C85245C7D4}" dt="2023-03-29T12:26:28.171" v="13212" actId="478"/>
+          <ac:picMkLst>
+            <pc:docMk/>
+            <pc:sldMk cId="1291169182" sldId="259"/>
+            <ac:picMk id="14" creationId="{4AFCABF0-341E-93CC-14B8-E06186A17A54}"/>
+          </ac:picMkLst>
+        </pc:picChg>
+        <pc:picChg chg="add del mod">
+          <ac:chgData name="Chonthicha Phuangfueang" userId="055aefd292e5fda0" providerId="LiveId" clId="{5B5F8411-1399-4D8D-B27F-31C85245C7D4}" dt="2023-03-29T12:27:13.837" v="13240" actId="478"/>
+          <ac:picMkLst>
+            <pc:docMk/>
+            <pc:sldMk cId="1291169182" sldId="259"/>
+            <ac:picMk id="15" creationId="{FC1E043A-7DAB-3AE5-CE9E-E1068E3659EE}"/>
+          </ac:picMkLst>
+        </pc:picChg>
         <pc:picChg chg="mod ord replST">
           <ac:chgData name="Chonthicha Phuangfueang" userId="055aefd292e5fda0" providerId="LiveId" clId="{5B5F8411-1399-4D8D-B27F-31C85245C7D4}" dt="2023-03-29T09:13:01.212" v="12867" actId="1037"/>
           <ac:picMkLst>
@@ -1057,6 +1122,14 @@
           </ac:picMkLst>
         </pc:picChg>
         <pc:picChg chg="mod ord replST">
+          <ac:chgData name="Chonthicha Phuangfueang" userId="055aefd292e5fda0" providerId="LiveId" clId="{5B5F8411-1399-4D8D-B27F-31C85245C7D4}" dt="2023-03-29T12:29:44.163" v="13455" actId="1076"/>
+          <ac:picMkLst>
+            <pc:docMk/>
+            <pc:sldMk cId="1291169182" sldId="259"/>
+            <ac:picMk id="19" creationId="{875B9F01-C44C-5104-4C1C-87D1CECF1B4A}"/>
+          </ac:picMkLst>
+        </pc:picChg>
+        <pc:picChg chg="mod ord replST">
           <ac:chgData name="Chonthicha Phuangfueang" userId="055aefd292e5fda0" providerId="LiveId" clId="{5B5F8411-1399-4D8D-B27F-31C85245C7D4}" dt="2023-03-29T09:08:52.268" v="12780" actId="1035"/>
           <ac:picMkLst>
             <pc:docMk/>
@@ -1065,6 +1138,14 @@
           </ac:picMkLst>
         </pc:picChg>
         <pc:picChg chg="add del mod">
+          <ac:chgData name="Chonthicha Phuangfueang" userId="055aefd292e5fda0" providerId="LiveId" clId="{5B5F8411-1399-4D8D-B27F-31C85245C7D4}" dt="2023-03-29T12:28:14.561" v="13329" actId="478"/>
+          <ac:picMkLst>
+            <pc:docMk/>
+            <pc:sldMk cId="1291169182" sldId="259"/>
+            <ac:picMk id="21" creationId="{7FD719B5-9234-D3DE-82CB-348783E0F7E1}"/>
+          </ac:picMkLst>
+        </pc:picChg>
+        <pc:picChg chg="add del mod">
           <ac:chgData name="Chonthicha Phuangfueang" userId="055aefd292e5fda0" providerId="LiveId" clId="{5B5F8411-1399-4D8D-B27F-31C85245C7D4}" dt="2023-03-29T11:14:27.807" v="12970" actId="478"/>
           <ac:picMkLst>
             <pc:docMk/>
@@ -1081,6 +1162,14 @@
           </ac:picMkLst>
         </pc:picChg>
         <pc:picChg chg="mod ord replST">
+          <ac:chgData name="Chonthicha Phuangfueang" userId="055aefd292e5fda0" providerId="LiveId" clId="{5B5F8411-1399-4D8D-B27F-31C85245C7D4}" dt="2023-03-29T12:30:03.348" v="13466" actId="1035"/>
+          <ac:picMkLst>
+            <pc:docMk/>
+            <pc:sldMk cId="1291169182" sldId="259"/>
+            <ac:picMk id="23" creationId="{9BEE3D18-7247-D1FD-2928-D67C6CA22A1B}"/>
+          </ac:picMkLst>
+        </pc:picChg>
+        <pc:picChg chg="mod ord replST">
           <ac:chgData name="Chonthicha Phuangfueang" userId="055aefd292e5fda0" providerId="LiveId" clId="{5B5F8411-1399-4D8D-B27F-31C85245C7D4}" dt="2023-03-29T09:12:56.411" v="12860" actId="1036"/>
           <ac:picMkLst>
             <pc:docMk/>
@@ -1104,6 +1193,14 @@
             <ac:picMk id="26" creationId="{1D8C704B-B816-68BE-68C5-BB677A85BD0F}"/>
           </ac:picMkLst>
         </pc:picChg>
+        <pc:picChg chg="add del mod">
+          <ac:chgData name="Chonthicha Phuangfueang" userId="055aefd292e5fda0" providerId="LiveId" clId="{5B5F8411-1399-4D8D-B27F-31C85245C7D4}" dt="2023-03-29T12:31:55.665" v="13505" actId="478"/>
+          <ac:picMkLst>
+            <pc:docMk/>
+            <pc:sldMk cId="1291169182" sldId="259"/>
+            <ac:picMk id="26" creationId="{CF9A993B-DB41-FAF9-F471-D96888055DCF}"/>
+          </ac:picMkLst>
+        </pc:picChg>
         <pc:picChg chg="mod ord replST">
           <ac:chgData name="Chonthicha Phuangfueang" userId="055aefd292e5fda0" providerId="LiveId" clId="{5B5F8411-1399-4D8D-B27F-31C85245C7D4}" dt="2023-03-29T09:14:31.357" v="12939" actId="962"/>
           <ac:picMkLst>
@@ -1120,12 +1217,68 @@
             <ac:picMk id="29" creationId="{AD483971-19D5-E9A8-0AB8-F5F824916FB4}"/>
           </ac:picMkLst>
         </pc:picChg>
-        <pc:picChg chg="mod ord replST">
-          <ac:chgData name="Chonthicha Phuangfueang" userId="055aefd292e5fda0" providerId="LiveId" clId="{5B5F8411-1399-4D8D-B27F-31C85245C7D4}" dt="2023-03-29T09:14:59.107" v="12969" actId="962"/>
+        <pc:picChg chg="del mod ord replST">
+          <ac:chgData name="Chonthicha Phuangfueang" userId="055aefd292e5fda0" providerId="LiveId" clId="{5B5F8411-1399-4D8D-B27F-31C85245C7D4}" dt="2023-03-29T12:32:37.196" v="13533" actId="478"/>
+          <ac:picMkLst>
+            <pc:docMk/>
+            <pc:sldMk cId="1291169182" sldId="259"/>
+            <ac:picMk id="29" creationId="{E4FBFFAF-317D-B7C3-E33E-7AFCA6DFCE41}"/>
+          </ac:picMkLst>
+        </pc:picChg>
+        <pc:picChg chg="del mod ord replST">
+          <ac:chgData name="Chonthicha Phuangfueang" userId="055aefd292e5fda0" providerId="LiveId" clId="{5B5F8411-1399-4D8D-B27F-31C85245C7D4}" dt="2023-03-29T11:41:33.724" v="13042" actId="478"/>
           <ac:picMkLst>
             <pc:docMk/>
             <pc:sldMk cId="1291169182" sldId="259"/>
             <ac:picMk id="31" creationId="{D490C691-B995-D147-AC66-21C3169977F8}"/>
+          </ac:picMkLst>
+        </pc:picChg>
+        <pc:picChg chg="mod ord replST">
+          <ac:chgData name="Chonthicha Phuangfueang" userId="055aefd292e5fda0" providerId="LiveId" clId="{5B5F8411-1399-4D8D-B27F-31C85245C7D4}" dt="2023-03-29T12:32:37.196" v="13535" actId="962"/>
+          <ac:picMkLst>
+            <pc:docMk/>
+            <pc:sldMk cId="1291169182" sldId="259"/>
+            <ac:picMk id="32" creationId="{F979794C-DC41-E7AD-54E9-1583E04DB458}"/>
+          </ac:picMkLst>
+        </pc:picChg>
+        <pc:picChg chg="add del mod">
+          <ac:chgData name="Chonthicha Phuangfueang" userId="055aefd292e5fda0" providerId="LiveId" clId="{5B5F8411-1399-4D8D-B27F-31C85245C7D4}" dt="2023-03-29T12:33:46.654" v="13633" actId="478"/>
+          <ac:picMkLst>
+            <pc:docMk/>
+            <pc:sldMk cId="1291169182" sldId="259"/>
+            <ac:picMk id="33" creationId="{24FC8835-C749-3BFB-16C1-A64EE87A2A6B}"/>
+          </ac:picMkLst>
+        </pc:picChg>
+        <pc:picChg chg="mod ord replST">
+          <ac:chgData name="Chonthicha Phuangfueang" userId="055aefd292e5fda0" providerId="LiveId" clId="{5B5F8411-1399-4D8D-B27F-31C85245C7D4}" dt="2023-03-29T12:34:04.233" v="13660" actId="1076"/>
+          <ac:picMkLst>
+            <pc:docMk/>
+            <pc:sldMk cId="1291169182" sldId="259"/>
+            <ac:picMk id="35" creationId="{BBBB8B20-28CE-E4D0-BEB9-56B510A95228}"/>
+          </ac:picMkLst>
+        </pc:picChg>
+        <pc:picChg chg="add del mod">
+          <ac:chgData name="Chonthicha Phuangfueang" userId="055aefd292e5fda0" providerId="LiveId" clId="{5B5F8411-1399-4D8D-B27F-31C85245C7D4}" dt="2023-03-29T12:34:52.728" v="13665" actId="478"/>
+          <ac:picMkLst>
+            <pc:docMk/>
+            <pc:sldMk cId="1291169182" sldId="259"/>
+            <ac:picMk id="36" creationId="{21E642D3-EAE4-D07C-B50D-36E9D37DE30A}"/>
+          </ac:picMkLst>
+        </pc:picChg>
+        <pc:picChg chg="add del mod">
+          <ac:chgData name="Chonthicha Phuangfueang" userId="055aefd292e5fda0" providerId="LiveId" clId="{5B5F8411-1399-4D8D-B27F-31C85245C7D4}" dt="2023-03-29T12:38:29.968" v="13682" actId="478"/>
+          <ac:picMkLst>
+            <pc:docMk/>
+            <pc:sldMk cId="1291169182" sldId="259"/>
+            <ac:picMk id="37" creationId="{B45618F4-15E9-2CCE-5A8C-81C05D5CBA12}"/>
+          </ac:picMkLst>
+        </pc:picChg>
+        <pc:picChg chg="add mod">
+          <ac:chgData name="Chonthicha Phuangfueang" userId="055aefd292e5fda0" providerId="LiveId" clId="{5B5F8411-1399-4D8D-B27F-31C85245C7D4}" dt="2023-03-29T12:39:02.201" v="13697" actId="1076"/>
+          <ac:picMkLst>
+            <pc:docMk/>
+            <pc:sldMk cId="1291169182" sldId="259"/>
+            <ac:picMk id="38" creationId="{A4C1B98E-4E17-864F-9356-1DC54BA1D317}"/>
           </ac:picMkLst>
         </pc:picChg>
       </pc:sldChg>
@@ -3243,6 +3396,29 @@
             <ac:picMk id="32" creationId="{47C6E0DC-891D-2811-04C8-986C90D898D2}"/>
           </ac:picMkLst>
         </pc:picChg>
+      </pc:sldChg>
+      <pc:sldChg chg="delSp new mod">
+        <pc:chgData name="Chonthicha Phuangfueang" userId="055aefd292e5fda0" providerId="LiveId" clId="{5B5F8411-1399-4D8D-B27F-31C85245C7D4}" dt="2023-03-29T12:45:40.313" v="13740" actId="478"/>
+        <pc:sldMkLst>
+          <pc:docMk/>
+          <pc:sldMk cId="641597096" sldId="273"/>
+        </pc:sldMkLst>
+        <pc:spChg chg="del">
+          <ac:chgData name="Chonthicha Phuangfueang" userId="055aefd292e5fda0" providerId="LiveId" clId="{5B5F8411-1399-4D8D-B27F-31C85245C7D4}" dt="2023-03-29T12:45:37.797" v="13739" actId="478"/>
+          <ac:spMkLst>
+            <pc:docMk/>
+            <pc:sldMk cId="641597096" sldId="273"/>
+            <ac:spMk id="2" creationId="{F19FDE1A-71BF-549C-B8CB-FF19B8050903}"/>
+          </ac:spMkLst>
+        </pc:spChg>
+        <pc:spChg chg="del">
+          <ac:chgData name="Chonthicha Phuangfueang" userId="055aefd292e5fda0" providerId="LiveId" clId="{5B5F8411-1399-4D8D-B27F-31C85245C7D4}" dt="2023-03-29T12:45:40.313" v="13740" actId="478"/>
+          <ac:spMkLst>
+            <pc:docMk/>
+            <pc:sldMk cId="641597096" sldId="273"/>
+            <ac:spMk id="3" creationId="{1CACBA04-8C1F-2EE5-64DE-57EFA8D03693}"/>
+          </ac:spMkLst>
+        </pc:spChg>
       </pc:sldChg>
       <pc:sldMasterChg chg="modSldLayout">
         <pc:chgData name="Chonthicha Phuangfueang" userId="055aefd292e5fda0" providerId="LiveId" clId="{5B5F8411-1399-4D8D-B27F-31C85245C7D4}" dt="2023-03-26T08:37:46.930" v="528"/>
@@ -7282,12 +7458,228 @@
           <a:chExt cx="0" cy="0"/>
         </a:xfrm>
       </p:grpSpPr>
+      <p:sp>
+        <p:nvSpPr>
+          <p:cNvPr id="3" name="TextBox 2">
+            <a:extLst>
+              <a:ext uri="{FF2B5EF4-FFF2-40B4-BE49-F238E27FC236}">
+                <a16:creationId xmlns:a16="http://schemas.microsoft.com/office/drawing/2014/main" id="{EC5CC0DF-102E-A644-EA5A-4FA2448EBCF6}"/>
+              </a:ext>
+            </a:extLst>
+          </p:cNvPr>
+          <p:cNvSpPr txBox="1"/>
+          <p:nvPr/>
+        </p:nvSpPr>
+        <p:spPr>
+          <a:xfrm>
+            <a:off x="2576944" y="451262"/>
+            <a:ext cx="8823368" cy="5816977"/>
+          </a:xfrm>
+          <a:prstGeom prst="rect">
+            <a:avLst/>
+          </a:prstGeom>
+          <a:noFill/>
+        </p:spPr>
+        <p:txBody>
+          <a:bodyPr wrap="square">
+            <a:spAutoFit/>
+          </a:bodyPr>
+          <a:lstStyle/>
+          <a:p>
+            <a:r>
+              <a:rPr lang="th-TH" sz="3100" u="sng" dirty="0">
+                <a:latin typeface="TH Sarabun New" panose="020B0500040200020003" pitchFamily="34" charset="-34"/>
+                <a:cs typeface="TH Sarabun New" panose="020B0500040200020003" pitchFamily="34" charset="-34"/>
+              </a:rPr>
+              <a:t>กรณีย่อย</a:t>
+            </a:r>
+            <a:r>
+              <a:rPr lang="en-US" sz="3100" u="sng" dirty="0">
+                <a:latin typeface="TH Sarabun New" panose="020B0500040200020003" pitchFamily="34" charset="-34"/>
+                <a:cs typeface="TH Sarabun New" panose="020B0500040200020003" pitchFamily="34" charset="-34"/>
+              </a:rPr>
+              <a:t>3</a:t>
+            </a:r>
+            <a:r>
+              <a:rPr lang="en-US" sz="3100" dirty="0">
+                <a:latin typeface="TH Sarabun New" panose="020B0500040200020003" pitchFamily="34" charset="-34"/>
+                <a:cs typeface="TH Sarabun New" panose="020B0500040200020003" pitchFamily="34" charset="-34"/>
+              </a:rPr>
+              <a:t>     </a:t>
+            </a:r>
+            <a:r>
+              <a:rPr lang="th-TH" sz="3100" dirty="0">
+                <a:latin typeface="TH Sarabun New" panose="020B0500040200020003" pitchFamily="34" charset="-34"/>
+                <a:cs typeface="TH Sarabun New" panose="020B0500040200020003" pitchFamily="34" charset="-34"/>
+              </a:rPr>
+              <a:t>     </a:t>
+            </a:r>
+            <a:r>
+              <a:rPr lang="en-US" sz="3100" dirty="0">
+                <a:latin typeface="TH Sarabun New" panose="020B0500040200020003" pitchFamily="34" charset="-34"/>
+                <a:cs typeface="TH Sarabun New" panose="020B0500040200020003" pitchFamily="34" charset="-34"/>
+              </a:rPr>
+              <a:t>  </a:t>
+            </a:r>
+            <a:r>
+              <a:rPr lang="th-TH" sz="3100" dirty="0">
+                <a:latin typeface="TH Sarabun New" panose="020B0500040200020003" pitchFamily="34" charset="-34"/>
+                <a:cs typeface="TH Sarabun New" panose="020B0500040200020003" pitchFamily="34" charset="-34"/>
+              </a:rPr>
+              <a:t>เป็นจำนวนคี่ </a:t>
+            </a:r>
+          </a:p>
+          <a:p>
+            <a:r>
+              <a:rPr lang="th-TH" sz="3100" dirty="0">
+                <a:latin typeface="TH Sarabun New" panose="020B0500040200020003" pitchFamily="34" charset="-34"/>
+                <a:cs typeface="TH Sarabun New" panose="020B0500040200020003" pitchFamily="34" charset="-34"/>
+              </a:rPr>
+              <a:t>จาก            และ             โดย      จะได้ว่า         </a:t>
+            </a:r>
+            <a:r>
+              <a:rPr lang="en-US" sz="3100" dirty="0">
+                <a:latin typeface="TH Sarabun New" panose="020B0500040200020003" pitchFamily="34" charset="-34"/>
+                <a:cs typeface="TH Sarabun New" panose="020B0500040200020003" pitchFamily="34" charset="-34"/>
+              </a:rPr>
+              <a:t>   </a:t>
+            </a:r>
+            <a:r>
+              <a:rPr lang="th-TH" sz="3100" dirty="0">
+                <a:latin typeface="TH Sarabun New" panose="020B0500040200020003" pitchFamily="34" charset="-34"/>
+                <a:cs typeface="TH Sarabun New" panose="020B0500040200020003" pitchFamily="34" charset="-34"/>
+              </a:rPr>
+              <a:t>ดังนั้น </a:t>
+            </a:r>
+            <a:r>
+              <a:rPr lang="en-US" sz="3100" dirty="0">
+                <a:latin typeface="TH Sarabun New" panose="020B0500040200020003" pitchFamily="34" charset="-34"/>
+                <a:cs typeface="TH Sarabun New" panose="020B0500040200020003" pitchFamily="34" charset="-34"/>
+              </a:rPr>
+              <a:t>    </a:t>
+            </a:r>
+            <a:r>
+              <a:rPr lang="th-TH" sz="3100" dirty="0">
+                <a:latin typeface="TH Sarabun New" panose="020B0500040200020003" pitchFamily="34" charset="-34"/>
+                <a:cs typeface="TH Sarabun New" panose="020B0500040200020003" pitchFamily="34" charset="-34"/>
+              </a:rPr>
+              <a:t> เป็นจำนวนคี่ เพราะฉะนั้น </a:t>
+            </a:r>
+            <a:endParaRPr lang="en-US" sz="3100" dirty="0">
+              <a:latin typeface="TH Sarabun New" panose="020B0500040200020003" pitchFamily="34" charset="-34"/>
+              <a:cs typeface="TH Sarabun New" panose="020B0500040200020003" pitchFamily="34" charset="-34"/>
+            </a:endParaRPr>
+          </a:p>
+          <a:p>
+            <a:r>
+              <a:rPr lang="th-TH" sz="3100" dirty="0">
+                <a:latin typeface="TH Sarabun New" panose="020B0500040200020003" pitchFamily="34" charset="-34"/>
+                <a:cs typeface="TH Sarabun New" panose="020B0500040200020003" pitchFamily="34" charset="-34"/>
+              </a:rPr>
+              <a:t>จาก 					 จะได้ว่า</a:t>
+            </a:r>
+            <a:endParaRPr lang="en-US" sz="3100" dirty="0">
+              <a:latin typeface="TH Sarabun New" panose="020B0500040200020003" pitchFamily="34" charset="-34"/>
+              <a:cs typeface="TH Sarabun New" panose="020B0500040200020003" pitchFamily="34" charset="-34"/>
+            </a:endParaRPr>
+          </a:p>
+          <a:p>
+            <a:endParaRPr lang="en-US" sz="3100" dirty="0">
+              <a:latin typeface="TH Sarabun New" panose="020B0500040200020003" pitchFamily="34" charset="-34"/>
+              <a:cs typeface="TH Sarabun New" panose="020B0500040200020003" pitchFamily="34" charset="-34"/>
+            </a:endParaRPr>
+          </a:p>
+          <a:p>
+            <a:endParaRPr lang="en-US" sz="3100" dirty="0">
+              <a:latin typeface="TH Sarabun New" panose="020B0500040200020003" pitchFamily="34" charset="-34"/>
+              <a:cs typeface="TH Sarabun New" panose="020B0500040200020003" pitchFamily="34" charset="-34"/>
+            </a:endParaRPr>
+          </a:p>
+          <a:p>
+            <a:r>
+              <a:rPr lang="th-TH" sz="3100" dirty="0">
+                <a:latin typeface="TH Sarabun New" panose="020B0500040200020003" pitchFamily="34" charset="-34"/>
+                <a:cs typeface="TH Sarabun New" panose="020B0500040200020003" pitchFamily="34" charset="-34"/>
+              </a:rPr>
+              <a:t>เนื่องจาก           และ             เป็นจำนวนคี่ จะได้ว่า</a:t>
+            </a:r>
+          </a:p>
+          <a:p>
+            <a:r>
+              <a:rPr lang="th-TH" sz="3100" dirty="0">
+                <a:latin typeface="TH Sarabun New" panose="020B0500040200020003" pitchFamily="34" charset="-34"/>
+                <a:cs typeface="TH Sarabun New" panose="020B0500040200020003" pitchFamily="34" charset="-34"/>
+              </a:rPr>
+              <a:t>แล้ว </a:t>
+            </a:r>
+            <a:r>
+              <a:rPr lang="en-US" sz="3100" dirty="0">
+                <a:latin typeface="TH Sarabun New" panose="020B0500040200020003" pitchFamily="34" charset="-34"/>
+                <a:cs typeface="TH Sarabun New" panose="020B0500040200020003" pitchFamily="34" charset="-34"/>
+              </a:rPr>
+              <a:t>								  </a:t>
+            </a:r>
+            <a:r>
+              <a:rPr lang="th-TH" sz="3100" dirty="0">
+                <a:latin typeface="TH Sarabun New" panose="020B0500040200020003" pitchFamily="34" charset="-34"/>
+                <a:cs typeface="TH Sarabun New" panose="020B0500040200020003" pitchFamily="34" charset="-34"/>
+              </a:rPr>
+              <a:t>นั่นคือ                          </a:t>
+            </a:r>
+          </a:p>
+          <a:p>
+            <a:r>
+              <a:rPr lang="th-TH" sz="3100" dirty="0">
+                <a:latin typeface="TH Sarabun New" panose="020B0500040200020003" pitchFamily="34" charset="-34"/>
+                <a:cs typeface="TH Sarabun New" panose="020B0500040200020003" pitchFamily="34" charset="-34"/>
+              </a:rPr>
+              <a:t>ซึ่งเป็นไปไม่ได้ เพราะว่า     </a:t>
+            </a:r>
+            <a:endParaRPr lang="en-US" sz="3100" dirty="0">
+              <a:latin typeface="TH Sarabun New" panose="020B0500040200020003" pitchFamily="34" charset="-34"/>
+              <a:cs typeface="TH Sarabun New" panose="020B0500040200020003" pitchFamily="34" charset="-34"/>
+            </a:endParaRPr>
+          </a:p>
+          <a:p>
+            <a:r>
+              <a:rPr lang="th-TH" sz="3100" dirty="0">
+                <a:latin typeface="TH Sarabun New" panose="020B0500040200020003" pitchFamily="34" charset="-34"/>
+                <a:cs typeface="TH Sarabun New" panose="020B0500040200020003" pitchFamily="34" charset="-34"/>
+              </a:rPr>
+              <a:t>ดังนั้น ไม่มีผลเฉลย</a:t>
+            </a:r>
+            <a:endParaRPr lang="en-US" sz="3100" dirty="0">
+              <a:latin typeface="TH Sarabun New" panose="020B0500040200020003" pitchFamily="34" charset="-34"/>
+              <a:cs typeface="TH Sarabun New" panose="020B0500040200020003" pitchFamily="34" charset="-34"/>
+            </a:endParaRPr>
+          </a:p>
+          <a:p>
+            <a:r>
+              <a:rPr lang="th-TH" sz="3100" dirty="0">
+                <a:latin typeface="TH Sarabun New" panose="020B0500040200020003" pitchFamily="34" charset="-34"/>
+                <a:cs typeface="TH Sarabun New" panose="020B0500040200020003" pitchFamily="34" charset="-34"/>
+              </a:rPr>
+              <a:t> </a:t>
+            </a:r>
+            <a:endParaRPr lang="th-TH" sz="3100" u="sng" dirty="0">
+              <a:latin typeface="TH Sarabun New" panose="020B0500040200020003" pitchFamily="34" charset="-34"/>
+              <a:cs typeface="TH Sarabun New" panose="020B0500040200020003" pitchFamily="34" charset="-34"/>
+            </a:endParaRPr>
+          </a:p>
+          <a:p>
+            <a:r>
+              <a:rPr lang="en-US" sz="3100" dirty="0"/>
+              <a:t> </a:t>
+            </a:r>
+          </a:p>
+        </p:txBody>
+      </p:sp>
       <p:pic>
         <p:nvPicPr>
-          <p:cNvPr id="5" name="Picture 4" descr="\documentclass{article}&#10;\usepackage{amsmath}&#10;\pagestyle{empty}&#10;\usepackage{xcolor}&#10;\usepackage{empheq}&#10;\begin{document}&#10;$\left ( x,p,y,z \right )\in    \left \{ \left ( 3,p,0,3 \right ) \right \}  \cup   \left \{ \left ( 0,3,1,2 \right ) \right \}$&#10;\end{document}" title="IguanaTex Bitmap Display">
+          <p:cNvPr id="8" name="Picture 7" descr="&#10;&#10;\documentclass{article}&#10;\usepackage{amsmath}&#10;\usepackage{amsfonts}&#10;\usepackage{amssymb}&#10;\pagestyle{empty}&#10;\usepackage{xcolor}&#10;\usepackage{empheq}&#10;\begin{document}&#10;$y\geq 1 $&#10;\end{document}" title="IguanaTex Bitmap Display">
             <a:extLst>
               <a:ext uri="{FF2B5EF4-FFF2-40B4-BE49-F238E27FC236}">
-                <a16:creationId xmlns:a16="http://schemas.microsoft.com/office/drawing/2014/main" id="{B79AFB40-BCC7-8E61-C0B9-45BAEC6E9F23}"/>
+                <a16:creationId xmlns:a16="http://schemas.microsoft.com/office/drawing/2014/main" id="{2B596C2D-B432-3D7D-1123-844D8C9C5302}"/>
               </a:ext>
             </a:extLst>
           </p:cNvPr>
@@ -7301,7 +7693,7 @@
           </p:nvPr>
         </p:nvPicPr>
         <p:blipFill>
-          <a:blip r:embed="rId4">
+          <a:blip r:embed="rId19">
             <a:extLst>
               <a:ext uri="{28A0092B-C50C-407E-A947-70E740481C1C}">
                 <a14:useLocalDpi xmlns:a14="http://schemas.microsoft.com/office/drawing/2010/main" val="0"/>
@@ -7314,8 +7706,8 @@
         </p:blipFill>
         <p:spPr>
           <a:xfrm>
-            <a:off x="1321332" y="3199706"/>
-            <a:ext cx="8121426" cy="491761"/>
+            <a:off x="4026531" y="595943"/>
+            <a:ext cx="642341" cy="246660"/>
           </a:xfrm>
           <a:prstGeom prst="rect">
             <a:avLst/>
@@ -7324,10 +7716,10 @@
       </p:pic>
       <p:pic>
         <p:nvPicPr>
-          <p:cNvPr id="10" name="Picture 9" descr="\documentclass{article}&#10;\usepackage{amsmath}&#10;\pagestyle{empty}&#10;\usepackage{xcolor}&#10;\usepackage{empheq}&#10;\begin{document}&#10;$\left ( x,p,y,z \right )\in    \left \{ \left ( 3,p,0,3 \right ) \right \}  \cup   \left \{ \left ( 0,3,1,2 \right ) \right \} \cup \left \{ \left ( 2+log_{2}\left ( p+1 \right ) ,p,2,p+2\right ) \right \}$&#10;\end{document}" title="IguanaTex Bitmap Display">
+          <p:cNvPr id="9" name="Picture 8" descr="\documentclass{article}&#10;\usepackage{amsmath}&#10;\pagestyle{empty}&#10;\usepackage{xcolor}&#10;\usepackage{empheq}&#10;\begin{document}&#10;$x\neq 0$&#10;\end{document}" title="IguanaTex Bitmap Display">
             <a:extLst>
               <a:ext uri="{FF2B5EF4-FFF2-40B4-BE49-F238E27FC236}">
-                <a16:creationId xmlns:a16="http://schemas.microsoft.com/office/drawing/2014/main" id="{138B5EB6-52B2-6EAE-8758-ACB246A7FEF2}"/>
+                <a16:creationId xmlns:a16="http://schemas.microsoft.com/office/drawing/2014/main" id="{868E123B-3DA5-7B43-D80D-8BE4CB027E8A}"/>
               </a:ext>
             </a:extLst>
           </p:cNvPr>
@@ -7341,7 +7733,7 @@
           </p:nvPr>
         </p:nvPicPr>
         <p:blipFill>
-          <a:blip r:embed="rId5">
+          <a:blip r:embed="rId20">
             <a:extLst>
               <a:ext uri="{28A0092B-C50C-407E-A947-70E740481C1C}">
                 <a14:useLocalDpi xmlns:a14="http://schemas.microsoft.com/office/drawing/2010/main" val="0"/>
@@ -7354,8 +7746,608 @@
         </p:blipFill>
         <p:spPr>
           <a:xfrm>
-            <a:off x="1677592" y="2583682"/>
-            <a:ext cx="7195475" cy="234650"/>
+            <a:off x="3202521" y="1041940"/>
+            <a:ext cx="761825" cy="303555"/>
+          </a:xfrm>
+          <a:prstGeom prst="rect">
+            <a:avLst/>
+          </a:prstGeom>
+        </p:spPr>
+      </p:pic>
+      <p:pic>
+        <p:nvPicPr>
+          <p:cNvPr id="12" name="Picture 11" descr="\documentclass{article}&#10;\usepackage{amsmath}&#10;\usepackage{amssymb}&#10;\pagestyle{empty}&#10;\usepackage{xcolor}&#10;\usepackage{empheq}&#10;\begin{document}&#10;$ p\neq 2$&#10;\end{document}" title="IguanaTex Bitmap Display">
+            <a:extLst>
+              <a:ext uri="{FF2B5EF4-FFF2-40B4-BE49-F238E27FC236}">
+                <a16:creationId xmlns:a16="http://schemas.microsoft.com/office/drawing/2014/main" id="{A84E9882-187A-3A93-CD17-693CE5C3D8B6}"/>
+              </a:ext>
+            </a:extLst>
+          </p:cNvPr>
+          <p:cNvPicPr>
+            <a:picLocks noChangeAspect="1"/>
+          </p:cNvPicPr>
+          <p:nvPr>
+            <p:custDataLst>
+              <p:tags r:id="rId3"/>
+            </p:custDataLst>
+          </p:nvPr>
+        </p:nvPicPr>
+        <p:blipFill>
+          <a:blip r:embed="rId21">
+            <a:extLst>
+              <a:ext uri="{28A0092B-C50C-407E-A947-70E740481C1C}">
+                <a14:useLocalDpi xmlns:a14="http://schemas.microsoft.com/office/drawing/2010/main" val="0"/>
+              </a:ext>
+            </a:extLst>
+          </a:blip>
+          <a:stretch>
+            <a:fillRect/>
+          </a:stretch>
+        </p:blipFill>
+        <p:spPr>
+          <a:xfrm>
+            <a:off x="4668872" y="1034785"/>
+            <a:ext cx="712372" cy="286057"/>
+          </a:xfrm>
+          <a:prstGeom prst="rect">
+            <a:avLst/>
+          </a:prstGeom>
+        </p:spPr>
+      </p:pic>
+      <p:pic>
+        <p:nvPicPr>
+          <p:cNvPr id="16" name="Picture 15" descr="\documentclass{article}&#10;\usepackage{amsmath}&#10;\pagestyle{empty}&#10;\usepackage{xcolor}&#10;\usepackage{empheq}&#10;\begin{document}&#10;$z$&#10;\end{document}" title="IguanaTex Bitmap Display">
+            <a:extLst>
+              <a:ext uri="{FF2B5EF4-FFF2-40B4-BE49-F238E27FC236}">
+                <a16:creationId xmlns:a16="http://schemas.microsoft.com/office/drawing/2014/main" id="{36F3046A-F5E7-B60D-4E63-831400983F7D}"/>
+              </a:ext>
+            </a:extLst>
+          </p:cNvPr>
+          <p:cNvPicPr>
+            <a:picLocks noChangeAspect="1"/>
+          </p:cNvPicPr>
+          <p:nvPr>
+            <p:custDataLst>
+              <p:tags r:id="rId4"/>
+            </p:custDataLst>
+          </p:nvPr>
+        </p:nvPicPr>
+        <p:blipFill>
+          <a:blip r:embed="rId22">
+            <a:extLst>
+              <a:ext uri="{28A0092B-C50C-407E-A947-70E740481C1C}">
+                <a14:useLocalDpi xmlns:a14="http://schemas.microsoft.com/office/drawing/2010/main" val="0"/>
+              </a:ext>
+            </a:extLst>
+          </a:blip>
+          <a:stretch>
+            <a:fillRect/>
+          </a:stretch>
+        </p:blipFill>
+        <p:spPr>
+          <a:xfrm>
+            <a:off x="9160924" y="1100844"/>
+            <a:ext cx="145728" cy="153938"/>
+          </a:xfrm>
+          <a:prstGeom prst="rect">
+            <a:avLst/>
+          </a:prstGeom>
+        </p:spPr>
+      </p:pic>
+      <p:pic>
+        <p:nvPicPr>
+          <p:cNvPr id="17" name="Picture 16" descr="\documentclass{article}&#10;\usepackage{amsmath}&#10;\pagestyle{empty}&#10;\usepackage{xcolor}&#10;\usepackage{empheq}&#10;\begin{document}&#10;${\color{red}\left ( 1 \right )}$&#10;\end{document}" title="IguanaTex Bitmap Display">
+            <a:extLst>
+              <a:ext uri="{FF2B5EF4-FFF2-40B4-BE49-F238E27FC236}">
+                <a16:creationId xmlns:a16="http://schemas.microsoft.com/office/drawing/2014/main" id="{090B840C-CFAD-3F5B-1B7C-EEC9D1DEEBD9}"/>
+              </a:ext>
+            </a:extLst>
+          </p:cNvPr>
+          <p:cNvPicPr>
+            <a:picLocks noChangeAspect="1"/>
+          </p:cNvPicPr>
+          <p:nvPr>
+            <p:custDataLst>
+              <p:tags r:id="rId5"/>
+            </p:custDataLst>
+          </p:nvPr>
+        </p:nvPicPr>
+        <p:blipFill>
+          <a:blip r:embed="rId23">
+            <a:extLst>
+              <a:ext uri="{28A0092B-C50C-407E-A947-70E740481C1C}">
+                <a14:useLocalDpi xmlns:a14="http://schemas.microsoft.com/office/drawing/2010/main" val="0"/>
+              </a:ext>
+            </a:extLst>
+          </a:blip>
+          <a:stretch>
+            <a:fillRect/>
+          </a:stretch>
+        </p:blipFill>
+        <p:spPr>
+          <a:xfrm>
+            <a:off x="6143940" y="1034572"/>
+            <a:ext cx="359752" cy="333770"/>
+          </a:xfrm>
+          <a:prstGeom prst="rect">
+            <a:avLst/>
+          </a:prstGeom>
+        </p:spPr>
+      </p:pic>
+      <p:pic>
+        <p:nvPicPr>
+          <p:cNvPr id="20" name="Picture 19" descr="\documentclass{article}&#10;\usepackage{amsmath}&#10;\usepackage{amssymb}&#10;\pagestyle{empty}&#10;\usepackage{xcolor}&#10;\usepackage{empheq}&#10;\begin{document}&#10;$2\nmid z^{2}$&#10;\end{document}" title="IguanaTex Bitmap Display">
+            <a:extLst>
+              <a:ext uri="{FF2B5EF4-FFF2-40B4-BE49-F238E27FC236}">
+                <a16:creationId xmlns:a16="http://schemas.microsoft.com/office/drawing/2014/main" id="{36CEE66D-4F53-D106-9A22-0603621C55F8}"/>
+              </a:ext>
+            </a:extLst>
+          </p:cNvPr>
+          <p:cNvPicPr>
+            <a:picLocks noChangeAspect="1"/>
+          </p:cNvPicPr>
+          <p:nvPr>
+            <p:custDataLst>
+              <p:tags r:id="rId6"/>
+            </p:custDataLst>
+          </p:nvPr>
+        </p:nvPicPr>
+        <p:blipFill>
+          <a:blip r:embed="rId24">
+            <a:extLst>
+              <a:ext uri="{28A0092B-C50C-407E-A947-70E740481C1C}">
+                <a14:useLocalDpi xmlns:a14="http://schemas.microsoft.com/office/drawing/2010/main" val="0"/>
+              </a:ext>
+            </a:extLst>
+          </a:blip>
+          <a:stretch>
+            <a:fillRect/>
+          </a:stretch>
+        </p:blipFill>
+        <p:spPr>
+          <a:xfrm>
+            <a:off x="7435271" y="1018190"/>
+            <a:ext cx="658852" cy="330350"/>
+          </a:xfrm>
+          <a:prstGeom prst="rect">
+            <a:avLst/>
+          </a:prstGeom>
+        </p:spPr>
+      </p:pic>
+      <p:pic>
+        <p:nvPicPr>
+          <p:cNvPr id="24" name="Picture 23" descr="\documentclass{article}&#10;\usepackage{amsmath}&#10;\pagestyle{empty}&#10;\usepackage{xcolor}&#10;\usepackage{empheq}&#10;\begin{document}&#10;$z^{2}\equiv 1\left ( \mod4 \right )$&#10;\end{document}" title="IguanaTex Bitmap Display">
+            <a:extLst>
+              <a:ext uri="{FF2B5EF4-FFF2-40B4-BE49-F238E27FC236}">
+                <a16:creationId xmlns:a16="http://schemas.microsoft.com/office/drawing/2014/main" id="{0A9882DA-C439-94CE-5B2F-C54F414F531C}"/>
+              </a:ext>
+            </a:extLst>
+          </p:cNvPr>
+          <p:cNvPicPr>
+            <a:picLocks noChangeAspect="1"/>
+          </p:cNvPicPr>
+          <p:nvPr>
+            <p:custDataLst>
+              <p:tags r:id="rId7"/>
+            </p:custDataLst>
+          </p:nvPr>
+        </p:nvPicPr>
+        <p:blipFill>
+          <a:blip r:embed="rId25">
+            <a:extLst>
+              <a:ext uri="{28A0092B-C50C-407E-A947-70E740481C1C}">
+                <a14:useLocalDpi xmlns:a14="http://schemas.microsoft.com/office/drawing/2010/main" val="0"/>
+              </a:ext>
+            </a:extLst>
+          </a:blip>
+          <a:stretch>
+            <a:fillRect/>
+          </a:stretch>
+        </p:blipFill>
+        <p:spPr>
+          <a:xfrm>
+            <a:off x="4046832" y="1473413"/>
+            <a:ext cx="2314501" cy="355923"/>
+          </a:xfrm>
+          <a:prstGeom prst="rect">
+            <a:avLst/>
+          </a:prstGeom>
+        </p:spPr>
+      </p:pic>
+      <p:pic>
+        <p:nvPicPr>
+          <p:cNvPr id="25" name="Picture 24" descr="\documentclass{article}&#10;\usepackage{amsmath}&#10;\pagestyle{empty}&#10;\usepackage{xcolor}&#10;\usepackage{empheq}&#10;\begin{document}&#10;$p\equiv 3\left ( \mod4 \right )$&#10;\end{document}" title="IguanaTex Bitmap Display">
+            <a:extLst>
+              <a:ext uri="{FF2B5EF4-FFF2-40B4-BE49-F238E27FC236}">
+                <a16:creationId xmlns:a16="http://schemas.microsoft.com/office/drawing/2014/main" id="{2DE69E7C-823C-2CE2-2132-69B2F72010D5}"/>
+              </a:ext>
+            </a:extLst>
+          </p:cNvPr>
+          <p:cNvPicPr>
+            <a:picLocks noChangeAspect="1"/>
+          </p:cNvPicPr>
+          <p:nvPr>
+            <p:custDataLst>
+              <p:tags r:id="rId8"/>
+            </p:custDataLst>
+          </p:nvPr>
+        </p:nvPicPr>
+        <p:blipFill>
+          <a:blip r:embed="rId26">
+            <a:extLst>
+              <a:ext uri="{28A0092B-C50C-407E-A947-70E740481C1C}">
+                <a14:useLocalDpi xmlns:a14="http://schemas.microsoft.com/office/drawing/2010/main" val="0"/>
+              </a:ext>
+            </a:extLst>
+          </a:blip>
+          <a:stretch>
+            <a:fillRect/>
+          </a:stretch>
+        </p:blipFill>
+        <p:spPr>
+          <a:xfrm>
+            <a:off x="3202521" y="1968682"/>
+            <a:ext cx="2178723" cy="330469"/>
+          </a:xfrm>
+          <a:prstGeom prst="rect">
+            <a:avLst/>
+          </a:prstGeom>
+        </p:spPr>
+      </p:pic>
+      <p:pic>
+        <p:nvPicPr>
+          <p:cNvPr id="28" name="Picture 27" descr="\documentclass{article}&#10;\usepackage{amsmath}&#10;\pagestyle{empty}&#10;\usepackage{xcolor}&#10;\usepackage{empheq}&#10;\begin{document}&#10;$p\equiv -1\left ( \mod4 \right )$&#10;\end{document}" title="IguanaTex Bitmap Display">
+            <a:extLst>
+              <a:ext uri="{FF2B5EF4-FFF2-40B4-BE49-F238E27FC236}">
+                <a16:creationId xmlns:a16="http://schemas.microsoft.com/office/drawing/2014/main" id="{FF3C5D0E-2588-6604-E9C3-4F217A5AFE7A}"/>
+              </a:ext>
+            </a:extLst>
+          </p:cNvPr>
+          <p:cNvPicPr>
+            <a:picLocks noChangeAspect="1"/>
+          </p:cNvPicPr>
+          <p:nvPr>
+            <p:custDataLst>
+              <p:tags r:id="rId9"/>
+            </p:custDataLst>
+          </p:nvPr>
+        </p:nvPicPr>
+        <p:blipFill>
+          <a:blip r:embed="rId27">
+            <a:extLst>
+              <a:ext uri="{28A0092B-C50C-407E-A947-70E740481C1C}">
+                <a14:useLocalDpi xmlns:a14="http://schemas.microsoft.com/office/drawing/2010/main" val="0"/>
+              </a:ext>
+            </a:extLst>
+          </a:blip>
+          <a:stretch>
+            <a:fillRect/>
+          </a:stretch>
+        </p:blipFill>
+        <p:spPr>
+          <a:xfrm>
+            <a:off x="6503692" y="1931851"/>
+            <a:ext cx="2435974" cy="330469"/>
+          </a:xfrm>
+          <a:prstGeom prst="rect">
+            <a:avLst/>
+          </a:prstGeom>
+        </p:spPr>
+      </p:pic>
+      <p:pic>
+        <p:nvPicPr>
+          <p:cNvPr id="6" name="Picture 5" descr="\documentclass{article}&#10;\usepackage{amsmath}&#10;\pagestyle{empty}&#10;\usepackage{xcolor}&#10;\usepackage{empheq}&#10;\begin{document}&#10;$p^{y}\equiv \left(-1\right)^{y}\left ( \mod4 \right )$&#10;\end{document}" title="IguanaTex Bitmap Display">
+            <a:extLst>
+              <a:ext uri="{FF2B5EF4-FFF2-40B4-BE49-F238E27FC236}">
+                <a16:creationId xmlns:a16="http://schemas.microsoft.com/office/drawing/2014/main" id="{04BDC4C3-462C-C49F-10B1-99F3BD965164}"/>
+              </a:ext>
+            </a:extLst>
+          </p:cNvPr>
+          <p:cNvPicPr>
+            <a:picLocks noChangeAspect="1"/>
+          </p:cNvPicPr>
+          <p:nvPr>
+            <p:custDataLst>
+              <p:tags r:id="rId10"/>
+            </p:custDataLst>
+          </p:nvPr>
+        </p:nvPicPr>
+        <p:blipFill>
+          <a:blip r:embed="rId28">
+            <a:extLst>
+              <a:ext uri="{28A0092B-C50C-407E-A947-70E740481C1C}">
+                <a14:useLocalDpi xmlns:a14="http://schemas.microsoft.com/office/drawing/2010/main" val="0"/>
+              </a:ext>
+            </a:extLst>
+          </a:blip>
+          <a:stretch>
+            <a:fillRect/>
+          </a:stretch>
+        </p:blipFill>
+        <p:spPr>
+          <a:xfrm>
+            <a:off x="6368586" y="2489493"/>
+            <a:ext cx="3005886" cy="350258"/>
+          </a:xfrm>
+          <a:prstGeom prst="rect">
+            <a:avLst/>
+          </a:prstGeom>
+        </p:spPr>
+      </p:pic>
+      <p:pic>
+        <p:nvPicPr>
+          <p:cNvPr id="11" name="Picture 10" descr="\documentclass{article}&#10;\usepackage{amsmath}&#10;\pagestyle{empty}&#10;\usepackage{xcolor}&#10;\usepackage{empheq}&#10;\begin{document}&#10;$p^{y}\equiv -1\left ( \mod4 \right )$&#10;\end{document}" title="IguanaTex Bitmap Display">
+            <a:extLst>
+              <a:ext uri="{FF2B5EF4-FFF2-40B4-BE49-F238E27FC236}">
+                <a16:creationId xmlns:a16="http://schemas.microsoft.com/office/drawing/2014/main" id="{1478A7FE-EB38-1C8E-3322-388D2D1CF7B7}"/>
+              </a:ext>
+            </a:extLst>
+          </p:cNvPr>
+          <p:cNvPicPr>
+            <a:picLocks noChangeAspect="1"/>
+          </p:cNvPicPr>
+          <p:nvPr>
+            <p:custDataLst>
+              <p:tags r:id="rId11"/>
+            </p:custDataLst>
+          </p:nvPr>
+        </p:nvPicPr>
+        <p:blipFill>
+          <a:blip r:embed="rId29">
+            <a:extLst>
+              <a:ext uri="{28A0092B-C50C-407E-A947-70E740481C1C}">
+                <a14:useLocalDpi xmlns:a14="http://schemas.microsoft.com/office/drawing/2010/main" val="0"/>
+              </a:ext>
+            </a:extLst>
+          </a:blip>
+          <a:stretch>
+            <a:fillRect/>
+          </a:stretch>
+        </p:blipFill>
+        <p:spPr>
+          <a:xfrm>
+            <a:off x="6357631" y="3009492"/>
+            <a:ext cx="2592304" cy="330469"/>
+          </a:xfrm>
+          <a:prstGeom prst="rect">
+            <a:avLst/>
+          </a:prstGeom>
+        </p:spPr>
+      </p:pic>
+      <p:pic>
+        <p:nvPicPr>
+          <p:cNvPr id="13" name="Picture 12" descr="\documentclass{article}&#10;\usepackage{amsmath}&#10;\pagestyle{empty}&#10;\usepackage{xcolor}&#10;\usepackage{empheq}&#10;\begin{document}&#10;$x\neq 1$&#10;\end{document}" title="IguanaTex Bitmap Display">
+            <a:extLst>
+              <a:ext uri="{FF2B5EF4-FFF2-40B4-BE49-F238E27FC236}">
+                <a16:creationId xmlns:a16="http://schemas.microsoft.com/office/drawing/2014/main" id="{8B62F205-8081-4EE4-0B24-92DA7F321B5F}"/>
+              </a:ext>
+            </a:extLst>
+          </p:cNvPr>
+          <p:cNvPicPr>
+            <a:picLocks noChangeAspect="1"/>
+          </p:cNvPicPr>
+          <p:nvPr>
+            <p:custDataLst>
+              <p:tags r:id="rId12"/>
+            </p:custDataLst>
+          </p:nvPr>
+        </p:nvPicPr>
+        <p:blipFill>
+          <a:blip r:embed="rId30">
+            <a:extLst>
+              <a:ext uri="{28A0092B-C50C-407E-A947-70E740481C1C}">
+                <a14:useLocalDpi xmlns:a14="http://schemas.microsoft.com/office/drawing/2010/main" val="0"/>
+              </a:ext>
+            </a:extLst>
+          </a:blip>
+          <a:stretch>
+            <a:fillRect/>
+          </a:stretch>
+        </p:blipFill>
+        <p:spPr>
+          <a:xfrm>
+            <a:off x="3702185" y="3418103"/>
+            <a:ext cx="765784" cy="310724"/>
+          </a:xfrm>
+          <a:prstGeom prst="rect">
+            <a:avLst/>
+          </a:prstGeom>
+        </p:spPr>
+      </p:pic>
+      <p:pic>
+        <p:nvPicPr>
+          <p:cNvPr id="19" name="Picture 18" descr="\documentclass{article}&#10;\usepackage{amsmath}&#10;\pagestyle{empty}&#10;\usepackage{xcolor}&#10;\usepackage{empheq}&#10;\begin{document}&#10;$2^{x}\equiv 0\left ( \mod4 \right )$&#10;\end{document}" title="IguanaTex Bitmap Display">
+            <a:extLst>
+              <a:ext uri="{FF2B5EF4-FFF2-40B4-BE49-F238E27FC236}">
+                <a16:creationId xmlns:a16="http://schemas.microsoft.com/office/drawing/2014/main" id="{875B9F01-C44C-5104-4C1C-87D1CECF1B4A}"/>
+              </a:ext>
+            </a:extLst>
+          </p:cNvPr>
+          <p:cNvPicPr>
+            <a:picLocks noChangeAspect="1"/>
+          </p:cNvPicPr>
+          <p:nvPr>
+            <p:custDataLst>
+              <p:tags r:id="rId13"/>
+            </p:custDataLst>
+          </p:nvPr>
+        </p:nvPicPr>
+        <p:blipFill>
+          <a:blip r:embed="rId31">
+            <a:extLst>
+              <a:ext uri="{28A0092B-C50C-407E-A947-70E740481C1C}">
+                <a14:useLocalDpi xmlns:a14="http://schemas.microsoft.com/office/drawing/2010/main" val="0"/>
+              </a:ext>
+            </a:extLst>
+          </a:blip>
+          <a:stretch>
+            <a:fillRect/>
+          </a:stretch>
+        </p:blipFill>
+        <p:spPr>
+          <a:xfrm>
+            <a:off x="8550168" y="3418103"/>
+            <a:ext cx="2314501" cy="330360"/>
+          </a:xfrm>
+          <a:prstGeom prst="rect">
+            <a:avLst/>
+          </a:prstGeom>
+        </p:spPr>
+      </p:pic>
+      <p:pic>
+        <p:nvPicPr>
+          <p:cNvPr id="23" name="Picture 22" descr="&#10;&#10;\documentclass{article}&#10;\usepackage{amsmath}&#10;\usepackage{amsfonts}&#10;\usepackage{amssymb}&#10;\pagestyle{empty}&#10;\usepackage{xcolor}&#10;\usepackage{empheq}&#10;\begin{document}&#10;$x\geq 3 $&#10;\end{document}" title="IguanaTex Bitmap Display">
+            <a:extLst>
+              <a:ext uri="{FF2B5EF4-FFF2-40B4-BE49-F238E27FC236}">
+                <a16:creationId xmlns:a16="http://schemas.microsoft.com/office/drawing/2014/main" id="{9BEE3D18-7247-D1FD-2928-D67C6CA22A1B}"/>
+              </a:ext>
+            </a:extLst>
+          </p:cNvPr>
+          <p:cNvPicPr>
+            <a:picLocks noChangeAspect="1"/>
+          </p:cNvPicPr>
+          <p:nvPr>
+            <p:custDataLst>
+              <p:tags r:id="rId14"/>
+            </p:custDataLst>
+          </p:nvPr>
+        </p:nvPicPr>
+        <p:blipFill>
+          <a:blip r:embed="rId32">
+            <a:extLst>
+              <a:ext uri="{28A0092B-C50C-407E-A947-70E740481C1C}">
+                <a14:useLocalDpi xmlns:a14="http://schemas.microsoft.com/office/drawing/2010/main" val="0"/>
+              </a:ext>
+            </a:extLst>
+          </a:blip>
+          <a:stretch>
+            <a:fillRect/>
+          </a:stretch>
+        </p:blipFill>
+        <p:spPr>
+          <a:xfrm>
+            <a:off x="5125865" y="3406228"/>
+            <a:ext cx="875382" cy="300068"/>
+          </a:xfrm>
+          <a:prstGeom prst="rect">
+            <a:avLst/>
+          </a:prstGeom>
+        </p:spPr>
+      </p:pic>
+      <p:pic>
+        <p:nvPicPr>
+          <p:cNvPr id="32" name="Picture 31" descr="\documentclass{article}&#10;\usepackage{amsmath}&#10;\pagestyle{empty}&#10;\usepackage{xcolor}&#10;\usepackage{empheq}&#10;\begin{document}&#10;$  2^{x}+p^{y}\equiv -1\left ( \mod4 \right )$&#10;\end{document}" title="IguanaTex Bitmap Display">
+            <a:extLst>
+              <a:ext uri="{FF2B5EF4-FFF2-40B4-BE49-F238E27FC236}">
+                <a16:creationId xmlns:a16="http://schemas.microsoft.com/office/drawing/2014/main" id="{F979794C-DC41-E7AD-54E9-1583E04DB458}"/>
+              </a:ext>
+            </a:extLst>
+          </p:cNvPr>
+          <p:cNvPicPr>
+            <a:picLocks noChangeAspect="1"/>
+          </p:cNvPicPr>
+          <p:nvPr>
+            <p:custDataLst>
+              <p:tags r:id="rId15"/>
+            </p:custDataLst>
+          </p:nvPr>
+        </p:nvPicPr>
+        <p:blipFill>
+          <a:blip r:embed="rId33">
+            <a:extLst>
+              <a:ext uri="{28A0092B-C50C-407E-A947-70E740481C1C}">
+                <a14:useLocalDpi xmlns:a14="http://schemas.microsoft.com/office/drawing/2010/main" val="0"/>
+              </a:ext>
+            </a:extLst>
+          </a:blip>
+          <a:stretch>
+            <a:fillRect/>
+          </a:stretch>
+        </p:blipFill>
+        <p:spPr>
+          <a:xfrm>
+            <a:off x="3551637" y="3876043"/>
+            <a:ext cx="3296777" cy="330469"/>
+          </a:xfrm>
+          <a:prstGeom prst="rect">
+            <a:avLst/>
+          </a:prstGeom>
+        </p:spPr>
+      </p:pic>
+      <p:pic>
+        <p:nvPicPr>
+          <p:cNvPr id="35" name="Picture 34" descr="\documentclass{article}&#10;\usepackage{amsmath}&#10;\pagestyle{empty}&#10;\usepackage{xcolor}&#10;\usepackage{empheq}&#10;\begin{document}&#10;$  z^{2}\equiv -1\left ( \mod4 \right )$&#10;\end{document}" title="IguanaTex Bitmap Display">
+            <a:extLst>
+              <a:ext uri="{FF2B5EF4-FFF2-40B4-BE49-F238E27FC236}">
+                <a16:creationId xmlns:a16="http://schemas.microsoft.com/office/drawing/2014/main" id="{BBBB8B20-28CE-E4D0-BEB9-56B510A95228}"/>
+              </a:ext>
+            </a:extLst>
+          </p:cNvPr>
+          <p:cNvPicPr>
+            <a:picLocks noChangeAspect="1"/>
+          </p:cNvPicPr>
+          <p:nvPr>
+            <p:custDataLst>
+              <p:tags r:id="rId16"/>
+            </p:custDataLst>
+          </p:nvPr>
+        </p:nvPicPr>
+        <p:blipFill>
+          <a:blip r:embed="rId34">
+            <a:extLst>
+              <a:ext uri="{28A0092B-C50C-407E-A947-70E740481C1C}">
+                <a14:useLocalDpi xmlns:a14="http://schemas.microsoft.com/office/drawing/2010/main" val="0"/>
+              </a:ext>
+            </a:extLst>
+          </a:blip>
+          <a:stretch>
+            <a:fillRect/>
+          </a:stretch>
+        </p:blipFill>
+        <p:spPr>
+          <a:xfrm>
+            <a:off x="7764697" y="3842799"/>
+            <a:ext cx="2558663" cy="354215"/>
+          </a:xfrm>
+          <a:prstGeom prst="rect">
+            <a:avLst/>
+          </a:prstGeom>
+        </p:spPr>
+      </p:pic>
+      <p:pic>
+        <p:nvPicPr>
+          <p:cNvPr id="38" name="Picture 37" descr="\documentclass{article}&#10;\usepackage{amsmath}&#10;\pagestyle{empty}&#10;\usepackage{xcolor}&#10;\usepackage{empheq}&#10;\begin{document}&#10;$z^{2}\equiv 1\left ( \mod4 \right )$&#10;\end{document}" title="IguanaTex Bitmap Display">
+            <a:extLst>
+              <a:ext uri="{FF2B5EF4-FFF2-40B4-BE49-F238E27FC236}">
+                <a16:creationId xmlns:a16="http://schemas.microsoft.com/office/drawing/2014/main" id="{A4C1B98E-4E17-864F-9356-1DC54BA1D317}"/>
+              </a:ext>
+            </a:extLst>
+          </p:cNvPr>
+          <p:cNvPicPr>
+            <a:picLocks noChangeAspect="1"/>
+          </p:cNvPicPr>
+          <p:nvPr>
+            <p:custDataLst>
+              <p:tags r:id="rId17"/>
+            </p:custDataLst>
+          </p:nvPr>
+        </p:nvPicPr>
+        <p:blipFill>
+          <a:blip r:embed="rId25">
+            <a:extLst>
+              <a:ext uri="{28A0092B-C50C-407E-A947-70E740481C1C}">
+                <a14:useLocalDpi xmlns:a14="http://schemas.microsoft.com/office/drawing/2010/main" val="0"/>
+              </a:ext>
+            </a:extLst>
+          </a:blip>
+          <a:stretch>
+            <a:fillRect/>
+          </a:stretch>
+        </p:blipFill>
+        <p:spPr>
+          <a:xfrm>
+            <a:off x="5339282" y="4322643"/>
+            <a:ext cx="2314501" cy="355923"/>
           </a:xfrm>
           <a:prstGeom prst="rect">
             <a:avLst/>
@@ -7365,7 +8357,7 @@
     </p:spTree>
     <p:extLst>
       <p:ext uri="{BB962C8B-B14F-4D97-AF65-F5344CB8AC3E}">
-        <p14:creationId xmlns:p14="http://schemas.microsoft.com/office/powerpoint/2010/main" val="327400068"/>
+        <p14:creationId xmlns:p14="http://schemas.microsoft.com/office/powerpoint/2010/main" val="1291169182"/>
       </p:ext>
     </p:extLst>
   </p:cSld>
@@ -7392,62 +8384,12 @@
           <a:chExt cx="0" cy="0"/>
         </a:xfrm>
       </p:grpSpPr>
-      <p:sp>
-        <p:nvSpPr>
-          <p:cNvPr id="2" name="Title 1">
-            <a:extLst>
-              <a:ext uri="{FF2B5EF4-FFF2-40B4-BE49-F238E27FC236}">
-                <a16:creationId xmlns:a16="http://schemas.microsoft.com/office/drawing/2014/main" id="{1C1D6E02-C5D8-99FD-9CDC-A5FEEE38CD33}"/>
-              </a:ext>
-            </a:extLst>
-          </p:cNvPr>
-          <p:cNvSpPr>
-            <a:spLocks noGrp="1"/>
-          </p:cNvSpPr>
-          <p:nvPr>
-            <p:ph type="title"/>
-          </p:nvPr>
-        </p:nvSpPr>
-        <p:spPr/>
-        <p:txBody>
-          <a:bodyPr/>
-          <a:lstStyle/>
-          <a:p>
-            <a:endParaRPr lang="en-US"/>
-          </a:p>
-        </p:txBody>
-      </p:sp>
-      <p:sp>
-        <p:nvSpPr>
-          <p:cNvPr id="3" name="Content Placeholder 2">
-            <a:extLst>
-              <a:ext uri="{FF2B5EF4-FFF2-40B4-BE49-F238E27FC236}">
-                <a16:creationId xmlns:a16="http://schemas.microsoft.com/office/drawing/2014/main" id="{27FBAA81-9530-D7B7-BACF-151C786468BF}"/>
-              </a:ext>
-            </a:extLst>
-          </p:cNvPr>
-          <p:cNvSpPr>
-            <a:spLocks noGrp="1"/>
-          </p:cNvSpPr>
-          <p:nvPr>
-            <p:ph idx="1"/>
-          </p:nvPr>
-        </p:nvSpPr>
-        <p:spPr/>
-        <p:txBody>
-          <a:bodyPr/>
-          <a:lstStyle/>
-          <a:p>
-            <a:endParaRPr lang="en-US"/>
-          </a:p>
-        </p:txBody>
-      </p:sp>
       <p:pic>
         <p:nvPicPr>
-          <p:cNvPr id="4" name="Content Placeholder 3 1" descr="\documentclass{article}&#10;\usepackage{amsmath}&#10;\pagestyle{empty}&#10;\usepackage{xcolor}&#10;\usepackage{empheq}&#10;\begin{document}&#10;{Y}=2{\color{blue}x}&#10;\end{document}" title="IguanaTex Bitmap Display">
+          <p:cNvPr id="5" name="Picture 4" descr="\documentclass{article}&#10;\usepackage{amsmath}&#10;\pagestyle{empty}&#10;\usepackage{xcolor}&#10;\usepackage{empheq}&#10;\begin{document}&#10;$\left ( x,p,y,z \right )\in    \left \{ \left ( 3,p,0,3 \right ) \right \}  \cup   \left \{ \left ( 0,3,1,2 \right ) \right \}$&#10;\end{document}" title="IguanaTex Bitmap Display">
             <a:extLst>
               <a:ext uri="{FF2B5EF4-FFF2-40B4-BE49-F238E27FC236}">
-                <a16:creationId xmlns:a16="http://schemas.microsoft.com/office/drawing/2014/main" id="{3436BAF5-9742-F8E5-7F22-9FCFFF8367E2}"/>
+                <a16:creationId xmlns:a16="http://schemas.microsoft.com/office/drawing/2014/main" id="{B79AFB40-BCC7-8E61-C0B9-45BAEC6E9F23}"/>
               </a:ext>
             </a:extLst>
           </p:cNvPr>
@@ -7474,8 +8416,8 @@
         </p:blipFill>
         <p:spPr>
           <a:xfrm>
-            <a:off x="3554663" y="3466374"/>
-            <a:ext cx="1992840" cy="534895"/>
+            <a:off x="1321332" y="3199706"/>
+            <a:ext cx="8121426" cy="491761"/>
           </a:xfrm>
           <a:prstGeom prst="rect">
             <a:avLst/>
@@ -7484,10 +8426,10 @@
       </p:pic>
       <p:pic>
         <p:nvPicPr>
-          <p:cNvPr id="5" name="Content Placeholder 3 2" descr="\documentclass{article}&#10;\usepackage{amsmath}&#10;\pagestyle{empty}&#10;\usepackage{xcolor}&#10;\usepackage{empheq}&#10;\begin{document}&#10;${\color{green}2^{x}+p^{y}}={\color{blue}z^{2}}$&#10;\end{document}" title="IguanaTex Bitmap Display">
+          <p:cNvPr id="10" name="Picture 9" descr="\documentclass{article}&#10;\usepackage{amsmath}&#10;\pagestyle{empty}&#10;\usepackage{xcolor}&#10;\usepackage{empheq}&#10;\begin{document}&#10;$\left ( x,p,y,z \right )\in    \left \{ \left ( 3,p,0,3 \right ) \right \}  \cup   \left \{ \left ( 0,3,1,2 \right ) \right \} \cup \left \{ \left ( 2+log_{2}\left ( p+1 \right ) ,p,2,p+2\right ) \right \}$&#10;\end{document}" title="IguanaTex Bitmap Display">
             <a:extLst>
               <a:ext uri="{FF2B5EF4-FFF2-40B4-BE49-F238E27FC236}">
-                <a16:creationId xmlns:a16="http://schemas.microsoft.com/office/drawing/2014/main" id="{69148694-1CA0-B251-69AA-3D9FCCC8471A}"/>
+                <a16:creationId xmlns:a16="http://schemas.microsoft.com/office/drawing/2014/main" id="{138B5EB6-52B2-6EAE-8758-ACB246A7FEF2}"/>
               </a:ext>
             </a:extLst>
           </p:cNvPr>
@@ -7514,8 +8456,8 @@
         </p:blipFill>
         <p:spPr>
           <a:xfrm>
-            <a:off x="7231509" y="3429000"/>
-            <a:ext cx="3013724" cy="572269"/>
+            <a:off x="1677592" y="2583682"/>
+            <a:ext cx="7195475" cy="234650"/>
           </a:xfrm>
           <a:prstGeom prst="rect">
             <a:avLst/>
@@ -7525,7 +8467,7 @@
     </p:spTree>
     <p:extLst>
       <p:ext uri="{BB962C8B-B14F-4D97-AF65-F5344CB8AC3E}">
-        <p14:creationId xmlns:p14="http://schemas.microsoft.com/office/powerpoint/2010/main" val="4108964880"/>
+        <p14:creationId xmlns:p14="http://schemas.microsoft.com/office/powerpoint/2010/main" val="327400068"/>
       </p:ext>
     </p:extLst>
   </p:cSld>
@@ -7557,7 +8499,7 @@
           <p:cNvPr id="2" name="Title 1">
             <a:extLst>
               <a:ext uri="{FF2B5EF4-FFF2-40B4-BE49-F238E27FC236}">
-                <a16:creationId xmlns:a16="http://schemas.microsoft.com/office/drawing/2014/main" id="{7606927B-6D49-BB4E-FA6B-6A7794A5635D}"/>
+                <a16:creationId xmlns:a16="http://schemas.microsoft.com/office/drawing/2014/main" id="{1C1D6E02-C5D8-99FD-9CDC-A5FEEE38CD33}"/>
               </a:ext>
             </a:extLst>
           </p:cNvPr>
@@ -7582,7 +8524,7 @@
           <p:cNvPr id="3" name="Content Placeholder 2">
             <a:extLst>
               <a:ext uri="{FF2B5EF4-FFF2-40B4-BE49-F238E27FC236}">
-                <a16:creationId xmlns:a16="http://schemas.microsoft.com/office/drawing/2014/main" id="{EA28B5FB-249F-7C12-CF2B-E6AF1E36C987}"/>
+                <a16:creationId xmlns:a16="http://schemas.microsoft.com/office/drawing/2014/main" id="{27FBAA81-9530-D7B7-BACF-151C786468BF}"/>
               </a:ext>
             </a:extLst>
           </p:cNvPr>
@@ -7602,10 +8544,90 @@
           </a:p>
         </p:txBody>
       </p:sp>
+      <p:pic>
+        <p:nvPicPr>
+          <p:cNvPr id="4" name="Content Placeholder 3 1" descr="\documentclass{article}&#10;\usepackage{amsmath}&#10;\pagestyle{empty}&#10;\usepackage{xcolor}&#10;\usepackage{empheq}&#10;\begin{document}&#10;{Y}=2{\color{blue}x}&#10;\end{document}" title="IguanaTex Bitmap Display">
+            <a:extLst>
+              <a:ext uri="{FF2B5EF4-FFF2-40B4-BE49-F238E27FC236}">
+                <a16:creationId xmlns:a16="http://schemas.microsoft.com/office/drawing/2014/main" id="{3436BAF5-9742-F8E5-7F22-9FCFFF8367E2}"/>
+              </a:ext>
+            </a:extLst>
+          </p:cNvPr>
+          <p:cNvPicPr>
+            <a:picLocks noChangeAspect="1"/>
+          </p:cNvPicPr>
+          <p:nvPr>
+            <p:custDataLst>
+              <p:tags r:id="rId1"/>
+            </p:custDataLst>
+          </p:nvPr>
+        </p:nvPicPr>
+        <p:blipFill>
+          <a:blip r:embed="rId4">
+            <a:extLst>
+              <a:ext uri="{28A0092B-C50C-407E-A947-70E740481C1C}">
+                <a14:useLocalDpi xmlns:a14="http://schemas.microsoft.com/office/drawing/2010/main" val="0"/>
+              </a:ext>
+            </a:extLst>
+          </a:blip>
+          <a:stretch>
+            <a:fillRect/>
+          </a:stretch>
+        </p:blipFill>
+        <p:spPr>
+          <a:xfrm>
+            <a:off x="3554663" y="3466374"/>
+            <a:ext cx="1992840" cy="534895"/>
+          </a:xfrm>
+          <a:prstGeom prst="rect">
+            <a:avLst/>
+          </a:prstGeom>
+        </p:spPr>
+      </p:pic>
+      <p:pic>
+        <p:nvPicPr>
+          <p:cNvPr id="5" name="Content Placeholder 3 2" descr="\documentclass{article}&#10;\usepackage{amsmath}&#10;\pagestyle{empty}&#10;\usepackage{xcolor}&#10;\usepackage{empheq}&#10;\begin{document}&#10;${\color{green}2^{x}+p^{y}}={\color{blue}z^{2}}$&#10;\end{document}" title="IguanaTex Bitmap Display">
+            <a:extLst>
+              <a:ext uri="{FF2B5EF4-FFF2-40B4-BE49-F238E27FC236}">
+                <a16:creationId xmlns:a16="http://schemas.microsoft.com/office/drawing/2014/main" id="{69148694-1CA0-B251-69AA-3D9FCCC8471A}"/>
+              </a:ext>
+            </a:extLst>
+          </p:cNvPr>
+          <p:cNvPicPr>
+            <a:picLocks noChangeAspect="1"/>
+          </p:cNvPicPr>
+          <p:nvPr>
+            <p:custDataLst>
+              <p:tags r:id="rId2"/>
+            </p:custDataLst>
+          </p:nvPr>
+        </p:nvPicPr>
+        <p:blipFill>
+          <a:blip r:embed="rId5">
+            <a:extLst>
+              <a:ext uri="{28A0092B-C50C-407E-A947-70E740481C1C}">
+                <a14:useLocalDpi xmlns:a14="http://schemas.microsoft.com/office/drawing/2010/main" val="0"/>
+              </a:ext>
+            </a:extLst>
+          </a:blip>
+          <a:stretch>
+            <a:fillRect/>
+          </a:stretch>
+        </p:blipFill>
+        <p:spPr>
+          <a:xfrm>
+            <a:off x="7231509" y="3429000"/>
+            <a:ext cx="3013724" cy="572269"/>
+          </a:xfrm>
+          <a:prstGeom prst="rect">
+            <a:avLst/>
+          </a:prstGeom>
+        </p:spPr>
+      </p:pic>
     </p:spTree>
     <p:extLst>
       <p:ext uri="{BB962C8B-B14F-4D97-AF65-F5344CB8AC3E}">
-        <p14:creationId xmlns:p14="http://schemas.microsoft.com/office/powerpoint/2010/main" val="3574337885"/>
+        <p14:creationId xmlns:p14="http://schemas.microsoft.com/office/powerpoint/2010/main" val="4108964880"/>
       </p:ext>
     </p:extLst>
   </p:cSld>
@@ -7637,7 +8659,7 @@
           <p:cNvPr id="2" name="Title 1">
             <a:extLst>
               <a:ext uri="{FF2B5EF4-FFF2-40B4-BE49-F238E27FC236}">
-                <a16:creationId xmlns:a16="http://schemas.microsoft.com/office/drawing/2014/main" id="{C5C341E0-32BE-FAC4-9807-63AB6D6981AC}"/>
+                <a16:creationId xmlns:a16="http://schemas.microsoft.com/office/drawing/2014/main" id="{7606927B-6D49-BB4E-FA6B-6A7794A5635D}"/>
               </a:ext>
             </a:extLst>
           </p:cNvPr>
@@ -7662,7 +8684,7 @@
           <p:cNvPr id="3" name="Content Placeholder 2">
             <a:extLst>
               <a:ext uri="{FF2B5EF4-FFF2-40B4-BE49-F238E27FC236}">
-                <a16:creationId xmlns:a16="http://schemas.microsoft.com/office/drawing/2014/main" id="{A710AAD3-E228-B93E-BC17-5F3C0F177722}"/>
+                <a16:creationId xmlns:a16="http://schemas.microsoft.com/office/drawing/2014/main" id="{EA28B5FB-249F-7C12-CF2B-E6AF1E36C987}"/>
               </a:ext>
             </a:extLst>
           </p:cNvPr>
@@ -7685,7 +8707,7 @@
     </p:spTree>
     <p:extLst>
       <p:ext uri="{BB962C8B-B14F-4D97-AF65-F5344CB8AC3E}">
-        <p14:creationId xmlns:p14="http://schemas.microsoft.com/office/powerpoint/2010/main" val="1667748773"/>
+        <p14:creationId xmlns:p14="http://schemas.microsoft.com/office/powerpoint/2010/main" val="3574337885"/>
       </p:ext>
     </p:extLst>
   </p:cSld>
@@ -7717,7 +8739,7 @@
           <p:cNvPr id="2" name="Title 1">
             <a:extLst>
               <a:ext uri="{FF2B5EF4-FFF2-40B4-BE49-F238E27FC236}">
-                <a16:creationId xmlns:a16="http://schemas.microsoft.com/office/drawing/2014/main" id="{0E297A0D-9615-F65D-FF4C-96CA05F1786E}"/>
+                <a16:creationId xmlns:a16="http://schemas.microsoft.com/office/drawing/2014/main" id="{C5C341E0-32BE-FAC4-9807-63AB6D6981AC}"/>
               </a:ext>
             </a:extLst>
           </p:cNvPr>
@@ -7742,7 +8764,7 @@
           <p:cNvPr id="3" name="Content Placeholder 2">
             <a:extLst>
               <a:ext uri="{FF2B5EF4-FFF2-40B4-BE49-F238E27FC236}">
-                <a16:creationId xmlns:a16="http://schemas.microsoft.com/office/drawing/2014/main" id="{2C22E3A2-8CB1-8C5F-A1FA-43E48C63F726}"/>
+                <a16:creationId xmlns:a16="http://schemas.microsoft.com/office/drawing/2014/main" id="{A710AAD3-E228-B93E-BC17-5F3C0F177722}"/>
               </a:ext>
             </a:extLst>
           </p:cNvPr>
@@ -7765,7 +8787,7 @@
     </p:spTree>
     <p:extLst>
       <p:ext uri="{BB962C8B-B14F-4D97-AF65-F5344CB8AC3E}">
-        <p14:creationId xmlns:p14="http://schemas.microsoft.com/office/powerpoint/2010/main" val="803829190"/>
+        <p14:creationId xmlns:p14="http://schemas.microsoft.com/office/powerpoint/2010/main" val="1667748773"/>
       </p:ext>
     </p:extLst>
   </p:cSld>
@@ -7797,7 +8819,7 @@
           <p:cNvPr id="2" name="Title 1">
             <a:extLst>
               <a:ext uri="{FF2B5EF4-FFF2-40B4-BE49-F238E27FC236}">
-                <a16:creationId xmlns:a16="http://schemas.microsoft.com/office/drawing/2014/main" id="{7245DA93-B3A8-80DA-6316-23B7D99A315E}"/>
+                <a16:creationId xmlns:a16="http://schemas.microsoft.com/office/drawing/2014/main" id="{0E297A0D-9615-F65D-FF4C-96CA05F1786E}"/>
               </a:ext>
             </a:extLst>
           </p:cNvPr>
@@ -7822,7 +8844,7 @@
           <p:cNvPr id="3" name="Content Placeholder 2">
             <a:extLst>
               <a:ext uri="{FF2B5EF4-FFF2-40B4-BE49-F238E27FC236}">
-                <a16:creationId xmlns:a16="http://schemas.microsoft.com/office/drawing/2014/main" id="{1B923B55-9145-4BA3-65E2-EC80EE395334}"/>
+                <a16:creationId xmlns:a16="http://schemas.microsoft.com/office/drawing/2014/main" id="{2C22E3A2-8CB1-8C5F-A1FA-43E48C63F726}"/>
               </a:ext>
             </a:extLst>
           </p:cNvPr>
@@ -7845,7 +8867,7 @@
     </p:spTree>
     <p:extLst>
       <p:ext uri="{BB962C8B-B14F-4D97-AF65-F5344CB8AC3E}">
-        <p14:creationId xmlns:p14="http://schemas.microsoft.com/office/powerpoint/2010/main" val="1989448623"/>
+        <p14:creationId xmlns:p14="http://schemas.microsoft.com/office/powerpoint/2010/main" val="803829190"/>
       </p:ext>
     </p:extLst>
   </p:cSld>
@@ -7877,6 +8899,86 @@
           <p:cNvPr id="2" name="Title 1">
             <a:extLst>
               <a:ext uri="{FF2B5EF4-FFF2-40B4-BE49-F238E27FC236}">
+                <a16:creationId xmlns:a16="http://schemas.microsoft.com/office/drawing/2014/main" id="{7245DA93-B3A8-80DA-6316-23B7D99A315E}"/>
+              </a:ext>
+            </a:extLst>
+          </p:cNvPr>
+          <p:cNvSpPr>
+            <a:spLocks noGrp="1"/>
+          </p:cNvSpPr>
+          <p:nvPr>
+            <p:ph type="title"/>
+          </p:nvPr>
+        </p:nvSpPr>
+        <p:spPr/>
+        <p:txBody>
+          <a:bodyPr/>
+          <a:lstStyle/>
+          <a:p>
+            <a:endParaRPr lang="en-US"/>
+          </a:p>
+        </p:txBody>
+      </p:sp>
+      <p:sp>
+        <p:nvSpPr>
+          <p:cNvPr id="3" name="Content Placeholder 2">
+            <a:extLst>
+              <a:ext uri="{FF2B5EF4-FFF2-40B4-BE49-F238E27FC236}">
+                <a16:creationId xmlns:a16="http://schemas.microsoft.com/office/drawing/2014/main" id="{1B923B55-9145-4BA3-65E2-EC80EE395334}"/>
+              </a:ext>
+            </a:extLst>
+          </p:cNvPr>
+          <p:cNvSpPr>
+            <a:spLocks noGrp="1"/>
+          </p:cNvSpPr>
+          <p:nvPr>
+            <p:ph idx="1"/>
+          </p:nvPr>
+        </p:nvSpPr>
+        <p:spPr/>
+        <p:txBody>
+          <a:bodyPr/>
+          <a:lstStyle/>
+          <a:p>
+            <a:endParaRPr lang="en-US"/>
+          </a:p>
+        </p:txBody>
+      </p:sp>
+    </p:spTree>
+    <p:extLst>
+      <p:ext uri="{BB962C8B-B14F-4D97-AF65-F5344CB8AC3E}">
+        <p14:creationId xmlns:p14="http://schemas.microsoft.com/office/powerpoint/2010/main" val="1989448623"/>
+      </p:ext>
+    </p:extLst>
+  </p:cSld>
+  <p:clrMapOvr>
+    <a:masterClrMapping/>
+  </p:clrMapOvr>
+</p:sld>
+</file>
+
+<file path=ppt/slides/slide17.xml><?xml version="1.0" encoding="utf-8"?>
+<p:sld xmlns:a="http://schemas.openxmlformats.org/drawingml/2006/main" xmlns:r="http://schemas.openxmlformats.org/officeDocument/2006/relationships" xmlns:p="http://schemas.openxmlformats.org/presentationml/2006/main">
+  <p:cSld>
+    <p:spTree>
+      <p:nvGrpSpPr>
+        <p:cNvPr id="1" name=""/>
+        <p:cNvGrpSpPr/>
+        <p:nvPr/>
+      </p:nvGrpSpPr>
+      <p:grpSpPr>
+        <a:xfrm>
+          <a:off x="0" y="0"/>
+          <a:ext cx="0" cy="0"/>
+          <a:chOff x="0" y="0"/>
+          <a:chExt cx="0" cy="0"/>
+        </a:xfrm>
+      </p:grpSpPr>
+      <p:sp>
+        <p:nvSpPr>
+          <p:cNvPr id="2" name="Title 1">
+            <a:extLst>
+              <a:ext uri="{FF2B5EF4-FFF2-40B4-BE49-F238E27FC236}">
                 <a16:creationId xmlns:a16="http://schemas.microsoft.com/office/drawing/2014/main" id="{6E305564-C7E3-0A11-DACB-724DA3C7B663}"/>
               </a:ext>
             </a:extLst>
@@ -7935,7 +9037,7 @@
 </p:sld>
 </file>
 
-<file path=ppt/slides/slide17.xml><?xml version="1.0" encoding="utf-8"?>
+<file path=ppt/slides/slide18.xml><?xml version="1.0" encoding="utf-8"?>
 <p:sld xmlns:a="http://schemas.openxmlformats.org/drawingml/2006/main" xmlns:r="http://schemas.openxmlformats.org/officeDocument/2006/relationships" xmlns:p="http://schemas.openxmlformats.org/presentationml/2006/main">
   <p:cSld>
     <p:spTree>
@@ -8408,10 +9510,10 @@
       </p:pic>
       <p:pic>
         <p:nvPicPr>
-          <p:cNvPr id="24" name="Picture 23" descr="\documentclass{article}&#10;\usepackage{amsmath}&#10;\pagestyle{empty}&#10;\usepackage{xcolor}&#10;\usepackage{empheq}&#10;\begin{document}&#10;${ay+by}=c$&#10;\end{document}" title="IguanaTex Bitmap Display">
+          <p:cNvPr id="6" name="Picture 5" descr="\documentclass{article}&#10;\usepackage{amsmath}&#10;\pagestyle{empty}&#10;\usepackage{xcolor}&#10;\usepackage{empheq}&#10;\begin{document}&#10;${ax+by}=c$&#10;\end{document}" title="IguanaTex Bitmap Display">
             <a:extLst>
               <a:ext uri="{FF2B5EF4-FFF2-40B4-BE49-F238E27FC236}">
-                <a16:creationId xmlns:a16="http://schemas.microsoft.com/office/drawing/2014/main" id="{0791A3F8-5F31-845C-D368-3BFAA48EE69E}"/>
+                <a16:creationId xmlns:a16="http://schemas.microsoft.com/office/drawing/2014/main" id="{34FDF91E-19AA-6614-E59A-E70C79B4647F}"/>
               </a:ext>
             </a:extLst>
           </p:cNvPr>
@@ -8438,8 +9540,8 @@
         </p:blipFill>
         <p:spPr>
           <a:xfrm>
-            <a:off x="1625035" y="3014344"/>
-            <a:ext cx="1415531" cy="255963"/>
+            <a:off x="1625035" y="3014345"/>
+            <a:ext cx="1429274" cy="255963"/>
           </a:xfrm>
           <a:prstGeom prst="rect">
             <a:avLst/>
@@ -8476,6 +9578,36 @@
           <a:chExt cx="0" cy="0"/>
         </a:xfrm>
       </p:grpSpPr>
+    </p:spTree>
+    <p:extLst>
+      <p:ext uri="{BB962C8B-B14F-4D97-AF65-F5344CB8AC3E}">
+        <p14:creationId xmlns:p14="http://schemas.microsoft.com/office/powerpoint/2010/main" val="641597096"/>
+      </p:ext>
+    </p:extLst>
+  </p:cSld>
+  <p:clrMapOvr>
+    <a:masterClrMapping/>
+  </p:clrMapOvr>
+</p:sld>
+</file>
+
+<file path=ppt/slides/slide4.xml><?xml version="1.0" encoding="utf-8"?>
+<p:sld xmlns:a="http://schemas.openxmlformats.org/drawingml/2006/main" xmlns:r="http://schemas.openxmlformats.org/officeDocument/2006/relationships" xmlns:p="http://schemas.openxmlformats.org/presentationml/2006/main">
+  <p:cSld>
+    <p:spTree>
+      <p:nvGrpSpPr>
+        <p:cNvPr id="1" name=""/>
+        <p:cNvGrpSpPr/>
+        <p:nvPr/>
+      </p:nvGrpSpPr>
+      <p:grpSpPr>
+        <a:xfrm>
+          <a:off x="0" y="0"/>
+          <a:ext cx="0" cy="0"/>
+          <a:chOff x="0" y="0"/>
+          <a:chExt cx="0" cy="0"/>
+        </a:xfrm>
+      </p:grpSpPr>
       <p:sp>
         <p:nvSpPr>
           <p:cNvPr id="2" name="Title 1">
@@ -9694,7 +10826,7 @@
 </p:sld>
 </file>
 
-<file path=ppt/slides/slide4.xml><?xml version="1.0" encoding="utf-8"?>
+<file path=ppt/slides/slide5.xml><?xml version="1.0" encoding="utf-8"?>
 <p:sld xmlns:a="http://schemas.openxmlformats.org/drawingml/2006/main" xmlns:r="http://schemas.openxmlformats.org/officeDocument/2006/relationships" xmlns:p="http://schemas.openxmlformats.org/presentationml/2006/main">
   <p:cSld>
     <p:spTree>
@@ -10498,8 +11630,8 @@
           </a:prstGeom>
         </p:spPr>
       </p:pic>
-      <mc:AlternateContent xmlns:mc="http://schemas.openxmlformats.org/markup-compatibility/2006">
-        <mc:Choice xmlns:pslz="http://schemas.microsoft.com/office/powerpoint/2016/slidezoom" Requires="pslz">
+      <mc:AlternateContent xmlns:mc="http://schemas.openxmlformats.org/markup-compatibility/2006" xmlns:pslz="http://schemas.microsoft.com/office/powerpoint/2016/slidezoom">
+        <mc:Choice Requires="pslz">
           <p:graphicFrame>
             <p:nvGraphicFramePr>
               <p:cNvPr id="10" name="Slide Zoom 9">
@@ -10556,7 +11688,7 @@
             </a:graphic>
           </p:graphicFrame>
         </mc:Choice>
-        <mc:Fallback>
+        <mc:Fallback xmlns="">
           <p:pic>
             <p:nvPicPr>
               <p:cNvPr id="10" name="Slide Zoom 9">
@@ -10572,7 +11704,7 @@
               <p:nvPr/>
             </p:nvPicPr>
             <p:blipFill>
-              <a:blip r:embed="rId23"/>
+              <a:blip r:embed="rId24"/>
               <a:stretch>
                 <a:fillRect/>
               </a:stretch>
@@ -10613,7 +11745,7 @@
           </p:nvPr>
         </p:nvPicPr>
         <p:blipFill>
-          <a:blip r:embed="rId24">
+          <a:blip r:embed="rId25">
             <a:extLst>
               <a:ext uri="{28A0092B-C50C-407E-A947-70E740481C1C}">
                 <a14:useLocalDpi xmlns:a14="http://schemas.microsoft.com/office/drawing/2010/main" val="0"/>
@@ -10653,7 +11785,7 @@
           </p:nvPr>
         </p:nvPicPr>
         <p:blipFill>
-          <a:blip r:embed="rId25">
+          <a:blip r:embed="rId26">
             <a:extLst>
               <a:ext uri="{28A0092B-C50C-407E-A947-70E740481C1C}">
                 <a14:useLocalDpi xmlns:a14="http://schemas.microsoft.com/office/drawing/2010/main" val="0"/>
@@ -10693,7 +11825,7 @@
           </p:nvPr>
         </p:nvPicPr>
         <p:blipFill>
-          <a:blip r:embed="rId26">
+          <a:blip r:embed="rId27">
             <a:extLst>
               <a:ext uri="{28A0092B-C50C-407E-A947-70E740481C1C}">
                 <a14:useLocalDpi xmlns:a14="http://schemas.microsoft.com/office/drawing/2010/main" val="0"/>
@@ -10733,7 +11865,7 @@
           </p:nvPr>
         </p:nvPicPr>
         <p:blipFill>
-          <a:blip r:embed="rId27">
+          <a:blip r:embed="rId28">
             <a:extLst>
               <a:ext uri="{28A0092B-C50C-407E-A947-70E740481C1C}">
                 <a14:useLocalDpi xmlns:a14="http://schemas.microsoft.com/office/drawing/2010/main" val="0"/>
@@ -10773,7 +11905,7 @@
           </p:nvPr>
         </p:nvPicPr>
         <p:blipFill>
-          <a:blip r:embed="rId28">
+          <a:blip r:embed="rId29">
             <a:extLst>
               <a:ext uri="{28A0092B-C50C-407E-A947-70E740481C1C}">
                 <a14:useLocalDpi xmlns:a14="http://schemas.microsoft.com/office/drawing/2010/main" val="0"/>
@@ -10807,7 +11939,7 @@
 </p:sld>
 </file>
 
-<file path=ppt/slides/slide5.xml><?xml version="1.0" encoding="utf-8"?>
+<file path=ppt/slides/slide6.xml><?xml version="1.0" encoding="utf-8"?>
 <p:sld xmlns:a="http://schemas.openxmlformats.org/drawingml/2006/main" xmlns:r="http://schemas.openxmlformats.org/officeDocument/2006/relationships" xmlns:p="http://schemas.openxmlformats.org/presentationml/2006/main">
   <p:cSld>
     <p:spTree>
@@ -12063,7 +13195,7 @@
 </p:sld>
 </file>
 
-<file path=ppt/slides/slide6.xml><?xml version="1.0" encoding="utf-8"?>
+<file path=ppt/slides/slide7.xml><?xml version="1.0" encoding="utf-8"?>
 <p:sld xmlns:a="http://schemas.openxmlformats.org/drawingml/2006/main" xmlns:r="http://schemas.openxmlformats.org/officeDocument/2006/relationships" xmlns:p="http://schemas.openxmlformats.org/presentationml/2006/main">
   <p:cSld>
     <p:spTree>
@@ -13316,1245 +14448,6 @@
     <p:extLst>
       <p:ext uri="{BB962C8B-B14F-4D97-AF65-F5344CB8AC3E}">
         <p14:creationId xmlns:p14="http://schemas.microsoft.com/office/powerpoint/2010/main" val="2030428866"/>
-      </p:ext>
-    </p:extLst>
-  </p:cSld>
-  <p:clrMapOvr>
-    <a:masterClrMapping/>
-  </p:clrMapOvr>
-</p:sld>
-</file>
-
-<file path=ppt/slides/slide7.xml><?xml version="1.0" encoding="utf-8"?>
-<p:sld xmlns:a="http://schemas.openxmlformats.org/drawingml/2006/main" xmlns:r="http://schemas.openxmlformats.org/officeDocument/2006/relationships" xmlns:p="http://schemas.openxmlformats.org/presentationml/2006/main">
-  <p:cSld>
-    <p:spTree>
-      <p:nvGrpSpPr>
-        <p:cNvPr id="1" name=""/>
-        <p:cNvGrpSpPr/>
-        <p:nvPr/>
-      </p:nvGrpSpPr>
-      <p:grpSpPr>
-        <a:xfrm>
-          <a:off x="0" y="0"/>
-          <a:ext cx="0" cy="0"/>
-          <a:chOff x="0" y="0"/>
-          <a:chExt cx="0" cy="0"/>
-        </a:xfrm>
-      </p:grpSpPr>
-      <p:sp>
-        <p:nvSpPr>
-          <p:cNvPr id="4" name="TextBox 3">
-            <a:extLst>
-              <a:ext uri="{FF2B5EF4-FFF2-40B4-BE49-F238E27FC236}">
-                <a16:creationId xmlns:a16="http://schemas.microsoft.com/office/drawing/2014/main" id="{BBC5014E-DDD4-5FE9-9FAF-A862A31648A3}"/>
-              </a:ext>
-            </a:extLst>
-          </p:cNvPr>
-          <p:cNvSpPr txBox="1"/>
-          <p:nvPr/>
-        </p:nvSpPr>
-        <p:spPr>
-          <a:xfrm>
-            <a:off x="911471" y="455956"/>
-            <a:ext cx="9870829" cy="5339923"/>
-          </a:xfrm>
-          <a:prstGeom prst="rect">
-            <a:avLst/>
-          </a:prstGeom>
-          <a:noFill/>
-        </p:spPr>
-        <p:txBody>
-          <a:bodyPr wrap="square">
-            <a:spAutoFit/>
-          </a:bodyPr>
-          <a:lstStyle/>
-          <a:p>
-            <a:r>
-              <a:rPr lang="en-US" sz="3100" dirty="0">
-                <a:latin typeface="TH Sarabun New" panose="020B0500040200020003" pitchFamily="34" charset="-34"/>
-                <a:cs typeface="TH Sarabun New" panose="020B0500040200020003" pitchFamily="34" charset="-34"/>
-              </a:rPr>
-              <a:t>				</a:t>
-            </a:r>
-            <a:r>
-              <a:rPr lang="th-TH" sz="3100" dirty="0">
-                <a:latin typeface="TH Sarabun New" panose="020B0500040200020003" pitchFamily="34" charset="-34"/>
-                <a:cs typeface="TH Sarabun New" panose="020B0500040200020003" pitchFamily="34" charset="-34"/>
-              </a:rPr>
-              <a:t>พิจารณา		 </a:t>
-            </a:r>
-            <a:r>
-              <a:rPr lang="en-US" sz="3100" dirty="0">
-                <a:latin typeface="TH Sarabun New" panose="020B0500040200020003" pitchFamily="34" charset="-34"/>
-                <a:cs typeface="TH Sarabun New" panose="020B0500040200020003" pitchFamily="34" charset="-34"/>
-              </a:rPr>
-              <a:t>:</a:t>
-            </a:r>
-          </a:p>
-          <a:p>
-            <a:r>
-              <a:rPr lang="en-US" sz="3100" dirty="0">
-                <a:latin typeface="TH Sarabun New" panose="020B0500040200020003" pitchFamily="34" charset="-34"/>
-                <a:cs typeface="TH Sarabun New" panose="020B0500040200020003" pitchFamily="34" charset="-34"/>
-              </a:rPr>
-              <a:t>                     </a:t>
-            </a:r>
-            <a:r>
-              <a:rPr lang="th-TH" sz="3100" dirty="0">
-                <a:latin typeface="TH Sarabun New" panose="020B0500040200020003" pitchFamily="34" charset="-34"/>
-                <a:cs typeface="TH Sarabun New" panose="020B0500040200020003" pitchFamily="34" charset="-34"/>
-              </a:rPr>
-              <a:t>เนื่องจาก			 สมมติว่า </a:t>
-            </a:r>
-            <a:r>
-              <a:rPr lang="en-US" sz="3100" dirty="0">
-                <a:latin typeface="TH Sarabun New" panose="020B0500040200020003" pitchFamily="34" charset="-34"/>
-                <a:cs typeface="TH Sarabun New" panose="020B0500040200020003" pitchFamily="34" charset="-34"/>
-              </a:rPr>
-              <a:t>		</a:t>
-            </a:r>
-            <a:r>
-              <a:rPr lang="th-TH" sz="3100" dirty="0">
-                <a:latin typeface="TH Sarabun New" panose="020B0500040200020003" pitchFamily="34" charset="-34"/>
-                <a:cs typeface="TH Sarabun New" panose="020B0500040200020003" pitchFamily="34" charset="-34"/>
-              </a:rPr>
-              <a:t>   จาก		</a:t>
-            </a:r>
-          </a:p>
-          <a:p>
-            <a:r>
-              <a:rPr lang="th-TH" sz="3100" dirty="0">
-                <a:latin typeface="TH Sarabun New" panose="020B0500040200020003" pitchFamily="34" charset="-34"/>
-                <a:cs typeface="TH Sarabun New" panose="020B0500040200020003" pitchFamily="34" charset="-34"/>
-              </a:rPr>
-              <a:t>				จะได้ว่า      </a:t>
-            </a:r>
-            <a:endParaRPr lang="en-US" sz="3100" dirty="0">
-              <a:latin typeface="TH Sarabun New" panose="020B0500040200020003" pitchFamily="34" charset="-34"/>
-              <a:cs typeface="TH Sarabun New" panose="020B0500040200020003" pitchFamily="34" charset="-34"/>
-            </a:endParaRPr>
-          </a:p>
-          <a:p>
-            <a:r>
-              <a:rPr lang="en-US" sz="3100" dirty="0"/>
-              <a:t>				</a:t>
-            </a:r>
-            <a:r>
-              <a:rPr lang="th-TH" sz="3100" dirty="0"/>
-              <a:t>ดังนั้น			 จะได้ </a:t>
-            </a:r>
-            <a:r>
-              <a:rPr lang="en-US" sz="3100" dirty="0"/>
-              <a:t>                  </a:t>
-            </a:r>
-            <a:r>
-              <a:rPr lang="th-TH" sz="3100" dirty="0"/>
-              <a:t> </a:t>
-            </a:r>
-            <a:r>
-              <a:rPr lang="th-TH" sz="3100" dirty="0">
-                <a:solidFill>
-                  <a:srgbClr val="FF0000"/>
-                </a:solidFill>
-              </a:rPr>
-              <a:t>ซึ่งเป็นไปไม่ได้ เนื่องจาก</a:t>
-            </a:r>
-            <a:endParaRPr lang="en-US" sz="3100" dirty="0">
-              <a:solidFill>
-                <a:srgbClr val="FF0000"/>
-              </a:solidFill>
-            </a:endParaRPr>
-          </a:p>
-          <a:p>
-            <a:r>
-              <a:rPr lang="en-US" sz="3100" dirty="0"/>
-              <a:t>                </a:t>
-            </a:r>
-            <a:r>
-              <a:rPr lang="th-TH" sz="3100" dirty="0"/>
-              <a:t> ดังนั้น </a:t>
-            </a:r>
-            <a:r>
-              <a:rPr lang="en-US" sz="3100" dirty="0"/>
-              <a:t> </a:t>
-            </a:r>
-            <a:r>
-              <a:rPr lang="th-TH" sz="3100" dirty="0"/>
-              <a:t>  </a:t>
-            </a:r>
-            <a:endParaRPr lang="en-US" sz="3100" dirty="0"/>
-          </a:p>
-          <a:p>
-            <a:r>
-              <a:rPr lang="en-US" sz="3100" dirty="0"/>
-              <a:t>                 </a:t>
-            </a:r>
-            <a:r>
-              <a:rPr lang="th-TH" sz="3100" dirty="0">
-                <a:latin typeface="TH Sarabun New" panose="020B0500040200020003" pitchFamily="34" charset="-34"/>
-                <a:cs typeface="TH Sarabun New" panose="020B0500040200020003" pitchFamily="34" charset="-34"/>
-              </a:rPr>
-              <a:t>พิจารณา	</a:t>
-            </a:r>
-            <a:r>
-              <a:rPr lang="en-US" sz="3100" dirty="0">
-                <a:latin typeface="TH Sarabun New" panose="020B0500040200020003" pitchFamily="34" charset="-34"/>
-                <a:cs typeface="TH Sarabun New" panose="020B0500040200020003" pitchFamily="34" charset="-34"/>
-              </a:rPr>
-              <a:t>      </a:t>
-            </a:r>
-            <a:r>
-              <a:rPr lang="th-TH" sz="3100" dirty="0">
-                <a:latin typeface="TH Sarabun New" panose="020B0500040200020003" pitchFamily="34" charset="-34"/>
-                <a:cs typeface="TH Sarabun New" panose="020B0500040200020003" pitchFamily="34" charset="-34"/>
-              </a:rPr>
-              <a:t>สมมติ </a:t>
-            </a:r>
-            <a:r>
-              <a:rPr lang="en-US" sz="3100" dirty="0">
-                <a:latin typeface="TH Sarabun New" panose="020B0500040200020003" pitchFamily="34" charset="-34"/>
-                <a:cs typeface="TH Sarabun New" panose="020B0500040200020003" pitchFamily="34" charset="-34"/>
-              </a:rPr>
-              <a:t>            </a:t>
-            </a:r>
-            <a:r>
-              <a:rPr lang="th-TH" sz="3100" dirty="0">
-                <a:latin typeface="TH Sarabun New" panose="020B0500040200020003" pitchFamily="34" charset="-34"/>
-                <a:cs typeface="TH Sarabun New" panose="020B0500040200020003" pitchFamily="34" charset="-34"/>
-              </a:rPr>
-              <a:t>และ			จะได้</a:t>
-            </a:r>
-          </a:p>
-          <a:p>
-            <a:r>
-              <a:rPr lang="th-TH" sz="3100" dirty="0">
-                <a:latin typeface="TH Sarabun New" panose="020B0500040200020003" pitchFamily="34" charset="-34"/>
-                <a:cs typeface="TH Sarabun New" panose="020B0500040200020003" pitchFamily="34" charset="-34"/>
-              </a:rPr>
-              <a:t>				จาก </a:t>
-            </a:r>
-            <a:r>
-              <a:rPr lang="th-TH" sz="3100" b="1" dirty="0">
-                <a:latin typeface="TH Sarabun New" panose="020B0500040200020003" pitchFamily="34" charset="-34"/>
-                <a:cs typeface="TH Sarabun New" panose="020B0500040200020003" pitchFamily="34" charset="-34"/>
-              </a:rPr>
-              <a:t>ทฤษฎีบท </a:t>
-            </a:r>
-            <a:r>
-              <a:rPr lang="en-US" sz="3100" b="1" dirty="0">
-                <a:latin typeface="TH Sarabun New" panose="020B0500040200020003" pitchFamily="34" charset="-34"/>
-                <a:cs typeface="TH Sarabun New" panose="020B0500040200020003" pitchFamily="34" charset="-34"/>
-              </a:rPr>
-              <a:t>1</a:t>
-            </a:r>
-            <a:r>
-              <a:rPr lang="th-TH" sz="3100" dirty="0">
-                <a:solidFill>
-                  <a:schemeClr val="tx1"/>
-                </a:solidFill>
-                <a:latin typeface="TH Sarabun New" panose="020B0500040200020003" pitchFamily="34" charset="-34"/>
-                <a:cs typeface="TH Sarabun New" panose="020B0500040200020003" pitchFamily="34" charset="-34"/>
-              </a:rPr>
-              <a:t> </a:t>
-            </a:r>
-            <a:r>
-              <a:rPr lang="th-TH" sz="3100" b="0" dirty="0">
-                <a:solidFill>
-                  <a:schemeClr val="tx1"/>
-                </a:solidFill>
-                <a:latin typeface="TH Sarabun New" panose="020B0500040200020003" pitchFamily="34" charset="-34"/>
-                <a:cs typeface="TH Sarabun New" panose="020B0500040200020003" pitchFamily="34" charset="-34"/>
-              </a:rPr>
-              <a:t>(ข้อความคาดการณ์กาตาลัน) </a:t>
-            </a:r>
-          </a:p>
-          <a:p>
-            <a:r>
-              <a:rPr lang="th-TH" sz="3100" dirty="0">
-                <a:latin typeface="TH Sarabun New" panose="020B0500040200020003" pitchFamily="34" charset="-34"/>
-                <a:cs typeface="TH Sarabun New" panose="020B0500040200020003" pitchFamily="34" charset="-34"/>
-              </a:rPr>
-              <a:t>				จะได้ว่า      ไม่มีผลเฉลย</a:t>
-            </a:r>
-            <a:endParaRPr lang="en-US" sz="3100" dirty="0">
-              <a:latin typeface="TH Sarabun New" panose="020B0500040200020003" pitchFamily="34" charset="-34"/>
-              <a:cs typeface="TH Sarabun New" panose="020B0500040200020003" pitchFamily="34" charset="-34"/>
-            </a:endParaRPr>
-          </a:p>
-          <a:p>
-            <a:r>
-              <a:rPr lang="en-US" sz="3100" dirty="0">
-                <a:solidFill>
-                  <a:srgbClr val="FF0000"/>
-                </a:solidFill>
-                <a:latin typeface="TH Sarabun New" panose="020B0500040200020003" pitchFamily="34" charset="-34"/>
-                <a:cs typeface="TH Sarabun New" panose="020B0500040200020003" pitchFamily="34" charset="-34"/>
-              </a:rPr>
-              <a:t>				</a:t>
-            </a:r>
-            <a:r>
-              <a:rPr lang="th-TH" sz="3100" dirty="0">
-                <a:latin typeface="TH Sarabun New" panose="020B0500040200020003" pitchFamily="34" charset="-34"/>
-                <a:cs typeface="TH Sarabun New" panose="020B0500040200020003" pitchFamily="34" charset="-34"/>
-              </a:rPr>
-              <a:t>ดังนั้น</a:t>
-            </a:r>
-            <a:r>
-              <a:rPr lang="en-US" sz="3100" dirty="0">
-                <a:latin typeface="TH Sarabun New" panose="020B0500040200020003" pitchFamily="34" charset="-34"/>
-                <a:cs typeface="TH Sarabun New" panose="020B0500040200020003" pitchFamily="34" charset="-34"/>
-              </a:rPr>
-              <a:t>		  </a:t>
-            </a:r>
-            <a:r>
-              <a:rPr lang="th-TH" sz="3100" dirty="0">
-                <a:latin typeface="TH Sarabun New" panose="020B0500040200020003" pitchFamily="34" charset="-34"/>
-                <a:cs typeface="TH Sarabun New" panose="020B0500040200020003" pitchFamily="34" charset="-34"/>
-              </a:rPr>
-              <a:t>จะได้</a:t>
-            </a:r>
-          </a:p>
-          <a:p>
-            <a:r>
-              <a:rPr lang="th-TH" sz="3100" dirty="0">
-                <a:solidFill>
-                  <a:srgbClr val="FF0000"/>
-                </a:solidFill>
-                <a:latin typeface="TH Sarabun New" panose="020B0500040200020003" pitchFamily="34" charset="-34"/>
-                <a:cs typeface="TH Sarabun New" panose="020B0500040200020003" pitchFamily="34" charset="-34"/>
-              </a:rPr>
-              <a:t>				</a:t>
-            </a:r>
-            <a:r>
-              <a:rPr lang="th-TH" sz="3100" dirty="0">
-                <a:latin typeface="TH Sarabun New" panose="020B0500040200020003" pitchFamily="34" charset="-34"/>
-                <a:cs typeface="TH Sarabun New" panose="020B0500040200020003" pitchFamily="34" charset="-34"/>
-              </a:rPr>
-              <a:t>จาก </a:t>
-            </a:r>
-            <a:r>
-              <a:rPr lang="en-US" sz="3100" dirty="0">
-                <a:latin typeface="TH Sarabun New" panose="020B0500040200020003" pitchFamily="34" charset="-34"/>
-                <a:cs typeface="TH Sarabun New" panose="020B0500040200020003" pitchFamily="34" charset="-34"/>
-              </a:rPr>
-              <a:t>      : 					</a:t>
-            </a:r>
-            <a:r>
-              <a:rPr lang="th-TH" sz="3100" dirty="0">
-                <a:latin typeface="TH Sarabun New" panose="020B0500040200020003" pitchFamily="34" charset="-34"/>
-                <a:cs typeface="TH Sarabun New" panose="020B0500040200020003" pitchFamily="34" charset="-34"/>
-              </a:rPr>
-              <a:t>จะได้ </a:t>
-            </a:r>
-            <a:endParaRPr lang="en-US" sz="3100" dirty="0">
-              <a:latin typeface="TH Sarabun New" panose="020B0500040200020003" pitchFamily="34" charset="-34"/>
-              <a:cs typeface="TH Sarabun New" panose="020B0500040200020003" pitchFamily="34" charset="-34"/>
-            </a:endParaRPr>
-          </a:p>
-          <a:p>
-            <a:r>
-              <a:rPr lang="en-US" sz="3100" dirty="0">
-                <a:latin typeface="TH Sarabun New" panose="020B0500040200020003" pitchFamily="34" charset="-34"/>
-                <a:cs typeface="TH Sarabun New" panose="020B0500040200020003" pitchFamily="34" charset="-34"/>
-              </a:rPr>
-              <a:t>				</a:t>
-            </a:r>
-            <a:r>
-              <a:rPr lang="th-TH" sz="3100" dirty="0">
-                <a:latin typeface="TH Sarabun New" panose="020B0500040200020003" pitchFamily="34" charset="-34"/>
-                <a:cs typeface="TH Sarabun New" panose="020B0500040200020003" pitchFamily="34" charset="-34"/>
-              </a:rPr>
-              <a:t>และจาก 	 จะได้ว่า </a:t>
-            </a:r>
-            <a:endParaRPr lang="en-US" sz="3100" dirty="0"/>
-          </a:p>
-        </p:txBody>
-      </p:sp>
-      <p:pic>
-        <p:nvPicPr>
-          <p:cNvPr id="5" name="Picture 4" descr="\documentclass{article}&#10;\usepackage{amsmath}&#10;\pagestyle{empty}&#10;\usepackage{xcolor}&#10;\usepackage{empheq}&#10;\begin{document}&#10;${\color{red}\left ( 5 \right )}$&#10;\end{document}" title="IguanaTex Bitmap Display">
-            <a:extLst>
-              <a:ext uri="{FF2B5EF4-FFF2-40B4-BE49-F238E27FC236}">
-                <a16:creationId xmlns:a16="http://schemas.microsoft.com/office/drawing/2014/main" id="{AED6CA5A-73AE-24F2-E5BA-D7325EB78BF1}"/>
-              </a:ext>
-            </a:extLst>
-          </p:cNvPr>
-          <p:cNvPicPr>
-            <a:picLocks noChangeAspect="1"/>
-          </p:cNvPicPr>
-          <p:nvPr>
-            <p:custDataLst>
-              <p:tags r:id="rId1"/>
-            </p:custDataLst>
-          </p:nvPr>
-        </p:nvPicPr>
-        <p:blipFill>
-          <a:blip r:embed="rId24">
-            <a:extLst>
-              <a:ext uri="{28A0092B-C50C-407E-A947-70E740481C1C}">
-                <a14:useLocalDpi xmlns:a14="http://schemas.microsoft.com/office/drawing/2010/main" val="0"/>
-              </a:ext>
-            </a:extLst>
-          </a:blip>
-          <a:stretch>
-            <a:fillRect/>
-          </a:stretch>
-        </p:blipFill>
-        <p:spPr>
-          <a:xfrm>
-            <a:off x="3855900" y="552509"/>
-            <a:ext cx="365401" cy="339011"/>
-          </a:xfrm>
-          <a:prstGeom prst="rect">
-            <a:avLst/>
-          </a:prstGeom>
-        </p:spPr>
-      </p:pic>
-      <p:pic>
-        <p:nvPicPr>
-          <p:cNvPr id="45" name="Picture 44" descr="\documentclass{article}&#10;\usepackage{amsmath}&#10;\pagestyle{empty}&#10;\usepackage{xcolor}&#10;\usepackage{empheq}&#10;\begin{document}&#10;$ 1  =2^{x-2}-p^{k} $&#10;\end{document}" title="IguanaTex Bitmap Display">
-            <a:extLst>
-              <a:ext uri="{FF2B5EF4-FFF2-40B4-BE49-F238E27FC236}">
-                <a16:creationId xmlns:a16="http://schemas.microsoft.com/office/drawing/2014/main" id="{2E0C3047-A9BD-8D37-185E-BEBD6DD43FCC}"/>
-              </a:ext>
-            </a:extLst>
-          </p:cNvPr>
-          <p:cNvPicPr>
-            <a:picLocks noChangeAspect="1"/>
-          </p:cNvPicPr>
-          <p:nvPr>
-            <p:custDataLst>
-              <p:tags r:id="rId2"/>
-            </p:custDataLst>
-          </p:nvPr>
-        </p:nvPicPr>
-        <p:blipFill>
-          <a:blip r:embed="rId25">
-            <a:extLst>
-              <a:ext uri="{28A0092B-C50C-407E-A947-70E740481C1C}">
-                <a14:useLocalDpi xmlns:a14="http://schemas.microsoft.com/office/drawing/2010/main" val="0"/>
-              </a:ext>
-            </a:extLst>
-          </a:blip>
-          <a:stretch>
-            <a:fillRect/>
-          </a:stretch>
-        </p:blipFill>
-        <p:spPr>
-          <a:xfrm>
-            <a:off x="4496305" y="552509"/>
-            <a:ext cx="1839042" cy="324647"/>
-          </a:xfrm>
-          <a:prstGeom prst="rect">
-            <a:avLst/>
-          </a:prstGeom>
-        </p:spPr>
-      </p:pic>
-      <p:pic>
-        <p:nvPicPr>
-          <p:cNvPr id="9" name="Picture 8" descr="\documentclass{article}&#10;\usepackage{amsmath}&#10;\pagestyle{empty}&#10;\usepackage{xcolor}&#10;\usepackage{empheq}&#10;\begin{document}&#10;$x\neq 1$&#10;\end{document}" title="IguanaTex Bitmap Display">
-            <a:extLst>
-              <a:ext uri="{FF2B5EF4-FFF2-40B4-BE49-F238E27FC236}">
-                <a16:creationId xmlns:a16="http://schemas.microsoft.com/office/drawing/2014/main" id="{C662C711-969C-6FD6-5ECD-F91EF93150C1}"/>
-              </a:ext>
-            </a:extLst>
-          </p:cNvPr>
-          <p:cNvPicPr>
-            <a:picLocks noChangeAspect="1"/>
-          </p:cNvPicPr>
-          <p:nvPr>
-            <p:custDataLst>
-              <p:tags r:id="rId3"/>
-            </p:custDataLst>
-          </p:nvPr>
-        </p:nvPicPr>
-        <p:blipFill>
-          <a:blip r:embed="rId26">
-            <a:extLst>
-              <a:ext uri="{28A0092B-C50C-407E-A947-70E740481C1C}">
-                <a14:useLocalDpi xmlns:a14="http://schemas.microsoft.com/office/drawing/2010/main" val="0"/>
-              </a:ext>
-            </a:extLst>
-          </a:blip>
-          <a:stretch>
-            <a:fillRect/>
-          </a:stretch>
-        </p:blipFill>
-        <p:spPr>
-          <a:xfrm>
-            <a:off x="3855900" y="1049641"/>
-            <a:ext cx="765784" cy="310724"/>
-          </a:xfrm>
-          <a:prstGeom prst="rect">
-            <a:avLst/>
-          </a:prstGeom>
-        </p:spPr>
-      </p:pic>
-      <p:pic>
-        <p:nvPicPr>
-          <p:cNvPr id="12" name="Picture 11" descr="\documentclass{article}&#10;\usepackage{amsmath}&#10;\pagestyle{empty}&#10;\usepackage{xcolor}&#10;\usepackage{empheq}&#10;\begin{document}&#10;$x=3$&#10;\end{document}" title="IguanaTex Bitmap Display">
-            <a:extLst>
-              <a:ext uri="{FF2B5EF4-FFF2-40B4-BE49-F238E27FC236}">
-                <a16:creationId xmlns:a16="http://schemas.microsoft.com/office/drawing/2014/main" id="{71DA2E5D-E15C-7893-7A46-DE11CF136045}"/>
-              </a:ext>
-            </a:extLst>
-          </p:cNvPr>
-          <p:cNvPicPr>
-            <a:picLocks noChangeAspect="1"/>
-          </p:cNvPicPr>
-          <p:nvPr>
-            <p:custDataLst>
-              <p:tags r:id="rId4"/>
-            </p:custDataLst>
-          </p:nvPr>
-        </p:nvPicPr>
-        <p:blipFill>
-          <a:blip r:embed="rId27">
-            <a:extLst>
-              <a:ext uri="{28A0092B-C50C-407E-A947-70E740481C1C}">
-                <a14:useLocalDpi xmlns:a14="http://schemas.microsoft.com/office/drawing/2010/main" val="0"/>
-              </a:ext>
-            </a:extLst>
-          </a:blip>
-          <a:stretch>
-            <a:fillRect/>
-          </a:stretch>
-        </p:blipFill>
-        <p:spPr>
-          <a:xfrm>
-            <a:off x="5846885" y="1049642"/>
-            <a:ext cx="777812" cy="228533"/>
-          </a:xfrm>
-          <a:prstGeom prst="rect">
-            <a:avLst/>
-          </a:prstGeom>
-        </p:spPr>
-      </p:pic>
-      <p:pic>
-        <p:nvPicPr>
-          <p:cNvPr id="13" name="Picture 12" descr="\documentclass{article}&#10;\usepackage{amsmath}&#10;\pagestyle{empty}&#10;\usepackage{xcolor}&#10;\usepackage{empheq}&#10;\begin{document}&#10;${\color{red}\left ( 5 \right )}$&#10;\end{document}" title="IguanaTex Bitmap Display">
-            <a:extLst>
-              <a:ext uri="{FF2B5EF4-FFF2-40B4-BE49-F238E27FC236}">
-                <a16:creationId xmlns:a16="http://schemas.microsoft.com/office/drawing/2014/main" id="{DE597A55-13D4-2AC6-086F-B784F5A102C2}"/>
-              </a:ext>
-            </a:extLst>
-          </p:cNvPr>
-          <p:cNvPicPr>
-            <a:picLocks noChangeAspect="1"/>
-          </p:cNvPicPr>
-          <p:nvPr>
-            <p:custDataLst>
-              <p:tags r:id="rId5"/>
-            </p:custDataLst>
-          </p:nvPr>
-        </p:nvPicPr>
-        <p:blipFill>
-          <a:blip r:embed="rId24">
-            <a:extLst>
-              <a:ext uri="{28A0092B-C50C-407E-A947-70E740481C1C}">
-                <a14:useLocalDpi xmlns:a14="http://schemas.microsoft.com/office/drawing/2010/main" val="0"/>
-              </a:ext>
-            </a:extLst>
-          </a:blip>
-          <a:stretch>
-            <a:fillRect/>
-          </a:stretch>
-        </p:blipFill>
-        <p:spPr>
-          <a:xfrm>
-            <a:off x="7336590" y="1021354"/>
-            <a:ext cx="365401" cy="339011"/>
-          </a:xfrm>
-          <a:prstGeom prst="rect">
-            <a:avLst/>
-          </a:prstGeom>
-        </p:spPr>
-      </p:pic>
-      <p:pic>
-        <p:nvPicPr>
-          <p:cNvPr id="16" name="Picture 15" descr="\documentclass{article}&#10;\usepackage{amsmath}&#10;\pagestyle{empty}&#10;\usepackage{xcolor}&#10;\usepackage{empheq}&#10;\begin{document}&#10;$k=0$&#10;\end{document}" title="IguanaTex Bitmap Display">
-            <a:extLst>
-              <a:ext uri="{FF2B5EF4-FFF2-40B4-BE49-F238E27FC236}">
-                <a16:creationId xmlns:a16="http://schemas.microsoft.com/office/drawing/2014/main" id="{B2D76A94-3F48-2B7C-D10A-0B751BAC8EFE}"/>
-              </a:ext>
-            </a:extLst>
-          </p:cNvPr>
-          <p:cNvPicPr>
-            <a:picLocks noChangeAspect="1"/>
-          </p:cNvPicPr>
-          <p:nvPr>
-            <p:custDataLst>
-              <p:tags r:id="rId6"/>
-            </p:custDataLst>
-          </p:nvPr>
-        </p:nvPicPr>
-        <p:blipFill>
-          <a:blip r:embed="rId28">
-            <a:extLst>
-              <a:ext uri="{28A0092B-C50C-407E-A947-70E740481C1C}">
-                <a14:useLocalDpi xmlns:a14="http://schemas.microsoft.com/office/drawing/2010/main" val="0"/>
-              </a:ext>
-            </a:extLst>
-          </a:blip>
-          <a:stretch>
-            <a:fillRect/>
-          </a:stretch>
-        </p:blipFill>
-        <p:spPr>
-          <a:xfrm>
-            <a:off x="3865705" y="2025431"/>
-            <a:ext cx="763779" cy="238556"/>
-          </a:xfrm>
-          <a:prstGeom prst="rect">
-            <a:avLst/>
-          </a:prstGeom>
-        </p:spPr>
-      </p:pic>
-      <p:pic>
-        <p:nvPicPr>
-          <p:cNvPr id="21" name="Picture 20" descr="\documentclass{article}&#10;\usepackage{amsmath}&#10;\pagestyle{empty}&#10;\usepackage{xcolor}&#10;\usepackage{empheq}&#10;\begin{document}&#10;$   p^{k}  =2^{3-2}-1=1 $&#10;\end{document}" title="IguanaTex Bitmap Display">
-            <a:extLst>
-              <a:ext uri="{FF2B5EF4-FFF2-40B4-BE49-F238E27FC236}">
-                <a16:creationId xmlns:a16="http://schemas.microsoft.com/office/drawing/2014/main" id="{0867A739-1DEF-C3BF-22F8-8ED734B6AC93}"/>
-              </a:ext>
-            </a:extLst>
-          </p:cNvPr>
-          <p:cNvPicPr>
-            <a:picLocks noChangeAspect="1"/>
-          </p:cNvPicPr>
-          <p:nvPr>
-            <p:custDataLst>
-              <p:tags r:id="rId7"/>
-            </p:custDataLst>
-          </p:nvPr>
-        </p:nvPicPr>
-        <p:blipFill>
-          <a:blip r:embed="rId29">
-            <a:extLst>
-              <a:ext uri="{28A0092B-C50C-407E-A947-70E740481C1C}">
-                <a14:useLocalDpi xmlns:a14="http://schemas.microsoft.com/office/drawing/2010/main" val="0"/>
-              </a:ext>
-            </a:extLst>
-          </a:blip>
-          <a:stretch>
-            <a:fillRect/>
-          </a:stretch>
-        </p:blipFill>
-        <p:spPr>
-          <a:xfrm>
-            <a:off x="3732526" y="1518486"/>
-            <a:ext cx="2433915" cy="324647"/>
-          </a:xfrm>
-          <a:prstGeom prst="rect">
-            <a:avLst/>
-          </a:prstGeom>
-        </p:spPr>
-      </p:pic>
-      <p:pic>
-        <p:nvPicPr>
-          <p:cNvPr id="26" name="Picture 25" descr="\documentclass{article}&#10;\usepackage{amsmath}&#10;\pagestyle{empty}&#10;\usepackage{xcolor}&#10;\usepackage{empheq}&#10;\begin{document}&#10;$y=2\left(0\right)=0$&#10;\end{document}" title="IguanaTex Bitmap Display">
-            <a:extLst>
-              <a:ext uri="{FF2B5EF4-FFF2-40B4-BE49-F238E27FC236}">
-                <a16:creationId xmlns:a16="http://schemas.microsoft.com/office/drawing/2014/main" id="{AE414348-5FA3-8BED-274B-06BB85226FB6}"/>
-              </a:ext>
-            </a:extLst>
-          </p:cNvPr>
-          <p:cNvPicPr>
-            <a:picLocks noChangeAspect="1"/>
-          </p:cNvPicPr>
-          <p:nvPr>
-            <p:custDataLst>
-              <p:tags r:id="rId8"/>
-            </p:custDataLst>
-          </p:nvPr>
-        </p:nvPicPr>
-        <p:blipFill>
-          <a:blip r:embed="rId30">
-            <a:extLst>
-              <a:ext uri="{28A0092B-C50C-407E-A947-70E740481C1C}">
-                <a14:useLocalDpi xmlns:a14="http://schemas.microsoft.com/office/drawing/2010/main" val="0"/>
-              </a:ext>
-            </a:extLst>
-          </a:blip>
-          <a:stretch>
-            <a:fillRect/>
-          </a:stretch>
-        </p:blipFill>
-        <p:spPr>
-          <a:xfrm>
-            <a:off x="5399844" y="2005925"/>
-            <a:ext cx="1856324" cy="334780"/>
-          </a:xfrm>
-          <a:prstGeom prst="rect">
-            <a:avLst/>
-          </a:prstGeom>
-        </p:spPr>
-      </p:pic>
-      <p:pic>
-        <p:nvPicPr>
-          <p:cNvPr id="28" name="Picture 27" descr="&#10;&#10;\documentclass{article}&#10;\usepackage{amsmath}&#10;\usepackage{amsfonts}&#10;\usepackage{amssymb}&#10;\pagestyle{empty}&#10;\usepackage{xcolor}&#10;\usepackage{empheq}&#10;\begin{document}&#10;$y\geq 1 $&#10;\end{document}" title="IguanaTex Bitmap Display">
-            <a:extLst>
-              <a:ext uri="{FF2B5EF4-FFF2-40B4-BE49-F238E27FC236}">
-                <a16:creationId xmlns:a16="http://schemas.microsoft.com/office/drawing/2014/main" id="{373A8534-0A98-EAB6-37F9-41EAC338C58A}"/>
-              </a:ext>
-            </a:extLst>
-          </p:cNvPr>
-          <p:cNvPicPr>
-            <a:picLocks noChangeAspect="1"/>
-          </p:cNvPicPr>
-          <p:nvPr>
-            <p:custDataLst>
-              <p:tags r:id="rId9"/>
-            </p:custDataLst>
-          </p:nvPr>
-        </p:nvPicPr>
-        <p:blipFill>
-          <a:blip r:embed="rId31">
-            <a:extLst>
-              <a:ext uri="{28A0092B-C50C-407E-A947-70E740481C1C}">
-                <a14:useLocalDpi xmlns:a14="http://schemas.microsoft.com/office/drawing/2010/main" val="0"/>
-              </a:ext>
-            </a:extLst>
-          </a:blip>
-          <a:stretch>
-            <a:fillRect/>
-          </a:stretch>
-        </p:blipFill>
-        <p:spPr>
-          <a:xfrm>
-            <a:off x="9932031" y="2025431"/>
-            <a:ext cx="710569" cy="272860"/>
-          </a:xfrm>
-          <a:prstGeom prst="rect">
-            <a:avLst/>
-          </a:prstGeom>
-        </p:spPr>
-      </p:pic>
-      <p:pic>
-        <p:nvPicPr>
-          <p:cNvPr id="32" name="Picture 31" descr="&#10;&#10;\documentclass{article}&#10;\usepackage{amsmath}&#10;\usepackage{amsfonts}&#10;\usepackage{amssymb}&#10;\pagestyle{empty}&#10;\usepackage{xcolor}&#10;\usepackage{empheq}&#10;\begin{document}&#10;$x&gt; 3$&#10;\end{document}" title="IguanaTex Bitmap Display">
-            <a:extLst>
-              <a:ext uri="{FF2B5EF4-FFF2-40B4-BE49-F238E27FC236}">
-                <a16:creationId xmlns:a16="http://schemas.microsoft.com/office/drawing/2014/main" id="{2693799F-7275-93A4-1698-24A97C4FE7F4}"/>
-              </a:ext>
-            </a:extLst>
-          </p:cNvPr>
-          <p:cNvPicPr>
-            <a:picLocks noChangeAspect="1"/>
-          </p:cNvPicPr>
-          <p:nvPr>
-            <p:custDataLst>
-              <p:tags r:id="rId10"/>
-            </p:custDataLst>
-          </p:nvPr>
-        </p:nvPicPr>
-        <p:blipFill>
-          <a:blip r:embed="rId32">
-            <a:extLst>
-              <a:ext uri="{28A0092B-C50C-407E-A947-70E740481C1C}">
-                <a14:useLocalDpi xmlns:a14="http://schemas.microsoft.com/office/drawing/2010/main" val="0"/>
-              </a:ext>
-            </a:extLst>
-          </a:blip>
-          <a:stretch>
-            <a:fillRect/>
-          </a:stretch>
-        </p:blipFill>
-        <p:spPr>
-          <a:xfrm>
-            <a:off x="3779702" y="2508200"/>
-            <a:ext cx="735202" cy="221699"/>
-          </a:xfrm>
-          <a:prstGeom prst="rect">
-            <a:avLst/>
-          </a:prstGeom>
-        </p:spPr>
-      </p:pic>
-      <p:pic>
-        <p:nvPicPr>
-          <p:cNvPr id="35" name="Picture 34" descr="\documentclass{article}&#10;\usepackage{amsmath}&#10;\pagestyle{empty}&#10;\usepackage{xcolor}&#10;\usepackage{empheq}&#10;\begin{document}&#10;$k=1$&#10;\end{document}" title="IguanaTex Bitmap Display">
-            <a:extLst>
-              <a:ext uri="{FF2B5EF4-FFF2-40B4-BE49-F238E27FC236}">
-                <a16:creationId xmlns:a16="http://schemas.microsoft.com/office/drawing/2014/main" id="{459A99CC-1E50-13FD-5F4F-D3CA69A110D6}"/>
-              </a:ext>
-            </a:extLst>
-          </p:cNvPr>
-          <p:cNvPicPr>
-            <a:picLocks noChangeAspect="1"/>
-          </p:cNvPicPr>
-          <p:nvPr>
-            <p:custDataLst>
-              <p:tags r:id="rId11"/>
-            </p:custDataLst>
-          </p:nvPr>
-        </p:nvPicPr>
-        <p:blipFill>
-          <a:blip r:embed="rId33">
-            <a:extLst>
-              <a:ext uri="{28A0092B-C50C-407E-A947-70E740481C1C}">
-                <a14:useLocalDpi xmlns:a14="http://schemas.microsoft.com/office/drawing/2010/main" val="0"/>
-              </a:ext>
-            </a:extLst>
-          </a:blip>
-          <a:stretch>
-            <a:fillRect/>
-          </a:stretch>
-        </p:blipFill>
-        <p:spPr>
-          <a:xfrm>
-            <a:off x="3546290" y="4399592"/>
-            <a:ext cx="681694" cy="233101"/>
-          </a:xfrm>
-          <a:prstGeom prst="rect">
-            <a:avLst/>
-          </a:prstGeom>
-        </p:spPr>
-      </p:pic>
-      <p:pic>
-        <p:nvPicPr>
-          <p:cNvPr id="36" name="Picture 35" descr="\documentclass{article}&#10;\usepackage{amsmath}&#10;\pagestyle{empty}&#10;\usepackage{xcolor}&#10;\usepackage{empheq}&#10;\begin{document}&#10;${\color{red}\left ( 5 \right )}$&#10;\end{document}" title="IguanaTex Bitmap Display">
-            <a:extLst>
-              <a:ext uri="{FF2B5EF4-FFF2-40B4-BE49-F238E27FC236}">
-                <a16:creationId xmlns:a16="http://schemas.microsoft.com/office/drawing/2014/main" id="{79C94976-98CB-0A8B-F137-D3FBA6660440}"/>
-              </a:ext>
-            </a:extLst>
-          </p:cNvPr>
-          <p:cNvPicPr>
-            <a:picLocks noChangeAspect="1"/>
-          </p:cNvPicPr>
-          <p:nvPr>
-            <p:custDataLst>
-              <p:tags r:id="rId12"/>
-            </p:custDataLst>
-          </p:nvPr>
-        </p:nvPicPr>
-        <p:blipFill>
-          <a:blip r:embed="rId24">
-            <a:extLst>
-              <a:ext uri="{28A0092B-C50C-407E-A947-70E740481C1C}">
-                <a14:useLocalDpi xmlns:a14="http://schemas.microsoft.com/office/drawing/2010/main" val="0"/>
-              </a:ext>
-            </a:extLst>
-          </a:blip>
-          <a:stretch>
-            <a:fillRect/>
-          </a:stretch>
-        </p:blipFill>
-        <p:spPr>
-          <a:xfrm>
-            <a:off x="3696911" y="3879842"/>
-            <a:ext cx="365401" cy="339011"/>
-          </a:xfrm>
-          <a:prstGeom prst="rect">
-            <a:avLst/>
-          </a:prstGeom>
-        </p:spPr>
-      </p:pic>
-      <p:pic>
-        <p:nvPicPr>
-          <p:cNvPr id="40" name="Picture 39" descr="&#10;&#10;\documentclass{article}&#10;\usepackage{amsmath}&#10;\usepackage{amsfonts}&#10;\usepackage{amssymb}&#10;\pagestyle{empty}&#10;\usepackage{xcolor}&#10;\usepackage{empheq}&#10;\begin{document}&#10;$k&gt; 1$&#10;\end{document}" title="IguanaTex Bitmap Display">
-            <a:extLst>
-              <a:ext uri="{FF2B5EF4-FFF2-40B4-BE49-F238E27FC236}">
-                <a16:creationId xmlns:a16="http://schemas.microsoft.com/office/drawing/2014/main" id="{675AA4A9-B15A-D5C3-C9CB-775B61D1E2FB}"/>
-              </a:ext>
-            </a:extLst>
-          </p:cNvPr>
-          <p:cNvPicPr>
-            <a:picLocks noChangeAspect="1"/>
-          </p:cNvPicPr>
-          <p:nvPr>
-            <p:custDataLst>
-              <p:tags r:id="rId13"/>
-            </p:custDataLst>
-          </p:nvPr>
-        </p:nvPicPr>
-        <p:blipFill>
-          <a:blip r:embed="rId34">
-            <a:extLst>
-              <a:ext uri="{28A0092B-C50C-407E-A947-70E740481C1C}">
-                <a14:useLocalDpi xmlns:a14="http://schemas.microsoft.com/office/drawing/2010/main" val="0"/>
-              </a:ext>
-            </a:extLst>
-          </a:blip>
-          <a:stretch>
-            <a:fillRect/>
-          </a:stretch>
-        </p:blipFill>
-        <p:spPr>
-          <a:xfrm>
-            <a:off x="3926785" y="2993076"/>
-            <a:ext cx="708674" cy="231173"/>
-          </a:xfrm>
-          <a:prstGeom prst="rect">
-            <a:avLst/>
-          </a:prstGeom>
-        </p:spPr>
-      </p:pic>
-      <p:pic>
-        <p:nvPicPr>
-          <p:cNvPr id="54" name="Picture 53" descr="\documentclass{article}&#10;\usepackage{amsmath}&#10;\pagestyle{empty}&#10;\usepackage{xcolor}&#10;\usepackage{empheq}&#10;\begin{document}&#10;$ 1  =2^{3}-p^{2} $&#10;\end{document}" title="IguanaTex Bitmap Display">
-            <a:extLst>
-              <a:ext uri="{FF2B5EF4-FFF2-40B4-BE49-F238E27FC236}">
-                <a16:creationId xmlns:a16="http://schemas.microsoft.com/office/drawing/2014/main" id="{376A8970-4A3F-4167-5868-6B2F367DDC3E}"/>
-              </a:ext>
-            </a:extLst>
-          </p:cNvPr>
-          <p:cNvPicPr>
-            <a:picLocks noChangeAspect="1"/>
-          </p:cNvPicPr>
-          <p:nvPr>
-            <p:custDataLst>
-              <p:tags r:id="rId14"/>
-            </p:custDataLst>
-          </p:nvPr>
-        </p:nvPicPr>
-        <p:blipFill>
-          <a:blip r:embed="rId35">
-            <a:extLst>
-              <a:ext uri="{28A0092B-C50C-407E-A947-70E740481C1C}">
-                <a14:useLocalDpi xmlns:a14="http://schemas.microsoft.com/office/drawing/2010/main" val="0"/>
-              </a:ext>
-            </a:extLst>
-          </a:blip>
-          <a:stretch>
-            <a:fillRect/>
-          </a:stretch>
-        </p:blipFill>
-        <p:spPr>
-          <a:xfrm>
-            <a:off x="8752758" y="2939606"/>
-            <a:ext cx="1490000" cy="317141"/>
-          </a:xfrm>
-          <a:prstGeom prst="rect">
-            <a:avLst/>
-          </a:prstGeom>
-        </p:spPr>
-      </p:pic>
-      <p:pic>
-        <p:nvPicPr>
-          <p:cNvPr id="49" name="Picture 48" descr="\documentclass{article}&#10;\usepackage{amsmath}&#10;\pagestyle{empty}&#10;\usepackage{xcolor}&#10;\usepackage{empheq}&#10;\begin{document}&#10;$k=3$&#10;\end{document}" title="IguanaTex Bitmap Display">
-            <a:extLst>
-              <a:ext uri="{FF2B5EF4-FFF2-40B4-BE49-F238E27FC236}">
-                <a16:creationId xmlns:a16="http://schemas.microsoft.com/office/drawing/2014/main" id="{5D321835-1708-19CB-031C-704579E11DD0}"/>
-              </a:ext>
-            </a:extLst>
-          </p:cNvPr>
-          <p:cNvPicPr>
-            <a:picLocks noChangeAspect="1"/>
-          </p:cNvPicPr>
-          <p:nvPr>
-            <p:custDataLst>
-              <p:tags r:id="rId15"/>
-            </p:custDataLst>
-          </p:nvPr>
-        </p:nvPicPr>
-        <p:blipFill>
-          <a:blip r:embed="rId36">
-            <a:extLst>
-              <a:ext uri="{28A0092B-C50C-407E-A947-70E740481C1C}">
-                <a14:useLocalDpi xmlns:a14="http://schemas.microsoft.com/office/drawing/2010/main" val="0"/>
-              </a:ext>
-            </a:extLst>
-          </a:blip>
-          <a:stretch>
-            <a:fillRect/>
-          </a:stretch>
-        </p:blipFill>
-        <p:spPr>
-          <a:xfrm>
-            <a:off x="7012915" y="2969951"/>
-            <a:ext cx="761774" cy="238556"/>
-          </a:xfrm>
-          <a:prstGeom prst="rect">
-            <a:avLst/>
-          </a:prstGeom>
-        </p:spPr>
-      </p:pic>
-      <p:pic>
-        <p:nvPicPr>
-          <p:cNvPr id="52" name="Picture 51" descr="&#10;&#10;\documentclass{article}&#10;\usepackage{amsmath}&#10;\usepackage{amsfonts}&#10;\usepackage{amssymb}&#10;\pagestyle{empty}&#10;\usepackage{xcolor}&#10;\usepackage{empheq}&#10;\begin{document}&#10;$x=5$&#10;\end{document}" title="IguanaTex Bitmap Display">
-            <a:extLst>
-              <a:ext uri="{FF2B5EF4-FFF2-40B4-BE49-F238E27FC236}">
-                <a16:creationId xmlns:a16="http://schemas.microsoft.com/office/drawing/2014/main" id="{BC4510AE-E1A7-4127-4751-9988B300BD28}"/>
-              </a:ext>
-            </a:extLst>
-          </p:cNvPr>
-          <p:cNvPicPr>
-            <a:picLocks noChangeAspect="1"/>
-          </p:cNvPicPr>
-          <p:nvPr>
-            <p:custDataLst>
-              <p:tags r:id="rId16"/>
-            </p:custDataLst>
-          </p:nvPr>
-        </p:nvPicPr>
-        <p:blipFill>
-          <a:blip r:embed="rId37">
-            <a:extLst>
-              <a:ext uri="{28A0092B-C50C-407E-A947-70E740481C1C}">
-                <a14:useLocalDpi xmlns:a14="http://schemas.microsoft.com/office/drawing/2010/main" val="0"/>
-              </a:ext>
-            </a:extLst>
-          </a:blip>
-          <a:stretch>
-            <a:fillRect/>
-          </a:stretch>
-        </p:blipFill>
-        <p:spPr>
-          <a:xfrm>
-            <a:off x="5548581" y="2999707"/>
-            <a:ext cx="733307" cy="217909"/>
-          </a:xfrm>
-          <a:prstGeom prst="rect">
-            <a:avLst/>
-          </a:prstGeom>
-        </p:spPr>
-      </p:pic>
-      <p:pic>
-        <p:nvPicPr>
-          <p:cNvPr id="57" name="Picture 56" descr="\documentclass{article}&#10;\usepackage{amsmath}&#10;\pagestyle{empty}&#10;\usepackage{xcolor}&#10;\usepackage{empheq}&#10;\begin{document}&#10;$y=2\left(1\right)=2$&#10;\end{document}" title="IguanaTex Bitmap Display">
-            <a:extLst>
-              <a:ext uri="{FF2B5EF4-FFF2-40B4-BE49-F238E27FC236}">
-                <a16:creationId xmlns:a16="http://schemas.microsoft.com/office/drawing/2014/main" id="{26D51FB0-0A2D-5581-C0F9-1124623C4386}"/>
-              </a:ext>
-            </a:extLst>
-          </p:cNvPr>
-          <p:cNvPicPr>
-            <a:picLocks noChangeAspect="1"/>
-          </p:cNvPicPr>
-          <p:nvPr>
-            <p:custDataLst>
-              <p:tags r:id="rId17"/>
-            </p:custDataLst>
-          </p:nvPr>
-        </p:nvPicPr>
-        <p:blipFill>
-          <a:blip r:embed="rId38">
-            <a:extLst>
-              <a:ext uri="{28A0092B-C50C-407E-A947-70E740481C1C}">
-                <a14:useLocalDpi xmlns:a14="http://schemas.microsoft.com/office/drawing/2010/main" val="0"/>
-              </a:ext>
-            </a:extLst>
-          </a:blip>
-          <a:stretch>
-            <a:fillRect/>
-          </a:stretch>
-        </p:blipFill>
-        <p:spPr>
-          <a:xfrm>
-            <a:off x="5214142" y="4350662"/>
-            <a:ext cx="1710697" cy="337954"/>
-          </a:xfrm>
-          <a:prstGeom prst="rect">
-            <a:avLst/>
-          </a:prstGeom>
-        </p:spPr>
-      </p:pic>
-      <p:pic>
-        <p:nvPicPr>
-          <p:cNvPr id="58" name="Picture 57" descr="\documentclass{article}&#10;\usepackage{amsmath}&#10;\pagestyle{empty}&#10;\usepackage{xcolor}&#10;\usepackage{empheq}&#10;\begin{document}&#10;$\left ( z-p^{k} \right )=2^{v}$&#10;\end{document}" title="IguanaTex Bitmap Display">
-            <a:extLst>
-              <a:ext uri="{FF2B5EF4-FFF2-40B4-BE49-F238E27FC236}">
-                <a16:creationId xmlns:a16="http://schemas.microsoft.com/office/drawing/2014/main" id="{09947C79-8AF6-11FC-77FB-B25A27ADEC81}"/>
-              </a:ext>
-            </a:extLst>
-          </p:cNvPr>
-          <p:cNvPicPr>
-            <a:picLocks noChangeAspect="1"/>
-          </p:cNvPicPr>
-          <p:nvPr>
-            <p:custDataLst>
-              <p:tags r:id="rId18"/>
-            </p:custDataLst>
-          </p:nvPr>
-        </p:nvPicPr>
-        <p:blipFill>
-          <a:blip r:embed="rId39">
-            <a:extLst>
-              <a:ext uri="{28A0092B-C50C-407E-A947-70E740481C1C}">
-                <a14:useLocalDpi xmlns:a14="http://schemas.microsoft.com/office/drawing/2010/main" val="0"/>
-              </a:ext>
-            </a:extLst>
-          </a:blip>
-          <a:stretch>
-            <a:fillRect/>
-          </a:stretch>
-        </p:blipFill>
-        <p:spPr>
-          <a:xfrm>
-            <a:off x="4064656" y="4836651"/>
-            <a:ext cx="1891883" cy="397555"/>
-          </a:xfrm>
-          <a:prstGeom prst="rect">
-            <a:avLst/>
-          </a:prstGeom>
-        </p:spPr>
-      </p:pic>
-      <p:pic>
-        <p:nvPicPr>
-          <p:cNvPr id="61" name="Picture 60" descr="\documentclass{article}&#10;\usepackage{amsmath}&#10;\pagestyle{empty}&#10;\usepackage{xcolor}&#10;\usepackage{empheq}&#10;\begin{document}&#10;${\color{red}\left ( 2 \right )}$&#10;\end{document}" title="IguanaTex Bitmap Display">
-            <a:extLst>
-              <a:ext uri="{FF2B5EF4-FFF2-40B4-BE49-F238E27FC236}">
-                <a16:creationId xmlns:a16="http://schemas.microsoft.com/office/drawing/2014/main" id="{39421225-4905-5105-A55A-8A5C900BDEA6}"/>
-              </a:ext>
-            </a:extLst>
-          </p:cNvPr>
-          <p:cNvPicPr>
-            <a:picLocks noChangeAspect="1"/>
-          </p:cNvPicPr>
-          <p:nvPr>
-            <p:custDataLst>
-              <p:tags r:id="rId19"/>
-            </p:custDataLst>
-          </p:nvPr>
-        </p:nvPicPr>
-        <p:blipFill>
-          <a:blip r:embed="rId40">
-            <a:extLst>
-              <a:ext uri="{28A0092B-C50C-407E-A947-70E740481C1C}">
-                <a14:useLocalDpi xmlns:a14="http://schemas.microsoft.com/office/drawing/2010/main" val="0"/>
-              </a:ext>
-            </a:extLst>
-          </a:blip>
-          <a:stretch>
-            <a:fillRect/>
-          </a:stretch>
-        </p:blipFill>
-        <p:spPr>
-          <a:xfrm>
-            <a:off x="3329823" y="4848235"/>
-            <a:ext cx="365401" cy="339011"/>
-          </a:xfrm>
-          <a:prstGeom prst="rect">
-            <a:avLst/>
-          </a:prstGeom>
-        </p:spPr>
-      </p:pic>
-      <p:pic>
-        <p:nvPicPr>
-          <p:cNvPr id="66" name="Picture 65" descr="\documentclass{article}&#10;\usepackage{amsmath}&#10;\pagestyle{empty}&#10;\usepackage{xcolor}&#10;\usepackage{empheq}&#10;\begin{document}&#10;$\left ( z-p^{1} \right )=2^{1} \Rightarrow z=p+2$&#10;\end{document}" title="IguanaTex Bitmap Display">
-            <a:extLst>
-              <a:ext uri="{FF2B5EF4-FFF2-40B4-BE49-F238E27FC236}">
-                <a16:creationId xmlns:a16="http://schemas.microsoft.com/office/drawing/2014/main" id="{428293E4-6ACB-EE30-96FE-9D16A65E48CB}"/>
-              </a:ext>
-            </a:extLst>
-          </p:cNvPr>
-          <p:cNvPicPr>
-            <a:picLocks noChangeAspect="1"/>
-          </p:cNvPicPr>
-          <p:nvPr>
-            <p:custDataLst>
-              <p:tags r:id="rId20"/>
-            </p:custDataLst>
-          </p:nvPr>
-        </p:nvPicPr>
-        <p:blipFill>
-          <a:blip r:embed="rId41">
-            <a:extLst>
-              <a:ext uri="{28A0092B-C50C-407E-A947-70E740481C1C}">
-                <a14:useLocalDpi xmlns:a14="http://schemas.microsoft.com/office/drawing/2010/main" val="0"/>
-              </a:ext>
-            </a:extLst>
-          </a:blip>
-          <a:stretch>
-            <a:fillRect/>
-          </a:stretch>
-        </p:blipFill>
-        <p:spPr>
-          <a:xfrm>
-            <a:off x="6892797" y="4824355"/>
-            <a:ext cx="3749803" cy="397555"/>
-          </a:xfrm>
-          <a:prstGeom prst="rect">
-            <a:avLst/>
-          </a:prstGeom>
-        </p:spPr>
-      </p:pic>
-      <p:pic>
-        <p:nvPicPr>
-          <p:cNvPr id="67" name="Picture 66" descr="\documentclass{article}&#10;\usepackage{amsmath}&#10;\pagestyle{empty}&#10;\usepackage{xcolor}&#10;\usepackage{empheq}&#10;\begin{document}&#10;${\color{red}\left ( 5 \right )}$&#10;\end{document}" title="IguanaTex Bitmap Display">
-            <a:extLst>
-              <a:ext uri="{FF2B5EF4-FFF2-40B4-BE49-F238E27FC236}">
-                <a16:creationId xmlns:a16="http://schemas.microsoft.com/office/drawing/2014/main" id="{F7A5A13D-F2F6-9C8C-F61C-64A859C25F0C}"/>
-              </a:ext>
-            </a:extLst>
-          </p:cNvPr>
-          <p:cNvPicPr>
-            <a:picLocks noChangeAspect="1"/>
-          </p:cNvPicPr>
-          <p:nvPr>
-            <p:custDataLst>
-              <p:tags r:id="rId21"/>
-            </p:custDataLst>
-          </p:nvPr>
-        </p:nvPicPr>
-        <p:blipFill>
-          <a:blip r:embed="rId24">
-            <a:extLst>
-              <a:ext uri="{28A0092B-C50C-407E-A947-70E740481C1C}">
-                <a14:useLocalDpi xmlns:a14="http://schemas.microsoft.com/office/drawing/2010/main" val="0"/>
-              </a:ext>
-            </a:extLst>
-          </a:blip>
-          <a:stretch>
-            <a:fillRect/>
-          </a:stretch>
-        </p:blipFill>
-        <p:spPr>
-          <a:xfrm>
-            <a:off x="3781902" y="5331448"/>
-            <a:ext cx="365401" cy="339011"/>
-          </a:xfrm>
-          <a:prstGeom prst="rect">
-            <a:avLst/>
-          </a:prstGeom>
-        </p:spPr>
-      </p:pic>
-      <p:pic>
-        <p:nvPicPr>
-          <p:cNvPr id="74" name="Picture 73" descr="\documentclass{article}&#10;\usepackage{amsmath}&#10;\pagestyle{empty}&#10;\usepackage{xcolor}&#10;\usepackage{empheq}&#10;\begin{document}&#10;$ 1  =2^{x-2}-p^{1} \Rightarrow 1  =2^{x-2}-p $&#10;\end{document}" title="IguanaTex Bitmap Display">
-            <a:extLst>
-              <a:ext uri="{FF2B5EF4-FFF2-40B4-BE49-F238E27FC236}">
-                <a16:creationId xmlns:a16="http://schemas.microsoft.com/office/drawing/2014/main" id="{8F831819-5667-B5A1-F531-063976CBB961}"/>
-              </a:ext>
-            </a:extLst>
-          </p:cNvPr>
-          <p:cNvPicPr>
-            <a:picLocks noChangeAspect="1"/>
-          </p:cNvPicPr>
-          <p:nvPr>
-            <p:custDataLst>
-              <p:tags r:id="rId22"/>
-            </p:custDataLst>
-          </p:nvPr>
-        </p:nvPicPr>
-        <p:blipFill>
-          <a:blip r:embed="rId42">
-            <a:extLst>
-              <a:ext uri="{28A0092B-C50C-407E-A947-70E740481C1C}">
-                <a14:useLocalDpi xmlns:a14="http://schemas.microsoft.com/office/drawing/2010/main" val="0"/>
-              </a:ext>
-            </a:extLst>
-          </a:blip>
-          <a:stretch>
-            <a:fillRect/>
-          </a:stretch>
-        </p:blipFill>
-        <p:spPr>
-          <a:xfrm>
-            <a:off x="5362368" y="5309229"/>
-            <a:ext cx="4075919" cy="317141"/>
-          </a:xfrm>
-          <a:prstGeom prst="rect">
-            <a:avLst/>
-          </a:prstGeom>
-        </p:spPr>
-      </p:pic>
-    </p:spTree>
-    <p:extLst>
-      <p:ext uri="{BB962C8B-B14F-4D97-AF65-F5344CB8AC3E}">
-        <p14:creationId xmlns:p14="http://schemas.microsoft.com/office/powerpoint/2010/main" val="3999688864"/>
       </p:ext>
     </p:extLst>
   </p:cSld>
@@ -14586,7 +14479,7 @@
           <p:cNvPr id="4" name="TextBox 3">
             <a:extLst>
               <a:ext uri="{FF2B5EF4-FFF2-40B4-BE49-F238E27FC236}">
-                <a16:creationId xmlns:a16="http://schemas.microsoft.com/office/drawing/2014/main" id="{071A0A03-4EA2-4F99-8B14-06F35D876DE4}"/>
+                <a16:creationId xmlns:a16="http://schemas.microsoft.com/office/drawing/2014/main" id="{BBC5014E-DDD4-5FE9-9FAF-A862A31648A3}"/>
               </a:ext>
             </a:extLst>
           </p:cNvPr>
@@ -14595,7 +14488,7 @@
         </p:nvSpPr>
         <p:spPr>
           <a:xfrm>
-            <a:off x="1777746" y="455956"/>
+            <a:off x="911471" y="455956"/>
             <a:ext cx="9870829" cy="5339923"/>
           </a:xfrm>
           <a:prstGeom prst="rect">
@@ -14614,126 +14507,297 @@
                 <a:latin typeface="TH Sarabun New" panose="020B0500040200020003" pitchFamily="34" charset="-34"/>
                 <a:cs typeface="TH Sarabun New" panose="020B0500040200020003" pitchFamily="34" charset="-34"/>
               </a:rPr>
-              <a:t>			</a:t>
-            </a:r>
-          </a:p>
-          <a:p>
+              <a:t>				</a:t>
+            </a:r>
+            <a:r>
+              <a:rPr lang="th-TH" sz="3100" dirty="0">
+                <a:latin typeface="TH Sarabun New" panose="020B0500040200020003" pitchFamily="34" charset="-34"/>
+                <a:cs typeface="TH Sarabun New" panose="020B0500040200020003" pitchFamily="34" charset="-34"/>
+              </a:rPr>
+              <a:t>พิจารณา		 </a:t>
+            </a:r>
+            <a:r>
+              <a:rPr lang="en-US" sz="3100" dirty="0">
+                <a:latin typeface="TH Sarabun New" panose="020B0500040200020003" pitchFamily="34" charset="-34"/>
+                <a:cs typeface="TH Sarabun New" panose="020B0500040200020003" pitchFamily="34" charset="-34"/>
+              </a:rPr>
+              <a:t>:</a:t>
+            </a:r>
+          </a:p>
+          <a:p>
+            <a:r>
+              <a:rPr lang="en-US" sz="3100" dirty="0">
+                <a:latin typeface="TH Sarabun New" panose="020B0500040200020003" pitchFamily="34" charset="-34"/>
+                <a:cs typeface="TH Sarabun New" panose="020B0500040200020003" pitchFamily="34" charset="-34"/>
+              </a:rPr>
+              <a:t>                     </a:t>
+            </a:r>
+            <a:r>
+              <a:rPr lang="th-TH" sz="3100" dirty="0">
+                <a:latin typeface="TH Sarabun New" panose="020B0500040200020003" pitchFamily="34" charset="-34"/>
+                <a:cs typeface="TH Sarabun New" panose="020B0500040200020003" pitchFamily="34" charset="-34"/>
+              </a:rPr>
+              <a:t>เนื่องจาก			 สมมติว่า </a:t>
+            </a:r>
+            <a:r>
+              <a:rPr lang="en-US" sz="3100" dirty="0">
+                <a:latin typeface="TH Sarabun New" panose="020B0500040200020003" pitchFamily="34" charset="-34"/>
+                <a:cs typeface="TH Sarabun New" panose="020B0500040200020003" pitchFamily="34" charset="-34"/>
+              </a:rPr>
+              <a:t>		</a:t>
+            </a:r>
+            <a:r>
+              <a:rPr lang="th-TH" sz="3100" dirty="0">
+                <a:latin typeface="TH Sarabun New" panose="020B0500040200020003" pitchFamily="34" charset="-34"/>
+                <a:cs typeface="TH Sarabun New" panose="020B0500040200020003" pitchFamily="34" charset="-34"/>
+              </a:rPr>
+              <a:t>   จาก		</a:t>
+            </a:r>
+          </a:p>
+          <a:p>
+            <a:r>
+              <a:rPr lang="th-TH" sz="3100" dirty="0">
+                <a:latin typeface="TH Sarabun New" panose="020B0500040200020003" pitchFamily="34" charset="-34"/>
+                <a:cs typeface="TH Sarabun New" panose="020B0500040200020003" pitchFamily="34" charset="-34"/>
+              </a:rPr>
+              <a:t>				จะได้ว่า      </a:t>
+            </a:r>
             <a:endParaRPr lang="en-US" sz="3100" dirty="0">
               <a:latin typeface="TH Sarabun New" panose="020B0500040200020003" pitchFamily="34" charset="-34"/>
               <a:cs typeface="TH Sarabun New" panose="020B0500040200020003" pitchFamily="34" charset="-34"/>
             </a:endParaRPr>
           </a:p>
           <a:p>
+            <a:r>
+              <a:rPr lang="en-US" sz="3100" dirty="0"/>
+              <a:t>				</a:t>
+            </a:r>
+            <a:r>
+              <a:rPr lang="th-TH" sz="3100" dirty="0"/>
+              <a:t>ดังนั้น			 จะได้ </a:t>
+            </a:r>
+            <a:r>
+              <a:rPr lang="en-US" sz="3100" dirty="0"/>
+              <a:t>                  </a:t>
+            </a:r>
+            <a:r>
+              <a:rPr lang="th-TH" sz="3100" dirty="0"/>
+              <a:t> </a:t>
+            </a:r>
+            <a:r>
+              <a:rPr lang="th-TH" sz="3100" dirty="0">
+                <a:solidFill>
+                  <a:srgbClr val="FF0000"/>
+                </a:solidFill>
+              </a:rPr>
+              <a:t>ซึ่งเป็นไปไม่ได้ เนื่องจาก</a:t>
+            </a:r>
+            <a:endParaRPr lang="en-US" sz="3100" dirty="0">
+              <a:solidFill>
+                <a:srgbClr val="FF0000"/>
+              </a:solidFill>
+            </a:endParaRPr>
+          </a:p>
+          <a:p>
+            <a:r>
+              <a:rPr lang="en-US" sz="3100" dirty="0"/>
+              <a:t>                </a:t>
+            </a:r>
+            <a:r>
+              <a:rPr lang="th-TH" sz="3100" dirty="0"/>
+              <a:t> ดังนั้น </a:t>
+            </a:r>
+            <a:r>
+              <a:rPr lang="en-US" sz="3100" dirty="0"/>
+              <a:t> </a:t>
+            </a:r>
+            <a:r>
+              <a:rPr lang="th-TH" sz="3100" dirty="0"/>
+              <a:t>  </a:t>
+            </a:r>
+            <a:endParaRPr lang="en-US" sz="3100" dirty="0"/>
+          </a:p>
+          <a:p>
+            <a:r>
+              <a:rPr lang="en-US" sz="3100" dirty="0"/>
+              <a:t>                 </a:t>
+            </a:r>
+            <a:r>
+              <a:rPr lang="th-TH" sz="3100" dirty="0">
+                <a:latin typeface="TH Sarabun New" panose="020B0500040200020003" pitchFamily="34" charset="-34"/>
+                <a:cs typeface="TH Sarabun New" panose="020B0500040200020003" pitchFamily="34" charset="-34"/>
+              </a:rPr>
+              <a:t>พิจารณา	</a:t>
+            </a:r>
+            <a:r>
+              <a:rPr lang="en-US" sz="3100" dirty="0">
+                <a:latin typeface="TH Sarabun New" panose="020B0500040200020003" pitchFamily="34" charset="-34"/>
+                <a:cs typeface="TH Sarabun New" panose="020B0500040200020003" pitchFamily="34" charset="-34"/>
+              </a:rPr>
+              <a:t>      </a:t>
+            </a:r>
+            <a:r>
+              <a:rPr lang="th-TH" sz="3100" dirty="0">
+                <a:latin typeface="TH Sarabun New" panose="020B0500040200020003" pitchFamily="34" charset="-34"/>
+                <a:cs typeface="TH Sarabun New" panose="020B0500040200020003" pitchFamily="34" charset="-34"/>
+              </a:rPr>
+              <a:t>สมมติ </a:t>
+            </a:r>
+            <a:r>
+              <a:rPr lang="en-US" sz="3100" dirty="0">
+                <a:latin typeface="TH Sarabun New" panose="020B0500040200020003" pitchFamily="34" charset="-34"/>
+                <a:cs typeface="TH Sarabun New" panose="020B0500040200020003" pitchFamily="34" charset="-34"/>
+              </a:rPr>
+              <a:t>            </a:t>
+            </a:r>
+            <a:r>
+              <a:rPr lang="th-TH" sz="3100" dirty="0">
+                <a:latin typeface="TH Sarabun New" panose="020B0500040200020003" pitchFamily="34" charset="-34"/>
+                <a:cs typeface="TH Sarabun New" panose="020B0500040200020003" pitchFamily="34" charset="-34"/>
+              </a:rPr>
+              <a:t>และ			จะได้</a:t>
+            </a:r>
+          </a:p>
+          <a:p>
+            <a:r>
+              <a:rPr lang="th-TH" sz="3100" dirty="0">
+                <a:latin typeface="TH Sarabun New" panose="020B0500040200020003" pitchFamily="34" charset="-34"/>
+                <a:cs typeface="TH Sarabun New" panose="020B0500040200020003" pitchFamily="34" charset="-34"/>
+              </a:rPr>
+              <a:t>				จาก </a:t>
+            </a:r>
+            <a:r>
+              <a:rPr lang="th-TH" sz="3100" b="1" dirty="0">
+                <a:latin typeface="TH Sarabun New" panose="020B0500040200020003" pitchFamily="34" charset="-34"/>
+                <a:cs typeface="TH Sarabun New" panose="020B0500040200020003" pitchFamily="34" charset="-34"/>
+              </a:rPr>
+              <a:t>ทฤษฎีบท </a:t>
+            </a:r>
+            <a:r>
+              <a:rPr lang="en-US" sz="3100" b="1" dirty="0">
+                <a:latin typeface="TH Sarabun New" panose="020B0500040200020003" pitchFamily="34" charset="-34"/>
+                <a:cs typeface="TH Sarabun New" panose="020B0500040200020003" pitchFamily="34" charset="-34"/>
+              </a:rPr>
+              <a:t>1</a:t>
+            </a:r>
+            <a:r>
+              <a:rPr lang="th-TH" sz="3100" dirty="0">
+                <a:solidFill>
+                  <a:schemeClr val="tx1"/>
+                </a:solidFill>
+                <a:latin typeface="TH Sarabun New" panose="020B0500040200020003" pitchFamily="34" charset="-34"/>
+                <a:cs typeface="TH Sarabun New" panose="020B0500040200020003" pitchFamily="34" charset="-34"/>
+              </a:rPr>
+              <a:t> </a:t>
+            </a:r>
+            <a:r>
+              <a:rPr lang="th-TH" sz="3100" b="0" dirty="0">
+                <a:solidFill>
+                  <a:schemeClr val="tx1"/>
+                </a:solidFill>
+                <a:latin typeface="TH Sarabun New" panose="020B0500040200020003" pitchFamily="34" charset="-34"/>
+                <a:cs typeface="TH Sarabun New" panose="020B0500040200020003" pitchFamily="34" charset="-34"/>
+              </a:rPr>
+              <a:t>(ข้อความคาดการณ์กาตาลัน) </a:t>
+            </a:r>
+          </a:p>
+          <a:p>
+            <a:r>
+              <a:rPr lang="th-TH" sz="3100" dirty="0">
+                <a:latin typeface="TH Sarabun New" panose="020B0500040200020003" pitchFamily="34" charset="-34"/>
+                <a:cs typeface="TH Sarabun New" panose="020B0500040200020003" pitchFamily="34" charset="-34"/>
+              </a:rPr>
+              <a:t>				จะได้ว่า      ไม่มีผลเฉลย</a:t>
+            </a:r>
             <a:endParaRPr lang="en-US" sz="3100" dirty="0">
               <a:latin typeface="TH Sarabun New" panose="020B0500040200020003" pitchFamily="34" charset="-34"/>
               <a:cs typeface="TH Sarabun New" panose="020B0500040200020003" pitchFamily="34" charset="-34"/>
             </a:endParaRPr>
           </a:p>
           <a:p>
+            <a:r>
+              <a:rPr lang="en-US" sz="3100" dirty="0">
+                <a:solidFill>
+                  <a:srgbClr val="FF0000"/>
+                </a:solidFill>
+                <a:latin typeface="TH Sarabun New" panose="020B0500040200020003" pitchFamily="34" charset="-34"/>
+                <a:cs typeface="TH Sarabun New" panose="020B0500040200020003" pitchFamily="34" charset="-34"/>
+              </a:rPr>
+              <a:t>				</a:t>
+            </a:r>
+            <a:r>
+              <a:rPr lang="th-TH" sz="3100" dirty="0">
+                <a:latin typeface="TH Sarabun New" panose="020B0500040200020003" pitchFamily="34" charset="-34"/>
+                <a:cs typeface="TH Sarabun New" panose="020B0500040200020003" pitchFamily="34" charset="-34"/>
+              </a:rPr>
+              <a:t>ดังนั้น</a:t>
+            </a:r>
+            <a:r>
+              <a:rPr lang="en-US" sz="3100" dirty="0">
+                <a:latin typeface="TH Sarabun New" panose="020B0500040200020003" pitchFamily="34" charset="-34"/>
+                <a:cs typeface="TH Sarabun New" panose="020B0500040200020003" pitchFamily="34" charset="-34"/>
+              </a:rPr>
+              <a:t>		  </a:t>
+            </a:r>
+            <a:r>
+              <a:rPr lang="th-TH" sz="3100" dirty="0">
+                <a:latin typeface="TH Sarabun New" panose="020B0500040200020003" pitchFamily="34" charset="-34"/>
+                <a:cs typeface="TH Sarabun New" panose="020B0500040200020003" pitchFamily="34" charset="-34"/>
+              </a:rPr>
+              <a:t>จะได้</a:t>
+            </a:r>
+          </a:p>
+          <a:p>
+            <a:r>
+              <a:rPr lang="th-TH" sz="3100" dirty="0">
+                <a:solidFill>
+                  <a:srgbClr val="FF0000"/>
+                </a:solidFill>
+                <a:latin typeface="TH Sarabun New" panose="020B0500040200020003" pitchFamily="34" charset="-34"/>
+                <a:cs typeface="TH Sarabun New" panose="020B0500040200020003" pitchFamily="34" charset="-34"/>
+              </a:rPr>
+              <a:t>				</a:t>
+            </a:r>
+            <a:r>
+              <a:rPr lang="th-TH" sz="3100" dirty="0">
+                <a:latin typeface="TH Sarabun New" panose="020B0500040200020003" pitchFamily="34" charset="-34"/>
+                <a:cs typeface="TH Sarabun New" panose="020B0500040200020003" pitchFamily="34" charset="-34"/>
+              </a:rPr>
+              <a:t>จาก </a:t>
+            </a:r>
+            <a:r>
+              <a:rPr lang="en-US" sz="3100" dirty="0">
+                <a:latin typeface="TH Sarabun New" panose="020B0500040200020003" pitchFamily="34" charset="-34"/>
+                <a:cs typeface="TH Sarabun New" panose="020B0500040200020003" pitchFamily="34" charset="-34"/>
+              </a:rPr>
+              <a:t>      : 					</a:t>
+            </a:r>
+            <a:r>
+              <a:rPr lang="th-TH" sz="3100" dirty="0">
+                <a:latin typeface="TH Sarabun New" panose="020B0500040200020003" pitchFamily="34" charset="-34"/>
+                <a:cs typeface="TH Sarabun New" panose="020B0500040200020003" pitchFamily="34" charset="-34"/>
+              </a:rPr>
+              <a:t>จะได้ </a:t>
+            </a:r>
             <a:endParaRPr lang="en-US" sz="3100" dirty="0">
               <a:latin typeface="TH Sarabun New" panose="020B0500040200020003" pitchFamily="34" charset="-34"/>
               <a:cs typeface="TH Sarabun New" panose="020B0500040200020003" pitchFamily="34" charset="-34"/>
             </a:endParaRPr>
           </a:p>
           <a:p>
-            <a:endParaRPr lang="en-US" sz="3100" dirty="0">
-              <a:latin typeface="TH Sarabun New" panose="020B0500040200020003" pitchFamily="34" charset="-34"/>
-              <a:cs typeface="TH Sarabun New" panose="020B0500040200020003" pitchFamily="34" charset="-34"/>
-            </a:endParaRPr>
-          </a:p>
-          <a:p>
-            <a:endParaRPr lang="en-US" sz="3100" dirty="0">
-              <a:latin typeface="TH Sarabun New" panose="020B0500040200020003" pitchFamily="34" charset="-34"/>
-              <a:cs typeface="TH Sarabun New" panose="020B0500040200020003" pitchFamily="34" charset="-34"/>
-            </a:endParaRPr>
-          </a:p>
-          <a:p>
-            <a:endParaRPr lang="en-US" sz="3100" dirty="0">
-              <a:latin typeface="TH Sarabun New" panose="020B0500040200020003" pitchFamily="34" charset="-34"/>
-              <a:cs typeface="TH Sarabun New" panose="020B0500040200020003" pitchFamily="34" charset="-34"/>
-            </a:endParaRPr>
-          </a:p>
-          <a:p>
+            <a:r>
+              <a:rPr lang="en-US" sz="3100" dirty="0">
+                <a:latin typeface="TH Sarabun New" panose="020B0500040200020003" pitchFamily="34" charset="-34"/>
+                <a:cs typeface="TH Sarabun New" panose="020B0500040200020003" pitchFamily="34" charset="-34"/>
+              </a:rPr>
+              <a:t>				</a:t>
+            </a:r>
             <a:r>
               <a:rPr lang="th-TH" sz="3100" dirty="0">
                 <a:latin typeface="TH Sarabun New" panose="020B0500040200020003" pitchFamily="34" charset="-34"/>
                 <a:cs typeface="TH Sarabun New" panose="020B0500040200020003" pitchFamily="34" charset="-34"/>
               </a:rPr>
-              <a:t>													</a:t>
-            </a:r>
-            <a:r>
-              <a:rPr lang="en-US" sz="3100" dirty="0">
-                <a:latin typeface="TH Sarabun New" panose="020B0500040200020003" pitchFamily="34" charset="-34"/>
-                <a:cs typeface="TH Sarabun New" panose="020B0500040200020003" pitchFamily="34" charset="-34"/>
-              </a:rPr>
-              <a:t> </a:t>
-            </a:r>
-            <a:r>
-              <a:rPr lang="th-TH" sz="3100" dirty="0">
-                <a:latin typeface="TH Sarabun New" panose="020B0500040200020003" pitchFamily="34" charset="-34"/>
-                <a:cs typeface="TH Sarabun New" panose="020B0500040200020003" pitchFamily="34" charset="-34"/>
-              </a:rPr>
-              <a:t>เมื่อ</a:t>
-            </a:r>
-            <a:r>
-              <a:rPr lang="en-US" sz="3100" dirty="0">
-                <a:latin typeface="TH Sarabun New" panose="020B0500040200020003" pitchFamily="34" charset="-34"/>
-                <a:cs typeface="TH Sarabun New" panose="020B0500040200020003" pitchFamily="34" charset="-34"/>
-              </a:rPr>
-              <a:t>     </a:t>
-            </a:r>
-            <a:endParaRPr lang="th-TH" sz="3100" dirty="0">
-              <a:latin typeface="TH Sarabun New" panose="020B0500040200020003" pitchFamily="34" charset="-34"/>
-              <a:cs typeface="TH Sarabun New" panose="020B0500040200020003" pitchFamily="34" charset="-34"/>
-            </a:endParaRPr>
-          </a:p>
-          <a:p>
-            <a:endParaRPr lang="th-TH" sz="3100" dirty="0">
-              <a:latin typeface="TH Sarabun New" panose="020B0500040200020003" pitchFamily="34" charset="-34"/>
-              <a:cs typeface="TH Sarabun New" panose="020B0500040200020003" pitchFamily="34" charset="-34"/>
-            </a:endParaRPr>
-          </a:p>
-          <a:p>
-            <a:r>
-              <a:rPr lang="en-US" sz="3100" dirty="0">
-                <a:latin typeface="TH Sarabun New" panose="020B0500040200020003" pitchFamily="34" charset="-34"/>
-                <a:cs typeface="TH Sarabun New" panose="020B0500040200020003" pitchFamily="34" charset="-34"/>
-              </a:rPr>
-              <a:t>  </a:t>
-            </a:r>
-            <a:r>
-              <a:rPr lang="th-TH" sz="3100" dirty="0">
-                <a:latin typeface="TH Sarabun New" panose="020B0500040200020003" pitchFamily="34" charset="-34"/>
-                <a:cs typeface="TH Sarabun New" panose="020B0500040200020003" pitchFamily="34" charset="-34"/>
-              </a:rPr>
-              <a:t>		    เพราะฉะนั้น                                   </a:t>
-            </a:r>
-            <a:endParaRPr lang="en-US" sz="3100" dirty="0">
-              <a:latin typeface="TH Sarabun New" panose="020B0500040200020003" pitchFamily="34" charset="-34"/>
-              <a:cs typeface="TH Sarabun New" panose="020B0500040200020003" pitchFamily="34" charset="-34"/>
-            </a:endParaRPr>
-          </a:p>
-          <a:p>
-            <a:r>
-              <a:rPr lang="en-US" sz="3100" dirty="0">
-                <a:latin typeface="TH Sarabun New" panose="020B0500040200020003" pitchFamily="34" charset="-34"/>
-                <a:cs typeface="TH Sarabun New" panose="020B0500040200020003" pitchFamily="34" charset="-34"/>
-              </a:rPr>
-              <a:t>		    </a:t>
-            </a:r>
-            <a:r>
-              <a:rPr lang="th-TH" sz="3100" dirty="0">
-                <a:latin typeface="TH Sarabun New" panose="020B0500040200020003" pitchFamily="34" charset="-34"/>
-                <a:cs typeface="TH Sarabun New" panose="020B0500040200020003" pitchFamily="34" charset="-34"/>
-              </a:rPr>
-              <a:t>เป็นผลเฉลยของ      </a:t>
-            </a:r>
-            <a:r>
-              <a:rPr lang="en-US" sz="3100" dirty="0">
-                <a:latin typeface="TH Sarabun New" panose="020B0500040200020003" pitchFamily="34" charset="-34"/>
-                <a:cs typeface="TH Sarabun New" panose="020B0500040200020003" pitchFamily="34" charset="-34"/>
-              </a:rPr>
-              <a:t>	</a:t>
+              <a:t>และจาก 	 จะได้ว่า </a:t>
             </a:r>
             <a:endParaRPr lang="en-US" sz="3100" dirty="0"/>
           </a:p>
@@ -14741,10 +14805,10 @@
       </p:sp>
       <p:pic>
         <p:nvPicPr>
-          <p:cNvPr id="7" name="Picture 6" descr="\documentclass{article}&#10;\usepackage{amsmath}&#10;\pagestyle{empty}&#10;\usepackage{xcolor}&#10;\usepackage{empheq}&#10;\begin{document}&#10;$ 1  =2^{x-2}-p $&#10;\end{document}" title="IguanaTex Bitmap Display">
+          <p:cNvPr id="5" name="Picture 4" descr="\documentclass{article}&#10;\usepackage{amsmath}&#10;\pagestyle{empty}&#10;\usepackage{xcolor}&#10;\usepackage{empheq}&#10;\begin{document}&#10;${\color{red}\left ( 5 \right )}$&#10;\end{document}" title="IguanaTex Bitmap Display">
             <a:extLst>
               <a:ext uri="{FF2B5EF4-FFF2-40B4-BE49-F238E27FC236}">
-                <a16:creationId xmlns:a16="http://schemas.microsoft.com/office/drawing/2014/main" id="{D73C138C-9103-82B5-1BFF-31F1B51D6ACC}"/>
+                <a16:creationId xmlns:a16="http://schemas.microsoft.com/office/drawing/2014/main" id="{AED6CA5A-73AE-24F2-E5BA-D7325EB78BF1}"/>
               </a:ext>
             </a:extLst>
           </p:cNvPr>
@@ -14758,7 +14822,7 @@
           </p:nvPr>
         </p:nvPicPr>
         <p:blipFill>
-          <a:blip r:embed="rId11">
+          <a:blip r:embed="rId24">
             <a:extLst>
               <a:ext uri="{28A0092B-C50C-407E-A947-70E740481C1C}">
                 <a14:useLocalDpi xmlns:a14="http://schemas.microsoft.com/office/drawing/2010/main" val="0"/>
@@ -14771,8 +14835,8 @@
         </p:blipFill>
         <p:spPr>
           <a:xfrm>
-            <a:off x="5030600" y="708202"/>
-            <a:ext cx="1784088" cy="330604"/>
+            <a:off x="3855900" y="552509"/>
+            <a:ext cx="365401" cy="339011"/>
           </a:xfrm>
           <a:prstGeom prst="rect">
             <a:avLst/>
@@ -14781,10 +14845,10 @@
       </p:pic>
       <p:pic>
         <p:nvPicPr>
-          <p:cNvPr id="10" name="Picture 9" descr="\documentclass{article}&#10;\usepackage{amsmath}&#10;\pagestyle{empty}&#10;\usepackage{xcolor}&#10;\usepackage{empheq}&#10;\begin{document}&#10;$ 1+p=2^{x-2} $&#10;\end{document}" title="IguanaTex Bitmap Display">
+          <p:cNvPr id="45" name="Picture 44" descr="\documentclass{article}&#10;\usepackage{amsmath}&#10;\pagestyle{empty}&#10;\usepackage{xcolor}&#10;\usepackage{empheq}&#10;\begin{document}&#10;$ 1  =2^{x-2}-p^{k} $&#10;\end{document}" title="IguanaTex Bitmap Display">
             <a:extLst>
               <a:ext uri="{FF2B5EF4-FFF2-40B4-BE49-F238E27FC236}">
-                <a16:creationId xmlns:a16="http://schemas.microsoft.com/office/drawing/2014/main" id="{1493B3ED-327C-35D1-B6CA-DFC825A8E317}"/>
+                <a16:creationId xmlns:a16="http://schemas.microsoft.com/office/drawing/2014/main" id="{2E0C3047-A9BD-8D37-185E-BEBD6DD43FCC}"/>
               </a:ext>
             </a:extLst>
           </p:cNvPr>
@@ -14798,7 +14862,7 @@
           </p:nvPr>
         </p:nvPicPr>
         <p:blipFill>
-          <a:blip r:embed="rId12">
+          <a:blip r:embed="rId25">
             <a:extLst>
               <a:ext uri="{28A0092B-C50C-407E-A947-70E740481C1C}">
                 <a14:useLocalDpi xmlns:a14="http://schemas.microsoft.com/office/drawing/2010/main" val="0"/>
@@ -14811,8 +14875,8 @@
         </p:blipFill>
         <p:spPr>
           <a:xfrm>
-            <a:off x="4548000" y="1375833"/>
-            <a:ext cx="1685164" cy="317141"/>
+            <a:off x="4496305" y="552509"/>
+            <a:ext cx="1839042" cy="324647"/>
           </a:xfrm>
           <a:prstGeom prst="rect">
             <a:avLst/>
@@ -14821,10 +14885,10 @@
       </p:pic>
       <p:pic>
         <p:nvPicPr>
-          <p:cNvPr id="14" name="Picture 13" descr="\documentclass{article}&#10;\usepackage{amsmath}&#10;\pagestyle{empty}&#10;\usepackage{xcolor}&#10;\usepackage{empheq}&#10;\begin{document}&#10;$ 2^{2}\cdot \left ( 1+p \right )=2^{x} $&#10;\end{document}" title="IguanaTex Bitmap Display">
+          <p:cNvPr id="9" name="Picture 8" descr="\documentclass{article}&#10;\usepackage{amsmath}&#10;\pagestyle{empty}&#10;\usepackage{xcolor}&#10;\usepackage{empheq}&#10;\begin{document}&#10;$x\neq 1$&#10;\end{document}" title="IguanaTex Bitmap Display">
             <a:extLst>
               <a:ext uri="{FF2B5EF4-FFF2-40B4-BE49-F238E27FC236}">
-                <a16:creationId xmlns:a16="http://schemas.microsoft.com/office/drawing/2014/main" id="{CB39F02F-A187-AE14-7948-5C586BDF00D2}"/>
+                <a16:creationId xmlns:a16="http://schemas.microsoft.com/office/drawing/2014/main" id="{C662C711-969C-6FD6-5ECD-F91EF93150C1}"/>
               </a:ext>
             </a:extLst>
           </p:cNvPr>
@@ -14838,7 +14902,7 @@
           </p:nvPr>
         </p:nvPicPr>
         <p:blipFill>
-          <a:blip r:embed="rId13">
+          <a:blip r:embed="rId26">
             <a:extLst>
               <a:ext uri="{28A0092B-C50C-407E-A947-70E740481C1C}">
                 <a14:useLocalDpi xmlns:a14="http://schemas.microsoft.com/office/drawing/2010/main" val="0"/>
@@ -14851,8 +14915,8 @@
         </p:blipFill>
         <p:spPr>
           <a:xfrm>
-            <a:off x="3747023" y="2043464"/>
-            <a:ext cx="2139295" cy="335907"/>
+            <a:off x="3855900" y="1049641"/>
+            <a:ext cx="765784" cy="310724"/>
           </a:xfrm>
           <a:prstGeom prst="rect">
             <a:avLst/>
@@ -14861,10 +14925,10 @@
       </p:pic>
       <p:pic>
         <p:nvPicPr>
-          <p:cNvPr id="18" name="Picture 17" descr="\documentclass{article}&#10;\usepackage{amsmath}&#10;\pagestyle{empty}&#10;\usepackage{xcolor}&#10;\usepackage{empheq}&#10;\begin{document}&#10;$ \log _{2}2^{2}\cdot \left ( 1+p \right )=\log _{2}2^{x} $&#10;\end{document}" title="IguanaTex Bitmap Display">
+          <p:cNvPr id="12" name="Picture 11" descr="\documentclass{article}&#10;\usepackage{amsmath}&#10;\pagestyle{empty}&#10;\usepackage{xcolor}&#10;\usepackage{empheq}&#10;\begin{document}&#10;$x=3$&#10;\end{document}" title="IguanaTex Bitmap Display">
             <a:extLst>
               <a:ext uri="{FF2B5EF4-FFF2-40B4-BE49-F238E27FC236}">
-                <a16:creationId xmlns:a16="http://schemas.microsoft.com/office/drawing/2014/main" id="{EAA36821-9597-E807-5F54-4248C2DDA9A9}"/>
+                <a16:creationId xmlns:a16="http://schemas.microsoft.com/office/drawing/2014/main" id="{71DA2E5D-E15C-7893-7A46-DE11CF136045}"/>
               </a:ext>
             </a:extLst>
           </p:cNvPr>
@@ -14878,7 +14942,7 @@
           </p:nvPr>
         </p:nvPicPr>
         <p:blipFill>
-          <a:blip r:embed="rId14">
+          <a:blip r:embed="rId27">
             <a:extLst>
               <a:ext uri="{28A0092B-C50C-407E-A947-70E740481C1C}">
                 <a14:useLocalDpi xmlns:a14="http://schemas.microsoft.com/office/drawing/2010/main" val="0"/>
@@ -14891,8 +14955,8 @@
         </p:blipFill>
         <p:spPr>
           <a:xfrm>
-            <a:off x="3150271" y="2645006"/>
-            <a:ext cx="3332797" cy="335907"/>
+            <a:off x="5846885" y="1049642"/>
+            <a:ext cx="777812" cy="228533"/>
           </a:xfrm>
           <a:prstGeom prst="rect">
             <a:avLst/>
@@ -14901,10 +14965,10 @@
       </p:pic>
       <p:pic>
         <p:nvPicPr>
-          <p:cNvPr id="20" name="Picture 19" descr="\documentclass{article}&#10;\usepackage{amsmath}&#10;\pagestyle{empty}&#10;\usepackage{xcolor}&#10;\usepackage{empheq}&#10;\begin{document}&#10;$ 2+\log _{2} \left ( 1+p \right )=x $&#10;\end{document}" title="IguanaTex Bitmap Display">
+          <p:cNvPr id="13" name="Picture 12" descr="\documentclass{article}&#10;\usepackage{amsmath}&#10;\pagestyle{empty}&#10;\usepackage{xcolor}&#10;\usepackage{empheq}&#10;\begin{document}&#10;${\color{red}\left ( 5 \right )}$&#10;\end{document}" title="IguanaTex Bitmap Display">
             <a:extLst>
               <a:ext uri="{FF2B5EF4-FFF2-40B4-BE49-F238E27FC236}">
-                <a16:creationId xmlns:a16="http://schemas.microsoft.com/office/drawing/2014/main" id="{D8F62028-A894-0CDD-010A-CAA24F1A431B}"/>
+                <a16:creationId xmlns:a16="http://schemas.microsoft.com/office/drawing/2014/main" id="{DE597A55-13D4-2AC6-086F-B784F5A102C2}"/>
               </a:ext>
             </a:extLst>
           </p:cNvPr>
@@ -14918,7 +14982,7 @@
           </p:nvPr>
         </p:nvPicPr>
         <p:blipFill>
-          <a:blip r:embed="rId15">
+          <a:blip r:embed="rId24">
             <a:extLst>
               <a:ext uri="{28A0092B-C50C-407E-A947-70E740481C1C}">
                 <a14:useLocalDpi xmlns:a14="http://schemas.microsoft.com/office/drawing/2010/main" val="0"/>
@@ -14931,8 +14995,8 @@
         </p:blipFill>
         <p:spPr>
           <a:xfrm>
-            <a:off x="3150271" y="3331403"/>
-            <a:ext cx="2630958" cy="313388"/>
+            <a:off x="7336590" y="1021354"/>
+            <a:ext cx="365401" cy="339011"/>
           </a:xfrm>
           <a:prstGeom prst="rect">
             <a:avLst/>
@@ -14941,10 +15005,10 @@
       </p:pic>
       <p:pic>
         <p:nvPicPr>
-          <p:cNvPr id="23" name="Picture 22" descr="\documentclass{article}&#10;\usepackage{amsmath}&#10;\pagestyle{empty}&#10;\usepackage{xcolor}&#10;\usepackage{empheq}&#10;\begin{document}&#10;$x= 2+\log _{2} \left ( 1+p \right ) $&#10;\end{document}" title="IguanaTex Bitmap Display">
+          <p:cNvPr id="16" name="Picture 15" descr="\documentclass{article}&#10;\usepackage{amsmath}&#10;\pagestyle{empty}&#10;\usepackage{xcolor}&#10;\usepackage{empheq}&#10;\begin{document}&#10;$k=0$&#10;\end{document}" title="IguanaTex Bitmap Display">
             <a:extLst>
               <a:ext uri="{FF2B5EF4-FFF2-40B4-BE49-F238E27FC236}">
-                <a16:creationId xmlns:a16="http://schemas.microsoft.com/office/drawing/2014/main" id="{41ED811B-3CC8-368E-74AA-A2FEE5AEFA32}"/>
+                <a16:creationId xmlns:a16="http://schemas.microsoft.com/office/drawing/2014/main" id="{B2D76A94-3F48-2B7C-D10A-0B751BAC8EFE}"/>
               </a:ext>
             </a:extLst>
           </p:cNvPr>
@@ -14958,7 +15022,7 @@
           </p:nvPr>
         </p:nvPicPr>
         <p:blipFill>
-          <a:blip r:embed="rId16">
+          <a:blip r:embed="rId28">
             <a:extLst>
               <a:ext uri="{28A0092B-C50C-407E-A947-70E740481C1C}">
                 <a14:useLocalDpi xmlns:a14="http://schemas.microsoft.com/office/drawing/2010/main" val="0"/>
@@ -14971,8 +15035,8 @@
         </p:blipFill>
         <p:spPr>
           <a:xfrm>
-            <a:off x="5063828" y="3845532"/>
-            <a:ext cx="2621574" cy="313388"/>
+            <a:off x="3865705" y="2025431"/>
+            <a:ext cx="763779" cy="238556"/>
           </a:xfrm>
           <a:prstGeom prst="rect">
             <a:avLst/>
@@ -14981,10 +15045,10 @@
       </p:pic>
       <p:pic>
         <p:nvPicPr>
-          <p:cNvPr id="28" name="Picture 27" descr="\documentclass{article}&#10;\usepackage{amsmath}&#10;\usepackage{amsfonts}&#10;\pagestyle{empty}&#10;\usepackage{xcolor}&#10;\usepackage{empheq}&#10;\begin{document}&#10;$\log _{2} \left ( 1+p \right ) \in \mathbb{Z}$&#10;\end{document}" title="IguanaTex Bitmap Display">
+          <p:cNvPr id="21" name="Picture 20" descr="\documentclass{article}&#10;\usepackage{amsmath}&#10;\pagestyle{empty}&#10;\usepackage{xcolor}&#10;\usepackage{empheq}&#10;\begin{document}&#10;$   p^{k}  =2^{3-2}-1=1 $&#10;\end{document}" title="IguanaTex Bitmap Display">
             <a:extLst>
               <a:ext uri="{FF2B5EF4-FFF2-40B4-BE49-F238E27FC236}">
-                <a16:creationId xmlns:a16="http://schemas.microsoft.com/office/drawing/2014/main" id="{6667D7BC-98DF-9EF3-B544-5258F7A99D27}"/>
+                <a16:creationId xmlns:a16="http://schemas.microsoft.com/office/drawing/2014/main" id="{0867A739-1DEF-C3BF-22F8-8ED734B6AC93}"/>
               </a:ext>
             </a:extLst>
           </p:cNvPr>
@@ -14998,7 +15062,7 @@
           </p:nvPr>
         </p:nvPicPr>
         <p:blipFill>
-          <a:blip r:embed="rId17">
+          <a:blip r:embed="rId29">
             <a:extLst>
               <a:ext uri="{28A0092B-C50C-407E-A947-70E740481C1C}">
                 <a14:useLocalDpi xmlns:a14="http://schemas.microsoft.com/office/drawing/2010/main" val="0"/>
@@ -15011,8 +15075,8 @@
         </p:blipFill>
         <p:spPr>
           <a:xfrm>
-            <a:off x="8495557" y="3868379"/>
-            <a:ext cx="2099887" cy="313388"/>
+            <a:off x="3732526" y="1518486"/>
+            <a:ext cx="2433915" cy="324647"/>
           </a:xfrm>
           <a:prstGeom prst="rect">
             <a:avLst/>
@@ -15021,10 +15085,10 @@
       </p:pic>
       <p:pic>
         <p:nvPicPr>
-          <p:cNvPr id="29" name="Picture 28" descr="\documentclass{article}&#10;\usepackage{amsmath}&#10;\pagestyle{empty}&#10;\usepackage{xcolor}&#10;\usepackage{empheq}&#10;\begin{document}&#10;${\color{red}\left ( 1 \right )}$&#10;\end{document}" title="IguanaTex Bitmap Display">
+          <p:cNvPr id="26" name="Picture 25" descr="\documentclass{article}&#10;\usepackage{amsmath}&#10;\pagestyle{empty}&#10;\usepackage{xcolor}&#10;\usepackage{empheq}&#10;\begin{document}&#10;$y=2\left(0\right)=0$&#10;\end{document}" title="IguanaTex Bitmap Display">
             <a:extLst>
               <a:ext uri="{FF2B5EF4-FFF2-40B4-BE49-F238E27FC236}">
-                <a16:creationId xmlns:a16="http://schemas.microsoft.com/office/drawing/2014/main" id="{BAEF8153-68F8-7BDE-25FD-AB0115B7B2C5}"/>
+                <a16:creationId xmlns:a16="http://schemas.microsoft.com/office/drawing/2014/main" id="{AE414348-5FA3-8BED-274B-06BB85226FB6}"/>
               </a:ext>
             </a:extLst>
           </p:cNvPr>
@@ -15038,7 +15102,7 @@
           </p:nvPr>
         </p:nvPicPr>
         <p:blipFill>
-          <a:blip r:embed="rId18">
+          <a:blip r:embed="rId30">
             <a:extLst>
               <a:ext uri="{28A0092B-C50C-407E-A947-70E740481C1C}">
                 <a14:useLocalDpi xmlns:a14="http://schemas.microsoft.com/office/drawing/2010/main" val="0"/>
@@ -15051,8 +15115,8 @@
         </p:blipFill>
         <p:spPr>
           <a:xfrm>
-            <a:off x="5030600" y="5315282"/>
-            <a:ext cx="359752" cy="333770"/>
+            <a:off x="5399844" y="2005925"/>
+            <a:ext cx="1856324" cy="334780"/>
           </a:xfrm>
           <a:prstGeom prst="rect">
             <a:avLst/>
@@ -15061,10 +15125,10 @@
       </p:pic>
       <p:pic>
         <p:nvPicPr>
-          <p:cNvPr id="32" name="Picture 31" descr="\documentclass{article}&#10;\usepackage{amsmath}&#10;\pagestyle{empty}&#10;\usepackage{xcolor}&#10;\usepackage{empheq}&#10;\begin{document}&#10;$\left ( x,p,y,z \right )=\left (2+\log _{2} \left ( 1+p \right ),p,2,p+2  \right ) $&#10;\end{document}" title="IguanaTex Bitmap Display">
+          <p:cNvPr id="28" name="Picture 27" descr="&#10;&#10;\documentclass{article}&#10;\usepackage{amsmath}&#10;\usepackage{amsfonts}&#10;\usepackage{amssymb}&#10;\pagestyle{empty}&#10;\usepackage{xcolor}&#10;\usepackage{empheq}&#10;\begin{document}&#10;$y\geq 1 $&#10;\end{document}" title="IguanaTex Bitmap Display">
             <a:extLst>
               <a:ext uri="{FF2B5EF4-FFF2-40B4-BE49-F238E27FC236}">
-                <a16:creationId xmlns:a16="http://schemas.microsoft.com/office/drawing/2014/main" id="{47C6E0DC-891D-2811-04C8-986C90D898D2}"/>
+                <a16:creationId xmlns:a16="http://schemas.microsoft.com/office/drawing/2014/main" id="{373A8534-0A98-EAB6-37F9-41EAC338C58A}"/>
               </a:ext>
             </a:extLst>
           </p:cNvPr>
@@ -15078,7 +15142,7 @@
           </p:nvPr>
         </p:nvPicPr>
         <p:blipFill>
-          <a:blip r:embed="rId19">
+          <a:blip r:embed="rId31">
             <a:extLst>
               <a:ext uri="{28A0092B-C50C-407E-A947-70E740481C1C}">
                 <a14:useLocalDpi xmlns:a14="http://schemas.microsoft.com/office/drawing/2010/main" val="0"/>
@@ -15091,8 +15155,528 @@
         </p:blipFill>
         <p:spPr>
           <a:xfrm>
-            <a:off x="4611857" y="4818074"/>
-            <a:ext cx="5451448" cy="313388"/>
+            <a:off x="9932031" y="2025431"/>
+            <a:ext cx="710569" cy="272860"/>
+          </a:xfrm>
+          <a:prstGeom prst="rect">
+            <a:avLst/>
+          </a:prstGeom>
+        </p:spPr>
+      </p:pic>
+      <p:pic>
+        <p:nvPicPr>
+          <p:cNvPr id="32" name="Picture 31" descr="&#10;&#10;\documentclass{article}&#10;\usepackage{amsmath}&#10;\usepackage{amsfonts}&#10;\usepackage{amssymb}&#10;\pagestyle{empty}&#10;\usepackage{xcolor}&#10;\usepackage{empheq}&#10;\begin{document}&#10;$x&gt; 3$&#10;\end{document}" title="IguanaTex Bitmap Display">
+            <a:extLst>
+              <a:ext uri="{FF2B5EF4-FFF2-40B4-BE49-F238E27FC236}">
+                <a16:creationId xmlns:a16="http://schemas.microsoft.com/office/drawing/2014/main" id="{2693799F-7275-93A4-1698-24A97C4FE7F4}"/>
+              </a:ext>
+            </a:extLst>
+          </p:cNvPr>
+          <p:cNvPicPr>
+            <a:picLocks noChangeAspect="1"/>
+          </p:cNvPicPr>
+          <p:nvPr>
+            <p:custDataLst>
+              <p:tags r:id="rId10"/>
+            </p:custDataLst>
+          </p:nvPr>
+        </p:nvPicPr>
+        <p:blipFill>
+          <a:blip r:embed="rId32">
+            <a:extLst>
+              <a:ext uri="{28A0092B-C50C-407E-A947-70E740481C1C}">
+                <a14:useLocalDpi xmlns:a14="http://schemas.microsoft.com/office/drawing/2010/main" val="0"/>
+              </a:ext>
+            </a:extLst>
+          </a:blip>
+          <a:stretch>
+            <a:fillRect/>
+          </a:stretch>
+        </p:blipFill>
+        <p:spPr>
+          <a:xfrm>
+            <a:off x="3779702" y="2508200"/>
+            <a:ext cx="735202" cy="221699"/>
+          </a:xfrm>
+          <a:prstGeom prst="rect">
+            <a:avLst/>
+          </a:prstGeom>
+        </p:spPr>
+      </p:pic>
+      <p:pic>
+        <p:nvPicPr>
+          <p:cNvPr id="35" name="Picture 34" descr="\documentclass{article}&#10;\usepackage{amsmath}&#10;\pagestyle{empty}&#10;\usepackage{xcolor}&#10;\usepackage{empheq}&#10;\begin{document}&#10;$k=1$&#10;\end{document}" title="IguanaTex Bitmap Display">
+            <a:extLst>
+              <a:ext uri="{FF2B5EF4-FFF2-40B4-BE49-F238E27FC236}">
+                <a16:creationId xmlns:a16="http://schemas.microsoft.com/office/drawing/2014/main" id="{459A99CC-1E50-13FD-5F4F-D3CA69A110D6}"/>
+              </a:ext>
+            </a:extLst>
+          </p:cNvPr>
+          <p:cNvPicPr>
+            <a:picLocks noChangeAspect="1"/>
+          </p:cNvPicPr>
+          <p:nvPr>
+            <p:custDataLst>
+              <p:tags r:id="rId11"/>
+            </p:custDataLst>
+          </p:nvPr>
+        </p:nvPicPr>
+        <p:blipFill>
+          <a:blip r:embed="rId33">
+            <a:extLst>
+              <a:ext uri="{28A0092B-C50C-407E-A947-70E740481C1C}">
+                <a14:useLocalDpi xmlns:a14="http://schemas.microsoft.com/office/drawing/2010/main" val="0"/>
+              </a:ext>
+            </a:extLst>
+          </a:blip>
+          <a:stretch>
+            <a:fillRect/>
+          </a:stretch>
+        </p:blipFill>
+        <p:spPr>
+          <a:xfrm>
+            <a:off x="3546290" y="4399592"/>
+            <a:ext cx="681694" cy="233101"/>
+          </a:xfrm>
+          <a:prstGeom prst="rect">
+            <a:avLst/>
+          </a:prstGeom>
+        </p:spPr>
+      </p:pic>
+      <p:pic>
+        <p:nvPicPr>
+          <p:cNvPr id="36" name="Picture 35" descr="\documentclass{article}&#10;\usepackage{amsmath}&#10;\pagestyle{empty}&#10;\usepackage{xcolor}&#10;\usepackage{empheq}&#10;\begin{document}&#10;${\color{red}\left ( 5 \right )}$&#10;\end{document}" title="IguanaTex Bitmap Display">
+            <a:extLst>
+              <a:ext uri="{FF2B5EF4-FFF2-40B4-BE49-F238E27FC236}">
+                <a16:creationId xmlns:a16="http://schemas.microsoft.com/office/drawing/2014/main" id="{79C94976-98CB-0A8B-F137-D3FBA6660440}"/>
+              </a:ext>
+            </a:extLst>
+          </p:cNvPr>
+          <p:cNvPicPr>
+            <a:picLocks noChangeAspect="1"/>
+          </p:cNvPicPr>
+          <p:nvPr>
+            <p:custDataLst>
+              <p:tags r:id="rId12"/>
+            </p:custDataLst>
+          </p:nvPr>
+        </p:nvPicPr>
+        <p:blipFill>
+          <a:blip r:embed="rId24">
+            <a:extLst>
+              <a:ext uri="{28A0092B-C50C-407E-A947-70E740481C1C}">
+                <a14:useLocalDpi xmlns:a14="http://schemas.microsoft.com/office/drawing/2010/main" val="0"/>
+              </a:ext>
+            </a:extLst>
+          </a:blip>
+          <a:stretch>
+            <a:fillRect/>
+          </a:stretch>
+        </p:blipFill>
+        <p:spPr>
+          <a:xfrm>
+            <a:off x="3696911" y="3879842"/>
+            <a:ext cx="365401" cy="339011"/>
+          </a:xfrm>
+          <a:prstGeom prst="rect">
+            <a:avLst/>
+          </a:prstGeom>
+        </p:spPr>
+      </p:pic>
+      <p:pic>
+        <p:nvPicPr>
+          <p:cNvPr id="40" name="Picture 39" descr="&#10;&#10;\documentclass{article}&#10;\usepackage{amsmath}&#10;\usepackage{amsfonts}&#10;\usepackage{amssymb}&#10;\pagestyle{empty}&#10;\usepackage{xcolor}&#10;\usepackage{empheq}&#10;\begin{document}&#10;$k&gt; 1$&#10;\end{document}" title="IguanaTex Bitmap Display">
+            <a:extLst>
+              <a:ext uri="{FF2B5EF4-FFF2-40B4-BE49-F238E27FC236}">
+                <a16:creationId xmlns:a16="http://schemas.microsoft.com/office/drawing/2014/main" id="{675AA4A9-B15A-D5C3-C9CB-775B61D1E2FB}"/>
+              </a:ext>
+            </a:extLst>
+          </p:cNvPr>
+          <p:cNvPicPr>
+            <a:picLocks noChangeAspect="1"/>
+          </p:cNvPicPr>
+          <p:nvPr>
+            <p:custDataLst>
+              <p:tags r:id="rId13"/>
+            </p:custDataLst>
+          </p:nvPr>
+        </p:nvPicPr>
+        <p:blipFill>
+          <a:blip r:embed="rId34">
+            <a:extLst>
+              <a:ext uri="{28A0092B-C50C-407E-A947-70E740481C1C}">
+                <a14:useLocalDpi xmlns:a14="http://schemas.microsoft.com/office/drawing/2010/main" val="0"/>
+              </a:ext>
+            </a:extLst>
+          </a:blip>
+          <a:stretch>
+            <a:fillRect/>
+          </a:stretch>
+        </p:blipFill>
+        <p:spPr>
+          <a:xfrm>
+            <a:off x="3926785" y="2993076"/>
+            <a:ext cx="708674" cy="231173"/>
+          </a:xfrm>
+          <a:prstGeom prst="rect">
+            <a:avLst/>
+          </a:prstGeom>
+        </p:spPr>
+      </p:pic>
+      <p:pic>
+        <p:nvPicPr>
+          <p:cNvPr id="54" name="Picture 53" descr="\documentclass{article}&#10;\usepackage{amsmath}&#10;\pagestyle{empty}&#10;\usepackage{xcolor}&#10;\usepackage{empheq}&#10;\begin{document}&#10;$ 1  =2^{3}-p^{2} $&#10;\end{document}" title="IguanaTex Bitmap Display">
+            <a:extLst>
+              <a:ext uri="{FF2B5EF4-FFF2-40B4-BE49-F238E27FC236}">
+                <a16:creationId xmlns:a16="http://schemas.microsoft.com/office/drawing/2014/main" id="{376A8970-4A3F-4167-5868-6B2F367DDC3E}"/>
+              </a:ext>
+            </a:extLst>
+          </p:cNvPr>
+          <p:cNvPicPr>
+            <a:picLocks noChangeAspect="1"/>
+          </p:cNvPicPr>
+          <p:nvPr>
+            <p:custDataLst>
+              <p:tags r:id="rId14"/>
+            </p:custDataLst>
+          </p:nvPr>
+        </p:nvPicPr>
+        <p:blipFill>
+          <a:blip r:embed="rId35">
+            <a:extLst>
+              <a:ext uri="{28A0092B-C50C-407E-A947-70E740481C1C}">
+                <a14:useLocalDpi xmlns:a14="http://schemas.microsoft.com/office/drawing/2010/main" val="0"/>
+              </a:ext>
+            </a:extLst>
+          </a:blip>
+          <a:stretch>
+            <a:fillRect/>
+          </a:stretch>
+        </p:blipFill>
+        <p:spPr>
+          <a:xfrm>
+            <a:off x="8752758" y="2939606"/>
+            <a:ext cx="1490000" cy="317141"/>
+          </a:xfrm>
+          <a:prstGeom prst="rect">
+            <a:avLst/>
+          </a:prstGeom>
+        </p:spPr>
+      </p:pic>
+      <p:pic>
+        <p:nvPicPr>
+          <p:cNvPr id="49" name="Picture 48" descr="\documentclass{article}&#10;\usepackage{amsmath}&#10;\pagestyle{empty}&#10;\usepackage{xcolor}&#10;\usepackage{empheq}&#10;\begin{document}&#10;$k=3$&#10;\end{document}" title="IguanaTex Bitmap Display">
+            <a:extLst>
+              <a:ext uri="{FF2B5EF4-FFF2-40B4-BE49-F238E27FC236}">
+                <a16:creationId xmlns:a16="http://schemas.microsoft.com/office/drawing/2014/main" id="{5D321835-1708-19CB-031C-704579E11DD0}"/>
+              </a:ext>
+            </a:extLst>
+          </p:cNvPr>
+          <p:cNvPicPr>
+            <a:picLocks noChangeAspect="1"/>
+          </p:cNvPicPr>
+          <p:nvPr>
+            <p:custDataLst>
+              <p:tags r:id="rId15"/>
+            </p:custDataLst>
+          </p:nvPr>
+        </p:nvPicPr>
+        <p:blipFill>
+          <a:blip r:embed="rId36">
+            <a:extLst>
+              <a:ext uri="{28A0092B-C50C-407E-A947-70E740481C1C}">
+                <a14:useLocalDpi xmlns:a14="http://schemas.microsoft.com/office/drawing/2010/main" val="0"/>
+              </a:ext>
+            </a:extLst>
+          </a:blip>
+          <a:stretch>
+            <a:fillRect/>
+          </a:stretch>
+        </p:blipFill>
+        <p:spPr>
+          <a:xfrm>
+            <a:off x="7012915" y="2969951"/>
+            <a:ext cx="761774" cy="238556"/>
+          </a:xfrm>
+          <a:prstGeom prst="rect">
+            <a:avLst/>
+          </a:prstGeom>
+        </p:spPr>
+      </p:pic>
+      <p:pic>
+        <p:nvPicPr>
+          <p:cNvPr id="52" name="Picture 51" descr="&#10;&#10;\documentclass{article}&#10;\usepackage{amsmath}&#10;\usepackage{amsfonts}&#10;\usepackage{amssymb}&#10;\pagestyle{empty}&#10;\usepackage{xcolor}&#10;\usepackage{empheq}&#10;\begin{document}&#10;$x=5$&#10;\end{document}" title="IguanaTex Bitmap Display">
+            <a:extLst>
+              <a:ext uri="{FF2B5EF4-FFF2-40B4-BE49-F238E27FC236}">
+                <a16:creationId xmlns:a16="http://schemas.microsoft.com/office/drawing/2014/main" id="{BC4510AE-E1A7-4127-4751-9988B300BD28}"/>
+              </a:ext>
+            </a:extLst>
+          </p:cNvPr>
+          <p:cNvPicPr>
+            <a:picLocks noChangeAspect="1"/>
+          </p:cNvPicPr>
+          <p:nvPr>
+            <p:custDataLst>
+              <p:tags r:id="rId16"/>
+            </p:custDataLst>
+          </p:nvPr>
+        </p:nvPicPr>
+        <p:blipFill>
+          <a:blip r:embed="rId37">
+            <a:extLst>
+              <a:ext uri="{28A0092B-C50C-407E-A947-70E740481C1C}">
+                <a14:useLocalDpi xmlns:a14="http://schemas.microsoft.com/office/drawing/2010/main" val="0"/>
+              </a:ext>
+            </a:extLst>
+          </a:blip>
+          <a:stretch>
+            <a:fillRect/>
+          </a:stretch>
+        </p:blipFill>
+        <p:spPr>
+          <a:xfrm>
+            <a:off x="5548581" y="2999707"/>
+            <a:ext cx="733307" cy="217909"/>
+          </a:xfrm>
+          <a:prstGeom prst="rect">
+            <a:avLst/>
+          </a:prstGeom>
+        </p:spPr>
+      </p:pic>
+      <p:pic>
+        <p:nvPicPr>
+          <p:cNvPr id="57" name="Picture 56" descr="\documentclass{article}&#10;\usepackage{amsmath}&#10;\pagestyle{empty}&#10;\usepackage{xcolor}&#10;\usepackage{empheq}&#10;\begin{document}&#10;$y=2\left(1\right)=2$&#10;\end{document}" title="IguanaTex Bitmap Display">
+            <a:extLst>
+              <a:ext uri="{FF2B5EF4-FFF2-40B4-BE49-F238E27FC236}">
+                <a16:creationId xmlns:a16="http://schemas.microsoft.com/office/drawing/2014/main" id="{26D51FB0-0A2D-5581-C0F9-1124623C4386}"/>
+              </a:ext>
+            </a:extLst>
+          </p:cNvPr>
+          <p:cNvPicPr>
+            <a:picLocks noChangeAspect="1"/>
+          </p:cNvPicPr>
+          <p:nvPr>
+            <p:custDataLst>
+              <p:tags r:id="rId17"/>
+            </p:custDataLst>
+          </p:nvPr>
+        </p:nvPicPr>
+        <p:blipFill>
+          <a:blip r:embed="rId38">
+            <a:extLst>
+              <a:ext uri="{28A0092B-C50C-407E-A947-70E740481C1C}">
+                <a14:useLocalDpi xmlns:a14="http://schemas.microsoft.com/office/drawing/2010/main" val="0"/>
+              </a:ext>
+            </a:extLst>
+          </a:blip>
+          <a:stretch>
+            <a:fillRect/>
+          </a:stretch>
+        </p:blipFill>
+        <p:spPr>
+          <a:xfrm>
+            <a:off x="5214142" y="4350662"/>
+            <a:ext cx="1710697" cy="337954"/>
+          </a:xfrm>
+          <a:prstGeom prst="rect">
+            <a:avLst/>
+          </a:prstGeom>
+        </p:spPr>
+      </p:pic>
+      <p:pic>
+        <p:nvPicPr>
+          <p:cNvPr id="58" name="Picture 57" descr="\documentclass{article}&#10;\usepackage{amsmath}&#10;\pagestyle{empty}&#10;\usepackage{xcolor}&#10;\usepackage{empheq}&#10;\begin{document}&#10;$\left ( z-p^{k} \right )=2^{v}$&#10;\end{document}" title="IguanaTex Bitmap Display">
+            <a:extLst>
+              <a:ext uri="{FF2B5EF4-FFF2-40B4-BE49-F238E27FC236}">
+                <a16:creationId xmlns:a16="http://schemas.microsoft.com/office/drawing/2014/main" id="{09947C79-8AF6-11FC-77FB-B25A27ADEC81}"/>
+              </a:ext>
+            </a:extLst>
+          </p:cNvPr>
+          <p:cNvPicPr>
+            <a:picLocks noChangeAspect="1"/>
+          </p:cNvPicPr>
+          <p:nvPr>
+            <p:custDataLst>
+              <p:tags r:id="rId18"/>
+            </p:custDataLst>
+          </p:nvPr>
+        </p:nvPicPr>
+        <p:blipFill>
+          <a:blip r:embed="rId39">
+            <a:extLst>
+              <a:ext uri="{28A0092B-C50C-407E-A947-70E740481C1C}">
+                <a14:useLocalDpi xmlns:a14="http://schemas.microsoft.com/office/drawing/2010/main" val="0"/>
+              </a:ext>
+            </a:extLst>
+          </a:blip>
+          <a:stretch>
+            <a:fillRect/>
+          </a:stretch>
+        </p:blipFill>
+        <p:spPr>
+          <a:xfrm>
+            <a:off x="4064656" y="4836651"/>
+            <a:ext cx="1891883" cy="397555"/>
+          </a:xfrm>
+          <a:prstGeom prst="rect">
+            <a:avLst/>
+          </a:prstGeom>
+        </p:spPr>
+      </p:pic>
+      <p:pic>
+        <p:nvPicPr>
+          <p:cNvPr id="61" name="Picture 60" descr="\documentclass{article}&#10;\usepackage{amsmath}&#10;\pagestyle{empty}&#10;\usepackage{xcolor}&#10;\usepackage{empheq}&#10;\begin{document}&#10;${\color{red}\left ( 2 \right )}$&#10;\end{document}" title="IguanaTex Bitmap Display">
+            <a:extLst>
+              <a:ext uri="{FF2B5EF4-FFF2-40B4-BE49-F238E27FC236}">
+                <a16:creationId xmlns:a16="http://schemas.microsoft.com/office/drawing/2014/main" id="{39421225-4905-5105-A55A-8A5C900BDEA6}"/>
+              </a:ext>
+            </a:extLst>
+          </p:cNvPr>
+          <p:cNvPicPr>
+            <a:picLocks noChangeAspect="1"/>
+          </p:cNvPicPr>
+          <p:nvPr>
+            <p:custDataLst>
+              <p:tags r:id="rId19"/>
+            </p:custDataLst>
+          </p:nvPr>
+        </p:nvPicPr>
+        <p:blipFill>
+          <a:blip r:embed="rId40">
+            <a:extLst>
+              <a:ext uri="{28A0092B-C50C-407E-A947-70E740481C1C}">
+                <a14:useLocalDpi xmlns:a14="http://schemas.microsoft.com/office/drawing/2010/main" val="0"/>
+              </a:ext>
+            </a:extLst>
+          </a:blip>
+          <a:stretch>
+            <a:fillRect/>
+          </a:stretch>
+        </p:blipFill>
+        <p:spPr>
+          <a:xfrm>
+            <a:off x="3329823" y="4848235"/>
+            <a:ext cx="365401" cy="339011"/>
+          </a:xfrm>
+          <a:prstGeom prst="rect">
+            <a:avLst/>
+          </a:prstGeom>
+        </p:spPr>
+      </p:pic>
+      <p:pic>
+        <p:nvPicPr>
+          <p:cNvPr id="66" name="Picture 65" descr="\documentclass{article}&#10;\usepackage{amsmath}&#10;\pagestyle{empty}&#10;\usepackage{xcolor}&#10;\usepackage{empheq}&#10;\begin{document}&#10;$\left ( z-p^{1} \right )=2^{1} \Rightarrow z=p+2$&#10;\end{document}" title="IguanaTex Bitmap Display">
+            <a:extLst>
+              <a:ext uri="{FF2B5EF4-FFF2-40B4-BE49-F238E27FC236}">
+                <a16:creationId xmlns:a16="http://schemas.microsoft.com/office/drawing/2014/main" id="{428293E4-6ACB-EE30-96FE-9D16A65E48CB}"/>
+              </a:ext>
+            </a:extLst>
+          </p:cNvPr>
+          <p:cNvPicPr>
+            <a:picLocks noChangeAspect="1"/>
+          </p:cNvPicPr>
+          <p:nvPr>
+            <p:custDataLst>
+              <p:tags r:id="rId20"/>
+            </p:custDataLst>
+          </p:nvPr>
+        </p:nvPicPr>
+        <p:blipFill>
+          <a:blip r:embed="rId41">
+            <a:extLst>
+              <a:ext uri="{28A0092B-C50C-407E-A947-70E740481C1C}">
+                <a14:useLocalDpi xmlns:a14="http://schemas.microsoft.com/office/drawing/2010/main" val="0"/>
+              </a:ext>
+            </a:extLst>
+          </a:blip>
+          <a:stretch>
+            <a:fillRect/>
+          </a:stretch>
+        </p:blipFill>
+        <p:spPr>
+          <a:xfrm>
+            <a:off x="6892797" y="4824355"/>
+            <a:ext cx="3749803" cy="397555"/>
+          </a:xfrm>
+          <a:prstGeom prst="rect">
+            <a:avLst/>
+          </a:prstGeom>
+        </p:spPr>
+      </p:pic>
+      <p:pic>
+        <p:nvPicPr>
+          <p:cNvPr id="67" name="Picture 66" descr="\documentclass{article}&#10;\usepackage{amsmath}&#10;\pagestyle{empty}&#10;\usepackage{xcolor}&#10;\usepackage{empheq}&#10;\begin{document}&#10;${\color{red}\left ( 5 \right )}$&#10;\end{document}" title="IguanaTex Bitmap Display">
+            <a:extLst>
+              <a:ext uri="{FF2B5EF4-FFF2-40B4-BE49-F238E27FC236}">
+                <a16:creationId xmlns:a16="http://schemas.microsoft.com/office/drawing/2014/main" id="{F7A5A13D-F2F6-9C8C-F61C-64A859C25F0C}"/>
+              </a:ext>
+            </a:extLst>
+          </p:cNvPr>
+          <p:cNvPicPr>
+            <a:picLocks noChangeAspect="1"/>
+          </p:cNvPicPr>
+          <p:nvPr>
+            <p:custDataLst>
+              <p:tags r:id="rId21"/>
+            </p:custDataLst>
+          </p:nvPr>
+        </p:nvPicPr>
+        <p:blipFill>
+          <a:blip r:embed="rId24">
+            <a:extLst>
+              <a:ext uri="{28A0092B-C50C-407E-A947-70E740481C1C}">
+                <a14:useLocalDpi xmlns:a14="http://schemas.microsoft.com/office/drawing/2010/main" val="0"/>
+              </a:ext>
+            </a:extLst>
+          </a:blip>
+          <a:stretch>
+            <a:fillRect/>
+          </a:stretch>
+        </p:blipFill>
+        <p:spPr>
+          <a:xfrm>
+            <a:off x="3781902" y="5331448"/>
+            <a:ext cx="365401" cy="339011"/>
+          </a:xfrm>
+          <a:prstGeom prst="rect">
+            <a:avLst/>
+          </a:prstGeom>
+        </p:spPr>
+      </p:pic>
+      <p:pic>
+        <p:nvPicPr>
+          <p:cNvPr id="74" name="Picture 73" descr="\documentclass{article}&#10;\usepackage{amsmath}&#10;\pagestyle{empty}&#10;\usepackage{xcolor}&#10;\usepackage{empheq}&#10;\begin{document}&#10;$ 1  =2^{x-2}-p^{1} \Rightarrow 1  =2^{x-2}-p $&#10;\end{document}" title="IguanaTex Bitmap Display">
+            <a:extLst>
+              <a:ext uri="{FF2B5EF4-FFF2-40B4-BE49-F238E27FC236}">
+                <a16:creationId xmlns:a16="http://schemas.microsoft.com/office/drawing/2014/main" id="{8F831819-5667-B5A1-F531-063976CBB961}"/>
+              </a:ext>
+            </a:extLst>
+          </p:cNvPr>
+          <p:cNvPicPr>
+            <a:picLocks noChangeAspect="1"/>
+          </p:cNvPicPr>
+          <p:nvPr>
+            <p:custDataLst>
+              <p:tags r:id="rId22"/>
+            </p:custDataLst>
+          </p:nvPr>
+        </p:nvPicPr>
+        <p:blipFill>
+          <a:blip r:embed="rId42">
+            <a:extLst>
+              <a:ext uri="{28A0092B-C50C-407E-A947-70E740481C1C}">
+                <a14:useLocalDpi xmlns:a14="http://schemas.microsoft.com/office/drawing/2010/main" val="0"/>
+              </a:ext>
+            </a:extLst>
+          </a:blip>
+          <a:stretch>
+            <a:fillRect/>
+          </a:stretch>
+        </p:blipFill>
+        <p:spPr>
+          <a:xfrm>
+            <a:off x="5362368" y="5309229"/>
+            <a:ext cx="4075919" cy="317141"/>
           </a:xfrm>
           <a:prstGeom prst="rect">
             <a:avLst/>
@@ -15102,7 +15686,7 @@
     </p:spTree>
     <p:extLst>
       <p:ext uri="{BB962C8B-B14F-4D97-AF65-F5344CB8AC3E}">
-        <p14:creationId xmlns:p14="http://schemas.microsoft.com/office/powerpoint/2010/main" val="179543041"/>
+        <p14:creationId xmlns:p14="http://schemas.microsoft.com/office/powerpoint/2010/main" val="3999688864"/>
       </p:ext>
     </p:extLst>
   </p:cSld>
@@ -15131,10 +15715,10 @@
       </p:grpSpPr>
       <p:sp>
         <p:nvSpPr>
-          <p:cNvPr id="3" name="TextBox 2">
+          <p:cNvPr id="4" name="TextBox 3">
             <a:extLst>
               <a:ext uri="{FF2B5EF4-FFF2-40B4-BE49-F238E27FC236}">
-                <a16:creationId xmlns:a16="http://schemas.microsoft.com/office/drawing/2014/main" id="{EC5CC0DF-102E-A644-EA5A-4FA2448EBCF6}"/>
+                <a16:creationId xmlns:a16="http://schemas.microsoft.com/office/drawing/2014/main" id="{071A0A03-4EA2-4F99-8B14-06F35D876DE4}"/>
               </a:ext>
             </a:extLst>
           </p:cNvPr>
@@ -15143,8 +15727,8 @@
         </p:nvSpPr>
         <p:spPr>
           <a:xfrm>
-            <a:off x="2576944" y="451262"/>
-            <a:ext cx="8823368" cy="5816977"/>
+            <a:off x="1777746" y="455956"/>
+            <a:ext cx="9870829" cy="5339923"/>
           </a:xfrm>
           <a:prstGeom prst="rect">
             <a:avLst/>
@@ -15158,158 +15742,141 @@
           <a:lstStyle/>
           <a:p>
             <a:r>
-              <a:rPr lang="th-TH" sz="3100" u="sng" dirty="0">
-                <a:latin typeface="TH Sarabun New" panose="020B0500040200020003" pitchFamily="34" charset="-34"/>
-                <a:cs typeface="TH Sarabun New" panose="020B0500040200020003" pitchFamily="34" charset="-34"/>
-              </a:rPr>
-              <a:t>กรณีย่อย</a:t>
-            </a:r>
-            <a:r>
-              <a:rPr lang="en-US" sz="3100" u="sng" dirty="0">
-                <a:latin typeface="TH Sarabun New" panose="020B0500040200020003" pitchFamily="34" charset="-34"/>
-                <a:cs typeface="TH Sarabun New" panose="020B0500040200020003" pitchFamily="34" charset="-34"/>
-              </a:rPr>
-              <a:t>3</a:t>
-            </a:r>
-            <a:r>
               <a:rPr lang="en-US" sz="3100" dirty="0">
                 <a:latin typeface="TH Sarabun New" panose="020B0500040200020003" pitchFamily="34" charset="-34"/>
                 <a:cs typeface="TH Sarabun New" panose="020B0500040200020003" pitchFamily="34" charset="-34"/>
               </a:rPr>
-              <a:t>     </a:t>
-            </a:r>
-            <a:r>
-              <a:rPr lang="th-TH" sz="3100" dirty="0">
-                <a:latin typeface="TH Sarabun New" panose="020B0500040200020003" pitchFamily="34" charset="-34"/>
-                <a:cs typeface="TH Sarabun New" panose="020B0500040200020003" pitchFamily="34" charset="-34"/>
-              </a:rPr>
-              <a:t>     </a:t>
-            </a:r>
-            <a:r>
-              <a:rPr lang="en-US" sz="3100" dirty="0">
-                <a:latin typeface="TH Sarabun New" panose="020B0500040200020003" pitchFamily="34" charset="-34"/>
-                <a:cs typeface="TH Sarabun New" panose="020B0500040200020003" pitchFamily="34" charset="-34"/>
-              </a:rPr>
-              <a:t>  </a:t>
-            </a:r>
-            <a:r>
-              <a:rPr lang="th-TH" sz="3100" dirty="0">
-                <a:latin typeface="TH Sarabun New" panose="020B0500040200020003" pitchFamily="34" charset="-34"/>
-                <a:cs typeface="TH Sarabun New" panose="020B0500040200020003" pitchFamily="34" charset="-34"/>
-              </a:rPr>
-              <a:t>เป็นจำนวนคี่ </a:t>
-            </a:r>
-          </a:p>
-          <a:p>
-            <a:r>
-              <a:rPr lang="th-TH" sz="3100" dirty="0">
-                <a:latin typeface="TH Sarabun New" panose="020B0500040200020003" pitchFamily="34" charset="-34"/>
-                <a:cs typeface="TH Sarabun New" panose="020B0500040200020003" pitchFamily="34" charset="-34"/>
-              </a:rPr>
-              <a:t>จาก            และ             โดย      จะได้ว่า         </a:t>
-            </a:r>
-            <a:r>
-              <a:rPr lang="en-US" sz="3100" dirty="0">
-                <a:latin typeface="TH Sarabun New" panose="020B0500040200020003" pitchFamily="34" charset="-34"/>
-                <a:cs typeface="TH Sarabun New" panose="020B0500040200020003" pitchFamily="34" charset="-34"/>
-              </a:rPr>
-              <a:t>   </a:t>
-            </a:r>
-            <a:r>
-              <a:rPr lang="th-TH" sz="3100" dirty="0">
-                <a:latin typeface="TH Sarabun New" panose="020B0500040200020003" pitchFamily="34" charset="-34"/>
-                <a:cs typeface="TH Sarabun New" panose="020B0500040200020003" pitchFamily="34" charset="-34"/>
-              </a:rPr>
-              <a:t>ดังนั้น </a:t>
-            </a:r>
-            <a:r>
-              <a:rPr lang="en-US" sz="3100" dirty="0">
-                <a:latin typeface="TH Sarabun New" panose="020B0500040200020003" pitchFamily="34" charset="-34"/>
-                <a:cs typeface="TH Sarabun New" panose="020B0500040200020003" pitchFamily="34" charset="-34"/>
-              </a:rPr>
-              <a:t>    </a:t>
-            </a:r>
-            <a:r>
-              <a:rPr lang="th-TH" sz="3100" dirty="0">
-                <a:latin typeface="TH Sarabun New" panose="020B0500040200020003" pitchFamily="34" charset="-34"/>
-                <a:cs typeface="TH Sarabun New" panose="020B0500040200020003" pitchFamily="34" charset="-34"/>
-              </a:rPr>
-              <a:t> เป็นจำนวนคี่ เพราะฉะนั้น </a:t>
-            </a:r>
+              <a:t>			</a:t>
+            </a:r>
+          </a:p>
+          <a:p>
             <a:endParaRPr lang="en-US" sz="3100" dirty="0">
               <a:latin typeface="TH Sarabun New" panose="020B0500040200020003" pitchFamily="34" charset="-34"/>
               <a:cs typeface="TH Sarabun New" panose="020B0500040200020003" pitchFamily="34" charset="-34"/>
             </a:endParaRPr>
           </a:p>
           <a:p>
-            <a:r>
-              <a:rPr lang="th-TH" sz="3100" dirty="0">
-                <a:latin typeface="TH Sarabun New" panose="020B0500040200020003" pitchFamily="34" charset="-34"/>
-                <a:cs typeface="TH Sarabun New" panose="020B0500040200020003" pitchFamily="34" charset="-34"/>
-              </a:rPr>
-              <a:t>จาก 					 จะได้ว่า </a:t>
-            </a:r>
             <a:endParaRPr lang="en-US" sz="3100" dirty="0">
               <a:latin typeface="TH Sarabun New" panose="020B0500040200020003" pitchFamily="34" charset="-34"/>
               <a:cs typeface="TH Sarabun New" panose="020B0500040200020003" pitchFamily="34" charset="-34"/>
             </a:endParaRPr>
           </a:p>
           <a:p>
+            <a:endParaRPr lang="en-US" sz="3100" dirty="0">
+              <a:latin typeface="TH Sarabun New" panose="020B0500040200020003" pitchFamily="34" charset="-34"/>
+              <a:cs typeface="TH Sarabun New" panose="020B0500040200020003" pitchFamily="34" charset="-34"/>
+            </a:endParaRPr>
+          </a:p>
+          <a:p>
+            <a:endParaRPr lang="en-US" sz="3100" dirty="0">
+              <a:latin typeface="TH Sarabun New" panose="020B0500040200020003" pitchFamily="34" charset="-34"/>
+              <a:cs typeface="TH Sarabun New" panose="020B0500040200020003" pitchFamily="34" charset="-34"/>
+            </a:endParaRPr>
+          </a:p>
+          <a:p>
+            <a:endParaRPr lang="en-US" sz="3100" dirty="0">
+              <a:latin typeface="TH Sarabun New" panose="020B0500040200020003" pitchFamily="34" charset="-34"/>
+              <a:cs typeface="TH Sarabun New" panose="020B0500040200020003" pitchFamily="34" charset="-34"/>
+            </a:endParaRPr>
+          </a:p>
+          <a:p>
+            <a:endParaRPr lang="en-US" sz="3100" dirty="0">
+              <a:latin typeface="TH Sarabun New" panose="020B0500040200020003" pitchFamily="34" charset="-34"/>
+              <a:cs typeface="TH Sarabun New" panose="020B0500040200020003" pitchFamily="34" charset="-34"/>
+            </a:endParaRPr>
+          </a:p>
+          <a:p>
+            <a:r>
+              <a:rPr lang="th-TH" sz="3100" dirty="0">
+                <a:latin typeface="TH Sarabun New" panose="020B0500040200020003" pitchFamily="34" charset="-34"/>
+                <a:cs typeface="TH Sarabun New" panose="020B0500040200020003" pitchFamily="34" charset="-34"/>
+              </a:rPr>
+              <a:t>													</a:t>
+            </a:r>
+            <a:r>
+              <a:rPr lang="en-US" sz="3100" dirty="0">
+                <a:latin typeface="TH Sarabun New" panose="020B0500040200020003" pitchFamily="34" charset="-34"/>
+                <a:cs typeface="TH Sarabun New" panose="020B0500040200020003" pitchFamily="34" charset="-34"/>
+              </a:rPr>
+              <a:t> </a:t>
+            </a:r>
+            <a:r>
+              <a:rPr lang="th-TH" sz="3100" dirty="0">
+                <a:latin typeface="TH Sarabun New" panose="020B0500040200020003" pitchFamily="34" charset="-34"/>
+                <a:cs typeface="TH Sarabun New" panose="020B0500040200020003" pitchFamily="34" charset="-34"/>
+              </a:rPr>
+              <a:t>เมื่อ</a:t>
+            </a:r>
+            <a:r>
+              <a:rPr lang="en-US" sz="3100" dirty="0">
+                <a:latin typeface="TH Sarabun New" panose="020B0500040200020003" pitchFamily="34" charset="-34"/>
+                <a:cs typeface="TH Sarabun New" panose="020B0500040200020003" pitchFamily="34" charset="-34"/>
+              </a:rPr>
+              <a:t>     </a:t>
+            </a:r>
             <a:endParaRPr lang="th-TH" sz="3100" dirty="0">
               <a:latin typeface="TH Sarabun New" panose="020B0500040200020003" pitchFamily="34" charset="-34"/>
               <a:cs typeface="TH Sarabun New" panose="020B0500040200020003" pitchFamily="34" charset="-34"/>
             </a:endParaRPr>
           </a:p>
           <a:p>
-            <a:endParaRPr lang="th-TH" sz="3100" u="sng" dirty="0">
+            <a:endParaRPr lang="th-TH" sz="3100" dirty="0">
               <a:latin typeface="TH Sarabun New" panose="020B0500040200020003" pitchFamily="34" charset="-34"/>
               <a:cs typeface="TH Sarabun New" panose="020B0500040200020003" pitchFamily="34" charset="-34"/>
             </a:endParaRPr>
           </a:p>
           <a:p>
-            <a:endParaRPr lang="th-TH" sz="3100" u="sng" dirty="0">
+            <a:r>
+              <a:rPr lang="en-US" sz="3100" dirty="0">
+                <a:latin typeface="TH Sarabun New" panose="020B0500040200020003" pitchFamily="34" charset="-34"/>
+                <a:cs typeface="TH Sarabun New" panose="020B0500040200020003" pitchFamily="34" charset="-34"/>
+              </a:rPr>
+              <a:t>  </a:t>
+            </a:r>
+            <a:r>
+              <a:rPr lang="th-TH" sz="3100" dirty="0">
+                <a:latin typeface="TH Sarabun New" panose="020B0500040200020003" pitchFamily="34" charset="-34"/>
+                <a:cs typeface="TH Sarabun New" panose="020B0500040200020003" pitchFamily="34" charset="-34"/>
+              </a:rPr>
+              <a:t>		    เพราะฉะนั้น                                   </a:t>
+            </a:r>
+            <a:endParaRPr lang="en-US" sz="3100" dirty="0">
               <a:latin typeface="TH Sarabun New" panose="020B0500040200020003" pitchFamily="34" charset="-34"/>
               <a:cs typeface="TH Sarabun New" panose="020B0500040200020003" pitchFamily="34" charset="-34"/>
             </a:endParaRPr>
           </a:p>
           <a:p>
-            <a:endParaRPr lang="th-TH" sz="3100" u="sng" dirty="0">
-              <a:latin typeface="TH Sarabun New" panose="020B0500040200020003" pitchFamily="34" charset="-34"/>
-              <a:cs typeface="TH Sarabun New" panose="020B0500040200020003" pitchFamily="34" charset="-34"/>
-            </a:endParaRPr>
-          </a:p>
-          <a:p>
-            <a:endParaRPr lang="en-US" sz="3100" u="sng" dirty="0">
-              <a:latin typeface="TH Sarabun New" panose="020B0500040200020003" pitchFamily="34" charset="-34"/>
-              <a:cs typeface="TH Sarabun New" panose="020B0500040200020003" pitchFamily="34" charset="-34"/>
-            </a:endParaRPr>
-          </a:p>
-          <a:p>
-            <a:endParaRPr lang="en-US" sz="3100" u="sng" dirty="0">
-              <a:latin typeface="TH Sarabun New" panose="020B0500040200020003" pitchFamily="34" charset="-34"/>
-              <a:cs typeface="TH Sarabun New" panose="020B0500040200020003" pitchFamily="34" charset="-34"/>
-            </a:endParaRPr>
-          </a:p>
-          <a:p>
-            <a:endParaRPr lang="en-US" sz="3100" u="sng" dirty="0">
-              <a:latin typeface="TH Sarabun New" panose="020B0500040200020003" pitchFamily="34" charset="-34"/>
-              <a:cs typeface="TH Sarabun New" panose="020B0500040200020003" pitchFamily="34" charset="-34"/>
-            </a:endParaRPr>
-          </a:p>
-          <a:p>
-            <a:r>
-              <a:rPr lang="en-US" sz="3100" dirty="0"/>
-              <a:t>  </a:t>
-            </a:r>
+            <a:r>
+              <a:rPr lang="en-US" sz="3100" dirty="0">
+                <a:latin typeface="TH Sarabun New" panose="020B0500040200020003" pitchFamily="34" charset="-34"/>
+                <a:cs typeface="TH Sarabun New" panose="020B0500040200020003" pitchFamily="34" charset="-34"/>
+              </a:rPr>
+              <a:t>		    </a:t>
+            </a:r>
+            <a:r>
+              <a:rPr lang="th-TH" sz="3100" dirty="0">
+                <a:latin typeface="TH Sarabun New" panose="020B0500040200020003" pitchFamily="34" charset="-34"/>
+                <a:cs typeface="TH Sarabun New" panose="020B0500040200020003" pitchFamily="34" charset="-34"/>
+              </a:rPr>
+              <a:t>เป็นผลเฉลยของ      </a:t>
+            </a:r>
+            <a:r>
+              <a:rPr lang="en-US" sz="3100" dirty="0">
+                <a:latin typeface="TH Sarabun New" panose="020B0500040200020003" pitchFamily="34" charset="-34"/>
+                <a:cs typeface="TH Sarabun New" panose="020B0500040200020003" pitchFamily="34" charset="-34"/>
+              </a:rPr>
+              <a:t>	</a:t>
+            </a:r>
+            <a:endParaRPr lang="en-US" sz="3100" dirty="0"/>
           </a:p>
         </p:txBody>
       </p:sp>
       <p:pic>
         <p:nvPicPr>
-          <p:cNvPr id="8" name="Picture 7" descr="&#10;&#10;\documentclass{article}&#10;\usepackage{amsmath}&#10;\usepackage{amsfonts}&#10;\usepackage{amssymb}&#10;\pagestyle{empty}&#10;\usepackage{xcolor}&#10;\usepackage{empheq}&#10;\begin{document}&#10;$y\geq 1 $&#10;\end{document}" title="IguanaTex Bitmap Display">
+          <p:cNvPr id="7" name="Picture 6" descr="\documentclass{article}&#10;\usepackage{amsmath}&#10;\pagestyle{empty}&#10;\usepackage{xcolor}&#10;\usepackage{empheq}&#10;\begin{document}&#10;$ 1  =2^{x-2}-p $&#10;\end{document}" title="IguanaTex Bitmap Display">
             <a:extLst>
               <a:ext uri="{FF2B5EF4-FFF2-40B4-BE49-F238E27FC236}">
-                <a16:creationId xmlns:a16="http://schemas.microsoft.com/office/drawing/2014/main" id="{2B596C2D-B432-3D7D-1123-844D8C9C5302}"/>
+                <a16:creationId xmlns:a16="http://schemas.microsoft.com/office/drawing/2014/main" id="{D73C138C-9103-82B5-1BFF-31F1B51D6ACC}"/>
               </a:ext>
             </a:extLst>
           </p:cNvPr>
@@ -15323,7 +15890,7 @@
           </p:nvPr>
         </p:nvPicPr>
         <p:blipFill>
-          <a:blip r:embed="rId12">
+          <a:blip r:embed="rId11">
             <a:extLst>
               <a:ext uri="{28A0092B-C50C-407E-A947-70E740481C1C}">
                 <a14:useLocalDpi xmlns:a14="http://schemas.microsoft.com/office/drawing/2010/main" val="0"/>
@@ -15336,8 +15903,8 @@
         </p:blipFill>
         <p:spPr>
           <a:xfrm>
-            <a:off x="4026531" y="595943"/>
-            <a:ext cx="642341" cy="246660"/>
+            <a:off x="5030600" y="708202"/>
+            <a:ext cx="1784088" cy="330604"/>
           </a:xfrm>
           <a:prstGeom prst="rect">
             <a:avLst/>
@@ -15346,10 +15913,10 @@
       </p:pic>
       <p:pic>
         <p:nvPicPr>
-          <p:cNvPr id="9" name="Picture 8" descr="\documentclass{article}&#10;\usepackage{amsmath}&#10;\pagestyle{empty}&#10;\usepackage{xcolor}&#10;\usepackage{empheq}&#10;\begin{document}&#10;$x\neq 0$&#10;\end{document}" title="IguanaTex Bitmap Display">
+          <p:cNvPr id="10" name="Picture 9" descr="\documentclass{article}&#10;\usepackage{amsmath}&#10;\pagestyle{empty}&#10;\usepackage{xcolor}&#10;\usepackage{empheq}&#10;\begin{document}&#10;$ 1+p=2^{x-2} $&#10;\end{document}" title="IguanaTex Bitmap Display">
             <a:extLst>
               <a:ext uri="{FF2B5EF4-FFF2-40B4-BE49-F238E27FC236}">
-                <a16:creationId xmlns:a16="http://schemas.microsoft.com/office/drawing/2014/main" id="{868E123B-3DA5-7B43-D80D-8BE4CB027E8A}"/>
+                <a16:creationId xmlns:a16="http://schemas.microsoft.com/office/drawing/2014/main" id="{1493B3ED-327C-35D1-B6CA-DFC825A8E317}"/>
               </a:ext>
             </a:extLst>
           </p:cNvPr>
@@ -15363,7 +15930,7 @@
           </p:nvPr>
         </p:nvPicPr>
         <p:blipFill>
-          <a:blip r:embed="rId13">
+          <a:blip r:embed="rId12">
             <a:extLst>
               <a:ext uri="{28A0092B-C50C-407E-A947-70E740481C1C}">
                 <a14:useLocalDpi xmlns:a14="http://schemas.microsoft.com/office/drawing/2010/main" val="0"/>
@@ -15376,8 +15943,8 @@
         </p:blipFill>
         <p:spPr>
           <a:xfrm>
-            <a:off x="3202521" y="1041940"/>
-            <a:ext cx="761825" cy="303555"/>
+            <a:off x="4548000" y="1375833"/>
+            <a:ext cx="1685164" cy="317141"/>
           </a:xfrm>
           <a:prstGeom prst="rect">
             <a:avLst/>
@@ -15386,10 +15953,10 @@
       </p:pic>
       <p:pic>
         <p:nvPicPr>
-          <p:cNvPr id="12" name="Picture 11" descr="\documentclass{article}&#10;\usepackage{amsmath}&#10;\usepackage{amssymb}&#10;\pagestyle{empty}&#10;\usepackage{xcolor}&#10;\usepackage{empheq}&#10;\begin{document}&#10;$ p\neq 2$&#10;\end{document}" title="IguanaTex Bitmap Display">
+          <p:cNvPr id="14" name="Picture 13" descr="\documentclass{article}&#10;\usepackage{amsmath}&#10;\pagestyle{empty}&#10;\usepackage{xcolor}&#10;\usepackage{empheq}&#10;\begin{document}&#10;$ 2^{2}\cdot \left ( 1+p \right )=2^{x} $&#10;\end{document}" title="IguanaTex Bitmap Display">
             <a:extLst>
               <a:ext uri="{FF2B5EF4-FFF2-40B4-BE49-F238E27FC236}">
-                <a16:creationId xmlns:a16="http://schemas.microsoft.com/office/drawing/2014/main" id="{A84E9882-187A-3A93-CD17-693CE5C3D8B6}"/>
+                <a16:creationId xmlns:a16="http://schemas.microsoft.com/office/drawing/2014/main" id="{CB39F02F-A187-AE14-7948-5C586BDF00D2}"/>
               </a:ext>
             </a:extLst>
           </p:cNvPr>
@@ -15403,7 +15970,7 @@
           </p:nvPr>
         </p:nvPicPr>
         <p:blipFill>
-          <a:blip r:embed="rId14">
+          <a:blip r:embed="rId13">
             <a:extLst>
               <a:ext uri="{28A0092B-C50C-407E-A947-70E740481C1C}">
                 <a14:useLocalDpi xmlns:a14="http://schemas.microsoft.com/office/drawing/2010/main" val="0"/>
@@ -15416,8 +15983,8 @@
         </p:blipFill>
         <p:spPr>
           <a:xfrm>
-            <a:off x="4668872" y="1034785"/>
-            <a:ext cx="712372" cy="286057"/>
+            <a:off x="3747023" y="2043464"/>
+            <a:ext cx="2139295" cy="335907"/>
           </a:xfrm>
           <a:prstGeom prst="rect">
             <a:avLst/>
@@ -15426,10 +15993,10 @@
       </p:pic>
       <p:pic>
         <p:nvPicPr>
-          <p:cNvPr id="16" name="Picture 15" descr="\documentclass{article}&#10;\usepackage{amsmath}&#10;\pagestyle{empty}&#10;\usepackage{xcolor}&#10;\usepackage{empheq}&#10;\begin{document}&#10;$z$&#10;\end{document}" title="IguanaTex Bitmap Display">
+          <p:cNvPr id="18" name="Picture 17" descr="\documentclass{article}&#10;\usepackage{amsmath}&#10;\pagestyle{empty}&#10;\usepackage{xcolor}&#10;\usepackage{empheq}&#10;\begin{document}&#10;$ \log _{2}2^{2}\cdot \left ( 1+p \right )=\log _{2}2^{x} $&#10;\end{document}" title="IguanaTex Bitmap Display">
             <a:extLst>
               <a:ext uri="{FF2B5EF4-FFF2-40B4-BE49-F238E27FC236}">
-                <a16:creationId xmlns:a16="http://schemas.microsoft.com/office/drawing/2014/main" id="{36F3046A-F5E7-B60D-4E63-831400983F7D}"/>
+                <a16:creationId xmlns:a16="http://schemas.microsoft.com/office/drawing/2014/main" id="{EAA36821-9597-E807-5F54-4248C2DDA9A9}"/>
               </a:ext>
             </a:extLst>
           </p:cNvPr>
@@ -15443,7 +16010,7 @@
           </p:nvPr>
         </p:nvPicPr>
         <p:blipFill>
-          <a:blip r:embed="rId15">
+          <a:blip r:embed="rId14">
             <a:extLst>
               <a:ext uri="{28A0092B-C50C-407E-A947-70E740481C1C}">
                 <a14:useLocalDpi xmlns:a14="http://schemas.microsoft.com/office/drawing/2010/main" val="0"/>
@@ -15456,8 +16023,8 @@
         </p:blipFill>
         <p:spPr>
           <a:xfrm>
-            <a:off x="9160924" y="1100844"/>
-            <a:ext cx="145728" cy="153938"/>
+            <a:off x="3150271" y="2645006"/>
+            <a:ext cx="3332797" cy="335907"/>
           </a:xfrm>
           <a:prstGeom prst="rect">
             <a:avLst/>
@@ -15466,10 +16033,10 @@
       </p:pic>
       <p:pic>
         <p:nvPicPr>
-          <p:cNvPr id="17" name="Picture 16" descr="\documentclass{article}&#10;\usepackage{amsmath}&#10;\pagestyle{empty}&#10;\usepackage{xcolor}&#10;\usepackage{empheq}&#10;\begin{document}&#10;${\color{red}\left ( 1 \right )}$&#10;\end{document}" title="IguanaTex Bitmap Display">
+          <p:cNvPr id="20" name="Picture 19" descr="\documentclass{article}&#10;\usepackage{amsmath}&#10;\pagestyle{empty}&#10;\usepackage{xcolor}&#10;\usepackage{empheq}&#10;\begin{document}&#10;$ 2+\log _{2} \left ( 1+p \right )=x $&#10;\end{document}" title="IguanaTex Bitmap Display">
             <a:extLst>
               <a:ext uri="{FF2B5EF4-FFF2-40B4-BE49-F238E27FC236}">
-                <a16:creationId xmlns:a16="http://schemas.microsoft.com/office/drawing/2014/main" id="{090B840C-CFAD-3F5B-1B7C-EEC9D1DEEBD9}"/>
+                <a16:creationId xmlns:a16="http://schemas.microsoft.com/office/drawing/2014/main" id="{D8F62028-A894-0CDD-010A-CAA24F1A431B}"/>
               </a:ext>
             </a:extLst>
           </p:cNvPr>
@@ -15483,7 +16050,7 @@
           </p:nvPr>
         </p:nvPicPr>
         <p:blipFill>
-          <a:blip r:embed="rId16">
+          <a:blip r:embed="rId15">
             <a:extLst>
               <a:ext uri="{28A0092B-C50C-407E-A947-70E740481C1C}">
                 <a14:useLocalDpi xmlns:a14="http://schemas.microsoft.com/office/drawing/2010/main" val="0"/>
@@ -15496,7 +16063,127 @@
         </p:blipFill>
         <p:spPr>
           <a:xfrm>
-            <a:off x="6143940" y="1034572"/>
+            <a:off x="3150271" y="3331403"/>
+            <a:ext cx="2630958" cy="313388"/>
+          </a:xfrm>
+          <a:prstGeom prst="rect">
+            <a:avLst/>
+          </a:prstGeom>
+        </p:spPr>
+      </p:pic>
+      <p:pic>
+        <p:nvPicPr>
+          <p:cNvPr id="23" name="Picture 22" descr="\documentclass{article}&#10;\usepackage{amsmath}&#10;\pagestyle{empty}&#10;\usepackage{xcolor}&#10;\usepackage{empheq}&#10;\begin{document}&#10;$x= 2+\log _{2} \left ( 1+p \right ) $&#10;\end{document}" title="IguanaTex Bitmap Display">
+            <a:extLst>
+              <a:ext uri="{FF2B5EF4-FFF2-40B4-BE49-F238E27FC236}">
+                <a16:creationId xmlns:a16="http://schemas.microsoft.com/office/drawing/2014/main" id="{41ED811B-3CC8-368E-74AA-A2FEE5AEFA32}"/>
+              </a:ext>
+            </a:extLst>
+          </p:cNvPr>
+          <p:cNvPicPr>
+            <a:picLocks noChangeAspect="1"/>
+          </p:cNvPicPr>
+          <p:nvPr>
+            <p:custDataLst>
+              <p:tags r:id="rId6"/>
+            </p:custDataLst>
+          </p:nvPr>
+        </p:nvPicPr>
+        <p:blipFill>
+          <a:blip r:embed="rId16">
+            <a:extLst>
+              <a:ext uri="{28A0092B-C50C-407E-A947-70E740481C1C}">
+                <a14:useLocalDpi xmlns:a14="http://schemas.microsoft.com/office/drawing/2010/main" val="0"/>
+              </a:ext>
+            </a:extLst>
+          </a:blip>
+          <a:stretch>
+            <a:fillRect/>
+          </a:stretch>
+        </p:blipFill>
+        <p:spPr>
+          <a:xfrm>
+            <a:off x="5063828" y="3845532"/>
+            <a:ext cx="2621574" cy="313388"/>
+          </a:xfrm>
+          <a:prstGeom prst="rect">
+            <a:avLst/>
+          </a:prstGeom>
+        </p:spPr>
+      </p:pic>
+      <p:pic>
+        <p:nvPicPr>
+          <p:cNvPr id="28" name="Picture 27" descr="\documentclass{article}&#10;\usepackage{amsmath}&#10;\usepackage{amsfonts}&#10;\pagestyle{empty}&#10;\usepackage{xcolor}&#10;\usepackage{empheq}&#10;\begin{document}&#10;$\log _{2} \left ( 1+p \right ) \in \mathbb{Z}$&#10;\end{document}" title="IguanaTex Bitmap Display">
+            <a:extLst>
+              <a:ext uri="{FF2B5EF4-FFF2-40B4-BE49-F238E27FC236}">
+                <a16:creationId xmlns:a16="http://schemas.microsoft.com/office/drawing/2014/main" id="{6667D7BC-98DF-9EF3-B544-5258F7A99D27}"/>
+              </a:ext>
+            </a:extLst>
+          </p:cNvPr>
+          <p:cNvPicPr>
+            <a:picLocks noChangeAspect="1"/>
+          </p:cNvPicPr>
+          <p:nvPr>
+            <p:custDataLst>
+              <p:tags r:id="rId7"/>
+            </p:custDataLst>
+          </p:nvPr>
+        </p:nvPicPr>
+        <p:blipFill>
+          <a:blip r:embed="rId17">
+            <a:extLst>
+              <a:ext uri="{28A0092B-C50C-407E-A947-70E740481C1C}">
+                <a14:useLocalDpi xmlns:a14="http://schemas.microsoft.com/office/drawing/2010/main" val="0"/>
+              </a:ext>
+            </a:extLst>
+          </a:blip>
+          <a:stretch>
+            <a:fillRect/>
+          </a:stretch>
+        </p:blipFill>
+        <p:spPr>
+          <a:xfrm>
+            <a:off x="8495557" y="3868379"/>
+            <a:ext cx="2099887" cy="313388"/>
+          </a:xfrm>
+          <a:prstGeom prst="rect">
+            <a:avLst/>
+          </a:prstGeom>
+        </p:spPr>
+      </p:pic>
+      <p:pic>
+        <p:nvPicPr>
+          <p:cNvPr id="29" name="Picture 28" descr="\documentclass{article}&#10;\usepackage{amsmath}&#10;\pagestyle{empty}&#10;\usepackage{xcolor}&#10;\usepackage{empheq}&#10;\begin{document}&#10;${\color{red}\left ( 1 \right )}$&#10;\end{document}" title="IguanaTex Bitmap Display">
+            <a:extLst>
+              <a:ext uri="{FF2B5EF4-FFF2-40B4-BE49-F238E27FC236}">
+                <a16:creationId xmlns:a16="http://schemas.microsoft.com/office/drawing/2014/main" id="{BAEF8153-68F8-7BDE-25FD-AB0115B7B2C5}"/>
+              </a:ext>
+            </a:extLst>
+          </p:cNvPr>
+          <p:cNvPicPr>
+            <a:picLocks noChangeAspect="1"/>
+          </p:cNvPicPr>
+          <p:nvPr>
+            <p:custDataLst>
+              <p:tags r:id="rId8"/>
+            </p:custDataLst>
+          </p:nvPr>
+        </p:nvPicPr>
+        <p:blipFill>
+          <a:blip r:embed="rId18">
+            <a:extLst>
+              <a:ext uri="{28A0092B-C50C-407E-A947-70E740481C1C}">
+                <a14:useLocalDpi xmlns:a14="http://schemas.microsoft.com/office/drawing/2010/main" val="0"/>
+              </a:ext>
+            </a:extLst>
+          </a:blip>
+          <a:stretch>
+            <a:fillRect/>
+          </a:stretch>
+        </p:blipFill>
+        <p:spPr>
+          <a:xfrm>
+            <a:off x="5030600" y="5315282"/>
             <a:ext cx="359752" cy="333770"/>
           </a:xfrm>
           <a:prstGeom prst="rect">
@@ -15506,10 +16193,10 @@
       </p:pic>
       <p:pic>
         <p:nvPicPr>
-          <p:cNvPr id="20" name="Picture 19" descr="\documentclass{article}&#10;\usepackage{amsmath}&#10;\usepackage{amssymb}&#10;\pagestyle{empty}&#10;\usepackage{xcolor}&#10;\usepackage{empheq}&#10;\begin{document}&#10;$2\nmid z^{2}$&#10;\end{document}" title="IguanaTex Bitmap Display">
+          <p:cNvPr id="32" name="Picture 31" descr="\documentclass{article}&#10;\usepackage{amsmath}&#10;\pagestyle{empty}&#10;\usepackage{xcolor}&#10;\usepackage{empheq}&#10;\begin{document}&#10;$\left ( x,p,y,z \right )=\left (2+\log _{2} \left ( 1+p \right ),p,2,p+2  \right ) $&#10;\end{document}" title="IguanaTex Bitmap Display">
             <a:extLst>
               <a:ext uri="{FF2B5EF4-FFF2-40B4-BE49-F238E27FC236}">
-                <a16:creationId xmlns:a16="http://schemas.microsoft.com/office/drawing/2014/main" id="{36CEE66D-4F53-D106-9A22-0603621C55F8}"/>
+                <a16:creationId xmlns:a16="http://schemas.microsoft.com/office/drawing/2014/main" id="{47C6E0DC-891D-2811-04C8-986C90D898D2}"/>
               </a:ext>
             </a:extLst>
           </p:cNvPr>
@@ -15518,12 +16205,12 @@
           </p:cNvPicPr>
           <p:nvPr>
             <p:custDataLst>
-              <p:tags r:id="rId6"/>
+              <p:tags r:id="rId9"/>
             </p:custDataLst>
           </p:nvPr>
         </p:nvPicPr>
         <p:blipFill>
-          <a:blip r:embed="rId17">
+          <a:blip r:embed="rId19">
             <a:extLst>
               <a:ext uri="{28A0092B-C50C-407E-A947-70E740481C1C}">
                 <a14:useLocalDpi xmlns:a14="http://schemas.microsoft.com/office/drawing/2010/main" val="0"/>
@@ -15536,168 +16223,8 @@
         </p:blipFill>
         <p:spPr>
           <a:xfrm>
-            <a:off x="7435271" y="1018190"/>
-            <a:ext cx="658852" cy="330350"/>
-          </a:xfrm>
-          <a:prstGeom prst="rect">
-            <a:avLst/>
-          </a:prstGeom>
-        </p:spPr>
-      </p:pic>
-      <p:pic>
-        <p:nvPicPr>
-          <p:cNvPr id="24" name="Picture 23" descr="\documentclass{article}&#10;\usepackage{amsmath}&#10;\pagestyle{empty}&#10;\usepackage{xcolor}&#10;\usepackage{empheq}&#10;\begin{document}&#10;$z^{2}\equiv 1\left ( \mod4 \right )$&#10;\end{document}" title="IguanaTex Bitmap Display">
-            <a:extLst>
-              <a:ext uri="{FF2B5EF4-FFF2-40B4-BE49-F238E27FC236}">
-                <a16:creationId xmlns:a16="http://schemas.microsoft.com/office/drawing/2014/main" id="{0A9882DA-C439-94CE-5B2F-C54F414F531C}"/>
-              </a:ext>
-            </a:extLst>
-          </p:cNvPr>
-          <p:cNvPicPr>
-            <a:picLocks noChangeAspect="1"/>
-          </p:cNvPicPr>
-          <p:nvPr>
-            <p:custDataLst>
-              <p:tags r:id="rId7"/>
-            </p:custDataLst>
-          </p:nvPr>
-        </p:nvPicPr>
-        <p:blipFill>
-          <a:blip r:embed="rId18">
-            <a:extLst>
-              <a:ext uri="{28A0092B-C50C-407E-A947-70E740481C1C}">
-                <a14:useLocalDpi xmlns:a14="http://schemas.microsoft.com/office/drawing/2010/main" val="0"/>
-              </a:ext>
-            </a:extLst>
-          </a:blip>
-          <a:stretch>
-            <a:fillRect/>
-          </a:stretch>
-        </p:blipFill>
-        <p:spPr>
-          <a:xfrm>
-            <a:off x="4046832" y="1473413"/>
-            <a:ext cx="2314501" cy="355923"/>
-          </a:xfrm>
-          <a:prstGeom prst="rect">
-            <a:avLst/>
-          </a:prstGeom>
-        </p:spPr>
-      </p:pic>
-      <p:pic>
-        <p:nvPicPr>
-          <p:cNvPr id="25" name="Picture 24" descr="\documentclass{article}&#10;\usepackage{amsmath}&#10;\pagestyle{empty}&#10;\usepackage{xcolor}&#10;\usepackage{empheq}&#10;\begin{document}&#10;$p\equiv 3\left ( \mod4 \right )$&#10;\end{document}" title="IguanaTex Bitmap Display">
-            <a:extLst>
-              <a:ext uri="{FF2B5EF4-FFF2-40B4-BE49-F238E27FC236}">
-                <a16:creationId xmlns:a16="http://schemas.microsoft.com/office/drawing/2014/main" id="{2DE69E7C-823C-2CE2-2132-69B2F72010D5}"/>
-              </a:ext>
-            </a:extLst>
-          </p:cNvPr>
-          <p:cNvPicPr>
-            <a:picLocks noChangeAspect="1"/>
-          </p:cNvPicPr>
-          <p:nvPr>
-            <p:custDataLst>
-              <p:tags r:id="rId8"/>
-            </p:custDataLst>
-          </p:nvPr>
-        </p:nvPicPr>
-        <p:blipFill>
-          <a:blip r:embed="rId19">
-            <a:extLst>
-              <a:ext uri="{28A0092B-C50C-407E-A947-70E740481C1C}">
-                <a14:useLocalDpi xmlns:a14="http://schemas.microsoft.com/office/drawing/2010/main" val="0"/>
-              </a:ext>
-            </a:extLst>
-          </a:blip>
-          <a:stretch>
-            <a:fillRect/>
-          </a:stretch>
-        </p:blipFill>
-        <p:spPr>
-          <a:xfrm>
-            <a:off x="3202521" y="1968682"/>
-            <a:ext cx="2178723" cy="330469"/>
-          </a:xfrm>
-          <a:prstGeom prst="rect">
-            <a:avLst/>
-          </a:prstGeom>
-        </p:spPr>
-      </p:pic>
-      <p:pic>
-        <p:nvPicPr>
-          <p:cNvPr id="28" name="Picture 27" descr="\documentclass{article}&#10;\usepackage{amsmath}&#10;\pagestyle{empty}&#10;\usepackage{xcolor}&#10;\usepackage{empheq}&#10;\begin{document}&#10;$p\equiv -1\left ( \mod4 \right )$&#10;\end{document}" title="IguanaTex Bitmap Display">
-            <a:extLst>
-              <a:ext uri="{FF2B5EF4-FFF2-40B4-BE49-F238E27FC236}">
-                <a16:creationId xmlns:a16="http://schemas.microsoft.com/office/drawing/2014/main" id="{FF3C5D0E-2588-6604-E9C3-4F217A5AFE7A}"/>
-              </a:ext>
-            </a:extLst>
-          </p:cNvPr>
-          <p:cNvPicPr>
-            <a:picLocks noChangeAspect="1"/>
-          </p:cNvPicPr>
-          <p:nvPr>
-            <p:custDataLst>
-              <p:tags r:id="rId9"/>
-            </p:custDataLst>
-          </p:nvPr>
-        </p:nvPicPr>
-        <p:blipFill>
-          <a:blip r:embed="rId20">
-            <a:extLst>
-              <a:ext uri="{28A0092B-C50C-407E-A947-70E740481C1C}">
-                <a14:useLocalDpi xmlns:a14="http://schemas.microsoft.com/office/drawing/2010/main" val="0"/>
-              </a:ext>
-            </a:extLst>
-          </a:blip>
-          <a:stretch>
-            <a:fillRect/>
-          </a:stretch>
-        </p:blipFill>
-        <p:spPr>
-          <a:xfrm>
-            <a:off x="6503692" y="1931851"/>
-            <a:ext cx="2435974" cy="330469"/>
-          </a:xfrm>
-          <a:prstGeom prst="rect">
-            <a:avLst/>
-          </a:prstGeom>
-        </p:spPr>
-      </p:pic>
-      <p:pic>
-        <p:nvPicPr>
-          <p:cNvPr id="31" name="Picture 30" descr="\documentclass{article}&#10;\usepackage{amsmath}&#10;\pagestyle{empty}&#10;\usepackage{xcolor}&#10;\usepackage{empheq}&#10;\begin{document}&#10;$p^{y}\equiv -1\left ( \mod4 \right )$&#10;\end{document}" title="IguanaTex Bitmap Display">
-            <a:extLst>
-              <a:ext uri="{FF2B5EF4-FFF2-40B4-BE49-F238E27FC236}">
-                <a16:creationId xmlns:a16="http://schemas.microsoft.com/office/drawing/2014/main" id="{D490C691-B995-D147-AC66-21C3169977F8}"/>
-              </a:ext>
-            </a:extLst>
-          </p:cNvPr>
-          <p:cNvPicPr>
-            <a:picLocks noChangeAspect="1"/>
-          </p:cNvPicPr>
-          <p:nvPr>
-            <p:custDataLst>
-              <p:tags r:id="rId10"/>
-            </p:custDataLst>
-          </p:nvPr>
-        </p:nvPicPr>
-        <p:blipFill>
-          <a:blip r:embed="rId21">
-            <a:extLst>
-              <a:ext uri="{28A0092B-C50C-407E-A947-70E740481C1C}">
-                <a14:useLocalDpi xmlns:a14="http://schemas.microsoft.com/office/drawing/2010/main" val="0"/>
-              </a:ext>
-            </a:extLst>
-          </a:blip>
-          <a:stretch>
-            <a:fillRect/>
-          </a:stretch>
-        </p:blipFill>
-        <p:spPr>
-          <a:xfrm>
-            <a:off x="6546710" y="2489493"/>
-            <a:ext cx="2592304" cy="330469"/>
+            <a:off x="4611857" y="4818074"/>
+            <a:ext cx="5451448" cy="313388"/>
           </a:xfrm>
           <a:prstGeom prst="rect">
             <a:avLst/>
@@ -15707,7 +16234,7 @@
     </p:spTree>
     <p:extLst>
       <p:ext uri="{BB962C8B-B14F-4D97-AF65-F5344CB8AC3E}">
-        <p14:creationId xmlns:p14="http://schemas.microsoft.com/office/powerpoint/2010/main" val="1291169182"/>
+        <p14:creationId xmlns:p14="http://schemas.microsoft.com/office/powerpoint/2010/main" val="179543041"/>
       </p:ext>
     </p:extLst>
   </p:cSld>
@@ -16224,11 +16751,11 @@
 <file path=ppt/tags/tag124.xml><?xml version="1.0" encoding="utf-8"?>
 <p:tagLst xmlns:a="http://schemas.openxmlformats.org/drawingml/2006/main" xmlns:r="http://schemas.openxmlformats.org/officeDocument/2006/relationships" xmlns:p="http://schemas.openxmlformats.org/presentationml/2006/main">
   <p:tag name="OUTPUTDPI" val="1200"/>
-  <p:tag name="ORIGINALHEIGHT" val="125.2343"/>
-  <p:tag name="ORIGINALWIDTH" val="982.3771"/>
-  <p:tag name="LATEXADDIN" val="\documentclass{article}&#10;\usepackage{amsmath}&#10;\pagestyle{empty}&#10;\usepackage{xcolor}&#10;\usepackage{empheq}&#10;\begin{document}&#10;$p^{y}\equiv -1\left ( \mod4 \right )$&#10;\end{document}"/>
+  <p:tag name="ORIGINALHEIGHT" val="132.7334"/>
+  <p:tag name="ORIGINALWIDTH" val="1139.108"/>
+  <p:tag name="LATEXADDIN" val="\documentclass{article}&#10;\usepackage{amsmath}&#10;\pagestyle{empty}&#10;\usepackage{xcolor}&#10;\usepackage{empheq}&#10;\begin{document}&#10;$p^{y}\equiv \left(-1\right)^{y}\left ( \mod4 \right )$&#10;\end{document}"/>
   <p:tag name="IGUANATEXSIZE" val="18"/>
-  <p:tag name="IGUANATEXCURSOR" val="126"/>
+  <p:tag name="IGUANATEXCURSOR" val="151"/>
   <p:tag name="TRANSPARENCY" val="False"/>
   <p:tag name="LATEXENGINEID" val="0"/>
   <p:tag name="TEMPFOLDER" val="C:\Users\cosA\OneDrive\Documents\temp\"/>
@@ -16243,10 +16770,10 @@
 <p:tagLst xmlns:a="http://schemas.openxmlformats.org/drawingml/2006/main" xmlns:r="http://schemas.openxmlformats.org/officeDocument/2006/relationships" xmlns:p="http://schemas.openxmlformats.org/presentationml/2006/main">
   <p:tag name="OUTPUTDPI" val="1200"/>
   <p:tag name="ORIGINALHEIGHT" val="125.2343"/>
-  <p:tag name="ORIGINALWIDTH" val="2068.241"/>
-  <p:tag name="LATEXADDIN" val="\documentclass{article}&#10;\usepackage{amsmath}&#10;\pagestyle{empty}&#10;\usepackage{xcolor}&#10;\usepackage{empheq}&#10;\begin{document}&#10;$\left ( x,p,y,z \right )\in    \left \{ \left ( 3,p,0,3 \right ) \right \}  \cup   \left \{ \left ( 0,3,1,2 \right ) \right \}$&#10;\end{document}"/>
+  <p:tag name="ORIGINALWIDTH" val="982.3771"/>
+  <p:tag name="LATEXADDIN" val="\documentclass{article}&#10;\usepackage{amsmath}&#10;\pagestyle{empty}&#10;\usepackage{xcolor}&#10;\usepackage{empheq}&#10;\begin{document}&#10;$p^{y}\equiv -1\left ( \mod4 \right )$&#10;\end{document}"/>
   <p:tag name="IGUANATEXSIZE" val="18"/>
-  <p:tag name="IGUANATEXCURSOR" val="247"/>
+  <p:tag name="IGUANATEXCURSOR" val="133"/>
   <p:tag name="TRANSPARENCY" val="False"/>
   <p:tag name="LATEXENGINEID" val="0"/>
   <p:tag name="TEMPFOLDER" val="C:\Users\cosA\OneDrive\Documents\temp\"/>
@@ -16260,11 +16787,11 @@
 <file path=ppt/tags/tag126.xml><?xml version="1.0" encoding="utf-8"?>
 <p:tagLst xmlns:a="http://schemas.openxmlformats.org/drawingml/2006/main" xmlns:r="http://schemas.openxmlformats.org/officeDocument/2006/relationships" xmlns:p="http://schemas.openxmlformats.org/presentationml/2006/main">
   <p:tag name="OUTPUTDPI" val="1200"/>
-  <p:tag name="ORIGINALHEIGHT" val="125.2343"/>
-  <p:tag name="ORIGINALWIDTH" val="3840.27"/>
-  <p:tag name="LATEXADDIN" val="\documentclass{article}&#10;\usepackage{amsmath}&#10;\pagestyle{empty}&#10;\usepackage{xcolor}&#10;\usepackage{empheq}&#10;\begin{document}&#10;$\left ( x,p,y,z \right )\in    \left \{ \left ( 3,p,0,3 \right ) \right \}  \cup   \left \{ \left ( 0,3,1,2 \right ) \right \} \cup \left \{ \left ( 2+log_{2}\left ( p+1 \right ) ,p,2,p+2\right ) \right \}$&#10;\end{document}"/>
+  <p:tag name="ORIGINALHEIGHT" val="116.2354"/>
+  <p:tag name="ORIGINALWIDTH" val="286.4642"/>
+  <p:tag name="LATEXADDIN" val="\documentclass{article}&#10;\usepackage{amsmath}&#10;\pagestyle{empty}&#10;\usepackage{xcolor}&#10;\usepackage{empheq}&#10;\begin{document}&#10;$x\neq 1$&#10;\end{document}"/>
   <p:tag name="IGUANATEXSIZE" val="18"/>
-  <p:tag name="IGUANATEXCURSOR" val="316"/>
+  <p:tag name="IGUANATEXCURSOR" val="121"/>
   <p:tag name="TRANSPARENCY" val="False"/>
   <p:tag name="LATEXENGINEID" val="0"/>
   <p:tag name="TEMPFOLDER" val="C:\Users\cosA\OneDrive\Documents\temp\"/>
@@ -16278,11 +16805,11 @@
 <file path=ppt/tags/tag127.xml><?xml version="1.0" encoding="utf-8"?>
 <p:tagLst xmlns:a="http://schemas.openxmlformats.org/drawingml/2006/main" xmlns:r="http://schemas.openxmlformats.org/officeDocument/2006/relationships" xmlns:p="http://schemas.openxmlformats.org/presentationml/2006/main">
   <p:tag name="OUTPUTDPI" val="1200"/>
-  <p:tag name="ORIGINALHEIGHT" val="84.73937"/>
-  <p:tag name="ORIGINALWIDTH" val="315.7105"/>
-  <p:tag name="LATEXADDIN" val="\documentclass{article}&#10;\usepackage{amsmath}&#10;\pagestyle{empty}&#10;\usepackage{xcolor}&#10;\usepackage{empheq}&#10;\begin{document}&#10;{Y}=2{\color{blue}x}&#10;\end{document}"/>
+  <p:tag name="ORIGINALHEIGHT" val="125.2343"/>
+  <p:tag name="ORIGINALWIDTH" val="877.3903"/>
+  <p:tag name="LATEXADDIN" val="\documentclass{article}&#10;\usepackage{amsmath}&#10;\pagestyle{empty}&#10;\usepackage{xcolor}&#10;\usepackage{empheq}&#10;\begin{document}&#10;$2^{x}\equiv 0\left ( \mod4 \right )$&#10;\end{document}"/>
   <p:tag name="IGUANATEXSIZE" val="18"/>
-  <p:tag name="IGUANATEXCURSOR" val="122"/>
+  <p:tag name="IGUANATEXCURSOR" val="125"/>
   <p:tag name="TRANSPARENCY" val="False"/>
   <p:tag name="LATEXENGINEID" val="0"/>
   <p:tag name="TEMPFOLDER" val="C:\Users\cosA\OneDrive\Documents\temp\"/>
@@ -16296,11 +16823,29 @@
 <file path=ppt/tags/tag128.xml><?xml version="1.0" encoding="utf-8"?>
 <p:tagLst xmlns:a="http://schemas.openxmlformats.org/drawingml/2006/main" xmlns:r="http://schemas.openxmlformats.org/officeDocument/2006/relationships" xmlns:p="http://schemas.openxmlformats.org/presentationml/2006/main">
   <p:tag name="OUTPUTDPI" val="1200"/>
-  <p:tag name="ORIGINALHEIGHT" val="126.7342"/>
-  <p:tag name="ORIGINALWIDTH" val="667.4166"/>
-  <p:tag name="LATEXADDIN" val="\documentclass{article}&#10;\usepackage{amsmath}&#10;\pagestyle{empty}&#10;\usepackage{xcolor}&#10;\usepackage{empheq}&#10;\begin{document}&#10;${\color{green}2^{x}+p^{y}}={\color{blue}z^{2}}$&#10;\end{document}"/>
+  <p:tag name="ORIGINALHEIGHT" val="99.73756"/>
+  <p:tag name="ORIGINALWIDTH" val="290.9636"/>
+  <p:tag name="LATEXADDIN" val="&#10;&#10;\documentclass{article}&#10;\usepackage{amsmath}&#10;\usepackage{amsfonts}&#10;\usepackage{amssymb}&#10;\pagestyle{empty}&#10;\usepackage{xcolor}&#10;\usepackage{empheq}&#10;\begin{document}&#10;$x\geq 3 $&#10;\end{document}"/>
   <p:tag name="IGUANATEXSIZE" val="18"/>
-  <p:tag name="IGUANATEXCURSOR" val="168"/>
+  <p:tag name="IGUANATEXCURSOR" val="173"/>
+  <p:tag name="TRANSPARENCY" val="False"/>
+  <p:tag name="LATEXENGINEID" val="0"/>
+  <p:tag name="TEMPFOLDER" val="C:\Users\cosA\OneDrive\Documents\temp\"/>
+  <p:tag name="LATEXFORMHEIGHT" val="312"/>
+  <p:tag name="LATEXFORMWIDTH" val="384"/>
+  <p:tag name="LATEXFORMWRAP" val="True"/>
+  <p:tag name="BITMAPVECTOR" val="0"/>
+</p:tagLst>
+</file>
+
+<file path=ppt/tags/tag129.xml><?xml version="1.0" encoding="utf-8"?>
+<p:tagLst xmlns:a="http://schemas.openxmlformats.org/drawingml/2006/main" xmlns:r="http://schemas.openxmlformats.org/officeDocument/2006/relationships" xmlns:p="http://schemas.openxmlformats.org/presentationml/2006/main">
+  <p:tag name="OUTPUTDPI" val="1200"/>
+  <p:tag name="ORIGINALHEIGHT" val="125.2343"/>
+  <p:tag name="ORIGINALWIDTH" val="1249.344"/>
+  <p:tag name="LATEXADDIN" val="\documentclass{article}&#10;\usepackage{amsmath}&#10;\pagestyle{empty}&#10;\usepackage{xcolor}&#10;\usepackage{empheq}&#10;\begin{document}&#10;$  2^{x}+p^{y}\equiv -1\left ( \mod4 \right )$&#10;\end{document}"/>
+  <p:tag name="IGUANATEXSIZE" val="18"/>
+  <p:tag name="IGUANATEXCURSOR" val="134"/>
   <p:tag name="TRANSPARENCY" val="False"/>
   <p:tag name="LATEXENGINEID" val="0"/>
   <p:tag name="TEMPFOLDER" val="C:\Users\cosA\OneDrive\Documents\temp\"/>
@@ -16319,6 +16864,114 @@
   <p:tag name="LATEXADDIN" val="\documentclass{article}&#10;\usepackage{amsmath}&#10;\pagestyle{empty}&#10;\usepackage{xcolor}&#10;\usepackage{empheq}&#10;\begin{document}&#10;$ \left (x,z  \right )=\left ( 3,3 \right )$&#10;\end{document}"/>
   <p:tag name="IGUANATEXSIZE" val="18"/>
   <p:tag name="IGUANATEXCURSOR" val="129"/>
+  <p:tag name="TRANSPARENCY" val="False"/>
+  <p:tag name="LATEXENGINEID" val="0"/>
+  <p:tag name="TEMPFOLDER" val="C:\Users\cosA\OneDrive\Documents\temp\"/>
+  <p:tag name="LATEXFORMHEIGHT" val="312"/>
+  <p:tag name="LATEXFORMWIDTH" val="384"/>
+  <p:tag name="LATEXFORMWRAP" val="True"/>
+  <p:tag name="BITMAPVECTOR" val="0"/>
+</p:tagLst>
+</file>
+
+<file path=ppt/tags/tag130.xml><?xml version="1.0" encoding="utf-8"?>
+<p:tagLst xmlns:a="http://schemas.openxmlformats.org/drawingml/2006/main" xmlns:r="http://schemas.openxmlformats.org/officeDocument/2006/relationships" xmlns:p="http://schemas.openxmlformats.org/presentationml/2006/main">
+  <p:tag name="OUTPUTDPI" val="1200"/>
+  <p:tag name="ORIGINALHEIGHT" val="134.2332"/>
+  <p:tag name="ORIGINALWIDTH" val="969.6288"/>
+  <p:tag name="LATEXADDIN" val="\documentclass{article}&#10;\usepackage{amsmath}&#10;\pagestyle{empty}&#10;\usepackage{xcolor}&#10;\usepackage{empheq}&#10;\begin{document}&#10;$  z^{2}\equiv -1\left ( \mod4 \right )$&#10;\end{document}"/>
+  <p:tag name="IGUANATEXSIZE" val="18"/>
+  <p:tag name="IGUANATEXCURSOR" val="127"/>
+  <p:tag name="TRANSPARENCY" val="False"/>
+  <p:tag name="LATEXENGINEID" val="0"/>
+  <p:tag name="TEMPFOLDER" val="C:\Users\cosA\OneDrive\Documents\temp\"/>
+  <p:tag name="LATEXFORMHEIGHT" val="312"/>
+  <p:tag name="LATEXFORMWIDTH" val="384"/>
+  <p:tag name="LATEXFORMWRAP" val="True"/>
+  <p:tag name="BITMAPVECTOR" val="0"/>
+</p:tagLst>
+</file>
+
+<file path=ppt/tags/tag131.xml><?xml version="1.0" encoding="utf-8"?>
+<p:tagLst xmlns:a="http://schemas.openxmlformats.org/drawingml/2006/main" xmlns:r="http://schemas.openxmlformats.org/officeDocument/2006/relationships" xmlns:p="http://schemas.openxmlformats.org/presentationml/2006/main">
+  <p:tag name="OUTPUTDPI" val="1200"/>
+  <p:tag name="ORIGINALHEIGHT" val="134.2332"/>
+  <p:tag name="ORIGINALWIDTH" val="872.8909"/>
+  <p:tag name="LATEXADDIN" val="\documentclass{article}&#10;\usepackage{amsmath}&#10;\pagestyle{empty}&#10;\usepackage{xcolor}&#10;\usepackage{empheq}&#10;\begin{document}&#10;$z^{2}\equiv 1\left ( \mod4 \right )$&#10;\end{document}"/>
+  <p:tag name="IGUANATEXSIZE" val="18"/>
+  <p:tag name="IGUANATEXCURSOR" val="126"/>
+  <p:tag name="TRANSPARENCY" val="False"/>
+  <p:tag name="LATEXENGINEID" val="0"/>
+  <p:tag name="TEMPFOLDER" val="C:\Users\cosA\OneDrive\Documents\temp\"/>
+  <p:tag name="LATEXFORMHEIGHT" val="312"/>
+  <p:tag name="LATEXFORMWIDTH" val="384"/>
+  <p:tag name="LATEXFORMWRAP" val="True"/>
+  <p:tag name="BITMAPVECTOR" val="0"/>
+</p:tagLst>
+</file>
+
+<file path=ppt/tags/tag132.xml><?xml version="1.0" encoding="utf-8"?>
+<p:tagLst xmlns:a="http://schemas.openxmlformats.org/drawingml/2006/main" xmlns:r="http://schemas.openxmlformats.org/officeDocument/2006/relationships" xmlns:p="http://schemas.openxmlformats.org/presentationml/2006/main">
+  <p:tag name="OUTPUTDPI" val="1200"/>
+  <p:tag name="ORIGINALHEIGHT" val="125.2343"/>
+  <p:tag name="ORIGINALWIDTH" val="2068.241"/>
+  <p:tag name="LATEXADDIN" val="\documentclass{article}&#10;\usepackage{amsmath}&#10;\pagestyle{empty}&#10;\usepackage{xcolor}&#10;\usepackage{empheq}&#10;\begin{document}&#10;$\left ( x,p,y,z \right )\in    \left \{ \left ( 3,p,0,3 \right ) \right \}  \cup   \left \{ \left ( 0,3,1,2 \right ) \right \}$&#10;\end{document}"/>
+  <p:tag name="IGUANATEXSIZE" val="18"/>
+  <p:tag name="IGUANATEXCURSOR" val="247"/>
+  <p:tag name="TRANSPARENCY" val="False"/>
+  <p:tag name="LATEXENGINEID" val="0"/>
+  <p:tag name="TEMPFOLDER" val="C:\Users\cosA\OneDrive\Documents\temp\"/>
+  <p:tag name="LATEXFORMHEIGHT" val="312"/>
+  <p:tag name="LATEXFORMWIDTH" val="384"/>
+  <p:tag name="LATEXFORMWRAP" val="True"/>
+  <p:tag name="BITMAPVECTOR" val="0"/>
+</p:tagLst>
+</file>
+
+<file path=ppt/tags/tag133.xml><?xml version="1.0" encoding="utf-8"?>
+<p:tagLst xmlns:a="http://schemas.openxmlformats.org/drawingml/2006/main" xmlns:r="http://schemas.openxmlformats.org/officeDocument/2006/relationships" xmlns:p="http://schemas.openxmlformats.org/presentationml/2006/main">
+  <p:tag name="OUTPUTDPI" val="1200"/>
+  <p:tag name="ORIGINALHEIGHT" val="125.2343"/>
+  <p:tag name="ORIGINALWIDTH" val="3840.27"/>
+  <p:tag name="LATEXADDIN" val="\documentclass{article}&#10;\usepackage{amsmath}&#10;\pagestyle{empty}&#10;\usepackage{xcolor}&#10;\usepackage{empheq}&#10;\begin{document}&#10;$\left ( x,p,y,z \right )\in    \left \{ \left ( 3,p,0,3 \right ) \right \}  \cup   \left \{ \left ( 0,3,1,2 \right ) \right \} \cup \left \{ \left ( 2+log_{2}\left ( p+1 \right ) ,p,2,p+2\right ) \right \}$&#10;\end{document}"/>
+  <p:tag name="IGUANATEXSIZE" val="18"/>
+  <p:tag name="IGUANATEXCURSOR" val="316"/>
+  <p:tag name="TRANSPARENCY" val="False"/>
+  <p:tag name="LATEXENGINEID" val="0"/>
+  <p:tag name="TEMPFOLDER" val="C:\Users\cosA\OneDrive\Documents\temp\"/>
+  <p:tag name="LATEXFORMHEIGHT" val="312"/>
+  <p:tag name="LATEXFORMWIDTH" val="384"/>
+  <p:tag name="LATEXFORMWRAP" val="True"/>
+  <p:tag name="BITMAPVECTOR" val="0"/>
+</p:tagLst>
+</file>
+
+<file path=ppt/tags/tag134.xml><?xml version="1.0" encoding="utf-8"?>
+<p:tagLst xmlns:a="http://schemas.openxmlformats.org/drawingml/2006/main" xmlns:r="http://schemas.openxmlformats.org/officeDocument/2006/relationships" xmlns:p="http://schemas.openxmlformats.org/presentationml/2006/main">
+  <p:tag name="OUTPUTDPI" val="1200"/>
+  <p:tag name="ORIGINALHEIGHT" val="84.73937"/>
+  <p:tag name="ORIGINALWIDTH" val="315.7105"/>
+  <p:tag name="LATEXADDIN" val="\documentclass{article}&#10;\usepackage{amsmath}&#10;\pagestyle{empty}&#10;\usepackage{xcolor}&#10;\usepackage{empheq}&#10;\begin{document}&#10;{Y}=2{\color{blue}x}&#10;\end{document}"/>
+  <p:tag name="IGUANATEXSIZE" val="18"/>
+  <p:tag name="IGUANATEXCURSOR" val="122"/>
+  <p:tag name="TRANSPARENCY" val="False"/>
+  <p:tag name="LATEXENGINEID" val="0"/>
+  <p:tag name="TEMPFOLDER" val="C:\Users\cosA\OneDrive\Documents\temp\"/>
+  <p:tag name="LATEXFORMHEIGHT" val="312"/>
+  <p:tag name="LATEXFORMWIDTH" val="384"/>
+  <p:tag name="LATEXFORMWRAP" val="True"/>
+  <p:tag name="BITMAPVECTOR" val="0"/>
+</p:tagLst>
+</file>
+
+<file path=ppt/tags/tag135.xml><?xml version="1.0" encoding="utf-8"?>
+<p:tagLst xmlns:a="http://schemas.openxmlformats.org/drawingml/2006/main" xmlns:r="http://schemas.openxmlformats.org/officeDocument/2006/relationships" xmlns:p="http://schemas.openxmlformats.org/presentationml/2006/main">
+  <p:tag name="OUTPUTDPI" val="1200"/>
+  <p:tag name="ORIGINALHEIGHT" val="126.7342"/>
+  <p:tag name="ORIGINALWIDTH" val="667.4166"/>
+  <p:tag name="LATEXADDIN" val="\documentclass{article}&#10;\usepackage{amsmath}&#10;\pagestyle{empty}&#10;\usepackage{xcolor}&#10;\usepackage{empheq}&#10;\begin{document}&#10;${\color{green}2^{x}+p^{y}}={\color{blue}z^{2}}$&#10;\end{document}"/>
+  <p:tag name="IGUANATEXSIZE" val="18"/>
+  <p:tag name="IGUANATEXCURSOR" val="168"/>
   <p:tag name="TRANSPARENCY" val="False"/>
   <p:tag name="LATEXENGINEID" val="0"/>
   <p:tag name="TEMPFOLDER" val="C:\Users\cosA\OneDrive\Documents\temp\"/>
@@ -17233,10 +17886,10 @@
 <p:tagLst xmlns:a="http://schemas.openxmlformats.org/drawingml/2006/main" xmlns:r="http://schemas.openxmlformats.org/officeDocument/2006/relationships" xmlns:p="http://schemas.openxmlformats.org/presentationml/2006/main">
   <p:tag name="OUTPUTDPI" val="1200"/>
   <p:tag name="ORIGINALHEIGHT" val="111.7361"/>
-  <p:tag name="ORIGINALWIDTH" val="617.9227"/>
-  <p:tag name="LATEXADDIN" val="\documentclass{article}&#10;\usepackage{amsmath}&#10;\pagestyle{empty}&#10;\usepackage{xcolor}&#10;\usepackage{empheq}&#10;\begin{document}&#10;${ay+by}=c$&#10;\end{document}"/>
+  <p:tag name="ORIGINALWIDTH" val="623.922"/>
+  <p:tag name="LATEXADDIN" val="\documentclass{article}&#10;\usepackage{amsmath}&#10;\pagestyle{empty}&#10;\usepackage{xcolor}&#10;\usepackage{empheq}&#10;\begin{document}&#10;${ax+by}=c$&#10;\end{document}"/>
   <p:tag name="IGUANATEXSIZE" val="18"/>
-  <p:tag name="IGUANATEXCURSOR" val="121"/>
+  <p:tag name="IGUANATEXCURSOR" val="124"/>
   <p:tag name="TRANSPARENCY" val="False"/>
   <p:tag name="LATEXENGINEID" val="0"/>
   <p:tag name="TEMPFOLDER" val="C:\Users\cosA\OneDrive\Documents\temp\"/>

--- a/Presentation1.pptx
+++ b/Presentation1.pptx
@@ -145,8 +145,8 @@
 <pc:chgInfo xmlns:a="http://schemas.openxmlformats.org/drawingml/2006/main" xmlns:r="http://schemas.openxmlformats.org/officeDocument/2006/relationships" xmlns:ac="http://schemas.microsoft.com/office/drawing/2013/main/command" xmlns:pc="http://schemas.microsoft.com/office/powerpoint/2013/main/command">
   <pc:docChgLst>
     <pc:chgData name="Chonthicha Phuangfueang" userId="055aefd292e5fda0" providerId="LiveId" clId="{5B5F8411-1399-4D8D-B27F-31C85245C7D4}"/>
-    <pc:docChg chg="undo custSel addSld delSld modSld sldOrd modMainMaster">
-      <pc:chgData name="Chonthicha Phuangfueang" userId="055aefd292e5fda0" providerId="LiveId" clId="{5B5F8411-1399-4D8D-B27F-31C85245C7D4}" dt="2023-03-29T12:45:40.313" v="13740" actId="478"/>
+    <pc:docChg chg="undo redo custSel addSld delSld modSld sldOrd modMainMaster">
+      <pc:chgData name="Chonthicha Phuangfueang" userId="055aefd292e5fda0" providerId="LiveId" clId="{5B5F8411-1399-4D8D-B27F-31C85245C7D4}" dt="2023-03-29T13:49:49.076" v="14516" actId="1036"/>
       <pc:docMkLst>
         <pc:docMk/>
       </pc:docMkLst>
@@ -2329,11 +2329,19 @@
         </pc:picChg>
       </pc:sldChg>
       <pc:sldChg chg="addSp delSp modSp new mod">
-        <pc:chgData name="Chonthicha Phuangfueang" userId="055aefd292e5fda0" providerId="LiveId" clId="{5B5F8411-1399-4D8D-B27F-31C85245C7D4}" dt="2023-03-29T08:11:37.806" v="10974" actId="1076"/>
+        <pc:chgData name="Chonthicha Phuangfueang" userId="055aefd292e5fda0" providerId="LiveId" clId="{5B5F8411-1399-4D8D-B27F-31C85245C7D4}" dt="2023-03-29T13:49:49.076" v="14516" actId="1036"/>
         <pc:sldMkLst>
           <pc:docMk/>
           <pc:sldMk cId="2030428866" sldId="270"/>
         </pc:sldMkLst>
+        <pc:spChg chg="add del mod">
+          <ac:chgData name="Chonthicha Phuangfueang" userId="055aefd292e5fda0" providerId="LiveId" clId="{5B5F8411-1399-4D8D-B27F-31C85245C7D4}" dt="2023-03-29T13:20:15.636" v="13850"/>
+          <ac:spMkLst>
+            <pc:docMk/>
+            <pc:sldMk cId="2030428866" sldId="270"/>
+            <ac:spMk id="2" creationId="{2CA2FF7B-E75C-B50F-90FC-1D852721E49B}"/>
+          </ac:spMkLst>
+        </pc:spChg>
         <pc:spChg chg="del">
           <ac:chgData name="Chonthicha Phuangfueang" userId="055aefd292e5fda0" providerId="LiveId" clId="{5B5F8411-1399-4D8D-B27F-31C85245C7D4}" dt="2023-03-29T06:49:42.086" v="8443" actId="478"/>
           <ac:spMkLst>
@@ -2350,8 +2358,16 @@
             <ac:spMk id="3" creationId="{44F12864-E208-F28B-4842-22A17524687E}"/>
           </ac:spMkLst>
         </pc:spChg>
-        <pc:spChg chg="add mod">
-          <ac:chgData name="Chonthicha Phuangfueang" userId="055aefd292e5fda0" providerId="LiveId" clId="{5B5F8411-1399-4D8D-B27F-31C85245C7D4}" dt="2023-03-29T07:36:02.456" v="9992" actId="20577"/>
+        <pc:spChg chg="add mod ord">
+          <ac:chgData name="Chonthicha Phuangfueang" userId="055aefd292e5fda0" providerId="LiveId" clId="{5B5F8411-1399-4D8D-B27F-31C85245C7D4}" dt="2023-03-29T13:45:11.260" v="14421" actId="20577"/>
+          <ac:spMkLst>
+            <pc:docMk/>
+            <pc:sldMk cId="2030428866" sldId="270"/>
+            <ac:spMk id="3" creationId="{DA143EF8-87CE-CEB3-1CDD-08D807EF03FA}"/>
+          </ac:spMkLst>
+        </pc:spChg>
+        <pc:spChg chg="add del mod">
+          <ac:chgData name="Chonthicha Phuangfueang" userId="055aefd292e5fda0" providerId="LiveId" clId="{5B5F8411-1399-4D8D-B27F-31C85245C7D4}" dt="2023-03-29T13:18:40.124" v="13766" actId="478"/>
           <ac:spMkLst>
             <pc:docMk/>
             <pc:sldMk cId="2030428866" sldId="270"/>
@@ -2367,7 +2383,7 @@
           </ac:spMkLst>
         </pc:spChg>
         <pc:picChg chg="add mod">
-          <ac:chgData name="Chonthicha Phuangfueang" userId="055aefd292e5fda0" providerId="LiveId" clId="{5B5F8411-1399-4D8D-B27F-31C85245C7D4}" dt="2023-03-29T07:11:16.540" v="9106"/>
+          <ac:chgData name="Chonthicha Phuangfueang" userId="055aefd292e5fda0" providerId="LiveId" clId="{5B5F8411-1399-4D8D-B27F-31C85245C7D4}" dt="2023-03-29T13:20:32.435" v="13890" actId="1035"/>
           <ac:picMkLst>
             <pc:docMk/>
             <pc:sldMk cId="2030428866" sldId="270"/>
@@ -2375,7 +2391,15 @@
           </ac:picMkLst>
         </pc:picChg>
         <pc:picChg chg="add mod">
-          <ac:chgData name="Chonthicha Phuangfueang" userId="055aefd292e5fda0" providerId="LiveId" clId="{5B5F8411-1399-4D8D-B27F-31C85245C7D4}" dt="2023-03-29T06:52:05.211" v="8585" actId="1038"/>
+          <ac:chgData name="Chonthicha Phuangfueang" userId="055aefd292e5fda0" providerId="LiveId" clId="{5B5F8411-1399-4D8D-B27F-31C85245C7D4}" dt="2023-03-29T13:21:04.054" v="13922" actId="1036"/>
+          <ac:picMkLst>
+            <pc:docMk/>
+            <pc:sldMk cId="2030428866" sldId="270"/>
+            <ac:picMk id="5" creationId="{E10ED3E5-E199-50D3-D6A1-775A80F2059C}"/>
+          </ac:picMkLst>
+        </pc:picChg>
+        <pc:picChg chg="add del mod">
+          <ac:chgData name="Chonthicha Phuangfueang" userId="055aefd292e5fda0" providerId="LiveId" clId="{5B5F8411-1399-4D8D-B27F-31C85245C7D4}" dt="2023-03-29T13:19:50.183" v="13794" actId="478"/>
           <ac:picMkLst>
             <pc:docMk/>
             <pc:sldMk cId="2030428866" sldId="270"/>
@@ -2383,6 +2407,14 @@
           </ac:picMkLst>
         </pc:picChg>
         <pc:picChg chg="add del mod">
+          <ac:chgData name="Chonthicha Phuangfueang" userId="055aefd292e5fda0" providerId="LiveId" clId="{5B5F8411-1399-4D8D-B27F-31C85245C7D4}" dt="2023-03-29T13:32:02.637" v="13994" actId="478"/>
+          <ac:picMkLst>
+            <pc:docMk/>
+            <pc:sldMk cId="2030428866" sldId="270"/>
+            <ac:picMk id="8" creationId="{899CF1AC-BBAE-5722-C2BB-97C267E5D360}"/>
+          </ac:picMkLst>
+        </pc:picChg>
+        <pc:picChg chg="add del mod">
           <ac:chgData name="Chonthicha Phuangfueang" userId="055aefd292e5fda0" providerId="LiveId" clId="{5B5F8411-1399-4D8D-B27F-31C85245C7D4}" dt="2023-03-29T06:53:51.197" v="8613" actId="478"/>
           <ac:picMkLst>
             <pc:docMk/>
@@ -2390,14 +2422,22 @@
             <ac:picMk id="8" creationId="{A2E9FB44-2695-5D2D-60F4-165F633F6A7D}"/>
           </ac:picMkLst>
         </pc:picChg>
-        <pc:picChg chg="mod ord replST">
-          <ac:chgData name="Chonthicha Phuangfueang" userId="055aefd292e5fda0" providerId="LiveId" clId="{5B5F8411-1399-4D8D-B27F-31C85245C7D4}" dt="2023-03-29T06:56:30.048" v="8791" actId="1076"/>
+        <pc:picChg chg="del mod ord replST">
+          <ac:chgData name="Chonthicha Phuangfueang" userId="055aefd292e5fda0" providerId="LiveId" clId="{5B5F8411-1399-4D8D-B27F-31C85245C7D4}" dt="2023-03-29T13:15:51.046" v="13744" actId="478"/>
           <ac:picMkLst>
             <pc:docMk/>
             <pc:sldMk cId="2030428866" sldId="270"/>
             <ac:picMk id="10" creationId="{2B69DF72-79DD-8079-9DBA-0AEABFEB6211}"/>
           </ac:picMkLst>
         </pc:picChg>
+        <pc:picChg chg="mod ord replST">
+          <ac:chgData name="Chonthicha Phuangfueang" userId="055aefd292e5fda0" providerId="LiveId" clId="{5B5F8411-1399-4D8D-B27F-31C85245C7D4}" dt="2023-03-29T13:33:52.366" v="14070" actId="1035"/>
+          <ac:picMkLst>
+            <pc:docMk/>
+            <pc:sldMk cId="2030428866" sldId="270"/>
+            <ac:picMk id="11" creationId="{4E8267D9-1EB9-64B9-C25B-AC9B40A09AE6}"/>
+          </ac:picMkLst>
+        </pc:picChg>
         <pc:picChg chg="add del mod">
           <ac:chgData name="Chonthicha Phuangfueang" userId="055aefd292e5fda0" providerId="LiveId" clId="{5B5F8411-1399-4D8D-B27F-31C85245C7D4}" dt="2023-03-29T06:55:26.503" v="8702" actId="478"/>
           <ac:picMkLst>
@@ -2406,6 +2446,14 @@
             <ac:picMk id="11" creationId="{5E845182-8A9B-0B2E-3E28-340434879F76}"/>
           </ac:picMkLst>
         </pc:picChg>
+        <pc:picChg chg="add del mod">
+          <ac:chgData name="Chonthicha Phuangfueang" userId="055aefd292e5fda0" providerId="LiveId" clId="{5B5F8411-1399-4D8D-B27F-31C85245C7D4}" dt="2023-03-29T13:34:47.147" v="14106" actId="478"/>
+          <ac:picMkLst>
+            <pc:docMk/>
+            <pc:sldMk cId="2030428866" sldId="270"/>
+            <ac:picMk id="12" creationId="{B0747FF2-1C92-9AA7-7CDC-2ACE941A9AA8}"/>
+          </ac:picMkLst>
+        </pc:picChg>
         <pc:picChg chg="del mod ord replST">
           <ac:chgData name="Chonthicha Phuangfueang" userId="055aefd292e5fda0" providerId="LiveId" clId="{5B5F8411-1399-4D8D-B27F-31C85245C7D4}" dt="2023-03-29T06:55:57.193" v="8758" actId="478"/>
           <ac:picMkLst>
@@ -2414,8 +2462,16 @@
             <ac:picMk id="13" creationId="{449FC16B-7F44-291E-AEB9-54CB9DF9EA79}"/>
           </ac:picMkLst>
         </pc:picChg>
+        <pc:picChg chg="del mod ord replST">
+          <ac:chgData name="Chonthicha Phuangfueang" userId="055aefd292e5fda0" providerId="LiveId" clId="{5B5F8411-1399-4D8D-B27F-31C85245C7D4}" dt="2023-03-29T13:35:42.146" v="14200" actId="478"/>
+          <ac:picMkLst>
+            <pc:docMk/>
+            <pc:sldMk cId="2030428866" sldId="270"/>
+            <ac:picMk id="14" creationId="{AED161D8-4CB7-18E0-5841-7B40F8DBEA49}"/>
+          </ac:picMkLst>
+        </pc:picChg>
         <pc:picChg chg="mod ord replST">
-          <ac:chgData name="Chonthicha Phuangfueang" userId="055aefd292e5fda0" providerId="LiveId" clId="{5B5F8411-1399-4D8D-B27F-31C85245C7D4}" dt="2023-03-29T06:59:48.881" v="8973" actId="1035"/>
+          <ac:chgData name="Chonthicha Phuangfueang" userId="055aefd292e5fda0" providerId="LiveId" clId="{5B5F8411-1399-4D8D-B27F-31C85245C7D4}" dt="2023-03-29T13:20:32.435" v="13890" actId="1035"/>
           <ac:picMkLst>
             <pc:docMk/>
             <pc:sldMk cId="2030428866" sldId="270"/>
@@ -2430,8 +2486,16 @@
             <ac:picMk id="16" creationId="{92792C08-1B4D-3012-B9A0-79194CBB0A5B}"/>
           </ac:picMkLst>
         </pc:picChg>
+        <pc:picChg chg="del mod ord replST">
+          <ac:chgData name="Chonthicha Phuangfueang" userId="055aefd292e5fda0" providerId="LiveId" clId="{5B5F8411-1399-4D8D-B27F-31C85245C7D4}" dt="2023-03-29T13:36:07.656" v="14240" actId="478"/>
+          <ac:picMkLst>
+            <pc:docMk/>
+            <pc:sldMk cId="2030428866" sldId="270"/>
+            <ac:picMk id="17" creationId="{C84A3FE3-C9E2-119F-A7A5-932B93963328}"/>
+          </ac:picMkLst>
+        </pc:picChg>
         <pc:picChg chg="mod ord replST">
-          <ac:chgData name="Chonthicha Phuangfueang" userId="055aefd292e5fda0" providerId="LiveId" clId="{5B5F8411-1399-4D8D-B27F-31C85245C7D4}" dt="2023-03-29T06:59:58.697" v="8991" actId="1035"/>
+          <ac:chgData name="Chonthicha Phuangfueang" userId="055aefd292e5fda0" providerId="LiveId" clId="{5B5F8411-1399-4D8D-B27F-31C85245C7D4}" dt="2023-03-29T13:20:32.435" v="13890" actId="1035"/>
           <ac:picMkLst>
             <pc:docMk/>
             <pc:sldMk cId="2030428866" sldId="270"/>
@@ -2447,7 +2511,15 @@
           </ac:picMkLst>
         </pc:picChg>
         <pc:picChg chg="mod ord replST">
-          <ac:chgData name="Chonthicha Phuangfueang" userId="055aefd292e5fda0" providerId="LiveId" clId="{5B5F8411-1399-4D8D-B27F-31C85245C7D4}" dt="2023-03-29T06:57:55.766" v="8910" actId="1038"/>
+          <ac:chgData name="Chonthicha Phuangfueang" userId="055aefd292e5fda0" providerId="LiveId" clId="{5B5F8411-1399-4D8D-B27F-31C85245C7D4}" dt="2023-03-29T13:44:08.116" v="14374" actId="1037"/>
+          <ac:picMkLst>
+            <pc:docMk/>
+            <pc:sldMk cId="2030428866" sldId="270"/>
+            <ac:picMk id="20" creationId="{6B6C6812-6D0C-A89B-7918-2F2FF953D469}"/>
+          </ac:picMkLst>
+        </pc:picChg>
+        <pc:picChg chg="del mod ord replST">
+          <ac:chgData name="Chonthicha Phuangfueang" userId="055aefd292e5fda0" providerId="LiveId" clId="{5B5F8411-1399-4D8D-B27F-31C85245C7D4}" dt="2023-03-29T13:15:49.012" v="13743" actId="478"/>
           <ac:picMkLst>
             <pc:docMk/>
             <pc:sldMk cId="2030428866" sldId="270"/>
@@ -2463,7 +2535,15 @@
           </ac:picMkLst>
         </pc:picChg>
         <pc:picChg chg="mod ord replST">
-          <ac:chgData name="Chonthicha Phuangfueang" userId="055aefd292e5fda0" providerId="LiveId" clId="{5B5F8411-1399-4D8D-B27F-31C85245C7D4}" dt="2023-03-29T07:00:25.414" v="9003" actId="1076"/>
+          <ac:chgData name="Chonthicha Phuangfueang" userId="055aefd292e5fda0" providerId="LiveId" clId="{5B5F8411-1399-4D8D-B27F-31C85245C7D4}" dt="2023-03-29T13:44:19.535" v="14389" actId="1037"/>
+          <ac:picMkLst>
+            <pc:docMk/>
+            <pc:sldMk cId="2030428866" sldId="270"/>
+            <ac:picMk id="23" creationId="{9205955F-39CD-0369-F552-9FCCCBE87DE9}"/>
+          </ac:picMkLst>
+        </pc:picChg>
+        <pc:picChg chg="mod ord replST">
+          <ac:chgData name="Chonthicha Phuangfueang" userId="055aefd292e5fda0" providerId="LiveId" clId="{5B5F8411-1399-4D8D-B27F-31C85245C7D4}" dt="2023-03-29T13:20:32.435" v="13890" actId="1035"/>
           <ac:picMkLst>
             <pc:docMk/>
             <pc:sldMk cId="2030428866" sldId="270"/>
@@ -2471,7 +2551,7 @@
           </ac:picMkLst>
         </pc:picChg>
         <pc:picChg chg="add mod">
-          <ac:chgData name="Chonthicha Phuangfueang" userId="055aefd292e5fda0" providerId="LiveId" clId="{5B5F8411-1399-4D8D-B27F-31C85245C7D4}" dt="2023-03-29T07:11:16.540" v="9107"/>
+          <ac:chgData name="Chonthicha Phuangfueang" userId="055aefd292e5fda0" providerId="LiveId" clId="{5B5F8411-1399-4D8D-B27F-31C85245C7D4}" dt="2023-03-29T13:20:32.435" v="13890" actId="1035"/>
           <ac:picMkLst>
             <pc:docMk/>
             <pc:sldMk cId="2030428866" sldId="270"/>
@@ -2479,7 +2559,7 @@
           </ac:picMkLst>
         </pc:picChg>
         <pc:picChg chg="add mod">
-          <ac:chgData name="Chonthicha Phuangfueang" userId="055aefd292e5fda0" providerId="LiveId" clId="{5B5F8411-1399-4D8D-B27F-31C85245C7D4}" dt="2023-03-29T07:03:15.138" v="9085" actId="1076"/>
+          <ac:chgData name="Chonthicha Phuangfueang" userId="055aefd292e5fda0" providerId="LiveId" clId="{5B5F8411-1399-4D8D-B27F-31C85245C7D4}" dt="2023-03-29T13:22:30.673" v="13945" actId="1036"/>
           <ac:picMkLst>
             <pc:docMk/>
             <pc:sldMk cId="2030428866" sldId="270"/>
@@ -2487,7 +2567,7 @@
           </ac:picMkLst>
         </pc:picChg>
         <pc:picChg chg="add mod">
-          <ac:chgData name="Chonthicha Phuangfueang" userId="055aefd292e5fda0" providerId="LiveId" clId="{5B5F8411-1399-4D8D-B27F-31C85245C7D4}" dt="2023-03-29T07:11:16.540" v="9108"/>
+          <ac:chgData name="Chonthicha Phuangfueang" userId="055aefd292e5fda0" providerId="LiveId" clId="{5B5F8411-1399-4D8D-B27F-31C85245C7D4}" dt="2023-03-29T13:22:30.673" v="13945" actId="1036"/>
           <ac:picMkLst>
             <pc:docMk/>
             <pc:sldMk cId="2030428866" sldId="270"/>
@@ -2495,7 +2575,7 @@
           </ac:picMkLst>
         </pc:picChg>
         <pc:picChg chg="add mod">
-          <ac:chgData name="Chonthicha Phuangfueang" userId="055aefd292e5fda0" providerId="LiveId" clId="{5B5F8411-1399-4D8D-B27F-31C85245C7D4}" dt="2023-03-29T07:03:37.951" v="9096" actId="1076"/>
+          <ac:chgData name="Chonthicha Phuangfueang" userId="055aefd292e5fda0" providerId="LiveId" clId="{5B5F8411-1399-4D8D-B27F-31C85245C7D4}" dt="2023-03-29T13:20:32.435" v="13890" actId="1035"/>
           <ac:picMkLst>
             <pc:docMk/>
             <pc:sldMk cId="2030428866" sldId="270"/>
@@ -2511,7 +2591,23 @@
           </ac:picMkLst>
         </pc:picChg>
         <pc:picChg chg="mod ord replST">
-          <ac:chgData name="Chonthicha Phuangfueang" userId="055aefd292e5fda0" providerId="LiveId" clId="{5B5F8411-1399-4D8D-B27F-31C85245C7D4}" dt="2023-03-29T07:12:02.560" v="9156" actId="1038"/>
+          <ac:chgData name="Chonthicha Phuangfueang" userId="055aefd292e5fda0" providerId="LiveId" clId="{5B5F8411-1399-4D8D-B27F-31C85245C7D4}" dt="2023-03-29T13:38:46.514" v="14299" actId="1036"/>
+          <ac:picMkLst>
+            <pc:docMk/>
+            <pc:sldMk cId="2030428866" sldId="270"/>
+            <ac:picMk id="30" creationId="{3DDA159B-E701-705F-071B-DE44D0CD693C}"/>
+          </ac:picMkLst>
+        </pc:picChg>
+        <pc:picChg chg="add del mod">
+          <ac:chgData name="Chonthicha Phuangfueang" userId="055aefd292e5fda0" providerId="LiveId" clId="{5B5F8411-1399-4D8D-B27F-31C85245C7D4}" dt="2023-03-29T13:46:01.552" v="14447" actId="478"/>
+          <ac:picMkLst>
+            <pc:docMk/>
+            <pc:sldMk cId="2030428866" sldId="270"/>
+            <ac:picMk id="31" creationId="{5B29AC82-E7FD-757E-A54A-4C47A2F27EE1}"/>
+          </ac:picMkLst>
+        </pc:picChg>
+        <pc:picChg chg="mod ord replST">
+          <ac:chgData name="Chonthicha Phuangfueang" userId="055aefd292e5fda0" providerId="LiveId" clId="{5B5F8411-1399-4D8D-B27F-31C85245C7D4}" dt="2023-03-29T13:22:30.673" v="13945" actId="1036"/>
           <ac:picMkLst>
             <pc:docMk/>
             <pc:sldMk cId="2030428866" sldId="270"/>
@@ -2526,8 +2622,16 @@
             <ac:picMk id="33" creationId="{3744E2D1-5A5E-17EF-CB75-8448CA5E7396}"/>
           </ac:picMkLst>
         </pc:picChg>
+        <pc:picChg chg="del mod ord replST">
+          <ac:chgData name="Chonthicha Phuangfueang" userId="055aefd292e5fda0" providerId="LiveId" clId="{5B5F8411-1399-4D8D-B27F-31C85245C7D4}" dt="2023-03-29T13:46:26.710" v="14475" actId="478"/>
+          <ac:picMkLst>
+            <pc:docMk/>
+            <pc:sldMk cId="2030428866" sldId="270"/>
+            <ac:picMk id="34" creationId="{7E356F66-4345-21DA-AC68-9214E287C67D}"/>
+          </ac:picMkLst>
+        </pc:picChg>
         <pc:picChg chg="mod ord replST">
-          <ac:chgData name="Chonthicha Phuangfueang" userId="055aefd292e5fda0" providerId="LiveId" clId="{5B5F8411-1399-4D8D-B27F-31C85245C7D4}" dt="2023-03-29T07:13:35.600" v="9187" actId="962"/>
+          <ac:chgData name="Chonthicha Phuangfueang" userId="055aefd292e5fda0" providerId="LiveId" clId="{5B5F8411-1399-4D8D-B27F-31C85245C7D4}" dt="2023-03-29T13:20:32.435" v="13890" actId="1035"/>
           <ac:picMkLst>
             <pc:docMk/>
             <pc:sldMk cId="2030428866" sldId="270"/>
@@ -2543,7 +2647,15 @@
           </ac:picMkLst>
         </pc:picChg>
         <pc:picChg chg="mod ord replST">
-          <ac:chgData name="Chonthicha Phuangfueang" userId="055aefd292e5fda0" providerId="LiveId" clId="{5B5F8411-1399-4D8D-B27F-31C85245C7D4}" dt="2023-03-29T07:14:01.756" v="9218" actId="962"/>
+          <ac:chgData name="Chonthicha Phuangfueang" userId="055aefd292e5fda0" providerId="LiveId" clId="{5B5F8411-1399-4D8D-B27F-31C85245C7D4}" dt="2023-03-29T13:46:26.711" v="14477" actId="962"/>
+          <ac:picMkLst>
+            <pc:docMk/>
+            <pc:sldMk cId="2030428866" sldId="270"/>
+            <ac:picMk id="37" creationId="{9466DCCD-FE98-4063-FD61-45125A7DC488}"/>
+          </ac:picMkLst>
+        </pc:picChg>
+        <pc:picChg chg="mod ord replST">
+          <ac:chgData name="Chonthicha Phuangfueang" userId="055aefd292e5fda0" providerId="LiveId" clId="{5B5F8411-1399-4D8D-B27F-31C85245C7D4}" dt="2023-03-29T13:20:32.435" v="13890" actId="1035"/>
           <ac:picMkLst>
             <pc:docMk/>
             <pc:sldMk cId="2030428866" sldId="270"/>
@@ -2551,6 +2663,14 @@
           </ac:picMkLst>
         </pc:picChg>
         <pc:picChg chg="add del mod">
+          <ac:chgData name="Chonthicha Phuangfueang" userId="055aefd292e5fda0" providerId="LiveId" clId="{5B5F8411-1399-4D8D-B27F-31C85245C7D4}" dt="2023-03-29T13:48:40.245" v="14509" actId="478"/>
+          <ac:picMkLst>
+            <pc:docMk/>
+            <pc:sldMk cId="2030428866" sldId="270"/>
+            <ac:picMk id="39" creationId="{72C93697-4EA2-48BC-F3D2-A8711F2E9FBE}"/>
+          </ac:picMkLst>
+        </pc:picChg>
+        <pc:picChg chg="add del mod">
           <ac:chgData name="Chonthicha Phuangfueang" userId="055aefd292e5fda0" providerId="LiveId" clId="{5B5F8411-1399-4D8D-B27F-31C85245C7D4}" dt="2023-03-29T07:15:14.108" v="9270" actId="478"/>
           <ac:picMkLst>
             <pc:docMk/>
@@ -2559,7 +2679,7 @@
           </ac:picMkLst>
         </pc:picChg>
         <pc:picChg chg="mod ord replST">
-          <ac:chgData name="Chonthicha Phuangfueang" userId="055aefd292e5fda0" providerId="LiveId" clId="{5B5F8411-1399-4D8D-B27F-31C85245C7D4}" dt="2023-03-29T07:15:14.108" v="9272" actId="962"/>
+          <ac:chgData name="Chonthicha Phuangfueang" userId="055aefd292e5fda0" providerId="LiveId" clId="{5B5F8411-1399-4D8D-B27F-31C85245C7D4}" dt="2023-03-29T13:33:48.582" v="14068" actId="1035"/>
           <ac:picMkLst>
             <pc:docMk/>
             <pc:sldMk cId="2030428866" sldId="270"/>
@@ -2575,7 +2695,15 @@
           </ac:picMkLst>
         </pc:picChg>
         <pc:picChg chg="mod ord replST">
-          <ac:chgData name="Chonthicha Phuangfueang" userId="055aefd292e5fda0" providerId="LiveId" clId="{5B5F8411-1399-4D8D-B27F-31C85245C7D4}" dt="2023-03-29T07:22:40.065" v="9355" actId="1076"/>
+          <ac:chgData name="Chonthicha Phuangfueang" userId="055aefd292e5fda0" providerId="LiveId" clId="{5B5F8411-1399-4D8D-B27F-31C85245C7D4}" dt="2023-03-29T13:48:40.246" v="14511" actId="962"/>
+          <ac:picMkLst>
+            <pc:docMk/>
+            <pc:sldMk cId="2030428866" sldId="270"/>
+            <ac:picMk id="42" creationId="{B13A233F-32ED-46D4-0E4B-6359AE1B62A6}"/>
+          </ac:picMkLst>
+        </pc:picChg>
+        <pc:picChg chg="mod ord replST">
+          <ac:chgData name="Chonthicha Phuangfueang" userId="055aefd292e5fda0" providerId="LiveId" clId="{5B5F8411-1399-4D8D-B27F-31C85245C7D4}" dt="2023-03-29T13:33:48.582" v="14068" actId="1035"/>
           <ac:picMkLst>
             <pc:docMk/>
             <pc:sldMk cId="2030428866" sldId="270"/>
@@ -2606,8 +2734,8 @@
             <ac:picMk id="47" creationId="{1A319BEC-337C-104E-FC03-752A4873DFC9}"/>
           </ac:picMkLst>
         </pc:picChg>
-        <pc:picChg chg="mod ord replST">
-          <ac:chgData name="Chonthicha Phuangfueang" userId="055aefd292e5fda0" providerId="LiveId" clId="{5B5F8411-1399-4D8D-B27F-31C85245C7D4}" dt="2023-03-29T07:31:56.082" v="9791" actId="1037"/>
+        <pc:picChg chg="del mod ord replST">
+          <ac:chgData name="Chonthicha Phuangfueang" userId="055aefd292e5fda0" providerId="LiveId" clId="{5B5F8411-1399-4D8D-B27F-31C85245C7D4}" dt="2023-03-29T13:35:12.236" v="14159" actId="478"/>
           <ac:picMkLst>
             <pc:docMk/>
             <pc:sldMk cId="2030428866" sldId="270"/>
@@ -2671,7 +2799,7 @@
           </ac:picMkLst>
         </pc:picChg>
         <pc:picChg chg="mod ord replST">
-          <ac:chgData name="Chonthicha Phuangfueang" userId="055aefd292e5fda0" providerId="LiveId" clId="{5B5F8411-1399-4D8D-B27F-31C85245C7D4}" dt="2023-03-29T07:34:55.881" v="9957" actId="1038"/>
+          <ac:chgData name="Chonthicha Phuangfueang" userId="055aefd292e5fda0" providerId="LiveId" clId="{5B5F8411-1399-4D8D-B27F-31C85245C7D4}" dt="2023-03-29T13:33:55.259" v="14071" actId="1035"/>
           <ac:picMkLst>
             <pc:docMk/>
             <pc:sldMk cId="2030428866" sldId="270"/>
@@ -2679,7 +2807,7 @@
           </ac:picMkLst>
         </pc:picChg>
         <pc:picChg chg="mod ord replST">
-          <ac:chgData name="Chonthicha Phuangfueang" userId="055aefd292e5fda0" providerId="LiveId" clId="{5B5F8411-1399-4D8D-B27F-31C85245C7D4}" dt="2023-03-29T07:34:52.477" v="9937" actId="1038"/>
+          <ac:chgData name="Chonthicha Phuangfueang" userId="055aefd292e5fda0" providerId="LiveId" clId="{5B5F8411-1399-4D8D-B27F-31C85245C7D4}" dt="2023-03-29T13:33:48.582" v="14068" actId="1035"/>
           <ac:picMkLst>
             <pc:docMk/>
             <pc:sldMk cId="2030428866" sldId="270"/>
@@ -2694,8 +2822,8 @@
             <ac:picMk id="66" creationId="{049B0042-22C4-E046-247D-65F8DEA39136}"/>
           </ac:picMkLst>
         </pc:picChg>
-        <pc:picChg chg="mod ord replST">
-          <ac:chgData name="Chonthicha Phuangfueang" userId="055aefd292e5fda0" providerId="LiveId" clId="{5B5F8411-1399-4D8D-B27F-31C85245C7D4}" dt="2023-03-29T07:33:28.261" v="9848" actId="1038"/>
+        <pc:picChg chg="del mod ord replST">
+          <ac:chgData name="Chonthicha Phuangfueang" userId="055aefd292e5fda0" providerId="LiveId" clId="{5B5F8411-1399-4D8D-B27F-31C85245C7D4}" dt="2023-03-29T13:37:37.420" v="14295" actId="478"/>
           <ac:picMkLst>
             <pc:docMk/>
             <pc:sldMk cId="2030428866" sldId="270"/>
@@ -2711,7 +2839,7 @@
           </ac:picMkLst>
         </pc:picChg>
         <pc:picChg chg="mod ord replST">
-          <ac:chgData name="Chonthicha Phuangfueang" userId="055aefd292e5fda0" providerId="LiveId" clId="{5B5F8411-1399-4D8D-B27F-31C85245C7D4}" dt="2023-03-29T07:35:09.567" v="9965" actId="1037"/>
+          <ac:chgData name="Chonthicha Phuangfueang" userId="055aefd292e5fda0" providerId="LiveId" clId="{5B5F8411-1399-4D8D-B27F-31C85245C7D4}" dt="2023-03-29T13:49:44.560" v="14514" actId="1035"/>
           <ac:picMkLst>
             <pc:docMk/>
             <pc:sldMk cId="2030428866" sldId="270"/>
@@ -2719,7 +2847,7 @@
           </ac:picMkLst>
         </pc:picChg>
         <pc:picChg chg="add mod">
-          <ac:chgData name="Chonthicha Phuangfueang" userId="055aefd292e5fda0" providerId="LiveId" clId="{5B5F8411-1399-4D8D-B27F-31C85245C7D4}" dt="2023-03-29T07:35:03.716" v="9959" actId="1076"/>
+          <ac:chgData name="Chonthicha Phuangfueang" userId="055aefd292e5fda0" providerId="LiveId" clId="{5B5F8411-1399-4D8D-B27F-31C85245C7D4}" dt="2023-03-29T13:33:48.582" v="14068" actId="1035"/>
           <ac:picMkLst>
             <pc:docMk/>
             <pc:sldMk cId="2030428866" sldId="270"/>
@@ -2727,7 +2855,7 @@
           </ac:picMkLst>
         </pc:picChg>
         <pc:picChg chg="add mod">
-          <ac:chgData name="Chonthicha Phuangfueang" userId="055aefd292e5fda0" providerId="LiveId" clId="{5B5F8411-1399-4D8D-B27F-31C85245C7D4}" dt="2023-03-29T07:35:45.904" v="9977" actId="1076"/>
+          <ac:chgData name="Chonthicha Phuangfueang" userId="055aefd292e5fda0" providerId="LiveId" clId="{5B5F8411-1399-4D8D-B27F-31C85245C7D4}" dt="2023-03-29T13:33:48.582" v="14068" actId="1035"/>
           <ac:picMkLst>
             <pc:docMk/>
             <pc:sldMk cId="2030428866" sldId="270"/>
@@ -2735,7 +2863,7 @@
           </ac:picMkLst>
         </pc:picChg>
         <pc:picChg chg="add mod">
-          <ac:chgData name="Chonthicha Phuangfueang" userId="055aefd292e5fda0" providerId="LiveId" clId="{5B5F8411-1399-4D8D-B27F-31C85245C7D4}" dt="2023-03-29T07:35:57.533" v="9984" actId="1076"/>
+          <ac:chgData name="Chonthicha Phuangfueang" userId="055aefd292e5fda0" providerId="LiveId" clId="{5B5F8411-1399-4D8D-B27F-31C85245C7D4}" dt="2023-03-29T13:49:49.076" v="14516" actId="1036"/>
           <ac:picMkLst>
             <pc:docMk/>
             <pc:sldMk cId="2030428866" sldId="270"/>
@@ -2783,7 +2911,7 @@
           </ac:picMkLst>
         </pc:picChg>
         <pc:picChg chg="mod ord replST">
-          <ac:chgData name="Chonthicha Phuangfueang" userId="055aefd292e5fda0" providerId="LiveId" clId="{5B5F8411-1399-4D8D-B27F-31C85245C7D4}" dt="2023-03-29T08:11:37.806" v="10974" actId="1076"/>
+          <ac:chgData name="Chonthicha Phuangfueang" userId="055aefd292e5fda0" providerId="LiveId" clId="{5B5F8411-1399-4D8D-B27F-31C85245C7D4}" dt="2023-03-29T13:33:48.582" v="14068" actId="1035"/>
           <ac:picMkLst>
             <pc:docMk/>
             <pc:sldMk cId="2030428866" sldId="270"/>
@@ -2791,7 +2919,7 @@
           </ac:picMkLst>
         </pc:picChg>
         <pc:picChg chg="mod ord replST">
-          <ac:chgData name="Chonthicha Phuangfueang" userId="055aefd292e5fda0" providerId="LiveId" clId="{5B5F8411-1399-4D8D-B27F-31C85245C7D4}" dt="2023-03-29T08:11:33.682" v="10973" actId="1076"/>
+          <ac:chgData name="Chonthicha Phuangfueang" userId="055aefd292e5fda0" providerId="LiveId" clId="{5B5F8411-1399-4D8D-B27F-31C85245C7D4}" dt="2023-03-29T13:33:48.582" v="14068" actId="1035"/>
           <ac:picMkLst>
             <pc:docMk/>
             <pc:sldMk cId="2030428866" sldId="270"/>
@@ -2800,7 +2928,7 @@
         </pc:picChg>
       </pc:sldChg>
       <pc:sldChg chg="addSp delSp modSp new mod">
-        <pc:chgData name="Chonthicha Phuangfueang" userId="055aefd292e5fda0" providerId="LiveId" clId="{5B5F8411-1399-4D8D-B27F-31C85245C7D4}" dt="2023-03-29T08:45:39.435" v="11651" actId="1036"/>
+        <pc:chgData name="Chonthicha Phuangfueang" userId="055aefd292e5fda0" providerId="LiveId" clId="{5B5F8411-1399-4D8D-B27F-31C85245C7D4}" dt="2023-03-29T13:48:19.595" v="14481" actId="478"/>
         <pc:sldMkLst>
           <pc:docMk/>
           <pc:sldMk cId="3999688864" sldId="271"/>
@@ -2829,6 +2957,14 @@
             <ac:spMk id="4" creationId="{BBC5014E-DDD4-5FE9-9FAF-A862A31648A3}"/>
           </ac:spMkLst>
         </pc:spChg>
+        <pc:picChg chg="add del mod">
+          <ac:chgData name="Chonthicha Phuangfueang" userId="055aefd292e5fda0" providerId="LiveId" clId="{5B5F8411-1399-4D8D-B27F-31C85245C7D4}" dt="2023-03-29T13:48:19.595" v="14481" actId="478"/>
+          <ac:picMkLst>
+            <pc:docMk/>
+            <pc:sldMk cId="3999688864" sldId="271"/>
+            <ac:picMk id="2" creationId="{2D7A385B-AB4F-C5F7-ECB3-7FE5FBC265FB}"/>
+          </ac:picMkLst>
+        </pc:picChg>
         <pc:picChg chg="add mod">
           <ac:chgData name="Chonthicha Phuangfueang" userId="055aefd292e5fda0" providerId="LiveId" clId="{5B5F8411-1399-4D8D-B27F-31C85245C7D4}" dt="2023-03-29T07:48:01.757" v="10147" actId="1035"/>
           <ac:picMkLst>
@@ -3419,6 +3555,37 @@
             <ac:spMk id="3" creationId="{1CACBA04-8C1F-2EE5-64DE-57EFA8D03693}"/>
           </ac:spMkLst>
         </pc:spChg>
+      </pc:sldChg>
+      <pc:sldChg chg="addSp delSp modSp new del mod">
+        <pc:chgData name="Chonthicha Phuangfueang" userId="055aefd292e5fda0" providerId="LiveId" clId="{5B5F8411-1399-4D8D-B27F-31C85245C7D4}" dt="2023-03-29T13:21:08.264" v="13923" actId="47"/>
+        <pc:sldMkLst>
+          <pc:docMk/>
+          <pc:sldMk cId="1785670674" sldId="274"/>
+        </pc:sldMkLst>
+        <pc:spChg chg="del">
+          <ac:chgData name="Chonthicha Phuangfueang" userId="055aefd292e5fda0" providerId="LiveId" clId="{5B5F8411-1399-4D8D-B27F-31C85245C7D4}" dt="2023-03-29T13:19:02.926" v="13767" actId="478"/>
+          <ac:spMkLst>
+            <pc:docMk/>
+            <pc:sldMk cId="1785670674" sldId="274"/>
+            <ac:spMk id="2" creationId="{C0CCC8F2-0CAC-0F9D-7C72-946306DDA62A}"/>
+          </ac:spMkLst>
+        </pc:spChg>
+        <pc:spChg chg="add del mod">
+          <ac:chgData name="Chonthicha Phuangfueang" userId="055aefd292e5fda0" providerId="LiveId" clId="{5B5F8411-1399-4D8D-B27F-31C85245C7D4}" dt="2023-03-29T13:20:54.751" v="13907" actId="478"/>
+          <ac:spMkLst>
+            <pc:docMk/>
+            <pc:sldMk cId="1785670674" sldId="274"/>
+            <ac:spMk id="4" creationId="{E61CE759-FF13-99FD-FB68-CC8B0E1B9461}"/>
+          </ac:spMkLst>
+        </pc:spChg>
+        <pc:picChg chg="add mod">
+          <ac:chgData name="Chonthicha Phuangfueang" userId="055aefd292e5fda0" providerId="LiveId" clId="{5B5F8411-1399-4D8D-B27F-31C85245C7D4}" dt="2023-03-29T13:20:58.565" v="13908" actId="1035"/>
+          <ac:picMkLst>
+            <pc:docMk/>
+            <pc:sldMk cId="1785670674" sldId="274"/>
+            <ac:picMk id="5" creationId="{13AC792C-4FF6-B0AE-C504-803D8C30FC83}"/>
+          </ac:picMkLst>
+        </pc:picChg>
       </pc:sldChg>
       <pc:sldMasterChg chg="modSldLayout">
         <pc:chgData name="Chonthicha Phuangfueang" userId="055aefd292e5fda0" providerId="LiveId" clId="{5B5F8411-1399-4D8D-B27F-31C85245C7D4}" dt="2023-03-26T08:37:46.930" v="528"/>
@@ -13212,6 +13379,252 @@
           <a:chExt cx="0" cy="0"/>
         </a:xfrm>
       </p:grpSpPr>
+      <mc:AlternateContent xmlns:mc="http://schemas.openxmlformats.org/markup-compatibility/2006">
+        <mc:Choice xmlns:a14="http://schemas.microsoft.com/office/drawing/2010/main" Requires="a14">
+          <p:sp>
+            <p:nvSpPr>
+              <p:cNvPr id="3" name="TextBox 2">
+                <a:extLst>
+                  <a:ext uri="{FF2B5EF4-FFF2-40B4-BE49-F238E27FC236}">
+                    <a16:creationId xmlns:a16="http://schemas.microsoft.com/office/drawing/2014/main" id="{DA143EF8-87CE-CEB3-1CDD-08D807EF03FA}"/>
+                  </a:ext>
+                </a:extLst>
+              </p:cNvPr>
+              <p:cNvSpPr txBox="1"/>
+              <p:nvPr/>
+            </p:nvSpPr>
+            <p:spPr>
+              <a:xfrm>
+                <a:off x="911471" y="586581"/>
+                <a:ext cx="9870829" cy="5816977"/>
+              </a:xfrm>
+              <a:prstGeom prst="rect">
+                <a:avLst/>
+              </a:prstGeom>
+              <a:noFill/>
+            </p:spPr>
+            <p:txBody>
+              <a:bodyPr wrap="square">
+                <a:spAutoFit/>
+              </a:bodyPr>
+              <a:lstStyle/>
+              <a:p>
+                <a:r>
+                  <a:rPr lang="en-US" sz="3100" dirty="0">
+                    <a:latin typeface="TH Sarabun New" panose="020B0500040200020003" pitchFamily="34" charset="-34"/>
+                    <a:cs typeface="TH Sarabun New" panose="020B0500040200020003" pitchFamily="34" charset="-34"/>
+                  </a:rPr>
+                  <a:t>				</a:t>
+                </a:r>
+                <a:r>
+                  <a:rPr lang="th-TH" sz="3100" dirty="0">
+                    <a:latin typeface="TH Sarabun New" panose="020B0500040200020003" pitchFamily="34" charset="-34"/>
+                    <a:cs typeface="TH Sarabun New" panose="020B0500040200020003" pitchFamily="34" charset="-34"/>
+                  </a:rPr>
+                  <a:t>ดังนั้น จะมีจำนวนเต็มที่ไม่เป็นลบ    ซึ่งทำให้</a:t>
+                </a:r>
+              </a:p>
+              <a:p>
+                <a:r>
+                  <a:rPr lang="en-US" sz="3100" dirty="0">
+                    <a:latin typeface="TH Sarabun New" panose="020B0500040200020003" pitchFamily="34" charset="-34"/>
+                    <a:cs typeface="TH Sarabun New" panose="020B0500040200020003" pitchFamily="34" charset="-34"/>
+                  </a:rPr>
+                  <a:t>				</a:t>
+                </a:r>
+                <a:r>
+                  <a:rPr lang="th-TH" sz="3100" dirty="0">
+                    <a:latin typeface="TH Sarabun New" panose="020B0500040200020003" pitchFamily="34" charset="-34"/>
+                    <a:cs typeface="TH Sarabun New" panose="020B0500040200020003" pitchFamily="34" charset="-34"/>
+                  </a:rPr>
+                  <a:t> </a:t>
+                </a:r>
+                <a:endParaRPr lang="en-US" sz="3100" dirty="0">
+                  <a:latin typeface="TH Sarabun New" panose="020B0500040200020003" pitchFamily="34" charset="-34"/>
+                  <a:cs typeface="TH Sarabun New" panose="020B0500040200020003" pitchFamily="34" charset="-34"/>
+                </a:endParaRPr>
+              </a:p>
+              <a:p>
+                <a:r>
+                  <a:rPr lang="th-TH" sz="3100" dirty="0">
+                    <a:latin typeface="TH Sarabun New" panose="020B0500040200020003" pitchFamily="34" charset="-34"/>
+                    <a:cs typeface="TH Sarabun New" panose="020B0500040200020003" pitchFamily="34" charset="-34"/>
+                  </a:rPr>
+                  <a:t>				และ </a:t>
+                </a:r>
+              </a:p>
+              <a:p>
+                <a:r>
+                  <a:rPr lang="en-US" sz="3100" dirty="0"/>
+                  <a:t>				</a:t>
+                </a:r>
+                <a:r>
+                  <a:rPr lang="th-TH" sz="3100" dirty="0"/>
+                  <a:t>จาก 	    และ      จะได้ว่า </a:t>
+                </a:r>
+              </a:p>
+              <a:p>
+                <a:r>
+                  <a:rPr lang="th-TH" sz="3100" dirty="0"/>
+                  <a:t>				     </a:t>
+                </a:r>
+                <a14:m>
+                  <m:oMath xmlns:m="http://schemas.openxmlformats.org/officeDocument/2006/math">
+                    <m:r>
+                      <a:rPr lang="en-US" sz="2000" b="0" i="1" smtClean="0">
+                        <a:latin typeface="Cambria Math" panose="02040503050406030204" pitchFamily="18" charset="0"/>
+                      </a:rPr>
+                      <m:t>−</m:t>
+                    </m:r>
+                  </m:oMath>
+                </a14:m>
+                <a:r>
+                  <a:rPr lang="en-US" sz="3100" dirty="0"/>
+                  <a:t>	  : </a:t>
+                </a:r>
+              </a:p>
+              <a:p>
+                <a:endParaRPr lang="en-US" sz="3100" dirty="0"/>
+              </a:p>
+              <a:p>
+                <a:r>
+                  <a:rPr lang="en-US" sz="3100" dirty="0"/>
+                  <a:t>              </a:t>
+                </a:r>
+              </a:p>
+              <a:p>
+                <a:r>
+                  <a:rPr lang="en-US" sz="3100" dirty="0"/>
+                  <a:t>				</a:t>
+                </a:r>
+                <a:r>
+                  <a:rPr lang="th-TH" sz="3100" dirty="0"/>
+                  <a:t>จาก      เนื่องจาก        </a:t>
+                </a:r>
+                <a:r>
+                  <a:rPr lang="en-US" sz="3100" dirty="0"/>
+                  <a:t>     </a:t>
+                </a:r>
+                <a:r>
+                  <a:rPr lang="th-TH" sz="3100" dirty="0"/>
+                  <a:t>จะได้ว่า </a:t>
+                </a:r>
+                <a:r>
+                  <a:rPr lang="en-US" sz="3100" dirty="0"/>
+                  <a:t>  					  </a:t>
+                </a:r>
+                <a:r>
+                  <a:rPr lang="th-TH" sz="3100" dirty="0"/>
+                  <a:t>และ </a:t>
+                </a:r>
+                <a:endParaRPr lang="en-US" sz="3100" dirty="0"/>
+              </a:p>
+              <a:p>
+                <a:r>
+                  <a:rPr lang="en-US" sz="3100" dirty="0"/>
+                  <a:t>  				</a:t>
+                </a:r>
+                <a:r>
+                  <a:rPr lang="th-TH" sz="3100" dirty="0"/>
+                  <a:t>เนื่องจาก 		 ดังนั้น   </a:t>
+                </a:r>
+                <a:r>
+                  <a:rPr lang="en-US" sz="3100" dirty="0"/>
+                  <a:t>       </a:t>
+                </a:r>
+                <a:r>
+                  <a:rPr lang="th-TH" sz="3100" dirty="0"/>
+                  <a:t>จะได้ว่า</a:t>
+                </a:r>
+                <a:r>
+                  <a:rPr lang="en-US" sz="3100" dirty="0"/>
+                  <a:t>          </a:t>
+                </a:r>
+                <a:r>
+                  <a:rPr lang="th-TH" sz="3100" dirty="0"/>
+                  <a:t>แล้ว</a:t>
+                </a:r>
+                <a:endParaRPr lang="en-US" sz="3100" dirty="0"/>
+              </a:p>
+              <a:p>
+                <a:r>
+                  <a:rPr lang="th-TH" sz="3100" dirty="0"/>
+                  <a:t>				</a:t>
+                </a:r>
+                <a:r>
+                  <a:rPr lang="en-US" sz="3100" dirty="0"/>
+                  <a:t>      		  </a:t>
+                </a:r>
+                <a:r>
+                  <a:rPr lang="th-TH" sz="3100" dirty="0"/>
+                  <a:t>นั่นคือ 			 </a:t>
+                </a:r>
+                <a:r>
+                  <a:rPr lang="en-US" sz="3100" dirty="0"/>
+                  <a:t>, 			</a:t>
+                </a:r>
+                <a:r>
+                  <a:rPr lang="th-TH" sz="3100" dirty="0"/>
+                  <a:t> นั่นคือ </a:t>
+                </a:r>
+              </a:p>
+              <a:p>
+                <a:r>
+                  <a:rPr lang="th-TH" sz="3100" dirty="0"/>
+                  <a:t>				แทน 		ใน 		จะได้ </a:t>
+                </a:r>
+              </a:p>
+              <a:p>
+                <a:endParaRPr lang="en-US" sz="3100" dirty="0"/>
+              </a:p>
+            </p:txBody>
+          </p:sp>
+        </mc:Choice>
+        <mc:Fallback>
+          <p:sp>
+            <p:nvSpPr>
+              <p:cNvPr id="3" name="TextBox 2">
+                <a:extLst>
+                  <a:ext uri="{FF2B5EF4-FFF2-40B4-BE49-F238E27FC236}">
+                    <a16:creationId xmlns:a16="http://schemas.microsoft.com/office/drawing/2014/main" id="{DA143EF8-87CE-CEB3-1CDD-08D807EF03FA}"/>
+                  </a:ext>
+                </a:extLst>
+              </p:cNvPr>
+              <p:cNvSpPr txBox="1">
+                <a:spLocks noRot="1" noChangeAspect="1" noMove="1" noResize="1" noEditPoints="1" noAdjustHandles="1" noChangeArrowheads="1" noChangeShapeType="1" noTextEdit="1"/>
+              </p:cNvSpPr>
+              <p:nvPr/>
+            </p:nvSpPr>
+            <p:spPr>
+              <a:xfrm>
+                <a:off x="911471" y="586581"/>
+                <a:ext cx="9870829" cy="5816977"/>
+              </a:xfrm>
+              <a:prstGeom prst="rect">
+                <a:avLst/>
+              </a:prstGeom>
+              <a:blipFill>
+                <a:blip r:embed="rId30"/>
+                <a:stretch>
+                  <a:fillRect t="-1258"/>
+                </a:stretch>
+              </a:blipFill>
+            </p:spPr>
+            <p:txBody>
+              <a:bodyPr/>
+              <a:lstStyle/>
+              <a:p>
+                <a:r>
+                  <a:rPr lang="en-US">
+                    <a:noFill/>
+                  </a:rPr>
+                  <a:t> </a:t>
+                </a:r>
+              </a:p>
+            </p:txBody>
+          </p:sp>
+        </mc:Fallback>
+      </mc:AlternateContent>
       <p:pic>
         <p:nvPicPr>
           <p:cNvPr id="4" name="Content Placeholder 3 1" descr="\documentclass{article}&#10;\usepackage{amsmath}&#10;\pagestyle{empty}&#10;\usepackage{xcolor}&#10;\usepackage{empheq}&#10;\begin{document}&#10;${\color{red}\left ( 2 \right )}$&#10;\end{document}" title="IguanaTex Bitmap Display">
@@ -13232,7 +13645,7 @@
           </p:nvPr>
         </p:nvPicPr>
         <p:blipFill>
-          <a:blip r:embed="rId28">
+          <a:blip r:embed="rId31">
             <a:extLst>
               <a:ext uri="{28A0092B-C50C-407E-A947-70E740481C1C}">
                 <a14:useLocalDpi xmlns:a14="http://schemas.microsoft.com/office/drawing/2010/main" val="0"/>
@@ -13245,279 +13658,8 @@
         </p:blipFill>
         <p:spPr>
           <a:xfrm>
-            <a:off x="8779445" y="1950409"/>
+            <a:off x="8779445" y="1083516"/>
             <a:ext cx="365402" cy="339011"/>
-          </a:xfrm>
-          <a:prstGeom prst="rect">
-            <a:avLst/>
-          </a:prstGeom>
-        </p:spPr>
-      </p:pic>
-      <p:sp>
-        <p:nvSpPr>
-          <p:cNvPr id="6" name="TextBox 5">
-            <a:extLst>
-              <a:ext uri="{FF2B5EF4-FFF2-40B4-BE49-F238E27FC236}">
-                <a16:creationId xmlns:a16="http://schemas.microsoft.com/office/drawing/2014/main" id="{1A9CE63C-69A4-D347-FE28-4FCDAF138569}"/>
-              </a:ext>
-            </a:extLst>
-          </p:cNvPr>
-          <p:cNvSpPr txBox="1"/>
-          <p:nvPr/>
-        </p:nvSpPr>
-        <p:spPr>
-          <a:xfrm>
-            <a:off x="911471" y="455956"/>
-            <a:ext cx="9870829" cy="6294031"/>
-          </a:xfrm>
-          <a:prstGeom prst="rect">
-            <a:avLst/>
-          </a:prstGeom>
-          <a:noFill/>
-        </p:spPr>
-        <p:txBody>
-          <a:bodyPr wrap="square">
-            <a:spAutoFit/>
-          </a:bodyPr>
-          <a:lstStyle/>
-          <a:p>
-            <a:r>
-              <a:rPr lang="en-US" sz="3100" dirty="0">
-                <a:latin typeface="TH Sarabun New" panose="020B0500040200020003" pitchFamily="34" charset="-34"/>
-                <a:cs typeface="TH Sarabun New" panose="020B0500040200020003" pitchFamily="34" charset="-34"/>
-              </a:rPr>
-              <a:t>				</a:t>
-            </a:r>
-            <a:r>
-              <a:rPr lang="th-TH" sz="3100" dirty="0">
-                <a:latin typeface="TH Sarabun New" panose="020B0500040200020003" pitchFamily="34" charset="-34"/>
-                <a:cs typeface="TH Sarabun New" panose="020B0500040200020003" pitchFamily="34" charset="-34"/>
-              </a:rPr>
-              <a:t>ดังนั้น จะมีจำนวนเต็มที่ไม่เป็นลบ    ซึ่งทำให้</a:t>
-            </a:r>
-            <a:endParaRPr lang="en-US" sz="3100" dirty="0">
-              <a:latin typeface="TH Sarabun New" panose="020B0500040200020003" pitchFamily="34" charset="-34"/>
-              <a:cs typeface="TH Sarabun New" panose="020B0500040200020003" pitchFamily="34" charset="-34"/>
-            </a:endParaRPr>
-          </a:p>
-          <a:p>
-            <a:endParaRPr lang="en-US" sz="3100" dirty="0">
-              <a:latin typeface="TH Sarabun New" panose="020B0500040200020003" pitchFamily="34" charset="-34"/>
-              <a:cs typeface="TH Sarabun New" panose="020B0500040200020003" pitchFamily="34" charset="-34"/>
-            </a:endParaRPr>
-          </a:p>
-          <a:p>
-            <a:r>
-              <a:rPr lang="en-US" sz="3100" dirty="0">
-                <a:latin typeface="TH Sarabun New" panose="020B0500040200020003" pitchFamily="34" charset="-34"/>
-                <a:cs typeface="TH Sarabun New" panose="020B0500040200020003" pitchFamily="34" charset="-34"/>
-              </a:rPr>
-              <a:t>                   </a:t>
-            </a:r>
-            <a:r>
-              <a:rPr lang="th-TH" sz="3100" dirty="0">
-                <a:latin typeface="TH Sarabun New" panose="020B0500040200020003" pitchFamily="34" charset="-34"/>
-                <a:cs typeface="TH Sarabun New" panose="020B0500040200020003" pitchFamily="34" charset="-34"/>
-              </a:rPr>
-              <a:t>  </a:t>
-            </a:r>
-            <a:endParaRPr lang="en-US" sz="3100" dirty="0">
-              <a:latin typeface="TH Sarabun New" panose="020B0500040200020003" pitchFamily="34" charset="-34"/>
-              <a:cs typeface="TH Sarabun New" panose="020B0500040200020003" pitchFamily="34" charset="-34"/>
-            </a:endParaRPr>
-          </a:p>
-          <a:p>
-            <a:r>
-              <a:rPr lang="en-US" sz="3100" dirty="0">
-                <a:latin typeface="TH Sarabun New" panose="020B0500040200020003" pitchFamily="34" charset="-34"/>
-                <a:cs typeface="TH Sarabun New" panose="020B0500040200020003" pitchFamily="34" charset="-34"/>
-              </a:rPr>
-              <a:t>				</a:t>
-            </a:r>
-            <a:r>
-              <a:rPr lang="th-TH" sz="3100" dirty="0">
-                <a:latin typeface="TH Sarabun New" panose="020B0500040200020003" pitchFamily="34" charset="-34"/>
-                <a:cs typeface="TH Sarabun New" panose="020B0500040200020003" pitchFamily="34" charset="-34"/>
-              </a:rPr>
-              <a:t>จะได้ </a:t>
-            </a:r>
-            <a:endParaRPr lang="en-US" sz="3100" dirty="0">
-              <a:latin typeface="TH Sarabun New" panose="020B0500040200020003" pitchFamily="34" charset="-34"/>
-              <a:cs typeface="TH Sarabun New" panose="020B0500040200020003" pitchFamily="34" charset="-34"/>
-            </a:endParaRPr>
-          </a:p>
-          <a:p>
-            <a:r>
-              <a:rPr lang="th-TH" sz="3100" dirty="0">
-                <a:latin typeface="TH Sarabun New" panose="020B0500040200020003" pitchFamily="34" charset="-34"/>
-                <a:cs typeface="TH Sarabun New" panose="020B0500040200020003" pitchFamily="34" charset="-34"/>
-              </a:rPr>
-              <a:t>				และ </a:t>
-            </a:r>
-          </a:p>
-          <a:p>
-            <a:r>
-              <a:rPr lang="en-US" sz="3100" dirty="0"/>
-              <a:t>				</a:t>
-            </a:r>
-            <a:r>
-              <a:rPr lang="th-TH" sz="3100" dirty="0"/>
-              <a:t>จาก 	    และ      จะได้ว่า </a:t>
-            </a:r>
-          </a:p>
-          <a:p>
-            <a:r>
-              <a:rPr lang="th-TH" sz="3100" dirty="0"/>
-              <a:t>				     </a:t>
-            </a:r>
-            <a:r>
-              <a:rPr lang="en-US" sz="3100" dirty="0"/>
-              <a:t>-	  : </a:t>
-            </a:r>
-          </a:p>
-          <a:p>
-            <a:endParaRPr lang="en-US" sz="3100" dirty="0"/>
-          </a:p>
-          <a:p>
-            <a:r>
-              <a:rPr lang="en-US" sz="3100" dirty="0"/>
-              <a:t>                </a:t>
-            </a:r>
-            <a:r>
-              <a:rPr lang="th-TH" sz="3100" dirty="0"/>
-              <a:t>จาก      เนื่องจาก        </a:t>
-            </a:r>
-            <a:r>
-              <a:rPr lang="en-US" sz="3100" dirty="0"/>
-              <a:t>     </a:t>
-            </a:r>
-            <a:r>
-              <a:rPr lang="th-TH" sz="3100" dirty="0"/>
-              <a:t>จะได้ว่า </a:t>
-            </a:r>
-            <a:endParaRPr lang="en-US" sz="3100" dirty="0"/>
-          </a:p>
-          <a:p>
-            <a:r>
-              <a:rPr lang="en-US" sz="3100" dirty="0"/>
-              <a:t>  				</a:t>
-            </a:r>
-            <a:r>
-              <a:rPr lang="th-TH" sz="3100" dirty="0"/>
-              <a:t>เนื่องจาก 		 ดังนั้น   </a:t>
-            </a:r>
-            <a:r>
-              <a:rPr lang="en-US" sz="3100" dirty="0"/>
-              <a:t>       </a:t>
-            </a:r>
-            <a:r>
-              <a:rPr lang="th-TH" sz="3100" dirty="0"/>
-              <a:t>จะได้ว่า</a:t>
-            </a:r>
-            <a:r>
-              <a:rPr lang="en-US" sz="3100" dirty="0"/>
-              <a:t> </a:t>
-            </a:r>
-          </a:p>
-          <a:p>
-            <a:r>
-              <a:rPr lang="th-TH" sz="3100" dirty="0"/>
-              <a:t>				ดังนั้น </a:t>
-            </a:r>
-            <a:r>
-              <a:rPr lang="en-US" sz="3100" dirty="0"/>
-              <a:t>  			</a:t>
-            </a:r>
-            <a:r>
-              <a:rPr lang="th-TH" sz="3100" dirty="0"/>
-              <a:t>นั่นคือ </a:t>
-            </a:r>
-          </a:p>
-          <a:p>
-            <a:r>
-              <a:rPr lang="th-TH" sz="3100" dirty="0"/>
-              <a:t>				แทน 		ใน 		จะได้ </a:t>
-            </a:r>
-          </a:p>
-          <a:p>
-            <a:endParaRPr lang="en-US" sz="3100" dirty="0"/>
-          </a:p>
-        </p:txBody>
-      </p:sp>
-      <p:pic>
-        <p:nvPicPr>
-          <p:cNvPr id="7" name="Picture 6" descr="\documentclass{article}&#10;\usepackage{amsmath}&#10;\pagestyle{empty}&#10;\usepackage{xcolor}&#10;\usepackage{empheq}&#10;\begin{document}&#10;$v$&#10;\end{document}" title="IguanaTex Bitmap Display">
-            <a:extLst>
-              <a:ext uri="{FF2B5EF4-FFF2-40B4-BE49-F238E27FC236}">
-                <a16:creationId xmlns:a16="http://schemas.microsoft.com/office/drawing/2014/main" id="{71781B1B-F958-CCDE-DD40-98F6670C0E7B}"/>
-              </a:ext>
-            </a:extLst>
-          </p:cNvPr>
-          <p:cNvPicPr>
-            <a:picLocks noChangeAspect="1"/>
-          </p:cNvPicPr>
-          <p:nvPr>
-            <p:custDataLst>
-              <p:tags r:id="rId2"/>
-            </p:custDataLst>
-          </p:nvPr>
-        </p:nvPicPr>
-        <p:blipFill>
-          <a:blip r:embed="rId29">
-            <a:extLst>
-              <a:ext uri="{28A0092B-C50C-407E-A947-70E740481C1C}">
-                <a14:useLocalDpi xmlns:a14="http://schemas.microsoft.com/office/drawing/2010/main" val="0"/>
-              </a:ext>
-            </a:extLst>
-          </a:blip>
-          <a:stretch>
-            <a:fillRect/>
-          </a:stretch>
-        </p:blipFill>
-        <p:spPr>
-          <a:xfrm>
-            <a:off x="6329933" y="669540"/>
-            <a:ext cx="148345" cy="150350"/>
-          </a:xfrm>
-          <a:prstGeom prst="rect">
-            <a:avLst/>
-          </a:prstGeom>
-        </p:spPr>
-      </p:pic>
-      <p:pic>
-        <p:nvPicPr>
-          <p:cNvPr id="10" name="Picture 9" descr="\documentclass{article}&#10;\usepackage{amsmath}&#10;\pagestyle{empty}&#10;\usepackage{xcolor}&#10;\usepackage{empheq}&#10;\begin{document}&#10;$2^{v+x-v}=\left ( z-p^{k} \right ) \left ( z+p^{k} \right )$&#10;\end{document}" title="IguanaTex Bitmap Display">
-            <a:extLst>
-              <a:ext uri="{FF2B5EF4-FFF2-40B4-BE49-F238E27FC236}">
-                <a16:creationId xmlns:a16="http://schemas.microsoft.com/office/drawing/2014/main" id="{2B69DF72-79DD-8079-9DBA-0AEABFEB6211}"/>
-              </a:ext>
-            </a:extLst>
-          </p:cNvPr>
-          <p:cNvPicPr>
-            <a:picLocks noChangeAspect="1"/>
-          </p:cNvPicPr>
-          <p:nvPr>
-            <p:custDataLst>
-              <p:tags r:id="rId3"/>
-            </p:custDataLst>
-          </p:nvPr>
-        </p:nvPicPr>
-        <p:blipFill>
-          <a:blip r:embed="rId30">
-            <a:extLst>
-              <a:ext uri="{28A0092B-C50C-407E-A947-70E740481C1C}">
-                <a14:useLocalDpi xmlns:a14="http://schemas.microsoft.com/office/drawing/2010/main" val="0"/>
-              </a:ext>
-            </a:extLst>
-          </a:blip>
-          <a:stretch>
-            <a:fillRect/>
-          </a:stretch>
-        </p:blipFill>
-        <p:spPr>
-          <a:xfrm>
-            <a:off x="3965493" y="979822"/>
-            <a:ext cx="3873664" cy="397555"/>
           </a:xfrm>
           <a:prstGeom prst="rect">
             <a:avLst/>
@@ -13538,12 +13680,12 @@
           </p:cNvPicPr>
           <p:nvPr>
             <p:custDataLst>
-              <p:tags r:id="rId4"/>
+              <p:tags r:id="rId2"/>
             </p:custDataLst>
           </p:nvPr>
         </p:nvPicPr>
         <p:blipFill>
-          <a:blip r:embed="rId31">
+          <a:blip r:embed="rId32">
             <a:extLst>
               <a:ext uri="{28A0092B-C50C-407E-A947-70E740481C1C}">
                 <a14:useLocalDpi xmlns:a14="http://schemas.microsoft.com/office/drawing/2010/main" val="0"/>
@@ -13556,7 +13698,7 @@
         </p:blipFill>
         <p:spPr>
           <a:xfrm>
-            <a:off x="3863894" y="1950409"/>
+            <a:off x="3863894" y="1083516"/>
             <a:ext cx="1891883" cy="397555"/>
           </a:xfrm>
           <a:prstGeom prst="rect">
@@ -13578,12 +13720,12 @@
           </p:cNvPicPr>
           <p:nvPr>
             <p:custDataLst>
-              <p:tags r:id="rId5"/>
+              <p:tags r:id="rId3"/>
             </p:custDataLst>
           </p:nvPr>
         </p:nvPicPr>
         <p:blipFill>
-          <a:blip r:embed="rId32">
+          <a:blip r:embed="rId33">
             <a:extLst>
               <a:ext uri="{28A0092B-C50C-407E-A947-70E740481C1C}">
                 <a14:useLocalDpi xmlns:a14="http://schemas.microsoft.com/office/drawing/2010/main" val="0"/>
@@ -13596,7 +13738,7 @@
         </p:blipFill>
         <p:spPr>
           <a:xfrm>
-            <a:off x="3871120" y="2469049"/>
+            <a:off x="3871120" y="1602156"/>
             <a:ext cx="2249483" cy="397555"/>
           </a:xfrm>
           <a:prstGeom prst="rect">
@@ -13606,10 +13748,10 @@
       </p:pic>
       <p:pic>
         <p:nvPicPr>
-          <p:cNvPr id="21" name="Picture 20" descr="\documentclass{article}&#10;\usepackage{amsmath}&#10;\pagestyle{empty}&#10;\usepackage{xcolor}&#10;\usepackage{empheq}&#10;\begin{document}&#10;$2^{v+\left (x-v  \right )}=\left ( z-p^{k} \right ) \left ( z+p^{k} \right )$&#10;\end{document}" title="IguanaTex Bitmap Display">
+          <p:cNvPr id="24" name="Picture 23" descr="\documentclass{article}&#10;\usepackage{amsmath}&#10;\pagestyle{empty}&#10;\usepackage{xcolor}&#10;\usepackage{empheq}&#10;\begin{document}&#10;${\color{red}\left ( 3 \right )}$&#10;\end{document}" title="IguanaTex Bitmap Display">
             <a:extLst>
               <a:ext uri="{FF2B5EF4-FFF2-40B4-BE49-F238E27FC236}">
-                <a16:creationId xmlns:a16="http://schemas.microsoft.com/office/drawing/2014/main" id="{986CE2AF-F21B-BB83-33A7-EA14CB7854A8}"/>
+                <a16:creationId xmlns:a16="http://schemas.microsoft.com/office/drawing/2014/main" id="{EF64C0C4-95FB-3F8C-8875-A6E3D454A90E}"/>
               </a:ext>
             </a:extLst>
           </p:cNvPr>
@@ -13618,12 +13760,12 @@
           </p:cNvPicPr>
           <p:nvPr>
             <p:custDataLst>
-              <p:tags r:id="rId6"/>
+              <p:tags r:id="rId4"/>
             </p:custDataLst>
           </p:nvPr>
         </p:nvPicPr>
         <p:blipFill>
-          <a:blip r:embed="rId33">
+          <a:blip r:embed="rId34">
             <a:extLst>
               <a:ext uri="{28A0092B-C50C-407E-A947-70E740481C1C}">
                 <a14:useLocalDpi xmlns:a14="http://schemas.microsoft.com/office/drawing/2010/main" val="0"/>
@@ -13636,47 +13778,7 @@
         </p:blipFill>
         <p:spPr>
           <a:xfrm>
-            <a:off x="3762293" y="1424322"/>
-            <a:ext cx="4081432" cy="407544"/>
-          </a:xfrm>
-          <a:prstGeom prst="rect">
-            <a:avLst/>
-          </a:prstGeom>
-        </p:spPr>
-      </p:pic>
-      <p:pic>
-        <p:nvPicPr>
-          <p:cNvPr id="24" name="Picture 23" descr="\documentclass{article}&#10;\usepackage{amsmath}&#10;\pagestyle{empty}&#10;\usepackage{xcolor}&#10;\usepackage{empheq}&#10;\begin{document}&#10;${\color{red}\left ( 3 \right )}$&#10;\end{document}" title="IguanaTex Bitmap Display">
-            <a:extLst>
-              <a:ext uri="{FF2B5EF4-FFF2-40B4-BE49-F238E27FC236}">
-                <a16:creationId xmlns:a16="http://schemas.microsoft.com/office/drawing/2014/main" id="{EF64C0C4-95FB-3F8C-8875-A6E3D454A90E}"/>
-              </a:ext>
-            </a:extLst>
-          </p:cNvPr>
-          <p:cNvPicPr>
-            <a:picLocks noChangeAspect="1"/>
-          </p:cNvPicPr>
-          <p:nvPr>
-            <p:custDataLst>
-              <p:tags r:id="rId7"/>
-            </p:custDataLst>
-          </p:nvPr>
-        </p:nvPicPr>
-        <p:blipFill>
-          <a:blip r:embed="rId34">
-            <a:extLst>
-              <a:ext uri="{28A0092B-C50C-407E-A947-70E740481C1C}">
-                <a14:useLocalDpi xmlns:a14="http://schemas.microsoft.com/office/drawing/2010/main" val="0"/>
-              </a:ext>
-            </a:extLst>
-          </a:blip>
-          <a:stretch>
-            <a:fillRect/>
-          </a:stretch>
-        </p:blipFill>
-        <p:spPr>
-          <a:xfrm>
-            <a:off x="8779445" y="2527593"/>
+            <a:off x="8779445" y="1660700"/>
             <a:ext cx="365401" cy="339011"/>
           </a:xfrm>
           <a:prstGeom prst="rect">
@@ -13698,12 +13800,12 @@
           </p:cNvPicPr>
           <p:nvPr>
             <p:custDataLst>
-              <p:tags r:id="rId8"/>
+              <p:tags r:id="rId5"/>
             </p:custDataLst>
           </p:nvPr>
         </p:nvPicPr>
         <p:blipFill>
-          <a:blip r:embed="rId28">
+          <a:blip r:embed="rId31">
             <a:extLst>
               <a:ext uri="{28A0092B-C50C-407E-A947-70E740481C1C}">
                 <a14:useLocalDpi xmlns:a14="http://schemas.microsoft.com/office/drawing/2010/main" val="0"/>
@@ -13716,7 +13818,7 @@
         </p:blipFill>
         <p:spPr>
           <a:xfrm>
-            <a:off x="3505718" y="2969101"/>
+            <a:off x="3505718" y="2102208"/>
             <a:ext cx="365402" cy="339011"/>
           </a:xfrm>
           <a:prstGeom prst="rect">
@@ -13738,7 +13840,7 @@
           </p:cNvPicPr>
           <p:nvPr>
             <p:custDataLst>
-              <p:tags r:id="rId9"/>
+              <p:tags r:id="rId6"/>
             </p:custDataLst>
           </p:nvPr>
         </p:nvPicPr>
@@ -13756,7 +13858,7 @@
         </p:blipFill>
         <p:spPr>
           <a:xfrm>
-            <a:off x="2812692" y="3389858"/>
+            <a:off x="2812692" y="2606090"/>
             <a:ext cx="365401" cy="339011"/>
           </a:xfrm>
           <a:prstGeom prst="rect">
@@ -13778,12 +13880,12 @@
           </p:cNvPicPr>
           <p:nvPr>
             <p:custDataLst>
-              <p:tags r:id="rId10"/>
+              <p:tags r:id="rId7"/>
             </p:custDataLst>
           </p:nvPr>
         </p:nvPicPr>
         <p:blipFill>
-          <a:blip r:embed="rId28">
+          <a:blip r:embed="rId31">
             <a:extLst>
               <a:ext uri="{28A0092B-C50C-407E-A947-70E740481C1C}">
                 <a14:useLocalDpi xmlns:a14="http://schemas.microsoft.com/office/drawing/2010/main" val="0"/>
@@ -13796,7 +13898,7 @@
         </p:blipFill>
         <p:spPr>
           <a:xfrm>
-            <a:off x="3519186" y="3391296"/>
+            <a:off x="3519186" y="2607528"/>
             <a:ext cx="365402" cy="339011"/>
           </a:xfrm>
           <a:prstGeom prst="rect">
@@ -13818,7 +13920,7 @@
           </p:cNvPicPr>
           <p:nvPr>
             <p:custDataLst>
-              <p:tags r:id="rId11"/>
+              <p:tags r:id="rId8"/>
             </p:custDataLst>
           </p:nvPr>
         </p:nvPicPr>
@@ -13836,7 +13938,7 @@
         </p:blipFill>
         <p:spPr>
           <a:xfrm>
-            <a:off x="4610084" y="2941813"/>
+            <a:off x="4610084" y="2074920"/>
             <a:ext cx="365401" cy="339011"/>
           </a:xfrm>
           <a:prstGeom prst="rect">
@@ -13858,7 +13960,7 @@
           </p:cNvPicPr>
           <p:nvPr>
             <p:custDataLst>
-              <p:tags r:id="rId12"/>
+              <p:tags r:id="rId9"/>
             </p:custDataLst>
           </p:nvPr>
         </p:nvPicPr>
@@ -13876,8 +13978,8 @@
         </p:blipFill>
         <p:spPr>
           <a:xfrm>
-            <a:off x="4534920" y="3395408"/>
-            <a:ext cx="2299427" cy="345613"/>
+            <a:off x="4534920" y="2611641"/>
+            <a:ext cx="2249483" cy="338106"/>
           </a:xfrm>
           <a:prstGeom prst="rect">
             <a:avLst/>
@@ -13898,7 +14000,7 @@
           </p:cNvPicPr>
           <p:nvPr>
             <p:custDataLst>
-              <p:tags r:id="rId13"/>
+              <p:tags r:id="rId10"/>
             </p:custDataLst>
           </p:nvPr>
         </p:nvPicPr>
@@ -13916,8 +14018,8 @@
         </p:blipFill>
         <p:spPr>
           <a:xfrm>
-            <a:off x="4534919" y="3924213"/>
-            <a:ext cx="2938712" cy="397555"/>
+            <a:off x="4534919" y="3057320"/>
+            <a:ext cx="2811037" cy="380283"/>
           </a:xfrm>
           <a:prstGeom prst="rect">
             <a:avLst/>
@@ -13938,7 +14040,7 @@
           </p:cNvPicPr>
           <p:nvPr>
             <p:custDataLst>
-              <p:tags r:id="rId14"/>
+              <p:tags r:id="rId11"/>
             </p:custDataLst>
           </p:nvPr>
         </p:nvPicPr>
@@ -13956,7 +14058,7 @@
         </p:blipFill>
         <p:spPr>
           <a:xfrm>
-            <a:off x="8779446" y="3924214"/>
+            <a:off x="8779446" y="3057321"/>
             <a:ext cx="365401" cy="339011"/>
           </a:xfrm>
           <a:prstGeom prst="rect">
@@ -13978,7 +14080,7 @@
           </p:cNvPicPr>
           <p:nvPr>
             <p:custDataLst>
-              <p:tags r:id="rId15"/>
+              <p:tags r:id="rId12"/>
             </p:custDataLst>
           </p:nvPr>
         </p:nvPicPr>
@@ -13996,7 +14098,7 @@
         </p:blipFill>
         <p:spPr>
           <a:xfrm>
-            <a:off x="3863894" y="4858734"/>
+            <a:off x="3863894" y="4502479"/>
             <a:ext cx="712372" cy="286057"/>
           </a:xfrm>
           <a:prstGeom prst="rect">
@@ -14018,7 +14120,7 @@
           </p:cNvPicPr>
           <p:nvPr>
             <p:custDataLst>
-              <p:tags r:id="rId16"/>
+              <p:tags r:id="rId13"/>
             </p:custDataLst>
           </p:nvPr>
         </p:nvPicPr>
@@ -14036,7 +14138,7 @@
         </p:blipFill>
         <p:spPr>
           <a:xfrm>
-            <a:off x="5467123" y="4832896"/>
+            <a:off x="5467123" y="4476641"/>
             <a:ext cx="671771" cy="337732"/>
           </a:xfrm>
           <a:prstGeom prst="rect">
@@ -14046,10 +14148,10 @@
       </p:pic>
       <p:pic>
         <p:nvPicPr>
-          <p:cNvPr id="49" name="Picture 48" descr="\documentclass{article}&#10;\usepackage{amsmath}&#10;\usepackage{amssymb}&#10;\pagestyle{empty}&#10;\usepackage{xcolor}&#10;\usepackage{empheq}&#10;\begin{document}&#10;$2\nmid \left (2^{x-2v}-1  \right )$&#10;\end{document}" title="IguanaTex Bitmap Display">
+          <p:cNvPr id="23" name="Picture 22" descr="\documentclass{article}&#10;\usepackage{amsmath}&#10;\usepackage{amssymb}&#10;\pagestyle{empty}&#10;\usepackage{xcolor}&#10;\usepackage{empheq}&#10;\begin{document}&#10;$4\nmid 2^{v}\left (2^{x-2v}-1  \right )$&#10;\end{document}" title="IguanaTex Bitmap Display">
             <a:extLst>
               <a:ext uri="{FF2B5EF4-FFF2-40B4-BE49-F238E27FC236}">
-                <a16:creationId xmlns:a16="http://schemas.microsoft.com/office/drawing/2014/main" id="{0FB337EC-8903-E464-354E-EE445EE5900C}"/>
+                <a16:creationId xmlns:a16="http://schemas.microsoft.com/office/drawing/2014/main" id="{9205955F-39CD-0369-F552-9FCCCBE87DE9}"/>
               </a:ext>
             </a:extLst>
           </p:cNvPr>
@@ -14058,7 +14160,7 @@
           </p:cNvPicPr>
           <p:nvPr>
             <p:custDataLst>
-              <p:tags r:id="rId17"/>
+              <p:tags r:id="rId14"/>
             </p:custDataLst>
           </p:nvPr>
         </p:nvPicPr>
@@ -14076,8 +14178,8 @@
         </p:blipFill>
         <p:spPr>
           <a:xfrm>
-            <a:off x="7345956" y="4841911"/>
-            <a:ext cx="1908272" cy="367261"/>
+            <a:off x="8762050" y="4488518"/>
+            <a:ext cx="2264458" cy="367261"/>
           </a:xfrm>
           <a:prstGeom prst="rect">
             <a:avLst/>
@@ -14098,7 +14200,7 @@
           </p:cNvPicPr>
           <p:nvPr>
             <p:custDataLst>
-              <p:tags r:id="rId18"/>
+              <p:tags r:id="rId15"/>
             </p:custDataLst>
           </p:nvPr>
         </p:nvPicPr>
@@ -14116,7 +14218,7 @@
         </p:blipFill>
         <p:spPr>
           <a:xfrm>
-            <a:off x="6688632" y="4378032"/>
+            <a:off x="6688632" y="4033652"/>
             <a:ext cx="2175968" cy="330297"/>
           </a:xfrm>
           <a:prstGeom prst="rect">
@@ -14138,7 +14240,7 @@
           </p:cNvPicPr>
           <p:nvPr>
             <p:custDataLst>
-              <p:tags r:id="rId19"/>
+              <p:tags r:id="rId16"/>
             </p:custDataLst>
           </p:nvPr>
         </p:nvPicPr>
@@ -14156,7 +14258,7 @@
         </p:blipFill>
         <p:spPr>
           <a:xfrm>
-            <a:off x="4587795" y="4378030"/>
+            <a:off x="4706545" y="4045525"/>
             <a:ext cx="892666" cy="339011"/>
           </a:xfrm>
           <a:prstGeom prst="rect">
@@ -14166,10 +14268,10 @@
       </p:pic>
       <p:pic>
         <p:nvPicPr>
-          <p:cNvPr id="68" name="Picture 67" descr="\documentclass{article}&#10;\usepackage{amsmath}&#10;\usepackage{amssymb}&#10;\pagestyle{empty}&#10;\usepackage{xcolor}&#10;\usepackage{empheq}&#10;\begin{document}&#10;$2\vert \left (2^{v} \right) $&#10;\end{document}" title="IguanaTex Bitmap Display">
+          <p:cNvPr id="30" name="Picture 29" descr="\documentclass{article}&#10;\usepackage{amsmath}&#10;\usepackage{amssymb}&#10;\pagestyle{empty}&#10;\usepackage{xcolor}&#10;\usepackage{empheq}&#10;\begin{document}&#10;$2\vert 2^{v}$&#10;\end{document}" title="IguanaTex Bitmap Display">
             <a:extLst>
               <a:ext uri="{FF2B5EF4-FFF2-40B4-BE49-F238E27FC236}">
-                <a16:creationId xmlns:a16="http://schemas.microsoft.com/office/drawing/2014/main" id="{BD2DE880-9076-414C-F14E-B217F38C698E}"/>
+                <a16:creationId xmlns:a16="http://schemas.microsoft.com/office/drawing/2014/main" id="{3DDA159B-E701-705F-071B-DE44D0CD693C}"/>
               </a:ext>
             </a:extLst>
           </p:cNvPr>
@@ -14178,7 +14280,7 @@
           </p:cNvPicPr>
           <p:nvPr>
             <p:custDataLst>
-              <p:tags r:id="rId20"/>
+              <p:tags r:id="rId17"/>
             </p:custDataLst>
           </p:nvPr>
         </p:nvPicPr>
@@ -14196,8 +14298,8 @@
         </p:blipFill>
         <p:spPr>
           <a:xfrm>
-            <a:off x="3646613" y="5337285"/>
-            <a:ext cx="720606" cy="284497"/>
+            <a:off x="3646613" y="5004781"/>
+            <a:ext cx="454851" cy="284497"/>
           </a:xfrm>
           <a:prstGeom prst="rect">
             <a:avLst/>
@@ -14218,7 +14320,7 @@
           </p:cNvPicPr>
           <p:nvPr>
             <p:custDataLst>
-              <p:tags r:id="rId21"/>
+              <p:tags r:id="rId18"/>
             </p:custDataLst>
           </p:nvPr>
         </p:nvPicPr>
@@ -14236,7 +14338,7 @@
         </p:blipFill>
         <p:spPr>
           <a:xfrm>
-            <a:off x="5503922" y="5386719"/>
+            <a:off x="8227468" y="5020390"/>
             <a:ext cx="637132" cy="190801"/>
           </a:xfrm>
           <a:prstGeom prst="rect">
@@ -14258,7 +14360,7 @@
           </p:cNvPicPr>
           <p:nvPr>
             <p:custDataLst>
-              <p:tags r:id="rId22"/>
+              <p:tags r:id="rId19"/>
             </p:custDataLst>
           </p:nvPr>
         </p:nvPicPr>
@@ -14276,7 +14378,7 @@
         </p:blipFill>
         <p:spPr>
           <a:xfrm>
-            <a:off x="3205431" y="4352643"/>
+            <a:off x="3288556" y="3996388"/>
             <a:ext cx="365401" cy="339011"/>
           </a:xfrm>
           <a:prstGeom prst="rect">
@@ -14298,7 +14400,7 @@
           </p:cNvPicPr>
           <p:nvPr>
             <p:custDataLst>
-              <p:tags r:id="rId23"/>
+              <p:tags r:id="rId20"/>
             </p:custDataLst>
           </p:nvPr>
         </p:nvPicPr>
@@ -14316,7 +14418,7 @@
         </p:blipFill>
         <p:spPr>
           <a:xfrm>
-            <a:off x="3443727" y="5809367"/>
+            <a:off x="3443727" y="5453112"/>
             <a:ext cx="637132" cy="190801"/>
           </a:xfrm>
           <a:prstGeom prst="rect">
@@ -14338,7 +14440,7 @@
           </p:cNvPicPr>
           <p:nvPr>
             <p:custDataLst>
-              <p:tags r:id="rId24"/>
+              <p:tags r:id="rId21"/>
             </p:custDataLst>
           </p:nvPr>
         </p:nvPicPr>
@@ -14356,7 +14458,7 @@
         </p:blipFill>
         <p:spPr>
           <a:xfrm>
-            <a:off x="4636583" y="5735261"/>
+            <a:off x="4636583" y="5402756"/>
             <a:ext cx="365401" cy="339011"/>
           </a:xfrm>
           <a:prstGeom prst="rect">
@@ -14378,7 +14480,7 @@
           </p:cNvPicPr>
           <p:nvPr>
             <p:custDataLst>
-              <p:tags r:id="rId25"/>
+              <p:tags r:id="rId22"/>
             </p:custDataLst>
           </p:nvPr>
         </p:nvPicPr>
@@ -14396,7 +14498,7 @@
         </p:blipFill>
         <p:spPr>
           <a:xfrm>
-            <a:off x="2754525" y="6337599"/>
+            <a:off x="2754525" y="5981344"/>
             <a:ext cx="7712714" cy="382821"/>
           </a:xfrm>
           <a:prstGeom prst="rect">
@@ -14418,7 +14520,7 @@
           </p:cNvPicPr>
           <p:nvPr>
             <p:custDataLst>
-              <p:tags r:id="rId26"/>
+              <p:tags r:id="rId23"/>
             </p:custDataLst>
           </p:nvPr>
         </p:nvPicPr>
@@ -14436,8 +14538,208 @@
         </p:blipFill>
         <p:spPr>
           <a:xfrm>
-            <a:off x="10915128" y="6353748"/>
+            <a:off x="10915128" y="5997493"/>
             <a:ext cx="365401" cy="339011"/>
+          </a:xfrm>
+          <a:prstGeom prst="rect">
+            <a:avLst/>
+          </a:prstGeom>
+        </p:spPr>
+      </p:pic>
+      <p:pic>
+        <p:nvPicPr>
+          <p:cNvPr id="5" name="Picture 4" descr="\documentclass{article}&#10;\usepackage{amsmath}&#10;\pagestyle{empty}&#10;\usepackage{xcolor}&#10;\usepackage{empheq}&#10;\begin{document}&#10;$v$&#10;\end{document}" title="IguanaTex Bitmap Display">
+            <a:extLst>
+              <a:ext uri="{FF2B5EF4-FFF2-40B4-BE49-F238E27FC236}">
+                <a16:creationId xmlns:a16="http://schemas.microsoft.com/office/drawing/2014/main" id="{E10ED3E5-E199-50D3-D6A1-775A80F2059C}"/>
+              </a:ext>
+            </a:extLst>
+          </p:cNvPr>
+          <p:cNvPicPr>
+            <a:picLocks noChangeAspect="1"/>
+          </p:cNvPicPr>
+          <p:nvPr>
+            <p:custDataLst>
+              <p:tags r:id="rId24"/>
+            </p:custDataLst>
+          </p:nvPr>
+        </p:nvPicPr>
+        <p:blipFill>
+          <a:blip r:embed="rId47">
+            <a:extLst>
+              <a:ext uri="{28A0092B-C50C-407E-A947-70E740481C1C}">
+                <a14:useLocalDpi xmlns:a14="http://schemas.microsoft.com/office/drawing/2010/main" val="0"/>
+              </a:ext>
+            </a:extLst>
+          </a:blip>
+          <a:stretch>
+            <a:fillRect/>
+          </a:stretch>
+        </p:blipFill>
+        <p:spPr>
+          <a:xfrm>
+            <a:off x="6329933" y="776415"/>
+            <a:ext cx="148345" cy="150350"/>
+          </a:xfrm>
+          <a:prstGeom prst="rect">
+            <a:avLst/>
+          </a:prstGeom>
+        </p:spPr>
+      </p:pic>
+      <p:pic>
+        <p:nvPicPr>
+          <p:cNvPr id="11" name="Picture 10" descr="\documentclass{article}&#10;\usepackage{amsmath}&#10;\usepackage{amssymb}&#10;\pagestyle{empty}&#10;\usepackage{xcolor}&#10;\usepackage{empheq}&#10;\begin{document}&#10;$2\vert \left (2^{v} \right) $&#10;\end{document}" title="IguanaTex Bitmap Display">
+            <a:extLst>
+              <a:ext uri="{FF2B5EF4-FFF2-40B4-BE49-F238E27FC236}">
+                <a16:creationId xmlns:a16="http://schemas.microsoft.com/office/drawing/2014/main" id="{4E8267D9-1EB9-64B9-C25B-AC9B40A09AE6}"/>
+              </a:ext>
+            </a:extLst>
+          </p:cNvPr>
+          <p:cNvPicPr>
+            <a:picLocks noChangeAspect="1"/>
+          </p:cNvPicPr>
+          <p:nvPr>
+            <p:custDataLst>
+              <p:tags r:id="rId25"/>
+            </p:custDataLst>
+          </p:nvPr>
+        </p:nvPicPr>
+        <p:blipFill>
+          <a:blip r:embed="rId48">
+            <a:extLst>
+              <a:ext uri="{28A0092B-C50C-407E-A947-70E740481C1C}">
+                <a14:useLocalDpi xmlns:a14="http://schemas.microsoft.com/office/drawing/2010/main" val="0"/>
+              </a:ext>
+            </a:extLst>
+          </a:blip>
+          <a:stretch>
+            <a:fillRect/>
+          </a:stretch>
+        </p:blipFill>
+        <p:spPr>
+          <a:xfrm>
+            <a:off x="9626438" y="4060564"/>
+            <a:ext cx="720606" cy="284497"/>
+          </a:xfrm>
+          <a:prstGeom prst="rect">
+            <a:avLst/>
+          </a:prstGeom>
+        </p:spPr>
+      </p:pic>
+      <p:pic>
+        <p:nvPicPr>
+          <p:cNvPr id="20" name="Picture 19" descr="\documentclass{article}&#10;\usepackage{amsmath}&#10;\usepackage{amssymb}&#10;\pagestyle{empty}&#10;\usepackage{xcolor}&#10;\usepackage{empheq}&#10;\begin{document}&#10;$4\nmid 2p^{k}$&#10;\end{document}" title="IguanaTex Bitmap Display">
+            <a:extLst>
+              <a:ext uri="{FF2B5EF4-FFF2-40B4-BE49-F238E27FC236}">
+                <a16:creationId xmlns:a16="http://schemas.microsoft.com/office/drawing/2014/main" id="{6B6C6812-6D0C-A89B-7918-2F2FF953D469}"/>
+              </a:ext>
+            </a:extLst>
+          </p:cNvPr>
+          <p:cNvPicPr>
+            <a:picLocks noChangeAspect="1"/>
+          </p:cNvPicPr>
+          <p:nvPr>
+            <p:custDataLst>
+              <p:tags r:id="rId26"/>
+            </p:custDataLst>
+          </p:nvPr>
+        </p:nvPicPr>
+        <p:blipFill>
+          <a:blip r:embed="rId49">
+            <a:extLst>
+              <a:ext uri="{28A0092B-C50C-407E-A947-70E740481C1C}">
+                <a14:useLocalDpi xmlns:a14="http://schemas.microsoft.com/office/drawing/2010/main" val="0"/>
+              </a:ext>
+            </a:extLst>
+          </a:blip>
+          <a:stretch>
+            <a:fillRect/>
+          </a:stretch>
+        </p:blipFill>
+        <p:spPr>
+          <a:xfrm>
+            <a:off x="7242233" y="4474554"/>
+            <a:ext cx="832332" cy="337732"/>
+          </a:xfrm>
+          <a:prstGeom prst="rect">
+            <a:avLst/>
+          </a:prstGeom>
+        </p:spPr>
+      </p:pic>
+      <p:pic>
+        <p:nvPicPr>
+          <p:cNvPr id="37" name="Picture 36" descr="\documentclass{article}&#10;\usepackage{amsmath}&#10;\usepackage{amssymb}&#10;\pagestyle{empty}&#10;\usepackage{xcolor}&#10;\usepackage{empheq}&#10;\begin{document}&#10;$4\nmid 2^{v}$&#10;\end{document}" title="IguanaTex Bitmap Display">
+            <a:extLst>
+              <a:ext uri="{FF2B5EF4-FFF2-40B4-BE49-F238E27FC236}">
+                <a16:creationId xmlns:a16="http://schemas.microsoft.com/office/drawing/2014/main" id="{9466DCCD-FE98-4063-FD61-45125A7DC488}"/>
+              </a:ext>
+            </a:extLst>
+          </p:cNvPr>
+          <p:cNvPicPr>
+            <a:picLocks noChangeAspect="1"/>
+          </p:cNvPicPr>
+          <p:nvPr>
+            <p:custDataLst>
+              <p:tags r:id="rId27"/>
+            </p:custDataLst>
+          </p:nvPr>
+        </p:nvPicPr>
+        <p:blipFill>
+          <a:blip r:embed="rId50">
+            <a:extLst>
+              <a:ext uri="{28A0092B-C50C-407E-A947-70E740481C1C}">
+                <a14:useLocalDpi xmlns:a14="http://schemas.microsoft.com/office/drawing/2010/main" val="0"/>
+              </a:ext>
+            </a:extLst>
+          </a:blip>
+          <a:stretch>
+            <a:fillRect/>
+          </a:stretch>
+        </p:blipFill>
+        <p:spPr>
+          <a:xfrm>
+            <a:off x="6478278" y="4959998"/>
+            <a:ext cx="671772" cy="308204"/>
+          </a:xfrm>
+          <a:prstGeom prst="rect">
+            <a:avLst/>
+          </a:prstGeom>
+        </p:spPr>
+      </p:pic>
+      <p:pic>
+        <p:nvPicPr>
+          <p:cNvPr id="42" name="Picture 41" descr="&#10;&#10;\documentclass{article}&#10;\usepackage{amsmath}&#10;\usepackage{amsfonts}&#10;\usepackage{amssymb}&#10;\pagestyle{empty}&#10;\usepackage{xcolor}&#10;\usepackage{empheq}&#10;\begin{document}&#10;$v\geq 1 $&#10;\end{document}" title="IguanaTex Bitmap Display">
+            <a:extLst>
+              <a:ext uri="{FF2B5EF4-FFF2-40B4-BE49-F238E27FC236}">
+                <a16:creationId xmlns:a16="http://schemas.microsoft.com/office/drawing/2014/main" id="{B13A233F-32ED-46D4-0E4B-6359AE1B62A6}"/>
+              </a:ext>
+            </a:extLst>
+          </p:cNvPr>
+          <p:cNvPicPr>
+            <a:picLocks noChangeAspect="1"/>
+          </p:cNvPicPr>
+          <p:nvPr>
+            <p:custDataLst>
+              <p:tags r:id="rId28"/>
+            </p:custDataLst>
+          </p:nvPr>
+        </p:nvPicPr>
+        <p:blipFill>
+          <a:blip r:embed="rId51">
+            <a:extLst>
+              <a:ext uri="{28A0092B-C50C-407E-A947-70E740481C1C}">
+                <a14:useLocalDpi xmlns:a14="http://schemas.microsoft.com/office/drawing/2010/main" val="0"/>
+              </a:ext>
+            </a:extLst>
+          </a:blip>
+          <a:stretch>
+            <a:fillRect/>
+          </a:stretch>
+        </p:blipFill>
+        <p:spPr>
+          <a:xfrm>
+            <a:off x="5297228" y="5015946"/>
+            <a:ext cx="640628" cy="227818"/>
           </a:xfrm>
           <a:prstGeom prst="rect">
             <a:avLst/>
@@ -16283,6 +16585,42 @@
 <file path=ppt/tags/tag100.xml><?xml version="1.0" encoding="utf-8"?>
 <p:tagLst xmlns:a="http://schemas.openxmlformats.org/drawingml/2006/main" xmlns:r="http://schemas.openxmlformats.org/officeDocument/2006/relationships" xmlns:p="http://schemas.openxmlformats.org/presentationml/2006/main">
   <p:tag name="OUTPUTDPI" val="1200"/>
+  <p:tag name="ORIGINALHEIGHT" val="89.23882"/>
+  <p:tag name="ORIGINALWIDTH" val="284.9644"/>
+  <p:tag name="LATEXADDIN" val="\documentclass{article}&#10;\usepackage{amsmath}&#10;\pagestyle{empty}&#10;\usepackage{xcolor}&#10;\usepackage{empheq}&#10;\begin{document}&#10;$k=3$&#10;\end{document}"/>
+  <p:tag name="IGUANATEXSIZE" val="18"/>
+  <p:tag name="IGUANATEXCURSOR" val="124"/>
+  <p:tag name="TRANSPARENCY" val="False"/>
+  <p:tag name="LATEXENGINEID" val="0"/>
+  <p:tag name="TEMPFOLDER" val="C:\Users\cosA\OneDrive\Documents\temp\"/>
+  <p:tag name="LATEXFORMHEIGHT" val="312"/>
+  <p:tag name="LATEXFORMWIDTH" val="384"/>
+  <p:tag name="LATEXFORMWRAP" val="True"/>
+  <p:tag name="BITMAPVECTOR" val="0"/>
+</p:tagLst>
+</file>
+
+<file path=ppt/tags/tag101.xml><?xml version="1.0" encoding="utf-8"?>
+<p:tagLst xmlns:a="http://schemas.openxmlformats.org/drawingml/2006/main" xmlns:r="http://schemas.openxmlformats.org/officeDocument/2006/relationships" xmlns:p="http://schemas.openxmlformats.org/presentationml/2006/main">
+  <p:tag name="OUTPUTDPI" val="1200"/>
+  <p:tag name="ORIGINALHEIGHT" val="86.23921"/>
+  <p:tag name="ORIGINALWIDTH" val="290.2137"/>
+  <p:tag name="LATEXADDIN" val="&#10;&#10;\documentclass{article}&#10;\usepackage{amsmath}&#10;\usepackage{amsfonts}&#10;\usepackage{amssymb}&#10;\pagestyle{empty}&#10;\usepackage{xcolor}&#10;\usepackage{empheq}&#10;\begin{document}&#10;$x=5$&#10;\end{document}"/>
+  <p:tag name="IGUANATEXSIZE" val="18"/>
+  <p:tag name="IGUANATEXCURSOR" val="169"/>
+  <p:tag name="TRANSPARENCY" val="False"/>
+  <p:tag name="LATEXENGINEID" val="0"/>
+  <p:tag name="TEMPFOLDER" val="C:\Users\cosA\OneDrive\Documents\temp\"/>
+  <p:tag name="LATEXFORMHEIGHT" val="312"/>
+  <p:tag name="LATEXFORMWIDTH" val="384"/>
+  <p:tag name="LATEXFORMWRAP" val="True"/>
+  <p:tag name="BITMAPVECTOR" val="0"/>
+</p:tagLst>
+</file>
+
+<file path=ppt/tags/tag102.xml><?xml version="1.0" encoding="utf-8"?>
+<p:tagLst xmlns:a="http://schemas.openxmlformats.org/drawingml/2006/main" xmlns:r="http://schemas.openxmlformats.org/officeDocument/2006/relationships" xmlns:p="http://schemas.openxmlformats.org/presentationml/2006/main">
+  <p:tag name="OUTPUTDPI" val="1200"/>
   <p:tag name="ORIGINALHEIGHT" val="125.2343"/>
   <p:tag name="ORIGINALWIDTH" val="692.9134"/>
   <p:tag name="LATEXADDIN" val="\documentclass{article}&#10;\usepackage{amsmath}&#10;\pagestyle{empty}&#10;\usepackage{xcolor}&#10;\usepackage{empheq}&#10;\begin{document}&#10;$y=2\left(1\right)=2$&#10;\end{document}"/>
@@ -16298,7 +16636,7 @@
 </p:tagLst>
 </file>
 
-<file path=ppt/tags/tag101.xml><?xml version="1.0" encoding="utf-8"?>
+<file path=ppt/tags/tag103.xml><?xml version="1.0" encoding="utf-8"?>
 <p:tagLst xmlns:a="http://schemas.openxmlformats.org/drawingml/2006/main" xmlns:r="http://schemas.openxmlformats.org/officeDocument/2006/relationships" xmlns:p="http://schemas.openxmlformats.org/presentationml/2006/main">
   <p:tag name="OUTPUTDPI" val="1200"/>
   <p:tag name="ORIGINALHEIGHT" val="149.2313"/>
@@ -16316,7 +16654,7 @@
 </p:tagLst>
 </file>
 
-<file path=ppt/tags/tag102.xml><?xml version="1.0" encoding="utf-8"?>
+<file path=ppt/tags/tag104.xml><?xml version="1.0" encoding="utf-8"?>
 <p:tagLst xmlns:a="http://schemas.openxmlformats.org/drawingml/2006/main" xmlns:r="http://schemas.openxmlformats.org/officeDocument/2006/relationships" xmlns:p="http://schemas.openxmlformats.org/presentationml/2006/main">
   <p:tag name="OUTPUTDPI" val="1200"/>
   <p:tag name="ORIGINALHEIGHT" val="125.2343"/>
@@ -16334,7 +16672,7 @@
 </p:tagLst>
 </file>
 
-<file path=ppt/tags/tag103.xml><?xml version="1.0" encoding="utf-8"?>
+<file path=ppt/tags/tag105.xml><?xml version="1.0" encoding="utf-8"?>
 <p:tagLst xmlns:a="http://schemas.openxmlformats.org/drawingml/2006/main" xmlns:r="http://schemas.openxmlformats.org/officeDocument/2006/relationships" xmlns:p="http://schemas.openxmlformats.org/presentationml/2006/main">
   <p:tag name="OUTPUTDPI" val="1200"/>
   <p:tag name="ORIGINALHEIGHT" val="149.2313"/>
@@ -16352,7 +16690,7 @@
 </p:tagLst>
 </file>
 
-<file path=ppt/tags/tag104.xml><?xml version="1.0" encoding="utf-8"?>
+<file path=ppt/tags/tag106.xml><?xml version="1.0" encoding="utf-8"?>
 <p:tagLst xmlns:a="http://schemas.openxmlformats.org/drawingml/2006/main" xmlns:r="http://schemas.openxmlformats.org/officeDocument/2006/relationships" xmlns:p="http://schemas.openxmlformats.org/presentationml/2006/main">
   <p:tag name="OUTPUTDPI" val="1200"/>
   <p:tag name="ORIGINALHEIGHT" val="125.2343"/>
@@ -16370,7 +16708,7 @@
 </p:tagLst>
 </file>
 
-<file path=ppt/tags/tag105.xml><?xml version="1.0" encoding="utf-8"?>
+<file path=ppt/tags/tag107.xml><?xml version="1.0" encoding="utf-8"?>
 <p:tagLst xmlns:a="http://schemas.openxmlformats.org/drawingml/2006/main" xmlns:r="http://schemas.openxmlformats.org/officeDocument/2006/relationships" xmlns:p="http://schemas.openxmlformats.org/presentationml/2006/main">
   <p:tag name="OUTPUTDPI" val="1200"/>
   <p:tag name="ORIGINALHEIGHT" val="126.7342"/>
@@ -16388,7 +16726,7 @@
 </p:tagLst>
 </file>
 
-<file path=ppt/tags/tag106.xml><?xml version="1.0" encoding="utf-8"?>
+<file path=ppt/tags/tag108.xml><?xml version="1.0" encoding="utf-8"?>
 <p:tagLst xmlns:a="http://schemas.openxmlformats.org/drawingml/2006/main" xmlns:r="http://schemas.openxmlformats.org/officeDocument/2006/relationships" xmlns:p="http://schemas.openxmlformats.org/presentationml/2006/main">
   <p:tag name="OUTPUTDPI" val="1200"/>
   <p:tag name="ORIGINALHEIGHT" val="126.7342"/>
@@ -16406,7 +16744,7 @@
 </p:tagLst>
 </file>
 
-<file path=ppt/tags/tag107.xml><?xml version="1.0" encoding="utf-8"?>
+<file path=ppt/tags/tag109.xml><?xml version="1.0" encoding="utf-8"?>
 <p:tagLst xmlns:a="http://schemas.openxmlformats.org/drawingml/2006/main" xmlns:r="http://schemas.openxmlformats.org/officeDocument/2006/relationships" xmlns:p="http://schemas.openxmlformats.org/presentationml/2006/main">
   <p:tag name="OUTPUTDPI" val="1200"/>
   <p:tag name="ORIGINALHEIGHT" val="126.7342"/>
@@ -16414,42 +16752,6 @@
   <p:tag name="LATEXADDIN" val="\documentclass{article}&#10;\usepackage{amsmath}&#10;\pagestyle{empty}&#10;\usepackage{xcolor}&#10;\usepackage{empheq}&#10;\begin{document}&#10;$ 1+p=2^{x-2} $&#10;\end{document}"/>
   <p:tag name="IGUANATEXSIZE" val="18"/>
   <p:tag name="IGUANATEXCURSOR" val="125"/>
-  <p:tag name="TRANSPARENCY" val="False"/>
-  <p:tag name="LATEXENGINEID" val="0"/>
-  <p:tag name="TEMPFOLDER" val="C:\Users\cosA\OneDrive\Documents\temp\"/>
-  <p:tag name="LATEXFORMHEIGHT" val="312"/>
-  <p:tag name="LATEXFORMWIDTH" val="384"/>
-  <p:tag name="LATEXFORMWRAP" val="True"/>
-  <p:tag name="BITMAPVECTOR" val="0"/>
-</p:tagLst>
-</file>
-
-<file path=ppt/tags/tag108.xml><?xml version="1.0" encoding="utf-8"?>
-<p:tagLst xmlns:a="http://schemas.openxmlformats.org/drawingml/2006/main" xmlns:r="http://schemas.openxmlformats.org/officeDocument/2006/relationships" xmlns:p="http://schemas.openxmlformats.org/presentationml/2006/main">
-  <p:tag name="OUTPUTDPI" val="1200"/>
-  <p:tag name="ORIGINALHEIGHT" val="134.2332"/>
-  <p:tag name="ORIGINALWIDTH" val="854.8931"/>
-  <p:tag name="LATEXADDIN" val="\documentclass{article}&#10;\usepackage{amsmath}&#10;\pagestyle{empty}&#10;\usepackage{xcolor}&#10;\usepackage{empheq}&#10;\begin{document}&#10;$ 2^{2}\cdot \left ( 1+p \right )=2^{x} $&#10;\end{document}"/>
-  <p:tag name="IGUANATEXSIZE" val="18"/>
-  <p:tag name="IGUANATEXCURSOR" val="159"/>
-  <p:tag name="TRANSPARENCY" val="False"/>
-  <p:tag name="LATEXENGINEID" val="0"/>
-  <p:tag name="TEMPFOLDER" val="C:\Users\cosA\OneDrive\Documents\temp\"/>
-  <p:tag name="LATEXFORMHEIGHT" val="312"/>
-  <p:tag name="LATEXFORMWIDTH" val="384"/>
-  <p:tag name="LATEXFORMWRAP" val="True"/>
-  <p:tag name="BITMAPVECTOR" val="0"/>
-</p:tagLst>
-</file>
-
-<file path=ppt/tags/tag109.xml><?xml version="1.0" encoding="utf-8"?>
-<p:tagLst xmlns:a="http://schemas.openxmlformats.org/drawingml/2006/main" xmlns:r="http://schemas.openxmlformats.org/officeDocument/2006/relationships" xmlns:p="http://schemas.openxmlformats.org/presentationml/2006/main">
-  <p:tag name="OUTPUTDPI" val="1200"/>
-  <p:tag name="ORIGINALHEIGHT" val="134.2332"/>
-  <p:tag name="ORIGINALWIDTH" val="1331.833"/>
-  <p:tag name="LATEXADDIN" val="\documentclass{article}&#10;\usepackage{amsmath}&#10;\pagestyle{empty}&#10;\usepackage{xcolor}&#10;\usepackage{empheq}&#10;\begin{document}&#10;$ \log _{2}2^{2}\cdot \left ( 1+p \right )=\log _{2}2^{x} $&#10;\end{document}"/>
-  <p:tag name="IGUANATEXSIZE" val="18"/>
-  <p:tag name="IGUANATEXCURSOR" val="177"/>
   <p:tag name="TRANSPARENCY" val="False"/>
   <p:tag name="LATEXENGINEID" val="0"/>
   <p:tag name="TEMPFOLDER" val="C:\Users\cosA\OneDrive\Documents\temp\"/>
@@ -16481,6 +16783,42 @@
 <file path=ppt/tags/tag110.xml><?xml version="1.0" encoding="utf-8"?>
 <p:tagLst xmlns:a="http://schemas.openxmlformats.org/drawingml/2006/main" xmlns:r="http://schemas.openxmlformats.org/officeDocument/2006/relationships" xmlns:p="http://schemas.openxmlformats.org/presentationml/2006/main">
   <p:tag name="OUTPUTDPI" val="1200"/>
+  <p:tag name="ORIGINALHEIGHT" val="134.2332"/>
+  <p:tag name="ORIGINALWIDTH" val="854.8931"/>
+  <p:tag name="LATEXADDIN" val="\documentclass{article}&#10;\usepackage{amsmath}&#10;\pagestyle{empty}&#10;\usepackage{xcolor}&#10;\usepackage{empheq}&#10;\begin{document}&#10;$ 2^{2}\cdot \left ( 1+p \right )=2^{x} $&#10;\end{document}"/>
+  <p:tag name="IGUANATEXSIZE" val="18"/>
+  <p:tag name="IGUANATEXCURSOR" val="159"/>
+  <p:tag name="TRANSPARENCY" val="False"/>
+  <p:tag name="LATEXENGINEID" val="0"/>
+  <p:tag name="TEMPFOLDER" val="C:\Users\cosA\OneDrive\Documents\temp\"/>
+  <p:tag name="LATEXFORMHEIGHT" val="312"/>
+  <p:tag name="LATEXFORMWIDTH" val="384"/>
+  <p:tag name="LATEXFORMWRAP" val="True"/>
+  <p:tag name="BITMAPVECTOR" val="0"/>
+</p:tagLst>
+</file>
+
+<file path=ppt/tags/tag111.xml><?xml version="1.0" encoding="utf-8"?>
+<p:tagLst xmlns:a="http://schemas.openxmlformats.org/drawingml/2006/main" xmlns:r="http://schemas.openxmlformats.org/officeDocument/2006/relationships" xmlns:p="http://schemas.openxmlformats.org/presentationml/2006/main">
+  <p:tag name="OUTPUTDPI" val="1200"/>
+  <p:tag name="ORIGINALHEIGHT" val="134.2332"/>
+  <p:tag name="ORIGINALWIDTH" val="1331.833"/>
+  <p:tag name="LATEXADDIN" val="\documentclass{article}&#10;\usepackage{amsmath}&#10;\pagestyle{empty}&#10;\usepackage{xcolor}&#10;\usepackage{empheq}&#10;\begin{document}&#10;$ \log _{2}2^{2}\cdot \left ( 1+p \right )=\log _{2}2^{x} $&#10;\end{document}"/>
+  <p:tag name="IGUANATEXSIZE" val="18"/>
+  <p:tag name="IGUANATEXCURSOR" val="177"/>
+  <p:tag name="TRANSPARENCY" val="False"/>
+  <p:tag name="LATEXENGINEID" val="0"/>
+  <p:tag name="TEMPFOLDER" val="C:\Users\cosA\OneDrive\Documents\temp\"/>
+  <p:tag name="LATEXFORMHEIGHT" val="312"/>
+  <p:tag name="LATEXFORMWIDTH" val="384"/>
+  <p:tag name="LATEXFORMWRAP" val="True"/>
+  <p:tag name="BITMAPVECTOR" val="0"/>
+</p:tagLst>
+</file>
+
+<file path=ppt/tags/tag112.xml><?xml version="1.0" encoding="utf-8"?>
+<p:tagLst xmlns:a="http://schemas.openxmlformats.org/drawingml/2006/main" xmlns:r="http://schemas.openxmlformats.org/officeDocument/2006/relationships" xmlns:p="http://schemas.openxmlformats.org/presentationml/2006/main">
+  <p:tag name="OUTPUTDPI" val="1200"/>
   <p:tag name="ORIGINALHEIGHT" val="125.2343"/>
   <p:tag name="ORIGINALWIDTH" val="1051.369"/>
   <p:tag name="LATEXADDIN" val="\documentclass{article}&#10;\usepackage{amsmath}&#10;\pagestyle{empty}&#10;\usepackage{xcolor}&#10;\usepackage{empheq}&#10;\begin{document}&#10;$ 2+\log _{2} \left ( 1+p \right )=x $&#10;\end{document}"/>
@@ -16496,7 +16834,7 @@
 </p:tagLst>
 </file>
 
-<file path=ppt/tags/tag111.xml><?xml version="1.0" encoding="utf-8"?>
+<file path=ppt/tags/tag113.xml><?xml version="1.0" encoding="utf-8"?>
 <p:tagLst xmlns:a="http://schemas.openxmlformats.org/drawingml/2006/main" xmlns:r="http://schemas.openxmlformats.org/officeDocument/2006/relationships" xmlns:p="http://schemas.openxmlformats.org/presentationml/2006/main">
   <p:tag name="OUTPUTDPI" val="1200"/>
   <p:tag name="ORIGINALHEIGHT" val="125.2343"/>
@@ -16514,7 +16852,7 @@
 </p:tagLst>
 </file>
 
-<file path=ppt/tags/tag112.xml><?xml version="1.0" encoding="utf-8"?>
+<file path=ppt/tags/tag114.xml><?xml version="1.0" encoding="utf-8"?>
 <p:tagLst xmlns:a="http://schemas.openxmlformats.org/drawingml/2006/main" xmlns:r="http://schemas.openxmlformats.org/officeDocument/2006/relationships" xmlns:p="http://schemas.openxmlformats.org/presentationml/2006/main">
   <p:tag name="OUTPUTDPI" val="1200"/>
   <p:tag name="ORIGINALHEIGHT" val="125.2343"/>
@@ -16532,7 +16870,7 @@
 </p:tagLst>
 </file>
 
-<file path=ppt/tags/tag113.xml><?xml version="1.0" encoding="utf-8"?>
+<file path=ppt/tags/tag115.xml><?xml version="1.0" encoding="utf-8"?>
 <p:tagLst xmlns:a="http://schemas.openxmlformats.org/drawingml/2006/main" xmlns:r="http://schemas.openxmlformats.org/officeDocument/2006/relationships" xmlns:p="http://schemas.openxmlformats.org/presentationml/2006/main">
   <p:tag name="OUTPUTDPI" val="1200"/>
   <p:tag name="ORIGINALHEIGHT" val="125.2343"/>
@@ -16550,7 +16888,7 @@
 </p:tagLst>
 </file>
 
-<file path=ppt/tags/tag114.xml><?xml version="1.0" encoding="utf-8"?>
+<file path=ppt/tags/tag116.xml><?xml version="1.0" encoding="utf-8"?>
 <p:tagLst xmlns:a="http://schemas.openxmlformats.org/drawingml/2006/main" xmlns:r="http://schemas.openxmlformats.org/officeDocument/2006/relationships" xmlns:p="http://schemas.openxmlformats.org/presentationml/2006/main">
   <p:tag name="OUTPUTDPI" val="1200"/>
   <p:tag name="ORIGINALHEIGHT" val="125.2343"/>
@@ -16568,7 +16906,7 @@
 </p:tagLst>
 </file>
 
-<file path=ppt/tags/tag115.xml><?xml version="1.0" encoding="utf-8"?>
+<file path=ppt/tags/tag117.xml><?xml version="1.0" encoding="utf-8"?>
 <p:tagLst xmlns:a="http://schemas.openxmlformats.org/drawingml/2006/main" xmlns:r="http://schemas.openxmlformats.org/officeDocument/2006/relationships" xmlns:p="http://schemas.openxmlformats.org/presentationml/2006/main">
   <p:tag name="OUTPUTDPI" val="1200"/>
   <p:tag name="ORIGINALHEIGHT" val="107.9865"/>
@@ -16586,7 +16924,7 @@
 </p:tagLst>
 </file>
 
-<file path=ppt/tags/tag116.xml><?xml version="1.0" encoding="utf-8"?>
+<file path=ppt/tags/tag118.xml><?xml version="1.0" encoding="utf-8"?>
 <p:tagLst xmlns:a="http://schemas.openxmlformats.org/drawingml/2006/main" xmlns:r="http://schemas.openxmlformats.org/officeDocument/2006/relationships" xmlns:p="http://schemas.openxmlformats.org/presentationml/2006/main">
   <p:tag name="OUTPUTDPI" val="1200"/>
   <p:tag name="ORIGINALHEIGHT" val="116.2354"/>
@@ -16604,7 +16942,7 @@
 </p:tagLst>
 </file>
 
-<file path=ppt/tags/tag117.xml><?xml version="1.0" encoding="utf-8"?>
+<file path=ppt/tags/tag119.xml><?xml version="1.0" encoding="utf-8"?>
 <p:tagLst xmlns:a="http://schemas.openxmlformats.org/drawingml/2006/main" xmlns:r="http://schemas.openxmlformats.org/officeDocument/2006/relationships" xmlns:p="http://schemas.openxmlformats.org/presentationml/2006/main">
   <p:tag name="OUTPUTDPI" val="1200"/>
   <p:tag name="ORIGINALHEIGHT" val="116.2354"/>
@@ -16612,42 +16950,6 @@
   <p:tag name="LATEXADDIN" val="\documentclass{article}&#10;\usepackage{amsmath}&#10;\usepackage{amssymb}&#10;\pagestyle{empty}&#10;\usepackage{xcolor}&#10;\usepackage{empheq}&#10;\begin{document}&#10;$ p\neq 2$&#10;\end{document}"/>
   <p:tag name="IGUANATEXSIZE" val="18"/>
   <p:tag name="IGUANATEXCURSOR" val="150"/>
-  <p:tag name="TRANSPARENCY" val="False"/>
-  <p:tag name="LATEXENGINEID" val="0"/>
-  <p:tag name="TEMPFOLDER" val="C:\Users\cosA\OneDrive\Documents\temp\"/>
-  <p:tag name="LATEXFORMHEIGHT" val="312"/>
-  <p:tag name="LATEXFORMWIDTH" val="384"/>
-  <p:tag name="LATEXFORMWRAP" val="True"/>
-  <p:tag name="BITMAPVECTOR" val="0"/>
-</p:tagLst>
-</file>
-
-<file path=ppt/tags/tag118.xml><?xml version="1.0" encoding="utf-8"?>
-<p:tagLst xmlns:a="http://schemas.openxmlformats.org/drawingml/2006/main" xmlns:r="http://schemas.openxmlformats.org/officeDocument/2006/relationships" xmlns:p="http://schemas.openxmlformats.org/presentationml/2006/main">
-  <p:tag name="OUTPUTDPI" val="1200"/>
-  <p:tag name="ORIGINALHEIGHT" val="56.24299"/>
-  <p:tag name="ORIGINALWIDTH" val="53.24331"/>
-  <p:tag name="LATEXADDIN" val="\documentclass{article}&#10;\usepackage{amsmath}&#10;\pagestyle{empty}&#10;\usepackage{xcolor}&#10;\usepackage{empheq}&#10;\begin{document}&#10;$z$&#10;\end{document}"/>
-  <p:tag name="IGUANATEXSIZE" val="31"/>
-  <p:tag name="IGUANATEXCURSOR" val="121"/>
-  <p:tag name="TRANSPARENCY" val="False"/>
-  <p:tag name="LATEXENGINEID" val="0"/>
-  <p:tag name="TEMPFOLDER" val="C:\Users\cosA\OneDrive\Documents\temp\"/>
-  <p:tag name="LATEXFORMHEIGHT" val="312"/>
-  <p:tag name="LATEXFORMWIDTH" val="384"/>
-  <p:tag name="LATEXFORMWRAP" val="True"/>
-  <p:tag name="BITMAPVECTOR" val="0"/>
-</p:tagLst>
-</file>
-
-<file path=ppt/tags/tag119.xml><?xml version="1.0" encoding="utf-8"?>
-<p:tagLst xmlns:a="http://schemas.openxmlformats.org/drawingml/2006/main" xmlns:r="http://schemas.openxmlformats.org/officeDocument/2006/relationships" xmlns:p="http://schemas.openxmlformats.org/presentationml/2006/main">
-  <p:tag name="OUTPUTDPI" val="1200"/>
-  <p:tag name="ORIGINALHEIGHT" val="125.2343"/>
-  <p:tag name="ORIGINALWIDTH" val="134.9832"/>
-  <p:tag name="LATEXADDIN" val="\documentclass{article}&#10;\usepackage{amsmath}&#10;\pagestyle{empty}&#10;\usepackage{xcolor}&#10;\usepackage{empheq}&#10;\begin{document}&#10;${\color{red}\left ( 1 \right )}$&#10;\end{document}"/>
-  <p:tag name="IGUANATEXSIZE" val="18"/>
-  <p:tag name="IGUANATEXCURSOR" val="152"/>
   <p:tag name="TRANSPARENCY" val="False"/>
   <p:tag name="LATEXENGINEID" val="0"/>
   <p:tag name="TEMPFOLDER" val="C:\Users\cosA\OneDrive\Documents\temp\"/>
@@ -16679,6 +16981,42 @@
 <file path=ppt/tags/tag120.xml><?xml version="1.0" encoding="utf-8"?>
 <p:tagLst xmlns:a="http://schemas.openxmlformats.org/drawingml/2006/main" xmlns:r="http://schemas.openxmlformats.org/officeDocument/2006/relationships" xmlns:p="http://schemas.openxmlformats.org/presentationml/2006/main">
   <p:tag name="OUTPUTDPI" val="1200"/>
+  <p:tag name="ORIGINALHEIGHT" val="56.24299"/>
+  <p:tag name="ORIGINALWIDTH" val="53.24331"/>
+  <p:tag name="LATEXADDIN" val="\documentclass{article}&#10;\usepackage{amsmath}&#10;\pagestyle{empty}&#10;\usepackage{xcolor}&#10;\usepackage{empheq}&#10;\begin{document}&#10;$z$&#10;\end{document}"/>
+  <p:tag name="IGUANATEXSIZE" val="31"/>
+  <p:tag name="IGUANATEXCURSOR" val="121"/>
+  <p:tag name="TRANSPARENCY" val="False"/>
+  <p:tag name="LATEXENGINEID" val="0"/>
+  <p:tag name="TEMPFOLDER" val="C:\Users\cosA\OneDrive\Documents\temp\"/>
+  <p:tag name="LATEXFORMHEIGHT" val="312"/>
+  <p:tag name="LATEXFORMWIDTH" val="384"/>
+  <p:tag name="LATEXFORMWRAP" val="True"/>
+  <p:tag name="BITMAPVECTOR" val="0"/>
+</p:tagLst>
+</file>
+
+<file path=ppt/tags/tag121.xml><?xml version="1.0" encoding="utf-8"?>
+<p:tagLst xmlns:a="http://schemas.openxmlformats.org/drawingml/2006/main" xmlns:r="http://schemas.openxmlformats.org/officeDocument/2006/relationships" xmlns:p="http://schemas.openxmlformats.org/presentationml/2006/main">
+  <p:tag name="OUTPUTDPI" val="1200"/>
+  <p:tag name="ORIGINALHEIGHT" val="125.2343"/>
+  <p:tag name="ORIGINALWIDTH" val="134.9832"/>
+  <p:tag name="LATEXADDIN" val="\documentclass{article}&#10;\usepackage{amsmath}&#10;\pagestyle{empty}&#10;\usepackage{xcolor}&#10;\usepackage{empheq}&#10;\begin{document}&#10;${\color{red}\left ( 1 \right )}$&#10;\end{document}"/>
+  <p:tag name="IGUANATEXSIZE" val="18"/>
+  <p:tag name="IGUANATEXCURSOR" val="152"/>
+  <p:tag name="TRANSPARENCY" val="False"/>
+  <p:tag name="LATEXENGINEID" val="0"/>
+  <p:tag name="TEMPFOLDER" val="C:\Users\cosA\OneDrive\Documents\temp\"/>
+  <p:tag name="LATEXFORMHEIGHT" val="312"/>
+  <p:tag name="LATEXFORMWIDTH" val="384"/>
+  <p:tag name="LATEXFORMWRAP" val="True"/>
+  <p:tag name="BITMAPVECTOR" val="0"/>
+</p:tagLst>
+</file>
+
+<file path=ppt/tags/tag122.xml><?xml version="1.0" encoding="utf-8"?>
+<p:tagLst xmlns:a="http://schemas.openxmlformats.org/drawingml/2006/main" xmlns:r="http://schemas.openxmlformats.org/officeDocument/2006/relationships" xmlns:p="http://schemas.openxmlformats.org/presentationml/2006/main">
+  <p:tag name="OUTPUTDPI" val="1200"/>
   <p:tag name="ORIGINALHEIGHT" val="134.2332"/>
   <p:tag name="ORIGINALWIDTH" val="267.7165"/>
   <p:tag name="LATEXADDIN" val="\documentclass{article}&#10;\usepackage{amsmath}&#10;\usepackage{amssymb}&#10;\pagestyle{empty}&#10;\usepackage{xcolor}&#10;\usepackage{empheq}&#10;\begin{document}&#10;$2\nmid z^{2}$&#10;\end{document}"/>
@@ -16694,7 +17032,7 @@
 </p:tagLst>
 </file>
 
-<file path=ppt/tags/tag121.xml><?xml version="1.0" encoding="utf-8"?>
+<file path=ppt/tags/tag123.xml><?xml version="1.0" encoding="utf-8"?>
 <p:tagLst xmlns:a="http://schemas.openxmlformats.org/drawingml/2006/main" xmlns:r="http://schemas.openxmlformats.org/officeDocument/2006/relationships" xmlns:p="http://schemas.openxmlformats.org/presentationml/2006/main">
   <p:tag name="OUTPUTDPI" val="1200"/>
   <p:tag name="ORIGINALHEIGHT" val="134.2332"/>
@@ -16712,7 +17050,7 @@
 </p:tagLst>
 </file>
 
-<file path=ppt/tags/tag122.xml><?xml version="1.0" encoding="utf-8"?>
+<file path=ppt/tags/tag124.xml><?xml version="1.0" encoding="utf-8"?>
 <p:tagLst xmlns:a="http://schemas.openxmlformats.org/drawingml/2006/main" xmlns:r="http://schemas.openxmlformats.org/officeDocument/2006/relationships" xmlns:p="http://schemas.openxmlformats.org/presentationml/2006/main">
   <p:tag name="OUTPUTDPI" val="1200"/>
   <p:tag name="ORIGINALHEIGHT" val="125.2343"/>
@@ -16730,7 +17068,7 @@
 </p:tagLst>
 </file>
 
-<file path=ppt/tags/tag123.xml><?xml version="1.0" encoding="utf-8"?>
+<file path=ppt/tags/tag125.xml><?xml version="1.0" encoding="utf-8"?>
 <p:tagLst xmlns:a="http://schemas.openxmlformats.org/drawingml/2006/main" xmlns:r="http://schemas.openxmlformats.org/officeDocument/2006/relationships" xmlns:p="http://schemas.openxmlformats.org/presentationml/2006/main">
   <p:tag name="OUTPUTDPI" val="1200"/>
   <p:tag name="ORIGINALHEIGHT" val="125.2343"/>
@@ -16748,7 +17086,7 @@
 </p:tagLst>
 </file>
 
-<file path=ppt/tags/tag124.xml><?xml version="1.0" encoding="utf-8"?>
+<file path=ppt/tags/tag126.xml><?xml version="1.0" encoding="utf-8"?>
 <p:tagLst xmlns:a="http://schemas.openxmlformats.org/drawingml/2006/main" xmlns:r="http://schemas.openxmlformats.org/officeDocument/2006/relationships" xmlns:p="http://schemas.openxmlformats.org/presentationml/2006/main">
   <p:tag name="OUTPUTDPI" val="1200"/>
   <p:tag name="ORIGINALHEIGHT" val="132.7334"/>
@@ -16766,7 +17104,7 @@
 </p:tagLst>
 </file>
 
-<file path=ppt/tags/tag125.xml><?xml version="1.0" encoding="utf-8"?>
+<file path=ppt/tags/tag127.xml><?xml version="1.0" encoding="utf-8"?>
 <p:tagLst xmlns:a="http://schemas.openxmlformats.org/drawingml/2006/main" xmlns:r="http://schemas.openxmlformats.org/officeDocument/2006/relationships" xmlns:p="http://schemas.openxmlformats.org/presentationml/2006/main">
   <p:tag name="OUTPUTDPI" val="1200"/>
   <p:tag name="ORIGINALHEIGHT" val="125.2343"/>
@@ -16784,7 +17122,7 @@
 </p:tagLst>
 </file>
 
-<file path=ppt/tags/tag126.xml><?xml version="1.0" encoding="utf-8"?>
+<file path=ppt/tags/tag128.xml><?xml version="1.0" encoding="utf-8"?>
 <p:tagLst xmlns:a="http://schemas.openxmlformats.org/drawingml/2006/main" xmlns:r="http://schemas.openxmlformats.org/officeDocument/2006/relationships" xmlns:p="http://schemas.openxmlformats.org/presentationml/2006/main">
   <p:tag name="OUTPUTDPI" val="1200"/>
   <p:tag name="ORIGINALHEIGHT" val="116.2354"/>
@@ -16802,7 +17140,7 @@
 </p:tagLst>
 </file>
 
-<file path=ppt/tags/tag127.xml><?xml version="1.0" encoding="utf-8"?>
+<file path=ppt/tags/tag129.xml><?xml version="1.0" encoding="utf-8"?>
 <p:tagLst xmlns:a="http://schemas.openxmlformats.org/drawingml/2006/main" xmlns:r="http://schemas.openxmlformats.org/officeDocument/2006/relationships" xmlns:p="http://schemas.openxmlformats.org/presentationml/2006/main">
   <p:tag name="OUTPUTDPI" val="1200"/>
   <p:tag name="ORIGINALHEIGHT" val="125.2343"/>
@@ -16810,42 +17148,6 @@
   <p:tag name="LATEXADDIN" val="\documentclass{article}&#10;\usepackage{amsmath}&#10;\pagestyle{empty}&#10;\usepackage{xcolor}&#10;\usepackage{empheq}&#10;\begin{document}&#10;$2^{x}\equiv 0\left ( \mod4 \right )$&#10;\end{document}"/>
   <p:tag name="IGUANATEXSIZE" val="18"/>
   <p:tag name="IGUANATEXCURSOR" val="125"/>
-  <p:tag name="TRANSPARENCY" val="False"/>
-  <p:tag name="LATEXENGINEID" val="0"/>
-  <p:tag name="TEMPFOLDER" val="C:\Users\cosA\OneDrive\Documents\temp\"/>
-  <p:tag name="LATEXFORMHEIGHT" val="312"/>
-  <p:tag name="LATEXFORMWIDTH" val="384"/>
-  <p:tag name="LATEXFORMWRAP" val="True"/>
-  <p:tag name="BITMAPVECTOR" val="0"/>
-</p:tagLst>
-</file>
-
-<file path=ppt/tags/tag128.xml><?xml version="1.0" encoding="utf-8"?>
-<p:tagLst xmlns:a="http://schemas.openxmlformats.org/drawingml/2006/main" xmlns:r="http://schemas.openxmlformats.org/officeDocument/2006/relationships" xmlns:p="http://schemas.openxmlformats.org/presentationml/2006/main">
-  <p:tag name="OUTPUTDPI" val="1200"/>
-  <p:tag name="ORIGINALHEIGHT" val="99.73756"/>
-  <p:tag name="ORIGINALWIDTH" val="290.9636"/>
-  <p:tag name="LATEXADDIN" val="&#10;&#10;\documentclass{article}&#10;\usepackage{amsmath}&#10;\usepackage{amsfonts}&#10;\usepackage{amssymb}&#10;\pagestyle{empty}&#10;\usepackage{xcolor}&#10;\usepackage{empheq}&#10;\begin{document}&#10;$x\geq 3 $&#10;\end{document}"/>
-  <p:tag name="IGUANATEXSIZE" val="18"/>
-  <p:tag name="IGUANATEXCURSOR" val="173"/>
-  <p:tag name="TRANSPARENCY" val="False"/>
-  <p:tag name="LATEXENGINEID" val="0"/>
-  <p:tag name="TEMPFOLDER" val="C:\Users\cosA\OneDrive\Documents\temp\"/>
-  <p:tag name="LATEXFORMHEIGHT" val="312"/>
-  <p:tag name="LATEXFORMWIDTH" val="384"/>
-  <p:tag name="LATEXFORMWRAP" val="True"/>
-  <p:tag name="BITMAPVECTOR" val="0"/>
-</p:tagLst>
-</file>
-
-<file path=ppt/tags/tag129.xml><?xml version="1.0" encoding="utf-8"?>
-<p:tagLst xmlns:a="http://schemas.openxmlformats.org/drawingml/2006/main" xmlns:r="http://schemas.openxmlformats.org/officeDocument/2006/relationships" xmlns:p="http://schemas.openxmlformats.org/presentationml/2006/main">
-  <p:tag name="OUTPUTDPI" val="1200"/>
-  <p:tag name="ORIGINALHEIGHT" val="125.2343"/>
-  <p:tag name="ORIGINALWIDTH" val="1249.344"/>
-  <p:tag name="LATEXADDIN" val="\documentclass{article}&#10;\usepackage{amsmath}&#10;\pagestyle{empty}&#10;\usepackage{xcolor}&#10;\usepackage{empheq}&#10;\begin{document}&#10;$  2^{x}+p^{y}\equiv -1\left ( \mod4 \right )$&#10;\end{document}"/>
-  <p:tag name="IGUANATEXSIZE" val="18"/>
-  <p:tag name="IGUANATEXCURSOR" val="134"/>
   <p:tag name="TRANSPARENCY" val="False"/>
   <p:tag name="LATEXENGINEID" val="0"/>
   <p:tag name="TEMPFOLDER" val="C:\Users\cosA\OneDrive\Documents\temp\"/>
@@ -16877,6 +17179,42 @@
 <file path=ppt/tags/tag130.xml><?xml version="1.0" encoding="utf-8"?>
 <p:tagLst xmlns:a="http://schemas.openxmlformats.org/drawingml/2006/main" xmlns:r="http://schemas.openxmlformats.org/officeDocument/2006/relationships" xmlns:p="http://schemas.openxmlformats.org/presentationml/2006/main">
   <p:tag name="OUTPUTDPI" val="1200"/>
+  <p:tag name="ORIGINALHEIGHT" val="99.73756"/>
+  <p:tag name="ORIGINALWIDTH" val="290.9636"/>
+  <p:tag name="LATEXADDIN" val="&#10;&#10;\documentclass{article}&#10;\usepackage{amsmath}&#10;\usepackage{amsfonts}&#10;\usepackage{amssymb}&#10;\pagestyle{empty}&#10;\usepackage{xcolor}&#10;\usepackage{empheq}&#10;\begin{document}&#10;$x\geq 3 $&#10;\end{document}"/>
+  <p:tag name="IGUANATEXSIZE" val="18"/>
+  <p:tag name="IGUANATEXCURSOR" val="173"/>
+  <p:tag name="TRANSPARENCY" val="False"/>
+  <p:tag name="LATEXENGINEID" val="0"/>
+  <p:tag name="TEMPFOLDER" val="C:\Users\cosA\OneDrive\Documents\temp\"/>
+  <p:tag name="LATEXFORMHEIGHT" val="312"/>
+  <p:tag name="LATEXFORMWIDTH" val="384"/>
+  <p:tag name="LATEXFORMWRAP" val="True"/>
+  <p:tag name="BITMAPVECTOR" val="0"/>
+</p:tagLst>
+</file>
+
+<file path=ppt/tags/tag131.xml><?xml version="1.0" encoding="utf-8"?>
+<p:tagLst xmlns:a="http://schemas.openxmlformats.org/drawingml/2006/main" xmlns:r="http://schemas.openxmlformats.org/officeDocument/2006/relationships" xmlns:p="http://schemas.openxmlformats.org/presentationml/2006/main">
+  <p:tag name="OUTPUTDPI" val="1200"/>
+  <p:tag name="ORIGINALHEIGHT" val="125.2343"/>
+  <p:tag name="ORIGINALWIDTH" val="1249.344"/>
+  <p:tag name="LATEXADDIN" val="\documentclass{article}&#10;\usepackage{amsmath}&#10;\pagestyle{empty}&#10;\usepackage{xcolor}&#10;\usepackage{empheq}&#10;\begin{document}&#10;$  2^{x}+p^{y}\equiv -1\left ( \mod4 \right )$&#10;\end{document}"/>
+  <p:tag name="IGUANATEXSIZE" val="18"/>
+  <p:tag name="IGUANATEXCURSOR" val="134"/>
+  <p:tag name="TRANSPARENCY" val="False"/>
+  <p:tag name="LATEXENGINEID" val="0"/>
+  <p:tag name="TEMPFOLDER" val="C:\Users\cosA\OneDrive\Documents\temp\"/>
+  <p:tag name="LATEXFORMHEIGHT" val="312"/>
+  <p:tag name="LATEXFORMWIDTH" val="384"/>
+  <p:tag name="LATEXFORMWRAP" val="True"/>
+  <p:tag name="BITMAPVECTOR" val="0"/>
+</p:tagLst>
+</file>
+
+<file path=ppt/tags/tag132.xml><?xml version="1.0" encoding="utf-8"?>
+<p:tagLst xmlns:a="http://schemas.openxmlformats.org/drawingml/2006/main" xmlns:r="http://schemas.openxmlformats.org/officeDocument/2006/relationships" xmlns:p="http://schemas.openxmlformats.org/presentationml/2006/main">
+  <p:tag name="OUTPUTDPI" val="1200"/>
   <p:tag name="ORIGINALHEIGHT" val="134.2332"/>
   <p:tag name="ORIGINALWIDTH" val="969.6288"/>
   <p:tag name="LATEXADDIN" val="\documentclass{article}&#10;\usepackage{amsmath}&#10;\pagestyle{empty}&#10;\usepackage{xcolor}&#10;\usepackage{empheq}&#10;\begin{document}&#10;$  z^{2}\equiv -1\left ( \mod4 \right )$&#10;\end{document}"/>
@@ -16892,7 +17230,7 @@
 </p:tagLst>
 </file>
 
-<file path=ppt/tags/tag131.xml><?xml version="1.0" encoding="utf-8"?>
+<file path=ppt/tags/tag133.xml><?xml version="1.0" encoding="utf-8"?>
 <p:tagLst xmlns:a="http://schemas.openxmlformats.org/drawingml/2006/main" xmlns:r="http://schemas.openxmlformats.org/officeDocument/2006/relationships" xmlns:p="http://schemas.openxmlformats.org/presentationml/2006/main">
   <p:tag name="OUTPUTDPI" val="1200"/>
   <p:tag name="ORIGINALHEIGHT" val="134.2332"/>
@@ -16910,7 +17248,7 @@
 </p:tagLst>
 </file>
 
-<file path=ppt/tags/tag132.xml><?xml version="1.0" encoding="utf-8"?>
+<file path=ppt/tags/tag134.xml><?xml version="1.0" encoding="utf-8"?>
 <p:tagLst xmlns:a="http://schemas.openxmlformats.org/drawingml/2006/main" xmlns:r="http://schemas.openxmlformats.org/officeDocument/2006/relationships" xmlns:p="http://schemas.openxmlformats.org/presentationml/2006/main">
   <p:tag name="OUTPUTDPI" val="1200"/>
   <p:tag name="ORIGINALHEIGHT" val="125.2343"/>
@@ -16928,7 +17266,7 @@
 </p:tagLst>
 </file>
 
-<file path=ppt/tags/tag133.xml><?xml version="1.0" encoding="utf-8"?>
+<file path=ppt/tags/tag135.xml><?xml version="1.0" encoding="utf-8"?>
 <p:tagLst xmlns:a="http://schemas.openxmlformats.org/drawingml/2006/main" xmlns:r="http://schemas.openxmlformats.org/officeDocument/2006/relationships" xmlns:p="http://schemas.openxmlformats.org/presentationml/2006/main">
   <p:tag name="OUTPUTDPI" val="1200"/>
   <p:tag name="ORIGINALHEIGHT" val="125.2343"/>
@@ -16946,7 +17284,7 @@
 </p:tagLst>
 </file>
 
-<file path=ppt/tags/tag134.xml><?xml version="1.0" encoding="utf-8"?>
+<file path=ppt/tags/tag136.xml><?xml version="1.0" encoding="utf-8"?>
 <p:tagLst xmlns:a="http://schemas.openxmlformats.org/drawingml/2006/main" xmlns:r="http://schemas.openxmlformats.org/officeDocument/2006/relationships" xmlns:p="http://schemas.openxmlformats.org/presentationml/2006/main">
   <p:tag name="OUTPUTDPI" val="1200"/>
   <p:tag name="ORIGINALHEIGHT" val="84.73937"/>
@@ -16964,7 +17302,7 @@
 </p:tagLst>
 </file>
 
-<file path=ppt/tags/tag135.xml><?xml version="1.0" encoding="utf-8"?>
+<file path=ppt/tags/tag137.xml><?xml version="1.0" encoding="utf-8"?>
 <p:tagLst xmlns:a="http://schemas.openxmlformats.org/drawingml/2006/main" xmlns:r="http://schemas.openxmlformats.org/officeDocument/2006/relationships" xmlns:p="http://schemas.openxmlformats.org/presentationml/2006/main">
   <p:tag name="OUTPUTDPI" val="1200"/>
   <p:tag name="ORIGINALHEIGHT" val="126.7342"/>
@@ -17867,11 +18205,11 @@
 <file path=ppt/tags/tag59.xml><?xml version="1.0" encoding="utf-8"?>
 <p:tagLst xmlns:a="http://schemas.openxmlformats.org/drawingml/2006/main" xmlns:r="http://schemas.openxmlformats.org/officeDocument/2006/relationships" xmlns:p="http://schemas.openxmlformats.org/presentationml/2006/main">
   <p:tag name="OUTPUTDPI" val="1200"/>
-  <p:tag name="ORIGINALHEIGHT" val="56.24299"/>
-  <p:tag name="ORIGINALWIDTH" val="55.49307"/>
-  <p:tag name="LATEXADDIN" val="\documentclass{article}&#10;\usepackage{amsmath}&#10;\pagestyle{empty}&#10;\usepackage{xcolor}&#10;\usepackage{empheq}&#10;\begin{document}&#10;$v$&#10;\end{document}"/>
+  <p:tag name="ORIGINALHEIGHT" val="149.2313"/>
+  <p:tag name="ORIGINALWIDTH" val="710.1613"/>
+  <p:tag name="LATEXADDIN" val="\documentclass{article}&#10;\usepackage{amsmath}&#10;\pagestyle{empty}&#10;\usepackage{xcolor}&#10;\usepackage{empheq}&#10;\begin{document}&#10;$\left ( z-p^{k} \right )=2^{v}$&#10;\end{document}"/>
   <p:tag name="IGUANATEXSIZE" val="18"/>
-  <p:tag name="IGUANATEXCURSOR" val="122"/>
+  <p:tag name="IGUANATEXCURSOR" val="151"/>
   <p:tag name="TRANSPARENCY" val="False"/>
   <p:tag name="LATEXENGINEID" val="0"/>
   <p:tag name="TEMPFOLDER" val="C:\Users\cosA\OneDrive\Documents\temp\"/>
@@ -17904,42 +18242,6 @@
 <p:tagLst xmlns:a="http://schemas.openxmlformats.org/drawingml/2006/main" xmlns:r="http://schemas.openxmlformats.org/officeDocument/2006/relationships" xmlns:p="http://schemas.openxmlformats.org/presentationml/2006/main">
   <p:tag name="OUTPUTDPI" val="1200"/>
   <p:tag name="ORIGINALHEIGHT" val="149.2313"/>
-  <p:tag name="ORIGINALWIDTH" val="1454.068"/>
-  <p:tag name="LATEXADDIN" val="\documentclass{article}&#10;\usepackage{amsmath}&#10;\pagestyle{empty}&#10;\usepackage{xcolor}&#10;\usepackage{empheq}&#10;\begin{document}&#10;$2^{v+x-v}=\left ( z-p^{k} \right ) \left ( z+p^{k} \right )$&#10;\end{document}"/>
-  <p:tag name="IGUANATEXSIZE" val="18"/>
-  <p:tag name="IGUANATEXCURSOR" val="180"/>
-  <p:tag name="TRANSPARENCY" val="False"/>
-  <p:tag name="LATEXENGINEID" val="0"/>
-  <p:tag name="TEMPFOLDER" val="C:\Users\cosA\OneDrive\Documents\temp\"/>
-  <p:tag name="LATEXFORMHEIGHT" val="312"/>
-  <p:tag name="LATEXFORMWIDTH" val="384"/>
-  <p:tag name="LATEXFORMWRAP" val="True"/>
-  <p:tag name="BITMAPVECTOR" val="0"/>
-</p:tagLst>
-</file>
-
-<file path=ppt/tags/tag61.xml><?xml version="1.0" encoding="utf-8"?>
-<p:tagLst xmlns:a="http://schemas.openxmlformats.org/drawingml/2006/main" xmlns:r="http://schemas.openxmlformats.org/officeDocument/2006/relationships" xmlns:p="http://schemas.openxmlformats.org/presentationml/2006/main">
-  <p:tag name="OUTPUTDPI" val="1200"/>
-  <p:tag name="ORIGINALHEIGHT" val="149.2313"/>
-  <p:tag name="ORIGINALWIDTH" val="710.1613"/>
-  <p:tag name="LATEXADDIN" val="\documentclass{article}&#10;\usepackage{amsmath}&#10;\pagestyle{empty}&#10;\usepackage{xcolor}&#10;\usepackage{empheq}&#10;\begin{document}&#10;$\left ( z-p^{k} \right )=2^{v}$&#10;\end{document}"/>
-  <p:tag name="IGUANATEXSIZE" val="18"/>
-  <p:tag name="IGUANATEXCURSOR" val="151"/>
-  <p:tag name="TRANSPARENCY" val="False"/>
-  <p:tag name="LATEXENGINEID" val="0"/>
-  <p:tag name="TEMPFOLDER" val="C:\Users\cosA\OneDrive\Documents\temp\"/>
-  <p:tag name="LATEXFORMHEIGHT" val="312"/>
-  <p:tag name="LATEXFORMWIDTH" val="384"/>
-  <p:tag name="LATEXFORMWRAP" val="True"/>
-  <p:tag name="BITMAPVECTOR" val="0"/>
-</p:tagLst>
-</file>
-
-<file path=ppt/tags/tag62.xml><?xml version="1.0" encoding="utf-8"?>
-<p:tagLst xmlns:a="http://schemas.openxmlformats.org/drawingml/2006/main" xmlns:r="http://schemas.openxmlformats.org/officeDocument/2006/relationships" xmlns:p="http://schemas.openxmlformats.org/presentationml/2006/main">
-  <p:tag name="OUTPUTDPI" val="1200"/>
-  <p:tag name="ORIGINALHEIGHT" val="149.2313"/>
   <p:tag name="ORIGINALWIDTH" val="844.3944"/>
   <p:tag name="LATEXADDIN" val="\documentclass{article}&#10;\usepackage{amsmath}&#10;\pagestyle{empty}&#10;\usepackage{xcolor}&#10;\usepackage{empheq}&#10;\begin{document}&#10;$\left ( z+p^{k} \right )=2^{x-v}$&#10;\end{document}"/>
   <p:tag name="IGUANATEXSIZE" val="18"/>
@@ -17954,25 +18256,7 @@
 </p:tagLst>
 </file>
 
-<file path=ppt/tags/tag63.xml><?xml version="1.0" encoding="utf-8"?>
-<p:tagLst xmlns:a="http://schemas.openxmlformats.org/drawingml/2006/main" xmlns:r="http://schemas.openxmlformats.org/officeDocument/2006/relationships" xmlns:p="http://schemas.openxmlformats.org/presentationml/2006/main">
-  <p:tag name="OUTPUTDPI" val="1200"/>
-  <p:tag name="ORIGINALHEIGHT" val="152.9809"/>
-  <p:tag name="ORIGINALWIDTH" val="1532.059"/>
-  <p:tag name="LATEXADDIN" val="\documentclass{article}&#10;\usepackage{amsmath}&#10;\pagestyle{empty}&#10;\usepackage{xcolor}&#10;\usepackage{empheq}&#10;\begin{document}&#10;$2^{v+\left (x-v  \right )}=\left ( z-p^{k} \right ) \left ( z+p^{k} \right )$&#10;\end{document}"/>
-  <p:tag name="IGUANATEXSIZE" val="18"/>
-  <p:tag name="IGUANATEXCURSOR" val="197"/>
-  <p:tag name="TRANSPARENCY" val="False"/>
-  <p:tag name="LATEXENGINEID" val="0"/>
-  <p:tag name="TEMPFOLDER" val="C:\Users\cosA\OneDrive\Documents\temp\"/>
-  <p:tag name="LATEXFORMHEIGHT" val="312"/>
-  <p:tag name="LATEXFORMWIDTH" val="384"/>
-  <p:tag name="LATEXFORMWRAP" val="True"/>
-  <p:tag name="BITMAPVECTOR" val="0"/>
-</p:tagLst>
-</file>
-
-<file path=ppt/tags/tag64.xml><?xml version="1.0" encoding="utf-8"?>
+<file path=ppt/tags/tag61.xml><?xml version="1.0" encoding="utf-8"?>
 <p:tagLst xmlns:a="http://schemas.openxmlformats.org/drawingml/2006/main" xmlns:r="http://schemas.openxmlformats.org/officeDocument/2006/relationships" xmlns:p="http://schemas.openxmlformats.org/presentationml/2006/main">
   <p:tag name="OUTPUTDPI" val="1200"/>
   <p:tag name="ORIGINALHEIGHT" val="125.2343"/>
@@ -17990,7 +18274,7 @@
 </p:tagLst>
 </file>
 
-<file path=ppt/tags/tag65.xml><?xml version="1.0" encoding="utf-8"?>
+<file path=ppt/tags/tag62.xml><?xml version="1.0" encoding="utf-8"?>
 <p:tagLst xmlns:a="http://schemas.openxmlformats.org/drawingml/2006/main" xmlns:r="http://schemas.openxmlformats.org/officeDocument/2006/relationships" xmlns:p="http://schemas.openxmlformats.org/presentationml/2006/main">
   <p:tag name="OUTPUTDPI" val="1200"/>
   <p:tag name="ORIGINALHEIGHT" val="125.2343"/>
@@ -18008,7 +18292,7 @@
 </p:tagLst>
 </file>
 
-<file path=ppt/tags/tag66.xml><?xml version="1.0" encoding="utf-8"?>
+<file path=ppt/tags/tag63.xml><?xml version="1.0" encoding="utf-8"?>
 <p:tagLst xmlns:a="http://schemas.openxmlformats.org/drawingml/2006/main" xmlns:r="http://schemas.openxmlformats.org/officeDocument/2006/relationships" xmlns:p="http://schemas.openxmlformats.org/presentationml/2006/main">
   <p:tag name="OUTPUTDPI" val="1200"/>
   <p:tag name="ORIGINALHEIGHT" val="125.2343"/>
@@ -18026,7 +18310,7 @@
 </p:tagLst>
 </file>
 
-<file path=ppt/tags/tag67.xml><?xml version="1.0" encoding="utf-8"?>
+<file path=ppt/tags/tag64.xml><?xml version="1.0" encoding="utf-8"?>
 <p:tagLst xmlns:a="http://schemas.openxmlformats.org/drawingml/2006/main" xmlns:r="http://schemas.openxmlformats.org/officeDocument/2006/relationships" xmlns:p="http://schemas.openxmlformats.org/presentationml/2006/main">
   <p:tag name="OUTPUTDPI" val="1200"/>
   <p:tag name="ORIGINALHEIGHT" val="125.2343"/>
@@ -18044,7 +18328,7 @@
 </p:tagLst>
 </file>
 
-<file path=ppt/tags/tag68.xml><?xml version="1.0" encoding="utf-8"?>
+<file path=ppt/tags/tag65.xml><?xml version="1.0" encoding="utf-8"?>
 <p:tagLst xmlns:a="http://schemas.openxmlformats.org/drawingml/2006/main" xmlns:r="http://schemas.openxmlformats.org/officeDocument/2006/relationships" xmlns:p="http://schemas.openxmlformats.org/presentationml/2006/main">
   <p:tag name="OUTPUTDPI" val="1200"/>
   <p:tag name="ORIGINALHEIGHT" val="125.2343"/>
@@ -18062,7 +18346,7 @@
 </p:tagLst>
 </file>
 
-<file path=ppt/tags/tag69.xml><?xml version="1.0" encoding="utf-8"?>
+<file path=ppt/tags/tag66.xml><?xml version="1.0" encoding="utf-8"?>
 <p:tagLst xmlns:a="http://schemas.openxmlformats.org/drawingml/2006/main" xmlns:r="http://schemas.openxmlformats.org/officeDocument/2006/relationships" xmlns:p="http://schemas.openxmlformats.org/presentationml/2006/main">
   <p:tag name="OUTPUTDPI" val="1200"/>
   <p:tag name="ORIGINALHEIGHT" val="129.7338"/>
@@ -18070,6 +18354,60 @@
   <p:tag name="LATEXADDIN" val="\documentclass{article}&#10;\usepackage{amsmath}&#10;\pagestyle{empty}&#10;\usepackage{xcolor}&#10;\usepackage{empheq}&#10;\begin{document}&#10;$ 2p^{k}  =2^{x-v}-2^{v}$&#10;\end{document}"/>
   <p:tag name="IGUANATEXSIZE" val="18"/>
   <p:tag name="IGUANATEXCURSOR" val="144"/>
+  <p:tag name="TRANSPARENCY" val="False"/>
+  <p:tag name="LATEXENGINEID" val="0"/>
+  <p:tag name="TEMPFOLDER" val="C:\Users\cosA\OneDrive\Documents\temp\"/>
+  <p:tag name="LATEXFORMHEIGHT" val="312"/>
+  <p:tag name="LATEXFORMWIDTH" val="384"/>
+  <p:tag name="LATEXFORMWRAP" val="True"/>
+  <p:tag name="BITMAPVECTOR" val="0"/>
+</p:tagLst>
+</file>
+
+<file path=ppt/tags/tag67.xml><?xml version="1.0" encoding="utf-8"?>
+<p:tagLst xmlns:a="http://schemas.openxmlformats.org/drawingml/2006/main" xmlns:r="http://schemas.openxmlformats.org/officeDocument/2006/relationships" xmlns:p="http://schemas.openxmlformats.org/presentationml/2006/main">
+  <p:tag name="OUTPUTDPI" val="1200"/>
+  <p:tag name="ORIGINALHEIGHT" val="149.2313"/>
+  <p:tag name="ORIGINALWIDTH" val="1103.112"/>
+  <p:tag name="LATEXADDIN" val="\documentclass{article}&#10;\usepackage{amsmath}&#10;\pagestyle{empty}&#10;\usepackage{xcolor}&#10;\usepackage{empheq}&#10;\begin{document}&#10;$ 2p^{k}  =2^{v}\left (2^{x-2v}-1  \right )$&#10;\end{document}"/>
+  <p:tag name="IGUANATEXSIZE" val="18"/>
+  <p:tag name="IGUANATEXCURSOR" val="163"/>
+  <p:tag name="TRANSPARENCY" val="False"/>
+  <p:tag name="LATEXENGINEID" val="0"/>
+  <p:tag name="TEMPFOLDER" val="C:\Users\cosA\OneDrive\Documents\temp\"/>
+  <p:tag name="LATEXFORMHEIGHT" val="312"/>
+  <p:tag name="LATEXFORMWIDTH" val="384"/>
+  <p:tag name="LATEXFORMWRAP" val="True"/>
+  <p:tag name="BITMAPVECTOR" val="0"/>
+</p:tagLst>
+</file>
+
+<file path=ppt/tags/tag68.xml><?xml version="1.0" encoding="utf-8"?>
+<p:tagLst xmlns:a="http://schemas.openxmlformats.org/drawingml/2006/main" xmlns:r="http://schemas.openxmlformats.org/officeDocument/2006/relationships" xmlns:p="http://schemas.openxmlformats.org/presentationml/2006/main">
+  <p:tag name="OUTPUTDPI" val="1200"/>
+  <p:tag name="ORIGINALHEIGHT" val="125.2343"/>
+  <p:tag name="ORIGINALWIDTH" val="134.9832"/>
+  <p:tag name="LATEXADDIN" val="\documentclass{article}&#10;\usepackage{amsmath}&#10;\pagestyle{empty}&#10;\usepackage{xcolor}&#10;\usepackage{empheq}&#10;\begin{document}&#10;${\color{red}\left ( 4 \right )}$&#10;\end{document}"/>
+  <p:tag name="IGUANATEXSIZE" val="18"/>
+  <p:tag name="IGUANATEXCURSOR" val="142"/>
+  <p:tag name="TRANSPARENCY" val="False"/>
+  <p:tag name="LATEXENGINEID" val="0"/>
+  <p:tag name="TEMPFOLDER" val="C:\Users\cosA\OneDrive\Documents\temp\"/>
+  <p:tag name="LATEXFORMHEIGHT" val="312"/>
+  <p:tag name="LATEXFORMWIDTH" val="384"/>
+  <p:tag name="LATEXFORMWRAP" val="True"/>
+  <p:tag name="BITMAPVECTOR" val="0"/>
+</p:tagLst>
+</file>
+
+<file path=ppt/tags/tag69.xml><?xml version="1.0" encoding="utf-8"?>
+<p:tagLst xmlns:a="http://schemas.openxmlformats.org/drawingml/2006/main" xmlns:r="http://schemas.openxmlformats.org/officeDocument/2006/relationships" xmlns:p="http://schemas.openxmlformats.org/presentationml/2006/main">
+  <p:tag name="OUTPUTDPI" val="1200"/>
+  <p:tag name="ORIGINALHEIGHT" val="116.2354"/>
+  <p:tag name="ORIGINALWIDTH" val="289.4638"/>
+  <p:tag name="LATEXADDIN" val="\documentclass{article}&#10;\usepackage{amsmath}&#10;\usepackage{amssymb}&#10;\pagestyle{empty}&#10;\usepackage{xcolor}&#10;\usepackage{empheq}&#10;\begin{document}&#10;$p\neq 2$&#10;\end{document}"/>
+  <p:tag name="IGUANATEXSIZE" val="18"/>
+  <p:tag name="IGUANATEXCURSOR" val="142"/>
   <p:tag name="TRANSPARENCY" val="False"/>
   <p:tag name="LATEXENGINEID" val="0"/>
   <p:tag name="TEMPFOLDER" val="C:\Users\cosA\OneDrive\Documents\temp\"/>
@@ -18101,11 +18439,11 @@
 <file path=ppt/tags/tag70.xml><?xml version="1.0" encoding="utf-8"?>
 <p:tagLst xmlns:a="http://schemas.openxmlformats.org/drawingml/2006/main" xmlns:r="http://schemas.openxmlformats.org/officeDocument/2006/relationships" xmlns:p="http://schemas.openxmlformats.org/presentationml/2006/main">
   <p:tag name="OUTPUTDPI" val="1200"/>
-  <p:tag name="ORIGINALHEIGHT" val="149.2313"/>
-  <p:tag name="ORIGINALWIDTH" val="1103.112"/>
-  <p:tag name="LATEXADDIN" val="\documentclass{article}&#10;\usepackage{amsmath}&#10;\pagestyle{empty}&#10;\usepackage{xcolor}&#10;\usepackage{empheq}&#10;\begin{document}&#10;$ 2p^{k}  =2^{v}\left (2^{x-2v}-1  \right )$&#10;\end{document}"/>
+  <p:tag name="ORIGINALHEIGHT" val="137.2328"/>
+  <p:tag name="ORIGINALWIDTH" val="272.9659"/>
+  <p:tag name="LATEXADDIN" val="\documentclass{article}&#10;\usepackage{amsmath}&#10;\usepackage{amssymb}&#10;\pagestyle{empty}&#10;\usepackage{xcolor}&#10;\usepackage{empheq}&#10;\begin{document}&#10;$2\nmid p^{k}$&#10;\end{document}"/>
   <p:tag name="IGUANATEXSIZE" val="18"/>
-  <p:tag name="IGUANATEXCURSOR" val="163"/>
+  <p:tag name="IGUANATEXCURSOR" val="153"/>
   <p:tag name="TRANSPARENCY" val="False"/>
   <p:tag name="LATEXENGINEID" val="0"/>
   <p:tag name="TEMPFOLDER" val="C:\Users\cosA\OneDrive\Documents\temp\"/>
@@ -18117,6 +18455,96 @@
 </file>
 
 <file path=ppt/tags/tag71.xml><?xml version="1.0" encoding="utf-8"?>
+<p:tagLst xmlns:a="http://schemas.openxmlformats.org/drawingml/2006/main" xmlns:r="http://schemas.openxmlformats.org/officeDocument/2006/relationships" xmlns:p="http://schemas.openxmlformats.org/presentationml/2006/main">
+  <p:tag name="OUTPUTDPI" val="1200"/>
+  <p:tag name="ORIGINALHEIGHT" val="149.2313"/>
+  <p:tag name="ORIGINALWIDTH" val="920.1349"/>
+  <p:tag name="LATEXADDIN" val="\documentclass{article}&#10;\usepackage{amsmath}&#10;\usepackage{amssymb}&#10;\pagestyle{empty}&#10;\usepackage{xcolor}&#10;\usepackage{empheq}&#10;\begin{document}&#10;$4\nmid 2^{v}\left (2^{x-2v}-1  \right )$&#10;\end{document}"/>
+  <p:tag name="IGUANATEXSIZE" val="18"/>
+  <p:tag name="IGUANATEXCURSOR" val="153"/>
+  <p:tag name="TRANSPARENCY" val="False"/>
+  <p:tag name="LATEXENGINEID" val="0"/>
+  <p:tag name="TEMPFOLDER" val="C:\Users\cosA\OneDrive\Documents\temp\"/>
+  <p:tag name="LATEXFORMHEIGHT" val="312"/>
+  <p:tag name="LATEXFORMWIDTH" val="384"/>
+  <p:tag name="LATEXFORMWRAP" val="True"/>
+  <p:tag name="BITMAPVECTOR" val="0"/>
+</p:tagLst>
+</file>
+
+<file path=ppt/tags/tag72.xml><?xml version="1.0" encoding="utf-8"?>
+<p:tagLst xmlns:a="http://schemas.openxmlformats.org/drawingml/2006/main" xmlns:r="http://schemas.openxmlformats.org/officeDocument/2006/relationships" xmlns:p="http://schemas.openxmlformats.org/presentationml/2006/main">
+  <p:tag name="OUTPUTDPI" val="1200"/>
+  <p:tag name="ORIGINALHEIGHT" val="149.2313"/>
+  <p:tag name="ORIGINALWIDTH" val="983.1271"/>
+  <p:tag name="LATEXADDIN" val="\documentclass{article}&#10;\usepackage{amsmath}&#10;\usepackage{amssymb}&#10;\pagestyle{empty}&#10;\usepackage{xcolor}&#10;\usepackage{empheq}&#10;\begin{document}&#10;$2\vert \left (2^{v}\left (2^{x-2v}-1  \right ) \right )$&#10;\end{document}"/>
+  <p:tag name="IGUANATEXSIZE" val="18"/>
+  <p:tag name="IGUANATEXCURSOR" val="197"/>
+  <p:tag name="TRANSPARENCY" val="False"/>
+  <p:tag name="LATEXENGINEID" val="0"/>
+  <p:tag name="TEMPFOLDER" val="C:\Users\cosA\OneDrive\Documents\temp\"/>
+  <p:tag name="LATEXFORMHEIGHT" val="312"/>
+  <p:tag name="LATEXFORMWIDTH" val="384"/>
+  <p:tag name="LATEXFORMWRAP" val="True"/>
+  <p:tag name="BITMAPVECTOR" val="0"/>
+</p:tagLst>
+</file>
+
+<file path=ppt/tags/tag73.xml><?xml version="1.0" encoding="utf-8"?>
+<p:tagLst xmlns:a="http://schemas.openxmlformats.org/drawingml/2006/main" xmlns:r="http://schemas.openxmlformats.org/officeDocument/2006/relationships" xmlns:p="http://schemas.openxmlformats.org/presentationml/2006/main">
+  <p:tag name="OUTPUTDPI" val="1200"/>
+  <p:tag name="ORIGINALHEIGHT" val="149.2313"/>
+  <p:tag name="ORIGINALWIDTH" val="392.9509"/>
+  <p:tag name="LATEXADDIN" val="\documentclass{article}&#10;\usepackage{amsmath}&#10;\usepackage{amssymb}&#10;\pagestyle{empty}&#10;\usepackage{xcolor}&#10;\usepackage{empheq}&#10;\begin{document}&#10;$2\vert \left (2p^{k} \right) $&#10;\end{document}"/>
+  <p:tag name="IGUANATEXSIZE" val="18"/>
+  <p:tag name="IGUANATEXCURSOR" val="170"/>
+  <p:tag name="TRANSPARENCY" val="False"/>
+  <p:tag name="LATEXENGINEID" val="0"/>
+  <p:tag name="TEMPFOLDER" val="C:\Users\cosA\OneDrive\Documents\temp\"/>
+  <p:tag name="LATEXFORMHEIGHT" val="312"/>
+  <p:tag name="LATEXFORMWIDTH" val="384"/>
+  <p:tag name="LATEXFORMWRAP" val="True"/>
+  <p:tag name="BITMAPVECTOR" val="0"/>
+</p:tagLst>
+</file>
+
+<file path=ppt/tags/tag74.xml><?xml version="1.0" encoding="utf-8"?>
+<p:tagLst xmlns:a="http://schemas.openxmlformats.org/drawingml/2006/main" xmlns:r="http://schemas.openxmlformats.org/officeDocument/2006/relationships" xmlns:p="http://schemas.openxmlformats.org/presentationml/2006/main">
+  <p:tag name="OUTPUTDPI" val="1200"/>
+  <p:tag name="ORIGINALHEIGHT" val="125.2343"/>
+  <p:tag name="ORIGINALWIDTH" val="200.225"/>
+  <p:tag name="LATEXADDIN" val="\documentclass{article}&#10;\usepackage{amsmath}&#10;\usepackage{amssymb}&#10;\pagestyle{empty}&#10;\usepackage{xcolor}&#10;\usepackage{empheq}&#10;\begin{document}&#10;$2\vert 2^{v}$&#10;\end{document}"/>
+  <p:tag name="IGUANATEXSIZE" val="18"/>
+  <p:tag name="IGUANATEXCURSOR" val="154"/>
+  <p:tag name="TRANSPARENCY" val="False"/>
+  <p:tag name="LATEXENGINEID" val="0"/>
+  <p:tag name="TEMPFOLDER" val="C:\Users\cosA\OneDrive\Documents\temp\"/>
+  <p:tag name="LATEXFORMHEIGHT" val="312"/>
+  <p:tag name="LATEXFORMWIDTH" val="384"/>
+  <p:tag name="LATEXFORMWRAP" val="True"/>
+  <p:tag name="BITMAPVECTOR" val="0"/>
+</p:tagLst>
+</file>
+
+<file path=ppt/tags/tag75.xml><?xml version="1.0" encoding="utf-8"?>
+<p:tagLst xmlns:a="http://schemas.openxmlformats.org/drawingml/2006/main" xmlns:r="http://schemas.openxmlformats.org/officeDocument/2006/relationships" xmlns:p="http://schemas.openxmlformats.org/presentationml/2006/main">
+  <p:tag name="OUTPUTDPI" val="1200"/>
+  <p:tag name="ORIGINALHEIGHT" val="83.98952"/>
+  <p:tag name="ORIGINALWIDTH" val="280.465"/>
+  <p:tag name="LATEXADDIN" val="\documentclass{article}&#10;\usepackage{amsmath}&#10;\usepackage{amssymb}&#10;\pagestyle{empty}&#10;\usepackage{xcolor}&#10;\usepackage{empheq}&#10;\begin{document}&#10;$v=1 $&#10;\end{document}"/>
+  <p:tag name="IGUANATEXSIZE" val="18"/>
+  <p:tag name="IGUANATEXCURSOR" val="145"/>
+  <p:tag name="TRANSPARENCY" val="False"/>
+  <p:tag name="LATEXENGINEID" val="0"/>
+  <p:tag name="TEMPFOLDER" val="C:\Users\cosA\OneDrive\Documents\temp\"/>
+  <p:tag name="LATEXFORMHEIGHT" val="312"/>
+  <p:tag name="LATEXFORMWIDTH" val="384"/>
+  <p:tag name="LATEXFORMWRAP" val="True"/>
+  <p:tag name="BITMAPVECTOR" val="0"/>
+</p:tagLst>
+</file>
+
+<file path=ppt/tags/tag76.xml><?xml version="1.0" encoding="utf-8"?>
 <p:tagLst xmlns:a="http://schemas.openxmlformats.org/drawingml/2006/main" xmlns:r="http://schemas.openxmlformats.org/officeDocument/2006/relationships" xmlns:p="http://schemas.openxmlformats.org/presentationml/2006/main">
   <p:tag name="OUTPUTDPI" val="1200"/>
   <p:tag name="ORIGINALHEIGHT" val="125.2343"/>
@@ -18134,115 +18562,7 @@
 </p:tagLst>
 </file>
 
-<file path=ppt/tags/tag72.xml><?xml version="1.0" encoding="utf-8"?>
-<p:tagLst xmlns:a="http://schemas.openxmlformats.org/drawingml/2006/main" xmlns:r="http://schemas.openxmlformats.org/officeDocument/2006/relationships" xmlns:p="http://schemas.openxmlformats.org/presentationml/2006/main">
-  <p:tag name="OUTPUTDPI" val="1200"/>
-  <p:tag name="ORIGINALHEIGHT" val="116.2354"/>
-  <p:tag name="ORIGINALWIDTH" val="289.4638"/>
-  <p:tag name="LATEXADDIN" val="\documentclass{article}&#10;\usepackage{amsmath}&#10;\usepackage{amssymb}&#10;\pagestyle{empty}&#10;\usepackage{xcolor}&#10;\usepackage{empheq}&#10;\begin{document}&#10;$p\neq 2$&#10;\end{document}"/>
-  <p:tag name="IGUANATEXSIZE" val="18"/>
-  <p:tag name="IGUANATEXCURSOR" val="142"/>
-  <p:tag name="TRANSPARENCY" val="False"/>
-  <p:tag name="LATEXENGINEID" val="0"/>
-  <p:tag name="TEMPFOLDER" val="C:\Users\cosA\OneDrive\Documents\temp\"/>
-  <p:tag name="LATEXFORMHEIGHT" val="312"/>
-  <p:tag name="LATEXFORMWIDTH" val="384"/>
-  <p:tag name="LATEXFORMWRAP" val="True"/>
-  <p:tag name="BITMAPVECTOR" val="0"/>
-</p:tagLst>
-</file>
-
-<file path=ppt/tags/tag73.xml><?xml version="1.0" encoding="utf-8"?>
-<p:tagLst xmlns:a="http://schemas.openxmlformats.org/drawingml/2006/main" xmlns:r="http://schemas.openxmlformats.org/officeDocument/2006/relationships" xmlns:p="http://schemas.openxmlformats.org/presentationml/2006/main">
-  <p:tag name="OUTPUTDPI" val="1200"/>
-  <p:tag name="ORIGINALHEIGHT" val="137.2328"/>
-  <p:tag name="ORIGINALWIDTH" val="272.9659"/>
-  <p:tag name="LATEXADDIN" val="\documentclass{article}&#10;\usepackage{amsmath}&#10;\usepackage{amssymb}&#10;\pagestyle{empty}&#10;\usepackage{xcolor}&#10;\usepackage{empheq}&#10;\begin{document}&#10;$2\nmid p^{k}$&#10;\end{document}"/>
-  <p:tag name="IGUANATEXSIZE" val="18"/>
-  <p:tag name="IGUANATEXCURSOR" val="153"/>
-  <p:tag name="TRANSPARENCY" val="False"/>
-  <p:tag name="LATEXENGINEID" val="0"/>
-  <p:tag name="TEMPFOLDER" val="C:\Users\cosA\OneDrive\Documents\temp\"/>
-  <p:tag name="LATEXFORMHEIGHT" val="312"/>
-  <p:tag name="LATEXFORMWIDTH" val="384"/>
-  <p:tag name="LATEXFORMWRAP" val="True"/>
-  <p:tag name="BITMAPVECTOR" val="0"/>
-</p:tagLst>
-</file>
-
-<file path=ppt/tags/tag74.xml><?xml version="1.0" encoding="utf-8"?>
-<p:tagLst xmlns:a="http://schemas.openxmlformats.org/drawingml/2006/main" xmlns:r="http://schemas.openxmlformats.org/officeDocument/2006/relationships" xmlns:p="http://schemas.openxmlformats.org/presentationml/2006/main">
-  <p:tag name="OUTPUTDPI" val="1200"/>
-  <p:tag name="ORIGINALHEIGHT" val="149.2313"/>
-  <p:tag name="ORIGINALWIDTH" val="775.4031"/>
-  <p:tag name="LATEXADDIN" val="\documentclass{article}&#10;\usepackage{amsmath}&#10;\usepackage{amssymb}&#10;\pagestyle{empty}&#10;\usepackage{xcolor}&#10;\usepackage{empheq}&#10;\begin{document}&#10;$2\nmid \left (2^{x-2v}-1  \right )$&#10;\end{document}"/>
-  <p:tag name="IGUANATEXSIZE" val="18"/>
-  <p:tag name="IGUANATEXCURSOR" val="176"/>
-  <p:tag name="TRANSPARENCY" val="False"/>
-  <p:tag name="LATEXENGINEID" val="0"/>
-  <p:tag name="TEMPFOLDER" val="C:\Users\cosA\OneDrive\Documents\temp\"/>
-  <p:tag name="LATEXFORMHEIGHT" val="312"/>
-  <p:tag name="LATEXFORMWIDTH" val="384"/>
-  <p:tag name="LATEXFORMWRAP" val="True"/>
-  <p:tag name="BITMAPVECTOR" val="0"/>
-</p:tagLst>
-</file>
-
-<file path=ppt/tags/tag75.xml><?xml version="1.0" encoding="utf-8"?>
-<p:tagLst xmlns:a="http://schemas.openxmlformats.org/drawingml/2006/main" xmlns:r="http://schemas.openxmlformats.org/officeDocument/2006/relationships" xmlns:p="http://schemas.openxmlformats.org/presentationml/2006/main">
-  <p:tag name="OUTPUTDPI" val="1200"/>
-  <p:tag name="ORIGINALHEIGHT" val="149.2313"/>
-  <p:tag name="ORIGINALWIDTH" val="983.1271"/>
-  <p:tag name="LATEXADDIN" val="\documentclass{article}&#10;\usepackage{amsmath}&#10;\usepackage{amssymb}&#10;\pagestyle{empty}&#10;\usepackage{xcolor}&#10;\usepackage{empheq}&#10;\begin{document}&#10;$2\vert \left (2^{v}\left (2^{x-2v}-1  \right ) \right )$&#10;\end{document}"/>
-  <p:tag name="IGUANATEXSIZE" val="18"/>
-  <p:tag name="IGUANATEXCURSOR" val="197"/>
-  <p:tag name="TRANSPARENCY" val="False"/>
-  <p:tag name="LATEXENGINEID" val="0"/>
-  <p:tag name="TEMPFOLDER" val="C:\Users\cosA\OneDrive\Documents\temp\"/>
-  <p:tag name="LATEXFORMHEIGHT" val="312"/>
-  <p:tag name="LATEXFORMWIDTH" val="384"/>
-  <p:tag name="LATEXFORMWRAP" val="True"/>
-  <p:tag name="BITMAPVECTOR" val="0"/>
-</p:tagLst>
-</file>
-
-<file path=ppt/tags/tag76.xml><?xml version="1.0" encoding="utf-8"?>
-<p:tagLst xmlns:a="http://schemas.openxmlformats.org/drawingml/2006/main" xmlns:r="http://schemas.openxmlformats.org/officeDocument/2006/relationships" xmlns:p="http://schemas.openxmlformats.org/presentationml/2006/main">
-  <p:tag name="OUTPUTDPI" val="1200"/>
-  <p:tag name="ORIGINALHEIGHT" val="149.2313"/>
-  <p:tag name="ORIGINALWIDTH" val="392.9509"/>
-  <p:tag name="LATEXADDIN" val="\documentclass{article}&#10;\usepackage{amsmath}&#10;\usepackage{amssymb}&#10;\pagestyle{empty}&#10;\usepackage{xcolor}&#10;\usepackage{empheq}&#10;\begin{document}&#10;$2\vert \left (2p^{k} \right) $&#10;\end{document}"/>
-  <p:tag name="IGUANATEXSIZE" val="18"/>
-  <p:tag name="IGUANATEXCURSOR" val="170"/>
-  <p:tag name="TRANSPARENCY" val="False"/>
-  <p:tag name="LATEXENGINEID" val="0"/>
-  <p:tag name="TEMPFOLDER" val="C:\Users\cosA\OneDrive\Documents\temp\"/>
-  <p:tag name="LATEXFORMHEIGHT" val="312"/>
-  <p:tag name="LATEXFORMWIDTH" val="384"/>
-  <p:tag name="LATEXFORMWRAP" val="True"/>
-  <p:tag name="BITMAPVECTOR" val="0"/>
-</p:tagLst>
-</file>
-
 <file path=ppt/tags/tag77.xml><?xml version="1.0" encoding="utf-8"?>
-<p:tagLst xmlns:a="http://schemas.openxmlformats.org/drawingml/2006/main" xmlns:r="http://schemas.openxmlformats.org/officeDocument/2006/relationships" xmlns:p="http://schemas.openxmlformats.org/presentationml/2006/main">
-  <p:tag name="OUTPUTDPI" val="1200"/>
-  <p:tag name="ORIGINALHEIGHT" val="125.2343"/>
-  <p:tag name="ORIGINALWIDTH" val="317.2103"/>
-  <p:tag name="LATEXADDIN" val="\documentclass{article}&#10;\usepackage{amsmath}&#10;\usepackage{amssymb}&#10;\pagestyle{empty}&#10;\usepackage{xcolor}&#10;\usepackage{empheq}&#10;\begin{document}&#10;$2\vert \left (2^{v} \right) $&#10;\end{document}"/>
-  <p:tag name="IGUANATEXSIZE" val="18"/>
-  <p:tag name="IGUANATEXCURSOR" val="160"/>
-  <p:tag name="TRANSPARENCY" val="False"/>
-  <p:tag name="LATEXENGINEID" val="0"/>
-  <p:tag name="TEMPFOLDER" val="C:\Users\cosA\OneDrive\Documents\temp\"/>
-  <p:tag name="LATEXFORMHEIGHT" val="312"/>
-  <p:tag name="LATEXFORMWIDTH" val="384"/>
-  <p:tag name="LATEXFORMWRAP" val="True"/>
-  <p:tag name="BITMAPVECTOR" val="0"/>
-</p:tagLst>
-</file>
-
-<file path=ppt/tags/tag78.xml><?xml version="1.0" encoding="utf-8"?>
 <p:tagLst xmlns:a="http://schemas.openxmlformats.org/drawingml/2006/main" xmlns:r="http://schemas.openxmlformats.org/officeDocument/2006/relationships" xmlns:p="http://schemas.openxmlformats.org/presentationml/2006/main">
   <p:tag name="OUTPUTDPI" val="1200"/>
   <p:tag name="ORIGINALHEIGHT" val="83.98952"/>
@@ -18260,7 +18580,7 @@
 </p:tagLst>
 </file>
 
-<file path=ppt/tags/tag79.xml><?xml version="1.0" encoding="utf-8"?>
+<file path=ppt/tags/tag78.xml><?xml version="1.0" encoding="utf-8"?>
 <p:tagLst xmlns:a="http://schemas.openxmlformats.org/drawingml/2006/main" xmlns:r="http://schemas.openxmlformats.org/officeDocument/2006/relationships" xmlns:p="http://schemas.openxmlformats.org/presentationml/2006/main">
   <p:tag name="OUTPUTDPI" val="1200"/>
   <p:tag name="ORIGINALHEIGHT" val="125.2343"/>
@@ -18268,6 +18588,24 @@
   <p:tag name="LATEXADDIN" val="\documentclass{article}&#10;\usepackage{amsmath}&#10;\pagestyle{empty}&#10;\usepackage{xcolor}&#10;\usepackage{empheq}&#10;\begin{document}&#10;${\color{red}\left ( 4 \right )}$&#10;\end{document}"/>
   <p:tag name="IGUANATEXSIZE" val="18"/>
   <p:tag name="IGUANATEXCURSOR" val="142"/>
+  <p:tag name="TRANSPARENCY" val="False"/>
+  <p:tag name="LATEXENGINEID" val="0"/>
+  <p:tag name="TEMPFOLDER" val="C:\Users\cosA\OneDrive\Documents\temp\"/>
+  <p:tag name="LATEXFORMHEIGHT" val="312"/>
+  <p:tag name="LATEXFORMWIDTH" val="384"/>
+  <p:tag name="LATEXFORMWRAP" val="True"/>
+  <p:tag name="BITMAPVECTOR" val="0"/>
+</p:tagLst>
+</file>
+
+<file path=ppt/tags/tag79.xml><?xml version="1.0" encoding="utf-8"?>
+<p:tagLst xmlns:a="http://schemas.openxmlformats.org/drawingml/2006/main" xmlns:r="http://schemas.openxmlformats.org/officeDocument/2006/relationships" xmlns:p="http://schemas.openxmlformats.org/presentationml/2006/main">
+  <p:tag name="OUTPUTDPI" val="1200"/>
+  <p:tag name="ORIGINALHEIGHT" val="152.9809"/>
+  <p:tag name="ORIGINALWIDTH" val="3082.115"/>
+  <p:tag name="LATEXADDIN" val="\documentclass{article}&#10;\usepackage{amsmath}&#10;\pagestyle{empty}&#10;\usepackage{xcolor}&#10;\usepackage{empheq}&#10;\begin{document}&#10;$  2p^{k}  =2^{1}\left (2^{x-2\left (1 \right )}-1  \right ) &#10; \Rightarrow  p^{k}  =2^{x-2}-1 \Rightarrow 1  =2^{x-2}-p^{k}$&#10;\end{document}"/>
+  <p:tag name="IGUANATEXSIZE" val="18"/>
+  <p:tag name="IGUANATEXCURSOR" val="243"/>
   <p:tag name="TRANSPARENCY" val="False"/>
   <p:tag name="LATEXENGINEID" val="0"/>
   <p:tag name="TEMPFOLDER" val="C:\Users\cosA\OneDrive\Documents\temp\"/>
@@ -18299,11 +18637,11 @@
 <file path=ppt/tags/tag80.xml><?xml version="1.0" encoding="utf-8"?>
 <p:tagLst xmlns:a="http://schemas.openxmlformats.org/drawingml/2006/main" xmlns:r="http://schemas.openxmlformats.org/officeDocument/2006/relationships" xmlns:p="http://schemas.openxmlformats.org/presentationml/2006/main">
   <p:tag name="OUTPUTDPI" val="1200"/>
-  <p:tag name="ORIGINALHEIGHT" val="83.98952"/>
-  <p:tag name="ORIGINALWIDTH" val="280.465"/>
-  <p:tag name="LATEXADDIN" val="\documentclass{article}&#10;\usepackage{amsmath}&#10;\usepackage{amssymb}&#10;\pagestyle{empty}&#10;\usepackage{xcolor}&#10;\usepackage{empheq}&#10;\begin{document}&#10;$v=1 $&#10;\end{document}"/>
+  <p:tag name="ORIGINALHEIGHT" val="125.2343"/>
+  <p:tag name="ORIGINALWIDTH" val="134.9832"/>
+  <p:tag name="LATEXADDIN" val="\documentclass{article}&#10;\usepackage{amsmath}&#10;\pagestyle{empty}&#10;\usepackage{xcolor}&#10;\usepackage{empheq}&#10;\begin{document}&#10;${\color{red}\left ( 5 \right )}$&#10;\end{document}"/>
   <p:tag name="IGUANATEXSIZE" val="18"/>
-  <p:tag name="IGUANATEXCURSOR" val="145"/>
+  <p:tag name="IGUANATEXCURSOR" val="142"/>
   <p:tag name="TRANSPARENCY" val="False"/>
   <p:tag name="LATEXENGINEID" val="0"/>
   <p:tag name="TEMPFOLDER" val="C:\Users\cosA\OneDrive\Documents\temp\"/>
@@ -18317,11 +18655,11 @@
 <file path=ppt/tags/tag81.xml><?xml version="1.0" encoding="utf-8"?>
 <p:tagLst xmlns:a="http://schemas.openxmlformats.org/drawingml/2006/main" xmlns:r="http://schemas.openxmlformats.org/officeDocument/2006/relationships" xmlns:p="http://schemas.openxmlformats.org/presentationml/2006/main">
   <p:tag name="OUTPUTDPI" val="1200"/>
-  <p:tag name="ORIGINALHEIGHT" val="125.2343"/>
-  <p:tag name="ORIGINALWIDTH" val="134.9832"/>
-  <p:tag name="LATEXADDIN" val="\documentclass{article}&#10;\usepackage{amsmath}&#10;\pagestyle{empty}&#10;\usepackage{xcolor}&#10;\usepackage{empheq}&#10;\begin{document}&#10;${\color{red}\left ( 4 \right )}$&#10;\end{document}"/>
+  <p:tag name="ORIGINALHEIGHT" val="56.24299"/>
+  <p:tag name="ORIGINALWIDTH" val="55.49307"/>
+  <p:tag name="LATEXADDIN" val="\documentclass{article}&#10;\usepackage{amsmath}&#10;\pagestyle{empty}&#10;\usepackage{xcolor}&#10;\usepackage{empheq}&#10;\begin{document}&#10;$v$&#10;\end{document}"/>
   <p:tag name="IGUANATEXSIZE" val="18"/>
-  <p:tag name="IGUANATEXCURSOR" val="142"/>
+  <p:tag name="IGUANATEXCURSOR" val="122"/>
   <p:tag name="TRANSPARENCY" val="False"/>
   <p:tag name="LATEXENGINEID" val="0"/>
   <p:tag name="TEMPFOLDER" val="C:\Users\cosA\OneDrive\Documents\temp\"/>
@@ -18335,11 +18673,11 @@
 <file path=ppt/tags/tag82.xml><?xml version="1.0" encoding="utf-8"?>
 <p:tagLst xmlns:a="http://schemas.openxmlformats.org/drawingml/2006/main" xmlns:r="http://schemas.openxmlformats.org/officeDocument/2006/relationships" xmlns:p="http://schemas.openxmlformats.org/presentationml/2006/main">
   <p:tag name="OUTPUTDPI" val="1200"/>
-  <p:tag name="ORIGINALHEIGHT" val="152.9809"/>
-  <p:tag name="ORIGINALWIDTH" val="3082.115"/>
-  <p:tag name="LATEXADDIN" val="\documentclass{article}&#10;\usepackage{amsmath}&#10;\pagestyle{empty}&#10;\usepackage{xcolor}&#10;\usepackage{empheq}&#10;\begin{document}&#10;$  2p^{k}  =2^{1}\left (2^{x-2\left (1 \right )}-1  \right ) &#10; \Rightarrow  p^{k}  =2^{x-2}-1 \Rightarrow 1  =2^{x-2}-p^{k}$&#10;\end{document}"/>
+  <p:tag name="ORIGINALHEIGHT" val="125.2343"/>
+  <p:tag name="ORIGINALWIDTH" val="317.2103"/>
+  <p:tag name="LATEXADDIN" val="\documentclass{article}&#10;\usepackage{amsmath}&#10;\usepackage{amssymb}&#10;\pagestyle{empty}&#10;\usepackage{xcolor}&#10;\usepackage{empheq}&#10;\begin{document}&#10;$2\vert \left (2^{v} \right) $&#10;\end{document}"/>
   <p:tag name="IGUANATEXSIZE" val="18"/>
-  <p:tag name="IGUANATEXCURSOR" val="243"/>
+  <p:tag name="IGUANATEXCURSOR" val="157"/>
   <p:tag name="TRANSPARENCY" val="False"/>
   <p:tag name="LATEXENGINEID" val="0"/>
   <p:tag name="TEMPFOLDER" val="C:\Users\cosA\OneDrive\Documents\temp\"/>
@@ -18351,6 +18689,60 @@
 </file>
 
 <file path=ppt/tags/tag83.xml><?xml version="1.0" encoding="utf-8"?>
+<p:tagLst xmlns:a="http://schemas.openxmlformats.org/drawingml/2006/main" xmlns:r="http://schemas.openxmlformats.org/officeDocument/2006/relationships" xmlns:p="http://schemas.openxmlformats.org/presentationml/2006/main">
+  <p:tag name="OUTPUTDPI" val="1200"/>
+  <p:tag name="ORIGINALHEIGHT" val="137.2328"/>
+  <p:tag name="ORIGINALWIDTH" val="338.2077"/>
+  <p:tag name="LATEXADDIN" val="\documentclass{article}&#10;\usepackage{amsmath}&#10;\usepackage{amssymb}&#10;\pagestyle{empty}&#10;\usepackage{xcolor}&#10;\usepackage{empheq}&#10;\begin{document}&#10;$4\nmid 2p^{k}$&#10;\end{document}"/>
+  <p:tag name="IGUANATEXSIZE" val="18"/>
+  <p:tag name="IGUANATEXCURSOR" val="150"/>
+  <p:tag name="TRANSPARENCY" val="False"/>
+  <p:tag name="LATEXENGINEID" val="0"/>
+  <p:tag name="TEMPFOLDER" val="C:\Users\cosA\OneDrive\Documents\temp\"/>
+  <p:tag name="LATEXFORMHEIGHT" val="312"/>
+  <p:tag name="LATEXFORMWIDTH" val="384"/>
+  <p:tag name="LATEXFORMWRAP" val="True"/>
+  <p:tag name="BITMAPVECTOR" val="0"/>
+</p:tagLst>
+</file>
+
+<file path=ppt/tags/tag84.xml><?xml version="1.0" encoding="utf-8"?>
+<p:tagLst xmlns:a="http://schemas.openxmlformats.org/drawingml/2006/main" xmlns:r="http://schemas.openxmlformats.org/officeDocument/2006/relationships" xmlns:p="http://schemas.openxmlformats.org/presentationml/2006/main">
+  <p:tag name="OUTPUTDPI" val="1200"/>
+  <p:tag name="ORIGINALHEIGHT" val="125.2343"/>
+  <p:tag name="ORIGINALWIDTH" val="272.9659"/>
+  <p:tag name="LATEXADDIN" val="\documentclass{article}&#10;\usepackage{amsmath}&#10;\usepackage{amssymb}&#10;\pagestyle{empty}&#10;\usepackage{xcolor}&#10;\usepackage{empheq}&#10;\begin{document}&#10;$4\nmid 2^{v}$&#10;\end{document}"/>
+  <p:tag name="IGUANATEXSIZE" val="18"/>
+  <p:tag name="IGUANATEXCURSOR" val="150"/>
+  <p:tag name="TRANSPARENCY" val="False"/>
+  <p:tag name="LATEXENGINEID" val="0"/>
+  <p:tag name="TEMPFOLDER" val="C:\Users\cosA\OneDrive\Documents\temp\"/>
+  <p:tag name="LATEXFORMHEIGHT" val="312"/>
+  <p:tag name="LATEXFORMWIDTH" val="384"/>
+  <p:tag name="LATEXFORMWRAP" val="True"/>
+  <p:tag name="BITMAPVECTOR" val="0"/>
+</p:tagLst>
+</file>
+
+<file path=ppt/tags/tag85.xml><?xml version="1.0" encoding="utf-8"?>
+<p:tagLst xmlns:a="http://schemas.openxmlformats.org/drawingml/2006/main" xmlns:r="http://schemas.openxmlformats.org/officeDocument/2006/relationships" xmlns:p="http://schemas.openxmlformats.org/presentationml/2006/main">
+  <p:tag name="OUTPUTDPI" val="1200"/>
+  <p:tag name="ORIGINALHEIGHT" val="99.73756"/>
+  <p:tag name="ORIGINALWIDTH" val="280.465"/>
+  <p:tag name="LATEXADDIN" val="&#10;&#10;\documentclass{article}&#10;\usepackage{amsmath}&#10;\usepackage{amsfonts}&#10;\usepackage{amssymb}&#10;\pagestyle{empty}&#10;\usepackage{xcolor}&#10;\usepackage{empheq}&#10;\begin{document}&#10;$v\geq 1 $&#10;\end{document}"/>
+  <p:tag name="IGUANATEXSIZE" val="18"/>
+  <p:tag name="IGUANATEXCURSOR" val="167"/>
+  <p:tag name="TRANSPARENCY" val="False"/>
+  <p:tag name="LATEXENGINEID" val="0"/>
+  <p:tag name="TEMPFOLDER" val="C:\Users\cosA\OneDrive\Documents\temp\"/>
+  <p:tag name="LATEXFORMHEIGHT" val="312"/>
+  <p:tag name="LATEXFORMWIDTH" val="384"/>
+  <p:tag name="LATEXFORMWRAP" val="True"/>
+  <p:tag name="BITMAPVECTOR" val="0"/>
+</p:tagLst>
+</file>
+
+<file path=ppt/tags/tag86.xml><?xml version="1.0" encoding="utf-8"?>
 <p:tagLst xmlns:a="http://schemas.openxmlformats.org/drawingml/2006/main" xmlns:r="http://schemas.openxmlformats.org/officeDocument/2006/relationships" xmlns:p="http://schemas.openxmlformats.org/presentationml/2006/main">
   <p:tag name="OUTPUTDPI" val="1200"/>
   <p:tag name="ORIGINALHEIGHT" val="125.2343"/>
@@ -18368,25 +18760,7 @@
 </p:tagLst>
 </file>
 
-<file path=ppt/tags/tag84.xml><?xml version="1.0" encoding="utf-8"?>
-<p:tagLst xmlns:a="http://schemas.openxmlformats.org/drawingml/2006/main" xmlns:r="http://schemas.openxmlformats.org/officeDocument/2006/relationships" xmlns:p="http://schemas.openxmlformats.org/presentationml/2006/main">
-  <p:tag name="OUTPUTDPI" val="1200"/>
-  <p:tag name="ORIGINALHEIGHT" val="125.2343"/>
-  <p:tag name="ORIGINALWIDTH" val="134.9832"/>
-  <p:tag name="LATEXADDIN" val="\documentclass{article}&#10;\usepackage{amsmath}&#10;\pagestyle{empty}&#10;\usepackage{xcolor}&#10;\usepackage{empheq}&#10;\begin{document}&#10;${\color{red}\left ( 5 \right )}$&#10;\end{document}"/>
-  <p:tag name="IGUANATEXSIZE" val="18"/>
-  <p:tag name="IGUANATEXCURSOR" val="142"/>
-  <p:tag name="TRANSPARENCY" val="False"/>
-  <p:tag name="LATEXENGINEID" val="0"/>
-  <p:tag name="TEMPFOLDER" val="C:\Users\cosA\OneDrive\Documents\temp\"/>
-  <p:tag name="LATEXFORMHEIGHT" val="312"/>
-  <p:tag name="LATEXFORMWIDTH" val="384"/>
-  <p:tag name="LATEXFORMWRAP" val="True"/>
-  <p:tag name="BITMAPVECTOR" val="0"/>
-</p:tagLst>
-</file>
-
-<file path=ppt/tags/tag85.xml><?xml version="1.0" encoding="utf-8"?>
+<file path=ppt/tags/tag87.xml><?xml version="1.0" encoding="utf-8"?>
 <p:tagLst xmlns:a="http://schemas.openxmlformats.org/drawingml/2006/main" xmlns:r="http://schemas.openxmlformats.org/officeDocument/2006/relationships" xmlns:p="http://schemas.openxmlformats.org/presentationml/2006/main">
   <p:tag name="OUTPUTDPI" val="1200"/>
   <p:tag name="ORIGINALHEIGHT" val="129.7338"/>
@@ -18404,7 +18778,7 @@
 </p:tagLst>
 </file>
 
-<file path=ppt/tags/tag86.xml><?xml version="1.0" encoding="utf-8"?>
+<file path=ppt/tags/tag88.xml><?xml version="1.0" encoding="utf-8"?>
 <p:tagLst xmlns:a="http://schemas.openxmlformats.org/drawingml/2006/main" xmlns:r="http://schemas.openxmlformats.org/officeDocument/2006/relationships" xmlns:p="http://schemas.openxmlformats.org/presentationml/2006/main">
   <p:tag name="OUTPUTDPI" val="1200"/>
   <p:tag name="ORIGINALHEIGHT" val="116.2354"/>
@@ -18422,7 +18796,7 @@
 </p:tagLst>
 </file>
 
-<file path=ppt/tags/tag87.xml><?xml version="1.0" encoding="utf-8"?>
+<file path=ppt/tags/tag89.xml><?xml version="1.0" encoding="utf-8"?>
 <p:tagLst xmlns:a="http://schemas.openxmlformats.org/drawingml/2006/main" xmlns:r="http://schemas.openxmlformats.org/officeDocument/2006/relationships" xmlns:p="http://schemas.openxmlformats.org/presentationml/2006/main">
   <p:tag name="OUTPUTDPI" val="1200"/>
   <p:tag name="ORIGINALHEIGHT" val="85.48929"/>
@@ -18430,42 +18804,6 @@
   <p:tag name="LATEXADDIN" val="\documentclass{article}&#10;\usepackage{amsmath}&#10;\pagestyle{empty}&#10;\usepackage{xcolor}&#10;\usepackage{empheq}&#10;\begin{document}&#10;$x=3$&#10;\end{document}"/>
   <p:tag name="IGUANATEXSIZE" val="18"/>
   <p:tag name="IGUANATEXCURSOR" val="124"/>
-  <p:tag name="TRANSPARENCY" val="False"/>
-  <p:tag name="LATEXENGINEID" val="0"/>
-  <p:tag name="TEMPFOLDER" val="C:\Users\cosA\OneDrive\Documents\temp\"/>
-  <p:tag name="LATEXFORMHEIGHT" val="312"/>
-  <p:tag name="LATEXFORMWIDTH" val="384"/>
-  <p:tag name="LATEXFORMWRAP" val="True"/>
-  <p:tag name="BITMAPVECTOR" val="0"/>
-</p:tagLst>
-</file>
-
-<file path=ppt/tags/tag88.xml><?xml version="1.0" encoding="utf-8"?>
-<p:tagLst xmlns:a="http://schemas.openxmlformats.org/drawingml/2006/main" xmlns:r="http://schemas.openxmlformats.org/officeDocument/2006/relationships" xmlns:p="http://schemas.openxmlformats.org/presentationml/2006/main">
-  <p:tag name="OUTPUTDPI" val="1200"/>
-  <p:tag name="ORIGINALHEIGHT" val="125.2343"/>
-  <p:tag name="ORIGINALWIDTH" val="134.9832"/>
-  <p:tag name="LATEXADDIN" val="\documentclass{article}&#10;\usepackage{amsmath}&#10;\pagestyle{empty}&#10;\usepackage{xcolor}&#10;\usepackage{empheq}&#10;\begin{document}&#10;${\color{red}\left ( 5 \right )}$&#10;\end{document}"/>
-  <p:tag name="IGUANATEXSIZE" val="18"/>
-  <p:tag name="IGUANATEXCURSOR" val="142"/>
-  <p:tag name="TRANSPARENCY" val="False"/>
-  <p:tag name="LATEXENGINEID" val="0"/>
-  <p:tag name="TEMPFOLDER" val="C:\Users\cosA\OneDrive\Documents\temp\"/>
-  <p:tag name="LATEXFORMHEIGHT" val="312"/>
-  <p:tag name="LATEXFORMWIDTH" val="384"/>
-  <p:tag name="LATEXFORMWRAP" val="True"/>
-  <p:tag name="BITMAPVECTOR" val="0"/>
-</p:tagLst>
-</file>
-
-<file path=ppt/tags/tag89.xml><?xml version="1.0" encoding="utf-8"?>
-<p:tagLst xmlns:a="http://schemas.openxmlformats.org/drawingml/2006/main" xmlns:r="http://schemas.openxmlformats.org/officeDocument/2006/relationships" xmlns:p="http://schemas.openxmlformats.org/presentationml/2006/main">
-  <p:tag name="OUTPUTDPI" val="1200"/>
-  <p:tag name="ORIGINALHEIGHT" val="89.23882"/>
-  <p:tag name="ORIGINALWIDTH" val="285.7143"/>
-  <p:tag name="LATEXADDIN" val="\documentclass{article}&#10;\usepackage{amsmath}&#10;\pagestyle{empty}&#10;\usepackage{xcolor}&#10;\usepackage{empheq}&#10;\begin{document}&#10;$k=0$&#10;\end{document}"/>
-  <p:tag name="IGUANATEXSIZE" val="18"/>
-  <p:tag name="IGUANATEXCURSOR" val="122"/>
   <p:tag name="TRANSPARENCY" val="False"/>
   <p:tag name="LATEXENGINEID" val="0"/>
   <p:tag name="TEMPFOLDER" val="C:\Users\cosA\OneDrive\Documents\temp\"/>
@@ -18497,6 +18835,42 @@
 <file path=ppt/tags/tag90.xml><?xml version="1.0" encoding="utf-8"?>
 <p:tagLst xmlns:a="http://schemas.openxmlformats.org/drawingml/2006/main" xmlns:r="http://schemas.openxmlformats.org/officeDocument/2006/relationships" xmlns:p="http://schemas.openxmlformats.org/presentationml/2006/main">
   <p:tag name="OUTPUTDPI" val="1200"/>
+  <p:tag name="ORIGINALHEIGHT" val="125.2343"/>
+  <p:tag name="ORIGINALWIDTH" val="134.9832"/>
+  <p:tag name="LATEXADDIN" val="\documentclass{article}&#10;\usepackage{amsmath}&#10;\pagestyle{empty}&#10;\usepackage{xcolor}&#10;\usepackage{empheq}&#10;\begin{document}&#10;${\color{red}\left ( 5 \right )}$&#10;\end{document}"/>
+  <p:tag name="IGUANATEXSIZE" val="18"/>
+  <p:tag name="IGUANATEXCURSOR" val="142"/>
+  <p:tag name="TRANSPARENCY" val="False"/>
+  <p:tag name="LATEXENGINEID" val="0"/>
+  <p:tag name="TEMPFOLDER" val="C:\Users\cosA\OneDrive\Documents\temp\"/>
+  <p:tag name="LATEXFORMHEIGHT" val="312"/>
+  <p:tag name="LATEXFORMWIDTH" val="384"/>
+  <p:tag name="LATEXFORMWRAP" val="True"/>
+  <p:tag name="BITMAPVECTOR" val="0"/>
+</p:tagLst>
+</file>
+
+<file path=ppt/tags/tag91.xml><?xml version="1.0" encoding="utf-8"?>
+<p:tagLst xmlns:a="http://schemas.openxmlformats.org/drawingml/2006/main" xmlns:r="http://schemas.openxmlformats.org/officeDocument/2006/relationships" xmlns:p="http://schemas.openxmlformats.org/presentationml/2006/main">
+  <p:tag name="OUTPUTDPI" val="1200"/>
+  <p:tag name="ORIGINALHEIGHT" val="89.23882"/>
+  <p:tag name="ORIGINALWIDTH" val="285.7143"/>
+  <p:tag name="LATEXADDIN" val="\documentclass{article}&#10;\usepackage{amsmath}&#10;\pagestyle{empty}&#10;\usepackage{xcolor}&#10;\usepackage{empheq}&#10;\begin{document}&#10;$k=0$&#10;\end{document}"/>
+  <p:tag name="IGUANATEXSIZE" val="18"/>
+  <p:tag name="IGUANATEXCURSOR" val="122"/>
+  <p:tag name="TRANSPARENCY" val="False"/>
+  <p:tag name="LATEXENGINEID" val="0"/>
+  <p:tag name="TEMPFOLDER" val="C:\Users\cosA\OneDrive\Documents\temp\"/>
+  <p:tag name="LATEXFORMHEIGHT" val="312"/>
+  <p:tag name="LATEXFORMWIDTH" val="384"/>
+  <p:tag name="LATEXFORMWRAP" val="True"/>
+  <p:tag name="BITMAPVECTOR" val="0"/>
+</p:tagLst>
+</file>
+
+<file path=ppt/tags/tag92.xml><?xml version="1.0" encoding="utf-8"?>
+<p:tagLst xmlns:a="http://schemas.openxmlformats.org/drawingml/2006/main" xmlns:r="http://schemas.openxmlformats.org/officeDocument/2006/relationships" xmlns:p="http://schemas.openxmlformats.org/presentationml/2006/main">
+  <p:tag name="OUTPUTDPI" val="1200"/>
   <p:tag name="ORIGINALHEIGHT" val="129.7338"/>
   <p:tag name="ORIGINALWIDTH" val="972.6284"/>
   <p:tag name="LATEXADDIN" val="\documentclass{article}&#10;\usepackage{amsmath}&#10;\pagestyle{empty}&#10;\usepackage{xcolor}&#10;\usepackage{empheq}&#10;\begin{document}&#10;$   p^{k}  =2^{3-2}-1=1 $&#10;\end{document}"/>
@@ -18512,7 +18886,7 @@
 </p:tagLst>
 </file>
 
-<file path=ppt/tags/tag91.xml><?xml version="1.0" encoding="utf-8"?>
+<file path=ppt/tags/tag93.xml><?xml version="1.0" encoding="utf-8"?>
 <p:tagLst xmlns:a="http://schemas.openxmlformats.org/drawingml/2006/main" xmlns:r="http://schemas.openxmlformats.org/officeDocument/2006/relationships" xmlns:p="http://schemas.openxmlformats.org/presentationml/2006/main">
   <p:tag name="OUTPUTDPI" val="1200"/>
   <p:tag name="ORIGINALHEIGHT" val="125.2343"/>
@@ -18530,7 +18904,7 @@
 </p:tagLst>
 </file>
 
-<file path=ppt/tags/tag92.xml><?xml version="1.0" encoding="utf-8"?>
+<file path=ppt/tags/tag94.xml><?xml version="1.0" encoding="utf-8"?>
 <p:tagLst xmlns:a="http://schemas.openxmlformats.org/drawingml/2006/main" xmlns:r="http://schemas.openxmlformats.org/officeDocument/2006/relationships" xmlns:p="http://schemas.openxmlformats.org/presentationml/2006/main">
   <p:tag name="OUTPUTDPI" val="1200"/>
   <p:tag name="ORIGINALHEIGHT" val="107.9865"/>
@@ -18548,7 +18922,7 @@
 </p:tagLst>
 </file>
 
-<file path=ppt/tags/tag93.xml><?xml version="1.0" encoding="utf-8"?>
+<file path=ppt/tags/tag95.xml><?xml version="1.0" encoding="utf-8"?>
 <p:tagLst xmlns:a="http://schemas.openxmlformats.org/drawingml/2006/main" xmlns:r="http://schemas.openxmlformats.org/officeDocument/2006/relationships" xmlns:p="http://schemas.openxmlformats.org/presentationml/2006/main">
   <p:tag name="OUTPUTDPI" val="1200"/>
   <p:tag name="ORIGINALHEIGHT" val="87.73905"/>
@@ -18566,7 +18940,7 @@
 </p:tagLst>
 </file>
 
-<file path=ppt/tags/tag94.xml><?xml version="1.0" encoding="utf-8"?>
+<file path=ppt/tags/tag96.xml><?xml version="1.0" encoding="utf-8"?>
 <p:tagLst xmlns:a="http://schemas.openxmlformats.org/drawingml/2006/main" xmlns:r="http://schemas.openxmlformats.org/officeDocument/2006/relationships" xmlns:p="http://schemas.openxmlformats.org/presentationml/2006/main">
   <p:tag name="OUTPUTDPI" val="1200"/>
   <p:tag name="ORIGINALHEIGHT" val="87.73905"/>
@@ -18584,7 +18958,7 @@
 </p:tagLst>
 </file>
 
-<file path=ppt/tags/tag95.xml><?xml version="1.0" encoding="utf-8"?>
+<file path=ppt/tags/tag97.xml><?xml version="1.0" encoding="utf-8"?>
 <p:tagLst xmlns:a="http://schemas.openxmlformats.org/drawingml/2006/main" xmlns:r="http://schemas.openxmlformats.org/officeDocument/2006/relationships" xmlns:p="http://schemas.openxmlformats.org/presentationml/2006/main">
   <p:tag name="OUTPUTDPI" val="1200"/>
   <p:tag name="ORIGINALHEIGHT" val="125.2343"/>
@@ -18602,7 +18976,7 @@
 </p:tagLst>
 </file>
 
-<file path=ppt/tags/tag96.xml><?xml version="1.0" encoding="utf-8"?>
+<file path=ppt/tags/tag98.xml><?xml version="1.0" encoding="utf-8"?>
 <p:tagLst xmlns:a="http://schemas.openxmlformats.org/drawingml/2006/main" xmlns:r="http://schemas.openxmlformats.org/officeDocument/2006/relationships" xmlns:p="http://schemas.openxmlformats.org/presentationml/2006/main">
   <p:tag name="OUTPUTDPI" val="1200"/>
   <p:tag name="ORIGINALHEIGHT" val="91.48859"/>
@@ -18620,7 +18994,7 @@
 </p:tagLst>
 </file>
 
-<file path=ppt/tags/tag97.xml><?xml version="1.0" encoding="utf-8"?>
+<file path=ppt/tags/tag99.xml><?xml version="1.0" encoding="utf-8"?>
 <p:tagLst xmlns:a="http://schemas.openxmlformats.org/drawingml/2006/main" xmlns:r="http://schemas.openxmlformats.org/officeDocument/2006/relationships" xmlns:p="http://schemas.openxmlformats.org/presentationml/2006/main">
   <p:tag name="OUTPUTDPI" val="1200"/>
   <p:tag name="ORIGINALHEIGHT" val="126.7342"/>
@@ -18628,42 +19002,6 @@
   <p:tag name="LATEXADDIN" val="\documentclass{article}&#10;\usepackage{amsmath}&#10;\pagestyle{empty}&#10;\usepackage{xcolor}&#10;\usepackage{empheq}&#10;\begin{document}&#10;$ 1  =2^{3}-p^{2} $&#10;\end{document}"/>
   <p:tag name="IGUANATEXSIZE" val="18"/>
   <p:tag name="IGUANATEXCURSOR" val="136"/>
-  <p:tag name="TRANSPARENCY" val="False"/>
-  <p:tag name="LATEXENGINEID" val="0"/>
-  <p:tag name="TEMPFOLDER" val="C:\Users\cosA\OneDrive\Documents\temp\"/>
-  <p:tag name="LATEXFORMHEIGHT" val="312"/>
-  <p:tag name="LATEXFORMWIDTH" val="384"/>
-  <p:tag name="LATEXFORMWRAP" val="True"/>
-  <p:tag name="BITMAPVECTOR" val="0"/>
-</p:tagLst>
-</file>
-
-<file path=ppt/tags/tag98.xml><?xml version="1.0" encoding="utf-8"?>
-<p:tagLst xmlns:a="http://schemas.openxmlformats.org/drawingml/2006/main" xmlns:r="http://schemas.openxmlformats.org/officeDocument/2006/relationships" xmlns:p="http://schemas.openxmlformats.org/presentationml/2006/main">
-  <p:tag name="OUTPUTDPI" val="1200"/>
-  <p:tag name="ORIGINALHEIGHT" val="89.23882"/>
-  <p:tag name="ORIGINALWIDTH" val="284.9644"/>
-  <p:tag name="LATEXADDIN" val="\documentclass{article}&#10;\usepackage{amsmath}&#10;\pagestyle{empty}&#10;\usepackage{xcolor}&#10;\usepackage{empheq}&#10;\begin{document}&#10;$k=3$&#10;\end{document}"/>
-  <p:tag name="IGUANATEXSIZE" val="18"/>
-  <p:tag name="IGUANATEXCURSOR" val="124"/>
-  <p:tag name="TRANSPARENCY" val="False"/>
-  <p:tag name="LATEXENGINEID" val="0"/>
-  <p:tag name="TEMPFOLDER" val="C:\Users\cosA\OneDrive\Documents\temp\"/>
-  <p:tag name="LATEXFORMHEIGHT" val="312"/>
-  <p:tag name="LATEXFORMWIDTH" val="384"/>
-  <p:tag name="LATEXFORMWRAP" val="True"/>
-  <p:tag name="BITMAPVECTOR" val="0"/>
-</p:tagLst>
-</file>
-
-<file path=ppt/tags/tag99.xml><?xml version="1.0" encoding="utf-8"?>
-<p:tagLst xmlns:a="http://schemas.openxmlformats.org/drawingml/2006/main" xmlns:r="http://schemas.openxmlformats.org/officeDocument/2006/relationships" xmlns:p="http://schemas.openxmlformats.org/presentationml/2006/main">
-  <p:tag name="OUTPUTDPI" val="1200"/>
-  <p:tag name="ORIGINALHEIGHT" val="86.23921"/>
-  <p:tag name="ORIGINALWIDTH" val="290.2137"/>
-  <p:tag name="LATEXADDIN" val="&#10;&#10;\documentclass{article}&#10;\usepackage{amsmath}&#10;\usepackage{amsfonts}&#10;\usepackage{amssymb}&#10;\pagestyle{empty}&#10;\usepackage{xcolor}&#10;\usepackage{empheq}&#10;\begin{document}&#10;$x=5$&#10;\end{document}"/>
-  <p:tag name="IGUANATEXSIZE" val="18"/>
-  <p:tag name="IGUANATEXCURSOR" val="169"/>
   <p:tag name="TRANSPARENCY" val="False"/>
   <p:tag name="LATEXENGINEID" val="0"/>
   <p:tag name="TEMPFOLDER" val="C:\Users\cosA\OneDrive\Documents\temp\"/>

--- a/Presentation1.pptx
+++ b/Presentation1.pptx
@@ -16,13 +16,14 @@
     <p:sldId id="272" r:id="rId10"/>
     <p:sldId id="259" r:id="rId11"/>
     <p:sldId id="260" r:id="rId12"/>
-    <p:sldId id="261" r:id="rId13"/>
-    <p:sldId id="262" r:id="rId14"/>
-    <p:sldId id="263" r:id="rId15"/>
-    <p:sldId id="264" r:id="rId16"/>
-    <p:sldId id="265" r:id="rId17"/>
-    <p:sldId id="266" r:id="rId18"/>
-    <p:sldId id="267" r:id="rId19"/>
+    <p:sldId id="274" r:id="rId13"/>
+    <p:sldId id="261" r:id="rId14"/>
+    <p:sldId id="262" r:id="rId15"/>
+    <p:sldId id="263" r:id="rId16"/>
+    <p:sldId id="264" r:id="rId17"/>
+    <p:sldId id="265" r:id="rId18"/>
+    <p:sldId id="266" r:id="rId19"/>
+    <p:sldId id="267" r:id="rId20"/>
   </p:sldIdLst>
   <p:sldSz cx="12192000" cy="6858000"/>
   <p:notesSz cx="6858000" cy="9144000"/>
@@ -131,7 +132,7 @@
 
 <file path=ppt/commentAuthors.xml><?xml version="1.0" encoding="utf-8"?>
 <p:cmAuthorLst xmlns:a="http://schemas.openxmlformats.org/drawingml/2006/main" xmlns:r="http://schemas.openxmlformats.org/officeDocument/2006/relationships" xmlns:p="http://schemas.openxmlformats.org/presentationml/2006/main">
-  <p:cmAuthor id="1" name="Chonthicha Phuangfueang" initials="CP" lastIdx="1" clrIdx="0">
+  <p:cmAuthor id="1" name="Chonthicha Phuangfueang" initials="CP" lastIdx="4" clrIdx="0">
     <p:extLst>
       <p:ext uri="{19B8F6BF-5375-455C-9EA6-DF929625EA0E}">
         <p15:presenceInfo xmlns:p15="http://schemas.microsoft.com/office/powerpoint/2012/main" userId="055aefd292e5fda0" providerId="Windows Live"/>
@@ -146,7 +147,7 @@
   <pc:docChgLst>
     <pc:chgData name="Chonthicha Phuangfueang" userId="055aefd292e5fda0" providerId="LiveId" clId="{5B5F8411-1399-4D8D-B27F-31C85245C7D4}"/>
     <pc:docChg chg="undo redo custSel addSld delSld modSld sldOrd modMainMaster">
-      <pc:chgData name="Chonthicha Phuangfueang" userId="055aefd292e5fda0" providerId="LiveId" clId="{5B5F8411-1399-4D8D-B27F-31C85245C7D4}" dt="2023-03-29T13:49:49.076" v="14516" actId="1036"/>
+      <pc:chgData name="Chonthicha Phuangfueang" userId="055aefd292e5fda0" providerId="LiveId" clId="{5B5F8411-1399-4D8D-B27F-31C85245C7D4}" dt="2023-03-29T14:39:47.305" v="14606" actId="13926"/>
       <pc:docMkLst>
         <pc:docMk/>
       </pc:docMkLst>
@@ -947,8 +948,8 @@
           </ac:picMkLst>
         </pc:picChg>
       </pc:sldChg>
-      <pc:sldChg chg="addSp delSp modSp new mod">
-        <pc:chgData name="Chonthicha Phuangfueang" userId="055aefd292e5fda0" providerId="LiveId" clId="{5B5F8411-1399-4D8D-B27F-31C85245C7D4}" dt="2023-03-29T12:40:32.560" v="13737" actId="20577"/>
+      <pc:sldChg chg="addSp delSp modSp new mod addCm modCm">
+        <pc:chgData name="Chonthicha Phuangfueang" userId="055aefd292e5fda0" providerId="LiveId" clId="{5B5F8411-1399-4D8D-B27F-31C85245C7D4}" dt="2023-03-29T14:28:22.988" v="14605" actId="207"/>
         <pc:sldMkLst>
           <pc:docMk/>
           <pc:sldMk cId="1291169182" sldId="259"/>
@@ -970,7 +971,7 @@
           </ac:spMkLst>
         </pc:spChg>
         <pc:spChg chg="add mod">
-          <ac:chgData name="Chonthicha Phuangfueang" userId="055aefd292e5fda0" providerId="LiveId" clId="{5B5F8411-1399-4D8D-B27F-31C85245C7D4}" dt="2023-03-29T12:40:32.560" v="13737" actId="20577"/>
+          <ac:chgData name="Chonthicha Phuangfueang" userId="055aefd292e5fda0" providerId="LiveId" clId="{5B5F8411-1399-4D8D-B27F-31C85245C7D4}" dt="2023-03-29T14:28:22.988" v="14605" actId="207"/>
           <ac:spMkLst>
             <pc:docMk/>
             <pc:sldMk cId="1291169182" sldId="259"/>
@@ -2328,8 +2329,8 @@
           </ac:picMkLst>
         </pc:picChg>
       </pc:sldChg>
-      <pc:sldChg chg="addSp delSp modSp new mod">
-        <pc:chgData name="Chonthicha Phuangfueang" userId="055aefd292e5fda0" providerId="LiveId" clId="{5B5F8411-1399-4D8D-B27F-31C85245C7D4}" dt="2023-03-29T13:49:49.076" v="14516" actId="1036"/>
+      <pc:sldChg chg="addSp delSp modSp new mod addCm delCm modCm">
+        <pc:chgData name="Chonthicha Phuangfueang" userId="055aefd292e5fda0" providerId="LiveId" clId="{5B5F8411-1399-4D8D-B27F-31C85245C7D4}" dt="2023-03-29T14:28:06.532" v="14604" actId="1036"/>
         <pc:sldMkLst>
           <pc:docMk/>
           <pc:sldMk cId="2030428866" sldId="270"/>
@@ -2359,7 +2360,7 @@
           </ac:spMkLst>
         </pc:spChg>
         <pc:spChg chg="add mod ord">
-          <ac:chgData name="Chonthicha Phuangfueang" userId="055aefd292e5fda0" providerId="LiveId" clId="{5B5F8411-1399-4D8D-B27F-31C85245C7D4}" dt="2023-03-29T13:45:11.260" v="14421" actId="20577"/>
+          <ac:chgData name="Chonthicha Phuangfueang" userId="055aefd292e5fda0" providerId="LiveId" clId="{5B5F8411-1399-4D8D-B27F-31C85245C7D4}" dt="2023-03-29T14:27:55.131" v="14593" actId="20577"/>
           <ac:spMkLst>
             <pc:docMk/>
             <pc:sldMk cId="2030428866" sldId="270"/>
@@ -2535,7 +2536,7 @@
           </ac:picMkLst>
         </pc:picChg>
         <pc:picChg chg="mod ord replST">
-          <ac:chgData name="Chonthicha Phuangfueang" userId="055aefd292e5fda0" providerId="LiveId" clId="{5B5F8411-1399-4D8D-B27F-31C85245C7D4}" dt="2023-03-29T13:44:19.535" v="14389" actId="1037"/>
+          <ac:chgData name="Chonthicha Phuangfueang" userId="055aefd292e5fda0" providerId="LiveId" clId="{5B5F8411-1399-4D8D-B27F-31C85245C7D4}" dt="2023-03-29T14:18:41.991" v="14555" actId="1035"/>
           <ac:picMkLst>
             <pc:docMk/>
             <pc:sldMk cId="2030428866" sldId="270"/>
@@ -2551,7 +2552,7 @@
           </ac:picMkLst>
         </pc:picChg>
         <pc:picChg chg="add mod">
-          <ac:chgData name="Chonthicha Phuangfueang" userId="055aefd292e5fda0" providerId="LiveId" clId="{5B5F8411-1399-4D8D-B27F-31C85245C7D4}" dt="2023-03-29T13:20:32.435" v="13890" actId="1035"/>
+          <ac:chgData name="Chonthicha Phuangfueang" userId="055aefd292e5fda0" providerId="LiveId" clId="{5B5F8411-1399-4D8D-B27F-31C85245C7D4}" dt="2023-03-29T14:27:49.817" v="14591" actId="1037"/>
           <ac:picMkLst>
             <pc:docMk/>
             <pc:sldMk cId="2030428866" sldId="270"/>
@@ -2575,7 +2576,7 @@
           </ac:picMkLst>
         </pc:picChg>
         <pc:picChg chg="add mod">
-          <ac:chgData name="Chonthicha Phuangfueang" userId="055aefd292e5fda0" providerId="LiveId" clId="{5B5F8411-1399-4D8D-B27F-31C85245C7D4}" dt="2023-03-29T13:20:32.435" v="13890" actId="1035"/>
+          <ac:chgData name="Chonthicha Phuangfueang" userId="055aefd292e5fda0" providerId="LiveId" clId="{5B5F8411-1399-4D8D-B27F-31C85245C7D4}" dt="2023-03-29T14:28:06.532" v="14604" actId="1036"/>
           <ac:picMkLst>
             <pc:docMk/>
             <pc:sldMk cId="2030428866" sldId="270"/>
@@ -2863,7 +2864,7 @@
           </ac:picMkLst>
         </pc:picChg>
         <pc:picChg chg="add mod">
-          <ac:chgData name="Chonthicha Phuangfueang" userId="055aefd292e5fda0" providerId="LiveId" clId="{5B5F8411-1399-4D8D-B27F-31C85245C7D4}" dt="2023-03-29T13:49:49.076" v="14516" actId="1036"/>
+          <ac:chgData name="Chonthicha Phuangfueang" userId="055aefd292e5fda0" providerId="LiveId" clId="{5B5F8411-1399-4D8D-B27F-31C85245C7D4}" dt="2023-03-29T14:18:28.421" v="14549" actId="1037"/>
           <ac:picMkLst>
             <pc:docMk/>
             <pc:sldMk cId="2030428866" sldId="270"/>
@@ -2911,7 +2912,7 @@
           </ac:picMkLst>
         </pc:picChg>
         <pc:picChg chg="mod ord replST">
-          <ac:chgData name="Chonthicha Phuangfueang" userId="055aefd292e5fda0" providerId="LiveId" clId="{5B5F8411-1399-4D8D-B27F-31C85245C7D4}" dt="2023-03-29T13:33:48.582" v="14068" actId="1035"/>
+          <ac:chgData name="Chonthicha Phuangfueang" userId="055aefd292e5fda0" providerId="LiveId" clId="{5B5F8411-1399-4D8D-B27F-31C85245C7D4}" dt="2023-03-29T14:18:36.750" v="14554" actId="1037"/>
           <ac:picMkLst>
             <pc:docMk/>
             <pc:sldMk cId="2030428866" sldId="270"/>
@@ -2928,7 +2929,7 @@
         </pc:picChg>
       </pc:sldChg>
       <pc:sldChg chg="addSp delSp modSp new mod">
-        <pc:chgData name="Chonthicha Phuangfueang" userId="055aefd292e5fda0" providerId="LiveId" clId="{5B5F8411-1399-4D8D-B27F-31C85245C7D4}" dt="2023-03-29T13:48:19.595" v="14481" actId="478"/>
+        <pc:chgData name="Chonthicha Phuangfueang" userId="055aefd292e5fda0" providerId="LiveId" clId="{5B5F8411-1399-4D8D-B27F-31C85245C7D4}" dt="2023-03-29T14:39:47.305" v="14606" actId="13926"/>
         <pc:sldMkLst>
           <pc:docMk/>
           <pc:sldMk cId="3999688864" sldId="271"/>
@@ -2950,7 +2951,7 @@
           </ac:spMkLst>
         </pc:spChg>
         <pc:spChg chg="add mod">
-          <ac:chgData name="Chonthicha Phuangfueang" userId="055aefd292e5fda0" providerId="LiveId" clId="{5B5F8411-1399-4D8D-B27F-31C85245C7D4}" dt="2023-03-29T08:38:52.636" v="11557" actId="20577"/>
+          <ac:chgData name="Chonthicha Phuangfueang" userId="055aefd292e5fda0" providerId="LiveId" clId="{5B5F8411-1399-4D8D-B27F-31C85245C7D4}" dt="2023-03-29T14:39:47.305" v="14606" actId="13926"/>
           <ac:spMkLst>
             <pc:docMk/>
             <pc:sldMk cId="3999688864" sldId="271"/>
@@ -3054,7 +3055,7 @@
           </ac:picMkLst>
         </pc:picChg>
         <pc:picChg chg="mod ord replST">
-          <ac:chgData name="Chonthicha Phuangfueang" userId="055aefd292e5fda0" providerId="LiveId" clId="{5B5F8411-1399-4D8D-B27F-31C85245C7D4}" dt="2023-03-29T07:54:58.325" v="10408" actId="962"/>
+          <ac:chgData name="Chonthicha Phuangfueang" userId="055aefd292e5fda0" providerId="LiveId" clId="{5B5F8411-1399-4D8D-B27F-31C85245C7D4}" dt="2023-03-29T14:23:05.412" v="14563" actId="1035"/>
           <ac:picMkLst>
             <pc:docMk/>
             <pc:sldMk cId="3999688864" sldId="271"/>
@@ -3118,7 +3119,7 @@
           </ac:picMkLst>
         </pc:picChg>
         <pc:picChg chg="mod ord replST">
-          <ac:chgData name="Chonthicha Phuangfueang" userId="055aefd292e5fda0" providerId="LiveId" clId="{5B5F8411-1399-4D8D-B27F-31C85245C7D4}" dt="2023-03-29T08:01:38.863" v="10672" actId="1037"/>
+          <ac:chgData name="Chonthicha Phuangfueang" userId="055aefd292e5fda0" providerId="LiveId" clId="{5B5F8411-1399-4D8D-B27F-31C85245C7D4}" dt="2023-03-29T14:25:00.997" v="14586" actId="1038"/>
           <ac:picMkLst>
             <pc:docMk/>
             <pc:sldMk cId="3999688864" sldId="271"/>
@@ -3134,7 +3135,7 @@
           </ac:picMkLst>
         </pc:picChg>
         <pc:picChg chg="add del mod ord replST">
-          <ac:chgData name="Chonthicha Phuangfueang" userId="055aefd292e5fda0" providerId="LiveId" clId="{5B5F8411-1399-4D8D-B27F-31C85245C7D4}" dt="2023-03-29T08:33:22.746" v="11382" actId="1037"/>
+          <ac:chgData name="Chonthicha Phuangfueang" userId="055aefd292e5fda0" providerId="LiveId" clId="{5B5F8411-1399-4D8D-B27F-31C85245C7D4}" dt="2023-03-29T14:24:04.640" v="14567" actId="1035"/>
           <ac:picMkLst>
             <pc:docMk/>
             <pc:sldMk cId="3999688864" sldId="271"/>
@@ -3142,7 +3143,7 @@
           </ac:picMkLst>
         </pc:picChg>
         <pc:picChg chg="add mod">
-          <ac:chgData name="Chonthicha Phuangfueang" userId="055aefd292e5fda0" providerId="LiveId" clId="{5B5F8411-1399-4D8D-B27F-31C85245C7D4}" dt="2023-03-29T08:29:39.722" v="11224" actId="1038"/>
+          <ac:chgData name="Chonthicha Phuangfueang" userId="055aefd292e5fda0" providerId="LiveId" clId="{5B5F8411-1399-4D8D-B27F-31C85245C7D4}" dt="2023-03-29T14:24:01.653" v="14566" actId="1036"/>
           <ac:picMkLst>
             <pc:docMk/>
             <pc:sldMk cId="3999688864" sldId="271"/>
@@ -3254,7 +3255,7 @@
           </ac:picMkLst>
         </pc:picChg>
         <pc:picChg chg="mod ord replST">
-          <ac:chgData name="Chonthicha Phuangfueang" userId="055aefd292e5fda0" providerId="LiveId" clId="{5B5F8411-1399-4D8D-B27F-31C85245C7D4}" dt="2023-03-29T08:33:26.776" v="11398" actId="1037"/>
+          <ac:chgData name="Chonthicha Phuangfueang" userId="055aefd292e5fda0" providerId="LiveId" clId="{5B5F8411-1399-4D8D-B27F-31C85245C7D4}" dt="2023-03-29T14:24:15.204" v="14573" actId="14100"/>
           <ac:picMkLst>
             <pc:docMk/>
             <pc:sldMk cId="3999688864" sldId="271"/>
@@ -3262,7 +3263,7 @@
           </ac:picMkLst>
         </pc:picChg>
         <pc:picChg chg="add mod">
-          <ac:chgData name="Chonthicha Phuangfueang" userId="055aefd292e5fda0" providerId="LiveId" clId="{5B5F8411-1399-4D8D-B27F-31C85245C7D4}" dt="2023-03-29T08:35:25.054" v="11453" actId="1076"/>
+          <ac:chgData name="Chonthicha Phuangfueang" userId="055aefd292e5fda0" providerId="LiveId" clId="{5B5F8411-1399-4D8D-B27F-31C85245C7D4}" dt="2023-03-29T14:24:27.587" v="14574" actId="1035"/>
           <ac:picMkLst>
             <pc:docMk/>
             <pc:sldMk cId="3999688864" sldId="271"/>
@@ -3302,7 +3303,7 @@
           </ac:picMkLst>
         </pc:picChg>
         <pc:picChg chg="mod ord replST">
-          <ac:chgData name="Chonthicha Phuangfueang" userId="055aefd292e5fda0" providerId="LiveId" clId="{5B5F8411-1399-4D8D-B27F-31C85245C7D4}" dt="2023-03-29T08:37:36.646" v="11530" actId="1076"/>
+          <ac:chgData name="Chonthicha Phuangfueang" userId="055aefd292e5fda0" providerId="LiveId" clId="{5B5F8411-1399-4D8D-B27F-31C85245C7D4}" dt="2023-03-29T14:24:33.692" v="14578" actId="1035"/>
           <ac:picMkLst>
             <pc:docMk/>
             <pc:sldMk cId="3999688864" sldId="271"/>
@@ -3310,7 +3311,7 @@
           </ac:picMkLst>
         </pc:picChg>
         <pc:picChg chg="add mod">
-          <ac:chgData name="Chonthicha Phuangfueang" userId="055aefd292e5fda0" providerId="LiveId" clId="{5B5F8411-1399-4D8D-B27F-31C85245C7D4}" dt="2023-03-29T08:38:43.917" v="11546" actId="1076"/>
+          <ac:chgData name="Chonthicha Phuangfueang" userId="055aefd292e5fda0" providerId="LiveId" clId="{5B5F8411-1399-4D8D-B27F-31C85245C7D4}" dt="2023-03-29T14:24:52.608" v="14584" actId="1038"/>
           <ac:picMkLst>
             <pc:docMk/>
             <pc:sldMk cId="3999688864" sldId="271"/>
@@ -3342,7 +3343,7 @@
           </ac:picMkLst>
         </pc:picChg>
         <pc:picChg chg="mod ord replST">
-          <ac:chgData name="Chonthicha Phuangfueang" userId="055aefd292e5fda0" providerId="LiveId" clId="{5B5F8411-1399-4D8D-B27F-31C85245C7D4}" dt="2023-03-29T08:45:39.435" v="11651" actId="1036"/>
+          <ac:chgData name="Chonthicha Phuangfueang" userId="055aefd292e5fda0" providerId="LiveId" clId="{5B5F8411-1399-4D8D-B27F-31C85245C7D4}" dt="2023-03-29T14:24:38.474" v="14579" actId="1036"/>
           <ac:picMkLst>
             <pc:docMk/>
             <pc:sldMk cId="3999688864" sldId="271"/>
@@ -3553,6 +3554,29 @@
             <pc:docMk/>
             <pc:sldMk cId="641597096" sldId="273"/>
             <ac:spMk id="3" creationId="{1CACBA04-8C1F-2EE5-64DE-57EFA8D03693}"/>
+          </ac:spMkLst>
+        </pc:spChg>
+      </pc:sldChg>
+      <pc:sldChg chg="delSp modSp new mod">
+        <pc:chgData name="Chonthicha Phuangfueang" userId="055aefd292e5fda0" providerId="LiveId" clId="{5B5F8411-1399-4D8D-B27F-31C85245C7D4}" dt="2023-03-29T14:11:13.620" v="14528" actId="478"/>
+        <pc:sldMkLst>
+          <pc:docMk/>
+          <pc:sldMk cId="1773580288" sldId="274"/>
+        </pc:sldMkLst>
+        <pc:spChg chg="del mod">
+          <ac:chgData name="Chonthicha Phuangfueang" userId="055aefd292e5fda0" providerId="LiveId" clId="{5B5F8411-1399-4D8D-B27F-31C85245C7D4}" dt="2023-03-29T14:11:10.809" v="14527" actId="478"/>
+          <ac:spMkLst>
+            <pc:docMk/>
+            <pc:sldMk cId="1773580288" sldId="274"/>
+            <ac:spMk id="2" creationId="{4AC899A6-E0BC-C4FA-AD44-1F49968C5660}"/>
+          </ac:spMkLst>
+        </pc:spChg>
+        <pc:spChg chg="del">
+          <ac:chgData name="Chonthicha Phuangfueang" userId="055aefd292e5fda0" providerId="LiveId" clId="{5B5F8411-1399-4D8D-B27F-31C85245C7D4}" dt="2023-03-29T14:11:13.620" v="14528" actId="478"/>
+          <ac:spMkLst>
+            <pc:docMk/>
+            <pc:sldMk cId="1773580288" sldId="274"/>
+            <ac:spMk id="3" creationId="{099EF140-1ACD-3938-B566-2A96F8982534}"/>
           </ac:spMkLst>
         </pc:spChg>
       </pc:sldChg>
@@ -3614,6 +3638,34 @@
     </pc:docChg>
   </pc:docChgLst>
 </pc:chgInfo>
+</file>
+
+<file path=ppt/comments/comment1.xml><?xml version="1.0" encoding="utf-8"?>
+<p:cmLst xmlns:a="http://schemas.openxmlformats.org/drawingml/2006/main" xmlns:r="http://schemas.openxmlformats.org/officeDocument/2006/relationships" xmlns:p="http://schemas.openxmlformats.org/presentationml/2006/main">
+  <p:cm authorId="1" dt="2023-03-29T21:09:03.958" idx="3">
+    <p:pos x="5282" y="2200"/>
+    <p:text>เป็นจำนวนคี่</p:text>
+    <p:extLst>
+      <p:ext uri="{C676402C-5697-4E1C-873F-D02D1690AC5C}">
+        <p15:threadingInfo xmlns:p15="http://schemas.microsoft.com/office/powerpoint/2012/main" timeZoneBias="-420"/>
+      </p:ext>
+    </p:extLst>
+  </p:cm>
+</p:cmLst>
+</file>
+
+<file path=ppt/comments/comment2.xml><?xml version="1.0" encoding="utf-8"?>
+<p:cmLst xmlns:a="http://schemas.openxmlformats.org/drawingml/2006/main" xmlns:r="http://schemas.openxmlformats.org/officeDocument/2006/relationships" xmlns:p="http://schemas.openxmlformats.org/presentationml/2006/main">
+  <p:cm authorId="1" dt="2023-03-29T21:11:42.043" idx="4">
+    <p:pos x="6078" y="1373"/>
+    <p:text>y เป็นจำนวนคี่</p:text>
+    <p:extLst>
+      <p:ext uri="{C676402C-5697-4E1C-873F-D02D1690AC5C}">
+        <p15:threadingInfo xmlns:p15="http://schemas.microsoft.com/office/powerpoint/2012/main" timeZoneBias="-420"/>
+      </p:ext>
+    </p:extLst>
+  </p:cm>
+</p:cmLst>
 </file>
 
 <file path=ppt/slideLayouts/slideLayout1.xml><?xml version="1.0" encoding="utf-8"?>
@@ -7813,9 +7865,22 @@
                 <a:latin typeface="TH Sarabun New" panose="020B0500040200020003" pitchFamily="34" charset="-34"/>
                 <a:cs typeface="TH Sarabun New" panose="020B0500040200020003" pitchFamily="34" charset="-34"/>
               </a:rPr>
-              <a:t>ดังนั้น ไม่มีผลเฉลย</a:t>
+              <a:t>ดังนั้น </a:t>
+            </a:r>
+            <a:r>
+              <a:rPr lang="th-TH" sz="3100" dirty="0">
+                <a:solidFill>
+                  <a:srgbClr val="FF0000"/>
+                </a:solidFill>
+                <a:latin typeface="TH Sarabun New" panose="020B0500040200020003" pitchFamily="34" charset="-34"/>
+                <a:cs typeface="TH Sarabun New" panose="020B0500040200020003" pitchFamily="34" charset="-34"/>
+              </a:rPr>
+              <a:t>ไม่มีผลเฉลย</a:t>
             </a:r>
             <a:endParaRPr lang="en-US" sz="3100" dirty="0">
+              <a:solidFill>
+                <a:srgbClr val="FF0000"/>
+              </a:solidFill>
               <a:latin typeface="TH Sarabun New" panose="020B0500040200020003" pitchFamily="34" charset="-34"/>
               <a:cs typeface="TH Sarabun New" panose="020B0500040200020003" pitchFamily="34" charset="-34"/>
             </a:endParaRPr>
@@ -8661,140 +8726,10 @@
           <a:chExt cx="0" cy="0"/>
         </a:xfrm>
       </p:grpSpPr>
-      <p:sp>
-        <p:nvSpPr>
-          <p:cNvPr id="2" name="Title 1">
-            <a:extLst>
-              <a:ext uri="{FF2B5EF4-FFF2-40B4-BE49-F238E27FC236}">
-                <a16:creationId xmlns:a16="http://schemas.microsoft.com/office/drawing/2014/main" id="{1C1D6E02-C5D8-99FD-9CDC-A5FEEE38CD33}"/>
-              </a:ext>
-            </a:extLst>
-          </p:cNvPr>
-          <p:cNvSpPr>
-            <a:spLocks noGrp="1"/>
-          </p:cNvSpPr>
-          <p:nvPr>
-            <p:ph type="title"/>
-          </p:nvPr>
-        </p:nvSpPr>
-        <p:spPr/>
-        <p:txBody>
-          <a:bodyPr/>
-          <a:lstStyle/>
-          <a:p>
-            <a:endParaRPr lang="en-US"/>
-          </a:p>
-        </p:txBody>
-      </p:sp>
-      <p:sp>
-        <p:nvSpPr>
-          <p:cNvPr id="3" name="Content Placeholder 2">
-            <a:extLst>
-              <a:ext uri="{FF2B5EF4-FFF2-40B4-BE49-F238E27FC236}">
-                <a16:creationId xmlns:a16="http://schemas.microsoft.com/office/drawing/2014/main" id="{27FBAA81-9530-D7B7-BACF-151C786468BF}"/>
-              </a:ext>
-            </a:extLst>
-          </p:cNvPr>
-          <p:cNvSpPr>
-            <a:spLocks noGrp="1"/>
-          </p:cNvSpPr>
-          <p:nvPr>
-            <p:ph idx="1"/>
-          </p:nvPr>
-        </p:nvSpPr>
-        <p:spPr/>
-        <p:txBody>
-          <a:bodyPr/>
-          <a:lstStyle/>
-          <a:p>
-            <a:endParaRPr lang="en-US"/>
-          </a:p>
-        </p:txBody>
-      </p:sp>
-      <p:pic>
-        <p:nvPicPr>
-          <p:cNvPr id="4" name="Content Placeholder 3 1" descr="\documentclass{article}&#10;\usepackage{amsmath}&#10;\pagestyle{empty}&#10;\usepackage{xcolor}&#10;\usepackage{empheq}&#10;\begin{document}&#10;{Y}=2{\color{blue}x}&#10;\end{document}" title="IguanaTex Bitmap Display">
-            <a:extLst>
-              <a:ext uri="{FF2B5EF4-FFF2-40B4-BE49-F238E27FC236}">
-                <a16:creationId xmlns:a16="http://schemas.microsoft.com/office/drawing/2014/main" id="{3436BAF5-9742-F8E5-7F22-9FCFFF8367E2}"/>
-              </a:ext>
-            </a:extLst>
-          </p:cNvPr>
-          <p:cNvPicPr>
-            <a:picLocks noChangeAspect="1"/>
-          </p:cNvPicPr>
-          <p:nvPr>
-            <p:custDataLst>
-              <p:tags r:id="rId1"/>
-            </p:custDataLst>
-          </p:nvPr>
-        </p:nvPicPr>
-        <p:blipFill>
-          <a:blip r:embed="rId4">
-            <a:extLst>
-              <a:ext uri="{28A0092B-C50C-407E-A947-70E740481C1C}">
-                <a14:useLocalDpi xmlns:a14="http://schemas.microsoft.com/office/drawing/2010/main" val="0"/>
-              </a:ext>
-            </a:extLst>
-          </a:blip>
-          <a:stretch>
-            <a:fillRect/>
-          </a:stretch>
-        </p:blipFill>
-        <p:spPr>
-          <a:xfrm>
-            <a:off x="3554663" y="3466374"/>
-            <a:ext cx="1992840" cy="534895"/>
-          </a:xfrm>
-          <a:prstGeom prst="rect">
-            <a:avLst/>
-          </a:prstGeom>
-        </p:spPr>
-      </p:pic>
-      <p:pic>
-        <p:nvPicPr>
-          <p:cNvPr id="5" name="Content Placeholder 3 2" descr="\documentclass{article}&#10;\usepackage{amsmath}&#10;\pagestyle{empty}&#10;\usepackage{xcolor}&#10;\usepackage{empheq}&#10;\begin{document}&#10;${\color{green}2^{x}+p^{y}}={\color{blue}z^{2}}$&#10;\end{document}" title="IguanaTex Bitmap Display">
-            <a:extLst>
-              <a:ext uri="{FF2B5EF4-FFF2-40B4-BE49-F238E27FC236}">
-                <a16:creationId xmlns:a16="http://schemas.microsoft.com/office/drawing/2014/main" id="{69148694-1CA0-B251-69AA-3D9FCCC8471A}"/>
-              </a:ext>
-            </a:extLst>
-          </p:cNvPr>
-          <p:cNvPicPr>
-            <a:picLocks noChangeAspect="1"/>
-          </p:cNvPicPr>
-          <p:nvPr>
-            <p:custDataLst>
-              <p:tags r:id="rId2"/>
-            </p:custDataLst>
-          </p:nvPr>
-        </p:nvPicPr>
-        <p:blipFill>
-          <a:blip r:embed="rId5">
-            <a:extLst>
-              <a:ext uri="{28A0092B-C50C-407E-A947-70E740481C1C}">
-                <a14:useLocalDpi xmlns:a14="http://schemas.microsoft.com/office/drawing/2010/main" val="0"/>
-              </a:ext>
-            </a:extLst>
-          </a:blip>
-          <a:stretch>
-            <a:fillRect/>
-          </a:stretch>
-        </p:blipFill>
-        <p:spPr>
-          <a:xfrm>
-            <a:off x="7231509" y="3429000"/>
-            <a:ext cx="3013724" cy="572269"/>
-          </a:xfrm>
-          <a:prstGeom prst="rect">
-            <a:avLst/>
-          </a:prstGeom>
-        </p:spPr>
-      </p:pic>
     </p:spTree>
     <p:extLst>
       <p:ext uri="{BB962C8B-B14F-4D97-AF65-F5344CB8AC3E}">
-        <p14:creationId xmlns:p14="http://schemas.microsoft.com/office/powerpoint/2010/main" val="4108964880"/>
+        <p14:creationId xmlns:p14="http://schemas.microsoft.com/office/powerpoint/2010/main" val="1773580288"/>
       </p:ext>
     </p:extLst>
   </p:cSld>
@@ -8826,7 +8761,7 @@
           <p:cNvPr id="2" name="Title 1">
             <a:extLst>
               <a:ext uri="{FF2B5EF4-FFF2-40B4-BE49-F238E27FC236}">
-                <a16:creationId xmlns:a16="http://schemas.microsoft.com/office/drawing/2014/main" id="{7606927B-6D49-BB4E-FA6B-6A7794A5635D}"/>
+                <a16:creationId xmlns:a16="http://schemas.microsoft.com/office/drawing/2014/main" id="{1C1D6E02-C5D8-99FD-9CDC-A5FEEE38CD33}"/>
               </a:ext>
             </a:extLst>
           </p:cNvPr>
@@ -8851,7 +8786,7 @@
           <p:cNvPr id="3" name="Content Placeholder 2">
             <a:extLst>
               <a:ext uri="{FF2B5EF4-FFF2-40B4-BE49-F238E27FC236}">
-                <a16:creationId xmlns:a16="http://schemas.microsoft.com/office/drawing/2014/main" id="{EA28B5FB-249F-7C12-CF2B-E6AF1E36C987}"/>
+                <a16:creationId xmlns:a16="http://schemas.microsoft.com/office/drawing/2014/main" id="{27FBAA81-9530-D7B7-BACF-151C786468BF}"/>
               </a:ext>
             </a:extLst>
           </p:cNvPr>
@@ -8871,10 +8806,90 @@
           </a:p>
         </p:txBody>
       </p:sp>
+      <p:pic>
+        <p:nvPicPr>
+          <p:cNvPr id="4" name="Content Placeholder 3 1" descr="\documentclass{article}&#10;\usepackage{amsmath}&#10;\pagestyle{empty}&#10;\usepackage{xcolor}&#10;\usepackage{empheq}&#10;\begin{document}&#10;{Y}=2{\color{blue}x}&#10;\end{document}" title="IguanaTex Bitmap Display">
+            <a:extLst>
+              <a:ext uri="{FF2B5EF4-FFF2-40B4-BE49-F238E27FC236}">
+                <a16:creationId xmlns:a16="http://schemas.microsoft.com/office/drawing/2014/main" id="{3436BAF5-9742-F8E5-7F22-9FCFFF8367E2}"/>
+              </a:ext>
+            </a:extLst>
+          </p:cNvPr>
+          <p:cNvPicPr>
+            <a:picLocks noChangeAspect="1"/>
+          </p:cNvPicPr>
+          <p:nvPr>
+            <p:custDataLst>
+              <p:tags r:id="rId1"/>
+            </p:custDataLst>
+          </p:nvPr>
+        </p:nvPicPr>
+        <p:blipFill>
+          <a:blip r:embed="rId4">
+            <a:extLst>
+              <a:ext uri="{28A0092B-C50C-407E-A947-70E740481C1C}">
+                <a14:useLocalDpi xmlns:a14="http://schemas.microsoft.com/office/drawing/2010/main" val="0"/>
+              </a:ext>
+            </a:extLst>
+          </a:blip>
+          <a:stretch>
+            <a:fillRect/>
+          </a:stretch>
+        </p:blipFill>
+        <p:spPr>
+          <a:xfrm>
+            <a:off x="3554663" y="3466374"/>
+            <a:ext cx="1992840" cy="534895"/>
+          </a:xfrm>
+          <a:prstGeom prst="rect">
+            <a:avLst/>
+          </a:prstGeom>
+        </p:spPr>
+      </p:pic>
+      <p:pic>
+        <p:nvPicPr>
+          <p:cNvPr id="5" name="Content Placeholder 3 2" descr="\documentclass{article}&#10;\usepackage{amsmath}&#10;\pagestyle{empty}&#10;\usepackage{xcolor}&#10;\usepackage{empheq}&#10;\begin{document}&#10;${\color{green}2^{x}+p^{y}}={\color{blue}z^{2}}$&#10;\end{document}" title="IguanaTex Bitmap Display">
+            <a:extLst>
+              <a:ext uri="{FF2B5EF4-FFF2-40B4-BE49-F238E27FC236}">
+                <a16:creationId xmlns:a16="http://schemas.microsoft.com/office/drawing/2014/main" id="{69148694-1CA0-B251-69AA-3D9FCCC8471A}"/>
+              </a:ext>
+            </a:extLst>
+          </p:cNvPr>
+          <p:cNvPicPr>
+            <a:picLocks noChangeAspect="1"/>
+          </p:cNvPicPr>
+          <p:nvPr>
+            <p:custDataLst>
+              <p:tags r:id="rId2"/>
+            </p:custDataLst>
+          </p:nvPr>
+        </p:nvPicPr>
+        <p:blipFill>
+          <a:blip r:embed="rId5">
+            <a:extLst>
+              <a:ext uri="{28A0092B-C50C-407E-A947-70E740481C1C}">
+                <a14:useLocalDpi xmlns:a14="http://schemas.microsoft.com/office/drawing/2010/main" val="0"/>
+              </a:ext>
+            </a:extLst>
+          </a:blip>
+          <a:stretch>
+            <a:fillRect/>
+          </a:stretch>
+        </p:blipFill>
+        <p:spPr>
+          <a:xfrm>
+            <a:off x="7231509" y="3429000"/>
+            <a:ext cx="3013724" cy="572269"/>
+          </a:xfrm>
+          <a:prstGeom prst="rect">
+            <a:avLst/>
+          </a:prstGeom>
+        </p:spPr>
+      </p:pic>
     </p:spTree>
     <p:extLst>
       <p:ext uri="{BB962C8B-B14F-4D97-AF65-F5344CB8AC3E}">
-        <p14:creationId xmlns:p14="http://schemas.microsoft.com/office/powerpoint/2010/main" val="3574337885"/>
+        <p14:creationId xmlns:p14="http://schemas.microsoft.com/office/powerpoint/2010/main" val="4108964880"/>
       </p:ext>
     </p:extLst>
   </p:cSld>
@@ -8906,7 +8921,7 @@
           <p:cNvPr id="2" name="Title 1">
             <a:extLst>
               <a:ext uri="{FF2B5EF4-FFF2-40B4-BE49-F238E27FC236}">
-                <a16:creationId xmlns:a16="http://schemas.microsoft.com/office/drawing/2014/main" id="{C5C341E0-32BE-FAC4-9807-63AB6D6981AC}"/>
+                <a16:creationId xmlns:a16="http://schemas.microsoft.com/office/drawing/2014/main" id="{7606927B-6D49-BB4E-FA6B-6A7794A5635D}"/>
               </a:ext>
             </a:extLst>
           </p:cNvPr>
@@ -8931,7 +8946,7 @@
           <p:cNvPr id="3" name="Content Placeholder 2">
             <a:extLst>
               <a:ext uri="{FF2B5EF4-FFF2-40B4-BE49-F238E27FC236}">
-                <a16:creationId xmlns:a16="http://schemas.microsoft.com/office/drawing/2014/main" id="{A710AAD3-E228-B93E-BC17-5F3C0F177722}"/>
+                <a16:creationId xmlns:a16="http://schemas.microsoft.com/office/drawing/2014/main" id="{EA28B5FB-249F-7C12-CF2B-E6AF1E36C987}"/>
               </a:ext>
             </a:extLst>
           </p:cNvPr>
@@ -8954,7 +8969,7 @@
     </p:spTree>
     <p:extLst>
       <p:ext uri="{BB962C8B-B14F-4D97-AF65-F5344CB8AC3E}">
-        <p14:creationId xmlns:p14="http://schemas.microsoft.com/office/powerpoint/2010/main" val="1667748773"/>
+        <p14:creationId xmlns:p14="http://schemas.microsoft.com/office/powerpoint/2010/main" val="3574337885"/>
       </p:ext>
     </p:extLst>
   </p:cSld>
@@ -8986,7 +9001,7 @@
           <p:cNvPr id="2" name="Title 1">
             <a:extLst>
               <a:ext uri="{FF2B5EF4-FFF2-40B4-BE49-F238E27FC236}">
-                <a16:creationId xmlns:a16="http://schemas.microsoft.com/office/drawing/2014/main" id="{0E297A0D-9615-F65D-FF4C-96CA05F1786E}"/>
+                <a16:creationId xmlns:a16="http://schemas.microsoft.com/office/drawing/2014/main" id="{C5C341E0-32BE-FAC4-9807-63AB6D6981AC}"/>
               </a:ext>
             </a:extLst>
           </p:cNvPr>
@@ -9002,7 +9017,7 @@
           <a:bodyPr/>
           <a:lstStyle/>
           <a:p>
-            <a:endParaRPr lang="en-US"/>
+            <a:endParaRPr lang="en-US" dirty="0"/>
           </a:p>
         </p:txBody>
       </p:sp>
@@ -9011,7 +9026,7 @@
           <p:cNvPr id="3" name="Content Placeholder 2">
             <a:extLst>
               <a:ext uri="{FF2B5EF4-FFF2-40B4-BE49-F238E27FC236}">
-                <a16:creationId xmlns:a16="http://schemas.microsoft.com/office/drawing/2014/main" id="{2C22E3A2-8CB1-8C5F-A1FA-43E48C63F726}"/>
+                <a16:creationId xmlns:a16="http://schemas.microsoft.com/office/drawing/2014/main" id="{A710AAD3-E228-B93E-BC17-5F3C0F177722}"/>
               </a:ext>
             </a:extLst>
           </p:cNvPr>
@@ -9034,7 +9049,7 @@
     </p:spTree>
     <p:extLst>
       <p:ext uri="{BB962C8B-B14F-4D97-AF65-F5344CB8AC3E}">
-        <p14:creationId xmlns:p14="http://schemas.microsoft.com/office/powerpoint/2010/main" val="803829190"/>
+        <p14:creationId xmlns:p14="http://schemas.microsoft.com/office/powerpoint/2010/main" val="1667748773"/>
       </p:ext>
     </p:extLst>
   </p:cSld>
@@ -9066,7 +9081,7 @@
           <p:cNvPr id="2" name="Title 1">
             <a:extLst>
               <a:ext uri="{FF2B5EF4-FFF2-40B4-BE49-F238E27FC236}">
-                <a16:creationId xmlns:a16="http://schemas.microsoft.com/office/drawing/2014/main" id="{7245DA93-B3A8-80DA-6316-23B7D99A315E}"/>
+                <a16:creationId xmlns:a16="http://schemas.microsoft.com/office/drawing/2014/main" id="{0E297A0D-9615-F65D-FF4C-96CA05F1786E}"/>
               </a:ext>
             </a:extLst>
           </p:cNvPr>
@@ -9091,7 +9106,7 @@
           <p:cNvPr id="3" name="Content Placeholder 2">
             <a:extLst>
               <a:ext uri="{FF2B5EF4-FFF2-40B4-BE49-F238E27FC236}">
-                <a16:creationId xmlns:a16="http://schemas.microsoft.com/office/drawing/2014/main" id="{1B923B55-9145-4BA3-65E2-EC80EE395334}"/>
+                <a16:creationId xmlns:a16="http://schemas.microsoft.com/office/drawing/2014/main" id="{2C22E3A2-8CB1-8C5F-A1FA-43E48C63F726}"/>
               </a:ext>
             </a:extLst>
           </p:cNvPr>
@@ -9114,7 +9129,7 @@
     </p:spTree>
     <p:extLst>
       <p:ext uri="{BB962C8B-B14F-4D97-AF65-F5344CB8AC3E}">
-        <p14:creationId xmlns:p14="http://schemas.microsoft.com/office/powerpoint/2010/main" val="1989448623"/>
+        <p14:creationId xmlns:p14="http://schemas.microsoft.com/office/powerpoint/2010/main" val="803829190"/>
       </p:ext>
     </p:extLst>
   </p:cSld>
@@ -9146,6 +9161,86 @@
           <p:cNvPr id="2" name="Title 1">
             <a:extLst>
               <a:ext uri="{FF2B5EF4-FFF2-40B4-BE49-F238E27FC236}">
+                <a16:creationId xmlns:a16="http://schemas.microsoft.com/office/drawing/2014/main" id="{7245DA93-B3A8-80DA-6316-23B7D99A315E}"/>
+              </a:ext>
+            </a:extLst>
+          </p:cNvPr>
+          <p:cNvSpPr>
+            <a:spLocks noGrp="1"/>
+          </p:cNvSpPr>
+          <p:nvPr>
+            <p:ph type="title"/>
+          </p:nvPr>
+        </p:nvSpPr>
+        <p:spPr/>
+        <p:txBody>
+          <a:bodyPr/>
+          <a:lstStyle/>
+          <a:p>
+            <a:endParaRPr lang="en-US"/>
+          </a:p>
+        </p:txBody>
+      </p:sp>
+      <p:sp>
+        <p:nvSpPr>
+          <p:cNvPr id="3" name="Content Placeholder 2">
+            <a:extLst>
+              <a:ext uri="{FF2B5EF4-FFF2-40B4-BE49-F238E27FC236}">
+                <a16:creationId xmlns:a16="http://schemas.microsoft.com/office/drawing/2014/main" id="{1B923B55-9145-4BA3-65E2-EC80EE395334}"/>
+              </a:ext>
+            </a:extLst>
+          </p:cNvPr>
+          <p:cNvSpPr>
+            <a:spLocks noGrp="1"/>
+          </p:cNvSpPr>
+          <p:nvPr>
+            <p:ph idx="1"/>
+          </p:nvPr>
+        </p:nvSpPr>
+        <p:spPr/>
+        <p:txBody>
+          <a:bodyPr/>
+          <a:lstStyle/>
+          <a:p>
+            <a:endParaRPr lang="en-US"/>
+          </a:p>
+        </p:txBody>
+      </p:sp>
+    </p:spTree>
+    <p:extLst>
+      <p:ext uri="{BB962C8B-B14F-4D97-AF65-F5344CB8AC3E}">
+        <p14:creationId xmlns:p14="http://schemas.microsoft.com/office/powerpoint/2010/main" val="1989448623"/>
+      </p:ext>
+    </p:extLst>
+  </p:cSld>
+  <p:clrMapOvr>
+    <a:masterClrMapping/>
+  </p:clrMapOvr>
+</p:sld>
+</file>
+
+<file path=ppt/slides/slide18.xml><?xml version="1.0" encoding="utf-8"?>
+<p:sld xmlns:a="http://schemas.openxmlformats.org/drawingml/2006/main" xmlns:r="http://schemas.openxmlformats.org/officeDocument/2006/relationships" xmlns:p="http://schemas.openxmlformats.org/presentationml/2006/main">
+  <p:cSld>
+    <p:spTree>
+      <p:nvGrpSpPr>
+        <p:cNvPr id="1" name=""/>
+        <p:cNvGrpSpPr/>
+        <p:nvPr/>
+      </p:nvGrpSpPr>
+      <p:grpSpPr>
+        <a:xfrm>
+          <a:off x="0" y="0"/>
+          <a:ext cx="0" cy="0"/>
+          <a:chOff x="0" y="0"/>
+          <a:chExt cx="0" cy="0"/>
+        </a:xfrm>
+      </p:grpSpPr>
+      <p:sp>
+        <p:nvSpPr>
+          <p:cNvPr id="2" name="Title 1">
+            <a:extLst>
+              <a:ext uri="{FF2B5EF4-FFF2-40B4-BE49-F238E27FC236}">
                 <a16:creationId xmlns:a16="http://schemas.microsoft.com/office/drawing/2014/main" id="{6E305564-C7E3-0A11-DACB-724DA3C7B663}"/>
               </a:ext>
             </a:extLst>
@@ -9204,7 +9299,7 @@
 </p:sld>
 </file>
 
-<file path=ppt/slides/slide18.xml><?xml version="1.0" encoding="utf-8"?>
+<file path=ppt/slides/slide19.xml><?xml version="1.0" encoding="utf-8"?>
 <p:sld xmlns:a="http://schemas.openxmlformats.org/drawingml/2006/main" xmlns:r="http://schemas.openxmlformats.org/officeDocument/2006/relationships" xmlns:p="http://schemas.openxmlformats.org/presentationml/2006/main">
   <p:cSld>
     <p:spTree>
@@ -13460,7 +13555,7 @@
                 </a:r>
                 <a:r>
                   <a:rPr lang="th-TH" sz="3100" dirty="0"/>
-                  <a:t>จาก 	    และ      จะได้ว่า </a:t>
+                  <a:t>จาก 	   และ      จะได้ว่า </a:t>
                 </a:r>
               </a:p>
               <a:p>
@@ -13565,7 +13660,7 @@
                 </a:r>
                 <a:r>
                   <a:rPr lang="th-TH" sz="3100" dirty="0"/>
-                  <a:t> นั่นคือ </a:t>
+                  <a:t> ดังนั้น</a:t>
                 </a:r>
               </a:p>
               <a:p>
@@ -13818,7 +13913,7 @@
         </p:blipFill>
         <p:spPr>
           <a:xfrm>
-            <a:off x="3505718" y="2102208"/>
+            <a:off x="3444758" y="2102208"/>
             <a:ext cx="365402" cy="339011"/>
           </a:xfrm>
           <a:prstGeom prst="rect">
@@ -13938,7 +14033,7 @@
         </p:blipFill>
         <p:spPr>
           <a:xfrm>
-            <a:off x="4610084" y="2074920"/>
+            <a:off x="4488164" y="2135880"/>
             <a:ext cx="365401" cy="339011"/>
           </a:xfrm>
           <a:prstGeom prst="rect">
@@ -14178,7 +14273,7 @@
         </p:blipFill>
         <p:spPr>
           <a:xfrm>
-            <a:off x="8762050" y="4488518"/>
+            <a:off x="8762050" y="4473278"/>
             <a:ext cx="2264458" cy="367261"/>
           </a:xfrm>
           <a:prstGeom prst="rect">
@@ -14458,7 +14553,7 @@
         </p:blipFill>
         <p:spPr>
           <a:xfrm>
-            <a:off x="4636583" y="5402756"/>
+            <a:off x="4606103" y="5402756"/>
             <a:ext cx="365401" cy="339011"/>
           </a:xfrm>
           <a:prstGeom prst="rect">
@@ -14538,7 +14633,7 @@
         </p:blipFill>
         <p:spPr>
           <a:xfrm>
-            <a:off x="10915128" y="5997493"/>
+            <a:off x="10854168" y="5982253"/>
             <a:ext cx="365401" cy="339011"/>
           </a:xfrm>
           <a:prstGeom prst="rect">
@@ -14940,6 +15035,9 @@
             </a:r>
             <a:r>
               <a:rPr lang="th-TH" sz="3100" dirty="0">
+                <a:highlight>
+                  <a:srgbClr val="FFFF00"/>
+                </a:highlight>
                 <a:latin typeface="TH Sarabun New" panose="020B0500040200020003" pitchFamily="34" charset="-34"/>
                 <a:cs typeface="TH Sarabun New" panose="020B0500040200020003" pitchFamily="34" charset="-34"/>
               </a:rPr>
@@ -14947,6 +15045,9 @@
             </a:r>
             <a:r>
               <a:rPr lang="en-US" sz="3100" dirty="0">
+                <a:highlight>
+                  <a:srgbClr val="FFFF00"/>
+                </a:highlight>
                 <a:latin typeface="TH Sarabun New" panose="020B0500040200020003" pitchFamily="34" charset="-34"/>
                 <a:cs typeface="TH Sarabun New" panose="020B0500040200020003" pitchFamily="34" charset="-34"/>
               </a:rPr>
@@ -14954,10 +15055,13 @@
             </a:r>
             <a:r>
               <a:rPr lang="th-TH" sz="3100" dirty="0">
-                <a:latin typeface="TH Sarabun New" panose="020B0500040200020003" pitchFamily="34" charset="-34"/>
-                <a:cs typeface="TH Sarabun New" panose="020B0500040200020003" pitchFamily="34" charset="-34"/>
-              </a:rPr>
-              <a:t>และ			จะได้</a:t>
+                <a:highlight>
+                  <a:srgbClr val="FFFF00"/>
+                </a:highlight>
+                <a:latin typeface="TH Sarabun New" panose="020B0500040200020003" pitchFamily="34" charset="-34"/>
+                <a:cs typeface="TH Sarabun New" panose="020B0500040200020003" pitchFamily="34" charset="-34"/>
+              </a:rPr>
+              <a:t>และ			 จะได้</a:t>
             </a:r>
           </a:p>
           <a:p>
@@ -15099,7 +15203,7 @@
                 <a:latin typeface="TH Sarabun New" panose="020B0500040200020003" pitchFamily="34" charset="-34"/>
                 <a:cs typeface="TH Sarabun New" panose="020B0500040200020003" pitchFamily="34" charset="-34"/>
               </a:rPr>
-              <a:t>และจาก 	 จะได้ว่า </a:t>
+              <a:t>และจาก 	  จะได้ว่า </a:t>
             </a:r>
             <a:endParaRPr lang="en-US" sz="3100" dirty="0"/>
           </a:p>
@@ -15377,7 +15481,7 @@
         </p:blipFill>
         <p:spPr>
           <a:xfrm>
-            <a:off x="3732526" y="1518486"/>
+            <a:off x="3763006" y="1457526"/>
             <a:ext cx="2433915" cy="324647"/>
           </a:xfrm>
           <a:prstGeom prst="rect">
@@ -15497,7 +15601,7 @@
         </p:blipFill>
         <p:spPr>
           <a:xfrm>
-            <a:off x="3779702" y="2508200"/>
+            <a:off x="3795509" y="2508018"/>
             <a:ext cx="735202" cy="221699"/>
           </a:xfrm>
           <a:prstGeom prst="rect">
@@ -15537,7 +15641,7 @@
         </p:blipFill>
         <p:spPr>
           <a:xfrm>
-            <a:off x="3546290" y="4399592"/>
+            <a:off x="3546290" y="4384352"/>
             <a:ext cx="681694" cy="233101"/>
           </a:xfrm>
           <a:prstGeom prst="rect">
@@ -15577,7 +15681,7 @@
         </p:blipFill>
         <p:spPr>
           <a:xfrm>
-            <a:off x="3696911" y="3879842"/>
+            <a:off x="3696911" y="3864602"/>
             <a:ext cx="365401" cy="339011"/>
           </a:xfrm>
           <a:prstGeom prst="rect">
@@ -15777,7 +15881,7 @@
         </p:blipFill>
         <p:spPr>
           <a:xfrm>
-            <a:off x="5214142" y="4350662"/>
+            <a:off x="5214142" y="4320182"/>
             <a:ext cx="1710697" cy="337954"/>
           </a:xfrm>
           <a:prstGeom prst="rect">
@@ -15817,7 +15921,7 @@
         </p:blipFill>
         <p:spPr>
           <a:xfrm>
-            <a:off x="4064656" y="4836651"/>
+            <a:off x="4064656" y="4821411"/>
             <a:ext cx="1891883" cy="397555"/>
           </a:xfrm>
           <a:prstGeom prst="rect">
@@ -15897,7 +16001,7 @@
         </p:blipFill>
         <p:spPr>
           <a:xfrm>
-            <a:off x="6892797" y="4824355"/>
+            <a:off x="6892797" y="4763395"/>
             <a:ext cx="3749803" cy="397555"/>
           </a:xfrm>
           <a:prstGeom prst="rect">
@@ -15937,7 +16041,7 @@
         </p:blipFill>
         <p:spPr>
           <a:xfrm>
-            <a:off x="3781902" y="5331448"/>
+            <a:off x="3797142" y="5316208"/>
             <a:ext cx="365401" cy="339011"/>
           </a:xfrm>
           <a:prstGeom prst="rect">
@@ -15977,7 +16081,7 @@
         </p:blipFill>
         <p:spPr>
           <a:xfrm>
-            <a:off x="5362368" y="5309229"/>
+            <a:off x="5362368" y="5324469"/>
             <a:ext cx="4075919" cy="317141"/>
           </a:xfrm>
           <a:prstGeom prst="rect">

--- a/Presentation1.pptx
+++ b/Presentation1.pptx
@@ -13,17 +13,19 @@
     <p:sldId id="269" r:id="rId7"/>
     <p:sldId id="270" r:id="rId8"/>
     <p:sldId id="271" r:id="rId9"/>
-    <p:sldId id="272" r:id="rId10"/>
-    <p:sldId id="259" r:id="rId11"/>
-    <p:sldId id="260" r:id="rId12"/>
-    <p:sldId id="274" r:id="rId13"/>
-    <p:sldId id="261" r:id="rId14"/>
-    <p:sldId id="262" r:id="rId15"/>
-    <p:sldId id="263" r:id="rId16"/>
-    <p:sldId id="264" r:id="rId17"/>
-    <p:sldId id="265" r:id="rId18"/>
-    <p:sldId id="266" r:id="rId19"/>
-    <p:sldId id="267" r:id="rId20"/>
+    <p:sldId id="275" r:id="rId10"/>
+    <p:sldId id="276" r:id="rId11"/>
+    <p:sldId id="272" r:id="rId12"/>
+    <p:sldId id="259" r:id="rId13"/>
+    <p:sldId id="260" r:id="rId14"/>
+    <p:sldId id="274" r:id="rId15"/>
+    <p:sldId id="261" r:id="rId16"/>
+    <p:sldId id="262" r:id="rId17"/>
+    <p:sldId id="263" r:id="rId18"/>
+    <p:sldId id="264" r:id="rId19"/>
+    <p:sldId id="265" r:id="rId20"/>
+    <p:sldId id="266" r:id="rId21"/>
+    <p:sldId id="267" r:id="rId22"/>
   </p:sldIdLst>
   <p:sldSz cx="12192000" cy="6858000"/>
   <p:notesSz cx="6858000" cy="9144000"/>
@@ -147,12 +149,12 @@
   <pc:docChgLst>
     <pc:chgData name="Chonthicha Phuangfueang" userId="055aefd292e5fda0" providerId="LiveId" clId="{5B5F8411-1399-4D8D-B27F-31C85245C7D4}"/>
     <pc:docChg chg="undo redo custSel addSld delSld modSld sldOrd modMainMaster">
-      <pc:chgData name="Chonthicha Phuangfueang" userId="055aefd292e5fda0" providerId="LiveId" clId="{5B5F8411-1399-4D8D-B27F-31C85245C7D4}" dt="2023-03-29T14:39:47.305" v="14606" actId="13926"/>
+      <pc:chgData name="Chonthicha Phuangfueang" userId="055aefd292e5fda0" providerId="LiveId" clId="{5B5F8411-1399-4D8D-B27F-31C85245C7D4}" dt="2023-03-30T07:03:43.505" v="16833" actId="20577"/>
       <pc:docMkLst>
         <pc:docMk/>
       </pc:docMkLst>
       <pc:sldChg chg="addSp delSp modSp mod modAnim">
-        <pc:chgData name="Chonthicha Phuangfueang" userId="055aefd292e5fda0" providerId="LiveId" clId="{5B5F8411-1399-4D8D-B27F-31C85245C7D4}" dt="2023-03-28T17:05:20.224" v="5048" actId="962"/>
+        <pc:chgData name="Chonthicha Phuangfueang" userId="055aefd292e5fda0" providerId="LiveId" clId="{5B5F8411-1399-4D8D-B27F-31C85245C7D4}" dt="2023-03-30T07:03:43.505" v="16833" actId="20577"/>
         <pc:sldMkLst>
           <pc:docMk/>
           <pc:sldMk cId="3617516183" sldId="256"/>
@@ -286,7 +288,7 @@
           </ac:spMkLst>
         </pc:spChg>
         <pc:spChg chg="add mod">
-          <ac:chgData name="Chonthicha Phuangfueang" userId="055aefd292e5fda0" providerId="LiveId" clId="{5B5F8411-1399-4D8D-B27F-31C85245C7D4}" dt="2023-03-28T05:01:04.582" v="1083" actId="20577"/>
+          <ac:chgData name="Chonthicha Phuangfueang" userId="055aefd292e5fda0" providerId="LiveId" clId="{5B5F8411-1399-4D8D-B27F-31C85245C7D4}" dt="2023-03-30T07:03:17.301" v="16831" actId="121"/>
           <ac:spMkLst>
             <pc:docMk/>
             <pc:sldMk cId="3617516183" sldId="256"/>
@@ -302,7 +304,7 @@
           </ac:spMkLst>
         </pc:spChg>
         <pc:spChg chg="add mod">
-          <ac:chgData name="Chonthicha Phuangfueang" userId="055aefd292e5fda0" providerId="LiveId" clId="{5B5F8411-1399-4D8D-B27F-31C85245C7D4}" dt="2023-03-27T08:33:16.897" v="1031" actId="208"/>
+          <ac:chgData name="Chonthicha Phuangfueang" userId="055aefd292e5fda0" providerId="LiveId" clId="{5B5F8411-1399-4D8D-B27F-31C85245C7D4}" dt="2023-03-30T07:03:43.505" v="16833" actId="20577"/>
           <ac:spMkLst>
             <pc:docMk/>
             <pc:sldMk cId="3617516183" sldId="256"/>
@@ -310,7 +312,7 @@
           </ac:spMkLst>
         </pc:spChg>
         <pc:picChg chg="mod ord replST">
-          <ac:chgData name="Chonthicha Phuangfueang" userId="055aefd292e5fda0" providerId="LiveId" clId="{5B5F8411-1399-4D8D-B27F-31C85245C7D4}" dt="2023-03-28T17:05:20.224" v="5048" actId="962"/>
+          <ac:chgData name="Chonthicha Phuangfueang" userId="055aefd292e5fda0" providerId="LiveId" clId="{5B5F8411-1399-4D8D-B27F-31C85245C7D4}" dt="2023-03-30T07:02:45.073" v="16824" actId="1036"/>
           <ac:picMkLst>
             <pc:docMk/>
             <pc:sldMk cId="3617516183" sldId="256"/>
@@ -390,7 +392,7 @@
           </ac:picMkLst>
         </pc:picChg>
         <pc:picChg chg="add mod">
-          <ac:chgData name="Chonthicha Phuangfueang" userId="055aefd292e5fda0" providerId="LiveId" clId="{5B5F8411-1399-4D8D-B27F-31C85245C7D4}" dt="2023-03-27T08:36:03.738" v="1044" actId="14100"/>
+          <ac:chgData name="Chonthicha Phuangfueang" userId="055aefd292e5fda0" providerId="LiveId" clId="{5B5F8411-1399-4D8D-B27F-31C85245C7D4}" dt="2023-03-30T07:02:43.213" v="16823" actId="1036"/>
           <ac:picMkLst>
             <pc:docMk/>
             <pc:sldMk cId="3617516183" sldId="256"/>
@@ -422,7 +424,7 @@
           </ac:picMkLst>
         </pc:picChg>
         <pc:picChg chg="mod ord replST">
-          <ac:chgData name="Chonthicha Phuangfueang" userId="055aefd292e5fda0" providerId="LiveId" clId="{5B5F8411-1399-4D8D-B27F-31C85245C7D4}" dt="2023-03-27T08:35:30.592" v="1036" actId="14100"/>
+          <ac:chgData name="Chonthicha Phuangfueang" userId="055aefd292e5fda0" providerId="LiveId" clId="{5B5F8411-1399-4D8D-B27F-31C85245C7D4}" dt="2023-03-30T07:02:37.662" v="16822" actId="1035"/>
           <ac:picMkLst>
             <pc:docMk/>
             <pc:sldMk cId="3617516183" sldId="256"/>
@@ -2929,7 +2931,7 @@
         </pc:picChg>
       </pc:sldChg>
       <pc:sldChg chg="addSp delSp modSp new mod">
-        <pc:chgData name="Chonthicha Phuangfueang" userId="055aefd292e5fda0" providerId="LiveId" clId="{5B5F8411-1399-4D8D-B27F-31C85245C7D4}" dt="2023-03-29T14:39:47.305" v="14606" actId="13926"/>
+        <pc:chgData name="Chonthicha Phuangfueang" userId="055aefd292e5fda0" providerId="LiveId" clId="{5B5F8411-1399-4D8D-B27F-31C85245C7D4}" dt="2023-03-30T06:18:08.602" v="15866" actId="13926"/>
         <pc:sldMkLst>
           <pc:docMk/>
           <pc:sldMk cId="3999688864" sldId="271"/>
@@ -2951,7 +2953,7 @@
           </ac:spMkLst>
         </pc:spChg>
         <pc:spChg chg="add mod">
-          <ac:chgData name="Chonthicha Phuangfueang" userId="055aefd292e5fda0" providerId="LiveId" clId="{5B5F8411-1399-4D8D-B27F-31C85245C7D4}" dt="2023-03-29T14:39:47.305" v="14606" actId="13926"/>
+          <ac:chgData name="Chonthicha Phuangfueang" userId="055aefd292e5fda0" providerId="LiveId" clId="{5B5F8411-1399-4D8D-B27F-31C85245C7D4}" dt="2023-03-30T06:18:08.602" v="15866" actId="13926"/>
           <ac:spMkLst>
             <pc:docMk/>
             <pc:sldMk cId="3999688864" sldId="271"/>
@@ -3534,12 +3536,20 @@
           </ac:picMkLst>
         </pc:picChg>
       </pc:sldChg>
-      <pc:sldChg chg="delSp new mod">
-        <pc:chgData name="Chonthicha Phuangfueang" userId="055aefd292e5fda0" providerId="LiveId" clId="{5B5F8411-1399-4D8D-B27F-31C85245C7D4}" dt="2023-03-29T12:45:40.313" v="13740" actId="478"/>
+      <pc:sldChg chg="addSp delSp modSp new mod">
+        <pc:chgData name="Chonthicha Phuangfueang" userId="055aefd292e5fda0" providerId="LiveId" clId="{5B5F8411-1399-4D8D-B27F-31C85245C7D4}" dt="2023-03-30T06:08:35.797" v="15787" actId="115"/>
         <pc:sldMkLst>
           <pc:docMk/>
           <pc:sldMk cId="641597096" sldId="273"/>
         </pc:sldMkLst>
+        <pc:spChg chg="add mod">
+          <ac:chgData name="Chonthicha Phuangfueang" userId="055aefd292e5fda0" providerId="LiveId" clId="{5B5F8411-1399-4D8D-B27F-31C85245C7D4}" dt="2023-03-30T05:53:50.088" v="15364" actId="1076"/>
+          <ac:spMkLst>
+            <pc:docMk/>
+            <pc:sldMk cId="641597096" sldId="273"/>
+            <ac:spMk id="2" creationId="{6C60122F-55C3-699E-29E2-C0B88F6E3B61}"/>
+          </ac:spMkLst>
+        </pc:spChg>
         <pc:spChg chg="del">
           <ac:chgData name="Chonthicha Phuangfueang" userId="055aefd292e5fda0" providerId="LiveId" clId="{5B5F8411-1399-4D8D-B27F-31C85245C7D4}" dt="2023-03-29T12:45:37.797" v="13739" actId="478"/>
           <ac:spMkLst>
@@ -3556,6 +3566,214 @@
             <ac:spMk id="3" creationId="{1CACBA04-8C1F-2EE5-64DE-57EFA8D03693}"/>
           </ac:spMkLst>
         </pc:spChg>
+        <pc:spChg chg="add mod">
+          <ac:chgData name="Chonthicha Phuangfueang" userId="055aefd292e5fda0" providerId="LiveId" clId="{5B5F8411-1399-4D8D-B27F-31C85245C7D4}" dt="2023-03-30T06:08:35.797" v="15787" actId="115"/>
+          <ac:spMkLst>
+            <pc:docMk/>
+            <pc:sldMk cId="641597096" sldId="273"/>
+            <ac:spMk id="3" creationId="{879C6D30-347B-C974-608E-45D443C98CFA}"/>
+          </ac:spMkLst>
+        </pc:spChg>
+        <pc:picChg chg="add del mod">
+          <ac:chgData name="Chonthicha Phuangfueang" userId="055aefd292e5fda0" providerId="LiveId" clId="{5B5F8411-1399-4D8D-B27F-31C85245C7D4}" dt="2023-03-30T05:51:53.180" v="15176" actId="478"/>
+          <ac:picMkLst>
+            <pc:docMk/>
+            <pc:sldMk cId="641597096" sldId="273"/>
+            <ac:picMk id="4" creationId="{E5CC08F2-9D83-FBB5-6029-EED7E5D44EE3}"/>
+          </ac:picMkLst>
+        </pc:picChg>
+        <pc:picChg chg="mod ord replST">
+          <ac:chgData name="Chonthicha Phuangfueang" userId="055aefd292e5fda0" providerId="LiveId" clId="{5B5F8411-1399-4D8D-B27F-31C85245C7D4}" dt="2023-03-30T06:01:58.835" v="15611" actId="1036"/>
+          <ac:picMkLst>
+            <pc:docMk/>
+            <pc:sldMk cId="641597096" sldId="273"/>
+            <ac:picMk id="6" creationId="{7472FD2D-703F-D38A-8455-89BA0C8B99B4}"/>
+          </ac:picMkLst>
+        </pc:picChg>
+        <pc:picChg chg="add del mod">
+          <ac:chgData name="Chonthicha Phuangfueang" userId="055aefd292e5fda0" providerId="LiveId" clId="{5B5F8411-1399-4D8D-B27F-31C85245C7D4}" dt="2023-03-30T05:52:14.419" v="15208" actId="478"/>
+          <ac:picMkLst>
+            <pc:docMk/>
+            <pc:sldMk cId="641597096" sldId="273"/>
+            <ac:picMk id="7" creationId="{37B02299-8051-00B5-BF62-616A7692C28C}"/>
+          </ac:picMkLst>
+        </pc:picChg>
+        <pc:picChg chg="add del mod">
+          <ac:chgData name="Chonthicha Phuangfueang" userId="055aefd292e5fda0" providerId="LiveId" clId="{5B5F8411-1399-4D8D-B27F-31C85245C7D4}" dt="2023-03-30T05:52:01.561" v="15181" actId="478"/>
+          <ac:picMkLst>
+            <pc:docMk/>
+            <pc:sldMk cId="641597096" sldId="273"/>
+            <ac:picMk id="8" creationId="{9C2D51E3-1CD8-2688-AA88-C24148699297}"/>
+          </ac:picMkLst>
+        </pc:picChg>
+        <pc:picChg chg="mod ord replST">
+          <ac:chgData name="Chonthicha Phuangfueang" userId="055aefd292e5fda0" providerId="LiveId" clId="{5B5F8411-1399-4D8D-B27F-31C85245C7D4}" dt="2023-03-30T05:55:36.603" v="15384" actId="14100"/>
+          <ac:picMkLst>
+            <pc:docMk/>
+            <pc:sldMk cId="641597096" sldId="273"/>
+            <ac:picMk id="10" creationId="{E0AB9BFC-8030-CD32-051A-7377C6724E9E}"/>
+          </ac:picMkLst>
+        </pc:picChg>
+        <pc:picChg chg="add del mod">
+          <ac:chgData name="Chonthicha Phuangfueang" userId="055aefd292e5fda0" providerId="LiveId" clId="{5B5F8411-1399-4D8D-B27F-31C85245C7D4}" dt="2023-03-30T05:53:17.780" v="15352" actId="478"/>
+          <ac:picMkLst>
+            <pc:docMk/>
+            <pc:sldMk cId="641597096" sldId="273"/>
+            <ac:picMk id="11" creationId="{B3C1CA4C-2674-A63C-0214-688A36F1D97D}"/>
+          </ac:picMkLst>
+        </pc:picChg>
+        <pc:picChg chg="mod ord replST">
+          <ac:chgData name="Chonthicha Phuangfueang" userId="055aefd292e5fda0" providerId="LiveId" clId="{5B5F8411-1399-4D8D-B27F-31C85245C7D4}" dt="2023-03-30T05:55:53.979" v="15407" actId="1037"/>
+          <ac:picMkLst>
+            <pc:docMk/>
+            <pc:sldMk cId="641597096" sldId="273"/>
+            <ac:picMk id="13" creationId="{B95CB545-F07B-5BBD-2D33-57BA0B1B9780}"/>
+          </ac:picMkLst>
+        </pc:picChg>
+        <pc:picChg chg="add mod">
+          <ac:chgData name="Chonthicha Phuangfueang" userId="055aefd292e5fda0" providerId="LiveId" clId="{5B5F8411-1399-4D8D-B27F-31C85245C7D4}" dt="2023-03-30T05:56:59.577" v="15430" actId="1036"/>
+          <ac:picMkLst>
+            <pc:docMk/>
+            <pc:sldMk cId="641597096" sldId="273"/>
+            <ac:picMk id="14" creationId="{BFE95318-427D-B405-6F26-4CC81DEF906F}"/>
+          </ac:picMkLst>
+        </pc:picChg>
+        <pc:picChg chg="add mod">
+          <ac:chgData name="Chonthicha Phuangfueang" userId="055aefd292e5fda0" providerId="LiveId" clId="{5B5F8411-1399-4D8D-B27F-31C85245C7D4}" dt="2023-03-30T05:57:09.417" v="15441" actId="1037"/>
+          <ac:picMkLst>
+            <pc:docMk/>
+            <pc:sldMk cId="641597096" sldId="273"/>
+            <ac:picMk id="15" creationId="{F8C79265-5C46-A6BD-7F52-E1EFDE7EC4E2}"/>
+          </ac:picMkLst>
+        </pc:picChg>
+        <pc:picChg chg="add mod">
+          <ac:chgData name="Chonthicha Phuangfueang" userId="055aefd292e5fda0" providerId="LiveId" clId="{5B5F8411-1399-4D8D-B27F-31C85245C7D4}" dt="2023-03-30T05:57:29.364" v="15444" actId="1076"/>
+          <ac:picMkLst>
+            <pc:docMk/>
+            <pc:sldMk cId="641597096" sldId="273"/>
+            <ac:picMk id="16" creationId="{5D26D3E0-E93C-6EFE-2FAE-50B7B6995286}"/>
+          </ac:picMkLst>
+        </pc:picChg>
+        <pc:picChg chg="add mod">
+          <ac:chgData name="Chonthicha Phuangfueang" userId="055aefd292e5fda0" providerId="LiveId" clId="{5B5F8411-1399-4D8D-B27F-31C85245C7D4}" dt="2023-03-30T05:59:44.914" v="15541" actId="1038"/>
+          <ac:picMkLst>
+            <pc:docMk/>
+            <pc:sldMk cId="641597096" sldId="273"/>
+            <ac:picMk id="17" creationId="{3BCFF422-29DF-8880-D751-E20E40891BE5}"/>
+          </ac:picMkLst>
+        </pc:picChg>
+        <pc:picChg chg="add del mod">
+          <ac:chgData name="Chonthicha Phuangfueang" userId="055aefd292e5fda0" providerId="LiveId" clId="{5B5F8411-1399-4D8D-B27F-31C85245C7D4}" dt="2023-03-30T05:58:18.258" v="15477" actId="478"/>
+          <ac:picMkLst>
+            <pc:docMk/>
+            <pc:sldMk cId="641597096" sldId="273"/>
+            <ac:picMk id="18" creationId="{33AC4B8C-6040-7891-A2DC-86A96506D6F4}"/>
+          </ac:picMkLst>
+        </pc:picChg>
+        <pc:picChg chg="add mod">
+          <ac:chgData name="Chonthicha Phuangfueang" userId="055aefd292e5fda0" providerId="LiveId" clId="{5B5F8411-1399-4D8D-B27F-31C85245C7D4}" dt="2023-03-30T05:59:51.259" v="15544" actId="1037"/>
+          <ac:picMkLst>
+            <pc:docMk/>
+            <pc:sldMk cId="641597096" sldId="273"/>
+            <ac:picMk id="19" creationId="{95F89C72-0DAA-6B3F-0A35-10B00C8216D8}"/>
+          </ac:picMkLst>
+        </pc:picChg>
+        <pc:picChg chg="add mod">
+          <ac:chgData name="Chonthicha Phuangfueang" userId="055aefd292e5fda0" providerId="LiveId" clId="{5B5F8411-1399-4D8D-B27F-31C85245C7D4}" dt="2023-03-30T05:59:31.724" v="15534" actId="1035"/>
+          <ac:picMkLst>
+            <pc:docMk/>
+            <pc:sldMk cId="641597096" sldId="273"/>
+            <ac:picMk id="20" creationId="{3A2D4CDD-3098-16A2-DA49-4E2B1AD808E6}"/>
+          </ac:picMkLst>
+        </pc:picChg>
+        <pc:picChg chg="add del mod">
+          <ac:chgData name="Chonthicha Phuangfueang" userId="055aefd292e5fda0" providerId="LiveId" clId="{5B5F8411-1399-4D8D-B27F-31C85245C7D4}" dt="2023-03-30T06:01:17.187" v="15599" actId="478"/>
+          <ac:picMkLst>
+            <pc:docMk/>
+            <pc:sldMk cId="641597096" sldId="273"/>
+            <ac:picMk id="21" creationId="{A54D0360-BBA8-001C-0DD8-FC6F716FBF5E}"/>
+          </ac:picMkLst>
+        </pc:picChg>
+        <pc:picChg chg="mod ord replST">
+          <ac:chgData name="Chonthicha Phuangfueang" userId="055aefd292e5fda0" providerId="LiveId" clId="{5B5F8411-1399-4D8D-B27F-31C85245C7D4}" dt="2023-03-30T06:01:41.099" v="15603" actId="1076"/>
+          <ac:picMkLst>
+            <pc:docMk/>
+            <pc:sldMk cId="641597096" sldId="273"/>
+            <ac:picMk id="23" creationId="{0861DAF1-DD23-4174-5FBD-ED7EC697B751}"/>
+          </ac:picMkLst>
+        </pc:picChg>
+        <pc:picChg chg="add mod">
+          <ac:chgData name="Chonthicha Phuangfueang" userId="055aefd292e5fda0" providerId="LiveId" clId="{5B5F8411-1399-4D8D-B27F-31C85245C7D4}" dt="2023-03-30T06:02:52.203" v="15621" actId="1036"/>
+          <ac:picMkLst>
+            <pc:docMk/>
+            <pc:sldMk cId="641597096" sldId="273"/>
+            <ac:picMk id="24" creationId="{8F4D4E44-F0D6-8C05-A239-AD10BEE0AE03}"/>
+          </ac:picMkLst>
+        </pc:picChg>
+        <pc:picChg chg="add mod">
+          <ac:chgData name="Chonthicha Phuangfueang" userId="055aefd292e5fda0" providerId="LiveId" clId="{5B5F8411-1399-4D8D-B27F-31C85245C7D4}" dt="2023-03-30T06:03:13.178" v="15634" actId="1076"/>
+          <ac:picMkLst>
+            <pc:docMk/>
+            <pc:sldMk cId="641597096" sldId="273"/>
+            <ac:picMk id="25" creationId="{9E23523B-B488-F6E9-F380-4537C01D917C}"/>
+          </ac:picMkLst>
+        </pc:picChg>
+        <pc:picChg chg="add mod">
+          <ac:chgData name="Chonthicha Phuangfueang" userId="055aefd292e5fda0" providerId="LiveId" clId="{5B5F8411-1399-4D8D-B27F-31C85245C7D4}" dt="2023-03-30T06:03:13.178" v="15634" actId="1076"/>
+          <ac:picMkLst>
+            <pc:docMk/>
+            <pc:sldMk cId="641597096" sldId="273"/>
+            <ac:picMk id="26" creationId="{FA8CDCD1-4F43-DE6D-DEA4-F4CD739C4EFD}"/>
+          </ac:picMkLst>
+        </pc:picChg>
+        <pc:picChg chg="add mod">
+          <ac:chgData name="Chonthicha Phuangfueang" userId="055aefd292e5fda0" providerId="LiveId" clId="{5B5F8411-1399-4D8D-B27F-31C85245C7D4}" dt="2023-03-30T06:05:54.686" v="15763" actId="1038"/>
+          <ac:picMkLst>
+            <pc:docMk/>
+            <pc:sldMk cId="641597096" sldId="273"/>
+            <ac:picMk id="27" creationId="{CC34D395-F4BB-0ECB-8D2B-18F508424A6A}"/>
+          </ac:picMkLst>
+        </pc:picChg>
+        <pc:picChg chg="add mod">
+          <ac:chgData name="Chonthicha Phuangfueang" userId="055aefd292e5fda0" providerId="LiveId" clId="{5B5F8411-1399-4D8D-B27F-31C85245C7D4}" dt="2023-03-30T06:03:48.662" v="15646" actId="1076"/>
+          <ac:picMkLst>
+            <pc:docMk/>
+            <pc:sldMk cId="641597096" sldId="273"/>
+            <ac:picMk id="28" creationId="{9A06F569-2103-524E-5E81-BB06EC5B1E93}"/>
+          </ac:picMkLst>
+        </pc:picChg>
+        <pc:picChg chg="add mod">
+          <ac:chgData name="Chonthicha Phuangfueang" userId="055aefd292e5fda0" providerId="LiveId" clId="{5B5F8411-1399-4D8D-B27F-31C85245C7D4}" dt="2023-03-30T06:04:18.932" v="15665" actId="1038"/>
+          <ac:picMkLst>
+            <pc:docMk/>
+            <pc:sldMk cId="641597096" sldId="273"/>
+            <ac:picMk id="29" creationId="{13F27801-F900-4A27-4705-C9AC8E19F1B2}"/>
+          </ac:picMkLst>
+        </pc:picChg>
+        <pc:picChg chg="add del mod">
+          <ac:chgData name="Chonthicha Phuangfueang" userId="055aefd292e5fda0" providerId="LiveId" clId="{5B5F8411-1399-4D8D-B27F-31C85245C7D4}" dt="2023-03-30T06:05:28.919" v="15736" actId="478"/>
+          <ac:picMkLst>
+            <pc:docMk/>
+            <pc:sldMk cId="641597096" sldId="273"/>
+            <ac:picMk id="30" creationId="{5FEC1B1F-FF89-4C92-1BEB-69B6A2BF4173}"/>
+          </ac:picMkLst>
+        </pc:picChg>
+        <pc:picChg chg="mod ord replST">
+          <ac:chgData name="Chonthicha Phuangfueang" userId="055aefd292e5fda0" providerId="LiveId" clId="{5B5F8411-1399-4D8D-B27F-31C85245C7D4}" dt="2023-03-30T06:07:42.592" v="15768" actId="1076"/>
+          <ac:picMkLst>
+            <pc:docMk/>
+            <pc:sldMk cId="641597096" sldId="273"/>
+            <ac:picMk id="32" creationId="{BE6A2D3B-19D7-C8EF-A1B4-8BAE3D13BE3C}"/>
+          </ac:picMkLst>
+        </pc:picChg>
+        <pc:picChg chg="add mod">
+          <ac:chgData name="Chonthicha Phuangfueang" userId="055aefd292e5fda0" providerId="LiveId" clId="{5B5F8411-1399-4D8D-B27F-31C85245C7D4}" dt="2023-03-30T06:07:55.157" v="15776" actId="1037"/>
+          <ac:picMkLst>
+            <pc:docMk/>
+            <pc:sldMk cId="641597096" sldId="273"/>
+            <ac:picMk id="33" creationId="{C59C65A4-9C6A-880D-2215-0338EB70511E}"/>
+          </ac:picMkLst>
+        </pc:picChg>
       </pc:sldChg>
       <pc:sldChg chg="delSp modSp new mod">
         <pc:chgData name="Chonthicha Phuangfueang" userId="055aefd292e5fda0" providerId="LiveId" clId="{5B5F8411-1399-4D8D-B27F-31C85245C7D4}" dt="2023-03-29T14:11:13.620" v="14528" actId="478"/>
@@ -3608,6 +3826,412 @@
             <pc:docMk/>
             <pc:sldMk cId="1785670674" sldId="274"/>
             <ac:picMk id="5" creationId="{13AC792C-4FF6-B0AE-C504-803D8C30FC83}"/>
+          </ac:picMkLst>
+        </pc:picChg>
+      </pc:sldChg>
+      <pc:sldChg chg="addSp delSp modSp new mod ord">
+        <pc:chgData name="Chonthicha Phuangfueang" userId="055aefd292e5fda0" providerId="LiveId" clId="{5B5F8411-1399-4D8D-B27F-31C85245C7D4}" dt="2023-03-30T06:57:36.236" v="16706" actId="207"/>
+        <pc:sldMkLst>
+          <pc:docMk/>
+          <pc:sldMk cId="2997357998" sldId="275"/>
+        </pc:sldMkLst>
+        <pc:spChg chg="del mod">
+          <ac:chgData name="Chonthicha Phuangfueang" userId="055aefd292e5fda0" providerId="LiveId" clId="{5B5F8411-1399-4D8D-B27F-31C85245C7D4}" dt="2023-03-30T06:10:11.410" v="15790" actId="478"/>
+          <ac:spMkLst>
+            <pc:docMk/>
+            <pc:sldMk cId="2997357998" sldId="275"/>
+            <ac:spMk id="2" creationId="{D09EC70C-662C-74CB-7842-FD362C685799}"/>
+          </ac:spMkLst>
+        </pc:spChg>
+        <pc:spChg chg="del mod">
+          <ac:chgData name="Chonthicha Phuangfueang" userId="055aefd292e5fda0" providerId="LiveId" clId="{5B5F8411-1399-4D8D-B27F-31C85245C7D4}" dt="2023-03-30T06:10:19.492" v="15794" actId="478"/>
+          <ac:spMkLst>
+            <pc:docMk/>
+            <pc:sldMk cId="2997357998" sldId="275"/>
+            <ac:spMk id="3" creationId="{4DC10FCA-394C-31B7-EDB3-19B1A20EBD51}"/>
+          </ac:spMkLst>
+        </pc:spChg>
+        <pc:spChg chg="add del">
+          <ac:chgData name="Chonthicha Phuangfueang" userId="055aefd292e5fda0" providerId="LiveId" clId="{5B5F8411-1399-4D8D-B27F-31C85245C7D4}" dt="2023-03-30T06:10:26.616" v="15796" actId="22"/>
+          <ac:spMkLst>
+            <pc:docMk/>
+            <pc:sldMk cId="2997357998" sldId="275"/>
+            <ac:spMk id="5" creationId="{24BD789D-116A-D20B-17DB-A9FD21CD5EF4}"/>
+          </ac:spMkLst>
+        </pc:spChg>
+        <pc:spChg chg="add mod">
+          <ac:chgData name="Chonthicha Phuangfueang" userId="055aefd292e5fda0" providerId="LiveId" clId="{5B5F8411-1399-4D8D-B27F-31C85245C7D4}" dt="2023-03-30T06:37:55.037" v="16248" actId="20577"/>
+          <ac:spMkLst>
+            <pc:docMk/>
+            <pc:sldMk cId="2997357998" sldId="275"/>
+            <ac:spMk id="9" creationId="{D1662827-1860-6465-0885-74F56898C98F}"/>
+          </ac:spMkLst>
+        </pc:spChg>
+        <pc:spChg chg="add mod">
+          <ac:chgData name="Chonthicha Phuangfueang" userId="055aefd292e5fda0" providerId="LiveId" clId="{5B5F8411-1399-4D8D-B27F-31C85245C7D4}" dt="2023-03-30T06:57:36.236" v="16706" actId="207"/>
+          <ac:spMkLst>
+            <pc:docMk/>
+            <pc:sldMk cId="2997357998" sldId="275"/>
+            <ac:spMk id="41" creationId="{87CE0D48-3118-3915-7D71-97DCC5F1C4AF}"/>
+          </ac:spMkLst>
+        </pc:spChg>
+        <pc:picChg chg="add del">
+          <ac:chgData name="Chonthicha Phuangfueang" userId="055aefd292e5fda0" providerId="LiveId" clId="{5B5F8411-1399-4D8D-B27F-31C85245C7D4}" dt="2023-03-30T06:10:45.057" v="15798" actId="478"/>
+          <ac:picMkLst>
+            <pc:docMk/>
+            <pc:sldMk cId="2997357998" sldId="275"/>
+            <ac:picMk id="7" creationId="{776B3A5E-C696-F0B8-A055-0D711A085693}"/>
+          </ac:picMkLst>
+        </pc:picChg>
+        <pc:picChg chg="add mod">
+          <ac:chgData name="Chonthicha Phuangfueang" userId="055aefd292e5fda0" providerId="LiveId" clId="{5B5F8411-1399-4D8D-B27F-31C85245C7D4}" dt="2023-03-30T06:12:53.805" v="15829" actId="1038"/>
+          <ac:picMkLst>
+            <pc:docMk/>
+            <pc:sldMk cId="2997357998" sldId="275"/>
+            <ac:picMk id="10" creationId="{F2EAA515-CBE7-1AF3-DB3D-282139931F7B}"/>
+          </ac:picMkLst>
+        </pc:picChg>
+        <pc:picChg chg="add mod">
+          <ac:chgData name="Chonthicha Phuangfueang" userId="055aefd292e5fda0" providerId="LiveId" clId="{5B5F8411-1399-4D8D-B27F-31C85245C7D4}" dt="2023-03-30T06:13:14.980" v="15856" actId="1035"/>
+          <ac:picMkLst>
+            <pc:docMk/>
+            <pc:sldMk cId="2997357998" sldId="275"/>
+            <ac:picMk id="11" creationId="{3406FF69-E5B3-CB8C-5D53-2C9AED96CCD6}"/>
+          </ac:picMkLst>
+        </pc:picChg>
+        <pc:picChg chg="add mod">
+          <ac:chgData name="Chonthicha Phuangfueang" userId="055aefd292e5fda0" providerId="LiveId" clId="{5B5F8411-1399-4D8D-B27F-31C85245C7D4}" dt="2023-03-30T06:13:05.685" v="15841" actId="1036"/>
+          <ac:picMkLst>
+            <pc:docMk/>
+            <pc:sldMk cId="2997357998" sldId="275"/>
+            <ac:picMk id="12" creationId="{19B1606C-C2D3-A87A-4C87-28F561D3406D}"/>
+          </ac:picMkLst>
+        </pc:picChg>
+        <pc:picChg chg="add mod">
+          <ac:chgData name="Chonthicha Phuangfueang" userId="055aefd292e5fda0" providerId="LiveId" clId="{5B5F8411-1399-4D8D-B27F-31C85245C7D4}" dt="2023-03-30T06:28:35.186" v="15940" actId="1076"/>
+          <ac:picMkLst>
+            <pc:docMk/>
+            <pc:sldMk cId="2997357998" sldId="275"/>
+            <ac:picMk id="13" creationId="{C9374E29-1746-20AD-70B8-F9F3DFC1B909}"/>
+          </ac:picMkLst>
+        </pc:picChg>
+        <pc:picChg chg="add mod">
+          <ac:chgData name="Chonthicha Phuangfueang" userId="055aefd292e5fda0" providerId="LiveId" clId="{5B5F8411-1399-4D8D-B27F-31C85245C7D4}" dt="2023-03-30T06:12:53.805" v="15829" actId="1038"/>
+          <ac:picMkLst>
+            <pc:docMk/>
+            <pc:sldMk cId="2997357998" sldId="275"/>
+            <ac:picMk id="14" creationId="{DA07BC4D-B358-579E-30CB-5229CA435B22}"/>
+          </ac:picMkLst>
+        </pc:picChg>
+        <pc:picChg chg="add mod">
+          <ac:chgData name="Chonthicha Phuangfueang" userId="055aefd292e5fda0" providerId="LiveId" clId="{5B5F8411-1399-4D8D-B27F-31C85245C7D4}" dt="2023-03-30T06:13:25.768" v="15860" actId="1037"/>
+          <ac:picMkLst>
+            <pc:docMk/>
+            <pc:sldMk cId="2997357998" sldId="275"/>
+            <ac:picMk id="15" creationId="{8A0FF5C7-B335-F7E7-DC31-F86758813717}"/>
+          </ac:picMkLst>
+        </pc:picChg>
+        <pc:picChg chg="add mod">
+          <ac:chgData name="Chonthicha Phuangfueang" userId="055aefd292e5fda0" providerId="LiveId" clId="{5B5F8411-1399-4D8D-B27F-31C85245C7D4}" dt="2023-03-30T06:13:02.034" v="15837" actId="1036"/>
+          <ac:picMkLst>
+            <pc:docMk/>
+            <pc:sldMk cId="2997357998" sldId="275"/>
+            <ac:picMk id="16" creationId="{9C2B5509-97F9-2CDC-DAC5-FDC862B4E877}"/>
+          </ac:picMkLst>
+        </pc:picChg>
+        <pc:picChg chg="add mod">
+          <ac:chgData name="Chonthicha Phuangfueang" userId="055aefd292e5fda0" providerId="LiveId" clId="{5B5F8411-1399-4D8D-B27F-31C85245C7D4}" dt="2023-03-30T06:28:29.774" v="15938" actId="1035"/>
+          <ac:picMkLst>
+            <pc:docMk/>
+            <pc:sldMk cId="2997357998" sldId="275"/>
+            <ac:picMk id="17" creationId="{B5E52F30-0E55-CB39-FE3E-D18108193E96}"/>
+          </ac:picMkLst>
+        </pc:picChg>
+        <pc:picChg chg="add mod">
+          <ac:chgData name="Chonthicha Phuangfueang" userId="055aefd292e5fda0" providerId="LiveId" clId="{5B5F8411-1399-4D8D-B27F-31C85245C7D4}" dt="2023-03-30T06:13:39.860" v="15865" actId="1076"/>
+          <ac:picMkLst>
+            <pc:docMk/>
+            <pc:sldMk cId="2997357998" sldId="275"/>
+            <ac:picMk id="18" creationId="{328D1C51-AC24-B9A1-561D-EF15467C75E3}"/>
+          </ac:picMkLst>
+        </pc:picChg>
+        <pc:picChg chg="add mod">
+          <ac:chgData name="Chonthicha Phuangfueang" userId="055aefd292e5fda0" providerId="LiveId" clId="{5B5F8411-1399-4D8D-B27F-31C85245C7D4}" dt="2023-03-30T06:37:39.713" v="16246" actId="1076"/>
+          <ac:picMkLst>
+            <pc:docMk/>
+            <pc:sldMk cId="2997357998" sldId="275"/>
+            <ac:picMk id="19" creationId="{63ACA9C0-5839-F2B9-5FAF-B281FD712824}"/>
+          </ac:picMkLst>
+        </pc:picChg>
+        <pc:picChg chg="add del mod">
+          <ac:chgData name="Chonthicha Phuangfueang" userId="055aefd292e5fda0" providerId="LiveId" clId="{5B5F8411-1399-4D8D-B27F-31C85245C7D4}" dt="2023-03-30T06:21:32.403" v="15917" actId="478"/>
+          <ac:picMkLst>
+            <pc:docMk/>
+            <pc:sldMk cId="2997357998" sldId="275"/>
+            <ac:picMk id="20" creationId="{49C6FA15-3813-3300-CB74-CEE62B57ECA9}"/>
+          </ac:picMkLst>
+        </pc:picChg>
+        <pc:picChg chg="mod ord replST">
+          <ac:chgData name="Chonthicha Phuangfueang" userId="055aefd292e5fda0" providerId="LiveId" clId="{5B5F8411-1399-4D8D-B27F-31C85245C7D4}" dt="2023-03-30T06:21:32.405" v="15919" actId="962"/>
+          <ac:picMkLst>
+            <pc:docMk/>
+            <pc:sldMk cId="2997357998" sldId="275"/>
+            <ac:picMk id="22" creationId="{C47D15D4-B1BB-14FF-69B8-85F9B7D10D02}"/>
+          </ac:picMkLst>
+        </pc:picChg>
+        <pc:picChg chg="add del mod">
+          <ac:chgData name="Chonthicha Phuangfueang" userId="055aefd292e5fda0" providerId="LiveId" clId="{5B5F8411-1399-4D8D-B27F-31C85245C7D4}" dt="2023-03-30T06:31:25.679" v="15968" actId="478"/>
+          <ac:picMkLst>
+            <pc:docMk/>
+            <pc:sldMk cId="2997357998" sldId="275"/>
+            <ac:picMk id="23" creationId="{28108427-78AA-14B3-0C04-E304685F2FA4}"/>
+          </ac:picMkLst>
+        </pc:picChg>
+        <pc:picChg chg="mod ord replST">
+          <ac:chgData name="Chonthicha Phuangfueang" userId="055aefd292e5fda0" providerId="LiveId" clId="{5B5F8411-1399-4D8D-B27F-31C85245C7D4}" dt="2023-03-30T06:31:39.877" v="15971" actId="1076"/>
+          <ac:picMkLst>
+            <pc:docMk/>
+            <pc:sldMk cId="2997357998" sldId="275"/>
+            <ac:picMk id="25" creationId="{EDC3C320-8F9F-C249-AB5B-31B4F21A5FBA}"/>
+          </ac:picMkLst>
+        </pc:picChg>
+        <pc:picChg chg="add del mod">
+          <ac:chgData name="Chonthicha Phuangfueang" userId="055aefd292e5fda0" providerId="LiveId" clId="{5B5F8411-1399-4D8D-B27F-31C85245C7D4}" dt="2023-03-30T06:33:16.286" v="16045" actId="478"/>
+          <ac:picMkLst>
+            <pc:docMk/>
+            <pc:sldMk cId="2997357998" sldId="275"/>
+            <ac:picMk id="26" creationId="{17070BE4-21F7-52AA-004E-63D9DFBF28D4}"/>
+          </ac:picMkLst>
+        </pc:picChg>
+        <pc:picChg chg="del mod ord replST">
+          <ac:chgData name="Chonthicha Phuangfueang" userId="055aefd292e5fda0" providerId="LiveId" clId="{5B5F8411-1399-4D8D-B27F-31C85245C7D4}" dt="2023-03-30T06:33:32.262" v="16073" actId="478"/>
+          <ac:picMkLst>
+            <pc:docMk/>
+            <pc:sldMk cId="2997357998" sldId="275"/>
+            <ac:picMk id="28" creationId="{DDC2807D-2BA8-32FF-B249-4DDA9AD0A77F}"/>
+          </ac:picMkLst>
+        </pc:picChg>
+        <pc:picChg chg="mod ord replST">
+          <ac:chgData name="Chonthicha Phuangfueang" userId="055aefd292e5fda0" providerId="LiveId" clId="{5B5F8411-1399-4D8D-B27F-31C85245C7D4}" dt="2023-03-30T06:33:32.263" v="16075" actId="962"/>
+          <ac:picMkLst>
+            <pc:docMk/>
+            <pc:sldMk cId="2997357998" sldId="275"/>
+            <ac:picMk id="30" creationId="{58DCD0F5-014A-1994-DB11-36ED35DAF9DF}"/>
+          </ac:picMkLst>
+        </pc:picChg>
+        <pc:picChg chg="add del mod">
+          <ac:chgData name="Chonthicha Phuangfueang" userId="055aefd292e5fda0" providerId="LiveId" clId="{5B5F8411-1399-4D8D-B27F-31C85245C7D4}" dt="2023-03-30T06:35:14.201" v="16103" actId="478"/>
+          <ac:picMkLst>
+            <pc:docMk/>
+            <pc:sldMk cId="2997357998" sldId="275"/>
+            <ac:picMk id="31" creationId="{4899D7CB-DA1D-27CE-1333-6ED23344B0F0}"/>
+          </ac:picMkLst>
+        </pc:picChg>
+        <pc:picChg chg="mod ord replST">
+          <ac:chgData name="Chonthicha Phuangfueang" userId="055aefd292e5fda0" providerId="LiveId" clId="{5B5F8411-1399-4D8D-B27F-31C85245C7D4}" dt="2023-03-30T06:35:14.202" v="16105" actId="962"/>
+          <ac:picMkLst>
+            <pc:docMk/>
+            <pc:sldMk cId="2997357998" sldId="275"/>
+            <ac:picMk id="33" creationId="{53291378-CD78-0EBE-AF5A-FF098F8DE797}"/>
+          </ac:picMkLst>
+        </pc:picChg>
+        <pc:picChg chg="add del mod">
+          <ac:chgData name="Chonthicha Phuangfueang" userId="055aefd292e5fda0" providerId="LiveId" clId="{5B5F8411-1399-4D8D-B27F-31C85245C7D4}" dt="2023-03-30T06:36:24.183" v="16140" actId="478"/>
+          <ac:picMkLst>
+            <pc:docMk/>
+            <pc:sldMk cId="2997357998" sldId="275"/>
+            <ac:picMk id="34" creationId="{C77178ED-D129-E114-1AAC-55EF4BA35EF2}"/>
+          </ac:picMkLst>
+        </pc:picChg>
+        <pc:picChg chg="del mod ord replST">
+          <ac:chgData name="Chonthicha Phuangfueang" userId="055aefd292e5fda0" providerId="LiveId" clId="{5B5F8411-1399-4D8D-B27F-31C85245C7D4}" dt="2023-03-30T06:36:41.445" v="16168" actId="478"/>
+          <ac:picMkLst>
+            <pc:docMk/>
+            <pc:sldMk cId="2997357998" sldId="275"/>
+            <ac:picMk id="36" creationId="{6CAF93D9-489E-7C2B-38EF-7E404190FC12}"/>
+          </ac:picMkLst>
+        </pc:picChg>
+        <pc:picChg chg="del mod ord replST">
+          <ac:chgData name="Chonthicha Phuangfueang" userId="055aefd292e5fda0" providerId="LiveId" clId="{5B5F8411-1399-4D8D-B27F-31C85245C7D4}" dt="2023-03-30T06:37:03.257" v="16197" actId="478"/>
+          <ac:picMkLst>
+            <pc:docMk/>
+            <pc:sldMk cId="2997357998" sldId="275"/>
+            <ac:picMk id="38" creationId="{333B2A8F-3AB9-0AD5-9E2C-3740615B7BF1}"/>
+          </ac:picMkLst>
+        </pc:picChg>
+        <pc:picChg chg="mod ord replST">
+          <ac:chgData name="Chonthicha Phuangfueang" userId="055aefd292e5fda0" providerId="LiveId" clId="{5B5F8411-1399-4D8D-B27F-31C85245C7D4}" dt="2023-03-30T06:37:14.948" v="16233" actId="1038"/>
+          <ac:picMkLst>
+            <pc:docMk/>
+            <pc:sldMk cId="2997357998" sldId="275"/>
+            <ac:picMk id="40" creationId="{C5C20330-AC10-813F-141A-F4D3E2D5E55F}"/>
+          </ac:picMkLst>
+        </pc:picChg>
+      </pc:sldChg>
+      <pc:sldChg chg="addSp delSp modSp new mod">
+        <pc:chgData name="Chonthicha Phuangfueang" userId="055aefd292e5fda0" providerId="LiveId" clId="{5B5F8411-1399-4D8D-B27F-31C85245C7D4}" dt="2023-03-30T06:57:58.378" v="16710"/>
+        <pc:sldMkLst>
+          <pc:docMk/>
+          <pc:sldMk cId="3362851476" sldId="276"/>
+        </pc:sldMkLst>
+        <pc:spChg chg="del">
+          <ac:chgData name="Chonthicha Phuangfueang" userId="055aefd292e5fda0" providerId="LiveId" clId="{5B5F8411-1399-4D8D-B27F-31C85245C7D4}" dt="2023-03-30T06:38:17.658" v="16250" actId="478"/>
+          <ac:spMkLst>
+            <pc:docMk/>
+            <pc:sldMk cId="3362851476" sldId="276"/>
+            <ac:spMk id="2" creationId="{28F36792-3258-5CD8-B7A2-8090CF52DAA5}"/>
+          </ac:spMkLst>
+        </pc:spChg>
+        <pc:spChg chg="del">
+          <ac:chgData name="Chonthicha Phuangfueang" userId="055aefd292e5fda0" providerId="LiveId" clId="{5B5F8411-1399-4D8D-B27F-31C85245C7D4}" dt="2023-03-30T06:38:20.306" v="16251" actId="478"/>
+          <ac:spMkLst>
+            <pc:docMk/>
+            <pc:sldMk cId="3362851476" sldId="276"/>
+            <ac:spMk id="3" creationId="{FFD5E6E7-1958-79E2-9C81-A45B398AFB83}"/>
+          </ac:spMkLst>
+        </pc:spChg>
+        <pc:spChg chg="add mod">
+          <ac:chgData name="Chonthicha Phuangfueang" userId="055aefd292e5fda0" providerId="LiveId" clId="{5B5F8411-1399-4D8D-B27F-31C85245C7D4}" dt="2023-03-30T06:56:00.583" v="16689" actId="207"/>
+          <ac:spMkLst>
+            <pc:docMk/>
+            <pc:sldMk cId="3362851476" sldId="276"/>
+            <ac:spMk id="5" creationId="{D2974145-67E9-053A-444E-7AC265BA0E6E}"/>
+          </ac:spMkLst>
+        </pc:spChg>
+        <pc:spChg chg="add del mod">
+          <ac:chgData name="Chonthicha Phuangfueang" userId="055aefd292e5fda0" providerId="LiveId" clId="{5B5F8411-1399-4D8D-B27F-31C85245C7D4}" dt="2023-03-30T06:57:48.360" v="16709" actId="478"/>
+          <ac:spMkLst>
+            <pc:docMk/>
+            <pc:sldMk cId="3362851476" sldId="276"/>
+            <ac:spMk id="6" creationId="{3A32064B-1576-1ACC-BC43-85DD52B32F2B}"/>
+          </ac:spMkLst>
+        </pc:spChg>
+        <pc:spChg chg="add mod">
+          <ac:chgData name="Chonthicha Phuangfueang" userId="055aefd292e5fda0" providerId="LiveId" clId="{5B5F8411-1399-4D8D-B27F-31C85245C7D4}" dt="2023-03-30T06:57:58.378" v="16710"/>
+          <ac:spMkLst>
+            <pc:docMk/>
+            <pc:sldMk cId="3362851476" sldId="276"/>
+            <ac:spMk id="29" creationId="{9A32B494-DB5D-99B9-7BF0-62EA2A9E0C56}"/>
+          </ac:spMkLst>
+        </pc:spChg>
+        <pc:picChg chg="add mod">
+          <ac:chgData name="Chonthicha Phuangfueang" userId="055aefd292e5fda0" providerId="LiveId" clId="{5B5F8411-1399-4D8D-B27F-31C85245C7D4}" dt="2023-03-30T06:48:48.885" v="16346" actId="1076"/>
+          <ac:picMkLst>
+            <pc:docMk/>
+            <pc:sldMk cId="3362851476" sldId="276"/>
+            <ac:picMk id="7" creationId="{724D7F89-C199-DDB4-26A4-D812E21B81DA}"/>
+          </ac:picMkLst>
+        </pc:picChg>
+        <pc:picChg chg="add mod">
+          <ac:chgData name="Chonthicha Phuangfueang" userId="055aefd292e5fda0" providerId="LiveId" clId="{5B5F8411-1399-4D8D-B27F-31C85245C7D4}" dt="2023-03-30T06:49:04.720" v="16352" actId="1076"/>
+          <ac:picMkLst>
+            <pc:docMk/>
+            <pc:sldMk cId="3362851476" sldId="276"/>
+            <ac:picMk id="8" creationId="{FBCADD12-AB0D-CDF2-7579-676CA2550989}"/>
+          </ac:picMkLst>
+        </pc:picChg>
+        <pc:picChg chg="add del mod">
+          <ac:chgData name="Chonthicha Phuangfueang" userId="055aefd292e5fda0" providerId="LiveId" clId="{5B5F8411-1399-4D8D-B27F-31C85245C7D4}" dt="2023-03-30T06:50:07.785" v="16394" actId="478"/>
+          <ac:picMkLst>
+            <pc:docMk/>
+            <pc:sldMk cId="3362851476" sldId="276"/>
+            <ac:picMk id="9" creationId="{FE9E0BD7-1E55-F488-7AD9-2E1666371F31}"/>
+          </ac:picMkLst>
+        </pc:picChg>
+        <pc:picChg chg="mod ord replST">
+          <ac:chgData name="Chonthicha Phuangfueang" userId="055aefd292e5fda0" providerId="LiveId" clId="{5B5F8411-1399-4D8D-B27F-31C85245C7D4}" dt="2023-03-30T06:50:19.597" v="16414" actId="1076"/>
+          <ac:picMkLst>
+            <pc:docMk/>
+            <pc:sldMk cId="3362851476" sldId="276"/>
+            <ac:picMk id="11" creationId="{942C474E-4A5C-E697-EAFE-C72CED3EE2BE}"/>
+          </ac:picMkLst>
+        </pc:picChg>
+        <pc:picChg chg="add del mod">
+          <ac:chgData name="Chonthicha Phuangfueang" userId="055aefd292e5fda0" providerId="LiveId" clId="{5B5F8411-1399-4D8D-B27F-31C85245C7D4}" dt="2023-03-30T06:51:10.208" v="16444" actId="478"/>
+          <ac:picMkLst>
+            <pc:docMk/>
+            <pc:sldMk cId="3362851476" sldId="276"/>
+            <ac:picMk id="12" creationId="{371E2573-ACA2-3476-CA95-314A4C691C86}"/>
+          </ac:picMkLst>
+        </pc:picChg>
+        <pc:picChg chg="mod ord replST">
+          <ac:chgData name="Chonthicha Phuangfueang" userId="055aefd292e5fda0" providerId="LiveId" clId="{5B5F8411-1399-4D8D-B27F-31C85245C7D4}" dt="2023-03-30T06:51:32.691" v="16473" actId="1037"/>
+          <ac:picMkLst>
+            <pc:docMk/>
+            <pc:sldMk cId="3362851476" sldId="276"/>
+            <ac:picMk id="14" creationId="{6823BA57-543B-27C6-D477-B0A7F2FF7BA1}"/>
+          </ac:picMkLst>
+        </pc:picChg>
+        <pc:picChg chg="add del mod">
+          <ac:chgData name="Chonthicha Phuangfueang" userId="055aefd292e5fda0" providerId="LiveId" clId="{5B5F8411-1399-4D8D-B27F-31C85245C7D4}" dt="2023-03-30T06:52:28.888" v="16509" actId="478"/>
+          <ac:picMkLst>
+            <pc:docMk/>
+            <pc:sldMk cId="3362851476" sldId="276"/>
+            <ac:picMk id="15" creationId="{1A49D952-0FDF-8D2F-F374-4E8E30857A5E}"/>
+          </ac:picMkLst>
+        </pc:picChg>
+        <pc:picChg chg="mod ord replST">
+          <ac:chgData name="Chonthicha Phuangfueang" userId="055aefd292e5fda0" providerId="LiveId" clId="{5B5F8411-1399-4D8D-B27F-31C85245C7D4}" dt="2023-03-30T06:52:28.889" v="16511" actId="962"/>
+          <ac:picMkLst>
+            <pc:docMk/>
+            <pc:sldMk cId="3362851476" sldId="276"/>
+            <ac:picMk id="17" creationId="{E8730CD5-29B1-712C-3551-D9705DADC292}"/>
+          </ac:picMkLst>
+        </pc:picChg>
+        <pc:picChg chg="add del mod">
+          <ac:chgData name="Chonthicha Phuangfueang" userId="055aefd292e5fda0" providerId="LiveId" clId="{5B5F8411-1399-4D8D-B27F-31C85245C7D4}" dt="2023-03-30T06:53:17.955" v="16553" actId="478"/>
+          <ac:picMkLst>
+            <pc:docMk/>
+            <pc:sldMk cId="3362851476" sldId="276"/>
+            <ac:picMk id="18" creationId="{6B139CA8-9AC6-1923-FD7F-A175ED7EFEBB}"/>
+          </ac:picMkLst>
+        </pc:picChg>
+        <pc:picChg chg="mod ord replST">
+          <ac:chgData name="Chonthicha Phuangfueang" userId="055aefd292e5fda0" providerId="LiveId" clId="{5B5F8411-1399-4D8D-B27F-31C85245C7D4}" dt="2023-03-30T06:53:39.017" v="16558" actId="1076"/>
+          <ac:picMkLst>
+            <pc:docMk/>
+            <pc:sldMk cId="3362851476" sldId="276"/>
+            <ac:picMk id="20" creationId="{C6192313-9DC7-9A07-4AAC-54C3D3D07204}"/>
+          </ac:picMkLst>
+        </pc:picChg>
+        <pc:picChg chg="add del mod">
+          <ac:chgData name="Chonthicha Phuangfueang" userId="055aefd292e5fda0" providerId="LiveId" clId="{5B5F8411-1399-4D8D-B27F-31C85245C7D4}" dt="2023-03-30T06:53:58.819" v="16587" actId="478"/>
+          <ac:picMkLst>
+            <pc:docMk/>
+            <pc:sldMk cId="3362851476" sldId="276"/>
+            <ac:picMk id="21" creationId="{262BCDBE-555E-E677-F104-5FCA5B35DD05}"/>
+          </ac:picMkLst>
+        </pc:picChg>
+        <pc:picChg chg="mod ord replST">
+          <ac:chgData name="Chonthicha Phuangfueang" userId="055aefd292e5fda0" providerId="LiveId" clId="{5B5F8411-1399-4D8D-B27F-31C85245C7D4}" dt="2023-03-30T06:53:58.820" v="16589" actId="962"/>
+          <ac:picMkLst>
+            <pc:docMk/>
+            <pc:sldMk cId="3362851476" sldId="276"/>
+            <ac:picMk id="23" creationId="{A7A198E1-CD35-EDF7-D6FF-ECF8F5454409}"/>
+          </ac:picMkLst>
+        </pc:picChg>
+        <pc:picChg chg="del mod replST">
+          <ac:chgData name="Chonthicha Phuangfueang" userId="055aefd292e5fda0" providerId="LiveId" clId="{5B5F8411-1399-4D8D-B27F-31C85245C7D4}" dt="2023-03-30T06:55:07.718" v="16643" actId="478"/>
+          <ac:picMkLst>
+            <pc:docMk/>
+            <pc:sldMk cId="3362851476" sldId="276"/>
+            <ac:picMk id="25" creationId="{5CF10AAE-1FAD-DE0F-AAEF-C769F07DD360}"/>
+          </ac:picMkLst>
+        </pc:picChg>
+        <pc:picChg chg="mod ord replST">
+          <ac:chgData name="Chonthicha Phuangfueang" userId="055aefd292e5fda0" providerId="LiveId" clId="{5B5F8411-1399-4D8D-B27F-31C85245C7D4}" dt="2023-03-30T06:55:19.253" v="16664" actId="14100"/>
+          <ac:picMkLst>
+            <pc:docMk/>
+            <pc:sldMk cId="3362851476" sldId="276"/>
+            <ac:picMk id="27" creationId="{2F978374-43E4-F1DF-66EB-794BC2354F4B}"/>
+          </ac:picMkLst>
+        </pc:picChg>
+        <pc:picChg chg="add del mod">
+          <ac:chgData name="Chonthicha Phuangfueang" userId="055aefd292e5fda0" providerId="LiveId" clId="{5B5F8411-1399-4D8D-B27F-31C85245C7D4}" dt="2023-03-30T06:57:46.513" v="16708"/>
+          <ac:picMkLst>
+            <pc:docMk/>
+            <pc:sldMk cId="3362851476" sldId="276"/>
+            <ac:picMk id="28" creationId="{9FBD508C-C094-D12C-8FA3-CADE4B08F485}"/>
           </ac:picMkLst>
         </pc:picChg>
       </pc:sldChg>
@@ -3862,7 +4486,7 @@
           <a:p>
             <a:fld id="{5A7E730F-2C0E-4467-832E-ED796A74A98C}" type="datetimeFigureOut">
               <a:rPr lang="en-US" smtClean="0"/>
-              <a:t>3/29/2023</a:t>
+              <a:t>3/30/2023</a:t>
             </a:fld>
             <a:endParaRPr lang="en-US"/>
           </a:p>
@@ -4032,7 +4656,7 @@
           <a:p>
             <a:fld id="{5A7E730F-2C0E-4467-832E-ED796A74A98C}" type="datetimeFigureOut">
               <a:rPr lang="en-US" smtClean="0"/>
-              <a:t>3/29/2023</a:t>
+              <a:t>3/30/2023</a:t>
             </a:fld>
             <a:endParaRPr lang="en-US"/>
           </a:p>
@@ -4253,7 +4877,7 @@
           <a:p>
             <a:fld id="{5A7E730F-2C0E-4467-832E-ED796A74A98C}" type="datetimeFigureOut">
               <a:rPr lang="en-US" smtClean="0"/>
-              <a:t>3/29/2023</a:t>
+              <a:t>3/30/2023</a:t>
             </a:fld>
             <a:endParaRPr lang="en-US"/>
           </a:p>
@@ -4464,7 +5088,7 @@
           <a:p>
             <a:fld id="{5A7E730F-2C0E-4467-832E-ED796A74A98C}" type="datetimeFigureOut">
               <a:rPr lang="en-US" smtClean="0"/>
-              <a:t>3/29/2023</a:t>
+              <a:t>3/30/2023</a:t>
             </a:fld>
             <a:endParaRPr lang="en-US"/>
           </a:p>
@@ -4759,7 +5383,7 @@
           <a:p>
             <a:fld id="{5A7E730F-2C0E-4467-832E-ED796A74A98C}" type="datetimeFigureOut">
               <a:rPr lang="en-US" smtClean="0"/>
-              <a:t>3/29/2023</a:t>
+              <a:t>3/30/2023</a:t>
             </a:fld>
             <a:endParaRPr lang="en-US"/>
           </a:p>
@@ -5088,7 +5712,7 @@
           <a:p>
             <a:fld id="{5A7E730F-2C0E-4467-832E-ED796A74A98C}" type="datetimeFigureOut">
               <a:rPr lang="en-US" smtClean="0"/>
-              <a:t>3/29/2023</a:t>
+              <a:t>3/30/2023</a:t>
             </a:fld>
             <a:endParaRPr lang="en-US"/>
           </a:p>
@@ -5580,7 +6204,7 @@
           <a:p>
             <a:fld id="{5A7E730F-2C0E-4467-832E-ED796A74A98C}" type="datetimeFigureOut">
               <a:rPr lang="en-US" smtClean="0"/>
-              <a:t>3/29/2023</a:t>
+              <a:t>3/30/2023</a:t>
             </a:fld>
             <a:endParaRPr lang="en-US"/>
           </a:p>
@@ -5739,7 +6363,7 @@
           <a:p>
             <a:fld id="{5A7E730F-2C0E-4467-832E-ED796A74A98C}" type="datetimeFigureOut">
               <a:rPr lang="en-US" smtClean="0"/>
-              <a:t>3/29/2023</a:t>
+              <a:t>3/30/2023</a:t>
             </a:fld>
             <a:endParaRPr lang="en-US"/>
           </a:p>
@@ -5875,7 +6499,7 @@
           <a:p>
             <a:fld id="{5A7E730F-2C0E-4467-832E-ED796A74A98C}" type="datetimeFigureOut">
               <a:rPr lang="en-US" smtClean="0"/>
-              <a:t>3/29/2023</a:t>
+              <a:t>3/30/2023</a:t>
             </a:fld>
             <a:endParaRPr lang="en-US"/>
           </a:p>
@@ -6203,7 +6827,7 @@
           <a:p>
             <a:fld id="{5A7E730F-2C0E-4467-832E-ED796A74A98C}" type="datetimeFigureOut">
               <a:rPr lang="en-US" smtClean="0"/>
-              <a:t>3/29/2023</a:t>
+              <a:t>3/30/2023</a:t>
             </a:fld>
             <a:endParaRPr lang="en-US"/>
           </a:p>
@@ -6518,7 +7142,7 @@
           <a:p>
             <a:fld id="{5A7E730F-2C0E-4467-832E-ED796A74A98C}" type="datetimeFigureOut">
               <a:rPr lang="en-US" smtClean="0"/>
-              <a:t>3/29/2023</a:t>
+              <a:t>3/30/2023</a:t>
             </a:fld>
             <a:endParaRPr lang="en-US"/>
           </a:p>
@@ -6770,7 +7394,7 @@
           <a:p>
             <a:fld id="{5A7E730F-2C0E-4467-832E-ED796A74A98C}" type="datetimeFigureOut">
               <a:rPr lang="en-US" smtClean="0"/>
-              <a:t>3/29/2023</a:t>
+              <a:t>3/30/2023</a:t>
             </a:fld>
             <a:endParaRPr lang="en-US"/>
           </a:p>
@@ -7332,8 +7956,8 @@
         </p:nvSpPr>
         <p:spPr>
           <a:xfrm>
-            <a:off x="712269" y="1426945"/>
-            <a:ext cx="10346308" cy="1453415"/>
+            <a:off x="712269" y="952901"/>
+            <a:ext cx="10346308" cy="1927459"/>
           </a:xfrm>
           <a:prstGeom prst="rect">
             <a:avLst/>
@@ -7417,6 +8041,28 @@
               </a:rPr>
               <a:t>และ</a:t>
             </a:r>
+          </a:p>
+          <a:p>
+            <a:pPr algn="r"/>
+            <a:r>
+              <a:rPr lang="th-TH" sz="3600" dirty="0">
+                <a:solidFill>
+                  <a:schemeClr val="bg1"/>
+                </a:solidFill>
+                <a:latin typeface="TH Sarabun New" panose="020B0500040200020003" pitchFamily="34" charset="-34"/>
+                <a:cs typeface="TH Sarabun New" panose="020B0500040200020003" pitchFamily="34" charset="-34"/>
+              </a:rPr>
+              <a:t>สุธน ตาดี</a:t>
+            </a:r>
+            <a:endParaRPr lang="en-US" sz="3600" dirty="0">
+              <a:solidFill>
+                <a:schemeClr val="bg1"/>
+              </a:solidFill>
+              <a:latin typeface="TH Sarabun New" panose="020B0500040200020003" pitchFamily="34" charset="-34"/>
+              <a:cs typeface="TH Sarabun New" panose="020B0500040200020003" pitchFamily="34" charset="-34"/>
+            </a:endParaRPr>
+          </a:p>
+          <a:p>
             <a:endParaRPr lang="en-US" sz="3600" b="1" dirty="0">
               <a:solidFill>
                 <a:schemeClr val="bg1"/>
@@ -7459,7 +8105,7 @@
         </p:blipFill>
         <p:spPr>
           <a:xfrm>
-            <a:off x="3907836" y="1930056"/>
+            <a:off x="3907836" y="1150410"/>
             <a:ext cx="1932145" cy="366890"/>
           </a:xfrm>
           <a:prstGeom prst="rect">
@@ -7499,7 +8145,7 @@
         </p:blipFill>
         <p:spPr>
           <a:xfrm>
-            <a:off x="6830895" y="1930056"/>
+            <a:off x="6830895" y="1160035"/>
             <a:ext cx="904206" cy="366890"/>
           </a:xfrm>
           <a:prstGeom prst="rect">
@@ -7539,7 +8185,7 @@
         </p:blipFill>
         <p:spPr>
           <a:xfrm>
-            <a:off x="8513618" y="1930056"/>
+            <a:off x="8513618" y="1160035"/>
             <a:ext cx="2458194" cy="372859"/>
           </a:xfrm>
           <a:prstGeom prst="rect">
@@ -7562,7 +8208,7 @@
         <p:spPr>
           <a:xfrm>
             <a:off x="798897" y="2971800"/>
-            <a:ext cx="10164278" cy="2918861"/>
+            <a:ext cx="10164278" cy="3794760"/>
           </a:xfrm>
           <a:prstGeom prst="flowChartProcess">
             <a:avLst/>
@@ -7597,17 +8243,7 @@
           <a:lstStyle/>
           <a:p>
             <a:pPr algn="ctr"/>
-            <a:r>
-              <a:rPr lang="th-TH" sz="4400" b="1" dirty="0">
-                <a:solidFill>
-                  <a:schemeClr val="bg1"/>
-                </a:solidFill>
-                <a:latin typeface="TH Sarabun New" panose="020B0500040200020003" pitchFamily="34" charset="-34"/>
-                <a:cs typeface="TH Sarabun New" panose="020B0500040200020003" pitchFamily="34" charset="-34"/>
-              </a:rPr>
-              <a:t>นำเสนอโดย</a:t>
-            </a:r>
-            <a:endParaRPr lang="en-US" sz="4400" b="1" dirty="0">
+            <a:endParaRPr lang="en-US" sz="3600" b="1" dirty="0">
               <a:solidFill>
                 <a:schemeClr val="bg1"/>
               </a:solidFill>
@@ -7617,7 +8253,17 @@
           </a:p>
           <a:p>
             <a:pPr algn="ctr"/>
-            <a:endParaRPr lang="th-TH" sz="3600" b="1" dirty="0">
+            <a:r>
+              <a:rPr lang="th-TH" sz="3600" b="1" dirty="0">
+                <a:solidFill>
+                  <a:schemeClr val="bg1"/>
+                </a:solidFill>
+                <a:latin typeface="TH Sarabun New" panose="020B0500040200020003" pitchFamily="34" charset="-34"/>
+                <a:cs typeface="TH Sarabun New" panose="020B0500040200020003" pitchFamily="34" charset="-34"/>
+              </a:rPr>
+              <a:t>นำเสนอโดย</a:t>
+            </a:r>
+            <a:endParaRPr lang="en-US" sz="3600" b="1" dirty="0">
               <a:solidFill>
                 <a:schemeClr val="bg1"/>
               </a:solidFill>
@@ -7628,7 +8274,7 @@
           <a:p>
             <a:pPr algn="ctr"/>
             <a:r>
-              <a:rPr lang="th-TH" sz="3200" b="1" dirty="0">
+              <a:rPr lang="th-TH" sz="3200" dirty="0">
                 <a:solidFill>
                   <a:schemeClr val="bg1"/>
                 </a:solidFill>
@@ -7637,7 +8283,55 @@
               </a:rPr>
               <a:t>นางสาวชลธิชา  พ่วงเฟื่อง</a:t>
             </a:r>
+          </a:p>
+          <a:p>
+            <a:pPr algn="ctr"/>
             <a:endParaRPr lang="en-US" sz="3200" b="1" dirty="0">
+              <a:solidFill>
+                <a:schemeClr val="bg1"/>
+              </a:solidFill>
+              <a:latin typeface="TH Sarabun New" panose="020B0500040200020003" pitchFamily="34" charset="-34"/>
+              <a:cs typeface="TH Sarabun New" panose="020B0500040200020003" pitchFamily="34" charset="-34"/>
+            </a:endParaRPr>
+          </a:p>
+          <a:p>
+            <a:pPr algn="ctr"/>
+            <a:r>
+              <a:rPr lang="th-TH" sz="3600" b="1" dirty="0">
+                <a:solidFill>
+                  <a:schemeClr val="bg1"/>
+                </a:solidFill>
+                <a:latin typeface="TH Sarabun New" panose="020B0500040200020003" pitchFamily="34" charset="-34"/>
+                <a:cs typeface="TH Sarabun New" panose="020B0500040200020003" pitchFamily="34" charset="-34"/>
+              </a:rPr>
+              <a:t>อาจารย์ที่ปรึกษา</a:t>
+            </a:r>
+          </a:p>
+          <a:p>
+            <a:pPr algn="ctr"/>
+            <a:r>
+              <a:rPr lang="th-TH" sz="3200" i="0">
+                <a:solidFill>
+                  <a:srgbClr val="333333"/>
+                </a:solidFill>
+                <a:effectLst/>
+                <a:latin typeface="TH Sarabun New" panose="020B0500040200020003" pitchFamily="34" charset="-34"/>
+                <a:cs typeface="TH Sarabun New" panose="020B0500040200020003" pitchFamily="34" charset="-34"/>
+              </a:rPr>
+              <a:t>ผศ. ดร.</a:t>
+            </a:r>
+            <a:r>
+              <a:rPr lang="th-TH" sz="3200" i="0" dirty="0">
+                <a:solidFill>
+                  <a:srgbClr val="333333"/>
+                </a:solidFill>
+                <a:effectLst/>
+                <a:latin typeface="TH Sarabun New" panose="020B0500040200020003" pitchFamily="34" charset="-34"/>
+                <a:cs typeface="TH Sarabun New" panose="020B0500040200020003" pitchFamily="34" charset="-34"/>
+              </a:rPr>
+              <a:t>ทรงพล ศรีวงค์ษา</a:t>
+            </a:r>
+            <a:endParaRPr lang="en-US" sz="3200" dirty="0">
               <a:solidFill>
                 <a:schemeClr val="bg1"/>
               </a:solidFill>
@@ -7679,6 +8373,1211 @@
       </p:grpSpPr>
       <p:sp>
         <p:nvSpPr>
+          <p:cNvPr id="5" name="TextBox 4">
+            <a:extLst>
+              <a:ext uri="{FF2B5EF4-FFF2-40B4-BE49-F238E27FC236}">
+                <a16:creationId xmlns:a16="http://schemas.microsoft.com/office/drawing/2014/main" id="{D2974145-67E9-053A-444E-7AC265BA0E6E}"/>
+              </a:ext>
+            </a:extLst>
+          </p:cNvPr>
+          <p:cNvSpPr txBox="1"/>
+          <p:nvPr/>
+        </p:nvSpPr>
+        <p:spPr>
+          <a:xfrm>
+            <a:off x="2367815" y="818148"/>
+            <a:ext cx="7834964" cy="4385816"/>
+          </a:xfrm>
+          <a:prstGeom prst="rect">
+            <a:avLst/>
+          </a:prstGeom>
+          <a:noFill/>
+        </p:spPr>
+        <p:txBody>
+          <a:bodyPr wrap="square">
+            <a:spAutoFit/>
+          </a:bodyPr>
+          <a:lstStyle/>
+          <a:p>
+            <a:r>
+              <a:rPr lang="th-TH" sz="3100" dirty="0">
+                <a:latin typeface="TH Sarabun New" panose="020B0500040200020003" pitchFamily="34" charset="-34"/>
+                <a:cs typeface="TH Sarabun New" panose="020B0500040200020003" pitchFamily="34" charset="-34"/>
+              </a:rPr>
+              <a:t>				พิจารณา </a:t>
+            </a:r>
+            <a:r>
+              <a:rPr lang="en-US" sz="3100" dirty="0">
+                <a:solidFill>
+                  <a:srgbClr val="FF0000"/>
+                </a:solidFill>
+                <a:latin typeface="TH Sarabun New" panose="020B0500040200020003" pitchFamily="34" charset="-34"/>
+                <a:cs typeface="TH Sarabun New" panose="020B0500040200020003" pitchFamily="34" charset="-34"/>
+              </a:rPr>
+              <a:t>	</a:t>
+            </a:r>
+            <a:r>
+              <a:rPr lang="th-TH" sz="3100" dirty="0">
+                <a:solidFill>
+                  <a:srgbClr val="FF0000"/>
+                </a:solidFill>
+                <a:latin typeface="TH Sarabun New" panose="020B0500040200020003" pitchFamily="34" charset="-34"/>
+                <a:cs typeface="TH Sarabun New" panose="020B0500040200020003" pitchFamily="34" charset="-34"/>
+              </a:rPr>
+              <a:t>   </a:t>
+            </a:r>
+            <a:r>
+              <a:rPr lang="th-TH" sz="3100" dirty="0">
+                <a:latin typeface="TH Sarabun New" panose="020B0500040200020003" pitchFamily="34" charset="-34"/>
+                <a:cs typeface="TH Sarabun New" panose="020B0500040200020003" pitchFamily="34" charset="-34"/>
+              </a:rPr>
+              <a:t>ซึ่ง</a:t>
+            </a:r>
+          </a:p>
+          <a:p>
+            <a:r>
+              <a:rPr lang="th-TH" sz="3100" dirty="0">
+                <a:solidFill>
+                  <a:srgbClr val="FF0000"/>
+                </a:solidFill>
+                <a:latin typeface="TH Sarabun New" panose="020B0500040200020003" pitchFamily="34" charset="-34"/>
+                <a:cs typeface="TH Sarabun New" panose="020B0500040200020003" pitchFamily="34" charset="-34"/>
+              </a:rPr>
+              <a:t>				</a:t>
+            </a:r>
+            <a:r>
+              <a:rPr lang="th-TH" sz="3100" dirty="0">
+                <a:latin typeface="TH Sarabun New" panose="020B0500040200020003" pitchFamily="34" charset="-34"/>
+                <a:cs typeface="TH Sarabun New" panose="020B0500040200020003" pitchFamily="34" charset="-34"/>
+              </a:rPr>
+              <a:t>จาก            </a:t>
+            </a:r>
+            <a:r>
+              <a:rPr lang="en-US" sz="3100" dirty="0">
+                <a:latin typeface="TH Sarabun New" panose="020B0500040200020003" pitchFamily="34" charset="-34"/>
+                <a:cs typeface="TH Sarabun New" panose="020B0500040200020003" pitchFamily="34" charset="-34"/>
+              </a:rPr>
+              <a:t>:</a:t>
+            </a:r>
+            <a:r>
+              <a:rPr lang="th-TH" sz="3100" dirty="0">
+                <a:latin typeface="TH Sarabun New" panose="020B0500040200020003" pitchFamily="34" charset="-34"/>
+                <a:cs typeface="TH Sarabun New" panose="020B0500040200020003" pitchFamily="34" charset="-34"/>
+              </a:rPr>
+              <a:t> </a:t>
+            </a:r>
+            <a:endParaRPr lang="en-US" sz="3100" dirty="0">
+              <a:latin typeface="TH Sarabun New" panose="020B0500040200020003" pitchFamily="34" charset="-34"/>
+              <a:cs typeface="TH Sarabun New" panose="020B0500040200020003" pitchFamily="34" charset="-34"/>
+            </a:endParaRPr>
+          </a:p>
+          <a:p>
+            <a:r>
+              <a:rPr lang="en-US" sz="3100" dirty="0">
+                <a:latin typeface="TH Sarabun New" panose="020B0500040200020003" pitchFamily="34" charset="-34"/>
+                <a:cs typeface="TH Sarabun New" panose="020B0500040200020003" pitchFamily="34" charset="-34"/>
+              </a:rPr>
+              <a:t>			</a:t>
+            </a:r>
+            <a:r>
+              <a:rPr lang="th-TH" sz="3100" dirty="0">
+                <a:latin typeface="TH Sarabun New" panose="020B0500040200020003" pitchFamily="34" charset="-34"/>
+                <a:cs typeface="TH Sarabun New" panose="020B0500040200020003" pitchFamily="34" charset="-34"/>
+              </a:rPr>
+              <a:t>   </a:t>
+            </a:r>
+            <a:r>
+              <a:rPr lang="en-US" sz="3100" dirty="0">
+                <a:latin typeface="TH Sarabun New" panose="020B0500040200020003" pitchFamily="34" charset="-34"/>
+                <a:cs typeface="TH Sarabun New" panose="020B0500040200020003" pitchFamily="34" charset="-34"/>
+              </a:rPr>
+              <a:t> </a:t>
+            </a:r>
+          </a:p>
+          <a:p>
+            <a:r>
+              <a:rPr lang="en-US" sz="3100" dirty="0">
+                <a:latin typeface="TH Sarabun New" panose="020B0500040200020003" pitchFamily="34" charset="-34"/>
+                <a:cs typeface="TH Sarabun New" panose="020B0500040200020003" pitchFamily="34" charset="-34"/>
+              </a:rPr>
+              <a:t>				</a:t>
+            </a:r>
+          </a:p>
+          <a:p>
+            <a:endParaRPr lang="en-US" sz="3100" dirty="0">
+              <a:latin typeface="TH Sarabun New" panose="020B0500040200020003" pitchFamily="34" charset="-34"/>
+              <a:cs typeface="TH Sarabun New" panose="020B0500040200020003" pitchFamily="34" charset="-34"/>
+            </a:endParaRPr>
+          </a:p>
+          <a:p>
+            <a:r>
+              <a:rPr lang="en-US" sz="3100" dirty="0">
+                <a:latin typeface="TH Sarabun New" panose="020B0500040200020003" pitchFamily="34" charset="-34"/>
+                <a:cs typeface="TH Sarabun New" panose="020B0500040200020003" pitchFamily="34" charset="-34"/>
+              </a:rPr>
+              <a:t>				</a:t>
+            </a:r>
+            <a:r>
+              <a:rPr lang="th-TH" sz="3100" dirty="0">
+                <a:latin typeface="TH Sarabun New" panose="020B0500040200020003" pitchFamily="34" charset="-34"/>
+                <a:cs typeface="TH Sarabun New" panose="020B0500040200020003" pitchFamily="34" charset="-34"/>
+              </a:rPr>
+              <a:t>จาก </a:t>
+            </a:r>
+            <a:r>
+              <a:rPr lang="th-TH" sz="3100" b="1" dirty="0">
+                <a:latin typeface="TH Sarabun New" panose="020B0500040200020003" pitchFamily="34" charset="-34"/>
+                <a:cs typeface="TH Sarabun New" panose="020B0500040200020003" pitchFamily="34" charset="-34"/>
+              </a:rPr>
+              <a:t>ทฤษฎีบท </a:t>
+            </a:r>
+            <a:r>
+              <a:rPr lang="en-US" sz="3100" b="1" dirty="0">
+                <a:latin typeface="TH Sarabun New" panose="020B0500040200020003" pitchFamily="34" charset="-34"/>
+                <a:cs typeface="TH Sarabun New" panose="020B0500040200020003" pitchFamily="34" charset="-34"/>
+              </a:rPr>
+              <a:t>1</a:t>
+            </a:r>
+            <a:r>
+              <a:rPr lang="th-TH" sz="3100" dirty="0">
+                <a:latin typeface="TH Sarabun New" panose="020B0500040200020003" pitchFamily="34" charset="-34"/>
+                <a:cs typeface="TH Sarabun New" panose="020B0500040200020003" pitchFamily="34" charset="-34"/>
+              </a:rPr>
+              <a:t> (ข้อความคาดการณ์กาตาลัน) </a:t>
+            </a:r>
+          </a:p>
+          <a:p>
+            <a:r>
+              <a:rPr lang="th-TH" sz="3100" dirty="0">
+                <a:latin typeface="TH Sarabun New" panose="020B0500040200020003" pitchFamily="34" charset="-34"/>
+                <a:cs typeface="TH Sarabun New" panose="020B0500040200020003" pitchFamily="34" charset="-34"/>
+              </a:rPr>
+              <a:t>	         </a:t>
+            </a:r>
+            <a:r>
+              <a:rPr lang="en-US" sz="3100" dirty="0">
+                <a:latin typeface="TH Sarabun New" panose="020B0500040200020003" pitchFamily="34" charset="-34"/>
+                <a:cs typeface="TH Sarabun New" panose="020B0500040200020003" pitchFamily="34" charset="-34"/>
+              </a:rPr>
+              <a:t>  </a:t>
+            </a:r>
+            <a:r>
+              <a:rPr lang="th-TH" sz="3100" dirty="0">
+                <a:latin typeface="TH Sarabun New" panose="020B0500040200020003" pitchFamily="34" charset="-34"/>
+                <a:cs typeface="TH Sarabun New" panose="020B0500040200020003" pitchFamily="34" charset="-34"/>
+              </a:rPr>
+              <a:t>     จะได้ว่า             </a:t>
+            </a:r>
+            <a:endParaRPr lang="en-US" sz="3100" dirty="0">
+              <a:latin typeface="TH Sarabun New" panose="020B0500040200020003" pitchFamily="34" charset="-34"/>
+              <a:cs typeface="TH Sarabun New" panose="020B0500040200020003" pitchFamily="34" charset="-34"/>
+            </a:endParaRPr>
+          </a:p>
+          <a:p>
+            <a:r>
+              <a:rPr lang="en-US" sz="3100" dirty="0">
+                <a:latin typeface="TH Sarabun New" panose="020B0500040200020003" pitchFamily="34" charset="-34"/>
+                <a:cs typeface="TH Sarabun New" panose="020B0500040200020003" pitchFamily="34" charset="-34"/>
+              </a:rPr>
+              <a:t>				</a:t>
+            </a:r>
+            <a:r>
+              <a:rPr lang="th-TH" sz="3100" dirty="0">
+                <a:latin typeface="TH Sarabun New" panose="020B0500040200020003" pitchFamily="34" charset="-34"/>
+                <a:cs typeface="TH Sarabun New" panose="020B0500040200020003" pitchFamily="34" charset="-34"/>
+              </a:rPr>
+              <a:t>ดังนั้น </a:t>
+            </a:r>
+            <a:r>
+              <a:rPr lang="th-TH" sz="3100" dirty="0">
+                <a:solidFill>
+                  <a:srgbClr val="FF0000"/>
+                </a:solidFill>
+                <a:latin typeface="TH Sarabun New" panose="020B0500040200020003" pitchFamily="34" charset="-34"/>
+                <a:cs typeface="TH Sarabun New" panose="020B0500040200020003" pitchFamily="34" charset="-34"/>
+              </a:rPr>
+              <a:t>ไม่มีผลเฉลย</a:t>
+            </a:r>
+            <a:endParaRPr lang="en-US" sz="3100" dirty="0">
+              <a:solidFill>
+                <a:srgbClr val="FF0000"/>
+              </a:solidFill>
+              <a:latin typeface="TH Sarabun New" panose="020B0500040200020003" pitchFamily="34" charset="-34"/>
+              <a:cs typeface="TH Sarabun New" panose="020B0500040200020003" pitchFamily="34" charset="-34"/>
+            </a:endParaRPr>
+          </a:p>
+          <a:p>
+            <a:endParaRPr lang="en-US" sz="3100" dirty="0">
+              <a:latin typeface="TH Sarabun New" panose="020B0500040200020003" pitchFamily="34" charset="-34"/>
+              <a:cs typeface="TH Sarabun New" panose="020B0500040200020003" pitchFamily="34" charset="-34"/>
+            </a:endParaRPr>
+          </a:p>
+        </p:txBody>
+      </p:sp>
+      <p:pic>
+        <p:nvPicPr>
+          <p:cNvPr id="7" name="Picture 6" descr="\documentclass{article}&#10;\usepackage{amsmath}&#10;\pagestyle{empty}&#10;\usepackage{xcolor}&#10;\usepackage{empheq}&#10;\begin{document}&#10;$ 1  =2^{x-2}-p^{k} $&#10;\end{document}" title="IguanaTex Bitmap Display">
+            <a:extLst>
+              <a:ext uri="{FF2B5EF4-FFF2-40B4-BE49-F238E27FC236}">
+                <a16:creationId xmlns:a16="http://schemas.microsoft.com/office/drawing/2014/main" id="{724D7F89-C199-DDB4-26A4-D812E21B81DA}"/>
+              </a:ext>
+            </a:extLst>
+          </p:cNvPr>
+          <p:cNvPicPr>
+            <a:picLocks noChangeAspect="1"/>
+          </p:cNvPicPr>
+          <p:nvPr>
+            <p:custDataLst>
+              <p:tags r:id="rId1"/>
+            </p:custDataLst>
+          </p:nvPr>
+        </p:nvPicPr>
+        <p:blipFill>
+          <a:blip r:embed="rId10">
+            <a:extLst>
+              <a:ext uri="{28A0092B-C50C-407E-A947-70E740481C1C}">
+                <a14:useLocalDpi xmlns:a14="http://schemas.microsoft.com/office/drawing/2010/main" val="0"/>
+              </a:ext>
+            </a:extLst>
+          </a:blip>
+          <a:stretch>
+            <a:fillRect/>
+          </a:stretch>
+        </p:blipFill>
+        <p:spPr>
+          <a:xfrm>
+            <a:off x="6373233" y="929789"/>
+            <a:ext cx="1839042" cy="324647"/>
+          </a:xfrm>
+          <a:prstGeom prst="rect">
+            <a:avLst/>
+          </a:prstGeom>
+        </p:spPr>
+      </p:pic>
+      <p:pic>
+        <p:nvPicPr>
+          <p:cNvPr id="8" name="Picture 7" descr="\documentclass{article}&#10;\usepackage{amsmath}&#10;\pagestyle{empty}&#10;\usepackage{xcolor}&#10;\usepackage{empheq}&#10;\begin{document}&#10;${\color{red}\left ( 5 \right )}$&#10;\end{document}" title="IguanaTex Bitmap Display">
+            <a:extLst>
+              <a:ext uri="{FF2B5EF4-FFF2-40B4-BE49-F238E27FC236}">
+                <a16:creationId xmlns:a16="http://schemas.microsoft.com/office/drawing/2014/main" id="{FBCADD12-AB0D-CDF2-7579-676CA2550989}"/>
+              </a:ext>
+            </a:extLst>
+          </p:cNvPr>
+          <p:cNvPicPr>
+            <a:picLocks noChangeAspect="1"/>
+          </p:cNvPicPr>
+          <p:nvPr>
+            <p:custDataLst>
+              <p:tags r:id="rId2"/>
+            </p:custDataLst>
+          </p:nvPr>
+        </p:nvPicPr>
+        <p:blipFill>
+          <a:blip r:embed="rId11">
+            <a:extLst>
+              <a:ext uri="{28A0092B-C50C-407E-A947-70E740481C1C}">
+                <a14:useLocalDpi xmlns:a14="http://schemas.microsoft.com/office/drawing/2010/main" val="0"/>
+              </a:ext>
+            </a:extLst>
+          </a:blip>
+          <a:stretch>
+            <a:fillRect/>
+          </a:stretch>
+        </p:blipFill>
+        <p:spPr>
+          <a:xfrm>
+            <a:off x="5453367" y="929789"/>
+            <a:ext cx="365401" cy="339011"/>
+          </a:xfrm>
+          <a:prstGeom prst="rect">
+            <a:avLst/>
+          </a:prstGeom>
+        </p:spPr>
+      </p:pic>
+      <p:pic>
+        <p:nvPicPr>
+          <p:cNvPr id="11" name="Picture 10" descr="&#10;&#10;\documentclass{article}&#10;\usepackage{amsmath}&#10;\usepackage{amsfonts}&#10;\usepackage{amssymb}&#10;\pagestyle{empty}&#10;\usepackage{xcolor}&#10;\usepackage{empheq}&#10;\begin{document}&#10;$x&gt; 3$&#10;\end{document}" title="IguanaTex Bitmap Display">
+            <a:extLst>
+              <a:ext uri="{FF2B5EF4-FFF2-40B4-BE49-F238E27FC236}">
+                <a16:creationId xmlns:a16="http://schemas.microsoft.com/office/drawing/2014/main" id="{942C474E-4A5C-E697-EAFE-C72CED3EE2BE}"/>
+              </a:ext>
+            </a:extLst>
+          </p:cNvPr>
+          <p:cNvPicPr>
+            <a:picLocks noChangeAspect="1"/>
+          </p:cNvPicPr>
+          <p:nvPr>
+            <p:custDataLst>
+              <p:tags r:id="rId3"/>
+            </p:custDataLst>
+          </p:nvPr>
+        </p:nvPicPr>
+        <p:blipFill>
+          <a:blip r:embed="rId12">
+            <a:extLst>
+              <a:ext uri="{28A0092B-C50C-407E-A947-70E740481C1C}">
+                <a14:useLocalDpi xmlns:a14="http://schemas.microsoft.com/office/drawing/2010/main" val="0"/>
+              </a:ext>
+            </a:extLst>
+          </a:blip>
+          <a:stretch>
+            <a:fillRect/>
+          </a:stretch>
+        </p:blipFill>
+        <p:spPr>
+          <a:xfrm>
+            <a:off x="4900865" y="1447819"/>
+            <a:ext cx="735202" cy="221699"/>
+          </a:xfrm>
+          <a:prstGeom prst="rect">
+            <a:avLst/>
+          </a:prstGeom>
+        </p:spPr>
+      </p:pic>
+      <p:pic>
+        <p:nvPicPr>
+          <p:cNvPr id="14" name="Picture 13" descr="&#10;&#10;\documentclass{article}&#10;\usepackage{amsmath}&#10;\usepackage{amsfonts}&#10;\usepackage{amssymb}&#10;\pagestyle{empty}&#10;\usepackage{xcolor}&#10;\usepackage{empheq}&#10;\begin{document}&#10;$x+(-2)&gt; 3+(-2)$&#10;\end{document}" title="IguanaTex Bitmap Display">
+            <a:extLst>
+              <a:ext uri="{FF2B5EF4-FFF2-40B4-BE49-F238E27FC236}">
+                <a16:creationId xmlns:a16="http://schemas.microsoft.com/office/drawing/2014/main" id="{6823BA57-543B-27C6-D477-B0A7F2FF7BA1}"/>
+              </a:ext>
+            </a:extLst>
+          </p:cNvPr>
+          <p:cNvPicPr>
+            <a:picLocks noChangeAspect="1"/>
+          </p:cNvPicPr>
+          <p:nvPr>
+            <p:custDataLst>
+              <p:tags r:id="rId4"/>
+            </p:custDataLst>
+          </p:nvPr>
+        </p:nvPicPr>
+        <p:blipFill>
+          <a:blip r:embed="rId13">
+            <a:extLst>
+              <a:ext uri="{28A0092B-C50C-407E-A947-70E740481C1C}">
+                <a14:useLocalDpi xmlns:a14="http://schemas.microsoft.com/office/drawing/2010/main" val="0"/>
+              </a:ext>
+            </a:extLst>
+          </a:blip>
+          <a:stretch>
+            <a:fillRect/>
+          </a:stretch>
+        </p:blipFill>
+        <p:spPr>
+          <a:xfrm>
+            <a:off x="5961659" y="1400447"/>
+            <a:ext cx="2779746" cy="316442"/>
+          </a:xfrm>
+          <a:prstGeom prst="rect">
+            <a:avLst/>
+          </a:prstGeom>
+        </p:spPr>
+      </p:pic>
+      <p:pic>
+        <p:nvPicPr>
+          <p:cNvPr id="17" name="Picture 16" descr="&#10;&#10;\documentclass{article}&#10;\usepackage{amsmath}&#10;\usepackage{amsfonts}&#10;\usepackage{amssymb}&#10;\pagestyle{empty}&#10;\usepackage{xcolor}&#10;\usepackage{empheq}&#10;\begin{document}&#10;$x-2&gt;1$&#10;\end{document}" title="IguanaTex Bitmap Display">
+            <a:extLst>
+              <a:ext uri="{FF2B5EF4-FFF2-40B4-BE49-F238E27FC236}">
+                <a16:creationId xmlns:a16="http://schemas.microsoft.com/office/drawing/2014/main" id="{E8730CD5-29B1-712C-3551-D9705DADC292}"/>
+              </a:ext>
+            </a:extLst>
+          </p:cNvPr>
+          <p:cNvPicPr>
+            <a:picLocks noChangeAspect="1"/>
+          </p:cNvPicPr>
+          <p:nvPr>
+            <p:custDataLst>
+              <p:tags r:id="rId5"/>
+            </p:custDataLst>
+          </p:nvPr>
+        </p:nvPicPr>
+        <p:blipFill>
+          <a:blip r:embed="rId14">
+            <a:extLst>
+              <a:ext uri="{28A0092B-C50C-407E-A947-70E740481C1C}">
+                <a14:useLocalDpi xmlns:a14="http://schemas.microsoft.com/office/drawing/2010/main" val="0"/>
+              </a:ext>
+            </a:extLst>
+          </a:blip>
+          <a:stretch>
+            <a:fillRect/>
+          </a:stretch>
+        </p:blipFill>
+        <p:spPr>
+          <a:xfrm>
+            <a:off x="5961659" y="1933996"/>
+            <a:ext cx="1265761" cy="221699"/>
+          </a:xfrm>
+          <a:prstGeom prst="rect">
+            <a:avLst/>
+          </a:prstGeom>
+        </p:spPr>
+      </p:pic>
+      <p:pic>
+        <p:nvPicPr>
+          <p:cNvPr id="20" name="Picture 19" descr="&#10;&#10;\documentclass{article}&#10;\usepackage{amsmath}&#10;\usepackage{amsfonts}&#10;\usepackage{amssymb}&#10;\pagestyle{empty}&#10;\usepackage{xcolor}&#10;\usepackage{empheq}&#10;\begin{document}&#10;$2&gt; 1$&#10;\end{document}" title="IguanaTex Bitmap Display">
+            <a:extLst>
+              <a:ext uri="{FF2B5EF4-FFF2-40B4-BE49-F238E27FC236}">
+                <a16:creationId xmlns:a16="http://schemas.microsoft.com/office/drawing/2014/main" id="{C6192313-9DC7-9A07-4AAC-54C3D3D07204}"/>
+              </a:ext>
+            </a:extLst>
+          </p:cNvPr>
+          <p:cNvPicPr>
+            <a:picLocks noChangeAspect="1"/>
+          </p:cNvPicPr>
+          <p:nvPr>
+            <p:custDataLst>
+              <p:tags r:id="rId6"/>
+            </p:custDataLst>
+          </p:nvPr>
+        </p:nvPicPr>
+        <p:blipFill>
+          <a:blip r:embed="rId15">
+            <a:extLst>
+              <a:ext uri="{28A0092B-C50C-407E-A947-70E740481C1C}">
+                <a14:useLocalDpi xmlns:a14="http://schemas.microsoft.com/office/drawing/2010/main" val="0"/>
+              </a:ext>
+            </a:extLst>
+          </a:blip>
+          <a:stretch>
+            <a:fillRect/>
+          </a:stretch>
+        </p:blipFill>
+        <p:spPr>
+          <a:xfrm>
+            <a:off x="6025528" y="2431421"/>
+            <a:ext cx="695410" cy="221699"/>
+          </a:xfrm>
+          <a:prstGeom prst="rect">
+            <a:avLst/>
+          </a:prstGeom>
+        </p:spPr>
+      </p:pic>
+      <p:pic>
+        <p:nvPicPr>
+          <p:cNvPr id="23" name="Picture 22" descr="&#10;&#10;\documentclass{article}&#10;\usepackage{amsmath}&#10;\usepackage{amsfonts}&#10;\usepackage{amssymb}&#10;\pagestyle{empty}&#10;\usepackage{xcolor}&#10;\usepackage{empheq}&#10;\begin{document}&#10;$p&gt; 1$&#10;\end{document}" title="IguanaTex Bitmap Display">
+            <a:extLst>
+              <a:ext uri="{FF2B5EF4-FFF2-40B4-BE49-F238E27FC236}">
+                <a16:creationId xmlns:a16="http://schemas.microsoft.com/office/drawing/2014/main" id="{A7A198E1-CD35-EDF7-D6FF-ECF8F5454409}"/>
+              </a:ext>
+            </a:extLst>
+          </p:cNvPr>
+          <p:cNvPicPr>
+            <a:picLocks noChangeAspect="1"/>
+          </p:cNvPicPr>
+          <p:nvPr>
+            <p:custDataLst>
+              <p:tags r:id="rId7"/>
+            </p:custDataLst>
+          </p:nvPr>
+        </p:nvPicPr>
+        <p:blipFill>
+          <a:blip r:embed="rId16">
+            <a:extLst>
+              <a:ext uri="{28A0092B-C50C-407E-A947-70E740481C1C}">
+                <a14:useLocalDpi xmlns:a14="http://schemas.microsoft.com/office/drawing/2010/main" val="0"/>
+              </a:ext>
+            </a:extLst>
+          </a:blip>
+          <a:stretch>
+            <a:fillRect/>
+          </a:stretch>
+        </p:blipFill>
+        <p:spPr>
+          <a:xfrm>
+            <a:off x="6025528" y="2970890"/>
+            <a:ext cx="721938" cy="269071"/>
+          </a:xfrm>
+          <a:prstGeom prst="rect">
+            <a:avLst/>
+          </a:prstGeom>
+        </p:spPr>
+      </p:pic>
+      <p:pic>
+        <p:nvPicPr>
+          <p:cNvPr id="27" name="Picture 26" descr="\documentclass{article}&#10;\usepackage{amsmath}&#10;\pagestyle{empty}&#10;\usepackage{xcolor}&#10;\usepackage{empheq}&#10;\begin{document}&#10;$k= 1$&#10;\end{document}" title="IguanaTex Bitmap Display">
+            <a:extLst>
+              <a:ext uri="{FF2B5EF4-FFF2-40B4-BE49-F238E27FC236}">
+                <a16:creationId xmlns:a16="http://schemas.microsoft.com/office/drawing/2014/main" id="{2F978374-43E4-F1DF-66EB-794BC2354F4B}"/>
+              </a:ext>
+            </a:extLst>
+          </p:cNvPr>
+          <p:cNvPicPr>
+            <a:picLocks noChangeAspect="1"/>
+          </p:cNvPicPr>
+          <p:nvPr>
+            <p:custDataLst>
+              <p:tags r:id="rId8"/>
+            </p:custDataLst>
+          </p:nvPr>
+        </p:nvPicPr>
+        <p:blipFill>
+          <a:blip r:embed="rId17">
+            <a:extLst>
+              <a:ext uri="{28A0092B-C50C-407E-A947-70E740481C1C}">
+                <a14:useLocalDpi xmlns:a14="http://schemas.microsoft.com/office/drawing/2010/main" val="0"/>
+              </a:ext>
+            </a:extLst>
+          </a:blip>
+          <a:stretch>
+            <a:fillRect/>
+          </a:stretch>
+        </p:blipFill>
+        <p:spPr>
+          <a:xfrm>
+            <a:off x="5376367" y="3754054"/>
+            <a:ext cx="735202" cy="229996"/>
+          </a:xfrm>
+          <a:prstGeom prst="rect">
+            <a:avLst/>
+          </a:prstGeom>
+        </p:spPr>
+      </p:pic>
+      <p:sp>
+        <p:nvSpPr>
+          <p:cNvPr id="29" name="Rectangle 28">
+            <a:extLst>
+              <a:ext uri="{FF2B5EF4-FFF2-40B4-BE49-F238E27FC236}">
+                <a16:creationId xmlns:a16="http://schemas.microsoft.com/office/drawing/2014/main" id="{9A32B494-DB5D-99B9-7BF0-62EA2A9E0C56}"/>
+              </a:ext>
+            </a:extLst>
+          </p:cNvPr>
+          <p:cNvSpPr/>
+          <p:nvPr/>
+        </p:nvSpPr>
+        <p:spPr>
+          <a:xfrm>
+            <a:off x="847023" y="562134"/>
+            <a:ext cx="1145406" cy="798231"/>
+          </a:xfrm>
+          <a:prstGeom prst="rect">
+            <a:avLst/>
+          </a:prstGeom>
+          <a:solidFill>
+            <a:srgbClr val="002060"/>
+          </a:solidFill>
+        </p:spPr>
+        <p:style>
+          <a:lnRef idx="2">
+            <a:schemeClr val="accent1">
+              <a:shade val="50000"/>
+            </a:schemeClr>
+          </a:lnRef>
+          <a:fillRef idx="1">
+            <a:schemeClr val="accent1"/>
+          </a:fillRef>
+          <a:effectRef idx="0">
+            <a:schemeClr val="accent1"/>
+          </a:effectRef>
+          <a:fontRef idx="minor">
+            <a:schemeClr val="lt1"/>
+          </a:fontRef>
+        </p:style>
+        <p:txBody>
+          <a:bodyPr rtlCol="0" anchor="ctr"/>
+          <a:lstStyle/>
+          <a:p>
+            <a:pPr algn="ctr"/>
+            <a:r>
+              <a:rPr lang="th-TH" sz="2800" dirty="0">
+                <a:solidFill>
+                  <a:srgbClr val="FFFF00"/>
+                </a:solidFill>
+              </a:rPr>
+              <a:t>แก้ หน้า </a:t>
+            </a:r>
+            <a:r>
+              <a:rPr lang="en-US" sz="2800" dirty="0">
+                <a:solidFill>
+                  <a:srgbClr val="FFFF00"/>
+                </a:solidFill>
+              </a:rPr>
+              <a:t>8</a:t>
+            </a:r>
+          </a:p>
+        </p:txBody>
+      </p:sp>
+    </p:spTree>
+    <p:extLst>
+      <p:ext uri="{BB962C8B-B14F-4D97-AF65-F5344CB8AC3E}">
+        <p14:creationId xmlns:p14="http://schemas.microsoft.com/office/powerpoint/2010/main" val="3362851476"/>
+      </p:ext>
+    </p:extLst>
+  </p:cSld>
+  <p:clrMapOvr>
+    <a:masterClrMapping/>
+  </p:clrMapOvr>
+</p:sld>
+</file>
+
+<file path=ppt/slides/slide11.xml><?xml version="1.0" encoding="utf-8"?>
+<p:sld xmlns:a="http://schemas.openxmlformats.org/drawingml/2006/main" xmlns:r="http://schemas.openxmlformats.org/officeDocument/2006/relationships" xmlns:p="http://schemas.openxmlformats.org/presentationml/2006/main">
+  <p:cSld>
+    <p:spTree>
+      <p:nvGrpSpPr>
+        <p:cNvPr id="1" name=""/>
+        <p:cNvGrpSpPr/>
+        <p:nvPr/>
+      </p:nvGrpSpPr>
+      <p:grpSpPr>
+        <a:xfrm>
+          <a:off x="0" y="0"/>
+          <a:ext cx="0" cy="0"/>
+          <a:chOff x="0" y="0"/>
+          <a:chExt cx="0" cy="0"/>
+        </a:xfrm>
+      </p:grpSpPr>
+      <p:sp>
+        <p:nvSpPr>
+          <p:cNvPr id="4" name="TextBox 3">
+            <a:extLst>
+              <a:ext uri="{FF2B5EF4-FFF2-40B4-BE49-F238E27FC236}">
+                <a16:creationId xmlns:a16="http://schemas.microsoft.com/office/drawing/2014/main" id="{071A0A03-4EA2-4F99-8B14-06F35D876DE4}"/>
+              </a:ext>
+            </a:extLst>
+          </p:cNvPr>
+          <p:cNvSpPr txBox="1"/>
+          <p:nvPr/>
+        </p:nvSpPr>
+        <p:spPr>
+          <a:xfrm>
+            <a:off x="1777746" y="455956"/>
+            <a:ext cx="9870829" cy="5339923"/>
+          </a:xfrm>
+          <a:prstGeom prst="rect">
+            <a:avLst/>
+          </a:prstGeom>
+          <a:noFill/>
+        </p:spPr>
+        <p:txBody>
+          <a:bodyPr wrap="square">
+            <a:spAutoFit/>
+          </a:bodyPr>
+          <a:lstStyle/>
+          <a:p>
+            <a:r>
+              <a:rPr lang="en-US" sz="3100" dirty="0">
+                <a:latin typeface="TH Sarabun New" panose="020B0500040200020003" pitchFamily="34" charset="-34"/>
+                <a:cs typeface="TH Sarabun New" panose="020B0500040200020003" pitchFamily="34" charset="-34"/>
+              </a:rPr>
+              <a:t>			</a:t>
+            </a:r>
+          </a:p>
+          <a:p>
+            <a:endParaRPr lang="en-US" sz="3100" dirty="0">
+              <a:latin typeface="TH Sarabun New" panose="020B0500040200020003" pitchFamily="34" charset="-34"/>
+              <a:cs typeface="TH Sarabun New" panose="020B0500040200020003" pitchFamily="34" charset="-34"/>
+            </a:endParaRPr>
+          </a:p>
+          <a:p>
+            <a:endParaRPr lang="en-US" sz="3100" dirty="0">
+              <a:latin typeface="TH Sarabun New" panose="020B0500040200020003" pitchFamily="34" charset="-34"/>
+              <a:cs typeface="TH Sarabun New" panose="020B0500040200020003" pitchFamily="34" charset="-34"/>
+            </a:endParaRPr>
+          </a:p>
+          <a:p>
+            <a:endParaRPr lang="en-US" sz="3100" dirty="0">
+              <a:latin typeface="TH Sarabun New" panose="020B0500040200020003" pitchFamily="34" charset="-34"/>
+              <a:cs typeface="TH Sarabun New" panose="020B0500040200020003" pitchFamily="34" charset="-34"/>
+            </a:endParaRPr>
+          </a:p>
+          <a:p>
+            <a:endParaRPr lang="en-US" sz="3100" dirty="0">
+              <a:latin typeface="TH Sarabun New" panose="020B0500040200020003" pitchFamily="34" charset="-34"/>
+              <a:cs typeface="TH Sarabun New" panose="020B0500040200020003" pitchFamily="34" charset="-34"/>
+            </a:endParaRPr>
+          </a:p>
+          <a:p>
+            <a:endParaRPr lang="en-US" sz="3100" dirty="0">
+              <a:latin typeface="TH Sarabun New" panose="020B0500040200020003" pitchFamily="34" charset="-34"/>
+              <a:cs typeface="TH Sarabun New" panose="020B0500040200020003" pitchFamily="34" charset="-34"/>
+            </a:endParaRPr>
+          </a:p>
+          <a:p>
+            <a:endParaRPr lang="en-US" sz="3100" dirty="0">
+              <a:latin typeface="TH Sarabun New" panose="020B0500040200020003" pitchFamily="34" charset="-34"/>
+              <a:cs typeface="TH Sarabun New" panose="020B0500040200020003" pitchFamily="34" charset="-34"/>
+            </a:endParaRPr>
+          </a:p>
+          <a:p>
+            <a:r>
+              <a:rPr lang="th-TH" sz="3100" dirty="0">
+                <a:latin typeface="TH Sarabun New" panose="020B0500040200020003" pitchFamily="34" charset="-34"/>
+                <a:cs typeface="TH Sarabun New" panose="020B0500040200020003" pitchFamily="34" charset="-34"/>
+              </a:rPr>
+              <a:t>													</a:t>
+            </a:r>
+            <a:r>
+              <a:rPr lang="en-US" sz="3100" dirty="0">
+                <a:latin typeface="TH Sarabun New" panose="020B0500040200020003" pitchFamily="34" charset="-34"/>
+                <a:cs typeface="TH Sarabun New" panose="020B0500040200020003" pitchFamily="34" charset="-34"/>
+              </a:rPr>
+              <a:t> </a:t>
+            </a:r>
+            <a:r>
+              <a:rPr lang="th-TH" sz="3100" dirty="0">
+                <a:latin typeface="TH Sarabun New" panose="020B0500040200020003" pitchFamily="34" charset="-34"/>
+                <a:cs typeface="TH Sarabun New" panose="020B0500040200020003" pitchFamily="34" charset="-34"/>
+              </a:rPr>
+              <a:t>เมื่อ</a:t>
+            </a:r>
+            <a:r>
+              <a:rPr lang="en-US" sz="3100" dirty="0">
+                <a:latin typeface="TH Sarabun New" panose="020B0500040200020003" pitchFamily="34" charset="-34"/>
+                <a:cs typeface="TH Sarabun New" panose="020B0500040200020003" pitchFamily="34" charset="-34"/>
+              </a:rPr>
+              <a:t>     </a:t>
+            </a:r>
+            <a:endParaRPr lang="th-TH" sz="3100" dirty="0">
+              <a:latin typeface="TH Sarabun New" panose="020B0500040200020003" pitchFamily="34" charset="-34"/>
+              <a:cs typeface="TH Sarabun New" panose="020B0500040200020003" pitchFamily="34" charset="-34"/>
+            </a:endParaRPr>
+          </a:p>
+          <a:p>
+            <a:endParaRPr lang="th-TH" sz="3100" dirty="0">
+              <a:latin typeface="TH Sarabun New" panose="020B0500040200020003" pitchFamily="34" charset="-34"/>
+              <a:cs typeface="TH Sarabun New" panose="020B0500040200020003" pitchFamily="34" charset="-34"/>
+            </a:endParaRPr>
+          </a:p>
+          <a:p>
+            <a:r>
+              <a:rPr lang="en-US" sz="3100" dirty="0">
+                <a:latin typeface="TH Sarabun New" panose="020B0500040200020003" pitchFamily="34" charset="-34"/>
+                <a:cs typeface="TH Sarabun New" panose="020B0500040200020003" pitchFamily="34" charset="-34"/>
+              </a:rPr>
+              <a:t>  </a:t>
+            </a:r>
+            <a:r>
+              <a:rPr lang="th-TH" sz="3100" dirty="0">
+                <a:latin typeface="TH Sarabun New" panose="020B0500040200020003" pitchFamily="34" charset="-34"/>
+                <a:cs typeface="TH Sarabun New" panose="020B0500040200020003" pitchFamily="34" charset="-34"/>
+              </a:rPr>
+              <a:t>		    เพราะฉะนั้น                                   </a:t>
+            </a:r>
+            <a:endParaRPr lang="en-US" sz="3100" dirty="0">
+              <a:latin typeface="TH Sarabun New" panose="020B0500040200020003" pitchFamily="34" charset="-34"/>
+              <a:cs typeface="TH Sarabun New" panose="020B0500040200020003" pitchFamily="34" charset="-34"/>
+            </a:endParaRPr>
+          </a:p>
+          <a:p>
+            <a:r>
+              <a:rPr lang="en-US" sz="3100" dirty="0">
+                <a:latin typeface="TH Sarabun New" panose="020B0500040200020003" pitchFamily="34" charset="-34"/>
+                <a:cs typeface="TH Sarabun New" panose="020B0500040200020003" pitchFamily="34" charset="-34"/>
+              </a:rPr>
+              <a:t>		    </a:t>
+            </a:r>
+            <a:r>
+              <a:rPr lang="th-TH" sz="3100" dirty="0">
+                <a:latin typeface="TH Sarabun New" panose="020B0500040200020003" pitchFamily="34" charset="-34"/>
+                <a:cs typeface="TH Sarabun New" panose="020B0500040200020003" pitchFamily="34" charset="-34"/>
+              </a:rPr>
+              <a:t>เป็นผลเฉลยของ      </a:t>
+            </a:r>
+            <a:r>
+              <a:rPr lang="en-US" sz="3100" dirty="0">
+                <a:latin typeface="TH Sarabun New" panose="020B0500040200020003" pitchFamily="34" charset="-34"/>
+                <a:cs typeface="TH Sarabun New" panose="020B0500040200020003" pitchFamily="34" charset="-34"/>
+              </a:rPr>
+              <a:t>	</a:t>
+            </a:r>
+            <a:endParaRPr lang="en-US" sz="3100" dirty="0"/>
+          </a:p>
+        </p:txBody>
+      </p:sp>
+      <p:pic>
+        <p:nvPicPr>
+          <p:cNvPr id="7" name="Picture 6" descr="\documentclass{article}&#10;\usepackage{amsmath}&#10;\pagestyle{empty}&#10;\usepackage{xcolor}&#10;\usepackage{empheq}&#10;\begin{document}&#10;$ 1  =2^{x-2}-p $&#10;\end{document}" title="IguanaTex Bitmap Display">
+            <a:extLst>
+              <a:ext uri="{FF2B5EF4-FFF2-40B4-BE49-F238E27FC236}">
+                <a16:creationId xmlns:a16="http://schemas.microsoft.com/office/drawing/2014/main" id="{D73C138C-9103-82B5-1BFF-31F1B51D6ACC}"/>
+              </a:ext>
+            </a:extLst>
+          </p:cNvPr>
+          <p:cNvPicPr>
+            <a:picLocks noChangeAspect="1"/>
+          </p:cNvPicPr>
+          <p:nvPr>
+            <p:custDataLst>
+              <p:tags r:id="rId1"/>
+            </p:custDataLst>
+          </p:nvPr>
+        </p:nvPicPr>
+        <p:blipFill>
+          <a:blip r:embed="rId11">
+            <a:extLst>
+              <a:ext uri="{28A0092B-C50C-407E-A947-70E740481C1C}">
+                <a14:useLocalDpi xmlns:a14="http://schemas.microsoft.com/office/drawing/2010/main" val="0"/>
+              </a:ext>
+            </a:extLst>
+          </a:blip>
+          <a:stretch>
+            <a:fillRect/>
+          </a:stretch>
+        </p:blipFill>
+        <p:spPr>
+          <a:xfrm>
+            <a:off x="5030600" y="708202"/>
+            <a:ext cx="1784088" cy="330604"/>
+          </a:xfrm>
+          <a:prstGeom prst="rect">
+            <a:avLst/>
+          </a:prstGeom>
+        </p:spPr>
+      </p:pic>
+      <p:pic>
+        <p:nvPicPr>
+          <p:cNvPr id="10" name="Picture 9" descr="\documentclass{article}&#10;\usepackage{amsmath}&#10;\pagestyle{empty}&#10;\usepackage{xcolor}&#10;\usepackage{empheq}&#10;\begin{document}&#10;$ 1+p=2^{x-2} $&#10;\end{document}" title="IguanaTex Bitmap Display">
+            <a:extLst>
+              <a:ext uri="{FF2B5EF4-FFF2-40B4-BE49-F238E27FC236}">
+                <a16:creationId xmlns:a16="http://schemas.microsoft.com/office/drawing/2014/main" id="{1493B3ED-327C-35D1-B6CA-DFC825A8E317}"/>
+              </a:ext>
+            </a:extLst>
+          </p:cNvPr>
+          <p:cNvPicPr>
+            <a:picLocks noChangeAspect="1"/>
+          </p:cNvPicPr>
+          <p:nvPr>
+            <p:custDataLst>
+              <p:tags r:id="rId2"/>
+            </p:custDataLst>
+          </p:nvPr>
+        </p:nvPicPr>
+        <p:blipFill>
+          <a:blip r:embed="rId12">
+            <a:extLst>
+              <a:ext uri="{28A0092B-C50C-407E-A947-70E740481C1C}">
+                <a14:useLocalDpi xmlns:a14="http://schemas.microsoft.com/office/drawing/2010/main" val="0"/>
+              </a:ext>
+            </a:extLst>
+          </a:blip>
+          <a:stretch>
+            <a:fillRect/>
+          </a:stretch>
+        </p:blipFill>
+        <p:spPr>
+          <a:xfrm>
+            <a:off x="4548000" y="1375833"/>
+            <a:ext cx="1685164" cy="317141"/>
+          </a:xfrm>
+          <a:prstGeom prst="rect">
+            <a:avLst/>
+          </a:prstGeom>
+        </p:spPr>
+      </p:pic>
+      <p:pic>
+        <p:nvPicPr>
+          <p:cNvPr id="14" name="Picture 13" descr="\documentclass{article}&#10;\usepackage{amsmath}&#10;\pagestyle{empty}&#10;\usepackage{xcolor}&#10;\usepackage{empheq}&#10;\begin{document}&#10;$ 2^{2}\cdot \left ( 1+p \right )=2^{x} $&#10;\end{document}" title="IguanaTex Bitmap Display">
+            <a:extLst>
+              <a:ext uri="{FF2B5EF4-FFF2-40B4-BE49-F238E27FC236}">
+                <a16:creationId xmlns:a16="http://schemas.microsoft.com/office/drawing/2014/main" id="{CB39F02F-A187-AE14-7948-5C586BDF00D2}"/>
+              </a:ext>
+            </a:extLst>
+          </p:cNvPr>
+          <p:cNvPicPr>
+            <a:picLocks noChangeAspect="1"/>
+          </p:cNvPicPr>
+          <p:nvPr>
+            <p:custDataLst>
+              <p:tags r:id="rId3"/>
+            </p:custDataLst>
+          </p:nvPr>
+        </p:nvPicPr>
+        <p:blipFill>
+          <a:blip r:embed="rId13">
+            <a:extLst>
+              <a:ext uri="{28A0092B-C50C-407E-A947-70E740481C1C}">
+                <a14:useLocalDpi xmlns:a14="http://schemas.microsoft.com/office/drawing/2010/main" val="0"/>
+              </a:ext>
+            </a:extLst>
+          </a:blip>
+          <a:stretch>
+            <a:fillRect/>
+          </a:stretch>
+        </p:blipFill>
+        <p:spPr>
+          <a:xfrm>
+            <a:off x="3747023" y="2043464"/>
+            <a:ext cx="2139295" cy="335907"/>
+          </a:xfrm>
+          <a:prstGeom prst="rect">
+            <a:avLst/>
+          </a:prstGeom>
+        </p:spPr>
+      </p:pic>
+      <p:pic>
+        <p:nvPicPr>
+          <p:cNvPr id="18" name="Picture 17" descr="\documentclass{article}&#10;\usepackage{amsmath}&#10;\pagestyle{empty}&#10;\usepackage{xcolor}&#10;\usepackage{empheq}&#10;\begin{document}&#10;$ \log _{2}2^{2}\cdot \left ( 1+p \right )=\log _{2}2^{x} $&#10;\end{document}" title="IguanaTex Bitmap Display">
+            <a:extLst>
+              <a:ext uri="{FF2B5EF4-FFF2-40B4-BE49-F238E27FC236}">
+                <a16:creationId xmlns:a16="http://schemas.microsoft.com/office/drawing/2014/main" id="{EAA36821-9597-E807-5F54-4248C2DDA9A9}"/>
+              </a:ext>
+            </a:extLst>
+          </p:cNvPr>
+          <p:cNvPicPr>
+            <a:picLocks noChangeAspect="1"/>
+          </p:cNvPicPr>
+          <p:nvPr>
+            <p:custDataLst>
+              <p:tags r:id="rId4"/>
+            </p:custDataLst>
+          </p:nvPr>
+        </p:nvPicPr>
+        <p:blipFill>
+          <a:blip r:embed="rId14">
+            <a:extLst>
+              <a:ext uri="{28A0092B-C50C-407E-A947-70E740481C1C}">
+                <a14:useLocalDpi xmlns:a14="http://schemas.microsoft.com/office/drawing/2010/main" val="0"/>
+              </a:ext>
+            </a:extLst>
+          </a:blip>
+          <a:stretch>
+            <a:fillRect/>
+          </a:stretch>
+        </p:blipFill>
+        <p:spPr>
+          <a:xfrm>
+            <a:off x="3150271" y="2645006"/>
+            <a:ext cx="3332797" cy="335907"/>
+          </a:xfrm>
+          <a:prstGeom prst="rect">
+            <a:avLst/>
+          </a:prstGeom>
+        </p:spPr>
+      </p:pic>
+      <p:pic>
+        <p:nvPicPr>
+          <p:cNvPr id="20" name="Picture 19" descr="\documentclass{article}&#10;\usepackage{amsmath}&#10;\pagestyle{empty}&#10;\usepackage{xcolor}&#10;\usepackage{empheq}&#10;\begin{document}&#10;$ 2+\log _{2} \left ( 1+p \right )=x $&#10;\end{document}" title="IguanaTex Bitmap Display">
+            <a:extLst>
+              <a:ext uri="{FF2B5EF4-FFF2-40B4-BE49-F238E27FC236}">
+                <a16:creationId xmlns:a16="http://schemas.microsoft.com/office/drawing/2014/main" id="{D8F62028-A894-0CDD-010A-CAA24F1A431B}"/>
+              </a:ext>
+            </a:extLst>
+          </p:cNvPr>
+          <p:cNvPicPr>
+            <a:picLocks noChangeAspect="1"/>
+          </p:cNvPicPr>
+          <p:nvPr>
+            <p:custDataLst>
+              <p:tags r:id="rId5"/>
+            </p:custDataLst>
+          </p:nvPr>
+        </p:nvPicPr>
+        <p:blipFill>
+          <a:blip r:embed="rId15">
+            <a:extLst>
+              <a:ext uri="{28A0092B-C50C-407E-A947-70E740481C1C}">
+                <a14:useLocalDpi xmlns:a14="http://schemas.microsoft.com/office/drawing/2010/main" val="0"/>
+              </a:ext>
+            </a:extLst>
+          </a:blip>
+          <a:stretch>
+            <a:fillRect/>
+          </a:stretch>
+        </p:blipFill>
+        <p:spPr>
+          <a:xfrm>
+            <a:off x="3150271" y="3331403"/>
+            <a:ext cx="2630958" cy="313388"/>
+          </a:xfrm>
+          <a:prstGeom prst="rect">
+            <a:avLst/>
+          </a:prstGeom>
+        </p:spPr>
+      </p:pic>
+      <p:pic>
+        <p:nvPicPr>
+          <p:cNvPr id="23" name="Picture 22" descr="\documentclass{article}&#10;\usepackage{amsmath}&#10;\pagestyle{empty}&#10;\usepackage{xcolor}&#10;\usepackage{empheq}&#10;\begin{document}&#10;$x= 2+\log _{2} \left ( 1+p \right ) $&#10;\end{document}" title="IguanaTex Bitmap Display">
+            <a:extLst>
+              <a:ext uri="{FF2B5EF4-FFF2-40B4-BE49-F238E27FC236}">
+                <a16:creationId xmlns:a16="http://schemas.microsoft.com/office/drawing/2014/main" id="{41ED811B-3CC8-368E-74AA-A2FEE5AEFA32}"/>
+              </a:ext>
+            </a:extLst>
+          </p:cNvPr>
+          <p:cNvPicPr>
+            <a:picLocks noChangeAspect="1"/>
+          </p:cNvPicPr>
+          <p:nvPr>
+            <p:custDataLst>
+              <p:tags r:id="rId6"/>
+            </p:custDataLst>
+          </p:nvPr>
+        </p:nvPicPr>
+        <p:blipFill>
+          <a:blip r:embed="rId16">
+            <a:extLst>
+              <a:ext uri="{28A0092B-C50C-407E-A947-70E740481C1C}">
+                <a14:useLocalDpi xmlns:a14="http://schemas.microsoft.com/office/drawing/2010/main" val="0"/>
+              </a:ext>
+            </a:extLst>
+          </a:blip>
+          <a:stretch>
+            <a:fillRect/>
+          </a:stretch>
+        </p:blipFill>
+        <p:spPr>
+          <a:xfrm>
+            <a:off x="5063828" y="3845532"/>
+            <a:ext cx="2621574" cy="313388"/>
+          </a:xfrm>
+          <a:prstGeom prst="rect">
+            <a:avLst/>
+          </a:prstGeom>
+        </p:spPr>
+      </p:pic>
+      <p:pic>
+        <p:nvPicPr>
+          <p:cNvPr id="28" name="Picture 27" descr="\documentclass{article}&#10;\usepackage{amsmath}&#10;\usepackage{amsfonts}&#10;\pagestyle{empty}&#10;\usepackage{xcolor}&#10;\usepackage{empheq}&#10;\begin{document}&#10;$\log _{2} \left ( 1+p \right ) \in \mathbb{Z}$&#10;\end{document}" title="IguanaTex Bitmap Display">
+            <a:extLst>
+              <a:ext uri="{FF2B5EF4-FFF2-40B4-BE49-F238E27FC236}">
+                <a16:creationId xmlns:a16="http://schemas.microsoft.com/office/drawing/2014/main" id="{6667D7BC-98DF-9EF3-B544-5258F7A99D27}"/>
+              </a:ext>
+            </a:extLst>
+          </p:cNvPr>
+          <p:cNvPicPr>
+            <a:picLocks noChangeAspect="1"/>
+          </p:cNvPicPr>
+          <p:nvPr>
+            <p:custDataLst>
+              <p:tags r:id="rId7"/>
+            </p:custDataLst>
+          </p:nvPr>
+        </p:nvPicPr>
+        <p:blipFill>
+          <a:blip r:embed="rId17">
+            <a:extLst>
+              <a:ext uri="{28A0092B-C50C-407E-A947-70E740481C1C}">
+                <a14:useLocalDpi xmlns:a14="http://schemas.microsoft.com/office/drawing/2010/main" val="0"/>
+              </a:ext>
+            </a:extLst>
+          </a:blip>
+          <a:stretch>
+            <a:fillRect/>
+          </a:stretch>
+        </p:blipFill>
+        <p:spPr>
+          <a:xfrm>
+            <a:off x="8495557" y="3868379"/>
+            <a:ext cx="2099887" cy="313388"/>
+          </a:xfrm>
+          <a:prstGeom prst="rect">
+            <a:avLst/>
+          </a:prstGeom>
+        </p:spPr>
+      </p:pic>
+      <p:pic>
+        <p:nvPicPr>
+          <p:cNvPr id="29" name="Picture 28" descr="\documentclass{article}&#10;\usepackage{amsmath}&#10;\pagestyle{empty}&#10;\usepackage{xcolor}&#10;\usepackage{empheq}&#10;\begin{document}&#10;${\color{red}\left ( 1 \right )}$&#10;\end{document}" title="IguanaTex Bitmap Display">
+            <a:extLst>
+              <a:ext uri="{FF2B5EF4-FFF2-40B4-BE49-F238E27FC236}">
+                <a16:creationId xmlns:a16="http://schemas.microsoft.com/office/drawing/2014/main" id="{BAEF8153-68F8-7BDE-25FD-AB0115B7B2C5}"/>
+              </a:ext>
+            </a:extLst>
+          </p:cNvPr>
+          <p:cNvPicPr>
+            <a:picLocks noChangeAspect="1"/>
+          </p:cNvPicPr>
+          <p:nvPr>
+            <p:custDataLst>
+              <p:tags r:id="rId8"/>
+            </p:custDataLst>
+          </p:nvPr>
+        </p:nvPicPr>
+        <p:blipFill>
+          <a:blip r:embed="rId18">
+            <a:extLst>
+              <a:ext uri="{28A0092B-C50C-407E-A947-70E740481C1C}">
+                <a14:useLocalDpi xmlns:a14="http://schemas.microsoft.com/office/drawing/2010/main" val="0"/>
+              </a:ext>
+            </a:extLst>
+          </a:blip>
+          <a:stretch>
+            <a:fillRect/>
+          </a:stretch>
+        </p:blipFill>
+        <p:spPr>
+          <a:xfrm>
+            <a:off x="5030600" y="5315282"/>
+            <a:ext cx="359752" cy="333770"/>
+          </a:xfrm>
+          <a:prstGeom prst="rect">
+            <a:avLst/>
+          </a:prstGeom>
+        </p:spPr>
+      </p:pic>
+      <p:pic>
+        <p:nvPicPr>
+          <p:cNvPr id="32" name="Picture 31" descr="\documentclass{article}&#10;\usepackage{amsmath}&#10;\pagestyle{empty}&#10;\usepackage{xcolor}&#10;\usepackage{empheq}&#10;\begin{document}&#10;$\left ( x,p,y,z \right )=\left (2+\log _{2} \left ( 1+p \right ),p,2,p+2  \right ) $&#10;\end{document}" title="IguanaTex Bitmap Display">
+            <a:extLst>
+              <a:ext uri="{FF2B5EF4-FFF2-40B4-BE49-F238E27FC236}">
+                <a16:creationId xmlns:a16="http://schemas.microsoft.com/office/drawing/2014/main" id="{47C6E0DC-891D-2811-04C8-986C90D898D2}"/>
+              </a:ext>
+            </a:extLst>
+          </p:cNvPr>
+          <p:cNvPicPr>
+            <a:picLocks noChangeAspect="1"/>
+          </p:cNvPicPr>
+          <p:nvPr>
+            <p:custDataLst>
+              <p:tags r:id="rId9"/>
+            </p:custDataLst>
+          </p:nvPr>
+        </p:nvPicPr>
+        <p:blipFill>
+          <a:blip r:embed="rId19">
+            <a:extLst>
+              <a:ext uri="{28A0092B-C50C-407E-A947-70E740481C1C}">
+                <a14:useLocalDpi xmlns:a14="http://schemas.microsoft.com/office/drawing/2010/main" val="0"/>
+              </a:ext>
+            </a:extLst>
+          </a:blip>
+          <a:stretch>
+            <a:fillRect/>
+          </a:stretch>
+        </p:blipFill>
+        <p:spPr>
+          <a:xfrm>
+            <a:off x="4611857" y="4818074"/>
+            <a:ext cx="5451448" cy="313388"/>
+          </a:xfrm>
+          <a:prstGeom prst="rect">
+            <a:avLst/>
+          </a:prstGeom>
+        </p:spPr>
+      </p:pic>
+    </p:spTree>
+    <p:extLst>
+      <p:ext uri="{BB962C8B-B14F-4D97-AF65-F5344CB8AC3E}">
+        <p14:creationId xmlns:p14="http://schemas.microsoft.com/office/powerpoint/2010/main" val="179543041"/>
+      </p:ext>
+    </p:extLst>
+  </p:cSld>
+  <p:clrMapOvr>
+    <a:masterClrMapping/>
+  </p:clrMapOvr>
+</p:sld>
+</file>
+
+<file path=ppt/slides/slide12.xml><?xml version="1.0" encoding="utf-8"?>
+<p:sld xmlns:a="http://schemas.openxmlformats.org/drawingml/2006/main" xmlns:r="http://schemas.openxmlformats.org/officeDocument/2006/relationships" xmlns:p="http://schemas.openxmlformats.org/presentationml/2006/main">
+  <p:cSld>
+    <p:spTree>
+      <p:nvGrpSpPr>
+        <p:cNvPr id="1" name=""/>
+        <p:cNvGrpSpPr/>
+        <p:nvPr/>
+      </p:nvGrpSpPr>
+      <p:grpSpPr>
+        <a:xfrm>
+          <a:off x="0" y="0"/>
+          <a:ext cx="0" cy="0"/>
+          <a:chOff x="0" y="0"/>
+          <a:chExt cx="0" cy="0"/>
+        </a:xfrm>
+      </p:grpSpPr>
+      <p:sp>
+        <p:nvSpPr>
           <p:cNvPr id="3" name="TextBox 2">
             <a:extLst>
               <a:ext uri="{FF2B5EF4-FFF2-40B4-BE49-F238E27FC236}">
@@ -8599,7 +10498,7 @@
 </p:sld>
 </file>
 
-<file path=ppt/slides/slide11.xml><?xml version="1.0" encoding="utf-8"?>
+<file path=ppt/slides/slide13.xml><?xml version="1.0" encoding="utf-8"?>
 <p:sld xmlns:a="http://schemas.openxmlformats.org/drawingml/2006/main" xmlns:r="http://schemas.openxmlformats.org/officeDocument/2006/relationships" xmlns:p="http://schemas.openxmlformats.org/presentationml/2006/main">
   <p:cSld>
     <p:spTree>
@@ -8709,7 +10608,7 @@
 </p:sld>
 </file>
 
-<file path=ppt/slides/slide12.xml><?xml version="1.0" encoding="utf-8"?>
+<file path=ppt/slides/slide14.xml><?xml version="1.0" encoding="utf-8"?>
 <p:sld xmlns:a="http://schemas.openxmlformats.org/drawingml/2006/main" xmlns:r="http://schemas.openxmlformats.org/officeDocument/2006/relationships" xmlns:p="http://schemas.openxmlformats.org/presentationml/2006/main">
   <p:cSld>
     <p:spTree>
@@ -8739,246 +10638,6 @@
 </p:sld>
 </file>
 
-<file path=ppt/slides/slide13.xml><?xml version="1.0" encoding="utf-8"?>
-<p:sld xmlns:a="http://schemas.openxmlformats.org/drawingml/2006/main" xmlns:r="http://schemas.openxmlformats.org/officeDocument/2006/relationships" xmlns:p="http://schemas.openxmlformats.org/presentationml/2006/main">
-  <p:cSld>
-    <p:spTree>
-      <p:nvGrpSpPr>
-        <p:cNvPr id="1" name=""/>
-        <p:cNvGrpSpPr/>
-        <p:nvPr/>
-      </p:nvGrpSpPr>
-      <p:grpSpPr>
-        <a:xfrm>
-          <a:off x="0" y="0"/>
-          <a:ext cx="0" cy="0"/>
-          <a:chOff x="0" y="0"/>
-          <a:chExt cx="0" cy="0"/>
-        </a:xfrm>
-      </p:grpSpPr>
-      <p:sp>
-        <p:nvSpPr>
-          <p:cNvPr id="2" name="Title 1">
-            <a:extLst>
-              <a:ext uri="{FF2B5EF4-FFF2-40B4-BE49-F238E27FC236}">
-                <a16:creationId xmlns:a16="http://schemas.microsoft.com/office/drawing/2014/main" id="{1C1D6E02-C5D8-99FD-9CDC-A5FEEE38CD33}"/>
-              </a:ext>
-            </a:extLst>
-          </p:cNvPr>
-          <p:cNvSpPr>
-            <a:spLocks noGrp="1"/>
-          </p:cNvSpPr>
-          <p:nvPr>
-            <p:ph type="title"/>
-          </p:nvPr>
-        </p:nvSpPr>
-        <p:spPr/>
-        <p:txBody>
-          <a:bodyPr/>
-          <a:lstStyle/>
-          <a:p>
-            <a:endParaRPr lang="en-US"/>
-          </a:p>
-        </p:txBody>
-      </p:sp>
-      <p:sp>
-        <p:nvSpPr>
-          <p:cNvPr id="3" name="Content Placeholder 2">
-            <a:extLst>
-              <a:ext uri="{FF2B5EF4-FFF2-40B4-BE49-F238E27FC236}">
-                <a16:creationId xmlns:a16="http://schemas.microsoft.com/office/drawing/2014/main" id="{27FBAA81-9530-D7B7-BACF-151C786468BF}"/>
-              </a:ext>
-            </a:extLst>
-          </p:cNvPr>
-          <p:cNvSpPr>
-            <a:spLocks noGrp="1"/>
-          </p:cNvSpPr>
-          <p:nvPr>
-            <p:ph idx="1"/>
-          </p:nvPr>
-        </p:nvSpPr>
-        <p:spPr/>
-        <p:txBody>
-          <a:bodyPr/>
-          <a:lstStyle/>
-          <a:p>
-            <a:endParaRPr lang="en-US"/>
-          </a:p>
-        </p:txBody>
-      </p:sp>
-      <p:pic>
-        <p:nvPicPr>
-          <p:cNvPr id="4" name="Content Placeholder 3 1" descr="\documentclass{article}&#10;\usepackage{amsmath}&#10;\pagestyle{empty}&#10;\usepackage{xcolor}&#10;\usepackage{empheq}&#10;\begin{document}&#10;{Y}=2{\color{blue}x}&#10;\end{document}" title="IguanaTex Bitmap Display">
-            <a:extLst>
-              <a:ext uri="{FF2B5EF4-FFF2-40B4-BE49-F238E27FC236}">
-                <a16:creationId xmlns:a16="http://schemas.microsoft.com/office/drawing/2014/main" id="{3436BAF5-9742-F8E5-7F22-9FCFFF8367E2}"/>
-              </a:ext>
-            </a:extLst>
-          </p:cNvPr>
-          <p:cNvPicPr>
-            <a:picLocks noChangeAspect="1"/>
-          </p:cNvPicPr>
-          <p:nvPr>
-            <p:custDataLst>
-              <p:tags r:id="rId1"/>
-            </p:custDataLst>
-          </p:nvPr>
-        </p:nvPicPr>
-        <p:blipFill>
-          <a:blip r:embed="rId4">
-            <a:extLst>
-              <a:ext uri="{28A0092B-C50C-407E-A947-70E740481C1C}">
-                <a14:useLocalDpi xmlns:a14="http://schemas.microsoft.com/office/drawing/2010/main" val="0"/>
-              </a:ext>
-            </a:extLst>
-          </a:blip>
-          <a:stretch>
-            <a:fillRect/>
-          </a:stretch>
-        </p:blipFill>
-        <p:spPr>
-          <a:xfrm>
-            <a:off x="3554663" y="3466374"/>
-            <a:ext cx="1992840" cy="534895"/>
-          </a:xfrm>
-          <a:prstGeom prst="rect">
-            <a:avLst/>
-          </a:prstGeom>
-        </p:spPr>
-      </p:pic>
-      <p:pic>
-        <p:nvPicPr>
-          <p:cNvPr id="5" name="Content Placeholder 3 2" descr="\documentclass{article}&#10;\usepackage{amsmath}&#10;\pagestyle{empty}&#10;\usepackage{xcolor}&#10;\usepackage{empheq}&#10;\begin{document}&#10;${\color{green}2^{x}+p^{y}}={\color{blue}z^{2}}$&#10;\end{document}" title="IguanaTex Bitmap Display">
-            <a:extLst>
-              <a:ext uri="{FF2B5EF4-FFF2-40B4-BE49-F238E27FC236}">
-                <a16:creationId xmlns:a16="http://schemas.microsoft.com/office/drawing/2014/main" id="{69148694-1CA0-B251-69AA-3D9FCCC8471A}"/>
-              </a:ext>
-            </a:extLst>
-          </p:cNvPr>
-          <p:cNvPicPr>
-            <a:picLocks noChangeAspect="1"/>
-          </p:cNvPicPr>
-          <p:nvPr>
-            <p:custDataLst>
-              <p:tags r:id="rId2"/>
-            </p:custDataLst>
-          </p:nvPr>
-        </p:nvPicPr>
-        <p:blipFill>
-          <a:blip r:embed="rId5">
-            <a:extLst>
-              <a:ext uri="{28A0092B-C50C-407E-A947-70E740481C1C}">
-                <a14:useLocalDpi xmlns:a14="http://schemas.microsoft.com/office/drawing/2010/main" val="0"/>
-              </a:ext>
-            </a:extLst>
-          </a:blip>
-          <a:stretch>
-            <a:fillRect/>
-          </a:stretch>
-        </p:blipFill>
-        <p:spPr>
-          <a:xfrm>
-            <a:off x="7231509" y="3429000"/>
-            <a:ext cx="3013724" cy="572269"/>
-          </a:xfrm>
-          <a:prstGeom prst="rect">
-            <a:avLst/>
-          </a:prstGeom>
-        </p:spPr>
-      </p:pic>
-    </p:spTree>
-    <p:extLst>
-      <p:ext uri="{BB962C8B-B14F-4D97-AF65-F5344CB8AC3E}">
-        <p14:creationId xmlns:p14="http://schemas.microsoft.com/office/powerpoint/2010/main" val="4108964880"/>
-      </p:ext>
-    </p:extLst>
-  </p:cSld>
-  <p:clrMapOvr>
-    <a:masterClrMapping/>
-  </p:clrMapOvr>
-</p:sld>
-</file>
-
-<file path=ppt/slides/slide14.xml><?xml version="1.0" encoding="utf-8"?>
-<p:sld xmlns:a="http://schemas.openxmlformats.org/drawingml/2006/main" xmlns:r="http://schemas.openxmlformats.org/officeDocument/2006/relationships" xmlns:p="http://schemas.openxmlformats.org/presentationml/2006/main">
-  <p:cSld>
-    <p:spTree>
-      <p:nvGrpSpPr>
-        <p:cNvPr id="1" name=""/>
-        <p:cNvGrpSpPr/>
-        <p:nvPr/>
-      </p:nvGrpSpPr>
-      <p:grpSpPr>
-        <a:xfrm>
-          <a:off x="0" y="0"/>
-          <a:ext cx="0" cy="0"/>
-          <a:chOff x="0" y="0"/>
-          <a:chExt cx="0" cy="0"/>
-        </a:xfrm>
-      </p:grpSpPr>
-      <p:sp>
-        <p:nvSpPr>
-          <p:cNvPr id="2" name="Title 1">
-            <a:extLst>
-              <a:ext uri="{FF2B5EF4-FFF2-40B4-BE49-F238E27FC236}">
-                <a16:creationId xmlns:a16="http://schemas.microsoft.com/office/drawing/2014/main" id="{7606927B-6D49-BB4E-FA6B-6A7794A5635D}"/>
-              </a:ext>
-            </a:extLst>
-          </p:cNvPr>
-          <p:cNvSpPr>
-            <a:spLocks noGrp="1"/>
-          </p:cNvSpPr>
-          <p:nvPr>
-            <p:ph type="title"/>
-          </p:nvPr>
-        </p:nvSpPr>
-        <p:spPr/>
-        <p:txBody>
-          <a:bodyPr/>
-          <a:lstStyle/>
-          <a:p>
-            <a:endParaRPr lang="en-US"/>
-          </a:p>
-        </p:txBody>
-      </p:sp>
-      <p:sp>
-        <p:nvSpPr>
-          <p:cNvPr id="3" name="Content Placeholder 2">
-            <a:extLst>
-              <a:ext uri="{FF2B5EF4-FFF2-40B4-BE49-F238E27FC236}">
-                <a16:creationId xmlns:a16="http://schemas.microsoft.com/office/drawing/2014/main" id="{EA28B5FB-249F-7C12-CF2B-E6AF1E36C987}"/>
-              </a:ext>
-            </a:extLst>
-          </p:cNvPr>
-          <p:cNvSpPr>
-            <a:spLocks noGrp="1"/>
-          </p:cNvSpPr>
-          <p:nvPr>
-            <p:ph idx="1"/>
-          </p:nvPr>
-        </p:nvSpPr>
-        <p:spPr/>
-        <p:txBody>
-          <a:bodyPr/>
-          <a:lstStyle/>
-          <a:p>
-            <a:endParaRPr lang="en-US"/>
-          </a:p>
-        </p:txBody>
-      </p:sp>
-    </p:spTree>
-    <p:extLst>
-      <p:ext uri="{BB962C8B-B14F-4D97-AF65-F5344CB8AC3E}">
-        <p14:creationId xmlns:p14="http://schemas.microsoft.com/office/powerpoint/2010/main" val="3574337885"/>
-      </p:ext>
-    </p:extLst>
-  </p:cSld>
-  <p:clrMapOvr>
-    <a:masterClrMapping/>
-  </p:clrMapOvr>
-</p:sld>
-</file>
-
 <file path=ppt/slides/slide15.xml><?xml version="1.0" encoding="utf-8"?>
 <p:sld xmlns:a="http://schemas.openxmlformats.org/drawingml/2006/main" xmlns:r="http://schemas.openxmlformats.org/officeDocument/2006/relationships" xmlns:p="http://schemas.openxmlformats.org/presentationml/2006/main">
   <p:cSld>
@@ -9001,7 +10660,7 @@
           <p:cNvPr id="2" name="Title 1">
             <a:extLst>
               <a:ext uri="{FF2B5EF4-FFF2-40B4-BE49-F238E27FC236}">
-                <a16:creationId xmlns:a16="http://schemas.microsoft.com/office/drawing/2014/main" id="{C5C341E0-32BE-FAC4-9807-63AB6D6981AC}"/>
+                <a16:creationId xmlns:a16="http://schemas.microsoft.com/office/drawing/2014/main" id="{1C1D6E02-C5D8-99FD-9CDC-A5FEEE38CD33}"/>
               </a:ext>
             </a:extLst>
           </p:cNvPr>
@@ -9010,31 +10669,6 @@
           </p:cNvSpPr>
           <p:nvPr>
             <p:ph type="title"/>
-          </p:nvPr>
-        </p:nvSpPr>
-        <p:spPr/>
-        <p:txBody>
-          <a:bodyPr/>
-          <a:lstStyle/>
-          <a:p>
-            <a:endParaRPr lang="en-US" dirty="0"/>
-          </a:p>
-        </p:txBody>
-      </p:sp>
-      <p:sp>
-        <p:nvSpPr>
-          <p:cNvPr id="3" name="Content Placeholder 2">
-            <a:extLst>
-              <a:ext uri="{FF2B5EF4-FFF2-40B4-BE49-F238E27FC236}">
-                <a16:creationId xmlns:a16="http://schemas.microsoft.com/office/drawing/2014/main" id="{A710AAD3-E228-B93E-BC17-5F3C0F177722}"/>
-              </a:ext>
-            </a:extLst>
-          </p:cNvPr>
-          <p:cNvSpPr>
-            <a:spLocks noGrp="1"/>
-          </p:cNvSpPr>
-          <p:nvPr>
-            <p:ph idx="1"/>
           </p:nvPr>
         </p:nvSpPr>
         <p:spPr/>
@@ -9046,10 +10680,115 @@
           </a:p>
         </p:txBody>
       </p:sp>
+      <p:sp>
+        <p:nvSpPr>
+          <p:cNvPr id="3" name="Content Placeholder 2">
+            <a:extLst>
+              <a:ext uri="{FF2B5EF4-FFF2-40B4-BE49-F238E27FC236}">
+                <a16:creationId xmlns:a16="http://schemas.microsoft.com/office/drawing/2014/main" id="{27FBAA81-9530-D7B7-BACF-151C786468BF}"/>
+              </a:ext>
+            </a:extLst>
+          </p:cNvPr>
+          <p:cNvSpPr>
+            <a:spLocks noGrp="1"/>
+          </p:cNvSpPr>
+          <p:nvPr>
+            <p:ph idx="1"/>
+          </p:nvPr>
+        </p:nvSpPr>
+        <p:spPr/>
+        <p:txBody>
+          <a:bodyPr/>
+          <a:lstStyle/>
+          <a:p>
+            <a:endParaRPr lang="en-US"/>
+          </a:p>
+        </p:txBody>
+      </p:sp>
+      <p:pic>
+        <p:nvPicPr>
+          <p:cNvPr id="4" name="Content Placeholder 3 1" descr="\documentclass{article}&#10;\usepackage{amsmath}&#10;\pagestyle{empty}&#10;\usepackage{xcolor}&#10;\usepackage{empheq}&#10;\begin{document}&#10;{Y}=2{\color{blue}x}&#10;\end{document}" title="IguanaTex Bitmap Display">
+            <a:extLst>
+              <a:ext uri="{FF2B5EF4-FFF2-40B4-BE49-F238E27FC236}">
+                <a16:creationId xmlns:a16="http://schemas.microsoft.com/office/drawing/2014/main" id="{3436BAF5-9742-F8E5-7F22-9FCFFF8367E2}"/>
+              </a:ext>
+            </a:extLst>
+          </p:cNvPr>
+          <p:cNvPicPr>
+            <a:picLocks noChangeAspect="1"/>
+          </p:cNvPicPr>
+          <p:nvPr>
+            <p:custDataLst>
+              <p:tags r:id="rId1"/>
+            </p:custDataLst>
+          </p:nvPr>
+        </p:nvPicPr>
+        <p:blipFill>
+          <a:blip r:embed="rId4">
+            <a:extLst>
+              <a:ext uri="{28A0092B-C50C-407E-A947-70E740481C1C}">
+                <a14:useLocalDpi xmlns:a14="http://schemas.microsoft.com/office/drawing/2010/main" val="0"/>
+              </a:ext>
+            </a:extLst>
+          </a:blip>
+          <a:stretch>
+            <a:fillRect/>
+          </a:stretch>
+        </p:blipFill>
+        <p:spPr>
+          <a:xfrm>
+            <a:off x="3554663" y="3466374"/>
+            <a:ext cx="1992840" cy="534895"/>
+          </a:xfrm>
+          <a:prstGeom prst="rect">
+            <a:avLst/>
+          </a:prstGeom>
+        </p:spPr>
+      </p:pic>
+      <p:pic>
+        <p:nvPicPr>
+          <p:cNvPr id="5" name="Content Placeholder 3 2" descr="\documentclass{article}&#10;\usepackage{amsmath}&#10;\pagestyle{empty}&#10;\usepackage{xcolor}&#10;\usepackage{empheq}&#10;\begin{document}&#10;${\color{green}2^{x}+p^{y}}={\color{blue}z^{2}}$&#10;\end{document}" title="IguanaTex Bitmap Display">
+            <a:extLst>
+              <a:ext uri="{FF2B5EF4-FFF2-40B4-BE49-F238E27FC236}">
+                <a16:creationId xmlns:a16="http://schemas.microsoft.com/office/drawing/2014/main" id="{69148694-1CA0-B251-69AA-3D9FCCC8471A}"/>
+              </a:ext>
+            </a:extLst>
+          </p:cNvPr>
+          <p:cNvPicPr>
+            <a:picLocks noChangeAspect="1"/>
+          </p:cNvPicPr>
+          <p:nvPr>
+            <p:custDataLst>
+              <p:tags r:id="rId2"/>
+            </p:custDataLst>
+          </p:nvPr>
+        </p:nvPicPr>
+        <p:blipFill>
+          <a:blip r:embed="rId5">
+            <a:extLst>
+              <a:ext uri="{28A0092B-C50C-407E-A947-70E740481C1C}">
+                <a14:useLocalDpi xmlns:a14="http://schemas.microsoft.com/office/drawing/2010/main" val="0"/>
+              </a:ext>
+            </a:extLst>
+          </a:blip>
+          <a:stretch>
+            <a:fillRect/>
+          </a:stretch>
+        </p:blipFill>
+        <p:spPr>
+          <a:xfrm>
+            <a:off x="7231509" y="3429000"/>
+            <a:ext cx="3013724" cy="572269"/>
+          </a:xfrm>
+          <a:prstGeom prst="rect">
+            <a:avLst/>
+          </a:prstGeom>
+        </p:spPr>
+      </p:pic>
     </p:spTree>
     <p:extLst>
       <p:ext uri="{BB962C8B-B14F-4D97-AF65-F5344CB8AC3E}">
-        <p14:creationId xmlns:p14="http://schemas.microsoft.com/office/powerpoint/2010/main" val="1667748773"/>
+        <p14:creationId xmlns:p14="http://schemas.microsoft.com/office/powerpoint/2010/main" val="4108964880"/>
       </p:ext>
     </p:extLst>
   </p:cSld>
@@ -9081,7 +10820,7 @@
           <p:cNvPr id="2" name="Title 1">
             <a:extLst>
               <a:ext uri="{FF2B5EF4-FFF2-40B4-BE49-F238E27FC236}">
-                <a16:creationId xmlns:a16="http://schemas.microsoft.com/office/drawing/2014/main" id="{0E297A0D-9615-F65D-FF4C-96CA05F1786E}"/>
+                <a16:creationId xmlns:a16="http://schemas.microsoft.com/office/drawing/2014/main" id="{7606927B-6D49-BB4E-FA6B-6A7794A5635D}"/>
               </a:ext>
             </a:extLst>
           </p:cNvPr>
@@ -9106,7 +10845,7 @@
           <p:cNvPr id="3" name="Content Placeholder 2">
             <a:extLst>
               <a:ext uri="{FF2B5EF4-FFF2-40B4-BE49-F238E27FC236}">
-                <a16:creationId xmlns:a16="http://schemas.microsoft.com/office/drawing/2014/main" id="{2C22E3A2-8CB1-8C5F-A1FA-43E48C63F726}"/>
+                <a16:creationId xmlns:a16="http://schemas.microsoft.com/office/drawing/2014/main" id="{EA28B5FB-249F-7C12-CF2B-E6AF1E36C987}"/>
               </a:ext>
             </a:extLst>
           </p:cNvPr>
@@ -9129,7 +10868,7 @@
     </p:spTree>
     <p:extLst>
       <p:ext uri="{BB962C8B-B14F-4D97-AF65-F5344CB8AC3E}">
-        <p14:creationId xmlns:p14="http://schemas.microsoft.com/office/powerpoint/2010/main" val="803829190"/>
+        <p14:creationId xmlns:p14="http://schemas.microsoft.com/office/powerpoint/2010/main" val="3574337885"/>
       </p:ext>
     </p:extLst>
   </p:cSld>
@@ -9161,7 +10900,7 @@
           <p:cNvPr id="2" name="Title 1">
             <a:extLst>
               <a:ext uri="{FF2B5EF4-FFF2-40B4-BE49-F238E27FC236}">
-                <a16:creationId xmlns:a16="http://schemas.microsoft.com/office/drawing/2014/main" id="{7245DA93-B3A8-80DA-6316-23B7D99A315E}"/>
+                <a16:creationId xmlns:a16="http://schemas.microsoft.com/office/drawing/2014/main" id="{C5C341E0-32BE-FAC4-9807-63AB6D6981AC}"/>
               </a:ext>
             </a:extLst>
           </p:cNvPr>
@@ -9177,7 +10916,7 @@
           <a:bodyPr/>
           <a:lstStyle/>
           <a:p>
-            <a:endParaRPr lang="en-US"/>
+            <a:endParaRPr lang="en-US" dirty="0"/>
           </a:p>
         </p:txBody>
       </p:sp>
@@ -9186,7 +10925,7 @@
           <p:cNvPr id="3" name="Content Placeholder 2">
             <a:extLst>
               <a:ext uri="{FF2B5EF4-FFF2-40B4-BE49-F238E27FC236}">
-                <a16:creationId xmlns:a16="http://schemas.microsoft.com/office/drawing/2014/main" id="{1B923B55-9145-4BA3-65E2-EC80EE395334}"/>
+                <a16:creationId xmlns:a16="http://schemas.microsoft.com/office/drawing/2014/main" id="{A710AAD3-E228-B93E-BC17-5F3C0F177722}"/>
               </a:ext>
             </a:extLst>
           </p:cNvPr>
@@ -9209,7 +10948,7 @@
     </p:spTree>
     <p:extLst>
       <p:ext uri="{BB962C8B-B14F-4D97-AF65-F5344CB8AC3E}">
-        <p14:creationId xmlns:p14="http://schemas.microsoft.com/office/powerpoint/2010/main" val="1989448623"/>
+        <p14:creationId xmlns:p14="http://schemas.microsoft.com/office/powerpoint/2010/main" val="1667748773"/>
       </p:ext>
     </p:extLst>
   </p:cSld>
@@ -9241,7 +10980,7 @@
           <p:cNvPr id="2" name="Title 1">
             <a:extLst>
               <a:ext uri="{FF2B5EF4-FFF2-40B4-BE49-F238E27FC236}">
-                <a16:creationId xmlns:a16="http://schemas.microsoft.com/office/drawing/2014/main" id="{6E305564-C7E3-0A11-DACB-724DA3C7B663}"/>
+                <a16:creationId xmlns:a16="http://schemas.microsoft.com/office/drawing/2014/main" id="{0E297A0D-9615-F65D-FF4C-96CA05F1786E}"/>
               </a:ext>
             </a:extLst>
           </p:cNvPr>
@@ -9266,7 +11005,7 @@
           <p:cNvPr id="3" name="Content Placeholder 2">
             <a:extLst>
               <a:ext uri="{FF2B5EF4-FFF2-40B4-BE49-F238E27FC236}">
-                <a16:creationId xmlns:a16="http://schemas.microsoft.com/office/drawing/2014/main" id="{A83FAD33-F530-66FD-2357-CE6B2D270016}"/>
+                <a16:creationId xmlns:a16="http://schemas.microsoft.com/office/drawing/2014/main" id="{2C22E3A2-8CB1-8C5F-A1FA-43E48C63F726}"/>
               </a:ext>
             </a:extLst>
           </p:cNvPr>
@@ -9289,7 +11028,7 @@
     </p:spTree>
     <p:extLst>
       <p:ext uri="{BB962C8B-B14F-4D97-AF65-F5344CB8AC3E}">
-        <p14:creationId xmlns:p14="http://schemas.microsoft.com/office/powerpoint/2010/main" val="3642021682"/>
+        <p14:creationId xmlns:p14="http://schemas.microsoft.com/office/powerpoint/2010/main" val="803829190"/>
       </p:ext>
     </p:extLst>
   </p:cSld>
@@ -9321,7 +11060,7 @@
           <p:cNvPr id="2" name="Title 1">
             <a:extLst>
               <a:ext uri="{FF2B5EF4-FFF2-40B4-BE49-F238E27FC236}">
-                <a16:creationId xmlns:a16="http://schemas.microsoft.com/office/drawing/2014/main" id="{62AA4219-CF0C-6153-F79B-7EA5C4D08B63}"/>
+                <a16:creationId xmlns:a16="http://schemas.microsoft.com/office/drawing/2014/main" id="{7245DA93-B3A8-80DA-6316-23B7D99A315E}"/>
               </a:ext>
             </a:extLst>
           </p:cNvPr>
@@ -9346,7 +11085,7 @@
           <p:cNvPr id="3" name="Content Placeholder 2">
             <a:extLst>
               <a:ext uri="{FF2B5EF4-FFF2-40B4-BE49-F238E27FC236}">
-                <a16:creationId xmlns:a16="http://schemas.microsoft.com/office/drawing/2014/main" id="{68EE7CB0-D178-E91F-26C8-94CEA7197DEC}"/>
+                <a16:creationId xmlns:a16="http://schemas.microsoft.com/office/drawing/2014/main" id="{1B923B55-9145-4BA3-65E2-EC80EE395334}"/>
               </a:ext>
             </a:extLst>
           </p:cNvPr>
@@ -9369,7 +11108,7 @@
     </p:spTree>
     <p:extLst>
       <p:ext uri="{BB962C8B-B14F-4D97-AF65-F5344CB8AC3E}">
-        <p14:creationId xmlns:p14="http://schemas.microsoft.com/office/powerpoint/2010/main" val="1144225072"/>
+        <p14:creationId xmlns:p14="http://schemas.microsoft.com/office/powerpoint/2010/main" val="1989448623"/>
       </p:ext>
     </p:extLst>
   </p:cSld>
@@ -9823,6 +11562,166 @@
 </p:sld>
 </file>
 
+<file path=ppt/slides/slide20.xml><?xml version="1.0" encoding="utf-8"?>
+<p:sld xmlns:a="http://schemas.openxmlformats.org/drawingml/2006/main" xmlns:r="http://schemas.openxmlformats.org/officeDocument/2006/relationships" xmlns:p="http://schemas.openxmlformats.org/presentationml/2006/main">
+  <p:cSld>
+    <p:spTree>
+      <p:nvGrpSpPr>
+        <p:cNvPr id="1" name=""/>
+        <p:cNvGrpSpPr/>
+        <p:nvPr/>
+      </p:nvGrpSpPr>
+      <p:grpSpPr>
+        <a:xfrm>
+          <a:off x="0" y="0"/>
+          <a:ext cx="0" cy="0"/>
+          <a:chOff x="0" y="0"/>
+          <a:chExt cx="0" cy="0"/>
+        </a:xfrm>
+      </p:grpSpPr>
+      <p:sp>
+        <p:nvSpPr>
+          <p:cNvPr id="2" name="Title 1">
+            <a:extLst>
+              <a:ext uri="{FF2B5EF4-FFF2-40B4-BE49-F238E27FC236}">
+                <a16:creationId xmlns:a16="http://schemas.microsoft.com/office/drawing/2014/main" id="{6E305564-C7E3-0A11-DACB-724DA3C7B663}"/>
+              </a:ext>
+            </a:extLst>
+          </p:cNvPr>
+          <p:cNvSpPr>
+            <a:spLocks noGrp="1"/>
+          </p:cNvSpPr>
+          <p:nvPr>
+            <p:ph type="title"/>
+          </p:nvPr>
+        </p:nvSpPr>
+        <p:spPr/>
+        <p:txBody>
+          <a:bodyPr/>
+          <a:lstStyle/>
+          <a:p>
+            <a:endParaRPr lang="en-US"/>
+          </a:p>
+        </p:txBody>
+      </p:sp>
+      <p:sp>
+        <p:nvSpPr>
+          <p:cNvPr id="3" name="Content Placeholder 2">
+            <a:extLst>
+              <a:ext uri="{FF2B5EF4-FFF2-40B4-BE49-F238E27FC236}">
+                <a16:creationId xmlns:a16="http://schemas.microsoft.com/office/drawing/2014/main" id="{A83FAD33-F530-66FD-2357-CE6B2D270016}"/>
+              </a:ext>
+            </a:extLst>
+          </p:cNvPr>
+          <p:cNvSpPr>
+            <a:spLocks noGrp="1"/>
+          </p:cNvSpPr>
+          <p:nvPr>
+            <p:ph idx="1"/>
+          </p:nvPr>
+        </p:nvSpPr>
+        <p:spPr/>
+        <p:txBody>
+          <a:bodyPr/>
+          <a:lstStyle/>
+          <a:p>
+            <a:endParaRPr lang="en-US"/>
+          </a:p>
+        </p:txBody>
+      </p:sp>
+    </p:spTree>
+    <p:extLst>
+      <p:ext uri="{BB962C8B-B14F-4D97-AF65-F5344CB8AC3E}">
+        <p14:creationId xmlns:p14="http://schemas.microsoft.com/office/powerpoint/2010/main" val="3642021682"/>
+      </p:ext>
+    </p:extLst>
+  </p:cSld>
+  <p:clrMapOvr>
+    <a:masterClrMapping/>
+  </p:clrMapOvr>
+</p:sld>
+</file>
+
+<file path=ppt/slides/slide21.xml><?xml version="1.0" encoding="utf-8"?>
+<p:sld xmlns:a="http://schemas.openxmlformats.org/drawingml/2006/main" xmlns:r="http://schemas.openxmlformats.org/officeDocument/2006/relationships" xmlns:p="http://schemas.openxmlformats.org/presentationml/2006/main">
+  <p:cSld>
+    <p:spTree>
+      <p:nvGrpSpPr>
+        <p:cNvPr id="1" name=""/>
+        <p:cNvGrpSpPr/>
+        <p:nvPr/>
+      </p:nvGrpSpPr>
+      <p:grpSpPr>
+        <a:xfrm>
+          <a:off x="0" y="0"/>
+          <a:ext cx="0" cy="0"/>
+          <a:chOff x="0" y="0"/>
+          <a:chExt cx="0" cy="0"/>
+        </a:xfrm>
+      </p:grpSpPr>
+      <p:sp>
+        <p:nvSpPr>
+          <p:cNvPr id="2" name="Title 1">
+            <a:extLst>
+              <a:ext uri="{FF2B5EF4-FFF2-40B4-BE49-F238E27FC236}">
+                <a16:creationId xmlns:a16="http://schemas.microsoft.com/office/drawing/2014/main" id="{62AA4219-CF0C-6153-F79B-7EA5C4D08B63}"/>
+              </a:ext>
+            </a:extLst>
+          </p:cNvPr>
+          <p:cNvSpPr>
+            <a:spLocks noGrp="1"/>
+          </p:cNvSpPr>
+          <p:nvPr>
+            <p:ph type="title"/>
+          </p:nvPr>
+        </p:nvSpPr>
+        <p:spPr/>
+        <p:txBody>
+          <a:bodyPr/>
+          <a:lstStyle/>
+          <a:p>
+            <a:endParaRPr lang="en-US"/>
+          </a:p>
+        </p:txBody>
+      </p:sp>
+      <p:sp>
+        <p:nvSpPr>
+          <p:cNvPr id="3" name="Content Placeholder 2">
+            <a:extLst>
+              <a:ext uri="{FF2B5EF4-FFF2-40B4-BE49-F238E27FC236}">
+                <a16:creationId xmlns:a16="http://schemas.microsoft.com/office/drawing/2014/main" id="{68EE7CB0-D178-E91F-26C8-94CEA7197DEC}"/>
+              </a:ext>
+            </a:extLst>
+          </p:cNvPr>
+          <p:cNvSpPr>
+            <a:spLocks noGrp="1"/>
+          </p:cNvSpPr>
+          <p:nvPr>
+            <p:ph idx="1"/>
+          </p:nvPr>
+        </p:nvSpPr>
+        <p:spPr/>
+        <p:txBody>
+          <a:bodyPr/>
+          <a:lstStyle/>
+          <a:p>
+            <a:endParaRPr lang="en-US"/>
+          </a:p>
+        </p:txBody>
+      </p:sp>
+    </p:spTree>
+    <p:extLst>
+      <p:ext uri="{BB962C8B-B14F-4D97-AF65-F5344CB8AC3E}">
+        <p14:creationId xmlns:p14="http://schemas.microsoft.com/office/powerpoint/2010/main" val="1144225072"/>
+      </p:ext>
+    </p:extLst>
+  </p:cSld>
+  <p:clrMapOvr>
+    <a:masterClrMapping/>
+  </p:clrMapOvr>
+</p:sld>
+</file>
+
 <file path=ppt/slides/slide3.xml><?xml version="1.0" encoding="utf-8"?>
 <p:sld xmlns:a="http://schemas.openxmlformats.org/drawingml/2006/main" xmlns:r="http://schemas.openxmlformats.org/officeDocument/2006/relationships" xmlns:p="http://schemas.openxmlformats.org/presentationml/2006/main">
   <p:cSld>
@@ -9840,6 +11739,1323 @@
           <a:chExt cx="0" cy="0"/>
         </a:xfrm>
       </p:grpSpPr>
+      <p:sp>
+        <p:nvSpPr>
+          <p:cNvPr id="2" name="Title 1 1">
+            <a:extLst>
+              <a:ext uri="{FF2B5EF4-FFF2-40B4-BE49-F238E27FC236}">
+                <a16:creationId xmlns:a16="http://schemas.microsoft.com/office/drawing/2014/main" id="{6C60122F-55C3-699E-29E2-C0B88F6E3B61}"/>
+              </a:ext>
+            </a:extLst>
+          </p:cNvPr>
+          <p:cNvSpPr>
+            <a:spLocks noGrp="1"/>
+          </p:cNvSpPr>
+          <p:nvPr>
+            <p:ph type="title"/>
+          </p:nvPr>
+        </p:nvSpPr>
+        <p:spPr>
+          <a:xfrm>
+            <a:off x="796028" y="960058"/>
+            <a:ext cx="10243312" cy="378323"/>
+          </a:xfrm>
+        </p:spPr>
+        <p:txBody>
+          <a:bodyPr>
+            <a:normAutofit fontScale="90000"/>
+          </a:bodyPr>
+          <a:lstStyle/>
+          <a:p>
+            <a:r>
+              <a:rPr lang="th-TH" dirty="0">
+                <a:solidFill>
+                  <a:schemeClr val="tx1"/>
+                </a:solidFill>
+                <a:latin typeface="TH Sarabun New" panose="020B0500040200020003" pitchFamily="34" charset="-34"/>
+                <a:cs typeface="TH Sarabun New" panose="020B0500040200020003" pitchFamily="34" charset="-34"/>
+              </a:rPr>
+              <a:t>นิยามและคุณสมบัติของคอนกรูเอนซ์</a:t>
+            </a:r>
+            <a:br>
+              <a:rPr lang="th-TH" dirty="0">
+                <a:solidFill>
+                  <a:schemeClr val="tx1"/>
+                </a:solidFill>
+                <a:latin typeface="TH Sarabun New" panose="020B0500040200020003" pitchFamily="34" charset="-34"/>
+                <a:cs typeface="TH Sarabun New" panose="020B0500040200020003" pitchFamily="34" charset="-34"/>
+              </a:rPr>
+            </a:br>
+            <a:endParaRPr lang="en-US" dirty="0">
+              <a:solidFill>
+                <a:schemeClr val="tx1"/>
+              </a:solidFill>
+            </a:endParaRPr>
+          </a:p>
+        </p:txBody>
+      </p:sp>
+      <mc:AlternateContent xmlns:mc="http://schemas.openxmlformats.org/markup-compatibility/2006">
+        <mc:Choice xmlns:a14="http://schemas.microsoft.com/office/drawing/2010/main" Requires="a14">
+          <p:sp>
+            <p:nvSpPr>
+              <p:cNvPr id="3" name="Title 1">
+                <a:extLst>
+                  <a:ext uri="{FF2B5EF4-FFF2-40B4-BE49-F238E27FC236}">
+                    <a16:creationId xmlns:a16="http://schemas.microsoft.com/office/drawing/2014/main" id="{879C6D30-347B-C974-608E-45D443C98CFA}"/>
+                  </a:ext>
+                </a:extLst>
+              </p:cNvPr>
+              <p:cNvSpPr txBox="1">
+                <a:spLocks/>
+              </p:cNvSpPr>
+              <p:nvPr/>
+            </p:nvSpPr>
+            <p:spPr>
+              <a:xfrm>
+                <a:off x="796028" y="1149220"/>
+                <a:ext cx="10243312" cy="3371980"/>
+              </a:xfrm>
+              <a:prstGeom prst="rect">
+                <a:avLst/>
+              </a:prstGeom>
+            </p:spPr>
+            <p:txBody>
+              <a:bodyPr vert="horz" lIns="91440" tIns="27432" rIns="91440" bIns="45720" rtlCol="0" anchor="b">
+                <a:noAutofit/>
+              </a:bodyPr>
+              <a:lstStyle>
+                <a:lvl1pPr algn="l" defTabSz="914400" rtl="0" eaLnBrk="1" latinLnBrk="0" hangingPunct="1">
+                  <a:lnSpc>
+                    <a:spcPct val="90000"/>
+                  </a:lnSpc>
+                  <a:spcBef>
+                    <a:spcPct val="0"/>
+                  </a:spcBef>
+                  <a:buNone/>
+                  <a:defRPr sz="4400" b="1" kern="1200" spc="-50" baseline="0">
+                    <a:solidFill>
+                      <a:schemeClr val="accent1"/>
+                    </a:solidFill>
+                    <a:latin typeface="+mj-lt"/>
+                    <a:ea typeface="+mj-ea"/>
+                    <a:cs typeface="+mj-cs"/>
+                  </a:defRPr>
+                </a:lvl1pPr>
+              </a:lstStyle>
+              <a:p>
+                <a:endParaRPr lang="en-US" sz="3100" b="0" dirty="0">
+                  <a:solidFill>
+                    <a:schemeClr val="tx1"/>
+                  </a:solidFill>
+                  <a:latin typeface="TH Sarabun New" panose="020B0500040200020003" pitchFamily="34" charset="-34"/>
+                  <a:cs typeface="TH Sarabun New" panose="020B0500040200020003" pitchFamily="34" charset="-34"/>
+                </a:endParaRPr>
+              </a:p>
+              <a:p>
+                <a:r>
+                  <a:rPr lang="th-TH" sz="3100" u="sng" dirty="0">
+                    <a:solidFill>
+                      <a:schemeClr val="tx1"/>
+                    </a:solidFill>
+                    <a:latin typeface="TH Sarabun New" panose="020B0500040200020003" pitchFamily="34" charset="-34"/>
+                    <a:cs typeface="TH Sarabun New" panose="020B0500040200020003" pitchFamily="34" charset="-34"/>
+                  </a:rPr>
+                  <a:t>นิยาม</a:t>
+                </a:r>
+                <a:endParaRPr lang="en-US" sz="3100" u="sng" dirty="0">
+                  <a:solidFill>
+                    <a:schemeClr val="tx1"/>
+                  </a:solidFill>
+                  <a:latin typeface="TH Sarabun New" panose="020B0500040200020003" pitchFamily="34" charset="-34"/>
+                  <a:cs typeface="TH Sarabun New" panose="020B0500040200020003" pitchFamily="34" charset="-34"/>
+                </a:endParaRPr>
+              </a:p>
+              <a:p>
+                <a:r>
+                  <a:rPr lang="th-TH" sz="3100" b="0" dirty="0">
+                    <a:solidFill>
+                      <a:schemeClr val="tx1"/>
+                    </a:solidFill>
+                    <a:latin typeface="TH Sarabun New" panose="020B0500040200020003" pitchFamily="34" charset="-34"/>
+                    <a:cs typeface="TH Sarabun New" panose="020B0500040200020003" pitchFamily="34" charset="-34"/>
+                  </a:rPr>
+                  <a:t>ให้</a:t>
+                </a:r>
+                <a:r>
+                  <a:rPr lang="en-US" sz="3100" b="0" dirty="0">
+                    <a:solidFill>
+                      <a:schemeClr val="tx1"/>
+                    </a:solidFill>
+                    <a:latin typeface="TH Sarabun New" panose="020B0500040200020003" pitchFamily="34" charset="-34"/>
+                    <a:cs typeface="TH Sarabun New" panose="020B0500040200020003" pitchFamily="34" charset="-34"/>
+                  </a:rPr>
+                  <a:t>       </a:t>
+                </a:r>
+                <a:r>
+                  <a:rPr lang="th-TH" sz="3100" b="0" dirty="0">
+                    <a:solidFill>
+                      <a:schemeClr val="tx1"/>
+                    </a:solidFill>
+                    <a:latin typeface="TH Sarabun New" panose="020B0500040200020003" pitchFamily="34" charset="-34"/>
+                    <a:cs typeface="TH Sarabun New" panose="020B0500040200020003" pitchFamily="34" charset="-34"/>
+                  </a:rPr>
+                  <a:t>เป็นจำนวนเต็มบวก สำหรับจำนวนเต็ม     และ      </a:t>
+                </a:r>
+              </a:p>
+              <a:p>
+                <a:r>
+                  <a:rPr lang="th-TH" sz="3100" b="0" dirty="0">
+                    <a:solidFill>
+                      <a:schemeClr val="tx1"/>
+                    </a:solidFill>
+                    <a:latin typeface="TH Sarabun New" panose="020B0500040200020003" pitchFamily="34" charset="-34"/>
+                    <a:cs typeface="TH Sarabun New" panose="020B0500040200020003" pitchFamily="34" charset="-34"/>
+                  </a:rPr>
+                  <a:t>จะกล่าวว่า       </a:t>
+                </a:r>
+                <a:r>
+                  <a:rPr lang="th-TH" sz="3100" b="0" dirty="0">
+                    <a:solidFill>
+                      <a:srgbClr val="FF0000"/>
+                    </a:solidFill>
+                    <a:latin typeface="TH Sarabun New" panose="020B0500040200020003" pitchFamily="34" charset="-34"/>
+                    <a:cs typeface="TH Sarabun New" panose="020B0500040200020003" pitchFamily="34" charset="-34"/>
+                  </a:rPr>
+                  <a:t>คอนกรูเอนซ์</a:t>
+                </a:r>
+                <a:r>
+                  <a:rPr lang="th-TH" sz="3100" b="0" dirty="0">
+                    <a:solidFill>
+                      <a:schemeClr val="tx1"/>
+                    </a:solidFill>
+                    <a:latin typeface="TH Sarabun New" panose="020B0500040200020003" pitchFamily="34" charset="-34"/>
+                    <a:cs typeface="TH Sarabun New" panose="020B0500040200020003" pitchFamily="34" charset="-34"/>
+                  </a:rPr>
+                  <a:t>กับ      มอดุโล       เขียนแทนด้วย   </a:t>
+                </a:r>
+                <a:r>
+                  <a:rPr lang="en-US" sz="3100" b="0" dirty="0">
+                    <a:solidFill>
+                      <a:schemeClr val="tx1"/>
+                    </a:solidFill>
+                    <a:latin typeface="TH Sarabun New" panose="020B0500040200020003" pitchFamily="34" charset="-34"/>
+                    <a:cs typeface="TH Sarabun New" panose="020B0500040200020003" pitchFamily="34" charset="-34"/>
+                  </a:rPr>
+                  <a:t>                                 </a:t>
+                </a:r>
+                <a:r>
+                  <a:rPr lang="th-TH" sz="3100" b="0" dirty="0">
+                    <a:solidFill>
+                      <a:schemeClr val="tx1"/>
+                    </a:solidFill>
+                    <a:latin typeface="TH Sarabun New" panose="020B0500040200020003" pitchFamily="34" charset="-34"/>
+                    <a:cs typeface="TH Sarabun New" panose="020B0500040200020003" pitchFamily="34" charset="-34"/>
+                  </a:rPr>
+                  <a:t>ก็ต่อเมื่อ</a:t>
+                </a:r>
+                <a:endParaRPr lang="en-US" sz="3100" b="0" dirty="0">
+                  <a:solidFill>
+                    <a:schemeClr val="tx1"/>
+                  </a:solidFill>
+                  <a:latin typeface="TH Sarabun New" panose="020B0500040200020003" pitchFamily="34" charset="-34"/>
+                  <a:cs typeface="TH Sarabun New" panose="020B0500040200020003" pitchFamily="34" charset="-34"/>
+                </a:endParaRPr>
+              </a:p>
+              <a:p>
+                <a:r>
+                  <a:rPr lang="en-US" sz="3100" b="0" dirty="0">
+                    <a:solidFill>
+                      <a:schemeClr val="tx1"/>
+                    </a:solidFill>
+                    <a:latin typeface="TH Sarabun New" panose="020B0500040200020003" pitchFamily="34" charset="-34"/>
+                    <a:cs typeface="TH Sarabun New" panose="020B0500040200020003" pitchFamily="34" charset="-34"/>
+                  </a:rPr>
+                  <a:t>    </a:t>
+                </a:r>
+                <a:r>
+                  <a:rPr lang="th-TH" sz="3100" b="0" dirty="0">
+                    <a:solidFill>
+                      <a:schemeClr val="tx1"/>
+                    </a:solidFill>
+                    <a:latin typeface="TH Sarabun New" panose="020B0500040200020003" pitchFamily="34" charset="-34"/>
+                    <a:cs typeface="TH Sarabun New" panose="020B0500040200020003" pitchFamily="34" charset="-34"/>
+                  </a:rPr>
+                  <a:t>หาร     </a:t>
+                </a:r>
+                <a:r>
+                  <a:rPr lang="en-US" sz="3100" b="0" dirty="0">
+                    <a:solidFill>
+                      <a:schemeClr val="tx1"/>
+                    </a:solidFill>
+                    <a:latin typeface="TH Sarabun New" panose="020B0500040200020003" pitchFamily="34" charset="-34"/>
+                    <a:cs typeface="TH Sarabun New" panose="020B0500040200020003" pitchFamily="34" charset="-34"/>
+                  </a:rPr>
+                  <a:t>-</a:t>
+                </a:r>
+                <a:r>
+                  <a:rPr lang="th-TH" sz="3100" b="0" dirty="0">
+                    <a:solidFill>
+                      <a:schemeClr val="tx1"/>
+                    </a:solidFill>
+                    <a:latin typeface="TH Sarabun New" panose="020B0500040200020003" pitchFamily="34" charset="-34"/>
+                    <a:cs typeface="TH Sarabun New" panose="020B0500040200020003" pitchFamily="34" charset="-34"/>
+                  </a:rPr>
+                  <a:t>      ลงตัว</a:t>
+                </a:r>
+              </a:p>
+              <a:p>
+                <a:r>
+                  <a:rPr lang="th-TH" sz="3100" b="0" dirty="0">
+                    <a:solidFill>
+                      <a:schemeClr val="tx1"/>
+                    </a:solidFill>
+                    <a:latin typeface="TH Sarabun New" panose="020B0500040200020003" pitchFamily="34" charset="-34"/>
+                    <a:cs typeface="TH Sarabun New" panose="020B0500040200020003" pitchFamily="34" charset="-34"/>
+                  </a:rPr>
+                  <a:t>และถ้า</a:t>
+                </a:r>
+                <a:r>
+                  <a:rPr lang="en-US" sz="3100" b="0" dirty="0">
+                    <a:solidFill>
+                      <a:schemeClr val="tx1"/>
+                    </a:solidFill>
+                    <a:latin typeface="TH Sarabun New" panose="020B0500040200020003" pitchFamily="34" charset="-34"/>
+                    <a:cs typeface="TH Sarabun New" panose="020B0500040200020003" pitchFamily="34" charset="-34"/>
+                  </a:rPr>
+                  <a:t>      </a:t>
+                </a:r>
+                <a:r>
+                  <a:rPr lang="th-TH" sz="3100" b="0" dirty="0">
+                    <a:solidFill>
+                      <a:schemeClr val="tx1"/>
+                    </a:solidFill>
+                    <a:latin typeface="TH Sarabun New" panose="020B0500040200020003" pitchFamily="34" charset="-34"/>
+                    <a:cs typeface="TH Sarabun New" panose="020B0500040200020003" pitchFamily="34" charset="-34"/>
+                  </a:rPr>
+                  <a:t>หาร </a:t>
+                </a:r>
+                <a:r>
+                  <a:rPr lang="en-US" sz="3100" b="0" dirty="0">
+                    <a:solidFill>
+                      <a:schemeClr val="tx1"/>
+                    </a:solidFill>
+                    <a:latin typeface="TH Sarabun New" panose="020B0500040200020003" pitchFamily="34" charset="-34"/>
+                    <a:cs typeface="TH Sarabun New" panose="020B0500040200020003" pitchFamily="34" charset="-34"/>
+                  </a:rPr>
+                  <a:t>     -   </a:t>
+                </a:r>
+                <a:r>
+                  <a:rPr lang="th-TH" sz="3100" b="0" dirty="0">
+                    <a:solidFill>
+                      <a:schemeClr val="tx1"/>
+                    </a:solidFill>
+                    <a:latin typeface="TH Sarabun New" panose="020B0500040200020003" pitchFamily="34" charset="-34"/>
+                    <a:cs typeface="TH Sarabun New" panose="020B0500040200020003" pitchFamily="34" charset="-34"/>
+                  </a:rPr>
+                  <a:t> </a:t>
+                </a:r>
+                <a:r>
+                  <a:rPr lang="en-US" sz="3100" b="0" dirty="0">
+                    <a:solidFill>
+                      <a:schemeClr val="tx1"/>
+                    </a:solidFill>
+                    <a:latin typeface="TH Sarabun New" panose="020B0500040200020003" pitchFamily="34" charset="-34"/>
+                    <a:cs typeface="TH Sarabun New" panose="020B0500040200020003" pitchFamily="34" charset="-34"/>
+                  </a:rPr>
+                  <a:t> </a:t>
+                </a:r>
+                <a:r>
+                  <a:rPr lang="th-TH" sz="3100" b="0" dirty="0">
+                    <a:solidFill>
+                      <a:schemeClr val="tx1"/>
+                    </a:solidFill>
+                    <a:latin typeface="TH Sarabun New" panose="020B0500040200020003" pitchFamily="34" charset="-34"/>
+                    <a:cs typeface="TH Sarabun New" panose="020B0500040200020003" pitchFamily="34" charset="-34"/>
+                  </a:rPr>
+                  <a:t>ไม่ลงตัว จะกล่าวว่า   </a:t>
+                </a:r>
+                <a:r>
+                  <a:rPr lang="en-US" sz="3100" b="0" dirty="0">
+                    <a:solidFill>
+                      <a:schemeClr val="tx1"/>
+                    </a:solidFill>
+                    <a:latin typeface="TH Sarabun New" panose="020B0500040200020003" pitchFamily="34" charset="-34"/>
+                    <a:cs typeface="TH Sarabun New" panose="020B0500040200020003" pitchFamily="34" charset="-34"/>
+                  </a:rPr>
+                  <a:t>  </a:t>
+                </a:r>
+                <a:r>
+                  <a:rPr lang="th-TH" sz="3100" b="0" dirty="0">
+                    <a:solidFill>
+                      <a:srgbClr val="FF0000"/>
+                    </a:solidFill>
+                    <a:latin typeface="TH Sarabun New" panose="020B0500040200020003" pitchFamily="34" charset="-34"/>
+                    <a:cs typeface="TH Sarabun New" panose="020B0500040200020003" pitchFamily="34" charset="-34"/>
+                  </a:rPr>
+                  <a:t>ไม่คอนกรูเอนซ์</a:t>
+                </a:r>
+                <a:r>
+                  <a:rPr lang="th-TH" sz="3100" b="0" dirty="0">
+                    <a:solidFill>
+                      <a:schemeClr val="tx1"/>
+                    </a:solidFill>
+                    <a:latin typeface="TH Sarabun New" panose="020B0500040200020003" pitchFamily="34" charset="-34"/>
+                    <a:cs typeface="TH Sarabun New" panose="020B0500040200020003" pitchFamily="34" charset="-34"/>
+                  </a:rPr>
+                  <a:t>กับ     </a:t>
+                </a:r>
+                <a:r>
+                  <a:rPr lang="en-US" sz="3100" b="0" dirty="0">
+                    <a:solidFill>
+                      <a:schemeClr val="tx1"/>
+                    </a:solidFill>
+                    <a:latin typeface="TH Sarabun New" panose="020B0500040200020003" pitchFamily="34" charset="-34"/>
+                    <a:cs typeface="TH Sarabun New" panose="020B0500040200020003" pitchFamily="34" charset="-34"/>
+                  </a:rPr>
+                  <a:t> </a:t>
+                </a:r>
+                <a:r>
+                  <a:rPr lang="th-TH" sz="3100" b="0" dirty="0">
+                    <a:solidFill>
+                      <a:schemeClr val="tx1"/>
+                    </a:solidFill>
+                    <a:latin typeface="TH Sarabun New" panose="020B0500040200020003" pitchFamily="34" charset="-34"/>
+                    <a:cs typeface="TH Sarabun New" panose="020B0500040200020003" pitchFamily="34" charset="-34"/>
+                  </a:rPr>
+                  <a:t>มอดุโล</a:t>
+                </a:r>
+                <a:r>
+                  <a:rPr lang="en-US" sz="3100" b="0" dirty="0">
+                    <a:solidFill>
+                      <a:schemeClr val="tx1"/>
+                    </a:solidFill>
+                    <a:latin typeface="TH Sarabun New" panose="020B0500040200020003" pitchFamily="34" charset="-34"/>
+                    <a:cs typeface="TH Sarabun New" panose="020B0500040200020003" pitchFamily="34" charset="-34"/>
+                  </a:rPr>
+                  <a:t>   </a:t>
+                </a:r>
+                <a:r>
+                  <a:rPr lang="th-TH" sz="3100" b="0" dirty="0">
+                    <a:solidFill>
+                      <a:schemeClr val="tx1"/>
+                    </a:solidFill>
+                    <a:latin typeface="TH Sarabun New" panose="020B0500040200020003" pitchFamily="34" charset="-34"/>
+                    <a:cs typeface="TH Sarabun New" panose="020B0500040200020003" pitchFamily="34" charset="-34"/>
+                  </a:rPr>
+                  <a:t>    </a:t>
+                </a:r>
+                <a:endParaRPr lang="en-US" sz="3100" b="0" dirty="0">
+                  <a:solidFill>
+                    <a:schemeClr val="tx1"/>
+                  </a:solidFill>
+                  <a:latin typeface="TH Sarabun New" panose="020B0500040200020003" pitchFamily="34" charset="-34"/>
+                  <a:cs typeface="TH Sarabun New" panose="020B0500040200020003" pitchFamily="34" charset="-34"/>
+                </a:endParaRPr>
+              </a:p>
+              <a:p>
+                <a:r>
+                  <a:rPr lang="th-TH" sz="3100" b="0" dirty="0">
+                    <a:solidFill>
+                      <a:schemeClr val="tx1"/>
+                    </a:solidFill>
+                    <a:latin typeface="TH Sarabun New" panose="020B0500040200020003" pitchFamily="34" charset="-34"/>
+                    <a:cs typeface="TH Sarabun New" panose="020B0500040200020003" pitchFamily="34" charset="-34"/>
+                  </a:rPr>
+                  <a:t>แทนด้วย  </a:t>
+                </a:r>
+                <a:r>
+                  <a:rPr lang="en-US" sz="3100" b="0" dirty="0">
+                    <a:solidFill>
+                      <a:schemeClr val="tx1"/>
+                    </a:solidFill>
+                    <a:latin typeface="TH Sarabun New" panose="020B0500040200020003" pitchFamily="34" charset="-34"/>
+                    <a:cs typeface="TH Sarabun New" panose="020B0500040200020003" pitchFamily="34" charset="-34"/>
+                  </a:rPr>
+                  <a:t> </a:t>
+                </a:r>
+                <a:r>
+                  <a:rPr lang="th-TH" sz="3100" b="0" dirty="0">
+                    <a:solidFill>
+                      <a:schemeClr val="tx1"/>
+                    </a:solidFill>
+                    <a:latin typeface="TH Sarabun New" panose="020B0500040200020003" pitchFamily="34" charset="-34"/>
+                    <a:cs typeface="TH Sarabun New" panose="020B0500040200020003" pitchFamily="34" charset="-34"/>
+                  </a:rPr>
+                  <a:t>  </a:t>
+                </a:r>
+                <a:r>
+                  <a:rPr lang="en-US" sz="3100" b="0" dirty="0">
+                    <a:solidFill>
+                      <a:schemeClr val="tx1"/>
+                    </a:solidFill>
+                    <a:latin typeface="TH Sarabun New" panose="020B0500040200020003" pitchFamily="34" charset="-34"/>
+                    <a:cs typeface="TH Sarabun New" panose="020B0500040200020003" pitchFamily="34" charset="-34"/>
+                  </a:rPr>
+                  <a:t>                                  </a:t>
+                </a:r>
+                <a:r>
+                  <a:rPr lang="th-TH" sz="3100" b="0" dirty="0">
+                    <a:solidFill>
+                      <a:schemeClr val="tx1"/>
+                    </a:solidFill>
+                    <a:latin typeface="TH Sarabun New" panose="020B0500040200020003" pitchFamily="34" charset="-34"/>
+                    <a:cs typeface="TH Sarabun New" panose="020B0500040200020003" pitchFamily="34" charset="-34"/>
+                  </a:rPr>
+                  <a:t>เรียก   </a:t>
+                </a:r>
+                <a:r>
+                  <a:rPr lang="en-US" sz="3100" b="0" dirty="0">
+                    <a:solidFill>
+                      <a:schemeClr val="tx1"/>
+                    </a:solidFill>
+                    <a:latin typeface="TH Sarabun New" panose="020B0500040200020003" pitchFamily="34" charset="-34"/>
+                    <a:cs typeface="TH Sarabun New" panose="020B0500040200020003" pitchFamily="34" charset="-34"/>
+                  </a:rPr>
+                  <a:t>   </a:t>
+                </a:r>
+                <a:r>
+                  <a:rPr lang="th-TH" sz="3100" b="0" dirty="0">
+                    <a:solidFill>
+                      <a:schemeClr val="tx1"/>
+                    </a:solidFill>
+                    <a:latin typeface="TH Sarabun New" panose="020B0500040200020003" pitchFamily="34" charset="-34"/>
+                    <a:cs typeface="TH Sarabun New" panose="020B0500040200020003" pitchFamily="34" charset="-34"/>
+                  </a:rPr>
+                  <a:t>ว่า  มอดุลัส (</a:t>
+                </a:r>
+                <a:r>
+                  <a:rPr lang="en-US" sz="3100" b="0" dirty="0">
+                    <a:solidFill>
+                      <a:schemeClr val="tx1"/>
+                    </a:solidFill>
+                    <a:latin typeface="TH Sarabun New" panose="020B0500040200020003" pitchFamily="34" charset="-34"/>
+                    <a:cs typeface="TH Sarabun New" panose="020B0500040200020003" pitchFamily="34" charset="-34"/>
+                  </a:rPr>
+                  <a:t>modulus</a:t>
+                </a:r>
+                <a:r>
+                  <a:rPr lang="th-TH" sz="3100" b="0" dirty="0">
+                    <a:solidFill>
+                      <a:schemeClr val="tx1"/>
+                    </a:solidFill>
+                    <a:latin typeface="TH Sarabun New" panose="020B0500040200020003" pitchFamily="34" charset="-34"/>
+                    <a:cs typeface="TH Sarabun New" panose="020B0500040200020003" pitchFamily="34" charset="-34"/>
+                  </a:rPr>
+                  <a:t>)</a:t>
+                </a:r>
+                <a:endParaRPr lang="en-US" sz="3100" b="0" dirty="0">
+                  <a:solidFill>
+                    <a:schemeClr val="tx1"/>
+                  </a:solidFill>
+                  <a:latin typeface="TH Sarabun New" panose="020B0500040200020003" pitchFamily="34" charset="-34"/>
+                  <a:cs typeface="TH Sarabun New" panose="020B0500040200020003" pitchFamily="34" charset="-34"/>
+                </a:endParaRPr>
+              </a:p>
+              <a:p>
+                <a14:m>
+                  <m:oMathPara xmlns:m="http://schemas.openxmlformats.org/officeDocument/2006/math">
+                    <m:oMathParaPr>
+                      <m:jc m:val="centerGroup"/>
+                    </m:oMathParaPr>
+                    <m:oMath xmlns:m="http://schemas.openxmlformats.org/officeDocument/2006/math">
+                      <m:r>
+                        <a:rPr lang="en-US" sz="3100" b="0" i="0" smtClean="0">
+                          <a:solidFill>
+                            <a:schemeClr val="tx1"/>
+                          </a:solidFill>
+                          <a:latin typeface="Cambria Math" panose="02040503050406030204" pitchFamily="18" charset="0"/>
+                          <a:cs typeface="TH Sarabun New" panose="020B0500040200020003" pitchFamily="34" charset="-34"/>
+                        </a:rPr>
+                        <m:t> </m:t>
+                      </m:r>
+                    </m:oMath>
+                  </m:oMathPara>
+                </a14:m>
+                <a:endParaRPr lang="en-US" sz="3100" b="0" dirty="0">
+                  <a:solidFill>
+                    <a:schemeClr val="tx1"/>
+                  </a:solidFill>
+                  <a:latin typeface="TH Sarabun New" panose="020B0500040200020003" pitchFamily="34" charset="-34"/>
+                  <a:cs typeface="TH Sarabun New" panose="020B0500040200020003" pitchFamily="34" charset="-34"/>
+                </a:endParaRPr>
+              </a:p>
+              <a:p>
+                <a:endParaRPr lang="en-US" sz="3100" b="0" dirty="0">
+                  <a:solidFill>
+                    <a:schemeClr val="tx1"/>
+                  </a:solidFill>
+                  <a:latin typeface="TH Sarabun New" panose="020B0500040200020003" pitchFamily="34" charset="-34"/>
+                  <a:cs typeface="TH Sarabun New" panose="020B0500040200020003" pitchFamily="34" charset="-34"/>
+                </a:endParaRPr>
+              </a:p>
+            </p:txBody>
+          </p:sp>
+        </mc:Choice>
+        <mc:Fallback>
+          <p:sp>
+            <p:nvSpPr>
+              <p:cNvPr id="3" name="Title 1">
+                <a:extLst>
+                  <a:ext uri="{FF2B5EF4-FFF2-40B4-BE49-F238E27FC236}">
+                    <a16:creationId xmlns:a16="http://schemas.microsoft.com/office/drawing/2014/main" id="{879C6D30-347B-C974-608E-45D443C98CFA}"/>
+                  </a:ext>
+                </a:extLst>
+              </p:cNvPr>
+              <p:cNvSpPr txBox="1">
+                <a:spLocks noRot="1" noChangeAspect="1" noMove="1" noResize="1" noEditPoints="1" noAdjustHandles="1" noChangeArrowheads="1" noChangeShapeType="1" noTextEdit="1"/>
+              </p:cNvSpPr>
+              <p:nvPr/>
+            </p:nvSpPr>
+            <p:spPr>
+              <a:xfrm>
+                <a:off x="796028" y="1149220"/>
+                <a:ext cx="10243312" cy="3371980"/>
+              </a:xfrm>
+              <a:prstGeom prst="rect">
+                <a:avLst/>
+              </a:prstGeom>
+              <a:blipFill>
+                <a:blip r:embed="rId20"/>
+                <a:stretch>
+                  <a:fillRect l="-1488" t="-7414" r="-774"/>
+                </a:stretch>
+              </a:blipFill>
+            </p:spPr>
+            <p:txBody>
+              <a:bodyPr/>
+              <a:lstStyle/>
+              <a:p>
+                <a:r>
+                  <a:rPr lang="en-US">
+                    <a:noFill/>
+                  </a:rPr>
+                  <a:t> </a:t>
+                </a:r>
+              </a:p>
+            </p:txBody>
+          </p:sp>
+        </mc:Fallback>
+      </mc:AlternateContent>
+      <p:pic>
+        <p:nvPicPr>
+          <p:cNvPr id="6" name="Picture 5" descr="\documentclass{article}&#10;\usepackage{amsmath}&#10;\pagestyle{empty}&#10;\usepackage{xcolor}&#10;\usepackage{empheq}&#10;\begin{document}&#10;$n$&#10;\end{document}" title="IguanaTex Bitmap Display">
+            <a:extLst>
+              <a:ext uri="{FF2B5EF4-FFF2-40B4-BE49-F238E27FC236}">
+                <a16:creationId xmlns:a16="http://schemas.microsoft.com/office/drawing/2014/main" id="{7472FD2D-703F-D38A-8455-89BA0C8B99B4}"/>
+              </a:ext>
+            </a:extLst>
+          </p:cNvPr>
+          <p:cNvPicPr>
+            <a:picLocks noChangeAspect="1"/>
+          </p:cNvPicPr>
+          <p:nvPr>
+            <p:custDataLst>
+              <p:tags r:id="rId1"/>
+            </p:custDataLst>
+          </p:nvPr>
+        </p:nvPicPr>
+        <p:blipFill>
+          <a:blip r:embed="rId21">
+            <a:extLst>
+              <a:ext uri="{28A0092B-C50C-407E-A947-70E740481C1C}">
+                <a14:useLocalDpi xmlns:a14="http://schemas.microsoft.com/office/drawing/2010/main" val="0"/>
+              </a:ext>
+            </a:extLst>
+          </a:blip>
+          <a:stretch>
+            <a:fillRect/>
+          </a:stretch>
+        </p:blipFill>
+        <p:spPr>
+          <a:xfrm>
+            <a:off x="1314511" y="1584412"/>
+            <a:ext cx="207033" cy="170633"/>
+          </a:xfrm>
+          <a:prstGeom prst="rect">
+            <a:avLst/>
+          </a:prstGeom>
+        </p:spPr>
+      </p:pic>
+      <p:pic>
+        <p:nvPicPr>
+          <p:cNvPr id="10" name="Picture 9" descr="\documentclass{article}&#10;\usepackage{amsmath}&#10;\pagestyle{empty}&#10;\usepackage{xcolor}&#10;\usepackage{empheq}&#10;\begin{document}&#10;$a$&#10;\end{document}" title="IguanaTex Bitmap Display">
+            <a:extLst>
+              <a:ext uri="{FF2B5EF4-FFF2-40B4-BE49-F238E27FC236}">
+                <a16:creationId xmlns:a16="http://schemas.microsoft.com/office/drawing/2014/main" id="{E0AB9BFC-8030-CD32-051A-7377C6724E9E}"/>
+              </a:ext>
+            </a:extLst>
+          </p:cNvPr>
+          <p:cNvPicPr>
+            <a:picLocks noChangeAspect="1"/>
+          </p:cNvPicPr>
+          <p:nvPr>
+            <p:custDataLst>
+              <p:tags r:id="rId2"/>
+            </p:custDataLst>
+          </p:nvPr>
+        </p:nvPicPr>
+        <p:blipFill>
+          <a:blip r:embed="rId22">
+            <a:extLst>
+              <a:ext uri="{28A0092B-C50C-407E-A947-70E740481C1C}">
+                <a14:useLocalDpi xmlns:a14="http://schemas.microsoft.com/office/drawing/2010/main" val="0"/>
+              </a:ext>
+            </a:extLst>
+          </a:blip>
+          <a:stretch>
+            <a:fillRect/>
+          </a:stretch>
+        </p:blipFill>
+        <p:spPr>
+          <a:xfrm>
+            <a:off x="5606952" y="1593850"/>
+            <a:ext cx="175182" cy="170633"/>
+          </a:xfrm>
+          <a:prstGeom prst="rect">
+            <a:avLst/>
+          </a:prstGeom>
+        </p:spPr>
+      </p:pic>
+      <p:pic>
+        <p:nvPicPr>
+          <p:cNvPr id="13" name="Picture 12" descr="\documentclass{article}&#10;\usepackage{amsmath}&#10;\pagestyle{empty}&#10;\usepackage{xcolor}&#10;\usepackage{empheq}&#10;\begin{document}&#10;$b$&#10;\end{document}" title="IguanaTex Bitmap Display">
+            <a:extLst>
+              <a:ext uri="{FF2B5EF4-FFF2-40B4-BE49-F238E27FC236}">
+                <a16:creationId xmlns:a16="http://schemas.microsoft.com/office/drawing/2014/main" id="{B95CB545-F07B-5BBD-2D33-57BA0B1B9780}"/>
+              </a:ext>
+            </a:extLst>
+          </p:cNvPr>
+          <p:cNvPicPr>
+            <a:picLocks noChangeAspect="1"/>
+          </p:cNvPicPr>
+          <p:nvPr>
+            <p:custDataLst>
+              <p:tags r:id="rId3"/>
+            </p:custDataLst>
+          </p:nvPr>
+        </p:nvPicPr>
+        <p:blipFill>
+          <a:blip r:embed="rId23">
+            <a:extLst>
+              <a:ext uri="{28A0092B-C50C-407E-A947-70E740481C1C}">
+                <a14:useLocalDpi xmlns:a14="http://schemas.microsoft.com/office/drawing/2010/main" val="0"/>
+              </a:ext>
+            </a:extLst>
+          </a:blip>
+          <a:stretch>
+            <a:fillRect/>
+          </a:stretch>
+        </p:blipFill>
+        <p:spPr>
+          <a:xfrm>
+            <a:off x="6529334" y="1507776"/>
+            <a:ext cx="136465" cy="257524"/>
+          </a:xfrm>
+          <a:prstGeom prst="rect">
+            <a:avLst/>
+          </a:prstGeom>
+        </p:spPr>
+      </p:pic>
+      <p:pic>
+        <p:nvPicPr>
+          <p:cNvPr id="14" name="Picture 13" descr="\documentclass{article}&#10;\usepackage{amsmath}&#10;\pagestyle{empty}&#10;\usepackage{xcolor}&#10;\usepackage{empheq}&#10;\begin{document}&#10;$a$&#10;\end{document}" title="IguanaTex Bitmap Display">
+            <a:extLst>
+              <a:ext uri="{FF2B5EF4-FFF2-40B4-BE49-F238E27FC236}">
+                <a16:creationId xmlns:a16="http://schemas.microsoft.com/office/drawing/2014/main" id="{BFE95318-427D-B405-6F26-4CC81DEF906F}"/>
+              </a:ext>
+            </a:extLst>
+          </p:cNvPr>
+          <p:cNvPicPr>
+            <a:picLocks noChangeAspect="1"/>
+          </p:cNvPicPr>
+          <p:nvPr>
+            <p:custDataLst>
+              <p:tags r:id="rId4"/>
+            </p:custDataLst>
+          </p:nvPr>
+        </p:nvPicPr>
+        <p:blipFill>
+          <a:blip r:embed="rId22">
+            <a:extLst>
+              <a:ext uri="{28A0092B-C50C-407E-A947-70E740481C1C}">
+                <a14:useLocalDpi xmlns:a14="http://schemas.microsoft.com/office/drawing/2010/main" val="0"/>
+              </a:ext>
+            </a:extLst>
+          </a:blip>
+          <a:stretch>
+            <a:fillRect/>
+          </a:stretch>
+        </p:blipFill>
+        <p:spPr>
+          <a:xfrm>
+            <a:off x="2111377" y="2017360"/>
+            <a:ext cx="175182" cy="170633"/>
+          </a:xfrm>
+          <a:prstGeom prst="rect">
+            <a:avLst/>
+          </a:prstGeom>
+        </p:spPr>
+      </p:pic>
+      <p:pic>
+        <p:nvPicPr>
+          <p:cNvPr id="15" name="Picture 14" descr="\documentclass{article}&#10;\usepackage{amsmath}&#10;\pagestyle{empty}&#10;\usepackage{xcolor}&#10;\usepackage{empheq}&#10;\begin{document}&#10;$b$&#10;\end{document}" title="IguanaTex Bitmap Display">
+            <a:extLst>
+              <a:ext uri="{FF2B5EF4-FFF2-40B4-BE49-F238E27FC236}">
+                <a16:creationId xmlns:a16="http://schemas.microsoft.com/office/drawing/2014/main" id="{F8C79265-5C46-A6BD-7F52-E1EFDE7EC4E2}"/>
+              </a:ext>
+            </a:extLst>
+          </p:cNvPr>
+          <p:cNvPicPr>
+            <a:picLocks noChangeAspect="1"/>
+          </p:cNvPicPr>
+          <p:nvPr>
+            <p:custDataLst>
+              <p:tags r:id="rId5"/>
+            </p:custDataLst>
+          </p:nvPr>
+        </p:nvPicPr>
+        <p:blipFill>
+          <a:blip r:embed="rId23">
+            <a:extLst>
+              <a:ext uri="{28A0092B-C50C-407E-A947-70E740481C1C}">
+                <a14:useLocalDpi xmlns:a14="http://schemas.microsoft.com/office/drawing/2010/main" val="0"/>
+              </a:ext>
+            </a:extLst>
+          </a:blip>
+          <a:stretch>
+            <a:fillRect/>
+          </a:stretch>
+        </p:blipFill>
+        <p:spPr>
+          <a:xfrm>
+            <a:off x="4275420" y="1945039"/>
+            <a:ext cx="136465" cy="257524"/>
+          </a:xfrm>
+          <a:prstGeom prst="rect">
+            <a:avLst/>
+          </a:prstGeom>
+        </p:spPr>
+      </p:pic>
+      <p:pic>
+        <p:nvPicPr>
+          <p:cNvPr id="16" name="Picture 15" descr="\documentclass{article}&#10;\usepackage{amsmath}&#10;\pagestyle{empty}&#10;\usepackage{xcolor}&#10;\usepackage{empheq}&#10;\begin{document}&#10;$n$&#10;\end{document}" title="IguanaTex Bitmap Display">
+            <a:extLst>
+              <a:ext uri="{FF2B5EF4-FFF2-40B4-BE49-F238E27FC236}">
+                <a16:creationId xmlns:a16="http://schemas.microsoft.com/office/drawing/2014/main" id="{5D26D3E0-E93C-6EFE-2FAE-50B7B6995286}"/>
+              </a:ext>
+            </a:extLst>
+          </p:cNvPr>
+          <p:cNvPicPr>
+            <a:picLocks noChangeAspect="1"/>
+          </p:cNvPicPr>
+          <p:nvPr>
+            <p:custDataLst>
+              <p:tags r:id="rId6"/>
+            </p:custDataLst>
+          </p:nvPr>
+        </p:nvPicPr>
+        <p:blipFill>
+          <a:blip r:embed="rId21">
+            <a:extLst>
+              <a:ext uri="{28A0092B-C50C-407E-A947-70E740481C1C}">
+                <a14:useLocalDpi xmlns:a14="http://schemas.microsoft.com/office/drawing/2010/main" val="0"/>
+              </a:ext>
+            </a:extLst>
+          </a:blip>
+          <a:stretch>
+            <a:fillRect/>
+          </a:stretch>
+        </p:blipFill>
+        <p:spPr>
+          <a:xfrm>
+            <a:off x="5393253" y="2017360"/>
+            <a:ext cx="207033" cy="170633"/>
+          </a:xfrm>
+          <a:prstGeom prst="rect">
+            <a:avLst/>
+          </a:prstGeom>
+        </p:spPr>
+      </p:pic>
+      <p:pic>
+        <p:nvPicPr>
+          <p:cNvPr id="17" name="Picture 16" descr="\documentclass{article}&#10;\usepackage{amsmath}&#10;\pagestyle{empty}&#10;\usepackage{xcolor}&#10;\usepackage{empheq}&#10;\begin{document}&#10;$a$&#10;\end{document}" title="IguanaTex Bitmap Display">
+            <a:extLst>
+              <a:ext uri="{FF2B5EF4-FFF2-40B4-BE49-F238E27FC236}">
+                <a16:creationId xmlns:a16="http://schemas.microsoft.com/office/drawing/2014/main" id="{3BCFF422-29DF-8880-D751-E20E40891BE5}"/>
+              </a:ext>
+            </a:extLst>
+          </p:cNvPr>
+          <p:cNvPicPr>
+            <a:picLocks noChangeAspect="1"/>
+          </p:cNvPicPr>
+          <p:nvPr>
+            <p:custDataLst>
+              <p:tags r:id="rId7"/>
+            </p:custDataLst>
+          </p:nvPr>
+        </p:nvPicPr>
+        <p:blipFill>
+          <a:blip r:embed="rId22">
+            <a:extLst>
+              <a:ext uri="{28A0092B-C50C-407E-A947-70E740481C1C}">
+                <a14:useLocalDpi xmlns:a14="http://schemas.microsoft.com/office/drawing/2010/main" val="0"/>
+              </a:ext>
+            </a:extLst>
+          </a:blip>
+          <a:stretch>
+            <a:fillRect/>
+          </a:stretch>
+        </p:blipFill>
+        <p:spPr>
+          <a:xfrm>
+            <a:off x="1738752" y="2446045"/>
+            <a:ext cx="175182" cy="170633"/>
+          </a:xfrm>
+          <a:prstGeom prst="rect">
+            <a:avLst/>
+          </a:prstGeom>
+        </p:spPr>
+      </p:pic>
+      <p:pic>
+        <p:nvPicPr>
+          <p:cNvPr id="19" name="Picture 18" descr="\documentclass{article}&#10;\usepackage{amsmath}&#10;\pagestyle{empty}&#10;\usepackage{xcolor}&#10;\usepackage{empheq}&#10;\begin{document}&#10;$b$&#10;\end{document}" title="IguanaTex Bitmap Display">
+            <a:extLst>
+              <a:ext uri="{FF2B5EF4-FFF2-40B4-BE49-F238E27FC236}">
+                <a16:creationId xmlns:a16="http://schemas.microsoft.com/office/drawing/2014/main" id="{95F89C72-0DAA-6B3F-0A35-10B00C8216D8}"/>
+              </a:ext>
+            </a:extLst>
+          </p:cNvPr>
+          <p:cNvPicPr>
+            <a:picLocks noChangeAspect="1"/>
+          </p:cNvPicPr>
+          <p:nvPr>
+            <p:custDataLst>
+              <p:tags r:id="rId8"/>
+            </p:custDataLst>
+          </p:nvPr>
+        </p:nvPicPr>
+        <p:blipFill>
+          <a:blip r:embed="rId23">
+            <a:extLst>
+              <a:ext uri="{28A0092B-C50C-407E-A947-70E740481C1C}">
+                <a14:useLocalDpi xmlns:a14="http://schemas.microsoft.com/office/drawing/2010/main" val="0"/>
+              </a:ext>
+            </a:extLst>
+          </a:blip>
+          <a:stretch>
+            <a:fillRect/>
+          </a:stretch>
+        </p:blipFill>
+        <p:spPr>
+          <a:xfrm>
+            <a:off x="2257232" y="2368731"/>
+            <a:ext cx="136465" cy="257524"/>
+          </a:xfrm>
+          <a:prstGeom prst="rect">
+            <a:avLst/>
+          </a:prstGeom>
+        </p:spPr>
+      </p:pic>
+      <p:pic>
+        <p:nvPicPr>
+          <p:cNvPr id="20" name="Picture 19" descr="\documentclass{article}&#10;\usepackage{amsmath}&#10;\pagestyle{empty}&#10;\usepackage{xcolor}&#10;\usepackage{empheq}&#10;\begin{document}&#10;$n$&#10;\end{document}" title="IguanaTex Bitmap Display">
+            <a:extLst>
+              <a:ext uri="{FF2B5EF4-FFF2-40B4-BE49-F238E27FC236}">
+                <a16:creationId xmlns:a16="http://schemas.microsoft.com/office/drawing/2014/main" id="{3A2D4CDD-3098-16A2-DA49-4E2B1AD808E6}"/>
+              </a:ext>
+            </a:extLst>
+          </p:cNvPr>
+          <p:cNvPicPr>
+            <a:picLocks noChangeAspect="1"/>
+          </p:cNvPicPr>
+          <p:nvPr>
+            <p:custDataLst>
+              <p:tags r:id="rId9"/>
+            </p:custDataLst>
+          </p:nvPr>
+        </p:nvPicPr>
+        <p:blipFill>
+          <a:blip r:embed="rId21">
+            <a:extLst>
+              <a:ext uri="{28A0092B-C50C-407E-A947-70E740481C1C}">
+                <a14:useLocalDpi xmlns:a14="http://schemas.microsoft.com/office/drawing/2010/main" val="0"/>
+              </a:ext>
+            </a:extLst>
+          </a:blip>
+          <a:stretch>
+            <a:fillRect/>
+          </a:stretch>
+        </p:blipFill>
+        <p:spPr>
+          <a:xfrm>
+            <a:off x="897572" y="2446044"/>
+            <a:ext cx="207033" cy="170633"/>
+          </a:xfrm>
+          <a:prstGeom prst="rect">
+            <a:avLst/>
+          </a:prstGeom>
+        </p:spPr>
+      </p:pic>
+      <p:pic>
+        <p:nvPicPr>
+          <p:cNvPr id="23" name="Picture 22" descr="\documentclass{article}&#10;\usepackage{amsmath}&#10;\pagestyle{empty}&#10;\usepackage{xcolor}&#10;\usepackage{empheq}&#10;\begin{document}&#10;$a\equiv b\left ( \mod n \right )$&#10;\end{document}" title="IguanaTex Bitmap Display">
+            <a:extLst>
+              <a:ext uri="{FF2B5EF4-FFF2-40B4-BE49-F238E27FC236}">
+                <a16:creationId xmlns:a16="http://schemas.microsoft.com/office/drawing/2014/main" id="{0861DAF1-DD23-4174-5FBD-ED7EC697B751}"/>
+              </a:ext>
+            </a:extLst>
+          </p:cNvPr>
+          <p:cNvPicPr>
+            <a:picLocks noChangeAspect="1"/>
+          </p:cNvPicPr>
+          <p:nvPr>
+            <p:custDataLst>
+              <p:tags r:id="rId10"/>
+            </p:custDataLst>
+          </p:nvPr>
+        </p:nvPicPr>
+        <p:blipFill>
+          <a:blip r:embed="rId24">
+            <a:extLst>
+              <a:ext uri="{28A0092B-C50C-407E-A947-70E740481C1C}">
+                <a14:useLocalDpi xmlns:a14="http://schemas.microsoft.com/office/drawing/2010/main" val="0"/>
+              </a:ext>
+            </a:extLst>
+          </a:blip>
+          <a:stretch>
+            <a:fillRect/>
+          </a:stretch>
+        </p:blipFill>
+        <p:spPr>
+          <a:xfrm>
+            <a:off x="7311351" y="1929688"/>
+            <a:ext cx="2489687" cy="378323"/>
+          </a:xfrm>
+          <a:prstGeom prst="rect">
+            <a:avLst/>
+          </a:prstGeom>
+        </p:spPr>
+      </p:pic>
+      <p:pic>
+        <p:nvPicPr>
+          <p:cNvPr id="24" name="Picture 23" descr="\documentclass{article}&#10;\usepackage{amsmath}&#10;\pagestyle{empty}&#10;\usepackage{xcolor}&#10;\usepackage{empheq}&#10;\begin{document}&#10;$n$&#10;\end{document}" title="IguanaTex Bitmap Display">
+            <a:extLst>
+              <a:ext uri="{FF2B5EF4-FFF2-40B4-BE49-F238E27FC236}">
+                <a16:creationId xmlns:a16="http://schemas.microsoft.com/office/drawing/2014/main" id="{8F4D4E44-F0D6-8C05-A239-AD10BEE0AE03}"/>
+              </a:ext>
+            </a:extLst>
+          </p:cNvPr>
+          <p:cNvPicPr>
+            <a:picLocks noChangeAspect="1"/>
+          </p:cNvPicPr>
+          <p:nvPr>
+            <p:custDataLst>
+              <p:tags r:id="rId11"/>
+            </p:custDataLst>
+          </p:nvPr>
+        </p:nvPicPr>
+        <p:blipFill>
+          <a:blip r:embed="rId21">
+            <a:extLst>
+              <a:ext uri="{28A0092B-C50C-407E-A947-70E740481C1C}">
+                <a14:useLocalDpi xmlns:a14="http://schemas.microsoft.com/office/drawing/2010/main" val="0"/>
+              </a:ext>
+            </a:extLst>
+          </a:blip>
+          <a:stretch>
+            <a:fillRect/>
+          </a:stretch>
+        </p:blipFill>
+        <p:spPr>
+          <a:xfrm>
+            <a:off x="1712900" y="2857174"/>
+            <a:ext cx="207033" cy="170633"/>
+          </a:xfrm>
+          <a:prstGeom prst="rect">
+            <a:avLst/>
+          </a:prstGeom>
+        </p:spPr>
+      </p:pic>
+      <p:pic>
+        <p:nvPicPr>
+          <p:cNvPr id="25" name="Picture 24" descr="\documentclass{article}&#10;\usepackage{amsmath}&#10;\pagestyle{empty}&#10;\usepackage{xcolor}&#10;\usepackage{empheq}&#10;\begin{document}&#10;$a$&#10;\end{document}" title="IguanaTex Bitmap Display">
+            <a:extLst>
+              <a:ext uri="{FF2B5EF4-FFF2-40B4-BE49-F238E27FC236}">
+                <a16:creationId xmlns:a16="http://schemas.microsoft.com/office/drawing/2014/main" id="{9E23523B-B488-F6E9-F380-4537C01D917C}"/>
+              </a:ext>
+            </a:extLst>
+          </p:cNvPr>
+          <p:cNvPicPr>
+            <a:picLocks noChangeAspect="1"/>
+          </p:cNvPicPr>
+          <p:nvPr>
+            <p:custDataLst>
+              <p:tags r:id="rId12"/>
+            </p:custDataLst>
+          </p:nvPr>
+        </p:nvPicPr>
+        <p:blipFill>
+          <a:blip r:embed="rId22">
+            <a:extLst>
+              <a:ext uri="{28A0092B-C50C-407E-A947-70E740481C1C}">
+                <a14:useLocalDpi xmlns:a14="http://schemas.microsoft.com/office/drawing/2010/main" val="0"/>
+              </a:ext>
+            </a:extLst>
+          </a:blip>
+          <a:stretch>
+            <a:fillRect/>
+          </a:stretch>
+        </p:blipFill>
+        <p:spPr>
+          <a:xfrm>
+            <a:off x="2615052" y="2870306"/>
+            <a:ext cx="175182" cy="170633"/>
+          </a:xfrm>
+          <a:prstGeom prst="rect">
+            <a:avLst/>
+          </a:prstGeom>
+        </p:spPr>
+      </p:pic>
+      <p:pic>
+        <p:nvPicPr>
+          <p:cNvPr id="26" name="Picture 25" descr="\documentclass{article}&#10;\usepackage{amsmath}&#10;\pagestyle{empty}&#10;\usepackage{xcolor}&#10;\usepackage{empheq}&#10;\begin{document}&#10;$b$&#10;\end{document}" title="IguanaTex Bitmap Display">
+            <a:extLst>
+              <a:ext uri="{FF2B5EF4-FFF2-40B4-BE49-F238E27FC236}">
+                <a16:creationId xmlns:a16="http://schemas.microsoft.com/office/drawing/2014/main" id="{FA8CDCD1-4F43-DE6D-DEA4-F4CD739C4EFD}"/>
+              </a:ext>
+            </a:extLst>
+          </p:cNvPr>
+          <p:cNvPicPr>
+            <a:picLocks noChangeAspect="1"/>
+          </p:cNvPicPr>
+          <p:nvPr>
+            <p:custDataLst>
+              <p:tags r:id="rId13"/>
+            </p:custDataLst>
+          </p:nvPr>
+        </p:nvPicPr>
+        <p:blipFill>
+          <a:blip r:embed="rId23">
+            <a:extLst>
+              <a:ext uri="{28A0092B-C50C-407E-A947-70E740481C1C}">
+                <a14:useLocalDpi xmlns:a14="http://schemas.microsoft.com/office/drawing/2010/main" val="0"/>
+              </a:ext>
+            </a:extLst>
+          </a:blip>
+          <a:stretch>
+            <a:fillRect/>
+          </a:stretch>
+        </p:blipFill>
+        <p:spPr>
+          <a:xfrm>
+            <a:off x="3133532" y="2792992"/>
+            <a:ext cx="136465" cy="257524"/>
+          </a:xfrm>
+          <a:prstGeom prst="rect">
+            <a:avLst/>
+          </a:prstGeom>
+        </p:spPr>
+      </p:pic>
+      <p:pic>
+        <p:nvPicPr>
+          <p:cNvPr id="27" name="Picture 26" descr="\documentclass{article}&#10;\usepackage{amsmath}&#10;\pagestyle{empty}&#10;\usepackage{xcolor}&#10;\usepackage{empheq}&#10;\begin{document}&#10;$a$&#10;\end{document}" title="IguanaTex Bitmap Display">
+            <a:extLst>
+              <a:ext uri="{FF2B5EF4-FFF2-40B4-BE49-F238E27FC236}">
+                <a16:creationId xmlns:a16="http://schemas.microsoft.com/office/drawing/2014/main" id="{CC34D395-F4BB-0ECB-8D2B-18F508424A6A}"/>
+              </a:ext>
+            </a:extLst>
+          </p:cNvPr>
+          <p:cNvPicPr>
+            <a:picLocks noChangeAspect="1"/>
+          </p:cNvPicPr>
+          <p:nvPr>
+            <p:custDataLst>
+              <p:tags r:id="rId14"/>
+            </p:custDataLst>
+          </p:nvPr>
+        </p:nvPicPr>
+        <p:blipFill>
+          <a:blip r:embed="rId22">
+            <a:extLst>
+              <a:ext uri="{28A0092B-C50C-407E-A947-70E740481C1C}">
+                <a14:useLocalDpi xmlns:a14="http://schemas.microsoft.com/office/drawing/2010/main" val="0"/>
+              </a:ext>
+            </a:extLst>
+          </a:blip>
+          <a:stretch>
+            <a:fillRect/>
+          </a:stretch>
+        </p:blipFill>
+        <p:spPr>
+          <a:xfrm>
+            <a:off x="5430939" y="2866972"/>
+            <a:ext cx="175182" cy="170633"/>
+          </a:xfrm>
+          <a:prstGeom prst="rect">
+            <a:avLst/>
+          </a:prstGeom>
+        </p:spPr>
+      </p:pic>
+      <p:pic>
+        <p:nvPicPr>
+          <p:cNvPr id="28" name="Picture 27" descr="\documentclass{article}&#10;\usepackage{amsmath}&#10;\pagestyle{empty}&#10;\usepackage{xcolor}&#10;\usepackage{empheq}&#10;\begin{document}&#10;$b$&#10;\end{document}" title="IguanaTex Bitmap Display">
+            <a:extLst>
+              <a:ext uri="{FF2B5EF4-FFF2-40B4-BE49-F238E27FC236}">
+                <a16:creationId xmlns:a16="http://schemas.microsoft.com/office/drawing/2014/main" id="{9A06F569-2103-524E-5E81-BB06EC5B1E93}"/>
+              </a:ext>
+            </a:extLst>
+          </p:cNvPr>
+          <p:cNvPicPr>
+            <a:picLocks noChangeAspect="1"/>
+          </p:cNvPicPr>
+          <p:nvPr>
+            <p:custDataLst>
+              <p:tags r:id="rId15"/>
+            </p:custDataLst>
+          </p:nvPr>
+        </p:nvPicPr>
+        <p:blipFill>
+          <a:blip r:embed="rId23">
+            <a:extLst>
+              <a:ext uri="{28A0092B-C50C-407E-A947-70E740481C1C}">
+                <a14:useLocalDpi xmlns:a14="http://schemas.microsoft.com/office/drawing/2010/main" val="0"/>
+              </a:ext>
+            </a:extLst>
+          </a:blip>
+          <a:stretch>
+            <a:fillRect/>
+          </a:stretch>
+        </p:blipFill>
+        <p:spPr>
+          <a:xfrm>
+            <a:off x="7728963" y="2792992"/>
+            <a:ext cx="136465" cy="257524"/>
+          </a:xfrm>
+          <a:prstGeom prst="rect">
+            <a:avLst/>
+          </a:prstGeom>
+        </p:spPr>
+      </p:pic>
+      <p:pic>
+        <p:nvPicPr>
+          <p:cNvPr id="29" name="Picture 28" descr="\documentclass{article}&#10;\usepackage{amsmath}&#10;\pagestyle{empty}&#10;\usepackage{xcolor}&#10;\usepackage{empheq}&#10;\begin{document}&#10;$n$&#10;\end{document}" title="IguanaTex Bitmap Display">
+            <a:extLst>
+              <a:ext uri="{FF2B5EF4-FFF2-40B4-BE49-F238E27FC236}">
+                <a16:creationId xmlns:a16="http://schemas.microsoft.com/office/drawing/2014/main" id="{13F27801-F900-4A27-4705-C9AC8E19F1B2}"/>
+              </a:ext>
+            </a:extLst>
+          </p:cNvPr>
+          <p:cNvPicPr>
+            <a:picLocks noChangeAspect="1"/>
+          </p:cNvPicPr>
+          <p:nvPr>
+            <p:custDataLst>
+              <p:tags r:id="rId16"/>
+            </p:custDataLst>
+          </p:nvPr>
+        </p:nvPicPr>
+        <p:blipFill>
+          <a:blip r:embed="rId21">
+            <a:extLst>
+              <a:ext uri="{28A0092B-C50C-407E-A947-70E740481C1C}">
+                <a14:useLocalDpi xmlns:a14="http://schemas.microsoft.com/office/drawing/2010/main" val="0"/>
+              </a:ext>
+            </a:extLst>
+          </a:blip>
+          <a:stretch>
+            <a:fillRect/>
+          </a:stretch>
+        </p:blipFill>
+        <p:spPr>
+          <a:xfrm>
+            <a:off x="8796853" y="2855487"/>
+            <a:ext cx="207033" cy="170633"/>
+          </a:xfrm>
+          <a:prstGeom prst="rect">
+            <a:avLst/>
+          </a:prstGeom>
+        </p:spPr>
+      </p:pic>
+      <p:pic>
+        <p:nvPicPr>
+          <p:cNvPr id="32" name="Picture 31" descr="\documentclass{article}&#10;\usepackage{amsmath}&#10;\pagestyle{empty}&#10;\usepackage{xcolor}&#10;\usepackage{empheq}&#10;\begin{document}&#10;$a\not\equiv b\left ( \mod n \right )$&#10;\end{document}" title="IguanaTex Bitmap Display">
+            <a:extLst>
+              <a:ext uri="{FF2B5EF4-FFF2-40B4-BE49-F238E27FC236}">
+                <a16:creationId xmlns:a16="http://schemas.microsoft.com/office/drawing/2014/main" id="{BE6A2D3B-19D7-C8EF-A1B4-8BAE3D13BE3C}"/>
+              </a:ext>
+            </a:extLst>
+          </p:cNvPr>
+          <p:cNvPicPr>
+            <a:picLocks noChangeAspect="1"/>
+          </p:cNvPicPr>
+          <p:nvPr>
+            <p:custDataLst>
+              <p:tags r:id="rId17"/>
+            </p:custDataLst>
+          </p:nvPr>
+        </p:nvPicPr>
+        <p:blipFill>
+          <a:blip r:embed="rId25">
+            <a:extLst>
+              <a:ext uri="{28A0092B-C50C-407E-A947-70E740481C1C}">
+                <a14:useLocalDpi xmlns:a14="http://schemas.microsoft.com/office/drawing/2010/main" val="0"/>
+              </a:ext>
+            </a:extLst>
+          </a:blip>
+          <a:stretch>
+            <a:fillRect/>
+          </a:stretch>
+        </p:blipFill>
+        <p:spPr>
+          <a:xfrm>
+            <a:off x="1942988" y="3162858"/>
+            <a:ext cx="2489687" cy="378323"/>
+          </a:xfrm>
+          <a:prstGeom prst="rect">
+            <a:avLst/>
+          </a:prstGeom>
+        </p:spPr>
+      </p:pic>
+      <p:pic>
+        <p:nvPicPr>
+          <p:cNvPr id="33" name="Picture 32" descr="\documentclass{article}&#10;\usepackage{amsmath}&#10;\pagestyle{empty}&#10;\usepackage{xcolor}&#10;\usepackage{empheq}&#10;\begin{document}&#10;$n$&#10;\end{document}" title="IguanaTex Bitmap Display">
+            <a:extLst>
+              <a:ext uri="{FF2B5EF4-FFF2-40B4-BE49-F238E27FC236}">
+                <a16:creationId xmlns:a16="http://schemas.microsoft.com/office/drawing/2014/main" id="{C59C65A4-9C6A-880D-2215-0338EB70511E}"/>
+              </a:ext>
+            </a:extLst>
+          </p:cNvPr>
+          <p:cNvPicPr>
+            <a:picLocks noChangeAspect="1"/>
+          </p:cNvPicPr>
+          <p:nvPr>
+            <p:custDataLst>
+              <p:tags r:id="rId18"/>
+            </p:custDataLst>
+          </p:nvPr>
+        </p:nvPicPr>
+        <p:blipFill>
+          <a:blip r:embed="rId21">
+            <a:extLst>
+              <a:ext uri="{28A0092B-C50C-407E-A947-70E740481C1C}">
+                <a14:useLocalDpi xmlns:a14="http://schemas.microsoft.com/office/drawing/2010/main" val="0"/>
+              </a:ext>
+            </a:extLst>
+          </a:blip>
+          <a:stretch>
+            <a:fillRect/>
+          </a:stretch>
+        </p:blipFill>
+        <p:spPr>
+          <a:xfrm>
+            <a:off x="5490735" y="3279929"/>
+            <a:ext cx="207033" cy="170633"/>
+          </a:xfrm>
+          <a:prstGeom prst="rect">
+            <a:avLst/>
+          </a:prstGeom>
+        </p:spPr>
+      </p:pic>
     </p:spTree>
     <p:extLst>
       <p:ext uri="{BB962C8B-B14F-4D97-AF65-F5344CB8AC3E}">
@@ -12007,7 +15223,7 @@
           </p:nvPr>
         </p:nvPicPr>
         <p:blipFill>
-          <a:blip r:embed="rId25">
+          <a:blip r:embed="rId24">
             <a:extLst>
               <a:ext uri="{28A0092B-C50C-407E-A947-70E740481C1C}">
                 <a14:useLocalDpi xmlns:a14="http://schemas.microsoft.com/office/drawing/2010/main" val="0"/>
@@ -12047,7 +15263,7 @@
           </p:nvPr>
         </p:nvPicPr>
         <p:blipFill>
-          <a:blip r:embed="rId26">
+          <a:blip r:embed="rId25">
             <a:extLst>
               <a:ext uri="{28A0092B-C50C-407E-A947-70E740481C1C}">
                 <a14:useLocalDpi xmlns:a14="http://schemas.microsoft.com/office/drawing/2010/main" val="0"/>
@@ -12087,7 +15303,7 @@
           </p:nvPr>
         </p:nvPicPr>
         <p:blipFill>
-          <a:blip r:embed="rId27">
+          <a:blip r:embed="rId26">
             <a:extLst>
               <a:ext uri="{28A0092B-C50C-407E-A947-70E740481C1C}">
                 <a14:useLocalDpi xmlns:a14="http://schemas.microsoft.com/office/drawing/2010/main" val="0"/>
@@ -12127,7 +15343,7 @@
           </p:nvPr>
         </p:nvPicPr>
         <p:blipFill>
-          <a:blip r:embed="rId28">
+          <a:blip r:embed="rId27">
             <a:extLst>
               <a:ext uri="{28A0092B-C50C-407E-A947-70E740481C1C}">
                 <a14:useLocalDpi xmlns:a14="http://schemas.microsoft.com/office/drawing/2010/main" val="0"/>
@@ -12167,7 +15383,7 @@
           </p:nvPr>
         </p:nvPicPr>
         <p:blipFill>
-          <a:blip r:embed="rId29">
+          <a:blip r:embed="rId28">
             <a:extLst>
               <a:ext uri="{28A0092B-C50C-407E-A947-70E740481C1C}">
                 <a14:useLocalDpi xmlns:a14="http://schemas.microsoft.com/office/drawing/2010/main" val="0"/>
@@ -13474,8 +16690,8 @@
           <a:chExt cx="0" cy="0"/>
         </a:xfrm>
       </p:grpSpPr>
-      <mc:AlternateContent xmlns:mc="http://schemas.openxmlformats.org/markup-compatibility/2006">
-        <mc:Choice xmlns:a14="http://schemas.microsoft.com/office/drawing/2010/main" Requires="a14">
+      <mc:AlternateContent xmlns:mc="http://schemas.openxmlformats.org/markup-compatibility/2006" xmlns:a14="http://schemas.microsoft.com/office/drawing/2010/main">
+        <mc:Choice Requires="a14">
           <p:sp>
             <p:nvSpPr>
               <p:cNvPr id="3" name="TextBox 2">
@@ -13675,7 +16891,7 @@
             </p:txBody>
           </p:sp>
         </mc:Choice>
-        <mc:Fallback>
+        <mc:Fallback xmlns="">
           <p:sp>
             <p:nvSpPr>
               <p:cNvPr id="3" name="TextBox 2">
@@ -14997,30 +18213,57 @@
           </a:p>
           <a:p>
             <a:r>
-              <a:rPr lang="en-US" sz="3100" dirty="0"/>
+              <a:rPr lang="en-US" sz="3100" dirty="0">
+                <a:highlight>
+                  <a:srgbClr val="FFFF00"/>
+                </a:highlight>
+              </a:rPr>
               <a:t>                </a:t>
             </a:r>
             <a:r>
-              <a:rPr lang="th-TH" sz="3100" dirty="0"/>
+              <a:rPr lang="th-TH" sz="3100" dirty="0">
+                <a:highlight>
+                  <a:srgbClr val="FFFF00"/>
+                </a:highlight>
+              </a:rPr>
               <a:t> ดังนั้น </a:t>
             </a:r>
             <a:r>
-              <a:rPr lang="en-US" sz="3100" dirty="0"/>
+              <a:rPr lang="en-US" sz="3100" dirty="0">
+                <a:highlight>
+                  <a:srgbClr val="FFFF00"/>
+                </a:highlight>
+              </a:rPr>
               <a:t> </a:t>
             </a:r>
             <a:r>
-              <a:rPr lang="th-TH" sz="3100" dirty="0"/>
+              <a:rPr lang="th-TH" sz="3100" dirty="0">
+                <a:highlight>
+                  <a:srgbClr val="FFFF00"/>
+                </a:highlight>
+              </a:rPr>
               <a:t>  </a:t>
             </a:r>
-            <a:endParaRPr lang="en-US" sz="3100" dirty="0"/>
+            <a:endParaRPr lang="en-US" sz="3100" dirty="0">
+              <a:highlight>
+                <a:srgbClr val="FFFF00"/>
+              </a:highlight>
+            </a:endParaRPr>
           </a:p>
           <a:p>
             <a:r>
-              <a:rPr lang="en-US" sz="3100" dirty="0"/>
+              <a:rPr lang="en-US" sz="3100" dirty="0">
+                <a:highlight>
+                  <a:srgbClr val="FFFF00"/>
+                </a:highlight>
+              </a:rPr>
               <a:t>                 </a:t>
             </a:r>
             <a:r>
               <a:rPr lang="th-TH" sz="3100" dirty="0">
+                <a:highlight>
+                  <a:srgbClr val="FFFF00"/>
+                </a:highlight>
                 <a:latin typeface="TH Sarabun New" panose="020B0500040200020003" pitchFamily="34" charset="-34"/>
                 <a:cs typeface="TH Sarabun New" panose="020B0500040200020003" pitchFamily="34" charset="-34"/>
               </a:rPr>
@@ -15028,6 +18271,9 @@
             </a:r>
             <a:r>
               <a:rPr lang="en-US" sz="3100" dirty="0">
+                <a:highlight>
+                  <a:srgbClr val="FFFF00"/>
+                </a:highlight>
                 <a:latin typeface="TH Sarabun New" panose="020B0500040200020003" pitchFamily="34" charset="-34"/>
                 <a:cs typeface="TH Sarabun New" panose="020B0500040200020003" pitchFamily="34" charset="-34"/>
               </a:rPr>
@@ -16121,10 +19367,10 @@
       </p:grpSpPr>
       <p:sp>
         <p:nvSpPr>
-          <p:cNvPr id="4" name="TextBox 3">
+          <p:cNvPr id="9" name="TextBox 8">
             <a:extLst>
               <a:ext uri="{FF2B5EF4-FFF2-40B4-BE49-F238E27FC236}">
-                <a16:creationId xmlns:a16="http://schemas.microsoft.com/office/drawing/2014/main" id="{071A0A03-4EA2-4F99-8B14-06F35D876DE4}"/>
+                <a16:creationId xmlns:a16="http://schemas.microsoft.com/office/drawing/2014/main" id="{D1662827-1860-6465-0885-74F56898C98F}"/>
               </a:ext>
             </a:extLst>
           </p:cNvPr>
@@ -16133,8 +19379,8 @@
         </p:nvSpPr>
         <p:spPr>
           <a:xfrm>
-            <a:off x="1777746" y="455956"/>
-            <a:ext cx="9870829" cy="5339923"/>
+            <a:off x="972765" y="466927"/>
+            <a:ext cx="9805481" cy="4862870"/>
           </a:xfrm>
           <a:prstGeom prst="rect">
             <a:avLst/>
@@ -16152,137 +19398,224 @@
                 <a:latin typeface="TH Sarabun New" panose="020B0500040200020003" pitchFamily="34" charset="-34"/>
                 <a:cs typeface="TH Sarabun New" panose="020B0500040200020003" pitchFamily="34" charset="-34"/>
               </a:rPr>
-              <a:t>			</a:t>
+              <a:t>				</a:t>
+            </a:r>
+            <a:r>
+              <a:rPr lang="th-TH" sz="3100" dirty="0">
+                <a:latin typeface="TH Sarabun New" panose="020B0500040200020003" pitchFamily="34" charset="-34"/>
+                <a:cs typeface="TH Sarabun New" panose="020B0500040200020003" pitchFamily="34" charset="-34"/>
+              </a:rPr>
+              <a:t>พิจารณา		 </a:t>
+            </a:r>
+            <a:r>
+              <a:rPr lang="en-US" sz="3100" dirty="0">
+                <a:latin typeface="TH Sarabun New" panose="020B0500040200020003" pitchFamily="34" charset="-34"/>
+                <a:cs typeface="TH Sarabun New" panose="020B0500040200020003" pitchFamily="34" charset="-34"/>
+              </a:rPr>
+              <a:t>:</a:t>
             </a:r>
           </a:p>
           <a:p>
+            <a:r>
+              <a:rPr lang="en-US" sz="3100" dirty="0">
+                <a:latin typeface="TH Sarabun New" panose="020B0500040200020003" pitchFamily="34" charset="-34"/>
+                <a:cs typeface="TH Sarabun New" panose="020B0500040200020003" pitchFamily="34" charset="-34"/>
+              </a:rPr>
+              <a:t>                     </a:t>
+            </a:r>
+            <a:r>
+              <a:rPr lang="th-TH" sz="3100" dirty="0">
+                <a:latin typeface="TH Sarabun New" panose="020B0500040200020003" pitchFamily="34" charset="-34"/>
+                <a:cs typeface="TH Sarabun New" panose="020B0500040200020003" pitchFamily="34" charset="-34"/>
+              </a:rPr>
+              <a:t>เนื่องจาก			 สมมติว่า </a:t>
+            </a:r>
+            <a:r>
+              <a:rPr lang="en-US" sz="3100" dirty="0">
+                <a:latin typeface="TH Sarabun New" panose="020B0500040200020003" pitchFamily="34" charset="-34"/>
+                <a:cs typeface="TH Sarabun New" panose="020B0500040200020003" pitchFamily="34" charset="-34"/>
+              </a:rPr>
+              <a:t>		</a:t>
+            </a:r>
+            <a:r>
+              <a:rPr lang="th-TH" sz="3100" dirty="0">
+                <a:latin typeface="TH Sarabun New" panose="020B0500040200020003" pitchFamily="34" charset="-34"/>
+                <a:cs typeface="TH Sarabun New" panose="020B0500040200020003" pitchFamily="34" charset="-34"/>
+              </a:rPr>
+              <a:t>   จาก		</a:t>
+            </a:r>
+          </a:p>
+          <a:p>
+            <a:r>
+              <a:rPr lang="th-TH" sz="3100" dirty="0">
+                <a:latin typeface="TH Sarabun New" panose="020B0500040200020003" pitchFamily="34" charset="-34"/>
+                <a:cs typeface="TH Sarabun New" panose="020B0500040200020003" pitchFamily="34" charset="-34"/>
+              </a:rPr>
+              <a:t>				จะได้ว่า      </a:t>
+            </a:r>
             <a:endParaRPr lang="en-US" sz="3100" dirty="0">
               <a:latin typeface="TH Sarabun New" panose="020B0500040200020003" pitchFamily="34" charset="-34"/>
               <a:cs typeface="TH Sarabun New" panose="020B0500040200020003" pitchFamily="34" charset="-34"/>
             </a:endParaRPr>
           </a:p>
           <a:p>
+            <a:r>
+              <a:rPr lang="en-US" sz="3100" dirty="0">
+                <a:latin typeface="TH Sarabun New" panose="020B0500040200020003" pitchFamily="34" charset="-34"/>
+                <a:cs typeface="TH Sarabun New" panose="020B0500040200020003" pitchFamily="34" charset="-34"/>
+              </a:rPr>
+              <a:t>				</a:t>
+            </a:r>
+            <a:r>
+              <a:rPr lang="th-TH" sz="3100" dirty="0">
+                <a:latin typeface="TH Sarabun New" panose="020B0500040200020003" pitchFamily="34" charset="-34"/>
+                <a:cs typeface="TH Sarabun New" panose="020B0500040200020003" pitchFamily="34" charset="-34"/>
+              </a:rPr>
+              <a:t>ดังนั้น			 จะได้ </a:t>
+            </a:r>
+            <a:r>
+              <a:rPr lang="en-US" sz="3100" dirty="0">
+                <a:latin typeface="TH Sarabun New" panose="020B0500040200020003" pitchFamily="34" charset="-34"/>
+                <a:cs typeface="TH Sarabun New" panose="020B0500040200020003" pitchFamily="34" charset="-34"/>
+              </a:rPr>
+              <a:t>                      </a:t>
+            </a:r>
+            <a:r>
+              <a:rPr lang="th-TH" sz="3100" dirty="0">
+                <a:latin typeface="TH Sarabun New" panose="020B0500040200020003" pitchFamily="34" charset="-34"/>
+                <a:cs typeface="TH Sarabun New" panose="020B0500040200020003" pitchFamily="34" charset="-34"/>
+              </a:rPr>
+              <a:t> </a:t>
+            </a:r>
+            <a:r>
+              <a:rPr lang="th-TH" sz="3100" dirty="0">
+                <a:solidFill>
+                  <a:srgbClr val="FF0000"/>
+                </a:solidFill>
+                <a:latin typeface="TH Sarabun New" panose="020B0500040200020003" pitchFamily="34" charset="-34"/>
+                <a:cs typeface="TH Sarabun New" panose="020B0500040200020003" pitchFamily="34" charset="-34"/>
+              </a:rPr>
+              <a:t>ซึ่งเป็นไปไม่ได้ เนื่องจาก</a:t>
+            </a:r>
             <a:endParaRPr lang="en-US" sz="3100" dirty="0">
+              <a:solidFill>
+                <a:srgbClr val="FF0000"/>
+              </a:solidFill>
               <a:latin typeface="TH Sarabun New" panose="020B0500040200020003" pitchFamily="34" charset="-34"/>
               <a:cs typeface="TH Sarabun New" panose="020B0500040200020003" pitchFamily="34" charset="-34"/>
             </a:endParaRPr>
           </a:p>
           <a:p>
-            <a:endParaRPr lang="en-US" sz="3100" dirty="0">
+            <a:r>
+              <a:rPr lang="en-US" sz="3100" dirty="0">
+                <a:latin typeface="TH Sarabun New" panose="020B0500040200020003" pitchFamily="34" charset="-34"/>
+                <a:cs typeface="TH Sarabun New" panose="020B0500040200020003" pitchFamily="34" charset="-34"/>
+              </a:rPr>
+              <a:t>				</a:t>
+            </a:r>
+            <a:r>
+              <a:rPr lang="th-TH" sz="3100" dirty="0">
+                <a:latin typeface="TH Sarabun New" panose="020B0500040200020003" pitchFamily="34" charset="-34"/>
+                <a:cs typeface="TH Sarabun New" panose="020B0500040200020003" pitchFamily="34" charset="-34"/>
+              </a:rPr>
+              <a:t>พิจารณา	</a:t>
+            </a:r>
+            <a:r>
+              <a:rPr lang="en-US" sz="3100" dirty="0">
+                <a:latin typeface="TH Sarabun New" panose="020B0500040200020003" pitchFamily="34" charset="-34"/>
+                <a:cs typeface="TH Sarabun New" panose="020B0500040200020003" pitchFamily="34" charset="-34"/>
+              </a:rPr>
+              <a:t>           =&gt;  				</a:t>
+            </a:r>
+          </a:p>
+          <a:p>
+            <a:r>
+              <a:rPr lang="en-US" sz="3100" dirty="0">
+                <a:latin typeface="TH Sarabun New" panose="020B0500040200020003" pitchFamily="34" charset="-34"/>
+                <a:cs typeface="TH Sarabun New" panose="020B0500040200020003" pitchFamily="34" charset="-34"/>
+              </a:rPr>
+              <a:t>							     =&gt; </a:t>
+            </a:r>
+          </a:p>
+          <a:p>
+            <a:r>
+              <a:rPr lang="en-US" sz="3100" dirty="0">
+                <a:latin typeface="TH Sarabun New" panose="020B0500040200020003" pitchFamily="34" charset="-34"/>
+                <a:cs typeface="TH Sarabun New" panose="020B0500040200020003" pitchFamily="34" charset="-34"/>
+              </a:rPr>
+              <a:t>							     =&gt; </a:t>
+            </a:r>
+          </a:p>
+          <a:p>
+            <a:r>
+              <a:rPr lang="en-US" sz="3100" dirty="0">
+                <a:latin typeface="TH Sarabun New" panose="020B0500040200020003" pitchFamily="34" charset="-34"/>
+                <a:cs typeface="TH Sarabun New" panose="020B0500040200020003" pitchFamily="34" charset="-34"/>
+              </a:rPr>
+              <a:t>							     =&gt; </a:t>
+            </a:r>
+          </a:p>
+          <a:p>
+            <a:r>
+              <a:rPr lang="en-US" sz="3100" dirty="0">
+                <a:latin typeface="TH Sarabun New" panose="020B0500040200020003" pitchFamily="34" charset="-34"/>
+                <a:cs typeface="TH Sarabun New" panose="020B0500040200020003" pitchFamily="34" charset="-34"/>
+              </a:rPr>
+              <a:t>				</a:t>
+            </a:r>
+            <a:r>
+              <a:rPr lang="th-TH" sz="3100" dirty="0">
+                <a:latin typeface="TH Sarabun New" panose="020B0500040200020003" pitchFamily="34" charset="-34"/>
+                <a:cs typeface="TH Sarabun New" panose="020B0500040200020003" pitchFamily="34" charset="-34"/>
+              </a:rPr>
+              <a:t>ดังนั้น </a:t>
+            </a:r>
+            <a:r>
+              <a:rPr lang="en-US" sz="3100" dirty="0">
+                <a:latin typeface="TH Sarabun New" panose="020B0500040200020003" pitchFamily="34" charset="-34"/>
+                <a:cs typeface="TH Sarabun New" panose="020B0500040200020003" pitchFamily="34" charset="-34"/>
+              </a:rPr>
+              <a:t> </a:t>
+            </a:r>
+            <a:r>
+              <a:rPr lang="th-TH" sz="3100" dirty="0">
+                <a:latin typeface="TH Sarabun New" panose="020B0500040200020003" pitchFamily="34" charset="-34"/>
+                <a:cs typeface="TH Sarabun New" panose="020B0500040200020003" pitchFamily="34" charset="-34"/>
+              </a:rPr>
+              <a:t>  </a:t>
+            </a:r>
+            <a:endParaRPr lang="th-TH" sz="3100" dirty="0">
+              <a:highlight>
+                <a:srgbClr val="FFFF00"/>
+              </a:highlight>
               <a:latin typeface="TH Sarabun New" panose="020B0500040200020003" pitchFamily="34" charset="-34"/>
               <a:cs typeface="TH Sarabun New" panose="020B0500040200020003" pitchFamily="34" charset="-34"/>
             </a:endParaRPr>
           </a:p>
           <a:p>
-            <a:endParaRPr lang="en-US" sz="3100" dirty="0">
-              <a:latin typeface="TH Sarabun New" panose="020B0500040200020003" pitchFamily="34" charset="-34"/>
-              <a:cs typeface="TH Sarabun New" panose="020B0500040200020003" pitchFamily="34" charset="-34"/>
-            </a:endParaRPr>
-          </a:p>
-          <a:p>
-            <a:endParaRPr lang="en-US" sz="3100" dirty="0">
-              <a:latin typeface="TH Sarabun New" panose="020B0500040200020003" pitchFamily="34" charset="-34"/>
-              <a:cs typeface="TH Sarabun New" panose="020B0500040200020003" pitchFamily="34" charset="-34"/>
-            </a:endParaRPr>
-          </a:p>
-          <a:p>
-            <a:endParaRPr lang="en-US" sz="3100" dirty="0">
-              <a:latin typeface="TH Sarabun New" panose="020B0500040200020003" pitchFamily="34" charset="-34"/>
-              <a:cs typeface="TH Sarabun New" panose="020B0500040200020003" pitchFamily="34" charset="-34"/>
-            </a:endParaRPr>
-          </a:p>
-          <a:p>
             <a:r>
               <a:rPr lang="th-TH" sz="3100" dirty="0">
                 <a:latin typeface="TH Sarabun New" panose="020B0500040200020003" pitchFamily="34" charset="-34"/>
                 <a:cs typeface="TH Sarabun New" panose="020B0500040200020003" pitchFamily="34" charset="-34"/>
               </a:rPr>
-              <a:t>													</a:t>
+              <a:t>				</a:t>
             </a:r>
             <a:r>
               <a:rPr lang="en-US" sz="3100" dirty="0">
                 <a:latin typeface="TH Sarabun New" panose="020B0500040200020003" pitchFamily="34" charset="-34"/>
                 <a:cs typeface="TH Sarabun New" panose="020B0500040200020003" pitchFamily="34" charset="-34"/>
               </a:rPr>
-              <a:t> </a:t>
-            </a:r>
-            <a:r>
-              <a:rPr lang="th-TH" sz="3100" dirty="0">
-                <a:latin typeface="TH Sarabun New" panose="020B0500040200020003" pitchFamily="34" charset="-34"/>
-                <a:cs typeface="TH Sarabun New" panose="020B0500040200020003" pitchFamily="34" charset="-34"/>
-              </a:rPr>
-              <a:t>เมื่อ</a:t>
-            </a:r>
-            <a:r>
-              <a:rPr lang="en-US" sz="3100" dirty="0">
-                <a:latin typeface="TH Sarabun New" panose="020B0500040200020003" pitchFamily="34" charset="-34"/>
-                <a:cs typeface="TH Sarabun New" panose="020B0500040200020003" pitchFamily="34" charset="-34"/>
-              </a:rPr>
-              <a:t>     </a:t>
-            </a:r>
-            <a:endParaRPr lang="th-TH" sz="3100" dirty="0">
-              <a:latin typeface="TH Sarabun New" panose="020B0500040200020003" pitchFamily="34" charset="-34"/>
-              <a:cs typeface="TH Sarabun New" panose="020B0500040200020003" pitchFamily="34" charset="-34"/>
-            </a:endParaRPr>
-          </a:p>
-          <a:p>
-            <a:endParaRPr lang="th-TH" sz="3100" dirty="0">
-              <a:latin typeface="TH Sarabun New" panose="020B0500040200020003" pitchFamily="34" charset="-34"/>
-              <a:cs typeface="TH Sarabun New" panose="020B0500040200020003" pitchFamily="34" charset="-34"/>
-            </a:endParaRPr>
-          </a:p>
-          <a:p>
-            <a:r>
-              <a:rPr lang="en-US" sz="3100" dirty="0">
-                <a:latin typeface="TH Sarabun New" panose="020B0500040200020003" pitchFamily="34" charset="-34"/>
-                <a:cs typeface="TH Sarabun New" panose="020B0500040200020003" pitchFamily="34" charset="-34"/>
-              </a:rPr>
-              <a:t>  </a:t>
-            </a:r>
-            <a:r>
-              <a:rPr lang="th-TH" sz="3100" dirty="0">
-                <a:latin typeface="TH Sarabun New" panose="020B0500040200020003" pitchFamily="34" charset="-34"/>
-                <a:cs typeface="TH Sarabun New" panose="020B0500040200020003" pitchFamily="34" charset="-34"/>
-              </a:rPr>
-              <a:t>		    เพราะฉะนั้น                                   </a:t>
-            </a:r>
-            <a:endParaRPr lang="en-US" sz="3100" dirty="0">
-              <a:latin typeface="TH Sarabun New" panose="020B0500040200020003" pitchFamily="34" charset="-34"/>
-              <a:cs typeface="TH Sarabun New" panose="020B0500040200020003" pitchFamily="34" charset="-34"/>
-            </a:endParaRPr>
-          </a:p>
-          <a:p>
-            <a:r>
-              <a:rPr lang="en-US" sz="3100" dirty="0">
-                <a:latin typeface="TH Sarabun New" panose="020B0500040200020003" pitchFamily="34" charset="-34"/>
-                <a:cs typeface="TH Sarabun New" panose="020B0500040200020003" pitchFamily="34" charset="-34"/>
-              </a:rPr>
-              <a:t>		    </a:t>
-            </a:r>
-            <a:r>
-              <a:rPr lang="th-TH" sz="3100" dirty="0">
-                <a:latin typeface="TH Sarabun New" panose="020B0500040200020003" pitchFamily="34" charset="-34"/>
-                <a:cs typeface="TH Sarabun New" panose="020B0500040200020003" pitchFamily="34" charset="-34"/>
-              </a:rPr>
-              <a:t>เป็นผลเฉลยของ      </a:t>
-            </a:r>
-            <a:r>
-              <a:rPr lang="en-US" sz="3100" dirty="0">
-                <a:latin typeface="TH Sarabun New" panose="020B0500040200020003" pitchFamily="34" charset="-34"/>
-                <a:cs typeface="TH Sarabun New" panose="020B0500040200020003" pitchFamily="34" charset="-34"/>
-              </a:rPr>
-              <a:t>	</a:t>
-            </a:r>
-            <a:endParaRPr lang="en-US" sz="3100" dirty="0"/>
+              <a:t>				</a:t>
+            </a:r>
           </a:p>
         </p:txBody>
       </p:sp>
       <p:pic>
         <p:nvPicPr>
-          <p:cNvPr id="7" name="Picture 6" descr="\documentclass{article}&#10;\usepackage{amsmath}&#10;\pagestyle{empty}&#10;\usepackage{xcolor}&#10;\usepackage{empheq}&#10;\begin{document}&#10;$ 1  =2^{x-2}-p $&#10;\end{document}" title="IguanaTex Bitmap Display">
+          <p:cNvPr id="10" name="Picture 9" descr="\documentclass{article}&#10;\usepackage{amsmath}&#10;\pagestyle{empty}&#10;\usepackage{xcolor}&#10;\usepackage{empheq}&#10;\begin{document}&#10;${\color{red}\left ( 5 \right )}$&#10;\end{document}" title="IguanaTex Bitmap Display">
             <a:extLst>
               <a:ext uri="{FF2B5EF4-FFF2-40B4-BE49-F238E27FC236}">
-                <a16:creationId xmlns:a16="http://schemas.microsoft.com/office/drawing/2014/main" id="{D73C138C-9103-82B5-1BFF-31F1B51D6ACC}"/>
+                <a16:creationId xmlns:a16="http://schemas.microsoft.com/office/drawing/2014/main" id="{F2EAA515-CBE7-1AF3-DB3D-282139931F7B}"/>
               </a:ext>
             </a:extLst>
           </p:cNvPr>
@@ -16296,7 +19629,7 @@
           </p:nvPr>
         </p:nvPicPr>
         <p:blipFill>
-          <a:blip r:embed="rId11">
+          <a:blip r:embed="rId17">
             <a:extLst>
               <a:ext uri="{28A0092B-C50C-407E-A947-70E740481C1C}">
                 <a14:useLocalDpi xmlns:a14="http://schemas.microsoft.com/office/drawing/2010/main" val="0"/>
@@ -16309,8 +19642,8 @@
         </p:blipFill>
         <p:spPr>
           <a:xfrm>
-            <a:off x="5030600" y="708202"/>
-            <a:ext cx="1784088" cy="330604"/>
+            <a:off x="3855900" y="552509"/>
+            <a:ext cx="365401" cy="339011"/>
           </a:xfrm>
           <a:prstGeom prst="rect">
             <a:avLst/>
@@ -16319,10 +19652,10 @@
       </p:pic>
       <p:pic>
         <p:nvPicPr>
-          <p:cNvPr id="10" name="Picture 9" descr="\documentclass{article}&#10;\usepackage{amsmath}&#10;\pagestyle{empty}&#10;\usepackage{xcolor}&#10;\usepackage{empheq}&#10;\begin{document}&#10;$ 1+p=2^{x-2} $&#10;\end{document}" title="IguanaTex Bitmap Display">
+          <p:cNvPr id="11" name="Picture 10" descr="\documentclass{article}&#10;\usepackage{amsmath}&#10;\pagestyle{empty}&#10;\usepackage{xcolor}&#10;\usepackage{empheq}&#10;\begin{document}&#10;$ 1  =2^{x-2}-p^{k} $&#10;\end{document}" title="IguanaTex Bitmap Display">
             <a:extLst>
               <a:ext uri="{FF2B5EF4-FFF2-40B4-BE49-F238E27FC236}">
-                <a16:creationId xmlns:a16="http://schemas.microsoft.com/office/drawing/2014/main" id="{1493B3ED-327C-35D1-B6CA-DFC825A8E317}"/>
+                <a16:creationId xmlns:a16="http://schemas.microsoft.com/office/drawing/2014/main" id="{3406FF69-E5B3-CB8C-5D53-2C9AED96CCD6}"/>
               </a:ext>
             </a:extLst>
           </p:cNvPr>
@@ -16336,7 +19669,7 @@
           </p:nvPr>
         </p:nvPicPr>
         <p:blipFill>
-          <a:blip r:embed="rId12">
+          <a:blip r:embed="rId18">
             <a:extLst>
               <a:ext uri="{28A0092B-C50C-407E-A947-70E740481C1C}">
                 <a14:useLocalDpi xmlns:a14="http://schemas.microsoft.com/office/drawing/2010/main" val="0"/>
@@ -16349,8 +19682,8 @@
         </p:blipFill>
         <p:spPr>
           <a:xfrm>
-            <a:off x="4548000" y="1375833"/>
-            <a:ext cx="1685164" cy="317141"/>
+            <a:off x="4650310" y="562134"/>
+            <a:ext cx="1839042" cy="324647"/>
           </a:xfrm>
           <a:prstGeom prst="rect">
             <a:avLst/>
@@ -16359,10 +19692,10 @@
       </p:pic>
       <p:pic>
         <p:nvPicPr>
-          <p:cNvPr id="14" name="Picture 13" descr="\documentclass{article}&#10;\usepackage{amsmath}&#10;\pagestyle{empty}&#10;\usepackage{xcolor}&#10;\usepackage{empheq}&#10;\begin{document}&#10;$ 2^{2}\cdot \left ( 1+p \right )=2^{x} $&#10;\end{document}" title="IguanaTex Bitmap Display">
+          <p:cNvPr id="12" name="Picture 11" descr="\documentclass{article}&#10;\usepackage{amsmath}&#10;\pagestyle{empty}&#10;\usepackage{xcolor}&#10;\usepackage{empheq}&#10;\begin{document}&#10;$x\neq 1$&#10;\end{document}" title="IguanaTex Bitmap Display">
             <a:extLst>
               <a:ext uri="{FF2B5EF4-FFF2-40B4-BE49-F238E27FC236}">
-                <a16:creationId xmlns:a16="http://schemas.microsoft.com/office/drawing/2014/main" id="{CB39F02F-A187-AE14-7948-5C586BDF00D2}"/>
+                <a16:creationId xmlns:a16="http://schemas.microsoft.com/office/drawing/2014/main" id="{19B1606C-C2D3-A87A-4C87-28F561D3406D}"/>
               </a:ext>
             </a:extLst>
           </p:cNvPr>
@@ -16376,7 +19709,7 @@
           </p:nvPr>
         </p:nvPicPr>
         <p:blipFill>
-          <a:blip r:embed="rId13">
+          <a:blip r:embed="rId19">
             <a:extLst>
               <a:ext uri="{28A0092B-C50C-407E-A947-70E740481C1C}">
                 <a14:useLocalDpi xmlns:a14="http://schemas.microsoft.com/office/drawing/2010/main" val="0"/>
@@ -16389,8 +19722,8 @@
         </p:blipFill>
         <p:spPr>
           <a:xfrm>
-            <a:off x="3747023" y="2043464"/>
-            <a:ext cx="2139295" cy="335907"/>
+            <a:off x="3884775" y="1059266"/>
+            <a:ext cx="765784" cy="310724"/>
           </a:xfrm>
           <a:prstGeom prst="rect">
             <a:avLst/>
@@ -16399,10 +19732,10 @@
       </p:pic>
       <p:pic>
         <p:nvPicPr>
-          <p:cNvPr id="18" name="Picture 17" descr="\documentclass{article}&#10;\usepackage{amsmath}&#10;\pagestyle{empty}&#10;\usepackage{xcolor}&#10;\usepackage{empheq}&#10;\begin{document}&#10;$ \log _{2}2^{2}\cdot \left ( 1+p \right )=\log _{2}2^{x} $&#10;\end{document}" title="IguanaTex Bitmap Display">
+          <p:cNvPr id="13" name="Picture 12" descr="\documentclass{article}&#10;\usepackage{amsmath}&#10;\pagestyle{empty}&#10;\usepackage{xcolor}&#10;\usepackage{empheq}&#10;\begin{document}&#10;$x=3$&#10;\end{document}" title="IguanaTex Bitmap Display">
             <a:extLst>
               <a:ext uri="{FF2B5EF4-FFF2-40B4-BE49-F238E27FC236}">
-                <a16:creationId xmlns:a16="http://schemas.microsoft.com/office/drawing/2014/main" id="{EAA36821-9597-E807-5F54-4248C2DDA9A9}"/>
+                <a16:creationId xmlns:a16="http://schemas.microsoft.com/office/drawing/2014/main" id="{C9374E29-1746-20AD-70B8-F9F3DFC1B909}"/>
               </a:ext>
             </a:extLst>
           </p:cNvPr>
@@ -16416,7 +19749,7 @@
           </p:nvPr>
         </p:nvPicPr>
         <p:blipFill>
-          <a:blip r:embed="rId14">
+          <a:blip r:embed="rId20">
             <a:extLst>
               <a:ext uri="{28A0092B-C50C-407E-A947-70E740481C1C}">
                 <a14:useLocalDpi xmlns:a14="http://schemas.microsoft.com/office/drawing/2010/main" val="0"/>
@@ -16429,8 +19762,8 @@
         </p:blipFill>
         <p:spPr>
           <a:xfrm>
-            <a:off x="3150271" y="2645006"/>
-            <a:ext cx="3332797" cy="335907"/>
+            <a:off x="5846885" y="1059267"/>
+            <a:ext cx="777812" cy="228533"/>
           </a:xfrm>
           <a:prstGeom prst="rect">
             <a:avLst/>
@@ -16439,10 +19772,10 @@
       </p:pic>
       <p:pic>
         <p:nvPicPr>
-          <p:cNvPr id="20" name="Picture 19" descr="\documentclass{article}&#10;\usepackage{amsmath}&#10;\pagestyle{empty}&#10;\usepackage{xcolor}&#10;\usepackage{empheq}&#10;\begin{document}&#10;$ 2+\log _{2} \left ( 1+p \right )=x $&#10;\end{document}" title="IguanaTex Bitmap Display">
+          <p:cNvPr id="14" name="Picture 13" descr="\documentclass{article}&#10;\usepackage{amsmath}&#10;\pagestyle{empty}&#10;\usepackage{xcolor}&#10;\usepackage{empheq}&#10;\begin{document}&#10;${\color{red}\left ( 5 \right )}$&#10;\end{document}" title="IguanaTex Bitmap Display">
             <a:extLst>
               <a:ext uri="{FF2B5EF4-FFF2-40B4-BE49-F238E27FC236}">
-                <a16:creationId xmlns:a16="http://schemas.microsoft.com/office/drawing/2014/main" id="{D8F62028-A894-0CDD-010A-CAA24F1A431B}"/>
+                <a16:creationId xmlns:a16="http://schemas.microsoft.com/office/drawing/2014/main" id="{DA07BC4D-B358-579E-30CB-5229CA435B22}"/>
               </a:ext>
             </a:extLst>
           </p:cNvPr>
@@ -16456,7 +19789,7 @@
           </p:nvPr>
         </p:nvPicPr>
         <p:blipFill>
-          <a:blip r:embed="rId15">
+          <a:blip r:embed="rId17">
             <a:extLst>
               <a:ext uri="{28A0092B-C50C-407E-A947-70E740481C1C}">
                 <a14:useLocalDpi xmlns:a14="http://schemas.microsoft.com/office/drawing/2010/main" val="0"/>
@@ -16469,8 +19802,8 @@
         </p:blipFill>
         <p:spPr>
           <a:xfrm>
-            <a:off x="3150271" y="3331403"/>
-            <a:ext cx="2630958" cy="313388"/>
+            <a:off x="7336590" y="1021354"/>
+            <a:ext cx="365401" cy="339011"/>
           </a:xfrm>
           <a:prstGeom prst="rect">
             <a:avLst/>
@@ -16479,10 +19812,10 @@
       </p:pic>
       <p:pic>
         <p:nvPicPr>
-          <p:cNvPr id="23" name="Picture 22" descr="\documentclass{article}&#10;\usepackage{amsmath}&#10;\pagestyle{empty}&#10;\usepackage{xcolor}&#10;\usepackage{empheq}&#10;\begin{document}&#10;$x= 2+\log _{2} \left ( 1+p \right ) $&#10;\end{document}" title="IguanaTex Bitmap Display">
+          <p:cNvPr id="15" name="Picture 14" descr="\documentclass{article}&#10;\usepackage{amsmath}&#10;\pagestyle{empty}&#10;\usepackage{xcolor}&#10;\usepackage{empheq}&#10;\begin{document}&#10;$k=0$&#10;\end{document}" title="IguanaTex Bitmap Display">
             <a:extLst>
               <a:ext uri="{FF2B5EF4-FFF2-40B4-BE49-F238E27FC236}">
-                <a16:creationId xmlns:a16="http://schemas.microsoft.com/office/drawing/2014/main" id="{41ED811B-3CC8-368E-74AA-A2FEE5AEFA32}"/>
+                <a16:creationId xmlns:a16="http://schemas.microsoft.com/office/drawing/2014/main" id="{8A0FF5C7-B335-F7E7-DC31-F86758813717}"/>
               </a:ext>
             </a:extLst>
           </p:cNvPr>
@@ -16496,7 +19829,7 @@
           </p:nvPr>
         </p:nvPicPr>
         <p:blipFill>
-          <a:blip r:embed="rId16">
+          <a:blip r:embed="rId21">
             <a:extLst>
               <a:ext uri="{28A0092B-C50C-407E-A947-70E740481C1C}">
                 <a14:useLocalDpi xmlns:a14="http://schemas.microsoft.com/office/drawing/2010/main" val="0"/>
@@ -16509,8 +19842,8 @@
         </p:blipFill>
         <p:spPr>
           <a:xfrm>
-            <a:off x="5063828" y="3845532"/>
-            <a:ext cx="2621574" cy="313388"/>
+            <a:off x="3827205" y="2025431"/>
+            <a:ext cx="763779" cy="238556"/>
           </a:xfrm>
           <a:prstGeom prst="rect">
             <a:avLst/>
@@ -16519,10 +19852,10 @@
       </p:pic>
       <p:pic>
         <p:nvPicPr>
-          <p:cNvPr id="28" name="Picture 27" descr="\documentclass{article}&#10;\usepackage{amsmath}&#10;\usepackage{amsfonts}&#10;\pagestyle{empty}&#10;\usepackage{xcolor}&#10;\usepackage{empheq}&#10;\begin{document}&#10;$\log _{2} \left ( 1+p \right ) \in \mathbb{Z}$&#10;\end{document}" title="IguanaTex Bitmap Display">
+          <p:cNvPr id="16" name="Picture 15" descr="\documentclass{article}&#10;\usepackage{amsmath}&#10;\pagestyle{empty}&#10;\usepackage{xcolor}&#10;\usepackage{empheq}&#10;\begin{document}&#10;$   p^{k}  =2^{3-2}-1=1 $&#10;\end{document}" title="IguanaTex Bitmap Display">
             <a:extLst>
               <a:ext uri="{FF2B5EF4-FFF2-40B4-BE49-F238E27FC236}">
-                <a16:creationId xmlns:a16="http://schemas.microsoft.com/office/drawing/2014/main" id="{6667D7BC-98DF-9EF3-B544-5258F7A99D27}"/>
+                <a16:creationId xmlns:a16="http://schemas.microsoft.com/office/drawing/2014/main" id="{9C2B5509-97F9-2CDC-DAC5-FDC862B4E877}"/>
               </a:ext>
             </a:extLst>
           </p:cNvPr>
@@ -16536,7 +19869,7 @@
           </p:nvPr>
         </p:nvPicPr>
         <p:blipFill>
-          <a:blip r:embed="rId17">
+          <a:blip r:embed="rId22">
             <a:extLst>
               <a:ext uri="{28A0092B-C50C-407E-A947-70E740481C1C}">
                 <a14:useLocalDpi xmlns:a14="http://schemas.microsoft.com/office/drawing/2010/main" val="0"/>
@@ -16549,8 +19882,8 @@
         </p:blipFill>
         <p:spPr>
           <a:xfrm>
-            <a:off x="8495557" y="3868379"/>
-            <a:ext cx="2099887" cy="313388"/>
+            <a:off x="3820756" y="1476776"/>
+            <a:ext cx="2433915" cy="324647"/>
           </a:xfrm>
           <a:prstGeom prst="rect">
             <a:avLst/>
@@ -16559,10 +19892,10 @@
       </p:pic>
       <p:pic>
         <p:nvPicPr>
-          <p:cNvPr id="29" name="Picture 28" descr="\documentclass{article}&#10;\usepackage{amsmath}&#10;\pagestyle{empty}&#10;\usepackage{xcolor}&#10;\usepackage{empheq}&#10;\begin{document}&#10;${\color{red}\left ( 1 \right )}$&#10;\end{document}" title="IguanaTex Bitmap Display">
+          <p:cNvPr id="17" name="Picture 16" descr="\documentclass{article}&#10;\usepackage{amsmath}&#10;\pagestyle{empty}&#10;\usepackage{xcolor}&#10;\usepackage{empheq}&#10;\begin{document}&#10;$y=2\left(0\right)=0$&#10;\end{document}" title="IguanaTex Bitmap Display">
             <a:extLst>
               <a:ext uri="{FF2B5EF4-FFF2-40B4-BE49-F238E27FC236}">
-                <a16:creationId xmlns:a16="http://schemas.microsoft.com/office/drawing/2014/main" id="{BAEF8153-68F8-7BDE-25FD-AB0115B7B2C5}"/>
+                <a16:creationId xmlns:a16="http://schemas.microsoft.com/office/drawing/2014/main" id="{B5E52F30-0E55-CB39-FE3E-D18108193E96}"/>
               </a:ext>
             </a:extLst>
           </p:cNvPr>
@@ -16576,7 +19909,7 @@
           </p:nvPr>
         </p:nvPicPr>
         <p:blipFill>
-          <a:blip r:embed="rId18">
+          <a:blip r:embed="rId23">
             <a:extLst>
               <a:ext uri="{28A0092B-C50C-407E-A947-70E740481C1C}">
                 <a14:useLocalDpi xmlns:a14="http://schemas.microsoft.com/office/drawing/2010/main" val="0"/>
@@ -16589,8 +19922,8 @@
         </p:blipFill>
         <p:spPr>
           <a:xfrm>
-            <a:off x="5030600" y="5315282"/>
-            <a:ext cx="359752" cy="333770"/>
+            <a:off x="5419094" y="1986675"/>
+            <a:ext cx="1856324" cy="334780"/>
           </a:xfrm>
           <a:prstGeom prst="rect">
             <a:avLst/>
@@ -16599,10 +19932,10 @@
       </p:pic>
       <p:pic>
         <p:nvPicPr>
-          <p:cNvPr id="32" name="Picture 31" descr="\documentclass{article}&#10;\usepackage{amsmath}&#10;\pagestyle{empty}&#10;\usepackage{xcolor}&#10;\usepackage{empheq}&#10;\begin{document}&#10;$\left ( x,p,y,z \right )=\left (2+\log _{2} \left ( 1+p \right ),p,2,p+2  \right ) $&#10;\end{document}" title="IguanaTex Bitmap Display">
+          <p:cNvPr id="18" name="Picture 17" descr="&#10;&#10;\documentclass{article}&#10;\usepackage{amsmath}&#10;\usepackage{amsfonts}&#10;\usepackage{amssymb}&#10;\pagestyle{empty}&#10;\usepackage{xcolor}&#10;\usepackage{empheq}&#10;\begin{document}&#10;$y\geq 1 $&#10;\end{document}" title="IguanaTex Bitmap Display">
             <a:extLst>
               <a:ext uri="{FF2B5EF4-FFF2-40B4-BE49-F238E27FC236}">
-                <a16:creationId xmlns:a16="http://schemas.microsoft.com/office/drawing/2014/main" id="{47C6E0DC-891D-2811-04C8-986C90D898D2}"/>
+                <a16:creationId xmlns:a16="http://schemas.microsoft.com/office/drawing/2014/main" id="{328D1C51-AC24-B9A1-561D-EF15467C75E3}"/>
               </a:ext>
             </a:extLst>
           </p:cNvPr>
@@ -16616,7 +19949,7 @@
           </p:nvPr>
         </p:nvPicPr>
         <p:blipFill>
-          <a:blip r:embed="rId19">
+          <a:blip r:embed="rId24">
             <a:extLst>
               <a:ext uri="{28A0092B-C50C-407E-A947-70E740481C1C}">
                 <a14:useLocalDpi xmlns:a14="http://schemas.microsoft.com/office/drawing/2010/main" val="0"/>
@@ -16629,18 +19962,322 @@
         </p:blipFill>
         <p:spPr>
           <a:xfrm>
-            <a:off x="4611857" y="4818074"/>
-            <a:ext cx="5451448" cy="313388"/>
+            <a:off x="10067677" y="2008279"/>
+            <a:ext cx="710569" cy="272860"/>
           </a:xfrm>
           <a:prstGeom prst="rect">
             <a:avLst/>
           </a:prstGeom>
         </p:spPr>
       </p:pic>
+      <p:pic>
+        <p:nvPicPr>
+          <p:cNvPr id="19" name="Picture 18" descr="&#10;&#10;\documentclass{article}&#10;\usepackage{amsmath}&#10;\usepackage{amsfonts}&#10;\usepackage{amssymb}&#10;\pagestyle{empty}&#10;\usepackage{xcolor}&#10;\usepackage{empheq}&#10;\begin{document}&#10;$x&gt; 3$&#10;\end{document}" title="IguanaTex Bitmap Display">
+            <a:extLst>
+              <a:ext uri="{FF2B5EF4-FFF2-40B4-BE49-F238E27FC236}">
+                <a16:creationId xmlns:a16="http://schemas.microsoft.com/office/drawing/2014/main" id="{63ACA9C0-5839-F2B9-5FAF-B281FD712824}"/>
+              </a:ext>
+            </a:extLst>
+          </p:cNvPr>
+          <p:cNvPicPr>
+            <a:picLocks noChangeAspect="1"/>
+          </p:cNvPicPr>
+          <p:nvPr>
+            <p:custDataLst>
+              <p:tags r:id="rId10"/>
+            </p:custDataLst>
+          </p:nvPr>
+        </p:nvPicPr>
+        <p:blipFill>
+          <a:blip r:embed="rId25">
+            <a:extLst>
+              <a:ext uri="{28A0092B-C50C-407E-A947-70E740481C1C}">
+                <a14:useLocalDpi xmlns:a14="http://schemas.microsoft.com/office/drawing/2010/main" val="0"/>
+              </a:ext>
+            </a:extLst>
+          </a:blip>
+          <a:stretch>
+            <a:fillRect/>
+          </a:stretch>
+        </p:blipFill>
+        <p:spPr>
+          <a:xfrm>
+            <a:off x="3812439" y="4372315"/>
+            <a:ext cx="735202" cy="221699"/>
+          </a:xfrm>
+          <a:prstGeom prst="rect">
+            <a:avLst/>
+          </a:prstGeom>
+        </p:spPr>
+      </p:pic>
+      <p:pic>
+        <p:nvPicPr>
+          <p:cNvPr id="22" name="Picture 21" descr="&#10;&#10;\documentclass{article}&#10;\usepackage{amsmath}&#10;\usepackage{amsfonts}&#10;\usepackage{amssymb}&#10;\pagestyle{empty}&#10;\usepackage{xcolor}&#10;\usepackage{empheq}&#10;\begin{document}&#10;$k&gt; 0$&#10;\end{document}" title="IguanaTex Bitmap Display">
+            <a:extLst>
+              <a:ext uri="{FF2B5EF4-FFF2-40B4-BE49-F238E27FC236}">
+                <a16:creationId xmlns:a16="http://schemas.microsoft.com/office/drawing/2014/main" id="{C47D15D4-B1BB-14FF-69B8-85F9B7D10D02}"/>
+              </a:ext>
+            </a:extLst>
+          </p:cNvPr>
+          <p:cNvPicPr>
+            <a:picLocks noChangeAspect="1"/>
+          </p:cNvPicPr>
+          <p:nvPr>
+            <p:custDataLst>
+              <p:tags r:id="rId11"/>
+            </p:custDataLst>
+          </p:nvPr>
+        </p:nvPicPr>
+        <p:blipFill>
+          <a:blip r:embed="rId26">
+            <a:extLst>
+              <a:ext uri="{28A0092B-C50C-407E-A947-70E740481C1C}">
+                <a14:useLocalDpi xmlns:a14="http://schemas.microsoft.com/office/drawing/2010/main" val="0"/>
+              </a:ext>
+            </a:extLst>
+          </a:blip>
+          <a:stretch>
+            <a:fillRect/>
+          </a:stretch>
+        </p:blipFill>
+        <p:spPr>
+          <a:xfrm>
+            <a:off x="3900066" y="2494510"/>
+            <a:ext cx="721938" cy="231173"/>
+          </a:xfrm>
+          <a:prstGeom prst="rect">
+            <a:avLst/>
+          </a:prstGeom>
+        </p:spPr>
+      </p:pic>
+      <p:pic>
+        <p:nvPicPr>
+          <p:cNvPr id="25" name="Picture 24" descr="&#10;&#10;\documentclass{article}&#10;\usepackage{amsmath}&#10;\usepackage{amsfonts}&#10;\usepackage{amssymb}&#10;\pagestyle{empty}&#10;\usepackage{xcolor}&#10;\usepackage{empheq}&#10;\begin{document}&#10;$p^{k}&gt; p^{0}=1 $&#10;\end{document}" title="IguanaTex Bitmap Display">
+            <a:extLst>
+              <a:ext uri="{FF2B5EF4-FFF2-40B4-BE49-F238E27FC236}">
+                <a16:creationId xmlns:a16="http://schemas.microsoft.com/office/drawing/2014/main" id="{EDC3C320-8F9F-C249-AB5B-31B4F21A5FBA}"/>
+              </a:ext>
+            </a:extLst>
+          </p:cNvPr>
+          <p:cNvPicPr>
+            <a:picLocks noChangeAspect="1"/>
+          </p:cNvPicPr>
+          <p:nvPr>
+            <p:custDataLst>
+              <p:tags r:id="rId12"/>
+            </p:custDataLst>
+          </p:nvPr>
+        </p:nvPicPr>
+        <p:blipFill>
+          <a:blip r:embed="rId27">
+            <a:extLst>
+              <a:ext uri="{28A0092B-C50C-407E-A947-70E740481C1C}">
+                <a14:useLocalDpi xmlns:a14="http://schemas.microsoft.com/office/drawing/2010/main" val="0"/>
+              </a:ext>
+            </a:extLst>
+          </a:blip>
+          <a:stretch>
+            <a:fillRect/>
+          </a:stretch>
+        </p:blipFill>
+        <p:spPr>
+          <a:xfrm>
+            <a:off x="5294107" y="2446190"/>
+            <a:ext cx="1595464" cy="327811"/>
+          </a:xfrm>
+          <a:prstGeom prst="rect">
+            <a:avLst/>
+          </a:prstGeom>
+        </p:spPr>
+      </p:pic>
+      <p:pic>
+        <p:nvPicPr>
+          <p:cNvPr id="30" name="Picture 29" descr="&#10;&#10;\documentclass{article}&#10;\usepackage{amsmath}&#10;\usepackage{amsfonts}&#10;\usepackage{amssymb}&#10;\pagestyle{empty}&#10;\usepackage{xcolor}&#10;\usepackage{empheq}&#10;\begin{document}&#10;$p^{k}+1&gt;1+1$&#10;\end{document}" title="IguanaTex Bitmap Display">
+            <a:extLst>
+              <a:ext uri="{FF2B5EF4-FFF2-40B4-BE49-F238E27FC236}">
+                <a16:creationId xmlns:a16="http://schemas.microsoft.com/office/drawing/2014/main" id="{58DCD0F5-014A-1994-DB11-36ED35DAF9DF}"/>
+              </a:ext>
+            </a:extLst>
+          </p:cNvPr>
+          <p:cNvPicPr>
+            <a:picLocks noChangeAspect="1"/>
+          </p:cNvPicPr>
+          <p:nvPr>
+            <p:custDataLst>
+              <p:tags r:id="rId13"/>
+            </p:custDataLst>
+          </p:nvPr>
+        </p:nvPicPr>
+        <p:blipFill>
+          <a:blip r:embed="rId28">
+            <a:extLst>
+              <a:ext uri="{28A0092B-C50C-407E-A947-70E740481C1C}">
+                <a14:useLocalDpi xmlns:a14="http://schemas.microsoft.com/office/drawing/2010/main" val="0"/>
+              </a:ext>
+            </a:extLst>
+          </a:blip>
+          <a:stretch>
+            <a:fillRect/>
+          </a:stretch>
+        </p:blipFill>
+        <p:spPr>
+          <a:xfrm>
+            <a:off x="5292727" y="2898736"/>
+            <a:ext cx="1959276" cy="327811"/>
+          </a:xfrm>
+          <a:prstGeom prst="rect">
+            <a:avLst/>
+          </a:prstGeom>
+        </p:spPr>
+      </p:pic>
+      <p:pic>
+        <p:nvPicPr>
+          <p:cNvPr id="33" name="Picture 32" descr="&#10;&#10;\documentclass{article}&#10;\usepackage{amsmath}&#10;\usepackage{amsfonts}&#10;\usepackage{amssymb}&#10;\pagestyle{empty}&#10;\usepackage{xcolor}&#10;\usepackage{empheq}&#10;\begin{document}&#10;$1+p^{k}&gt;2$&#10;\end{document}" title="IguanaTex Bitmap Display">
+            <a:extLst>
+              <a:ext uri="{FF2B5EF4-FFF2-40B4-BE49-F238E27FC236}">
+                <a16:creationId xmlns:a16="http://schemas.microsoft.com/office/drawing/2014/main" id="{53291378-CD78-0EBE-AF5A-FF098F8DE797}"/>
+              </a:ext>
+            </a:extLst>
+          </p:cNvPr>
+          <p:cNvPicPr>
+            <a:picLocks noChangeAspect="1"/>
+          </p:cNvPicPr>
+          <p:nvPr>
+            <p:custDataLst>
+              <p:tags r:id="rId14"/>
+            </p:custDataLst>
+          </p:nvPr>
+        </p:nvPicPr>
+        <p:blipFill>
+          <a:blip r:embed="rId29">
+            <a:extLst>
+              <a:ext uri="{28A0092B-C50C-407E-A947-70E740481C1C}">
+                <a14:useLocalDpi xmlns:a14="http://schemas.microsoft.com/office/drawing/2010/main" val="0"/>
+              </a:ext>
+            </a:extLst>
+          </a:blip>
+          <a:stretch>
+            <a:fillRect/>
+          </a:stretch>
+        </p:blipFill>
+        <p:spPr>
+          <a:xfrm>
+            <a:off x="5256154" y="3418266"/>
+            <a:ext cx="1390821" cy="327811"/>
+          </a:xfrm>
+          <a:prstGeom prst="rect">
+            <a:avLst/>
+          </a:prstGeom>
+        </p:spPr>
+      </p:pic>
+      <p:pic>
+        <p:nvPicPr>
+          <p:cNvPr id="40" name="Picture 39" descr="&#10;&#10;\documentclass{article}&#10;\usepackage{amsmath}&#10;\usepackage{amsfonts}&#10;\usepackage{amssymb}&#10;\pagestyle{empty}&#10;\usepackage{xcolor}&#10;\usepackage{empheq}&#10;\begin{document}&#10;${\color{red}2^{x-2}=}1+p^{k}&gt;2$&#10;\end{document}" title="IguanaTex Bitmap Display">
+            <a:extLst>
+              <a:ext uri="{FF2B5EF4-FFF2-40B4-BE49-F238E27FC236}">
+                <a16:creationId xmlns:a16="http://schemas.microsoft.com/office/drawing/2014/main" id="{C5C20330-AC10-813F-141A-F4D3E2D5E55F}"/>
+              </a:ext>
+            </a:extLst>
+          </p:cNvPr>
+          <p:cNvPicPr>
+            <a:picLocks noChangeAspect="1"/>
+          </p:cNvPicPr>
+          <p:nvPr>
+            <p:custDataLst>
+              <p:tags r:id="rId15"/>
+            </p:custDataLst>
+          </p:nvPr>
+        </p:nvPicPr>
+        <p:blipFill>
+          <a:blip r:embed="rId30">
+            <a:extLst>
+              <a:ext uri="{28A0092B-C50C-407E-A947-70E740481C1C}">
+                <a14:useLocalDpi xmlns:a14="http://schemas.microsoft.com/office/drawing/2010/main" val="0"/>
+              </a:ext>
+            </a:extLst>
+          </a:blip>
+          <a:stretch>
+            <a:fillRect/>
+          </a:stretch>
+        </p:blipFill>
+        <p:spPr>
+          <a:xfrm>
+            <a:off x="5219747" y="3938298"/>
+            <a:ext cx="2370459" cy="327811"/>
+          </a:xfrm>
+          <a:prstGeom prst="rect">
+            <a:avLst/>
+          </a:prstGeom>
+        </p:spPr>
+      </p:pic>
+      <p:sp>
+        <p:nvSpPr>
+          <p:cNvPr id="41" name="Rectangle 40">
+            <a:extLst>
+              <a:ext uri="{FF2B5EF4-FFF2-40B4-BE49-F238E27FC236}">
+                <a16:creationId xmlns:a16="http://schemas.microsoft.com/office/drawing/2014/main" id="{87CE0D48-3118-3915-7D71-97DCC5F1C4AF}"/>
+              </a:ext>
+            </a:extLst>
+          </p:cNvPr>
+          <p:cNvSpPr/>
+          <p:nvPr/>
+        </p:nvSpPr>
+        <p:spPr>
+          <a:xfrm>
+            <a:off x="847023" y="562134"/>
+            <a:ext cx="1145406" cy="798231"/>
+          </a:xfrm>
+          <a:prstGeom prst="rect">
+            <a:avLst/>
+          </a:prstGeom>
+          <a:solidFill>
+            <a:srgbClr val="002060"/>
+          </a:solidFill>
+        </p:spPr>
+        <p:style>
+          <a:lnRef idx="2">
+            <a:schemeClr val="accent1">
+              <a:shade val="50000"/>
+            </a:schemeClr>
+          </a:lnRef>
+          <a:fillRef idx="1">
+            <a:schemeClr val="accent1"/>
+          </a:fillRef>
+          <a:effectRef idx="0">
+            <a:schemeClr val="accent1"/>
+          </a:effectRef>
+          <a:fontRef idx="minor">
+            <a:schemeClr val="lt1"/>
+          </a:fontRef>
+        </p:style>
+        <p:txBody>
+          <a:bodyPr rtlCol="0" anchor="ctr"/>
+          <a:lstStyle/>
+          <a:p>
+            <a:pPr algn="ctr"/>
+            <a:r>
+              <a:rPr lang="th-TH" sz="2800" dirty="0">
+                <a:solidFill>
+                  <a:srgbClr val="FFFF00"/>
+                </a:solidFill>
+              </a:rPr>
+              <a:t>แก้ หน้า </a:t>
+            </a:r>
+            <a:r>
+              <a:rPr lang="en-US" sz="2800" dirty="0">
+                <a:solidFill>
+                  <a:srgbClr val="FFFF00"/>
+                </a:solidFill>
+              </a:rPr>
+              <a:t>8</a:t>
+            </a:r>
+          </a:p>
+        </p:txBody>
+      </p:sp>
     </p:spTree>
     <p:extLst>
       <p:ext uri="{BB962C8B-B14F-4D97-AF65-F5344CB8AC3E}">
-        <p14:creationId xmlns:p14="http://schemas.microsoft.com/office/powerpoint/2010/main" val="179543041"/>
+        <p14:creationId xmlns:p14="http://schemas.microsoft.com/office/powerpoint/2010/main" val="2997357998"/>
       </p:ext>
     </p:extLst>
   </p:cSld>
@@ -16671,11 +20308,11 @@
 <file path=ppt/tags/tag10.xml><?xml version="1.0" encoding="utf-8"?>
 <p:tagLst xmlns:a="http://schemas.openxmlformats.org/drawingml/2006/main" xmlns:r="http://schemas.openxmlformats.org/officeDocument/2006/relationships" xmlns:p="http://schemas.openxmlformats.org/presentationml/2006/main">
   <p:tag name="OUTPUTDPI" val="1200"/>
-  <p:tag name="ORIGINALHEIGHT" val="110.2362"/>
-  <p:tag name="ORIGINALWIDTH" val="291.7135"/>
-  <p:tag name="LATEXADDIN" val="\documentclass{article}&#10;\usepackage{amsmath}&#10;\pagestyle{empty}&#10;\usepackage{xcolor}&#10;\usepackage{empheq}&#10;\begin{document}&#10;$a,b,x$&#10;\end{document}"/>
+  <p:tag name="ORIGINALHEIGHT" val="56.24299"/>
+  <p:tag name="ORIGINALWIDTH" val="57.74276"/>
+  <p:tag name="LATEXADDIN" val="\documentclass{article}&#10;\usepackage{amsmath}&#10;\pagestyle{empty}&#10;\usepackage{xcolor}&#10;\usepackage{empheq}&#10;\begin{document}&#10;$a$&#10;\end{document}"/>
   <p:tag name="IGUANATEXSIZE" val="18"/>
-  <p:tag name="IGUANATEXCURSOR" val="126"/>
+  <p:tag name="IGUANATEXCURSOR" val="122"/>
   <p:tag name="TRANSPARENCY" val="False"/>
   <p:tag name="LATEXENGINEID" val="0"/>
   <p:tag name="TEMPFOLDER" val="C:\Users\cosA\OneDrive\Documents\temp\"/>
@@ -16687,6 +20324,348 @@
 </file>
 
 <file path=ppt/tags/tag100.xml><?xml version="1.0" encoding="utf-8"?>
+<p:tagLst xmlns:a="http://schemas.openxmlformats.org/drawingml/2006/main" xmlns:r="http://schemas.openxmlformats.org/officeDocument/2006/relationships" xmlns:p="http://schemas.openxmlformats.org/presentationml/2006/main">
+  <p:tag name="OUTPUTDPI" val="1200"/>
+  <p:tag name="ORIGINALHEIGHT" val="125.2343"/>
+  <p:tag name="ORIGINALWIDTH" val="317.2103"/>
+  <p:tag name="LATEXADDIN" val="\documentclass{article}&#10;\usepackage{amsmath}&#10;\usepackage{amssymb}&#10;\pagestyle{empty}&#10;\usepackage{xcolor}&#10;\usepackage{empheq}&#10;\begin{document}&#10;$2\vert \left (2^{v} \right) $&#10;\end{document}"/>
+  <p:tag name="IGUANATEXSIZE" val="18"/>
+  <p:tag name="IGUANATEXCURSOR" val="157"/>
+  <p:tag name="TRANSPARENCY" val="False"/>
+  <p:tag name="LATEXENGINEID" val="0"/>
+  <p:tag name="TEMPFOLDER" val="C:\Users\cosA\OneDrive\Documents\temp\"/>
+  <p:tag name="LATEXFORMHEIGHT" val="312"/>
+  <p:tag name="LATEXFORMWIDTH" val="384"/>
+  <p:tag name="LATEXFORMWRAP" val="True"/>
+  <p:tag name="BITMAPVECTOR" val="0"/>
+</p:tagLst>
+</file>
+
+<file path=ppt/tags/tag101.xml><?xml version="1.0" encoding="utf-8"?>
+<p:tagLst xmlns:a="http://schemas.openxmlformats.org/drawingml/2006/main" xmlns:r="http://schemas.openxmlformats.org/officeDocument/2006/relationships" xmlns:p="http://schemas.openxmlformats.org/presentationml/2006/main">
+  <p:tag name="OUTPUTDPI" val="1200"/>
+  <p:tag name="ORIGINALHEIGHT" val="137.2328"/>
+  <p:tag name="ORIGINALWIDTH" val="338.2077"/>
+  <p:tag name="LATEXADDIN" val="\documentclass{article}&#10;\usepackage{amsmath}&#10;\usepackage{amssymb}&#10;\pagestyle{empty}&#10;\usepackage{xcolor}&#10;\usepackage{empheq}&#10;\begin{document}&#10;$4\nmid 2p^{k}$&#10;\end{document}"/>
+  <p:tag name="IGUANATEXSIZE" val="18"/>
+  <p:tag name="IGUANATEXCURSOR" val="150"/>
+  <p:tag name="TRANSPARENCY" val="False"/>
+  <p:tag name="LATEXENGINEID" val="0"/>
+  <p:tag name="TEMPFOLDER" val="C:\Users\cosA\OneDrive\Documents\temp\"/>
+  <p:tag name="LATEXFORMHEIGHT" val="312"/>
+  <p:tag name="LATEXFORMWIDTH" val="384"/>
+  <p:tag name="LATEXFORMWRAP" val="True"/>
+  <p:tag name="BITMAPVECTOR" val="0"/>
+</p:tagLst>
+</file>
+
+<file path=ppt/tags/tag102.xml><?xml version="1.0" encoding="utf-8"?>
+<p:tagLst xmlns:a="http://schemas.openxmlformats.org/drawingml/2006/main" xmlns:r="http://schemas.openxmlformats.org/officeDocument/2006/relationships" xmlns:p="http://schemas.openxmlformats.org/presentationml/2006/main">
+  <p:tag name="OUTPUTDPI" val="1200"/>
+  <p:tag name="ORIGINALHEIGHT" val="125.2343"/>
+  <p:tag name="ORIGINALWIDTH" val="272.9659"/>
+  <p:tag name="LATEXADDIN" val="\documentclass{article}&#10;\usepackage{amsmath}&#10;\usepackage{amssymb}&#10;\pagestyle{empty}&#10;\usepackage{xcolor}&#10;\usepackage{empheq}&#10;\begin{document}&#10;$4\nmid 2^{v}$&#10;\end{document}"/>
+  <p:tag name="IGUANATEXSIZE" val="18"/>
+  <p:tag name="IGUANATEXCURSOR" val="150"/>
+  <p:tag name="TRANSPARENCY" val="False"/>
+  <p:tag name="LATEXENGINEID" val="0"/>
+  <p:tag name="TEMPFOLDER" val="C:\Users\cosA\OneDrive\Documents\temp\"/>
+  <p:tag name="LATEXFORMHEIGHT" val="312"/>
+  <p:tag name="LATEXFORMWIDTH" val="384"/>
+  <p:tag name="LATEXFORMWRAP" val="True"/>
+  <p:tag name="BITMAPVECTOR" val="0"/>
+</p:tagLst>
+</file>
+
+<file path=ppt/tags/tag103.xml><?xml version="1.0" encoding="utf-8"?>
+<p:tagLst xmlns:a="http://schemas.openxmlformats.org/drawingml/2006/main" xmlns:r="http://schemas.openxmlformats.org/officeDocument/2006/relationships" xmlns:p="http://schemas.openxmlformats.org/presentationml/2006/main">
+  <p:tag name="OUTPUTDPI" val="1200"/>
+  <p:tag name="ORIGINALHEIGHT" val="99.73756"/>
+  <p:tag name="ORIGINALWIDTH" val="280.465"/>
+  <p:tag name="LATEXADDIN" val="&#10;&#10;\documentclass{article}&#10;\usepackage{amsmath}&#10;\usepackage{amsfonts}&#10;\usepackage{amssymb}&#10;\pagestyle{empty}&#10;\usepackage{xcolor}&#10;\usepackage{empheq}&#10;\begin{document}&#10;$v\geq 1 $&#10;\end{document}"/>
+  <p:tag name="IGUANATEXSIZE" val="18"/>
+  <p:tag name="IGUANATEXCURSOR" val="167"/>
+  <p:tag name="TRANSPARENCY" val="False"/>
+  <p:tag name="LATEXENGINEID" val="0"/>
+  <p:tag name="TEMPFOLDER" val="C:\Users\cosA\OneDrive\Documents\temp\"/>
+  <p:tag name="LATEXFORMHEIGHT" val="312"/>
+  <p:tag name="LATEXFORMWIDTH" val="384"/>
+  <p:tag name="LATEXFORMWRAP" val="True"/>
+  <p:tag name="BITMAPVECTOR" val="0"/>
+</p:tagLst>
+</file>
+
+<file path=ppt/tags/tag104.xml><?xml version="1.0" encoding="utf-8"?>
+<p:tagLst xmlns:a="http://schemas.openxmlformats.org/drawingml/2006/main" xmlns:r="http://schemas.openxmlformats.org/officeDocument/2006/relationships" xmlns:p="http://schemas.openxmlformats.org/presentationml/2006/main">
+  <p:tag name="OUTPUTDPI" val="1200"/>
+  <p:tag name="ORIGINALHEIGHT" val="125.2343"/>
+  <p:tag name="ORIGINALWIDTH" val="134.9832"/>
+  <p:tag name="LATEXADDIN" val="\documentclass{article}&#10;\usepackage{amsmath}&#10;\pagestyle{empty}&#10;\usepackage{xcolor}&#10;\usepackage{empheq}&#10;\begin{document}&#10;${\color{red}\left ( 5 \right )}$&#10;\end{document}"/>
+  <p:tag name="IGUANATEXSIZE" val="18"/>
+  <p:tag name="IGUANATEXCURSOR" val="142"/>
+  <p:tag name="TRANSPARENCY" val="False"/>
+  <p:tag name="LATEXENGINEID" val="0"/>
+  <p:tag name="TEMPFOLDER" val="C:\Users\cosA\OneDrive\Documents\temp\"/>
+  <p:tag name="LATEXFORMHEIGHT" val="312"/>
+  <p:tag name="LATEXFORMWIDTH" val="384"/>
+  <p:tag name="LATEXFORMWRAP" val="True"/>
+  <p:tag name="BITMAPVECTOR" val="0"/>
+</p:tagLst>
+</file>
+
+<file path=ppt/tags/tag105.xml><?xml version="1.0" encoding="utf-8"?>
+<p:tagLst xmlns:a="http://schemas.openxmlformats.org/drawingml/2006/main" xmlns:r="http://schemas.openxmlformats.org/officeDocument/2006/relationships" xmlns:p="http://schemas.openxmlformats.org/presentationml/2006/main">
+  <p:tag name="OUTPUTDPI" val="1200"/>
+  <p:tag name="ORIGINALHEIGHT" val="129.7338"/>
+  <p:tag name="ORIGINALWIDTH" val="734.9081"/>
+  <p:tag name="LATEXADDIN" val="\documentclass{article}&#10;\usepackage{amsmath}&#10;\pagestyle{empty}&#10;\usepackage{xcolor}&#10;\usepackage{empheq}&#10;\begin{document}&#10;$ 1  =2^{x-2}-p^{k} $&#10;\end{document}"/>
+  <p:tag name="IGUANATEXSIZE" val="18"/>
+  <p:tag name="IGUANATEXCURSOR" val="122"/>
+  <p:tag name="TRANSPARENCY" val="False"/>
+  <p:tag name="LATEXENGINEID" val="0"/>
+  <p:tag name="TEMPFOLDER" val="C:\Users\cosA\OneDrive\Documents\temp\"/>
+  <p:tag name="LATEXFORMHEIGHT" val="312"/>
+  <p:tag name="LATEXFORMWIDTH" val="384"/>
+  <p:tag name="LATEXFORMWRAP" val="True"/>
+  <p:tag name="BITMAPVECTOR" val="0"/>
+</p:tagLst>
+</file>
+
+<file path=ppt/tags/tag106.xml><?xml version="1.0" encoding="utf-8"?>
+<p:tagLst xmlns:a="http://schemas.openxmlformats.org/drawingml/2006/main" xmlns:r="http://schemas.openxmlformats.org/officeDocument/2006/relationships" xmlns:p="http://schemas.openxmlformats.org/presentationml/2006/main">
+  <p:tag name="OUTPUTDPI" val="1200"/>
+  <p:tag name="ORIGINALHEIGHT" val="116.2354"/>
+  <p:tag name="ORIGINALWIDTH" val="286.4642"/>
+  <p:tag name="LATEXADDIN" val="\documentclass{article}&#10;\usepackage{amsmath}&#10;\pagestyle{empty}&#10;\usepackage{xcolor}&#10;\usepackage{empheq}&#10;\begin{document}&#10;$x\neq 1$&#10;\end{document}"/>
+  <p:tag name="IGUANATEXSIZE" val="18"/>
+  <p:tag name="IGUANATEXCURSOR" val="121"/>
+  <p:tag name="TRANSPARENCY" val="False"/>
+  <p:tag name="LATEXENGINEID" val="0"/>
+  <p:tag name="TEMPFOLDER" val="C:\Users\cosA\OneDrive\Documents\temp\"/>
+  <p:tag name="LATEXFORMHEIGHT" val="312"/>
+  <p:tag name="LATEXFORMWIDTH" val="384"/>
+  <p:tag name="LATEXFORMWRAP" val="True"/>
+  <p:tag name="BITMAPVECTOR" val="0"/>
+</p:tagLst>
+</file>
+
+<file path=ppt/tags/tag107.xml><?xml version="1.0" encoding="utf-8"?>
+<p:tagLst xmlns:a="http://schemas.openxmlformats.org/drawingml/2006/main" xmlns:r="http://schemas.openxmlformats.org/officeDocument/2006/relationships" xmlns:p="http://schemas.openxmlformats.org/presentationml/2006/main">
+  <p:tag name="OUTPUTDPI" val="1200"/>
+  <p:tag name="ORIGINALHEIGHT" val="85.48929"/>
+  <p:tag name="ORIGINALWIDTH" val="290.9636"/>
+  <p:tag name="LATEXADDIN" val="\documentclass{article}&#10;\usepackage{amsmath}&#10;\pagestyle{empty}&#10;\usepackage{xcolor}&#10;\usepackage{empheq}&#10;\begin{document}&#10;$x=3$&#10;\end{document}"/>
+  <p:tag name="IGUANATEXSIZE" val="18"/>
+  <p:tag name="IGUANATEXCURSOR" val="124"/>
+  <p:tag name="TRANSPARENCY" val="False"/>
+  <p:tag name="LATEXENGINEID" val="0"/>
+  <p:tag name="TEMPFOLDER" val="C:\Users\cosA\OneDrive\Documents\temp\"/>
+  <p:tag name="LATEXFORMHEIGHT" val="312"/>
+  <p:tag name="LATEXFORMWIDTH" val="384"/>
+  <p:tag name="LATEXFORMWRAP" val="True"/>
+  <p:tag name="BITMAPVECTOR" val="0"/>
+</p:tagLst>
+</file>
+
+<file path=ppt/tags/tag108.xml><?xml version="1.0" encoding="utf-8"?>
+<p:tagLst xmlns:a="http://schemas.openxmlformats.org/drawingml/2006/main" xmlns:r="http://schemas.openxmlformats.org/officeDocument/2006/relationships" xmlns:p="http://schemas.openxmlformats.org/presentationml/2006/main">
+  <p:tag name="OUTPUTDPI" val="1200"/>
+  <p:tag name="ORIGINALHEIGHT" val="125.2343"/>
+  <p:tag name="ORIGINALWIDTH" val="134.9832"/>
+  <p:tag name="LATEXADDIN" val="\documentclass{article}&#10;\usepackage{amsmath}&#10;\pagestyle{empty}&#10;\usepackage{xcolor}&#10;\usepackage{empheq}&#10;\begin{document}&#10;${\color{red}\left ( 5 \right )}$&#10;\end{document}"/>
+  <p:tag name="IGUANATEXSIZE" val="18"/>
+  <p:tag name="IGUANATEXCURSOR" val="142"/>
+  <p:tag name="TRANSPARENCY" val="False"/>
+  <p:tag name="LATEXENGINEID" val="0"/>
+  <p:tag name="TEMPFOLDER" val="C:\Users\cosA\OneDrive\Documents\temp\"/>
+  <p:tag name="LATEXFORMHEIGHT" val="312"/>
+  <p:tag name="LATEXFORMWIDTH" val="384"/>
+  <p:tag name="LATEXFORMWRAP" val="True"/>
+  <p:tag name="BITMAPVECTOR" val="0"/>
+</p:tagLst>
+</file>
+
+<file path=ppt/tags/tag109.xml><?xml version="1.0" encoding="utf-8"?>
+<p:tagLst xmlns:a="http://schemas.openxmlformats.org/drawingml/2006/main" xmlns:r="http://schemas.openxmlformats.org/officeDocument/2006/relationships" xmlns:p="http://schemas.openxmlformats.org/presentationml/2006/main">
+  <p:tag name="OUTPUTDPI" val="1200"/>
+  <p:tag name="ORIGINALHEIGHT" val="89.23882"/>
+  <p:tag name="ORIGINALWIDTH" val="285.7143"/>
+  <p:tag name="LATEXADDIN" val="\documentclass{article}&#10;\usepackage{amsmath}&#10;\pagestyle{empty}&#10;\usepackage{xcolor}&#10;\usepackage{empheq}&#10;\begin{document}&#10;$k=0$&#10;\end{document}"/>
+  <p:tag name="IGUANATEXSIZE" val="18"/>
+  <p:tag name="IGUANATEXCURSOR" val="122"/>
+  <p:tag name="TRANSPARENCY" val="False"/>
+  <p:tag name="LATEXENGINEID" val="0"/>
+  <p:tag name="TEMPFOLDER" val="C:\Users\cosA\OneDrive\Documents\temp\"/>
+  <p:tag name="LATEXFORMHEIGHT" val="312"/>
+  <p:tag name="LATEXFORMWIDTH" val="384"/>
+  <p:tag name="LATEXFORMWRAP" val="True"/>
+  <p:tag name="BITMAPVECTOR" val="0"/>
+</p:tagLst>
+</file>
+
+<file path=ppt/tags/tag11.xml><?xml version="1.0" encoding="utf-8"?>
+<p:tagLst xmlns:a="http://schemas.openxmlformats.org/drawingml/2006/main" xmlns:r="http://schemas.openxmlformats.org/officeDocument/2006/relationships" xmlns:p="http://schemas.openxmlformats.org/presentationml/2006/main">
+  <p:tag name="OUTPUTDPI" val="1200"/>
+  <p:tag name="ORIGINALHEIGHT" val="87.73905"/>
+  <p:tag name="ORIGINALWIDTH" val="46.49417"/>
+  <p:tag name="LATEXADDIN" val="\documentclass{article}&#10;\usepackage{amsmath}&#10;\pagestyle{empty}&#10;\usepackage{xcolor}&#10;\usepackage{empheq}&#10;\begin{document}&#10;$b$&#10;\end{document}"/>
+  <p:tag name="IGUANATEXSIZE" val="18"/>
+  <p:tag name="IGUANATEXCURSOR" val="122"/>
+  <p:tag name="TRANSPARENCY" val="False"/>
+  <p:tag name="LATEXENGINEID" val="0"/>
+  <p:tag name="TEMPFOLDER" val="C:\Users\cosA\OneDrive\Documents\temp\"/>
+  <p:tag name="LATEXFORMHEIGHT" val="312"/>
+  <p:tag name="LATEXFORMWIDTH" val="384"/>
+  <p:tag name="LATEXFORMWRAP" val="True"/>
+  <p:tag name="BITMAPVECTOR" val="0"/>
+</p:tagLst>
+</file>
+
+<file path=ppt/tags/tag110.xml><?xml version="1.0" encoding="utf-8"?>
+<p:tagLst xmlns:a="http://schemas.openxmlformats.org/drawingml/2006/main" xmlns:r="http://schemas.openxmlformats.org/officeDocument/2006/relationships" xmlns:p="http://schemas.openxmlformats.org/presentationml/2006/main">
+  <p:tag name="OUTPUTDPI" val="1200"/>
+  <p:tag name="ORIGINALHEIGHT" val="129.7338"/>
+  <p:tag name="ORIGINALWIDTH" val="972.6284"/>
+  <p:tag name="LATEXADDIN" val="\documentclass{article}&#10;\usepackage{amsmath}&#10;\pagestyle{empty}&#10;\usepackage{xcolor}&#10;\usepackage{empheq}&#10;\begin{document}&#10;$   p^{k}  =2^{3-2}-1=1 $&#10;\end{document}"/>
+  <p:tag name="IGUANATEXSIZE" val="18"/>
+  <p:tag name="IGUANATEXCURSOR" val="143"/>
+  <p:tag name="TRANSPARENCY" val="False"/>
+  <p:tag name="LATEXENGINEID" val="0"/>
+  <p:tag name="TEMPFOLDER" val="C:\Users\cosA\OneDrive\Documents\temp\"/>
+  <p:tag name="LATEXFORMHEIGHT" val="312"/>
+  <p:tag name="LATEXFORMWIDTH" val="384"/>
+  <p:tag name="LATEXFORMWRAP" val="True"/>
+  <p:tag name="BITMAPVECTOR" val="0"/>
+</p:tagLst>
+</file>
+
+<file path=ppt/tags/tag111.xml><?xml version="1.0" encoding="utf-8"?>
+<p:tagLst xmlns:a="http://schemas.openxmlformats.org/drawingml/2006/main" xmlns:r="http://schemas.openxmlformats.org/officeDocument/2006/relationships" xmlns:p="http://schemas.openxmlformats.org/presentationml/2006/main">
+  <p:tag name="OUTPUTDPI" val="1200"/>
+  <p:tag name="ORIGINALHEIGHT" val="125.2343"/>
+  <p:tag name="ORIGINALWIDTH" val="694.4132"/>
+  <p:tag name="LATEXADDIN" val="\documentclass{article}&#10;\usepackage{amsmath}&#10;\pagestyle{empty}&#10;\usepackage{xcolor}&#10;\usepackage{empheq}&#10;\begin{document}&#10;$y=2\left(0\right)=0$&#10;\end{document}"/>
+  <p:tag name="IGUANATEXSIZE" val="18"/>
+  <p:tag name="IGUANATEXCURSOR" val="140"/>
+  <p:tag name="TRANSPARENCY" val="False"/>
+  <p:tag name="LATEXENGINEID" val="0"/>
+  <p:tag name="TEMPFOLDER" val="C:\Users\cosA\OneDrive\Documents\temp\"/>
+  <p:tag name="LATEXFORMHEIGHT" val="312"/>
+  <p:tag name="LATEXFORMWIDTH" val="384"/>
+  <p:tag name="LATEXFORMWRAP" val="True"/>
+  <p:tag name="BITMAPVECTOR" val="0"/>
+</p:tagLst>
+</file>
+
+<file path=ppt/tags/tag112.xml><?xml version="1.0" encoding="utf-8"?>
+<p:tagLst xmlns:a="http://schemas.openxmlformats.org/drawingml/2006/main" xmlns:r="http://schemas.openxmlformats.org/officeDocument/2006/relationships" xmlns:p="http://schemas.openxmlformats.org/presentationml/2006/main">
+  <p:tag name="OUTPUTDPI" val="1200"/>
+  <p:tag name="ORIGINALHEIGHT" val="107.9865"/>
+  <p:tag name="ORIGINALWIDTH" val="281.2149"/>
+  <p:tag name="LATEXADDIN" val="&#10;&#10;\documentclass{article}&#10;\usepackage{amsmath}&#10;\usepackage{amsfonts}&#10;\usepackage{amssymb}&#10;\pagestyle{empty}&#10;\usepackage{xcolor}&#10;\usepackage{empheq}&#10;\begin{document}&#10;$y\geq 1 $&#10;\end{document}"/>
+  <p:tag name="IGUANATEXSIZE" val="18"/>
+  <p:tag name="IGUANATEXCURSOR" val="174"/>
+  <p:tag name="TRANSPARENCY" val="False"/>
+  <p:tag name="LATEXENGINEID" val="0"/>
+  <p:tag name="TEMPFOLDER" val="C:\Users\cosA\OneDrive\Documents\temp\"/>
+  <p:tag name="LATEXFORMHEIGHT" val="312"/>
+  <p:tag name="LATEXFORMWIDTH" val="384"/>
+  <p:tag name="LATEXFORMWRAP" val="True"/>
+  <p:tag name="BITMAPVECTOR" val="0"/>
+</p:tagLst>
+</file>
+
+<file path=ppt/tags/tag113.xml><?xml version="1.0" encoding="utf-8"?>
+<p:tagLst xmlns:a="http://schemas.openxmlformats.org/drawingml/2006/main" xmlns:r="http://schemas.openxmlformats.org/officeDocument/2006/relationships" xmlns:p="http://schemas.openxmlformats.org/presentationml/2006/main">
+  <p:tag name="OUTPUTDPI" val="1200"/>
+  <p:tag name="ORIGINALHEIGHT" val="87.73905"/>
+  <p:tag name="ORIGINALWIDTH" val="290.9636"/>
+  <p:tag name="LATEXADDIN" val="&#10;&#10;\documentclass{article}&#10;\usepackage{amsmath}&#10;\usepackage{amsfonts}&#10;\usepackage{amssymb}&#10;\pagestyle{empty}&#10;\usepackage{xcolor}&#10;\usepackage{empheq}&#10;\begin{document}&#10;$x&gt; 3$&#10;\end{document}"/>
+  <p:tag name="IGUANATEXSIZE" val="18"/>
+  <p:tag name="IGUANATEXCURSOR" val="170"/>
+  <p:tag name="TRANSPARENCY" val="False"/>
+  <p:tag name="LATEXENGINEID" val="0"/>
+  <p:tag name="TEMPFOLDER" val="C:\Users\cosA\OneDrive\Documents\temp\"/>
+  <p:tag name="LATEXFORMHEIGHT" val="312"/>
+  <p:tag name="LATEXFORMWIDTH" val="384"/>
+  <p:tag name="LATEXFORMWRAP" val="True"/>
+  <p:tag name="BITMAPVECTOR" val="0"/>
+</p:tagLst>
+</file>
+
+<file path=ppt/tags/tag114.xml><?xml version="1.0" encoding="utf-8"?>
+<p:tagLst xmlns:a="http://schemas.openxmlformats.org/drawingml/2006/main" xmlns:r="http://schemas.openxmlformats.org/officeDocument/2006/relationships" xmlns:p="http://schemas.openxmlformats.org/presentationml/2006/main">
+  <p:tag name="OUTPUTDPI" val="1200"/>
+  <p:tag name="ORIGINALHEIGHT" val="87.73905"/>
+  <p:tag name="ORIGINALWIDTH" val="280.465"/>
+  <p:tag name="LATEXADDIN" val="\documentclass{article}&#10;\usepackage{amsmath}&#10;\pagestyle{empty}&#10;\usepackage{xcolor}&#10;\usepackage{empheq}&#10;\begin{document}&#10;$k=1$&#10;\end{document}"/>
+  <p:tag name="IGUANATEXSIZE" val="18"/>
+  <p:tag name="IGUANATEXCURSOR" val="124"/>
+  <p:tag name="TRANSPARENCY" val="False"/>
+  <p:tag name="LATEXENGINEID" val="0"/>
+  <p:tag name="TEMPFOLDER" val="C:\Users\cosA\OneDrive\Documents\temp\"/>
+  <p:tag name="LATEXFORMHEIGHT" val="312"/>
+  <p:tag name="LATEXFORMWIDTH" val="384"/>
+  <p:tag name="LATEXFORMWRAP" val="True"/>
+  <p:tag name="BITMAPVECTOR" val="0"/>
+</p:tagLst>
+</file>
+
+<file path=ppt/tags/tag115.xml><?xml version="1.0" encoding="utf-8"?>
+<p:tagLst xmlns:a="http://schemas.openxmlformats.org/drawingml/2006/main" xmlns:r="http://schemas.openxmlformats.org/officeDocument/2006/relationships" xmlns:p="http://schemas.openxmlformats.org/presentationml/2006/main">
+  <p:tag name="OUTPUTDPI" val="1200"/>
+  <p:tag name="ORIGINALHEIGHT" val="125.2343"/>
+  <p:tag name="ORIGINALWIDTH" val="134.9832"/>
+  <p:tag name="LATEXADDIN" val="\documentclass{article}&#10;\usepackage{amsmath}&#10;\pagestyle{empty}&#10;\usepackage{xcolor}&#10;\usepackage{empheq}&#10;\begin{document}&#10;${\color{red}\left ( 5 \right )}$&#10;\end{document}"/>
+  <p:tag name="IGUANATEXSIZE" val="18"/>
+  <p:tag name="IGUANATEXCURSOR" val="142"/>
+  <p:tag name="TRANSPARENCY" val="False"/>
+  <p:tag name="LATEXENGINEID" val="0"/>
+  <p:tag name="TEMPFOLDER" val="C:\Users\cosA\OneDrive\Documents\temp\"/>
+  <p:tag name="LATEXFORMHEIGHT" val="312"/>
+  <p:tag name="LATEXFORMWIDTH" val="384"/>
+  <p:tag name="LATEXFORMWRAP" val="True"/>
+  <p:tag name="BITMAPVECTOR" val="0"/>
+</p:tagLst>
+</file>
+
+<file path=ppt/tags/tag116.xml><?xml version="1.0" encoding="utf-8"?>
+<p:tagLst xmlns:a="http://schemas.openxmlformats.org/drawingml/2006/main" xmlns:r="http://schemas.openxmlformats.org/officeDocument/2006/relationships" xmlns:p="http://schemas.openxmlformats.org/presentationml/2006/main">
+  <p:tag name="OUTPUTDPI" val="1200"/>
+  <p:tag name="ORIGINALHEIGHT" val="91.48859"/>
+  <p:tag name="ORIGINALWIDTH" val="280.465"/>
+  <p:tag name="LATEXADDIN" val="&#10;&#10;\documentclass{article}&#10;\usepackage{amsmath}&#10;\usepackage{amsfonts}&#10;\usepackage{amssymb}&#10;\pagestyle{empty}&#10;\usepackage{xcolor}&#10;\usepackage{empheq}&#10;\begin{document}&#10;$k&gt; 1$&#10;\end{document}"/>
+  <p:tag name="IGUANATEXSIZE" val="18"/>
+  <p:tag name="IGUANATEXCURSOR" val="167"/>
+  <p:tag name="TRANSPARENCY" val="False"/>
+  <p:tag name="LATEXENGINEID" val="0"/>
+  <p:tag name="TEMPFOLDER" val="C:\Users\cosA\OneDrive\Documents\temp\"/>
+  <p:tag name="LATEXFORMHEIGHT" val="312"/>
+  <p:tag name="LATEXFORMWIDTH" val="384"/>
+  <p:tag name="LATEXFORMWRAP" val="True"/>
+  <p:tag name="BITMAPVECTOR" val="0"/>
+</p:tagLst>
+</file>
+
+<file path=ppt/tags/tag117.xml><?xml version="1.0" encoding="utf-8"?>
+<p:tagLst xmlns:a="http://schemas.openxmlformats.org/drawingml/2006/main" xmlns:r="http://schemas.openxmlformats.org/officeDocument/2006/relationships" xmlns:p="http://schemas.openxmlformats.org/presentationml/2006/main">
+  <p:tag name="OUTPUTDPI" val="1200"/>
+  <p:tag name="ORIGINALHEIGHT" val="126.7342"/>
+  <p:tag name="ORIGINALWIDTH" val="595.4256"/>
+  <p:tag name="LATEXADDIN" val="\documentclass{article}&#10;\usepackage{amsmath}&#10;\pagestyle{empty}&#10;\usepackage{xcolor}&#10;\usepackage{empheq}&#10;\begin{document}&#10;$ 1  =2^{3}-p^{2} $&#10;\end{document}"/>
+  <p:tag name="IGUANATEXSIZE" val="18"/>
+  <p:tag name="IGUANATEXCURSOR" val="136"/>
+  <p:tag name="TRANSPARENCY" val="False"/>
+  <p:tag name="LATEXENGINEID" val="0"/>
+  <p:tag name="TEMPFOLDER" val="C:\Users\cosA\OneDrive\Documents\temp\"/>
+  <p:tag name="LATEXFORMHEIGHT" val="312"/>
+  <p:tag name="LATEXFORMWIDTH" val="384"/>
+  <p:tag name="LATEXFORMWRAP" val="True"/>
+  <p:tag name="BITMAPVECTOR" val="0"/>
+</p:tagLst>
+</file>
+
+<file path=ppt/tags/tag118.xml><?xml version="1.0" encoding="utf-8"?>
 <p:tagLst xmlns:a="http://schemas.openxmlformats.org/drawingml/2006/main" xmlns:r="http://schemas.openxmlformats.org/officeDocument/2006/relationships" xmlns:p="http://schemas.openxmlformats.org/presentationml/2006/main">
   <p:tag name="OUTPUTDPI" val="1200"/>
   <p:tag name="ORIGINALHEIGHT" val="89.23882"/>
@@ -16704,7 +20683,7 @@
 </p:tagLst>
 </file>
 
-<file path=ppt/tags/tag101.xml><?xml version="1.0" encoding="utf-8"?>
+<file path=ppt/tags/tag119.xml><?xml version="1.0" encoding="utf-8"?>
 <p:tagLst xmlns:a="http://schemas.openxmlformats.org/drawingml/2006/main" xmlns:r="http://schemas.openxmlformats.org/officeDocument/2006/relationships" xmlns:p="http://schemas.openxmlformats.org/presentationml/2006/main">
   <p:tag name="OUTPUTDPI" val="1200"/>
   <p:tag name="ORIGINALHEIGHT" val="86.23921"/>
@@ -16722,7 +20701,25 @@
 </p:tagLst>
 </file>
 
-<file path=ppt/tags/tag102.xml><?xml version="1.0" encoding="utf-8"?>
+<file path=ppt/tags/tag12.xml><?xml version="1.0" encoding="utf-8"?>
+<p:tagLst xmlns:a="http://schemas.openxmlformats.org/drawingml/2006/main" xmlns:r="http://schemas.openxmlformats.org/officeDocument/2006/relationships" xmlns:p="http://schemas.openxmlformats.org/presentationml/2006/main">
+  <p:tag name="OUTPUTDPI" val="1200"/>
+  <p:tag name="ORIGINALHEIGHT" val="56.24299"/>
+  <p:tag name="ORIGINALWIDTH" val="68.24149"/>
+  <p:tag name="LATEXADDIN" val="\documentclass{article}&#10;\usepackage{amsmath}&#10;\pagestyle{empty}&#10;\usepackage{xcolor}&#10;\usepackage{empheq}&#10;\begin{document}&#10;$n$&#10;\end{document}"/>
+  <p:tag name="IGUANATEXSIZE" val="18"/>
+  <p:tag name="IGUANATEXCURSOR" val="122"/>
+  <p:tag name="TRANSPARENCY" val="False"/>
+  <p:tag name="LATEXENGINEID" val="0"/>
+  <p:tag name="TEMPFOLDER" val="C:\Users\cosA\OneDrive\Documents\temp\"/>
+  <p:tag name="LATEXFORMHEIGHT" val="312"/>
+  <p:tag name="LATEXFORMWIDTH" val="384"/>
+  <p:tag name="LATEXFORMWRAP" val="True"/>
+  <p:tag name="BITMAPVECTOR" val="0"/>
+</p:tagLst>
+</file>
+
+<file path=ppt/tags/tag120.xml><?xml version="1.0" encoding="utf-8"?>
 <p:tagLst xmlns:a="http://schemas.openxmlformats.org/drawingml/2006/main" xmlns:r="http://schemas.openxmlformats.org/officeDocument/2006/relationships" xmlns:p="http://schemas.openxmlformats.org/presentationml/2006/main">
   <p:tag name="OUTPUTDPI" val="1200"/>
   <p:tag name="ORIGINALHEIGHT" val="125.2343"/>
@@ -16740,7 +20737,7 @@
 </p:tagLst>
 </file>
 
-<file path=ppt/tags/tag103.xml><?xml version="1.0" encoding="utf-8"?>
+<file path=ppt/tags/tag121.xml><?xml version="1.0" encoding="utf-8"?>
 <p:tagLst xmlns:a="http://schemas.openxmlformats.org/drawingml/2006/main" xmlns:r="http://schemas.openxmlformats.org/officeDocument/2006/relationships" xmlns:p="http://schemas.openxmlformats.org/presentationml/2006/main">
   <p:tag name="OUTPUTDPI" val="1200"/>
   <p:tag name="ORIGINALHEIGHT" val="149.2313"/>
@@ -16758,7 +20755,7 @@
 </p:tagLst>
 </file>
 
-<file path=ppt/tags/tag104.xml><?xml version="1.0" encoding="utf-8"?>
+<file path=ppt/tags/tag122.xml><?xml version="1.0" encoding="utf-8"?>
 <p:tagLst xmlns:a="http://schemas.openxmlformats.org/drawingml/2006/main" xmlns:r="http://schemas.openxmlformats.org/officeDocument/2006/relationships" xmlns:p="http://schemas.openxmlformats.org/presentationml/2006/main">
   <p:tag name="OUTPUTDPI" val="1200"/>
   <p:tag name="ORIGINALHEIGHT" val="125.2343"/>
@@ -16776,7 +20773,7 @@
 </p:tagLst>
 </file>
 
-<file path=ppt/tags/tag105.xml><?xml version="1.0" encoding="utf-8"?>
+<file path=ppt/tags/tag123.xml><?xml version="1.0" encoding="utf-8"?>
 <p:tagLst xmlns:a="http://schemas.openxmlformats.org/drawingml/2006/main" xmlns:r="http://schemas.openxmlformats.org/officeDocument/2006/relationships" xmlns:p="http://schemas.openxmlformats.org/presentationml/2006/main">
   <p:tag name="OUTPUTDPI" val="1200"/>
   <p:tag name="ORIGINALHEIGHT" val="149.2313"/>
@@ -16794,7 +20791,7 @@
 </p:tagLst>
 </file>
 
-<file path=ppt/tags/tag106.xml><?xml version="1.0" encoding="utf-8"?>
+<file path=ppt/tags/tag124.xml><?xml version="1.0" encoding="utf-8"?>
 <p:tagLst xmlns:a="http://schemas.openxmlformats.org/drawingml/2006/main" xmlns:r="http://schemas.openxmlformats.org/officeDocument/2006/relationships" xmlns:p="http://schemas.openxmlformats.org/presentationml/2006/main">
   <p:tag name="OUTPUTDPI" val="1200"/>
   <p:tag name="ORIGINALHEIGHT" val="125.2343"/>
@@ -16812,7 +20809,7 @@
 </p:tagLst>
 </file>
 
-<file path=ppt/tags/tag107.xml><?xml version="1.0" encoding="utf-8"?>
+<file path=ppt/tags/tag125.xml><?xml version="1.0" encoding="utf-8"?>
 <p:tagLst xmlns:a="http://schemas.openxmlformats.org/drawingml/2006/main" xmlns:r="http://schemas.openxmlformats.org/officeDocument/2006/relationships" xmlns:p="http://schemas.openxmlformats.org/presentationml/2006/main">
   <p:tag name="OUTPUTDPI" val="1200"/>
   <p:tag name="ORIGINALHEIGHT" val="126.7342"/>
@@ -16830,374 +20827,14 @@
 </p:tagLst>
 </file>
 
-<file path=ppt/tags/tag108.xml><?xml version="1.0" encoding="utf-8"?>
-<p:tagLst xmlns:a="http://schemas.openxmlformats.org/drawingml/2006/main" xmlns:r="http://schemas.openxmlformats.org/officeDocument/2006/relationships" xmlns:p="http://schemas.openxmlformats.org/presentationml/2006/main">
-  <p:tag name="OUTPUTDPI" val="1200"/>
-  <p:tag name="ORIGINALHEIGHT" val="126.7342"/>
-  <p:tag name="ORIGINALWIDTH" val="683.9145"/>
-  <p:tag name="LATEXADDIN" val="\documentclass{article}&#10;\usepackage{amsmath}&#10;\pagestyle{empty}&#10;\usepackage{xcolor}&#10;\usepackage{empheq}&#10;\begin{document}&#10;$ 1  =2^{x-2}-p $&#10;\end{document}"/>
-  <p:tag name="IGUANATEXSIZE" val="18"/>
-  <p:tag name="IGUANATEXCURSOR" val="122"/>
-  <p:tag name="TRANSPARENCY" val="False"/>
-  <p:tag name="LATEXENGINEID" val="0"/>
-  <p:tag name="TEMPFOLDER" val="C:\Users\cosA\OneDrive\Documents\temp\"/>
-  <p:tag name="LATEXFORMHEIGHT" val="312"/>
-  <p:tag name="LATEXFORMWIDTH" val="384"/>
-  <p:tag name="LATEXFORMWRAP" val="True"/>
-  <p:tag name="BITMAPVECTOR" val="0"/>
-</p:tagLst>
-</file>
-
-<file path=ppt/tags/tag109.xml><?xml version="1.0" encoding="utf-8"?>
-<p:tagLst xmlns:a="http://schemas.openxmlformats.org/drawingml/2006/main" xmlns:r="http://schemas.openxmlformats.org/officeDocument/2006/relationships" xmlns:p="http://schemas.openxmlformats.org/presentationml/2006/main">
-  <p:tag name="OUTPUTDPI" val="1200"/>
-  <p:tag name="ORIGINALHEIGHT" val="126.7342"/>
-  <p:tag name="ORIGINALWIDTH" val="673.4158"/>
-  <p:tag name="LATEXADDIN" val="\documentclass{article}&#10;\usepackage{amsmath}&#10;\pagestyle{empty}&#10;\usepackage{xcolor}&#10;\usepackage{empheq}&#10;\begin{document}&#10;$ 1+p=2^{x-2} $&#10;\end{document}"/>
-  <p:tag name="IGUANATEXSIZE" val="18"/>
-  <p:tag name="IGUANATEXCURSOR" val="125"/>
-  <p:tag name="TRANSPARENCY" val="False"/>
-  <p:tag name="LATEXENGINEID" val="0"/>
-  <p:tag name="TEMPFOLDER" val="C:\Users\cosA\OneDrive\Documents\temp\"/>
-  <p:tag name="LATEXFORMHEIGHT" val="312"/>
-  <p:tag name="LATEXFORMWIDTH" val="384"/>
-  <p:tag name="LATEXFORMWRAP" val="True"/>
-  <p:tag name="BITMAPVECTOR" val="0"/>
-</p:tagLst>
-</file>
-
-<file path=ppt/tags/tag11.xml><?xml version="1.0" encoding="utf-8"?>
-<p:tagLst xmlns:a="http://schemas.openxmlformats.org/drawingml/2006/main" xmlns:r="http://schemas.openxmlformats.org/officeDocument/2006/relationships" xmlns:p="http://schemas.openxmlformats.org/presentationml/2006/main">
-  <p:tag name="OUTPUTDPI" val="1200"/>
-  <p:tag name="ORIGINALHEIGHT" val="125.2343"/>
-  <p:tag name="ORIGINALWIDTH" val="1172.104"/>
-  <p:tag name="LATEXADDIN" val="\documentclass{article}&#10;\usepackage{amsmath}&#10;\pagestyle{empty}&#10;\usepackage{xcolor}&#10;\usepackage{empheq}&#10;\begin{document}&#10;$ \left (a,b,x,y  \right )=\left ( 3,2,2,3 \right )$&#10;\end{document}"/>
-  <p:tag name="IGUANATEXSIZE" val="18"/>
-  <p:tag name="IGUANATEXCURSOR" val="171"/>
-  <p:tag name="TRANSPARENCY" val="False"/>
-  <p:tag name="LATEXENGINEID" val="0"/>
-  <p:tag name="TEMPFOLDER" val="C:\Users\cosA\OneDrive\Documents\temp\"/>
-  <p:tag name="LATEXFORMHEIGHT" val="312"/>
-  <p:tag name="LATEXFORMWIDTH" val="384"/>
-  <p:tag name="LATEXFORMWRAP" val="True"/>
-  <p:tag name="BITMAPVECTOR" val="0"/>
-</p:tagLst>
-</file>
-
-<file path=ppt/tags/tag110.xml><?xml version="1.0" encoding="utf-8"?>
-<p:tagLst xmlns:a="http://schemas.openxmlformats.org/drawingml/2006/main" xmlns:r="http://schemas.openxmlformats.org/officeDocument/2006/relationships" xmlns:p="http://schemas.openxmlformats.org/presentationml/2006/main">
-  <p:tag name="OUTPUTDPI" val="1200"/>
-  <p:tag name="ORIGINALHEIGHT" val="134.2332"/>
-  <p:tag name="ORIGINALWIDTH" val="854.8931"/>
-  <p:tag name="LATEXADDIN" val="\documentclass{article}&#10;\usepackage{amsmath}&#10;\pagestyle{empty}&#10;\usepackage{xcolor}&#10;\usepackage{empheq}&#10;\begin{document}&#10;$ 2^{2}\cdot \left ( 1+p \right )=2^{x} $&#10;\end{document}"/>
-  <p:tag name="IGUANATEXSIZE" val="18"/>
-  <p:tag name="IGUANATEXCURSOR" val="159"/>
-  <p:tag name="TRANSPARENCY" val="False"/>
-  <p:tag name="LATEXENGINEID" val="0"/>
-  <p:tag name="TEMPFOLDER" val="C:\Users\cosA\OneDrive\Documents\temp\"/>
-  <p:tag name="LATEXFORMHEIGHT" val="312"/>
-  <p:tag name="LATEXFORMWIDTH" val="384"/>
-  <p:tag name="LATEXFORMWRAP" val="True"/>
-  <p:tag name="BITMAPVECTOR" val="0"/>
-</p:tagLst>
-</file>
-
-<file path=ppt/tags/tag111.xml><?xml version="1.0" encoding="utf-8"?>
-<p:tagLst xmlns:a="http://schemas.openxmlformats.org/drawingml/2006/main" xmlns:r="http://schemas.openxmlformats.org/officeDocument/2006/relationships" xmlns:p="http://schemas.openxmlformats.org/presentationml/2006/main">
-  <p:tag name="OUTPUTDPI" val="1200"/>
-  <p:tag name="ORIGINALHEIGHT" val="134.2332"/>
-  <p:tag name="ORIGINALWIDTH" val="1331.833"/>
-  <p:tag name="LATEXADDIN" val="\documentclass{article}&#10;\usepackage{amsmath}&#10;\pagestyle{empty}&#10;\usepackage{xcolor}&#10;\usepackage{empheq}&#10;\begin{document}&#10;$ \log _{2}2^{2}\cdot \left ( 1+p \right )=\log _{2}2^{x} $&#10;\end{document}"/>
-  <p:tag name="IGUANATEXSIZE" val="18"/>
-  <p:tag name="IGUANATEXCURSOR" val="177"/>
-  <p:tag name="TRANSPARENCY" val="False"/>
-  <p:tag name="LATEXENGINEID" val="0"/>
-  <p:tag name="TEMPFOLDER" val="C:\Users\cosA\OneDrive\Documents\temp\"/>
-  <p:tag name="LATEXFORMHEIGHT" val="312"/>
-  <p:tag name="LATEXFORMWIDTH" val="384"/>
-  <p:tag name="LATEXFORMWRAP" val="True"/>
-  <p:tag name="BITMAPVECTOR" val="0"/>
-</p:tagLst>
-</file>
-
-<file path=ppt/tags/tag112.xml><?xml version="1.0" encoding="utf-8"?>
-<p:tagLst xmlns:a="http://schemas.openxmlformats.org/drawingml/2006/main" xmlns:r="http://schemas.openxmlformats.org/officeDocument/2006/relationships" xmlns:p="http://schemas.openxmlformats.org/presentationml/2006/main">
-  <p:tag name="OUTPUTDPI" val="1200"/>
-  <p:tag name="ORIGINALHEIGHT" val="125.2343"/>
-  <p:tag name="ORIGINALWIDTH" val="1051.369"/>
-  <p:tag name="LATEXADDIN" val="\documentclass{article}&#10;\usepackage{amsmath}&#10;\pagestyle{empty}&#10;\usepackage{xcolor}&#10;\usepackage{empheq}&#10;\begin{document}&#10;$ 2+\log _{2} \left ( 1+p \right )=x $&#10;\end{document}"/>
-  <p:tag name="IGUANATEXSIZE" val="18"/>
-  <p:tag name="IGUANATEXCURSOR" val="156"/>
-  <p:tag name="TRANSPARENCY" val="False"/>
-  <p:tag name="LATEXENGINEID" val="0"/>
-  <p:tag name="TEMPFOLDER" val="C:\Users\cosA\OneDrive\Documents\temp\"/>
-  <p:tag name="LATEXFORMHEIGHT" val="312"/>
-  <p:tag name="LATEXFORMWIDTH" val="384"/>
-  <p:tag name="LATEXFORMWRAP" val="True"/>
-  <p:tag name="BITMAPVECTOR" val="0"/>
-</p:tagLst>
-</file>
-
-<file path=ppt/tags/tag113.xml><?xml version="1.0" encoding="utf-8"?>
-<p:tagLst xmlns:a="http://schemas.openxmlformats.org/drawingml/2006/main" xmlns:r="http://schemas.openxmlformats.org/officeDocument/2006/relationships" xmlns:p="http://schemas.openxmlformats.org/presentationml/2006/main">
-  <p:tag name="OUTPUTDPI" val="1200"/>
-  <p:tag name="ORIGINALHEIGHT" val="125.2343"/>
-  <p:tag name="ORIGINALWIDTH" val="1047.619"/>
-  <p:tag name="LATEXADDIN" val="\documentclass{article}&#10;\usepackage{amsmath}&#10;\pagestyle{empty}&#10;\usepackage{xcolor}&#10;\usepackage{empheq}&#10;\begin{document}&#10;$x= 2+\log _{2} \left ( 1+p \right ) $&#10;\end{document}"/>
-  <p:tag name="IGUANATEXSIZE" val="18"/>
-  <p:tag name="IGUANATEXCURSOR" val="123"/>
-  <p:tag name="TRANSPARENCY" val="False"/>
-  <p:tag name="LATEXENGINEID" val="0"/>
-  <p:tag name="TEMPFOLDER" val="C:\Users\cosA\OneDrive\Documents\temp\"/>
-  <p:tag name="LATEXFORMHEIGHT" val="312"/>
-  <p:tag name="LATEXFORMWIDTH" val="384"/>
-  <p:tag name="LATEXFORMWRAP" val="True"/>
-  <p:tag name="BITMAPVECTOR" val="0"/>
-</p:tagLst>
-</file>
-
-<file path=ppt/tags/tag114.xml><?xml version="1.0" encoding="utf-8"?>
-<p:tagLst xmlns:a="http://schemas.openxmlformats.org/drawingml/2006/main" xmlns:r="http://schemas.openxmlformats.org/officeDocument/2006/relationships" xmlns:p="http://schemas.openxmlformats.org/presentationml/2006/main">
-  <p:tag name="OUTPUTDPI" val="1200"/>
-  <p:tag name="ORIGINALHEIGHT" val="125.2343"/>
-  <p:tag name="ORIGINALWIDTH" val="839.1451"/>
-  <p:tag name="LATEXADDIN" val="\documentclass{article}&#10;\usepackage{amsmath}&#10;\usepackage{amsfonts}&#10;\pagestyle{empty}&#10;\usepackage{xcolor}&#10;\usepackage{empheq}&#10;\begin{document}&#10;$\log _{2} \left ( 1+p \right ) \in \mathbb{Z}$&#10;\end{document}"/>
-  <p:tag name="IGUANATEXSIZE" val="18"/>
-  <p:tag name="IGUANATEXCURSOR" val="188"/>
-  <p:tag name="TRANSPARENCY" val="False"/>
-  <p:tag name="LATEXENGINEID" val="0"/>
-  <p:tag name="TEMPFOLDER" val="C:\Users\cosA\OneDrive\Documents\temp\"/>
-  <p:tag name="LATEXFORMHEIGHT" val="312"/>
-  <p:tag name="LATEXFORMWIDTH" val="384"/>
-  <p:tag name="LATEXFORMWRAP" val="True"/>
-  <p:tag name="BITMAPVECTOR" val="0"/>
-</p:tagLst>
-</file>
-
-<file path=ppt/tags/tag115.xml><?xml version="1.0" encoding="utf-8"?>
+<file path=ppt/tags/tag126.xml><?xml version="1.0" encoding="utf-8"?>
 <p:tagLst xmlns:a="http://schemas.openxmlformats.org/drawingml/2006/main" xmlns:r="http://schemas.openxmlformats.org/officeDocument/2006/relationships" xmlns:p="http://schemas.openxmlformats.org/presentationml/2006/main">
   <p:tag name="OUTPUTDPI" val="1200"/>
   <p:tag name="ORIGINALHEIGHT" val="125.2343"/>
   <p:tag name="ORIGINALWIDTH" val="134.9832"/>
-  <p:tag name="LATEXADDIN" val="\documentclass{article}&#10;\usepackage{amsmath}&#10;\pagestyle{empty}&#10;\usepackage{xcolor}&#10;\usepackage{empheq}&#10;\begin{document}&#10;${\color{red}\left ( 1 \right )}$&#10;\end{document}"/>
+  <p:tag name="LATEXADDIN" val="\documentclass{article}&#10;\usepackage{amsmath}&#10;\pagestyle{empty}&#10;\usepackage{xcolor}&#10;\usepackage{empheq}&#10;\begin{document}&#10;${\color{red}\left ( 5 \right )}$&#10;\end{document}"/>
   <p:tag name="IGUANATEXSIZE" val="18"/>
-  <p:tag name="IGUANATEXCURSOR" val="152"/>
-  <p:tag name="TRANSPARENCY" val="False"/>
-  <p:tag name="LATEXENGINEID" val="0"/>
-  <p:tag name="TEMPFOLDER" val="C:\Users\cosA\OneDrive\Documents\temp\"/>
-  <p:tag name="LATEXFORMHEIGHT" val="312"/>
-  <p:tag name="LATEXFORMWIDTH" val="384"/>
-  <p:tag name="LATEXFORMWRAP" val="True"/>
-  <p:tag name="BITMAPVECTOR" val="0"/>
-</p:tagLst>
-</file>
-
-<file path=ppt/tags/tag116.xml><?xml version="1.0" encoding="utf-8"?>
-<p:tagLst xmlns:a="http://schemas.openxmlformats.org/drawingml/2006/main" xmlns:r="http://schemas.openxmlformats.org/officeDocument/2006/relationships" xmlns:p="http://schemas.openxmlformats.org/presentationml/2006/main">
-  <p:tag name="OUTPUTDPI" val="1200"/>
-  <p:tag name="ORIGINALHEIGHT" val="125.2343"/>
-  <p:tag name="ORIGINALWIDTH" val="2178.478"/>
-  <p:tag name="LATEXADDIN" val="\documentclass{article}&#10;\usepackage{amsmath}&#10;\pagestyle{empty}&#10;\usepackage{xcolor}&#10;\usepackage{empheq}&#10;\begin{document}&#10;$\left ( x,p,y,z \right )=\left (2+\log _{2} \left ( 1+p \right ),p,2,p+2  \right ) $&#10;\end{document}"/>
-  <p:tag name="IGUANATEXSIZE" val="18"/>
-  <p:tag name="IGUANATEXCURSOR" val="203"/>
-  <p:tag name="TRANSPARENCY" val="False"/>
-  <p:tag name="LATEXENGINEID" val="0"/>
-  <p:tag name="TEMPFOLDER" val="C:\Users\cosA\OneDrive\Documents\temp\"/>
-  <p:tag name="LATEXFORMHEIGHT" val="312"/>
-  <p:tag name="LATEXFORMWIDTH" val="384"/>
-  <p:tag name="LATEXFORMWRAP" val="True"/>
-  <p:tag name="BITMAPVECTOR" val="0"/>
-</p:tagLst>
-</file>
-
-<file path=ppt/tags/tag117.xml><?xml version="1.0" encoding="utf-8"?>
-<p:tagLst xmlns:a="http://schemas.openxmlformats.org/drawingml/2006/main" xmlns:r="http://schemas.openxmlformats.org/officeDocument/2006/relationships" xmlns:p="http://schemas.openxmlformats.org/presentationml/2006/main">
-  <p:tag name="OUTPUTDPI" val="1200"/>
-  <p:tag name="ORIGINALHEIGHT" val="107.9865"/>
-  <p:tag name="ORIGINALWIDTH" val="281.2149"/>
-  <p:tag name="LATEXADDIN" val="&#10;&#10;\documentclass{article}&#10;\usepackage{amsmath}&#10;\usepackage{amsfonts}&#10;\usepackage{amssymb}&#10;\pagestyle{empty}&#10;\usepackage{xcolor}&#10;\usepackage{empheq}&#10;\begin{document}&#10;$y\geq 1 $&#10;\end{document}"/>
-  <p:tag name="IGUANATEXSIZE" val="18"/>
-  <p:tag name="IGUANATEXCURSOR" val="174"/>
-  <p:tag name="TRANSPARENCY" val="False"/>
-  <p:tag name="LATEXENGINEID" val="0"/>
-  <p:tag name="TEMPFOLDER" val="C:\Users\cosA\OneDrive\Documents\temp\"/>
-  <p:tag name="LATEXFORMHEIGHT" val="312"/>
-  <p:tag name="LATEXFORMWIDTH" val="384"/>
-  <p:tag name="LATEXFORMWRAP" val="True"/>
-  <p:tag name="BITMAPVECTOR" val="0"/>
-</p:tagLst>
-</file>
-
-<file path=ppt/tags/tag118.xml><?xml version="1.0" encoding="utf-8"?>
-<p:tagLst xmlns:a="http://schemas.openxmlformats.org/drawingml/2006/main" xmlns:r="http://schemas.openxmlformats.org/officeDocument/2006/relationships" xmlns:p="http://schemas.openxmlformats.org/presentationml/2006/main">
-  <p:tag name="OUTPUTDPI" val="1200"/>
-  <p:tag name="ORIGINALHEIGHT" val="116.2354"/>
-  <p:tag name="ORIGINALWIDTH" val="291.7135"/>
-  <p:tag name="LATEXADDIN" val="\documentclass{article}&#10;\usepackage{amsmath}&#10;\pagestyle{empty}&#10;\usepackage{xcolor}&#10;\usepackage{empheq}&#10;\begin{document}&#10;$x\neq 0$&#10;\end{document}"/>
-  <p:tag name="IGUANATEXSIZE" val="18"/>
-  <p:tag name="IGUANATEXCURSOR" val="128"/>
-  <p:tag name="TRANSPARENCY" val="False"/>
-  <p:tag name="LATEXENGINEID" val="0"/>
-  <p:tag name="TEMPFOLDER" val="C:\Users\cosA\OneDrive\Documents\temp\"/>
-  <p:tag name="LATEXFORMHEIGHT" val="312"/>
-  <p:tag name="LATEXFORMWIDTH" val="384"/>
-  <p:tag name="LATEXFORMWRAP" val="True"/>
-  <p:tag name="BITMAPVECTOR" val="0"/>
-</p:tagLst>
-</file>
-
-<file path=ppt/tags/tag119.xml><?xml version="1.0" encoding="utf-8"?>
-<p:tagLst xmlns:a="http://schemas.openxmlformats.org/drawingml/2006/main" xmlns:r="http://schemas.openxmlformats.org/officeDocument/2006/relationships" xmlns:p="http://schemas.openxmlformats.org/presentationml/2006/main">
-  <p:tag name="OUTPUTDPI" val="1200"/>
-  <p:tag name="ORIGINALHEIGHT" val="116.2354"/>
-  <p:tag name="ORIGINALWIDTH" val="289.4638"/>
-  <p:tag name="LATEXADDIN" val="\documentclass{article}&#10;\usepackage{amsmath}&#10;\usepackage{amssymb}&#10;\pagestyle{empty}&#10;\usepackage{xcolor}&#10;\usepackage{empheq}&#10;\begin{document}&#10;$ p\neq 2$&#10;\end{document}"/>
-  <p:tag name="IGUANATEXSIZE" val="18"/>
-  <p:tag name="IGUANATEXCURSOR" val="150"/>
-  <p:tag name="TRANSPARENCY" val="False"/>
-  <p:tag name="LATEXENGINEID" val="0"/>
-  <p:tag name="TEMPFOLDER" val="C:\Users\cosA\OneDrive\Documents\temp\"/>
-  <p:tag name="LATEXFORMHEIGHT" val="312"/>
-  <p:tag name="LATEXFORMWIDTH" val="384"/>
-  <p:tag name="LATEXFORMWRAP" val="True"/>
-  <p:tag name="BITMAPVECTOR" val="0"/>
-</p:tagLst>
-</file>
-
-<file path=ppt/tags/tag12.xml><?xml version="1.0" encoding="utf-8"?>
-<p:tagLst xmlns:a="http://schemas.openxmlformats.org/drawingml/2006/main" xmlns:r="http://schemas.openxmlformats.org/officeDocument/2006/relationships" xmlns:p="http://schemas.openxmlformats.org/presentationml/2006/main">
-  <p:tag name="OUTPUTDPI" val="1200"/>
-  <p:tag name="ORIGINALHEIGHT" val="113.2358"/>
-  <p:tag name="ORIGINALWIDTH" val="606.6742"/>
-  <p:tag name="LATEXADDIN" val="\documentclass{article}&#10;\usepackage{amsmath}&#10;\pagestyle{empty}&#10;\usepackage{xcolor}&#10;\usepackage{empheq}&#10;\begin{document}&#10;${2^{x}+1}={z^{2}}$&#10;\end{document}"/>
-  <p:tag name="IGUANATEXSIZE" val="18"/>
-  <p:tag name="IGUANATEXCURSOR" val="129"/>
-  <p:tag name="TRANSPARENCY" val="False"/>
-  <p:tag name="LATEXENGINEID" val="0"/>
-  <p:tag name="TEMPFOLDER" val="C:\Users\cosA\OneDrive\Documents\temp\"/>
-  <p:tag name="LATEXFORMHEIGHT" val="312"/>
-  <p:tag name="LATEXFORMWIDTH" val="384"/>
-  <p:tag name="LATEXFORMWRAP" val="True"/>
-  <p:tag name="BITMAPVECTOR" val="0"/>
-</p:tagLst>
-</file>
-
-<file path=ppt/tags/tag120.xml><?xml version="1.0" encoding="utf-8"?>
-<p:tagLst xmlns:a="http://schemas.openxmlformats.org/drawingml/2006/main" xmlns:r="http://schemas.openxmlformats.org/officeDocument/2006/relationships" xmlns:p="http://schemas.openxmlformats.org/presentationml/2006/main">
-  <p:tag name="OUTPUTDPI" val="1200"/>
-  <p:tag name="ORIGINALHEIGHT" val="56.24299"/>
-  <p:tag name="ORIGINALWIDTH" val="53.24331"/>
-  <p:tag name="LATEXADDIN" val="\documentclass{article}&#10;\usepackage{amsmath}&#10;\pagestyle{empty}&#10;\usepackage{xcolor}&#10;\usepackage{empheq}&#10;\begin{document}&#10;$z$&#10;\end{document}"/>
-  <p:tag name="IGUANATEXSIZE" val="31"/>
-  <p:tag name="IGUANATEXCURSOR" val="121"/>
-  <p:tag name="TRANSPARENCY" val="False"/>
-  <p:tag name="LATEXENGINEID" val="0"/>
-  <p:tag name="TEMPFOLDER" val="C:\Users\cosA\OneDrive\Documents\temp\"/>
-  <p:tag name="LATEXFORMHEIGHT" val="312"/>
-  <p:tag name="LATEXFORMWIDTH" val="384"/>
-  <p:tag name="LATEXFORMWRAP" val="True"/>
-  <p:tag name="BITMAPVECTOR" val="0"/>
-</p:tagLst>
-</file>
-
-<file path=ppt/tags/tag121.xml><?xml version="1.0" encoding="utf-8"?>
-<p:tagLst xmlns:a="http://schemas.openxmlformats.org/drawingml/2006/main" xmlns:r="http://schemas.openxmlformats.org/officeDocument/2006/relationships" xmlns:p="http://schemas.openxmlformats.org/presentationml/2006/main">
-  <p:tag name="OUTPUTDPI" val="1200"/>
-  <p:tag name="ORIGINALHEIGHT" val="125.2343"/>
-  <p:tag name="ORIGINALWIDTH" val="134.9832"/>
-  <p:tag name="LATEXADDIN" val="\documentclass{article}&#10;\usepackage{amsmath}&#10;\pagestyle{empty}&#10;\usepackage{xcolor}&#10;\usepackage{empheq}&#10;\begin{document}&#10;${\color{red}\left ( 1 \right )}$&#10;\end{document}"/>
-  <p:tag name="IGUANATEXSIZE" val="18"/>
-  <p:tag name="IGUANATEXCURSOR" val="152"/>
-  <p:tag name="TRANSPARENCY" val="False"/>
-  <p:tag name="LATEXENGINEID" val="0"/>
-  <p:tag name="TEMPFOLDER" val="C:\Users\cosA\OneDrive\Documents\temp\"/>
-  <p:tag name="LATEXFORMHEIGHT" val="312"/>
-  <p:tag name="LATEXFORMWIDTH" val="384"/>
-  <p:tag name="LATEXFORMWRAP" val="True"/>
-  <p:tag name="BITMAPVECTOR" val="0"/>
-</p:tagLst>
-</file>
-
-<file path=ppt/tags/tag122.xml><?xml version="1.0" encoding="utf-8"?>
-<p:tagLst xmlns:a="http://schemas.openxmlformats.org/drawingml/2006/main" xmlns:r="http://schemas.openxmlformats.org/officeDocument/2006/relationships" xmlns:p="http://schemas.openxmlformats.org/presentationml/2006/main">
-  <p:tag name="OUTPUTDPI" val="1200"/>
-  <p:tag name="ORIGINALHEIGHT" val="134.2332"/>
-  <p:tag name="ORIGINALWIDTH" val="267.7165"/>
-  <p:tag name="LATEXADDIN" val="\documentclass{article}&#10;\usepackage{amsmath}&#10;\usepackage{amssymb}&#10;\pagestyle{empty}&#10;\usepackage{xcolor}&#10;\usepackage{empheq}&#10;\begin{document}&#10;$2\nmid z^{2}$&#10;\end{document}"/>
-  <p:tag name="IGUANATEXSIZE" val="18"/>
-  <p:tag name="IGUANATEXCURSOR" val="150"/>
-  <p:tag name="TRANSPARENCY" val="False"/>
-  <p:tag name="LATEXENGINEID" val="0"/>
-  <p:tag name="TEMPFOLDER" val="C:\Users\cosA\OneDrive\Documents\temp\"/>
-  <p:tag name="LATEXFORMHEIGHT" val="312"/>
-  <p:tag name="LATEXFORMWIDTH" val="384"/>
-  <p:tag name="LATEXFORMWRAP" val="True"/>
-  <p:tag name="BITMAPVECTOR" val="0"/>
-</p:tagLst>
-</file>
-
-<file path=ppt/tags/tag123.xml><?xml version="1.0" encoding="utf-8"?>
-<p:tagLst xmlns:a="http://schemas.openxmlformats.org/drawingml/2006/main" xmlns:r="http://schemas.openxmlformats.org/officeDocument/2006/relationships" xmlns:p="http://schemas.openxmlformats.org/presentationml/2006/main">
-  <p:tag name="OUTPUTDPI" val="1200"/>
-  <p:tag name="ORIGINALHEIGHT" val="134.2332"/>
-  <p:tag name="ORIGINALWIDTH" val="872.8909"/>
-  <p:tag name="LATEXADDIN" val="\documentclass{article}&#10;\usepackage{amsmath}&#10;\pagestyle{empty}&#10;\usepackage{xcolor}&#10;\usepackage{empheq}&#10;\begin{document}&#10;$z^{2}\equiv 1\left ( \mod4 \right )$&#10;\end{document}"/>
-  <p:tag name="IGUANATEXSIZE" val="18"/>
-  <p:tag name="IGUANATEXCURSOR" val="126"/>
-  <p:tag name="TRANSPARENCY" val="False"/>
-  <p:tag name="LATEXENGINEID" val="0"/>
-  <p:tag name="TEMPFOLDER" val="C:\Users\cosA\OneDrive\Documents\temp\"/>
-  <p:tag name="LATEXFORMHEIGHT" val="312"/>
-  <p:tag name="LATEXFORMWIDTH" val="384"/>
-  <p:tag name="LATEXFORMWRAP" val="True"/>
-  <p:tag name="BITMAPVECTOR" val="0"/>
-</p:tagLst>
-</file>
-
-<file path=ppt/tags/tag124.xml><?xml version="1.0" encoding="utf-8"?>
-<p:tagLst xmlns:a="http://schemas.openxmlformats.org/drawingml/2006/main" xmlns:r="http://schemas.openxmlformats.org/officeDocument/2006/relationships" xmlns:p="http://schemas.openxmlformats.org/presentationml/2006/main">
-  <p:tag name="OUTPUTDPI" val="1200"/>
-  <p:tag name="ORIGINALHEIGHT" val="125.2343"/>
-  <p:tag name="ORIGINALWIDTH" val="825.6468"/>
-  <p:tag name="LATEXADDIN" val="\documentclass{article}&#10;\usepackage{amsmath}&#10;\pagestyle{empty}&#10;\usepackage{xcolor}&#10;\usepackage{empheq}&#10;\begin{document}&#10;$p\equiv 3\left ( \mod4 \right )$&#10;\end{document}"/>
-  <p:tag name="IGUANATEXSIZE" val="18"/>
-  <p:tag name="IGUANATEXCURSOR" val="138"/>
-  <p:tag name="TRANSPARENCY" val="False"/>
-  <p:tag name="LATEXENGINEID" val="0"/>
-  <p:tag name="TEMPFOLDER" val="C:\Users\cosA\OneDrive\Documents\temp\"/>
-  <p:tag name="LATEXFORMHEIGHT" val="312"/>
-  <p:tag name="LATEXFORMWIDTH" val="384"/>
-  <p:tag name="LATEXFORMWRAP" val="True"/>
-  <p:tag name="BITMAPVECTOR" val="0"/>
-</p:tagLst>
-</file>
-
-<file path=ppt/tags/tag125.xml><?xml version="1.0" encoding="utf-8"?>
-<p:tagLst xmlns:a="http://schemas.openxmlformats.org/drawingml/2006/main" xmlns:r="http://schemas.openxmlformats.org/officeDocument/2006/relationships" xmlns:p="http://schemas.openxmlformats.org/presentationml/2006/main">
-  <p:tag name="OUTPUTDPI" val="1200"/>
-  <p:tag name="ORIGINALHEIGHT" val="125.2343"/>
-  <p:tag name="ORIGINALWIDTH" val="923.1346"/>
-  <p:tag name="LATEXADDIN" val="\documentclass{article}&#10;\usepackage{amsmath}&#10;\pagestyle{empty}&#10;\usepackage{xcolor}&#10;\usepackage{empheq}&#10;\begin{document}&#10;$p\equiv -1\left ( \mod4 \right )$&#10;\end{document}"/>
-  <p:tag name="IGUANATEXSIZE" val="18"/>
-  <p:tag name="IGUANATEXCURSOR" val="131"/>
-  <p:tag name="TRANSPARENCY" val="False"/>
-  <p:tag name="LATEXENGINEID" val="0"/>
-  <p:tag name="TEMPFOLDER" val="C:\Users\cosA\OneDrive\Documents\temp\"/>
-  <p:tag name="LATEXFORMHEIGHT" val="312"/>
-  <p:tag name="LATEXFORMWIDTH" val="384"/>
-  <p:tag name="LATEXFORMWRAP" val="True"/>
-  <p:tag name="BITMAPVECTOR" val="0"/>
-</p:tagLst>
-</file>
-
-<file path=ppt/tags/tag126.xml><?xml version="1.0" encoding="utf-8"?>
-<p:tagLst xmlns:a="http://schemas.openxmlformats.org/drawingml/2006/main" xmlns:r="http://schemas.openxmlformats.org/officeDocument/2006/relationships" xmlns:p="http://schemas.openxmlformats.org/presentationml/2006/main">
-  <p:tag name="OUTPUTDPI" val="1200"/>
-  <p:tag name="ORIGINALHEIGHT" val="132.7334"/>
-  <p:tag name="ORIGINALWIDTH" val="1139.108"/>
-  <p:tag name="LATEXADDIN" val="\documentclass{article}&#10;\usepackage{amsmath}&#10;\pagestyle{empty}&#10;\usepackage{xcolor}&#10;\usepackage{empheq}&#10;\begin{document}&#10;$p^{y}\equiv \left(-1\right)^{y}\left ( \mod4 \right )$&#10;\end{document}"/>
-  <p:tag name="IGUANATEXSIZE" val="18"/>
-  <p:tag name="IGUANATEXCURSOR" val="151"/>
+  <p:tag name="IGUANATEXCURSOR" val="142"/>
   <p:tag name="TRANSPARENCY" val="False"/>
   <p:tag name="LATEXENGINEID" val="0"/>
   <p:tag name="TEMPFOLDER" val="C:\Users\cosA\OneDrive\Documents\temp\"/>
@@ -17211,11 +20848,11 @@
 <file path=ppt/tags/tag127.xml><?xml version="1.0" encoding="utf-8"?>
 <p:tagLst xmlns:a="http://schemas.openxmlformats.org/drawingml/2006/main" xmlns:r="http://schemas.openxmlformats.org/officeDocument/2006/relationships" xmlns:p="http://schemas.openxmlformats.org/presentationml/2006/main">
   <p:tag name="OUTPUTDPI" val="1200"/>
-  <p:tag name="ORIGINALHEIGHT" val="125.2343"/>
-  <p:tag name="ORIGINALWIDTH" val="982.3771"/>
-  <p:tag name="LATEXADDIN" val="\documentclass{article}&#10;\usepackage{amsmath}&#10;\pagestyle{empty}&#10;\usepackage{xcolor}&#10;\usepackage{empheq}&#10;\begin{document}&#10;$p^{y}\equiv -1\left ( \mod4 \right )$&#10;\end{document}"/>
+  <p:tag name="ORIGINALHEIGHT" val="129.7338"/>
+  <p:tag name="ORIGINALWIDTH" val="734.9081"/>
+  <p:tag name="LATEXADDIN" val="\documentclass{article}&#10;\usepackage{amsmath}&#10;\pagestyle{empty}&#10;\usepackage{xcolor}&#10;\usepackage{empheq}&#10;\begin{document}&#10;$ 1  =2^{x-2}-p^{k} $&#10;\end{document}"/>
   <p:tag name="IGUANATEXSIZE" val="18"/>
-  <p:tag name="IGUANATEXCURSOR" val="133"/>
+  <p:tag name="IGUANATEXCURSOR" val="122"/>
   <p:tag name="TRANSPARENCY" val="False"/>
   <p:tag name="LATEXENGINEID" val="0"/>
   <p:tag name="TEMPFOLDER" val="C:\Users\cosA\OneDrive\Documents\temp\"/>
@@ -17247,6 +20884,834 @@
 <file path=ppt/tags/tag129.xml><?xml version="1.0" encoding="utf-8"?>
 <p:tagLst xmlns:a="http://schemas.openxmlformats.org/drawingml/2006/main" xmlns:r="http://schemas.openxmlformats.org/officeDocument/2006/relationships" xmlns:p="http://schemas.openxmlformats.org/presentationml/2006/main">
   <p:tag name="OUTPUTDPI" val="1200"/>
+  <p:tag name="ORIGINALHEIGHT" val="85.48929"/>
+  <p:tag name="ORIGINALWIDTH" val="290.9636"/>
+  <p:tag name="LATEXADDIN" val="\documentclass{article}&#10;\usepackage{amsmath}&#10;\pagestyle{empty}&#10;\usepackage{xcolor}&#10;\usepackage{empheq}&#10;\begin{document}&#10;$x=3$&#10;\end{document}"/>
+  <p:tag name="IGUANATEXSIZE" val="18"/>
+  <p:tag name="IGUANATEXCURSOR" val="124"/>
+  <p:tag name="TRANSPARENCY" val="False"/>
+  <p:tag name="LATEXENGINEID" val="0"/>
+  <p:tag name="TEMPFOLDER" val="C:\Users\cosA\OneDrive\Documents\temp\"/>
+  <p:tag name="LATEXFORMHEIGHT" val="312"/>
+  <p:tag name="LATEXFORMWIDTH" val="384"/>
+  <p:tag name="LATEXFORMWRAP" val="True"/>
+  <p:tag name="BITMAPVECTOR" val="0"/>
+</p:tagLst>
+</file>
+
+<file path=ppt/tags/tag13.xml><?xml version="1.0" encoding="utf-8"?>
+<p:tagLst xmlns:a="http://schemas.openxmlformats.org/drawingml/2006/main" xmlns:r="http://schemas.openxmlformats.org/officeDocument/2006/relationships" xmlns:p="http://schemas.openxmlformats.org/presentationml/2006/main">
+  <p:tag name="OUTPUTDPI" val="1200"/>
+  <p:tag name="ORIGINALHEIGHT" val="56.24299"/>
+  <p:tag name="ORIGINALWIDTH" val="57.74276"/>
+  <p:tag name="LATEXADDIN" val="\documentclass{article}&#10;\usepackage{amsmath}&#10;\pagestyle{empty}&#10;\usepackage{xcolor}&#10;\usepackage{empheq}&#10;\begin{document}&#10;$a$&#10;\end{document}"/>
+  <p:tag name="IGUANATEXSIZE" val="18"/>
+  <p:tag name="IGUANATEXCURSOR" val="122"/>
+  <p:tag name="TRANSPARENCY" val="False"/>
+  <p:tag name="LATEXENGINEID" val="0"/>
+  <p:tag name="TEMPFOLDER" val="C:\Users\cosA\OneDrive\Documents\temp\"/>
+  <p:tag name="LATEXFORMHEIGHT" val="312"/>
+  <p:tag name="LATEXFORMWIDTH" val="384"/>
+  <p:tag name="LATEXFORMWRAP" val="True"/>
+  <p:tag name="BITMAPVECTOR" val="0"/>
+</p:tagLst>
+</file>
+
+<file path=ppt/tags/tag130.xml><?xml version="1.0" encoding="utf-8"?>
+<p:tagLst xmlns:a="http://schemas.openxmlformats.org/drawingml/2006/main" xmlns:r="http://schemas.openxmlformats.org/officeDocument/2006/relationships" xmlns:p="http://schemas.openxmlformats.org/presentationml/2006/main">
+  <p:tag name="OUTPUTDPI" val="1200"/>
+  <p:tag name="ORIGINALHEIGHT" val="125.2343"/>
+  <p:tag name="ORIGINALWIDTH" val="134.9832"/>
+  <p:tag name="LATEXADDIN" val="\documentclass{article}&#10;\usepackage{amsmath}&#10;\pagestyle{empty}&#10;\usepackage{xcolor}&#10;\usepackage{empheq}&#10;\begin{document}&#10;${\color{red}\left ( 5 \right )}$&#10;\end{document}"/>
+  <p:tag name="IGUANATEXSIZE" val="18"/>
+  <p:tag name="IGUANATEXCURSOR" val="142"/>
+  <p:tag name="TRANSPARENCY" val="False"/>
+  <p:tag name="LATEXENGINEID" val="0"/>
+  <p:tag name="TEMPFOLDER" val="C:\Users\cosA\OneDrive\Documents\temp\"/>
+  <p:tag name="LATEXFORMHEIGHT" val="312"/>
+  <p:tag name="LATEXFORMWIDTH" val="384"/>
+  <p:tag name="LATEXFORMWRAP" val="True"/>
+  <p:tag name="BITMAPVECTOR" val="0"/>
+</p:tagLst>
+</file>
+
+<file path=ppt/tags/tag131.xml><?xml version="1.0" encoding="utf-8"?>
+<p:tagLst xmlns:a="http://schemas.openxmlformats.org/drawingml/2006/main" xmlns:r="http://schemas.openxmlformats.org/officeDocument/2006/relationships" xmlns:p="http://schemas.openxmlformats.org/presentationml/2006/main">
+  <p:tag name="OUTPUTDPI" val="1200"/>
+  <p:tag name="ORIGINALHEIGHT" val="89.23882"/>
+  <p:tag name="ORIGINALWIDTH" val="285.7143"/>
+  <p:tag name="LATEXADDIN" val="\documentclass{article}&#10;\usepackage{amsmath}&#10;\pagestyle{empty}&#10;\usepackage{xcolor}&#10;\usepackage{empheq}&#10;\begin{document}&#10;$k=0$&#10;\end{document}"/>
+  <p:tag name="IGUANATEXSIZE" val="18"/>
+  <p:tag name="IGUANATEXCURSOR" val="122"/>
+  <p:tag name="TRANSPARENCY" val="False"/>
+  <p:tag name="LATEXENGINEID" val="0"/>
+  <p:tag name="TEMPFOLDER" val="C:\Users\cosA\OneDrive\Documents\temp\"/>
+  <p:tag name="LATEXFORMHEIGHT" val="312"/>
+  <p:tag name="LATEXFORMWIDTH" val="384"/>
+  <p:tag name="LATEXFORMWRAP" val="True"/>
+  <p:tag name="BITMAPVECTOR" val="0"/>
+</p:tagLst>
+</file>
+
+<file path=ppt/tags/tag132.xml><?xml version="1.0" encoding="utf-8"?>
+<p:tagLst xmlns:a="http://schemas.openxmlformats.org/drawingml/2006/main" xmlns:r="http://schemas.openxmlformats.org/officeDocument/2006/relationships" xmlns:p="http://schemas.openxmlformats.org/presentationml/2006/main">
+  <p:tag name="OUTPUTDPI" val="1200"/>
+  <p:tag name="ORIGINALHEIGHT" val="129.7338"/>
+  <p:tag name="ORIGINALWIDTH" val="972.6284"/>
+  <p:tag name="LATEXADDIN" val="\documentclass{article}&#10;\usepackage{amsmath}&#10;\pagestyle{empty}&#10;\usepackage{xcolor}&#10;\usepackage{empheq}&#10;\begin{document}&#10;$   p^{k}  =2^{3-2}-1=1 $&#10;\end{document}"/>
+  <p:tag name="IGUANATEXSIZE" val="18"/>
+  <p:tag name="IGUANATEXCURSOR" val="143"/>
+  <p:tag name="TRANSPARENCY" val="False"/>
+  <p:tag name="LATEXENGINEID" val="0"/>
+  <p:tag name="TEMPFOLDER" val="C:\Users\cosA\OneDrive\Documents\temp\"/>
+  <p:tag name="LATEXFORMHEIGHT" val="312"/>
+  <p:tag name="LATEXFORMWIDTH" val="384"/>
+  <p:tag name="LATEXFORMWRAP" val="True"/>
+  <p:tag name="BITMAPVECTOR" val="0"/>
+</p:tagLst>
+</file>
+
+<file path=ppt/tags/tag133.xml><?xml version="1.0" encoding="utf-8"?>
+<p:tagLst xmlns:a="http://schemas.openxmlformats.org/drawingml/2006/main" xmlns:r="http://schemas.openxmlformats.org/officeDocument/2006/relationships" xmlns:p="http://schemas.openxmlformats.org/presentationml/2006/main">
+  <p:tag name="OUTPUTDPI" val="1200"/>
+  <p:tag name="ORIGINALHEIGHT" val="125.2343"/>
+  <p:tag name="ORIGINALWIDTH" val="694.4132"/>
+  <p:tag name="LATEXADDIN" val="\documentclass{article}&#10;\usepackage{amsmath}&#10;\pagestyle{empty}&#10;\usepackage{xcolor}&#10;\usepackage{empheq}&#10;\begin{document}&#10;$y=2\left(0\right)=0$&#10;\end{document}"/>
+  <p:tag name="IGUANATEXSIZE" val="18"/>
+  <p:tag name="IGUANATEXCURSOR" val="140"/>
+  <p:tag name="TRANSPARENCY" val="False"/>
+  <p:tag name="LATEXENGINEID" val="0"/>
+  <p:tag name="TEMPFOLDER" val="C:\Users\cosA\OneDrive\Documents\temp\"/>
+  <p:tag name="LATEXFORMHEIGHT" val="312"/>
+  <p:tag name="LATEXFORMWIDTH" val="384"/>
+  <p:tag name="LATEXFORMWRAP" val="True"/>
+  <p:tag name="BITMAPVECTOR" val="0"/>
+</p:tagLst>
+</file>
+
+<file path=ppt/tags/tag134.xml><?xml version="1.0" encoding="utf-8"?>
+<p:tagLst xmlns:a="http://schemas.openxmlformats.org/drawingml/2006/main" xmlns:r="http://schemas.openxmlformats.org/officeDocument/2006/relationships" xmlns:p="http://schemas.openxmlformats.org/presentationml/2006/main">
+  <p:tag name="OUTPUTDPI" val="1200"/>
+  <p:tag name="ORIGINALHEIGHT" val="107.9865"/>
+  <p:tag name="ORIGINALWIDTH" val="281.2149"/>
+  <p:tag name="LATEXADDIN" val="&#10;&#10;\documentclass{article}&#10;\usepackage{amsmath}&#10;\usepackage{amsfonts}&#10;\usepackage{amssymb}&#10;\pagestyle{empty}&#10;\usepackage{xcolor}&#10;\usepackage{empheq}&#10;\begin{document}&#10;$y\geq 1 $&#10;\end{document}"/>
+  <p:tag name="IGUANATEXSIZE" val="18"/>
+  <p:tag name="IGUANATEXCURSOR" val="174"/>
+  <p:tag name="TRANSPARENCY" val="False"/>
+  <p:tag name="LATEXENGINEID" val="0"/>
+  <p:tag name="TEMPFOLDER" val="C:\Users\cosA\OneDrive\Documents\temp\"/>
+  <p:tag name="LATEXFORMHEIGHT" val="312"/>
+  <p:tag name="LATEXFORMWIDTH" val="384"/>
+  <p:tag name="LATEXFORMWRAP" val="True"/>
+  <p:tag name="BITMAPVECTOR" val="0"/>
+</p:tagLst>
+</file>
+
+<file path=ppt/tags/tag135.xml><?xml version="1.0" encoding="utf-8"?>
+<p:tagLst xmlns:a="http://schemas.openxmlformats.org/drawingml/2006/main" xmlns:r="http://schemas.openxmlformats.org/officeDocument/2006/relationships" xmlns:p="http://schemas.openxmlformats.org/presentationml/2006/main">
+  <p:tag name="OUTPUTDPI" val="1200"/>
+  <p:tag name="ORIGINALHEIGHT" val="87.73905"/>
+  <p:tag name="ORIGINALWIDTH" val="290.9636"/>
+  <p:tag name="LATEXADDIN" val="&#10;&#10;\documentclass{article}&#10;\usepackage{amsmath}&#10;\usepackage{amsfonts}&#10;\usepackage{amssymb}&#10;\pagestyle{empty}&#10;\usepackage{xcolor}&#10;\usepackage{empheq}&#10;\begin{document}&#10;$x&gt; 3$&#10;\end{document}"/>
+  <p:tag name="IGUANATEXSIZE" val="18"/>
+  <p:tag name="IGUANATEXCURSOR" val="170"/>
+  <p:tag name="TRANSPARENCY" val="False"/>
+  <p:tag name="LATEXENGINEID" val="0"/>
+  <p:tag name="TEMPFOLDER" val="C:\Users\cosA\OneDrive\Documents\temp\"/>
+  <p:tag name="LATEXFORMHEIGHT" val="312"/>
+  <p:tag name="LATEXFORMWIDTH" val="384"/>
+  <p:tag name="LATEXFORMWRAP" val="True"/>
+  <p:tag name="BITMAPVECTOR" val="0"/>
+</p:tagLst>
+</file>
+
+<file path=ppt/tags/tag136.xml><?xml version="1.0" encoding="utf-8"?>
+<p:tagLst xmlns:a="http://schemas.openxmlformats.org/drawingml/2006/main" xmlns:r="http://schemas.openxmlformats.org/officeDocument/2006/relationships" xmlns:p="http://schemas.openxmlformats.org/presentationml/2006/main">
+  <p:tag name="OUTPUTDPI" val="1200"/>
+  <p:tag name="ORIGINALHEIGHT" val="91.48859"/>
+  <p:tag name="ORIGINALWIDTH" val="285.7143"/>
+  <p:tag name="LATEXADDIN" val="&#10;&#10;\documentclass{article}&#10;\usepackage{amsmath}&#10;\usepackage{amsfonts}&#10;\usepackage{amssymb}&#10;\pagestyle{empty}&#10;\usepackage{xcolor}&#10;\usepackage{empheq}&#10;\begin{document}&#10;$k&gt; 0$&#10;\end{document}"/>
+  <p:tag name="IGUANATEXSIZE" val="18"/>
+  <p:tag name="IGUANATEXCURSOR" val="167"/>
+  <p:tag name="TRANSPARENCY" val="False"/>
+  <p:tag name="LATEXENGINEID" val="0"/>
+  <p:tag name="TEMPFOLDER" val="C:\Users\cosA\OneDrive\Documents\temp\"/>
+  <p:tag name="LATEXFORMHEIGHT" val="312"/>
+  <p:tag name="LATEXFORMWIDTH" val="384"/>
+  <p:tag name="LATEXFORMWRAP" val="True"/>
+  <p:tag name="BITMAPVECTOR" val="0"/>
+</p:tagLst>
+</file>
+
+<file path=ppt/tags/tag137.xml><?xml version="1.0" encoding="utf-8"?>
+<p:tagLst xmlns:a="http://schemas.openxmlformats.org/drawingml/2006/main" xmlns:r="http://schemas.openxmlformats.org/officeDocument/2006/relationships" xmlns:p="http://schemas.openxmlformats.org/presentationml/2006/main">
+  <p:tag name="OUTPUTDPI" val="1200"/>
+  <p:tag name="ORIGINALHEIGHT" val="129.7338"/>
+  <p:tag name="ORIGINALWIDTH" val="631.4211"/>
+  <p:tag name="LATEXADDIN" val="&#10;&#10;\documentclass{article}&#10;\usepackage{amsmath}&#10;\usepackage{amsfonts}&#10;\usepackage{amssymb}&#10;\pagestyle{empty}&#10;\usepackage{xcolor}&#10;\usepackage{empheq}&#10;\begin{document}&#10;$p^{k}&gt; p^{0}=1 $&#10;\end{document}"/>
+  <p:tag name="IGUANATEXSIZE" val="18"/>
+  <p:tag name="IGUANATEXCURSOR" val="181"/>
+  <p:tag name="TRANSPARENCY" val="False"/>
+  <p:tag name="LATEXENGINEID" val="0"/>
+  <p:tag name="TEMPFOLDER" val="C:\Users\cosA\OneDrive\Documents\temp\"/>
+  <p:tag name="LATEXFORMHEIGHT" val="312"/>
+  <p:tag name="LATEXFORMWIDTH" val="384"/>
+  <p:tag name="LATEXFORMWRAP" val="True"/>
+  <p:tag name="BITMAPVECTOR" val="0"/>
+</p:tagLst>
+</file>
+
+<file path=ppt/tags/tag138.xml><?xml version="1.0" encoding="utf-8"?>
+<p:tagLst xmlns:a="http://schemas.openxmlformats.org/drawingml/2006/main" xmlns:r="http://schemas.openxmlformats.org/officeDocument/2006/relationships" xmlns:p="http://schemas.openxmlformats.org/presentationml/2006/main">
+  <p:tag name="OUTPUTDPI" val="1200"/>
+  <p:tag name="ORIGINALHEIGHT" val="129.7338"/>
+  <p:tag name="ORIGINALWIDTH" val="775.4031"/>
+  <p:tag name="LATEXADDIN" val="&#10;&#10;\documentclass{article}&#10;\usepackage{amsmath}&#10;\usepackage{amsfonts}&#10;\usepackage{amssymb}&#10;\pagestyle{empty}&#10;\usepackage{xcolor}&#10;\usepackage{empheq}&#10;\begin{document}&#10;$p^{k}+1&gt;1+1$&#10;\end{document}"/>
+  <p:tag name="IGUANATEXSIZE" val="18"/>
+  <p:tag name="IGUANATEXCURSOR" val="174"/>
+  <p:tag name="TRANSPARENCY" val="False"/>
+  <p:tag name="LATEXENGINEID" val="0"/>
+  <p:tag name="TEMPFOLDER" val="C:\Users\cosA\OneDrive\Documents\temp\"/>
+  <p:tag name="LATEXFORMHEIGHT" val="312"/>
+  <p:tag name="LATEXFORMWIDTH" val="384"/>
+  <p:tag name="LATEXFORMWRAP" val="True"/>
+  <p:tag name="BITMAPVECTOR" val="0"/>
+</p:tagLst>
+</file>
+
+<file path=ppt/tags/tag139.xml><?xml version="1.0" encoding="utf-8"?>
+<p:tagLst xmlns:a="http://schemas.openxmlformats.org/drawingml/2006/main" xmlns:r="http://schemas.openxmlformats.org/officeDocument/2006/relationships" xmlns:p="http://schemas.openxmlformats.org/presentationml/2006/main">
+  <p:tag name="OUTPUTDPI" val="1200"/>
+  <p:tag name="ORIGINALHEIGHT" val="129.7338"/>
+  <p:tag name="ORIGINALWIDTH" val="550.4312"/>
+  <p:tag name="LATEXADDIN" val="&#10;&#10;\documentclass{article}&#10;\usepackage{amsmath}&#10;\usepackage{amsfonts}&#10;\usepackage{amssymb}&#10;\pagestyle{empty}&#10;\usepackage{xcolor}&#10;\usepackage{empheq}&#10;\begin{document}&#10;$1+p^{k}&gt;2$&#10;\end{document}"/>
+  <p:tag name="IGUANATEXSIZE" val="18"/>
+  <p:tag name="IGUANATEXCURSOR" val="168"/>
+  <p:tag name="TRANSPARENCY" val="False"/>
+  <p:tag name="LATEXENGINEID" val="0"/>
+  <p:tag name="TEMPFOLDER" val="C:\Users\cosA\OneDrive\Documents\temp\"/>
+  <p:tag name="LATEXFORMHEIGHT" val="312"/>
+  <p:tag name="LATEXFORMWIDTH" val="384"/>
+  <p:tag name="LATEXFORMWRAP" val="True"/>
+  <p:tag name="BITMAPVECTOR" val="0"/>
+</p:tagLst>
+</file>
+
+<file path=ppt/tags/tag14.xml><?xml version="1.0" encoding="utf-8"?>
+<p:tagLst xmlns:a="http://schemas.openxmlformats.org/drawingml/2006/main" xmlns:r="http://schemas.openxmlformats.org/officeDocument/2006/relationships" xmlns:p="http://schemas.openxmlformats.org/presentationml/2006/main">
+  <p:tag name="OUTPUTDPI" val="1200"/>
+  <p:tag name="ORIGINALHEIGHT" val="87.73905"/>
+  <p:tag name="ORIGINALWIDTH" val="46.49417"/>
+  <p:tag name="LATEXADDIN" val="\documentclass{article}&#10;\usepackage{amsmath}&#10;\pagestyle{empty}&#10;\usepackage{xcolor}&#10;\usepackage{empheq}&#10;\begin{document}&#10;$b$&#10;\end{document}"/>
+  <p:tag name="IGUANATEXSIZE" val="18"/>
+  <p:tag name="IGUANATEXCURSOR" val="122"/>
+  <p:tag name="TRANSPARENCY" val="False"/>
+  <p:tag name="LATEXENGINEID" val="0"/>
+  <p:tag name="TEMPFOLDER" val="C:\Users\cosA\OneDrive\Documents\temp\"/>
+  <p:tag name="LATEXFORMHEIGHT" val="312"/>
+  <p:tag name="LATEXFORMWIDTH" val="384"/>
+  <p:tag name="LATEXFORMWRAP" val="True"/>
+  <p:tag name="BITMAPVECTOR" val="0"/>
+</p:tagLst>
+</file>
+
+<file path=ppt/tags/tag140.xml><?xml version="1.0" encoding="utf-8"?>
+<p:tagLst xmlns:a="http://schemas.openxmlformats.org/drawingml/2006/main" xmlns:r="http://schemas.openxmlformats.org/officeDocument/2006/relationships" xmlns:p="http://schemas.openxmlformats.org/presentationml/2006/main">
+  <p:tag name="OUTPUTDPI" val="1200"/>
+  <p:tag name="ORIGINALHEIGHT" val="129.7338"/>
+  <p:tag name="ORIGINALWIDTH" val="938.1328"/>
+  <p:tag name="LATEXADDIN" val="&#10;&#10;\documentclass{article}&#10;\usepackage{amsmath}&#10;\usepackage{amsfonts}&#10;\usepackage{amssymb}&#10;\pagestyle{empty}&#10;\usepackage{xcolor}&#10;\usepackage{empheq}&#10;\begin{document}&#10;${\color{red}2^{x-2}=}1+p^{k}&gt;2$&#10;\end{document}"/>
+  <p:tag name="IGUANATEXSIZE" val="18"/>
+  <p:tag name="IGUANATEXCURSOR" val="187"/>
+  <p:tag name="TRANSPARENCY" val="False"/>
+  <p:tag name="LATEXENGINEID" val="0"/>
+  <p:tag name="TEMPFOLDER" val="C:\Users\cosA\OneDrive\Documents\temp\"/>
+  <p:tag name="LATEXFORMHEIGHT" val="312"/>
+  <p:tag name="LATEXFORMWIDTH" val="384"/>
+  <p:tag name="LATEXFORMWRAP" val="True"/>
+  <p:tag name="BITMAPVECTOR" val="0"/>
+</p:tagLst>
+</file>
+
+<file path=ppt/tags/tag141.xml><?xml version="1.0" encoding="utf-8"?>
+<p:tagLst xmlns:a="http://schemas.openxmlformats.org/drawingml/2006/main" xmlns:r="http://schemas.openxmlformats.org/officeDocument/2006/relationships" xmlns:p="http://schemas.openxmlformats.org/presentationml/2006/main">
+  <p:tag name="OUTPUTDPI" val="1200"/>
+  <p:tag name="ORIGINALHEIGHT" val="129.7338"/>
+  <p:tag name="ORIGINALWIDTH" val="734.9081"/>
+  <p:tag name="LATEXADDIN" val="\documentclass{article}&#10;\usepackage{amsmath}&#10;\pagestyle{empty}&#10;\usepackage{xcolor}&#10;\usepackage{empheq}&#10;\begin{document}&#10;$ 1  =2^{x-2}-p^{k} $&#10;\end{document}"/>
+  <p:tag name="IGUANATEXSIZE" val="18"/>
+  <p:tag name="IGUANATEXCURSOR" val="122"/>
+  <p:tag name="TRANSPARENCY" val="False"/>
+  <p:tag name="LATEXENGINEID" val="0"/>
+  <p:tag name="TEMPFOLDER" val="C:\Users\cosA\OneDrive\Documents\temp\"/>
+  <p:tag name="LATEXFORMHEIGHT" val="312"/>
+  <p:tag name="LATEXFORMWIDTH" val="384"/>
+  <p:tag name="LATEXFORMWRAP" val="True"/>
+  <p:tag name="BITMAPVECTOR" val="0"/>
+</p:tagLst>
+</file>
+
+<file path=ppt/tags/tag142.xml><?xml version="1.0" encoding="utf-8"?>
+<p:tagLst xmlns:a="http://schemas.openxmlformats.org/drawingml/2006/main" xmlns:r="http://schemas.openxmlformats.org/officeDocument/2006/relationships" xmlns:p="http://schemas.openxmlformats.org/presentationml/2006/main">
+  <p:tag name="OUTPUTDPI" val="1200"/>
+  <p:tag name="ORIGINALHEIGHT" val="125.2343"/>
+  <p:tag name="ORIGINALWIDTH" val="134.9832"/>
+  <p:tag name="LATEXADDIN" val="\documentclass{article}&#10;\usepackage{amsmath}&#10;\pagestyle{empty}&#10;\usepackage{xcolor}&#10;\usepackage{empheq}&#10;\begin{document}&#10;${\color{red}\left ( 5 \right )}$&#10;\end{document}"/>
+  <p:tag name="IGUANATEXSIZE" val="18"/>
+  <p:tag name="IGUANATEXCURSOR" val="142"/>
+  <p:tag name="TRANSPARENCY" val="False"/>
+  <p:tag name="LATEXENGINEID" val="0"/>
+  <p:tag name="TEMPFOLDER" val="C:\Users\cosA\OneDrive\Documents\temp\"/>
+  <p:tag name="LATEXFORMHEIGHT" val="312"/>
+  <p:tag name="LATEXFORMWIDTH" val="384"/>
+  <p:tag name="LATEXFORMWRAP" val="True"/>
+  <p:tag name="BITMAPVECTOR" val="0"/>
+</p:tagLst>
+</file>
+
+<file path=ppt/tags/tag143.xml><?xml version="1.0" encoding="utf-8"?>
+<p:tagLst xmlns:a="http://schemas.openxmlformats.org/drawingml/2006/main" xmlns:r="http://schemas.openxmlformats.org/officeDocument/2006/relationships" xmlns:p="http://schemas.openxmlformats.org/presentationml/2006/main">
+  <p:tag name="OUTPUTDPI" val="1200"/>
+  <p:tag name="ORIGINALHEIGHT" val="87.73905"/>
+  <p:tag name="ORIGINALWIDTH" val="290.9636"/>
+  <p:tag name="LATEXADDIN" val="&#10;&#10;\documentclass{article}&#10;\usepackage{amsmath}&#10;\usepackage{amsfonts}&#10;\usepackage{amssymb}&#10;\pagestyle{empty}&#10;\usepackage{xcolor}&#10;\usepackage{empheq}&#10;\begin{document}&#10;$x&gt; 3$&#10;\end{document}"/>
+  <p:tag name="IGUANATEXSIZE" val="18"/>
+  <p:tag name="IGUANATEXCURSOR" val="170"/>
+  <p:tag name="TRANSPARENCY" val="False"/>
+  <p:tag name="LATEXENGINEID" val="0"/>
+  <p:tag name="TEMPFOLDER" val="C:\Users\cosA\OneDrive\Documents\temp\"/>
+  <p:tag name="LATEXFORMHEIGHT" val="312"/>
+  <p:tag name="LATEXFORMWIDTH" val="384"/>
+  <p:tag name="LATEXFORMWRAP" val="True"/>
+  <p:tag name="BITMAPVECTOR" val="0"/>
+</p:tagLst>
+</file>
+
+<file path=ppt/tags/tag144.xml><?xml version="1.0" encoding="utf-8"?>
+<p:tagLst xmlns:a="http://schemas.openxmlformats.org/drawingml/2006/main" xmlns:r="http://schemas.openxmlformats.org/officeDocument/2006/relationships" xmlns:p="http://schemas.openxmlformats.org/presentationml/2006/main">
+  <p:tag name="OUTPUTDPI" val="1200"/>
+  <p:tag name="ORIGINALHEIGHT" val="125.2343"/>
+  <p:tag name="ORIGINALWIDTH" val="1100.112"/>
+  <p:tag name="LATEXADDIN" val="&#10;&#10;\documentclass{article}&#10;\usepackage{amsmath}&#10;\usepackage{amsfonts}&#10;\usepackage{amssymb}&#10;\pagestyle{empty}&#10;\usepackage{xcolor}&#10;\usepackage{empheq}&#10;\begin{document}&#10;$x+(-2)&gt; 3+(-2)$&#10;\end{document}"/>
+  <p:tag name="IGUANATEXSIZE" val="18"/>
+  <p:tag name="IGUANATEXCURSOR" val="179"/>
+  <p:tag name="TRANSPARENCY" val="False"/>
+  <p:tag name="LATEXENGINEID" val="0"/>
+  <p:tag name="TEMPFOLDER" val="C:\Users\cosA\OneDrive\Documents\temp\"/>
+  <p:tag name="LATEXFORMHEIGHT" val="312"/>
+  <p:tag name="LATEXFORMWIDTH" val="384"/>
+  <p:tag name="LATEXFORMWRAP" val="True"/>
+  <p:tag name="BITMAPVECTOR" val="0"/>
+</p:tagLst>
+</file>
+
+<file path=ppt/tags/tag145.xml><?xml version="1.0" encoding="utf-8"?>
+<p:tagLst xmlns:a="http://schemas.openxmlformats.org/drawingml/2006/main" xmlns:r="http://schemas.openxmlformats.org/officeDocument/2006/relationships" xmlns:p="http://schemas.openxmlformats.org/presentationml/2006/main">
+  <p:tag name="OUTPUTDPI" val="1200"/>
+  <p:tag name="ORIGINALHEIGHT" val="87.73905"/>
+  <p:tag name="ORIGINALWIDTH" val="500.9374"/>
+  <p:tag name="LATEXADDIN" val="&#10;&#10;\documentclass{article}&#10;\usepackage{amsmath}&#10;\usepackage{amsfonts}&#10;\usepackage{amssymb}&#10;\pagestyle{empty}&#10;\usepackage{xcolor}&#10;\usepackage{empheq}&#10;\begin{document}&#10;$x-2&gt;1$&#10;\end{document}"/>
+  <p:tag name="IGUANATEXSIZE" val="18"/>
+  <p:tag name="IGUANATEXCURSOR" val="171"/>
+  <p:tag name="TRANSPARENCY" val="False"/>
+  <p:tag name="LATEXENGINEID" val="0"/>
+  <p:tag name="TEMPFOLDER" val="C:\Users\cosA\OneDrive\Documents\temp\"/>
+  <p:tag name="LATEXFORMHEIGHT" val="312"/>
+  <p:tag name="LATEXFORMWIDTH" val="384"/>
+  <p:tag name="LATEXFORMWRAP" val="True"/>
+  <p:tag name="BITMAPVECTOR" val="0"/>
+</p:tagLst>
+</file>
+
+<file path=ppt/tags/tag146.xml><?xml version="1.0" encoding="utf-8"?>
+<p:tagLst xmlns:a="http://schemas.openxmlformats.org/drawingml/2006/main" xmlns:r="http://schemas.openxmlformats.org/officeDocument/2006/relationships" xmlns:p="http://schemas.openxmlformats.org/presentationml/2006/main">
+  <p:tag name="OUTPUTDPI" val="1200"/>
+  <p:tag name="ORIGINALHEIGHT" val="87.73905"/>
+  <p:tag name="ORIGINALWIDTH" val="275.2156"/>
+  <p:tag name="LATEXADDIN" val="&#10;&#10;\documentclass{article}&#10;\usepackage{amsmath}&#10;\usepackage{amsfonts}&#10;\usepackage{amssymb}&#10;\pagestyle{empty}&#10;\usepackage{xcolor}&#10;\usepackage{empheq}&#10;\begin{document}&#10;$2&gt; 1$&#10;\end{document}"/>
+  <p:tag name="IGUANATEXSIZE" val="18"/>
+  <p:tag name="IGUANATEXCURSOR" val="167"/>
+  <p:tag name="TRANSPARENCY" val="False"/>
+  <p:tag name="LATEXENGINEID" val="0"/>
+  <p:tag name="TEMPFOLDER" val="C:\Users\cosA\OneDrive\Documents\temp\"/>
+  <p:tag name="LATEXFORMHEIGHT" val="312"/>
+  <p:tag name="LATEXFORMWIDTH" val="384"/>
+  <p:tag name="LATEXFORMWRAP" val="True"/>
+  <p:tag name="BITMAPVECTOR" val="0"/>
+</p:tagLst>
+</file>
+
+<file path=ppt/tags/tag147.xml><?xml version="1.0" encoding="utf-8"?>
+<p:tagLst xmlns:a="http://schemas.openxmlformats.org/drawingml/2006/main" xmlns:r="http://schemas.openxmlformats.org/officeDocument/2006/relationships" xmlns:p="http://schemas.openxmlformats.org/presentationml/2006/main">
+  <p:tag name="OUTPUTDPI" val="1200"/>
+  <p:tag name="ORIGINALHEIGHT" val="106.4867"/>
+  <p:tag name="ORIGINALWIDTH" val="285.7143"/>
+  <p:tag name="LATEXADDIN" val="&#10;&#10;\documentclass{article}&#10;\usepackage{amsmath}&#10;\usepackage{amsfonts}&#10;\usepackage{amssymb}&#10;\pagestyle{empty}&#10;\usepackage{xcolor}&#10;\usepackage{empheq}&#10;\begin{document}&#10;$p&gt; 1$&#10;\end{document}"/>
+  <p:tag name="IGUANATEXSIZE" val="18"/>
+  <p:tag name="IGUANATEXCURSOR" val="167"/>
+  <p:tag name="TRANSPARENCY" val="False"/>
+  <p:tag name="LATEXENGINEID" val="0"/>
+  <p:tag name="TEMPFOLDER" val="C:\Users\cosA\OneDrive\Documents\temp\"/>
+  <p:tag name="LATEXFORMHEIGHT" val="312"/>
+  <p:tag name="LATEXFORMWIDTH" val="384"/>
+  <p:tag name="LATEXFORMWRAP" val="True"/>
+  <p:tag name="BITMAPVECTOR" val="0"/>
+</p:tagLst>
+</file>
+
+<file path=ppt/tags/tag148.xml><?xml version="1.0" encoding="utf-8"?>
+<p:tagLst xmlns:a="http://schemas.openxmlformats.org/drawingml/2006/main" xmlns:r="http://schemas.openxmlformats.org/officeDocument/2006/relationships" xmlns:p="http://schemas.openxmlformats.org/presentationml/2006/main">
+  <p:tag name="OUTPUTDPI" val="1200"/>
+  <p:tag name="ORIGINALHEIGHT" val="87.73905"/>
+  <p:tag name="ORIGINALWIDTH" val="280.465"/>
+  <p:tag name="LATEXADDIN" val="\documentclass{article}&#10;\usepackage{amsmath}&#10;\pagestyle{empty}&#10;\usepackage{xcolor}&#10;\usepackage{empheq}&#10;\begin{document}&#10;$k= 1$&#10;\end{document}"/>
+  <p:tag name="IGUANATEXSIZE" val="31"/>
+  <p:tag name="IGUANATEXCURSOR" val="123"/>
+  <p:tag name="TRANSPARENCY" val="False"/>
+  <p:tag name="LATEXENGINEID" val="0"/>
+  <p:tag name="TEMPFOLDER" val="C:\Users\cosA\OneDrive\Documents\temp\"/>
+  <p:tag name="LATEXFORMHEIGHT" val="312"/>
+  <p:tag name="LATEXFORMWIDTH" val="384"/>
+  <p:tag name="LATEXFORMWRAP" val="True"/>
+  <p:tag name="BITMAPVECTOR" val="0"/>
+</p:tagLst>
+</file>
+
+<file path=ppt/tags/tag149.xml><?xml version="1.0" encoding="utf-8"?>
+<p:tagLst xmlns:a="http://schemas.openxmlformats.org/drawingml/2006/main" xmlns:r="http://schemas.openxmlformats.org/officeDocument/2006/relationships" xmlns:p="http://schemas.openxmlformats.org/presentationml/2006/main">
+  <p:tag name="OUTPUTDPI" val="1200"/>
+  <p:tag name="ORIGINALHEIGHT" val="126.7342"/>
+  <p:tag name="ORIGINALWIDTH" val="683.9145"/>
+  <p:tag name="LATEXADDIN" val="\documentclass{article}&#10;\usepackage{amsmath}&#10;\pagestyle{empty}&#10;\usepackage{xcolor}&#10;\usepackage{empheq}&#10;\begin{document}&#10;$ 1  =2^{x-2}-p $&#10;\end{document}"/>
+  <p:tag name="IGUANATEXSIZE" val="18"/>
+  <p:tag name="IGUANATEXCURSOR" val="122"/>
+  <p:tag name="TRANSPARENCY" val="False"/>
+  <p:tag name="LATEXENGINEID" val="0"/>
+  <p:tag name="TEMPFOLDER" val="C:\Users\cosA\OneDrive\Documents\temp\"/>
+  <p:tag name="LATEXFORMHEIGHT" val="312"/>
+  <p:tag name="LATEXFORMWIDTH" val="384"/>
+  <p:tag name="LATEXFORMWRAP" val="True"/>
+  <p:tag name="BITMAPVECTOR" val="0"/>
+</p:tagLst>
+</file>
+
+<file path=ppt/tags/tag15.xml><?xml version="1.0" encoding="utf-8"?>
+<p:tagLst xmlns:a="http://schemas.openxmlformats.org/drawingml/2006/main" xmlns:r="http://schemas.openxmlformats.org/officeDocument/2006/relationships" xmlns:p="http://schemas.openxmlformats.org/presentationml/2006/main">
+  <p:tag name="OUTPUTDPI" val="1200"/>
+  <p:tag name="ORIGINALHEIGHT" val="56.24299"/>
+  <p:tag name="ORIGINALWIDTH" val="68.24149"/>
+  <p:tag name="LATEXADDIN" val="\documentclass{article}&#10;\usepackage{amsmath}&#10;\pagestyle{empty}&#10;\usepackage{xcolor}&#10;\usepackage{empheq}&#10;\begin{document}&#10;$n$&#10;\end{document}"/>
+  <p:tag name="IGUANATEXSIZE" val="18"/>
+  <p:tag name="IGUANATEXCURSOR" val="122"/>
+  <p:tag name="TRANSPARENCY" val="False"/>
+  <p:tag name="LATEXENGINEID" val="0"/>
+  <p:tag name="TEMPFOLDER" val="C:\Users\cosA\OneDrive\Documents\temp\"/>
+  <p:tag name="LATEXFORMHEIGHT" val="312"/>
+  <p:tag name="LATEXFORMWIDTH" val="384"/>
+  <p:tag name="LATEXFORMWRAP" val="True"/>
+  <p:tag name="BITMAPVECTOR" val="0"/>
+</p:tagLst>
+</file>
+
+<file path=ppt/tags/tag150.xml><?xml version="1.0" encoding="utf-8"?>
+<p:tagLst xmlns:a="http://schemas.openxmlformats.org/drawingml/2006/main" xmlns:r="http://schemas.openxmlformats.org/officeDocument/2006/relationships" xmlns:p="http://schemas.openxmlformats.org/presentationml/2006/main">
+  <p:tag name="OUTPUTDPI" val="1200"/>
+  <p:tag name="ORIGINALHEIGHT" val="126.7342"/>
+  <p:tag name="ORIGINALWIDTH" val="673.4158"/>
+  <p:tag name="LATEXADDIN" val="\documentclass{article}&#10;\usepackage{amsmath}&#10;\pagestyle{empty}&#10;\usepackage{xcolor}&#10;\usepackage{empheq}&#10;\begin{document}&#10;$ 1+p=2^{x-2} $&#10;\end{document}"/>
+  <p:tag name="IGUANATEXSIZE" val="18"/>
+  <p:tag name="IGUANATEXCURSOR" val="125"/>
+  <p:tag name="TRANSPARENCY" val="False"/>
+  <p:tag name="LATEXENGINEID" val="0"/>
+  <p:tag name="TEMPFOLDER" val="C:\Users\cosA\OneDrive\Documents\temp\"/>
+  <p:tag name="LATEXFORMHEIGHT" val="312"/>
+  <p:tag name="LATEXFORMWIDTH" val="384"/>
+  <p:tag name="LATEXFORMWRAP" val="True"/>
+  <p:tag name="BITMAPVECTOR" val="0"/>
+</p:tagLst>
+</file>
+
+<file path=ppt/tags/tag151.xml><?xml version="1.0" encoding="utf-8"?>
+<p:tagLst xmlns:a="http://schemas.openxmlformats.org/drawingml/2006/main" xmlns:r="http://schemas.openxmlformats.org/officeDocument/2006/relationships" xmlns:p="http://schemas.openxmlformats.org/presentationml/2006/main">
+  <p:tag name="OUTPUTDPI" val="1200"/>
+  <p:tag name="ORIGINALHEIGHT" val="134.2332"/>
+  <p:tag name="ORIGINALWIDTH" val="854.8931"/>
+  <p:tag name="LATEXADDIN" val="\documentclass{article}&#10;\usepackage{amsmath}&#10;\pagestyle{empty}&#10;\usepackage{xcolor}&#10;\usepackage{empheq}&#10;\begin{document}&#10;$ 2^{2}\cdot \left ( 1+p \right )=2^{x} $&#10;\end{document}"/>
+  <p:tag name="IGUANATEXSIZE" val="18"/>
+  <p:tag name="IGUANATEXCURSOR" val="159"/>
+  <p:tag name="TRANSPARENCY" val="False"/>
+  <p:tag name="LATEXENGINEID" val="0"/>
+  <p:tag name="TEMPFOLDER" val="C:\Users\cosA\OneDrive\Documents\temp\"/>
+  <p:tag name="LATEXFORMHEIGHT" val="312"/>
+  <p:tag name="LATEXFORMWIDTH" val="384"/>
+  <p:tag name="LATEXFORMWRAP" val="True"/>
+  <p:tag name="BITMAPVECTOR" val="0"/>
+</p:tagLst>
+</file>
+
+<file path=ppt/tags/tag152.xml><?xml version="1.0" encoding="utf-8"?>
+<p:tagLst xmlns:a="http://schemas.openxmlformats.org/drawingml/2006/main" xmlns:r="http://schemas.openxmlformats.org/officeDocument/2006/relationships" xmlns:p="http://schemas.openxmlformats.org/presentationml/2006/main">
+  <p:tag name="OUTPUTDPI" val="1200"/>
+  <p:tag name="ORIGINALHEIGHT" val="134.2332"/>
+  <p:tag name="ORIGINALWIDTH" val="1331.833"/>
+  <p:tag name="LATEXADDIN" val="\documentclass{article}&#10;\usepackage{amsmath}&#10;\pagestyle{empty}&#10;\usepackage{xcolor}&#10;\usepackage{empheq}&#10;\begin{document}&#10;$ \log _{2}2^{2}\cdot \left ( 1+p \right )=\log _{2}2^{x} $&#10;\end{document}"/>
+  <p:tag name="IGUANATEXSIZE" val="18"/>
+  <p:tag name="IGUANATEXCURSOR" val="177"/>
+  <p:tag name="TRANSPARENCY" val="False"/>
+  <p:tag name="LATEXENGINEID" val="0"/>
+  <p:tag name="TEMPFOLDER" val="C:\Users\cosA\OneDrive\Documents\temp\"/>
+  <p:tag name="LATEXFORMHEIGHT" val="312"/>
+  <p:tag name="LATEXFORMWIDTH" val="384"/>
+  <p:tag name="LATEXFORMWRAP" val="True"/>
+  <p:tag name="BITMAPVECTOR" val="0"/>
+</p:tagLst>
+</file>
+
+<file path=ppt/tags/tag153.xml><?xml version="1.0" encoding="utf-8"?>
+<p:tagLst xmlns:a="http://schemas.openxmlformats.org/drawingml/2006/main" xmlns:r="http://schemas.openxmlformats.org/officeDocument/2006/relationships" xmlns:p="http://schemas.openxmlformats.org/presentationml/2006/main">
+  <p:tag name="OUTPUTDPI" val="1200"/>
+  <p:tag name="ORIGINALHEIGHT" val="125.2343"/>
+  <p:tag name="ORIGINALWIDTH" val="1051.369"/>
+  <p:tag name="LATEXADDIN" val="\documentclass{article}&#10;\usepackage{amsmath}&#10;\pagestyle{empty}&#10;\usepackage{xcolor}&#10;\usepackage{empheq}&#10;\begin{document}&#10;$ 2+\log _{2} \left ( 1+p \right )=x $&#10;\end{document}"/>
+  <p:tag name="IGUANATEXSIZE" val="18"/>
+  <p:tag name="IGUANATEXCURSOR" val="156"/>
+  <p:tag name="TRANSPARENCY" val="False"/>
+  <p:tag name="LATEXENGINEID" val="0"/>
+  <p:tag name="TEMPFOLDER" val="C:\Users\cosA\OneDrive\Documents\temp\"/>
+  <p:tag name="LATEXFORMHEIGHT" val="312"/>
+  <p:tag name="LATEXFORMWIDTH" val="384"/>
+  <p:tag name="LATEXFORMWRAP" val="True"/>
+  <p:tag name="BITMAPVECTOR" val="0"/>
+</p:tagLst>
+</file>
+
+<file path=ppt/tags/tag154.xml><?xml version="1.0" encoding="utf-8"?>
+<p:tagLst xmlns:a="http://schemas.openxmlformats.org/drawingml/2006/main" xmlns:r="http://schemas.openxmlformats.org/officeDocument/2006/relationships" xmlns:p="http://schemas.openxmlformats.org/presentationml/2006/main">
+  <p:tag name="OUTPUTDPI" val="1200"/>
+  <p:tag name="ORIGINALHEIGHT" val="125.2343"/>
+  <p:tag name="ORIGINALWIDTH" val="1047.619"/>
+  <p:tag name="LATEXADDIN" val="\documentclass{article}&#10;\usepackage{amsmath}&#10;\pagestyle{empty}&#10;\usepackage{xcolor}&#10;\usepackage{empheq}&#10;\begin{document}&#10;$x= 2+\log _{2} \left ( 1+p \right ) $&#10;\end{document}"/>
+  <p:tag name="IGUANATEXSIZE" val="18"/>
+  <p:tag name="IGUANATEXCURSOR" val="123"/>
+  <p:tag name="TRANSPARENCY" val="False"/>
+  <p:tag name="LATEXENGINEID" val="0"/>
+  <p:tag name="TEMPFOLDER" val="C:\Users\cosA\OneDrive\Documents\temp\"/>
+  <p:tag name="LATEXFORMHEIGHT" val="312"/>
+  <p:tag name="LATEXFORMWIDTH" val="384"/>
+  <p:tag name="LATEXFORMWRAP" val="True"/>
+  <p:tag name="BITMAPVECTOR" val="0"/>
+</p:tagLst>
+</file>
+
+<file path=ppt/tags/tag155.xml><?xml version="1.0" encoding="utf-8"?>
+<p:tagLst xmlns:a="http://schemas.openxmlformats.org/drawingml/2006/main" xmlns:r="http://schemas.openxmlformats.org/officeDocument/2006/relationships" xmlns:p="http://schemas.openxmlformats.org/presentationml/2006/main">
+  <p:tag name="OUTPUTDPI" val="1200"/>
+  <p:tag name="ORIGINALHEIGHT" val="125.2343"/>
+  <p:tag name="ORIGINALWIDTH" val="839.1451"/>
+  <p:tag name="LATEXADDIN" val="\documentclass{article}&#10;\usepackage{amsmath}&#10;\usepackage{amsfonts}&#10;\pagestyle{empty}&#10;\usepackage{xcolor}&#10;\usepackage{empheq}&#10;\begin{document}&#10;$\log _{2} \left ( 1+p \right ) \in \mathbb{Z}$&#10;\end{document}"/>
+  <p:tag name="IGUANATEXSIZE" val="18"/>
+  <p:tag name="IGUANATEXCURSOR" val="188"/>
+  <p:tag name="TRANSPARENCY" val="False"/>
+  <p:tag name="LATEXENGINEID" val="0"/>
+  <p:tag name="TEMPFOLDER" val="C:\Users\cosA\OneDrive\Documents\temp\"/>
+  <p:tag name="LATEXFORMHEIGHT" val="312"/>
+  <p:tag name="LATEXFORMWIDTH" val="384"/>
+  <p:tag name="LATEXFORMWRAP" val="True"/>
+  <p:tag name="BITMAPVECTOR" val="0"/>
+</p:tagLst>
+</file>
+
+<file path=ppt/tags/tag156.xml><?xml version="1.0" encoding="utf-8"?>
+<p:tagLst xmlns:a="http://schemas.openxmlformats.org/drawingml/2006/main" xmlns:r="http://schemas.openxmlformats.org/officeDocument/2006/relationships" xmlns:p="http://schemas.openxmlformats.org/presentationml/2006/main">
+  <p:tag name="OUTPUTDPI" val="1200"/>
+  <p:tag name="ORIGINALHEIGHT" val="125.2343"/>
+  <p:tag name="ORIGINALWIDTH" val="134.9832"/>
+  <p:tag name="LATEXADDIN" val="\documentclass{article}&#10;\usepackage{amsmath}&#10;\pagestyle{empty}&#10;\usepackage{xcolor}&#10;\usepackage{empheq}&#10;\begin{document}&#10;${\color{red}\left ( 1 \right )}$&#10;\end{document}"/>
+  <p:tag name="IGUANATEXSIZE" val="18"/>
+  <p:tag name="IGUANATEXCURSOR" val="152"/>
+  <p:tag name="TRANSPARENCY" val="False"/>
+  <p:tag name="LATEXENGINEID" val="0"/>
+  <p:tag name="TEMPFOLDER" val="C:\Users\cosA\OneDrive\Documents\temp\"/>
+  <p:tag name="LATEXFORMHEIGHT" val="312"/>
+  <p:tag name="LATEXFORMWIDTH" val="384"/>
+  <p:tag name="LATEXFORMWRAP" val="True"/>
+  <p:tag name="BITMAPVECTOR" val="0"/>
+</p:tagLst>
+</file>
+
+<file path=ppt/tags/tag157.xml><?xml version="1.0" encoding="utf-8"?>
+<p:tagLst xmlns:a="http://schemas.openxmlformats.org/drawingml/2006/main" xmlns:r="http://schemas.openxmlformats.org/officeDocument/2006/relationships" xmlns:p="http://schemas.openxmlformats.org/presentationml/2006/main">
+  <p:tag name="OUTPUTDPI" val="1200"/>
+  <p:tag name="ORIGINALHEIGHT" val="125.2343"/>
+  <p:tag name="ORIGINALWIDTH" val="2178.478"/>
+  <p:tag name="LATEXADDIN" val="\documentclass{article}&#10;\usepackage{amsmath}&#10;\pagestyle{empty}&#10;\usepackage{xcolor}&#10;\usepackage{empheq}&#10;\begin{document}&#10;$\left ( x,p,y,z \right )=\left (2+\log _{2} \left ( 1+p \right ),p,2,p+2  \right ) $&#10;\end{document}"/>
+  <p:tag name="IGUANATEXSIZE" val="18"/>
+  <p:tag name="IGUANATEXCURSOR" val="203"/>
+  <p:tag name="TRANSPARENCY" val="False"/>
+  <p:tag name="LATEXENGINEID" val="0"/>
+  <p:tag name="TEMPFOLDER" val="C:\Users\cosA\OneDrive\Documents\temp\"/>
+  <p:tag name="LATEXFORMHEIGHT" val="312"/>
+  <p:tag name="LATEXFORMWIDTH" val="384"/>
+  <p:tag name="LATEXFORMWRAP" val="True"/>
+  <p:tag name="BITMAPVECTOR" val="0"/>
+</p:tagLst>
+</file>
+
+<file path=ppt/tags/tag158.xml><?xml version="1.0" encoding="utf-8"?>
+<p:tagLst xmlns:a="http://schemas.openxmlformats.org/drawingml/2006/main" xmlns:r="http://schemas.openxmlformats.org/officeDocument/2006/relationships" xmlns:p="http://schemas.openxmlformats.org/presentationml/2006/main">
+  <p:tag name="OUTPUTDPI" val="1200"/>
+  <p:tag name="ORIGINALHEIGHT" val="107.9865"/>
+  <p:tag name="ORIGINALWIDTH" val="281.2149"/>
+  <p:tag name="LATEXADDIN" val="&#10;&#10;\documentclass{article}&#10;\usepackage{amsmath}&#10;\usepackage{amsfonts}&#10;\usepackage{amssymb}&#10;\pagestyle{empty}&#10;\usepackage{xcolor}&#10;\usepackage{empheq}&#10;\begin{document}&#10;$y\geq 1 $&#10;\end{document}"/>
+  <p:tag name="IGUANATEXSIZE" val="18"/>
+  <p:tag name="IGUANATEXCURSOR" val="174"/>
+  <p:tag name="TRANSPARENCY" val="False"/>
+  <p:tag name="LATEXENGINEID" val="0"/>
+  <p:tag name="TEMPFOLDER" val="C:\Users\cosA\OneDrive\Documents\temp\"/>
+  <p:tag name="LATEXFORMHEIGHT" val="312"/>
+  <p:tag name="LATEXFORMWIDTH" val="384"/>
+  <p:tag name="LATEXFORMWRAP" val="True"/>
+  <p:tag name="BITMAPVECTOR" val="0"/>
+</p:tagLst>
+</file>
+
+<file path=ppt/tags/tag159.xml><?xml version="1.0" encoding="utf-8"?>
+<p:tagLst xmlns:a="http://schemas.openxmlformats.org/drawingml/2006/main" xmlns:r="http://schemas.openxmlformats.org/officeDocument/2006/relationships" xmlns:p="http://schemas.openxmlformats.org/presentationml/2006/main">
+  <p:tag name="OUTPUTDPI" val="1200"/>
+  <p:tag name="ORIGINALHEIGHT" val="116.2354"/>
+  <p:tag name="ORIGINALWIDTH" val="291.7135"/>
+  <p:tag name="LATEXADDIN" val="\documentclass{article}&#10;\usepackage{amsmath}&#10;\pagestyle{empty}&#10;\usepackage{xcolor}&#10;\usepackage{empheq}&#10;\begin{document}&#10;$x\neq 0$&#10;\end{document}"/>
+  <p:tag name="IGUANATEXSIZE" val="18"/>
+  <p:tag name="IGUANATEXCURSOR" val="128"/>
+  <p:tag name="TRANSPARENCY" val="False"/>
+  <p:tag name="LATEXENGINEID" val="0"/>
+  <p:tag name="TEMPFOLDER" val="C:\Users\cosA\OneDrive\Documents\temp\"/>
+  <p:tag name="LATEXFORMHEIGHT" val="312"/>
+  <p:tag name="LATEXFORMWIDTH" val="384"/>
+  <p:tag name="LATEXFORMWRAP" val="True"/>
+  <p:tag name="BITMAPVECTOR" val="0"/>
+</p:tagLst>
+</file>
+
+<file path=ppt/tags/tag16.xml><?xml version="1.0" encoding="utf-8"?>
+<p:tagLst xmlns:a="http://schemas.openxmlformats.org/drawingml/2006/main" xmlns:r="http://schemas.openxmlformats.org/officeDocument/2006/relationships" xmlns:p="http://schemas.openxmlformats.org/presentationml/2006/main">
+  <p:tag name="OUTPUTDPI" val="1200"/>
+  <p:tag name="ORIGINALHEIGHT" val="125.2343"/>
+  <p:tag name="ORIGINALWIDTH" val="824.147"/>
+  <p:tag name="LATEXADDIN" val="\documentclass{article}&#10;\usepackage{amsmath}&#10;\pagestyle{empty}&#10;\usepackage{xcolor}&#10;\usepackage{empheq}&#10;\begin{document}&#10;$a\equiv b\left ( \mod n \right )$&#10;\end{document}"/>
+  <p:tag name="IGUANATEXSIZE" val="18"/>
+  <p:tag name="IGUANATEXCURSOR" val="143"/>
+  <p:tag name="TRANSPARENCY" val="False"/>
+  <p:tag name="LATEXENGINEID" val="0"/>
+  <p:tag name="TEMPFOLDER" val="C:\Users\cosA\OneDrive\Documents\temp\"/>
+  <p:tag name="LATEXFORMHEIGHT" val="312"/>
+  <p:tag name="LATEXFORMWIDTH" val="384"/>
+  <p:tag name="LATEXFORMWRAP" val="True"/>
+  <p:tag name="BITMAPVECTOR" val="0"/>
+</p:tagLst>
+</file>
+
+<file path=ppt/tags/tag160.xml><?xml version="1.0" encoding="utf-8"?>
+<p:tagLst xmlns:a="http://schemas.openxmlformats.org/drawingml/2006/main" xmlns:r="http://schemas.openxmlformats.org/officeDocument/2006/relationships" xmlns:p="http://schemas.openxmlformats.org/presentationml/2006/main">
+  <p:tag name="OUTPUTDPI" val="1200"/>
+  <p:tag name="ORIGINALHEIGHT" val="116.2354"/>
+  <p:tag name="ORIGINALWIDTH" val="289.4638"/>
+  <p:tag name="LATEXADDIN" val="\documentclass{article}&#10;\usepackage{amsmath}&#10;\usepackage{amssymb}&#10;\pagestyle{empty}&#10;\usepackage{xcolor}&#10;\usepackage{empheq}&#10;\begin{document}&#10;$ p\neq 2$&#10;\end{document}"/>
+  <p:tag name="IGUANATEXSIZE" val="18"/>
+  <p:tag name="IGUANATEXCURSOR" val="150"/>
+  <p:tag name="TRANSPARENCY" val="False"/>
+  <p:tag name="LATEXENGINEID" val="0"/>
+  <p:tag name="TEMPFOLDER" val="C:\Users\cosA\OneDrive\Documents\temp\"/>
+  <p:tag name="LATEXFORMHEIGHT" val="312"/>
+  <p:tag name="LATEXFORMWIDTH" val="384"/>
+  <p:tag name="LATEXFORMWRAP" val="True"/>
+  <p:tag name="BITMAPVECTOR" val="0"/>
+</p:tagLst>
+</file>
+
+<file path=ppt/tags/tag161.xml><?xml version="1.0" encoding="utf-8"?>
+<p:tagLst xmlns:a="http://schemas.openxmlformats.org/drawingml/2006/main" xmlns:r="http://schemas.openxmlformats.org/officeDocument/2006/relationships" xmlns:p="http://schemas.openxmlformats.org/presentationml/2006/main">
+  <p:tag name="OUTPUTDPI" val="1200"/>
+  <p:tag name="ORIGINALHEIGHT" val="56.24299"/>
+  <p:tag name="ORIGINALWIDTH" val="53.24331"/>
+  <p:tag name="LATEXADDIN" val="\documentclass{article}&#10;\usepackage{amsmath}&#10;\pagestyle{empty}&#10;\usepackage{xcolor}&#10;\usepackage{empheq}&#10;\begin{document}&#10;$z$&#10;\end{document}"/>
+  <p:tag name="IGUANATEXSIZE" val="31"/>
+  <p:tag name="IGUANATEXCURSOR" val="121"/>
+  <p:tag name="TRANSPARENCY" val="False"/>
+  <p:tag name="LATEXENGINEID" val="0"/>
+  <p:tag name="TEMPFOLDER" val="C:\Users\cosA\OneDrive\Documents\temp\"/>
+  <p:tag name="LATEXFORMHEIGHT" val="312"/>
+  <p:tag name="LATEXFORMWIDTH" val="384"/>
+  <p:tag name="LATEXFORMWRAP" val="True"/>
+  <p:tag name="BITMAPVECTOR" val="0"/>
+</p:tagLst>
+</file>
+
+<file path=ppt/tags/tag162.xml><?xml version="1.0" encoding="utf-8"?>
+<p:tagLst xmlns:a="http://schemas.openxmlformats.org/drawingml/2006/main" xmlns:r="http://schemas.openxmlformats.org/officeDocument/2006/relationships" xmlns:p="http://schemas.openxmlformats.org/presentationml/2006/main">
+  <p:tag name="OUTPUTDPI" val="1200"/>
+  <p:tag name="ORIGINALHEIGHT" val="125.2343"/>
+  <p:tag name="ORIGINALWIDTH" val="134.9832"/>
+  <p:tag name="LATEXADDIN" val="\documentclass{article}&#10;\usepackage{amsmath}&#10;\pagestyle{empty}&#10;\usepackage{xcolor}&#10;\usepackage{empheq}&#10;\begin{document}&#10;${\color{red}\left ( 1 \right )}$&#10;\end{document}"/>
+  <p:tag name="IGUANATEXSIZE" val="18"/>
+  <p:tag name="IGUANATEXCURSOR" val="152"/>
+  <p:tag name="TRANSPARENCY" val="False"/>
+  <p:tag name="LATEXENGINEID" val="0"/>
+  <p:tag name="TEMPFOLDER" val="C:\Users\cosA\OneDrive\Documents\temp\"/>
+  <p:tag name="LATEXFORMHEIGHT" val="312"/>
+  <p:tag name="LATEXFORMWIDTH" val="384"/>
+  <p:tag name="LATEXFORMWRAP" val="True"/>
+  <p:tag name="BITMAPVECTOR" val="0"/>
+</p:tagLst>
+</file>
+
+<file path=ppt/tags/tag163.xml><?xml version="1.0" encoding="utf-8"?>
+<p:tagLst xmlns:a="http://schemas.openxmlformats.org/drawingml/2006/main" xmlns:r="http://schemas.openxmlformats.org/officeDocument/2006/relationships" xmlns:p="http://schemas.openxmlformats.org/presentationml/2006/main">
+  <p:tag name="OUTPUTDPI" val="1200"/>
+  <p:tag name="ORIGINALHEIGHT" val="134.2332"/>
+  <p:tag name="ORIGINALWIDTH" val="267.7165"/>
+  <p:tag name="LATEXADDIN" val="\documentclass{article}&#10;\usepackage{amsmath}&#10;\usepackage{amssymb}&#10;\pagestyle{empty}&#10;\usepackage{xcolor}&#10;\usepackage{empheq}&#10;\begin{document}&#10;$2\nmid z^{2}$&#10;\end{document}"/>
+  <p:tag name="IGUANATEXSIZE" val="18"/>
+  <p:tag name="IGUANATEXCURSOR" val="150"/>
+  <p:tag name="TRANSPARENCY" val="False"/>
+  <p:tag name="LATEXENGINEID" val="0"/>
+  <p:tag name="TEMPFOLDER" val="C:\Users\cosA\OneDrive\Documents\temp\"/>
+  <p:tag name="LATEXFORMHEIGHT" val="312"/>
+  <p:tag name="LATEXFORMWIDTH" val="384"/>
+  <p:tag name="LATEXFORMWRAP" val="True"/>
+  <p:tag name="BITMAPVECTOR" val="0"/>
+</p:tagLst>
+</file>
+
+<file path=ppt/tags/tag164.xml><?xml version="1.0" encoding="utf-8"?>
+<p:tagLst xmlns:a="http://schemas.openxmlformats.org/drawingml/2006/main" xmlns:r="http://schemas.openxmlformats.org/officeDocument/2006/relationships" xmlns:p="http://schemas.openxmlformats.org/presentationml/2006/main">
+  <p:tag name="OUTPUTDPI" val="1200"/>
+  <p:tag name="ORIGINALHEIGHT" val="134.2332"/>
+  <p:tag name="ORIGINALWIDTH" val="872.8909"/>
+  <p:tag name="LATEXADDIN" val="\documentclass{article}&#10;\usepackage{amsmath}&#10;\pagestyle{empty}&#10;\usepackage{xcolor}&#10;\usepackage{empheq}&#10;\begin{document}&#10;$z^{2}\equiv 1\left ( \mod4 \right )$&#10;\end{document}"/>
+  <p:tag name="IGUANATEXSIZE" val="18"/>
+  <p:tag name="IGUANATEXCURSOR" val="126"/>
+  <p:tag name="TRANSPARENCY" val="False"/>
+  <p:tag name="LATEXENGINEID" val="0"/>
+  <p:tag name="TEMPFOLDER" val="C:\Users\cosA\OneDrive\Documents\temp\"/>
+  <p:tag name="LATEXFORMHEIGHT" val="312"/>
+  <p:tag name="LATEXFORMWIDTH" val="384"/>
+  <p:tag name="LATEXFORMWRAP" val="True"/>
+  <p:tag name="BITMAPVECTOR" val="0"/>
+</p:tagLst>
+</file>
+
+<file path=ppt/tags/tag165.xml><?xml version="1.0" encoding="utf-8"?>
+<p:tagLst xmlns:a="http://schemas.openxmlformats.org/drawingml/2006/main" xmlns:r="http://schemas.openxmlformats.org/officeDocument/2006/relationships" xmlns:p="http://schemas.openxmlformats.org/presentationml/2006/main">
+  <p:tag name="OUTPUTDPI" val="1200"/>
+  <p:tag name="ORIGINALHEIGHT" val="125.2343"/>
+  <p:tag name="ORIGINALWIDTH" val="825.6468"/>
+  <p:tag name="LATEXADDIN" val="\documentclass{article}&#10;\usepackage{amsmath}&#10;\pagestyle{empty}&#10;\usepackage{xcolor}&#10;\usepackage{empheq}&#10;\begin{document}&#10;$p\equiv 3\left ( \mod4 \right )$&#10;\end{document}"/>
+  <p:tag name="IGUANATEXSIZE" val="18"/>
+  <p:tag name="IGUANATEXCURSOR" val="138"/>
+  <p:tag name="TRANSPARENCY" val="False"/>
+  <p:tag name="LATEXENGINEID" val="0"/>
+  <p:tag name="TEMPFOLDER" val="C:\Users\cosA\OneDrive\Documents\temp\"/>
+  <p:tag name="LATEXFORMHEIGHT" val="312"/>
+  <p:tag name="LATEXFORMWIDTH" val="384"/>
+  <p:tag name="LATEXFORMWRAP" val="True"/>
+  <p:tag name="BITMAPVECTOR" val="0"/>
+</p:tagLst>
+</file>
+
+<file path=ppt/tags/tag166.xml><?xml version="1.0" encoding="utf-8"?>
+<p:tagLst xmlns:a="http://schemas.openxmlformats.org/drawingml/2006/main" xmlns:r="http://schemas.openxmlformats.org/officeDocument/2006/relationships" xmlns:p="http://schemas.openxmlformats.org/presentationml/2006/main">
+  <p:tag name="OUTPUTDPI" val="1200"/>
+  <p:tag name="ORIGINALHEIGHT" val="125.2343"/>
+  <p:tag name="ORIGINALWIDTH" val="923.1346"/>
+  <p:tag name="LATEXADDIN" val="\documentclass{article}&#10;\usepackage{amsmath}&#10;\pagestyle{empty}&#10;\usepackage{xcolor}&#10;\usepackage{empheq}&#10;\begin{document}&#10;$p\equiv -1\left ( \mod4 \right )$&#10;\end{document}"/>
+  <p:tag name="IGUANATEXSIZE" val="18"/>
+  <p:tag name="IGUANATEXCURSOR" val="131"/>
+  <p:tag name="TRANSPARENCY" val="False"/>
+  <p:tag name="LATEXENGINEID" val="0"/>
+  <p:tag name="TEMPFOLDER" val="C:\Users\cosA\OneDrive\Documents\temp\"/>
+  <p:tag name="LATEXFORMHEIGHT" val="312"/>
+  <p:tag name="LATEXFORMWIDTH" val="384"/>
+  <p:tag name="LATEXFORMWRAP" val="True"/>
+  <p:tag name="BITMAPVECTOR" val="0"/>
+</p:tagLst>
+</file>
+
+<file path=ppt/tags/tag167.xml><?xml version="1.0" encoding="utf-8"?>
+<p:tagLst xmlns:a="http://schemas.openxmlformats.org/drawingml/2006/main" xmlns:r="http://schemas.openxmlformats.org/officeDocument/2006/relationships" xmlns:p="http://schemas.openxmlformats.org/presentationml/2006/main">
+  <p:tag name="OUTPUTDPI" val="1200"/>
+  <p:tag name="ORIGINALHEIGHT" val="132.7334"/>
+  <p:tag name="ORIGINALWIDTH" val="1139.108"/>
+  <p:tag name="LATEXADDIN" val="\documentclass{article}&#10;\usepackage{amsmath}&#10;\pagestyle{empty}&#10;\usepackage{xcolor}&#10;\usepackage{empheq}&#10;\begin{document}&#10;$p^{y}\equiv \left(-1\right)^{y}\left ( \mod4 \right )$&#10;\end{document}"/>
+  <p:tag name="IGUANATEXSIZE" val="18"/>
+  <p:tag name="IGUANATEXCURSOR" val="151"/>
+  <p:tag name="TRANSPARENCY" val="False"/>
+  <p:tag name="LATEXENGINEID" val="0"/>
+  <p:tag name="TEMPFOLDER" val="C:\Users\cosA\OneDrive\Documents\temp\"/>
+  <p:tag name="LATEXFORMHEIGHT" val="312"/>
+  <p:tag name="LATEXFORMWIDTH" val="384"/>
+  <p:tag name="LATEXFORMWRAP" val="True"/>
+  <p:tag name="BITMAPVECTOR" val="0"/>
+</p:tagLst>
+</file>
+
+<file path=ppt/tags/tag168.xml><?xml version="1.0" encoding="utf-8"?>
+<p:tagLst xmlns:a="http://schemas.openxmlformats.org/drawingml/2006/main" xmlns:r="http://schemas.openxmlformats.org/officeDocument/2006/relationships" xmlns:p="http://schemas.openxmlformats.org/presentationml/2006/main">
+  <p:tag name="OUTPUTDPI" val="1200"/>
+  <p:tag name="ORIGINALHEIGHT" val="125.2343"/>
+  <p:tag name="ORIGINALWIDTH" val="982.3771"/>
+  <p:tag name="LATEXADDIN" val="\documentclass{article}&#10;\usepackage{amsmath}&#10;\pagestyle{empty}&#10;\usepackage{xcolor}&#10;\usepackage{empheq}&#10;\begin{document}&#10;$p^{y}\equiv -1\left ( \mod4 \right )$&#10;\end{document}"/>
+  <p:tag name="IGUANATEXSIZE" val="18"/>
+  <p:tag name="IGUANATEXCURSOR" val="133"/>
+  <p:tag name="TRANSPARENCY" val="False"/>
+  <p:tag name="LATEXENGINEID" val="0"/>
+  <p:tag name="TEMPFOLDER" val="C:\Users\cosA\OneDrive\Documents\temp\"/>
+  <p:tag name="LATEXFORMHEIGHT" val="312"/>
+  <p:tag name="LATEXFORMWIDTH" val="384"/>
+  <p:tag name="LATEXFORMWRAP" val="True"/>
+  <p:tag name="BITMAPVECTOR" val="0"/>
+</p:tagLst>
+</file>
+
+<file path=ppt/tags/tag169.xml><?xml version="1.0" encoding="utf-8"?>
+<p:tagLst xmlns:a="http://schemas.openxmlformats.org/drawingml/2006/main" xmlns:r="http://schemas.openxmlformats.org/officeDocument/2006/relationships" xmlns:p="http://schemas.openxmlformats.org/presentationml/2006/main">
+  <p:tag name="OUTPUTDPI" val="1200"/>
+  <p:tag name="ORIGINALHEIGHT" val="116.2354"/>
+  <p:tag name="ORIGINALWIDTH" val="286.4642"/>
+  <p:tag name="LATEXADDIN" val="\documentclass{article}&#10;\usepackage{amsmath}&#10;\pagestyle{empty}&#10;\usepackage{xcolor}&#10;\usepackage{empheq}&#10;\begin{document}&#10;$x\neq 1$&#10;\end{document}"/>
+  <p:tag name="IGUANATEXSIZE" val="18"/>
+  <p:tag name="IGUANATEXCURSOR" val="121"/>
+  <p:tag name="TRANSPARENCY" val="False"/>
+  <p:tag name="LATEXENGINEID" val="0"/>
+  <p:tag name="TEMPFOLDER" val="C:\Users\cosA\OneDrive\Documents\temp\"/>
+  <p:tag name="LATEXFORMHEIGHT" val="312"/>
+  <p:tag name="LATEXFORMWIDTH" val="384"/>
+  <p:tag name="LATEXFORMWRAP" val="True"/>
+  <p:tag name="BITMAPVECTOR" val="0"/>
+</p:tagLst>
+</file>
+
+<file path=ppt/tags/tag17.xml><?xml version="1.0" encoding="utf-8"?>
+<p:tagLst xmlns:a="http://schemas.openxmlformats.org/drawingml/2006/main" xmlns:r="http://schemas.openxmlformats.org/officeDocument/2006/relationships" xmlns:p="http://schemas.openxmlformats.org/presentationml/2006/main">
+  <p:tag name="OUTPUTDPI" val="1200"/>
+  <p:tag name="ORIGINALHEIGHT" val="56.24299"/>
+  <p:tag name="ORIGINALWIDTH" val="68.24149"/>
+  <p:tag name="LATEXADDIN" val="\documentclass{article}&#10;\usepackage{amsmath}&#10;\pagestyle{empty}&#10;\usepackage{xcolor}&#10;\usepackage{empheq}&#10;\begin{document}&#10;$n$&#10;\end{document}"/>
+  <p:tag name="IGUANATEXSIZE" val="18"/>
+  <p:tag name="IGUANATEXCURSOR" val="122"/>
+  <p:tag name="TRANSPARENCY" val="False"/>
+  <p:tag name="LATEXENGINEID" val="0"/>
+  <p:tag name="TEMPFOLDER" val="C:\Users\cosA\OneDrive\Documents\temp\"/>
+  <p:tag name="LATEXFORMHEIGHT" val="312"/>
+  <p:tag name="LATEXFORMWIDTH" val="384"/>
+  <p:tag name="LATEXFORMWRAP" val="True"/>
+  <p:tag name="BITMAPVECTOR" val="0"/>
+</p:tagLst>
+</file>
+
+<file path=ppt/tags/tag170.xml><?xml version="1.0" encoding="utf-8"?>
+<p:tagLst xmlns:a="http://schemas.openxmlformats.org/drawingml/2006/main" xmlns:r="http://schemas.openxmlformats.org/officeDocument/2006/relationships" xmlns:p="http://schemas.openxmlformats.org/presentationml/2006/main">
+  <p:tag name="OUTPUTDPI" val="1200"/>
   <p:tag name="ORIGINALHEIGHT" val="125.2343"/>
   <p:tag name="ORIGINALWIDTH" val="877.3903"/>
   <p:tag name="LATEXADDIN" val="\documentclass{article}&#10;\usepackage{amsmath}&#10;\pagestyle{empty}&#10;\usepackage{xcolor}&#10;\usepackage{empheq}&#10;\begin{document}&#10;$2^{x}\equiv 0\left ( \mod4 \right )$&#10;\end{document}"/>
@@ -17262,25 +21727,7 @@
 </p:tagLst>
 </file>
 
-<file path=ppt/tags/tag13.xml><?xml version="1.0" encoding="utf-8"?>
-<p:tagLst xmlns:a="http://schemas.openxmlformats.org/drawingml/2006/main" xmlns:r="http://schemas.openxmlformats.org/officeDocument/2006/relationships" xmlns:p="http://schemas.openxmlformats.org/presentationml/2006/main">
-  <p:tag name="OUTPUTDPI" val="1200"/>
-  <p:tag name="ORIGINALHEIGHT" val="125.2343"/>
-  <p:tag name="ORIGINALWIDTH" val="704.9119"/>
-  <p:tag name="LATEXADDIN" val="\documentclass{article}&#10;\usepackage{amsmath}&#10;\pagestyle{empty}&#10;\usepackage{xcolor}&#10;\usepackage{empheq}&#10;\begin{document}&#10;$ \left (x,z  \right )=\left ( 3,3 \right )$&#10;\end{document}"/>
-  <p:tag name="IGUANATEXSIZE" val="18"/>
-  <p:tag name="IGUANATEXCURSOR" val="129"/>
-  <p:tag name="TRANSPARENCY" val="False"/>
-  <p:tag name="LATEXENGINEID" val="0"/>
-  <p:tag name="TEMPFOLDER" val="C:\Users\cosA\OneDrive\Documents\temp\"/>
-  <p:tag name="LATEXFORMHEIGHT" val="312"/>
-  <p:tag name="LATEXFORMWIDTH" val="384"/>
-  <p:tag name="LATEXFORMWRAP" val="True"/>
-  <p:tag name="BITMAPVECTOR" val="0"/>
-</p:tagLst>
-</file>
-
-<file path=ppt/tags/tag130.xml><?xml version="1.0" encoding="utf-8"?>
+<file path=ppt/tags/tag171.xml><?xml version="1.0" encoding="utf-8"?>
 <p:tagLst xmlns:a="http://schemas.openxmlformats.org/drawingml/2006/main" xmlns:r="http://schemas.openxmlformats.org/officeDocument/2006/relationships" xmlns:p="http://schemas.openxmlformats.org/presentationml/2006/main">
   <p:tag name="OUTPUTDPI" val="1200"/>
   <p:tag name="ORIGINALHEIGHT" val="99.73756"/>
@@ -17298,7 +21745,7 @@
 </p:tagLst>
 </file>
 
-<file path=ppt/tags/tag131.xml><?xml version="1.0" encoding="utf-8"?>
+<file path=ppt/tags/tag172.xml><?xml version="1.0" encoding="utf-8"?>
 <p:tagLst xmlns:a="http://schemas.openxmlformats.org/drawingml/2006/main" xmlns:r="http://schemas.openxmlformats.org/officeDocument/2006/relationships" xmlns:p="http://schemas.openxmlformats.org/presentationml/2006/main">
   <p:tag name="OUTPUTDPI" val="1200"/>
   <p:tag name="ORIGINALHEIGHT" val="125.2343"/>
@@ -17316,7 +21763,7 @@
 </p:tagLst>
 </file>
 
-<file path=ppt/tags/tag132.xml><?xml version="1.0" encoding="utf-8"?>
+<file path=ppt/tags/tag173.xml><?xml version="1.0" encoding="utf-8"?>
 <p:tagLst xmlns:a="http://schemas.openxmlformats.org/drawingml/2006/main" xmlns:r="http://schemas.openxmlformats.org/officeDocument/2006/relationships" xmlns:p="http://schemas.openxmlformats.org/presentationml/2006/main">
   <p:tag name="OUTPUTDPI" val="1200"/>
   <p:tag name="ORIGINALHEIGHT" val="134.2332"/>
@@ -17334,7 +21781,7 @@
 </p:tagLst>
 </file>
 
-<file path=ppt/tags/tag133.xml><?xml version="1.0" encoding="utf-8"?>
+<file path=ppt/tags/tag174.xml><?xml version="1.0" encoding="utf-8"?>
 <p:tagLst xmlns:a="http://schemas.openxmlformats.org/drawingml/2006/main" xmlns:r="http://schemas.openxmlformats.org/officeDocument/2006/relationships" xmlns:p="http://schemas.openxmlformats.org/presentationml/2006/main">
   <p:tag name="OUTPUTDPI" val="1200"/>
   <p:tag name="ORIGINALHEIGHT" val="134.2332"/>
@@ -17352,7 +21799,7 @@
 </p:tagLst>
 </file>
 
-<file path=ppt/tags/tag134.xml><?xml version="1.0" encoding="utf-8"?>
+<file path=ppt/tags/tag175.xml><?xml version="1.0" encoding="utf-8"?>
 <p:tagLst xmlns:a="http://schemas.openxmlformats.org/drawingml/2006/main" xmlns:r="http://schemas.openxmlformats.org/officeDocument/2006/relationships" xmlns:p="http://schemas.openxmlformats.org/presentationml/2006/main">
   <p:tag name="OUTPUTDPI" val="1200"/>
   <p:tag name="ORIGINALHEIGHT" val="125.2343"/>
@@ -17370,7 +21817,7 @@
 </p:tagLst>
 </file>
 
-<file path=ppt/tags/tag135.xml><?xml version="1.0" encoding="utf-8"?>
+<file path=ppt/tags/tag176.xml><?xml version="1.0" encoding="utf-8"?>
 <p:tagLst xmlns:a="http://schemas.openxmlformats.org/drawingml/2006/main" xmlns:r="http://schemas.openxmlformats.org/officeDocument/2006/relationships" xmlns:p="http://schemas.openxmlformats.org/presentationml/2006/main">
   <p:tag name="OUTPUTDPI" val="1200"/>
   <p:tag name="ORIGINALHEIGHT" val="125.2343"/>
@@ -17388,7 +21835,7 @@
 </p:tagLst>
 </file>
 
-<file path=ppt/tags/tag136.xml><?xml version="1.0" encoding="utf-8"?>
+<file path=ppt/tags/tag177.xml><?xml version="1.0" encoding="utf-8"?>
 <p:tagLst xmlns:a="http://schemas.openxmlformats.org/drawingml/2006/main" xmlns:r="http://schemas.openxmlformats.org/officeDocument/2006/relationships" xmlns:p="http://schemas.openxmlformats.org/presentationml/2006/main">
   <p:tag name="OUTPUTDPI" val="1200"/>
   <p:tag name="ORIGINALHEIGHT" val="84.73937"/>
@@ -17406,7 +21853,7 @@
 </p:tagLst>
 </file>
 
-<file path=ppt/tags/tag137.xml><?xml version="1.0" encoding="utf-8"?>
+<file path=ppt/tags/tag178.xml><?xml version="1.0" encoding="utf-8"?>
 <p:tagLst xmlns:a="http://schemas.openxmlformats.org/drawingml/2006/main" xmlns:r="http://schemas.openxmlformats.org/officeDocument/2006/relationships" xmlns:p="http://schemas.openxmlformats.org/presentationml/2006/main">
   <p:tag name="OUTPUTDPI" val="1200"/>
   <p:tag name="ORIGINALHEIGHT" val="126.7342"/>
@@ -17424,86 +21871,14 @@
 </p:tagLst>
 </file>
 
-<file path=ppt/tags/tag14.xml><?xml version="1.0" encoding="utf-8"?>
+<file path=ppt/tags/tag18.xml><?xml version="1.0" encoding="utf-8"?>
 <p:tagLst xmlns:a="http://schemas.openxmlformats.org/drawingml/2006/main" xmlns:r="http://schemas.openxmlformats.org/officeDocument/2006/relationships" xmlns:p="http://schemas.openxmlformats.org/presentationml/2006/main">
   <p:tag name="OUTPUTDPI" val="1200"/>
   <p:tag name="ORIGINALHEIGHT" val="56.24299"/>
-  <p:tag name="ORIGINALWIDTH" val="62.99213"/>
-  <p:tag name="LATEXADDIN" val="\documentclass{article}&#10;\usepackage{amsmath}&#10;\pagestyle{empty}&#10;\usepackage{xcolor}&#10;\usepackage{empheq}&#10;\begin{document}&#10;$x$&#10;\end{document}"/>
+  <p:tag name="ORIGINALWIDTH" val="57.74276"/>
+  <p:tag name="LATEXADDIN" val="\documentclass{article}&#10;\usepackage{amsmath}&#10;\pagestyle{empty}&#10;\usepackage{xcolor}&#10;\usepackage{empheq}&#10;\begin{document}&#10;$a$&#10;\end{document}"/>
   <p:tag name="IGUANATEXSIZE" val="18"/>
   <p:tag name="IGUANATEXCURSOR" val="122"/>
-  <p:tag name="TRANSPARENCY" val="False"/>
-  <p:tag name="LATEXENGINEID" val="0"/>
-  <p:tag name="TEMPFOLDER" val="C:\Users\cosA\OneDrive\Documents\temp\"/>
-  <p:tag name="LATEXFORMHEIGHT" val="312"/>
-  <p:tag name="LATEXFORMWIDTH" val="384"/>
-  <p:tag name="LATEXFORMWRAP" val="True"/>
-  <p:tag name="BITMAPVECTOR" val="0"/>
-</p:tagLst>
-</file>
-
-<file path=ppt/tags/tag15.xml><?xml version="1.0" encoding="utf-8"?>
-<p:tagLst xmlns:a="http://schemas.openxmlformats.org/drawingml/2006/main" xmlns:r="http://schemas.openxmlformats.org/officeDocument/2006/relationships" xmlns:p="http://schemas.openxmlformats.org/presentationml/2006/main">
-  <p:tag name="OUTPUTDPI" val="1200"/>
-  <p:tag name="ORIGINALHEIGHT" val="116.2354"/>
-  <p:tag name="ORIGINALWIDTH" val="289.4638"/>
-  <p:tag name="LATEXADDIN" val="\documentclass{article}&#10;\usepackage{amsmath}&#10;\pagestyle{empty}&#10;\usepackage{xcolor}&#10;\usepackage{empheq}&#10;\begin{document}&#10;$p\neq 2$&#10;\end{document}"/>
-  <p:tag name="IGUANATEXSIZE" val="18"/>
-  <p:tag name="IGUANATEXCURSOR" val="128"/>
-  <p:tag name="TRANSPARENCY" val="False"/>
-  <p:tag name="LATEXENGINEID" val="0"/>
-  <p:tag name="TEMPFOLDER" val="C:\Users\cosA\OneDrive\Documents\temp\"/>
-  <p:tag name="LATEXFORMHEIGHT" val="312"/>
-  <p:tag name="LATEXFORMWIDTH" val="384"/>
-  <p:tag name="LATEXFORMWRAP" val="True"/>
-  <p:tag name="BITMAPVECTOR" val="0"/>
-</p:tagLst>
-</file>
-
-<file path=ppt/tags/tag16.xml><?xml version="1.0" encoding="utf-8"?>
-<p:tagLst xmlns:a="http://schemas.openxmlformats.org/drawingml/2006/main" xmlns:r="http://schemas.openxmlformats.org/officeDocument/2006/relationships" xmlns:p="http://schemas.openxmlformats.org/presentationml/2006/main">
-  <p:tag name="OUTPUTDPI" val="1200"/>
-  <p:tag name="ORIGINALHEIGHT" val="126.7342"/>
-  <p:tag name="ORIGINALWIDTH" val="599.925"/>
-  <p:tag name="LATEXADDIN" val="\documentclass{article}&#10;\usepackage{amsmath}&#10;\pagestyle{empty}&#10;\usepackage{xcolor}&#10;\usepackage{empheq}&#10;\begin{document}&#10;${1+p^{y}}={z^{2}}$&#10;\end{document}"/>
-  <p:tag name="IGUANATEXSIZE" val="18"/>
-  <p:tag name="IGUANATEXCURSOR" val="123"/>
-  <p:tag name="TRANSPARENCY" val="False"/>
-  <p:tag name="LATEXENGINEID" val="0"/>
-  <p:tag name="TEMPFOLDER" val="C:\Users\cosA\OneDrive\Documents\temp\"/>
-  <p:tag name="LATEXFORMHEIGHT" val="312"/>
-  <p:tag name="LATEXFORMWIDTH" val="384"/>
-  <p:tag name="LATEXFORMWRAP" val="True"/>
-  <p:tag name="BITMAPVECTOR" val="0"/>
-</p:tagLst>
-</file>
-
-<file path=ppt/tags/tag17.xml><?xml version="1.0" encoding="utf-8"?>
-<p:tagLst xmlns:a="http://schemas.openxmlformats.org/drawingml/2006/main" xmlns:r="http://schemas.openxmlformats.org/officeDocument/2006/relationships" xmlns:p="http://schemas.openxmlformats.org/presentationml/2006/main">
-  <p:tag name="OUTPUTDPI" val="1200"/>
-  <p:tag name="ORIGINALHEIGHT" val="125.2343"/>
-  <p:tag name="ORIGINALWIDTH" val="935.1331"/>
-  <p:tag name="LATEXADDIN" val="\documentclass{article}&#10;\usepackage{amsmath}&#10;\pagestyle{empty}&#10;\usepackage{xcolor}&#10;\usepackage{empheq}&#10;\begin{document}&#10;$ \left (p,y,z  \right )=\left ( 3,1,2 \right )$&#10;\end{document}"/>
-  <p:tag name="IGUANATEXSIZE" val="18"/>
-  <p:tag name="IGUANATEXCURSOR" val="132"/>
-  <p:tag name="TRANSPARENCY" val="False"/>
-  <p:tag name="LATEXENGINEID" val="0"/>
-  <p:tag name="TEMPFOLDER" val="C:\Users\cosA\OneDrive\Documents\temp\"/>
-  <p:tag name="LATEXFORMHEIGHT" val="312"/>
-  <p:tag name="LATEXFORMWIDTH" val="384"/>
-  <p:tag name="LATEXFORMWRAP" val="True"/>
-  <p:tag name="BITMAPVECTOR" val="0"/>
-</p:tagLst>
-</file>
-
-<file path=ppt/tags/tag18.xml><?xml version="1.0" encoding="utf-8"?>
-<p:tagLst xmlns:a="http://schemas.openxmlformats.org/drawingml/2006/main" xmlns:r="http://schemas.openxmlformats.org/officeDocument/2006/relationships" xmlns:p="http://schemas.openxmlformats.org/presentationml/2006/main">
-  <p:tag name="OUTPUTDPI" val="1200"/>
-  <p:tag name="ORIGINALHEIGHT" val="116.2354"/>
-  <p:tag name="ORIGINALWIDTH" val="289.4638"/>
-  <p:tag name="LATEXADDIN" val="\documentclass{article}&#10;\usepackage{amsmath}&#10;\pagestyle{empty}&#10;\usepackage{xcolor}&#10;\usepackage{empheq}&#10;\begin{document}&#10;$p\neq 2$&#10;\end{document}"/>
-  <p:tag name="IGUANATEXSIZE" val="18"/>
-  <p:tag name="IGUANATEXCURSOR" val="128"/>
   <p:tag name="TRANSPARENCY" val="False"/>
   <p:tag name="LATEXENGINEID" val="0"/>
   <p:tag name="TEMPFOLDER" val="C:\Users\cosA\OneDrive\Documents\temp\"/>
@@ -17517,11 +21892,11 @@
 <file path=ppt/tags/tag19.xml><?xml version="1.0" encoding="utf-8"?>
 <p:tagLst xmlns:a="http://schemas.openxmlformats.org/drawingml/2006/main" xmlns:r="http://schemas.openxmlformats.org/officeDocument/2006/relationships" xmlns:p="http://schemas.openxmlformats.org/presentationml/2006/main">
   <p:tag name="OUTPUTDPI" val="1200"/>
-  <p:tag name="ORIGINALHEIGHT" val="126.7342"/>
-  <p:tag name="ORIGINALWIDTH" val="667.4166"/>
-  <p:tag name="LATEXADDIN" val="\documentclass{article}&#10;\usepackage{amsmath}&#10;\pagestyle{empty}&#10;\usepackage{xcolor}&#10;\usepackage{empheq}&#10;\begin{document}&#10;${2^{x}+p^{y}}={z^{2}}$&#10;\end{document}"/>
+  <p:tag name="ORIGINALHEIGHT" val="87.73905"/>
+  <p:tag name="ORIGINALWIDTH" val="46.49417"/>
+  <p:tag name="LATEXADDIN" val="\documentclass{article}&#10;\usepackage{amsmath}&#10;\pagestyle{empty}&#10;\usepackage{xcolor}&#10;\usepackage{empheq}&#10;\begin{document}&#10;$b$&#10;\end{document}"/>
   <p:tag name="IGUANATEXSIZE" val="18"/>
-  <p:tag name="IGUANATEXCURSOR" val="136"/>
+  <p:tag name="IGUANATEXCURSOR" val="122"/>
   <p:tag name="TRANSPARENCY" val="False"/>
   <p:tag name="LATEXENGINEID" val="0"/>
   <p:tag name="TEMPFOLDER" val="C:\Users\cosA\OneDrive\Documents\temp\"/>
@@ -17554,8 +21929,8 @@
 <p:tagLst xmlns:a="http://schemas.openxmlformats.org/drawingml/2006/main" xmlns:r="http://schemas.openxmlformats.org/officeDocument/2006/relationships" xmlns:p="http://schemas.openxmlformats.org/presentationml/2006/main">
   <p:tag name="OUTPUTDPI" val="1200"/>
   <p:tag name="ORIGINALHEIGHT" val="56.24299"/>
-  <p:tag name="ORIGINALWIDTH" val="51.74354"/>
-  <p:tag name="LATEXADDIN" val="\documentclass{article}&#10;\usepackage{amsmath}&#10;\pagestyle{empty}&#10;\usepackage{xcolor}&#10;\usepackage{empheq}&#10;\begin{document}&#10;$r$&#10;\end{document}"/>
+  <p:tag name="ORIGINALWIDTH" val="57.74276"/>
+  <p:tag name="LATEXADDIN" val="\documentclass{article}&#10;\usepackage{amsmath}&#10;\pagestyle{empty}&#10;\usepackage{xcolor}&#10;\usepackage{empheq}&#10;\begin{document}&#10;$a$&#10;\end{document}"/>
   <p:tag name="IGUANATEXSIZE" val="18"/>
   <p:tag name="IGUANATEXCURSOR" val="122"/>
   <p:tag name="TRANSPARENCY" val="False"/>
@@ -17571,11 +21946,11 @@
 <file path=ppt/tags/tag21.xml><?xml version="1.0" encoding="utf-8"?>
 <p:tagLst xmlns:a="http://schemas.openxmlformats.org/drawingml/2006/main" xmlns:r="http://schemas.openxmlformats.org/officeDocument/2006/relationships" xmlns:p="http://schemas.openxmlformats.org/presentationml/2006/main">
   <p:tag name="OUTPUTDPI" val="1200"/>
-  <p:tag name="ORIGINALHEIGHT" val="113.2358"/>
-  <p:tag name="ORIGINALWIDTH" val="666.6667"/>
-  <p:tag name="LATEXADDIN" val="\documentclass{article}&#10;\usepackage{amsmath}&#10;\pagestyle{empty}&#10;\usepackage{xcolor}&#10;\usepackage{empheq}&#10;\begin{document}&#10;${2^{x}+3^{y}}={z^{2}}$&#10;\end{document}"/>
+  <p:tag name="ORIGINALHEIGHT" val="87.73905"/>
+  <p:tag name="ORIGINALWIDTH" val="46.49417"/>
+  <p:tag name="LATEXADDIN" val="\documentclass{article}&#10;\usepackage{amsmath}&#10;\pagestyle{empty}&#10;\usepackage{xcolor}&#10;\usepackage{empheq}&#10;\begin{document}&#10;$b$&#10;\end{document}"/>
   <p:tag name="IGUANATEXSIZE" val="18"/>
-  <p:tag name="IGUANATEXCURSOR" val="129"/>
+  <p:tag name="IGUANATEXCURSOR" val="122"/>
   <p:tag name="TRANSPARENCY" val="False"/>
   <p:tag name="LATEXENGINEID" val="0"/>
   <p:tag name="TEMPFOLDER" val="C:\Users\cosA\OneDrive\Documents\temp\"/>
@@ -17589,11 +21964,11 @@
 <file path=ppt/tags/tag22.xml><?xml version="1.0" encoding="utf-8"?>
 <p:tagLst xmlns:a="http://schemas.openxmlformats.org/drawingml/2006/main" xmlns:r="http://schemas.openxmlformats.org/officeDocument/2006/relationships" xmlns:p="http://schemas.openxmlformats.org/presentationml/2006/main">
   <p:tag name="OUTPUTDPI" val="1200"/>
-  <p:tag name="ORIGINALHEIGHT" val="149.2313"/>
-  <p:tag name="ORIGINALWIDTH" val="2631.421"/>
-  <p:tag name="LATEXADDIN" val="\documentclass{article}&#10;\usepackage{amsmath}&#10;\pagestyle{empty}&#10;\usepackage{xcolor}&#10;\usepackage{empheq}&#10;\begin{document}&#10;$\left ( x,p,y,z \right )\in\left \{\left ( 4,3,2,5 \right ) ,\left ( 2r,2 ^{r+1}+1,1,2^{r}+1\right )\right \}$&#10;\end{document}"/>
+  <p:tag name="ORIGINALHEIGHT" val="56.24299"/>
+  <p:tag name="ORIGINALWIDTH" val="68.24149"/>
+  <p:tag name="LATEXADDIN" val="\documentclass{article}&#10;\usepackage{amsmath}&#10;\pagestyle{empty}&#10;\usepackage{xcolor}&#10;\usepackage{empheq}&#10;\begin{document}&#10;$n$&#10;\end{document}"/>
   <p:tag name="IGUANATEXSIZE" val="18"/>
-  <p:tag name="IGUANATEXCURSOR" val="148"/>
+  <p:tag name="IGUANATEXCURSOR" val="122"/>
   <p:tag name="TRANSPARENCY" val="False"/>
   <p:tag name="LATEXENGINEID" val="0"/>
   <p:tag name="TEMPFOLDER" val="C:\Users\cosA\OneDrive\Documents\temp\"/>
@@ -17608,10 +21983,10 @@
 <p:tagLst xmlns:a="http://schemas.openxmlformats.org/drawingml/2006/main" xmlns:r="http://schemas.openxmlformats.org/officeDocument/2006/relationships" xmlns:p="http://schemas.openxmlformats.org/presentationml/2006/main">
   <p:tag name="OUTPUTDPI" val="1200"/>
   <p:tag name="ORIGINALHEIGHT" val="125.2343"/>
-  <p:tag name="ORIGINALWIDTH" val="1997.75"/>
-  <p:tag name="LATEXADDIN" val="\documentclass{article}&#10;\usepackage{amsmath}&#10;\pagestyle{empty}&#10;\usepackage{xcolor}&#10;\usepackage{empheq}&#10;\begin{document}&#10;$\left ( x,y,z \right )\in\left \{\left (3,0,3 \right ) ,\left ( 0,1,2 \right ),\left ( 4,2,5 \right )\right \}$&#10;\end{document}"/>
+  <p:tag name="ORIGINALWIDTH" val="824.147"/>
+  <p:tag name="LATEXADDIN" val="\documentclass{article}&#10;\usepackage{amsmath}&#10;\pagestyle{empty}&#10;\usepackage{xcolor}&#10;\usepackage{empheq}&#10;\begin{document}&#10;$a\not\equiv b\left ( \mod n \right )$&#10;\end{document}"/>
   <p:tag name="IGUANATEXSIZE" val="18"/>
-  <p:tag name="IGUANATEXCURSOR" val="247"/>
+  <p:tag name="IGUANATEXCURSOR" val="126"/>
   <p:tag name="TRANSPARENCY" val="False"/>
   <p:tag name="LATEXENGINEID" val="0"/>
   <p:tag name="TEMPFOLDER" val="C:\Users\cosA\OneDrive\Documents\temp\"/>
@@ -17625,11 +22000,11 @@
 <file path=ppt/tags/tag24.xml><?xml version="1.0" encoding="utf-8"?>
 <p:tagLst xmlns:a="http://schemas.openxmlformats.org/drawingml/2006/main" xmlns:r="http://schemas.openxmlformats.org/officeDocument/2006/relationships" xmlns:p="http://schemas.openxmlformats.org/presentationml/2006/main">
   <p:tag name="OUTPUTDPI" val="1200"/>
-  <p:tag name="ORIGINALHEIGHT" val="116.2354"/>
-  <p:tag name="ORIGINALWIDTH" val="286.4642"/>
-  <p:tag name="LATEXADDIN" val="\documentclass{article}&#10;\usepackage{amsmath}&#10;\pagestyle{empty}&#10;\usepackage{xcolor}&#10;\usepackage{empheq}&#10;\begin{document}&#10;$x\neq 1$&#10;\end{document}"/>
+  <p:tag name="ORIGINALHEIGHT" val="56.24299"/>
+  <p:tag name="ORIGINALWIDTH" val="68.24149"/>
+  <p:tag name="LATEXADDIN" val="\documentclass{article}&#10;\usepackage{amsmath}&#10;\pagestyle{empty}&#10;\usepackage{xcolor}&#10;\usepackage{empheq}&#10;\begin{document}&#10;$n$&#10;\end{document}"/>
   <p:tag name="IGUANATEXSIZE" val="18"/>
-  <p:tag name="IGUANATEXCURSOR" val="121"/>
+  <p:tag name="IGUANATEXCURSOR" val="122"/>
   <p:tag name="TRANSPARENCY" val="False"/>
   <p:tag name="LATEXENGINEID" val="0"/>
   <p:tag name="TEMPFOLDER" val="C:\Users\cosA\OneDrive\Documents\temp\"/>
@@ -17643,11 +22018,11 @@
 <file path=ppt/tags/tag25.xml><?xml version="1.0" encoding="utf-8"?>
 <p:tagLst xmlns:a="http://schemas.openxmlformats.org/drawingml/2006/main" xmlns:r="http://schemas.openxmlformats.org/officeDocument/2006/relationships" xmlns:p="http://schemas.openxmlformats.org/presentationml/2006/main">
   <p:tag name="OUTPUTDPI" val="1200"/>
-  <p:tag name="ORIGINALHEIGHT" val="125.2343"/>
-  <p:tag name="ORIGINALWIDTH" val="825.6468"/>
-  <p:tag name="LATEXADDIN" val="\documentclass{article}&#10;\usepackage{amsmath}&#10;\pagestyle{empty}&#10;\usepackage{xcolor}&#10;\usepackage{empheq}&#10;\begin{document}&#10;$p\equiv 3\left(\mod4 \right )$&#10;\end{document}"/>
+  <p:tag name="ORIGINALHEIGHT" val="87.73905"/>
+  <p:tag name="ORIGINALWIDTH" val="608.174"/>
+  <p:tag name="LATEXADDIN" val="\documentclass{article}&#10;\usepackage{amsmath}&#10;\pagestyle{empty}&#10;\usepackage{xcolor}&#10;\usepackage{empheq}&#10;\begin{document}&#10;${a^{x}-b^{y}}={1}$&#10;\end{document}"/>
   <p:tag name="IGUANATEXSIZE" val="18"/>
-  <p:tag name="IGUANATEXCURSOR" val="136"/>
+  <p:tag name="IGUANATEXCURSOR" val="137"/>
   <p:tag name="TRANSPARENCY" val="False"/>
   <p:tag name="LATEXENGINEID" val="0"/>
   <p:tag name="TEMPFOLDER" val="C:\Users\cosA\OneDrive\Documents\temp\"/>
@@ -17661,11 +22036,11 @@
 <file path=ppt/tags/tag26.xml><?xml version="1.0" encoding="utf-8"?>
 <p:tagLst xmlns:a="http://schemas.openxmlformats.org/drawingml/2006/main" xmlns:r="http://schemas.openxmlformats.org/officeDocument/2006/relationships" xmlns:p="http://schemas.openxmlformats.org/presentationml/2006/main">
   <p:tag name="OUTPUTDPI" val="1200"/>
-  <p:tag name="ORIGINALHEIGHT" val="126.7342"/>
-  <p:tag name="ORIGINALWIDTH" val="667.4166"/>
-  <p:tag name="LATEXADDIN" val="\documentclass{article}&#10;\usepackage{amsmath}&#10;\pagestyle{empty}&#10;\usepackage{xcolor}&#10;\usepackage{empheq}&#10;\begin{document}&#10;${\color{red}2^{x}+p^{y}=z^{2}}$&#10;\end{document}"/>
+  <p:tag name="ORIGINALHEIGHT" val="125.2343"/>
+  <p:tag name="ORIGINALWIDTH" val="1009.374"/>
+  <p:tag name="LATEXADDIN" val="\documentclass{article}&#10;\usepackage{amsmath}&#10;\pagestyle{empty}&#10;\usepackage{xcolor}&#10;\usepackage{empheq}&#10;\begin{document}&#10;$min \left \{ a,b,x,y \right \}&gt;1$&#10;\end{document}"/>
   <p:tag name="IGUANATEXSIZE" val="18"/>
-  <p:tag name="IGUANATEXCURSOR" val="145"/>
+  <p:tag name="IGUANATEXCURSOR" val="153"/>
   <p:tag name="TRANSPARENCY" val="False"/>
   <p:tag name="LATEXENGINEID" val="0"/>
   <p:tag name="TEMPFOLDER" val="C:\Users\cosA\OneDrive\Documents\temp\"/>
@@ -17679,11 +22054,11 @@
 <file path=ppt/tags/tag27.xml><?xml version="1.0" encoding="utf-8"?>
 <p:tagLst xmlns:a="http://schemas.openxmlformats.org/drawingml/2006/main" xmlns:r="http://schemas.openxmlformats.org/officeDocument/2006/relationships" xmlns:p="http://schemas.openxmlformats.org/presentationml/2006/main">
   <p:tag name="OUTPUTDPI" val="1200"/>
-  <p:tag name="ORIGINALHEIGHT" val="125.2343"/>
-  <p:tag name="ORIGINALWIDTH" val="134.9832"/>
-  <p:tag name="LATEXADDIN" val="\documentclass{article}&#10;\usepackage{amsmath}&#10;\pagestyle{empty}&#10;\usepackage{xcolor}&#10;\usepackage{empheq}&#10;\begin{document}&#10;${\color{red}\left ( 1 \right )}$&#10;\end{document}"/>
+  <p:tag name="ORIGINALHEIGHT" val="80.24"/>
+  <p:tag name="ORIGINALWIDTH" val="58.49268"/>
+  <p:tag name="LATEXADDIN" val="\documentclass{article}&#10;\usepackage{amsmath}&#10;\pagestyle{empty}&#10;\usepackage{xcolor}&#10;\usepackage{empheq}&#10;\begin{document}&#10;$y$&#10;\end{document}"/>
   <p:tag name="IGUANATEXSIZE" val="18"/>
-  <p:tag name="IGUANATEXCURSOR" val="152"/>
+  <p:tag name="IGUANATEXCURSOR" val="123"/>
   <p:tag name="TRANSPARENCY" val="False"/>
   <p:tag name="LATEXENGINEID" val="0"/>
   <p:tag name="TEMPFOLDER" val="C:\Users\cosA\OneDrive\Documents\temp\"/>
@@ -17697,11 +22072,11 @@
 <file path=ppt/tags/tag28.xml><?xml version="1.0" encoding="utf-8"?>
 <p:tagLst xmlns:a="http://schemas.openxmlformats.org/drawingml/2006/main" xmlns:r="http://schemas.openxmlformats.org/officeDocument/2006/relationships" xmlns:p="http://schemas.openxmlformats.org/presentationml/2006/main">
   <p:tag name="OUTPUTDPI" val="1200"/>
-  <p:tag name="ORIGINALHEIGHT" val="125.2343"/>
-  <p:tag name="ORIGINALWIDTH" val="4681.665"/>
-  <p:tag name="LATEXADDIN" val="\documentclass{article}&#10;\usepackage{amsmath}&#10;\usepackage{amsfonts}&#10;\pagestyle{empty}&#10;\usepackage{xcolor}&#10;\usepackage{empheq}&#10;\begin{document}&#10;$\left ( x,p,y,z \right )\in    \left \{ \left ( 3,p,0,3 \right ) \right \}  \cup   \left \{ \left ( 0,3,1,2 \right ) \right \} \cup \left \{ \left ( 2+\log_{2}\left ( p+1 \right ) ,p,2,p+2\right )  : \log_{2}\left ( p+1 \right)   \in\mathbb{Z} \right \}$&#10;\end{document}"/>
+  <p:tag name="ORIGINALHEIGHT" val="110.2362"/>
+  <p:tag name="ORIGINALWIDTH" val="291.7135"/>
+  <p:tag name="LATEXADDIN" val="\documentclass{article}&#10;\usepackage{amsmath}&#10;\pagestyle{empty}&#10;\usepackage{xcolor}&#10;\usepackage{empheq}&#10;\begin{document}&#10;$a,b,x$&#10;\end{document}"/>
   <p:tag name="IGUANATEXSIZE" val="18"/>
-  <p:tag name="IGUANATEXCURSOR" val="295"/>
+  <p:tag name="IGUANATEXCURSOR" val="126"/>
   <p:tag name="TRANSPARENCY" val="False"/>
   <p:tag name="LATEXENGINEID" val="0"/>
   <p:tag name="TEMPFOLDER" val="C:\Users\cosA\OneDrive\Documents\temp\"/>
@@ -17715,11 +22090,11 @@
 <file path=ppt/tags/tag29.xml><?xml version="1.0" encoding="utf-8"?>
 <p:tagLst xmlns:a="http://schemas.openxmlformats.org/drawingml/2006/main" xmlns:r="http://schemas.openxmlformats.org/officeDocument/2006/relationships" xmlns:p="http://schemas.openxmlformats.org/presentationml/2006/main">
   <p:tag name="OUTPUTDPI" val="1200"/>
-  <p:tag name="ORIGINALHEIGHT" val="116.2354"/>
-  <p:tag name="ORIGINALWIDTH" val="286.4642"/>
-  <p:tag name="LATEXADDIN" val="\documentclass{article}&#10;\usepackage{amsmath}&#10;\pagestyle{empty}&#10;\usepackage{xcolor}&#10;\usepackage{empheq}&#10;\begin{document}&#10;$x\neq 1$&#10;\end{document}"/>
+  <p:tag name="ORIGINALHEIGHT" val="125.2343"/>
+  <p:tag name="ORIGINALWIDTH" val="1172.104"/>
+  <p:tag name="LATEXADDIN" val="\documentclass{article}&#10;\usepackage{amsmath}&#10;\pagestyle{empty}&#10;\usepackage{xcolor}&#10;\usepackage{empheq}&#10;\begin{document}&#10;$ \left (a,b,x,y  \right )=\left ( 3,2,2,3 \right )$&#10;\end{document}"/>
   <p:tag name="IGUANATEXSIZE" val="18"/>
-  <p:tag name="IGUANATEXCURSOR" val="121"/>
+  <p:tag name="IGUANATEXCURSOR" val="171"/>
   <p:tag name="TRANSPARENCY" val="False"/>
   <p:tag name="LATEXENGINEID" val="0"/>
   <p:tag name="TEMPFOLDER" val="C:\Users\cosA\OneDrive\Documents\temp\"/>
@@ -17751,11 +22126,11 @@
 <file path=ppt/tags/tag30.xml><?xml version="1.0" encoding="utf-8"?>
 <p:tagLst xmlns:a="http://schemas.openxmlformats.org/drawingml/2006/main" xmlns:r="http://schemas.openxmlformats.org/officeDocument/2006/relationships" xmlns:p="http://schemas.openxmlformats.org/presentationml/2006/main">
   <p:tag name="OUTPUTDPI" val="1200"/>
-  <p:tag name="ORIGINALHEIGHT" val="125.2343"/>
-  <p:tag name="ORIGINALWIDTH" val="825.6468"/>
-  <p:tag name="LATEXADDIN" val="\documentclass{article}&#10;\usepackage{amsmath}&#10;\pagestyle{empty}&#10;\usepackage{xcolor}&#10;\usepackage{empheq}&#10;\begin{document}&#10;$p\equiv 3\left(\mod4 \right )$&#10;\end{document}"/>
+  <p:tag name="ORIGINALHEIGHT" val="113.2358"/>
+  <p:tag name="ORIGINALWIDTH" val="606.6742"/>
+  <p:tag name="LATEXADDIN" val="\documentclass{article}&#10;\usepackage{amsmath}&#10;\pagestyle{empty}&#10;\usepackage{xcolor}&#10;\usepackage{empheq}&#10;\begin{document}&#10;${2^{x}+1}={z^{2}}$&#10;\end{document}"/>
   <p:tag name="IGUANATEXSIZE" val="18"/>
-  <p:tag name="IGUANATEXCURSOR" val="136"/>
+  <p:tag name="IGUANATEXCURSOR" val="129"/>
   <p:tag name="TRANSPARENCY" val="False"/>
   <p:tag name="LATEXENGINEID" val="0"/>
   <p:tag name="TEMPFOLDER" val="C:\Users\cosA\OneDrive\Documents\temp\"/>
@@ -17769,11 +22144,11 @@
 <file path=ppt/tags/tag31.xml><?xml version="1.0" encoding="utf-8"?>
 <p:tagLst xmlns:a="http://schemas.openxmlformats.org/drawingml/2006/main" xmlns:r="http://schemas.openxmlformats.org/officeDocument/2006/relationships" xmlns:p="http://schemas.openxmlformats.org/presentationml/2006/main">
   <p:tag name="OUTPUTDPI" val="1200"/>
-  <p:tag name="ORIGINALHEIGHT" val="116.2354"/>
-  <p:tag name="ORIGINALWIDTH" val="399.7"/>
-  <p:tag name="LATEXADDIN" val="\documentclass{article}&#10;\usepackage{amsmath}&#10;\usepackage{amssymb}&#10;\pagestyle{empty}&#10;\usepackage{xcolor}&#10;\usepackage{empheq}&#10;\begin{document}&#10;$\therefore p\neq 2$&#10;\end{document}"/>
+  <p:tag name="ORIGINALHEIGHT" val="125.2343"/>
+  <p:tag name="ORIGINALWIDTH" val="704.9119"/>
+  <p:tag name="LATEXADDIN" val="\documentclass{article}&#10;\usepackage{amsmath}&#10;\pagestyle{empty}&#10;\usepackage{xcolor}&#10;\usepackage{empheq}&#10;\begin{document}&#10;$ \left (x,z  \right )=\left ( 3,3 \right )$&#10;\end{document}"/>
   <p:tag name="IGUANATEXSIZE" val="18"/>
-  <p:tag name="IGUANATEXCURSOR" val="64"/>
+  <p:tag name="IGUANATEXCURSOR" val="129"/>
   <p:tag name="TRANSPARENCY" val="False"/>
   <p:tag name="LATEXENGINEID" val="0"/>
   <p:tag name="TEMPFOLDER" val="C:\Users\cosA\OneDrive\Documents\temp\"/>
@@ -17785,114 +22160,6 @@
 </file>
 
 <file path=ppt/tags/tag32.xml><?xml version="1.0" encoding="utf-8"?>
-<p:tagLst xmlns:a="http://schemas.openxmlformats.org/drawingml/2006/main" xmlns:r="http://schemas.openxmlformats.org/officeDocument/2006/relationships" xmlns:p="http://schemas.openxmlformats.org/presentationml/2006/main">
-  <p:tag name="OUTPUTDPI" val="1200"/>
-  <p:tag name="ORIGINALHEIGHT" val="106.4867"/>
-  <p:tag name="ORIGINALWIDTH" val="290.2137"/>
-  <p:tag name="LATEXADDIN" val="\documentclass{article}&#10;\usepackage{amsmath}&#10;\pagestyle{empty}&#10;\usepackage{xcolor}&#10;\usepackage{empheq}&#10;\begin{document}&#10;$p=3$&#10;\end{document}"/>
-  <p:tag name="IGUANATEXSIZE" val="18"/>
-  <p:tag name="IGUANATEXCURSOR" val="122"/>
-  <p:tag name="TRANSPARENCY" val="False"/>
-  <p:tag name="LATEXENGINEID" val="0"/>
-  <p:tag name="TEMPFOLDER" val="C:\Users\cosA\OneDrive\Documents\temp\"/>
-  <p:tag name="LATEXFORMHEIGHT" val="312"/>
-  <p:tag name="LATEXFORMWIDTH" val="384"/>
-  <p:tag name="LATEXFORMWRAP" val="True"/>
-  <p:tag name="BITMAPVECTOR" val="0"/>
-</p:tagLst>
-</file>
-
-<file path=ppt/tags/tag33.xml><?xml version="1.0" encoding="utf-8"?>
-<p:tagLst xmlns:a="http://schemas.openxmlformats.org/drawingml/2006/main" xmlns:r="http://schemas.openxmlformats.org/officeDocument/2006/relationships" xmlns:p="http://schemas.openxmlformats.org/presentationml/2006/main">
-  <p:tag name="OUTPUTDPI" val="1200"/>
-  <p:tag name="ORIGINALHEIGHT" val="125.2343"/>
-  <p:tag name="ORIGINALWIDTH" val="1997.75"/>
-  <p:tag name="LATEXADDIN" val="\documentclass{article}&#10;\usepackage{amsmath}&#10;\pagestyle{empty}&#10;\usepackage{xcolor}&#10;\usepackage{empheq}&#10;\begin{document}&#10;$\left ( x,y,z \right )\in\left \{\left (3,0,3 \right ) ,\left ( 0,1,2 \right ),\left ( 4,2,5 \right )\right \}$&#10;\end{document}"/>
-  <p:tag name="IGUANATEXSIZE" val="18"/>
-  <p:tag name="IGUANATEXCURSOR" val="247"/>
-  <p:tag name="TRANSPARENCY" val="False"/>
-  <p:tag name="LATEXENGINEID" val="0"/>
-  <p:tag name="TEMPFOLDER" val="C:\Users\cosA\OneDrive\Documents\temp\"/>
-  <p:tag name="LATEXFORMHEIGHT" val="312"/>
-  <p:tag name="LATEXFORMWIDTH" val="384"/>
-  <p:tag name="LATEXFORMWRAP" val="True"/>
-  <p:tag name="BITMAPVECTOR" val="0"/>
-</p:tagLst>
-</file>
-
-<file path=ppt/tags/tag34.xml><?xml version="1.0" encoding="utf-8"?>
-<p:tagLst xmlns:a="http://schemas.openxmlformats.org/drawingml/2006/main" xmlns:r="http://schemas.openxmlformats.org/officeDocument/2006/relationships" xmlns:p="http://schemas.openxmlformats.org/presentationml/2006/main">
-  <p:tag name="OUTPUTDPI" val="1200"/>
-  <p:tag name="ORIGINALHEIGHT" val="78.74016"/>
-  <p:tag name="ORIGINALWIDTH" val="65.99173"/>
-  <p:tag name="LATEXADDIN" val="\documentclass{article}&#10;\usepackage{amsmath}&#10;\pagestyle{empty}&#10;\usepackage{xcolor}&#10;\usepackage{empheq}&#10;\begin{document}&#10;$p$ &#10;\end{document}"/>
-  <p:tag name="IGUANATEXSIZE" val="18"/>
-  <p:tag name="IGUANATEXCURSOR" val="124"/>
-  <p:tag name="TRANSPARENCY" val="False"/>
-  <p:tag name="LATEXENGINEID" val="0"/>
-  <p:tag name="TEMPFOLDER" val="C:\Users\cosA\OneDrive\Documents\temp\"/>
-  <p:tag name="LATEXFORMHEIGHT" val="312"/>
-  <p:tag name="LATEXFORMWIDTH" val="384"/>
-  <p:tag name="LATEXFORMWRAP" val="True"/>
-  <p:tag name="BITMAPVECTOR" val="0"/>
-</p:tagLst>
-</file>
-
-<file path=ppt/tags/tag35.xml><?xml version="1.0" encoding="utf-8"?>
-<p:tagLst xmlns:a="http://schemas.openxmlformats.org/drawingml/2006/main" xmlns:r="http://schemas.openxmlformats.org/officeDocument/2006/relationships" xmlns:p="http://schemas.openxmlformats.org/presentationml/2006/main">
-  <p:tag name="OUTPUTDPI" val="1200"/>
-  <p:tag name="ORIGINALHEIGHT" val="116.2354"/>
-  <p:tag name="ORIGINALWIDTH" val="290.2137"/>
-  <p:tag name="LATEXADDIN" val="\documentclass{article}&#10;\usepackage{amsmath}&#10;\pagestyle{empty}&#10;\usepackage{xcolor}&#10;\usepackage{empheq}&#10;\begin{document}&#10;$p\neq 3$&#10;\end{document}"/>
-  <p:tag name="IGUANATEXSIZE" val="18"/>
-  <p:tag name="IGUANATEXCURSOR" val="127"/>
-  <p:tag name="TRANSPARENCY" val="False"/>
-  <p:tag name="LATEXENGINEID" val="0"/>
-  <p:tag name="TEMPFOLDER" val="C:\Users\cosA\OneDrive\Documents\temp\"/>
-  <p:tag name="LATEXFORMHEIGHT" val="312"/>
-  <p:tag name="LATEXFORMWIDTH" val="384"/>
-  <p:tag name="LATEXFORMWRAP" val="True"/>
-  <p:tag name="BITMAPVECTOR" val="0"/>
-</p:tagLst>
-</file>
-
-<file path=ppt/tags/tag36.xml><?xml version="1.0" encoding="utf-8"?>
-<p:tagLst xmlns:a="http://schemas.openxmlformats.org/drawingml/2006/main" xmlns:r="http://schemas.openxmlformats.org/officeDocument/2006/relationships" xmlns:p="http://schemas.openxmlformats.org/presentationml/2006/main">
-  <p:tag name="OUTPUTDPI" val="1200"/>
-  <p:tag name="ORIGINALHEIGHT" val="116.2354"/>
-  <p:tag name="ORIGINALWIDTH" val="291.7135"/>
-  <p:tag name="LATEXADDIN" val="\documentclass{article}&#10;\usepackage{amsmath}&#10;\pagestyle{empty}&#10;\usepackage{xcolor}&#10;\usepackage{empheq}&#10;\begin{document}&#10;$x\neq 0$&#10;\end{document}"/>
-  <p:tag name="IGUANATEXSIZE" val="18"/>
-  <p:tag name="IGUANATEXCURSOR" val="128"/>
-  <p:tag name="TRANSPARENCY" val="False"/>
-  <p:tag name="LATEXENGINEID" val="0"/>
-  <p:tag name="TEMPFOLDER" val="C:\Users\cosA\OneDrive\Documents\temp\"/>
-  <p:tag name="LATEXFORMHEIGHT" val="312"/>
-  <p:tag name="LATEXFORMWIDTH" val="384"/>
-  <p:tag name="LATEXFORMWRAP" val="True"/>
-  <p:tag name="BITMAPVECTOR" val="0"/>
-</p:tagLst>
-</file>
-
-<file path=ppt/tags/tag37.xml><?xml version="1.0" encoding="utf-8"?>
-<p:tagLst xmlns:a="http://schemas.openxmlformats.org/drawingml/2006/main" xmlns:r="http://schemas.openxmlformats.org/officeDocument/2006/relationships" xmlns:p="http://schemas.openxmlformats.org/presentationml/2006/main">
-  <p:tag name="OUTPUTDPI" val="1200"/>
-  <p:tag name="ORIGINALHEIGHT" val="85.48929"/>
-  <p:tag name="ORIGINALWIDTH" val="291.7135"/>
-  <p:tag name="LATEXADDIN" val="\documentclass{article}&#10;\usepackage{amsmath}&#10;\pagestyle{empty}&#10;\usepackage{xcolor}&#10;\usepackage{empheq}&#10;\begin{document}&#10;$x=0$&#10;\end{document}"/>
-  <p:tag name="IGUANATEXSIZE" val="18"/>
-  <p:tag name="IGUANATEXCURSOR" val="123"/>
-  <p:tag name="TRANSPARENCY" val="False"/>
-  <p:tag name="LATEXENGINEID" val="0"/>
-  <p:tag name="TEMPFOLDER" val="C:\Users\cosA\OneDrive\Documents\temp\"/>
-  <p:tag name="LATEXFORMHEIGHT" val="312"/>
-  <p:tag name="LATEXFORMWIDTH" val="384"/>
-  <p:tag name="LATEXFORMWRAP" val="True"/>
-  <p:tag name="BITMAPVECTOR" val="0"/>
-</p:tagLst>
-</file>
-
-<file path=ppt/tags/tag38.xml><?xml version="1.0" encoding="utf-8"?>
 <p:tagLst xmlns:a="http://schemas.openxmlformats.org/drawingml/2006/main" xmlns:r="http://schemas.openxmlformats.org/officeDocument/2006/relationships" xmlns:p="http://schemas.openxmlformats.org/presentationml/2006/main">
   <p:tag name="OUTPUTDPI" val="1200"/>
   <p:tag name="ORIGINALHEIGHT" val="56.24299"/>
@@ -17910,14 +22177,122 @@
 </p:tagLst>
 </file>
 
+<file path=ppt/tags/tag33.xml><?xml version="1.0" encoding="utf-8"?>
+<p:tagLst xmlns:a="http://schemas.openxmlformats.org/drawingml/2006/main" xmlns:r="http://schemas.openxmlformats.org/officeDocument/2006/relationships" xmlns:p="http://schemas.openxmlformats.org/presentationml/2006/main">
+  <p:tag name="OUTPUTDPI" val="1200"/>
+  <p:tag name="ORIGINALHEIGHT" val="116.2354"/>
+  <p:tag name="ORIGINALWIDTH" val="289.4638"/>
+  <p:tag name="LATEXADDIN" val="\documentclass{article}&#10;\usepackage{amsmath}&#10;\pagestyle{empty}&#10;\usepackage{xcolor}&#10;\usepackage{empheq}&#10;\begin{document}&#10;$p\neq 2$&#10;\end{document}"/>
+  <p:tag name="IGUANATEXSIZE" val="18"/>
+  <p:tag name="IGUANATEXCURSOR" val="128"/>
+  <p:tag name="TRANSPARENCY" val="False"/>
+  <p:tag name="LATEXENGINEID" val="0"/>
+  <p:tag name="TEMPFOLDER" val="C:\Users\cosA\OneDrive\Documents\temp\"/>
+  <p:tag name="LATEXFORMHEIGHT" val="312"/>
+  <p:tag name="LATEXFORMWIDTH" val="384"/>
+  <p:tag name="LATEXFORMWRAP" val="True"/>
+  <p:tag name="BITMAPVECTOR" val="0"/>
+</p:tagLst>
+</file>
+
+<file path=ppt/tags/tag34.xml><?xml version="1.0" encoding="utf-8"?>
+<p:tagLst xmlns:a="http://schemas.openxmlformats.org/drawingml/2006/main" xmlns:r="http://schemas.openxmlformats.org/officeDocument/2006/relationships" xmlns:p="http://schemas.openxmlformats.org/presentationml/2006/main">
+  <p:tag name="OUTPUTDPI" val="1200"/>
+  <p:tag name="ORIGINALHEIGHT" val="126.7342"/>
+  <p:tag name="ORIGINALWIDTH" val="599.925"/>
+  <p:tag name="LATEXADDIN" val="\documentclass{article}&#10;\usepackage{amsmath}&#10;\pagestyle{empty}&#10;\usepackage{xcolor}&#10;\usepackage{empheq}&#10;\begin{document}&#10;${1+p^{y}}={z^{2}}$&#10;\end{document}"/>
+  <p:tag name="IGUANATEXSIZE" val="18"/>
+  <p:tag name="IGUANATEXCURSOR" val="123"/>
+  <p:tag name="TRANSPARENCY" val="False"/>
+  <p:tag name="LATEXENGINEID" val="0"/>
+  <p:tag name="TEMPFOLDER" val="C:\Users\cosA\OneDrive\Documents\temp\"/>
+  <p:tag name="LATEXFORMHEIGHT" val="312"/>
+  <p:tag name="LATEXFORMWIDTH" val="384"/>
+  <p:tag name="LATEXFORMWRAP" val="True"/>
+  <p:tag name="BITMAPVECTOR" val="0"/>
+</p:tagLst>
+</file>
+
+<file path=ppt/tags/tag35.xml><?xml version="1.0" encoding="utf-8"?>
+<p:tagLst xmlns:a="http://schemas.openxmlformats.org/drawingml/2006/main" xmlns:r="http://schemas.openxmlformats.org/officeDocument/2006/relationships" xmlns:p="http://schemas.openxmlformats.org/presentationml/2006/main">
+  <p:tag name="OUTPUTDPI" val="1200"/>
+  <p:tag name="ORIGINALHEIGHT" val="125.2343"/>
+  <p:tag name="ORIGINALWIDTH" val="935.1331"/>
+  <p:tag name="LATEXADDIN" val="\documentclass{article}&#10;\usepackage{amsmath}&#10;\pagestyle{empty}&#10;\usepackage{xcolor}&#10;\usepackage{empheq}&#10;\begin{document}&#10;$ \left (p,y,z  \right )=\left ( 3,1,2 \right )$&#10;\end{document}"/>
+  <p:tag name="IGUANATEXSIZE" val="18"/>
+  <p:tag name="IGUANATEXCURSOR" val="132"/>
+  <p:tag name="TRANSPARENCY" val="False"/>
+  <p:tag name="LATEXENGINEID" val="0"/>
+  <p:tag name="TEMPFOLDER" val="C:\Users\cosA\OneDrive\Documents\temp\"/>
+  <p:tag name="LATEXFORMHEIGHT" val="312"/>
+  <p:tag name="LATEXFORMWIDTH" val="384"/>
+  <p:tag name="LATEXFORMWRAP" val="True"/>
+  <p:tag name="BITMAPVECTOR" val="0"/>
+</p:tagLst>
+</file>
+
+<file path=ppt/tags/tag36.xml><?xml version="1.0" encoding="utf-8"?>
+<p:tagLst xmlns:a="http://schemas.openxmlformats.org/drawingml/2006/main" xmlns:r="http://schemas.openxmlformats.org/officeDocument/2006/relationships" xmlns:p="http://schemas.openxmlformats.org/presentationml/2006/main">
+  <p:tag name="OUTPUTDPI" val="1200"/>
+  <p:tag name="ORIGINALHEIGHT" val="116.2354"/>
+  <p:tag name="ORIGINALWIDTH" val="289.4638"/>
+  <p:tag name="LATEXADDIN" val="\documentclass{article}&#10;\usepackage{amsmath}&#10;\pagestyle{empty}&#10;\usepackage{xcolor}&#10;\usepackage{empheq}&#10;\begin{document}&#10;$p\neq 2$&#10;\end{document}"/>
+  <p:tag name="IGUANATEXSIZE" val="18"/>
+  <p:tag name="IGUANATEXCURSOR" val="128"/>
+  <p:tag name="TRANSPARENCY" val="False"/>
+  <p:tag name="LATEXENGINEID" val="0"/>
+  <p:tag name="TEMPFOLDER" val="C:\Users\cosA\OneDrive\Documents\temp\"/>
+  <p:tag name="LATEXFORMHEIGHT" val="312"/>
+  <p:tag name="LATEXFORMWIDTH" val="384"/>
+  <p:tag name="LATEXFORMWRAP" val="True"/>
+  <p:tag name="BITMAPVECTOR" val="0"/>
+</p:tagLst>
+</file>
+
+<file path=ppt/tags/tag37.xml><?xml version="1.0" encoding="utf-8"?>
+<p:tagLst xmlns:a="http://schemas.openxmlformats.org/drawingml/2006/main" xmlns:r="http://schemas.openxmlformats.org/officeDocument/2006/relationships" xmlns:p="http://schemas.openxmlformats.org/presentationml/2006/main">
+  <p:tag name="OUTPUTDPI" val="1200"/>
+  <p:tag name="ORIGINALHEIGHT" val="126.7342"/>
+  <p:tag name="ORIGINALWIDTH" val="667.4166"/>
+  <p:tag name="LATEXADDIN" val="\documentclass{article}&#10;\usepackage{amsmath}&#10;\pagestyle{empty}&#10;\usepackage{xcolor}&#10;\usepackage{empheq}&#10;\begin{document}&#10;${2^{x}+p^{y}}={z^{2}}$&#10;\end{document}"/>
+  <p:tag name="IGUANATEXSIZE" val="18"/>
+  <p:tag name="IGUANATEXCURSOR" val="136"/>
+  <p:tag name="TRANSPARENCY" val="False"/>
+  <p:tag name="LATEXENGINEID" val="0"/>
+  <p:tag name="TEMPFOLDER" val="C:\Users\cosA\OneDrive\Documents\temp\"/>
+  <p:tag name="LATEXFORMHEIGHT" val="312"/>
+  <p:tag name="LATEXFORMWIDTH" val="384"/>
+  <p:tag name="LATEXFORMWRAP" val="True"/>
+  <p:tag name="BITMAPVECTOR" val="0"/>
+</p:tagLst>
+</file>
+
+<file path=ppt/tags/tag38.xml><?xml version="1.0" encoding="utf-8"?>
+<p:tagLst xmlns:a="http://schemas.openxmlformats.org/drawingml/2006/main" xmlns:r="http://schemas.openxmlformats.org/officeDocument/2006/relationships" xmlns:p="http://schemas.openxmlformats.org/presentationml/2006/main">
+  <p:tag name="OUTPUTDPI" val="1200"/>
+  <p:tag name="ORIGINALHEIGHT" val="56.24299"/>
+  <p:tag name="ORIGINALWIDTH" val="51.74354"/>
+  <p:tag name="LATEXADDIN" val="\documentclass{article}&#10;\usepackage{amsmath}&#10;\pagestyle{empty}&#10;\usepackage{xcolor}&#10;\usepackage{empheq}&#10;\begin{document}&#10;$r$&#10;\end{document}"/>
+  <p:tag name="IGUANATEXSIZE" val="18"/>
+  <p:tag name="IGUANATEXCURSOR" val="122"/>
+  <p:tag name="TRANSPARENCY" val="False"/>
+  <p:tag name="LATEXENGINEID" val="0"/>
+  <p:tag name="TEMPFOLDER" val="C:\Users\cosA\OneDrive\Documents\temp\"/>
+  <p:tag name="LATEXFORMHEIGHT" val="312"/>
+  <p:tag name="LATEXFORMWIDTH" val="384"/>
+  <p:tag name="LATEXFORMWRAP" val="True"/>
+  <p:tag name="BITMAPVECTOR" val="0"/>
+</p:tagLst>
+</file>
+
 <file path=ppt/tags/tag39.xml><?xml version="1.0" encoding="utf-8"?>
 <p:tagLst xmlns:a="http://schemas.openxmlformats.org/drawingml/2006/main" xmlns:r="http://schemas.openxmlformats.org/officeDocument/2006/relationships" xmlns:p="http://schemas.openxmlformats.org/presentationml/2006/main">
   <p:tag name="OUTPUTDPI" val="1200"/>
-  <p:tag name="ORIGINALHEIGHT" val="83.98952"/>
-  <p:tag name="ORIGINALWIDTH" val="367.4541"/>
-  <p:tag name="LATEXADDIN" val="\documentclass{article}&#10;\usepackage{amsmath}&#10;\pagestyle{empty}&#10;\usepackage{xcolor}&#10;\usepackage{empheq}&#10;\begin{document}&#10;$x=2n$&#10;\end{document}"/>
+  <p:tag name="ORIGINALHEIGHT" val="113.2358"/>
+  <p:tag name="ORIGINALWIDTH" val="666.6667"/>
+  <p:tag name="LATEXADDIN" val="\documentclass{article}&#10;\usepackage{amsmath}&#10;\pagestyle{empty}&#10;\usepackage{xcolor}&#10;\usepackage{empheq}&#10;\begin{document}&#10;${2^{x}+3^{y}}={z^{2}}$&#10;\end{document}"/>
   <p:tag name="IGUANATEXSIZE" val="18"/>
-  <p:tag name="IGUANATEXCURSOR" val="125"/>
+  <p:tag name="IGUANATEXCURSOR" val="129"/>
   <p:tag name="TRANSPARENCY" val="False"/>
   <p:tag name="LATEXENGINEID" val="0"/>
   <p:tag name="TEMPFOLDER" val="C:\Users\cosA\OneDrive\Documents\temp\"/>
@@ -17949,11 +22324,11 @@
 <file path=ppt/tags/tag40.xml><?xml version="1.0" encoding="utf-8"?>
 <p:tagLst xmlns:a="http://schemas.openxmlformats.org/drawingml/2006/main" xmlns:r="http://schemas.openxmlformats.org/officeDocument/2006/relationships" xmlns:p="http://schemas.openxmlformats.org/presentationml/2006/main">
   <p:tag name="OUTPUTDPI" val="1200"/>
-  <p:tag name="ORIGINALHEIGHT" val="90.73866"/>
-  <p:tag name="ORIGINALWIDTH" val="303.712"/>
-  <p:tag name="LATEXADDIN" val="\documentclass{article}&#10;\usepackage{amsmath}&#10;\usepackage{amsfonts}&#10;\pagestyle{empty}&#10;\usepackage{xcolor}&#10;\usepackage{empheq}&#10;\begin{document}&#10;$n\in \mathbb{Z}$&#10;\end{document}"/>
+  <p:tag name="ORIGINALHEIGHT" val="149.2313"/>
+  <p:tag name="ORIGINALWIDTH" val="2631.421"/>
+  <p:tag name="LATEXADDIN" val="\documentclass{article}&#10;\usepackage{amsmath}&#10;\pagestyle{empty}&#10;\usepackage{xcolor}&#10;\usepackage{empheq}&#10;\begin{document}&#10;$\left ( x,p,y,z \right )\in\left \{\left ( 4,3,2,5 \right ) ,\left ( 2r,2 ^{r+1}+1,1,2^{r}+1\right )\right \}$&#10;\end{document}"/>
   <p:tag name="IGUANATEXSIZE" val="18"/>
-  <p:tag name="IGUANATEXCURSOR" val="144"/>
+  <p:tag name="IGUANATEXCURSOR" val="148"/>
   <p:tag name="TRANSPARENCY" val="False"/>
   <p:tag name="LATEXENGINEID" val="0"/>
   <p:tag name="TEMPFOLDER" val="C:\Users\cosA\OneDrive\Documents\temp\"/>
@@ -17967,11 +22342,11 @@
 <file path=ppt/tags/tag41.xml><?xml version="1.0" encoding="utf-8"?>
 <p:tagLst xmlns:a="http://schemas.openxmlformats.org/drawingml/2006/main" xmlns:r="http://schemas.openxmlformats.org/officeDocument/2006/relationships" xmlns:p="http://schemas.openxmlformats.org/presentationml/2006/main">
   <p:tag name="OUTPUTDPI" val="1200"/>
-  <p:tag name="ORIGINALHEIGHT" val="116.2354"/>
-  <p:tag name="ORIGINALWIDTH" val="407.949"/>
-  <p:tag name="LATEXADDIN" val="\documentclass{article}&#10;\usepackage{amsmath}&#10;\usepackage{amssymb}&#10;\pagestyle{empty}&#10;\usepackage{xcolor}&#10;\usepackage{empheq}&#10;\begin{document}&#10;$ p\neq 2,3$&#10;\end{document}"/>
+  <p:tag name="ORIGINALHEIGHT" val="125.2343"/>
+  <p:tag name="ORIGINALWIDTH" val="1997.75"/>
+  <p:tag name="LATEXADDIN" val="\documentclass{article}&#10;\usepackage{amsmath}&#10;\pagestyle{empty}&#10;\usepackage{xcolor}&#10;\usepackage{empheq}&#10;\begin{document}&#10;$\left ( x,y,z \right )\in\left \{\left (3,0,3 \right ) ,\left ( 0,1,2 \right ),\left ( 4,2,5 \right )\right \}$&#10;\end{document}"/>
   <p:tag name="IGUANATEXSIZE" val="18"/>
-  <p:tag name="IGUANATEXCURSOR" val="152"/>
+  <p:tag name="IGUANATEXCURSOR" val="247"/>
   <p:tag name="TRANSPARENCY" val="False"/>
   <p:tag name="LATEXENGINEID" val="0"/>
   <p:tag name="TEMPFOLDER" val="C:\Users\cosA\OneDrive\Documents\temp\"/>
@@ -17985,11 +22360,11 @@
 <file path=ppt/tags/tag42.xml><?xml version="1.0" encoding="utf-8"?>
 <p:tagLst xmlns:a="http://schemas.openxmlformats.org/drawingml/2006/main" xmlns:r="http://schemas.openxmlformats.org/officeDocument/2006/relationships" xmlns:p="http://schemas.openxmlformats.org/presentationml/2006/main">
   <p:tag name="OUTPUTDPI" val="1200"/>
-  <p:tag name="ORIGINALHEIGHT" val="126.7342"/>
-  <p:tag name="ORIGINALWIDTH" val="693.6633"/>
-  <p:tag name="LATEXADDIN" val="\documentclass{article}&#10;\usepackage{amsmath}&#10;\usepackage{amsfonts}&#10;\pagestyle{empty}&#10;\usepackage{xcolor}&#10;\usepackage{empheq}&#10;\begin{document}&#10;$p=2^{n+1}+1$&#10;\end{document}"/>
+  <p:tag name="ORIGINALHEIGHT" val="116.2354"/>
+  <p:tag name="ORIGINALWIDTH" val="286.4642"/>
+  <p:tag name="LATEXADDIN" val="\documentclass{article}&#10;\usepackage{amsmath}&#10;\pagestyle{empty}&#10;\usepackage{xcolor}&#10;\usepackage{empheq}&#10;\begin{document}&#10;$x\neq 1$&#10;\end{document}"/>
   <p:tag name="IGUANATEXSIZE" val="18"/>
-  <p:tag name="IGUANATEXCURSOR" val="154"/>
+  <p:tag name="IGUANATEXCURSOR" val="121"/>
   <p:tag name="TRANSPARENCY" val="False"/>
   <p:tag name="LATEXENGINEID" val="0"/>
   <p:tag name="TEMPFOLDER" val="C:\Users\cosA\OneDrive\Documents\temp\"/>
@@ -18005,9 +22380,9 @@
   <p:tag name="OUTPUTDPI" val="1200"/>
   <p:tag name="ORIGINALHEIGHT" val="125.2343"/>
   <p:tag name="ORIGINALWIDTH" val="825.6468"/>
-  <p:tag name="LATEXADDIN" val="&#10;&#10;\documentclass{article}&#10;\usepackage{amsmath}&#10;\usepackage{amsfonts}&#10;\usepackage{amssymb}&#10;\pagestyle{empty}&#10;\usepackage{xcolor}&#10;\usepackage{empheq}&#10;\begin{document}&#10;$p\equiv 3\left ( \mod4 \right )$&#10;\end{document}"/>
+  <p:tag name="LATEXADDIN" val="\documentclass{article}&#10;\usepackage{amsmath}&#10;\pagestyle{empty}&#10;\usepackage{xcolor}&#10;\usepackage{empheq}&#10;\begin{document}&#10;$p\equiv 3\left(\mod4 \right )$&#10;\end{document}"/>
   <p:tag name="IGUANATEXSIZE" val="18"/>
-  <p:tag name="IGUANATEXCURSOR" val="175"/>
+  <p:tag name="IGUANATEXCURSOR" val="136"/>
   <p:tag name="TRANSPARENCY" val="False"/>
   <p:tag name="LATEXENGINEID" val="0"/>
   <p:tag name="TEMPFOLDER" val="C:\Users\cosA\OneDrive\Documents\temp\"/>
@@ -18021,11 +22396,11 @@
 <file path=ppt/tags/tag44.xml><?xml version="1.0" encoding="utf-8"?>
 <p:tagLst xmlns:a="http://schemas.openxmlformats.org/drawingml/2006/main" xmlns:r="http://schemas.openxmlformats.org/officeDocument/2006/relationships" xmlns:p="http://schemas.openxmlformats.org/presentationml/2006/main">
   <p:tag name="OUTPUTDPI" val="1200"/>
-  <p:tag name="ORIGINALHEIGHT" val="125.2343"/>
-  <p:tag name="ORIGINALWIDTH" val="935.883"/>
-  <p:tag name="LATEXADDIN" val="\documentclass{article}&#10;\usepackage{amsmath}&#10;\usepackage{amssymb}&#10;\pagestyle{empty}&#10;\usepackage{xcolor}&#10;\usepackage{empheq}&#10;\begin{document}&#10;$\therefore  p\equiv 1\left ( \mod4 \right )$&#10;\end{document}"/>
+  <p:tag name="ORIGINALHEIGHT" val="126.7342"/>
+  <p:tag name="ORIGINALWIDTH" val="667.4166"/>
+  <p:tag name="LATEXADDIN" val="\documentclass{article}&#10;\usepackage{amsmath}&#10;\pagestyle{empty}&#10;\usepackage{xcolor}&#10;\usepackage{empheq}&#10;\begin{document}&#10;${\color{red}2^{x}+p^{y}=z^{2}}$&#10;\end{document}"/>
   <p:tag name="IGUANATEXSIZE" val="18"/>
-  <p:tag name="IGUANATEXCURSOR" val="185"/>
+  <p:tag name="IGUANATEXCURSOR" val="145"/>
   <p:tag name="TRANSPARENCY" val="False"/>
   <p:tag name="LATEXENGINEID" val="0"/>
   <p:tag name="TEMPFOLDER" val="C:\Users\cosA\OneDrive\Documents\temp\"/>
@@ -18039,11 +22414,11 @@
 <file path=ppt/tags/tag45.xml><?xml version="1.0" encoding="utf-8"?>
 <p:tagLst xmlns:a="http://schemas.openxmlformats.org/drawingml/2006/main" xmlns:r="http://schemas.openxmlformats.org/officeDocument/2006/relationships" xmlns:p="http://schemas.openxmlformats.org/presentationml/2006/main">
   <p:tag name="OUTPUTDPI" val="1200"/>
-  <p:tag name="ORIGINALHEIGHT" val="56.24299"/>
-  <p:tag name="ORIGINALWIDTH" val="62.99213"/>
-  <p:tag name="LATEXADDIN" val="\documentclass{article}&#10;\usepackage{amsmath}&#10;\pagestyle{empty}&#10;\usepackage{xcolor}&#10;\usepackage{empheq}&#10;\begin{document}&#10;$x$&#10;\end{document}"/>
+  <p:tag name="ORIGINALHEIGHT" val="125.2343"/>
+  <p:tag name="ORIGINALWIDTH" val="134.9832"/>
+  <p:tag name="LATEXADDIN" val="\documentclass{article}&#10;\usepackage{amsmath}&#10;\pagestyle{empty}&#10;\usepackage{xcolor}&#10;\usepackage{empheq}&#10;\begin{document}&#10;${\color{red}\left ( 1 \right )}$&#10;\end{document}"/>
   <p:tag name="IGUANATEXSIZE" val="18"/>
-  <p:tag name="IGUANATEXCURSOR" val="122"/>
+  <p:tag name="IGUANATEXCURSOR" val="152"/>
   <p:tag name="TRANSPARENCY" val="False"/>
   <p:tag name="LATEXENGINEID" val="0"/>
   <p:tag name="TEMPFOLDER" val="C:\Users\cosA\OneDrive\Documents\temp\"/>
@@ -18057,11 +22432,11 @@
 <file path=ppt/tags/tag46.xml><?xml version="1.0" encoding="utf-8"?>
 <p:tagLst xmlns:a="http://schemas.openxmlformats.org/drawingml/2006/main" xmlns:r="http://schemas.openxmlformats.org/officeDocument/2006/relationships" xmlns:p="http://schemas.openxmlformats.org/presentationml/2006/main">
   <p:tag name="OUTPUTDPI" val="1200"/>
-  <p:tag name="ORIGINALHEIGHT" val="107.9865"/>
-  <p:tag name="ORIGINALWIDTH" val="281.2149"/>
-  <p:tag name="LATEXADDIN" val="&#10;&#10;\documentclass{article}&#10;\usepackage{amsmath}&#10;\usepackage{amsfonts}&#10;\usepackage{amssymb}&#10;\pagestyle{empty}&#10;\usepackage{xcolor}&#10;\usepackage{empheq}&#10;\begin{document}&#10;$y\geq 1 $&#10;\end{document}"/>
+  <p:tag name="ORIGINALHEIGHT" val="125.2343"/>
+  <p:tag name="ORIGINALWIDTH" val="4681.665"/>
+  <p:tag name="LATEXADDIN" val="\documentclass{article}&#10;\usepackage{amsmath}&#10;\usepackage{amsfonts}&#10;\pagestyle{empty}&#10;\usepackage{xcolor}&#10;\usepackage{empheq}&#10;\begin{document}&#10;$\left ( x,p,y,z \right )\in    \left \{ \left ( 3,p,0,3 \right ) \right \}  \cup   \left \{ \left ( 0,3,1,2 \right ) \right \} \cup \left \{ \left ( 2+\log_{2}\left ( p+1 \right ) ,p,2,p+2\right )  : \log_{2}\left ( p+1 \right)   \in\mathbb{Z} \right \}$&#10;\end{document}"/>
   <p:tag name="IGUANATEXSIZE" val="18"/>
-  <p:tag name="IGUANATEXCURSOR" val="174"/>
+  <p:tag name="IGUANATEXCURSOR" val="295"/>
   <p:tag name="TRANSPARENCY" val="False"/>
   <p:tag name="LATEXENGINEID" val="0"/>
   <p:tag name="TEMPFOLDER" val="C:\Users\cosA\OneDrive\Documents\temp\"/>
@@ -18075,11 +22450,11 @@
 <file path=ppt/tags/tag47.xml><?xml version="1.0" encoding="utf-8"?>
 <p:tagLst xmlns:a="http://schemas.openxmlformats.org/drawingml/2006/main" xmlns:r="http://schemas.openxmlformats.org/officeDocument/2006/relationships" xmlns:p="http://schemas.openxmlformats.org/presentationml/2006/main">
   <p:tag name="OUTPUTDPI" val="1200"/>
-  <p:tag name="ORIGINALHEIGHT" val="107.9865"/>
+  <p:tag name="ORIGINALHEIGHT" val="116.2354"/>
   <p:tag name="ORIGINALWIDTH" val="286.4642"/>
-  <p:tag name="LATEXADDIN" val="&#10;&#10;\documentclass{article}&#10;\usepackage{amsmath}&#10;\usepackage{amsfonts}&#10;\usepackage{amssymb}&#10;\pagestyle{empty}&#10;\usepackage{xcolor}&#10;\usepackage{empheq}&#10;\begin{document}&#10;$y=0$&#10;\end{document}"/>
+  <p:tag name="LATEXADDIN" val="\documentclass{article}&#10;\usepackage{amsmath}&#10;\pagestyle{empty}&#10;\usepackage{xcolor}&#10;\usepackage{empheq}&#10;\begin{document}&#10;$x\neq 1$&#10;\end{document}"/>
   <p:tag name="IGUANATEXSIZE" val="18"/>
-  <p:tag name="IGUANATEXCURSOR" val="169"/>
+  <p:tag name="IGUANATEXCURSOR" val="121"/>
   <p:tag name="TRANSPARENCY" val="False"/>
   <p:tag name="LATEXENGINEID" val="0"/>
   <p:tag name="TEMPFOLDER" val="C:\Users\cosA\OneDrive\Documents\temp\"/>
@@ -18094,10 +22469,10 @@
 <p:tagLst xmlns:a="http://schemas.openxmlformats.org/drawingml/2006/main" xmlns:r="http://schemas.openxmlformats.org/officeDocument/2006/relationships" xmlns:p="http://schemas.openxmlformats.org/presentationml/2006/main">
   <p:tag name="OUTPUTDPI" val="1200"/>
   <p:tag name="ORIGINALHEIGHT" val="125.2343"/>
-  <p:tag name="ORIGINALWIDTH" val="704.9119"/>
-  <p:tag name="LATEXADDIN" val="\documentclass{article}&#10;\usepackage{amsmath}&#10;\pagestyle{empty}&#10;\usepackage{xcolor}&#10;\usepackage{empheq}&#10;\begin{document}&#10;$ \left (x,z  \right )=\left ( 3,3 \right )$&#10;\end{document}"/>
+  <p:tag name="ORIGINALWIDTH" val="825.6468"/>
+  <p:tag name="LATEXADDIN" val="\documentclass{article}&#10;\usepackage{amsmath}&#10;\pagestyle{empty}&#10;\usepackage{xcolor}&#10;\usepackage{empheq}&#10;\begin{document}&#10;$p\equiv 3\left(\mod4 \right )$&#10;\end{document}"/>
   <p:tag name="IGUANATEXSIZE" val="18"/>
-  <p:tag name="IGUANATEXCURSOR" val="129"/>
+  <p:tag name="IGUANATEXCURSOR" val="136"/>
   <p:tag name="TRANSPARENCY" val="False"/>
   <p:tag name="LATEXENGINEID" val="0"/>
   <p:tag name="TEMPFOLDER" val="C:\Users\cosA\OneDrive\Documents\temp\"/>
@@ -18111,11 +22486,11 @@
 <file path=ppt/tags/tag49.xml><?xml version="1.0" encoding="utf-8"?>
 <p:tagLst xmlns:a="http://schemas.openxmlformats.org/drawingml/2006/main" xmlns:r="http://schemas.openxmlformats.org/officeDocument/2006/relationships" xmlns:p="http://schemas.openxmlformats.org/presentationml/2006/main">
   <p:tag name="OUTPUTDPI" val="1200"/>
-  <p:tag name="ORIGINALHEIGHT" val="125.2343"/>
-  <p:tag name="ORIGINALWIDTH" val="1179.603"/>
-  <p:tag name="LATEXADDIN" val="\documentclass{article}&#10;\usepackage{amsmath}&#10;\pagestyle{empty}&#10;\usepackage{xcolor}&#10;\usepackage{empheq}&#10;\begin{document}&#10;$ \left (x,p,y,z  \right )=\left ( 3,p,0,3 \right )$&#10;\end{document}"/>
+  <p:tag name="ORIGINALHEIGHT" val="116.2354"/>
+  <p:tag name="ORIGINALWIDTH" val="399.7"/>
+  <p:tag name="LATEXADDIN" val="\documentclass{article}&#10;\usepackage{amsmath}&#10;\usepackage{amssymb}&#10;\pagestyle{empty}&#10;\usepackage{xcolor}&#10;\usepackage{empheq}&#10;\begin{document}&#10;$\therefore p\neq 2$&#10;\end{document}"/>
   <p:tag name="IGUANATEXSIZE" val="18"/>
-  <p:tag name="IGUANATEXCURSOR" val="160"/>
+  <p:tag name="IGUANATEXCURSOR" val="64"/>
   <p:tag name="TRANSPARENCY" val="False"/>
   <p:tag name="LATEXENGINEID" val="0"/>
   <p:tag name="TEMPFOLDER" val="C:\Users\cosA\OneDrive\Documents\temp\"/>
@@ -18147,11 +22522,11 @@
 <file path=ppt/tags/tag50.xml><?xml version="1.0" encoding="utf-8"?>
 <p:tagLst xmlns:a="http://schemas.openxmlformats.org/drawingml/2006/main" xmlns:r="http://schemas.openxmlformats.org/officeDocument/2006/relationships" xmlns:p="http://schemas.openxmlformats.org/presentationml/2006/main">
   <p:tag name="OUTPUTDPI" val="1200"/>
-  <p:tag name="ORIGINALHEIGHT" val="67.49158"/>
-  <p:tag name="ORIGINALWIDTH" val="76.49047"/>
-  <p:tag name="LATEXADDIN" val="\documentclass{article}&#10;\usepackage{amsmath}&#10;\usepackage{amssymb}&#10;\pagestyle{empty}&#10;\usepackage{xcolor}&#10;\usepackage{empheq}&#10;\begin{document}&#10;$\therefore $&#10;\end{document}"/>
+  <p:tag name="ORIGINALHEIGHT" val="106.4867"/>
+  <p:tag name="ORIGINALWIDTH" val="290.2137"/>
+  <p:tag name="LATEXADDIN" val="\documentclass{article}&#10;\usepackage{amsmath}&#10;\pagestyle{empty}&#10;\usepackage{xcolor}&#10;\usepackage{empheq}&#10;\begin{document}&#10;$p=3$&#10;\end{document}"/>
   <p:tag name="IGUANATEXSIZE" val="18"/>
-  <p:tag name="IGUANATEXCURSOR" val="153"/>
+  <p:tag name="IGUANATEXCURSOR" val="122"/>
   <p:tag name="TRANSPARENCY" val="False"/>
   <p:tag name="LATEXENGINEID" val="0"/>
   <p:tag name="TEMPFOLDER" val="C:\Users\cosA\OneDrive\Documents\temp\"/>
@@ -18165,11 +22540,11 @@
 <file path=ppt/tags/tag51.xml><?xml version="1.0" encoding="utf-8"?>
 <p:tagLst xmlns:a="http://schemas.openxmlformats.org/drawingml/2006/main" xmlns:r="http://schemas.openxmlformats.org/officeDocument/2006/relationships" xmlns:p="http://schemas.openxmlformats.org/presentationml/2006/main">
   <p:tag name="OUTPUTDPI" val="1200"/>
-  <p:tag name="ORIGINALHEIGHT" val="111.7361"/>
-  <p:tag name="ORIGINALWIDTH" val="354.7057"/>
-  <p:tag name="LATEXADDIN" val="\documentclass{article}&#10;\usepackage{amsmath}&#10;\pagestyle{empty}&#10;\usepackage{xcolor}&#10;\usepackage{empheq}&#10;\begin{document}&#10;$y=2k$&#10;\end{document}"/>
+  <p:tag name="ORIGINALHEIGHT" val="125.2343"/>
+  <p:tag name="ORIGINALWIDTH" val="1997.75"/>
+  <p:tag name="LATEXADDIN" val="\documentclass{article}&#10;\usepackage{amsmath}&#10;\pagestyle{empty}&#10;\usepackage{xcolor}&#10;\usepackage{empheq}&#10;\begin{document}&#10;$\left ( x,y,z \right )\in\left \{\left (3,0,3 \right ) ,\left ( 0,1,2 \right ),\left ( 4,2,5 \right )\right \}$&#10;\end{document}"/>
   <p:tag name="IGUANATEXSIZE" val="18"/>
-  <p:tag name="IGUANATEXCURSOR" val="122"/>
+  <p:tag name="IGUANATEXCURSOR" val="247"/>
   <p:tag name="TRANSPARENCY" val="False"/>
   <p:tag name="LATEXENGINEID" val="0"/>
   <p:tag name="TEMPFOLDER" val="C:\Users\cosA\OneDrive\Documents\temp\"/>
@@ -18183,11 +22558,11 @@
 <file path=ppt/tags/tag52.xml><?xml version="1.0" encoding="utf-8"?>
 <p:tagLst xmlns:a="http://schemas.openxmlformats.org/drawingml/2006/main" xmlns:r="http://schemas.openxmlformats.org/officeDocument/2006/relationships" xmlns:p="http://schemas.openxmlformats.org/presentationml/2006/main">
   <p:tag name="OUTPUTDPI" val="1200"/>
-  <p:tag name="ORIGINALHEIGHT" val="91.48859"/>
-  <p:tag name="ORIGINALWIDTH" val="293.9632"/>
-  <p:tag name="LATEXADDIN" val="\documentclass{article}&#10;\usepackage{amsmath}&#10;\usepackage{amsfonts}&#10;\pagestyle{empty}&#10;\usepackage{xcolor}&#10;\usepackage{empheq}&#10;\begin{document}&#10;$k\in \mathbb{Z}$&#10;\end{document}"/>
+  <p:tag name="ORIGINALHEIGHT" val="78.74016"/>
+  <p:tag name="ORIGINALWIDTH" val="65.99173"/>
+  <p:tag name="LATEXADDIN" val="\documentclass{article}&#10;\usepackage{amsmath}&#10;\pagestyle{empty}&#10;\usepackage{xcolor}&#10;\usepackage{empheq}&#10;\begin{document}&#10;$p$ &#10;\end{document}"/>
   <p:tag name="IGUANATEXSIZE" val="18"/>
-  <p:tag name="IGUANATEXCURSOR" val="158"/>
+  <p:tag name="IGUANATEXCURSOR" val="124"/>
   <p:tag name="TRANSPARENCY" val="False"/>
   <p:tag name="LATEXENGINEID" val="0"/>
   <p:tag name="TEMPFOLDER" val="C:\Users\cosA\OneDrive\Documents\temp\"/>
@@ -18201,11 +22576,11 @@
 <file path=ppt/tags/tag53.xml><?xml version="1.0" encoding="utf-8"?>
 <p:tagLst xmlns:a="http://schemas.openxmlformats.org/drawingml/2006/main" xmlns:r="http://schemas.openxmlformats.org/officeDocument/2006/relationships" xmlns:p="http://schemas.openxmlformats.org/presentationml/2006/main">
   <p:tag name="OUTPUTDPI" val="1200"/>
-  <p:tag name="ORIGINALHEIGHT" val="125.2343"/>
-  <p:tag name="ORIGINALWIDTH" val="134.9832"/>
-  <p:tag name="LATEXADDIN" val="\documentclass{article}&#10;\usepackage{amsmath}&#10;\pagestyle{empty}&#10;\usepackage{xcolor}&#10;\usepackage{empheq}&#10;\begin{document}&#10;${\color{red}\left ( 1 \right )}$&#10;\end{document}"/>
+  <p:tag name="ORIGINALHEIGHT" val="116.2354"/>
+  <p:tag name="ORIGINALWIDTH" val="290.2137"/>
+  <p:tag name="LATEXADDIN" val="\documentclass{article}&#10;\usepackage{amsmath}&#10;\pagestyle{empty}&#10;\usepackage{xcolor}&#10;\usepackage{empheq}&#10;\begin{document}&#10;$p\neq 3$&#10;\end{document}"/>
   <p:tag name="IGUANATEXSIZE" val="18"/>
-  <p:tag name="IGUANATEXCURSOR" val="152"/>
+  <p:tag name="IGUANATEXCURSOR" val="127"/>
   <p:tag name="TRANSPARENCY" val="False"/>
   <p:tag name="LATEXENGINEID" val="0"/>
   <p:tag name="TEMPFOLDER" val="C:\Users\cosA\OneDrive\Documents\temp\"/>
@@ -18219,11 +22594,11 @@
 <file path=ppt/tags/tag54.xml><?xml version="1.0" encoding="utf-8"?>
 <p:tagLst xmlns:a="http://schemas.openxmlformats.org/drawingml/2006/main" xmlns:r="http://schemas.openxmlformats.org/officeDocument/2006/relationships" xmlns:p="http://schemas.openxmlformats.org/presentationml/2006/main">
   <p:tag name="OUTPUTDPI" val="1200"/>
-  <p:tag name="ORIGINALHEIGHT" val="126.7342"/>
-  <p:tag name="ORIGINALWIDTH" val="667.4166"/>
-  <p:tag name="LATEXADDIN" val="\documentclass{article}&#10;\usepackage{amsmath}&#10;\pagestyle{empty}&#10;\usepackage{xcolor}&#10;\usepackage{empheq}&#10;\begin{document}&#10;${\color{red}2^{x}+p^{y}=z^{2}}$&#10;\end{document}"/>
+  <p:tag name="ORIGINALHEIGHT" val="116.2354"/>
+  <p:tag name="ORIGINALWIDTH" val="291.7135"/>
+  <p:tag name="LATEXADDIN" val="\documentclass{article}&#10;\usepackage{amsmath}&#10;\pagestyle{empty}&#10;\usepackage{xcolor}&#10;\usepackage{empheq}&#10;\begin{document}&#10;$x\neq 0$&#10;\end{document}"/>
   <p:tag name="IGUANATEXSIZE" val="18"/>
-  <p:tag name="IGUANATEXCURSOR" val="145"/>
+  <p:tag name="IGUANATEXCURSOR" val="128"/>
   <p:tag name="TRANSPARENCY" val="False"/>
   <p:tag name="LATEXENGINEID" val="0"/>
   <p:tag name="TEMPFOLDER" val="C:\Users\cosA\OneDrive\Documents\temp\"/>
@@ -18237,11 +22612,11 @@
 <file path=ppt/tags/tag55.xml><?xml version="1.0" encoding="utf-8"?>
 <p:tagLst xmlns:a="http://schemas.openxmlformats.org/drawingml/2006/main" xmlns:r="http://schemas.openxmlformats.org/officeDocument/2006/relationships" xmlns:p="http://schemas.openxmlformats.org/presentationml/2006/main">
   <p:tag name="OUTPUTDPI" val="1200"/>
-  <p:tag name="ORIGINALHEIGHT" val="129.7338"/>
-  <p:tag name="ORIGINALWIDTH" val="718.4102"/>
-  <p:tag name="LATEXADDIN" val="\documentclass{article}&#10;\usepackage{amsmath}&#10;\pagestyle{empty}&#10;\usepackage{xcolor}&#10;\usepackage{empheq}&#10;\begin{document}&#10;${2^{x}+p^{2k}=z^{2}}$&#10;\end{document}"/>
+  <p:tag name="ORIGINALHEIGHT" val="85.48929"/>
+  <p:tag name="ORIGINALWIDTH" val="291.7135"/>
+  <p:tag name="LATEXADDIN" val="\documentclass{article}&#10;\usepackage{amsmath}&#10;\pagestyle{empty}&#10;\usepackage{xcolor}&#10;\usepackage{empheq}&#10;\begin{document}&#10;$x=0$&#10;\end{document}"/>
   <p:tag name="IGUANATEXSIZE" val="18"/>
-  <p:tag name="IGUANATEXCURSOR" val="122"/>
+  <p:tag name="IGUANATEXCURSOR" val="123"/>
   <p:tag name="TRANSPARENCY" val="False"/>
   <p:tag name="LATEXENGINEID" val="0"/>
   <p:tag name="TEMPFOLDER" val="C:\Users\cosA\OneDrive\Documents\temp\"/>
@@ -18255,11 +22630,11 @@
 <file path=ppt/tags/tag56.xml><?xml version="1.0" encoding="utf-8"?>
 <p:tagLst xmlns:a="http://schemas.openxmlformats.org/drawingml/2006/main" xmlns:r="http://schemas.openxmlformats.org/officeDocument/2006/relationships" xmlns:p="http://schemas.openxmlformats.org/presentationml/2006/main">
   <p:tag name="OUTPUTDPI" val="1200"/>
-  <p:tag name="ORIGINALHEIGHT" val="129.7338"/>
-  <p:tag name="ORIGINALWIDTH" val="718.4102"/>
-  <p:tag name="LATEXADDIN" val="\documentclass{article}&#10;\usepackage{amsmath}&#10;\pagestyle{empty}&#10;\usepackage{xcolor}&#10;\usepackage{empheq}&#10;\begin{document}&#10;${2^{x}=z^{2}-p^{2k}}$&#10;\end{document}"/>
+  <p:tag name="ORIGINALHEIGHT" val="56.24299"/>
+  <p:tag name="ORIGINALWIDTH" val="62.99213"/>
+  <p:tag name="LATEXADDIN" val="\documentclass{article}&#10;\usepackage{amsmath}&#10;\pagestyle{empty}&#10;\usepackage{xcolor}&#10;\usepackage{empheq}&#10;\begin{document}&#10;$x$&#10;\end{document}"/>
   <p:tag name="IGUANATEXSIZE" val="18"/>
-  <p:tag name="IGUANATEXCURSOR" val="134"/>
+  <p:tag name="IGUANATEXCURSOR" val="122"/>
   <p:tag name="TRANSPARENCY" val="False"/>
   <p:tag name="LATEXENGINEID" val="0"/>
   <p:tag name="TEMPFOLDER" val="C:\Users\cosA\OneDrive\Documents\temp\"/>
@@ -18273,11 +22648,11 @@
 <file path=ppt/tags/tag57.xml><?xml version="1.0" encoding="utf-8"?>
 <p:tagLst xmlns:a="http://schemas.openxmlformats.org/drawingml/2006/main" xmlns:r="http://schemas.openxmlformats.org/officeDocument/2006/relationships" xmlns:p="http://schemas.openxmlformats.org/presentationml/2006/main">
   <p:tag name="OUTPUTDPI" val="1200"/>
-  <p:tag name="ORIGINALHEIGHT" val="149.2313"/>
-  <p:tag name="ORIGINALWIDTH" val="1193.851"/>
-  <p:tag name="LATEXADDIN" val="\documentclass{article}&#10;\usepackage{amsmath}&#10;\pagestyle{empty}&#10;\usepackage{xcolor}&#10;\usepackage{empheq}&#10;\begin{document}&#10;$2^{x}=\left ( z-p^{k} \right ) \left ( z+p^{k} \right )$&#10;\end{document}"/>
+  <p:tag name="ORIGINALHEIGHT" val="83.98952"/>
+  <p:tag name="ORIGINALWIDTH" val="367.4541"/>
+  <p:tag name="LATEXADDIN" val="\documentclass{article}&#10;\usepackage{amsmath}&#10;\pagestyle{empty}&#10;\usepackage{xcolor}&#10;\usepackage{empheq}&#10;\begin{document}&#10;$x=2n$&#10;\end{document}"/>
   <p:tag name="IGUANATEXSIZE" val="18"/>
-  <p:tag name="IGUANATEXCURSOR" val="126"/>
+  <p:tag name="IGUANATEXCURSOR" val="125"/>
   <p:tag name="TRANSPARENCY" val="False"/>
   <p:tag name="LATEXENGINEID" val="0"/>
   <p:tag name="TEMPFOLDER" val="C:\Users\cosA\OneDrive\Documents\temp\"/>
@@ -18291,11 +22666,11 @@
 <file path=ppt/tags/tag58.xml><?xml version="1.0" encoding="utf-8"?>
 <p:tagLst xmlns:a="http://schemas.openxmlformats.org/drawingml/2006/main" xmlns:r="http://schemas.openxmlformats.org/officeDocument/2006/relationships" xmlns:p="http://schemas.openxmlformats.org/presentationml/2006/main">
   <p:tag name="OUTPUTDPI" val="1200"/>
-  <p:tag name="ORIGINALHEIGHT" val="125.2343"/>
-  <p:tag name="ORIGINALWIDTH" val="134.9832"/>
-  <p:tag name="LATEXADDIN" val="\documentclass{article}&#10;\usepackage{amsmath}&#10;\pagestyle{empty}&#10;\usepackage{xcolor}&#10;\usepackage{empheq}&#10;\begin{document}&#10;${\color{red}\left ( 2 \right )}$&#10;\end{document}"/>
+  <p:tag name="ORIGINALHEIGHT" val="90.73866"/>
+  <p:tag name="ORIGINALWIDTH" val="303.712"/>
+  <p:tag name="LATEXADDIN" val="\documentclass{article}&#10;\usepackage{amsmath}&#10;\usepackage{amsfonts}&#10;\pagestyle{empty}&#10;\usepackage{xcolor}&#10;\usepackage{empheq}&#10;\begin{document}&#10;$n\in \mathbb{Z}$&#10;\end{document}"/>
   <p:tag name="IGUANATEXSIZE" val="18"/>
-  <p:tag name="IGUANATEXCURSOR" val="142"/>
+  <p:tag name="IGUANATEXCURSOR" val="144"/>
   <p:tag name="TRANSPARENCY" val="False"/>
   <p:tag name="LATEXENGINEID" val="0"/>
   <p:tag name="TEMPFOLDER" val="C:\Users\cosA\OneDrive\Documents\temp\"/>
@@ -18309,11 +22684,11 @@
 <file path=ppt/tags/tag59.xml><?xml version="1.0" encoding="utf-8"?>
 <p:tagLst xmlns:a="http://schemas.openxmlformats.org/drawingml/2006/main" xmlns:r="http://schemas.openxmlformats.org/officeDocument/2006/relationships" xmlns:p="http://schemas.openxmlformats.org/presentationml/2006/main">
   <p:tag name="OUTPUTDPI" val="1200"/>
-  <p:tag name="ORIGINALHEIGHT" val="149.2313"/>
-  <p:tag name="ORIGINALWIDTH" val="710.1613"/>
-  <p:tag name="LATEXADDIN" val="\documentclass{article}&#10;\usepackage{amsmath}&#10;\pagestyle{empty}&#10;\usepackage{xcolor}&#10;\usepackage{empheq}&#10;\begin{document}&#10;$\left ( z-p^{k} \right )=2^{v}$&#10;\end{document}"/>
+  <p:tag name="ORIGINALHEIGHT" val="116.2354"/>
+  <p:tag name="ORIGINALWIDTH" val="407.949"/>
+  <p:tag name="LATEXADDIN" val="\documentclass{article}&#10;\usepackage{amsmath}&#10;\usepackage{amssymb}&#10;\pagestyle{empty}&#10;\usepackage{xcolor}&#10;\usepackage{empheq}&#10;\begin{document}&#10;$ p\neq 2,3$&#10;\end{document}"/>
   <p:tag name="IGUANATEXSIZE" val="18"/>
-  <p:tag name="IGUANATEXCURSOR" val="151"/>
+  <p:tag name="IGUANATEXCURSOR" val="152"/>
   <p:tag name="TRANSPARENCY" val="False"/>
   <p:tag name="LATEXENGINEID" val="0"/>
   <p:tag name="TEMPFOLDER" val="C:\Users\cosA\OneDrive\Documents\temp\"/>
@@ -18345,6 +22720,348 @@
 <file path=ppt/tags/tag60.xml><?xml version="1.0" encoding="utf-8"?>
 <p:tagLst xmlns:a="http://schemas.openxmlformats.org/drawingml/2006/main" xmlns:r="http://schemas.openxmlformats.org/officeDocument/2006/relationships" xmlns:p="http://schemas.openxmlformats.org/presentationml/2006/main">
   <p:tag name="OUTPUTDPI" val="1200"/>
+  <p:tag name="ORIGINALHEIGHT" val="126.7342"/>
+  <p:tag name="ORIGINALWIDTH" val="693.6633"/>
+  <p:tag name="LATEXADDIN" val="\documentclass{article}&#10;\usepackage{amsmath}&#10;\usepackage{amsfonts}&#10;\pagestyle{empty}&#10;\usepackage{xcolor}&#10;\usepackage{empheq}&#10;\begin{document}&#10;$p=2^{n+1}+1$&#10;\end{document}"/>
+  <p:tag name="IGUANATEXSIZE" val="18"/>
+  <p:tag name="IGUANATEXCURSOR" val="154"/>
+  <p:tag name="TRANSPARENCY" val="False"/>
+  <p:tag name="LATEXENGINEID" val="0"/>
+  <p:tag name="TEMPFOLDER" val="C:\Users\cosA\OneDrive\Documents\temp\"/>
+  <p:tag name="LATEXFORMHEIGHT" val="312"/>
+  <p:tag name="LATEXFORMWIDTH" val="384"/>
+  <p:tag name="LATEXFORMWRAP" val="True"/>
+  <p:tag name="BITMAPVECTOR" val="0"/>
+</p:tagLst>
+</file>
+
+<file path=ppt/tags/tag61.xml><?xml version="1.0" encoding="utf-8"?>
+<p:tagLst xmlns:a="http://schemas.openxmlformats.org/drawingml/2006/main" xmlns:r="http://schemas.openxmlformats.org/officeDocument/2006/relationships" xmlns:p="http://schemas.openxmlformats.org/presentationml/2006/main">
+  <p:tag name="OUTPUTDPI" val="1200"/>
+  <p:tag name="ORIGINALHEIGHT" val="125.2343"/>
+  <p:tag name="ORIGINALWIDTH" val="825.6468"/>
+  <p:tag name="LATEXADDIN" val="&#10;&#10;\documentclass{article}&#10;\usepackage{amsmath}&#10;\usepackage{amsfonts}&#10;\usepackage{amssymb}&#10;\pagestyle{empty}&#10;\usepackage{xcolor}&#10;\usepackage{empheq}&#10;\begin{document}&#10;$p\equiv 3\left ( \mod4 \right )$&#10;\end{document}"/>
+  <p:tag name="IGUANATEXSIZE" val="18"/>
+  <p:tag name="IGUANATEXCURSOR" val="175"/>
+  <p:tag name="TRANSPARENCY" val="False"/>
+  <p:tag name="LATEXENGINEID" val="0"/>
+  <p:tag name="TEMPFOLDER" val="C:\Users\cosA\OneDrive\Documents\temp\"/>
+  <p:tag name="LATEXFORMHEIGHT" val="312"/>
+  <p:tag name="LATEXFORMWIDTH" val="384"/>
+  <p:tag name="LATEXFORMWRAP" val="True"/>
+  <p:tag name="BITMAPVECTOR" val="0"/>
+</p:tagLst>
+</file>
+
+<file path=ppt/tags/tag62.xml><?xml version="1.0" encoding="utf-8"?>
+<p:tagLst xmlns:a="http://schemas.openxmlformats.org/drawingml/2006/main" xmlns:r="http://schemas.openxmlformats.org/officeDocument/2006/relationships" xmlns:p="http://schemas.openxmlformats.org/presentationml/2006/main">
+  <p:tag name="OUTPUTDPI" val="1200"/>
+  <p:tag name="ORIGINALHEIGHT" val="125.2343"/>
+  <p:tag name="ORIGINALWIDTH" val="935.883"/>
+  <p:tag name="LATEXADDIN" val="\documentclass{article}&#10;\usepackage{amsmath}&#10;\usepackage{amssymb}&#10;\pagestyle{empty}&#10;\usepackage{xcolor}&#10;\usepackage{empheq}&#10;\begin{document}&#10;$\therefore  p\equiv 1\left ( \mod4 \right )$&#10;\end{document}"/>
+  <p:tag name="IGUANATEXSIZE" val="18"/>
+  <p:tag name="IGUANATEXCURSOR" val="185"/>
+  <p:tag name="TRANSPARENCY" val="False"/>
+  <p:tag name="LATEXENGINEID" val="0"/>
+  <p:tag name="TEMPFOLDER" val="C:\Users\cosA\OneDrive\Documents\temp\"/>
+  <p:tag name="LATEXFORMHEIGHT" val="312"/>
+  <p:tag name="LATEXFORMWIDTH" val="384"/>
+  <p:tag name="LATEXFORMWRAP" val="True"/>
+  <p:tag name="BITMAPVECTOR" val="0"/>
+</p:tagLst>
+</file>
+
+<file path=ppt/tags/tag63.xml><?xml version="1.0" encoding="utf-8"?>
+<p:tagLst xmlns:a="http://schemas.openxmlformats.org/drawingml/2006/main" xmlns:r="http://schemas.openxmlformats.org/officeDocument/2006/relationships" xmlns:p="http://schemas.openxmlformats.org/presentationml/2006/main">
+  <p:tag name="OUTPUTDPI" val="1200"/>
+  <p:tag name="ORIGINALHEIGHT" val="56.24299"/>
+  <p:tag name="ORIGINALWIDTH" val="62.99213"/>
+  <p:tag name="LATEXADDIN" val="\documentclass{article}&#10;\usepackage{amsmath}&#10;\pagestyle{empty}&#10;\usepackage{xcolor}&#10;\usepackage{empheq}&#10;\begin{document}&#10;$x$&#10;\end{document}"/>
+  <p:tag name="IGUANATEXSIZE" val="18"/>
+  <p:tag name="IGUANATEXCURSOR" val="122"/>
+  <p:tag name="TRANSPARENCY" val="False"/>
+  <p:tag name="LATEXENGINEID" val="0"/>
+  <p:tag name="TEMPFOLDER" val="C:\Users\cosA\OneDrive\Documents\temp\"/>
+  <p:tag name="LATEXFORMHEIGHT" val="312"/>
+  <p:tag name="LATEXFORMWIDTH" val="384"/>
+  <p:tag name="LATEXFORMWRAP" val="True"/>
+  <p:tag name="BITMAPVECTOR" val="0"/>
+</p:tagLst>
+</file>
+
+<file path=ppt/tags/tag64.xml><?xml version="1.0" encoding="utf-8"?>
+<p:tagLst xmlns:a="http://schemas.openxmlformats.org/drawingml/2006/main" xmlns:r="http://schemas.openxmlformats.org/officeDocument/2006/relationships" xmlns:p="http://schemas.openxmlformats.org/presentationml/2006/main">
+  <p:tag name="OUTPUTDPI" val="1200"/>
+  <p:tag name="ORIGINALHEIGHT" val="107.9865"/>
+  <p:tag name="ORIGINALWIDTH" val="281.2149"/>
+  <p:tag name="LATEXADDIN" val="&#10;&#10;\documentclass{article}&#10;\usepackage{amsmath}&#10;\usepackage{amsfonts}&#10;\usepackage{amssymb}&#10;\pagestyle{empty}&#10;\usepackage{xcolor}&#10;\usepackage{empheq}&#10;\begin{document}&#10;$y\geq 1 $&#10;\end{document}"/>
+  <p:tag name="IGUANATEXSIZE" val="18"/>
+  <p:tag name="IGUANATEXCURSOR" val="174"/>
+  <p:tag name="TRANSPARENCY" val="False"/>
+  <p:tag name="LATEXENGINEID" val="0"/>
+  <p:tag name="TEMPFOLDER" val="C:\Users\cosA\OneDrive\Documents\temp\"/>
+  <p:tag name="LATEXFORMHEIGHT" val="312"/>
+  <p:tag name="LATEXFORMWIDTH" val="384"/>
+  <p:tag name="LATEXFORMWRAP" val="True"/>
+  <p:tag name="BITMAPVECTOR" val="0"/>
+</p:tagLst>
+</file>
+
+<file path=ppt/tags/tag65.xml><?xml version="1.0" encoding="utf-8"?>
+<p:tagLst xmlns:a="http://schemas.openxmlformats.org/drawingml/2006/main" xmlns:r="http://schemas.openxmlformats.org/officeDocument/2006/relationships" xmlns:p="http://schemas.openxmlformats.org/presentationml/2006/main">
+  <p:tag name="OUTPUTDPI" val="1200"/>
+  <p:tag name="ORIGINALHEIGHT" val="107.9865"/>
+  <p:tag name="ORIGINALWIDTH" val="286.4642"/>
+  <p:tag name="LATEXADDIN" val="&#10;&#10;\documentclass{article}&#10;\usepackage{amsmath}&#10;\usepackage{amsfonts}&#10;\usepackage{amssymb}&#10;\pagestyle{empty}&#10;\usepackage{xcolor}&#10;\usepackage{empheq}&#10;\begin{document}&#10;$y=0$&#10;\end{document}"/>
+  <p:tag name="IGUANATEXSIZE" val="18"/>
+  <p:tag name="IGUANATEXCURSOR" val="169"/>
+  <p:tag name="TRANSPARENCY" val="False"/>
+  <p:tag name="LATEXENGINEID" val="0"/>
+  <p:tag name="TEMPFOLDER" val="C:\Users\cosA\OneDrive\Documents\temp\"/>
+  <p:tag name="LATEXFORMHEIGHT" val="312"/>
+  <p:tag name="LATEXFORMWIDTH" val="384"/>
+  <p:tag name="LATEXFORMWRAP" val="True"/>
+  <p:tag name="BITMAPVECTOR" val="0"/>
+</p:tagLst>
+</file>
+
+<file path=ppt/tags/tag66.xml><?xml version="1.0" encoding="utf-8"?>
+<p:tagLst xmlns:a="http://schemas.openxmlformats.org/drawingml/2006/main" xmlns:r="http://schemas.openxmlformats.org/officeDocument/2006/relationships" xmlns:p="http://schemas.openxmlformats.org/presentationml/2006/main">
+  <p:tag name="OUTPUTDPI" val="1200"/>
+  <p:tag name="ORIGINALHEIGHT" val="125.2343"/>
+  <p:tag name="ORIGINALWIDTH" val="704.9119"/>
+  <p:tag name="LATEXADDIN" val="\documentclass{article}&#10;\usepackage{amsmath}&#10;\pagestyle{empty}&#10;\usepackage{xcolor}&#10;\usepackage{empheq}&#10;\begin{document}&#10;$ \left (x,z  \right )=\left ( 3,3 \right )$&#10;\end{document}"/>
+  <p:tag name="IGUANATEXSIZE" val="18"/>
+  <p:tag name="IGUANATEXCURSOR" val="129"/>
+  <p:tag name="TRANSPARENCY" val="False"/>
+  <p:tag name="LATEXENGINEID" val="0"/>
+  <p:tag name="TEMPFOLDER" val="C:\Users\cosA\OneDrive\Documents\temp\"/>
+  <p:tag name="LATEXFORMHEIGHT" val="312"/>
+  <p:tag name="LATEXFORMWIDTH" val="384"/>
+  <p:tag name="LATEXFORMWRAP" val="True"/>
+  <p:tag name="BITMAPVECTOR" val="0"/>
+</p:tagLst>
+</file>
+
+<file path=ppt/tags/tag67.xml><?xml version="1.0" encoding="utf-8"?>
+<p:tagLst xmlns:a="http://schemas.openxmlformats.org/drawingml/2006/main" xmlns:r="http://schemas.openxmlformats.org/officeDocument/2006/relationships" xmlns:p="http://schemas.openxmlformats.org/presentationml/2006/main">
+  <p:tag name="OUTPUTDPI" val="1200"/>
+  <p:tag name="ORIGINALHEIGHT" val="125.2343"/>
+  <p:tag name="ORIGINALWIDTH" val="1179.603"/>
+  <p:tag name="LATEXADDIN" val="\documentclass{article}&#10;\usepackage{amsmath}&#10;\pagestyle{empty}&#10;\usepackage{xcolor}&#10;\usepackage{empheq}&#10;\begin{document}&#10;$ \left (x,p,y,z  \right )=\left ( 3,p,0,3 \right )$&#10;\end{document}"/>
+  <p:tag name="IGUANATEXSIZE" val="18"/>
+  <p:tag name="IGUANATEXCURSOR" val="160"/>
+  <p:tag name="TRANSPARENCY" val="False"/>
+  <p:tag name="LATEXENGINEID" val="0"/>
+  <p:tag name="TEMPFOLDER" val="C:\Users\cosA\OneDrive\Documents\temp\"/>
+  <p:tag name="LATEXFORMHEIGHT" val="312"/>
+  <p:tag name="LATEXFORMWIDTH" val="384"/>
+  <p:tag name="LATEXFORMWRAP" val="True"/>
+  <p:tag name="BITMAPVECTOR" val="0"/>
+</p:tagLst>
+</file>
+
+<file path=ppt/tags/tag68.xml><?xml version="1.0" encoding="utf-8"?>
+<p:tagLst xmlns:a="http://schemas.openxmlformats.org/drawingml/2006/main" xmlns:r="http://schemas.openxmlformats.org/officeDocument/2006/relationships" xmlns:p="http://schemas.openxmlformats.org/presentationml/2006/main">
+  <p:tag name="OUTPUTDPI" val="1200"/>
+  <p:tag name="ORIGINALHEIGHT" val="67.49158"/>
+  <p:tag name="ORIGINALWIDTH" val="76.49047"/>
+  <p:tag name="LATEXADDIN" val="\documentclass{article}&#10;\usepackage{amsmath}&#10;\usepackage{amssymb}&#10;\pagestyle{empty}&#10;\usepackage{xcolor}&#10;\usepackage{empheq}&#10;\begin{document}&#10;$\therefore $&#10;\end{document}"/>
+  <p:tag name="IGUANATEXSIZE" val="18"/>
+  <p:tag name="IGUANATEXCURSOR" val="153"/>
+  <p:tag name="TRANSPARENCY" val="False"/>
+  <p:tag name="LATEXENGINEID" val="0"/>
+  <p:tag name="TEMPFOLDER" val="C:\Users\cosA\OneDrive\Documents\temp\"/>
+  <p:tag name="LATEXFORMHEIGHT" val="312"/>
+  <p:tag name="LATEXFORMWIDTH" val="384"/>
+  <p:tag name="LATEXFORMWRAP" val="True"/>
+  <p:tag name="BITMAPVECTOR" val="0"/>
+</p:tagLst>
+</file>
+
+<file path=ppt/tags/tag69.xml><?xml version="1.0" encoding="utf-8"?>
+<p:tagLst xmlns:a="http://schemas.openxmlformats.org/drawingml/2006/main" xmlns:r="http://schemas.openxmlformats.org/officeDocument/2006/relationships" xmlns:p="http://schemas.openxmlformats.org/presentationml/2006/main">
+  <p:tag name="OUTPUTDPI" val="1200"/>
+  <p:tag name="ORIGINALHEIGHT" val="111.7361"/>
+  <p:tag name="ORIGINALWIDTH" val="354.7057"/>
+  <p:tag name="LATEXADDIN" val="\documentclass{article}&#10;\usepackage{amsmath}&#10;\pagestyle{empty}&#10;\usepackage{xcolor}&#10;\usepackage{empheq}&#10;\begin{document}&#10;$y=2k$&#10;\end{document}"/>
+  <p:tag name="IGUANATEXSIZE" val="18"/>
+  <p:tag name="IGUANATEXCURSOR" val="122"/>
+  <p:tag name="TRANSPARENCY" val="False"/>
+  <p:tag name="LATEXENGINEID" val="0"/>
+  <p:tag name="TEMPFOLDER" val="C:\Users\cosA\OneDrive\Documents\temp\"/>
+  <p:tag name="LATEXFORMHEIGHT" val="312"/>
+  <p:tag name="LATEXFORMWIDTH" val="384"/>
+  <p:tag name="LATEXFORMWRAP" val="True"/>
+  <p:tag name="BITMAPVECTOR" val="0"/>
+</p:tagLst>
+</file>
+
+<file path=ppt/tags/tag7.xml><?xml version="1.0" encoding="utf-8"?>
+<p:tagLst xmlns:a="http://schemas.openxmlformats.org/drawingml/2006/main" xmlns:r="http://schemas.openxmlformats.org/officeDocument/2006/relationships" xmlns:p="http://schemas.openxmlformats.org/presentationml/2006/main">
+  <p:tag name="OUTPUTDPI" val="1200"/>
+  <p:tag name="ORIGINALHEIGHT" val="56.24299"/>
+  <p:tag name="ORIGINALWIDTH" val="68.24149"/>
+  <p:tag name="LATEXADDIN" val="\documentclass{article}&#10;\usepackage{amsmath}&#10;\pagestyle{empty}&#10;\usepackage{xcolor}&#10;\usepackage{empheq}&#10;\begin{document}&#10;$n$&#10;\end{document}"/>
+  <p:tag name="IGUANATEXSIZE" val="18"/>
+  <p:tag name="IGUANATEXCURSOR" val="122"/>
+  <p:tag name="TRANSPARENCY" val="False"/>
+  <p:tag name="LATEXENGINEID" val="0"/>
+  <p:tag name="TEMPFOLDER" val="C:\Users\cosA\OneDrive\Documents\temp\"/>
+  <p:tag name="LATEXFORMHEIGHT" val="312"/>
+  <p:tag name="LATEXFORMWIDTH" val="384"/>
+  <p:tag name="LATEXFORMWRAP" val="True"/>
+  <p:tag name="BITMAPVECTOR" val="0"/>
+</p:tagLst>
+</file>
+
+<file path=ppt/tags/tag70.xml><?xml version="1.0" encoding="utf-8"?>
+<p:tagLst xmlns:a="http://schemas.openxmlformats.org/drawingml/2006/main" xmlns:r="http://schemas.openxmlformats.org/officeDocument/2006/relationships" xmlns:p="http://schemas.openxmlformats.org/presentationml/2006/main">
+  <p:tag name="OUTPUTDPI" val="1200"/>
+  <p:tag name="ORIGINALHEIGHT" val="91.48859"/>
+  <p:tag name="ORIGINALWIDTH" val="293.9632"/>
+  <p:tag name="LATEXADDIN" val="\documentclass{article}&#10;\usepackage{amsmath}&#10;\usepackage{amsfonts}&#10;\pagestyle{empty}&#10;\usepackage{xcolor}&#10;\usepackage{empheq}&#10;\begin{document}&#10;$k\in \mathbb{Z}$&#10;\end{document}"/>
+  <p:tag name="IGUANATEXSIZE" val="18"/>
+  <p:tag name="IGUANATEXCURSOR" val="158"/>
+  <p:tag name="TRANSPARENCY" val="False"/>
+  <p:tag name="LATEXENGINEID" val="0"/>
+  <p:tag name="TEMPFOLDER" val="C:\Users\cosA\OneDrive\Documents\temp\"/>
+  <p:tag name="LATEXFORMHEIGHT" val="312"/>
+  <p:tag name="LATEXFORMWIDTH" val="384"/>
+  <p:tag name="LATEXFORMWRAP" val="True"/>
+  <p:tag name="BITMAPVECTOR" val="0"/>
+</p:tagLst>
+</file>
+
+<file path=ppt/tags/tag71.xml><?xml version="1.0" encoding="utf-8"?>
+<p:tagLst xmlns:a="http://schemas.openxmlformats.org/drawingml/2006/main" xmlns:r="http://schemas.openxmlformats.org/officeDocument/2006/relationships" xmlns:p="http://schemas.openxmlformats.org/presentationml/2006/main">
+  <p:tag name="OUTPUTDPI" val="1200"/>
+  <p:tag name="ORIGINALHEIGHT" val="125.2343"/>
+  <p:tag name="ORIGINALWIDTH" val="134.9832"/>
+  <p:tag name="LATEXADDIN" val="\documentclass{article}&#10;\usepackage{amsmath}&#10;\pagestyle{empty}&#10;\usepackage{xcolor}&#10;\usepackage{empheq}&#10;\begin{document}&#10;${\color{red}\left ( 1 \right )}$&#10;\end{document}"/>
+  <p:tag name="IGUANATEXSIZE" val="18"/>
+  <p:tag name="IGUANATEXCURSOR" val="152"/>
+  <p:tag name="TRANSPARENCY" val="False"/>
+  <p:tag name="LATEXENGINEID" val="0"/>
+  <p:tag name="TEMPFOLDER" val="C:\Users\cosA\OneDrive\Documents\temp\"/>
+  <p:tag name="LATEXFORMHEIGHT" val="312"/>
+  <p:tag name="LATEXFORMWIDTH" val="384"/>
+  <p:tag name="LATEXFORMWRAP" val="True"/>
+  <p:tag name="BITMAPVECTOR" val="0"/>
+</p:tagLst>
+</file>
+
+<file path=ppt/tags/tag72.xml><?xml version="1.0" encoding="utf-8"?>
+<p:tagLst xmlns:a="http://schemas.openxmlformats.org/drawingml/2006/main" xmlns:r="http://schemas.openxmlformats.org/officeDocument/2006/relationships" xmlns:p="http://schemas.openxmlformats.org/presentationml/2006/main">
+  <p:tag name="OUTPUTDPI" val="1200"/>
+  <p:tag name="ORIGINALHEIGHT" val="126.7342"/>
+  <p:tag name="ORIGINALWIDTH" val="667.4166"/>
+  <p:tag name="LATEXADDIN" val="\documentclass{article}&#10;\usepackage{amsmath}&#10;\pagestyle{empty}&#10;\usepackage{xcolor}&#10;\usepackage{empheq}&#10;\begin{document}&#10;${\color{red}2^{x}+p^{y}=z^{2}}$&#10;\end{document}"/>
+  <p:tag name="IGUANATEXSIZE" val="18"/>
+  <p:tag name="IGUANATEXCURSOR" val="145"/>
+  <p:tag name="TRANSPARENCY" val="False"/>
+  <p:tag name="LATEXENGINEID" val="0"/>
+  <p:tag name="TEMPFOLDER" val="C:\Users\cosA\OneDrive\Documents\temp\"/>
+  <p:tag name="LATEXFORMHEIGHT" val="312"/>
+  <p:tag name="LATEXFORMWIDTH" val="384"/>
+  <p:tag name="LATEXFORMWRAP" val="True"/>
+  <p:tag name="BITMAPVECTOR" val="0"/>
+</p:tagLst>
+</file>
+
+<file path=ppt/tags/tag73.xml><?xml version="1.0" encoding="utf-8"?>
+<p:tagLst xmlns:a="http://schemas.openxmlformats.org/drawingml/2006/main" xmlns:r="http://schemas.openxmlformats.org/officeDocument/2006/relationships" xmlns:p="http://schemas.openxmlformats.org/presentationml/2006/main">
+  <p:tag name="OUTPUTDPI" val="1200"/>
+  <p:tag name="ORIGINALHEIGHT" val="129.7338"/>
+  <p:tag name="ORIGINALWIDTH" val="718.4102"/>
+  <p:tag name="LATEXADDIN" val="\documentclass{article}&#10;\usepackage{amsmath}&#10;\pagestyle{empty}&#10;\usepackage{xcolor}&#10;\usepackage{empheq}&#10;\begin{document}&#10;${2^{x}+p^{2k}=z^{2}}$&#10;\end{document}"/>
+  <p:tag name="IGUANATEXSIZE" val="18"/>
+  <p:tag name="IGUANATEXCURSOR" val="122"/>
+  <p:tag name="TRANSPARENCY" val="False"/>
+  <p:tag name="LATEXENGINEID" val="0"/>
+  <p:tag name="TEMPFOLDER" val="C:\Users\cosA\OneDrive\Documents\temp\"/>
+  <p:tag name="LATEXFORMHEIGHT" val="312"/>
+  <p:tag name="LATEXFORMWIDTH" val="384"/>
+  <p:tag name="LATEXFORMWRAP" val="True"/>
+  <p:tag name="BITMAPVECTOR" val="0"/>
+</p:tagLst>
+</file>
+
+<file path=ppt/tags/tag74.xml><?xml version="1.0" encoding="utf-8"?>
+<p:tagLst xmlns:a="http://schemas.openxmlformats.org/drawingml/2006/main" xmlns:r="http://schemas.openxmlformats.org/officeDocument/2006/relationships" xmlns:p="http://schemas.openxmlformats.org/presentationml/2006/main">
+  <p:tag name="OUTPUTDPI" val="1200"/>
+  <p:tag name="ORIGINALHEIGHT" val="129.7338"/>
+  <p:tag name="ORIGINALWIDTH" val="718.4102"/>
+  <p:tag name="LATEXADDIN" val="\documentclass{article}&#10;\usepackage{amsmath}&#10;\pagestyle{empty}&#10;\usepackage{xcolor}&#10;\usepackage{empheq}&#10;\begin{document}&#10;${2^{x}=z^{2}-p^{2k}}$&#10;\end{document}"/>
+  <p:tag name="IGUANATEXSIZE" val="18"/>
+  <p:tag name="IGUANATEXCURSOR" val="134"/>
+  <p:tag name="TRANSPARENCY" val="False"/>
+  <p:tag name="LATEXENGINEID" val="0"/>
+  <p:tag name="TEMPFOLDER" val="C:\Users\cosA\OneDrive\Documents\temp\"/>
+  <p:tag name="LATEXFORMHEIGHT" val="312"/>
+  <p:tag name="LATEXFORMWIDTH" val="384"/>
+  <p:tag name="LATEXFORMWRAP" val="True"/>
+  <p:tag name="BITMAPVECTOR" val="0"/>
+</p:tagLst>
+</file>
+
+<file path=ppt/tags/tag75.xml><?xml version="1.0" encoding="utf-8"?>
+<p:tagLst xmlns:a="http://schemas.openxmlformats.org/drawingml/2006/main" xmlns:r="http://schemas.openxmlformats.org/officeDocument/2006/relationships" xmlns:p="http://schemas.openxmlformats.org/presentationml/2006/main">
+  <p:tag name="OUTPUTDPI" val="1200"/>
+  <p:tag name="ORIGINALHEIGHT" val="149.2313"/>
+  <p:tag name="ORIGINALWIDTH" val="1193.851"/>
+  <p:tag name="LATEXADDIN" val="\documentclass{article}&#10;\usepackage{amsmath}&#10;\pagestyle{empty}&#10;\usepackage{xcolor}&#10;\usepackage{empheq}&#10;\begin{document}&#10;$2^{x}=\left ( z-p^{k} \right ) \left ( z+p^{k} \right )$&#10;\end{document}"/>
+  <p:tag name="IGUANATEXSIZE" val="18"/>
+  <p:tag name="IGUANATEXCURSOR" val="126"/>
+  <p:tag name="TRANSPARENCY" val="False"/>
+  <p:tag name="LATEXENGINEID" val="0"/>
+  <p:tag name="TEMPFOLDER" val="C:\Users\cosA\OneDrive\Documents\temp\"/>
+  <p:tag name="LATEXFORMHEIGHT" val="312"/>
+  <p:tag name="LATEXFORMWIDTH" val="384"/>
+  <p:tag name="LATEXFORMWRAP" val="True"/>
+  <p:tag name="BITMAPVECTOR" val="0"/>
+</p:tagLst>
+</file>
+
+<file path=ppt/tags/tag76.xml><?xml version="1.0" encoding="utf-8"?>
+<p:tagLst xmlns:a="http://schemas.openxmlformats.org/drawingml/2006/main" xmlns:r="http://schemas.openxmlformats.org/officeDocument/2006/relationships" xmlns:p="http://schemas.openxmlformats.org/presentationml/2006/main">
+  <p:tag name="OUTPUTDPI" val="1200"/>
+  <p:tag name="ORIGINALHEIGHT" val="125.2343"/>
+  <p:tag name="ORIGINALWIDTH" val="134.9832"/>
+  <p:tag name="LATEXADDIN" val="\documentclass{article}&#10;\usepackage{amsmath}&#10;\pagestyle{empty}&#10;\usepackage{xcolor}&#10;\usepackage{empheq}&#10;\begin{document}&#10;${\color{red}\left ( 2 \right )}$&#10;\end{document}"/>
+  <p:tag name="IGUANATEXSIZE" val="18"/>
+  <p:tag name="IGUANATEXCURSOR" val="142"/>
+  <p:tag name="TRANSPARENCY" val="False"/>
+  <p:tag name="LATEXENGINEID" val="0"/>
+  <p:tag name="TEMPFOLDER" val="C:\Users\cosA\OneDrive\Documents\temp\"/>
+  <p:tag name="LATEXFORMHEIGHT" val="312"/>
+  <p:tag name="LATEXFORMWIDTH" val="384"/>
+  <p:tag name="LATEXFORMWRAP" val="True"/>
+  <p:tag name="BITMAPVECTOR" val="0"/>
+</p:tagLst>
+</file>
+
+<file path=ppt/tags/tag77.xml><?xml version="1.0" encoding="utf-8"?>
+<p:tagLst xmlns:a="http://schemas.openxmlformats.org/drawingml/2006/main" xmlns:r="http://schemas.openxmlformats.org/officeDocument/2006/relationships" xmlns:p="http://schemas.openxmlformats.org/presentationml/2006/main">
+  <p:tag name="OUTPUTDPI" val="1200"/>
+  <p:tag name="ORIGINALHEIGHT" val="149.2313"/>
+  <p:tag name="ORIGINALWIDTH" val="710.1613"/>
+  <p:tag name="LATEXADDIN" val="\documentclass{article}&#10;\usepackage{amsmath}&#10;\pagestyle{empty}&#10;\usepackage{xcolor}&#10;\usepackage{empheq}&#10;\begin{document}&#10;$\left ( z-p^{k} \right )=2^{v}$&#10;\end{document}"/>
+  <p:tag name="IGUANATEXSIZE" val="18"/>
+  <p:tag name="IGUANATEXCURSOR" val="151"/>
+  <p:tag name="TRANSPARENCY" val="False"/>
+  <p:tag name="LATEXENGINEID" val="0"/>
+  <p:tag name="TEMPFOLDER" val="C:\Users\cosA\OneDrive\Documents\temp\"/>
+  <p:tag name="LATEXFORMHEIGHT" val="312"/>
+  <p:tag name="LATEXFORMWIDTH" val="384"/>
+  <p:tag name="LATEXFORMWRAP" val="True"/>
+  <p:tag name="BITMAPVECTOR" val="0"/>
+</p:tagLst>
+</file>
+
+<file path=ppt/tags/tag78.xml><?xml version="1.0" encoding="utf-8"?>
+<p:tagLst xmlns:a="http://schemas.openxmlformats.org/drawingml/2006/main" xmlns:r="http://schemas.openxmlformats.org/officeDocument/2006/relationships" xmlns:p="http://schemas.openxmlformats.org/presentationml/2006/main">
+  <p:tag name="OUTPUTDPI" val="1200"/>
   <p:tag name="ORIGINALHEIGHT" val="149.2313"/>
   <p:tag name="ORIGINALWIDTH" val="844.3944"/>
   <p:tag name="LATEXADDIN" val="\documentclass{article}&#10;\usepackage{amsmath}&#10;\pagestyle{empty}&#10;\usepackage{xcolor}&#10;\usepackage{empheq}&#10;\begin{document}&#10;$\left ( z+p^{k} \right )=2^{x-v}$&#10;\end{document}"/>
@@ -18360,7 +23077,7 @@
 </p:tagLst>
 </file>
 
-<file path=ppt/tags/tag61.xml><?xml version="1.0" encoding="utf-8"?>
+<file path=ppt/tags/tag79.xml><?xml version="1.0" encoding="utf-8"?>
 <p:tagLst xmlns:a="http://schemas.openxmlformats.org/drawingml/2006/main" xmlns:r="http://schemas.openxmlformats.org/officeDocument/2006/relationships" xmlns:p="http://schemas.openxmlformats.org/presentationml/2006/main">
   <p:tag name="OUTPUTDPI" val="1200"/>
   <p:tag name="ORIGINALHEIGHT" val="125.2343"/>
@@ -18378,7 +23095,25 @@
 </p:tagLst>
 </file>
 
-<file path=ppt/tags/tag62.xml><?xml version="1.0" encoding="utf-8"?>
+<file path=ppt/tags/tag8.xml><?xml version="1.0" encoding="utf-8"?>
+<p:tagLst xmlns:a="http://schemas.openxmlformats.org/drawingml/2006/main" xmlns:r="http://schemas.openxmlformats.org/officeDocument/2006/relationships" xmlns:p="http://schemas.openxmlformats.org/presentationml/2006/main">
+  <p:tag name="OUTPUTDPI" val="1200"/>
+  <p:tag name="ORIGINALHEIGHT" val="56.24299"/>
+  <p:tag name="ORIGINALWIDTH" val="57.74276"/>
+  <p:tag name="LATEXADDIN" val="\documentclass{article}&#10;\usepackage{amsmath}&#10;\pagestyle{empty}&#10;\usepackage{xcolor}&#10;\usepackage{empheq}&#10;\begin{document}&#10;$a$&#10;\end{document}"/>
+  <p:tag name="IGUANATEXSIZE" val="18"/>
+  <p:tag name="IGUANATEXCURSOR" val="122"/>
+  <p:tag name="TRANSPARENCY" val="False"/>
+  <p:tag name="LATEXENGINEID" val="0"/>
+  <p:tag name="TEMPFOLDER" val="C:\Users\cosA\OneDrive\Documents\temp\"/>
+  <p:tag name="LATEXFORMHEIGHT" val="312"/>
+  <p:tag name="LATEXFORMWIDTH" val="384"/>
+  <p:tag name="LATEXFORMWRAP" val="True"/>
+  <p:tag name="BITMAPVECTOR" val="0"/>
+</p:tagLst>
+</file>
+
+<file path=ppt/tags/tag80.xml><?xml version="1.0" encoding="utf-8"?>
 <p:tagLst xmlns:a="http://schemas.openxmlformats.org/drawingml/2006/main" xmlns:r="http://schemas.openxmlformats.org/officeDocument/2006/relationships" xmlns:p="http://schemas.openxmlformats.org/presentationml/2006/main">
   <p:tag name="OUTPUTDPI" val="1200"/>
   <p:tag name="ORIGINALHEIGHT" val="125.2343"/>
@@ -18396,7 +23131,7 @@
 </p:tagLst>
 </file>
 
-<file path=ppt/tags/tag63.xml><?xml version="1.0" encoding="utf-8"?>
+<file path=ppt/tags/tag81.xml><?xml version="1.0" encoding="utf-8"?>
 <p:tagLst xmlns:a="http://schemas.openxmlformats.org/drawingml/2006/main" xmlns:r="http://schemas.openxmlformats.org/officeDocument/2006/relationships" xmlns:p="http://schemas.openxmlformats.org/presentationml/2006/main">
   <p:tag name="OUTPUTDPI" val="1200"/>
   <p:tag name="ORIGINALHEIGHT" val="125.2343"/>
@@ -18414,7 +23149,7 @@
 </p:tagLst>
 </file>
 
-<file path=ppt/tags/tag64.xml><?xml version="1.0" encoding="utf-8"?>
+<file path=ppt/tags/tag82.xml><?xml version="1.0" encoding="utf-8"?>
 <p:tagLst xmlns:a="http://schemas.openxmlformats.org/drawingml/2006/main" xmlns:r="http://schemas.openxmlformats.org/officeDocument/2006/relationships" xmlns:p="http://schemas.openxmlformats.org/presentationml/2006/main">
   <p:tag name="OUTPUTDPI" val="1200"/>
   <p:tag name="ORIGINALHEIGHT" val="125.2343"/>
@@ -18432,7 +23167,7 @@
 </p:tagLst>
 </file>
 
-<file path=ppt/tags/tag65.xml><?xml version="1.0" encoding="utf-8"?>
+<file path=ppt/tags/tag83.xml><?xml version="1.0" encoding="utf-8"?>
 <p:tagLst xmlns:a="http://schemas.openxmlformats.org/drawingml/2006/main" xmlns:r="http://schemas.openxmlformats.org/officeDocument/2006/relationships" xmlns:p="http://schemas.openxmlformats.org/presentationml/2006/main">
   <p:tag name="OUTPUTDPI" val="1200"/>
   <p:tag name="ORIGINALHEIGHT" val="125.2343"/>
@@ -18450,7 +23185,7 @@
 </p:tagLst>
 </file>
 
-<file path=ppt/tags/tag66.xml><?xml version="1.0" encoding="utf-8"?>
+<file path=ppt/tags/tag84.xml><?xml version="1.0" encoding="utf-8"?>
 <p:tagLst xmlns:a="http://schemas.openxmlformats.org/drawingml/2006/main" xmlns:r="http://schemas.openxmlformats.org/officeDocument/2006/relationships" xmlns:p="http://schemas.openxmlformats.org/presentationml/2006/main">
   <p:tag name="OUTPUTDPI" val="1200"/>
   <p:tag name="ORIGINALHEIGHT" val="129.7338"/>
@@ -18468,7 +23203,7 @@
 </p:tagLst>
 </file>
 
-<file path=ppt/tags/tag67.xml><?xml version="1.0" encoding="utf-8"?>
+<file path=ppt/tags/tag85.xml><?xml version="1.0" encoding="utf-8"?>
 <p:tagLst xmlns:a="http://schemas.openxmlformats.org/drawingml/2006/main" xmlns:r="http://schemas.openxmlformats.org/officeDocument/2006/relationships" xmlns:p="http://schemas.openxmlformats.org/presentationml/2006/main">
   <p:tag name="OUTPUTDPI" val="1200"/>
   <p:tag name="ORIGINALHEIGHT" val="149.2313"/>
@@ -18486,7 +23221,7 @@
 </p:tagLst>
 </file>
 
-<file path=ppt/tags/tag68.xml><?xml version="1.0" encoding="utf-8"?>
+<file path=ppt/tags/tag86.xml><?xml version="1.0" encoding="utf-8"?>
 <p:tagLst xmlns:a="http://schemas.openxmlformats.org/drawingml/2006/main" xmlns:r="http://schemas.openxmlformats.org/officeDocument/2006/relationships" xmlns:p="http://schemas.openxmlformats.org/presentationml/2006/main">
   <p:tag name="OUTPUTDPI" val="1200"/>
   <p:tag name="ORIGINALHEIGHT" val="125.2343"/>
@@ -18504,7 +23239,7 @@
 </p:tagLst>
 </file>
 
-<file path=ppt/tags/tag69.xml><?xml version="1.0" encoding="utf-8"?>
+<file path=ppt/tags/tag87.xml><?xml version="1.0" encoding="utf-8"?>
 <p:tagLst xmlns:a="http://schemas.openxmlformats.org/drawingml/2006/main" xmlns:r="http://schemas.openxmlformats.org/officeDocument/2006/relationships" xmlns:p="http://schemas.openxmlformats.org/presentationml/2006/main">
   <p:tag name="OUTPUTDPI" val="1200"/>
   <p:tag name="ORIGINALHEIGHT" val="116.2354"/>
@@ -18522,25 +23257,7 @@
 </p:tagLst>
 </file>
 
-<file path=ppt/tags/tag7.xml><?xml version="1.0" encoding="utf-8"?>
-<p:tagLst xmlns:a="http://schemas.openxmlformats.org/drawingml/2006/main" xmlns:r="http://schemas.openxmlformats.org/officeDocument/2006/relationships" xmlns:p="http://schemas.openxmlformats.org/presentationml/2006/main">
-  <p:tag name="OUTPUTDPI" val="1200"/>
-  <p:tag name="ORIGINALHEIGHT" val="87.73905"/>
-  <p:tag name="ORIGINALWIDTH" val="608.174"/>
-  <p:tag name="LATEXADDIN" val="\documentclass{article}&#10;\usepackage{amsmath}&#10;\pagestyle{empty}&#10;\usepackage{xcolor}&#10;\usepackage{empheq}&#10;\begin{document}&#10;${a^{x}-b^{y}}={1}$&#10;\end{document}"/>
-  <p:tag name="IGUANATEXSIZE" val="18"/>
-  <p:tag name="IGUANATEXCURSOR" val="137"/>
-  <p:tag name="TRANSPARENCY" val="False"/>
-  <p:tag name="LATEXENGINEID" val="0"/>
-  <p:tag name="TEMPFOLDER" val="C:\Users\cosA\OneDrive\Documents\temp\"/>
-  <p:tag name="LATEXFORMHEIGHT" val="312"/>
-  <p:tag name="LATEXFORMWIDTH" val="384"/>
-  <p:tag name="LATEXFORMWRAP" val="True"/>
-  <p:tag name="BITMAPVECTOR" val="0"/>
-</p:tagLst>
-</file>
-
-<file path=ppt/tags/tag70.xml><?xml version="1.0" encoding="utf-8"?>
+<file path=ppt/tags/tag88.xml><?xml version="1.0" encoding="utf-8"?>
 <p:tagLst xmlns:a="http://schemas.openxmlformats.org/drawingml/2006/main" xmlns:r="http://schemas.openxmlformats.org/officeDocument/2006/relationships" xmlns:p="http://schemas.openxmlformats.org/presentationml/2006/main">
   <p:tag name="OUTPUTDPI" val="1200"/>
   <p:tag name="ORIGINALHEIGHT" val="137.2328"/>
@@ -18558,7 +23275,7 @@
 </p:tagLst>
 </file>
 
-<file path=ppt/tags/tag71.xml><?xml version="1.0" encoding="utf-8"?>
+<file path=ppt/tags/tag89.xml><?xml version="1.0" encoding="utf-8"?>
 <p:tagLst xmlns:a="http://schemas.openxmlformats.org/drawingml/2006/main" xmlns:r="http://schemas.openxmlformats.org/officeDocument/2006/relationships" xmlns:p="http://schemas.openxmlformats.org/presentationml/2006/main">
   <p:tag name="OUTPUTDPI" val="1200"/>
   <p:tag name="ORIGINALHEIGHT" val="149.2313"/>
@@ -18576,7 +23293,25 @@
 </p:tagLst>
 </file>
 
-<file path=ppt/tags/tag72.xml><?xml version="1.0" encoding="utf-8"?>
+<file path=ppt/tags/tag9.xml><?xml version="1.0" encoding="utf-8"?>
+<p:tagLst xmlns:a="http://schemas.openxmlformats.org/drawingml/2006/main" xmlns:r="http://schemas.openxmlformats.org/officeDocument/2006/relationships" xmlns:p="http://schemas.openxmlformats.org/presentationml/2006/main">
+  <p:tag name="OUTPUTDPI" val="1200"/>
+  <p:tag name="ORIGINALHEIGHT" val="87.73905"/>
+  <p:tag name="ORIGINALWIDTH" val="46.49417"/>
+  <p:tag name="LATEXADDIN" val="\documentclass{article}&#10;\usepackage{amsmath}&#10;\pagestyle{empty}&#10;\usepackage{xcolor}&#10;\usepackage{empheq}&#10;\begin{document}&#10;$b$&#10;\end{document}"/>
+  <p:tag name="IGUANATEXSIZE" val="18"/>
+  <p:tag name="IGUANATEXCURSOR" val="122"/>
+  <p:tag name="TRANSPARENCY" val="False"/>
+  <p:tag name="LATEXENGINEID" val="0"/>
+  <p:tag name="TEMPFOLDER" val="C:\Users\cosA\OneDrive\Documents\temp\"/>
+  <p:tag name="LATEXFORMHEIGHT" val="312"/>
+  <p:tag name="LATEXFORMWIDTH" val="384"/>
+  <p:tag name="LATEXFORMWRAP" val="True"/>
+  <p:tag name="BITMAPVECTOR" val="0"/>
+</p:tagLst>
+</file>
+
+<file path=ppt/tags/tag90.xml><?xml version="1.0" encoding="utf-8"?>
 <p:tagLst xmlns:a="http://schemas.openxmlformats.org/drawingml/2006/main" xmlns:r="http://schemas.openxmlformats.org/officeDocument/2006/relationships" xmlns:p="http://schemas.openxmlformats.org/presentationml/2006/main">
   <p:tag name="OUTPUTDPI" val="1200"/>
   <p:tag name="ORIGINALHEIGHT" val="149.2313"/>
@@ -18594,7 +23329,7 @@
 </p:tagLst>
 </file>
 
-<file path=ppt/tags/tag73.xml><?xml version="1.0" encoding="utf-8"?>
+<file path=ppt/tags/tag91.xml><?xml version="1.0" encoding="utf-8"?>
 <p:tagLst xmlns:a="http://schemas.openxmlformats.org/drawingml/2006/main" xmlns:r="http://schemas.openxmlformats.org/officeDocument/2006/relationships" xmlns:p="http://schemas.openxmlformats.org/presentationml/2006/main">
   <p:tag name="OUTPUTDPI" val="1200"/>
   <p:tag name="ORIGINALHEIGHT" val="149.2313"/>
@@ -18612,7 +23347,7 @@
 </p:tagLst>
 </file>
 
-<file path=ppt/tags/tag74.xml><?xml version="1.0" encoding="utf-8"?>
+<file path=ppt/tags/tag92.xml><?xml version="1.0" encoding="utf-8"?>
 <p:tagLst xmlns:a="http://schemas.openxmlformats.org/drawingml/2006/main" xmlns:r="http://schemas.openxmlformats.org/officeDocument/2006/relationships" xmlns:p="http://schemas.openxmlformats.org/presentationml/2006/main">
   <p:tag name="OUTPUTDPI" val="1200"/>
   <p:tag name="ORIGINALHEIGHT" val="125.2343"/>
@@ -18630,7 +23365,7 @@
 </p:tagLst>
 </file>
 
-<file path=ppt/tags/tag75.xml><?xml version="1.0" encoding="utf-8"?>
+<file path=ppt/tags/tag93.xml><?xml version="1.0" encoding="utf-8"?>
 <p:tagLst xmlns:a="http://schemas.openxmlformats.org/drawingml/2006/main" xmlns:r="http://schemas.openxmlformats.org/officeDocument/2006/relationships" xmlns:p="http://schemas.openxmlformats.org/presentationml/2006/main">
   <p:tag name="OUTPUTDPI" val="1200"/>
   <p:tag name="ORIGINALHEIGHT" val="83.98952"/>
@@ -18648,7 +23383,7 @@
 </p:tagLst>
 </file>
 
-<file path=ppt/tags/tag76.xml><?xml version="1.0" encoding="utf-8"?>
+<file path=ppt/tags/tag94.xml><?xml version="1.0" encoding="utf-8"?>
 <p:tagLst xmlns:a="http://schemas.openxmlformats.org/drawingml/2006/main" xmlns:r="http://schemas.openxmlformats.org/officeDocument/2006/relationships" xmlns:p="http://schemas.openxmlformats.org/presentationml/2006/main">
   <p:tag name="OUTPUTDPI" val="1200"/>
   <p:tag name="ORIGINALHEIGHT" val="125.2343"/>
@@ -18666,7 +23401,7 @@
 </p:tagLst>
 </file>
 
-<file path=ppt/tags/tag77.xml><?xml version="1.0" encoding="utf-8"?>
+<file path=ppt/tags/tag95.xml><?xml version="1.0" encoding="utf-8"?>
 <p:tagLst xmlns:a="http://schemas.openxmlformats.org/drawingml/2006/main" xmlns:r="http://schemas.openxmlformats.org/officeDocument/2006/relationships" xmlns:p="http://schemas.openxmlformats.org/presentationml/2006/main">
   <p:tag name="OUTPUTDPI" val="1200"/>
   <p:tag name="ORIGINALHEIGHT" val="83.98952"/>
@@ -18684,7 +23419,7 @@
 </p:tagLst>
 </file>
 
-<file path=ppt/tags/tag78.xml><?xml version="1.0" encoding="utf-8"?>
+<file path=ppt/tags/tag96.xml><?xml version="1.0" encoding="utf-8"?>
 <p:tagLst xmlns:a="http://schemas.openxmlformats.org/drawingml/2006/main" xmlns:r="http://schemas.openxmlformats.org/officeDocument/2006/relationships" xmlns:p="http://schemas.openxmlformats.org/presentationml/2006/main">
   <p:tag name="OUTPUTDPI" val="1200"/>
   <p:tag name="ORIGINALHEIGHT" val="125.2343"/>
@@ -18702,7 +23437,7 @@
 </p:tagLst>
 </file>
 
-<file path=ppt/tags/tag79.xml><?xml version="1.0" encoding="utf-8"?>
+<file path=ppt/tags/tag97.xml><?xml version="1.0" encoding="utf-8"?>
 <p:tagLst xmlns:a="http://schemas.openxmlformats.org/drawingml/2006/main" xmlns:r="http://schemas.openxmlformats.org/officeDocument/2006/relationships" xmlns:p="http://schemas.openxmlformats.org/presentationml/2006/main">
   <p:tag name="OUTPUTDPI" val="1200"/>
   <p:tag name="ORIGINALHEIGHT" val="152.9809"/>
@@ -18720,25 +23455,7 @@
 </p:tagLst>
 </file>
 
-<file path=ppt/tags/tag8.xml><?xml version="1.0" encoding="utf-8"?>
-<p:tagLst xmlns:a="http://schemas.openxmlformats.org/drawingml/2006/main" xmlns:r="http://schemas.openxmlformats.org/officeDocument/2006/relationships" xmlns:p="http://schemas.openxmlformats.org/presentationml/2006/main">
-  <p:tag name="OUTPUTDPI" val="1200"/>
-  <p:tag name="ORIGINALHEIGHT" val="125.2343"/>
-  <p:tag name="ORIGINALWIDTH" val="1009.374"/>
-  <p:tag name="LATEXADDIN" val="\documentclass{article}&#10;\usepackage{amsmath}&#10;\pagestyle{empty}&#10;\usepackage{xcolor}&#10;\usepackage{empheq}&#10;\begin{document}&#10;$min \left \{ a,b,x,y \right \}&gt;1$&#10;\end{document}"/>
-  <p:tag name="IGUANATEXSIZE" val="18"/>
-  <p:tag name="IGUANATEXCURSOR" val="153"/>
-  <p:tag name="TRANSPARENCY" val="False"/>
-  <p:tag name="LATEXENGINEID" val="0"/>
-  <p:tag name="TEMPFOLDER" val="C:\Users\cosA\OneDrive\Documents\temp\"/>
-  <p:tag name="LATEXFORMHEIGHT" val="312"/>
-  <p:tag name="LATEXFORMWIDTH" val="384"/>
-  <p:tag name="LATEXFORMWRAP" val="True"/>
-  <p:tag name="BITMAPVECTOR" val="0"/>
-</p:tagLst>
-</file>
-
-<file path=ppt/tags/tag80.xml><?xml version="1.0" encoding="utf-8"?>
+<file path=ppt/tags/tag98.xml><?xml version="1.0" encoding="utf-8"?>
 <p:tagLst xmlns:a="http://schemas.openxmlformats.org/drawingml/2006/main" xmlns:r="http://schemas.openxmlformats.org/officeDocument/2006/relationships" xmlns:p="http://schemas.openxmlformats.org/presentationml/2006/main">
   <p:tag name="OUTPUTDPI" val="1200"/>
   <p:tag name="ORIGINALHEIGHT" val="125.2343"/>
@@ -18756,7 +23473,7 @@
 </p:tagLst>
 </file>
 
-<file path=ppt/tags/tag81.xml><?xml version="1.0" encoding="utf-8"?>
+<file path=ppt/tags/tag99.xml><?xml version="1.0" encoding="utf-8"?>
 <p:tagLst xmlns:a="http://schemas.openxmlformats.org/drawingml/2006/main" xmlns:r="http://schemas.openxmlformats.org/officeDocument/2006/relationships" xmlns:p="http://schemas.openxmlformats.org/presentationml/2006/main">
   <p:tag name="OUTPUTDPI" val="1200"/>
   <p:tag name="ORIGINALHEIGHT" val="56.24299"/>
@@ -18764,348 +23481,6 @@
   <p:tag name="LATEXADDIN" val="\documentclass{article}&#10;\usepackage{amsmath}&#10;\pagestyle{empty}&#10;\usepackage{xcolor}&#10;\usepackage{empheq}&#10;\begin{document}&#10;$v$&#10;\end{document}"/>
   <p:tag name="IGUANATEXSIZE" val="18"/>
   <p:tag name="IGUANATEXCURSOR" val="122"/>
-  <p:tag name="TRANSPARENCY" val="False"/>
-  <p:tag name="LATEXENGINEID" val="0"/>
-  <p:tag name="TEMPFOLDER" val="C:\Users\cosA\OneDrive\Documents\temp\"/>
-  <p:tag name="LATEXFORMHEIGHT" val="312"/>
-  <p:tag name="LATEXFORMWIDTH" val="384"/>
-  <p:tag name="LATEXFORMWRAP" val="True"/>
-  <p:tag name="BITMAPVECTOR" val="0"/>
-</p:tagLst>
-</file>
-
-<file path=ppt/tags/tag82.xml><?xml version="1.0" encoding="utf-8"?>
-<p:tagLst xmlns:a="http://schemas.openxmlformats.org/drawingml/2006/main" xmlns:r="http://schemas.openxmlformats.org/officeDocument/2006/relationships" xmlns:p="http://schemas.openxmlformats.org/presentationml/2006/main">
-  <p:tag name="OUTPUTDPI" val="1200"/>
-  <p:tag name="ORIGINALHEIGHT" val="125.2343"/>
-  <p:tag name="ORIGINALWIDTH" val="317.2103"/>
-  <p:tag name="LATEXADDIN" val="\documentclass{article}&#10;\usepackage{amsmath}&#10;\usepackage{amssymb}&#10;\pagestyle{empty}&#10;\usepackage{xcolor}&#10;\usepackage{empheq}&#10;\begin{document}&#10;$2\vert \left (2^{v} \right) $&#10;\end{document}"/>
-  <p:tag name="IGUANATEXSIZE" val="18"/>
-  <p:tag name="IGUANATEXCURSOR" val="157"/>
-  <p:tag name="TRANSPARENCY" val="False"/>
-  <p:tag name="LATEXENGINEID" val="0"/>
-  <p:tag name="TEMPFOLDER" val="C:\Users\cosA\OneDrive\Documents\temp\"/>
-  <p:tag name="LATEXFORMHEIGHT" val="312"/>
-  <p:tag name="LATEXFORMWIDTH" val="384"/>
-  <p:tag name="LATEXFORMWRAP" val="True"/>
-  <p:tag name="BITMAPVECTOR" val="0"/>
-</p:tagLst>
-</file>
-
-<file path=ppt/tags/tag83.xml><?xml version="1.0" encoding="utf-8"?>
-<p:tagLst xmlns:a="http://schemas.openxmlformats.org/drawingml/2006/main" xmlns:r="http://schemas.openxmlformats.org/officeDocument/2006/relationships" xmlns:p="http://schemas.openxmlformats.org/presentationml/2006/main">
-  <p:tag name="OUTPUTDPI" val="1200"/>
-  <p:tag name="ORIGINALHEIGHT" val="137.2328"/>
-  <p:tag name="ORIGINALWIDTH" val="338.2077"/>
-  <p:tag name="LATEXADDIN" val="\documentclass{article}&#10;\usepackage{amsmath}&#10;\usepackage{amssymb}&#10;\pagestyle{empty}&#10;\usepackage{xcolor}&#10;\usepackage{empheq}&#10;\begin{document}&#10;$4\nmid 2p^{k}$&#10;\end{document}"/>
-  <p:tag name="IGUANATEXSIZE" val="18"/>
-  <p:tag name="IGUANATEXCURSOR" val="150"/>
-  <p:tag name="TRANSPARENCY" val="False"/>
-  <p:tag name="LATEXENGINEID" val="0"/>
-  <p:tag name="TEMPFOLDER" val="C:\Users\cosA\OneDrive\Documents\temp\"/>
-  <p:tag name="LATEXFORMHEIGHT" val="312"/>
-  <p:tag name="LATEXFORMWIDTH" val="384"/>
-  <p:tag name="LATEXFORMWRAP" val="True"/>
-  <p:tag name="BITMAPVECTOR" val="0"/>
-</p:tagLst>
-</file>
-
-<file path=ppt/tags/tag84.xml><?xml version="1.0" encoding="utf-8"?>
-<p:tagLst xmlns:a="http://schemas.openxmlformats.org/drawingml/2006/main" xmlns:r="http://schemas.openxmlformats.org/officeDocument/2006/relationships" xmlns:p="http://schemas.openxmlformats.org/presentationml/2006/main">
-  <p:tag name="OUTPUTDPI" val="1200"/>
-  <p:tag name="ORIGINALHEIGHT" val="125.2343"/>
-  <p:tag name="ORIGINALWIDTH" val="272.9659"/>
-  <p:tag name="LATEXADDIN" val="\documentclass{article}&#10;\usepackage{amsmath}&#10;\usepackage{amssymb}&#10;\pagestyle{empty}&#10;\usepackage{xcolor}&#10;\usepackage{empheq}&#10;\begin{document}&#10;$4\nmid 2^{v}$&#10;\end{document}"/>
-  <p:tag name="IGUANATEXSIZE" val="18"/>
-  <p:tag name="IGUANATEXCURSOR" val="150"/>
-  <p:tag name="TRANSPARENCY" val="False"/>
-  <p:tag name="LATEXENGINEID" val="0"/>
-  <p:tag name="TEMPFOLDER" val="C:\Users\cosA\OneDrive\Documents\temp\"/>
-  <p:tag name="LATEXFORMHEIGHT" val="312"/>
-  <p:tag name="LATEXFORMWIDTH" val="384"/>
-  <p:tag name="LATEXFORMWRAP" val="True"/>
-  <p:tag name="BITMAPVECTOR" val="0"/>
-</p:tagLst>
-</file>
-
-<file path=ppt/tags/tag85.xml><?xml version="1.0" encoding="utf-8"?>
-<p:tagLst xmlns:a="http://schemas.openxmlformats.org/drawingml/2006/main" xmlns:r="http://schemas.openxmlformats.org/officeDocument/2006/relationships" xmlns:p="http://schemas.openxmlformats.org/presentationml/2006/main">
-  <p:tag name="OUTPUTDPI" val="1200"/>
-  <p:tag name="ORIGINALHEIGHT" val="99.73756"/>
-  <p:tag name="ORIGINALWIDTH" val="280.465"/>
-  <p:tag name="LATEXADDIN" val="&#10;&#10;\documentclass{article}&#10;\usepackage{amsmath}&#10;\usepackage{amsfonts}&#10;\usepackage{amssymb}&#10;\pagestyle{empty}&#10;\usepackage{xcolor}&#10;\usepackage{empheq}&#10;\begin{document}&#10;$v\geq 1 $&#10;\end{document}"/>
-  <p:tag name="IGUANATEXSIZE" val="18"/>
-  <p:tag name="IGUANATEXCURSOR" val="167"/>
-  <p:tag name="TRANSPARENCY" val="False"/>
-  <p:tag name="LATEXENGINEID" val="0"/>
-  <p:tag name="TEMPFOLDER" val="C:\Users\cosA\OneDrive\Documents\temp\"/>
-  <p:tag name="LATEXFORMHEIGHT" val="312"/>
-  <p:tag name="LATEXFORMWIDTH" val="384"/>
-  <p:tag name="LATEXFORMWRAP" val="True"/>
-  <p:tag name="BITMAPVECTOR" val="0"/>
-</p:tagLst>
-</file>
-
-<file path=ppt/tags/tag86.xml><?xml version="1.0" encoding="utf-8"?>
-<p:tagLst xmlns:a="http://schemas.openxmlformats.org/drawingml/2006/main" xmlns:r="http://schemas.openxmlformats.org/officeDocument/2006/relationships" xmlns:p="http://schemas.openxmlformats.org/presentationml/2006/main">
-  <p:tag name="OUTPUTDPI" val="1200"/>
-  <p:tag name="ORIGINALHEIGHT" val="125.2343"/>
-  <p:tag name="ORIGINALWIDTH" val="134.9832"/>
-  <p:tag name="LATEXADDIN" val="\documentclass{article}&#10;\usepackage{amsmath}&#10;\pagestyle{empty}&#10;\usepackage{xcolor}&#10;\usepackage{empheq}&#10;\begin{document}&#10;${\color{red}\left ( 5 \right )}$&#10;\end{document}"/>
-  <p:tag name="IGUANATEXSIZE" val="18"/>
-  <p:tag name="IGUANATEXCURSOR" val="142"/>
-  <p:tag name="TRANSPARENCY" val="False"/>
-  <p:tag name="LATEXENGINEID" val="0"/>
-  <p:tag name="TEMPFOLDER" val="C:\Users\cosA\OneDrive\Documents\temp\"/>
-  <p:tag name="LATEXFORMHEIGHT" val="312"/>
-  <p:tag name="LATEXFORMWIDTH" val="384"/>
-  <p:tag name="LATEXFORMWRAP" val="True"/>
-  <p:tag name="BITMAPVECTOR" val="0"/>
-</p:tagLst>
-</file>
-
-<file path=ppt/tags/tag87.xml><?xml version="1.0" encoding="utf-8"?>
-<p:tagLst xmlns:a="http://schemas.openxmlformats.org/drawingml/2006/main" xmlns:r="http://schemas.openxmlformats.org/officeDocument/2006/relationships" xmlns:p="http://schemas.openxmlformats.org/presentationml/2006/main">
-  <p:tag name="OUTPUTDPI" val="1200"/>
-  <p:tag name="ORIGINALHEIGHT" val="129.7338"/>
-  <p:tag name="ORIGINALWIDTH" val="734.9081"/>
-  <p:tag name="LATEXADDIN" val="\documentclass{article}&#10;\usepackage{amsmath}&#10;\pagestyle{empty}&#10;\usepackage{xcolor}&#10;\usepackage{empheq}&#10;\begin{document}&#10;$ 1  =2^{x-2}-p^{k} $&#10;\end{document}"/>
-  <p:tag name="IGUANATEXSIZE" val="18"/>
-  <p:tag name="IGUANATEXCURSOR" val="122"/>
-  <p:tag name="TRANSPARENCY" val="False"/>
-  <p:tag name="LATEXENGINEID" val="0"/>
-  <p:tag name="TEMPFOLDER" val="C:\Users\cosA\OneDrive\Documents\temp\"/>
-  <p:tag name="LATEXFORMHEIGHT" val="312"/>
-  <p:tag name="LATEXFORMWIDTH" val="384"/>
-  <p:tag name="LATEXFORMWRAP" val="True"/>
-  <p:tag name="BITMAPVECTOR" val="0"/>
-</p:tagLst>
-</file>
-
-<file path=ppt/tags/tag88.xml><?xml version="1.0" encoding="utf-8"?>
-<p:tagLst xmlns:a="http://schemas.openxmlformats.org/drawingml/2006/main" xmlns:r="http://schemas.openxmlformats.org/officeDocument/2006/relationships" xmlns:p="http://schemas.openxmlformats.org/presentationml/2006/main">
-  <p:tag name="OUTPUTDPI" val="1200"/>
-  <p:tag name="ORIGINALHEIGHT" val="116.2354"/>
-  <p:tag name="ORIGINALWIDTH" val="286.4642"/>
-  <p:tag name="LATEXADDIN" val="\documentclass{article}&#10;\usepackage{amsmath}&#10;\pagestyle{empty}&#10;\usepackage{xcolor}&#10;\usepackage{empheq}&#10;\begin{document}&#10;$x\neq 1$&#10;\end{document}"/>
-  <p:tag name="IGUANATEXSIZE" val="18"/>
-  <p:tag name="IGUANATEXCURSOR" val="121"/>
-  <p:tag name="TRANSPARENCY" val="False"/>
-  <p:tag name="LATEXENGINEID" val="0"/>
-  <p:tag name="TEMPFOLDER" val="C:\Users\cosA\OneDrive\Documents\temp\"/>
-  <p:tag name="LATEXFORMHEIGHT" val="312"/>
-  <p:tag name="LATEXFORMWIDTH" val="384"/>
-  <p:tag name="LATEXFORMWRAP" val="True"/>
-  <p:tag name="BITMAPVECTOR" val="0"/>
-</p:tagLst>
-</file>
-
-<file path=ppt/tags/tag89.xml><?xml version="1.0" encoding="utf-8"?>
-<p:tagLst xmlns:a="http://schemas.openxmlformats.org/drawingml/2006/main" xmlns:r="http://schemas.openxmlformats.org/officeDocument/2006/relationships" xmlns:p="http://schemas.openxmlformats.org/presentationml/2006/main">
-  <p:tag name="OUTPUTDPI" val="1200"/>
-  <p:tag name="ORIGINALHEIGHT" val="85.48929"/>
-  <p:tag name="ORIGINALWIDTH" val="290.9636"/>
-  <p:tag name="LATEXADDIN" val="\documentclass{article}&#10;\usepackage{amsmath}&#10;\pagestyle{empty}&#10;\usepackage{xcolor}&#10;\usepackage{empheq}&#10;\begin{document}&#10;$x=3$&#10;\end{document}"/>
-  <p:tag name="IGUANATEXSIZE" val="18"/>
-  <p:tag name="IGUANATEXCURSOR" val="124"/>
-  <p:tag name="TRANSPARENCY" val="False"/>
-  <p:tag name="LATEXENGINEID" val="0"/>
-  <p:tag name="TEMPFOLDER" val="C:\Users\cosA\OneDrive\Documents\temp\"/>
-  <p:tag name="LATEXFORMHEIGHT" val="312"/>
-  <p:tag name="LATEXFORMWIDTH" val="384"/>
-  <p:tag name="LATEXFORMWRAP" val="True"/>
-  <p:tag name="BITMAPVECTOR" val="0"/>
-</p:tagLst>
-</file>
-
-<file path=ppt/tags/tag9.xml><?xml version="1.0" encoding="utf-8"?>
-<p:tagLst xmlns:a="http://schemas.openxmlformats.org/drawingml/2006/main" xmlns:r="http://schemas.openxmlformats.org/officeDocument/2006/relationships" xmlns:p="http://schemas.openxmlformats.org/presentationml/2006/main">
-  <p:tag name="OUTPUTDPI" val="1200"/>
-  <p:tag name="ORIGINALHEIGHT" val="80.24"/>
-  <p:tag name="ORIGINALWIDTH" val="58.49268"/>
-  <p:tag name="LATEXADDIN" val="\documentclass{article}&#10;\usepackage{amsmath}&#10;\pagestyle{empty}&#10;\usepackage{xcolor}&#10;\usepackage{empheq}&#10;\begin{document}&#10;$y$&#10;\end{document}"/>
-  <p:tag name="IGUANATEXSIZE" val="18"/>
-  <p:tag name="IGUANATEXCURSOR" val="123"/>
-  <p:tag name="TRANSPARENCY" val="False"/>
-  <p:tag name="LATEXENGINEID" val="0"/>
-  <p:tag name="TEMPFOLDER" val="C:\Users\cosA\OneDrive\Documents\temp\"/>
-  <p:tag name="LATEXFORMHEIGHT" val="312"/>
-  <p:tag name="LATEXFORMWIDTH" val="384"/>
-  <p:tag name="LATEXFORMWRAP" val="True"/>
-  <p:tag name="BITMAPVECTOR" val="0"/>
-</p:tagLst>
-</file>
-
-<file path=ppt/tags/tag90.xml><?xml version="1.0" encoding="utf-8"?>
-<p:tagLst xmlns:a="http://schemas.openxmlformats.org/drawingml/2006/main" xmlns:r="http://schemas.openxmlformats.org/officeDocument/2006/relationships" xmlns:p="http://schemas.openxmlformats.org/presentationml/2006/main">
-  <p:tag name="OUTPUTDPI" val="1200"/>
-  <p:tag name="ORIGINALHEIGHT" val="125.2343"/>
-  <p:tag name="ORIGINALWIDTH" val="134.9832"/>
-  <p:tag name="LATEXADDIN" val="\documentclass{article}&#10;\usepackage{amsmath}&#10;\pagestyle{empty}&#10;\usepackage{xcolor}&#10;\usepackage{empheq}&#10;\begin{document}&#10;${\color{red}\left ( 5 \right )}$&#10;\end{document}"/>
-  <p:tag name="IGUANATEXSIZE" val="18"/>
-  <p:tag name="IGUANATEXCURSOR" val="142"/>
-  <p:tag name="TRANSPARENCY" val="False"/>
-  <p:tag name="LATEXENGINEID" val="0"/>
-  <p:tag name="TEMPFOLDER" val="C:\Users\cosA\OneDrive\Documents\temp\"/>
-  <p:tag name="LATEXFORMHEIGHT" val="312"/>
-  <p:tag name="LATEXFORMWIDTH" val="384"/>
-  <p:tag name="LATEXFORMWRAP" val="True"/>
-  <p:tag name="BITMAPVECTOR" val="0"/>
-</p:tagLst>
-</file>
-
-<file path=ppt/tags/tag91.xml><?xml version="1.0" encoding="utf-8"?>
-<p:tagLst xmlns:a="http://schemas.openxmlformats.org/drawingml/2006/main" xmlns:r="http://schemas.openxmlformats.org/officeDocument/2006/relationships" xmlns:p="http://schemas.openxmlformats.org/presentationml/2006/main">
-  <p:tag name="OUTPUTDPI" val="1200"/>
-  <p:tag name="ORIGINALHEIGHT" val="89.23882"/>
-  <p:tag name="ORIGINALWIDTH" val="285.7143"/>
-  <p:tag name="LATEXADDIN" val="\documentclass{article}&#10;\usepackage{amsmath}&#10;\pagestyle{empty}&#10;\usepackage{xcolor}&#10;\usepackage{empheq}&#10;\begin{document}&#10;$k=0$&#10;\end{document}"/>
-  <p:tag name="IGUANATEXSIZE" val="18"/>
-  <p:tag name="IGUANATEXCURSOR" val="122"/>
-  <p:tag name="TRANSPARENCY" val="False"/>
-  <p:tag name="LATEXENGINEID" val="0"/>
-  <p:tag name="TEMPFOLDER" val="C:\Users\cosA\OneDrive\Documents\temp\"/>
-  <p:tag name="LATEXFORMHEIGHT" val="312"/>
-  <p:tag name="LATEXFORMWIDTH" val="384"/>
-  <p:tag name="LATEXFORMWRAP" val="True"/>
-  <p:tag name="BITMAPVECTOR" val="0"/>
-</p:tagLst>
-</file>
-
-<file path=ppt/tags/tag92.xml><?xml version="1.0" encoding="utf-8"?>
-<p:tagLst xmlns:a="http://schemas.openxmlformats.org/drawingml/2006/main" xmlns:r="http://schemas.openxmlformats.org/officeDocument/2006/relationships" xmlns:p="http://schemas.openxmlformats.org/presentationml/2006/main">
-  <p:tag name="OUTPUTDPI" val="1200"/>
-  <p:tag name="ORIGINALHEIGHT" val="129.7338"/>
-  <p:tag name="ORIGINALWIDTH" val="972.6284"/>
-  <p:tag name="LATEXADDIN" val="\documentclass{article}&#10;\usepackage{amsmath}&#10;\pagestyle{empty}&#10;\usepackage{xcolor}&#10;\usepackage{empheq}&#10;\begin{document}&#10;$   p^{k}  =2^{3-2}-1=1 $&#10;\end{document}"/>
-  <p:tag name="IGUANATEXSIZE" val="18"/>
-  <p:tag name="IGUANATEXCURSOR" val="143"/>
-  <p:tag name="TRANSPARENCY" val="False"/>
-  <p:tag name="LATEXENGINEID" val="0"/>
-  <p:tag name="TEMPFOLDER" val="C:\Users\cosA\OneDrive\Documents\temp\"/>
-  <p:tag name="LATEXFORMHEIGHT" val="312"/>
-  <p:tag name="LATEXFORMWIDTH" val="384"/>
-  <p:tag name="LATEXFORMWRAP" val="True"/>
-  <p:tag name="BITMAPVECTOR" val="0"/>
-</p:tagLst>
-</file>
-
-<file path=ppt/tags/tag93.xml><?xml version="1.0" encoding="utf-8"?>
-<p:tagLst xmlns:a="http://schemas.openxmlformats.org/drawingml/2006/main" xmlns:r="http://schemas.openxmlformats.org/officeDocument/2006/relationships" xmlns:p="http://schemas.openxmlformats.org/presentationml/2006/main">
-  <p:tag name="OUTPUTDPI" val="1200"/>
-  <p:tag name="ORIGINALHEIGHT" val="125.2343"/>
-  <p:tag name="ORIGINALWIDTH" val="694.4132"/>
-  <p:tag name="LATEXADDIN" val="\documentclass{article}&#10;\usepackage{amsmath}&#10;\pagestyle{empty}&#10;\usepackage{xcolor}&#10;\usepackage{empheq}&#10;\begin{document}&#10;$y=2\left(0\right)=0$&#10;\end{document}"/>
-  <p:tag name="IGUANATEXSIZE" val="18"/>
-  <p:tag name="IGUANATEXCURSOR" val="140"/>
-  <p:tag name="TRANSPARENCY" val="False"/>
-  <p:tag name="LATEXENGINEID" val="0"/>
-  <p:tag name="TEMPFOLDER" val="C:\Users\cosA\OneDrive\Documents\temp\"/>
-  <p:tag name="LATEXFORMHEIGHT" val="312"/>
-  <p:tag name="LATEXFORMWIDTH" val="384"/>
-  <p:tag name="LATEXFORMWRAP" val="True"/>
-  <p:tag name="BITMAPVECTOR" val="0"/>
-</p:tagLst>
-</file>
-
-<file path=ppt/tags/tag94.xml><?xml version="1.0" encoding="utf-8"?>
-<p:tagLst xmlns:a="http://schemas.openxmlformats.org/drawingml/2006/main" xmlns:r="http://schemas.openxmlformats.org/officeDocument/2006/relationships" xmlns:p="http://schemas.openxmlformats.org/presentationml/2006/main">
-  <p:tag name="OUTPUTDPI" val="1200"/>
-  <p:tag name="ORIGINALHEIGHT" val="107.9865"/>
-  <p:tag name="ORIGINALWIDTH" val="281.2149"/>
-  <p:tag name="LATEXADDIN" val="&#10;&#10;\documentclass{article}&#10;\usepackage{amsmath}&#10;\usepackage{amsfonts}&#10;\usepackage{amssymb}&#10;\pagestyle{empty}&#10;\usepackage{xcolor}&#10;\usepackage{empheq}&#10;\begin{document}&#10;$y\geq 1 $&#10;\end{document}"/>
-  <p:tag name="IGUANATEXSIZE" val="18"/>
-  <p:tag name="IGUANATEXCURSOR" val="174"/>
-  <p:tag name="TRANSPARENCY" val="False"/>
-  <p:tag name="LATEXENGINEID" val="0"/>
-  <p:tag name="TEMPFOLDER" val="C:\Users\cosA\OneDrive\Documents\temp\"/>
-  <p:tag name="LATEXFORMHEIGHT" val="312"/>
-  <p:tag name="LATEXFORMWIDTH" val="384"/>
-  <p:tag name="LATEXFORMWRAP" val="True"/>
-  <p:tag name="BITMAPVECTOR" val="0"/>
-</p:tagLst>
-</file>
-
-<file path=ppt/tags/tag95.xml><?xml version="1.0" encoding="utf-8"?>
-<p:tagLst xmlns:a="http://schemas.openxmlformats.org/drawingml/2006/main" xmlns:r="http://schemas.openxmlformats.org/officeDocument/2006/relationships" xmlns:p="http://schemas.openxmlformats.org/presentationml/2006/main">
-  <p:tag name="OUTPUTDPI" val="1200"/>
-  <p:tag name="ORIGINALHEIGHT" val="87.73905"/>
-  <p:tag name="ORIGINALWIDTH" val="290.9636"/>
-  <p:tag name="LATEXADDIN" val="&#10;&#10;\documentclass{article}&#10;\usepackage{amsmath}&#10;\usepackage{amsfonts}&#10;\usepackage{amssymb}&#10;\pagestyle{empty}&#10;\usepackage{xcolor}&#10;\usepackage{empheq}&#10;\begin{document}&#10;$x&gt; 3$&#10;\end{document}"/>
-  <p:tag name="IGUANATEXSIZE" val="18"/>
-  <p:tag name="IGUANATEXCURSOR" val="170"/>
-  <p:tag name="TRANSPARENCY" val="False"/>
-  <p:tag name="LATEXENGINEID" val="0"/>
-  <p:tag name="TEMPFOLDER" val="C:\Users\cosA\OneDrive\Documents\temp\"/>
-  <p:tag name="LATEXFORMHEIGHT" val="312"/>
-  <p:tag name="LATEXFORMWIDTH" val="384"/>
-  <p:tag name="LATEXFORMWRAP" val="True"/>
-  <p:tag name="BITMAPVECTOR" val="0"/>
-</p:tagLst>
-</file>
-
-<file path=ppt/tags/tag96.xml><?xml version="1.0" encoding="utf-8"?>
-<p:tagLst xmlns:a="http://schemas.openxmlformats.org/drawingml/2006/main" xmlns:r="http://schemas.openxmlformats.org/officeDocument/2006/relationships" xmlns:p="http://schemas.openxmlformats.org/presentationml/2006/main">
-  <p:tag name="OUTPUTDPI" val="1200"/>
-  <p:tag name="ORIGINALHEIGHT" val="87.73905"/>
-  <p:tag name="ORIGINALWIDTH" val="280.465"/>
-  <p:tag name="LATEXADDIN" val="\documentclass{article}&#10;\usepackage{amsmath}&#10;\pagestyle{empty}&#10;\usepackage{xcolor}&#10;\usepackage{empheq}&#10;\begin{document}&#10;$k=1$&#10;\end{document}"/>
-  <p:tag name="IGUANATEXSIZE" val="18"/>
-  <p:tag name="IGUANATEXCURSOR" val="124"/>
-  <p:tag name="TRANSPARENCY" val="False"/>
-  <p:tag name="LATEXENGINEID" val="0"/>
-  <p:tag name="TEMPFOLDER" val="C:\Users\cosA\OneDrive\Documents\temp\"/>
-  <p:tag name="LATEXFORMHEIGHT" val="312"/>
-  <p:tag name="LATEXFORMWIDTH" val="384"/>
-  <p:tag name="LATEXFORMWRAP" val="True"/>
-  <p:tag name="BITMAPVECTOR" val="0"/>
-</p:tagLst>
-</file>
-
-<file path=ppt/tags/tag97.xml><?xml version="1.0" encoding="utf-8"?>
-<p:tagLst xmlns:a="http://schemas.openxmlformats.org/drawingml/2006/main" xmlns:r="http://schemas.openxmlformats.org/officeDocument/2006/relationships" xmlns:p="http://schemas.openxmlformats.org/presentationml/2006/main">
-  <p:tag name="OUTPUTDPI" val="1200"/>
-  <p:tag name="ORIGINALHEIGHT" val="125.2343"/>
-  <p:tag name="ORIGINALWIDTH" val="134.9832"/>
-  <p:tag name="LATEXADDIN" val="\documentclass{article}&#10;\usepackage{amsmath}&#10;\pagestyle{empty}&#10;\usepackage{xcolor}&#10;\usepackage{empheq}&#10;\begin{document}&#10;${\color{red}\left ( 5 \right )}$&#10;\end{document}"/>
-  <p:tag name="IGUANATEXSIZE" val="18"/>
-  <p:tag name="IGUANATEXCURSOR" val="142"/>
-  <p:tag name="TRANSPARENCY" val="False"/>
-  <p:tag name="LATEXENGINEID" val="0"/>
-  <p:tag name="TEMPFOLDER" val="C:\Users\cosA\OneDrive\Documents\temp\"/>
-  <p:tag name="LATEXFORMHEIGHT" val="312"/>
-  <p:tag name="LATEXFORMWIDTH" val="384"/>
-  <p:tag name="LATEXFORMWRAP" val="True"/>
-  <p:tag name="BITMAPVECTOR" val="0"/>
-</p:tagLst>
-</file>
-
-<file path=ppt/tags/tag98.xml><?xml version="1.0" encoding="utf-8"?>
-<p:tagLst xmlns:a="http://schemas.openxmlformats.org/drawingml/2006/main" xmlns:r="http://schemas.openxmlformats.org/officeDocument/2006/relationships" xmlns:p="http://schemas.openxmlformats.org/presentationml/2006/main">
-  <p:tag name="OUTPUTDPI" val="1200"/>
-  <p:tag name="ORIGINALHEIGHT" val="91.48859"/>
-  <p:tag name="ORIGINALWIDTH" val="280.465"/>
-  <p:tag name="LATEXADDIN" val="&#10;&#10;\documentclass{article}&#10;\usepackage{amsmath}&#10;\usepackage{amsfonts}&#10;\usepackage{amssymb}&#10;\pagestyle{empty}&#10;\usepackage{xcolor}&#10;\usepackage{empheq}&#10;\begin{document}&#10;$k&gt; 1$&#10;\end{document}"/>
-  <p:tag name="IGUANATEXSIZE" val="18"/>
-  <p:tag name="IGUANATEXCURSOR" val="167"/>
-  <p:tag name="TRANSPARENCY" val="False"/>
-  <p:tag name="LATEXENGINEID" val="0"/>
-  <p:tag name="TEMPFOLDER" val="C:\Users\cosA\OneDrive\Documents\temp\"/>
-  <p:tag name="LATEXFORMHEIGHT" val="312"/>
-  <p:tag name="LATEXFORMWIDTH" val="384"/>
-  <p:tag name="LATEXFORMWRAP" val="True"/>
-  <p:tag name="BITMAPVECTOR" val="0"/>
-</p:tagLst>
-</file>
-
-<file path=ppt/tags/tag99.xml><?xml version="1.0" encoding="utf-8"?>
-<p:tagLst xmlns:a="http://schemas.openxmlformats.org/drawingml/2006/main" xmlns:r="http://schemas.openxmlformats.org/officeDocument/2006/relationships" xmlns:p="http://schemas.openxmlformats.org/presentationml/2006/main">
-  <p:tag name="OUTPUTDPI" val="1200"/>
-  <p:tag name="ORIGINALHEIGHT" val="126.7342"/>
-  <p:tag name="ORIGINALWIDTH" val="595.4256"/>
-  <p:tag name="LATEXADDIN" val="\documentclass{article}&#10;\usepackage{amsmath}&#10;\pagestyle{empty}&#10;\usepackage{xcolor}&#10;\usepackage{empheq}&#10;\begin{document}&#10;$ 1  =2^{3}-p^{2} $&#10;\end{document}"/>
-  <p:tag name="IGUANATEXSIZE" val="18"/>
-  <p:tag name="IGUANATEXCURSOR" val="136"/>
   <p:tag name="TRANSPARENCY" val="False"/>
   <p:tag name="LATEXENGINEID" val="0"/>
   <p:tag name="TEMPFOLDER" val="C:\Users\cosA\OneDrive\Documents\temp\"/>

--- a/Presentation1.pptx
+++ b/Presentation1.pptx
@@ -149,7 +149,7 @@
   <pc:docChgLst>
     <pc:chgData name="Chonthicha Phuangfueang" userId="055aefd292e5fda0" providerId="LiveId" clId="{5B5F8411-1399-4D8D-B27F-31C85245C7D4}"/>
     <pc:docChg chg="undo redo custSel addSld delSld modSld sldOrd modMainMaster">
-      <pc:chgData name="Chonthicha Phuangfueang" userId="055aefd292e5fda0" providerId="LiveId" clId="{5B5F8411-1399-4D8D-B27F-31C85245C7D4}" dt="2023-03-30T07:03:43.505" v="16833" actId="20577"/>
+      <pc:chgData name="Chonthicha Phuangfueang" userId="055aefd292e5fda0" providerId="LiveId" clId="{5B5F8411-1399-4D8D-B27F-31C85245C7D4}" dt="2023-03-30T10:44:29.655" v="16892" actId="1038"/>
       <pc:docMkLst>
         <pc:docMk/>
       </pc:docMkLst>
@@ -1414,7 +1414,7 @@
         </pc:sldMkLst>
       </pc:sldChg>
       <pc:sldChg chg="addSp delSp modSp new mod">
-        <pc:chgData name="Chonthicha Phuangfueang" userId="055aefd292e5fda0" providerId="LiveId" clId="{5B5F8411-1399-4D8D-B27F-31C85245C7D4}" dt="2023-03-29T11:32:54.947" v="13001" actId="478"/>
+        <pc:chgData name="Chonthicha Phuangfueang" userId="055aefd292e5fda0" providerId="LiveId" clId="{5B5F8411-1399-4D8D-B27F-31C85245C7D4}" dt="2023-03-30T10:44:29.655" v="16892" actId="1038"/>
         <pc:sldMkLst>
           <pc:docMk/>
           <pc:sldMk cId="2620720595" sldId="268"/>
@@ -1475,8 +1475,16 @@
             <ac:graphicFrameMk id="10" creationId="{94D3145F-B434-D929-D3AB-CEB6AD78B287}"/>
           </ac:graphicFrameMkLst>
         </pc:graphicFrameChg>
+        <pc:picChg chg="add del mod">
+          <ac:chgData name="Chonthicha Phuangfueang" userId="055aefd292e5fda0" providerId="LiveId" clId="{5B5F8411-1399-4D8D-B27F-31C85245C7D4}" dt="2023-03-30T10:43:10.150" v="16882" actId="478"/>
+          <ac:picMkLst>
+            <pc:docMk/>
+            <pc:sldMk cId="2620720595" sldId="268"/>
+            <ac:picMk id="2" creationId="{E8645718-7B9A-8C21-1839-BCE55844D7E8}"/>
+          </ac:picMkLst>
+        </pc:picChg>
         <pc:picChg chg="mod ord replST">
-          <ac:chgData name="Chonthicha Phuangfueang" userId="055aefd292e5fda0" providerId="LiveId" clId="{5B5F8411-1399-4D8D-B27F-31C85245C7D4}" dt="2023-03-29T04:59:37.360" v="5379" actId="1076"/>
+          <ac:chgData name="Chonthicha Phuangfueang" userId="055aefd292e5fda0" providerId="LiveId" clId="{5B5F8411-1399-4D8D-B27F-31C85245C7D4}" dt="2023-03-30T10:44:29.655" v="16892" actId="1038"/>
           <ac:picMkLst>
             <pc:docMk/>
             <pc:sldMk cId="2620720595" sldId="268"/>
@@ -1499,6 +1507,14 @@
             <ac:picMk id="6" creationId="{297D892A-13E7-1D1F-7ECD-4E616FA6B38F}"/>
           </ac:picMkLst>
         </pc:picChg>
+        <pc:picChg chg="mod ord replST">
+          <ac:chgData name="Chonthicha Phuangfueang" userId="055aefd292e5fda0" providerId="LiveId" clId="{5B5F8411-1399-4D8D-B27F-31C85245C7D4}" dt="2023-03-30T10:43:13.114" v="16886" actId="1036"/>
+          <ac:picMkLst>
+            <pc:docMk/>
+            <pc:sldMk cId="2620720595" sldId="268"/>
+            <ac:picMk id="7" creationId="{06A70EAC-6F11-9036-4561-B63699AF16A5}"/>
+          </ac:picMkLst>
+        </pc:picChg>
         <pc:picChg chg="add del mod">
           <ac:chgData name="Chonthicha Phuangfueang" userId="055aefd292e5fda0" providerId="LiveId" clId="{5B5F8411-1399-4D8D-B27F-31C85245C7D4}" dt="2023-03-28T17:03:29.312" v="4917" actId="478"/>
           <ac:picMkLst>
@@ -1539,8 +1555,8 @@
             <ac:picMk id="11" creationId="{2FD4FFD4-0848-C1AE-FD3D-B3ACD195D030}"/>
           </ac:picMkLst>
         </pc:picChg>
-        <pc:picChg chg="add mod">
-          <ac:chgData name="Chonthicha Phuangfueang" userId="055aefd292e5fda0" providerId="LiveId" clId="{5B5F8411-1399-4D8D-B27F-31C85245C7D4}" dt="2023-03-29T05:24:39.294" v="5723" actId="1076"/>
+        <pc:picChg chg="add del mod">
+          <ac:chgData name="Chonthicha Phuangfueang" userId="055aefd292e5fda0" providerId="LiveId" clId="{5B5F8411-1399-4D8D-B27F-31C85245C7D4}" dt="2023-03-30T10:42:05.015" v="16854" actId="478"/>
           <ac:picMkLst>
             <pc:docMk/>
             <pc:sldMk cId="2620720595" sldId="268"/>
@@ -4069,7 +4085,7 @@
         </pc:picChg>
       </pc:sldChg>
       <pc:sldChg chg="addSp delSp modSp new mod">
-        <pc:chgData name="Chonthicha Phuangfueang" userId="055aefd292e5fda0" providerId="LiveId" clId="{5B5F8411-1399-4D8D-B27F-31C85245C7D4}" dt="2023-03-30T06:57:58.378" v="16710"/>
+        <pc:chgData name="Chonthicha Phuangfueang" userId="055aefd292e5fda0" providerId="LiveId" clId="{5B5F8411-1399-4D8D-B27F-31C85245C7D4}" dt="2023-03-30T10:39:00.546" v="16847" actId="1036"/>
         <pc:sldMkLst>
           <pc:docMk/>
           <pc:sldMk cId="3362851476" sldId="276"/>
@@ -4154,8 +4170,8 @@
             <ac:picMk id="12" creationId="{371E2573-ACA2-3476-CA95-314A4C691C86}"/>
           </ac:picMkLst>
         </pc:picChg>
-        <pc:picChg chg="mod ord replST">
-          <ac:chgData name="Chonthicha Phuangfueang" userId="055aefd292e5fda0" providerId="LiveId" clId="{5B5F8411-1399-4D8D-B27F-31C85245C7D4}" dt="2023-03-30T06:51:32.691" v="16473" actId="1037"/>
+        <pc:picChg chg="del mod ord replST">
+          <ac:chgData name="Chonthicha Phuangfueang" userId="055aefd292e5fda0" providerId="LiveId" clId="{5B5F8411-1399-4D8D-B27F-31C85245C7D4}" dt="2023-03-30T10:26:31.850" v="16834" actId="478"/>
           <ac:picMkLst>
             <pc:docMk/>
             <pc:sldMk cId="3362851476" sldId="276"/>
@@ -4171,7 +4187,7 @@
           </ac:picMkLst>
         </pc:picChg>
         <pc:picChg chg="mod ord replST">
-          <ac:chgData name="Chonthicha Phuangfueang" userId="055aefd292e5fda0" providerId="LiveId" clId="{5B5F8411-1399-4D8D-B27F-31C85245C7D4}" dt="2023-03-30T06:52:28.889" v="16511" actId="962"/>
+          <ac:chgData name="Chonthicha Phuangfueang" userId="055aefd292e5fda0" providerId="LiveId" clId="{5B5F8411-1399-4D8D-B27F-31C85245C7D4}" dt="2023-03-30T10:38:23.587" v="16841" actId="1076"/>
           <ac:picMkLst>
             <pc:docMk/>
             <pc:sldMk cId="3362851476" sldId="276"/>
@@ -4187,7 +4203,7 @@
           </ac:picMkLst>
         </pc:picChg>
         <pc:picChg chg="mod ord replST">
-          <ac:chgData name="Chonthicha Phuangfueang" userId="055aefd292e5fda0" providerId="LiveId" clId="{5B5F8411-1399-4D8D-B27F-31C85245C7D4}" dt="2023-03-30T06:53:39.017" v="16558" actId="1076"/>
+          <ac:chgData name="Chonthicha Phuangfueang" userId="055aefd292e5fda0" providerId="LiveId" clId="{5B5F8411-1399-4D8D-B27F-31C85245C7D4}" dt="2023-03-30T10:38:34.061" v="16842" actId="1076"/>
           <ac:picMkLst>
             <pc:docMk/>
             <pc:sldMk cId="3362851476" sldId="276"/>
@@ -4203,7 +4219,7 @@
           </ac:picMkLst>
         </pc:picChg>
         <pc:picChg chg="mod ord replST">
-          <ac:chgData name="Chonthicha Phuangfueang" userId="055aefd292e5fda0" providerId="LiveId" clId="{5B5F8411-1399-4D8D-B27F-31C85245C7D4}" dt="2023-03-30T06:53:58.820" v="16589" actId="962"/>
+          <ac:chgData name="Chonthicha Phuangfueang" userId="055aefd292e5fda0" providerId="LiveId" clId="{5B5F8411-1399-4D8D-B27F-31C85245C7D4}" dt="2023-03-30T10:38:38.094" v="16843" actId="1076"/>
           <ac:picMkLst>
             <pc:docMk/>
             <pc:sldMk cId="3362851476" sldId="276"/>
@@ -4219,7 +4235,7 @@
           </ac:picMkLst>
         </pc:picChg>
         <pc:picChg chg="mod ord replST">
-          <ac:chgData name="Chonthicha Phuangfueang" userId="055aefd292e5fda0" providerId="LiveId" clId="{5B5F8411-1399-4D8D-B27F-31C85245C7D4}" dt="2023-03-30T06:55:19.253" v="16664" actId="14100"/>
+          <ac:chgData name="Chonthicha Phuangfueang" userId="055aefd292e5fda0" providerId="LiveId" clId="{5B5F8411-1399-4D8D-B27F-31C85245C7D4}" dt="2023-03-30T10:39:00.546" v="16847" actId="1036"/>
           <ac:picMkLst>
             <pc:docMk/>
             <pc:sldMk cId="3362851476" sldId="276"/>
@@ -4234,6 +4250,27 @@
             <ac:picMk id="28" creationId="{9FBD508C-C094-D12C-8FA3-CADE4B08F485}"/>
           </ac:picMkLst>
         </pc:picChg>
+      </pc:sldChg>
+      <pc:sldChg chg="new del">
+        <pc:chgData name="Chonthicha Phuangfueang" userId="055aefd292e5fda0" providerId="LiveId" clId="{5B5F8411-1399-4D8D-B27F-31C85245C7D4}" dt="2023-03-30T10:38:17.466" v="16840" actId="680"/>
+        <pc:sldMkLst>
+          <pc:docMk/>
+          <pc:sldMk cId="3368958612" sldId="277"/>
+        </pc:sldMkLst>
+      </pc:sldChg>
+      <pc:sldChg chg="new del">
+        <pc:chgData name="Chonthicha Phuangfueang" userId="055aefd292e5fda0" providerId="LiveId" clId="{5B5F8411-1399-4D8D-B27F-31C85245C7D4}" dt="2023-03-30T10:38:16.792" v="16839" actId="680"/>
+        <pc:sldMkLst>
+          <pc:docMk/>
+          <pc:sldMk cId="3455699159" sldId="278"/>
+        </pc:sldMkLst>
+      </pc:sldChg>
+      <pc:sldChg chg="new del">
+        <pc:chgData name="Chonthicha Phuangfueang" userId="055aefd292e5fda0" providerId="LiveId" clId="{5B5F8411-1399-4D8D-B27F-31C85245C7D4}" dt="2023-03-30T10:38:14.063" v="16838" actId="680"/>
+        <pc:sldMkLst>
+          <pc:docMk/>
+          <pc:sldMk cId="4195692530" sldId="279"/>
+        </pc:sldMkLst>
       </pc:sldChg>
       <pc:sldMasterChg chg="modSldLayout">
         <pc:chgData name="Chonthicha Phuangfueang" userId="055aefd292e5fda0" providerId="LiveId" clId="{5B5F8411-1399-4D8D-B27F-31C85245C7D4}" dt="2023-03-26T08:37:46.930" v="528"/>
@@ -8633,7 +8670,7 @@
           </p:nvPr>
         </p:nvPicPr>
         <p:blipFill>
-          <a:blip r:embed="rId10">
+          <a:blip r:embed="rId9">
             <a:extLst>
               <a:ext uri="{28A0092B-C50C-407E-A947-70E740481C1C}">
                 <a14:useLocalDpi xmlns:a14="http://schemas.microsoft.com/office/drawing/2010/main" val="0"/>
@@ -8673,7 +8710,7 @@
           </p:nvPr>
         </p:nvPicPr>
         <p:blipFill>
-          <a:blip r:embed="rId11">
+          <a:blip r:embed="rId10">
             <a:extLst>
               <a:ext uri="{28A0092B-C50C-407E-A947-70E740481C1C}">
                 <a14:useLocalDpi xmlns:a14="http://schemas.microsoft.com/office/drawing/2010/main" val="0"/>
@@ -8713,7 +8750,7 @@
           </p:nvPr>
         </p:nvPicPr>
         <p:blipFill>
-          <a:blip r:embed="rId12">
+          <a:blip r:embed="rId11">
             <a:extLst>
               <a:ext uri="{28A0092B-C50C-407E-A947-70E740481C1C}">
                 <a14:useLocalDpi xmlns:a14="http://schemas.microsoft.com/office/drawing/2010/main" val="0"/>
@@ -8736,10 +8773,10 @@
       </p:pic>
       <p:pic>
         <p:nvPicPr>
-          <p:cNvPr id="14" name="Picture 13" descr="&#10;&#10;\documentclass{article}&#10;\usepackage{amsmath}&#10;\usepackage{amsfonts}&#10;\usepackage{amssymb}&#10;\pagestyle{empty}&#10;\usepackage{xcolor}&#10;\usepackage{empheq}&#10;\begin{document}&#10;$x+(-2)&gt; 3+(-2)$&#10;\end{document}" title="IguanaTex Bitmap Display">
+          <p:cNvPr id="17" name="Picture 16" descr="&#10;&#10;\documentclass{article}&#10;\usepackage{amsmath}&#10;\usepackage{amsfonts}&#10;\usepackage{amssymb}&#10;\pagestyle{empty}&#10;\usepackage{xcolor}&#10;\usepackage{empheq}&#10;\begin{document}&#10;$x-2&gt;1$&#10;\end{document}" title="IguanaTex Bitmap Display">
             <a:extLst>
               <a:ext uri="{FF2B5EF4-FFF2-40B4-BE49-F238E27FC236}">
-                <a16:creationId xmlns:a16="http://schemas.microsoft.com/office/drawing/2014/main" id="{6823BA57-543B-27C6-D477-B0A7F2FF7BA1}"/>
+                <a16:creationId xmlns:a16="http://schemas.microsoft.com/office/drawing/2014/main" id="{E8730CD5-29B1-712C-3551-D9705DADC292}"/>
               </a:ext>
             </a:extLst>
           </p:cNvPr>
@@ -8753,7 +8790,7 @@
           </p:nvPr>
         </p:nvPicPr>
         <p:blipFill>
-          <a:blip r:embed="rId13">
+          <a:blip r:embed="rId12">
             <a:extLst>
               <a:ext uri="{28A0092B-C50C-407E-A947-70E740481C1C}">
                 <a14:useLocalDpi xmlns:a14="http://schemas.microsoft.com/office/drawing/2010/main" val="0"/>
@@ -8766,47 +8803,7 @@
         </p:blipFill>
         <p:spPr>
           <a:xfrm>
-            <a:off x="5961659" y="1400447"/>
-            <a:ext cx="2779746" cy="316442"/>
-          </a:xfrm>
-          <a:prstGeom prst="rect">
-            <a:avLst/>
-          </a:prstGeom>
-        </p:spPr>
-      </p:pic>
-      <p:pic>
-        <p:nvPicPr>
-          <p:cNvPr id="17" name="Picture 16" descr="&#10;&#10;\documentclass{article}&#10;\usepackage{amsmath}&#10;\usepackage{amsfonts}&#10;\usepackage{amssymb}&#10;\pagestyle{empty}&#10;\usepackage{xcolor}&#10;\usepackage{empheq}&#10;\begin{document}&#10;$x-2&gt;1$&#10;\end{document}" title="IguanaTex Bitmap Display">
-            <a:extLst>
-              <a:ext uri="{FF2B5EF4-FFF2-40B4-BE49-F238E27FC236}">
-                <a16:creationId xmlns:a16="http://schemas.microsoft.com/office/drawing/2014/main" id="{E8730CD5-29B1-712C-3551-D9705DADC292}"/>
-              </a:ext>
-            </a:extLst>
-          </p:cNvPr>
-          <p:cNvPicPr>
-            <a:picLocks noChangeAspect="1"/>
-          </p:cNvPicPr>
-          <p:nvPr>
-            <p:custDataLst>
-              <p:tags r:id="rId5"/>
-            </p:custDataLst>
-          </p:nvPr>
-        </p:nvPicPr>
-        <p:blipFill>
-          <a:blip r:embed="rId14">
-            <a:extLst>
-              <a:ext uri="{28A0092B-C50C-407E-A947-70E740481C1C}">
-                <a14:useLocalDpi xmlns:a14="http://schemas.microsoft.com/office/drawing/2010/main" val="0"/>
-              </a:ext>
-            </a:extLst>
-          </a:blip>
-          <a:stretch>
-            <a:fillRect/>
-          </a:stretch>
-        </p:blipFill>
-        <p:spPr>
-          <a:xfrm>
-            <a:off x="5961659" y="1933996"/>
+            <a:off x="5923054" y="1447818"/>
             <a:ext cx="1265761" cy="221699"/>
           </a:xfrm>
           <a:prstGeom prst="rect">
@@ -8828,12 +8825,12 @@
           </p:cNvPicPr>
           <p:nvPr>
             <p:custDataLst>
-              <p:tags r:id="rId6"/>
+              <p:tags r:id="rId5"/>
             </p:custDataLst>
           </p:nvPr>
         </p:nvPicPr>
         <p:blipFill>
-          <a:blip r:embed="rId15">
+          <a:blip r:embed="rId13">
             <a:extLst>
               <a:ext uri="{28A0092B-C50C-407E-A947-70E740481C1C}">
                 <a14:useLocalDpi xmlns:a14="http://schemas.microsoft.com/office/drawing/2010/main" val="0"/>
@@ -8846,7 +8843,7 @@
         </p:blipFill>
         <p:spPr>
           <a:xfrm>
-            <a:off x="6025528" y="2431421"/>
+            <a:off x="6493405" y="1964156"/>
             <a:ext cx="695410" cy="221699"/>
           </a:xfrm>
           <a:prstGeom prst="rect">
@@ -8868,12 +8865,12 @@
           </p:cNvPicPr>
           <p:nvPr>
             <p:custDataLst>
-              <p:tags r:id="rId7"/>
+              <p:tags r:id="rId6"/>
             </p:custDataLst>
           </p:nvPr>
         </p:nvPicPr>
         <p:blipFill>
-          <a:blip r:embed="rId16">
+          <a:blip r:embed="rId14">
             <a:extLst>
               <a:ext uri="{28A0092B-C50C-407E-A947-70E740481C1C}">
                 <a14:useLocalDpi xmlns:a14="http://schemas.microsoft.com/office/drawing/2010/main" val="0"/>
@@ -8886,7 +8883,7 @@
         </p:blipFill>
         <p:spPr>
           <a:xfrm>
-            <a:off x="6025528" y="2970890"/>
+            <a:off x="6466877" y="2480494"/>
             <a:ext cx="721938" cy="269071"/>
           </a:xfrm>
           <a:prstGeom prst="rect">
@@ -8908,12 +8905,12 @@
           </p:cNvPicPr>
           <p:nvPr>
             <p:custDataLst>
-              <p:tags r:id="rId8"/>
+              <p:tags r:id="rId7"/>
             </p:custDataLst>
           </p:nvPr>
         </p:nvPicPr>
         <p:blipFill>
-          <a:blip r:embed="rId17">
+          <a:blip r:embed="rId15">
             <a:extLst>
               <a:ext uri="{28A0092B-C50C-407E-A947-70E740481C1C}">
                 <a14:useLocalDpi xmlns:a14="http://schemas.microsoft.com/office/drawing/2010/main" val="0"/>
@@ -8926,7 +8923,7 @@
         </p:blipFill>
         <p:spPr>
           <a:xfrm>
-            <a:off x="5376367" y="3754054"/>
+            <a:off x="5376367" y="3801554"/>
             <a:ext cx="735202" cy="229996"/>
           </a:xfrm>
           <a:prstGeom prst="rect">
@@ -11794,8 +11791,8 @@
           </a:p>
         </p:txBody>
       </p:sp>
-      <mc:AlternateContent xmlns:mc="http://schemas.openxmlformats.org/markup-compatibility/2006">
-        <mc:Choice xmlns:a14="http://schemas.microsoft.com/office/drawing/2010/main" Requires="a14">
+      <mc:AlternateContent xmlns:mc="http://schemas.openxmlformats.org/markup-compatibility/2006" xmlns:a14="http://schemas.microsoft.com/office/drawing/2010/main">
+        <mc:Choice Requires="a14">
           <p:sp>
             <p:nvSpPr>
               <p:cNvPr id="3" name="Title 1">
@@ -12252,6 +12249,7 @@
                 </a:endParaRPr>
               </a:p>
               <a:p>
+                <a:pPr/>
                 <a14:m>
                   <m:oMathPara xmlns:m="http://schemas.openxmlformats.org/officeDocument/2006/math">
                     <m:oMathParaPr>
@@ -12291,7 +12289,7 @@
             </p:txBody>
           </p:sp>
         </mc:Choice>
-        <mc:Fallback>
+        <mc:Fallback xmlns="">
           <p:sp>
             <p:nvSpPr>
               <p:cNvPr id="3" name="Title 1">
@@ -15060,7 +15058,7 @@
         </p:blipFill>
         <p:spPr>
           <a:xfrm>
-            <a:off x="2068847" y="3712356"/>
+            <a:off x="2140097" y="3712356"/>
             <a:ext cx="983664" cy="286057"/>
           </a:xfrm>
           <a:prstGeom prst="rect">
@@ -15206,10 +15204,10 @@
       </mc:AlternateContent>
       <p:pic>
         <p:nvPicPr>
-          <p:cNvPr id="11" name="Picture 10" descr="\documentclass{article}&#10;\usepackage{amsmath}&#10;\pagestyle{empty}&#10;\usepackage{xcolor}&#10;\usepackage{empheq}&#10;\begin{document}&#10;$\left ( x,y,z \right )\in\left \{\left (3,0,3 \right ) ,\left ( 0,1,2 \right ),\left ( 4,2,5 \right )\right \}$&#10;\end{document}" title="IguanaTex Bitmap Display">
+          <p:cNvPr id="14" name="Picture 13" descr="\documentclass{article}&#10;\usepackage{amsmath}&#10;\pagestyle{empty}&#10;\usepackage{xcolor}&#10;\usepackage{empheq}&#10;\begin{document}&#10;$p$ &#10;\end{document}" title="IguanaTex Bitmap Display">
             <a:extLst>
               <a:ext uri="{FF2B5EF4-FFF2-40B4-BE49-F238E27FC236}">
-                <a16:creationId xmlns:a16="http://schemas.microsoft.com/office/drawing/2014/main" id="{F284F211-A816-148A-6F76-850A3AD5A170}"/>
+                <a16:creationId xmlns:a16="http://schemas.microsoft.com/office/drawing/2014/main" id="{19D1E562-75A1-5FE5-8B18-97B8A56375E6}"/>
               </a:ext>
             </a:extLst>
           </p:cNvPr>
@@ -15219,46 +15217,6 @@
           <p:nvPr>
             <p:custDataLst>
               <p:tags r:id="rId10"/>
-            </p:custDataLst>
-          </p:nvPr>
-        </p:nvPicPr>
-        <p:blipFill>
-          <a:blip r:embed="rId24">
-            <a:extLst>
-              <a:ext uri="{28A0092B-C50C-407E-A947-70E740481C1C}">
-                <a14:useLocalDpi xmlns:a14="http://schemas.microsoft.com/office/drawing/2010/main" val="0"/>
-              </a:ext>
-            </a:extLst>
-          </a:blip>
-          <a:stretch>
-            <a:fillRect/>
-          </a:stretch>
-        </p:blipFill>
-        <p:spPr>
-          <a:xfrm>
-            <a:off x="6169795" y="4231236"/>
-            <a:ext cx="4563141" cy="286056"/>
-          </a:xfrm>
-          <a:prstGeom prst="rect">
-            <a:avLst/>
-          </a:prstGeom>
-        </p:spPr>
-      </p:pic>
-      <p:pic>
-        <p:nvPicPr>
-          <p:cNvPr id="14" name="Picture 13" descr="\documentclass{article}&#10;\usepackage{amsmath}&#10;\pagestyle{empty}&#10;\usepackage{xcolor}&#10;\usepackage{empheq}&#10;\begin{document}&#10;$p$ &#10;\end{document}" title="IguanaTex Bitmap Display">
-            <a:extLst>
-              <a:ext uri="{FF2B5EF4-FFF2-40B4-BE49-F238E27FC236}">
-                <a16:creationId xmlns:a16="http://schemas.microsoft.com/office/drawing/2014/main" id="{19D1E562-75A1-5FE5-8B18-97B8A56375E6}"/>
-              </a:ext>
-            </a:extLst>
-          </p:cNvPr>
-          <p:cNvPicPr>
-            <a:picLocks noChangeAspect="1"/>
-          </p:cNvPicPr>
-          <p:nvPr>
-            <p:custDataLst>
-              <p:tags r:id="rId11"/>
             </p:custDataLst>
           </p:nvPr>
         </p:nvPicPr>
@@ -15298,7 +15256,7 @@
           </p:cNvPicPr>
           <p:nvPr>
             <p:custDataLst>
-              <p:tags r:id="rId12"/>
+              <p:tags r:id="rId11"/>
             </p:custDataLst>
           </p:nvPr>
         </p:nvPicPr>
@@ -15338,7 +15296,7 @@
           </p:cNvPicPr>
           <p:nvPr>
             <p:custDataLst>
-              <p:tags r:id="rId13"/>
+              <p:tags r:id="rId12"/>
             </p:custDataLst>
           </p:nvPr>
         </p:nvPicPr>
@@ -15378,7 +15336,7 @@
           </p:cNvPicPr>
           <p:nvPr>
             <p:custDataLst>
-              <p:tags r:id="rId14"/>
+              <p:tags r:id="rId13"/>
             </p:custDataLst>
           </p:nvPr>
         </p:nvPicPr>
@@ -15398,6 +15356,46 @@
           <a:xfrm>
             <a:off x="3789856" y="5184290"/>
             <a:ext cx="761825" cy="223260"/>
+          </a:xfrm>
+          <a:prstGeom prst="rect">
+            <a:avLst/>
+          </a:prstGeom>
+        </p:spPr>
+      </p:pic>
+      <p:pic>
+        <p:nvPicPr>
+          <p:cNvPr id="7" name="Picture 6" descr="\documentclass{article}&#10;\usepackage{amsmath}&#10;\pagestyle{empty}&#10;\usepackage{xcolor}&#10;\usepackage{empheq}&#10;\begin{document}&#10;$\left ( x,y,z \right )\in\left \{\left (3,3,0,3 \right ) ,\left ( 0,3,1,2 \right ),\left ( 4,3,2,5 \right )\right \}$&#10;\end{document}" title="IguanaTex Bitmap Display">
+            <a:extLst>
+              <a:ext uri="{FF2B5EF4-FFF2-40B4-BE49-F238E27FC236}">
+                <a16:creationId xmlns:a16="http://schemas.microsoft.com/office/drawing/2014/main" id="{06A70EAC-6F11-9036-4561-B63699AF16A5}"/>
+              </a:ext>
+            </a:extLst>
+          </p:cNvPr>
+          <p:cNvPicPr>
+            <a:picLocks noChangeAspect="1"/>
+          </p:cNvPicPr>
+          <p:nvPr>
+            <p:custDataLst>
+              <p:tags r:id="rId14"/>
+            </p:custDataLst>
+          </p:nvPr>
+        </p:nvPicPr>
+        <p:blipFill>
+          <a:blip r:embed="rId29">
+            <a:extLst>
+              <a:ext uri="{28A0092B-C50C-407E-A947-70E740481C1C}">
+                <a14:useLocalDpi xmlns:a14="http://schemas.microsoft.com/office/drawing/2010/main" val="0"/>
+              </a:ext>
+            </a:extLst>
+          </a:blip>
+          <a:stretch>
+            <a:fillRect/>
+          </a:stretch>
+        </p:blipFill>
+        <p:spPr>
+          <a:xfrm>
+            <a:off x="6169795" y="4240083"/>
+            <a:ext cx="4889419" cy="260460"/>
           </a:xfrm>
           <a:prstGeom prst="rect">
             <a:avLst/>
@@ -21190,24 +21188,6 @@
 <file path=ppt/tags/tag144.xml><?xml version="1.0" encoding="utf-8"?>
 <p:tagLst xmlns:a="http://schemas.openxmlformats.org/drawingml/2006/main" xmlns:r="http://schemas.openxmlformats.org/officeDocument/2006/relationships" xmlns:p="http://schemas.openxmlformats.org/presentationml/2006/main">
   <p:tag name="OUTPUTDPI" val="1200"/>
-  <p:tag name="ORIGINALHEIGHT" val="125.2343"/>
-  <p:tag name="ORIGINALWIDTH" val="1100.112"/>
-  <p:tag name="LATEXADDIN" val="&#10;&#10;\documentclass{article}&#10;\usepackage{amsmath}&#10;\usepackage{amsfonts}&#10;\usepackage{amssymb}&#10;\pagestyle{empty}&#10;\usepackage{xcolor}&#10;\usepackage{empheq}&#10;\begin{document}&#10;$x+(-2)&gt; 3+(-2)$&#10;\end{document}"/>
-  <p:tag name="IGUANATEXSIZE" val="18"/>
-  <p:tag name="IGUANATEXCURSOR" val="179"/>
-  <p:tag name="TRANSPARENCY" val="False"/>
-  <p:tag name="LATEXENGINEID" val="0"/>
-  <p:tag name="TEMPFOLDER" val="C:\Users\cosA\OneDrive\Documents\temp\"/>
-  <p:tag name="LATEXFORMHEIGHT" val="312"/>
-  <p:tag name="LATEXFORMWIDTH" val="384"/>
-  <p:tag name="LATEXFORMWRAP" val="True"/>
-  <p:tag name="BITMAPVECTOR" val="0"/>
-</p:tagLst>
-</file>
-
-<file path=ppt/tags/tag145.xml><?xml version="1.0" encoding="utf-8"?>
-<p:tagLst xmlns:a="http://schemas.openxmlformats.org/drawingml/2006/main" xmlns:r="http://schemas.openxmlformats.org/officeDocument/2006/relationships" xmlns:p="http://schemas.openxmlformats.org/presentationml/2006/main">
-  <p:tag name="OUTPUTDPI" val="1200"/>
   <p:tag name="ORIGINALHEIGHT" val="87.73905"/>
   <p:tag name="ORIGINALWIDTH" val="500.9374"/>
   <p:tag name="LATEXADDIN" val="&#10;&#10;\documentclass{article}&#10;\usepackage{amsmath}&#10;\usepackage{amsfonts}&#10;\usepackage{amssymb}&#10;\pagestyle{empty}&#10;\usepackage{xcolor}&#10;\usepackage{empheq}&#10;\begin{document}&#10;$x-2&gt;1$&#10;\end{document}"/>
@@ -21223,7 +21203,7 @@
 </p:tagLst>
 </file>
 
-<file path=ppt/tags/tag146.xml><?xml version="1.0" encoding="utf-8"?>
+<file path=ppt/tags/tag145.xml><?xml version="1.0" encoding="utf-8"?>
 <p:tagLst xmlns:a="http://schemas.openxmlformats.org/drawingml/2006/main" xmlns:r="http://schemas.openxmlformats.org/officeDocument/2006/relationships" xmlns:p="http://schemas.openxmlformats.org/presentationml/2006/main">
   <p:tag name="OUTPUTDPI" val="1200"/>
   <p:tag name="ORIGINALHEIGHT" val="87.73905"/>
@@ -21241,7 +21221,7 @@
 </p:tagLst>
 </file>
 
-<file path=ppt/tags/tag147.xml><?xml version="1.0" encoding="utf-8"?>
+<file path=ppt/tags/tag146.xml><?xml version="1.0" encoding="utf-8"?>
 <p:tagLst xmlns:a="http://schemas.openxmlformats.org/drawingml/2006/main" xmlns:r="http://schemas.openxmlformats.org/officeDocument/2006/relationships" xmlns:p="http://schemas.openxmlformats.org/presentationml/2006/main">
   <p:tag name="OUTPUTDPI" val="1200"/>
   <p:tag name="ORIGINALHEIGHT" val="106.4867"/>
@@ -21259,7 +21239,7 @@
 </p:tagLst>
 </file>
 
-<file path=ppt/tags/tag148.xml><?xml version="1.0" encoding="utf-8"?>
+<file path=ppt/tags/tag147.xml><?xml version="1.0" encoding="utf-8"?>
 <p:tagLst xmlns:a="http://schemas.openxmlformats.org/drawingml/2006/main" xmlns:r="http://schemas.openxmlformats.org/officeDocument/2006/relationships" xmlns:p="http://schemas.openxmlformats.org/presentationml/2006/main">
   <p:tag name="OUTPUTDPI" val="1200"/>
   <p:tag name="ORIGINALHEIGHT" val="87.73905"/>
@@ -21277,7 +21257,7 @@
 </p:tagLst>
 </file>
 
-<file path=ppt/tags/tag149.xml><?xml version="1.0" encoding="utf-8"?>
+<file path=ppt/tags/tag148.xml><?xml version="1.0" encoding="utf-8"?>
 <p:tagLst xmlns:a="http://schemas.openxmlformats.org/drawingml/2006/main" xmlns:r="http://schemas.openxmlformats.org/officeDocument/2006/relationships" xmlns:p="http://schemas.openxmlformats.org/presentationml/2006/main">
   <p:tag name="OUTPUTDPI" val="1200"/>
   <p:tag name="ORIGINALHEIGHT" val="126.7342"/>
@@ -21285,6 +21265,24 @@
   <p:tag name="LATEXADDIN" val="\documentclass{article}&#10;\usepackage{amsmath}&#10;\pagestyle{empty}&#10;\usepackage{xcolor}&#10;\usepackage{empheq}&#10;\begin{document}&#10;$ 1  =2^{x-2}-p $&#10;\end{document}"/>
   <p:tag name="IGUANATEXSIZE" val="18"/>
   <p:tag name="IGUANATEXCURSOR" val="122"/>
+  <p:tag name="TRANSPARENCY" val="False"/>
+  <p:tag name="LATEXENGINEID" val="0"/>
+  <p:tag name="TEMPFOLDER" val="C:\Users\cosA\OneDrive\Documents\temp\"/>
+  <p:tag name="LATEXFORMHEIGHT" val="312"/>
+  <p:tag name="LATEXFORMWIDTH" val="384"/>
+  <p:tag name="LATEXFORMWRAP" val="True"/>
+  <p:tag name="BITMAPVECTOR" val="0"/>
+</p:tagLst>
+</file>
+
+<file path=ppt/tags/tag149.xml><?xml version="1.0" encoding="utf-8"?>
+<p:tagLst xmlns:a="http://schemas.openxmlformats.org/drawingml/2006/main" xmlns:r="http://schemas.openxmlformats.org/officeDocument/2006/relationships" xmlns:p="http://schemas.openxmlformats.org/presentationml/2006/main">
+  <p:tag name="OUTPUTDPI" val="1200"/>
+  <p:tag name="ORIGINALHEIGHT" val="126.7342"/>
+  <p:tag name="ORIGINALWIDTH" val="673.4158"/>
+  <p:tag name="LATEXADDIN" val="\documentclass{article}&#10;\usepackage{amsmath}&#10;\pagestyle{empty}&#10;\usepackage{xcolor}&#10;\usepackage{empheq}&#10;\begin{document}&#10;$ 1+p=2^{x-2} $&#10;\end{document}"/>
+  <p:tag name="IGUANATEXSIZE" val="18"/>
+  <p:tag name="IGUANATEXCURSOR" val="125"/>
   <p:tag name="TRANSPARENCY" val="False"/>
   <p:tag name="LATEXENGINEID" val="0"/>
   <p:tag name="TEMPFOLDER" val="C:\Users\cosA\OneDrive\Documents\temp\"/>
@@ -21316,24 +21314,6 @@
 <file path=ppt/tags/tag150.xml><?xml version="1.0" encoding="utf-8"?>
 <p:tagLst xmlns:a="http://schemas.openxmlformats.org/drawingml/2006/main" xmlns:r="http://schemas.openxmlformats.org/officeDocument/2006/relationships" xmlns:p="http://schemas.openxmlformats.org/presentationml/2006/main">
   <p:tag name="OUTPUTDPI" val="1200"/>
-  <p:tag name="ORIGINALHEIGHT" val="126.7342"/>
-  <p:tag name="ORIGINALWIDTH" val="673.4158"/>
-  <p:tag name="LATEXADDIN" val="\documentclass{article}&#10;\usepackage{amsmath}&#10;\pagestyle{empty}&#10;\usepackage{xcolor}&#10;\usepackage{empheq}&#10;\begin{document}&#10;$ 1+p=2^{x-2} $&#10;\end{document}"/>
-  <p:tag name="IGUANATEXSIZE" val="18"/>
-  <p:tag name="IGUANATEXCURSOR" val="125"/>
-  <p:tag name="TRANSPARENCY" val="False"/>
-  <p:tag name="LATEXENGINEID" val="0"/>
-  <p:tag name="TEMPFOLDER" val="C:\Users\cosA\OneDrive\Documents\temp\"/>
-  <p:tag name="LATEXFORMHEIGHT" val="312"/>
-  <p:tag name="LATEXFORMWIDTH" val="384"/>
-  <p:tag name="LATEXFORMWRAP" val="True"/>
-  <p:tag name="BITMAPVECTOR" val="0"/>
-</p:tagLst>
-</file>
-
-<file path=ppt/tags/tag151.xml><?xml version="1.0" encoding="utf-8"?>
-<p:tagLst xmlns:a="http://schemas.openxmlformats.org/drawingml/2006/main" xmlns:r="http://schemas.openxmlformats.org/officeDocument/2006/relationships" xmlns:p="http://schemas.openxmlformats.org/presentationml/2006/main">
-  <p:tag name="OUTPUTDPI" val="1200"/>
   <p:tag name="ORIGINALHEIGHT" val="134.2332"/>
   <p:tag name="ORIGINALWIDTH" val="854.8931"/>
   <p:tag name="LATEXADDIN" val="\documentclass{article}&#10;\usepackage{amsmath}&#10;\pagestyle{empty}&#10;\usepackage{xcolor}&#10;\usepackage{empheq}&#10;\begin{document}&#10;$ 2^{2}\cdot \left ( 1+p \right )=2^{x} $&#10;\end{document}"/>
@@ -21349,7 +21329,7 @@
 </p:tagLst>
 </file>
 
-<file path=ppt/tags/tag152.xml><?xml version="1.0" encoding="utf-8"?>
+<file path=ppt/tags/tag151.xml><?xml version="1.0" encoding="utf-8"?>
 <p:tagLst xmlns:a="http://schemas.openxmlformats.org/drawingml/2006/main" xmlns:r="http://schemas.openxmlformats.org/officeDocument/2006/relationships" xmlns:p="http://schemas.openxmlformats.org/presentationml/2006/main">
   <p:tag name="OUTPUTDPI" val="1200"/>
   <p:tag name="ORIGINALHEIGHT" val="134.2332"/>
@@ -21367,7 +21347,7 @@
 </p:tagLst>
 </file>
 
-<file path=ppt/tags/tag153.xml><?xml version="1.0" encoding="utf-8"?>
+<file path=ppt/tags/tag152.xml><?xml version="1.0" encoding="utf-8"?>
 <p:tagLst xmlns:a="http://schemas.openxmlformats.org/drawingml/2006/main" xmlns:r="http://schemas.openxmlformats.org/officeDocument/2006/relationships" xmlns:p="http://schemas.openxmlformats.org/presentationml/2006/main">
   <p:tag name="OUTPUTDPI" val="1200"/>
   <p:tag name="ORIGINALHEIGHT" val="125.2343"/>
@@ -21385,7 +21365,7 @@
 </p:tagLst>
 </file>
 
-<file path=ppt/tags/tag154.xml><?xml version="1.0" encoding="utf-8"?>
+<file path=ppt/tags/tag153.xml><?xml version="1.0" encoding="utf-8"?>
 <p:tagLst xmlns:a="http://schemas.openxmlformats.org/drawingml/2006/main" xmlns:r="http://schemas.openxmlformats.org/officeDocument/2006/relationships" xmlns:p="http://schemas.openxmlformats.org/presentationml/2006/main">
   <p:tag name="OUTPUTDPI" val="1200"/>
   <p:tag name="ORIGINALHEIGHT" val="125.2343"/>
@@ -21403,7 +21383,7 @@
 </p:tagLst>
 </file>
 
-<file path=ppt/tags/tag155.xml><?xml version="1.0" encoding="utf-8"?>
+<file path=ppt/tags/tag154.xml><?xml version="1.0" encoding="utf-8"?>
 <p:tagLst xmlns:a="http://schemas.openxmlformats.org/drawingml/2006/main" xmlns:r="http://schemas.openxmlformats.org/officeDocument/2006/relationships" xmlns:p="http://schemas.openxmlformats.org/presentationml/2006/main">
   <p:tag name="OUTPUTDPI" val="1200"/>
   <p:tag name="ORIGINALHEIGHT" val="125.2343"/>
@@ -21421,7 +21401,7 @@
 </p:tagLst>
 </file>
 
-<file path=ppt/tags/tag156.xml><?xml version="1.0" encoding="utf-8"?>
+<file path=ppt/tags/tag155.xml><?xml version="1.0" encoding="utf-8"?>
 <p:tagLst xmlns:a="http://schemas.openxmlformats.org/drawingml/2006/main" xmlns:r="http://schemas.openxmlformats.org/officeDocument/2006/relationships" xmlns:p="http://schemas.openxmlformats.org/presentationml/2006/main">
   <p:tag name="OUTPUTDPI" val="1200"/>
   <p:tag name="ORIGINALHEIGHT" val="125.2343"/>
@@ -21439,7 +21419,7 @@
 </p:tagLst>
 </file>
 
-<file path=ppt/tags/tag157.xml><?xml version="1.0" encoding="utf-8"?>
+<file path=ppt/tags/tag156.xml><?xml version="1.0" encoding="utf-8"?>
 <p:tagLst xmlns:a="http://schemas.openxmlformats.org/drawingml/2006/main" xmlns:r="http://schemas.openxmlformats.org/officeDocument/2006/relationships" xmlns:p="http://schemas.openxmlformats.org/presentationml/2006/main">
   <p:tag name="OUTPUTDPI" val="1200"/>
   <p:tag name="ORIGINALHEIGHT" val="125.2343"/>
@@ -21457,7 +21437,7 @@
 </p:tagLst>
 </file>
 
-<file path=ppt/tags/tag158.xml><?xml version="1.0" encoding="utf-8"?>
+<file path=ppt/tags/tag157.xml><?xml version="1.0" encoding="utf-8"?>
 <p:tagLst xmlns:a="http://schemas.openxmlformats.org/drawingml/2006/main" xmlns:r="http://schemas.openxmlformats.org/officeDocument/2006/relationships" xmlns:p="http://schemas.openxmlformats.org/presentationml/2006/main">
   <p:tag name="OUTPUTDPI" val="1200"/>
   <p:tag name="ORIGINALHEIGHT" val="107.9865"/>
@@ -21475,7 +21455,7 @@
 </p:tagLst>
 </file>
 
-<file path=ppt/tags/tag159.xml><?xml version="1.0" encoding="utf-8"?>
+<file path=ppt/tags/tag158.xml><?xml version="1.0" encoding="utf-8"?>
 <p:tagLst xmlns:a="http://schemas.openxmlformats.org/drawingml/2006/main" xmlns:r="http://schemas.openxmlformats.org/officeDocument/2006/relationships" xmlns:p="http://schemas.openxmlformats.org/presentationml/2006/main">
   <p:tag name="OUTPUTDPI" val="1200"/>
   <p:tag name="ORIGINALHEIGHT" val="116.2354"/>
@@ -21483,6 +21463,24 @@
   <p:tag name="LATEXADDIN" val="\documentclass{article}&#10;\usepackage{amsmath}&#10;\pagestyle{empty}&#10;\usepackage{xcolor}&#10;\usepackage{empheq}&#10;\begin{document}&#10;$x\neq 0$&#10;\end{document}"/>
   <p:tag name="IGUANATEXSIZE" val="18"/>
   <p:tag name="IGUANATEXCURSOR" val="128"/>
+  <p:tag name="TRANSPARENCY" val="False"/>
+  <p:tag name="LATEXENGINEID" val="0"/>
+  <p:tag name="TEMPFOLDER" val="C:\Users\cosA\OneDrive\Documents\temp\"/>
+  <p:tag name="LATEXFORMHEIGHT" val="312"/>
+  <p:tag name="LATEXFORMWIDTH" val="384"/>
+  <p:tag name="LATEXFORMWRAP" val="True"/>
+  <p:tag name="BITMAPVECTOR" val="0"/>
+</p:tagLst>
+</file>
+
+<file path=ppt/tags/tag159.xml><?xml version="1.0" encoding="utf-8"?>
+<p:tagLst xmlns:a="http://schemas.openxmlformats.org/drawingml/2006/main" xmlns:r="http://schemas.openxmlformats.org/officeDocument/2006/relationships" xmlns:p="http://schemas.openxmlformats.org/presentationml/2006/main">
+  <p:tag name="OUTPUTDPI" val="1200"/>
+  <p:tag name="ORIGINALHEIGHT" val="116.2354"/>
+  <p:tag name="ORIGINALWIDTH" val="289.4638"/>
+  <p:tag name="LATEXADDIN" val="\documentclass{article}&#10;\usepackage{amsmath}&#10;\usepackage{amssymb}&#10;\pagestyle{empty}&#10;\usepackage{xcolor}&#10;\usepackage{empheq}&#10;\begin{document}&#10;$ p\neq 2$&#10;\end{document}"/>
+  <p:tag name="IGUANATEXSIZE" val="18"/>
+  <p:tag name="IGUANATEXCURSOR" val="150"/>
   <p:tag name="TRANSPARENCY" val="False"/>
   <p:tag name="LATEXENGINEID" val="0"/>
   <p:tag name="TEMPFOLDER" val="C:\Users\cosA\OneDrive\Documents\temp\"/>
@@ -21514,24 +21512,6 @@
 <file path=ppt/tags/tag160.xml><?xml version="1.0" encoding="utf-8"?>
 <p:tagLst xmlns:a="http://schemas.openxmlformats.org/drawingml/2006/main" xmlns:r="http://schemas.openxmlformats.org/officeDocument/2006/relationships" xmlns:p="http://schemas.openxmlformats.org/presentationml/2006/main">
   <p:tag name="OUTPUTDPI" val="1200"/>
-  <p:tag name="ORIGINALHEIGHT" val="116.2354"/>
-  <p:tag name="ORIGINALWIDTH" val="289.4638"/>
-  <p:tag name="LATEXADDIN" val="\documentclass{article}&#10;\usepackage{amsmath}&#10;\usepackage{amssymb}&#10;\pagestyle{empty}&#10;\usepackage{xcolor}&#10;\usepackage{empheq}&#10;\begin{document}&#10;$ p\neq 2$&#10;\end{document}"/>
-  <p:tag name="IGUANATEXSIZE" val="18"/>
-  <p:tag name="IGUANATEXCURSOR" val="150"/>
-  <p:tag name="TRANSPARENCY" val="False"/>
-  <p:tag name="LATEXENGINEID" val="0"/>
-  <p:tag name="TEMPFOLDER" val="C:\Users\cosA\OneDrive\Documents\temp\"/>
-  <p:tag name="LATEXFORMHEIGHT" val="312"/>
-  <p:tag name="LATEXFORMWIDTH" val="384"/>
-  <p:tag name="LATEXFORMWRAP" val="True"/>
-  <p:tag name="BITMAPVECTOR" val="0"/>
-</p:tagLst>
-</file>
-
-<file path=ppt/tags/tag161.xml><?xml version="1.0" encoding="utf-8"?>
-<p:tagLst xmlns:a="http://schemas.openxmlformats.org/drawingml/2006/main" xmlns:r="http://schemas.openxmlformats.org/officeDocument/2006/relationships" xmlns:p="http://schemas.openxmlformats.org/presentationml/2006/main">
-  <p:tag name="OUTPUTDPI" val="1200"/>
   <p:tag name="ORIGINALHEIGHT" val="56.24299"/>
   <p:tag name="ORIGINALWIDTH" val="53.24331"/>
   <p:tag name="LATEXADDIN" val="\documentclass{article}&#10;\usepackage{amsmath}&#10;\pagestyle{empty}&#10;\usepackage{xcolor}&#10;\usepackage{empheq}&#10;\begin{document}&#10;$z$&#10;\end{document}"/>
@@ -21547,7 +21527,7 @@
 </p:tagLst>
 </file>
 
-<file path=ppt/tags/tag162.xml><?xml version="1.0" encoding="utf-8"?>
+<file path=ppt/tags/tag161.xml><?xml version="1.0" encoding="utf-8"?>
 <p:tagLst xmlns:a="http://schemas.openxmlformats.org/drawingml/2006/main" xmlns:r="http://schemas.openxmlformats.org/officeDocument/2006/relationships" xmlns:p="http://schemas.openxmlformats.org/presentationml/2006/main">
   <p:tag name="OUTPUTDPI" val="1200"/>
   <p:tag name="ORIGINALHEIGHT" val="125.2343"/>
@@ -21565,7 +21545,7 @@
 </p:tagLst>
 </file>
 
-<file path=ppt/tags/tag163.xml><?xml version="1.0" encoding="utf-8"?>
+<file path=ppt/tags/tag162.xml><?xml version="1.0" encoding="utf-8"?>
 <p:tagLst xmlns:a="http://schemas.openxmlformats.org/drawingml/2006/main" xmlns:r="http://schemas.openxmlformats.org/officeDocument/2006/relationships" xmlns:p="http://schemas.openxmlformats.org/presentationml/2006/main">
   <p:tag name="OUTPUTDPI" val="1200"/>
   <p:tag name="ORIGINALHEIGHT" val="134.2332"/>
@@ -21583,7 +21563,7 @@
 </p:tagLst>
 </file>
 
-<file path=ppt/tags/tag164.xml><?xml version="1.0" encoding="utf-8"?>
+<file path=ppt/tags/tag163.xml><?xml version="1.0" encoding="utf-8"?>
 <p:tagLst xmlns:a="http://schemas.openxmlformats.org/drawingml/2006/main" xmlns:r="http://schemas.openxmlformats.org/officeDocument/2006/relationships" xmlns:p="http://schemas.openxmlformats.org/presentationml/2006/main">
   <p:tag name="OUTPUTDPI" val="1200"/>
   <p:tag name="ORIGINALHEIGHT" val="134.2332"/>
@@ -21601,7 +21581,7 @@
 </p:tagLst>
 </file>
 
-<file path=ppt/tags/tag165.xml><?xml version="1.0" encoding="utf-8"?>
+<file path=ppt/tags/tag164.xml><?xml version="1.0" encoding="utf-8"?>
 <p:tagLst xmlns:a="http://schemas.openxmlformats.org/drawingml/2006/main" xmlns:r="http://schemas.openxmlformats.org/officeDocument/2006/relationships" xmlns:p="http://schemas.openxmlformats.org/presentationml/2006/main">
   <p:tag name="OUTPUTDPI" val="1200"/>
   <p:tag name="ORIGINALHEIGHT" val="125.2343"/>
@@ -21619,7 +21599,7 @@
 </p:tagLst>
 </file>
 
-<file path=ppt/tags/tag166.xml><?xml version="1.0" encoding="utf-8"?>
+<file path=ppt/tags/tag165.xml><?xml version="1.0" encoding="utf-8"?>
 <p:tagLst xmlns:a="http://schemas.openxmlformats.org/drawingml/2006/main" xmlns:r="http://schemas.openxmlformats.org/officeDocument/2006/relationships" xmlns:p="http://schemas.openxmlformats.org/presentationml/2006/main">
   <p:tag name="OUTPUTDPI" val="1200"/>
   <p:tag name="ORIGINALHEIGHT" val="125.2343"/>
@@ -21637,7 +21617,7 @@
 </p:tagLst>
 </file>
 
-<file path=ppt/tags/tag167.xml><?xml version="1.0" encoding="utf-8"?>
+<file path=ppt/tags/tag166.xml><?xml version="1.0" encoding="utf-8"?>
 <p:tagLst xmlns:a="http://schemas.openxmlformats.org/drawingml/2006/main" xmlns:r="http://schemas.openxmlformats.org/officeDocument/2006/relationships" xmlns:p="http://schemas.openxmlformats.org/presentationml/2006/main">
   <p:tag name="OUTPUTDPI" val="1200"/>
   <p:tag name="ORIGINALHEIGHT" val="132.7334"/>
@@ -21655,7 +21635,7 @@
 </p:tagLst>
 </file>
 
-<file path=ppt/tags/tag168.xml><?xml version="1.0" encoding="utf-8"?>
+<file path=ppt/tags/tag167.xml><?xml version="1.0" encoding="utf-8"?>
 <p:tagLst xmlns:a="http://schemas.openxmlformats.org/drawingml/2006/main" xmlns:r="http://schemas.openxmlformats.org/officeDocument/2006/relationships" xmlns:p="http://schemas.openxmlformats.org/presentationml/2006/main">
   <p:tag name="OUTPUTDPI" val="1200"/>
   <p:tag name="ORIGINALHEIGHT" val="125.2343"/>
@@ -21673,7 +21653,7 @@
 </p:tagLst>
 </file>
 
-<file path=ppt/tags/tag169.xml><?xml version="1.0" encoding="utf-8"?>
+<file path=ppt/tags/tag168.xml><?xml version="1.0" encoding="utf-8"?>
 <p:tagLst xmlns:a="http://schemas.openxmlformats.org/drawingml/2006/main" xmlns:r="http://schemas.openxmlformats.org/officeDocument/2006/relationships" xmlns:p="http://schemas.openxmlformats.org/presentationml/2006/main">
   <p:tag name="OUTPUTDPI" val="1200"/>
   <p:tag name="ORIGINALHEIGHT" val="116.2354"/>
@@ -21681,6 +21661,24 @@
   <p:tag name="LATEXADDIN" val="\documentclass{article}&#10;\usepackage{amsmath}&#10;\pagestyle{empty}&#10;\usepackage{xcolor}&#10;\usepackage{empheq}&#10;\begin{document}&#10;$x\neq 1$&#10;\end{document}"/>
   <p:tag name="IGUANATEXSIZE" val="18"/>
   <p:tag name="IGUANATEXCURSOR" val="121"/>
+  <p:tag name="TRANSPARENCY" val="False"/>
+  <p:tag name="LATEXENGINEID" val="0"/>
+  <p:tag name="TEMPFOLDER" val="C:\Users\cosA\OneDrive\Documents\temp\"/>
+  <p:tag name="LATEXFORMHEIGHT" val="312"/>
+  <p:tag name="LATEXFORMWIDTH" val="384"/>
+  <p:tag name="LATEXFORMWRAP" val="True"/>
+  <p:tag name="BITMAPVECTOR" val="0"/>
+</p:tagLst>
+</file>
+
+<file path=ppt/tags/tag169.xml><?xml version="1.0" encoding="utf-8"?>
+<p:tagLst xmlns:a="http://schemas.openxmlformats.org/drawingml/2006/main" xmlns:r="http://schemas.openxmlformats.org/officeDocument/2006/relationships" xmlns:p="http://schemas.openxmlformats.org/presentationml/2006/main">
+  <p:tag name="OUTPUTDPI" val="1200"/>
+  <p:tag name="ORIGINALHEIGHT" val="125.2343"/>
+  <p:tag name="ORIGINALWIDTH" val="877.3903"/>
+  <p:tag name="LATEXADDIN" val="\documentclass{article}&#10;\usepackage{amsmath}&#10;\pagestyle{empty}&#10;\usepackage{xcolor}&#10;\usepackage{empheq}&#10;\begin{document}&#10;$2^{x}\equiv 0\left ( \mod4 \right )$&#10;\end{document}"/>
+  <p:tag name="IGUANATEXSIZE" val="18"/>
+  <p:tag name="IGUANATEXCURSOR" val="125"/>
   <p:tag name="TRANSPARENCY" val="False"/>
   <p:tag name="LATEXENGINEID" val="0"/>
   <p:tag name="TEMPFOLDER" val="C:\Users\cosA\OneDrive\Documents\temp\"/>
@@ -21712,24 +21710,6 @@
 <file path=ppt/tags/tag170.xml><?xml version="1.0" encoding="utf-8"?>
 <p:tagLst xmlns:a="http://schemas.openxmlformats.org/drawingml/2006/main" xmlns:r="http://schemas.openxmlformats.org/officeDocument/2006/relationships" xmlns:p="http://schemas.openxmlformats.org/presentationml/2006/main">
   <p:tag name="OUTPUTDPI" val="1200"/>
-  <p:tag name="ORIGINALHEIGHT" val="125.2343"/>
-  <p:tag name="ORIGINALWIDTH" val="877.3903"/>
-  <p:tag name="LATEXADDIN" val="\documentclass{article}&#10;\usepackage{amsmath}&#10;\pagestyle{empty}&#10;\usepackage{xcolor}&#10;\usepackage{empheq}&#10;\begin{document}&#10;$2^{x}\equiv 0\left ( \mod4 \right )$&#10;\end{document}"/>
-  <p:tag name="IGUANATEXSIZE" val="18"/>
-  <p:tag name="IGUANATEXCURSOR" val="125"/>
-  <p:tag name="TRANSPARENCY" val="False"/>
-  <p:tag name="LATEXENGINEID" val="0"/>
-  <p:tag name="TEMPFOLDER" val="C:\Users\cosA\OneDrive\Documents\temp\"/>
-  <p:tag name="LATEXFORMHEIGHT" val="312"/>
-  <p:tag name="LATEXFORMWIDTH" val="384"/>
-  <p:tag name="LATEXFORMWRAP" val="True"/>
-  <p:tag name="BITMAPVECTOR" val="0"/>
-</p:tagLst>
-</file>
-
-<file path=ppt/tags/tag171.xml><?xml version="1.0" encoding="utf-8"?>
-<p:tagLst xmlns:a="http://schemas.openxmlformats.org/drawingml/2006/main" xmlns:r="http://schemas.openxmlformats.org/officeDocument/2006/relationships" xmlns:p="http://schemas.openxmlformats.org/presentationml/2006/main">
-  <p:tag name="OUTPUTDPI" val="1200"/>
   <p:tag name="ORIGINALHEIGHT" val="99.73756"/>
   <p:tag name="ORIGINALWIDTH" val="290.9636"/>
   <p:tag name="LATEXADDIN" val="&#10;&#10;\documentclass{article}&#10;\usepackage{amsmath}&#10;\usepackage{amsfonts}&#10;\usepackage{amssymb}&#10;\pagestyle{empty}&#10;\usepackage{xcolor}&#10;\usepackage{empheq}&#10;\begin{document}&#10;$x\geq 3 $&#10;\end{document}"/>
@@ -21745,7 +21725,7 @@
 </p:tagLst>
 </file>
 
-<file path=ppt/tags/tag172.xml><?xml version="1.0" encoding="utf-8"?>
+<file path=ppt/tags/tag171.xml><?xml version="1.0" encoding="utf-8"?>
 <p:tagLst xmlns:a="http://schemas.openxmlformats.org/drawingml/2006/main" xmlns:r="http://schemas.openxmlformats.org/officeDocument/2006/relationships" xmlns:p="http://schemas.openxmlformats.org/presentationml/2006/main">
   <p:tag name="OUTPUTDPI" val="1200"/>
   <p:tag name="ORIGINALHEIGHT" val="125.2343"/>
@@ -21763,7 +21743,7 @@
 </p:tagLst>
 </file>
 
-<file path=ppt/tags/tag173.xml><?xml version="1.0" encoding="utf-8"?>
+<file path=ppt/tags/tag172.xml><?xml version="1.0" encoding="utf-8"?>
 <p:tagLst xmlns:a="http://schemas.openxmlformats.org/drawingml/2006/main" xmlns:r="http://schemas.openxmlformats.org/officeDocument/2006/relationships" xmlns:p="http://schemas.openxmlformats.org/presentationml/2006/main">
   <p:tag name="OUTPUTDPI" val="1200"/>
   <p:tag name="ORIGINALHEIGHT" val="134.2332"/>
@@ -21781,7 +21761,7 @@
 </p:tagLst>
 </file>
 
-<file path=ppt/tags/tag174.xml><?xml version="1.0" encoding="utf-8"?>
+<file path=ppt/tags/tag173.xml><?xml version="1.0" encoding="utf-8"?>
 <p:tagLst xmlns:a="http://schemas.openxmlformats.org/drawingml/2006/main" xmlns:r="http://schemas.openxmlformats.org/officeDocument/2006/relationships" xmlns:p="http://schemas.openxmlformats.org/presentationml/2006/main">
   <p:tag name="OUTPUTDPI" val="1200"/>
   <p:tag name="ORIGINALHEIGHT" val="134.2332"/>
@@ -21799,7 +21779,7 @@
 </p:tagLst>
 </file>
 
-<file path=ppt/tags/tag175.xml><?xml version="1.0" encoding="utf-8"?>
+<file path=ppt/tags/tag174.xml><?xml version="1.0" encoding="utf-8"?>
 <p:tagLst xmlns:a="http://schemas.openxmlformats.org/drawingml/2006/main" xmlns:r="http://schemas.openxmlformats.org/officeDocument/2006/relationships" xmlns:p="http://schemas.openxmlformats.org/presentationml/2006/main">
   <p:tag name="OUTPUTDPI" val="1200"/>
   <p:tag name="ORIGINALHEIGHT" val="125.2343"/>
@@ -21817,7 +21797,7 @@
 </p:tagLst>
 </file>
 
-<file path=ppt/tags/tag176.xml><?xml version="1.0" encoding="utf-8"?>
+<file path=ppt/tags/tag175.xml><?xml version="1.0" encoding="utf-8"?>
 <p:tagLst xmlns:a="http://schemas.openxmlformats.org/drawingml/2006/main" xmlns:r="http://schemas.openxmlformats.org/officeDocument/2006/relationships" xmlns:p="http://schemas.openxmlformats.org/presentationml/2006/main">
   <p:tag name="OUTPUTDPI" val="1200"/>
   <p:tag name="ORIGINALHEIGHT" val="125.2343"/>
@@ -21835,7 +21815,7 @@
 </p:tagLst>
 </file>
 
-<file path=ppt/tags/tag177.xml><?xml version="1.0" encoding="utf-8"?>
+<file path=ppt/tags/tag176.xml><?xml version="1.0" encoding="utf-8"?>
 <p:tagLst xmlns:a="http://schemas.openxmlformats.org/drawingml/2006/main" xmlns:r="http://schemas.openxmlformats.org/officeDocument/2006/relationships" xmlns:p="http://schemas.openxmlformats.org/presentationml/2006/main">
   <p:tag name="OUTPUTDPI" val="1200"/>
   <p:tag name="ORIGINALHEIGHT" val="84.73937"/>
@@ -21853,7 +21833,7 @@
 </p:tagLst>
 </file>
 
-<file path=ppt/tags/tag178.xml><?xml version="1.0" encoding="utf-8"?>
+<file path=ppt/tags/tag177.xml><?xml version="1.0" encoding="utf-8"?>
 <p:tagLst xmlns:a="http://schemas.openxmlformats.org/drawingml/2006/main" xmlns:r="http://schemas.openxmlformats.org/officeDocument/2006/relationships" xmlns:p="http://schemas.openxmlformats.org/presentationml/2006/main">
   <p:tag name="OUTPUTDPI" val="1200"/>
   <p:tag name="ORIGINALHEIGHT" val="126.7342"/>
@@ -22540,24 +22520,6 @@
 <file path=ppt/tags/tag51.xml><?xml version="1.0" encoding="utf-8"?>
 <p:tagLst xmlns:a="http://schemas.openxmlformats.org/drawingml/2006/main" xmlns:r="http://schemas.openxmlformats.org/officeDocument/2006/relationships" xmlns:p="http://schemas.openxmlformats.org/presentationml/2006/main">
   <p:tag name="OUTPUTDPI" val="1200"/>
-  <p:tag name="ORIGINALHEIGHT" val="125.2343"/>
-  <p:tag name="ORIGINALWIDTH" val="1997.75"/>
-  <p:tag name="LATEXADDIN" val="\documentclass{article}&#10;\usepackage{amsmath}&#10;\pagestyle{empty}&#10;\usepackage{xcolor}&#10;\usepackage{empheq}&#10;\begin{document}&#10;$\left ( x,y,z \right )\in\left \{\left (3,0,3 \right ) ,\left ( 0,1,2 \right ),\left ( 4,2,5 \right )\right \}$&#10;\end{document}"/>
-  <p:tag name="IGUANATEXSIZE" val="18"/>
-  <p:tag name="IGUANATEXCURSOR" val="247"/>
-  <p:tag name="TRANSPARENCY" val="False"/>
-  <p:tag name="LATEXENGINEID" val="0"/>
-  <p:tag name="TEMPFOLDER" val="C:\Users\cosA\OneDrive\Documents\temp\"/>
-  <p:tag name="LATEXFORMHEIGHT" val="312"/>
-  <p:tag name="LATEXFORMWIDTH" val="384"/>
-  <p:tag name="LATEXFORMWRAP" val="True"/>
-  <p:tag name="BITMAPVECTOR" val="0"/>
-</p:tagLst>
-</file>
-
-<file path=ppt/tags/tag52.xml><?xml version="1.0" encoding="utf-8"?>
-<p:tagLst xmlns:a="http://schemas.openxmlformats.org/drawingml/2006/main" xmlns:r="http://schemas.openxmlformats.org/officeDocument/2006/relationships" xmlns:p="http://schemas.openxmlformats.org/presentationml/2006/main">
-  <p:tag name="OUTPUTDPI" val="1200"/>
   <p:tag name="ORIGINALHEIGHT" val="78.74016"/>
   <p:tag name="ORIGINALWIDTH" val="65.99173"/>
   <p:tag name="LATEXADDIN" val="\documentclass{article}&#10;\usepackage{amsmath}&#10;\pagestyle{empty}&#10;\usepackage{xcolor}&#10;\usepackage{empheq}&#10;\begin{document}&#10;$p$ &#10;\end{document}"/>
@@ -22573,7 +22535,7 @@
 </p:tagLst>
 </file>
 
-<file path=ppt/tags/tag53.xml><?xml version="1.0" encoding="utf-8"?>
+<file path=ppt/tags/tag52.xml><?xml version="1.0" encoding="utf-8"?>
 <p:tagLst xmlns:a="http://schemas.openxmlformats.org/drawingml/2006/main" xmlns:r="http://schemas.openxmlformats.org/officeDocument/2006/relationships" xmlns:p="http://schemas.openxmlformats.org/presentationml/2006/main">
   <p:tag name="OUTPUTDPI" val="1200"/>
   <p:tag name="ORIGINALHEIGHT" val="116.2354"/>
@@ -22591,7 +22553,7 @@
 </p:tagLst>
 </file>
 
-<file path=ppt/tags/tag54.xml><?xml version="1.0" encoding="utf-8"?>
+<file path=ppt/tags/tag53.xml><?xml version="1.0" encoding="utf-8"?>
 <p:tagLst xmlns:a="http://schemas.openxmlformats.org/drawingml/2006/main" xmlns:r="http://schemas.openxmlformats.org/officeDocument/2006/relationships" xmlns:p="http://schemas.openxmlformats.org/presentationml/2006/main">
   <p:tag name="OUTPUTDPI" val="1200"/>
   <p:tag name="ORIGINALHEIGHT" val="116.2354"/>
@@ -22609,7 +22571,7 @@
 </p:tagLst>
 </file>
 
-<file path=ppt/tags/tag55.xml><?xml version="1.0" encoding="utf-8"?>
+<file path=ppt/tags/tag54.xml><?xml version="1.0" encoding="utf-8"?>
 <p:tagLst xmlns:a="http://schemas.openxmlformats.org/drawingml/2006/main" xmlns:r="http://schemas.openxmlformats.org/officeDocument/2006/relationships" xmlns:p="http://schemas.openxmlformats.org/presentationml/2006/main">
   <p:tag name="OUTPUTDPI" val="1200"/>
   <p:tag name="ORIGINALHEIGHT" val="85.48929"/>
@@ -22617,6 +22579,24 @@
   <p:tag name="LATEXADDIN" val="\documentclass{article}&#10;\usepackage{amsmath}&#10;\pagestyle{empty}&#10;\usepackage{xcolor}&#10;\usepackage{empheq}&#10;\begin{document}&#10;$x=0$&#10;\end{document}"/>
   <p:tag name="IGUANATEXSIZE" val="18"/>
   <p:tag name="IGUANATEXCURSOR" val="123"/>
+  <p:tag name="TRANSPARENCY" val="False"/>
+  <p:tag name="LATEXENGINEID" val="0"/>
+  <p:tag name="TEMPFOLDER" val="C:\Users\cosA\OneDrive\Documents\temp\"/>
+  <p:tag name="LATEXFORMHEIGHT" val="312"/>
+  <p:tag name="LATEXFORMWIDTH" val="384"/>
+  <p:tag name="LATEXFORMWRAP" val="True"/>
+  <p:tag name="BITMAPVECTOR" val="0"/>
+</p:tagLst>
+</file>
+
+<file path=ppt/tags/tag55.xml><?xml version="1.0" encoding="utf-8"?>
+<p:tagLst xmlns:a="http://schemas.openxmlformats.org/drawingml/2006/main" xmlns:r="http://schemas.openxmlformats.org/officeDocument/2006/relationships" xmlns:p="http://schemas.openxmlformats.org/presentationml/2006/main">
+  <p:tag name="OUTPUTDPI" val="1200"/>
+  <p:tag name="ORIGINALHEIGHT" val="125.2343"/>
+  <p:tag name="ORIGINALWIDTH" val="2350.956"/>
+  <p:tag name="LATEXADDIN" val="\documentclass{article}&#10;\usepackage{amsmath}&#10;\pagestyle{empty}&#10;\usepackage{xcolor}&#10;\usepackage{empheq}&#10;\begin{document}&#10;$\left ( x,y,z \right )\in\left \{\left (3,3,0,3 \right ) ,\left ( 0,3,1,2 \right ),\left ( 4,3,2,5 \right )\right \}$&#10;\end{document}"/>
+  <p:tag name="IGUANATEXSIZE" val="18"/>
+  <p:tag name="IGUANATEXCURSOR" val="216"/>
   <p:tag name="TRANSPARENCY" val="False"/>
   <p:tag name="LATEXENGINEID" val="0"/>
   <p:tag name="TEMPFOLDER" val="C:\Users\cosA\OneDrive\Documents\temp\"/>

--- a/Presentation1.pptx
+++ b/Presentation1.pptx
@@ -21,11 +21,6 @@
     <p:sldId id="274" r:id="rId15"/>
     <p:sldId id="261" r:id="rId16"/>
     <p:sldId id="262" r:id="rId17"/>
-    <p:sldId id="263" r:id="rId18"/>
-    <p:sldId id="264" r:id="rId19"/>
-    <p:sldId id="265" r:id="rId20"/>
-    <p:sldId id="266" r:id="rId21"/>
-    <p:sldId id="267" r:id="rId22"/>
   </p:sldIdLst>
   <p:sldSz cx="12192000" cy="6858000"/>
   <p:notesSz cx="6858000" cy="9144000"/>
@@ -149,7 +144,7 @@
   <pc:docChgLst>
     <pc:chgData name="Chonthicha Phuangfueang" userId="055aefd292e5fda0" providerId="LiveId" clId="{5B5F8411-1399-4D8D-B27F-31C85245C7D4}"/>
     <pc:docChg chg="undo redo custSel addSld delSld modSld sldOrd modMainMaster">
-      <pc:chgData name="Chonthicha Phuangfueang" userId="055aefd292e5fda0" providerId="LiveId" clId="{5B5F8411-1399-4D8D-B27F-31C85245C7D4}" dt="2023-03-30T10:44:29.655" v="16892" actId="1038"/>
+      <pc:chgData name="Chonthicha Phuangfueang" userId="055aefd292e5fda0" providerId="LiveId" clId="{5B5F8411-1399-4D8D-B27F-31C85245C7D4}" dt="2023-03-30T12:00:21.487" v="18136" actId="1076"/>
       <pc:docMkLst>
         <pc:docMk/>
       </pc:docMkLst>
@@ -1378,43 +1373,43 @@
           <pc:sldMk cId="3574337885" sldId="262"/>
         </pc:sldMkLst>
       </pc:sldChg>
-      <pc:sldChg chg="new">
-        <pc:chgData name="Chonthicha Phuangfueang" userId="055aefd292e5fda0" providerId="LiveId" clId="{5B5F8411-1399-4D8D-B27F-31C85245C7D4}" dt="2023-03-26T10:37:33.623" v="578" actId="680"/>
+      <pc:sldChg chg="new del">
+        <pc:chgData name="Chonthicha Phuangfueang" userId="055aefd292e5fda0" providerId="LiveId" clId="{5B5F8411-1399-4D8D-B27F-31C85245C7D4}" dt="2023-03-30T10:52:08.374" v="16908" actId="2696"/>
         <pc:sldMkLst>
           <pc:docMk/>
           <pc:sldMk cId="1667748773" sldId="263"/>
         </pc:sldMkLst>
       </pc:sldChg>
-      <pc:sldChg chg="new">
-        <pc:chgData name="Chonthicha Phuangfueang" userId="055aefd292e5fda0" providerId="LiveId" clId="{5B5F8411-1399-4D8D-B27F-31C85245C7D4}" dt="2023-03-26T10:37:33.821" v="579" actId="680"/>
+      <pc:sldChg chg="new del">
+        <pc:chgData name="Chonthicha Phuangfueang" userId="055aefd292e5fda0" providerId="LiveId" clId="{5B5F8411-1399-4D8D-B27F-31C85245C7D4}" dt="2023-03-30T10:52:04.491" v="16907" actId="2696"/>
         <pc:sldMkLst>
           <pc:docMk/>
           <pc:sldMk cId="803829190" sldId="264"/>
         </pc:sldMkLst>
       </pc:sldChg>
-      <pc:sldChg chg="new">
-        <pc:chgData name="Chonthicha Phuangfueang" userId="055aefd292e5fda0" providerId="LiveId" clId="{5B5F8411-1399-4D8D-B27F-31C85245C7D4}" dt="2023-03-26T10:37:34.045" v="580" actId="680"/>
+      <pc:sldChg chg="new del">
+        <pc:chgData name="Chonthicha Phuangfueang" userId="055aefd292e5fda0" providerId="LiveId" clId="{5B5F8411-1399-4D8D-B27F-31C85245C7D4}" dt="2023-03-30T10:52:01.699" v="16906" actId="2696"/>
         <pc:sldMkLst>
           <pc:docMk/>
           <pc:sldMk cId="1989448623" sldId="265"/>
         </pc:sldMkLst>
       </pc:sldChg>
-      <pc:sldChg chg="new">
-        <pc:chgData name="Chonthicha Phuangfueang" userId="055aefd292e5fda0" providerId="LiveId" clId="{5B5F8411-1399-4D8D-B27F-31C85245C7D4}" dt="2023-03-26T10:37:36.022" v="581" actId="680"/>
+      <pc:sldChg chg="new del">
+        <pc:chgData name="Chonthicha Phuangfueang" userId="055aefd292e5fda0" providerId="LiveId" clId="{5B5F8411-1399-4D8D-B27F-31C85245C7D4}" dt="2023-03-30T10:51:58.716" v="16905" actId="2696"/>
         <pc:sldMkLst>
           <pc:docMk/>
           <pc:sldMk cId="3642021682" sldId="266"/>
         </pc:sldMkLst>
       </pc:sldChg>
-      <pc:sldChg chg="new">
-        <pc:chgData name="Chonthicha Phuangfueang" userId="055aefd292e5fda0" providerId="LiveId" clId="{5B5F8411-1399-4D8D-B27F-31C85245C7D4}" dt="2023-03-26T10:37:37.082" v="582" actId="680"/>
+      <pc:sldChg chg="new del">
+        <pc:chgData name="Chonthicha Phuangfueang" userId="055aefd292e5fda0" providerId="LiveId" clId="{5B5F8411-1399-4D8D-B27F-31C85245C7D4}" dt="2023-03-30T10:51:55.486" v="16904" actId="2696"/>
         <pc:sldMkLst>
           <pc:docMk/>
           <pc:sldMk cId="1144225072" sldId="267"/>
         </pc:sldMkLst>
       </pc:sldChg>
       <pc:sldChg chg="addSp delSp modSp new mod">
-        <pc:chgData name="Chonthicha Phuangfueang" userId="055aefd292e5fda0" providerId="LiveId" clId="{5B5F8411-1399-4D8D-B27F-31C85245C7D4}" dt="2023-03-30T10:44:29.655" v="16892" actId="1038"/>
+        <pc:chgData name="Chonthicha Phuangfueang" userId="055aefd292e5fda0" providerId="LiveId" clId="{5B5F8411-1399-4D8D-B27F-31C85245C7D4}" dt="2023-03-30T11:24:52.112" v="17517" actId="1038"/>
         <pc:sldMkLst>
           <pc:docMk/>
           <pc:sldMk cId="2620720595" sldId="268"/>
@@ -1788,7 +1783,7 @@
           </ac:picMkLst>
         </pc:picChg>
         <pc:picChg chg="mod ord replST">
-          <ac:chgData name="Chonthicha Phuangfueang" userId="055aefd292e5fda0" providerId="LiveId" clId="{5B5F8411-1399-4D8D-B27F-31C85245C7D4}" dt="2023-03-29T05:59:24.155" v="6384" actId="1076"/>
+          <ac:chgData name="Chonthicha Phuangfueang" userId="055aefd292e5fda0" providerId="LiveId" clId="{5B5F8411-1399-4D8D-B27F-31C85245C7D4}" dt="2023-03-30T11:24:52.112" v="17517" actId="1038"/>
           <ac:picMkLst>
             <pc:docMk/>
             <pc:sldMk cId="2620720595" sldId="268"/>
@@ -3553,7 +3548,7 @@
         </pc:picChg>
       </pc:sldChg>
       <pc:sldChg chg="addSp delSp modSp new mod">
-        <pc:chgData name="Chonthicha Phuangfueang" userId="055aefd292e5fda0" providerId="LiveId" clId="{5B5F8411-1399-4D8D-B27F-31C85245C7D4}" dt="2023-03-30T06:08:35.797" v="15787" actId="115"/>
+        <pc:chgData name="Chonthicha Phuangfueang" userId="055aefd292e5fda0" providerId="LiveId" clId="{5B5F8411-1399-4D8D-B27F-31C85245C7D4}" dt="2023-03-30T11:28:58.016" v="17600" actId="478"/>
         <pc:sldMkLst>
           <pc:docMk/>
           <pc:sldMk cId="641597096" sldId="273"/>
@@ -3588,6 +3583,14 @@
             <pc:docMk/>
             <pc:sldMk cId="641597096" sldId="273"/>
             <ac:spMk id="3" creationId="{879C6D30-347B-C974-608E-45D443C98CFA}"/>
+          </ac:spMkLst>
+        </pc:spChg>
+        <pc:spChg chg="add del mod">
+          <ac:chgData name="Chonthicha Phuangfueang" userId="055aefd292e5fda0" providerId="LiveId" clId="{5B5F8411-1399-4D8D-B27F-31C85245C7D4}" dt="2023-03-30T11:28:58.016" v="17600" actId="478"/>
+          <ac:spMkLst>
+            <pc:docMk/>
+            <pc:sldMk cId="641597096" sldId="273"/>
+            <ac:spMk id="4" creationId="{48FA3E45-AAB7-FFDA-27B3-FAC49771BAB8}"/>
           </ac:spMkLst>
         </pc:spChg>
         <pc:picChg chg="add del mod">
@@ -3846,7 +3849,7 @@
         </pc:picChg>
       </pc:sldChg>
       <pc:sldChg chg="addSp delSp modSp new mod ord">
-        <pc:chgData name="Chonthicha Phuangfueang" userId="055aefd292e5fda0" providerId="LiveId" clId="{5B5F8411-1399-4D8D-B27F-31C85245C7D4}" dt="2023-03-30T06:57:36.236" v="16706" actId="207"/>
+        <pc:chgData name="Chonthicha Phuangfueang" userId="055aefd292e5fda0" providerId="LiveId" clId="{5B5F8411-1399-4D8D-B27F-31C85245C7D4}" dt="2023-03-30T12:00:21.487" v="18136" actId="1076"/>
         <pc:sldMkLst>
           <pc:docMk/>
           <pc:sldMk cId="2997357998" sldId="275"/>
@@ -3876,7 +3879,7 @@
           </ac:spMkLst>
         </pc:spChg>
         <pc:spChg chg="add mod">
-          <ac:chgData name="Chonthicha Phuangfueang" userId="055aefd292e5fda0" providerId="LiveId" clId="{5B5F8411-1399-4D8D-B27F-31C85245C7D4}" dt="2023-03-30T06:37:55.037" v="16248" actId="20577"/>
+          <ac:chgData name="Chonthicha Phuangfueang" userId="055aefd292e5fda0" providerId="LiveId" clId="{5B5F8411-1399-4D8D-B27F-31C85245C7D4}" dt="2023-03-30T12:00:15.530" v="18135" actId="20577"/>
           <ac:spMkLst>
             <pc:docMk/>
             <pc:sldMk cId="2997357998" sldId="275"/>
@@ -3884,13 +3887,53 @@
           </ac:spMkLst>
         </pc:spChg>
         <pc:spChg chg="add mod">
-          <ac:chgData name="Chonthicha Phuangfueang" userId="055aefd292e5fda0" providerId="LiveId" clId="{5B5F8411-1399-4D8D-B27F-31C85245C7D4}" dt="2023-03-30T06:57:36.236" v="16706" actId="207"/>
+          <ac:chgData name="Chonthicha Phuangfueang" userId="055aefd292e5fda0" providerId="LiveId" clId="{5B5F8411-1399-4D8D-B27F-31C85245C7D4}" dt="2023-03-30T12:00:21.487" v="18136" actId="1076"/>
           <ac:spMkLst>
             <pc:docMk/>
             <pc:sldMk cId="2997357998" sldId="275"/>
             <ac:spMk id="41" creationId="{87CE0D48-3118-3915-7D71-97DCC5F1C4AF}"/>
           </ac:spMkLst>
         </pc:spChg>
+        <pc:picChg chg="add mod">
+          <ac:chgData name="Chonthicha Phuangfueang" userId="055aefd292e5fda0" providerId="LiveId" clId="{5B5F8411-1399-4D8D-B27F-31C85245C7D4}" dt="2023-03-30T11:23:38.042" v="17512" actId="1035"/>
+          <ac:picMkLst>
+            <pc:docMk/>
+            <pc:sldMk cId="2997357998" sldId="275"/>
+            <ac:picMk id="2" creationId="{72924F54-0427-3BCC-81EF-7E04E71FE866}"/>
+          </ac:picMkLst>
+        </pc:picChg>
+        <pc:picChg chg="add mod">
+          <ac:chgData name="Chonthicha Phuangfueang" userId="055aefd292e5fda0" providerId="LiveId" clId="{5B5F8411-1399-4D8D-B27F-31C85245C7D4}" dt="2023-03-30T11:23:38.042" v="17512" actId="1035"/>
+          <ac:picMkLst>
+            <pc:docMk/>
+            <pc:sldMk cId="2997357998" sldId="275"/>
+            <ac:picMk id="3" creationId="{91424841-5836-1ACD-A13F-4F33A2AE4B2D}"/>
+          </ac:picMkLst>
+        </pc:picChg>
+        <pc:picChg chg="add mod">
+          <ac:chgData name="Chonthicha Phuangfueang" userId="055aefd292e5fda0" providerId="LiveId" clId="{5B5F8411-1399-4D8D-B27F-31C85245C7D4}" dt="2023-03-30T11:23:38.042" v="17512" actId="1035"/>
+          <ac:picMkLst>
+            <pc:docMk/>
+            <pc:sldMk cId="2997357998" sldId="275"/>
+            <ac:picMk id="4" creationId="{AA55F396-72AB-479A-2E08-E9BCADA0E98D}"/>
+          </ac:picMkLst>
+        </pc:picChg>
+        <pc:picChg chg="add mod">
+          <ac:chgData name="Chonthicha Phuangfueang" userId="055aefd292e5fda0" providerId="LiveId" clId="{5B5F8411-1399-4D8D-B27F-31C85245C7D4}" dt="2023-03-30T11:23:38.042" v="17512" actId="1035"/>
+          <ac:picMkLst>
+            <pc:docMk/>
+            <pc:sldMk cId="2997357998" sldId="275"/>
+            <ac:picMk id="5" creationId="{B1113F30-2B82-00F9-700D-C444203309EC}"/>
+          </ac:picMkLst>
+        </pc:picChg>
+        <pc:picChg chg="add mod">
+          <ac:chgData name="Chonthicha Phuangfueang" userId="055aefd292e5fda0" providerId="LiveId" clId="{5B5F8411-1399-4D8D-B27F-31C85245C7D4}" dt="2023-03-30T11:23:38.042" v="17512" actId="1035"/>
+          <ac:picMkLst>
+            <pc:docMk/>
+            <pc:sldMk cId="2997357998" sldId="275"/>
+            <ac:picMk id="6" creationId="{8A6CC53A-5EB6-9C9B-3CDB-E716A61B2C84}"/>
+          </ac:picMkLst>
+        </pc:picChg>
         <pc:picChg chg="add del">
           <ac:chgData name="Chonthicha Phuangfueang" userId="055aefd292e5fda0" providerId="LiveId" clId="{5B5F8411-1399-4D8D-B27F-31C85245C7D4}" dt="2023-03-30T06:10:45.057" v="15798" actId="478"/>
           <ac:picMkLst>
@@ -3900,63 +3943,79 @@
           </ac:picMkLst>
         </pc:picChg>
         <pc:picChg chg="add mod">
-          <ac:chgData name="Chonthicha Phuangfueang" userId="055aefd292e5fda0" providerId="LiveId" clId="{5B5F8411-1399-4D8D-B27F-31C85245C7D4}" dt="2023-03-30T06:12:53.805" v="15829" actId="1038"/>
+          <ac:chgData name="Chonthicha Phuangfueang" userId="055aefd292e5fda0" providerId="LiveId" clId="{5B5F8411-1399-4D8D-B27F-31C85245C7D4}" dt="2023-03-30T11:23:24.270" v="17493" actId="571"/>
+          <ac:picMkLst>
+            <pc:docMk/>
+            <pc:sldMk cId="2997357998" sldId="275"/>
+            <ac:picMk id="7" creationId="{F778B5BF-FA6D-97CD-5E48-2A3174DFC5CE}"/>
+          </ac:picMkLst>
+        </pc:picChg>
+        <pc:picChg chg="add mod">
+          <ac:chgData name="Chonthicha Phuangfueang" userId="055aefd292e5fda0" providerId="LiveId" clId="{5B5F8411-1399-4D8D-B27F-31C85245C7D4}" dt="2023-03-30T11:23:24.270" v="17493" actId="571"/>
+          <ac:picMkLst>
+            <pc:docMk/>
+            <pc:sldMk cId="2997357998" sldId="275"/>
+            <ac:picMk id="8" creationId="{AB186D64-3845-FB4A-9AE7-531C9E8BE50D}"/>
+          </ac:picMkLst>
+        </pc:picChg>
+        <pc:picChg chg="add del mod">
+          <ac:chgData name="Chonthicha Phuangfueang" userId="055aefd292e5fda0" providerId="LiveId" clId="{5B5F8411-1399-4D8D-B27F-31C85245C7D4}" dt="2023-03-30T11:22:59.153" v="17488" actId="478"/>
           <ac:picMkLst>
             <pc:docMk/>
             <pc:sldMk cId="2997357998" sldId="275"/>
             <ac:picMk id="10" creationId="{F2EAA515-CBE7-1AF3-DB3D-282139931F7B}"/>
           </ac:picMkLst>
         </pc:picChg>
-        <pc:picChg chg="add mod">
-          <ac:chgData name="Chonthicha Phuangfueang" userId="055aefd292e5fda0" providerId="LiveId" clId="{5B5F8411-1399-4D8D-B27F-31C85245C7D4}" dt="2023-03-30T06:13:14.980" v="15856" actId="1035"/>
+        <pc:picChg chg="add del mod">
+          <ac:chgData name="Chonthicha Phuangfueang" userId="055aefd292e5fda0" providerId="LiveId" clId="{5B5F8411-1399-4D8D-B27F-31C85245C7D4}" dt="2023-03-30T11:22:57.385" v="17487" actId="478"/>
           <ac:picMkLst>
             <pc:docMk/>
             <pc:sldMk cId="2997357998" sldId="275"/>
             <ac:picMk id="11" creationId="{3406FF69-E5B3-CB8C-5D53-2C9AED96CCD6}"/>
           </ac:picMkLst>
         </pc:picChg>
-        <pc:picChg chg="add mod">
-          <ac:chgData name="Chonthicha Phuangfueang" userId="055aefd292e5fda0" providerId="LiveId" clId="{5B5F8411-1399-4D8D-B27F-31C85245C7D4}" dt="2023-03-30T06:13:05.685" v="15841" actId="1036"/>
+        <pc:picChg chg="add del mod">
+          <ac:chgData name="Chonthicha Phuangfueang" userId="055aefd292e5fda0" providerId="LiveId" clId="{5B5F8411-1399-4D8D-B27F-31C85245C7D4}" dt="2023-03-30T11:19:38.176" v="17316" actId="478"/>
           <ac:picMkLst>
             <pc:docMk/>
             <pc:sldMk cId="2997357998" sldId="275"/>
             <ac:picMk id="12" creationId="{19B1606C-C2D3-A87A-4C87-28F561D3406D}"/>
           </ac:picMkLst>
         </pc:picChg>
-        <pc:picChg chg="add mod">
-          <ac:chgData name="Chonthicha Phuangfueang" userId="055aefd292e5fda0" providerId="LiveId" clId="{5B5F8411-1399-4D8D-B27F-31C85245C7D4}" dt="2023-03-30T06:28:35.186" v="15940" actId="1076"/>
+        <pc:picChg chg="add del mod">
+          <ac:chgData name="Chonthicha Phuangfueang" userId="055aefd292e5fda0" providerId="LiveId" clId="{5B5F8411-1399-4D8D-B27F-31C85245C7D4}" dt="2023-03-30T11:19:39.592" v="17317" actId="478"/>
           <ac:picMkLst>
             <pc:docMk/>
             <pc:sldMk cId="2997357998" sldId="275"/>
             <ac:picMk id="13" creationId="{C9374E29-1746-20AD-70B8-F9F3DFC1B909}"/>
           </ac:picMkLst>
         </pc:picChg>
-        <pc:picChg chg="add mod">
-          <ac:chgData name="Chonthicha Phuangfueang" userId="055aefd292e5fda0" providerId="LiveId" clId="{5B5F8411-1399-4D8D-B27F-31C85245C7D4}" dt="2023-03-30T06:12:53.805" v="15829" actId="1038"/>
+        <pc:picChg chg="add del mod">
+          <ac:chgData name="Chonthicha Phuangfueang" userId="055aefd292e5fda0" providerId="LiveId" clId="{5B5F8411-1399-4D8D-B27F-31C85245C7D4}" dt="2023-03-30T11:19:41.098" v="17318" actId="478"/>
           <ac:picMkLst>
             <pc:docMk/>
             <pc:sldMk cId="2997357998" sldId="275"/>
             <ac:picMk id="14" creationId="{DA07BC4D-B358-579E-30CB-5229CA435B22}"/>
           </ac:picMkLst>
         </pc:picChg>
-        <pc:picChg chg="add mod">
-          <ac:chgData name="Chonthicha Phuangfueang" userId="055aefd292e5fda0" providerId="LiveId" clId="{5B5F8411-1399-4D8D-B27F-31C85245C7D4}" dt="2023-03-30T06:13:25.768" v="15860" actId="1037"/>
+        <pc:picChg chg="add del mod">
+          <ac:chgData name="Chonthicha Phuangfueang" userId="055aefd292e5fda0" providerId="LiveId" clId="{5B5F8411-1399-4D8D-B27F-31C85245C7D4}" dt="2023-03-30T11:19:44.844" v="17320" actId="478"/>
           <ac:picMkLst>
             <pc:docMk/>
             <pc:sldMk cId="2997357998" sldId="275"/>
             <ac:picMk id="15" creationId="{8A0FF5C7-B335-F7E7-DC31-F86758813717}"/>
           </ac:picMkLst>
         </pc:picChg>
-        <pc:picChg chg="add mod">
-          <ac:chgData name="Chonthicha Phuangfueang" userId="055aefd292e5fda0" providerId="LiveId" clId="{5B5F8411-1399-4D8D-B27F-31C85245C7D4}" dt="2023-03-30T06:13:02.034" v="15837" actId="1036"/>
+        <pc:picChg chg="add del mod">
+          <ac:chgData name="Chonthicha Phuangfueang" userId="055aefd292e5fda0" providerId="LiveId" clId="{5B5F8411-1399-4D8D-B27F-31C85245C7D4}" dt="2023-03-30T11:19:46.929" v="17321" actId="478"/>
           <ac:picMkLst>
             <pc:docMk/>
             <pc:sldMk cId="2997357998" sldId="275"/>
             <ac:picMk id="16" creationId="{9C2B5509-97F9-2CDC-DAC5-FDC862B4E877}"/>
           </ac:picMkLst>
         </pc:picChg>
-        <pc:picChg chg="add mod">
-          <ac:chgData name="Chonthicha Phuangfueang" userId="055aefd292e5fda0" providerId="LiveId" clId="{5B5F8411-1399-4D8D-B27F-31C85245C7D4}" dt="2023-03-30T06:28:29.774" v="15938" actId="1035"/>
+        <pc:picChg chg="add del mod">
+          <ac:chgData name="Chonthicha Phuangfueang" userId="055aefd292e5fda0" providerId="LiveId" clId="{5B5F8411-1399-4D8D-B27F-31C85245C7D4}" dt="2023-03-30T11:19:42.987" v="17319" actId="478"/>
           <ac:picMkLst>
             <pc:docMk/>
             <pc:sldMk cId="2997357998" sldId="275"/>
@@ -3964,15 +4023,15 @@
           </ac:picMkLst>
         </pc:picChg>
         <pc:picChg chg="add mod">
-          <ac:chgData name="Chonthicha Phuangfueang" userId="055aefd292e5fda0" providerId="LiveId" clId="{5B5F8411-1399-4D8D-B27F-31C85245C7D4}" dt="2023-03-30T06:13:39.860" v="15865" actId="1076"/>
+          <ac:chgData name="Chonthicha Phuangfueang" userId="055aefd292e5fda0" providerId="LiveId" clId="{5B5F8411-1399-4D8D-B27F-31C85245C7D4}" dt="2023-03-30T11:23:38.042" v="17512" actId="1035"/>
           <ac:picMkLst>
             <pc:docMk/>
             <pc:sldMk cId="2997357998" sldId="275"/>
             <ac:picMk id="18" creationId="{328D1C51-AC24-B9A1-561D-EF15467C75E3}"/>
           </ac:picMkLst>
         </pc:picChg>
-        <pc:picChg chg="add mod">
-          <ac:chgData name="Chonthicha Phuangfueang" userId="055aefd292e5fda0" providerId="LiveId" clId="{5B5F8411-1399-4D8D-B27F-31C85245C7D4}" dt="2023-03-30T06:37:39.713" v="16246" actId="1076"/>
+        <pc:picChg chg="add del mod">
+          <ac:chgData name="Chonthicha Phuangfueang" userId="055aefd292e5fda0" providerId="LiveId" clId="{5B5F8411-1399-4D8D-B27F-31C85245C7D4}" dt="2023-03-30T12:00:13.552" v="18134" actId="478"/>
           <ac:picMkLst>
             <pc:docMk/>
             <pc:sldMk cId="2997357998" sldId="275"/>
@@ -3987,8 +4046,24 @@
             <ac:picMk id="20" creationId="{49C6FA15-3813-3300-CB74-CEE62B57ECA9}"/>
           </ac:picMkLst>
         </pc:picChg>
+        <pc:picChg chg="add mod">
+          <ac:chgData name="Chonthicha Phuangfueang" userId="055aefd292e5fda0" providerId="LiveId" clId="{5B5F8411-1399-4D8D-B27F-31C85245C7D4}" dt="2023-03-30T11:23:24.270" v="17493" actId="571"/>
+          <ac:picMkLst>
+            <pc:docMk/>
+            <pc:sldMk cId="2997357998" sldId="275"/>
+            <ac:picMk id="20" creationId="{4BDFE2E6-DB0E-CE24-59D7-DD2C5D23FED5}"/>
+          </ac:picMkLst>
+        </pc:picChg>
+        <pc:picChg chg="add mod">
+          <ac:chgData name="Chonthicha Phuangfueang" userId="055aefd292e5fda0" providerId="LiveId" clId="{5B5F8411-1399-4D8D-B27F-31C85245C7D4}" dt="2023-03-30T11:23:24.270" v="17493" actId="571"/>
+          <ac:picMkLst>
+            <pc:docMk/>
+            <pc:sldMk cId="2997357998" sldId="275"/>
+            <ac:picMk id="21" creationId="{4DC78126-9480-C523-3988-7591420E1E24}"/>
+          </ac:picMkLst>
+        </pc:picChg>
         <pc:picChg chg="mod ord replST">
-          <ac:chgData name="Chonthicha Phuangfueang" userId="055aefd292e5fda0" providerId="LiveId" clId="{5B5F8411-1399-4D8D-B27F-31C85245C7D4}" dt="2023-03-30T06:21:32.405" v="15919" actId="962"/>
+          <ac:chgData name="Chonthicha Phuangfueang" userId="055aefd292e5fda0" providerId="LiveId" clId="{5B5F8411-1399-4D8D-B27F-31C85245C7D4}" dt="2023-03-30T11:23:38.042" v="17512" actId="1035"/>
           <ac:picMkLst>
             <pc:docMk/>
             <pc:sldMk cId="2997357998" sldId="275"/>
@@ -4003,8 +4078,24 @@
             <ac:picMk id="23" creationId="{28108427-78AA-14B3-0C04-E304685F2FA4}"/>
           </ac:picMkLst>
         </pc:picChg>
+        <pc:picChg chg="add mod">
+          <ac:chgData name="Chonthicha Phuangfueang" userId="055aefd292e5fda0" providerId="LiveId" clId="{5B5F8411-1399-4D8D-B27F-31C85245C7D4}" dt="2023-03-30T11:23:24.270" v="17493" actId="571"/>
+          <ac:picMkLst>
+            <pc:docMk/>
+            <pc:sldMk cId="2997357998" sldId="275"/>
+            <ac:picMk id="23" creationId="{8CD23CAF-2FB7-ADBC-E04A-C7848A453AFB}"/>
+          </ac:picMkLst>
+        </pc:picChg>
+        <pc:picChg chg="add mod">
+          <ac:chgData name="Chonthicha Phuangfueang" userId="055aefd292e5fda0" providerId="LiveId" clId="{5B5F8411-1399-4D8D-B27F-31C85245C7D4}" dt="2023-03-30T11:23:24.270" v="17493" actId="571"/>
+          <ac:picMkLst>
+            <pc:docMk/>
+            <pc:sldMk cId="2997357998" sldId="275"/>
+            <ac:picMk id="24" creationId="{A747E523-D6BB-08C3-0668-321199887577}"/>
+          </ac:picMkLst>
+        </pc:picChg>
         <pc:picChg chg="mod ord replST">
-          <ac:chgData name="Chonthicha Phuangfueang" userId="055aefd292e5fda0" providerId="LiveId" clId="{5B5F8411-1399-4D8D-B27F-31C85245C7D4}" dt="2023-03-30T06:31:39.877" v="15971" actId="1076"/>
+          <ac:chgData name="Chonthicha Phuangfueang" userId="055aefd292e5fda0" providerId="LiveId" clId="{5B5F8411-1399-4D8D-B27F-31C85245C7D4}" dt="2023-03-30T11:23:38.042" v="17512" actId="1035"/>
           <ac:picMkLst>
             <pc:docMk/>
             <pc:sldMk cId="2997357998" sldId="275"/>
@@ -4019,6 +4110,22 @@
             <ac:picMk id="26" creationId="{17070BE4-21F7-52AA-004E-63D9DFBF28D4}"/>
           </ac:picMkLst>
         </pc:picChg>
+        <pc:picChg chg="add mod">
+          <ac:chgData name="Chonthicha Phuangfueang" userId="055aefd292e5fda0" providerId="LiveId" clId="{5B5F8411-1399-4D8D-B27F-31C85245C7D4}" dt="2023-03-30T11:23:24.270" v="17493" actId="571"/>
+          <ac:picMkLst>
+            <pc:docMk/>
+            <pc:sldMk cId="2997357998" sldId="275"/>
+            <ac:picMk id="26" creationId="{D5760D06-0137-C7B8-1ADD-BBED594B72C0}"/>
+          </ac:picMkLst>
+        </pc:picChg>
+        <pc:picChg chg="add mod">
+          <ac:chgData name="Chonthicha Phuangfueang" userId="055aefd292e5fda0" providerId="LiveId" clId="{5B5F8411-1399-4D8D-B27F-31C85245C7D4}" dt="2023-03-30T11:23:24.270" v="17493" actId="571"/>
+          <ac:picMkLst>
+            <pc:docMk/>
+            <pc:sldMk cId="2997357998" sldId="275"/>
+            <ac:picMk id="27" creationId="{F6FE1BA0-50F7-BAC1-C037-F4E02FC1609D}"/>
+          </ac:picMkLst>
+        </pc:picChg>
         <pc:picChg chg="del mod ord replST">
           <ac:chgData name="Chonthicha Phuangfueang" userId="055aefd292e5fda0" providerId="LiveId" clId="{5B5F8411-1399-4D8D-B27F-31C85245C7D4}" dt="2023-03-30T06:33:32.262" v="16073" actId="478"/>
           <ac:picMkLst>
@@ -4027,8 +4134,24 @@
             <ac:picMk id="28" creationId="{DDC2807D-2BA8-32FF-B249-4DDA9AD0A77F}"/>
           </ac:picMkLst>
         </pc:picChg>
+        <pc:picChg chg="add mod">
+          <ac:chgData name="Chonthicha Phuangfueang" userId="055aefd292e5fda0" providerId="LiveId" clId="{5B5F8411-1399-4D8D-B27F-31C85245C7D4}" dt="2023-03-30T11:23:24.270" v="17493" actId="571"/>
+          <ac:picMkLst>
+            <pc:docMk/>
+            <pc:sldMk cId="2997357998" sldId="275"/>
+            <ac:picMk id="28" creationId="{FCAD0B2A-B7FC-8C39-6F55-841452575C15}"/>
+          </ac:picMkLst>
+        </pc:picChg>
+        <pc:picChg chg="add mod">
+          <ac:chgData name="Chonthicha Phuangfueang" userId="055aefd292e5fda0" providerId="LiveId" clId="{5B5F8411-1399-4D8D-B27F-31C85245C7D4}" dt="2023-03-30T11:23:24.270" v="17493" actId="571"/>
+          <ac:picMkLst>
+            <pc:docMk/>
+            <pc:sldMk cId="2997357998" sldId="275"/>
+            <ac:picMk id="29" creationId="{3F3B0D68-C8B9-783F-A463-3BC5C411D5A4}"/>
+          </ac:picMkLst>
+        </pc:picChg>
         <pc:picChg chg="mod ord replST">
-          <ac:chgData name="Chonthicha Phuangfueang" userId="055aefd292e5fda0" providerId="LiveId" clId="{5B5F8411-1399-4D8D-B27F-31C85245C7D4}" dt="2023-03-30T06:33:32.263" v="16075" actId="962"/>
+          <ac:chgData name="Chonthicha Phuangfueang" userId="055aefd292e5fda0" providerId="LiveId" clId="{5B5F8411-1399-4D8D-B27F-31C85245C7D4}" dt="2023-03-30T11:23:38.042" v="17512" actId="1035"/>
           <ac:picMkLst>
             <pc:docMk/>
             <pc:sldMk cId="2997357998" sldId="275"/>
@@ -4043,8 +4166,24 @@
             <ac:picMk id="31" creationId="{4899D7CB-DA1D-27CE-1333-6ED23344B0F0}"/>
           </ac:picMkLst>
         </pc:picChg>
+        <pc:picChg chg="add del mod">
+          <ac:chgData name="Chonthicha Phuangfueang" userId="055aefd292e5fda0" providerId="LiveId" clId="{5B5F8411-1399-4D8D-B27F-31C85245C7D4}" dt="2023-03-30T11:57:10.058" v="18021" actId="478"/>
+          <ac:picMkLst>
+            <pc:docMk/>
+            <pc:sldMk cId="2997357998" sldId="275"/>
+            <ac:picMk id="31" creationId="{DA5D47A4-E8E0-7427-DD25-162AC5498C86}"/>
+          </ac:picMkLst>
+        </pc:picChg>
+        <pc:picChg chg="add del mod">
+          <ac:chgData name="Chonthicha Phuangfueang" userId="055aefd292e5fda0" providerId="LiveId" clId="{5B5F8411-1399-4D8D-B27F-31C85245C7D4}" dt="2023-03-30T11:56:08.953" v="17986" actId="478"/>
+          <ac:picMkLst>
+            <pc:docMk/>
+            <pc:sldMk cId="2997357998" sldId="275"/>
+            <ac:picMk id="32" creationId="{69F4EE8D-A97D-3E9C-18D2-91885068AF4A}"/>
+          </ac:picMkLst>
+        </pc:picChg>
         <pc:picChg chg="mod ord replST">
-          <ac:chgData name="Chonthicha Phuangfueang" userId="055aefd292e5fda0" providerId="LiveId" clId="{5B5F8411-1399-4D8D-B27F-31C85245C7D4}" dt="2023-03-30T06:35:14.202" v="16105" actId="962"/>
+          <ac:chgData name="Chonthicha Phuangfueang" userId="055aefd292e5fda0" providerId="LiveId" clId="{5B5F8411-1399-4D8D-B27F-31C85245C7D4}" dt="2023-03-30T11:23:38.042" v="17512" actId="1035"/>
           <ac:picMkLst>
             <pc:docMk/>
             <pc:sldMk cId="2997357998" sldId="275"/>
@@ -4060,6 +4199,14 @@
           </ac:picMkLst>
         </pc:picChg>
         <pc:picChg chg="del mod ord replST">
+          <ac:chgData name="Chonthicha Phuangfueang" userId="055aefd292e5fda0" providerId="LiveId" clId="{5B5F8411-1399-4D8D-B27F-31C85245C7D4}" dt="2023-03-30T11:56:48.006" v="18015" actId="478"/>
+          <ac:picMkLst>
+            <pc:docMk/>
+            <pc:sldMk cId="2997357998" sldId="275"/>
+            <ac:picMk id="35" creationId="{88EA5A68-0333-B12B-E88A-CEEEA44E022C}"/>
+          </ac:picMkLst>
+        </pc:picChg>
+        <pc:picChg chg="del mod ord replST">
           <ac:chgData name="Chonthicha Phuangfueang" userId="055aefd292e5fda0" providerId="LiveId" clId="{5B5F8411-1399-4D8D-B27F-31C85245C7D4}" dt="2023-03-30T06:36:41.445" v="16168" actId="478"/>
           <ac:picMkLst>
             <pc:docMk/>
@@ -4067,6 +4214,14 @@
             <ac:picMk id="36" creationId="{6CAF93D9-489E-7C2B-38EF-7E404190FC12}"/>
           </ac:picMkLst>
         </pc:picChg>
+        <pc:picChg chg="mod ord replST">
+          <ac:chgData name="Chonthicha Phuangfueang" userId="055aefd292e5fda0" providerId="LiveId" clId="{5B5F8411-1399-4D8D-B27F-31C85245C7D4}" dt="2023-03-30T11:56:59.658" v="18020" actId="1038"/>
+          <ac:picMkLst>
+            <pc:docMk/>
+            <pc:sldMk cId="2997357998" sldId="275"/>
+            <ac:picMk id="37" creationId="{693405A8-B8EF-85EC-7488-02364A2E418E}"/>
+          </ac:picMkLst>
+        </pc:picChg>
         <pc:picChg chg="del mod ord replST">
           <ac:chgData name="Chonthicha Phuangfueang" userId="055aefd292e5fda0" providerId="LiveId" clId="{5B5F8411-1399-4D8D-B27F-31C85245C7D4}" dt="2023-03-30T06:37:03.257" v="16197" actId="478"/>
           <ac:picMkLst>
@@ -4075,17 +4230,41 @@
             <ac:picMk id="38" creationId="{333B2A8F-3AB9-0AD5-9E2C-3740615B7BF1}"/>
           </ac:picMkLst>
         </pc:picChg>
+        <pc:picChg chg="add del mod">
+          <ac:chgData name="Chonthicha Phuangfueang" userId="055aefd292e5fda0" providerId="LiveId" clId="{5B5F8411-1399-4D8D-B27F-31C85245C7D4}" dt="2023-03-30T11:57:41.533" v="18051" actId="478"/>
+          <ac:picMkLst>
+            <pc:docMk/>
+            <pc:sldMk cId="2997357998" sldId="275"/>
+            <ac:picMk id="38" creationId="{F9187788-1425-6662-47B5-525BD3C747B8}"/>
+          </ac:picMkLst>
+        </pc:picChg>
         <pc:picChg chg="mod ord replST">
-          <ac:chgData name="Chonthicha Phuangfueang" userId="055aefd292e5fda0" providerId="LiveId" clId="{5B5F8411-1399-4D8D-B27F-31C85245C7D4}" dt="2023-03-30T06:37:14.948" v="16233" actId="1038"/>
+          <ac:chgData name="Chonthicha Phuangfueang" userId="055aefd292e5fda0" providerId="LiveId" clId="{5B5F8411-1399-4D8D-B27F-31C85245C7D4}" dt="2023-03-30T11:23:38.042" v="17512" actId="1035"/>
           <ac:picMkLst>
             <pc:docMk/>
             <pc:sldMk cId="2997357998" sldId="275"/>
             <ac:picMk id="40" creationId="{C5C20330-AC10-813F-141A-F4D3E2D5E55F}"/>
           </ac:picMkLst>
         </pc:picChg>
+        <pc:picChg chg="del mod ord replST">
+          <ac:chgData name="Chonthicha Phuangfueang" userId="055aefd292e5fda0" providerId="LiveId" clId="{5B5F8411-1399-4D8D-B27F-31C85245C7D4}" dt="2023-03-30T11:57:55.384" v="18079" actId="478"/>
+          <ac:picMkLst>
+            <pc:docMk/>
+            <pc:sldMk cId="2997357998" sldId="275"/>
+            <ac:picMk id="42" creationId="{25DF11D6-C793-9515-EDC9-EAC5396AAC63}"/>
+          </ac:picMkLst>
+        </pc:picChg>
+        <pc:picChg chg="mod ord replST">
+          <ac:chgData name="Chonthicha Phuangfueang" userId="055aefd292e5fda0" providerId="LiveId" clId="{5B5F8411-1399-4D8D-B27F-31C85245C7D4}" dt="2023-03-30T11:58:01.359" v="18108" actId="1037"/>
+          <ac:picMkLst>
+            <pc:docMk/>
+            <pc:sldMk cId="2997357998" sldId="275"/>
+            <ac:picMk id="44" creationId="{0B45B9AD-A56A-3082-140A-EB6C010D2F35}"/>
+          </ac:picMkLst>
+        </pc:picChg>
       </pc:sldChg>
       <pc:sldChg chg="addSp delSp modSp new mod">
-        <pc:chgData name="Chonthicha Phuangfueang" userId="055aefd292e5fda0" providerId="LiveId" clId="{5B5F8411-1399-4D8D-B27F-31C85245C7D4}" dt="2023-03-30T10:39:00.546" v="16847" actId="1036"/>
+        <pc:chgData name="Chonthicha Phuangfueang" userId="055aefd292e5fda0" providerId="LiveId" clId="{5B5F8411-1399-4D8D-B27F-31C85245C7D4}" dt="2023-03-30T11:53:26.209" v="17948" actId="1037"/>
         <pc:sldMkLst>
           <pc:docMk/>
           <pc:sldMk cId="3362851476" sldId="276"/>
@@ -4098,6 +4277,14 @@
             <ac:spMk id="2" creationId="{28F36792-3258-5CD8-B7A2-8090CF52DAA5}"/>
           </ac:spMkLst>
         </pc:spChg>
+        <pc:spChg chg="add del">
+          <ac:chgData name="Chonthicha Phuangfueang" userId="055aefd292e5fda0" providerId="LiveId" clId="{5B5F8411-1399-4D8D-B27F-31C85245C7D4}" dt="2023-03-30T11:12:00.098" v="17245" actId="478"/>
+          <ac:spMkLst>
+            <pc:docMk/>
+            <pc:sldMk cId="3362851476" sldId="276"/>
+            <ac:spMk id="3" creationId="{BCD6ED7F-95AB-D59C-2650-9C94C0B22A8F}"/>
+          </ac:spMkLst>
+        </pc:spChg>
         <pc:spChg chg="del">
           <ac:chgData name="Chonthicha Phuangfueang" userId="055aefd292e5fda0" providerId="LiveId" clId="{5B5F8411-1399-4D8D-B27F-31C85245C7D4}" dt="2023-03-30T06:38:20.306" v="16251" actId="478"/>
           <ac:spMkLst>
@@ -4107,7 +4294,7 @@
           </ac:spMkLst>
         </pc:spChg>
         <pc:spChg chg="add mod">
-          <ac:chgData name="Chonthicha Phuangfueang" userId="055aefd292e5fda0" providerId="LiveId" clId="{5B5F8411-1399-4D8D-B27F-31C85245C7D4}" dt="2023-03-30T06:56:00.583" v="16689" actId="207"/>
+          <ac:chgData name="Chonthicha Phuangfueang" userId="055aefd292e5fda0" providerId="LiveId" clId="{5B5F8411-1399-4D8D-B27F-31C85245C7D4}" dt="2023-03-30T11:53:13.167" v="17912" actId="20577"/>
           <ac:spMkLst>
             <pc:docMk/>
             <pc:sldMk cId="3362851476" sldId="276"/>
@@ -4123,7 +4310,7 @@
           </ac:spMkLst>
         </pc:spChg>
         <pc:spChg chg="add mod">
-          <ac:chgData name="Chonthicha Phuangfueang" userId="055aefd292e5fda0" providerId="LiveId" clId="{5B5F8411-1399-4D8D-B27F-31C85245C7D4}" dt="2023-03-30T06:57:58.378" v="16710"/>
+          <ac:chgData name="Chonthicha Phuangfueang" userId="055aefd292e5fda0" providerId="LiveId" clId="{5B5F8411-1399-4D8D-B27F-31C85245C7D4}" dt="2023-03-30T10:53:30.134" v="16954" actId="20577"/>
           <ac:spMkLst>
             <pc:docMk/>
             <pc:sldMk cId="3362851476" sldId="276"/>
@@ -4131,7 +4318,23 @@
           </ac:spMkLst>
         </pc:spChg>
         <pc:picChg chg="add mod">
-          <ac:chgData name="Chonthicha Phuangfueang" userId="055aefd292e5fda0" providerId="LiveId" clId="{5B5F8411-1399-4D8D-B27F-31C85245C7D4}" dt="2023-03-30T06:48:48.885" v="16346" actId="1076"/>
+          <ac:chgData name="Chonthicha Phuangfueang" userId="055aefd292e5fda0" providerId="LiveId" clId="{5B5F8411-1399-4D8D-B27F-31C85245C7D4}" dt="2023-03-30T11:39:28.937" v="17849" actId="1035"/>
+          <ac:picMkLst>
+            <pc:docMk/>
+            <pc:sldMk cId="3362851476" sldId="276"/>
+            <ac:picMk id="4" creationId="{365832A7-3E22-A26C-3313-D699E98D402E}"/>
+          </ac:picMkLst>
+        </pc:picChg>
+        <pc:picChg chg="add mod">
+          <ac:chgData name="Chonthicha Phuangfueang" userId="055aefd292e5fda0" providerId="LiveId" clId="{5B5F8411-1399-4D8D-B27F-31C85245C7D4}" dt="2023-03-30T11:34:10.270" v="17691" actId="1037"/>
+          <ac:picMkLst>
+            <pc:docMk/>
+            <pc:sldMk cId="3362851476" sldId="276"/>
+            <ac:picMk id="6" creationId="{AAD8CC5C-0FBA-BFCF-4495-D8D013ADA30A}"/>
+          </ac:picMkLst>
+        </pc:picChg>
+        <pc:picChg chg="add mod">
+          <ac:chgData name="Chonthicha Phuangfueang" userId="055aefd292e5fda0" providerId="LiveId" clId="{5B5F8411-1399-4D8D-B27F-31C85245C7D4}" dt="2023-03-30T10:52:59.113" v="16951" actId="1037"/>
           <ac:picMkLst>
             <pc:docMk/>
             <pc:sldMk cId="3362851476" sldId="276"/>
@@ -4139,13 +4342,21 @@
           </ac:picMkLst>
         </pc:picChg>
         <pc:picChg chg="add mod">
-          <ac:chgData name="Chonthicha Phuangfueang" userId="055aefd292e5fda0" providerId="LiveId" clId="{5B5F8411-1399-4D8D-B27F-31C85245C7D4}" dt="2023-03-30T06:49:04.720" v="16352" actId="1076"/>
+          <ac:chgData name="Chonthicha Phuangfueang" userId="055aefd292e5fda0" providerId="LiveId" clId="{5B5F8411-1399-4D8D-B27F-31C85245C7D4}" dt="2023-03-30T10:52:59.113" v="16951" actId="1037"/>
           <ac:picMkLst>
             <pc:docMk/>
             <pc:sldMk cId="3362851476" sldId="276"/>
             <ac:picMk id="8" creationId="{FBCADD12-AB0D-CDF2-7579-676CA2550989}"/>
           </ac:picMkLst>
         </pc:picChg>
+        <pc:picChg chg="add mod">
+          <ac:chgData name="Chonthicha Phuangfueang" userId="055aefd292e5fda0" providerId="LiveId" clId="{5B5F8411-1399-4D8D-B27F-31C85245C7D4}" dt="2023-03-30T11:53:26.209" v="17948" actId="1037"/>
+          <ac:picMkLst>
+            <pc:docMk/>
+            <pc:sldMk cId="3362851476" sldId="276"/>
+            <ac:picMk id="9" creationId="{E48CA814-CAF7-E92A-4C63-E25B27AF64D5}"/>
+          </ac:picMkLst>
+        </pc:picChg>
         <pc:picChg chg="add del mod">
           <ac:chgData name="Chonthicha Phuangfueang" userId="055aefd292e5fda0" providerId="LiveId" clId="{5B5F8411-1399-4D8D-B27F-31C85245C7D4}" dt="2023-03-30T06:50:07.785" v="16394" actId="478"/>
           <ac:picMkLst>
@@ -4154,14 +4365,30 @@
             <ac:picMk id="9" creationId="{FE9E0BD7-1E55-F488-7AD9-2E1666371F31}"/>
           </ac:picMkLst>
         </pc:picChg>
+        <pc:picChg chg="add mod">
+          <ac:chgData name="Chonthicha Phuangfueang" userId="055aefd292e5fda0" providerId="LiveId" clId="{5B5F8411-1399-4D8D-B27F-31C85245C7D4}" dt="2023-03-30T11:53:26.209" v="17948" actId="1037"/>
+          <ac:picMkLst>
+            <pc:docMk/>
+            <pc:sldMk cId="3362851476" sldId="276"/>
+            <ac:picMk id="10" creationId="{28F40255-8DA2-1D41-6407-649CC3F5529D}"/>
+          </ac:picMkLst>
+        </pc:picChg>
         <pc:picChg chg="mod ord replST">
-          <ac:chgData name="Chonthicha Phuangfueang" userId="055aefd292e5fda0" providerId="LiveId" clId="{5B5F8411-1399-4D8D-B27F-31C85245C7D4}" dt="2023-03-30T06:50:19.597" v="16414" actId="1076"/>
+          <ac:chgData name="Chonthicha Phuangfueang" userId="055aefd292e5fda0" providerId="LiveId" clId="{5B5F8411-1399-4D8D-B27F-31C85245C7D4}" dt="2023-03-30T10:52:59.113" v="16951" actId="1037"/>
           <ac:picMkLst>
             <pc:docMk/>
             <pc:sldMk cId="3362851476" sldId="276"/>
             <ac:picMk id="11" creationId="{942C474E-4A5C-E697-EAFE-C72CED3EE2BE}"/>
           </ac:picMkLst>
         </pc:picChg>
+        <pc:picChg chg="add mod">
+          <ac:chgData name="Chonthicha Phuangfueang" userId="055aefd292e5fda0" providerId="LiveId" clId="{5B5F8411-1399-4D8D-B27F-31C85245C7D4}" dt="2023-03-30T11:53:26.209" v="17948" actId="1037"/>
+          <ac:picMkLst>
+            <pc:docMk/>
+            <pc:sldMk cId="3362851476" sldId="276"/>
+            <ac:picMk id="12" creationId="{1288A215-6F9E-361E-036C-658286547B73}"/>
+          </ac:picMkLst>
+        </pc:picChg>
         <pc:picChg chg="add del mod">
           <ac:chgData name="Chonthicha Phuangfueang" userId="055aefd292e5fda0" providerId="LiveId" clId="{5B5F8411-1399-4D8D-B27F-31C85245C7D4}" dt="2023-03-30T06:51:10.208" v="16444" actId="478"/>
           <ac:picMkLst>
@@ -4170,6 +4397,14 @@
             <ac:picMk id="12" creationId="{371E2573-ACA2-3476-CA95-314A4C691C86}"/>
           </ac:picMkLst>
         </pc:picChg>
+        <pc:picChg chg="add mod">
+          <ac:chgData name="Chonthicha Phuangfueang" userId="055aefd292e5fda0" providerId="LiveId" clId="{5B5F8411-1399-4D8D-B27F-31C85245C7D4}" dt="2023-03-30T11:53:26.209" v="17948" actId="1037"/>
+          <ac:picMkLst>
+            <pc:docMk/>
+            <pc:sldMk cId="3362851476" sldId="276"/>
+            <ac:picMk id="13" creationId="{AE57AF7E-0685-B3DA-849E-81A1F0B54B8D}"/>
+          </ac:picMkLst>
+        </pc:picChg>
         <pc:picChg chg="del mod ord replST">
           <ac:chgData name="Chonthicha Phuangfueang" userId="055aefd292e5fda0" providerId="LiveId" clId="{5B5F8411-1399-4D8D-B27F-31C85245C7D4}" dt="2023-03-30T10:26:31.850" v="16834" actId="478"/>
           <ac:picMkLst>
@@ -4178,6 +4413,14 @@
             <ac:picMk id="14" creationId="{6823BA57-543B-27C6-D477-B0A7F2FF7BA1}"/>
           </ac:picMkLst>
         </pc:picChg>
+        <pc:picChg chg="add mod">
+          <ac:chgData name="Chonthicha Phuangfueang" userId="055aefd292e5fda0" providerId="LiveId" clId="{5B5F8411-1399-4D8D-B27F-31C85245C7D4}" dt="2023-03-30T11:53:26.209" v="17948" actId="1037"/>
+          <ac:picMkLst>
+            <pc:docMk/>
+            <pc:sldMk cId="3362851476" sldId="276"/>
+            <ac:picMk id="14" creationId="{B996F65D-DAC9-25CC-333E-3A960F55C1BE}"/>
+          </ac:picMkLst>
+        </pc:picChg>
         <pc:picChg chg="add del mod">
           <ac:chgData name="Chonthicha Phuangfueang" userId="055aefd292e5fda0" providerId="LiveId" clId="{5B5F8411-1399-4D8D-B27F-31C85245C7D4}" dt="2023-03-30T06:52:28.888" v="16509" actId="478"/>
           <ac:picMkLst>
@@ -4186,8 +4429,8 @@
             <ac:picMk id="15" creationId="{1A49D952-0FDF-8D2F-F374-4E8E30857A5E}"/>
           </ac:picMkLst>
         </pc:picChg>
-        <pc:picChg chg="mod ord replST">
-          <ac:chgData name="Chonthicha Phuangfueang" userId="055aefd292e5fda0" providerId="LiveId" clId="{5B5F8411-1399-4D8D-B27F-31C85245C7D4}" dt="2023-03-30T10:38:23.587" v="16841" actId="1076"/>
+        <pc:picChg chg="del mod ord replST">
+          <ac:chgData name="Chonthicha Phuangfueang" userId="055aefd292e5fda0" providerId="LiveId" clId="{5B5F8411-1399-4D8D-B27F-31C85245C7D4}" dt="2023-03-30T11:34:43.729" v="17716" actId="478"/>
           <ac:picMkLst>
             <pc:docMk/>
             <pc:sldMk cId="3362851476" sldId="276"/>
@@ -4202,8 +4445,8 @@
             <ac:picMk id="18" creationId="{6B139CA8-9AC6-1923-FD7F-A175ED7EFEBB}"/>
           </ac:picMkLst>
         </pc:picChg>
-        <pc:picChg chg="mod ord replST">
-          <ac:chgData name="Chonthicha Phuangfueang" userId="055aefd292e5fda0" providerId="LiveId" clId="{5B5F8411-1399-4D8D-B27F-31C85245C7D4}" dt="2023-03-30T10:38:34.061" v="16842" actId="1076"/>
+        <pc:picChg chg="add del mod ord replST">
+          <ac:chgData name="Chonthicha Phuangfueang" userId="055aefd292e5fda0" providerId="LiveId" clId="{5B5F8411-1399-4D8D-B27F-31C85245C7D4}" dt="2023-03-30T11:35:07.382" v="17744" actId="1037"/>
           <ac:picMkLst>
             <pc:docMk/>
             <pc:sldMk cId="3362851476" sldId="276"/>
@@ -4218,8 +4461,8 @@
             <ac:picMk id="21" creationId="{262BCDBE-555E-E677-F104-5FCA5B35DD05}"/>
           </ac:picMkLst>
         </pc:picChg>
-        <pc:picChg chg="mod ord replST">
-          <ac:chgData name="Chonthicha Phuangfueang" userId="055aefd292e5fda0" providerId="LiveId" clId="{5B5F8411-1399-4D8D-B27F-31C85245C7D4}" dt="2023-03-30T10:38:38.094" v="16843" actId="1076"/>
+        <pc:picChg chg="add del mod ord replST">
+          <ac:chgData name="Chonthicha Phuangfueang" userId="055aefd292e5fda0" providerId="LiveId" clId="{5B5F8411-1399-4D8D-B27F-31C85245C7D4}" dt="2023-03-30T11:35:46.550" v="17812" actId="1036"/>
           <ac:picMkLst>
             <pc:docMk/>
             <pc:sldMk cId="3362851476" sldId="276"/>
@@ -4235,7 +4478,7 @@
           </ac:picMkLst>
         </pc:picChg>
         <pc:picChg chg="mod ord replST">
-          <ac:chgData name="Chonthicha Phuangfueang" userId="055aefd292e5fda0" providerId="LiveId" clId="{5B5F8411-1399-4D8D-B27F-31C85245C7D4}" dt="2023-03-30T10:39:00.546" v="16847" actId="1036"/>
+          <ac:chgData name="Chonthicha Phuangfueang" userId="055aefd292e5fda0" providerId="LiveId" clId="{5B5F8411-1399-4D8D-B27F-31C85245C7D4}" dt="2023-03-30T11:39:28.937" v="17849" actId="1035"/>
           <ac:picMkLst>
             <pc:docMk/>
             <pc:sldMk cId="3362851476" sldId="276"/>
@@ -4250,6 +4493,13 @@
             <ac:picMk id="28" creationId="{9FBD508C-C094-D12C-8FA3-CADE4B08F485}"/>
           </ac:picMkLst>
         </pc:picChg>
+      </pc:sldChg>
+      <pc:sldChg chg="new del">
+        <pc:chgData name="Chonthicha Phuangfueang" userId="055aefd292e5fda0" providerId="LiveId" clId="{5B5F8411-1399-4D8D-B27F-31C85245C7D4}" dt="2023-03-30T11:49:29.948" v="17881" actId="680"/>
+        <pc:sldMkLst>
+          <pc:docMk/>
+          <pc:sldMk cId="2332043188" sldId="277"/>
+        </pc:sldMkLst>
       </pc:sldChg>
       <pc:sldChg chg="new del">
         <pc:chgData name="Chonthicha Phuangfueang" userId="055aefd292e5fda0" providerId="LiveId" clId="{5B5F8411-1399-4D8D-B27F-31C85245C7D4}" dt="2023-03-30T10:38:17.466" v="16840" actId="680"/>
@@ -4263,6 +4513,13 @@
         <pc:sldMkLst>
           <pc:docMk/>
           <pc:sldMk cId="3455699159" sldId="278"/>
+        </pc:sldMkLst>
+      </pc:sldChg>
+      <pc:sldChg chg="new del">
+        <pc:chgData name="Chonthicha Phuangfueang" userId="055aefd292e5fda0" providerId="LiveId" clId="{5B5F8411-1399-4D8D-B27F-31C85245C7D4}" dt="2023-03-30T11:49:29.273" v="17880" actId="680"/>
+        <pc:sldMkLst>
+          <pc:docMk/>
+          <pc:sldMk cId="3895970066" sldId="278"/>
         </pc:sldMkLst>
       </pc:sldChg>
       <pc:sldChg chg="new del">
@@ -8422,8 +8679,8 @@
         </p:nvSpPr>
         <p:spPr>
           <a:xfrm>
-            <a:off x="2367815" y="818148"/>
-            <a:ext cx="7834964" cy="4385816"/>
+            <a:off x="1453423" y="818148"/>
+            <a:ext cx="10445652" cy="4862870"/>
           </a:xfrm>
           <a:prstGeom prst="rect">
             <a:avLst/>
@@ -8441,7 +8698,21 @@
                 <a:latin typeface="TH Sarabun New" panose="020B0500040200020003" pitchFamily="34" charset="-34"/>
                 <a:cs typeface="TH Sarabun New" panose="020B0500040200020003" pitchFamily="34" charset="-34"/>
               </a:rPr>
-              <a:t>				พิจารณา </a:t>
+              <a:t>			</a:t>
+            </a:r>
+            <a:r>
+              <a:rPr lang="en-US" sz="3100" dirty="0">
+                <a:latin typeface="TH Sarabun New" panose="020B0500040200020003" pitchFamily="34" charset="-34"/>
+                <a:cs typeface="TH Sarabun New" panose="020B0500040200020003" pitchFamily="34" charset="-34"/>
+              </a:rPr>
+              <a:t>	</a:t>
+            </a:r>
+            <a:r>
+              <a:rPr lang="th-TH" sz="3100" dirty="0">
+                <a:latin typeface="TH Sarabun New" panose="020B0500040200020003" pitchFamily="34" charset="-34"/>
+                <a:cs typeface="TH Sarabun New" panose="020B0500040200020003" pitchFamily="34" charset="-34"/>
+              </a:rPr>
+              <a:t>พิจารณา </a:t>
             </a:r>
             <a:r>
               <a:rPr lang="en-US" sz="3100" dirty="0">
@@ -8487,21 +8758,21 @@
                 <a:latin typeface="TH Sarabun New" panose="020B0500040200020003" pitchFamily="34" charset="-34"/>
                 <a:cs typeface="TH Sarabun New" panose="020B0500040200020003" pitchFamily="34" charset="-34"/>
               </a:rPr>
-              <a:t>จาก            </a:t>
+              <a:t>จาก             จะได้ว่า 			    </a:t>
             </a:r>
             <a:r>
               <a:rPr lang="en-US" sz="3100" dirty="0">
                 <a:latin typeface="TH Sarabun New" panose="020B0500040200020003" pitchFamily="34" charset="-34"/>
                 <a:cs typeface="TH Sarabun New" panose="020B0500040200020003" pitchFamily="34" charset="-34"/>
               </a:rPr>
-              <a:t>:</a:t>
+              <a:t>,          </a:t>
             </a:r>
             <a:r>
               <a:rPr lang="th-TH" sz="3100" dirty="0">
                 <a:latin typeface="TH Sarabun New" panose="020B0500040200020003" pitchFamily="34" charset="-34"/>
                 <a:cs typeface="TH Sarabun New" panose="020B0500040200020003" pitchFamily="34" charset="-34"/>
               </a:rPr>
-              <a:t> </a:t>
+              <a:t>และ         </a:t>
             </a:r>
             <a:endParaRPr lang="en-US" sz="3100" dirty="0">
               <a:latin typeface="TH Sarabun New" panose="020B0500040200020003" pitchFamily="34" charset="-34"/>
@@ -8514,96 +8785,87 @@
                 <a:latin typeface="TH Sarabun New" panose="020B0500040200020003" pitchFamily="34" charset="-34"/>
                 <a:cs typeface="TH Sarabun New" panose="020B0500040200020003" pitchFamily="34" charset="-34"/>
               </a:rPr>
-              <a:t>			</a:t>
+              <a:t>				</a:t>
             </a:r>
             <a:r>
               <a:rPr lang="th-TH" sz="3100" dirty="0">
                 <a:latin typeface="TH Sarabun New" panose="020B0500040200020003" pitchFamily="34" charset="-34"/>
                 <a:cs typeface="TH Sarabun New" panose="020B0500040200020003" pitchFamily="34" charset="-34"/>
               </a:rPr>
-              <a:t>   </a:t>
-            </a:r>
-            <a:r>
-              <a:rPr lang="en-US" sz="3100" dirty="0">
-                <a:latin typeface="TH Sarabun New" panose="020B0500040200020003" pitchFamily="34" charset="-34"/>
-                <a:cs typeface="TH Sarabun New" panose="020B0500040200020003" pitchFamily="34" charset="-34"/>
-              </a:rPr>
-              <a:t> </a:t>
+              <a:t>โดย </a:t>
+            </a:r>
+            <a:r>
+              <a:rPr lang="th-TH" sz="3100" b="1" dirty="0">
+                <a:latin typeface="TH Sarabun New" panose="020B0500040200020003" pitchFamily="34" charset="-34"/>
+                <a:cs typeface="TH Sarabun New" panose="020B0500040200020003" pitchFamily="34" charset="-34"/>
+              </a:rPr>
+              <a:t>ทฤษฎีบท </a:t>
+            </a:r>
+            <a:r>
+              <a:rPr lang="en-US" sz="3100" b="1" dirty="0">
+                <a:latin typeface="TH Sarabun New" panose="020B0500040200020003" pitchFamily="34" charset="-34"/>
+                <a:cs typeface="TH Sarabun New" panose="020B0500040200020003" pitchFamily="34" charset="-34"/>
+              </a:rPr>
+              <a:t>1</a:t>
+            </a:r>
+            <a:r>
+              <a:rPr lang="th-TH" sz="3100" dirty="0">
+                <a:latin typeface="TH Sarabun New" panose="020B0500040200020003" pitchFamily="34" charset="-34"/>
+                <a:cs typeface="TH Sarabun New" panose="020B0500040200020003" pitchFamily="34" charset="-34"/>
+              </a:rPr>
+              <a:t> (ข้อความคาดการณ์กาตาลัน) </a:t>
             </a:r>
           </a:p>
           <a:p>
             <a:r>
+              <a:rPr lang="th-TH" sz="3100" b="0" dirty="0">
+                <a:solidFill>
+                  <a:schemeClr val="tx1"/>
+                </a:solidFill>
+                <a:latin typeface="TH Sarabun New" panose="020B0500040200020003" pitchFamily="34" charset="-34"/>
+                <a:cs typeface="TH Sarabun New" panose="020B0500040200020003" pitchFamily="34" charset="-34"/>
+              </a:rPr>
+              <a:t>   				มีผลเฉลยเพียงผลเฉลยเดียว คือ</a:t>
+            </a:r>
+            <a:r>
+              <a:rPr lang="en-US" sz="3100" b="0" dirty="0">
+                <a:solidFill>
+                  <a:schemeClr val="tx1"/>
+                </a:solidFill>
+                <a:latin typeface="TH Sarabun New" panose="020B0500040200020003" pitchFamily="34" charset="-34"/>
+                <a:cs typeface="TH Sarabun New" panose="020B0500040200020003" pitchFamily="34" charset="-34"/>
+              </a:rPr>
+              <a:t> </a:t>
+            </a:r>
+            <a:br>
+              <a:rPr lang="en-US" sz="3100" b="0" dirty="0">
+                <a:solidFill>
+                  <a:schemeClr val="tx1"/>
+                </a:solidFill>
+                <a:latin typeface="TH Sarabun New" panose="020B0500040200020003" pitchFamily="34" charset="-34"/>
+                <a:cs typeface="TH Sarabun New" panose="020B0500040200020003" pitchFamily="34" charset="-34"/>
+              </a:rPr>
+            </a:br>
+            <a:r>
+              <a:rPr lang="th-TH" sz="3100" dirty="0">
+                <a:latin typeface="TH Sarabun New" panose="020B0500040200020003" pitchFamily="34" charset="-34"/>
+                <a:cs typeface="TH Sarabun New" panose="020B0500040200020003" pitchFamily="34" charset="-34"/>
+              </a:rPr>
+              <a:t>	         </a:t>
+            </a:r>
+            <a:r>
               <a:rPr lang="en-US" sz="3100" dirty="0">
                 <a:latin typeface="TH Sarabun New" panose="020B0500040200020003" pitchFamily="34" charset="-34"/>
                 <a:cs typeface="TH Sarabun New" panose="020B0500040200020003" pitchFamily="34" charset="-34"/>
               </a:rPr>
-              <a:t>				</a:t>
-            </a:r>
-          </a:p>
-          <a:p>
-            <a:endParaRPr lang="en-US" sz="3100" dirty="0">
-              <a:latin typeface="TH Sarabun New" panose="020B0500040200020003" pitchFamily="34" charset="-34"/>
-              <a:cs typeface="TH Sarabun New" panose="020B0500040200020003" pitchFamily="34" charset="-34"/>
-            </a:endParaRPr>
-          </a:p>
-          <a:p>
-            <a:r>
-              <a:rPr lang="en-US" sz="3100" dirty="0">
-                <a:latin typeface="TH Sarabun New" panose="020B0500040200020003" pitchFamily="34" charset="-34"/>
-                <a:cs typeface="TH Sarabun New" panose="020B0500040200020003" pitchFamily="34" charset="-34"/>
-              </a:rPr>
-              <a:t>				</a:t>
+              <a:t>  </a:t>
             </a:r>
             <a:r>
               <a:rPr lang="th-TH" sz="3100" dirty="0">
                 <a:latin typeface="TH Sarabun New" panose="020B0500040200020003" pitchFamily="34" charset="-34"/>
                 <a:cs typeface="TH Sarabun New" panose="020B0500040200020003" pitchFamily="34" charset="-34"/>
               </a:rPr>
-              <a:t>จาก </a:t>
-            </a:r>
-            <a:r>
-              <a:rPr lang="th-TH" sz="3100" b="1" dirty="0">
-                <a:latin typeface="TH Sarabun New" panose="020B0500040200020003" pitchFamily="34" charset="-34"/>
-                <a:cs typeface="TH Sarabun New" panose="020B0500040200020003" pitchFamily="34" charset="-34"/>
-              </a:rPr>
-              <a:t>ทฤษฎีบท </a:t>
-            </a:r>
-            <a:r>
-              <a:rPr lang="en-US" sz="3100" b="1" dirty="0">
-                <a:latin typeface="TH Sarabun New" panose="020B0500040200020003" pitchFamily="34" charset="-34"/>
-                <a:cs typeface="TH Sarabun New" panose="020B0500040200020003" pitchFamily="34" charset="-34"/>
-              </a:rPr>
-              <a:t>1</a:t>
-            </a:r>
-            <a:r>
-              <a:rPr lang="th-TH" sz="3100" dirty="0">
-                <a:latin typeface="TH Sarabun New" panose="020B0500040200020003" pitchFamily="34" charset="-34"/>
-                <a:cs typeface="TH Sarabun New" panose="020B0500040200020003" pitchFamily="34" charset="-34"/>
-              </a:rPr>
-              <a:t> (ข้อความคาดการณ์กาตาลัน) </a:t>
-            </a:r>
-          </a:p>
-          <a:p>
-            <a:r>
-              <a:rPr lang="th-TH" sz="3100" dirty="0">
-                <a:latin typeface="TH Sarabun New" panose="020B0500040200020003" pitchFamily="34" charset="-34"/>
-                <a:cs typeface="TH Sarabun New" panose="020B0500040200020003" pitchFamily="34" charset="-34"/>
-              </a:rPr>
-              <a:t>	         </a:t>
-            </a:r>
-            <a:r>
-              <a:rPr lang="en-US" sz="3100" dirty="0">
-                <a:latin typeface="TH Sarabun New" panose="020B0500040200020003" pitchFamily="34" charset="-34"/>
-                <a:cs typeface="TH Sarabun New" panose="020B0500040200020003" pitchFamily="34" charset="-34"/>
-              </a:rPr>
-              <a:t>  </a:t>
-            </a:r>
-            <a:r>
-              <a:rPr lang="th-TH" sz="3100" dirty="0">
-                <a:latin typeface="TH Sarabun New" panose="020B0500040200020003" pitchFamily="34" charset="-34"/>
-                <a:cs typeface="TH Sarabun New" panose="020B0500040200020003" pitchFamily="34" charset="-34"/>
-              </a:rPr>
-              <a:t>     จะได้ว่า             </a:t>
+              <a:t>     ดังนั้น จะได้ว่า             </a:t>
             </a:r>
             <a:endParaRPr lang="en-US" sz="3100" dirty="0">
               <a:latin typeface="TH Sarabun New" panose="020B0500040200020003" pitchFamily="34" charset="-34"/>
@@ -8644,6 +8906,75 @@
             </a:endParaRPr>
           </a:p>
           <a:p>
+            <a:r>
+              <a:rPr lang="th-TH" sz="3100" dirty="0">
+                <a:latin typeface="TH Sarabun New" panose="020B0500040200020003" pitchFamily="34" charset="-34"/>
+                <a:cs typeface="TH Sarabun New" panose="020B0500040200020003" pitchFamily="34" charset="-34"/>
+              </a:rPr>
+              <a:t>                     </a:t>
+            </a:r>
+          </a:p>
+          <a:p>
+            <a:r>
+              <a:rPr lang="th-TH" sz="3100" dirty="0">
+                <a:latin typeface="TH Sarabun New" panose="020B0500040200020003" pitchFamily="34" charset="-34"/>
+                <a:cs typeface="TH Sarabun New" panose="020B0500040200020003" pitchFamily="34" charset="-34"/>
+              </a:rPr>
+              <a:t>				</a:t>
+            </a:r>
+          </a:p>
+          <a:p>
+            <a:r>
+              <a:rPr lang="th-TH" sz="3100" dirty="0">
+                <a:solidFill>
+                  <a:srgbClr val="FF0000"/>
+                </a:solidFill>
+                <a:latin typeface="TH Sarabun New" panose="020B0500040200020003" pitchFamily="34" charset="-34"/>
+                <a:cs typeface="TH Sarabun New" panose="020B0500040200020003" pitchFamily="34" charset="-34"/>
+              </a:rPr>
+              <a:t>				</a:t>
+            </a:r>
+            <a:r>
+              <a:rPr lang="th-TH" sz="3100" dirty="0">
+                <a:latin typeface="TH Sarabun New" panose="020B0500040200020003" pitchFamily="34" charset="-34"/>
+                <a:cs typeface="TH Sarabun New" panose="020B0500040200020003" pitchFamily="34" charset="-34"/>
+              </a:rPr>
+              <a:t>จาก </a:t>
+            </a:r>
+            <a:r>
+              <a:rPr lang="en-US" sz="3100" dirty="0">
+                <a:latin typeface="TH Sarabun New" panose="020B0500040200020003" pitchFamily="34" charset="-34"/>
+                <a:cs typeface="TH Sarabun New" panose="020B0500040200020003" pitchFamily="34" charset="-34"/>
+              </a:rPr>
+              <a:t>      : 					</a:t>
+            </a:r>
+            <a:r>
+              <a:rPr lang="th-TH" sz="3100" dirty="0">
+                <a:latin typeface="TH Sarabun New" panose="020B0500040200020003" pitchFamily="34" charset="-34"/>
+                <a:cs typeface="TH Sarabun New" panose="020B0500040200020003" pitchFamily="34" charset="-34"/>
+              </a:rPr>
+              <a:t>จะได้ </a:t>
+            </a:r>
+            <a:endParaRPr lang="en-US" sz="3100" dirty="0">
+              <a:latin typeface="TH Sarabun New" panose="020B0500040200020003" pitchFamily="34" charset="-34"/>
+              <a:cs typeface="TH Sarabun New" panose="020B0500040200020003" pitchFamily="34" charset="-34"/>
+            </a:endParaRPr>
+          </a:p>
+          <a:p>
+            <a:r>
+              <a:rPr lang="en-US" sz="3100" dirty="0">
+                <a:latin typeface="TH Sarabun New" panose="020B0500040200020003" pitchFamily="34" charset="-34"/>
+                <a:cs typeface="TH Sarabun New" panose="020B0500040200020003" pitchFamily="34" charset="-34"/>
+              </a:rPr>
+              <a:t>				</a:t>
+            </a:r>
+            <a:r>
+              <a:rPr lang="th-TH" sz="3100" dirty="0">
+                <a:latin typeface="TH Sarabun New" panose="020B0500040200020003" pitchFamily="34" charset="-34"/>
+                <a:cs typeface="TH Sarabun New" panose="020B0500040200020003" pitchFamily="34" charset="-34"/>
+              </a:rPr>
+              <a:t>และจาก 	  จะได้ว่า</a:t>
+            </a:r>
             <a:endParaRPr lang="en-US" sz="3100" dirty="0">
               <a:latin typeface="TH Sarabun New" panose="020B0500040200020003" pitchFamily="34" charset="-34"/>
               <a:cs typeface="TH Sarabun New" panose="020B0500040200020003" pitchFamily="34" charset="-34"/>
@@ -8670,7 +9001,7 @@
           </p:nvPr>
         </p:nvPicPr>
         <p:blipFill>
-          <a:blip r:embed="rId9">
+          <a:blip r:embed="rId15">
             <a:extLst>
               <a:ext uri="{28A0092B-C50C-407E-A947-70E740481C1C}">
                 <a14:useLocalDpi xmlns:a14="http://schemas.microsoft.com/office/drawing/2010/main" val="0"/>
@@ -8683,7 +9014,7 @@
         </p:blipFill>
         <p:spPr>
           <a:xfrm>
-            <a:off x="6373233" y="929789"/>
+            <a:off x="5458841" y="929789"/>
             <a:ext cx="1839042" cy="324647"/>
           </a:xfrm>
           <a:prstGeom prst="rect">
@@ -8710,7 +9041,7 @@
           </p:nvPr>
         </p:nvPicPr>
         <p:blipFill>
-          <a:blip r:embed="rId10">
+          <a:blip r:embed="rId16">
             <a:extLst>
               <a:ext uri="{28A0092B-C50C-407E-A947-70E740481C1C}">
                 <a14:useLocalDpi xmlns:a14="http://schemas.microsoft.com/office/drawing/2010/main" val="0"/>
@@ -8723,7 +9054,7 @@
         </p:blipFill>
         <p:spPr>
           <a:xfrm>
-            <a:off x="5453367" y="929789"/>
+            <a:off x="4455850" y="917914"/>
             <a:ext cx="365401" cy="339011"/>
           </a:xfrm>
           <a:prstGeom prst="rect">
@@ -8750,7 +9081,7 @@
           </p:nvPr>
         </p:nvPicPr>
         <p:blipFill>
-          <a:blip r:embed="rId11">
+          <a:blip r:embed="rId17">
             <a:extLst>
               <a:ext uri="{28A0092B-C50C-407E-A947-70E740481C1C}">
                 <a14:useLocalDpi xmlns:a14="http://schemas.microsoft.com/office/drawing/2010/main" val="0"/>
@@ -8763,7 +9094,7 @@
         </p:blipFill>
         <p:spPr>
           <a:xfrm>
-            <a:off x="4900865" y="1447819"/>
+            <a:off x="3986473" y="1447819"/>
             <a:ext cx="735202" cy="221699"/>
           </a:xfrm>
           <a:prstGeom prst="rect">
@@ -8773,10 +9104,10 @@
       </p:pic>
       <p:pic>
         <p:nvPicPr>
-          <p:cNvPr id="17" name="Picture 16" descr="&#10;&#10;\documentclass{article}&#10;\usepackage{amsmath}&#10;\usepackage{amsfonts}&#10;\usepackage{amssymb}&#10;\pagestyle{empty}&#10;\usepackage{xcolor}&#10;\usepackage{empheq}&#10;\begin{document}&#10;$x-2&gt;1$&#10;\end{document}" title="IguanaTex Bitmap Display">
+          <p:cNvPr id="20" name="Picture 19" descr="&#10;&#10;\documentclass{article}&#10;\usepackage{amsmath}&#10;\usepackage{amsfonts}&#10;\usepackage{amssymb}&#10;\pagestyle{empty}&#10;\usepackage{xcolor}&#10;\usepackage{empheq}&#10;\begin{document}&#10;$2&gt; 1$&#10;\end{document}" title="IguanaTex Bitmap Display">
             <a:extLst>
               <a:ext uri="{FF2B5EF4-FFF2-40B4-BE49-F238E27FC236}">
-                <a16:creationId xmlns:a16="http://schemas.microsoft.com/office/drawing/2014/main" id="{E8730CD5-29B1-712C-3551-D9705DADC292}"/>
+                <a16:creationId xmlns:a16="http://schemas.microsoft.com/office/drawing/2014/main" id="{C6192313-9DC7-9A07-4AAC-54C3D3D07204}"/>
               </a:ext>
             </a:extLst>
           </p:cNvPr>
@@ -8790,7 +9121,7 @@
           </p:nvPr>
         </p:nvPicPr>
         <p:blipFill>
-          <a:blip r:embed="rId12">
+          <a:blip r:embed="rId18">
             <a:extLst>
               <a:ext uri="{28A0092B-C50C-407E-A947-70E740481C1C}">
                 <a14:useLocalDpi xmlns:a14="http://schemas.microsoft.com/office/drawing/2010/main" val="0"/>
@@ -8803,47 +9134,7 @@
         </p:blipFill>
         <p:spPr>
           <a:xfrm>
-            <a:off x="5923054" y="1447818"/>
-            <a:ext cx="1265761" cy="221699"/>
-          </a:xfrm>
-          <a:prstGeom prst="rect">
-            <a:avLst/>
-          </a:prstGeom>
-        </p:spPr>
-      </p:pic>
-      <p:pic>
-        <p:nvPicPr>
-          <p:cNvPr id="20" name="Picture 19" descr="&#10;&#10;\documentclass{article}&#10;\usepackage{amsmath}&#10;\usepackage{amsfonts}&#10;\usepackage{amssymb}&#10;\pagestyle{empty}&#10;\usepackage{xcolor}&#10;\usepackage{empheq}&#10;\begin{document}&#10;$2&gt; 1$&#10;\end{document}" title="IguanaTex Bitmap Display">
-            <a:extLst>
-              <a:ext uri="{FF2B5EF4-FFF2-40B4-BE49-F238E27FC236}">
-                <a16:creationId xmlns:a16="http://schemas.microsoft.com/office/drawing/2014/main" id="{C6192313-9DC7-9A07-4AAC-54C3D3D07204}"/>
-              </a:ext>
-            </a:extLst>
-          </p:cNvPr>
-          <p:cNvPicPr>
-            <a:picLocks noChangeAspect="1"/>
-          </p:cNvPicPr>
-          <p:nvPr>
-            <p:custDataLst>
-              <p:tags r:id="rId5"/>
-            </p:custDataLst>
-          </p:nvPr>
-        </p:nvPicPr>
-        <p:blipFill>
-          <a:blip r:embed="rId13">
-            <a:extLst>
-              <a:ext uri="{28A0092B-C50C-407E-A947-70E740481C1C}">
-                <a14:useLocalDpi xmlns:a14="http://schemas.microsoft.com/office/drawing/2010/main" val="0"/>
-              </a:ext>
-            </a:extLst>
-          </a:blip>
-          <a:stretch>
-            <a:fillRect/>
-          </a:stretch>
-        </p:blipFill>
-        <p:spPr>
-          <a:xfrm>
-            <a:off x="6493405" y="1964156"/>
+            <a:off x="7538447" y="1444642"/>
             <a:ext cx="695410" cy="221699"/>
           </a:xfrm>
           <a:prstGeom prst="rect">
@@ -8865,12 +9156,12 @@
           </p:cNvPicPr>
           <p:nvPr>
             <p:custDataLst>
-              <p:tags r:id="rId6"/>
+              <p:tags r:id="rId5"/>
             </p:custDataLst>
           </p:nvPr>
         </p:nvPicPr>
         <p:blipFill>
-          <a:blip r:embed="rId14">
+          <a:blip r:embed="rId19">
             <a:extLst>
               <a:ext uri="{28A0092B-C50C-407E-A947-70E740481C1C}">
                 <a14:useLocalDpi xmlns:a14="http://schemas.microsoft.com/office/drawing/2010/main" val="0"/>
@@ -8883,7 +9174,7 @@
         </p:blipFill>
         <p:spPr>
           <a:xfrm>
-            <a:off x="6466877" y="2480494"/>
+            <a:off x="8926243" y="1428856"/>
             <a:ext cx="721938" cy="269071"/>
           </a:xfrm>
           <a:prstGeom prst="rect">
@@ -8905,12 +9196,12 @@
           </p:cNvPicPr>
           <p:nvPr>
             <p:custDataLst>
-              <p:tags r:id="rId7"/>
+              <p:tags r:id="rId6"/>
             </p:custDataLst>
           </p:nvPr>
         </p:nvPicPr>
         <p:blipFill>
-          <a:blip r:embed="rId15">
+          <a:blip r:embed="rId20">
             <a:extLst>
               <a:ext uri="{28A0092B-C50C-407E-A947-70E740481C1C}">
                 <a14:useLocalDpi xmlns:a14="http://schemas.microsoft.com/office/drawing/2010/main" val="0"/>
@@ -8923,8 +9214,8 @@
         </p:blipFill>
         <p:spPr>
           <a:xfrm>
-            <a:off x="5376367" y="3801554"/>
-            <a:ext cx="735202" cy="229996"/>
+            <a:off x="5090345" y="2863403"/>
+            <a:ext cx="718273" cy="224700"/>
           </a:xfrm>
           <a:prstGeom prst="rect">
             <a:avLst/>
@@ -8982,7 +9273,7 @@
                   <a:srgbClr val="FFFF00"/>
                 </a:solidFill>
               </a:rPr>
-              <a:t>แก้ หน้า </a:t>
+              <a:t>แก้หน้า </a:t>
             </a:r>
             <a:r>
               <a:rPr lang="en-US" sz="2800" dirty="0">
@@ -8995,6 +9286,286 @@
           </a:p>
         </p:txBody>
       </p:sp>
+      <p:pic>
+        <p:nvPicPr>
+          <p:cNvPr id="4" name="Picture 3" descr="\documentclass{article}&#10;\usepackage{amsmath}&#10;\pagestyle{empty}&#10;\usepackage{xcolor}&#10;\usepackage{empheq}&#10;\begin{document}&#10;$ \left (a,b,x,y  \right )=\left ( 3,2,2,3 \right )$&#10;\end{document}" title="IguanaTex Bitmap Display">
+            <a:extLst>
+              <a:ext uri="{FF2B5EF4-FFF2-40B4-BE49-F238E27FC236}">
+                <a16:creationId xmlns:a16="http://schemas.microsoft.com/office/drawing/2014/main" id="{365832A7-3E22-A26C-3313-D699E98D402E}"/>
+              </a:ext>
+            </a:extLst>
+          </p:cNvPr>
+          <p:cNvPicPr>
+            <a:picLocks noChangeAspect="1"/>
+          </p:cNvPicPr>
+          <p:nvPr>
+            <p:custDataLst>
+              <p:tags r:id="rId7"/>
+            </p:custDataLst>
+          </p:nvPr>
+        </p:nvPicPr>
+        <p:blipFill>
+          <a:blip r:embed="rId21">
+            <a:extLst>
+              <a:ext uri="{28A0092B-C50C-407E-A947-70E740481C1C}">
+                <a14:useLocalDpi xmlns:a14="http://schemas.microsoft.com/office/drawing/2010/main" val="0"/>
+              </a:ext>
+            </a:extLst>
+          </a:blip>
+          <a:stretch>
+            <a:fillRect/>
+          </a:stretch>
+        </p:blipFill>
+        <p:spPr>
+          <a:xfrm>
+            <a:off x="6725953" y="2375064"/>
+            <a:ext cx="2619867" cy="279923"/>
+          </a:xfrm>
+          <a:prstGeom prst="rect">
+            <a:avLst/>
+          </a:prstGeom>
+        </p:spPr>
+      </p:pic>
+      <p:pic>
+        <p:nvPicPr>
+          <p:cNvPr id="6" name="Picture 5" descr="&#10;&#10;\documentclass{article}&#10;\usepackage{amsmath}&#10;\usepackage{amsfonts}&#10;\usepackage{amssymb}&#10;\pagestyle{empty}&#10;\usepackage{xcolor}&#10;\usepackage{empheq}&#10;\begin{document}&#10;$x-2&gt;1$&#10;\end{document}" title="IguanaTex Bitmap Display">
+            <a:extLst>
+              <a:ext uri="{FF2B5EF4-FFF2-40B4-BE49-F238E27FC236}">
+                <a16:creationId xmlns:a16="http://schemas.microsoft.com/office/drawing/2014/main" id="{AAD8CC5C-0FBA-BFCF-4495-D8D013ADA30A}"/>
+              </a:ext>
+            </a:extLst>
+          </p:cNvPr>
+          <p:cNvPicPr>
+            <a:picLocks noChangeAspect="1"/>
+          </p:cNvPicPr>
+          <p:nvPr>
+            <p:custDataLst>
+              <p:tags r:id="rId8"/>
+            </p:custDataLst>
+          </p:nvPr>
+        </p:nvPicPr>
+        <p:blipFill>
+          <a:blip r:embed="rId22">
+            <a:extLst>
+              <a:ext uri="{28A0092B-C50C-407E-A947-70E740481C1C}">
+                <a14:useLocalDpi xmlns:a14="http://schemas.microsoft.com/office/drawing/2010/main" val="0"/>
+              </a:ext>
+            </a:extLst>
+          </a:blip>
+          <a:stretch>
+            <a:fillRect/>
+          </a:stretch>
+        </p:blipFill>
+        <p:spPr>
+          <a:xfrm>
+            <a:off x="5982440" y="1444642"/>
+            <a:ext cx="1265761" cy="221699"/>
+          </a:xfrm>
+          <a:prstGeom prst="rect">
+            <a:avLst/>
+          </a:prstGeom>
+        </p:spPr>
+      </p:pic>
+      <p:pic>
+        <p:nvPicPr>
+          <p:cNvPr id="9" name="Picture 8" descr="\documentclass{article}&#10;\usepackage{amsmath}&#10;\pagestyle{empty}&#10;\usepackage{xcolor}&#10;\usepackage{empheq}&#10;\begin{document}&#10;$\left ( z-p^{k} \right )=2^{v}$&#10;\end{document}" title="IguanaTex Bitmap Display">
+            <a:extLst>
+              <a:ext uri="{FF2B5EF4-FFF2-40B4-BE49-F238E27FC236}">
+                <a16:creationId xmlns:a16="http://schemas.microsoft.com/office/drawing/2014/main" id="{E48CA814-CAF7-E92A-4C63-E25B27AF64D5}"/>
+              </a:ext>
+            </a:extLst>
+          </p:cNvPr>
+          <p:cNvPicPr>
+            <a:picLocks noChangeAspect="1"/>
+          </p:cNvPicPr>
+          <p:nvPr>
+            <p:custDataLst>
+              <p:tags r:id="rId9"/>
+            </p:custDataLst>
+          </p:nvPr>
+        </p:nvPicPr>
+        <p:blipFill>
+          <a:blip r:embed="rId23">
+            <a:extLst>
+              <a:ext uri="{28A0092B-C50C-407E-A947-70E740481C1C}">
+                <a14:useLocalDpi xmlns:a14="http://schemas.microsoft.com/office/drawing/2010/main" val="0"/>
+              </a:ext>
+            </a:extLst>
+          </a:blip>
+          <a:stretch>
+            <a:fillRect/>
+          </a:stretch>
+        </p:blipFill>
+        <p:spPr>
+          <a:xfrm>
+            <a:off x="4634669" y="4690786"/>
+            <a:ext cx="1891883" cy="397555"/>
+          </a:xfrm>
+          <a:prstGeom prst="rect">
+            <a:avLst/>
+          </a:prstGeom>
+        </p:spPr>
+      </p:pic>
+      <p:pic>
+        <p:nvPicPr>
+          <p:cNvPr id="10" name="Picture 9" descr="\documentclass{article}&#10;\usepackage{amsmath}&#10;\pagestyle{empty}&#10;\usepackage{xcolor}&#10;\usepackage{empheq}&#10;\begin{document}&#10;${\color{red}\left ( 2 \right )}$&#10;\end{document}" title="IguanaTex Bitmap Display">
+            <a:extLst>
+              <a:ext uri="{FF2B5EF4-FFF2-40B4-BE49-F238E27FC236}">
+                <a16:creationId xmlns:a16="http://schemas.microsoft.com/office/drawing/2014/main" id="{28F40255-8DA2-1D41-6407-649CC3F5529D}"/>
+              </a:ext>
+            </a:extLst>
+          </p:cNvPr>
+          <p:cNvPicPr>
+            <a:picLocks noChangeAspect="1"/>
+          </p:cNvPicPr>
+          <p:nvPr>
+            <p:custDataLst>
+              <p:tags r:id="rId10"/>
+            </p:custDataLst>
+          </p:nvPr>
+        </p:nvPicPr>
+        <p:blipFill>
+          <a:blip r:embed="rId24">
+            <a:extLst>
+              <a:ext uri="{28A0092B-C50C-407E-A947-70E740481C1C}">
+                <a14:useLocalDpi xmlns:a14="http://schemas.microsoft.com/office/drawing/2010/main" val="0"/>
+              </a:ext>
+            </a:extLst>
+          </a:blip>
+          <a:stretch>
+            <a:fillRect/>
+          </a:stretch>
+        </p:blipFill>
+        <p:spPr>
+          <a:xfrm>
+            <a:off x="3899836" y="4717610"/>
+            <a:ext cx="365401" cy="339011"/>
+          </a:xfrm>
+          <a:prstGeom prst="rect">
+            <a:avLst/>
+          </a:prstGeom>
+        </p:spPr>
+      </p:pic>
+      <p:pic>
+        <p:nvPicPr>
+          <p:cNvPr id="12" name="Picture 11" descr="\documentclass{article}&#10;\usepackage{amsmath}&#10;\pagestyle{empty}&#10;\usepackage{xcolor}&#10;\usepackage{empheq}&#10;\begin{document}&#10;$\left ( z-p^{1} \right )=2^{1} \Rightarrow z=p+2$&#10;\end{document}" title="IguanaTex Bitmap Display">
+            <a:extLst>
+              <a:ext uri="{FF2B5EF4-FFF2-40B4-BE49-F238E27FC236}">
+                <a16:creationId xmlns:a16="http://schemas.microsoft.com/office/drawing/2014/main" id="{1288A215-6F9E-361E-036C-658286547B73}"/>
+              </a:ext>
+            </a:extLst>
+          </p:cNvPr>
+          <p:cNvPicPr>
+            <a:picLocks noChangeAspect="1"/>
+          </p:cNvPicPr>
+          <p:nvPr>
+            <p:custDataLst>
+              <p:tags r:id="rId11"/>
+            </p:custDataLst>
+          </p:nvPr>
+        </p:nvPicPr>
+        <p:blipFill>
+          <a:blip r:embed="rId25">
+            <a:extLst>
+              <a:ext uri="{28A0092B-C50C-407E-A947-70E740481C1C}">
+                <a14:useLocalDpi xmlns:a14="http://schemas.microsoft.com/office/drawing/2010/main" val="0"/>
+              </a:ext>
+            </a:extLst>
+          </a:blip>
+          <a:stretch>
+            <a:fillRect/>
+          </a:stretch>
+        </p:blipFill>
+        <p:spPr>
+          <a:xfrm>
+            <a:off x="7462810" y="4632770"/>
+            <a:ext cx="3749803" cy="397555"/>
+          </a:xfrm>
+          <a:prstGeom prst="rect">
+            <a:avLst/>
+          </a:prstGeom>
+        </p:spPr>
+      </p:pic>
+      <p:pic>
+        <p:nvPicPr>
+          <p:cNvPr id="13" name="Picture 12" descr="\documentclass{article}&#10;\usepackage{amsmath}&#10;\pagestyle{empty}&#10;\usepackage{xcolor}&#10;\usepackage{empheq}&#10;\begin{document}&#10;${\color{red}\left ( 5 \right )}$&#10;\end{document}" title="IguanaTex Bitmap Display">
+            <a:extLst>
+              <a:ext uri="{FF2B5EF4-FFF2-40B4-BE49-F238E27FC236}">
+                <a16:creationId xmlns:a16="http://schemas.microsoft.com/office/drawing/2014/main" id="{AE57AF7E-0685-B3DA-849E-81A1F0B54B8D}"/>
+              </a:ext>
+            </a:extLst>
+          </p:cNvPr>
+          <p:cNvPicPr>
+            <a:picLocks noChangeAspect="1"/>
+          </p:cNvPicPr>
+          <p:nvPr>
+            <p:custDataLst>
+              <p:tags r:id="rId12"/>
+            </p:custDataLst>
+          </p:nvPr>
+        </p:nvPicPr>
+        <p:blipFill>
+          <a:blip r:embed="rId16">
+            <a:extLst>
+              <a:ext uri="{28A0092B-C50C-407E-A947-70E740481C1C}">
+                <a14:useLocalDpi xmlns:a14="http://schemas.microsoft.com/office/drawing/2010/main" val="0"/>
+              </a:ext>
+            </a:extLst>
+          </a:blip>
+          <a:stretch>
+            <a:fillRect/>
+          </a:stretch>
+        </p:blipFill>
+        <p:spPr>
+          <a:xfrm>
+            <a:off x="4367155" y="5185583"/>
+            <a:ext cx="365401" cy="339011"/>
+          </a:xfrm>
+          <a:prstGeom prst="rect">
+            <a:avLst/>
+          </a:prstGeom>
+        </p:spPr>
+      </p:pic>
+      <p:pic>
+        <p:nvPicPr>
+          <p:cNvPr id="14" name="Picture 13" descr="\documentclass{article}&#10;\usepackage{amsmath}&#10;\pagestyle{empty}&#10;\usepackage{xcolor}&#10;\usepackage{empheq}&#10;\begin{document}&#10;$ 1  =2^{x-2}-p^{1} \Rightarrow 1  =2^{x-2}-p $&#10;\end{document}" title="IguanaTex Bitmap Display">
+            <a:extLst>
+              <a:ext uri="{FF2B5EF4-FFF2-40B4-BE49-F238E27FC236}">
+                <a16:creationId xmlns:a16="http://schemas.microsoft.com/office/drawing/2014/main" id="{B996F65D-DAC9-25CC-333E-3A960F55C1BE}"/>
+              </a:ext>
+            </a:extLst>
+          </p:cNvPr>
+          <p:cNvPicPr>
+            <a:picLocks noChangeAspect="1"/>
+          </p:cNvPicPr>
+          <p:nvPr>
+            <p:custDataLst>
+              <p:tags r:id="rId13"/>
+            </p:custDataLst>
+          </p:nvPr>
+        </p:nvPicPr>
+        <p:blipFill>
+          <a:blip r:embed="rId26">
+            <a:extLst>
+              <a:ext uri="{28A0092B-C50C-407E-A947-70E740481C1C}">
+                <a14:useLocalDpi xmlns:a14="http://schemas.microsoft.com/office/drawing/2010/main" val="0"/>
+              </a:ext>
+            </a:extLst>
+          </a:blip>
+          <a:stretch>
+            <a:fillRect/>
+          </a:stretch>
+        </p:blipFill>
+        <p:spPr>
+          <a:xfrm>
+            <a:off x="5932381" y="5193844"/>
+            <a:ext cx="4075919" cy="317141"/>
+          </a:xfrm>
+          <a:prstGeom prst="rect">
+            <a:avLst/>
+          </a:prstGeom>
+        </p:spPr>
+      </p:pic>
     </p:spTree>
     <p:extLst>
       <p:ext uri="{BB962C8B-B14F-4D97-AF65-F5344CB8AC3E}">
@@ -10875,246 +11446,6 @@
 </p:sld>
 </file>
 
-<file path=ppt/slides/slide17.xml><?xml version="1.0" encoding="utf-8"?>
-<p:sld xmlns:a="http://schemas.openxmlformats.org/drawingml/2006/main" xmlns:r="http://schemas.openxmlformats.org/officeDocument/2006/relationships" xmlns:p="http://schemas.openxmlformats.org/presentationml/2006/main">
-  <p:cSld>
-    <p:spTree>
-      <p:nvGrpSpPr>
-        <p:cNvPr id="1" name=""/>
-        <p:cNvGrpSpPr/>
-        <p:nvPr/>
-      </p:nvGrpSpPr>
-      <p:grpSpPr>
-        <a:xfrm>
-          <a:off x="0" y="0"/>
-          <a:ext cx="0" cy="0"/>
-          <a:chOff x="0" y="0"/>
-          <a:chExt cx="0" cy="0"/>
-        </a:xfrm>
-      </p:grpSpPr>
-      <p:sp>
-        <p:nvSpPr>
-          <p:cNvPr id="2" name="Title 1">
-            <a:extLst>
-              <a:ext uri="{FF2B5EF4-FFF2-40B4-BE49-F238E27FC236}">
-                <a16:creationId xmlns:a16="http://schemas.microsoft.com/office/drawing/2014/main" id="{C5C341E0-32BE-FAC4-9807-63AB6D6981AC}"/>
-              </a:ext>
-            </a:extLst>
-          </p:cNvPr>
-          <p:cNvSpPr>
-            <a:spLocks noGrp="1"/>
-          </p:cNvSpPr>
-          <p:nvPr>
-            <p:ph type="title"/>
-          </p:nvPr>
-        </p:nvSpPr>
-        <p:spPr/>
-        <p:txBody>
-          <a:bodyPr/>
-          <a:lstStyle/>
-          <a:p>
-            <a:endParaRPr lang="en-US" dirty="0"/>
-          </a:p>
-        </p:txBody>
-      </p:sp>
-      <p:sp>
-        <p:nvSpPr>
-          <p:cNvPr id="3" name="Content Placeholder 2">
-            <a:extLst>
-              <a:ext uri="{FF2B5EF4-FFF2-40B4-BE49-F238E27FC236}">
-                <a16:creationId xmlns:a16="http://schemas.microsoft.com/office/drawing/2014/main" id="{A710AAD3-E228-B93E-BC17-5F3C0F177722}"/>
-              </a:ext>
-            </a:extLst>
-          </p:cNvPr>
-          <p:cNvSpPr>
-            <a:spLocks noGrp="1"/>
-          </p:cNvSpPr>
-          <p:nvPr>
-            <p:ph idx="1"/>
-          </p:nvPr>
-        </p:nvSpPr>
-        <p:spPr/>
-        <p:txBody>
-          <a:bodyPr/>
-          <a:lstStyle/>
-          <a:p>
-            <a:endParaRPr lang="en-US"/>
-          </a:p>
-        </p:txBody>
-      </p:sp>
-    </p:spTree>
-    <p:extLst>
-      <p:ext uri="{BB962C8B-B14F-4D97-AF65-F5344CB8AC3E}">
-        <p14:creationId xmlns:p14="http://schemas.microsoft.com/office/powerpoint/2010/main" val="1667748773"/>
-      </p:ext>
-    </p:extLst>
-  </p:cSld>
-  <p:clrMapOvr>
-    <a:masterClrMapping/>
-  </p:clrMapOvr>
-</p:sld>
-</file>
-
-<file path=ppt/slides/slide18.xml><?xml version="1.0" encoding="utf-8"?>
-<p:sld xmlns:a="http://schemas.openxmlformats.org/drawingml/2006/main" xmlns:r="http://schemas.openxmlformats.org/officeDocument/2006/relationships" xmlns:p="http://schemas.openxmlformats.org/presentationml/2006/main">
-  <p:cSld>
-    <p:spTree>
-      <p:nvGrpSpPr>
-        <p:cNvPr id="1" name=""/>
-        <p:cNvGrpSpPr/>
-        <p:nvPr/>
-      </p:nvGrpSpPr>
-      <p:grpSpPr>
-        <a:xfrm>
-          <a:off x="0" y="0"/>
-          <a:ext cx="0" cy="0"/>
-          <a:chOff x="0" y="0"/>
-          <a:chExt cx="0" cy="0"/>
-        </a:xfrm>
-      </p:grpSpPr>
-      <p:sp>
-        <p:nvSpPr>
-          <p:cNvPr id="2" name="Title 1">
-            <a:extLst>
-              <a:ext uri="{FF2B5EF4-FFF2-40B4-BE49-F238E27FC236}">
-                <a16:creationId xmlns:a16="http://schemas.microsoft.com/office/drawing/2014/main" id="{0E297A0D-9615-F65D-FF4C-96CA05F1786E}"/>
-              </a:ext>
-            </a:extLst>
-          </p:cNvPr>
-          <p:cNvSpPr>
-            <a:spLocks noGrp="1"/>
-          </p:cNvSpPr>
-          <p:nvPr>
-            <p:ph type="title"/>
-          </p:nvPr>
-        </p:nvSpPr>
-        <p:spPr/>
-        <p:txBody>
-          <a:bodyPr/>
-          <a:lstStyle/>
-          <a:p>
-            <a:endParaRPr lang="en-US"/>
-          </a:p>
-        </p:txBody>
-      </p:sp>
-      <p:sp>
-        <p:nvSpPr>
-          <p:cNvPr id="3" name="Content Placeholder 2">
-            <a:extLst>
-              <a:ext uri="{FF2B5EF4-FFF2-40B4-BE49-F238E27FC236}">
-                <a16:creationId xmlns:a16="http://schemas.microsoft.com/office/drawing/2014/main" id="{2C22E3A2-8CB1-8C5F-A1FA-43E48C63F726}"/>
-              </a:ext>
-            </a:extLst>
-          </p:cNvPr>
-          <p:cNvSpPr>
-            <a:spLocks noGrp="1"/>
-          </p:cNvSpPr>
-          <p:nvPr>
-            <p:ph idx="1"/>
-          </p:nvPr>
-        </p:nvSpPr>
-        <p:spPr/>
-        <p:txBody>
-          <a:bodyPr/>
-          <a:lstStyle/>
-          <a:p>
-            <a:endParaRPr lang="en-US"/>
-          </a:p>
-        </p:txBody>
-      </p:sp>
-    </p:spTree>
-    <p:extLst>
-      <p:ext uri="{BB962C8B-B14F-4D97-AF65-F5344CB8AC3E}">
-        <p14:creationId xmlns:p14="http://schemas.microsoft.com/office/powerpoint/2010/main" val="803829190"/>
-      </p:ext>
-    </p:extLst>
-  </p:cSld>
-  <p:clrMapOvr>
-    <a:masterClrMapping/>
-  </p:clrMapOvr>
-</p:sld>
-</file>
-
-<file path=ppt/slides/slide19.xml><?xml version="1.0" encoding="utf-8"?>
-<p:sld xmlns:a="http://schemas.openxmlformats.org/drawingml/2006/main" xmlns:r="http://schemas.openxmlformats.org/officeDocument/2006/relationships" xmlns:p="http://schemas.openxmlformats.org/presentationml/2006/main">
-  <p:cSld>
-    <p:spTree>
-      <p:nvGrpSpPr>
-        <p:cNvPr id="1" name=""/>
-        <p:cNvGrpSpPr/>
-        <p:nvPr/>
-      </p:nvGrpSpPr>
-      <p:grpSpPr>
-        <a:xfrm>
-          <a:off x="0" y="0"/>
-          <a:ext cx="0" cy="0"/>
-          <a:chOff x="0" y="0"/>
-          <a:chExt cx="0" cy="0"/>
-        </a:xfrm>
-      </p:grpSpPr>
-      <p:sp>
-        <p:nvSpPr>
-          <p:cNvPr id="2" name="Title 1">
-            <a:extLst>
-              <a:ext uri="{FF2B5EF4-FFF2-40B4-BE49-F238E27FC236}">
-                <a16:creationId xmlns:a16="http://schemas.microsoft.com/office/drawing/2014/main" id="{7245DA93-B3A8-80DA-6316-23B7D99A315E}"/>
-              </a:ext>
-            </a:extLst>
-          </p:cNvPr>
-          <p:cNvSpPr>
-            <a:spLocks noGrp="1"/>
-          </p:cNvSpPr>
-          <p:nvPr>
-            <p:ph type="title"/>
-          </p:nvPr>
-        </p:nvSpPr>
-        <p:spPr/>
-        <p:txBody>
-          <a:bodyPr/>
-          <a:lstStyle/>
-          <a:p>
-            <a:endParaRPr lang="en-US"/>
-          </a:p>
-        </p:txBody>
-      </p:sp>
-      <p:sp>
-        <p:nvSpPr>
-          <p:cNvPr id="3" name="Content Placeholder 2">
-            <a:extLst>
-              <a:ext uri="{FF2B5EF4-FFF2-40B4-BE49-F238E27FC236}">
-                <a16:creationId xmlns:a16="http://schemas.microsoft.com/office/drawing/2014/main" id="{1B923B55-9145-4BA3-65E2-EC80EE395334}"/>
-              </a:ext>
-            </a:extLst>
-          </p:cNvPr>
-          <p:cNvSpPr>
-            <a:spLocks noGrp="1"/>
-          </p:cNvSpPr>
-          <p:nvPr>
-            <p:ph idx="1"/>
-          </p:nvPr>
-        </p:nvSpPr>
-        <p:spPr/>
-        <p:txBody>
-          <a:bodyPr/>
-          <a:lstStyle/>
-          <a:p>
-            <a:endParaRPr lang="en-US"/>
-          </a:p>
-        </p:txBody>
-      </p:sp>
-    </p:spTree>
-    <p:extLst>
-      <p:ext uri="{BB962C8B-B14F-4D97-AF65-F5344CB8AC3E}">
-        <p14:creationId xmlns:p14="http://schemas.microsoft.com/office/powerpoint/2010/main" val="1989448623"/>
-      </p:ext>
-    </p:extLst>
-  </p:cSld>
-  <p:clrMapOvr>
-    <a:masterClrMapping/>
-  </p:clrMapOvr>
-</p:sld>
-</file>
-
 <file path=ppt/slides/slide2.xml><?xml version="1.0" encoding="utf-8"?>
 <p:sld xmlns:a="http://schemas.openxmlformats.org/drawingml/2006/main" xmlns:r="http://schemas.openxmlformats.org/officeDocument/2006/relationships" xmlns:p="http://schemas.openxmlformats.org/presentationml/2006/main">
   <p:cSld>
@@ -11550,166 +11881,6 @@
     <p:extLst>
       <p:ext uri="{BB962C8B-B14F-4D97-AF65-F5344CB8AC3E}">
         <p14:creationId xmlns:p14="http://schemas.microsoft.com/office/powerpoint/2010/main" val="1407271775"/>
-      </p:ext>
-    </p:extLst>
-  </p:cSld>
-  <p:clrMapOvr>
-    <a:masterClrMapping/>
-  </p:clrMapOvr>
-</p:sld>
-</file>
-
-<file path=ppt/slides/slide20.xml><?xml version="1.0" encoding="utf-8"?>
-<p:sld xmlns:a="http://schemas.openxmlformats.org/drawingml/2006/main" xmlns:r="http://schemas.openxmlformats.org/officeDocument/2006/relationships" xmlns:p="http://schemas.openxmlformats.org/presentationml/2006/main">
-  <p:cSld>
-    <p:spTree>
-      <p:nvGrpSpPr>
-        <p:cNvPr id="1" name=""/>
-        <p:cNvGrpSpPr/>
-        <p:nvPr/>
-      </p:nvGrpSpPr>
-      <p:grpSpPr>
-        <a:xfrm>
-          <a:off x="0" y="0"/>
-          <a:ext cx="0" cy="0"/>
-          <a:chOff x="0" y="0"/>
-          <a:chExt cx="0" cy="0"/>
-        </a:xfrm>
-      </p:grpSpPr>
-      <p:sp>
-        <p:nvSpPr>
-          <p:cNvPr id="2" name="Title 1">
-            <a:extLst>
-              <a:ext uri="{FF2B5EF4-FFF2-40B4-BE49-F238E27FC236}">
-                <a16:creationId xmlns:a16="http://schemas.microsoft.com/office/drawing/2014/main" id="{6E305564-C7E3-0A11-DACB-724DA3C7B663}"/>
-              </a:ext>
-            </a:extLst>
-          </p:cNvPr>
-          <p:cNvSpPr>
-            <a:spLocks noGrp="1"/>
-          </p:cNvSpPr>
-          <p:nvPr>
-            <p:ph type="title"/>
-          </p:nvPr>
-        </p:nvSpPr>
-        <p:spPr/>
-        <p:txBody>
-          <a:bodyPr/>
-          <a:lstStyle/>
-          <a:p>
-            <a:endParaRPr lang="en-US"/>
-          </a:p>
-        </p:txBody>
-      </p:sp>
-      <p:sp>
-        <p:nvSpPr>
-          <p:cNvPr id="3" name="Content Placeholder 2">
-            <a:extLst>
-              <a:ext uri="{FF2B5EF4-FFF2-40B4-BE49-F238E27FC236}">
-                <a16:creationId xmlns:a16="http://schemas.microsoft.com/office/drawing/2014/main" id="{A83FAD33-F530-66FD-2357-CE6B2D270016}"/>
-              </a:ext>
-            </a:extLst>
-          </p:cNvPr>
-          <p:cNvSpPr>
-            <a:spLocks noGrp="1"/>
-          </p:cNvSpPr>
-          <p:nvPr>
-            <p:ph idx="1"/>
-          </p:nvPr>
-        </p:nvSpPr>
-        <p:spPr/>
-        <p:txBody>
-          <a:bodyPr/>
-          <a:lstStyle/>
-          <a:p>
-            <a:endParaRPr lang="en-US"/>
-          </a:p>
-        </p:txBody>
-      </p:sp>
-    </p:spTree>
-    <p:extLst>
-      <p:ext uri="{BB962C8B-B14F-4D97-AF65-F5344CB8AC3E}">
-        <p14:creationId xmlns:p14="http://schemas.microsoft.com/office/powerpoint/2010/main" val="3642021682"/>
-      </p:ext>
-    </p:extLst>
-  </p:cSld>
-  <p:clrMapOvr>
-    <a:masterClrMapping/>
-  </p:clrMapOvr>
-</p:sld>
-</file>
-
-<file path=ppt/slides/slide21.xml><?xml version="1.0" encoding="utf-8"?>
-<p:sld xmlns:a="http://schemas.openxmlformats.org/drawingml/2006/main" xmlns:r="http://schemas.openxmlformats.org/officeDocument/2006/relationships" xmlns:p="http://schemas.openxmlformats.org/presentationml/2006/main">
-  <p:cSld>
-    <p:spTree>
-      <p:nvGrpSpPr>
-        <p:cNvPr id="1" name=""/>
-        <p:cNvGrpSpPr/>
-        <p:nvPr/>
-      </p:nvGrpSpPr>
-      <p:grpSpPr>
-        <a:xfrm>
-          <a:off x="0" y="0"/>
-          <a:ext cx="0" cy="0"/>
-          <a:chOff x="0" y="0"/>
-          <a:chExt cx="0" cy="0"/>
-        </a:xfrm>
-      </p:grpSpPr>
-      <p:sp>
-        <p:nvSpPr>
-          <p:cNvPr id="2" name="Title 1">
-            <a:extLst>
-              <a:ext uri="{FF2B5EF4-FFF2-40B4-BE49-F238E27FC236}">
-                <a16:creationId xmlns:a16="http://schemas.microsoft.com/office/drawing/2014/main" id="{62AA4219-CF0C-6153-F79B-7EA5C4D08B63}"/>
-              </a:ext>
-            </a:extLst>
-          </p:cNvPr>
-          <p:cNvSpPr>
-            <a:spLocks noGrp="1"/>
-          </p:cNvSpPr>
-          <p:nvPr>
-            <p:ph type="title"/>
-          </p:nvPr>
-        </p:nvSpPr>
-        <p:spPr/>
-        <p:txBody>
-          <a:bodyPr/>
-          <a:lstStyle/>
-          <a:p>
-            <a:endParaRPr lang="en-US"/>
-          </a:p>
-        </p:txBody>
-      </p:sp>
-      <p:sp>
-        <p:nvSpPr>
-          <p:cNvPr id="3" name="Content Placeholder 2">
-            <a:extLst>
-              <a:ext uri="{FF2B5EF4-FFF2-40B4-BE49-F238E27FC236}">
-                <a16:creationId xmlns:a16="http://schemas.microsoft.com/office/drawing/2014/main" id="{68EE7CB0-D178-E91F-26C8-94CEA7197DEC}"/>
-              </a:ext>
-            </a:extLst>
-          </p:cNvPr>
-          <p:cNvSpPr>
-            <a:spLocks noGrp="1"/>
-          </p:cNvSpPr>
-          <p:nvPr>
-            <p:ph idx="1"/>
-          </p:nvPr>
-        </p:nvSpPr>
-        <p:spPr/>
-        <p:txBody>
-          <a:bodyPr/>
-          <a:lstStyle/>
-          <a:p>
-            <a:endParaRPr lang="en-US"/>
-          </a:p>
-        </p:txBody>
-      </p:sp>
-    </p:spTree>
-    <p:extLst>
-      <p:ext uri="{BB962C8B-B14F-4D97-AF65-F5344CB8AC3E}">
-        <p14:creationId xmlns:p14="http://schemas.microsoft.com/office/powerpoint/2010/main" val="1144225072"/>
       </p:ext>
     </p:extLst>
   </p:cSld>
@@ -14938,7 +15109,7 @@
         </p:blipFill>
         <p:spPr>
           <a:xfrm>
-            <a:off x="515567" y="2483735"/>
+            <a:off x="574942" y="2483735"/>
             <a:ext cx="10693704" cy="286057"/>
           </a:xfrm>
           <a:prstGeom prst="rect">
@@ -19377,8 +19548,8 @@
         </p:nvSpPr>
         <p:spPr>
           <a:xfrm>
-            <a:off x="972765" y="466927"/>
-            <a:ext cx="9805481" cy="4862870"/>
+            <a:off x="972765" y="-233717"/>
+            <a:ext cx="9805481" cy="5339923"/>
           </a:xfrm>
           <a:prstGeom prst="rect">
             <a:avLst/>
@@ -19398,50 +19569,16 @@
               </a:rPr>
               <a:t>				</a:t>
             </a:r>
-            <a:r>
-              <a:rPr lang="th-TH" sz="3100" dirty="0">
-                <a:latin typeface="TH Sarabun New" panose="020B0500040200020003" pitchFamily="34" charset="-34"/>
-                <a:cs typeface="TH Sarabun New" panose="020B0500040200020003" pitchFamily="34" charset="-34"/>
-              </a:rPr>
-              <a:t>พิจารณา		 </a:t>
-            </a:r>
-            <a:r>
-              <a:rPr lang="en-US" sz="3100" dirty="0">
-                <a:latin typeface="TH Sarabun New" panose="020B0500040200020003" pitchFamily="34" charset="-34"/>
-                <a:cs typeface="TH Sarabun New" panose="020B0500040200020003" pitchFamily="34" charset="-34"/>
-              </a:rPr>
-              <a:t>:</a:t>
-            </a:r>
+            <a:endParaRPr lang="th-TH" sz="3100" dirty="0">
+              <a:latin typeface="TH Sarabun New" panose="020B0500040200020003" pitchFamily="34" charset="-34"/>
+              <a:cs typeface="TH Sarabun New" panose="020B0500040200020003" pitchFamily="34" charset="-34"/>
+            </a:endParaRPr>
           </a:p>
           <a:p>
-            <a:r>
-              <a:rPr lang="en-US" sz="3100" dirty="0">
-                <a:latin typeface="TH Sarabun New" panose="020B0500040200020003" pitchFamily="34" charset="-34"/>
-                <a:cs typeface="TH Sarabun New" panose="020B0500040200020003" pitchFamily="34" charset="-34"/>
-              </a:rPr>
-              <a:t>                     </a:t>
-            </a:r>
-            <a:r>
-              <a:rPr lang="th-TH" sz="3100" dirty="0">
-                <a:latin typeface="TH Sarabun New" panose="020B0500040200020003" pitchFamily="34" charset="-34"/>
-                <a:cs typeface="TH Sarabun New" panose="020B0500040200020003" pitchFamily="34" charset="-34"/>
-              </a:rPr>
-              <a:t>เนื่องจาก			 สมมติว่า </a:t>
-            </a:r>
-            <a:r>
-              <a:rPr lang="en-US" sz="3100" dirty="0">
-                <a:latin typeface="TH Sarabun New" panose="020B0500040200020003" pitchFamily="34" charset="-34"/>
-                <a:cs typeface="TH Sarabun New" panose="020B0500040200020003" pitchFamily="34" charset="-34"/>
-              </a:rPr>
-              <a:t>		</a:t>
-            </a:r>
-            <a:r>
-              <a:rPr lang="th-TH" sz="3100" dirty="0">
-                <a:latin typeface="TH Sarabun New" panose="020B0500040200020003" pitchFamily="34" charset="-34"/>
-                <a:cs typeface="TH Sarabun New" panose="020B0500040200020003" pitchFamily="34" charset="-34"/>
-              </a:rPr>
-              <a:t>   จาก		</a:t>
-            </a:r>
+            <a:endParaRPr lang="th-TH" sz="3100" dirty="0">
+              <a:latin typeface="TH Sarabun New" panose="020B0500040200020003" pitchFamily="34" charset="-34"/>
+              <a:cs typeface="TH Sarabun New" panose="020B0500040200020003" pitchFamily="34" charset="-34"/>
+            </a:endParaRPr>
           </a:p>
           <a:p>
             <a:r>
@@ -19449,7 +19586,58 @@
                 <a:latin typeface="TH Sarabun New" panose="020B0500040200020003" pitchFamily="34" charset="-34"/>
                 <a:cs typeface="TH Sarabun New" panose="020B0500040200020003" pitchFamily="34" charset="-34"/>
               </a:rPr>
-              <a:t>				จะได้ว่า      </a:t>
+              <a:t>				พิจารณา		 </a:t>
+            </a:r>
+            <a:r>
+              <a:rPr lang="en-US" sz="3100" dirty="0">
+                <a:latin typeface="TH Sarabun New" panose="020B0500040200020003" pitchFamily="34" charset="-34"/>
+                <a:cs typeface="TH Sarabun New" panose="020B0500040200020003" pitchFamily="34" charset="-34"/>
+              </a:rPr>
+              <a:t>:</a:t>
+            </a:r>
+          </a:p>
+          <a:p>
+            <a:r>
+              <a:rPr lang="en-US" sz="3100" dirty="0">
+                <a:latin typeface="TH Sarabun New" panose="020B0500040200020003" pitchFamily="34" charset="-34"/>
+                <a:cs typeface="TH Sarabun New" panose="020B0500040200020003" pitchFamily="34" charset="-34"/>
+              </a:rPr>
+              <a:t>				</a:t>
+            </a:r>
+            <a:r>
+              <a:rPr lang="th-TH" sz="3100" dirty="0">
+                <a:latin typeface="TH Sarabun New" panose="020B0500040200020003" pitchFamily="34" charset="-34"/>
+                <a:cs typeface="TH Sarabun New" panose="020B0500040200020003" pitchFamily="34" charset="-34"/>
+              </a:rPr>
+              <a:t>เนื่องจาก</a:t>
+            </a:r>
+            <a:r>
+              <a:rPr lang="en-US" sz="3100" dirty="0">
+                <a:latin typeface="TH Sarabun New" panose="020B0500040200020003" pitchFamily="34" charset="-34"/>
+                <a:cs typeface="TH Sarabun New" panose="020B0500040200020003" pitchFamily="34" charset="-34"/>
+              </a:rPr>
+              <a:t> 		 </a:t>
+            </a:r>
+            <a:r>
+              <a:rPr lang="th-TH" sz="3100" dirty="0">
+                <a:latin typeface="TH Sarabun New" panose="020B0500040200020003" pitchFamily="34" charset="-34"/>
+                <a:cs typeface="TH Sarabun New" panose="020B0500040200020003" pitchFamily="34" charset="-34"/>
+              </a:rPr>
+              <a:t> ซึ่ง </a:t>
+            </a:r>
+            <a:r>
+              <a:rPr lang="en-US" sz="3100" dirty="0">
+                <a:latin typeface="TH Sarabun New" panose="020B0500040200020003" pitchFamily="34" charset="-34"/>
+                <a:cs typeface="TH Sarabun New" panose="020B0500040200020003" pitchFamily="34" charset="-34"/>
+              </a:rPr>
+              <a:t> </a:t>
+            </a:r>
+            <a:r>
+              <a:rPr lang="th-TH" sz="3100" dirty="0">
+                <a:latin typeface="TH Sarabun New" panose="020B0500040200020003" pitchFamily="34" charset="-34"/>
+                <a:cs typeface="TH Sarabun New" panose="020B0500040200020003" pitchFamily="34" charset="-34"/>
+              </a:rPr>
+              <a:t>                 ดังนั้น </a:t>
             </a:r>
             <a:endParaRPr lang="en-US" sz="3100" dirty="0">
               <a:latin typeface="TH Sarabun New" panose="020B0500040200020003" pitchFamily="34" charset="-34"/>
@@ -19469,36 +19657,115 @@
                 <a:latin typeface="TH Sarabun New" panose="020B0500040200020003" pitchFamily="34" charset="-34"/>
                 <a:cs typeface="TH Sarabun New" panose="020B0500040200020003" pitchFamily="34" charset="-34"/>
               </a:rPr>
-              <a:t>ดังนั้น			 จะได้ </a:t>
+              <a:t>พิจารณา	</a:t>
             </a:r>
             <a:r>
               <a:rPr lang="en-US" sz="3100" dirty="0">
                 <a:latin typeface="TH Sarabun New" panose="020B0500040200020003" pitchFamily="34" charset="-34"/>
                 <a:cs typeface="TH Sarabun New" panose="020B0500040200020003" pitchFamily="34" charset="-34"/>
               </a:rPr>
-              <a:t>                      </a:t>
+              <a:t>           </a:t>
             </a:r>
             <a:r>
               <a:rPr lang="th-TH" sz="3100" dirty="0">
                 <a:latin typeface="TH Sarabun New" panose="020B0500040200020003" pitchFamily="34" charset="-34"/>
                 <a:cs typeface="TH Sarabun New" panose="020B0500040200020003" pitchFamily="34" charset="-34"/>
               </a:rPr>
-              <a:t> </a:t>
+              <a:t>จะได้ว่า</a:t>
+            </a:r>
+            <a:r>
+              <a:rPr lang="en-US" sz="3100" dirty="0">
+                <a:latin typeface="TH Sarabun New" panose="020B0500040200020003" pitchFamily="34" charset="-34"/>
+                <a:cs typeface="TH Sarabun New" panose="020B0500040200020003" pitchFamily="34" charset="-34"/>
+              </a:rPr>
+              <a:t>  				</a:t>
+            </a:r>
+          </a:p>
+          <a:p>
+            <a:r>
+              <a:rPr lang="en-US" sz="3100" dirty="0">
+                <a:latin typeface="TH Sarabun New" panose="020B0500040200020003" pitchFamily="34" charset="-34"/>
+                <a:cs typeface="TH Sarabun New" panose="020B0500040200020003" pitchFamily="34" charset="-34"/>
+              </a:rPr>
+              <a:t>							   </a:t>
             </a:r>
             <a:r>
               <a:rPr lang="th-TH" sz="3100" dirty="0">
-                <a:solidFill>
-                  <a:srgbClr val="FF0000"/>
-                </a:solidFill>
-                <a:latin typeface="TH Sarabun New" panose="020B0500040200020003" pitchFamily="34" charset="-34"/>
-                <a:cs typeface="TH Sarabun New" panose="020B0500040200020003" pitchFamily="34" charset="-34"/>
-              </a:rPr>
-              <a:t>ซึ่งเป็นไปไม่ได้ เนื่องจาก</a:t>
+                <a:latin typeface="TH Sarabun New" panose="020B0500040200020003" pitchFamily="34" charset="-34"/>
+                <a:cs typeface="TH Sarabun New" panose="020B0500040200020003" pitchFamily="34" charset="-34"/>
+              </a:rPr>
+              <a:t>		</a:t>
+            </a:r>
+            <a:r>
+              <a:rPr lang="en-US" sz="3100" dirty="0">
+                <a:latin typeface="TH Sarabun New" panose="020B0500040200020003" pitchFamily="34" charset="-34"/>
+                <a:cs typeface="TH Sarabun New" panose="020B0500040200020003" pitchFamily="34" charset="-34"/>
+              </a:rPr>
+              <a:t>  </a:t>
+            </a:r>
+          </a:p>
+          <a:p>
+            <a:r>
+              <a:rPr lang="en-US" sz="3100" dirty="0">
+                <a:latin typeface="TH Sarabun New" panose="020B0500040200020003" pitchFamily="34" charset="-34"/>
+                <a:cs typeface="TH Sarabun New" panose="020B0500040200020003" pitchFamily="34" charset="-34"/>
+              </a:rPr>
+              <a:t>							  </a:t>
+            </a:r>
+            <a:r>
+              <a:rPr lang="th-TH" sz="3100" dirty="0">
+                <a:latin typeface="TH Sarabun New" panose="020B0500040200020003" pitchFamily="34" charset="-34"/>
+                <a:cs typeface="TH Sarabun New" panose="020B0500040200020003" pitchFamily="34" charset="-34"/>
+              </a:rPr>
+              <a:t>		</a:t>
+            </a:r>
+            <a:r>
+              <a:rPr lang="en-US" sz="3100" dirty="0">
+                <a:latin typeface="TH Sarabun New" panose="020B0500040200020003" pitchFamily="34" charset="-34"/>
+                <a:cs typeface="TH Sarabun New" panose="020B0500040200020003" pitchFamily="34" charset="-34"/>
+              </a:rPr>
+              <a:t>    </a:t>
+            </a:r>
+          </a:p>
+          <a:p>
+            <a:r>
+              <a:rPr lang="en-US" sz="3100" dirty="0">
+                <a:latin typeface="TH Sarabun New" panose="020B0500040200020003" pitchFamily="34" charset="-34"/>
+                <a:cs typeface="TH Sarabun New" panose="020B0500040200020003" pitchFamily="34" charset="-34"/>
+              </a:rPr>
+              <a:t>			</a:t>
+            </a:r>
+            <a:r>
+              <a:rPr lang="th-TH" sz="3100" dirty="0">
+                <a:latin typeface="TH Sarabun New" panose="020B0500040200020003" pitchFamily="34" charset="-34"/>
+                <a:cs typeface="TH Sarabun New" panose="020B0500040200020003" pitchFamily="34" charset="-34"/>
+              </a:rPr>
+              <a:t>     </a:t>
+            </a:r>
+          </a:p>
+          <a:p>
+            <a:r>
+              <a:rPr lang="th-TH" sz="3100" dirty="0">
+                <a:latin typeface="TH Sarabun New" panose="020B0500040200020003" pitchFamily="34" charset="-34"/>
+                <a:cs typeface="TH Sarabun New" panose="020B0500040200020003" pitchFamily="34" charset="-34"/>
+              </a:rPr>
+              <a:t>			     เนื่องจาก </a:t>
+            </a:r>
+            <a:r>
+              <a:rPr lang="en-US" sz="3100" dirty="0">
+                <a:latin typeface="TH Sarabun New" panose="020B0500040200020003" pitchFamily="34" charset="-34"/>
+                <a:cs typeface="TH Sarabun New" panose="020B0500040200020003" pitchFamily="34" charset="-34"/>
+              </a:rPr>
+              <a:t>		     </a:t>
+            </a:r>
+            <a:r>
+              <a:rPr lang="th-TH" sz="3100" dirty="0">
+                <a:latin typeface="TH Sarabun New" panose="020B0500040200020003" pitchFamily="34" charset="-34"/>
+                <a:cs typeface="TH Sarabun New" panose="020B0500040200020003" pitchFamily="34" charset="-34"/>
+              </a:rPr>
+              <a:t>         จะได้ว่า </a:t>
             </a:r>
             <a:endParaRPr lang="en-US" sz="3100" dirty="0">
-              <a:solidFill>
-                <a:srgbClr val="FF0000"/>
-              </a:solidFill>
               <a:latin typeface="TH Sarabun New" panose="020B0500040200020003" pitchFamily="34" charset="-34"/>
               <a:cs typeface="TH Sarabun New" panose="020B0500040200020003" pitchFamily="34" charset="-34"/>
             </a:endParaRPr>
@@ -19509,83 +19776,16 @@
                 <a:latin typeface="TH Sarabun New" panose="020B0500040200020003" pitchFamily="34" charset="-34"/>
                 <a:cs typeface="TH Sarabun New" panose="020B0500040200020003" pitchFamily="34" charset="-34"/>
               </a:rPr>
-              <a:t>				</a:t>
+              <a:t>			</a:t>
             </a:r>
             <a:r>
               <a:rPr lang="th-TH" sz="3100" dirty="0">
                 <a:latin typeface="TH Sarabun New" panose="020B0500040200020003" pitchFamily="34" charset="-34"/>
                 <a:cs typeface="TH Sarabun New" panose="020B0500040200020003" pitchFamily="34" charset="-34"/>
               </a:rPr>
-              <a:t>พิจารณา	</a:t>
-            </a:r>
-            <a:r>
-              <a:rPr lang="en-US" sz="3100" dirty="0">
-                <a:latin typeface="TH Sarabun New" panose="020B0500040200020003" pitchFamily="34" charset="-34"/>
-                <a:cs typeface="TH Sarabun New" panose="020B0500040200020003" pitchFamily="34" charset="-34"/>
-              </a:rPr>
-              <a:t>           =&gt;  				</a:t>
-            </a:r>
-          </a:p>
-          <a:p>
-            <a:r>
-              <a:rPr lang="en-US" sz="3100" dirty="0">
-                <a:latin typeface="TH Sarabun New" panose="020B0500040200020003" pitchFamily="34" charset="-34"/>
-                <a:cs typeface="TH Sarabun New" panose="020B0500040200020003" pitchFamily="34" charset="-34"/>
-              </a:rPr>
-              <a:t>							     =&gt; </a:t>
-            </a:r>
-          </a:p>
-          <a:p>
-            <a:r>
-              <a:rPr lang="en-US" sz="3100" dirty="0">
-                <a:latin typeface="TH Sarabun New" panose="020B0500040200020003" pitchFamily="34" charset="-34"/>
-                <a:cs typeface="TH Sarabun New" panose="020B0500040200020003" pitchFamily="34" charset="-34"/>
-              </a:rPr>
-              <a:t>							     =&gt; </a:t>
-            </a:r>
-          </a:p>
-          <a:p>
-            <a:r>
-              <a:rPr lang="en-US" sz="3100" dirty="0">
-                <a:latin typeface="TH Sarabun New" panose="020B0500040200020003" pitchFamily="34" charset="-34"/>
-                <a:cs typeface="TH Sarabun New" panose="020B0500040200020003" pitchFamily="34" charset="-34"/>
-              </a:rPr>
-              <a:t>							     =&gt; </a:t>
-            </a:r>
-          </a:p>
-          <a:p>
-            <a:r>
-              <a:rPr lang="en-US" sz="3100" dirty="0">
-                <a:latin typeface="TH Sarabun New" panose="020B0500040200020003" pitchFamily="34" charset="-34"/>
-                <a:cs typeface="TH Sarabun New" panose="020B0500040200020003" pitchFamily="34" charset="-34"/>
-              </a:rPr>
-              <a:t>				</a:t>
-            </a:r>
-            <a:r>
-              <a:rPr lang="th-TH" sz="3100" dirty="0">
-                <a:latin typeface="TH Sarabun New" panose="020B0500040200020003" pitchFamily="34" charset="-34"/>
-                <a:cs typeface="TH Sarabun New" panose="020B0500040200020003" pitchFamily="34" charset="-34"/>
-              </a:rPr>
-              <a:t>ดังนั้น </a:t>
-            </a:r>
-            <a:r>
-              <a:rPr lang="en-US" sz="3100" dirty="0">
-                <a:latin typeface="TH Sarabun New" panose="020B0500040200020003" pitchFamily="34" charset="-34"/>
-                <a:cs typeface="TH Sarabun New" panose="020B0500040200020003" pitchFamily="34" charset="-34"/>
-              </a:rPr>
-              <a:t> </a:t>
-            </a:r>
-            <a:r>
-              <a:rPr lang="th-TH" sz="3100" dirty="0">
-                <a:latin typeface="TH Sarabun New" panose="020B0500040200020003" pitchFamily="34" charset="-34"/>
-                <a:cs typeface="TH Sarabun New" panose="020B0500040200020003" pitchFamily="34" charset="-34"/>
-              </a:rPr>
-              <a:t>  </a:t>
-            </a:r>
-            <a:endParaRPr lang="th-TH" sz="3100" dirty="0">
-              <a:highlight>
-                <a:srgbClr val="FFFF00"/>
-              </a:highlight>
+              <a:t>     </a:t>
+            </a:r>
+            <a:endParaRPr lang="en-US" sz="3100" dirty="0">
               <a:latin typeface="TH Sarabun New" panose="020B0500040200020003" pitchFamily="34" charset="-34"/>
               <a:cs typeface="TH Sarabun New" panose="020B0500040200020003" pitchFamily="34" charset="-34"/>
             </a:endParaRPr>
@@ -19610,10 +19810,10 @@
       </p:sp>
       <p:pic>
         <p:nvPicPr>
-          <p:cNvPr id="10" name="Picture 9" descr="\documentclass{article}&#10;\usepackage{amsmath}&#10;\pagestyle{empty}&#10;\usepackage{xcolor}&#10;\usepackage{empheq}&#10;\begin{document}&#10;${\color{red}\left ( 5 \right )}$&#10;\end{document}" title="IguanaTex Bitmap Display">
+          <p:cNvPr id="18" name="Picture 17" descr="&#10;&#10;\documentclass{article}&#10;\usepackage{amsmath}&#10;\usepackage{amsfonts}&#10;\usepackage{amssymb}&#10;\pagestyle{empty}&#10;\usepackage{xcolor}&#10;\usepackage{empheq}&#10;\begin{document}&#10;$y\geq 1 $&#10;\end{document}" title="IguanaTex Bitmap Display">
             <a:extLst>
               <a:ext uri="{FF2B5EF4-FFF2-40B4-BE49-F238E27FC236}">
-                <a16:creationId xmlns:a16="http://schemas.microsoft.com/office/drawing/2014/main" id="{F2EAA515-CBE7-1AF3-DB3D-282139931F7B}"/>
+                <a16:creationId xmlns:a16="http://schemas.microsoft.com/office/drawing/2014/main" id="{328D1C51-AC24-B9A1-561D-EF15467C75E3}"/>
               </a:ext>
             </a:extLst>
           </p:cNvPr>
@@ -19627,7 +19827,7 @@
           </p:nvPr>
         </p:nvPicPr>
         <p:blipFill>
-          <a:blip r:embed="rId17">
+          <a:blip r:embed="rId15">
             <a:extLst>
               <a:ext uri="{28A0092B-C50C-407E-A947-70E740481C1C}">
                 <a14:useLocalDpi xmlns:a14="http://schemas.microsoft.com/office/drawing/2010/main" val="0"/>
@@ -19640,327 +19840,7 @@
         </p:blipFill>
         <p:spPr>
           <a:xfrm>
-            <a:off x="3855900" y="552509"/>
-            <a:ext cx="365401" cy="339011"/>
-          </a:xfrm>
-          <a:prstGeom prst="rect">
-            <a:avLst/>
-          </a:prstGeom>
-        </p:spPr>
-      </p:pic>
-      <p:pic>
-        <p:nvPicPr>
-          <p:cNvPr id="11" name="Picture 10" descr="\documentclass{article}&#10;\usepackage{amsmath}&#10;\pagestyle{empty}&#10;\usepackage{xcolor}&#10;\usepackage{empheq}&#10;\begin{document}&#10;$ 1  =2^{x-2}-p^{k} $&#10;\end{document}" title="IguanaTex Bitmap Display">
-            <a:extLst>
-              <a:ext uri="{FF2B5EF4-FFF2-40B4-BE49-F238E27FC236}">
-                <a16:creationId xmlns:a16="http://schemas.microsoft.com/office/drawing/2014/main" id="{3406FF69-E5B3-CB8C-5D53-2C9AED96CCD6}"/>
-              </a:ext>
-            </a:extLst>
-          </p:cNvPr>
-          <p:cNvPicPr>
-            <a:picLocks noChangeAspect="1"/>
-          </p:cNvPicPr>
-          <p:nvPr>
-            <p:custDataLst>
-              <p:tags r:id="rId2"/>
-            </p:custDataLst>
-          </p:nvPr>
-        </p:nvPicPr>
-        <p:blipFill>
-          <a:blip r:embed="rId18">
-            <a:extLst>
-              <a:ext uri="{28A0092B-C50C-407E-A947-70E740481C1C}">
-                <a14:useLocalDpi xmlns:a14="http://schemas.microsoft.com/office/drawing/2010/main" val="0"/>
-              </a:ext>
-            </a:extLst>
-          </a:blip>
-          <a:stretch>
-            <a:fillRect/>
-          </a:stretch>
-        </p:blipFill>
-        <p:spPr>
-          <a:xfrm>
-            <a:off x="4650310" y="562134"/>
-            <a:ext cx="1839042" cy="324647"/>
-          </a:xfrm>
-          <a:prstGeom prst="rect">
-            <a:avLst/>
-          </a:prstGeom>
-        </p:spPr>
-      </p:pic>
-      <p:pic>
-        <p:nvPicPr>
-          <p:cNvPr id="12" name="Picture 11" descr="\documentclass{article}&#10;\usepackage{amsmath}&#10;\pagestyle{empty}&#10;\usepackage{xcolor}&#10;\usepackage{empheq}&#10;\begin{document}&#10;$x\neq 1$&#10;\end{document}" title="IguanaTex Bitmap Display">
-            <a:extLst>
-              <a:ext uri="{FF2B5EF4-FFF2-40B4-BE49-F238E27FC236}">
-                <a16:creationId xmlns:a16="http://schemas.microsoft.com/office/drawing/2014/main" id="{19B1606C-C2D3-A87A-4C87-28F561D3406D}"/>
-              </a:ext>
-            </a:extLst>
-          </p:cNvPr>
-          <p:cNvPicPr>
-            <a:picLocks noChangeAspect="1"/>
-          </p:cNvPicPr>
-          <p:nvPr>
-            <p:custDataLst>
-              <p:tags r:id="rId3"/>
-            </p:custDataLst>
-          </p:nvPr>
-        </p:nvPicPr>
-        <p:blipFill>
-          <a:blip r:embed="rId19">
-            <a:extLst>
-              <a:ext uri="{28A0092B-C50C-407E-A947-70E740481C1C}">
-                <a14:useLocalDpi xmlns:a14="http://schemas.microsoft.com/office/drawing/2010/main" val="0"/>
-              </a:ext>
-            </a:extLst>
-          </a:blip>
-          <a:stretch>
-            <a:fillRect/>
-          </a:stretch>
-        </p:blipFill>
-        <p:spPr>
-          <a:xfrm>
-            <a:off x="3884775" y="1059266"/>
-            <a:ext cx="765784" cy="310724"/>
-          </a:xfrm>
-          <a:prstGeom prst="rect">
-            <a:avLst/>
-          </a:prstGeom>
-        </p:spPr>
-      </p:pic>
-      <p:pic>
-        <p:nvPicPr>
-          <p:cNvPr id="13" name="Picture 12" descr="\documentclass{article}&#10;\usepackage{amsmath}&#10;\pagestyle{empty}&#10;\usepackage{xcolor}&#10;\usepackage{empheq}&#10;\begin{document}&#10;$x=3$&#10;\end{document}" title="IguanaTex Bitmap Display">
-            <a:extLst>
-              <a:ext uri="{FF2B5EF4-FFF2-40B4-BE49-F238E27FC236}">
-                <a16:creationId xmlns:a16="http://schemas.microsoft.com/office/drawing/2014/main" id="{C9374E29-1746-20AD-70B8-F9F3DFC1B909}"/>
-              </a:ext>
-            </a:extLst>
-          </p:cNvPr>
-          <p:cNvPicPr>
-            <a:picLocks noChangeAspect="1"/>
-          </p:cNvPicPr>
-          <p:nvPr>
-            <p:custDataLst>
-              <p:tags r:id="rId4"/>
-            </p:custDataLst>
-          </p:nvPr>
-        </p:nvPicPr>
-        <p:blipFill>
-          <a:blip r:embed="rId20">
-            <a:extLst>
-              <a:ext uri="{28A0092B-C50C-407E-A947-70E740481C1C}">
-                <a14:useLocalDpi xmlns:a14="http://schemas.microsoft.com/office/drawing/2010/main" val="0"/>
-              </a:ext>
-            </a:extLst>
-          </a:blip>
-          <a:stretch>
-            <a:fillRect/>
-          </a:stretch>
-        </p:blipFill>
-        <p:spPr>
-          <a:xfrm>
-            <a:off x="5846885" y="1059267"/>
-            <a:ext cx="777812" cy="228533"/>
-          </a:xfrm>
-          <a:prstGeom prst="rect">
-            <a:avLst/>
-          </a:prstGeom>
-        </p:spPr>
-      </p:pic>
-      <p:pic>
-        <p:nvPicPr>
-          <p:cNvPr id="14" name="Picture 13" descr="\documentclass{article}&#10;\usepackage{amsmath}&#10;\pagestyle{empty}&#10;\usepackage{xcolor}&#10;\usepackage{empheq}&#10;\begin{document}&#10;${\color{red}\left ( 5 \right )}$&#10;\end{document}" title="IguanaTex Bitmap Display">
-            <a:extLst>
-              <a:ext uri="{FF2B5EF4-FFF2-40B4-BE49-F238E27FC236}">
-                <a16:creationId xmlns:a16="http://schemas.microsoft.com/office/drawing/2014/main" id="{DA07BC4D-B358-579E-30CB-5229CA435B22}"/>
-              </a:ext>
-            </a:extLst>
-          </p:cNvPr>
-          <p:cNvPicPr>
-            <a:picLocks noChangeAspect="1"/>
-          </p:cNvPicPr>
-          <p:nvPr>
-            <p:custDataLst>
-              <p:tags r:id="rId5"/>
-            </p:custDataLst>
-          </p:nvPr>
-        </p:nvPicPr>
-        <p:blipFill>
-          <a:blip r:embed="rId17">
-            <a:extLst>
-              <a:ext uri="{28A0092B-C50C-407E-A947-70E740481C1C}">
-                <a14:useLocalDpi xmlns:a14="http://schemas.microsoft.com/office/drawing/2010/main" val="0"/>
-              </a:ext>
-            </a:extLst>
-          </a:blip>
-          <a:stretch>
-            <a:fillRect/>
-          </a:stretch>
-        </p:blipFill>
-        <p:spPr>
-          <a:xfrm>
-            <a:off x="7336590" y="1021354"/>
-            <a:ext cx="365401" cy="339011"/>
-          </a:xfrm>
-          <a:prstGeom prst="rect">
-            <a:avLst/>
-          </a:prstGeom>
-        </p:spPr>
-      </p:pic>
-      <p:pic>
-        <p:nvPicPr>
-          <p:cNvPr id="15" name="Picture 14" descr="\documentclass{article}&#10;\usepackage{amsmath}&#10;\pagestyle{empty}&#10;\usepackage{xcolor}&#10;\usepackage{empheq}&#10;\begin{document}&#10;$k=0$&#10;\end{document}" title="IguanaTex Bitmap Display">
-            <a:extLst>
-              <a:ext uri="{FF2B5EF4-FFF2-40B4-BE49-F238E27FC236}">
-                <a16:creationId xmlns:a16="http://schemas.microsoft.com/office/drawing/2014/main" id="{8A0FF5C7-B335-F7E7-DC31-F86758813717}"/>
-              </a:ext>
-            </a:extLst>
-          </p:cNvPr>
-          <p:cNvPicPr>
-            <a:picLocks noChangeAspect="1"/>
-          </p:cNvPicPr>
-          <p:nvPr>
-            <p:custDataLst>
-              <p:tags r:id="rId6"/>
-            </p:custDataLst>
-          </p:nvPr>
-        </p:nvPicPr>
-        <p:blipFill>
-          <a:blip r:embed="rId21">
-            <a:extLst>
-              <a:ext uri="{28A0092B-C50C-407E-A947-70E740481C1C}">
-                <a14:useLocalDpi xmlns:a14="http://schemas.microsoft.com/office/drawing/2010/main" val="0"/>
-              </a:ext>
-            </a:extLst>
-          </a:blip>
-          <a:stretch>
-            <a:fillRect/>
-          </a:stretch>
-        </p:blipFill>
-        <p:spPr>
-          <a:xfrm>
-            <a:off x="3827205" y="2025431"/>
-            <a:ext cx="763779" cy="238556"/>
-          </a:xfrm>
-          <a:prstGeom prst="rect">
-            <a:avLst/>
-          </a:prstGeom>
-        </p:spPr>
-      </p:pic>
-      <p:pic>
-        <p:nvPicPr>
-          <p:cNvPr id="16" name="Picture 15" descr="\documentclass{article}&#10;\usepackage{amsmath}&#10;\pagestyle{empty}&#10;\usepackage{xcolor}&#10;\usepackage{empheq}&#10;\begin{document}&#10;$   p^{k}  =2^{3-2}-1=1 $&#10;\end{document}" title="IguanaTex Bitmap Display">
-            <a:extLst>
-              <a:ext uri="{FF2B5EF4-FFF2-40B4-BE49-F238E27FC236}">
-                <a16:creationId xmlns:a16="http://schemas.microsoft.com/office/drawing/2014/main" id="{9C2B5509-97F9-2CDC-DAC5-FDC862B4E877}"/>
-              </a:ext>
-            </a:extLst>
-          </p:cNvPr>
-          <p:cNvPicPr>
-            <a:picLocks noChangeAspect="1"/>
-          </p:cNvPicPr>
-          <p:nvPr>
-            <p:custDataLst>
-              <p:tags r:id="rId7"/>
-            </p:custDataLst>
-          </p:nvPr>
-        </p:nvPicPr>
-        <p:blipFill>
-          <a:blip r:embed="rId22">
-            <a:extLst>
-              <a:ext uri="{28A0092B-C50C-407E-A947-70E740481C1C}">
-                <a14:useLocalDpi xmlns:a14="http://schemas.microsoft.com/office/drawing/2010/main" val="0"/>
-              </a:ext>
-            </a:extLst>
-          </a:blip>
-          <a:stretch>
-            <a:fillRect/>
-          </a:stretch>
-        </p:blipFill>
-        <p:spPr>
-          <a:xfrm>
-            <a:off x="3820756" y="1476776"/>
-            <a:ext cx="2433915" cy="324647"/>
-          </a:xfrm>
-          <a:prstGeom prst="rect">
-            <a:avLst/>
-          </a:prstGeom>
-        </p:spPr>
-      </p:pic>
-      <p:pic>
-        <p:nvPicPr>
-          <p:cNvPr id="17" name="Picture 16" descr="\documentclass{article}&#10;\usepackage{amsmath}&#10;\pagestyle{empty}&#10;\usepackage{xcolor}&#10;\usepackage{empheq}&#10;\begin{document}&#10;$y=2\left(0\right)=0$&#10;\end{document}" title="IguanaTex Bitmap Display">
-            <a:extLst>
-              <a:ext uri="{FF2B5EF4-FFF2-40B4-BE49-F238E27FC236}">
-                <a16:creationId xmlns:a16="http://schemas.microsoft.com/office/drawing/2014/main" id="{B5E52F30-0E55-CB39-FE3E-D18108193E96}"/>
-              </a:ext>
-            </a:extLst>
-          </p:cNvPr>
-          <p:cNvPicPr>
-            <a:picLocks noChangeAspect="1"/>
-          </p:cNvPicPr>
-          <p:nvPr>
-            <p:custDataLst>
-              <p:tags r:id="rId8"/>
-            </p:custDataLst>
-          </p:nvPr>
-        </p:nvPicPr>
-        <p:blipFill>
-          <a:blip r:embed="rId23">
-            <a:extLst>
-              <a:ext uri="{28A0092B-C50C-407E-A947-70E740481C1C}">
-                <a14:useLocalDpi xmlns:a14="http://schemas.microsoft.com/office/drawing/2010/main" val="0"/>
-              </a:ext>
-            </a:extLst>
-          </a:blip>
-          <a:stretch>
-            <a:fillRect/>
-          </a:stretch>
-        </p:blipFill>
-        <p:spPr>
-          <a:xfrm>
-            <a:off x="5419094" y="1986675"/>
-            <a:ext cx="1856324" cy="334780"/>
-          </a:xfrm>
-          <a:prstGeom prst="rect">
-            <a:avLst/>
-          </a:prstGeom>
-        </p:spPr>
-      </p:pic>
-      <p:pic>
-        <p:nvPicPr>
-          <p:cNvPr id="18" name="Picture 17" descr="&#10;&#10;\documentclass{article}&#10;\usepackage{amsmath}&#10;\usepackage{amsfonts}&#10;\usepackage{amssymb}&#10;\pagestyle{empty}&#10;\usepackage{xcolor}&#10;\usepackage{empheq}&#10;\begin{document}&#10;$y\geq 1 $&#10;\end{document}" title="IguanaTex Bitmap Display">
-            <a:extLst>
-              <a:ext uri="{FF2B5EF4-FFF2-40B4-BE49-F238E27FC236}">
-                <a16:creationId xmlns:a16="http://schemas.microsoft.com/office/drawing/2014/main" id="{328D1C51-AC24-B9A1-561D-EF15467C75E3}"/>
-              </a:ext>
-            </a:extLst>
-          </p:cNvPr>
-          <p:cNvPicPr>
-            <a:picLocks noChangeAspect="1"/>
-          </p:cNvPicPr>
-          <p:nvPr>
-            <p:custDataLst>
-              <p:tags r:id="rId9"/>
-            </p:custDataLst>
-          </p:nvPr>
-        </p:nvPicPr>
-        <p:blipFill>
-          <a:blip r:embed="rId24">
-            <a:extLst>
-              <a:ext uri="{28A0092B-C50C-407E-A947-70E740481C1C}">
-                <a14:useLocalDpi xmlns:a14="http://schemas.microsoft.com/office/drawing/2010/main" val="0"/>
-              </a:ext>
-            </a:extLst>
-          </a:blip>
-          <a:stretch>
-            <a:fillRect/>
-          </a:stretch>
-        </p:blipFill>
-        <p:spPr>
-          <a:xfrm>
-            <a:off x="10067677" y="2008279"/>
+            <a:off x="4038600" y="1315449"/>
             <a:ext cx="710569" cy="272860"/>
           </a:xfrm>
           <a:prstGeom prst="rect">
@@ -19970,10 +19850,10 @@
       </p:pic>
       <p:pic>
         <p:nvPicPr>
-          <p:cNvPr id="19" name="Picture 18" descr="&#10;&#10;\documentclass{article}&#10;\usepackage{amsmath}&#10;\usepackage{amsfonts}&#10;\usepackage{amssymb}&#10;\pagestyle{empty}&#10;\usepackage{xcolor}&#10;\usepackage{empheq}&#10;\begin{document}&#10;$x&gt; 3$&#10;\end{document}" title="IguanaTex Bitmap Display">
+          <p:cNvPr id="22" name="Picture 21" descr="&#10;&#10;\documentclass{article}&#10;\usepackage{amsmath}&#10;\usepackage{amsfonts}&#10;\usepackage{amssymb}&#10;\pagestyle{empty}&#10;\usepackage{xcolor}&#10;\usepackage{empheq}&#10;\begin{document}&#10;$k&gt; 0$&#10;\end{document}" title="IguanaTex Bitmap Display">
             <a:extLst>
               <a:ext uri="{FF2B5EF4-FFF2-40B4-BE49-F238E27FC236}">
-                <a16:creationId xmlns:a16="http://schemas.microsoft.com/office/drawing/2014/main" id="{63ACA9C0-5839-F2B9-5FAF-B281FD712824}"/>
+                <a16:creationId xmlns:a16="http://schemas.microsoft.com/office/drawing/2014/main" id="{C47D15D4-B1BB-14FF-69B8-85F9B7D10D02}"/>
               </a:ext>
             </a:extLst>
           </p:cNvPr>
@@ -19982,12 +19862,12 @@
           </p:cNvPicPr>
           <p:nvPr>
             <p:custDataLst>
-              <p:tags r:id="rId10"/>
+              <p:tags r:id="rId2"/>
             </p:custDataLst>
           </p:nvPr>
         </p:nvPicPr>
         <p:blipFill>
-          <a:blip r:embed="rId25">
+          <a:blip r:embed="rId16">
             <a:extLst>
               <a:ext uri="{28A0092B-C50C-407E-A947-70E740481C1C}">
                 <a14:useLocalDpi xmlns:a14="http://schemas.microsoft.com/office/drawing/2010/main" val="0"/>
@@ -20000,47 +19880,7 @@
         </p:blipFill>
         <p:spPr>
           <a:xfrm>
-            <a:off x="3812439" y="4372315"/>
-            <a:ext cx="735202" cy="221699"/>
-          </a:xfrm>
-          <a:prstGeom prst="rect">
-            <a:avLst/>
-          </a:prstGeom>
-        </p:spPr>
-      </p:pic>
-      <p:pic>
-        <p:nvPicPr>
-          <p:cNvPr id="22" name="Picture 21" descr="&#10;&#10;\documentclass{article}&#10;\usepackage{amsmath}&#10;\usepackage{amsfonts}&#10;\usepackage{amssymb}&#10;\pagestyle{empty}&#10;\usepackage{xcolor}&#10;\usepackage{empheq}&#10;\begin{document}&#10;$k&gt; 0$&#10;\end{document}" title="IguanaTex Bitmap Display">
-            <a:extLst>
-              <a:ext uri="{FF2B5EF4-FFF2-40B4-BE49-F238E27FC236}">
-                <a16:creationId xmlns:a16="http://schemas.microsoft.com/office/drawing/2014/main" id="{C47D15D4-B1BB-14FF-69B8-85F9B7D10D02}"/>
-              </a:ext>
-            </a:extLst>
-          </p:cNvPr>
-          <p:cNvPicPr>
-            <a:picLocks noChangeAspect="1"/>
-          </p:cNvPicPr>
-          <p:nvPr>
-            <p:custDataLst>
-              <p:tags r:id="rId11"/>
-            </p:custDataLst>
-          </p:nvPr>
-        </p:nvPicPr>
-        <p:blipFill>
-          <a:blip r:embed="rId26">
-            <a:extLst>
-              <a:ext uri="{28A0092B-C50C-407E-A947-70E740481C1C}">
-                <a14:useLocalDpi xmlns:a14="http://schemas.microsoft.com/office/drawing/2010/main" val="0"/>
-              </a:ext>
-            </a:extLst>
-          </a:blip>
-          <a:stretch>
-            <a:fillRect/>
-          </a:stretch>
-        </p:blipFill>
-        <p:spPr>
-          <a:xfrm>
-            <a:off x="3900066" y="2494510"/>
+            <a:off x="3900066" y="1793866"/>
             <a:ext cx="721938" cy="231173"/>
           </a:xfrm>
           <a:prstGeom prst="rect">
@@ -20062,12 +19902,12 @@
           </p:cNvPicPr>
           <p:nvPr>
             <p:custDataLst>
-              <p:tags r:id="rId12"/>
+              <p:tags r:id="rId3"/>
             </p:custDataLst>
           </p:nvPr>
         </p:nvPicPr>
         <p:blipFill>
-          <a:blip r:embed="rId27">
+          <a:blip r:embed="rId17">
             <a:extLst>
               <a:ext uri="{28A0092B-C50C-407E-A947-70E740481C1C}">
                 <a14:useLocalDpi xmlns:a14="http://schemas.microsoft.com/office/drawing/2010/main" val="0"/>
@@ -20080,7 +19920,7 @@
         </p:blipFill>
         <p:spPr>
           <a:xfrm>
-            <a:off x="5294107" y="2446190"/>
+            <a:off x="6814140" y="1721796"/>
             <a:ext cx="1595464" cy="327811"/>
           </a:xfrm>
           <a:prstGeom prst="rect">
@@ -20102,12 +19942,12 @@
           </p:cNvPicPr>
           <p:nvPr>
             <p:custDataLst>
-              <p:tags r:id="rId13"/>
+              <p:tags r:id="rId4"/>
             </p:custDataLst>
           </p:nvPr>
         </p:nvPicPr>
         <p:blipFill>
-          <a:blip r:embed="rId28">
+          <a:blip r:embed="rId18">
             <a:extLst>
               <a:ext uri="{28A0092B-C50C-407E-A947-70E740481C1C}">
                 <a14:useLocalDpi xmlns:a14="http://schemas.microsoft.com/office/drawing/2010/main" val="0"/>
@@ -20120,7 +19960,7 @@
         </p:blipFill>
         <p:spPr>
           <a:xfrm>
-            <a:off x="5292727" y="2898736"/>
+            <a:off x="6290251" y="2198092"/>
             <a:ext cx="1959276" cy="327811"/>
           </a:xfrm>
           <a:prstGeom prst="rect">
@@ -20142,12 +19982,12 @@
           </p:cNvPicPr>
           <p:nvPr>
             <p:custDataLst>
-              <p:tags r:id="rId14"/>
+              <p:tags r:id="rId5"/>
             </p:custDataLst>
           </p:nvPr>
         </p:nvPicPr>
         <p:blipFill>
-          <a:blip r:embed="rId29">
+          <a:blip r:embed="rId19">
             <a:extLst>
               <a:ext uri="{28A0092B-C50C-407E-A947-70E740481C1C}">
                 <a14:useLocalDpi xmlns:a14="http://schemas.microsoft.com/office/drawing/2010/main" val="0"/>
@@ -20160,7 +20000,7 @@
         </p:blipFill>
         <p:spPr>
           <a:xfrm>
-            <a:off x="5256154" y="3418266"/>
+            <a:off x="6289303" y="2717622"/>
             <a:ext cx="1390821" cy="327811"/>
           </a:xfrm>
           <a:prstGeom prst="rect">
@@ -20182,12 +20022,12 @@
           </p:cNvPicPr>
           <p:nvPr>
             <p:custDataLst>
-              <p:tags r:id="rId15"/>
+              <p:tags r:id="rId6"/>
             </p:custDataLst>
           </p:nvPr>
         </p:nvPicPr>
         <p:blipFill>
-          <a:blip r:embed="rId30">
+          <a:blip r:embed="rId20">
             <a:extLst>
               <a:ext uri="{28A0092B-C50C-407E-A947-70E740481C1C}">
                 <a14:useLocalDpi xmlns:a14="http://schemas.microsoft.com/office/drawing/2010/main" val="0"/>
@@ -20200,7 +20040,7 @@
         </p:blipFill>
         <p:spPr>
           <a:xfrm>
-            <a:off x="5219747" y="3938298"/>
+            <a:off x="7075469" y="3617165"/>
             <a:ext cx="2370459" cy="327811"/>
           </a:xfrm>
           <a:prstGeom prst="rect">
@@ -20222,7 +20062,7 @@
         </p:nvSpPr>
         <p:spPr>
           <a:xfrm>
-            <a:off x="847023" y="562134"/>
+            <a:off x="841051" y="156924"/>
             <a:ext cx="1145406" cy="798231"/>
           </a:xfrm>
           <a:prstGeom prst="rect">
@@ -20259,7 +20099,7 @@
                   <a:srgbClr val="FFFF00"/>
                 </a:solidFill>
               </a:rPr>
-              <a:t>แก้ หน้า </a:t>
+              <a:t>แก้หน้า </a:t>
             </a:r>
             <a:r>
               <a:rPr lang="en-US" sz="2800" dirty="0">
@@ -20272,6 +20112,286 @@
           </a:p>
         </p:txBody>
       </p:sp>
+      <p:pic>
+        <p:nvPicPr>
+          <p:cNvPr id="2" name="Picture 1" descr="\documentclass{article}&#10;\usepackage{amsmath}&#10;\pagestyle{empty}&#10;\usepackage{xcolor}&#10;\usepackage{empheq}&#10;\begin{document}&#10;$ 1  =2^{x-2}-p^{k} $&#10;\end{document}" title="IguanaTex Bitmap Display">
+            <a:extLst>
+              <a:ext uri="{FF2B5EF4-FFF2-40B4-BE49-F238E27FC236}">
+                <a16:creationId xmlns:a16="http://schemas.microsoft.com/office/drawing/2014/main" id="{72924F54-0427-3BCC-81EF-7E04E71FE866}"/>
+              </a:ext>
+            </a:extLst>
+          </p:cNvPr>
+          <p:cNvPicPr>
+            <a:picLocks noChangeAspect="1"/>
+          </p:cNvPicPr>
+          <p:nvPr>
+            <p:custDataLst>
+              <p:tags r:id="rId7"/>
+            </p:custDataLst>
+          </p:nvPr>
+        </p:nvPicPr>
+        <p:blipFill>
+          <a:blip r:embed="rId21">
+            <a:extLst>
+              <a:ext uri="{28A0092B-C50C-407E-A947-70E740481C1C}">
+                <a14:useLocalDpi xmlns:a14="http://schemas.microsoft.com/office/drawing/2010/main" val="0"/>
+              </a:ext>
+            </a:extLst>
+          </a:blip>
+          <a:stretch>
+            <a:fillRect/>
+          </a:stretch>
+        </p:blipFill>
+        <p:spPr>
+          <a:xfrm>
+            <a:off x="3947566" y="3621440"/>
+            <a:ext cx="1839042" cy="324647"/>
+          </a:xfrm>
+          <a:prstGeom prst="rect">
+            <a:avLst/>
+          </a:prstGeom>
+        </p:spPr>
+      </p:pic>
+      <p:pic>
+        <p:nvPicPr>
+          <p:cNvPr id="3" name="Picture 2" descr="&#10;&#10;\documentclass{article}&#10;\usepackage{amsmath}&#10;\usepackage{amsfonts}&#10;\usepackage{amssymb}&#10;\pagestyle{empty}&#10;\usepackage{xcolor}&#10;\usepackage{empheq}&#10;\begin{document}&#10;$k&gt; 0$&#10;\end{document}" title="IguanaTex Bitmap Display">
+            <a:extLst>
+              <a:ext uri="{FF2B5EF4-FFF2-40B4-BE49-F238E27FC236}">
+                <a16:creationId xmlns:a16="http://schemas.microsoft.com/office/drawing/2014/main" id="{91424841-5836-1ACD-A13F-4F33A2AE4B2D}"/>
+              </a:ext>
+            </a:extLst>
+          </p:cNvPr>
+          <p:cNvPicPr>
+            <a:picLocks noChangeAspect="1"/>
+          </p:cNvPicPr>
+          <p:nvPr>
+            <p:custDataLst>
+              <p:tags r:id="rId8"/>
+            </p:custDataLst>
+          </p:nvPr>
+        </p:nvPicPr>
+        <p:blipFill>
+          <a:blip r:embed="rId16">
+            <a:extLst>
+              <a:ext uri="{28A0092B-C50C-407E-A947-70E740481C1C}">
+                <a14:useLocalDpi xmlns:a14="http://schemas.microsoft.com/office/drawing/2010/main" val="0"/>
+              </a:ext>
+            </a:extLst>
+          </a:blip>
+          <a:stretch>
+            <a:fillRect/>
+          </a:stretch>
+        </p:blipFill>
+        <p:spPr>
+          <a:xfrm>
+            <a:off x="7611872" y="1291925"/>
+            <a:ext cx="721938" cy="231173"/>
+          </a:xfrm>
+          <a:prstGeom prst="rect">
+            <a:avLst/>
+          </a:prstGeom>
+        </p:spPr>
+      </p:pic>
+      <p:pic>
+        <p:nvPicPr>
+          <p:cNvPr id="4" name="Picture 3" descr="\documentclass{article}&#10;\usepackage{amsmath}&#10;\pagestyle{empty}&#10;\usepackage{xcolor}&#10;\usepackage{empheq}&#10;\begin{document}&#10;$y=2k$&#10;\end{document}" title="IguanaTex Bitmap Display">
+            <a:extLst>
+              <a:ext uri="{FF2B5EF4-FFF2-40B4-BE49-F238E27FC236}">
+                <a16:creationId xmlns:a16="http://schemas.microsoft.com/office/drawing/2014/main" id="{AA55F396-72AB-479A-2E08-E9BCADA0E98D}"/>
+              </a:ext>
+            </a:extLst>
+          </p:cNvPr>
+          <p:cNvPicPr>
+            <a:picLocks noChangeAspect="1"/>
+          </p:cNvPicPr>
+          <p:nvPr>
+            <p:custDataLst>
+              <p:tags r:id="rId9"/>
+            </p:custDataLst>
+          </p:nvPr>
+        </p:nvPicPr>
+        <p:blipFill>
+          <a:blip r:embed="rId22">
+            <a:extLst>
+              <a:ext uri="{28A0092B-C50C-407E-A947-70E740481C1C}">
+                <a14:useLocalDpi xmlns:a14="http://schemas.microsoft.com/office/drawing/2010/main" val="0"/>
+              </a:ext>
+            </a:extLst>
+          </a:blip>
+          <a:stretch>
+            <a:fillRect/>
+          </a:stretch>
+        </p:blipFill>
+        <p:spPr>
+          <a:xfrm>
+            <a:off x="5412338" y="1285133"/>
+            <a:ext cx="926333" cy="291804"/>
+          </a:xfrm>
+          <a:prstGeom prst="rect">
+            <a:avLst/>
+          </a:prstGeom>
+        </p:spPr>
+      </p:pic>
+      <p:pic>
+        <p:nvPicPr>
+          <p:cNvPr id="5" name="Picture 4" descr="\documentclass{article}&#10;\usepackage{amsmath}&#10;\pagestyle{empty}&#10;\usepackage{xcolor}&#10;\usepackage{empheq}&#10;\begin{document}&#10;${\color{red}\left ( 5 \right )}$&#10;\end{document}" title="IguanaTex Bitmap Display">
+            <a:extLst>
+              <a:ext uri="{FF2B5EF4-FFF2-40B4-BE49-F238E27FC236}">
+                <a16:creationId xmlns:a16="http://schemas.microsoft.com/office/drawing/2014/main" id="{B1113F30-2B82-00F9-700D-C444203309EC}"/>
+              </a:ext>
+            </a:extLst>
+          </p:cNvPr>
+          <p:cNvPicPr>
+            <a:picLocks noChangeAspect="1"/>
+          </p:cNvPicPr>
+          <p:nvPr>
+            <p:custDataLst>
+              <p:tags r:id="rId10"/>
+            </p:custDataLst>
+          </p:nvPr>
+        </p:nvPicPr>
+        <p:blipFill>
+          <a:blip r:embed="rId23">
+            <a:extLst>
+              <a:ext uri="{28A0092B-C50C-407E-A947-70E740481C1C}">
+                <a14:useLocalDpi xmlns:a14="http://schemas.microsoft.com/office/drawing/2010/main" val="0"/>
+              </a:ext>
+            </a:extLst>
+          </a:blip>
+          <a:stretch>
+            <a:fillRect/>
+          </a:stretch>
+        </p:blipFill>
+        <p:spPr>
+          <a:xfrm>
+            <a:off x="3855900" y="785650"/>
+            <a:ext cx="365401" cy="339011"/>
+          </a:xfrm>
+          <a:prstGeom prst="rect">
+            <a:avLst/>
+          </a:prstGeom>
+        </p:spPr>
+      </p:pic>
+      <p:pic>
+        <p:nvPicPr>
+          <p:cNvPr id="6" name="Picture 5" descr="\documentclass{article}&#10;\usepackage{amsmath}&#10;\pagestyle{empty}&#10;\usepackage{xcolor}&#10;\usepackage{empheq}&#10;\begin{document}&#10;$ 1  =2^{x-2}-p^{k} $&#10;\end{document}" title="IguanaTex Bitmap Display">
+            <a:extLst>
+              <a:ext uri="{FF2B5EF4-FFF2-40B4-BE49-F238E27FC236}">
+                <a16:creationId xmlns:a16="http://schemas.microsoft.com/office/drawing/2014/main" id="{8A6CC53A-5EB6-9C9B-3CDB-E716A61B2C84}"/>
+              </a:ext>
+            </a:extLst>
+          </p:cNvPr>
+          <p:cNvPicPr>
+            <a:picLocks noChangeAspect="1"/>
+          </p:cNvPicPr>
+          <p:nvPr>
+            <p:custDataLst>
+              <p:tags r:id="rId11"/>
+            </p:custDataLst>
+          </p:nvPr>
+        </p:nvPicPr>
+        <p:blipFill>
+          <a:blip r:embed="rId21">
+            <a:extLst>
+              <a:ext uri="{28A0092B-C50C-407E-A947-70E740481C1C}">
+                <a14:useLocalDpi xmlns:a14="http://schemas.microsoft.com/office/drawing/2010/main" val="0"/>
+              </a:ext>
+            </a:extLst>
+          </a:blip>
+          <a:stretch>
+            <a:fillRect/>
+          </a:stretch>
+        </p:blipFill>
+        <p:spPr>
+          <a:xfrm>
+            <a:off x="4650310" y="795275"/>
+            <a:ext cx="1839042" cy="324647"/>
+          </a:xfrm>
+          <a:prstGeom prst="rect">
+            <a:avLst/>
+          </a:prstGeom>
+        </p:spPr>
+      </p:pic>
+      <p:pic>
+        <p:nvPicPr>
+          <p:cNvPr id="37" name="Picture 36" descr="&#10;&#10;\documentclass{article}&#10;\usepackage{amsmath}&#10;\usepackage{amsfonts}&#10;\usepackage{amssymb}&#10;\pagestyle{empty}&#10;\usepackage{xcolor}&#10;\usepackage{empheq}&#10;\begin{document}&#10;${\log _{2}2^{x-2}&gt;\log _{2}2}$&#10;\end{document}" title="IguanaTex Bitmap Display">
+            <a:extLst>
+              <a:ext uri="{FF2B5EF4-FFF2-40B4-BE49-F238E27FC236}">
+                <a16:creationId xmlns:a16="http://schemas.microsoft.com/office/drawing/2014/main" id="{693405A8-B8EF-85EC-7488-02364A2E418E}"/>
+              </a:ext>
+            </a:extLst>
+          </p:cNvPr>
+          <p:cNvPicPr>
+            <a:picLocks noChangeAspect="1"/>
+          </p:cNvPicPr>
+          <p:nvPr>
+            <p:custDataLst>
+              <p:tags r:id="rId12"/>
+            </p:custDataLst>
+          </p:nvPr>
+        </p:nvPicPr>
+        <p:blipFill>
+          <a:blip r:embed="rId24">
+            <a:extLst>
+              <a:ext uri="{28A0092B-C50C-407E-A947-70E740481C1C}">
+                <a14:useLocalDpi xmlns:a14="http://schemas.microsoft.com/office/drawing/2010/main" val="0"/>
+              </a:ext>
+            </a:extLst>
+          </a:blip>
+          <a:stretch>
+            <a:fillRect/>
+          </a:stretch>
+        </p:blipFill>
+        <p:spPr>
+          <a:xfrm>
+            <a:off x="7631122" y="4251275"/>
+            <a:ext cx="2389407" cy="335390"/>
+          </a:xfrm>
+          <a:prstGeom prst="rect">
+            <a:avLst/>
+          </a:prstGeom>
+        </p:spPr>
+      </p:pic>
+      <p:pic>
+        <p:nvPicPr>
+          <p:cNvPr id="44" name="Picture 43" descr="&#10;&#10;\documentclass{article}&#10;\usepackage{amsmath}&#10;\usepackage{amsfonts}&#10;\usepackage{amssymb}&#10;\pagestyle{empty}&#10;\usepackage{xcolor}&#10;\usepackage{empheq}&#10;\begin{document}&#10;$x-2&gt; 1$&#10;\end{document}" title="IguanaTex Bitmap Display">
+            <a:extLst>
+              <a:ext uri="{FF2B5EF4-FFF2-40B4-BE49-F238E27FC236}">
+                <a16:creationId xmlns:a16="http://schemas.microsoft.com/office/drawing/2014/main" id="{0B45B9AD-A56A-3082-140A-EB6C010D2F35}"/>
+              </a:ext>
+            </a:extLst>
+          </p:cNvPr>
+          <p:cNvPicPr>
+            <a:picLocks noChangeAspect="1"/>
+          </p:cNvPicPr>
+          <p:nvPr>
+            <p:custDataLst>
+              <p:tags r:id="rId13"/>
+            </p:custDataLst>
+          </p:nvPr>
+        </p:nvPicPr>
+        <p:blipFill>
+          <a:blip r:embed="rId25">
+            <a:extLst>
+              <a:ext uri="{28A0092B-C50C-407E-A947-70E740481C1C}">
+                <a14:useLocalDpi xmlns:a14="http://schemas.microsoft.com/office/drawing/2010/main" val="0"/>
+              </a:ext>
+            </a:extLst>
+          </a:blip>
+          <a:stretch>
+            <a:fillRect/>
+          </a:stretch>
+        </p:blipFill>
+        <p:spPr>
+          <a:xfrm>
+            <a:off x="8144967" y="4822913"/>
+            <a:ext cx="1265761" cy="221699"/>
+          </a:xfrm>
+          <a:prstGeom prst="rect">
+            <a:avLst/>
+          </a:prstGeom>
+        </p:spPr>
+      </p:pic>
     </p:spTree>
     <p:extLst>
       <p:ext uri="{BB962C8B-B14F-4D97-AF65-F5344CB8AC3E}">
@@ -20828,11 +20948,11 @@
 <file path=ppt/tags/tag126.xml><?xml version="1.0" encoding="utf-8"?>
 <p:tagLst xmlns:a="http://schemas.openxmlformats.org/drawingml/2006/main" xmlns:r="http://schemas.openxmlformats.org/officeDocument/2006/relationships" xmlns:p="http://schemas.openxmlformats.org/presentationml/2006/main">
   <p:tag name="OUTPUTDPI" val="1200"/>
-  <p:tag name="ORIGINALHEIGHT" val="125.2343"/>
-  <p:tag name="ORIGINALWIDTH" val="134.9832"/>
-  <p:tag name="LATEXADDIN" val="\documentclass{article}&#10;\usepackage{amsmath}&#10;\pagestyle{empty}&#10;\usepackage{xcolor}&#10;\usepackage{empheq}&#10;\begin{document}&#10;${\color{red}\left ( 5 \right )}$&#10;\end{document}"/>
+  <p:tag name="ORIGINALHEIGHT" val="107.9865"/>
+  <p:tag name="ORIGINALWIDTH" val="281.2149"/>
+  <p:tag name="LATEXADDIN" val="&#10;&#10;\documentclass{article}&#10;\usepackage{amsmath}&#10;\usepackage{amsfonts}&#10;\usepackage{amssymb}&#10;\pagestyle{empty}&#10;\usepackage{xcolor}&#10;\usepackage{empheq}&#10;\begin{document}&#10;$y\geq 1 $&#10;\end{document}"/>
   <p:tag name="IGUANATEXSIZE" val="18"/>
-  <p:tag name="IGUANATEXCURSOR" val="142"/>
+  <p:tag name="IGUANATEXCURSOR" val="174"/>
   <p:tag name="TRANSPARENCY" val="False"/>
   <p:tag name="LATEXENGINEID" val="0"/>
   <p:tag name="TEMPFOLDER" val="C:\Users\cosA\OneDrive\Documents\temp\"/>
@@ -20846,11 +20966,11 @@
 <file path=ppt/tags/tag127.xml><?xml version="1.0" encoding="utf-8"?>
 <p:tagLst xmlns:a="http://schemas.openxmlformats.org/drawingml/2006/main" xmlns:r="http://schemas.openxmlformats.org/officeDocument/2006/relationships" xmlns:p="http://schemas.openxmlformats.org/presentationml/2006/main">
   <p:tag name="OUTPUTDPI" val="1200"/>
-  <p:tag name="ORIGINALHEIGHT" val="129.7338"/>
-  <p:tag name="ORIGINALWIDTH" val="734.9081"/>
-  <p:tag name="LATEXADDIN" val="\documentclass{article}&#10;\usepackage{amsmath}&#10;\pagestyle{empty}&#10;\usepackage{xcolor}&#10;\usepackage{empheq}&#10;\begin{document}&#10;$ 1  =2^{x-2}-p^{k} $&#10;\end{document}"/>
+  <p:tag name="ORIGINALHEIGHT" val="91.48859"/>
+  <p:tag name="ORIGINALWIDTH" val="285.7143"/>
+  <p:tag name="LATEXADDIN" val="&#10;&#10;\documentclass{article}&#10;\usepackage{amsmath}&#10;\usepackage{amsfonts}&#10;\usepackage{amssymb}&#10;\pagestyle{empty}&#10;\usepackage{xcolor}&#10;\usepackage{empheq}&#10;\begin{document}&#10;$k&gt; 0$&#10;\end{document}"/>
   <p:tag name="IGUANATEXSIZE" val="18"/>
-  <p:tag name="IGUANATEXCURSOR" val="122"/>
+  <p:tag name="IGUANATEXCURSOR" val="167"/>
   <p:tag name="TRANSPARENCY" val="False"/>
   <p:tag name="LATEXENGINEID" val="0"/>
   <p:tag name="TEMPFOLDER" val="C:\Users\cosA\OneDrive\Documents\temp\"/>
@@ -20864,11 +20984,11 @@
 <file path=ppt/tags/tag128.xml><?xml version="1.0" encoding="utf-8"?>
 <p:tagLst xmlns:a="http://schemas.openxmlformats.org/drawingml/2006/main" xmlns:r="http://schemas.openxmlformats.org/officeDocument/2006/relationships" xmlns:p="http://schemas.openxmlformats.org/presentationml/2006/main">
   <p:tag name="OUTPUTDPI" val="1200"/>
-  <p:tag name="ORIGINALHEIGHT" val="116.2354"/>
-  <p:tag name="ORIGINALWIDTH" val="286.4642"/>
-  <p:tag name="LATEXADDIN" val="\documentclass{article}&#10;\usepackage{amsmath}&#10;\pagestyle{empty}&#10;\usepackage{xcolor}&#10;\usepackage{empheq}&#10;\begin{document}&#10;$x\neq 1$&#10;\end{document}"/>
+  <p:tag name="ORIGINALHEIGHT" val="129.7338"/>
+  <p:tag name="ORIGINALWIDTH" val="631.4211"/>
+  <p:tag name="LATEXADDIN" val="&#10;&#10;\documentclass{article}&#10;\usepackage{amsmath}&#10;\usepackage{amsfonts}&#10;\usepackage{amssymb}&#10;\pagestyle{empty}&#10;\usepackage{xcolor}&#10;\usepackage{empheq}&#10;\begin{document}&#10;$p^{k}&gt; p^{0}=1 $&#10;\end{document}"/>
   <p:tag name="IGUANATEXSIZE" val="18"/>
-  <p:tag name="IGUANATEXCURSOR" val="121"/>
+  <p:tag name="IGUANATEXCURSOR" val="181"/>
   <p:tag name="TRANSPARENCY" val="False"/>
   <p:tag name="LATEXENGINEID" val="0"/>
   <p:tag name="TEMPFOLDER" val="C:\Users\cosA\OneDrive\Documents\temp\"/>
@@ -20882,11 +21002,11 @@
 <file path=ppt/tags/tag129.xml><?xml version="1.0" encoding="utf-8"?>
 <p:tagLst xmlns:a="http://schemas.openxmlformats.org/drawingml/2006/main" xmlns:r="http://schemas.openxmlformats.org/officeDocument/2006/relationships" xmlns:p="http://schemas.openxmlformats.org/presentationml/2006/main">
   <p:tag name="OUTPUTDPI" val="1200"/>
-  <p:tag name="ORIGINALHEIGHT" val="85.48929"/>
-  <p:tag name="ORIGINALWIDTH" val="290.9636"/>
-  <p:tag name="LATEXADDIN" val="\documentclass{article}&#10;\usepackage{amsmath}&#10;\pagestyle{empty}&#10;\usepackage{xcolor}&#10;\usepackage{empheq}&#10;\begin{document}&#10;$x=3$&#10;\end{document}"/>
+  <p:tag name="ORIGINALHEIGHT" val="129.7338"/>
+  <p:tag name="ORIGINALWIDTH" val="775.4031"/>
+  <p:tag name="LATEXADDIN" val="&#10;&#10;\documentclass{article}&#10;\usepackage{amsmath}&#10;\usepackage{amsfonts}&#10;\usepackage{amssymb}&#10;\pagestyle{empty}&#10;\usepackage{xcolor}&#10;\usepackage{empheq}&#10;\begin{document}&#10;$p^{k}+1&gt;1+1$&#10;\end{document}"/>
   <p:tag name="IGUANATEXSIZE" val="18"/>
-  <p:tag name="IGUANATEXCURSOR" val="124"/>
+  <p:tag name="IGUANATEXCURSOR" val="174"/>
   <p:tag name="TRANSPARENCY" val="False"/>
   <p:tag name="LATEXENGINEID" val="0"/>
   <p:tag name="TEMPFOLDER" val="C:\Users\cosA\OneDrive\Documents\temp\"/>
@@ -20918,11 +21038,11 @@
 <file path=ppt/tags/tag130.xml><?xml version="1.0" encoding="utf-8"?>
 <p:tagLst xmlns:a="http://schemas.openxmlformats.org/drawingml/2006/main" xmlns:r="http://schemas.openxmlformats.org/officeDocument/2006/relationships" xmlns:p="http://schemas.openxmlformats.org/presentationml/2006/main">
   <p:tag name="OUTPUTDPI" val="1200"/>
-  <p:tag name="ORIGINALHEIGHT" val="125.2343"/>
-  <p:tag name="ORIGINALWIDTH" val="134.9832"/>
-  <p:tag name="LATEXADDIN" val="\documentclass{article}&#10;\usepackage{amsmath}&#10;\pagestyle{empty}&#10;\usepackage{xcolor}&#10;\usepackage{empheq}&#10;\begin{document}&#10;${\color{red}\left ( 5 \right )}$&#10;\end{document}"/>
+  <p:tag name="ORIGINALHEIGHT" val="129.7338"/>
+  <p:tag name="ORIGINALWIDTH" val="550.4312"/>
+  <p:tag name="LATEXADDIN" val="&#10;&#10;\documentclass{article}&#10;\usepackage{amsmath}&#10;\usepackage{amsfonts}&#10;\usepackage{amssymb}&#10;\pagestyle{empty}&#10;\usepackage{xcolor}&#10;\usepackage{empheq}&#10;\begin{document}&#10;$1+p^{k}&gt;2$&#10;\end{document}"/>
   <p:tag name="IGUANATEXSIZE" val="18"/>
-  <p:tag name="IGUANATEXCURSOR" val="142"/>
+  <p:tag name="IGUANATEXCURSOR" val="168"/>
   <p:tag name="TRANSPARENCY" val="False"/>
   <p:tag name="LATEXENGINEID" val="0"/>
   <p:tag name="TEMPFOLDER" val="C:\Users\cosA\OneDrive\Documents\temp\"/>
@@ -20936,11 +21056,11 @@
 <file path=ppt/tags/tag131.xml><?xml version="1.0" encoding="utf-8"?>
 <p:tagLst xmlns:a="http://schemas.openxmlformats.org/drawingml/2006/main" xmlns:r="http://schemas.openxmlformats.org/officeDocument/2006/relationships" xmlns:p="http://schemas.openxmlformats.org/presentationml/2006/main">
   <p:tag name="OUTPUTDPI" val="1200"/>
-  <p:tag name="ORIGINALHEIGHT" val="89.23882"/>
-  <p:tag name="ORIGINALWIDTH" val="285.7143"/>
-  <p:tag name="LATEXADDIN" val="\documentclass{article}&#10;\usepackage{amsmath}&#10;\pagestyle{empty}&#10;\usepackage{xcolor}&#10;\usepackage{empheq}&#10;\begin{document}&#10;$k=0$&#10;\end{document}"/>
+  <p:tag name="ORIGINALHEIGHT" val="129.7338"/>
+  <p:tag name="ORIGINALWIDTH" val="938.1328"/>
+  <p:tag name="LATEXADDIN" val="&#10;&#10;\documentclass{article}&#10;\usepackage{amsmath}&#10;\usepackage{amsfonts}&#10;\usepackage{amssymb}&#10;\pagestyle{empty}&#10;\usepackage{xcolor}&#10;\usepackage{empheq}&#10;\begin{document}&#10;${\color{red}2^{x-2}=}1+p^{k}&gt;2$&#10;\end{document}"/>
   <p:tag name="IGUANATEXSIZE" val="18"/>
-  <p:tag name="IGUANATEXCURSOR" val="122"/>
+  <p:tag name="IGUANATEXCURSOR" val="187"/>
   <p:tag name="TRANSPARENCY" val="False"/>
   <p:tag name="LATEXENGINEID" val="0"/>
   <p:tag name="TEMPFOLDER" val="C:\Users\cosA\OneDrive\Documents\temp\"/>
@@ -20955,10 +21075,10 @@
 <p:tagLst xmlns:a="http://schemas.openxmlformats.org/drawingml/2006/main" xmlns:r="http://schemas.openxmlformats.org/officeDocument/2006/relationships" xmlns:p="http://schemas.openxmlformats.org/presentationml/2006/main">
   <p:tag name="OUTPUTDPI" val="1200"/>
   <p:tag name="ORIGINALHEIGHT" val="129.7338"/>
-  <p:tag name="ORIGINALWIDTH" val="972.6284"/>
-  <p:tag name="LATEXADDIN" val="\documentclass{article}&#10;\usepackage{amsmath}&#10;\pagestyle{empty}&#10;\usepackage{xcolor}&#10;\usepackage{empheq}&#10;\begin{document}&#10;$   p^{k}  =2^{3-2}-1=1 $&#10;\end{document}"/>
+  <p:tag name="ORIGINALWIDTH" val="734.9081"/>
+  <p:tag name="LATEXADDIN" val="\documentclass{article}&#10;\usepackage{amsmath}&#10;\pagestyle{empty}&#10;\usepackage{xcolor}&#10;\usepackage{empheq}&#10;\begin{document}&#10;$ 1  =2^{x-2}-p^{k} $&#10;\end{document}"/>
   <p:tag name="IGUANATEXSIZE" val="18"/>
-  <p:tag name="IGUANATEXCURSOR" val="143"/>
+  <p:tag name="IGUANATEXCURSOR" val="122"/>
   <p:tag name="TRANSPARENCY" val="False"/>
   <p:tag name="LATEXENGINEID" val="0"/>
   <p:tag name="TEMPFOLDER" val="C:\Users\cosA\OneDrive\Documents\temp\"/>
@@ -20970,60 +21090,6 @@
 </file>
 
 <file path=ppt/tags/tag133.xml><?xml version="1.0" encoding="utf-8"?>
-<p:tagLst xmlns:a="http://schemas.openxmlformats.org/drawingml/2006/main" xmlns:r="http://schemas.openxmlformats.org/officeDocument/2006/relationships" xmlns:p="http://schemas.openxmlformats.org/presentationml/2006/main">
-  <p:tag name="OUTPUTDPI" val="1200"/>
-  <p:tag name="ORIGINALHEIGHT" val="125.2343"/>
-  <p:tag name="ORIGINALWIDTH" val="694.4132"/>
-  <p:tag name="LATEXADDIN" val="\documentclass{article}&#10;\usepackage{amsmath}&#10;\pagestyle{empty}&#10;\usepackage{xcolor}&#10;\usepackage{empheq}&#10;\begin{document}&#10;$y=2\left(0\right)=0$&#10;\end{document}"/>
-  <p:tag name="IGUANATEXSIZE" val="18"/>
-  <p:tag name="IGUANATEXCURSOR" val="140"/>
-  <p:tag name="TRANSPARENCY" val="False"/>
-  <p:tag name="LATEXENGINEID" val="0"/>
-  <p:tag name="TEMPFOLDER" val="C:\Users\cosA\OneDrive\Documents\temp\"/>
-  <p:tag name="LATEXFORMHEIGHT" val="312"/>
-  <p:tag name="LATEXFORMWIDTH" val="384"/>
-  <p:tag name="LATEXFORMWRAP" val="True"/>
-  <p:tag name="BITMAPVECTOR" val="0"/>
-</p:tagLst>
-</file>
-
-<file path=ppt/tags/tag134.xml><?xml version="1.0" encoding="utf-8"?>
-<p:tagLst xmlns:a="http://schemas.openxmlformats.org/drawingml/2006/main" xmlns:r="http://schemas.openxmlformats.org/officeDocument/2006/relationships" xmlns:p="http://schemas.openxmlformats.org/presentationml/2006/main">
-  <p:tag name="OUTPUTDPI" val="1200"/>
-  <p:tag name="ORIGINALHEIGHT" val="107.9865"/>
-  <p:tag name="ORIGINALWIDTH" val="281.2149"/>
-  <p:tag name="LATEXADDIN" val="&#10;&#10;\documentclass{article}&#10;\usepackage{amsmath}&#10;\usepackage{amsfonts}&#10;\usepackage{amssymb}&#10;\pagestyle{empty}&#10;\usepackage{xcolor}&#10;\usepackage{empheq}&#10;\begin{document}&#10;$y\geq 1 $&#10;\end{document}"/>
-  <p:tag name="IGUANATEXSIZE" val="18"/>
-  <p:tag name="IGUANATEXCURSOR" val="174"/>
-  <p:tag name="TRANSPARENCY" val="False"/>
-  <p:tag name="LATEXENGINEID" val="0"/>
-  <p:tag name="TEMPFOLDER" val="C:\Users\cosA\OneDrive\Documents\temp\"/>
-  <p:tag name="LATEXFORMHEIGHT" val="312"/>
-  <p:tag name="LATEXFORMWIDTH" val="384"/>
-  <p:tag name="LATEXFORMWRAP" val="True"/>
-  <p:tag name="BITMAPVECTOR" val="0"/>
-</p:tagLst>
-</file>
-
-<file path=ppt/tags/tag135.xml><?xml version="1.0" encoding="utf-8"?>
-<p:tagLst xmlns:a="http://schemas.openxmlformats.org/drawingml/2006/main" xmlns:r="http://schemas.openxmlformats.org/officeDocument/2006/relationships" xmlns:p="http://schemas.openxmlformats.org/presentationml/2006/main">
-  <p:tag name="OUTPUTDPI" val="1200"/>
-  <p:tag name="ORIGINALHEIGHT" val="87.73905"/>
-  <p:tag name="ORIGINALWIDTH" val="290.9636"/>
-  <p:tag name="LATEXADDIN" val="&#10;&#10;\documentclass{article}&#10;\usepackage{amsmath}&#10;\usepackage{amsfonts}&#10;\usepackage{amssymb}&#10;\pagestyle{empty}&#10;\usepackage{xcolor}&#10;\usepackage{empheq}&#10;\begin{document}&#10;$x&gt; 3$&#10;\end{document}"/>
-  <p:tag name="IGUANATEXSIZE" val="18"/>
-  <p:tag name="IGUANATEXCURSOR" val="170"/>
-  <p:tag name="TRANSPARENCY" val="False"/>
-  <p:tag name="LATEXENGINEID" val="0"/>
-  <p:tag name="TEMPFOLDER" val="C:\Users\cosA\OneDrive\Documents\temp\"/>
-  <p:tag name="LATEXFORMHEIGHT" val="312"/>
-  <p:tag name="LATEXFORMWIDTH" val="384"/>
-  <p:tag name="LATEXFORMWRAP" val="True"/>
-  <p:tag name="BITMAPVECTOR" val="0"/>
-</p:tagLst>
-</file>
-
-<file path=ppt/tags/tag136.xml><?xml version="1.0" encoding="utf-8"?>
 <p:tagLst xmlns:a="http://schemas.openxmlformats.org/drawingml/2006/main" xmlns:r="http://schemas.openxmlformats.org/officeDocument/2006/relationships" xmlns:p="http://schemas.openxmlformats.org/presentationml/2006/main">
   <p:tag name="OUTPUTDPI" val="1200"/>
   <p:tag name="ORIGINALHEIGHT" val="91.48859"/>
@@ -21041,14 +21107,68 @@
 </p:tagLst>
 </file>
 
+<file path=ppt/tags/tag134.xml><?xml version="1.0" encoding="utf-8"?>
+<p:tagLst xmlns:a="http://schemas.openxmlformats.org/drawingml/2006/main" xmlns:r="http://schemas.openxmlformats.org/officeDocument/2006/relationships" xmlns:p="http://schemas.openxmlformats.org/presentationml/2006/main">
+  <p:tag name="OUTPUTDPI" val="1200"/>
+  <p:tag name="ORIGINALHEIGHT" val="111.7361"/>
+  <p:tag name="ORIGINALWIDTH" val="354.7057"/>
+  <p:tag name="LATEXADDIN" val="\documentclass{article}&#10;\usepackage{amsmath}&#10;\pagestyle{empty}&#10;\usepackage{xcolor}&#10;\usepackage{empheq}&#10;\begin{document}&#10;$y=2k$&#10;\end{document}"/>
+  <p:tag name="IGUANATEXSIZE" val="18"/>
+  <p:tag name="IGUANATEXCURSOR" val="122"/>
+  <p:tag name="TRANSPARENCY" val="False"/>
+  <p:tag name="LATEXENGINEID" val="0"/>
+  <p:tag name="TEMPFOLDER" val="C:\Users\cosA\OneDrive\Documents\temp\"/>
+  <p:tag name="LATEXFORMHEIGHT" val="312"/>
+  <p:tag name="LATEXFORMWIDTH" val="384"/>
+  <p:tag name="LATEXFORMWRAP" val="True"/>
+  <p:tag name="BITMAPVECTOR" val="0"/>
+</p:tagLst>
+</file>
+
+<file path=ppt/tags/tag135.xml><?xml version="1.0" encoding="utf-8"?>
+<p:tagLst xmlns:a="http://schemas.openxmlformats.org/drawingml/2006/main" xmlns:r="http://schemas.openxmlformats.org/officeDocument/2006/relationships" xmlns:p="http://schemas.openxmlformats.org/presentationml/2006/main">
+  <p:tag name="OUTPUTDPI" val="1200"/>
+  <p:tag name="ORIGINALHEIGHT" val="125.2343"/>
+  <p:tag name="ORIGINALWIDTH" val="134.9832"/>
+  <p:tag name="LATEXADDIN" val="\documentclass{article}&#10;\usepackage{amsmath}&#10;\pagestyle{empty}&#10;\usepackage{xcolor}&#10;\usepackage{empheq}&#10;\begin{document}&#10;${\color{red}\left ( 5 \right )}$&#10;\end{document}"/>
+  <p:tag name="IGUANATEXSIZE" val="18"/>
+  <p:tag name="IGUANATEXCURSOR" val="142"/>
+  <p:tag name="TRANSPARENCY" val="False"/>
+  <p:tag name="LATEXENGINEID" val="0"/>
+  <p:tag name="TEMPFOLDER" val="C:\Users\cosA\OneDrive\Documents\temp\"/>
+  <p:tag name="LATEXFORMHEIGHT" val="312"/>
+  <p:tag name="LATEXFORMWIDTH" val="384"/>
+  <p:tag name="LATEXFORMWRAP" val="True"/>
+  <p:tag name="BITMAPVECTOR" val="0"/>
+</p:tagLst>
+</file>
+
+<file path=ppt/tags/tag136.xml><?xml version="1.0" encoding="utf-8"?>
+<p:tagLst xmlns:a="http://schemas.openxmlformats.org/drawingml/2006/main" xmlns:r="http://schemas.openxmlformats.org/officeDocument/2006/relationships" xmlns:p="http://schemas.openxmlformats.org/presentationml/2006/main">
+  <p:tag name="OUTPUTDPI" val="1200"/>
+  <p:tag name="ORIGINALHEIGHT" val="129.7338"/>
+  <p:tag name="ORIGINALWIDTH" val="734.9081"/>
+  <p:tag name="LATEXADDIN" val="\documentclass{article}&#10;\usepackage{amsmath}&#10;\pagestyle{empty}&#10;\usepackage{xcolor}&#10;\usepackage{empheq}&#10;\begin{document}&#10;$ 1  =2^{x-2}-p^{k} $&#10;\end{document}"/>
+  <p:tag name="IGUANATEXSIZE" val="18"/>
+  <p:tag name="IGUANATEXCURSOR" val="122"/>
+  <p:tag name="TRANSPARENCY" val="False"/>
+  <p:tag name="LATEXENGINEID" val="0"/>
+  <p:tag name="TEMPFOLDER" val="C:\Users\cosA\OneDrive\Documents\temp\"/>
+  <p:tag name="LATEXFORMHEIGHT" val="312"/>
+  <p:tag name="LATEXFORMWIDTH" val="384"/>
+  <p:tag name="LATEXFORMWRAP" val="True"/>
+  <p:tag name="BITMAPVECTOR" val="0"/>
+</p:tagLst>
+</file>
+
 <file path=ppt/tags/tag137.xml><?xml version="1.0" encoding="utf-8"?>
 <p:tagLst xmlns:a="http://schemas.openxmlformats.org/drawingml/2006/main" xmlns:r="http://schemas.openxmlformats.org/officeDocument/2006/relationships" xmlns:p="http://schemas.openxmlformats.org/presentationml/2006/main">
   <p:tag name="OUTPUTDPI" val="1200"/>
-  <p:tag name="ORIGINALHEIGHT" val="129.7338"/>
-  <p:tag name="ORIGINALWIDTH" val="631.4211"/>
-  <p:tag name="LATEXADDIN" val="&#10;&#10;\documentclass{article}&#10;\usepackage{amsmath}&#10;\usepackage{amsfonts}&#10;\usepackage{amssymb}&#10;\pagestyle{empty}&#10;\usepackage{xcolor}&#10;\usepackage{empheq}&#10;\begin{document}&#10;$p^{k}&gt; p^{0}=1 $&#10;\end{document}"/>
+  <p:tag name="ORIGINALHEIGHT" val="132.7334"/>
+  <p:tag name="ORIGINALWIDTH" val="945.6318"/>
+  <p:tag name="LATEXADDIN" val="&#10;&#10;\documentclass{article}&#10;\usepackage{amsmath}&#10;\usepackage{amsfonts}&#10;\usepackage{amssymb}&#10;\pagestyle{empty}&#10;\usepackage{xcolor}&#10;\usepackage{empheq}&#10;\begin{document}&#10;${\log _{2}2^{x-2}&gt;\log _{2}2}$&#10;\end{document}"/>
   <p:tag name="IGUANATEXSIZE" val="18"/>
-  <p:tag name="IGUANATEXCURSOR" val="181"/>
+  <p:tag name="IGUANATEXCURSOR" val="193"/>
   <p:tag name="TRANSPARENCY" val="False"/>
   <p:tag name="LATEXENGINEID" val="0"/>
   <p:tag name="TEMPFOLDER" val="C:\Users\cosA\OneDrive\Documents\temp\"/>
@@ -21062,11 +21182,11 @@
 <file path=ppt/tags/tag138.xml><?xml version="1.0" encoding="utf-8"?>
 <p:tagLst xmlns:a="http://schemas.openxmlformats.org/drawingml/2006/main" xmlns:r="http://schemas.openxmlformats.org/officeDocument/2006/relationships" xmlns:p="http://schemas.openxmlformats.org/presentationml/2006/main">
   <p:tag name="OUTPUTDPI" val="1200"/>
-  <p:tag name="ORIGINALHEIGHT" val="129.7338"/>
-  <p:tag name="ORIGINALWIDTH" val="775.4031"/>
-  <p:tag name="LATEXADDIN" val="&#10;&#10;\documentclass{article}&#10;\usepackage{amsmath}&#10;\usepackage{amsfonts}&#10;\usepackage{amssymb}&#10;\pagestyle{empty}&#10;\usepackage{xcolor}&#10;\usepackage{empheq}&#10;\begin{document}&#10;$p^{k}+1&gt;1+1$&#10;\end{document}"/>
+  <p:tag name="ORIGINALHEIGHT" val="87.73905"/>
+  <p:tag name="ORIGINALWIDTH" val="500.9374"/>
+  <p:tag name="LATEXADDIN" val="&#10;&#10;\documentclass{article}&#10;\usepackage{amsmath}&#10;\usepackage{amsfonts}&#10;\usepackage{amssymb}&#10;\pagestyle{empty}&#10;\usepackage{xcolor}&#10;\usepackage{empheq}&#10;\begin{document}&#10;$x-2&gt; 1$&#10;\end{document}"/>
   <p:tag name="IGUANATEXSIZE" val="18"/>
-  <p:tag name="IGUANATEXCURSOR" val="174"/>
+  <p:tag name="IGUANATEXCURSOR" val="172"/>
   <p:tag name="TRANSPARENCY" val="False"/>
   <p:tag name="LATEXENGINEID" val="0"/>
   <p:tag name="TEMPFOLDER" val="C:\Users\cosA\OneDrive\Documents\temp\"/>
@@ -21081,10 +21201,10 @@
 <p:tagLst xmlns:a="http://schemas.openxmlformats.org/drawingml/2006/main" xmlns:r="http://schemas.openxmlformats.org/officeDocument/2006/relationships" xmlns:p="http://schemas.openxmlformats.org/presentationml/2006/main">
   <p:tag name="OUTPUTDPI" val="1200"/>
   <p:tag name="ORIGINALHEIGHT" val="129.7338"/>
-  <p:tag name="ORIGINALWIDTH" val="550.4312"/>
-  <p:tag name="LATEXADDIN" val="&#10;&#10;\documentclass{article}&#10;\usepackage{amsmath}&#10;\usepackage{amsfonts}&#10;\usepackage{amssymb}&#10;\pagestyle{empty}&#10;\usepackage{xcolor}&#10;\usepackage{empheq}&#10;\begin{document}&#10;$1+p^{k}&gt;2$&#10;\end{document}"/>
+  <p:tag name="ORIGINALWIDTH" val="734.9081"/>
+  <p:tag name="LATEXADDIN" val="\documentclass{article}&#10;\usepackage{amsmath}&#10;\pagestyle{empty}&#10;\usepackage{xcolor}&#10;\usepackage{empheq}&#10;\begin{document}&#10;$ 1  =2^{x-2}-p^{k} $&#10;\end{document}"/>
   <p:tag name="IGUANATEXSIZE" val="18"/>
-  <p:tag name="IGUANATEXCURSOR" val="168"/>
+  <p:tag name="IGUANATEXCURSOR" val="122"/>
   <p:tag name="TRANSPARENCY" val="False"/>
   <p:tag name="LATEXENGINEID" val="0"/>
   <p:tag name="TEMPFOLDER" val="C:\Users\cosA\OneDrive\Documents\temp\"/>
@@ -21116,42 +21236,6 @@
 <file path=ppt/tags/tag140.xml><?xml version="1.0" encoding="utf-8"?>
 <p:tagLst xmlns:a="http://schemas.openxmlformats.org/drawingml/2006/main" xmlns:r="http://schemas.openxmlformats.org/officeDocument/2006/relationships" xmlns:p="http://schemas.openxmlformats.org/presentationml/2006/main">
   <p:tag name="OUTPUTDPI" val="1200"/>
-  <p:tag name="ORIGINALHEIGHT" val="129.7338"/>
-  <p:tag name="ORIGINALWIDTH" val="938.1328"/>
-  <p:tag name="LATEXADDIN" val="&#10;&#10;\documentclass{article}&#10;\usepackage{amsmath}&#10;\usepackage{amsfonts}&#10;\usepackage{amssymb}&#10;\pagestyle{empty}&#10;\usepackage{xcolor}&#10;\usepackage{empheq}&#10;\begin{document}&#10;${\color{red}2^{x-2}=}1+p^{k}&gt;2$&#10;\end{document}"/>
-  <p:tag name="IGUANATEXSIZE" val="18"/>
-  <p:tag name="IGUANATEXCURSOR" val="187"/>
-  <p:tag name="TRANSPARENCY" val="False"/>
-  <p:tag name="LATEXENGINEID" val="0"/>
-  <p:tag name="TEMPFOLDER" val="C:\Users\cosA\OneDrive\Documents\temp\"/>
-  <p:tag name="LATEXFORMHEIGHT" val="312"/>
-  <p:tag name="LATEXFORMWIDTH" val="384"/>
-  <p:tag name="LATEXFORMWRAP" val="True"/>
-  <p:tag name="BITMAPVECTOR" val="0"/>
-</p:tagLst>
-</file>
-
-<file path=ppt/tags/tag141.xml><?xml version="1.0" encoding="utf-8"?>
-<p:tagLst xmlns:a="http://schemas.openxmlformats.org/drawingml/2006/main" xmlns:r="http://schemas.openxmlformats.org/officeDocument/2006/relationships" xmlns:p="http://schemas.openxmlformats.org/presentationml/2006/main">
-  <p:tag name="OUTPUTDPI" val="1200"/>
-  <p:tag name="ORIGINALHEIGHT" val="129.7338"/>
-  <p:tag name="ORIGINALWIDTH" val="734.9081"/>
-  <p:tag name="LATEXADDIN" val="\documentclass{article}&#10;\usepackage{amsmath}&#10;\pagestyle{empty}&#10;\usepackage{xcolor}&#10;\usepackage{empheq}&#10;\begin{document}&#10;$ 1  =2^{x-2}-p^{k} $&#10;\end{document}"/>
-  <p:tag name="IGUANATEXSIZE" val="18"/>
-  <p:tag name="IGUANATEXCURSOR" val="122"/>
-  <p:tag name="TRANSPARENCY" val="False"/>
-  <p:tag name="LATEXENGINEID" val="0"/>
-  <p:tag name="TEMPFOLDER" val="C:\Users\cosA\OneDrive\Documents\temp\"/>
-  <p:tag name="LATEXFORMHEIGHT" val="312"/>
-  <p:tag name="LATEXFORMWIDTH" val="384"/>
-  <p:tag name="LATEXFORMWRAP" val="True"/>
-  <p:tag name="BITMAPVECTOR" val="0"/>
-</p:tagLst>
-</file>
-
-<file path=ppt/tags/tag142.xml><?xml version="1.0" encoding="utf-8"?>
-<p:tagLst xmlns:a="http://schemas.openxmlformats.org/drawingml/2006/main" xmlns:r="http://schemas.openxmlformats.org/officeDocument/2006/relationships" xmlns:p="http://schemas.openxmlformats.org/presentationml/2006/main">
-  <p:tag name="OUTPUTDPI" val="1200"/>
   <p:tag name="ORIGINALHEIGHT" val="125.2343"/>
   <p:tag name="ORIGINALWIDTH" val="134.9832"/>
   <p:tag name="LATEXADDIN" val="\documentclass{article}&#10;\usepackage{amsmath}&#10;\pagestyle{empty}&#10;\usepackage{xcolor}&#10;\usepackage{empheq}&#10;\begin{document}&#10;${\color{red}\left ( 5 \right )}$&#10;\end{document}"/>
@@ -21167,7 +21251,7 @@
 </p:tagLst>
 </file>
 
-<file path=ppt/tags/tag143.xml><?xml version="1.0" encoding="utf-8"?>
+<file path=ppt/tags/tag141.xml><?xml version="1.0" encoding="utf-8"?>
 <p:tagLst xmlns:a="http://schemas.openxmlformats.org/drawingml/2006/main" xmlns:r="http://schemas.openxmlformats.org/officeDocument/2006/relationships" xmlns:p="http://schemas.openxmlformats.org/presentationml/2006/main">
   <p:tag name="OUTPUTDPI" val="1200"/>
   <p:tag name="ORIGINALHEIGHT" val="87.73905"/>
@@ -21185,7 +21269,79 @@
 </p:tagLst>
 </file>
 
+<file path=ppt/tags/tag142.xml><?xml version="1.0" encoding="utf-8"?>
+<p:tagLst xmlns:a="http://schemas.openxmlformats.org/drawingml/2006/main" xmlns:r="http://schemas.openxmlformats.org/officeDocument/2006/relationships" xmlns:p="http://schemas.openxmlformats.org/presentationml/2006/main">
+  <p:tag name="OUTPUTDPI" val="1200"/>
+  <p:tag name="ORIGINALHEIGHT" val="87.73905"/>
+  <p:tag name="ORIGINALWIDTH" val="275.2156"/>
+  <p:tag name="LATEXADDIN" val="&#10;&#10;\documentclass{article}&#10;\usepackage{amsmath}&#10;\usepackage{amsfonts}&#10;\usepackage{amssymb}&#10;\pagestyle{empty}&#10;\usepackage{xcolor}&#10;\usepackage{empheq}&#10;\begin{document}&#10;$2&gt; 1$&#10;\end{document}"/>
+  <p:tag name="IGUANATEXSIZE" val="18"/>
+  <p:tag name="IGUANATEXCURSOR" val="167"/>
+  <p:tag name="TRANSPARENCY" val="False"/>
+  <p:tag name="LATEXENGINEID" val="0"/>
+  <p:tag name="TEMPFOLDER" val="C:\Users\cosA\OneDrive\Documents\temp\"/>
+  <p:tag name="LATEXFORMHEIGHT" val="312"/>
+  <p:tag name="LATEXFORMWIDTH" val="384"/>
+  <p:tag name="LATEXFORMWRAP" val="True"/>
+  <p:tag name="BITMAPVECTOR" val="0"/>
+</p:tagLst>
+</file>
+
+<file path=ppt/tags/tag143.xml><?xml version="1.0" encoding="utf-8"?>
+<p:tagLst xmlns:a="http://schemas.openxmlformats.org/drawingml/2006/main" xmlns:r="http://schemas.openxmlformats.org/officeDocument/2006/relationships" xmlns:p="http://schemas.openxmlformats.org/presentationml/2006/main">
+  <p:tag name="OUTPUTDPI" val="1200"/>
+  <p:tag name="ORIGINALHEIGHT" val="106.4867"/>
+  <p:tag name="ORIGINALWIDTH" val="285.7143"/>
+  <p:tag name="LATEXADDIN" val="&#10;&#10;\documentclass{article}&#10;\usepackage{amsmath}&#10;\usepackage{amsfonts}&#10;\usepackage{amssymb}&#10;\pagestyle{empty}&#10;\usepackage{xcolor}&#10;\usepackage{empheq}&#10;\begin{document}&#10;$p&gt; 1$&#10;\end{document}"/>
+  <p:tag name="IGUANATEXSIZE" val="18"/>
+  <p:tag name="IGUANATEXCURSOR" val="167"/>
+  <p:tag name="TRANSPARENCY" val="False"/>
+  <p:tag name="LATEXENGINEID" val="0"/>
+  <p:tag name="TEMPFOLDER" val="C:\Users\cosA\OneDrive\Documents\temp\"/>
+  <p:tag name="LATEXFORMHEIGHT" val="312"/>
+  <p:tag name="LATEXFORMWIDTH" val="384"/>
+  <p:tag name="LATEXFORMWRAP" val="True"/>
+  <p:tag name="BITMAPVECTOR" val="0"/>
+</p:tagLst>
+</file>
+
 <file path=ppt/tags/tag144.xml><?xml version="1.0" encoding="utf-8"?>
+<p:tagLst xmlns:a="http://schemas.openxmlformats.org/drawingml/2006/main" xmlns:r="http://schemas.openxmlformats.org/officeDocument/2006/relationships" xmlns:p="http://schemas.openxmlformats.org/presentationml/2006/main">
+  <p:tag name="OUTPUTDPI" val="1200"/>
+  <p:tag name="ORIGINALHEIGHT" val="87.73905"/>
+  <p:tag name="ORIGINALWIDTH" val="280.465"/>
+  <p:tag name="LATEXADDIN" val="\documentclass{article}&#10;\usepackage{amsmath}&#10;\pagestyle{empty}&#10;\usepackage{xcolor}&#10;\usepackage{empheq}&#10;\begin{document}&#10;$k= 1$&#10;\end{document}"/>
+  <p:tag name="IGUANATEXSIZE" val="31"/>
+  <p:tag name="IGUANATEXCURSOR" val="123"/>
+  <p:tag name="TRANSPARENCY" val="False"/>
+  <p:tag name="LATEXENGINEID" val="0"/>
+  <p:tag name="TEMPFOLDER" val="C:\Users\cosA\OneDrive\Documents\temp\"/>
+  <p:tag name="LATEXFORMHEIGHT" val="312"/>
+  <p:tag name="LATEXFORMWIDTH" val="384"/>
+  <p:tag name="LATEXFORMWRAP" val="True"/>
+  <p:tag name="BITMAPVECTOR" val="0"/>
+</p:tagLst>
+</file>
+
+<file path=ppt/tags/tag145.xml><?xml version="1.0" encoding="utf-8"?>
+<p:tagLst xmlns:a="http://schemas.openxmlformats.org/drawingml/2006/main" xmlns:r="http://schemas.openxmlformats.org/officeDocument/2006/relationships" xmlns:p="http://schemas.openxmlformats.org/presentationml/2006/main">
+  <p:tag name="OUTPUTDPI" val="1200"/>
+  <p:tag name="ORIGINALHEIGHT" val="125.2343"/>
+  <p:tag name="ORIGINALWIDTH" val="1172.104"/>
+  <p:tag name="LATEXADDIN" val="\documentclass{article}&#10;\usepackage{amsmath}&#10;\pagestyle{empty}&#10;\usepackage{xcolor}&#10;\usepackage{empheq}&#10;\begin{document}&#10;$ \left (a,b,x,y  \right )=\left ( 3,2,2,3 \right )$&#10;\end{document}"/>
+  <p:tag name="IGUANATEXSIZE" val="18"/>
+  <p:tag name="IGUANATEXCURSOR" val="171"/>
+  <p:tag name="TRANSPARENCY" val="False"/>
+  <p:tag name="LATEXENGINEID" val="0"/>
+  <p:tag name="TEMPFOLDER" val="C:\Users\cosA\OneDrive\Documents\temp\"/>
+  <p:tag name="LATEXFORMHEIGHT" val="312"/>
+  <p:tag name="LATEXFORMWIDTH" val="384"/>
+  <p:tag name="LATEXFORMWRAP" val="True"/>
+  <p:tag name="BITMAPVECTOR" val="0"/>
+</p:tagLst>
+</file>
+
+<file path=ppt/tags/tag146.xml><?xml version="1.0" encoding="utf-8"?>
 <p:tagLst xmlns:a="http://schemas.openxmlformats.org/drawingml/2006/main" xmlns:r="http://schemas.openxmlformats.org/officeDocument/2006/relationships" xmlns:p="http://schemas.openxmlformats.org/presentationml/2006/main">
   <p:tag name="OUTPUTDPI" val="1200"/>
   <p:tag name="ORIGINALHEIGHT" val="87.73905"/>
@@ -21203,50 +21359,14 @@
 </p:tagLst>
 </file>
 
-<file path=ppt/tags/tag145.xml><?xml version="1.0" encoding="utf-8"?>
-<p:tagLst xmlns:a="http://schemas.openxmlformats.org/drawingml/2006/main" xmlns:r="http://schemas.openxmlformats.org/officeDocument/2006/relationships" xmlns:p="http://schemas.openxmlformats.org/presentationml/2006/main">
-  <p:tag name="OUTPUTDPI" val="1200"/>
-  <p:tag name="ORIGINALHEIGHT" val="87.73905"/>
-  <p:tag name="ORIGINALWIDTH" val="275.2156"/>
-  <p:tag name="LATEXADDIN" val="&#10;&#10;\documentclass{article}&#10;\usepackage{amsmath}&#10;\usepackage{amsfonts}&#10;\usepackage{amssymb}&#10;\pagestyle{empty}&#10;\usepackage{xcolor}&#10;\usepackage{empheq}&#10;\begin{document}&#10;$2&gt; 1$&#10;\end{document}"/>
-  <p:tag name="IGUANATEXSIZE" val="18"/>
-  <p:tag name="IGUANATEXCURSOR" val="167"/>
-  <p:tag name="TRANSPARENCY" val="False"/>
-  <p:tag name="LATEXENGINEID" val="0"/>
-  <p:tag name="TEMPFOLDER" val="C:\Users\cosA\OneDrive\Documents\temp\"/>
-  <p:tag name="LATEXFORMHEIGHT" val="312"/>
-  <p:tag name="LATEXFORMWIDTH" val="384"/>
-  <p:tag name="LATEXFORMWRAP" val="True"/>
-  <p:tag name="BITMAPVECTOR" val="0"/>
-</p:tagLst>
-</file>
-
-<file path=ppt/tags/tag146.xml><?xml version="1.0" encoding="utf-8"?>
-<p:tagLst xmlns:a="http://schemas.openxmlformats.org/drawingml/2006/main" xmlns:r="http://schemas.openxmlformats.org/officeDocument/2006/relationships" xmlns:p="http://schemas.openxmlformats.org/presentationml/2006/main">
-  <p:tag name="OUTPUTDPI" val="1200"/>
-  <p:tag name="ORIGINALHEIGHT" val="106.4867"/>
-  <p:tag name="ORIGINALWIDTH" val="285.7143"/>
-  <p:tag name="LATEXADDIN" val="&#10;&#10;\documentclass{article}&#10;\usepackage{amsmath}&#10;\usepackage{amsfonts}&#10;\usepackage{amssymb}&#10;\pagestyle{empty}&#10;\usepackage{xcolor}&#10;\usepackage{empheq}&#10;\begin{document}&#10;$p&gt; 1$&#10;\end{document}"/>
-  <p:tag name="IGUANATEXSIZE" val="18"/>
-  <p:tag name="IGUANATEXCURSOR" val="167"/>
-  <p:tag name="TRANSPARENCY" val="False"/>
-  <p:tag name="LATEXENGINEID" val="0"/>
-  <p:tag name="TEMPFOLDER" val="C:\Users\cosA\OneDrive\Documents\temp\"/>
-  <p:tag name="LATEXFORMHEIGHT" val="312"/>
-  <p:tag name="LATEXFORMWIDTH" val="384"/>
-  <p:tag name="LATEXFORMWRAP" val="True"/>
-  <p:tag name="BITMAPVECTOR" val="0"/>
-</p:tagLst>
-</file>
-
 <file path=ppt/tags/tag147.xml><?xml version="1.0" encoding="utf-8"?>
 <p:tagLst xmlns:a="http://schemas.openxmlformats.org/drawingml/2006/main" xmlns:r="http://schemas.openxmlformats.org/officeDocument/2006/relationships" xmlns:p="http://schemas.openxmlformats.org/presentationml/2006/main">
   <p:tag name="OUTPUTDPI" val="1200"/>
-  <p:tag name="ORIGINALHEIGHT" val="87.73905"/>
-  <p:tag name="ORIGINALWIDTH" val="280.465"/>
-  <p:tag name="LATEXADDIN" val="\documentclass{article}&#10;\usepackage{amsmath}&#10;\pagestyle{empty}&#10;\usepackage{xcolor}&#10;\usepackage{empheq}&#10;\begin{document}&#10;$k= 1$&#10;\end{document}"/>
-  <p:tag name="IGUANATEXSIZE" val="31"/>
-  <p:tag name="IGUANATEXCURSOR" val="123"/>
+  <p:tag name="ORIGINALHEIGHT" val="149.2313"/>
+  <p:tag name="ORIGINALWIDTH" val="710.1613"/>
+  <p:tag name="LATEXADDIN" val="\documentclass{article}&#10;\usepackage{amsmath}&#10;\pagestyle{empty}&#10;\usepackage{xcolor}&#10;\usepackage{empheq}&#10;\begin{document}&#10;$\left ( z-p^{k} \right )=2^{v}$&#10;\end{document}"/>
+  <p:tag name="IGUANATEXSIZE" val="18"/>
+  <p:tag name="IGUANATEXCURSOR" val="151"/>
   <p:tag name="TRANSPARENCY" val="False"/>
   <p:tag name="LATEXENGINEID" val="0"/>
   <p:tag name="TEMPFOLDER" val="C:\Users\cosA\OneDrive\Documents\temp\"/>
@@ -21260,11 +21380,11 @@
 <file path=ppt/tags/tag148.xml><?xml version="1.0" encoding="utf-8"?>
 <p:tagLst xmlns:a="http://schemas.openxmlformats.org/drawingml/2006/main" xmlns:r="http://schemas.openxmlformats.org/officeDocument/2006/relationships" xmlns:p="http://schemas.openxmlformats.org/presentationml/2006/main">
   <p:tag name="OUTPUTDPI" val="1200"/>
-  <p:tag name="ORIGINALHEIGHT" val="126.7342"/>
-  <p:tag name="ORIGINALWIDTH" val="683.9145"/>
-  <p:tag name="LATEXADDIN" val="\documentclass{article}&#10;\usepackage{amsmath}&#10;\pagestyle{empty}&#10;\usepackage{xcolor}&#10;\usepackage{empheq}&#10;\begin{document}&#10;$ 1  =2^{x-2}-p $&#10;\end{document}"/>
+  <p:tag name="ORIGINALHEIGHT" val="125.2343"/>
+  <p:tag name="ORIGINALWIDTH" val="134.9832"/>
+  <p:tag name="LATEXADDIN" val="\documentclass{article}&#10;\usepackage{amsmath}&#10;\pagestyle{empty}&#10;\usepackage{xcolor}&#10;\usepackage{empheq}&#10;\begin{document}&#10;${\color{red}\left ( 2 \right )}$&#10;\end{document}"/>
   <p:tag name="IGUANATEXSIZE" val="18"/>
-  <p:tag name="IGUANATEXCURSOR" val="122"/>
+  <p:tag name="IGUANATEXCURSOR" val="142"/>
   <p:tag name="TRANSPARENCY" val="False"/>
   <p:tag name="LATEXENGINEID" val="0"/>
   <p:tag name="TEMPFOLDER" val="C:\Users\cosA\OneDrive\Documents\temp\"/>
@@ -21278,11 +21398,11 @@
 <file path=ppt/tags/tag149.xml><?xml version="1.0" encoding="utf-8"?>
 <p:tagLst xmlns:a="http://schemas.openxmlformats.org/drawingml/2006/main" xmlns:r="http://schemas.openxmlformats.org/officeDocument/2006/relationships" xmlns:p="http://schemas.openxmlformats.org/presentationml/2006/main">
   <p:tag name="OUTPUTDPI" val="1200"/>
-  <p:tag name="ORIGINALHEIGHT" val="126.7342"/>
-  <p:tag name="ORIGINALWIDTH" val="673.4158"/>
-  <p:tag name="LATEXADDIN" val="\documentclass{article}&#10;\usepackage{amsmath}&#10;\pagestyle{empty}&#10;\usepackage{xcolor}&#10;\usepackage{empheq}&#10;\begin{document}&#10;$ 1+p=2^{x-2} $&#10;\end{document}"/>
+  <p:tag name="ORIGINALHEIGHT" val="149.2313"/>
+  <p:tag name="ORIGINALWIDTH" val="1407.574"/>
+  <p:tag name="LATEXADDIN" val="\documentclass{article}&#10;\usepackage{amsmath}&#10;\pagestyle{empty}&#10;\usepackage{xcolor}&#10;\usepackage{empheq}&#10;\begin{document}&#10;$\left ( z-p^{1} \right )=2^{1} \Rightarrow z=p+2$&#10;\end{document}"/>
   <p:tag name="IGUANATEXSIZE" val="18"/>
-  <p:tag name="IGUANATEXCURSOR" val="125"/>
+  <p:tag name="IGUANATEXCURSOR" val="169"/>
   <p:tag name="TRANSPARENCY" val="False"/>
   <p:tag name="LATEXENGINEID" val="0"/>
   <p:tag name="TEMPFOLDER" val="C:\Users\cosA\OneDrive\Documents\temp\"/>
@@ -21314,6 +21434,78 @@
 <file path=ppt/tags/tag150.xml><?xml version="1.0" encoding="utf-8"?>
 <p:tagLst xmlns:a="http://schemas.openxmlformats.org/drawingml/2006/main" xmlns:r="http://schemas.openxmlformats.org/officeDocument/2006/relationships" xmlns:p="http://schemas.openxmlformats.org/presentationml/2006/main">
   <p:tag name="OUTPUTDPI" val="1200"/>
+  <p:tag name="ORIGINALHEIGHT" val="125.2343"/>
+  <p:tag name="ORIGINALWIDTH" val="134.9832"/>
+  <p:tag name="LATEXADDIN" val="\documentclass{article}&#10;\usepackage{amsmath}&#10;\pagestyle{empty}&#10;\usepackage{xcolor}&#10;\usepackage{empheq}&#10;\begin{document}&#10;${\color{red}\left ( 5 \right )}$&#10;\end{document}"/>
+  <p:tag name="IGUANATEXSIZE" val="18"/>
+  <p:tag name="IGUANATEXCURSOR" val="142"/>
+  <p:tag name="TRANSPARENCY" val="False"/>
+  <p:tag name="LATEXENGINEID" val="0"/>
+  <p:tag name="TEMPFOLDER" val="C:\Users\cosA\OneDrive\Documents\temp\"/>
+  <p:tag name="LATEXFORMHEIGHT" val="312"/>
+  <p:tag name="LATEXFORMWIDTH" val="384"/>
+  <p:tag name="LATEXFORMWRAP" val="True"/>
+  <p:tag name="BITMAPVECTOR" val="0"/>
+</p:tagLst>
+</file>
+
+<file path=ppt/tags/tag151.xml><?xml version="1.0" encoding="utf-8"?>
+<p:tagLst xmlns:a="http://schemas.openxmlformats.org/drawingml/2006/main" xmlns:r="http://schemas.openxmlformats.org/officeDocument/2006/relationships" xmlns:p="http://schemas.openxmlformats.org/presentationml/2006/main">
+  <p:tag name="OUTPUTDPI" val="1200"/>
+  <p:tag name="ORIGINALHEIGHT" val="126.7342"/>
+  <p:tag name="ORIGINALWIDTH" val="1628.796"/>
+  <p:tag name="LATEXADDIN" val="\documentclass{article}&#10;\usepackage{amsmath}&#10;\pagestyle{empty}&#10;\usepackage{xcolor}&#10;\usepackage{empheq}&#10;\begin{document}&#10;$ 1  =2^{x-2}-p^{1} \Rightarrow 1  =2^{x-2}-p $&#10;\end{document}"/>
+  <p:tag name="IGUANATEXSIZE" val="18"/>
+  <p:tag name="IGUANATEXCURSOR" val="165"/>
+  <p:tag name="TRANSPARENCY" val="False"/>
+  <p:tag name="LATEXENGINEID" val="0"/>
+  <p:tag name="TEMPFOLDER" val="C:\Users\cosA\OneDrive\Documents\temp\"/>
+  <p:tag name="LATEXFORMHEIGHT" val="312"/>
+  <p:tag name="LATEXFORMWIDTH" val="384"/>
+  <p:tag name="LATEXFORMWRAP" val="True"/>
+  <p:tag name="BITMAPVECTOR" val="0"/>
+</p:tagLst>
+</file>
+
+<file path=ppt/tags/tag152.xml><?xml version="1.0" encoding="utf-8"?>
+<p:tagLst xmlns:a="http://schemas.openxmlformats.org/drawingml/2006/main" xmlns:r="http://schemas.openxmlformats.org/officeDocument/2006/relationships" xmlns:p="http://schemas.openxmlformats.org/presentationml/2006/main">
+  <p:tag name="OUTPUTDPI" val="1200"/>
+  <p:tag name="ORIGINALHEIGHT" val="126.7342"/>
+  <p:tag name="ORIGINALWIDTH" val="683.9145"/>
+  <p:tag name="LATEXADDIN" val="\documentclass{article}&#10;\usepackage{amsmath}&#10;\pagestyle{empty}&#10;\usepackage{xcolor}&#10;\usepackage{empheq}&#10;\begin{document}&#10;$ 1  =2^{x-2}-p $&#10;\end{document}"/>
+  <p:tag name="IGUANATEXSIZE" val="18"/>
+  <p:tag name="IGUANATEXCURSOR" val="122"/>
+  <p:tag name="TRANSPARENCY" val="False"/>
+  <p:tag name="LATEXENGINEID" val="0"/>
+  <p:tag name="TEMPFOLDER" val="C:\Users\cosA\OneDrive\Documents\temp\"/>
+  <p:tag name="LATEXFORMHEIGHT" val="312"/>
+  <p:tag name="LATEXFORMWIDTH" val="384"/>
+  <p:tag name="LATEXFORMWRAP" val="True"/>
+  <p:tag name="BITMAPVECTOR" val="0"/>
+</p:tagLst>
+</file>
+
+<file path=ppt/tags/tag153.xml><?xml version="1.0" encoding="utf-8"?>
+<p:tagLst xmlns:a="http://schemas.openxmlformats.org/drawingml/2006/main" xmlns:r="http://schemas.openxmlformats.org/officeDocument/2006/relationships" xmlns:p="http://schemas.openxmlformats.org/presentationml/2006/main">
+  <p:tag name="OUTPUTDPI" val="1200"/>
+  <p:tag name="ORIGINALHEIGHT" val="126.7342"/>
+  <p:tag name="ORIGINALWIDTH" val="673.4158"/>
+  <p:tag name="LATEXADDIN" val="\documentclass{article}&#10;\usepackage{amsmath}&#10;\pagestyle{empty}&#10;\usepackage{xcolor}&#10;\usepackage{empheq}&#10;\begin{document}&#10;$ 1+p=2^{x-2} $&#10;\end{document}"/>
+  <p:tag name="IGUANATEXSIZE" val="18"/>
+  <p:tag name="IGUANATEXCURSOR" val="125"/>
+  <p:tag name="TRANSPARENCY" val="False"/>
+  <p:tag name="LATEXENGINEID" val="0"/>
+  <p:tag name="TEMPFOLDER" val="C:\Users\cosA\OneDrive\Documents\temp\"/>
+  <p:tag name="LATEXFORMHEIGHT" val="312"/>
+  <p:tag name="LATEXFORMWIDTH" val="384"/>
+  <p:tag name="LATEXFORMWRAP" val="True"/>
+  <p:tag name="BITMAPVECTOR" val="0"/>
+</p:tagLst>
+</file>
+
+<file path=ppt/tags/tag154.xml><?xml version="1.0" encoding="utf-8"?>
+<p:tagLst xmlns:a="http://schemas.openxmlformats.org/drawingml/2006/main" xmlns:r="http://schemas.openxmlformats.org/officeDocument/2006/relationships" xmlns:p="http://schemas.openxmlformats.org/presentationml/2006/main">
+  <p:tag name="OUTPUTDPI" val="1200"/>
   <p:tag name="ORIGINALHEIGHT" val="134.2332"/>
   <p:tag name="ORIGINALWIDTH" val="854.8931"/>
   <p:tag name="LATEXADDIN" val="\documentclass{article}&#10;\usepackage{amsmath}&#10;\pagestyle{empty}&#10;\usepackage{xcolor}&#10;\usepackage{empheq}&#10;\begin{document}&#10;$ 2^{2}\cdot \left ( 1+p \right )=2^{x} $&#10;\end{document}"/>
@@ -21329,7 +21521,7 @@
 </p:tagLst>
 </file>
 
-<file path=ppt/tags/tag151.xml><?xml version="1.0" encoding="utf-8"?>
+<file path=ppt/tags/tag155.xml><?xml version="1.0" encoding="utf-8"?>
 <p:tagLst xmlns:a="http://schemas.openxmlformats.org/drawingml/2006/main" xmlns:r="http://schemas.openxmlformats.org/officeDocument/2006/relationships" xmlns:p="http://schemas.openxmlformats.org/presentationml/2006/main">
   <p:tag name="OUTPUTDPI" val="1200"/>
   <p:tag name="ORIGINALHEIGHT" val="134.2332"/>
@@ -21347,7 +21539,7 @@
 </p:tagLst>
 </file>
 
-<file path=ppt/tags/tag152.xml><?xml version="1.0" encoding="utf-8"?>
+<file path=ppt/tags/tag156.xml><?xml version="1.0" encoding="utf-8"?>
 <p:tagLst xmlns:a="http://schemas.openxmlformats.org/drawingml/2006/main" xmlns:r="http://schemas.openxmlformats.org/officeDocument/2006/relationships" xmlns:p="http://schemas.openxmlformats.org/presentationml/2006/main">
   <p:tag name="OUTPUTDPI" val="1200"/>
   <p:tag name="ORIGINALHEIGHT" val="125.2343"/>
@@ -21365,7 +21557,7 @@
 </p:tagLst>
 </file>
 
-<file path=ppt/tags/tag153.xml><?xml version="1.0" encoding="utf-8"?>
+<file path=ppt/tags/tag157.xml><?xml version="1.0" encoding="utf-8"?>
 <p:tagLst xmlns:a="http://schemas.openxmlformats.org/drawingml/2006/main" xmlns:r="http://schemas.openxmlformats.org/officeDocument/2006/relationships" xmlns:p="http://schemas.openxmlformats.org/presentationml/2006/main">
   <p:tag name="OUTPUTDPI" val="1200"/>
   <p:tag name="ORIGINALHEIGHT" val="125.2343"/>
@@ -21383,7 +21575,7 @@
 </p:tagLst>
 </file>
 
-<file path=ppt/tags/tag154.xml><?xml version="1.0" encoding="utf-8"?>
+<file path=ppt/tags/tag158.xml><?xml version="1.0" encoding="utf-8"?>
 <p:tagLst xmlns:a="http://schemas.openxmlformats.org/drawingml/2006/main" xmlns:r="http://schemas.openxmlformats.org/officeDocument/2006/relationships" xmlns:p="http://schemas.openxmlformats.org/presentationml/2006/main">
   <p:tag name="OUTPUTDPI" val="1200"/>
   <p:tag name="ORIGINALHEIGHT" val="125.2343"/>
@@ -21401,7 +21593,7 @@
 </p:tagLst>
 </file>
 
-<file path=ppt/tags/tag155.xml><?xml version="1.0" encoding="utf-8"?>
+<file path=ppt/tags/tag159.xml><?xml version="1.0" encoding="utf-8"?>
 <p:tagLst xmlns:a="http://schemas.openxmlformats.org/drawingml/2006/main" xmlns:r="http://schemas.openxmlformats.org/officeDocument/2006/relationships" xmlns:p="http://schemas.openxmlformats.org/presentationml/2006/main">
   <p:tag name="OUTPUTDPI" val="1200"/>
   <p:tag name="ORIGINALHEIGHT" val="125.2343"/>
@@ -21409,78 +21601,6 @@
   <p:tag name="LATEXADDIN" val="\documentclass{article}&#10;\usepackage{amsmath}&#10;\pagestyle{empty}&#10;\usepackage{xcolor}&#10;\usepackage{empheq}&#10;\begin{document}&#10;${\color{red}\left ( 1 \right )}$&#10;\end{document}"/>
   <p:tag name="IGUANATEXSIZE" val="18"/>
   <p:tag name="IGUANATEXCURSOR" val="152"/>
-  <p:tag name="TRANSPARENCY" val="False"/>
-  <p:tag name="LATEXENGINEID" val="0"/>
-  <p:tag name="TEMPFOLDER" val="C:\Users\cosA\OneDrive\Documents\temp\"/>
-  <p:tag name="LATEXFORMHEIGHT" val="312"/>
-  <p:tag name="LATEXFORMWIDTH" val="384"/>
-  <p:tag name="LATEXFORMWRAP" val="True"/>
-  <p:tag name="BITMAPVECTOR" val="0"/>
-</p:tagLst>
-</file>
-
-<file path=ppt/tags/tag156.xml><?xml version="1.0" encoding="utf-8"?>
-<p:tagLst xmlns:a="http://schemas.openxmlformats.org/drawingml/2006/main" xmlns:r="http://schemas.openxmlformats.org/officeDocument/2006/relationships" xmlns:p="http://schemas.openxmlformats.org/presentationml/2006/main">
-  <p:tag name="OUTPUTDPI" val="1200"/>
-  <p:tag name="ORIGINALHEIGHT" val="125.2343"/>
-  <p:tag name="ORIGINALWIDTH" val="2178.478"/>
-  <p:tag name="LATEXADDIN" val="\documentclass{article}&#10;\usepackage{amsmath}&#10;\pagestyle{empty}&#10;\usepackage{xcolor}&#10;\usepackage{empheq}&#10;\begin{document}&#10;$\left ( x,p,y,z \right )=\left (2+\log _{2} \left ( 1+p \right ),p,2,p+2  \right ) $&#10;\end{document}"/>
-  <p:tag name="IGUANATEXSIZE" val="18"/>
-  <p:tag name="IGUANATEXCURSOR" val="203"/>
-  <p:tag name="TRANSPARENCY" val="False"/>
-  <p:tag name="LATEXENGINEID" val="0"/>
-  <p:tag name="TEMPFOLDER" val="C:\Users\cosA\OneDrive\Documents\temp\"/>
-  <p:tag name="LATEXFORMHEIGHT" val="312"/>
-  <p:tag name="LATEXFORMWIDTH" val="384"/>
-  <p:tag name="LATEXFORMWRAP" val="True"/>
-  <p:tag name="BITMAPVECTOR" val="0"/>
-</p:tagLst>
-</file>
-
-<file path=ppt/tags/tag157.xml><?xml version="1.0" encoding="utf-8"?>
-<p:tagLst xmlns:a="http://schemas.openxmlformats.org/drawingml/2006/main" xmlns:r="http://schemas.openxmlformats.org/officeDocument/2006/relationships" xmlns:p="http://schemas.openxmlformats.org/presentationml/2006/main">
-  <p:tag name="OUTPUTDPI" val="1200"/>
-  <p:tag name="ORIGINALHEIGHT" val="107.9865"/>
-  <p:tag name="ORIGINALWIDTH" val="281.2149"/>
-  <p:tag name="LATEXADDIN" val="&#10;&#10;\documentclass{article}&#10;\usepackage{amsmath}&#10;\usepackage{amsfonts}&#10;\usepackage{amssymb}&#10;\pagestyle{empty}&#10;\usepackage{xcolor}&#10;\usepackage{empheq}&#10;\begin{document}&#10;$y\geq 1 $&#10;\end{document}"/>
-  <p:tag name="IGUANATEXSIZE" val="18"/>
-  <p:tag name="IGUANATEXCURSOR" val="174"/>
-  <p:tag name="TRANSPARENCY" val="False"/>
-  <p:tag name="LATEXENGINEID" val="0"/>
-  <p:tag name="TEMPFOLDER" val="C:\Users\cosA\OneDrive\Documents\temp\"/>
-  <p:tag name="LATEXFORMHEIGHT" val="312"/>
-  <p:tag name="LATEXFORMWIDTH" val="384"/>
-  <p:tag name="LATEXFORMWRAP" val="True"/>
-  <p:tag name="BITMAPVECTOR" val="0"/>
-</p:tagLst>
-</file>
-
-<file path=ppt/tags/tag158.xml><?xml version="1.0" encoding="utf-8"?>
-<p:tagLst xmlns:a="http://schemas.openxmlformats.org/drawingml/2006/main" xmlns:r="http://schemas.openxmlformats.org/officeDocument/2006/relationships" xmlns:p="http://schemas.openxmlformats.org/presentationml/2006/main">
-  <p:tag name="OUTPUTDPI" val="1200"/>
-  <p:tag name="ORIGINALHEIGHT" val="116.2354"/>
-  <p:tag name="ORIGINALWIDTH" val="291.7135"/>
-  <p:tag name="LATEXADDIN" val="\documentclass{article}&#10;\usepackage{amsmath}&#10;\pagestyle{empty}&#10;\usepackage{xcolor}&#10;\usepackage{empheq}&#10;\begin{document}&#10;$x\neq 0$&#10;\end{document}"/>
-  <p:tag name="IGUANATEXSIZE" val="18"/>
-  <p:tag name="IGUANATEXCURSOR" val="128"/>
-  <p:tag name="TRANSPARENCY" val="False"/>
-  <p:tag name="LATEXENGINEID" val="0"/>
-  <p:tag name="TEMPFOLDER" val="C:\Users\cosA\OneDrive\Documents\temp\"/>
-  <p:tag name="LATEXFORMHEIGHT" val="312"/>
-  <p:tag name="LATEXFORMWIDTH" val="384"/>
-  <p:tag name="LATEXFORMWRAP" val="True"/>
-  <p:tag name="BITMAPVECTOR" val="0"/>
-</p:tagLst>
-</file>
-
-<file path=ppt/tags/tag159.xml><?xml version="1.0" encoding="utf-8"?>
-<p:tagLst xmlns:a="http://schemas.openxmlformats.org/drawingml/2006/main" xmlns:r="http://schemas.openxmlformats.org/officeDocument/2006/relationships" xmlns:p="http://schemas.openxmlformats.org/presentationml/2006/main">
-  <p:tag name="OUTPUTDPI" val="1200"/>
-  <p:tag name="ORIGINALHEIGHT" val="116.2354"/>
-  <p:tag name="ORIGINALWIDTH" val="289.4638"/>
-  <p:tag name="LATEXADDIN" val="\documentclass{article}&#10;\usepackage{amsmath}&#10;\usepackage{amssymb}&#10;\pagestyle{empty}&#10;\usepackage{xcolor}&#10;\usepackage{empheq}&#10;\begin{document}&#10;$ p\neq 2$&#10;\end{document}"/>
-  <p:tag name="IGUANATEXSIZE" val="18"/>
-  <p:tag name="IGUANATEXCURSOR" val="150"/>
   <p:tag name="TRANSPARENCY" val="False"/>
   <p:tag name="LATEXENGINEID" val="0"/>
   <p:tag name="TEMPFOLDER" val="C:\Users\cosA\OneDrive\Documents\temp\"/>
@@ -21512,6 +21632,78 @@
 <file path=ppt/tags/tag160.xml><?xml version="1.0" encoding="utf-8"?>
 <p:tagLst xmlns:a="http://schemas.openxmlformats.org/drawingml/2006/main" xmlns:r="http://schemas.openxmlformats.org/officeDocument/2006/relationships" xmlns:p="http://schemas.openxmlformats.org/presentationml/2006/main">
   <p:tag name="OUTPUTDPI" val="1200"/>
+  <p:tag name="ORIGINALHEIGHT" val="125.2343"/>
+  <p:tag name="ORIGINALWIDTH" val="2178.478"/>
+  <p:tag name="LATEXADDIN" val="\documentclass{article}&#10;\usepackage{amsmath}&#10;\pagestyle{empty}&#10;\usepackage{xcolor}&#10;\usepackage{empheq}&#10;\begin{document}&#10;$\left ( x,p,y,z \right )=\left (2+\log _{2} \left ( 1+p \right ),p,2,p+2  \right ) $&#10;\end{document}"/>
+  <p:tag name="IGUANATEXSIZE" val="18"/>
+  <p:tag name="IGUANATEXCURSOR" val="203"/>
+  <p:tag name="TRANSPARENCY" val="False"/>
+  <p:tag name="LATEXENGINEID" val="0"/>
+  <p:tag name="TEMPFOLDER" val="C:\Users\cosA\OneDrive\Documents\temp\"/>
+  <p:tag name="LATEXFORMHEIGHT" val="312"/>
+  <p:tag name="LATEXFORMWIDTH" val="384"/>
+  <p:tag name="LATEXFORMWRAP" val="True"/>
+  <p:tag name="BITMAPVECTOR" val="0"/>
+</p:tagLst>
+</file>
+
+<file path=ppt/tags/tag161.xml><?xml version="1.0" encoding="utf-8"?>
+<p:tagLst xmlns:a="http://schemas.openxmlformats.org/drawingml/2006/main" xmlns:r="http://schemas.openxmlformats.org/officeDocument/2006/relationships" xmlns:p="http://schemas.openxmlformats.org/presentationml/2006/main">
+  <p:tag name="OUTPUTDPI" val="1200"/>
+  <p:tag name="ORIGINALHEIGHT" val="107.9865"/>
+  <p:tag name="ORIGINALWIDTH" val="281.2149"/>
+  <p:tag name="LATEXADDIN" val="&#10;&#10;\documentclass{article}&#10;\usepackage{amsmath}&#10;\usepackage{amsfonts}&#10;\usepackage{amssymb}&#10;\pagestyle{empty}&#10;\usepackage{xcolor}&#10;\usepackage{empheq}&#10;\begin{document}&#10;$y\geq 1 $&#10;\end{document}"/>
+  <p:tag name="IGUANATEXSIZE" val="18"/>
+  <p:tag name="IGUANATEXCURSOR" val="174"/>
+  <p:tag name="TRANSPARENCY" val="False"/>
+  <p:tag name="LATEXENGINEID" val="0"/>
+  <p:tag name="TEMPFOLDER" val="C:\Users\cosA\OneDrive\Documents\temp\"/>
+  <p:tag name="LATEXFORMHEIGHT" val="312"/>
+  <p:tag name="LATEXFORMWIDTH" val="384"/>
+  <p:tag name="LATEXFORMWRAP" val="True"/>
+  <p:tag name="BITMAPVECTOR" val="0"/>
+</p:tagLst>
+</file>
+
+<file path=ppt/tags/tag162.xml><?xml version="1.0" encoding="utf-8"?>
+<p:tagLst xmlns:a="http://schemas.openxmlformats.org/drawingml/2006/main" xmlns:r="http://schemas.openxmlformats.org/officeDocument/2006/relationships" xmlns:p="http://schemas.openxmlformats.org/presentationml/2006/main">
+  <p:tag name="OUTPUTDPI" val="1200"/>
+  <p:tag name="ORIGINALHEIGHT" val="116.2354"/>
+  <p:tag name="ORIGINALWIDTH" val="291.7135"/>
+  <p:tag name="LATEXADDIN" val="\documentclass{article}&#10;\usepackage{amsmath}&#10;\pagestyle{empty}&#10;\usepackage{xcolor}&#10;\usepackage{empheq}&#10;\begin{document}&#10;$x\neq 0$&#10;\end{document}"/>
+  <p:tag name="IGUANATEXSIZE" val="18"/>
+  <p:tag name="IGUANATEXCURSOR" val="128"/>
+  <p:tag name="TRANSPARENCY" val="False"/>
+  <p:tag name="LATEXENGINEID" val="0"/>
+  <p:tag name="TEMPFOLDER" val="C:\Users\cosA\OneDrive\Documents\temp\"/>
+  <p:tag name="LATEXFORMHEIGHT" val="312"/>
+  <p:tag name="LATEXFORMWIDTH" val="384"/>
+  <p:tag name="LATEXFORMWRAP" val="True"/>
+  <p:tag name="BITMAPVECTOR" val="0"/>
+</p:tagLst>
+</file>
+
+<file path=ppt/tags/tag163.xml><?xml version="1.0" encoding="utf-8"?>
+<p:tagLst xmlns:a="http://schemas.openxmlformats.org/drawingml/2006/main" xmlns:r="http://schemas.openxmlformats.org/officeDocument/2006/relationships" xmlns:p="http://schemas.openxmlformats.org/presentationml/2006/main">
+  <p:tag name="OUTPUTDPI" val="1200"/>
+  <p:tag name="ORIGINALHEIGHT" val="116.2354"/>
+  <p:tag name="ORIGINALWIDTH" val="289.4638"/>
+  <p:tag name="LATEXADDIN" val="\documentclass{article}&#10;\usepackage{amsmath}&#10;\usepackage{amssymb}&#10;\pagestyle{empty}&#10;\usepackage{xcolor}&#10;\usepackage{empheq}&#10;\begin{document}&#10;$ p\neq 2$&#10;\end{document}"/>
+  <p:tag name="IGUANATEXSIZE" val="18"/>
+  <p:tag name="IGUANATEXCURSOR" val="150"/>
+  <p:tag name="TRANSPARENCY" val="False"/>
+  <p:tag name="LATEXENGINEID" val="0"/>
+  <p:tag name="TEMPFOLDER" val="C:\Users\cosA\OneDrive\Documents\temp\"/>
+  <p:tag name="LATEXFORMHEIGHT" val="312"/>
+  <p:tag name="LATEXFORMWIDTH" val="384"/>
+  <p:tag name="LATEXFORMWRAP" val="True"/>
+  <p:tag name="BITMAPVECTOR" val="0"/>
+</p:tagLst>
+</file>
+
+<file path=ppt/tags/tag164.xml><?xml version="1.0" encoding="utf-8"?>
+<p:tagLst xmlns:a="http://schemas.openxmlformats.org/drawingml/2006/main" xmlns:r="http://schemas.openxmlformats.org/officeDocument/2006/relationships" xmlns:p="http://schemas.openxmlformats.org/presentationml/2006/main">
+  <p:tag name="OUTPUTDPI" val="1200"/>
   <p:tag name="ORIGINALHEIGHT" val="56.24299"/>
   <p:tag name="ORIGINALWIDTH" val="53.24331"/>
   <p:tag name="LATEXADDIN" val="\documentclass{article}&#10;\usepackage{amsmath}&#10;\pagestyle{empty}&#10;\usepackage{xcolor}&#10;\usepackage{empheq}&#10;\begin{document}&#10;$z$&#10;\end{document}"/>
@@ -21527,7 +21719,7 @@
 </p:tagLst>
 </file>
 
-<file path=ppt/tags/tag161.xml><?xml version="1.0" encoding="utf-8"?>
+<file path=ppt/tags/tag165.xml><?xml version="1.0" encoding="utf-8"?>
 <p:tagLst xmlns:a="http://schemas.openxmlformats.org/drawingml/2006/main" xmlns:r="http://schemas.openxmlformats.org/officeDocument/2006/relationships" xmlns:p="http://schemas.openxmlformats.org/presentationml/2006/main">
   <p:tag name="OUTPUTDPI" val="1200"/>
   <p:tag name="ORIGINALHEIGHT" val="125.2343"/>
@@ -21545,7 +21737,7 @@
 </p:tagLst>
 </file>
 
-<file path=ppt/tags/tag162.xml><?xml version="1.0" encoding="utf-8"?>
+<file path=ppt/tags/tag166.xml><?xml version="1.0" encoding="utf-8"?>
 <p:tagLst xmlns:a="http://schemas.openxmlformats.org/drawingml/2006/main" xmlns:r="http://schemas.openxmlformats.org/officeDocument/2006/relationships" xmlns:p="http://schemas.openxmlformats.org/presentationml/2006/main">
   <p:tag name="OUTPUTDPI" val="1200"/>
   <p:tag name="ORIGINALHEIGHT" val="134.2332"/>
@@ -21563,7 +21755,7 @@
 </p:tagLst>
 </file>
 
-<file path=ppt/tags/tag163.xml><?xml version="1.0" encoding="utf-8"?>
+<file path=ppt/tags/tag167.xml><?xml version="1.0" encoding="utf-8"?>
 <p:tagLst xmlns:a="http://schemas.openxmlformats.org/drawingml/2006/main" xmlns:r="http://schemas.openxmlformats.org/officeDocument/2006/relationships" xmlns:p="http://schemas.openxmlformats.org/presentationml/2006/main">
   <p:tag name="OUTPUTDPI" val="1200"/>
   <p:tag name="ORIGINALHEIGHT" val="134.2332"/>
@@ -21581,7 +21773,7 @@
 </p:tagLst>
 </file>
 
-<file path=ppt/tags/tag164.xml><?xml version="1.0" encoding="utf-8"?>
+<file path=ppt/tags/tag168.xml><?xml version="1.0" encoding="utf-8"?>
 <p:tagLst xmlns:a="http://schemas.openxmlformats.org/drawingml/2006/main" xmlns:r="http://schemas.openxmlformats.org/officeDocument/2006/relationships" xmlns:p="http://schemas.openxmlformats.org/presentationml/2006/main">
   <p:tag name="OUTPUTDPI" val="1200"/>
   <p:tag name="ORIGINALHEIGHT" val="125.2343"/>
@@ -21599,7 +21791,7 @@
 </p:tagLst>
 </file>
 
-<file path=ppt/tags/tag165.xml><?xml version="1.0" encoding="utf-8"?>
+<file path=ppt/tags/tag169.xml><?xml version="1.0" encoding="utf-8"?>
 <p:tagLst xmlns:a="http://schemas.openxmlformats.org/drawingml/2006/main" xmlns:r="http://schemas.openxmlformats.org/officeDocument/2006/relationships" xmlns:p="http://schemas.openxmlformats.org/presentationml/2006/main">
   <p:tag name="OUTPUTDPI" val="1200"/>
   <p:tag name="ORIGINALHEIGHT" val="125.2343"/>
@@ -21607,78 +21799,6 @@
   <p:tag name="LATEXADDIN" val="\documentclass{article}&#10;\usepackage{amsmath}&#10;\pagestyle{empty}&#10;\usepackage{xcolor}&#10;\usepackage{empheq}&#10;\begin{document}&#10;$p\equiv -1\left ( \mod4 \right )$&#10;\end{document}"/>
   <p:tag name="IGUANATEXSIZE" val="18"/>
   <p:tag name="IGUANATEXCURSOR" val="131"/>
-  <p:tag name="TRANSPARENCY" val="False"/>
-  <p:tag name="LATEXENGINEID" val="0"/>
-  <p:tag name="TEMPFOLDER" val="C:\Users\cosA\OneDrive\Documents\temp\"/>
-  <p:tag name="LATEXFORMHEIGHT" val="312"/>
-  <p:tag name="LATEXFORMWIDTH" val="384"/>
-  <p:tag name="LATEXFORMWRAP" val="True"/>
-  <p:tag name="BITMAPVECTOR" val="0"/>
-</p:tagLst>
-</file>
-
-<file path=ppt/tags/tag166.xml><?xml version="1.0" encoding="utf-8"?>
-<p:tagLst xmlns:a="http://schemas.openxmlformats.org/drawingml/2006/main" xmlns:r="http://schemas.openxmlformats.org/officeDocument/2006/relationships" xmlns:p="http://schemas.openxmlformats.org/presentationml/2006/main">
-  <p:tag name="OUTPUTDPI" val="1200"/>
-  <p:tag name="ORIGINALHEIGHT" val="132.7334"/>
-  <p:tag name="ORIGINALWIDTH" val="1139.108"/>
-  <p:tag name="LATEXADDIN" val="\documentclass{article}&#10;\usepackage{amsmath}&#10;\pagestyle{empty}&#10;\usepackage{xcolor}&#10;\usepackage{empheq}&#10;\begin{document}&#10;$p^{y}\equiv \left(-1\right)^{y}\left ( \mod4 \right )$&#10;\end{document}"/>
-  <p:tag name="IGUANATEXSIZE" val="18"/>
-  <p:tag name="IGUANATEXCURSOR" val="151"/>
-  <p:tag name="TRANSPARENCY" val="False"/>
-  <p:tag name="LATEXENGINEID" val="0"/>
-  <p:tag name="TEMPFOLDER" val="C:\Users\cosA\OneDrive\Documents\temp\"/>
-  <p:tag name="LATEXFORMHEIGHT" val="312"/>
-  <p:tag name="LATEXFORMWIDTH" val="384"/>
-  <p:tag name="LATEXFORMWRAP" val="True"/>
-  <p:tag name="BITMAPVECTOR" val="0"/>
-</p:tagLst>
-</file>
-
-<file path=ppt/tags/tag167.xml><?xml version="1.0" encoding="utf-8"?>
-<p:tagLst xmlns:a="http://schemas.openxmlformats.org/drawingml/2006/main" xmlns:r="http://schemas.openxmlformats.org/officeDocument/2006/relationships" xmlns:p="http://schemas.openxmlformats.org/presentationml/2006/main">
-  <p:tag name="OUTPUTDPI" val="1200"/>
-  <p:tag name="ORIGINALHEIGHT" val="125.2343"/>
-  <p:tag name="ORIGINALWIDTH" val="982.3771"/>
-  <p:tag name="LATEXADDIN" val="\documentclass{article}&#10;\usepackage{amsmath}&#10;\pagestyle{empty}&#10;\usepackage{xcolor}&#10;\usepackage{empheq}&#10;\begin{document}&#10;$p^{y}\equiv -1\left ( \mod4 \right )$&#10;\end{document}"/>
-  <p:tag name="IGUANATEXSIZE" val="18"/>
-  <p:tag name="IGUANATEXCURSOR" val="133"/>
-  <p:tag name="TRANSPARENCY" val="False"/>
-  <p:tag name="LATEXENGINEID" val="0"/>
-  <p:tag name="TEMPFOLDER" val="C:\Users\cosA\OneDrive\Documents\temp\"/>
-  <p:tag name="LATEXFORMHEIGHT" val="312"/>
-  <p:tag name="LATEXFORMWIDTH" val="384"/>
-  <p:tag name="LATEXFORMWRAP" val="True"/>
-  <p:tag name="BITMAPVECTOR" val="0"/>
-</p:tagLst>
-</file>
-
-<file path=ppt/tags/tag168.xml><?xml version="1.0" encoding="utf-8"?>
-<p:tagLst xmlns:a="http://schemas.openxmlformats.org/drawingml/2006/main" xmlns:r="http://schemas.openxmlformats.org/officeDocument/2006/relationships" xmlns:p="http://schemas.openxmlformats.org/presentationml/2006/main">
-  <p:tag name="OUTPUTDPI" val="1200"/>
-  <p:tag name="ORIGINALHEIGHT" val="116.2354"/>
-  <p:tag name="ORIGINALWIDTH" val="286.4642"/>
-  <p:tag name="LATEXADDIN" val="\documentclass{article}&#10;\usepackage{amsmath}&#10;\pagestyle{empty}&#10;\usepackage{xcolor}&#10;\usepackage{empheq}&#10;\begin{document}&#10;$x\neq 1$&#10;\end{document}"/>
-  <p:tag name="IGUANATEXSIZE" val="18"/>
-  <p:tag name="IGUANATEXCURSOR" val="121"/>
-  <p:tag name="TRANSPARENCY" val="False"/>
-  <p:tag name="LATEXENGINEID" val="0"/>
-  <p:tag name="TEMPFOLDER" val="C:\Users\cosA\OneDrive\Documents\temp\"/>
-  <p:tag name="LATEXFORMHEIGHT" val="312"/>
-  <p:tag name="LATEXFORMWIDTH" val="384"/>
-  <p:tag name="LATEXFORMWRAP" val="True"/>
-  <p:tag name="BITMAPVECTOR" val="0"/>
-</p:tagLst>
-</file>
-
-<file path=ppt/tags/tag169.xml><?xml version="1.0" encoding="utf-8"?>
-<p:tagLst xmlns:a="http://schemas.openxmlformats.org/drawingml/2006/main" xmlns:r="http://schemas.openxmlformats.org/officeDocument/2006/relationships" xmlns:p="http://schemas.openxmlformats.org/presentationml/2006/main">
-  <p:tag name="OUTPUTDPI" val="1200"/>
-  <p:tag name="ORIGINALHEIGHT" val="125.2343"/>
-  <p:tag name="ORIGINALWIDTH" val="877.3903"/>
-  <p:tag name="LATEXADDIN" val="\documentclass{article}&#10;\usepackage{amsmath}&#10;\pagestyle{empty}&#10;\usepackage{xcolor}&#10;\usepackage{empheq}&#10;\begin{document}&#10;$2^{x}\equiv 0\left ( \mod4 \right )$&#10;\end{document}"/>
-  <p:tag name="IGUANATEXSIZE" val="18"/>
-  <p:tag name="IGUANATEXCURSOR" val="125"/>
   <p:tag name="TRANSPARENCY" val="False"/>
   <p:tag name="LATEXENGINEID" val="0"/>
   <p:tag name="TEMPFOLDER" val="C:\Users\cosA\OneDrive\Documents\temp\"/>
@@ -21710,6 +21830,78 @@
 <file path=ppt/tags/tag170.xml><?xml version="1.0" encoding="utf-8"?>
 <p:tagLst xmlns:a="http://schemas.openxmlformats.org/drawingml/2006/main" xmlns:r="http://schemas.openxmlformats.org/officeDocument/2006/relationships" xmlns:p="http://schemas.openxmlformats.org/presentationml/2006/main">
   <p:tag name="OUTPUTDPI" val="1200"/>
+  <p:tag name="ORIGINALHEIGHT" val="132.7334"/>
+  <p:tag name="ORIGINALWIDTH" val="1139.108"/>
+  <p:tag name="LATEXADDIN" val="\documentclass{article}&#10;\usepackage{amsmath}&#10;\pagestyle{empty}&#10;\usepackage{xcolor}&#10;\usepackage{empheq}&#10;\begin{document}&#10;$p^{y}\equiv \left(-1\right)^{y}\left ( \mod4 \right )$&#10;\end{document}"/>
+  <p:tag name="IGUANATEXSIZE" val="18"/>
+  <p:tag name="IGUANATEXCURSOR" val="151"/>
+  <p:tag name="TRANSPARENCY" val="False"/>
+  <p:tag name="LATEXENGINEID" val="0"/>
+  <p:tag name="TEMPFOLDER" val="C:\Users\cosA\OneDrive\Documents\temp\"/>
+  <p:tag name="LATEXFORMHEIGHT" val="312"/>
+  <p:tag name="LATEXFORMWIDTH" val="384"/>
+  <p:tag name="LATEXFORMWRAP" val="True"/>
+  <p:tag name="BITMAPVECTOR" val="0"/>
+</p:tagLst>
+</file>
+
+<file path=ppt/tags/tag171.xml><?xml version="1.0" encoding="utf-8"?>
+<p:tagLst xmlns:a="http://schemas.openxmlformats.org/drawingml/2006/main" xmlns:r="http://schemas.openxmlformats.org/officeDocument/2006/relationships" xmlns:p="http://schemas.openxmlformats.org/presentationml/2006/main">
+  <p:tag name="OUTPUTDPI" val="1200"/>
+  <p:tag name="ORIGINALHEIGHT" val="125.2343"/>
+  <p:tag name="ORIGINALWIDTH" val="982.3771"/>
+  <p:tag name="LATEXADDIN" val="\documentclass{article}&#10;\usepackage{amsmath}&#10;\pagestyle{empty}&#10;\usepackage{xcolor}&#10;\usepackage{empheq}&#10;\begin{document}&#10;$p^{y}\equiv -1\left ( \mod4 \right )$&#10;\end{document}"/>
+  <p:tag name="IGUANATEXSIZE" val="18"/>
+  <p:tag name="IGUANATEXCURSOR" val="133"/>
+  <p:tag name="TRANSPARENCY" val="False"/>
+  <p:tag name="LATEXENGINEID" val="0"/>
+  <p:tag name="TEMPFOLDER" val="C:\Users\cosA\OneDrive\Documents\temp\"/>
+  <p:tag name="LATEXFORMHEIGHT" val="312"/>
+  <p:tag name="LATEXFORMWIDTH" val="384"/>
+  <p:tag name="LATEXFORMWRAP" val="True"/>
+  <p:tag name="BITMAPVECTOR" val="0"/>
+</p:tagLst>
+</file>
+
+<file path=ppt/tags/tag172.xml><?xml version="1.0" encoding="utf-8"?>
+<p:tagLst xmlns:a="http://schemas.openxmlformats.org/drawingml/2006/main" xmlns:r="http://schemas.openxmlformats.org/officeDocument/2006/relationships" xmlns:p="http://schemas.openxmlformats.org/presentationml/2006/main">
+  <p:tag name="OUTPUTDPI" val="1200"/>
+  <p:tag name="ORIGINALHEIGHT" val="116.2354"/>
+  <p:tag name="ORIGINALWIDTH" val="286.4642"/>
+  <p:tag name="LATEXADDIN" val="\documentclass{article}&#10;\usepackage{amsmath}&#10;\pagestyle{empty}&#10;\usepackage{xcolor}&#10;\usepackage{empheq}&#10;\begin{document}&#10;$x\neq 1$&#10;\end{document}"/>
+  <p:tag name="IGUANATEXSIZE" val="18"/>
+  <p:tag name="IGUANATEXCURSOR" val="121"/>
+  <p:tag name="TRANSPARENCY" val="False"/>
+  <p:tag name="LATEXENGINEID" val="0"/>
+  <p:tag name="TEMPFOLDER" val="C:\Users\cosA\OneDrive\Documents\temp\"/>
+  <p:tag name="LATEXFORMHEIGHT" val="312"/>
+  <p:tag name="LATEXFORMWIDTH" val="384"/>
+  <p:tag name="LATEXFORMWRAP" val="True"/>
+  <p:tag name="BITMAPVECTOR" val="0"/>
+</p:tagLst>
+</file>
+
+<file path=ppt/tags/tag173.xml><?xml version="1.0" encoding="utf-8"?>
+<p:tagLst xmlns:a="http://schemas.openxmlformats.org/drawingml/2006/main" xmlns:r="http://schemas.openxmlformats.org/officeDocument/2006/relationships" xmlns:p="http://schemas.openxmlformats.org/presentationml/2006/main">
+  <p:tag name="OUTPUTDPI" val="1200"/>
+  <p:tag name="ORIGINALHEIGHT" val="125.2343"/>
+  <p:tag name="ORIGINALWIDTH" val="877.3903"/>
+  <p:tag name="LATEXADDIN" val="\documentclass{article}&#10;\usepackage{amsmath}&#10;\pagestyle{empty}&#10;\usepackage{xcolor}&#10;\usepackage{empheq}&#10;\begin{document}&#10;$2^{x}\equiv 0\left ( \mod4 \right )$&#10;\end{document}"/>
+  <p:tag name="IGUANATEXSIZE" val="18"/>
+  <p:tag name="IGUANATEXCURSOR" val="125"/>
+  <p:tag name="TRANSPARENCY" val="False"/>
+  <p:tag name="LATEXENGINEID" val="0"/>
+  <p:tag name="TEMPFOLDER" val="C:\Users\cosA\OneDrive\Documents\temp\"/>
+  <p:tag name="LATEXFORMHEIGHT" val="312"/>
+  <p:tag name="LATEXFORMWIDTH" val="384"/>
+  <p:tag name="LATEXFORMWRAP" val="True"/>
+  <p:tag name="BITMAPVECTOR" val="0"/>
+</p:tagLst>
+</file>
+
+<file path=ppt/tags/tag174.xml><?xml version="1.0" encoding="utf-8"?>
+<p:tagLst xmlns:a="http://schemas.openxmlformats.org/drawingml/2006/main" xmlns:r="http://schemas.openxmlformats.org/officeDocument/2006/relationships" xmlns:p="http://schemas.openxmlformats.org/presentationml/2006/main">
+  <p:tag name="OUTPUTDPI" val="1200"/>
   <p:tag name="ORIGINALHEIGHT" val="99.73756"/>
   <p:tag name="ORIGINALWIDTH" val="290.9636"/>
   <p:tag name="LATEXADDIN" val="&#10;&#10;\documentclass{article}&#10;\usepackage{amsmath}&#10;\usepackage{amsfonts}&#10;\usepackage{amssymb}&#10;\pagestyle{empty}&#10;\usepackage{xcolor}&#10;\usepackage{empheq}&#10;\begin{document}&#10;$x\geq 3 $&#10;\end{document}"/>
@@ -21725,7 +21917,7 @@
 </p:tagLst>
 </file>
 
-<file path=ppt/tags/tag171.xml><?xml version="1.0" encoding="utf-8"?>
+<file path=ppt/tags/tag175.xml><?xml version="1.0" encoding="utf-8"?>
 <p:tagLst xmlns:a="http://schemas.openxmlformats.org/drawingml/2006/main" xmlns:r="http://schemas.openxmlformats.org/officeDocument/2006/relationships" xmlns:p="http://schemas.openxmlformats.org/presentationml/2006/main">
   <p:tag name="OUTPUTDPI" val="1200"/>
   <p:tag name="ORIGINALHEIGHT" val="125.2343"/>
@@ -21743,7 +21935,7 @@
 </p:tagLst>
 </file>
 
-<file path=ppt/tags/tag172.xml><?xml version="1.0" encoding="utf-8"?>
+<file path=ppt/tags/tag176.xml><?xml version="1.0" encoding="utf-8"?>
 <p:tagLst xmlns:a="http://schemas.openxmlformats.org/drawingml/2006/main" xmlns:r="http://schemas.openxmlformats.org/officeDocument/2006/relationships" xmlns:p="http://schemas.openxmlformats.org/presentationml/2006/main">
   <p:tag name="OUTPUTDPI" val="1200"/>
   <p:tag name="ORIGINALHEIGHT" val="134.2332"/>
@@ -21761,7 +21953,7 @@
 </p:tagLst>
 </file>
 
-<file path=ppt/tags/tag173.xml><?xml version="1.0" encoding="utf-8"?>
+<file path=ppt/tags/tag177.xml><?xml version="1.0" encoding="utf-8"?>
 <p:tagLst xmlns:a="http://schemas.openxmlformats.org/drawingml/2006/main" xmlns:r="http://schemas.openxmlformats.org/officeDocument/2006/relationships" xmlns:p="http://schemas.openxmlformats.org/presentationml/2006/main">
   <p:tag name="OUTPUTDPI" val="1200"/>
   <p:tag name="ORIGINALHEIGHT" val="134.2332"/>
@@ -21779,7 +21971,7 @@
 </p:tagLst>
 </file>
 
-<file path=ppt/tags/tag174.xml><?xml version="1.0" encoding="utf-8"?>
+<file path=ppt/tags/tag178.xml><?xml version="1.0" encoding="utf-8"?>
 <p:tagLst xmlns:a="http://schemas.openxmlformats.org/drawingml/2006/main" xmlns:r="http://schemas.openxmlformats.org/officeDocument/2006/relationships" xmlns:p="http://schemas.openxmlformats.org/presentationml/2006/main">
   <p:tag name="OUTPUTDPI" val="1200"/>
   <p:tag name="ORIGINALHEIGHT" val="125.2343"/>
@@ -21797,7 +21989,7 @@
 </p:tagLst>
 </file>
 
-<file path=ppt/tags/tag175.xml><?xml version="1.0" encoding="utf-8"?>
+<file path=ppt/tags/tag179.xml><?xml version="1.0" encoding="utf-8"?>
 <p:tagLst xmlns:a="http://schemas.openxmlformats.org/drawingml/2006/main" xmlns:r="http://schemas.openxmlformats.org/officeDocument/2006/relationships" xmlns:p="http://schemas.openxmlformats.org/presentationml/2006/main">
   <p:tag name="OUTPUTDPI" val="1200"/>
   <p:tag name="ORIGINALHEIGHT" val="125.2343"/>
@@ -21805,42 +21997,6 @@
   <p:tag name="LATEXADDIN" val="\documentclass{article}&#10;\usepackage{amsmath}&#10;\pagestyle{empty}&#10;\usepackage{xcolor}&#10;\usepackage{empheq}&#10;\begin{document}&#10;$\left ( x,p,y,z \right )\in    \left \{ \left ( 3,p,0,3 \right ) \right \}  \cup   \left \{ \left ( 0,3,1,2 \right ) \right \} \cup \left \{ \left ( 2+log_{2}\left ( p+1 \right ) ,p,2,p+2\right ) \right \}$&#10;\end{document}"/>
   <p:tag name="IGUANATEXSIZE" val="18"/>
   <p:tag name="IGUANATEXCURSOR" val="316"/>
-  <p:tag name="TRANSPARENCY" val="False"/>
-  <p:tag name="LATEXENGINEID" val="0"/>
-  <p:tag name="TEMPFOLDER" val="C:\Users\cosA\OneDrive\Documents\temp\"/>
-  <p:tag name="LATEXFORMHEIGHT" val="312"/>
-  <p:tag name="LATEXFORMWIDTH" val="384"/>
-  <p:tag name="LATEXFORMWRAP" val="True"/>
-  <p:tag name="BITMAPVECTOR" val="0"/>
-</p:tagLst>
-</file>
-
-<file path=ppt/tags/tag176.xml><?xml version="1.0" encoding="utf-8"?>
-<p:tagLst xmlns:a="http://schemas.openxmlformats.org/drawingml/2006/main" xmlns:r="http://schemas.openxmlformats.org/officeDocument/2006/relationships" xmlns:p="http://schemas.openxmlformats.org/presentationml/2006/main">
-  <p:tag name="OUTPUTDPI" val="1200"/>
-  <p:tag name="ORIGINALHEIGHT" val="84.73937"/>
-  <p:tag name="ORIGINALWIDTH" val="315.7105"/>
-  <p:tag name="LATEXADDIN" val="\documentclass{article}&#10;\usepackage{amsmath}&#10;\pagestyle{empty}&#10;\usepackage{xcolor}&#10;\usepackage{empheq}&#10;\begin{document}&#10;{Y}=2{\color{blue}x}&#10;\end{document}"/>
-  <p:tag name="IGUANATEXSIZE" val="18"/>
-  <p:tag name="IGUANATEXCURSOR" val="122"/>
-  <p:tag name="TRANSPARENCY" val="False"/>
-  <p:tag name="LATEXENGINEID" val="0"/>
-  <p:tag name="TEMPFOLDER" val="C:\Users\cosA\OneDrive\Documents\temp\"/>
-  <p:tag name="LATEXFORMHEIGHT" val="312"/>
-  <p:tag name="LATEXFORMWIDTH" val="384"/>
-  <p:tag name="LATEXFORMWRAP" val="True"/>
-  <p:tag name="BITMAPVECTOR" val="0"/>
-</p:tagLst>
-</file>
-
-<file path=ppt/tags/tag177.xml><?xml version="1.0" encoding="utf-8"?>
-<p:tagLst xmlns:a="http://schemas.openxmlformats.org/drawingml/2006/main" xmlns:r="http://schemas.openxmlformats.org/officeDocument/2006/relationships" xmlns:p="http://schemas.openxmlformats.org/presentationml/2006/main">
-  <p:tag name="OUTPUTDPI" val="1200"/>
-  <p:tag name="ORIGINALHEIGHT" val="126.7342"/>
-  <p:tag name="ORIGINALWIDTH" val="667.4166"/>
-  <p:tag name="LATEXADDIN" val="\documentclass{article}&#10;\usepackage{amsmath}&#10;\pagestyle{empty}&#10;\usepackage{xcolor}&#10;\usepackage{empheq}&#10;\begin{document}&#10;${\color{green}2^{x}+p^{y}}={\color{blue}z^{2}}$&#10;\end{document}"/>
-  <p:tag name="IGUANATEXSIZE" val="18"/>
-  <p:tag name="IGUANATEXCURSOR" val="168"/>
   <p:tag name="TRANSPARENCY" val="False"/>
   <p:tag name="LATEXENGINEID" val="0"/>
   <p:tag name="TEMPFOLDER" val="C:\Users\cosA\OneDrive\Documents\temp\"/>
@@ -21859,6 +22015,42 @@
   <p:tag name="LATEXADDIN" val="\documentclass{article}&#10;\usepackage{amsmath}&#10;\pagestyle{empty}&#10;\usepackage{xcolor}&#10;\usepackage{empheq}&#10;\begin{document}&#10;$a$&#10;\end{document}"/>
   <p:tag name="IGUANATEXSIZE" val="18"/>
   <p:tag name="IGUANATEXCURSOR" val="122"/>
+  <p:tag name="TRANSPARENCY" val="False"/>
+  <p:tag name="LATEXENGINEID" val="0"/>
+  <p:tag name="TEMPFOLDER" val="C:\Users\cosA\OneDrive\Documents\temp\"/>
+  <p:tag name="LATEXFORMHEIGHT" val="312"/>
+  <p:tag name="LATEXFORMWIDTH" val="384"/>
+  <p:tag name="LATEXFORMWRAP" val="True"/>
+  <p:tag name="BITMAPVECTOR" val="0"/>
+</p:tagLst>
+</file>
+
+<file path=ppt/tags/tag180.xml><?xml version="1.0" encoding="utf-8"?>
+<p:tagLst xmlns:a="http://schemas.openxmlformats.org/drawingml/2006/main" xmlns:r="http://schemas.openxmlformats.org/officeDocument/2006/relationships" xmlns:p="http://schemas.openxmlformats.org/presentationml/2006/main">
+  <p:tag name="OUTPUTDPI" val="1200"/>
+  <p:tag name="ORIGINALHEIGHT" val="84.73937"/>
+  <p:tag name="ORIGINALWIDTH" val="315.7105"/>
+  <p:tag name="LATEXADDIN" val="\documentclass{article}&#10;\usepackage{amsmath}&#10;\pagestyle{empty}&#10;\usepackage{xcolor}&#10;\usepackage{empheq}&#10;\begin{document}&#10;{Y}=2{\color{blue}x}&#10;\end{document}"/>
+  <p:tag name="IGUANATEXSIZE" val="18"/>
+  <p:tag name="IGUANATEXCURSOR" val="122"/>
+  <p:tag name="TRANSPARENCY" val="False"/>
+  <p:tag name="LATEXENGINEID" val="0"/>
+  <p:tag name="TEMPFOLDER" val="C:\Users\cosA\OneDrive\Documents\temp\"/>
+  <p:tag name="LATEXFORMHEIGHT" val="312"/>
+  <p:tag name="LATEXFORMWIDTH" val="384"/>
+  <p:tag name="LATEXFORMWRAP" val="True"/>
+  <p:tag name="BITMAPVECTOR" val="0"/>
+</p:tagLst>
+</file>
+
+<file path=ppt/tags/tag181.xml><?xml version="1.0" encoding="utf-8"?>
+<p:tagLst xmlns:a="http://schemas.openxmlformats.org/drawingml/2006/main" xmlns:r="http://schemas.openxmlformats.org/officeDocument/2006/relationships" xmlns:p="http://schemas.openxmlformats.org/presentationml/2006/main">
+  <p:tag name="OUTPUTDPI" val="1200"/>
+  <p:tag name="ORIGINALHEIGHT" val="126.7342"/>
+  <p:tag name="ORIGINALWIDTH" val="667.4166"/>
+  <p:tag name="LATEXADDIN" val="\documentclass{article}&#10;\usepackage{amsmath}&#10;\pagestyle{empty}&#10;\usepackage{xcolor}&#10;\usepackage{empheq}&#10;\begin{document}&#10;${\color{green}2^{x}+p^{y}}={\color{blue}z^{2}}$&#10;\end{document}"/>
+  <p:tag name="IGUANATEXSIZE" val="18"/>
+  <p:tag name="IGUANATEXCURSOR" val="168"/>
   <p:tag name="TRANSPARENCY" val="False"/>
   <p:tag name="LATEXENGINEID" val="0"/>
   <p:tag name="TEMPFOLDER" val="C:\Users\cosA\OneDrive\Documents\temp\"/>

--- a/Presentation1.pptx
+++ b/Presentation1.pptx
@@ -17,10 +17,12 @@
     <p:sldId id="276" r:id="rId11"/>
     <p:sldId id="272" r:id="rId12"/>
     <p:sldId id="259" r:id="rId13"/>
-    <p:sldId id="260" r:id="rId14"/>
-    <p:sldId id="274" r:id="rId15"/>
-    <p:sldId id="261" r:id="rId16"/>
-    <p:sldId id="262" r:id="rId17"/>
+    <p:sldId id="277" r:id="rId14"/>
+    <p:sldId id="278" r:id="rId15"/>
+    <p:sldId id="260" r:id="rId16"/>
+    <p:sldId id="274" r:id="rId17"/>
+    <p:sldId id="261" r:id="rId18"/>
+    <p:sldId id="262" r:id="rId19"/>
   </p:sldIdLst>
   <p:sldSz cx="12192000" cy="6858000"/>
   <p:notesSz cx="6858000" cy="9144000"/>
@@ -144,7 +146,7 @@
   <pc:docChgLst>
     <pc:chgData name="Chonthicha Phuangfueang" userId="055aefd292e5fda0" providerId="LiveId" clId="{5B5F8411-1399-4D8D-B27F-31C85245C7D4}"/>
     <pc:docChg chg="undo redo custSel addSld delSld modSld sldOrd modMainMaster">
-      <pc:chgData name="Chonthicha Phuangfueang" userId="055aefd292e5fda0" providerId="LiveId" clId="{5B5F8411-1399-4D8D-B27F-31C85245C7D4}" dt="2023-03-30T12:00:21.487" v="18136" actId="1076"/>
+      <pc:chgData name="Chonthicha Phuangfueang" userId="055aefd292e5fda0" providerId="LiveId" clId="{5B5F8411-1399-4D8D-B27F-31C85245C7D4}" dt="2023-03-30T13:18:54.985" v="18368" actId="13926"/>
       <pc:docMkLst>
         <pc:docMk/>
       </pc:docMkLst>
@@ -603,13 +605,13 @@
         </pc:picChg>
       </pc:sldChg>
       <pc:sldChg chg="addSp delSp modSp new mod">
-        <pc:chgData name="Chonthicha Phuangfueang" userId="055aefd292e5fda0" providerId="LiveId" clId="{5B5F8411-1399-4D8D-B27F-31C85245C7D4}" dt="2023-03-28T16:06:46.201" v="4523" actId="962"/>
+        <pc:chgData name="Chonthicha Phuangfueang" userId="055aefd292e5fda0" providerId="LiveId" clId="{5B5F8411-1399-4D8D-B27F-31C85245C7D4}" dt="2023-03-30T12:39:20.937" v="18364" actId="1038"/>
         <pc:sldMkLst>
           <pc:docMk/>
           <pc:sldMk cId="2058313795" sldId="258"/>
         </pc:sldMkLst>
         <pc:spChg chg="mod">
-          <ac:chgData name="Chonthicha Phuangfueang" userId="055aefd292e5fda0" providerId="LiveId" clId="{5B5F8411-1399-4D8D-B27F-31C85245C7D4}" dt="2023-03-28T15:51:51.443" v="4117"/>
+          <ac:chgData name="Chonthicha Phuangfueang" userId="055aefd292e5fda0" providerId="LiveId" clId="{5B5F8411-1399-4D8D-B27F-31C85245C7D4}" dt="2023-03-30T12:39:17.746" v="18359" actId="20577"/>
           <ac:spMkLst>
             <pc:docMk/>
             <pc:sldMk cId="2058313795" sldId="258"/>
@@ -657,7 +659,7 @@
           </ac:picMkLst>
         </pc:picChg>
         <pc:picChg chg="mod ord replST">
-          <ac:chgData name="Chonthicha Phuangfueang" userId="055aefd292e5fda0" providerId="LiveId" clId="{5B5F8411-1399-4D8D-B27F-31C85245C7D4}" dt="2023-03-28T15:39:16.002" v="3613" actId="1035"/>
+          <ac:chgData name="Chonthicha Phuangfueang" userId="055aefd292e5fda0" providerId="LiveId" clId="{5B5F8411-1399-4D8D-B27F-31C85245C7D4}" dt="2023-03-30T12:39:13.264" v="18358" actId="1038"/>
           <ac:picMkLst>
             <pc:docMk/>
             <pc:sldMk cId="2058313795" sldId="258"/>
@@ -721,7 +723,7 @@
           </ac:picMkLst>
         </pc:picChg>
         <pc:picChg chg="mod ord replST">
-          <ac:chgData name="Chonthicha Phuangfueang" userId="055aefd292e5fda0" providerId="LiveId" clId="{5B5F8411-1399-4D8D-B27F-31C85245C7D4}" dt="2023-03-28T15:38:51.380" v="3567" actId="1035"/>
+          <ac:chgData name="Chonthicha Phuangfueang" userId="055aefd292e5fda0" providerId="LiveId" clId="{5B5F8411-1399-4D8D-B27F-31C85245C7D4}" dt="2023-03-30T12:39:20.937" v="18364" actId="1038"/>
           <ac:picMkLst>
             <pc:docMk/>
             <pc:sldMk cId="2058313795" sldId="258"/>
@@ -753,7 +755,7 @@
           </ac:picMkLst>
         </pc:picChg>
         <pc:picChg chg="mod ord replST">
-          <ac:chgData name="Chonthicha Phuangfueang" userId="055aefd292e5fda0" providerId="LiveId" clId="{5B5F8411-1399-4D8D-B27F-31C85245C7D4}" dt="2023-03-28T15:56:47.572" v="4375" actId="1037"/>
+          <ac:chgData name="Chonthicha Phuangfueang" userId="055aefd292e5fda0" providerId="LiveId" clId="{5B5F8411-1399-4D8D-B27F-31C85245C7D4}" dt="2023-03-30T12:39:08.915" v="18350" actId="1038"/>
           <ac:picMkLst>
             <pc:docMk/>
             <pc:sldMk cId="2058313795" sldId="258"/>
@@ -785,7 +787,7 @@
           </ac:picMkLst>
         </pc:picChg>
         <pc:picChg chg="mod ord replST">
-          <ac:chgData name="Chonthicha Phuangfueang" userId="055aefd292e5fda0" providerId="LiveId" clId="{5B5F8411-1399-4D8D-B27F-31C85245C7D4}" dt="2023-03-28T15:41:24.166" v="3806" actId="1037"/>
+          <ac:chgData name="Chonthicha Phuangfueang" userId="055aefd292e5fda0" providerId="LiveId" clId="{5B5F8411-1399-4D8D-B27F-31C85245C7D4}" dt="2023-03-30T12:38:26.452" v="18304" actId="1038"/>
           <ac:picMkLst>
             <pc:docMk/>
             <pc:sldMk cId="2058313795" sldId="258"/>
@@ -801,7 +803,7 @@
           </ac:picMkLst>
         </pc:picChg>
         <pc:picChg chg="mod ord replST">
-          <ac:chgData name="Chonthicha Phuangfueang" userId="055aefd292e5fda0" providerId="LiveId" clId="{5B5F8411-1399-4D8D-B27F-31C85245C7D4}" dt="2023-03-28T15:42:26.613" v="3857" actId="962"/>
+          <ac:chgData name="Chonthicha Phuangfueang" userId="055aefd292e5fda0" providerId="LiveId" clId="{5B5F8411-1399-4D8D-B27F-31C85245C7D4}" dt="2023-03-30T12:38:52.667" v="18321" actId="1035"/>
           <ac:picMkLst>
             <pc:docMk/>
             <pc:sldMk cId="2058313795" sldId="258"/>
@@ -817,7 +819,7 @@
           </ac:picMkLst>
         </pc:picChg>
         <pc:picChg chg="mod ord replST">
-          <ac:chgData name="Chonthicha Phuangfueang" userId="055aefd292e5fda0" providerId="LiveId" clId="{5B5F8411-1399-4D8D-B27F-31C85245C7D4}" dt="2023-03-28T15:43:30.623" v="3897" actId="1038"/>
+          <ac:chgData name="Chonthicha Phuangfueang" userId="055aefd292e5fda0" providerId="LiveId" clId="{5B5F8411-1399-4D8D-B27F-31C85245C7D4}" dt="2023-03-30T12:38:54.975" v="18322" actId="1035"/>
           <ac:picMkLst>
             <pc:docMk/>
             <pc:sldMk cId="2058313795" sldId="258"/>
@@ -841,7 +843,7 @@
           </ac:picMkLst>
         </pc:picChg>
         <pc:picChg chg="add mod">
-          <ac:chgData name="Chonthicha Phuangfueang" userId="055aefd292e5fda0" providerId="LiveId" clId="{5B5F8411-1399-4D8D-B27F-31C85245C7D4}" dt="2023-03-28T15:46:24.318" v="3968" actId="14100"/>
+          <ac:chgData name="Chonthicha Phuangfueang" userId="055aefd292e5fda0" providerId="LiveId" clId="{5B5F8411-1399-4D8D-B27F-31C85245C7D4}" dt="2023-03-30T12:38:26.452" v="18304" actId="1038"/>
           <ac:picMkLst>
             <pc:docMk/>
             <pc:sldMk cId="2058313795" sldId="258"/>
@@ -849,7 +851,7 @@
           </ac:picMkLst>
         </pc:picChg>
         <pc:picChg chg="add mod">
-          <ac:chgData name="Chonthicha Phuangfueang" userId="055aefd292e5fda0" providerId="LiveId" clId="{5B5F8411-1399-4D8D-B27F-31C85245C7D4}" dt="2023-03-28T15:46:10.545" v="3967" actId="1036"/>
+          <ac:chgData name="Chonthicha Phuangfueang" userId="055aefd292e5fda0" providerId="LiveId" clId="{5B5F8411-1399-4D8D-B27F-31C85245C7D4}" dt="2023-03-30T12:38:26.452" v="18304" actId="1038"/>
           <ac:picMkLst>
             <pc:docMk/>
             <pc:sldMk cId="2058313795" sldId="258"/>
@@ -881,7 +883,7 @@
           </ac:picMkLst>
         </pc:picChg>
         <pc:picChg chg="mod ord replST">
-          <ac:chgData name="Chonthicha Phuangfueang" userId="055aefd292e5fda0" providerId="LiveId" clId="{5B5F8411-1399-4D8D-B27F-31C85245C7D4}" dt="2023-03-28T15:47:41.865" v="4088" actId="962"/>
+          <ac:chgData name="Chonthicha Phuangfueang" userId="055aefd292e5fda0" providerId="LiveId" clId="{5B5F8411-1399-4D8D-B27F-31C85245C7D4}" dt="2023-03-30T12:38:41.491" v="18319" actId="1038"/>
           <ac:picMkLst>
             <pc:docMk/>
             <pc:sldMk cId="2058313795" sldId="258"/>
@@ -4494,6 +4496,29 @@
           </ac:picMkLst>
         </pc:picChg>
       </pc:sldChg>
+      <pc:sldChg chg="delSp modSp new mod">
+        <pc:chgData name="Chonthicha Phuangfueang" userId="055aefd292e5fda0" providerId="LiveId" clId="{5B5F8411-1399-4D8D-B27F-31C85245C7D4}" dt="2023-03-30T12:12:42.815" v="18140" actId="478"/>
+        <pc:sldMkLst>
+          <pc:docMk/>
+          <pc:sldMk cId="746298161" sldId="277"/>
+        </pc:sldMkLst>
+        <pc:spChg chg="del mod">
+          <ac:chgData name="Chonthicha Phuangfueang" userId="055aefd292e5fda0" providerId="LiveId" clId="{5B5F8411-1399-4D8D-B27F-31C85245C7D4}" dt="2023-03-30T12:12:39.973" v="18139" actId="478"/>
+          <ac:spMkLst>
+            <pc:docMk/>
+            <pc:sldMk cId="746298161" sldId="277"/>
+            <ac:spMk id="2" creationId="{9A5888CD-B1BC-DA8C-219E-27E81CEDCF45}"/>
+          </ac:spMkLst>
+        </pc:spChg>
+        <pc:spChg chg="del">
+          <ac:chgData name="Chonthicha Phuangfueang" userId="055aefd292e5fda0" providerId="LiveId" clId="{5B5F8411-1399-4D8D-B27F-31C85245C7D4}" dt="2023-03-30T12:12:42.815" v="18140" actId="478"/>
+          <ac:spMkLst>
+            <pc:docMk/>
+            <pc:sldMk cId="746298161" sldId="277"/>
+            <ac:spMk id="3" creationId="{70B6C8C6-BB69-BD8B-FFCC-8E3D08A6DE39}"/>
+          </ac:spMkLst>
+        </pc:spChg>
+      </pc:sldChg>
       <pc:sldChg chg="new del">
         <pc:chgData name="Chonthicha Phuangfueang" userId="055aefd292e5fda0" providerId="LiveId" clId="{5B5F8411-1399-4D8D-B27F-31C85245C7D4}" dt="2023-03-30T11:49:29.948" v="17881" actId="680"/>
         <pc:sldMkLst>
@@ -4507,6 +4532,37 @@
           <pc:docMk/>
           <pc:sldMk cId="3368958612" sldId="277"/>
         </pc:sldMkLst>
+      </pc:sldChg>
+      <pc:sldChg chg="addSp delSp modSp new mod">
+        <pc:chgData name="Chonthicha Phuangfueang" userId="055aefd292e5fda0" providerId="LiveId" clId="{5B5F8411-1399-4D8D-B27F-31C85245C7D4}" dt="2023-03-30T13:18:54.985" v="18368" actId="13926"/>
+        <pc:sldMkLst>
+          <pc:docMk/>
+          <pc:sldMk cId="799895558" sldId="278"/>
+        </pc:sldMkLst>
+        <pc:spChg chg="del">
+          <ac:chgData name="Chonthicha Phuangfueang" userId="055aefd292e5fda0" providerId="LiveId" clId="{5B5F8411-1399-4D8D-B27F-31C85245C7D4}" dt="2023-03-30T12:12:54.504" v="18142" actId="478"/>
+          <ac:spMkLst>
+            <pc:docMk/>
+            <pc:sldMk cId="799895558" sldId="278"/>
+            <ac:spMk id="2" creationId="{FBF2C02B-40A3-B913-0DD4-DB07B7E97E36}"/>
+          </ac:spMkLst>
+        </pc:spChg>
+        <pc:spChg chg="del">
+          <ac:chgData name="Chonthicha Phuangfueang" userId="055aefd292e5fda0" providerId="LiveId" clId="{5B5F8411-1399-4D8D-B27F-31C85245C7D4}" dt="2023-03-30T12:12:57.007" v="18143" actId="478"/>
+          <ac:spMkLst>
+            <pc:docMk/>
+            <pc:sldMk cId="799895558" sldId="278"/>
+            <ac:spMk id="3" creationId="{8E72EAEF-8C2E-1679-B6EE-E8AB595DF31C}"/>
+          </ac:spMkLst>
+        </pc:spChg>
+        <pc:spChg chg="add mod">
+          <ac:chgData name="Chonthicha Phuangfueang" userId="055aefd292e5fda0" providerId="LiveId" clId="{5B5F8411-1399-4D8D-B27F-31C85245C7D4}" dt="2023-03-30T13:18:54.985" v="18368" actId="13926"/>
+          <ac:spMkLst>
+            <pc:docMk/>
+            <pc:sldMk cId="799895558" sldId="278"/>
+            <ac:spMk id="5" creationId="{585983B3-71B8-E86A-CB31-F0B26EEFE3C9}"/>
+          </ac:spMkLst>
+        </pc:spChg>
       </pc:sldChg>
       <pc:sldChg chg="new del">
         <pc:chgData name="Chonthicha Phuangfueang" userId="055aefd292e5fda0" providerId="LiveId" clId="{5B5F8411-1399-4D8D-B27F-31C85245C7D4}" dt="2023-03-30T10:38:16.792" v="16839" actId="680"/>
@@ -11083,6 +11139,1043 @@
           <a:chExt cx="0" cy="0"/>
         </a:xfrm>
       </p:grpSpPr>
+    </p:spTree>
+    <p:extLst>
+      <p:ext uri="{BB962C8B-B14F-4D97-AF65-F5344CB8AC3E}">
+        <p14:creationId xmlns:p14="http://schemas.microsoft.com/office/powerpoint/2010/main" val="746298161"/>
+      </p:ext>
+    </p:extLst>
+  </p:cSld>
+  <p:clrMapOvr>
+    <a:masterClrMapping/>
+  </p:clrMapOvr>
+</p:sld>
+</file>
+
+<file path=ppt/slides/slide14.xml><?xml version="1.0" encoding="utf-8"?>
+<p:sld xmlns:a="http://schemas.openxmlformats.org/drawingml/2006/main" xmlns:r="http://schemas.openxmlformats.org/officeDocument/2006/relationships" xmlns:p="http://schemas.openxmlformats.org/presentationml/2006/main">
+  <p:cSld>
+    <p:spTree>
+      <p:nvGrpSpPr>
+        <p:cNvPr id="1" name=""/>
+        <p:cNvGrpSpPr/>
+        <p:nvPr/>
+      </p:nvGrpSpPr>
+      <p:grpSpPr>
+        <a:xfrm>
+          <a:off x="0" y="0"/>
+          <a:ext cx="0" cy="0"/>
+          <a:chOff x="0" y="0"/>
+          <a:chExt cx="0" cy="0"/>
+        </a:xfrm>
+      </p:grpSpPr>
+      <mc:AlternateContent xmlns:mc="http://schemas.openxmlformats.org/markup-compatibility/2006">
+        <mc:Choice xmlns:a14="http://schemas.microsoft.com/office/drawing/2010/main" Requires="a14">
+          <p:sp>
+            <p:nvSpPr>
+              <p:cNvPr id="5" name="TextBox 4">
+                <a:extLst>
+                  <a:ext uri="{FF2B5EF4-FFF2-40B4-BE49-F238E27FC236}">
+                    <a16:creationId xmlns:a16="http://schemas.microsoft.com/office/drawing/2014/main" id="{585983B3-71B8-E86A-CB31-F0B26EEFE3C9}"/>
+                  </a:ext>
+                </a:extLst>
+              </p:cNvPr>
+              <p:cNvSpPr txBox="1"/>
+              <p:nvPr/>
+            </p:nvSpPr>
+            <p:spPr>
+              <a:xfrm>
+                <a:off x="498764" y="1056904"/>
+                <a:ext cx="11103429" cy="6885480"/>
+              </a:xfrm>
+              <a:prstGeom prst="rect">
+                <a:avLst/>
+              </a:prstGeom>
+              <a:noFill/>
+            </p:spPr>
+            <p:txBody>
+              <a:bodyPr wrap="square">
+                <a:spAutoFit/>
+              </a:bodyPr>
+              <a:lstStyle/>
+              <a:p>
+                <a:r>
+                  <a:rPr lang="en-US" sz="2400" b="0" i="0" dirty="0">
+                    <a:effectLst/>
+                    <a:highlight>
+                      <a:srgbClr val="FFFF00"/>
+                    </a:highlight>
+                    <a:latin typeface="TH Sarabun New" panose="020B0500040200020003" pitchFamily="34" charset="-34"/>
+                    <a:cs typeface="TH Sarabun New" panose="020B0500040200020003" pitchFamily="34" charset="-34"/>
+                  </a:rPr>
+                  <a:t>[1] </a:t>
+                </a:r>
+                <a:r>
+                  <a:rPr lang="en-US" sz="2400" b="0" i="0" dirty="0" err="1">
+                    <a:effectLst/>
+                    <a:highlight>
+                      <a:srgbClr val="FFFF00"/>
+                    </a:highlight>
+                    <a:latin typeface="TH Sarabun New" panose="020B0500040200020003" pitchFamily="34" charset="-34"/>
+                    <a:cs typeface="TH Sarabun New" panose="020B0500040200020003" pitchFamily="34" charset="-34"/>
+                  </a:rPr>
+                  <a:t>Chotchaisthit</a:t>
+                </a:r>
+                <a:r>
+                  <a:rPr lang="en-US" sz="2400" b="0" i="0" dirty="0">
+                    <a:effectLst/>
+                    <a:highlight>
+                      <a:srgbClr val="FFFF00"/>
+                    </a:highlight>
+                    <a:latin typeface="TH Sarabun New" panose="020B0500040200020003" pitchFamily="34" charset="-34"/>
+                    <a:cs typeface="TH Sarabun New" panose="020B0500040200020003" pitchFamily="34" charset="-34"/>
+                  </a:rPr>
+                  <a:t>, S. (2012). On The Diophantine Equation </a:t>
+                </a:r>
+                <a14:m>
+                  <m:oMath xmlns:m="http://schemas.openxmlformats.org/officeDocument/2006/math">
+                    <m:sSup>
+                      <m:sSupPr>
+                        <m:ctrlPr>
+                          <a:rPr lang="en-US" sz="2000" b="0" i="1" smtClean="0">
+                            <a:highlight>
+                              <a:srgbClr val="FFFF00"/>
+                            </a:highlight>
+                            <a:latin typeface="Cambria Math" panose="02040503050406030204" pitchFamily="18" charset="0"/>
+                            <a:cs typeface="TH Sarabun New" panose="020B0500040200020003" pitchFamily="34" charset="-34"/>
+                          </a:rPr>
+                        </m:ctrlPr>
+                      </m:sSupPr>
+                      <m:e>
+                        <m:r>
+                          <a:rPr lang="en-US" sz="2000" b="0" i="1" smtClean="0">
+                            <a:highlight>
+                              <a:srgbClr val="FFFF00"/>
+                            </a:highlight>
+                            <a:latin typeface="Cambria Math" panose="02040503050406030204" pitchFamily="18" charset="0"/>
+                            <a:cs typeface="TH Sarabun New" panose="020B0500040200020003" pitchFamily="34" charset="-34"/>
+                          </a:rPr>
+                          <m:t>4</m:t>
+                        </m:r>
+                      </m:e>
+                      <m:sup>
+                        <m:r>
+                          <a:rPr lang="en-US" sz="2000" b="0" i="1" smtClean="0">
+                            <a:highlight>
+                              <a:srgbClr val="FFFF00"/>
+                            </a:highlight>
+                            <a:latin typeface="Cambria Math" panose="02040503050406030204" pitchFamily="18" charset="0"/>
+                            <a:cs typeface="TH Sarabun New" panose="020B0500040200020003" pitchFamily="34" charset="-34"/>
+                          </a:rPr>
+                          <m:t>𝑥</m:t>
+                        </m:r>
+                      </m:sup>
+                    </m:sSup>
+                    <m:r>
+                      <a:rPr lang="en-US" sz="2000" b="0" i="1" smtClean="0">
+                        <a:highlight>
+                          <a:srgbClr val="FFFF00"/>
+                        </a:highlight>
+                        <a:latin typeface="Cambria Math" panose="02040503050406030204" pitchFamily="18" charset="0"/>
+                        <a:cs typeface="TH Sarabun New" panose="020B0500040200020003" pitchFamily="34" charset="-34"/>
+                      </a:rPr>
+                      <m:t>+</m:t>
+                    </m:r>
+                    <m:sSup>
+                      <m:sSupPr>
+                        <m:ctrlPr>
+                          <a:rPr lang="en-US" sz="2000" b="0" i="1" smtClean="0">
+                            <a:highlight>
+                              <a:srgbClr val="FFFF00"/>
+                            </a:highlight>
+                            <a:latin typeface="Cambria Math" panose="02040503050406030204" pitchFamily="18" charset="0"/>
+                            <a:cs typeface="TH Sarabun New" panose="020B0500040200020003" pitchFamily="34" charset="-34"/>
+                          </a:rPr>
+                        </m:ctrlPr>
+                      </m:sSupPr>
+                      <m:e>
+                        <m:r>
+                          <a:rPr lang="en-US" sz="2000" b="0" i="1" smtClean="0">
+                            <a:highlight>
+                              <a:srgbClr val="FFFF00"/>
+                            </a:highlight>
+                            <a:latin typeface="Cambria Math" panose="02040503050406030204" pitchFamily="18" charset="0"/>
+                            <a:cs typeface="TH Sarabun New" panose="020B0500040200020003" pitchFamily="34" charset="-34"/>
+                          </a:rPr>
+                          <m:t>𝑝</m:t>
+                        </m:r>
+                      </m:e>
+                      <m:sup>
+                        <m:r>
+                          <a:rPr lang="en-US" sz="2000" b="0" i="1" smtClean="0">
+                            <a:highlight>
+                              <a:srgbClr val="FFFF00"/>
+                            </a:highlight>
+                            <a:latin typeface="Cambria Math" panose="02040503050406030204" pitchFamily="18" charset="0"/>
+                            <a:cs typeface="TH Sarabun New" panose="020B0500040200020003" pitchFamily="34" charset="-34"/>
+                          </a:rPr>
+                          <m:t>𝑦</m:t>
+                        </m:r>
+                      </m:sup>
+                    </m:sSup>
+                    <m:r>
+                      <a:rPr lang="en-US" sz="2000" b="0" i="1" smtClean="0">
+                        <a:highlight>
+                          <a:srgbClr val="FFFF00"/>
+                        </a:highlight>
+                        <a:latin typeface="Cambria Math" panose="02040503050406030204" pitchFamily="18" charset="0"/>
+                        <a:cs typeface="TH Sarabun New" panose="020B0500040200020003" pitchFamily="34" charset="-34"/>
+                      </a:rPr>
+                      <m:t>=</m:t>
+                    </m:r>
+                    <m:sSup>
+                      <m:sSupPr>
+                        <m:ctrlPr>
+                          <a:rPr lang="en-US" sz="2000" b="0" i="1" smtClean="0">
+                            <a:highlight>
+                              <a:srgbClr val="FFFF00"/>
+                            </a:highlight>
+                            <a:latin typeface="Cambria Math" panose="02040503050406030204" pitchFamily="18" charset="0"/>
+                            <a:cs typeface="TH Sarabun New" panose="020B0500040200020003" pitchFamily="34" charset="-34"/>
+                          </a:rPr>
+                        </m:ctrlPr>
+                      </m:sSupPr>
+                      <m:e>
+                        <m:r>
+                          <a:rPr lang="en-US" sz="2000" b="0" i="1" smtClean="0">
+                            <a:highlight>
+                              <a:srgbClr val="FFFF00"/>
+                            </a:highlight>
+                            <a:latin typeface="Cambria Math" panose="02040503050406030204" pitchFamily="18" charset="0"/>
+                            <a:cs typeface="TH Sarabun New" panose="020B0500040200020003" pitchFamily="34" charset="-34"/>
+                          </a:rPr>
+                          <m:t>𝑧</m:t>
+                        </m:r>
+                      </m:e>
+                      <m:sup>
+                        <m:r>
+                          <a:rPr lang="en-US" sz="2000" b="0" i="1" smtClean="0">
+                            <a:highlight>
+                              <a:srgbClr val="FFFF00"/>
+                            </a:highlight>
+                            <a:latin typeface="Cambria Math" panose="02040503050406030204" pitchFamily="18" charset="0"/>
+                            <a:cs typeface="TH Sarabun New" panose="020B0500040200020003" pitchFamily="34" charset="-34"/>
+                          </a:rPr>
+                          <m:t>2</m:t>
+                        </m:r>
+                      </m:sup>
+                    </m:sSup>
+                  </m:oMath>
+                </a14:m>
+                <a:r>
+                  <a:rPr lang="en-US" sz="2400" dirty="0">
+                    <a:highlight>
+                      <a:srgbClr val="FFFF00"/>
+                    </a:highlight>
+                    <a:latin typeface="TH Sarabun New" panose="020B0500040200020003" pitchFamily="34" charset="-34"/>
+                    <a:cs typeface="TH Sarabun New" panose="020B0500040200020003" pitchFamily="34" charset="-34"/>
+                  </a:rPr>
+                  <a:t> </a:t>
+                </a:r>
+                <a:r>
+                  <a:rPr lang="en-US" sz="2400" b="0" i="0" dirty="0">
+                    <a:effectLst/>
+                    <a:highlight>
+                      <a:srgbClr val="FFFF00"/>
+                    </a:highlight>
+                    <a:latin typeface="TH Sarabun New" panose="020B0500040200020003" pitchFamily="34" charset="-34"/>
+                    <a:cs typeface="TH Sarabun New" panose="020B0500040200020003" pitchFamily="34" charset="-34"/>
+                  </a:rPr>
+                  <a:t>where </a:t>
+                </a:r>
+                <a:r>
+                  <a:rPr lang="en-US" sz="2000" b="0" i="0" dirty="0">
+                    <a:effectLst/>
+                    <a:highlight>
+                      <a:srgbClr val="FFFF00"/>
+                    </a:highlight>
+                    <a:latin typeface="TH Sarabun New" panose="020B0500040200020003" pitchFamily="34" charset="-34"/>
+                    <a:cs typeface="TH Sarabun New" panose="020B0500040200020003" pitchFamily="34" charset="-34"/>
+                  </a:rPr>
+                  <a:t>𝑝</a:t>
+                </a:r>
+                <a:r>
+                  <a:rPr lang="en-US" sz="2400" b="0" i="0" dirty="0">
+                    <a:effectLst/>
+                    <a:highlight>
+                      <a:srgbClr val="FFFF00"/>
+                    </a:highlight>
+                    <a:latin typeface="TH Sarabun New" panose="020B0500040200020003" pitchFamily="34" charset="-34"/>
+                    <a:cs typeface="TH Sarabun New" panose="020B0500040200020003" pitchFamily="34" charset="-34"/>
+                  </a:rPr>
+                  <a:t> is A Prime Number. American Journal of Mathematics and Sciences, 1 (1), p. 191 –193.</a:t>
+                </a:r>
+                <a:endParaRPr lang="th-TH" sz="2400" b="0" i="0" dirty="0">
+                  <a:effectLst/>
+                  <a:highlight>
+                    <a:srgbClr val="FFFF00"/>
+                  </a:highlight>
+                  <a:latin typeface="TH Sarabun New" panose="020B0500040200020003" pitchFamily="34" charset="-34"/>
+                  <a:cs typeface="TH Sarabun New" panose="020B0500040200020003" pitchFamily="34" charset="-34"/>
+                </a:endParaRPr>
+              </a:p>
+              <a:p>
+                <a:endParaRPr lang="th-TH" sz="2400" dirty="0">
+                  <a:latin typeface="TH Sarabun New" panose="020B0500040200020003" pitchFamily="34" charset="-34"/>
+                  <a:cs typeface="TH Sarabun New" panose="020B0500040200020003" pitchFamily="34" charset="-34"/>
+                </a:endParaRPr>
+              </a:p>
+              <a:p>
+                <a:r>
+                  <a:rPr lang="en-US" sz="2400" b="0" i="0" dirty="0">
+                    <a:effectLst/>
+                    <a:latin typeface="TH Sarabun New" panose="020B0500040200020003" pitchFamily="34" charset="-34"/>
+                    <a:cs typeface="TH Sarabun New" panose="020B0500040200020003" pitchFamily="34" charset="-34"/>
+                  </a:rPr>
+                  <a:t>[2] Khan, M., Rashid, A. and Uddin, M .S. (2016). Non-Negative Integer Solutions of Two Diophantine Equations </a:t>
+                </a:r>
+                <a14:m>
+                  <m:oMath xmlns:m="http://schemas.openxmlformats.org/officeDocument/2006/math">
+                    <m:sSup>
+                      <m:sSupPr>
+                        <m:ctrlPr>
+                          <a:rPr lang="en-US" sz="2000" i="1">
+                            <a:latin typeface="Cambria Math" panose="02040503050406030204" pitchFamily="18" charset="0"/>
+                            <a:cs typeface="TH Sarabun New" panose="020B0500040200020003" pitchFamily="34" charset="-34"/>
+                          </a:rPr>
+                        </m:ctrlPr>
+                      </m:sSupPr>
+                      <m:e>
+                        <m:r>
+                          <a:rPr lang="en-US" sz="2000" i="1">
+                            <a:latin typeface="Cambria Math" panose="02040503050406030204" pitchFamily="18" charset="0"/>
+                            <a:cs typeface="TH Sarabun New" panose="020B0500040200020003" pitchFamily="34" charset="-34"/>
+                          </a:rPr>
+                          <m:t>2</m:t>
+                        </m:r>
+                      </m:e>
+                      <m:sup>
+                        <m:r>
+                          <a:rPr lang="en-US" sz="2000" i="1">
+                            <a:latin typeface="Cambria Math" panose="02040503050406030204" pitchFamily="18" charset="0"/>
+                            <a:cs typeface="TH Sarabun New" panose="020B0500040200020003" pitchFamily="34" charset="-34"/>
+                          </a:rPr>
+                          <m:t>𝑥</m:t>
+                        </m:r>
+                      </m:sup>
+                    </m:sSup>
+                    <m:r>
+                      <a:rPr lang="en-US" sz="2000" i="1">
+                        <a:latin typeface="Cambria Math" panose="02040503050406030204" pitchFamily="18" charset="0"/>
+                        <a:cs typeface="TH Sarabun New" panose="020B0500040200020003" pitchFamily="34" charset="-34"/>
+                      </a:rPr>
+                      <m:t>+</m:t>
+                    </m:r>
+                    <m:sSup>
+                      <m:sSupPr>
+                        <m:ctrlPr>
+                          <a:rPr lang="en-US" sz="2000" i="1">
+                            <a:latin typeface="Cambria Math" panose="02040503050406030204" pitchFamily="18" charset="0"/>
+                            <a:cs typeface="TH Sarabun New" panose="020B0500040200020003" pitchFamily="34" charset="-34"/>
+                          </a:rPr>
+                        </m:ctrlPr>
+                      </m:sSupPr>
+                      <m:e>
+                        <m:r>
+                          <a:rPr lang="en-US" sz="2000" i="1">
+                            <a:latin typeface="Cambria Math" panose="02040503050406030204" pitchFamily="18" charset="0"/>
+                            <a:cs typeface="TH Sarabun New" panose="020B0500040200020003" pitchFamily="34" charset="-34"/>
+                          </a:rPr>
+                          <m:t>9</m:t>
+                        </m:r>
+                      </m:e>
+                      <m:sup>
+                        <m:r>
+                          <a:rPr lang="en-US" sz="2000" i="1">
+                            <a:latin typeface="Cambria Math" panose="02040503050406030204" pitchFamily="18" charset="0"/>
+                            <a:cs typeface="TH Sarabun New" panose="020B0500040200020003" pitchFamily="34" charset="-34"/>
+                          </a:rPr>
+                          <m:t>𝑦</m:t>
+                        </m:r>
+                      </m:sup>
+                    </m:sSup>
+                    <m:r>
+                      <a:rPr lang="en-US" sz="2000" i="1">
+                        <a:latin typeface="Cambria Math" panose="02040503050406030204" pitchFamily="18" charset="0"/>
+                        <a:cs typeface="TH Sarabun New" panose="020B0500040200020003" pitchFamily="34" charset="-34"/>
+                      </a:rPr>
+                      <m:t>=</m:t>
+                    </m:r>
+                    <m:sSup>
+                      <m:sSupPr>
+                        <m:ctrlPr>
+                          <a:rPr lang="en-US" sz="2000" i="1">
+                            <a:latin typeface="Cambria Math" panose="02040503050406030204" pitchFamily="18" charset="0"/>
+                            <a:cs typeface="TH Sarabun New" panose="020B0500040200020003" pitchFamily="34" charset="-34"/>
+                          </a:rPr>
+                        </m:ctrlPr>
+                      </m:sSupPr>
+                      <m:e>
+                        <m:r>
+                          <a:rPr lang="en-US" sz="2000" i="1">
+                            <a:latin typeface="Cambria Math" panose="02040503050406030204" pitchFamily="18" charset="0"/>
+                            <a:cs typeface="TH Sarabun New" panose="020B0500040200020003" pitchFamily="34" charset="-34"/>
+                          </a:rPr>
+                          <m:t>𝑧</m:t>
+                        </m:r>
+                      </m:e>
+                      <m:sup>
+                        <m:r>
+                          <a:rPr lang="en-US" sz="2000" i="1">
+                            <a:latin typeface="Cambria Math" panose="02040503050406030204" pitchFamily="18" charset="0"/>
+                            <a:cs typeface="TH Sarabun New" panose="020B0500040200020003" pitchFamily="34" charset="-34"/>
+                          </a:rPr>
+                          <m:t>2</m:t>
+                        </m:r>
+                      </m:sup>
+                    </m:sSup>
+                    <m:r>
+                      <a:rPr lang="en-US" sz="2000" i="1">
+                        <a:latin typeface="Cambria Math" panose="02040503050406030204" pitchFamily="18" charset="0"/>
+                        <a:cs typeface="TH Sarabun New" panose="020B0500040200020003" pitchFamily="34" charset="-34"/>
+                      </a:rPr>
+                      <m:t> </m:t>
+                    </m:r>
+                  </m:oMath>
+                </a14:m>
+                <a:r>
+                  <a:rPr lang="en-US" sz="2400" b="0" i="0" dirty="0">
+                    <a:effectLst/>
+                    <a:latin typeface="TH Sarabun New" panose="020B0500040200020003" pitchFamily="34" charset="-34"/>
+                    <a:cs typeface="TH Sarabun New" panose="020B0500040200020003" pitchFamily="34" charset="-34"/>
+                  </a:rPr>
+                  <a:t>and </a:t>
+                </a:r>
+                <a14:m>
+                  <m:oMath xmlns:m="http://schemas.openxmlformats.org/officeDocument/2006/math">
+                    <m:sSup>
+                      <m:sSupPr>
+                        <m:ctrlPr>
+                          <a:rPr lang="en-US" sz="2000" b="0" i="1" smtClean="0">
+                            <a:latin typeface="Cambria Math" panose="02040503050406030204" pitchFamily="18" charset="0"/>
+                            <a:cs typeface="TH Sarabun New" panose="020B0500040200020003" pitchFamily="34" charset="-34"/>
+                          </a:rPr>
+                        </m:ctrlPr>
+                      </m:sSupPr>
+                      <m:e>
+                        <m:r>
+                          <a:rPr lang="en-US" sz="2000" b="0" i="1" smtClean="0">
+                            <a:latin typeface="Cambria Math" panose="02040503050406030204" pitchFamily="18" charset="0"/>
+                            <a:cs typeface="TH Sarabun New" panose="020B0500040200020003" pitchFamily="34" charset="-34"/>
+                          </a:rPr>
+                          <m:t>5</m:t>
+                        </m:r>
+                      </m:e>
+                      <m:sup>
+                        <m:r>
+                          <a:rPr lang="en-US" sz="2000" b="0" i="1" smtClean="0">
+                            <a:latin typeface="Cambria Math" panose="02040503050406030204" pitchFamily="18" charset="0"/>
+                            <a:cs typeface="TH Sarabun New" panose="020B0500040200020003" pitchFamily="34" charset="-34"/>
+                          </a:rPr>
+                          <m:t>𝑥</m:t>
+                        </m:r>
+                      </m:sup>
+                    </m:sSup>
+                    <m:r>
+                      <a:rPr lang="en-US" sz="2000" b="0" i="1" smtClean="0">
+                        <a:latin typeface="Cambria Math" panose="02040503050406030204" pitchFamily="18" charset="0"/>
+                        <a:cs typeface="TH Sarabun New" panose="020B0500040200020003" pitchFamily="34" charset="-34"/>
+                      </a:rPr>
+                      <m:t>+</m:t>
+                    </m:r>
+                    <m:sSup>
+                      <m:sSupPr>
+                        <m:ctrlPr>
+                          <a:rPr lang="en-US" sz="2000" b="0" i="1" smtClean="0">
+                            <a:latin typeface="Cambria Math" panose="02040503050406030204" pitchFamily="18" charset="0"/>
+                            <a:cs typeface="TH Sarabun New" panose="020B0500040200020003" pitchFamily="34" charset="-34"/>
+                          </a:rPr>
+                        </m:ctrlPr>
+                      </m:sSupPr>
+                      <m:e>
+                        <m:r>
+                          <a:rPr lang="en-US" sz="2000" b="0" i="1" smtClean="0">
+                            <a:latin typeface="Cambria Math" panose="02040503050406030204" pitchFamily="18" charset="0"/>
+                            <a:cs typeface="TH Sarabun New" panose="020B0500040200020003" pitchFamily="34" charset="-34"/>
+                          </a:rPr>
+                          <m:t>9</m:t>
+                        </m:r>
+                      </m:e>
+                      <m:sup>
+                        <m:r>
+                          <a:rPr lang="en-US" sz="2000" b="0" i="1" smtClean="0">
+                            <a:latin typeface="Cambria Math" panose="02040503050406030204" pitchFamily="18" charset="0"/>
+                            <a:cs typeface="TH Sarabun New" panose="020B0500040200020003" pitchFamily="34" charset="-34"/>
+                          </a:rPr>
+                          <m:t>𝑦</m:t>
+                        </m:r>
+                      </m:sup>
+                    </m:sSup>
+                    <m:r>
+                      <a:rPr lang="en-US" sz="2000" b="0" i="1" smtClean="0">
+                        <a:latin typeface="Cambria Math" panose="02040503050406030204" pitchFamily="18" charset="0"/>
+                        <a:cs typeface="TH Sarabun New" panose="020B0500040200020003" pitchFamily="34" charset="-34"/>
+                      </a:rPr>
+                      <m:t>=</m:t>
+                    </m:r>
+                    <m:sSup>
+                      <m:sSupPr>
+                        <m:ctrlPr>
+                          <a:rPr lang="en-US" sz="2000" b="0" i="1" smtClean="0">
+                            <a:latin typeface="Cambria Math" panose="02040503050406030204" pitchFamily="18" charset="0"/>
+                            <a:cs typeface="TH Sarabun New" panose="020B0500040200020003" pitchFamily="34" charset="-34"/>
+                          </a:rPr>
+                        </m:ctrlPr>
+                      </m:sSupPr>
+                      <m:e>
+                        <m:r>
+                          <a:rPr lang="en-US" sz="2000" b="0" i="1" smtClean="0">
+                            <a:latin typeface="Cambria Math" panose="02040503050406030204" pitchFamily="18" charset="0"/>
+                            <a:cs typeface="TH Sarabun New" panose="020B0500040200020003" pitchFamily="34" charset="-34"/>
+                          </a:rPr>
+                          <m:t>𝑧</m:t>
+                        </m:r>
+                      </m:e>
+                      <m:sup>
+                        <m:r>
+                          <a:rPr lang="en-US" sz="2000" b="0" i="1" smtClean="0">
+                            <a:latin typeface="Cambria Math" panose="02040503050406030204" pitchFamily="18" charset="0"/>
+                            <a:cs typeface="TH Sarabun New" panose="020B0500040200020003" pitchFamily="34" charset="-34"/>
+                          </a:rPr>
+                          <m:t>2</m:t>
+                        </m:r>
+                      </m:sup>
+                    </m:sSup>
+                    <m:r>
+                      <a:rPr lang="en-US" sz="2000" b="0" i="1" smtClean="0">
+                        <a:latin typeface="Cambria Math" panose="02040503050406030204" pitchFamily="18" charset="0"/>
+                        <a:cs typeface="TH Sarabun New" panose="020B0500040200020003" pitchFamily="34" charset="-34"/>
+                      </a:rPr>
+                      <m:t> </m:t>
+                    </m:r>
+                  </m:oMath>
+                </a14:m>
+                <a:r>
+                  <a:rPr lang="en-US" sz="2400" b="0" i="0" dirty="0">
+                    <a:effectLst/>
+                    <a:latin typeface="TH Sarabun New" panose="020B0500040200020003" pitchFamily="34" charset="-34"/>
+                    <a:cs typeface="TH Sarabun New" panose="020B0500040200020003" pitchFamily="34" charset="-34"/>
+                  </a:rPr>
+                  <a:t>2. Journal of Applied Mathematics and Physics, 4, p. 762 –765.</a:t>
+                </a:r>
+                <a:endParaRPr lang="th-TH" sz="2400" dirty="0">
+                  <a:latin typeface="TH Sarabun New" panose="020B0500040200020003" pitchFamily="34" charset="-34"/>
+                  <a:cs typeface="TH Sarabun New" panose="020B0500040200020003" pitchFamily="34" charset="-34"/>
+                </a:endParaRPr>
+              </a:p>
+              <a:p>
+                <a:endParaRPr lang="th-TH" sz="2400" b="0" i="0" dirty="0">
+                  <a:effectLst/>
+                  <a:latin typeface="TH Sarabun New" panose="020B0500040200020003" pitchFamily="34" charset="-34"/>
+                  <a:cs typeface="TH Sarabun New" panose="020B0500040200020003" pitchFamily="34" charset="-34"/>
+                </a:endParaRPr>
+              </a:p>
+              <a:p>
+                <a:r>
+                  <a:rPr lang="en-US" sz="2400" b="0" i="0" dirty="0">
+                    <a:effectLst/>
+                    <a:highlight>
+                      <a:srgbClr val="FFFF00"/>
+                    </a:highlight>
+                    <a:latin typeface="TH Sarabun New" panose="020B0500040200020003" pitchFamily="34" charset="-34"/>
+                    <a:cs typeface="TH Sarabun New" panose="020B0500040200020003" pitchFamily="34" charset="-34"/>
+                  </a:rPr>
+                  <a:t>[3] </a:t>
+                </a:r>
+                <a:r>
+                  <a:rPr lang="en-US" sz="2400" b="0" i="0" dirty="0" err="1">
+                    <a:effectLst/>
+                    <a:highlight>
+                      <a:srgbClr val="FFFF00"/>
+                    </a:highlight>
+                    <a:latin typeface="TH Sarabun New" panose="020B0500040200020003" pitchFamily="34" charset="-34"/>
+                    <a:cs typeface="TH Sarabun New" panose="020B0500040200020003" pitchFamily="34" charset="-34"/>
+                  </a:rPr>
+                  <a:t>Mihailescu</a:t>
+                </a:r>
+                <a:r>
+                  <a:rPr lang="en-US" sz="2400" b="0" i="0" dirty="0">
+                    <a:effectLst/>
+                    <a:highlight>
+                      <a:srgbClr val="FFFF00"/>
+                    </a:highlight>
+                    <a:latin typeface="TH Sarabun New" panose="020B0500040200020003" pitchFamily="34" charset="-34"/>
+                    <a:cs typeface="TH Sarabun New" panose="020B0500040200020003" pitchFamily="34" charset="-34"/>
+                  </a:rPr>
+                  <a:t>, P. (2004).Primary Cyclotomic Units and A Proof of Catalan’s Conjecture. Journal für die Reine und </a:t>
+                </a:r>
+                <a:r>
+                  <a:rPr lang="en-US" sz="2400" b="0" i="0" dirty="0" err="1">
+                    <a:effectLst/>
+                    <a:highlight>
+                      <a:srgbClr val="FFFF00"/>
+                    </a:highlight>
+                    <a:latin typeface="TH Sarabun New" panose="020B0500040200020003" pitchFamily="34" charset="-34"/>
+                    <a:cs typeface="TH Sarabun New" panose="020B0500040200020003" pitchFamily="34" charset="-34"/>
+                  </a:rPr>
+                  <a:t>Angewandte</a:t>
+                </a:r>
+                <a:r>
+                  <a:rPr lang="en-US" sz="2400" b="0" i="0" dirty="0">
+                    <a:effectLst/>
+                    <a:highlight>
+                      <a:srgbClr val="FFFF00"/>
+                    </a:highlight>
+                    <a:latin typeface="TH Sarabun New" panose="020B0500040200020003" pitchFamily="34" charset="-34"/>
+                    <a:cs typeface="TH Sarabun New" panose="020B0500040200020003" pitchFamily="34" charset="-34"/>
+                  </a:rPr>
+                  <a:t> </a:t>
+                </a:r>
+                <a:r>
+                  <a:rPr lang="en-US" sz="2400" b="0" i="0" dirty="0" err="1">
+                    <a:effectLst/>
+                    <a:highlight>
+                      <a:srgbClr val="FFFF00"/>
+                    </a:highlight>
+                    <a:latin typeface="TH Sarabun New" panose="020B0500040200020003" pitchFamily="34" charset="-34"/>
+                    <a:cs typeface="TH Sarabun New" panose="020B0500040200020003" pitchFamily="34" charset="-34"/>
+                  </a:rPr>
+                  <a:t>Mathematik</a:t>
+                </a:r>
+                <a:r>
+                  <a:rPr lang="en-US" sz="2400" b="0" i="0" dirty="0">
+                    <a:effectLst/>
+                    <a:highlight>
+                      <a:srgbClr val="FFFF00"/>
+                    </a:highlight>
+                    <a:latin typeface="TH Sarabun New" panose="020B0500040200020003" pitchFamily="34" charset="-34"/>
+                    <a:cs typeface="TH Sarabun New" panose="020B0500040200020003" pitchFamily="34" charset="-34"/>
+                  </a:rPr>
+                  <a:t>, 572, p. 167 –195. </a:t>
+                </a:r>
+                <a:endParaRPr lang="en-US" sz="2400" b="0" dirty="0">
+                  <a:highlight>
+                    <a:srgbClr val="FFFF00"/>
+                  </a:highlight>
+                  <a:latin typeface="TH Sarabun New" panose="020B0500040200020003" pitchFamily="34" charset="-34"/>
+                  <a:cs typeface="TH Sarabun New" panose="020B0500040200020003" pitchFamily="34" charset="-34"/>
+                </a:endParaRPr>
+              </a:p>
+              <a:p>
+                <a:endParaRPr lang="th-TH" sz="2400" dirty="0">
+                  <a:latin typeface="TH Sarabun New" panose="020B0500040200020003" pitchFamily="34" charset="-34"/>
+                  <a:cs typeface="TH Sarabun New" panose="020B0500040200020003" pitchFamily="34" charset="-34"/>
+                </a:endParaRPr>
+              </a:p>
+              <a:p>
+                <a:r>
+                  <a:rPr lang="en-US" sz="2400" b="0" i="0" dirty="0">
+                    <a:effectLst/>
+                    <a:latin typeface="TH Sarabun New" panose="020B0500040200020003" pitchFamily="34" charset="-34"/>
+                    <a:cs typeface="TH Sarabun New" panose="020B0500040200020003" pitchFamily="34" charset="-34"/>
+                  </a:rPr>
+                  <a:t>[4] </a:t>
+                </a:r>
+                <a:r>
+                  <a:rPr lang="en-US" sz="2400" b="0" i="0" dirty="0" err="1">
+                    <a:effectLst/>
+                    <a:latin typeface="TH Sarabun New" panose="020B0500040200020003" pitchFamily="34" charset="-34"/>
+                    <a:cs typeface="TH Sarabun New" panose="020B0500040200020003" pitchFamily="34" charset="-34"/>
+                  </a:rPr>
+                  <a:t>Sroysang</a:t>
+                </a:r>
+                <a:r>
+                  <a:rPr lang="en-US" sz="2400" b="0" i="0" dirty="0">
+                    <a:effectLst/>
+                    <a:latin typeface="TH Sarabun New" panose="020B0500040200020003" pitchFamily="34" charset="-34"/>
+                    <a:cs typeface="TH Sarabun New" panose="020B0500040200020003" pitchFamily="34" charset="-34"/>
+                  </a:rPr>
+                  <a:t>, B.(2013). More on The Diophantine Equation </a:t>
+                </a:r>
+                <a14:m>
+                  <m:oMath xmlns:m="http://schemas.openxmlformats.org/officeDocument/2006/math">
+                    <m:sSup>
+                      <m:sSupPr>
+                        <m:ctrlPr>
+                          <a:rPr lang="en-US" sz="2000" b="0" i="1" smtClean="0">
+                            <a:latin typeface="Cambria Math" panose="02040503050406030204" pitchFamily="18" charset="0"/>
+                            <a:cs typeface="TH Sarabun New" panose="020B0500040200020003" pitchFamily="34" charset="-34"/>
+                          </a:rPr>
+                        </m:ctrlPr>
+                      </m:sSupPr>
+                      <m:e>
+                        <m:r>
+                          <a:rPr lang="en-US" sz="2000" b="0" i="1" smtClean="0">
+                            <a:latin typeface="Cambria Math" panose="02040503050406030204" pitchFamily="18" charset="0"/>
+                            <a:cs typeface="TH Sarabun New" panose="020B0500040200020003" pitchFamily="34" charset="-34"/>
+                          </a:rPr>
+                          <m:t>2</m:t>
+                        </m:r>
+                      </m:e>
+                      <m:sup>
+                        <m:r>
+                          <a:rPr lang="en-US" sz="2000" b="0" i="1" smtClean="0">
+                            <a:latin typeface="Cambria Math" panose="02040503050406030204" pitchFamily="18" charset="0"/>
+                            <a:cs typeface="TH Sarabun New" panose="020B0500040200020003" pitchFamily="34" charset="-34"/>
+                          </a:rPr>
+                          <m:t>𝑥</m:t>
+                        </m:r>
+                      </m:sup>
+                    </m:sSup>
+                    <m:r>
+                      <a:rPr lang="en-US" sz="2000" b="0" i="1" smtClean="0">
+                        <a:latin typeface="Cambria Math" panose="02040503050406030204" pitchFamily="18" charset="0"/>
+                        <a:cs typeface="TH Sarabun New" panose="020B0500040200020003" pitchFamily="34" charset="-34"/>
+                      </a:rPr>
+                      <m:t>+</m:t>
+                    </m:r>
+                    <m:sSup>
+                      <m:sSupPr>
+                        <m:ctrlPr>
+                          <a:rPr lang="en-US" sz="2000" b="0" i="1" smtClean="0">
+                            <a:latin typeface="Cambria Math" panose="02040503050406030204" pitchFamily="18" charset="0"/>
+                            <a:cs typeface="TH Sarabun New" panose="020B0500040200020003" pitchFamily="34" charset="-34"/>
+                          </a:rPr>
+                        </m:ctrlPr>
+                      </m:sSupPr>
+                      <m:e>
+                        <m:r>
+                          <a:rPr lang="en-US" sz="2000" b="0" i="1" smtClean="0">
+                            <a:latin typeface="Cambria Math" panose="02040503050406030204" pitchFamily="18" charset="0"/>
+                            <a:cs typeface="TH Sarabun New" panose="020B0500040200020003" pitchFamily="34" charset="-34"/>
+                          </a:rPr>
+                          <m:t>3</m:t>
+                        </m:r>
+                      </m:e>
+                      <m:sup>
+                        <m:r>
+                          <a:rPr lang="en-US" sz="2000" b="0" i="1" smtClean="0">
+                            <a:latin typeface="Cambria Math" panose="02040503050406030204" pitchFamily="18" charset="0"/>
+                            <a:cs typeface="TH Sarabun New" panose="020B0500040200020003" pitchFamily="34" charset="-34"/>
+                          </a:rPr>
+                          <m:t>𝑦</m:t>
+                        </m:r>
+                      </m:sup>
+                    </m:sSup>
+                    <m:r>
+                      <a:rPr lang="en-US" sz="2000" b="0" i="1" smtClean="0">
+                        <a:latin typeface="Cambria Math" panose="02040503050406030204" pitchFamily="18" charset="0"/>
+                        <a:cs typeface="TH Sarabun New" panose="020B0500040200020003" pitchFamily="34" charset="-34"/>
+                      </a:rPr>
+                      <m:t>=</m:t>
+                    </m:r>
+                    <m:sSup>
+                      <m:sSupPr>
+                        <m:ctrlPr>
+                          <a:rPr lang="en-US" sz="2000" b="0" i="1" smtClean="0">
+                            <a:latin typeface="Cambria Math" panose="02040503050406030204" pitchFamily="18" charset="0"/>
+                            <a:cs typeface="TH Sarabun New" panose="020B0500040200020003" pitchFamily="34" charset="-34"/>
+                          </a:rPr>
+                        </m:ctrlPr>
+                      </m:sSupPr>
+                      <m:e>
+                        <m:r>
+                          <a:rPr lang="en-US" sz="2000" b="0" i="1" smtClean="0">
+                            <a:latin typeface="Cambria Math" panose="02040503050406030204" pitchFamily="18" charset="0"/>
+                            <a:cs typeface="TH Sarabun New" panose="020B0500040200020003" pitchFamily="34" charset="-34"/>
+                          </a:rPr>
+                          <m:t>𝑧</m:t>
+                        </m:r>
+                      </m:e>
+                      <m:sup>
+                        <m:r>
+                          <a:rPr lang="en-US" sz="2000" b="0" i="1" smtClean="0">
+                            <a:latin typeface="Cambria Math" panose="02040503050406030204" pitchFamily="18" charset="0"/>
+                            <a:cs typeface="TH Sarabun New" panose="020B0500040200020003" pitchFamily="34" charset="-34"/>
+                          </a:rPr>
+                          <m:t>2</m:t>
+                        </m:r>
+                      </m:sup>
+                    </m:sSup>
+                  </m:oMath>
+                </a14:m>
+                <a:r>
+                  <a:rPr lang="en-US" sz="2400" b="0" i="0" dirty="0">
+                    <a:effectLst/>
+                    <a:latin typeface="TH Sarabun New" panose="020B0500040200020003" pitchFamily="34" charset="-34"/>
+                    <a:cs typeface="TH Sarabun New" panose="020B0500040200020003" pitchFamily="34" charset="-34"/>
+                  </a:rPr>
+                  <a:t>. </a:t>
+                </a:r>
+                <a:r>
+                  <a:rPr lang="en-US" sz="2400" b="0" i="0" dirty="0" err="1">
+                    <a:effectLst/>
+                    <a:latin typeface="TH Sarabun New" panose="020B0500040200020003" pitchFamily="34" charset="-34"/>
+                    <a:cs typeface="TH Sarabun New" panose="020B0500040200020003" pitchFamily="34" charset="-34"/>
+                  </a:rPr>
+                  <a:t>InternationalJournal</a:t>
+                </a:r>
+                <a:r>
+                  <a:rPr lang="en-US" sz="2400" b="0" i="0" dirty="0">
+                    <a:effectLst/>
+                    <a:latin typeface="TH Sarabun New" panose="020B0500040200020003" pitchFamily="34" charset="-34"/>
+                    <a:cs typeface="TH Sarabun New" panose="020B0500040200020003" pitchFamily="34" charset="-34"/>
+                  </a:rPr>
+                  <a:t> of Pure and Applied Mathematics, 84(2), p. 133 –137.</a:t>
+                </a:r>
+                <a:endParaRPr lang="th-TH" sz="2400" b="0" i="0" dirty="0">
+                  <a:effectLst/>
+                  <a:latin typeface="TH Sarabun New" panose="020B0500040200020003" pitchFamily="34" charset="-34"/>
+                  <a:cs typeface="TH Sarabun New" panose="020B0500040200020003" pitchFamily="34" charset="-34"/>
+                </a:endParaRPr>
+              </a:p>
+              <a:p>
+                <a:endParaRPr lang="th-TH" sz="2400" dirty="0">
+                  <a:latin typeface="TH Sarabun New" panose="020B0500040200020003" pitchFamily="34" charset="-34"/>
+                  <a:cs typeface="TH Sarabun New" panose="020B0500040200020003" pitchFamily="34" charset="-34"/>
+                </a:endParaRPr>
+              </a:p>
+              <a:p>
+                <a:r>
+                  <a:rPr lang="en-US" sz="2400" b="0" i="0" dirty="0">
+                    <a:effectLst/>
+                    <a:latin typeface="TH Sarabun New" panose="020B0500040200020003" pitchFamily="34" charset="-34"/>
+                    <a:cs typeface="TH Sarabun New" panose="020B0500040200020003" pitchFamily="34" charset="-34"/>
+                  </a:rPr>
+                  <a:t>[5] </a:t>
+                </a:r>
+                <a:r>
+                  <a:rPr lang="en-US" sz="2400" b="0" i="0" dirty="0" err="1">
+                    <a:effectLst/>
+                    <a:latin typeface="TH Sarabun New" panose="020B0500040200020003" pitchFamily="34" charset="-34"/>
+                    <a:cs typeface="TH Sarabun New" panose="020B0500040200020003" pitchFamily="34" charset="-34"/>
+                  </a:rPr>
+                  <a:t>Tanakan</a:t>
+                </a:r>
+                <a:r>
+                  <a:rPr lang="en-US" sz="2400" b="0" i="0" dirty="0">
+                    <a:effectLst/>
+                    <a:latin typeface="TH Sarabun New" panose="020B0500040200020003" pitchFamily="34" charset="-34"/>
+                    <a:cs typeface="TH Sarabun New" panose="020B0500040200020003" pitchFamily="34" charset="-34"/>
+                  </a:rPr>
+                  <a:t>, S. (2014).On The Diophantine Equation </a:t>
+                </a:r>
+                <a14:m>
+                  <m:oMath xmlns:m="http://schemas.openxmlformats.org/officeDocument/2006/math">
+                    <m:sSup>
+                      <m:sSupPr>
+                        <m:ctrlPr>
+                          <a:rPr lang="en-US" sz="2000" b="0" i="1" smtClean="0">
+                            <a:latin typeface="Cambria Math" panose="02040503050406030204" pitchFamily="18" charset="0"/>
+                            <a:cs typeface="TH Sarabun New" panose="020B0500040200020003" pitchFamily="34" charset="-34"/>
+                          </a:rPr>
+                        </m:ctrlPr>
+                      </m:sSupPr>
+                      <m:e>
+                        <m:r>
+                          <a:rPr lang="en-US" sz="2000" b="0" i="1" smtClean="0">
+                            <a:latin typeface="Cambria Math" panose="02040503050406030204" pitchFamily="18" charset="0"/>
+                            <a:cs typeface="TH Sarabun New" panose="020B0500040200020003" pitchFamily="34" charset="-34"/>
+                          </a:rPr>
+                          <m:t>19</m:t>
+                        </m:r>
+                      </m:e>
+                      <m:sup>
+                        <m:r>
+                          <a:rPr lang="en-US" sz="2000" b="0" i="1" smtClean="0">
+                            <a:latin typeface="Cambria Math" panose="02040503050406030204" pitchFamily="18" charset="0"/>
+                            <a:cs typeface="TH Sarabun New" panose="020B0500040200020003" pitchFamily="34" charset="-34"/>
+                          </a:rPr>
+                          <m:t>𝑥</m:t>
+                        </m:r>
+                      </m:sup>
+                    </m:sSup>
+                    <m:r>
+                      <a:rPr lang="en-US" sz="2000" b="0" i="1" smtClean="0">
+                        <a:latin typeface="Cambria Math" panose="02040503050406030204" pitchFamily="18" charset="0"/>
+                        <a:cs typeface="TH Sarabun New" panose="020B0500040200020003" pitchFamily="34" charset="-34"/>
+                      </a:rPr>
+                      <m:t>+</m:t>
+                    </m:r>
+                    <m:sSup>
+                      <m:sSupPr>
+                        <m:ctrlPr>
+                          <a:rPr lang="en-US" sz="2000" b="0" i="1" smtClean="0">
+                            <a:latin typeface="Cambria Math" panose="02040503050406030204" pitchFamily="18" charset="0"/>
+                            <a:cs typeface="TH Sarabun New" panose="020B0500040200020003" pitchFamily="34" charset="-34"/>
+                          </a:rPr>
+                        </m:ctrlPr>
+                      </m:sSupPr>
+                      <m:e>
+                        <m:r>
+                          <a:rPr lang="en-US" sz="2000" b="0" i="1" smtClean="0">
+                            <a:latin typeface="Cambria Math" panose="02040503050406030204" pitchFamily="18" charset="0"/>
+                            <a:cs typeface="TH Sarabun New" panose="020B0500040200020003" pitchFamily="34" charset="-34"/>
+                          </a:rPr>
+                          <m:t>2</m:t>
+                        </m:r>
+                      </m:e>
+                      <m:sup>
+                        <m:r>
+                          <a:rPr lang="en-US" sz="2000" b="0" i="1" smtClean="0">
+                            <a:latin typeface="Cambria Math" panose="02040503050406030204" pitchFamily="18" charset="0"/>
+                            <a:cs typeface="TH Sarabun New" panose="020B0500040200020003" pitchFamily="34" charset="-34"/>
+                          </a:rPr>
+                          <m:t>𝑦</m:t>
+                        </m:r>
+                      </m:sup>
+                    </m:sSup>
+                    <m:r>
+                      <a:rPr lang="en-US" sz="2000" b="0" i="1" smtClean="0">
+                        <a:latin typeface="Cambria Math" panose="02040503050406030204" pitchFamily="18" charset="0"/>
+                        <a:cs typeface="TH Sarabun New" panose="020B0500040200020003" pitchFamily="34" charset="-34"/>
+                      </a:rPr>
+                      <m:t>=</m:t>
+                    </m:r>
+                    <m:sSup>
+                      <m:sSupPr>
+                        <m:ctrlPr>
+                          <a:rPr lang="en-US" sz="2000" b="0" i="1" smtClean="0">
+                            <a:latin typeface="Cambria Math" panose="02040503050406030204" pitchFamily="18" charset="0"/>
+                            <a:cs typeface="TH Sarabun New" panose="020B0500040200020003" pitchFamily="34" charset="-34"/>
+                          </a:rPr>
+                        </m:ctrlPr>
+                      </m:sSupPr>
+                      <m:e>
+                        <m:r>
+                          <a:rPr lang="en-US" sz="2000" b="0" i="1" smtClean="0">
+                            <a:latin typeface="Cambria Math" panose="02040503050406030204" pitchFamily="18" charset="0"/>
+                            <a:cs typeface="TH Sarabun New" panose="020B0500040200020003" pitchFamily="34" charset="-34"/>
+                          </a:rPr>
+                          <m:t>𝑧</m:t>
+                        </m:r>
+                      </m:e>
+                      <m:sup>
+                        <m:r>
+                          <a:rPr lang="en-US" sz="2000" b="0" i="1" smtClean="0">
+                            <a:latin typeface="Cambria Math" panose="02040503050406030204" pitchFamily="18" charset="0"/>
+                            <a:cs typeface="TH Sarabun New" panose="020B0500040200020003" pitchFamily="34" charset="-34"/>
+                          </a:rPr>
+                          <m:t>2</m:t>
+                        </m:r>
+                      </m:sup>
+                    </m:sSup>
+                  </m:oMath>
+                </a14:m>
+                <a:r>
+                  <a:rPr lang="en-US" sz="2400" b="0" i="0" dirty="0">
+                    <a:effectLst/>
+                    <a:latin typeface="TH Sarabun New" panose="020B0500040200020003" pitchFamily="34" charset="-34"/>
+                    <a:cs typeface="TH Sarabun New" panose="020B0500040200020003" pitchFamily="34" charset="-34"/>
+                  </a:rPr>
+                  <a:t>. International Journal of Contemporary Mathematical Sciences, 9(4), p. 159 –162.</a:t>
+                </a:r>
+                <a:endParaRPr lang="th-TH" sz="2400" dirty="0">
+                  <a:latin typeface="TH Sarabun New" panose="020B0500040200020003" pitchFamily="34" charset="-34"/>
+                  <a:cs typeface="TH Sarabun New" panose="020B0500040200020003" pitchFamily="34" charset="-34"/>
+                </a:endParaRPr>
+              </a:p>
+              <a:p>
+                <a:endParaRPr lang="th-TH" dirty="0">
+                  <a:latin typeface="Arial" panose="020B0604020202020204" pitchFamily="34" charset="0"/>
+                </a:endParaRPr>
+              </a:p>
+              <a:p>
+                <a:endParaRPr lang="th-TH" dirty="0">
+                  <a:latin typeface="Arial" panose="020B0604020202020204" pitchFamily="34" charset="0"/>
+                </a:endParaRPr>
+              </a:p>
+              <a:p>
+                <a:endParaRPr lang="th-TH" dirty="0">
+                  <a:latin typeface="Arial" panose="020B0604020202020204" pitchFamily="34" charset="0"/>
+                </a:endParaRPr>
+              </a:p>
+              <a:p>
+                <a:endParaRPr lang="th-TH" dirty="0">
+                  <a:latin typeface="Arial" panose="020B0604020202020204" pitchFamily="34" charset="0"/>
+                </a:endParaRPr>
+              </a:p>
+              <a:p>
+                <a:endParaRPr lang="en-US" dirty="0"/>
+              </a:p>
+            </p:txBody>
+          </p:sp>
+        </mc:Choice>
+        <mc:Fallback>
+          <p:sp>
+            <p:nvSpPr>
+              <p:cNvPr id="5" name="TextBox 4">
+                <a:extLst>
+                  <a:ext uri="{FF2B5EF4-FFF2-40B4-BE49-F238E27FC236}">
+                    <a16:creationId xmlns:a16="http://schemas.microsoft.com/office/drawing/2014/main" id="{585983B3-71B8-E86A-CB31-F0B26EEFE3C9}"/>
+                  </a:ext>
+                </a:extLst>
+              </p:cNvPr>
+              <p:cNvSpPr txBox="1">
+                <a:spLocks noRot="1" noChangeAspect="1" noMove="1" noResize="1" noEditPoints="1" noAdjustHandles="1" noChangeArrowheads="1" noChangeShapeType="1" noTextEdit="1"/>
+              </p:cNvSpPr>
+              <p:nvPr/>
+            </p:nvSpPr>
+            <p:spPr>
+              <a:xfrm>
+                <a:off x="498764" y="1056904"/>
+                <a:ext cx="11103429" cy="6885480"/>
+              </a:xfrm>
+              <a:prstGeom prst="rect">
+                <a:avLst/>
+              </a:prstGeom>
+              <a:blipFill>
+                <a:blip r:embed="rId2"/>
+                <a:stretch>
+                  <a:fillRect l="-879" t="-708"/>
+                </a:stretch>
+              </a:blipFill>
+            </p:spPr>
+            <p:txBody>
+              <a:bodyPr/>
+              <a:lstStyle/>
+              <a:p>
+                <a:r>
+                  <a:rPr lang="en-US">
+                    <a:noFill/>
+                  </a:rPr>
+                  <a:t> </a:t>
+                </a:r>
+              </a:p>
+            </p:txBody>
+          </p:sp>
+        </mc:Fallback>
+      </mc:AlternateContent>
+    </p:spTree>
+    <p:extLst>
+      <p:ext uri="{BB962C8B-B14F-4D97-AF65-F5344CB8AC3E}">
+        <p14:creationId xmlns:p14="http://schemas.microsoft.com/office/powerpoint/2010/main" val="799895558"/>
+      </p:ext>
+    </p:extLst>
+  </p:cSld>
+  <p:clrMapOvr>
+    <a:masterClrMapping/>
+  </p:clrMapOvr>
+</p:sld>
+</file>
+
+<file path=ppt/slides/slide15.xml><?xml version="1.0" encoding="utf-8"?>
+<p:sld xmlns:a="http://schemas.openxmlformats.org/drawingml/2006/main" xmlns:r="http://schemas.openxmlformats.org/officeDocument/2006/relationships" xmlns:p="http://schemas.openxmlformats.org/presentationml/2006/main">
+  <p:cSld>
+    <p:spTree>
+      <p:nvGrpSpPr>
+        <p:cNvPr id="1" name=""/>
+        <p:cNvGrpSpPr/>
+        <p:nvPr/>
+      </p:nvGrpSpPr>
+      <p:grpSpPr>
+        <a:xfrm>
+          <a:off x="0" y="0"/>
+          <a:ext cx="0" cy="0"/>
+          <a:chOff x="0" y="0"/>
+          <a:chExt cx="0" cy="0"/>
+        </a:xfrm>
+      </p:grpSpPr>
       <p:pic>
         <p:nvPicPr>
           <p:cNvPr id="5" name="Picture 4" descr="\documentclass{article}&#10;\usepackage{amsmath}&#10;\pagestyle{empty}&#10;\usepackage{xcolor}&#10;\usepackage{empheq}&#10;\begin{document}&#10;$\left ( x,p,y,z \right )\in    \left \{ \left ( 3,p,0,3 \right ) \right \}  \cup   \left \{ \left ( 0,3,1,2 \right ) \right \}$&#10;\end{document}" title="IguanaTex Bitmap Display">
@@ -11176,7 +12269,7 @@
 </p:sld>
 </file>
 
-<file path=ppt/slides/slide14.xml><?xml version="1.0" encoding="utf-8"?>
+<file path=ppt/slides/slide16.xml><?xml version="1.0" encoding="utf-8"?>
 <p:sld xmlns:a="http://schemas.openxmlformats.org/drawingml/2006/main" xmlns:r="http://schemas.openxmlformats.org/officeDocument/2006/relationships" xmlns:p="http://schemas.openxmlformats.org/presentationml/2006/main">
   <p:cSld>
     <p:spTree>
@@ -11206,7 +12299,7 @@
 </p:sld>
 </file>
 
-<file path=ppt/slides/slide15.xml><?xml version="1.0" encoding="utf-8"?>
+<file path=ppt/slides/slide17.xml><?xml version="1.0" encoding="utf-8"?>
 <p:sld xmlns:a="http://schemas.openxmlformats.org/drawingml/2006/main" xmlns:r="http://schemas.openxmlformats.org/officeDocument/2006/relationships" xmlns:p="http://schemas.openxmlformats.org/presentationml/2006/main">
   <p:cSld>
     <p:spTree>
@@ -11366,7 +12459,7 @@
 </p:sld>
 </file>
 
-<file path=ppt/slides/slide16.xml><?xml version="1.0" encoding="utf-8"?>
+<file path=ppt/slides/slide18.xml><?xml version="1.0" encoding="utf-8"?>
 <p:sld xmlns:a="http://schemas.openxmlformats.org/drawingml/2006/main" xmlns:r="http://schemas.openxmlformats.org/officeDocument/2006/relationships" xmlns:p="http://schemas.openxmlformats.org/presentationml/2006/main">
   <p:cSld>
     <p:spTree>
@@ -13301,7 +14394,15 @@
                 <a:latin typeface="TH Sarabun New" panose="020B0500040200020003" pitchFamily="34" charset="-34"/>
                 <a:cs typeface="TH Sarabun New" panose="020B0500040200020003" pitchFamily="34" charset="-34"/>
               </a:rPr>
-              <a:t>1</a:t>
+              <a:t>1 </a:t>
+            </a:r>
+            <a:r>
+              <a:rPr lang="en-US" sz="3200" b="0" i="0" dirty="0">
+                <a:effectLst/>
+                <a:latin typeface="TH Sarabun New" panose="020B0500040200020003" pitchFamily="34" charset="-34"/>
+                <a:cs typeface="TH Sarabun New" panose="020B0500040200020003" pitchFamily="34" charset="-34"/>
+              </a:rPr>
+              <a:t>[3]</a:t>
             </a:r>
             <a:r>
               <a:rPr lang="th-TH" sz="3100" dirty="0">
@@ -13399,7 +14500,27 @@
                 <a:latin typeface="TH Sarabun New" panose="020B0500040200020003" pitchFamily="34" charset="-34"/>
                 <a:cs typeface="TH Sarabun New" panose="020B0500040200020003" pitchFamily="34" charset="-34"/>
               </a:rPr>
-              <a:t> มีผลเฉลยเพียงผลเฉลยเดียว </a:t>
+              <a:t> </a:t>
+            </a:r>
+            <a:r>
+              <a:rPr lang="en-US" sz="3100" b="0" dirty="0">
+                <a:solidFill>
+                  <a:schemeClr val="tx1"/>
+                </a:solidFill>
+                <a:latin typeface="TH Sarabun New" panose="020B0500040200020003" pitchFamily="34" charset="-34"/>
+                <a:cs typeface="TH Sarabun New" panose="020B0500040200020003" pitchFamily="34" charset="-34"/>
+              </a:rPr>
+              <a:t> </a:t>
+            </a:r>
+            <a:r>
+              <a:rPr lang="th-TH" sz="3100" b="0" dirty="0">
+                <a:solidFill>
+                  <a:schemeClr val="tx1"/>
+                </a:solidFill>
+                <a:latin typeface="TH Sarabun New" panose="020B0500040200020003" pitchFamily="34" charset="-34"/>
+                <a:cs typeface="TH Sarabun New" panose="020B0500040200020003" pitchFamily="34" charset="-34"/>
+              </a:rPr>
+              <a:t>มีผลเฉลยเพียงผลเฉลยเดียว </a:t>
             </a:r>
             <a:br>
               <a:rPr lang="en-US" sz="3100" b="0" dirty="0">
@@ -13460,6 +14581,14 @@
               <a:t> </a:t>
             </a:r>
             <a:r>
+              <a:rPr lang="en-US" sz="3200" b="0" i="0" dirty="0">
+                <a:effectLst/>
+                <a:latin typeface="TH Sarabun New" panose="020B0500040200020003" pitchFamily="34" charset="-34"/>
+                <a:cs typeface="TH Sarabun New" panose="020B0500040200020003" pitchFamily="34" charset="-34"/>
+              </a:rPr>
+              <a:t>[5] </a:t>
+            </a:r>
+            <a:r>
               <a:rPr lang="th-TH" sz="3100" b="0" dirty="0">
                 <a:solidFill>
                   <a:schemeClr val="tx1"/>
@@ -13467,7 +14596,27 @@
                 <a:latin typeface="TH Sarabun New" panose="020B0500040200020003" pitchFamily="34" charset="-34"/>
                 <a:cs typeface="TH Sarabun New" panose="020B0500040200020003" pitchFamily="34" charset="-34"/>
               </a:rPr>
-              <a:t>สมการไดโอแฟนไทน์                     มีผลเฉลยที่เป็นจำนวนเต็มที่ไม่เป็นลบเพียงผลเฉลยเดียว</a:t>
+              <a:t>สมการไดโอแฟนไทน์</a:t>
+            </a:r>
+            <a:r>
+              <a:rPr lang="en-US" sz="3100" b="0" dirty="0">
+                <a:solidFill>
+                  <a:schemeClr val="tx1"/>
+                </a:solidFill>
+                <a:latin typeface="TH Sarabun New" panose="020B0500040200020003" pitchFamily="34" charset="-34"/>
+                <a:cs typeface="TH Sarabun New" panose="020B0500040200020003" pitchFamily="34" charset="-34"/>
+              </a:rPr>
+              <a:t>  </a:t>
+            </a:r>
+            <a:r>
+              <a:rPr lang="th-TH" sz="3100" b="0" dirty="0">
+                <a:solidFill>
+                  <a:schemeClr val="tx1"/>
+                </a:solidFill>
+                <a:latin typeface="TH Sarabun New" panose="020B0500040200020003" pitchFamily="34" charset="-34"/>
+                <a:cs typeface="TH Sarabun New" panose="020B0500040200020003" pitchFamily="34" charset="-34"/>
+              </a:rPr>
+              <a:t>                     มีผลเฉลยที่เป็นจำนวนเต็มที่ไม่เป็นลบเพียงผลเฉลยเดียว</a:t>
             </a:r>
             <a:r>
               <a:rPr lang="en-US" sz="3100" b="0" dirty="0">
@@ -13518,6 +14667,14 @@
               <a:t>ทฤษฎีบท 3 </a:t>
             </a:r>
             <a:r>
+              <a:rPr lang="en-US" sz="3200" b="0" i="0" dirty="0">
+                <a:effectLst/>
+                <a:latin typeface="TH Sarabun New" panose="020B0500040200020003" pitchFamily="34" charset="-34"/>
+                <a:cs typeface="TH Sarabun New" panose="020B0500040200020003" pitchFamily="34" charset="-34"/>
+              </a:rPr>
+              <a:t>[2]  </a:t>
+            </a:r>
+            <a:r>
               <a:rPr lang="th-TH" sz="3100" b="0" dirty="0">
                 <a:solidFill>
                   <a:schemeClr val="tx1"/>
@@ -13643,7 +14800,35 @@
                 <a:latin typeface="TH Sarabun New" panose="020B0500040200020003" pitchFamily="34" charset="-34"/>
                 <a:cs typeface="TH Sarabun New" panose="020B0500040200020003" pitchFamily="34" charset="-34"/>
               </a:rPr>
-              <a:t>ทฤษฎีบท 4  </a:t>
+              <a:t>ทฤษฎีบท 4</a:t>
+            </a:r>
+            <a:r>
+              <a:rPr lang="en-US" sz="3100" dirty="0">
+                <a:solidFill>
+                  <a:schemeClr val="tx1"/>
+                </a:solidFill>
+                <a:latin typeface="TH Sarabun New" panose="020B0500040200020003" pitchFamily="34" charset="-34"/>
+                <a:cs typeface="TH Sarabun New" panose="020B0500040200020003" pitchFamily="34" charset="-34"/>
+              </a:rPr>
+              <a:t> </a:t>
+            </a:r>
+            <a:r>
+              <a:rPr lang="en-US" sz="3200" b="0" i="0" dirty="0">
+                <a:effectLst/>
+                <a:latin typeface="TH Sarabun New" panose="020B0500040200020003" pitchFamily="34" charset="-34"/>
+                <a:cs typeface="TH Sarabun New" panose="020B0500040200020003" pitchFamily="34" charset="-34"/>
+              </a:rPr>
+              <a:t>[1]</a:t>
+            </a:r>
+            <a:r>
+              <a:rPr lang="th-TH" sz="3100" dirty="0">
+                <a:solidFill>
+                  <a:schemeClr val="tx1"/>
+                </a:solidFill>
+                <a:latin typeface="TH Sarabun New" panose="020B0500040200020003" pitchFamily="34" charset="-34"/>
+                <a:cs typeface="TH Sarabun New" panose="020B0500040200020003" pitchFamily="34" charset="-34"/>
+              </a:rPr>
+              <a:t>  </a:t>
             </a:r>
             <a:r>
               <a:rPr lang="th-TH" sz="3100" b="0" dirty="0">
@@ -13739,7 +14924,35 @@
                 <a:latin typeface="TH Sarabun New" panose="020B0500040200020003" pitchFamily="34" charset="-34"/>
                 <a:cs typeface="TH Sarabun New" panose="020B0500040200020003" pitchFamily="34" charset="-34"/>
               </a:rPr>
-              <a:t>ทฤษฎีบท 5 </a:t>
+              <a:t>ทฤษฎีบท 5</a:t>
+            </a:r>
+            <a:r>
+              <a:rPr lang="en-US" sz="3100" dirty="0">
+                <a:solidFill>
+                  <a:schemeClr val="tx1"/>
+                </a:solidFill>
+                <a:latin typeface="TH Sarabun New" panose="020B0500040200020003" pitchFamily="34" charset="-34"/>
+                <a:cs typeface="TH Sarabun New" panose="020B0500040200020003" pitchFamily="34" charset="-34"/>
+              </a:rPr>
+              <a:t> </a:t>
+            </a:r>
+            <a:r>
+              <a:rPr lang="en-US" sz="3200" b="0" i="0" dirty="0">
+                <a:effectLst/>
+                <a:latin typeface="TH Sarabun New" panose="020B0500040200020003" pitchFamily="34" charset="-34"/>
+                <a:cs typeface="TH Sarabun New" panose="020B0500040200020003" pitchFamily="34" charset="-34"/>
+              </a:rPr>
+              <a:t>[4]</a:t>
+            </a:r>
+            <a:r>
+              <a:rPr lang="th-TH" sz="3100" dirty="0">
+                <a:solidFill>
+                  <a:schemeClr val="tx1"/>
+                </a:solidFill>
+                <a:latin typeface="TH Sarabun New" panose="020B0500040200020003" pitchFamily="34" charset="-34"/>
+                <a:cs typeface="TH Sarabun New" panose="020B0500040200020003" pitchFamily="34" charset="-34"/>
+              </a:rPr>
+              <a:t> </a:t>
             </a:r>
             <a:r>
               <a:rPr lang="th-TH" sz="3100" b="0" dirty="0">
@@ -13749,7 +14962,27 @@
                 <a:latin typeface="TH Sarabun New" panose="020B0500040200020003" pitchFamily="34" charset="-34"/>
                 <a:cs typeface="TH Sarabun New" panose="020B0500040200020003" pitchFamily="34" charset="-34"/>
               </a:rPr>
-              <a:t>สมการไดโอแฟนไทน์   		  มีผลเฉลยที่เป็นจำนวนเต็มที่ไม่เป็นลบ </a:t>
+              <a:t>สมการไดโอแฟนไทน์   		  </a:t>
+            </a:r>
+            <a:r>
+              <a:rPr lang="en-US" sz="3100" b="0" dirty="0">
+                <a:solidFill>
+                  <a:schemeClr val="tx1"/>
+                </a:solidFill>
+                <a:latin typeface="TH Sarabun New" panose="020B0500040200020003" pitchFamily="34" charset="-34"/>
+                <a:cs typeface="TH Sarabun New" panose="020B0500040200020003" pitchFamily="34" charset="-34"/>
+              </a:rPr>
+              <a:t>  </a:t>
+            </a:r>
+            <a:r>
+              <a:rPr lang="th-TH" sz="3100" b="0" dirty="0">
+                <a:solidFill>
+                  <a:schemeClr val="tx1"/>
+                </a:solidFill>
+                <a:latin typeface="TH Sarabun New" panose="020B0500040200020003" pitchFamily="34" charset="-34"/>
+                <a:cs typeface="TH Sarabun New" panose="020B0500040200020003" pitchFamily="34" charset="-34"/>
+              </a:rPr>
+              <a:t>มีผลเฉลยที่เป็นจำนวนเต็มที่ไม่เป็นลบ </a:t>
             </a:r>
             <a:br>
               <a:rPr lang="en-US" sz="3100" b="0" dirty="0">
@@ -13812,7 +15045,7 @@
         </p:blipFill>
         <p:spPr>
           <a:xfrm>
-            <a:off x="6168570" y="2140805"/>
+            <a:off x="6204195" y="2081430"/>
             <a:ext cx="1206990" cy="174128"/>
           </a:xfrm>
           <a:prstGeom prst="rect">
@@ -13852,7 +15085,7 @@
         </p:blipFill>
         <p:spPr>
           <a:xfrm>
-            <a:off x="1268771" y="2074786"/>
+            <a:off x="1292521" y="2039161"/>
             <a:ext cx="2099263" cy="260458"/>
           </a:xfrm>
           <a:prstGeom prst="rect">
@@ -14012,7 +15245,7 @@
         </p:blipFill>
         <p:spPr>
           <a:xfrm>
-            <a:off x="3733669" y="2858968"/>
+            <a:off x="4101801" y="2811468"/>
             <a:ext cx="1344364" cy="250925"/>
           </a:xfrm>
           <a:prstGeom prst="rect">
@@ -14092,7 +15325,7 @@
         </p:blipFill>
         <p:spPr>
           <a:xfrm>
-            <a:off x="2215809" y="4492800"/>
+            <a:off x="2536441" y="4492800"/>
             <a:ext cx="131009" cy="116973"/>
           </a:xfrm>
           <a:prstGeom prst="rect">
@@ -14132,7 +15365,7 @@
         </p:blipFill>
         <p:spPr>
           <a:xfrm>
-            <a:off x="2083399" y="3644241"/>
+            <a:off x="2522783" y="3620491"/>
             <a:ext cx="648625" cy="260459"/>
           </a:xfrm>
           <a:prstGeom prst="rect">
@@ -14172,7 +15405,7 @@
         </p:blipFill>
         <p:spPr>
           <a:xfrm>
-            <a:off x="5112294" y="3615213"/>
+            <a:off x="5551678" y="3603338"/>
             <a:ext cx="1317534" cy="278329"/>
           </a:xfrm>
           <a:prstGeom prst="rect">
@@ -14252,7 +15485,7 @@
         </p:blipFill>
         <p:spPr>
           <a:xfrm>
-            <a:off x="4138641" y="4425726"/>
+            <a:off x="4459273" y="4425726"/>
             <a:ext cx="648625" cy="260459"/>
           </a:xfrm>
           <a:prstGeom prst="rect">
@@ -14292,7 +15525,7 @@
         </p:blipFill>
         <p:spPr>
           <a:xfrm>
-            <a:off x="7215906" y="4417680"/>
+            <a:off x="7536538" y="4417680"/>
             <a:ext cx="1376551" cy="261390"/>
           </a:xfrm>
           <a:prstGeom prst="rect">
@@ -14372,7 +15605,7 @@
         </p:blipFill>
         <p:spPr>
           <a:xfrm>
-            <a:off x="3880224" y="5916444"/>
+            <a:off x="4022724" y="5928319"/>
             <a:ext cx="1375004" cy="233550"/>
           </a:xfrm>
           <a:prstGeom prst="rect">

--- a/Presentation1.pptx
+++ b/Presentation1.pptx
@@ -146,7 +146,7 @@
   <pc:docChgLst>
     <pc:chgData name="Chonthicha Phuangfueang" userId="055aefd292e5fda0" providerId="LiveId" clId="{5B5F8411-1399-4D8D-B27F-31C85245C7D4}"/>
     <pc:docChg chg="undo redo custSel addSld delSld modSld sldOrd modMainMaster">
-      <pc:chgData name="Chonthicha Phuangfueang" userId="055aefd292e5fda0" providerId="LiveId" clId="{5B5F8411-1399-4D8D-B27F-31C85245C7D4}" dt="2023-03-30T13:18:54.985" v="18368" actId="13926"/>
+      <pc:chgData name="Chonthicha Phuangfueang" userId="055aefd292e5fda0" providerId="LiveId" clId="{5B5F8411-1399-4D8D-B27F-31C85245C7D4}" dt="2023-04-02T06:46:29.594" v="18744" actId="1037"/>
       <pc:docMkLst>
         <pc:docMk/>
       </pc:docMkLst>
@@ -4496,8 +4496,8 @@
           </ac:picMkLst>
         </pc:picChg>
       </pc:sldChg>
-      <pc:sldChg chg="delSp modSp new mod">
-        <pc:chgData name="Chonthicha Phuangfueang" userId="055aefd292e5fda0" providerId="LiveId" clId="{5B5F8411-1399-4D8D-B27F-31C85245C7D4}" dt="2023-03-30T12:12:42.815" v="18140" actId="478"/>
+      <pc:sldChg chg="addSp delSp modSp new mod">
+        <pc:chgData name="Chonthicha Phuangfueang" userId="055aefd292e5fda0" providerId="LiveId" clId="{5B5F8411-1399-4D8D-B27F-31C85245C7D4}" dt="2023-04-02T06:46:29.594" v="18744" actId="1037"/>
         <pc:sldMkLst>
           <pc:docMk/>
           <pc:sldMk cId="746298161" sldId="277"/>
@@ -4518,6 +4518,86 @@
             <ac:spMk id="3" creationId="{70B6C8C6-BB69-BD8B-FFCC-8E3D08A6DE39}"/>
           </ac:spMkLst>
         </pc:spChg>
+        <pc:spChg chg="add mod">
+          <ac:chgData name="Chonthicha Phuangfueang" userId="055aefd292e5fda0" providerId="LiveId" clId="{5B5F8411-1399-4D8D-B27F-31C85245C7D4}" dt="2023-04-02T06:46:12.161" v="18702" actId="1037"/>
+          <ac:spMkLst>
+            <pc:docMk/>
+            <pc:sldMk cId="746298161" sldId="277"/>
+            <ac:spMk id="3" creationId="{A7DFB15B-1111-8918-8019-5F40A75F381C}"/>
+          </ac:spMkLst>
+        </pc:spChg>
+        <pc:picChg chg="add mod">
+          <ac:chgData name="Chonthicha Phuangfueang" userId="055aefd292e5fda0" providerId="LiveId" clId="{5B5F8411-1399-4D8D-B27F-31C85245C7D4}" dt="2023-04-02T06:46:24.233" v="18736" actId="1037"/>
+          <ac:picMkLst>
+            <pc:docMk/>
+            <pc:sldMk cId="746298161" sldId="277"/>
+            <ac:picMk id="4" creationId="{16D6600B-356B-C0C1-C57A-3A18B43136E2}"/>
+          </ac:picMkLst>
+        </pc:picChg>
+        <pc:picChg chg="add mod">
+          <ac:chgData name="Chonthicha Phuangfueang" userId="055aefd292e5fda0" providerId="LiveId" clId="{5B5F8411-1399-4D8D-B27F-31C85245C7D4}" dt="2023-04-02T06:46:24.233" v="18736" actId="1037"/>
+          <ac:picMkLst>
+            <pc:docMk/>
+            <pc:sldMk cId="746298161" sldId="277"/>
+            <ac:picMk id="5" creationId="{36B39C62-010E-F96C-D577-F8B63D2A1A2D}"/>
+          </ac:picMkLst>
+        </pc:picChg>
+        <pc:picChg chg="add mod">
+          <ac:chgData name="Chonthicha Phuangfueang" userId="055aefd292e5fda0" providerId="LiveId" clId="{5B5F8411-1399-4D8D-B27F-31C85245C7D4}" dt="2023-04-02T06:46:24.233" v="18736" actId="1037"/>
+          <ac:picMkLst>
+            <pc:docMk/>
+            <pc:sldMk cId="746298161" sldId="277"/>
+            <ac:picMk id="6" creationId="{F210E6CF-18B0-F3E3-2B8D-2E1C46B5BCF4}"/>
+          </ac:picMkLst>
+        </pc:picChg>
+        <pc:picChg chg="add del mod">
+          <ac:chgData name="Chonthicha Phuangfueang" userId="055aefd292e5fda0" providerId="LiveId" clId="{5B5F8411-1399-4D8D-B27F-31C85245C7D4}" dt="2023-04-02T06:44:20.240" v="18660" actId="478"/>
+          <ac:picMkLst>
+            <pc:docMk/>
+            <pc:sldMk cId="746298161" sldId="277"/>
+            <ac:picMk id="7" creationId="{FC632967-3BDF-9045-1FF4-283D1D88F608}"/>
+          </ac:picMkLst>
+        </pc:picChg>
+        <pc:picChg chg="mod ord replST">
+          <ac:chgData name="Chonthicha Phuangfueang" userId="055aefd292e5fda0" providerId="LiveId" clId="{5B5F8411-1399-4D8D-B27F-31C85245C7D4}" dt="2023-04-02T06:46:29.594" v="18744" actId="1037"/>
+          <ac:picMkLst>
+            <pc:docMk/>
+            <pc:sldMk cId="746298161" sldId="277"/>
+            <ac:picMk id="9" creationId="{DC53D5D8-350C-4D4B-695B-17FE4D75AED8}"/>
+          </ac:picMkLst>
+        </pc:picChg>
+        <pc:picChg chg="add mod">
+          <ac:chgData name="Chonthicha Phuangfueang" userId="055aefd292e5fda0" providerId="LiveId" clId="{5B5F8411-1399-4D8D-B27F-31C85245C7D4}" dt="2023-04-02T06:45:43.778" v="18696" actId="1037"/>
+          <ac:picMkLst>
+            <pc:docMk/>
+            <pc:sldMk cId="746298161" sldId="277"/>
+            <ac:picMk id="10" creationId="{FA5ECB1D-9EE7-4F2D-D373-D11F1242BA31}"/>
+          </ac:picMkLst>
+        </pc:picChg>
+        <pc:picChg chg="add mod">
+          <ac:chgData name="Chonthicha Phuangfueang" userId="055aefd292e5fda0" providerId="LiveId" clId="{5B5F8411-1399-4D8D-B27F-31C85245C7D4}" dt="2023-04-02T06:46:01.135" v="18699" actId="571"/>
+          <ac:picMkLst>
+            <pc:docMk/>
+            <pc:sldMk cId="746298161" sldId="277"/>
+            <ac:picMk id="11" creationId="{12CA7437-535F-F38D-9227-226C3688E674}"/>
+          </ac:picMkLst>
+        </pc:picChg>
+        <pc:picChg chg="add mod">
+          <ac:chgData name="Chonthicha Phuangfueang" userId="055aefd292e5fda0" providerId="LiveId" clId="{5B5F8411-1399-4D8D-B27F-31C85245C7D4}" dt="2023-04-02T06:46:01.135" v="18699" actId="571"/>
+          <ac:picMkLst>
+            <pc:docMk/>
+            <pc:sldMk cId="746298161" sldId="277"/>
+            <ac:picMk id="12" creationId="{68368A6B-8A53-FE24-BE3C-721BD5BAD45E}"/>
+          </ac:picMkLst>
+        </pc:picChg>
+        <pc:picChg chg="add mod">
+          <ac:chgData name="Chonthicha Phuangfueang" userId="055aefd292e5fda0" providerId="LiveId" clId="{5B5F8411-1399-4D8D-B27F-31C85245C7D4}" dt="2023-04-02T06:46:01.135" v="18699" actId="571"/>
+          <ac:picMkLst>
+            <pc:docMk/>
+            <pc:sldMk cId="746298161" sldId="277"/>
+            <ac:picMk id="13" creationId="{A603968A-C1CD-4207-16D2-F50F876B18EA}"/>
+          </ac:picMkLst>
+        </pc:picChg>
       </pc:sldChg>
       <pc:sldChg chg="new del">
         <pc:chgData name="Chonthicha Phuangfueang" userId="055aefd292e5fda0" providerId="LiveId" clId="{5B5F8411-1399-4D8D-B27F-31C85245C7D4}" dt="2023-03-30T11:49:29.948" v="17881" actId="680"/>
@@ -4534,7 +4614,7 @@
         </pc:sldMkLst>
       </pc:sldChg>
       <pc:sldChg chg="addSp delSp modSp new mod">
-        <pc:chgData name="Chonthicha Phuangfueang" userId="055aefd292e5fda0" providerId="LiveId" clId="{5B5F8411-1399-4D8D-B27F-31C85245C7D4}" dt="2023-03-30T13:18:54.985" v="18368" actId="13926"/>
+        <pc:chgData name="Chonthicha Phuangfueang" userId="055aefd292e5fda0" providerId="LiveId" clId="{5B5F8411-1399-4D8D-B27F-31C85245C7D4}" dt="2023-04-02T06:41:58.504" v="18549" actId="1076"/>
         <pc:sldMkLst>
           <pc:docMk/>
           <pc:sldMk cId="799895558" sldId="278"/>
@@ -4556,7 +4636,7 @@
           </ac:spMkLst>
         </pc:spChg>
         <pc:spChg chg="add mod">
-          <ac:chgData name="Chonthicha Phuangfueang" userId="055aefd292e5fda0" providerId="LiveId" clId="{5B5F8411-1399-4D8D-B27F-31C85245C7D4}" dt="2023-03-30T13:18:54.985" v="18368" actId="13926"/>
+          <ac:chgData name="Chonthicha Phuangfueang" userId="055aefd292e5fda0" providerId="LiveId" clId="{5B5F8411-1399-4D8D-B27F-31C85245C7D4}" dt="2023-04-02T06:41:58.504" v="18549" actId="1076"/>
           <ac:spMkLst>
             <pc:docMk/>
             <pc:sldMk cId="799895558" sldId="278"/>
@@ -4836,7 +4916,7 @@
           <a:p>
             <a:fld id="{5A7E730F-2C0E-4467-832E-ED796A74A98C}" type="datetimeFigureOut">
               <a:rPr lang="en-US" smtClean="0"/>
-              <a:t>3/30/2023</a:t>
+              <a:t>4/2/2023</a:t>
             </a:fld>
             <a:endParaRPr lang="en-US"/>
           </a:p>
@@ -5006,7 +5086,7 @@
           <a:p>
             <a:fld id="{5A7E730F-2C0E-4467-832E-ED796A74A98C}" type="datetimeFigureOut">
               <a:rPr lang="en-US" smtClean="0"/>
-              <a:t>3/30/2023</a:t>
+              <a:t>4/2/2023</a:t>
             </a:fld>
             <a:endParaRPr lang="en-US"/>
           </a:p>
@@ -5227,7 +5307,7 @@
           <a:p>
             <a:fld id="{5A7E730F-2C0E-4467-832E-ED796A74A98C}" type="datetimeFigureOut">
               <a:rPr lang="en-US" smtClean="0"/>
-              <a:t>3/30/2023</a:t>
+              <a:t>4/2/2023</a:t>
             </a:fld>
             <a:endParaRPr lang="en-US"/>
           </a:p>
@@ -5438,7 +5518,7 @@
           <a:p>
             <a:fld id="{5A7E730F-2C0E-4467-832E-ED796A74A98C}" type="datetimeFigureOut">
               <a:rPr lang="en-US" smtClean="0"/>
-              <a:t>3/30/2023</a:t>
+              <a:t>4/2/2023</a:t>
             </a:fld>
             <a:endParaRPr lang="en-US"/>
           </a:p>
@@ -5733,7 +5813,7 @@
           <a:p>
             <a:fld id="{5A7E730F-2C0E-4467-832E-ED796A74A98C}" type="datetimeFigureOut">
               <a:rPr lang="en-US" smtClean="0"/>
-              <a:t>3/30/2023</a:t>
+              <a:t>4/2/2023</a:t>
             </a:fld>
             <a:endParaRPr lang="en-US"/>
           </a:p>
@@ -6062,7 +6142,7 @@
           <a:p>
             <a:fld id="{5A7E730F-2C0E-4467-832E-ED796A74A98C}" type="datetimeFigureOut">
               <a:rPr lang="en-US" smtClean="0"/>
-              <a:t>3/30/2023</a:t>
+              <a:t>4/2/2023</a:t>
             </a:fld>
             <a:endParaRPr lang="en-US"/>
           </a:p>
@@ -6554,7 +6634,7 @@
           <a:p>
             <a:fld id="{5A7E730F-2C0E-4467-832E-ED796A74A98C}" type="datetimeFigureOut">
               <a:rPr lang="en-US" smtClean="0"/>
-              <a:t>3/30/2023</a:t>
+              <a:t>4/2/2023</a:t>
             </a:fld>
             <a:endParaRPr lang="en-US"/>
           </a:p>
@@ -6713,7 +6793,7 @@
           <a:p>
             <a:fld id="{5A7E730F-2C0E-4467-832E-ED796A74A98C}" type="datetimeFigureOut">
               <a:rPr lang="en-US" smtClean="0"/>
-              <a:t>3/30/2023</a:t>
+              <a:t>4/2/2023</a:t>
             </a:fld>
             <a:endParaRPr lang="en-US"/>
           </a:p>
@@ -6849,7 +6929,7 @@
           <a:p>
             <a:fld id="{5A7E730F-2C0E-4467-832E-ED796A74A98C}" type="datetimeFigureOut">
               <a:rPr lang="en-US" smtClean="0"/>
-              <a:t>3/30/2023</a:t>
+              <a:t>4/2/2023</a:t>
             </a:fld>
             <a:endParaRPr lang="en-US"/>
           </a:p>
@@ -7177,7 +7257,7 @@
           <a:p>
             <a:fld id="{5A7E730F-2C0E-4467-832E-ED796A74A98C}" type="datetimeFigureOut">
               <a:rPr lang="en-US" smtClean="0"/>
-              <a:t>3/30/2023</a:t>
+              <a:t>4/2/2023</a:t>
             </a:fld>
             <a:endParaRPr lang="en-US"/>
           </a:p>
@@ -7492,7 +7572,7 @@
           <a:p>
             <a:fld id="{5A7E730F-2C0E-4467-832E-ED796A74A98C}" type="datetimeFigureOut">
               <a:rPr lang="en-US" smtClean="0"/>
-              <a:t>3/30/2023</a:t>
+              <a:t>4/2/2023</a:t>
             </a:fld>
             <a:endParaRPr lang="en-US"/>
           </a:p>
@@ -7744,7 +7824,7 @@
           <a:p>
             <a:fld id="{5A7E730F-2C0E-4467-832E-ED796A74A98C}" type="datetimeFigureOut">
               <a:rPr lang="en-US" smtClean="0"/>
-              <a:t>3/30/2023</a:t>
+              <a:t>4/2/2023</a:t>
             </a:fld>
             <a:endParaRPr lang="en-US"/>
           </a:p>
@@ -11139,6 +11219,315 @@
           <a:chExt cx="0" cy="0"/>
         </a:xfrm>
       </p:grpSpPr>
+      <p:sp>
+        <p:nvSpPr>
+          <p:cNvPr id="3" name="TextBox 2">
+            <a:extLst>
+              <a:ext uri="{FF2B5EF4-FFF2-40B4-BE49-F238E27FC236}">
+                <a16:creationId xmlns:a16="http://schemas.microsoft.com/office/drawing/2014/main" id="{A7DFB15B-1111-8918-8019-5F40A75F381C}"/>
+              </a:ext>
+            </a:extLst>
+          </p:cNvPr>
+          <p:cNvSpPr txBox="1"/>
+          <p:nvPr/>
+        </p:nvSpPr>
+        <p:spPr>
+          <a:xfrm>
+            <a:off x="480977" y="1246911"/>
+            <a:ext cx="10693704" cy="2554545"/>
+          </a:xfrm>
+          <a:prstGeom prst="rect">
+            <a:avLst/>
+          </a:prstGeom>
+          <a:noFill/>
+        </p:spPr>
+        <p:txBody>
+          <a:bodyPr wrap="square">
+            <a:spAutoFit/>
+          </a:bodyPr>
+          <a:lstStyle/>
+          <a:p>
+            <a:r>
+              <a:rPr lang="th-TH" sz="3600" b="1" dirty="0">
+                <a:latin typeface="TH Sarabun New" panose="020B0500040200020003" pitchFamily="34" charset="-34"/>
+                <a:cs typeface="TH Sarabun New" panose="020B0500040200020003" pitchFamily="34" charset="-34"/>
+              </a:rPr>
+              <a:t>สรุปผลการศึกษา</a:t>
+            </a:r>
+          </a:p>
+          <a:p>
+            <a:endParaRPr lang="th-TH" sz="3100" dirty="0">
+              <a:latin typeface="TH Sarabun New" panose="020B0500040200020003" pitchFamily="34" charset="-34"/>
+              <a:cs typeface="TH Sarabun New" panose="020B0500040200020003" pitchFamily="34" charset="-34"/>
+            </a:endParaRPr>
+          </a:p>
+          <a:p>
+            <a:r>
+              <a:rPr lang="th-TH" sz="3100" dirty="0">
+                <a:latin typeface="TH Sarabun New" panose="020B0500040200020003" pitchFamily="34" charset="-34"/>
+                <a:cs typeface="TH Sarabun New" panose="020B0500040200020003" pitchFamily="34" charset="-34"/>
+              </a:rPr>
+              <a:t> ผลเฉลยที่เป็นจำนวนเต็มและไม่เป็นลบของสมการไดโอแฟนไทน์ </a:t>
+            </a:r>
+            <a:endParaRPr lang="en-US" sz="3100" dirty="0">
+              <a:latin typeface="TH Sarabun New" panose="020B0500040200020003" pitchFamily="34" charset="-34"/>
+              <a:cs typeface="TH Sarabun New" panose="020B0500040200020003" pitchFamily="34" charset="-34"/>
+            </a:endParaRPr>
+          </a:p>
+          <a:p>
+            <a:r>
+              <a:rPr lang="th-TH" sz="3100" dirty="0">
+                <a:latin typeface="TH Sarabun New" panose="020B0500040200020003" pitchFamily="34" charset="-34"/>
+                <a:cs typeface="TH Sarabun New" panose="020B0500040200020003" pitchFamily="34" charset="-34"/>
+              </a:rPr>
+              <a:t> กรณีที่ </a:t>
+            </a:r>
+            <a:r>
+              <a:rPr lang="en-US" sz="3100" dirty="0">
+                <a:latin typeface="TH Sarabun New" panose="020B0500040200020003" pitchFamily="34" charset="-34"/>
+                <a:cs typeface="TH Sarabun New" panose="020B0500040200020003" pitchFamily="34" charset="-34"/>
+              </a:rPr>
+              <a:t>          </a:t>
+            </a:r>
+            <a:r>
+              <a:rPr lang="th-TH" sz="3100" dirty="0">
+                <a:latin typeface="TH Sarabun New" panose="020B0500040200020003" pitchFamily="34" charset="-34"/>
+                <a:cs typeface="TH Sarabun New" panose="020B0500040200020003" pitchFamily="34" charset="-34"/>
+              </a:rPr>
+              <a:t> และ </a:t>
+            </a:r>
+            <a:r>
+              <a:rPr lang="en-US" sz="3100" dirty="0">
+                <a:latin typeface="TH Sarabun New" panose="020B0500040200020003" pitchFamily="34" charset="-34"/>
+                <a:cs typeface="TH Sarabun New" panose="020B0500040200020003" pitchFamily="34" charset="-34"/>
+              </a:rPr>
+              <a:t>    </a:t>
+            </a:r>
+            <a:r>
+              <a:rPr lang="th-TH" sz="3100" dirty="0">
+                <a:latin typeface="TH Sarabun New" panose="020B0500040200020003" pitchFamily="34" charset="-34"/>
+                <a:cs typeface="TH Sarabun New" panose="020B0500040200020003" pitchFamily="34" charset="-34"/>
+              </a:rPr>
+              <a:t> เป็นจำนวนเฉพาะ โดยที่    </a:t>
+            </a:r>
+            <a:endParaRPr lang="th-TH" sz="3100" u="sng" dirty="0">
+              <a:latin typeface="TH Sarabun New" panose="020B0500040200020003" pitchFamily="34" charset="-34"/>
+              <a:cs typeface="TH Sarabun New" panose="020B0500040200020003" pitchFamily="34" charset="-34"/>
+            </a:endParaRPr>
+          </a:p>
+          <a:p>
+            <a:r>
+              <a:rPr lang="en-US" sz="3100" dirty="0"/>
+              <a:t> </a:t>
+            </a:r>
+            <a:r>
+              <a:rPr lang="th-TH" sz="3100" dirty="0"/>
+              <a:t>อยู่ในรูปแบบต่อไปนี้เท่านั้น คือ </a:t>
+            </a:r>
+            <a:endParaRPr lang="en-US" sz="3100" dirty="0"/>
+          </a:p>
+        </p:txBody>
+      </p:sp>
+      <p:pic>
+        <p:nvPicPr>
+          <p:cNvPr id="4" name="Picture 3" descr="\documentclass{article}&#10;\usepackage{amsmath}&#10;\pagestyle{empty}&#10;\usepackage{xcolor}&#10;\usepackage{empheq}&#10;\begin{document}&#10;${2^{x}+p^{y}}={z^{2}}$&#10;\end{document}" title="IguanaTex Bitmap Display">
+            <a:extLst>
+              <a:ext uri="{FF2B5EF4-FFF2-40B4-BE49-F238E27FC236}">
+                <a16:creationId xmlns:a16="http://schemas.microsoft.com/office/drawing/2014/main" id="{16D6600B-356B-C0C1-C57A-3A18B43136E2}"/>
+              </a:ext>
+            </a:extLst>
+          </p:cNvPr>
+          <p:cNvPicPr>
+            <a:picLocks noChangeAspect="1"/>
+          </p:cNvPicPr>
+          <p:nvPr>
+            <p:custDataLst>
+              <p:tags r:id="rId1"/>
+            </p:custDataLst>
+          </p:nvPr>
+        </p:nvPicPr>
+        <p:blipFill>
+          <a:blip r:embed="rId7">
+            <a:extLst>
+              <a:ext uri="{28A0092B-C50C-407E-A947-70E740481C1C}">
+                <a14:useLocalDpi xmlns:a14="http://schemas.microsoft.com/office/drawing/2010/main" val="0"/>
+              </a:ext>
+            </a:extLst>
+          </a:blip>
+          <a:stretch>
+            <a:fillRect/>
+          </a:stretch>
+        </p:blipFill>
+        <p:spPr>
+          <a:xfrm>
+            <a:off x="7373589" y="2364295"/>
+            <a:ext cx="1639784" cy="311374"/>
+          </a:xfrm>
+          <a:prstGeom prst="rect">
+            <a:avLst/>
+          </a:prstGeom>
+        </p:spPr>
+      </p:pic>
+      <p:pic>
+        <p:nvPicPr>
+          <p:cNvPr id="5" name="Picture 4" descr="\documentclass{article}&#10;\usepackage{amsmath}&#10;\pagestyle{empty}&#10;\usepackage{xcolor}&#10;\usepackage{empheq}&#10;\begin{document}&#10;$x\neq 1$&#10;\end{document}" title="IguanaTex Bitmap Display">
+            <a:extLst>
+              <a:ext uri="{FF2B5EF4-FFF2-40B4-BE49-F238E27FC236}">
+                <a16:creationId xmlns:a16="http://schemas.microsoft.com/office/drawing/2014/main" id="{36B39C62-010E-F96C-D577-F8B63D2A1A2D}"/>
+              </a:ext>
+            </a:extLst>
+          </p:cNvPr>
+          <p:cNvPicPr>
+            <a:picLocks noChangeAspect="1"/>
+          </p:cNvPicPr>
+          <p:nvPr>
+            <p:custDataLst>
+              <p:tags r:id="rId2"/>
+            </p:custDataLst>
+          </p:nvPr>
+        </p:nvPicPr>
+        <p:blipFill>
+          <a:blip r:embed="rId8">
+            <a:extLst>
+              <a:ext uri="{28A0092B-C50C-407E-A947-70E740481C1C}">
+                <a14:useLocalDpi xmlns:a14="http://schemas.microsoft.com/office/drawing/2010/main" val="0"/>
+              </a:ext>
+            </a:extLst>
+          </a:blip>
+          <a:stretch>
+            <a:fillRect/>
+          </a:stretch>
+        </p:blipFill>
+        <p:spPr>
+          <a:xfrm>
+            <a:off x="1463249" y="2853458"/>
+            <a:ext cx="755100" cy="306389"/>
+          </a:xfrm>
+          <a:prstGeom prst="rect">
+            <a:avLst/>
+          </a:prstGeom>
+        </p:spPr>
+      </p:pic>
+      <p:pic>
+        <p:nvPicPr>
+          <p:cNvPr id="6" name="Picture 5" descr="\documentclass{article}&#10;\usepackage{amsmath}&#10;\pagestyle{empty}&#10;\usepackage{xcolor}&#10;\usepackage{empheq}&#10;\begin{document}&#10;$p\equiv 3\left ( \mod4 \right )$&#10;\end{document}" title="IguanaTex Bitmap Display">
+            <a:extLst>
+              <a:ext uri="{FF2B5EF4-FFF2-40B4-BE49-F238E27FC236}">
+                <a16:creationId xmlns:a16="http://schemas.microsoft.com/office/drawing/2014/main" id="{F210E6CF-18B0-F3E3-2B8D-2E1C46B5BCF4}"/>
+              </a:ext>
+            </a:extLst>
+          </p:cNvPr>
+          <p:cNvPicPr>
+            <a:picLocks noChangeAspect="1"/>
+          </p:cNvPicPr>
+          <p:nvPr>
+            <p:custDataLst>
+              <p:tags r:id="rId3"/>
+            </p:custDataLst>
+          </p:nvPr>
+        </p:nvPicPr>
+        <p:blipFill>
+          <a:blip r:embed="rId9">
+            <a:extLst>
+              <a:ext uri="{28A0092B-C50C-407E-A947-70E740481C1C}">
+                <a14:useLocalDpi xmlns:a14="http://schemas.microsoft.com/office/drawing/2010/main" val="0"/>
+              </a:ext>
+            </a:extLst>
+          </a:blip>
+          <a:stretch>
+            <a:fillRect/>
+          </a:stretch>
+        </p:blipFill>
+        <p:spPr>
+          <a:xfrm>
+            <a:off x="5979042" y="2850461"/>
+            <a:ext cx="2052834" cy="311374"/>
+          </a:xfrm>
+          <a:prstGeom prst="rect">
+            <a:avLst/>
+          </a:prstGeom>
+        </p:spPr>
+      </p:pic>
+      <p:pic>
+        <p:nvPicPr>
+          <p:cNvPr id="9" name="Picture 8" descr="\documentclass{article}&#10;\usepackage{amsmath}&#10;\pagestyle{empty}&#10;\usepackage{xcolor}&#10;\usepackage{empheq}&#10;\begin{document}&#10;$p$&#10;\end{document}" title="IguanaTex Bitmap Display">
+            <a:extLst>
+              <a:ext uri="{FF2B5EF4-FFF2-40B4-BE49-F238E27FC236}">
+                <a16:creationId xmlns:a16="http://schemas.microsoft.com/office/drawing/2014/main" id="{DC53D5D8-350C-4D4B-695B-17FE4D75AED8}"/>
+              </a:ext>
+            </a:extLst>
+          </p:cNvPr>
+          <p:cNvPicPr>
+            <a:picLocks noChangeAspect="1"/>
+          </p:cNvPicPr>
+          <p:nvPr>
+            <p:custDataLst>
+              <p:tags r:id="rId4"/>
+            </p:custDataLst>
+          </p:nvPr>
+        </p:nvPicPr>
+        <p:blipFill>
+          <a:blip r:embed="rId10">
+            <a:extLst>
+              <a:ext uri="{28A0092B-C50C-407E-A947-70E740481C1C}">
+                <a14:useLocalDpi xmlns:a14="http://schemas.microsoft.com/office/drawing/2010/main" val="0"/>
+              </a:ext>
+            </a:extLst>
+          </a:blip>
+          <a:stretch>
+            <a:fillRect/>
+          </a:stretch>
+        </p:blipFill>
+        <p:spPr>
+          <a:xfrm>
+            <a:off x="2950545" y="2938571"/>
+            <a:ext cx="173950" cy="207554"/>
+          </a:xfrm>
+          <a:prstGeom prst="rect">
+            <a:avLst/>
+          </a:prstGeom>
+        </p:spPr>
+      </p:pic>
+      <p:pic>
+        <p:nvPicPr>
+          <p:cNvPr id="10" name="Picture 9" descr="\documentclass{article}&#10;\usepackage{amsmath}&#10;\usepackage{amsfonts}&#10;\pagestyle{empty}&#10;\usepackage{xcolor}&#10;\usepackage{empheq}&#10;\begin{document}&#10;$\left ( x,p,y,z \right )\in    \left \{ \left ( 3,p,0,3 \right ) \right \}  \cup   \left \{ \left ( 0,3,1,2 \right ) \right \} \cup \left \{ \left ( 2+\log_{2}\left ( p+1 \right ) ,p,2,p+2\right )  : \log_{2}\left ( p+1 \right)   \in\mathbb{Z} \right \}$&#10;\end{document}" title="IguanaTex Bitmap Display">
+            <a:extLst>
+              <a:ext uri="{FF2B5EF4-FFF2-40B4-BE49-F238E27FC236}">
+                <a16:creationId xmlns:a16="http://schemas.microsoft.com/office/drawing/2014/main" id="{FA5ECB1D-9EE7-4F2D-D373-D11F1242BA31}"/>
+              </a:ext>
+            </a:extLst>
+          </p:cNvPr>
+          <p:cNvPicPr>
+            <a:picLocks noChangeAspect="1"/>
+          </p:cNvPicPr>
+          <p:nvPr>
+            <p:custDataLst>
+              <p:tags r:id="rId5"/>
+            </p:custDataLst>
+          </p:nvPr>
+        </p:nvPicPr>
+        <p:blipFill>
+          <a:blip r:embed="rId11">
+            <a:extLst>
+              <a:ext uri="{28A0092B-C50C-407E-A947-70E740481C1C}">
+                <a14:useLocalDpi xmlns:a14="http://schemas.microsoft.com/office/drawing/2010/main" val="0"/>
+              </a:ext>
+            </a:extLst>
+          </a:blip>
+          <a:stretch>
+            <a:fillRect/>
+          </a:stretch>
+        </p:blipFill>
+        <p:spPr>
+          <a:xfrm>
+            <a:off x="551194" y="4039303"/>
+            <a:ext cx="10693704" cy="286057"/>
+          </a:xfrm>
+          <a:prstGeom prst="rect">
+            <a:avLst/>
+          </a:prstGeom>
+        </p:spPr>
+      </p:pic>
     </p:spTree>
     <p:extLst>
       <p:ext uri="{BB962C8B-B14F-4D97-AF65-F5344CB8AC3E}">
@@ -11185,8 +11574,8 @@
             </p:nvSpPr>
             <p:spPr>
               <a:xfrm>
-                <a:off x="498764" y="1056904"/>
-                <a:ext cx="11103429" cy="6885480"/>
+                <a:off x="544285" y="463138"/>
+                <a:ext cx="11103429" cy="7017306"/>
               </a:xfrm>
               <a:prstGeom prst="rect">
                 <a:avLst/>
@@ -11198,6 +11587,23 @@
                 <a:spAutoFit/>
               </a:bodyPr>
               <a:lstStyle/>
+              <a:p>
+                <a:r>
+                  <a:rPr lang="th-TH" sz="3600" b="1" i="0" dirty="0">
+                    <a:effectLst/>
+                    <a:latin typeface="TH Sarabun New" panose="020B0500040200020003" pitchFamily="34" charset="-34"/>
+                    <a:cs typeface="TH Sarabun New" panose="020B0500040200020003" pitchFamily="34" charset="-34"/>
+                  </a:rPr>
+                  <a:t>เอกสารอ้างอิง</a:t>
+                </a:r>
+              </a:p>
+              <a:p>
+                <a:endParaRPr lang="th-TH" sz="3600" b="1" i="0" dirty="0">
+                  <a:effectLst/>
+                  <a:latin typeface="TH Sarabun New" panose="020B0500040200020003" pitchFamily="34" charset="-34"/>
+                  <a:cs typeface="TH Sarabun New" panose="020B0500040200020003" pitchFamily="34" charset="-34"/>
+                </a:endParaRPr>
+              </a:p>
               <a:p>
                 <a:r>
                   <a:rPr lang="en-US" sz="2400" b="0" i="0" dirty="0">
@@ -11681,92 +12087,6 @@
                 </a:endParaRPr>
               </a:p>
               <a:p>
-                <a:r>
-                  <a:rPr lang="en-US" sz="2400" b="0" i="0" dirty="0">
-                    <a:effectLst/>
-                    <a:highlight>
-                      <a:srgbClr val="FFFF00"/>
-                    </a:highlight>
-                    <a:latin typeface="TH Sarabun New" panose="020B0500040200020003" pitchFamily="34" charset="-34"/>
-                    <a:cs typeface="TH Sarabun New" panose="020B0500040200020003" pitchFamily="34" charset="-34"/>
-                  </a:rPr>
-                  <a:t>[3] </a:t>
-                </a:r>
-                <a:r>
-                  <a:rPr lang="en-US" sz="2400" b="0" i="0" dirty="0" err="1">
-                    <a:effectLst/>
-                    <a:highlight>
-                      <a:srgbClr val="FFFF00"/>
-                    </a:highlight>
-                    <a:latin typeface="TH Sarabun New" panose="020B0500040200020003" pitchFamily="34" charset="-34"/>
-                    <a:cs typeface="TH Sarabun New" panose="020B0500040200020003" pitchFamily="34" charset="-34"/>
-                  </a:rPr>
-                  <a:t>Mihailescu</a:t>
-                </a:r>
-                <a:r>
-                  <a:rPr lang="en-US" sz="2400" b="0" i="0" dirty="0">
-                    <a:effectLst/>
-                    <a:highlight>
-                      <a:srgbClr val="FFFF00"/>
-                    </a:highlight>
-                    <a:latin typeface="TH Sarabun New" panose="020B0500040200020003" pitchFamily="34" charset="-34"/>
-                    <a:cs typeface="TH Sarabun New" panose="020B0500040200020003" pitchFamily="34" charset="-34"/>
-                  </a:rPr>
-                  <a:t>, P. (2004).Primary Cyclotomic Units and A Proof of Catalan’s Conjecture. Journal für die Reine und </a:t>
-                </a:r>
-                <a:r>
-                  <a:rPr lang="en-US" sz="2400" b="0" i="0" dirty="0" err="1">
-                    <a:effectLst/>
-                    <a:highlight>
-                      <a:srgbClr val="FFFF00"/>
-                    </a:highlight>
-                    <a:latin typeface="TH Sarabun New" panose="020B0500040200020003" pitchFamily="34" charset="-34"/>
-                    <a:cs typeface="TH Sarabun New" panose="020B0500040200020003" pitchFamily="34" charset="-34"/>
-                  </a:rPr>
-                  <a:t>Angewandte</a:t>
-                </a:r>
-                <a:r>
-                  <a:rPr lang="en-US" sz="2400" b="0" i="0" dirty="0">
-                    <a:effectLst/>
-                    <a:highlight>
-                      <a:srgbClr val="FFFF00"/>
-                    </a:highlight>
-                    <a:latin typeface="TH Sarabun New" panose="020B0500040200020003" pitchFamily="34" charset="-34"/>
-                    <a:cs typeface="TH Sarabun New" panose="020B0500040200020003" pitchFamily="34" charset="-34"/>
-                  </a:rPr>
-                  <a:t> </a:t>
-                </a:r>
-                <a:r>
-                  <a:rPr lang="en-US" sz="2400" b="0" i="0" dirty="0" err="1">
-                    <a:effectLst/>
-                    <a:highlight>
-                      <a:srgbClr val="FFFF00"/>
-                    </a:highlight>
-                    <a:latin typeface="TH Sarabun New" panose="020B0500040200020003" pitchFamily="34" charset="-34"/>
-                    <a:cs typeface="TH Sarabun New" panose="020B0500040200020003" pitchFamily="34" charset="-34"/>
-                  </a:rPr>
-                  <a:t>Mathematik</a:t>
-                </a:r>
-                <a:r>
-                  <a:rPr lang="en-US" sz="2400" b="0" i="0" dirty="0">
-                    <a:effectLst/>
-                    <a:highlight>
-                      <a:srgbClr val="FFFF00"/>
-                    </a:highlight>
-                    <a:latin typeface="TH Sarabun New" panose="020B0500040200020003" pitchFamily="34" charset="-34"/>
-                    <a:cs typeface="TH Sarabun New" panose="020B0500040200020003" pitchFamily="34" charset="-34"/>
-                  </a:rPr>
-                  <a:t>, 572, p. 167 –195. </a:t>
-                </a:r>
-                <a:endParaRPr lang="en-US" sz="2400" b="0" dirty="0">
-                  <a:highlight>
-                    <a:srgbClr val="FFFF00"/>
-                  </a:highlight>
-                  <a:latin typeface="TH Sarabun New" panose="020B0500040200020003" pitchFamily="34" charset="-34"/>
-                  <a:cs typeface="TH Sarabun New" panose="020B0500040200020003" pitchFamily="34" charset="-34"/>
-                </a:endParaRPr>
-              </a:p>
-              <a:p>
                 <a:endParaRPr lang="th-TH" sz="2400" dirty="0">
                   <a:latin typeface="TH Sarabun New" panose="020B0500040200020003" pitchFamily="34" charset="-34"/>
                   <a:cs typeface="TH Sarabun New" panose="020B0500040200020003" pitchFamily="34" charset="-34"/>
@@ -12118,8 +12438,8 @@
             </p:nvSpPr>
             <p:spPr>
               <a:xfrm>
-                <a:off x="498764" y="1056904"/>
-                <a:ext cx="11103429" cy="6885480"/>
+                <a:off x="544285" y="463138"/>
+                <a:ext cx="11103429" cy="7017306"/>
               </a:xfrm>
               <a:prstGeom prst="rect">
                 <a:avLst/>
@@ -12127,7 +12447,7 @@
               <a:blipFill>
                 <a:blip r:embed="rId2"/>
                 <a:stretch>
-                  <a:fillRect l="-879" t="-708"/>
+                  <a:fillRect l="-1647" t="-1390"/>
                 </a:stretch>
               </a:blipFill>
             </p:spPr>
@@ -23207,11 +23527,11 @@
 <file path=ppt/tags/tag178.xml><?xml version="1.0" encoding="utf-8"?>
 <p:tagLst xmlns:a="http://schemas.openxmlformats.org/drawingml/2006/main" xmlns:r="http://schemas.openxmlformats.org/officeDocument/2006/relationships" xmlns:p="http://schemas.openxmlformats.org/presentationml/2006/main">
   <p:tag name="OUTPUTDPI" val="1200"/>
-  <p:tag name="ORIGINALHEIGHT" val="125.2343"/>
-  <p:tag name="ORIGINALWIDTH" val="2068.241"/>
-  <p:tag name="LATEXADDIN" val="\documentclass{article}&#10;\usepackage{amsmath}&#10;\pagestyle{empty}&#10;\usepackage{xcolor}&#10;\usepackage{empheq}&#10;\begin{document}&#10;$\left ( x,p,y,z \right )\in    \left \{ \left ( 3,p,0,3 \right ) \right \}  \cup   \left \{ \left ( 0,3,1,2 \right ) \right \}$&#10;\end{document}"/>
+  <p:tag name="ORIGINALHEIGHT" val="126.7342"/>
+  <p:tag name="ORIGINALWIDTH" val="667.4166"/>
+  <p:tag name="LATEXADDIN" val="\documentclass{article}&#10;\usepackage{amsmath}&#10;\pagestyle{empty}&#10;\usepackage{xcolor}&#10;\usepackage{empheq}&#10;\begin{document}&#10;${2^{x}+p^{y}}={z^{2}}$&#10;\end{document}"/>
   <p:tag name="IGUANATEXSIZE" val="18"/>
-  <p:tag name="IGUANATEXCURSOR" val="247"/>
+  <p:tag name="IGUANATEXCURSOR" val="136"/>
   <p:tag name="TRANSPARENCY" val="False"/>
   <p:tag name="LATEXENGINEID" val="0"/>
   <p:tag name="TEMPFOLDER" val="C:\Users\cosA\OneDrive\Documents\temp\"/>
@@ -23225,11 +23545,11 @@
 <file path=ppt/tags/tag179.xml><?xml version="1.0" encoding="utf-8"?>
 <p:tagLst xmlns:a="http://schemas.openxmlformats.org/drawingml/2006/main" xmlns:r="http://schemas.openxmlformats.org/officeDocument/2006/relationships" xmlns:p="http://schemas.openxmlformats.org/presentationml/2006/main">
   <p:tag name="OUTPUTDPI" val="1200"/>
-  <p:tag name="ORIGINALHEIGHT" val="125.2343"/>
-  <p:tag name="ORIGINALWIDTH" val="3840.27"/>
-  <p:tag name="LATEXADDIN" val="\documentclass{article}&#10;\usepackage{amsmath}&#10;\pagestyle{empty}&#10;\usepackage{xcolor}&#10;\usepackage{empheq}&#10;\begin{document}&#10;$\left ( x,p,y,z \right )\in    \left \{ \left ( 3,p,0,3 \right ) \right \}  \cup   \left \{ \left ( 0,3,1,2 \right ) \right \} \cup \left \{ \left ( 2+log_{2}\left ( p+1 \right ) ,p,2,p+2\right ) \right \}$&#10;\end{document}"/>
+  <p:tag name="ORIGINALHEIGHT" val="116.2354"/>
+  <p:tag name="ORIGINALWIDTH" val="286.4642"/>
+  <p:tag name="LATEXADDIN" val="\documentclass{article}&#10;\usepackage{amsmath}&#10;\pagestyle{empty}&#10;\usepackage{xcolor}&#10;\usepackage{empheq}&#10;\begin{document}&#10;$x\neq 1$&#10;\end{document}"/>
   <p:tag name="IGUANATEXSIZE" val="18"/>
-  <p:tag name="IGUANATEXCURSOR" val="316"/>
+  <p:tag name="IGUANATEXCURSOR" val="121"/>
   <p:tag name="TRANSPARENCY" val="False"/>
   <p:tag name="LATEXENGINEID" val="0"/>
   <p:tag name="TEMPFOLDER" val="C:\Users\cosA\OneDrive\Documents\temp\"/>
@@ -23261,6 +23581,96 @@
 <file path=ppt/tags/tag180.xml><?xml version="1.0" encoding="utf-8"?>
 <p:tagLst xmlns:a="http://schemas.openxmlformats.org/drawingml/2006/main" xmlns:r="http://schemas.openxmlformats.org/officeDocument/2006/relationships" xmlns:p="http://schemas.openxmlformats.org/presentationml/2006/main">
   <p:tag name="OUTPUTDPI" val="1200"/>
+  <p:tag name="ORIGINALHEIGHT" val="125.2343"/>
+  <p:tag name="ORIGINALWIDTH" val="825.6468"/>
+  <p:tag name="LATEXADDIN" val="\documentclass{article}&#10;\usepackage{amsmath}&#10;\pagestyle{empty}&#10;\usepackage{xcolor}&#10;\usepackage{empheq}&#10;\begin{document}&#10;$p\equiv 3\left ( \mod4 \right )$&#10;\end{document}"/>
+  <p:tag name="IGUANATEXSIZE" val="18"/>
+  <p:tag name="IGUANATEXCURSOR" val="138"/>
+  <p:tag name="TRANSPARENCY" val="False"/>
+  <p:tag name="LATEXENGINEID" val="0"/>
+  <p:tag name="TEMPFOLDER" val="C:\Users\cosA\OneDrive\Documents\temp\"/>
+  <p:tag name="LATEXFORMHEIGHT" val="312"/>
+  <p:tag name="LATEXFORMWIDTH" val="384"/>
+  <p:tag name="LATEXFORMWRAP" val="True"/>
+  <p:tag name="BITMAPVECTOR" val="0"/>
+</p:tagLst>
+</file>
+
+<file path=ppt/tags/tag181.xml><?xml version="1.0" encoding="utf-8"?>
+<p:tagLst xmlns:a="http://schemas.openxmlformats.org/drawingml/2006/main" xmlns:r="http://schemas.openxmlformats.org/officeDocument/2006/relationships" xmlns:p="http://schemas.openxmlformats.org/presentationml/2006/main">
+  <p:tag name="OUTPUTDPI" val="1200"/>
+  <p:tag name="ORIGINALHEIGHT" val="78.74016"/>
+  <p:tag name="ORIGINALWIDTH" val="65.99173"/>
+  <p:tag name="LATEXADDIN" val="\documentclass{article}&#10;\usepackage{amsmath}&#10;\pagestyle{empty}&#10;\usepackage{xcolor}&#10;\usepackage{empheq}&#10;\begin{document}&#10;$p$&#10;\end{document}"/>
+  <p:tag name="IGUANATEXSIZE" val="18"/>
+  <p:tag name="IGUANATEXCURSOR" val="122"/>
+  <p:tag name="TRANSPARENCY" val="False"/>
+  <p:tag name="LATEXENGINEID" val="0"/>
+  <p:tag name="TEMPFOLDER" val="C:\Users\cosA\OneDrive\Documents\temp\"/>
+  <p:tag name="LATEXFORMHEIGHT" val="312"/>
+  <p:tag name="LATEXFORMWIDTH" val="384"/>
+  <p:tag name="LATEXFORMWRAP" val="True"/>
+  <p:tag name="BITMAPVECTOR" val="0"/>
+</p:tagLst>
+</file>
+
+<file path=ppt/tags/tag182.xml><?xml version="1.0" encoding="utf-8"?>
+<p:tagLst xmlns:a="http://schemas.openxmlformats.org/drawingml/2006/main" xmlns:r="http://schemas.openxmlformats.org/officeDocument/2006/relationships" xmlns:p="http://schemas.openxmlformats.org/presentationml/2006/main">
+  <p:tag name="OUTPUTDPI" val="1200"/>
+  <p:tag name="ORIGINALHEIGHT" val="125.2343"/>
+  <p:tag name="ORIGINALWIDTH" val="4681.665"/>
+  <p:tag name="LATEXADDIN" val="\documentclass{article}&#10;\usepackage{amsmath}&#10;\usepackage{amsfonts}&#10;\pagestyle{empty}&#10;\usepackage{xcolor}&#10;\usepackage{empheq}&#10;\begin{document}&#10;$\left ( x,p,y,z \right )\in    \left \{ \left ( 3,p,0,3 \right ) \right \}  \cup   \left \{ \left ( 0,3,1,2 \right ) \right \} \cup \left \{ \left ( 2+\log_{2}\left ( p+1 \right ) ,p,2,p+2\right )  : \log_{2}\left ( p+1 \right)   \in\mathbb{Z} \right \}$&#10;\end{document}"/>
+  <p:tag name="IGUANATEXSIZE" val="18"/>
+  <p:tag name="IGUANATEXCURSOR" val="295"/>
+  <p:tag name="TRANSPARENCY" val="False"/>
+  <p:tag name="LATEXENGINEID" val="0"/>
+  <p:tag name="TEMPFOLDER" val="C:\Users\cosA\OneDrive\Documents\temp\"/>
+  <p:tag name="LATEXFORMHEIGHT" val="312"/>
+  <p:tag name="LATEXFORMWIDTH" val="384"/>
+  <p:tag name="LATEXFORMWRAP" val="True"/>
+  <p:tag name="BITMAPVECTOR" val="0"/>
+</p:tagLst>
+</file>
+
+<file path=ppt/tags/tag183.xml><?xml version="1.0" encoding="utf-8"?>
+<p:tagLst xmlns:a="http://schemas.openxmlformats.org/drawingml/2006/main" xmlns:r="http://schemas.openxmlformats.org/officeDocument/2006/relationships" xmlns:p="http://schemas.openxmlformats.org/presentationml/2006/main">
+  <p:tag name="OUTPUTDPI" val="1200"/>
+  <p:tag name="ORIGINALHEIGHT" val="125.2343"/>
+  <p:tag name="ORIGINALWIDTH" val="2068.241"/>
+  <p:tag name="LATEXADDIN" val="\documentclass{article}&#10;\usepackage{amsmath}&#10;\pagestyle{empty}&#10;\usepackage{xcolor}&#10;\usepackage{empheq}&#10;\begin{document}&#10;$\left ( x,p,y,z \right )\in    \left \{ \left ( 3,p,0,3 \right ) \right \}  \cup   \left \{ \left ( 0,3,1,2 \right ) \right \}$&#10;\end{document}"/>
+  <p:tag name="IGUANATEXSIZE" val="18"/>
+  <p:tag name="IGUANATEXCURSOR" val="247"/>
+  <p:tag name="TRANSPARENCY" val="False"/>
+  <p:tag name="LATEXENGINEID" val="0"/>
+  <p:tag name="TEMPFOLDER" val="C:\Users\cosA\OneDrive\Documents\temp\"/>
+  <p:tag name="LATEXFORMHEIGHT" val="312"/>
+  <p:tag name="LATEXFORMWIDTH" val="384"/>
+  <p:tag name="LATEXFORMWRAP" val="True"/>
+  <p:tag name="BITMAPVECTOR" val="0"/>
+</p:tagLst>
+</file>
+
+<file path=ppt/tags/tag184.xml><?xml version="1.0" encoding="utf-8"?>
+<p:tagLst xmlns:a="http://schemas.openxmlformats.org/drawingml/2006/main" xmlns:r="http://schemas.openxmlformats.org/officeDocument/2006/relationships" xmlns:p="http://schemas.openxmlformats.org/presentationml/2006/main">
+  <p:tag name="OUTPUTDPI" val="1200"/>
+  <p:tag name="ORIGINALHEIGHT" val="125.2343"/>
+  <p:tag name="ORIGINALWIDTH" val="3840.27"/>
+  <p:tag name="LATEXADDIN" val="\documentclass{article}&#10;\usepackage{amsmath}&#10;\pagestyle{empty}&#10;\usepackage{xcolor}&#10;\usepackage{empheq}&#10;\begin{document}&#10;$\left ( x,p,y,z \right )\in    \left \{ \left ( 3,p,0,3 \right ) \right \}  \cup   \left \{ \left ( 0,3,1,2 \right ) \right \} \cup \left \{ \left ( 2+log_{2}\left ( p+1 \right ) ,p,2,p+2\right ) \right \}$&#10;\end{document}"/>
+  <p:tag name="IGUANATEXSIZE" val="18"/>
+  <p:tag name="IGUANATEXCURSOR" val="316"/>
+  <p:tag name="TRANSPARENCY" val="False"/>
+  <p:tag name="LATEXENGINEID" val="0"/>
+  <p:tag name="TEMPFOLDER" val="C:\Users\cosA\OneDrive\Documents\temp\"/>
+  <p:tag name="LATEXFORMHEIGHT" val="312"/>
+  <p:tag name="LATEXFORMWIDTH" val="384"/>
+  <p:tag name="LATEXFORMWRAP" val="True"/>
+  <p:tag name="BITMAPVECTOR" val="0"/>
+</p:tagLst>
+</file>
+
+<file path=ppt/tags/tag185.xml><?xml version="1.0" encoding="utf-8"?>
+<p:tagLst xmlns:a="http://schemas.openxmlformats.org/drawingml/2006/main" xmlns:r="http://schemas.openxmlformats.org/officeDocument/2006/relationships" xmlns:p="http://schemas.openxmlformats.org/presentationml/2006/main">
+  <p:tag name="OUTPUTDPI" val="1200"/>
   <p:tag name="ORIGINALHEIGHT" val="84.73937"/>
   <p:tag name="ORIGINALWIDTH" val="315.7105"/>
   <p:tag name="LATEXADDIN" val="\documentclass{article}&#10;\usepackage{amsmath}&#10;\pagestyle{empty}&#10;\usepackage{xcolor}&#10;\usepackage{empheq}&#10;\begin{document}&#10;{Y}=2{\color{blue}x}&#10;\end{document}"/>
@@ -23276,7 +23686,7 @@
 </p:tagLst>
 </file>
 
-<file path=ppt/tags/tag181.xml><?xml version="1.0" encoding="utf-8"?>
+<file path=ppt/tags/tag186.xml><?xml version="1.0" encoding="utf-8"?>
 <p:tagLst xmlns:a="http://schemas.openxmlformats.org/drawingml/2006/main" xmlns:r="http://schemas.openxmlformats.org/officeDocument/2006/relationships" xmlns:p="http://schemas.openxmlformats.org/presentationml/2006/main">
   <p:tag name="OUTPUTDPI" val="1200"/>
   <p:tag name="ORIGINALHEIGHT" val="126.7342"/>
